--- a/Rascunhos/Logo - PP2.pptx
+++ b/Rascunhos/Logo - PP2.pptx
@@ -113,7 +113,7 @@
   </p:defaultTextStyle>
   <p:extLst>
     <p:ext uri="{EFAFB233-063F-42B5-8137-9DF3F51BA10A}">
-      <p15:sldGuideLst xmlns:p15="http://schemas.microsoft.com/office/powerpoint/2012/main" xmlns="">
+      <p15:sldGuideLst xmlns="" xmlns:p15="http://schemas.microsoft.com/office/powerpoint/2012/main">
         <p15:guide id="1" orient="horz" pos="2160">
           <p15:clr>
             <a:srgbClr val="A4A3A4"/>
@@ -3712,7 +3712,7 @@
               <p:cNvPr id="17" name="Balão de Pensamento: Nuvem 16">
                 <a:extLst>
                   <a:ext uri="{FF2B5EF4-FFF2-40B4-BE49-F238E27FC236}">
-                    <a16:creationId xmlns="" xmlns:a16="http://schemas.microsoft.com/office/drawing/2014/main" id="{5C57BA0A-9700-43BD-9104-CC30BC0DE381}"/>
+                    <a16:creationId xmlns:a16="http://schemas.microsoft.com/office/drawing/2014/main" xmlns="" id="{5C57BA0A-9700-43BD-9104-CC30BC0DE381}"/>
                   </a:ext>
                 </a:extLst>
               </p:cNvPr>
@@ -3786,7 +3786,7 @@
               <p:cNvPr id="96" name="Agrupar 15">
                 <a:extLst>
                   <a:ext uri="{FF2B5EF4-FFF2-40B4-BE49-F238E27FC236}">
-                    <a16:creationId xmlns="" xmlns:a16="http://schemas.microsoft.com/office/drawing/2014/main" id="{CDA0B437-9E5C-43AF-AD41-CFFD83C35D59}"/>
+                    <a16:creationId xmlns:a16="http://schemas.microsoft.com/office/drawing/2014/main" xmlns="" id="{CDA0B437-9E5C-43AF-AD41-CFFD83C35D59}"/>
                   </a:ext>
                 </a:extLst>
               </p:cNvPr>
@@ -4770,7 +4770,7 @@
               <p:cNvPr id="16" name="Agrupar 15">
                 <a:extLst>
                   <a:ext uri="{FF2B5EF4-FFF2-40B4-BE49-F238E27FC236}">
-                    <a16:creationId xmlns="" xmlns:a16="http://schemas.microsoft.com/office/drawing/2014/main" id="{CDA0B437-9E5C-43AF-AD41-CFFD83C35D59}"/>
+                    <a16:creationId xmlns:a16="http://schemas.microsoft.com/office/drawing/2014/main" xmlns="" id="{CDA0B437-9E5C-43AF-AD41-CFFD83C35D59}"/>
                   </a:ext>
                 </a:extLst>
               </p:cNvPr>
@@ -6598,7 +6598,7 @@
               <p:cNvPr id="17" name="Balão de Pensamento: Nuvem 16">
                 <a:extLst>
                   <a:ext uri="{FF2B5EF4-FFF2-40B4-BE49-F238E27FC236}">
-                    <a16:creationId xmlns="" xmlns:a16="http://schemas.microsoft.com/office/drawing/2014/main" id="{5C57BA0A-9700-43BD-9104-CC30BC0DE381}"/>
+                    <a16:creationId xmlns:a16="http://schemas.microsoft.com/office/drawing/2014/main" xmlns="" id="{5C57BA0A-9700-43BD-9104-CC30BC0DE381}"/>
                   </a:ext>
                 </a:extLst>
               </p:cNvPr>
@@ -6666,7 +6666,7 @@
               <p:cNvPr id="96" name="Agrupar 15">
                 <a:extLst>
                   <a:ext uri="{FF2B5EF4-FFF2-40B4-BE49-F238E27FC236}">
-                    <a16:creationId xmlns="" xmlns:a16="http://schemas.microsoft.com/office/drawing/2014/main" id="{CDA0B437-9E5C-43AF-AD41-CFFD83C35D59}"/>
+                    <a16:creationId xmlns:a16="http://schemas.microsoft.com/office/drawing/2014/main" xmlns="" id="{CDA0B437-9E5C-43AF-AD41-CFFD83C35D59}"/>
                   </a:ext>
                 </a:extLst>
               </p:cNvPr>
@@ -7671,7 +7671,7 @@
               <p:cNvPr id="16" name="Agrupar 15">
                 <a:extLst>
                   <a:ext uri="{FF2B5EF4-FFF2-40B4-BE49-F238E27FC236}">
-                    <a16:creationId xmlns="" xmlns:a16="http://schemas.microsoft.com/office/drawing/2014/main" id="{CDA0B437-9E5C-43AF-AD41-CFFD83C35D59}"/>
+                    <a16:creationId xmlns:a16="http://schemas.microsoft.com/office/drawing/2014/main" xmlns="" id="{CDA0B437-9E5C-43AF-AD41-CFFD83C35D59}"/>
                   </a:ext>
                 </a:extLst>
               </p:cNvPr>
@@ -9625,7 +9625,7 @@
           <p:cNvPr id="69" name="Balão de Pensamento: Nuvem 16">
             <a:extLst>
               <a:ext uri="{FF2B5EF4-FFF2-40B4-BE49-F238E27FC236}">
-                <a16:creationId xmlns="" xmlns:a16="http://schemas.microsoft.com/office/drawing/2014/main" id="{5C57BA0A-9700-43BD-9104-CC30BC0DE381}"/>
+                <a16:creationId xmlns:a16="http://schemas.microsoft.com/office/drawing/2014/main" xmlns="" id="{5C57BA0A-9700-43BD-9104-CC30BC0DE381}"/>
               </a:ext>
             </a:extLst>
           </p:cNvPr>
@@ -9762,7 +9762,7 @@
             <p:cNvPr id="6" name="Agrupar 15">
               <a:extLst>
                 <a:ext uri="{FF2B5EF4-FFF2-40B4-BE49-F238E27FC236}">
-                  <a16:creationId xmlns="" xmlns:a16="http://schemas.microsoft.com/office/drawing/2014/main" id="{CDA0B437-9E5C-43AF-AD41-CFFD83C35D59}"/>
+                  <a16:creationId xmlns:a16="http://schemas.microsoft.com/office/drawing/2014/main" xmlns="" id="{CDA0B437-9E5C-43AF-AD41-CFFD83C35D59}"/>
                 </a:ext>
               </a:extLst>
             </p:cNvPr>
@@ -10767,7 +10767,7 @@
             <p:cNvPr id="7" name="Agrupar 15">
               <a:extLst>
                 <a:ext uri="{FF2B5EF4-FFF2-40B4-BE49-F238E27FC236}">
-                  <a16:creationId xmlns="" xmlns:a16="http://schemas.microsoft.com/office/drawing/2014/main" id="{CDA0B437-9E5C-43AF-AD41-CFFD83C35D59}"/>
+                  <a16:creationId xmlns:a16="http://schemas.microsoft.com/office/drawing/2014/main" xmlns="" id="{CDA0B437-9E5C-43AF-AD41-CFFD83C35D59}"/>
                 </a:ext>
               </a:extLst>
             </p:cNvPr>
@@ -12978,7 +12978,7 @@
     <p:bg>
       <p:bgPr>
         <a:solidFill>
-          <a:schemeClr val="bg1"/>
+          <a:srgbClr val="F3C34B"/>
         </a:solidFill>
         <a:effectLst/>
       </p:bgPr>
@@ -13020,6 +13020,13 @@
           <a:ln>
             <a:noFill/>
           </a:ln>
+          <a:effectLst>
+            <a:outerShdw blurRad="50800" dist="38100" dir="5400000" algn="t" rotWithShape="0">
+              <a:prstClr val="black">
+                <a:alpha val="40000"/>
+              </a:prstClr>
+            </a:outerShdw>
+          </a:effectLst>
         </p:spPr>
         <p:style>
           <a:lnRef idx="2">
@@ -13101,7 +13108,7 @@
           <p:cNvPr id="253" name="Balão de Pensamento: Nuvem 16">
             <a:extLst>
               <a:ext uri="{FF2B5EF4-FFF2-40B4-BE49-F238E27FC236}">
-                <a16:creationId xmlns="" xmlns:a16="http://schemas.microsoft.com/office/drawing/2014/main" id="{5C57BA0A-9700-43BD-9104-CC30BC0DE381}"/>
+                <a16:creationId xmlns:a16="http://schemas.microsoft.com/office/drawing/2014/main" xmlns="" id="{5C57BA0A-9700-43BD-9104-CC30BC0DE381}"/>
               </a:ext>
             </a:extLst>
           </p:cNvPr>
@@ -13159,7 +13166,7 @@
         </p:nvGrpSpPr>
         <p:grpSpPr>
           <a:xfrm rot="503187">
-            <a:off x="3171378" y="647372"/>
+            <a:off x="3245810" y="657007"/>
             <a:ext cx="878010" cy="955509"/>
             <a:chOff x="-180528" y="2276873"/>
             <a:chExt cx="2857570" cy="3024336"/>
@@ -13171,7 +13178,7 @@
             <p:cNvPr id="255" name="Agrupar 15">
               <a:extLst>
                 <a:ext uri="{FF2B5EF4-FFF2-40B4-BE49-F238E27FC236}">
-                  <a16:creationId xmlns="" xmlns:a16="http://schemas.microsoft.com/office/drawing/2014/main" id="{CDA0B437-9E5C-43AF-AD41-CFFD83C35D59}"/>
+                  <a16:creationId xmlns:a16="http://schemas.microsoft.com/office/drawing/2014/main" xmlns="" id="{CDA0B437-9E5C-43AF-AD41-CFFD83C35D59}"/>
                 </a:ext>
               </a:extLst>
             </p:cNvPr>
@@ -14176,7 +14183,7 @@
             <p:cNvPr id="256" name="Agrupar 15">
               <a:extLst>
                 <a:ext uri="{FF2B5EF4-FFF2-40B4-BE49-F238E27FC236}">
-                  <a16:creationId xmlns="" xmlns:a16="http://schemas.microsoft.com/office/drawing/2014/main" id="{CDA0B437-9E5C-43AF-AD41-CFFD83C35D59}"/>
+                  <a16:creationId xmlns:a16="http://schemas.microsoft.com/office/drawing/2014/main" xmlns="" id="{CDA0B437-9E5C-43AF-AD41-CFFD83C35D59}"/>
                 </a:ext>
               </a:extLst>
             </p:cNvPr>
@@ -18447,7 +18454,7 @@
         </p:nvGrpSpPr>
         <p:grpSpPr>
           <a:xfrm rot="3956065">
-            <a:off x="7186915" y="4467362"/>
+            <a:off x="5054970" y="4212312"/>
             <a:ext cx="2220328" cy="1512386"/>
             <a:chOff x="996022" y="3109179"/>
             <a:chExt cx="4986968" cy="2951525"/>

--- a/Rascunhos/Logo - PP2.pptx
+++ b/Rascunhos/Logo - PP2.pptx
@@ -10,8 +10,8 @@
   <p:sldIdLst>
     <p:sldId id="256" r:id="rId2"/>
     <p:sldId id="257" r:id="rId3"/>
-    <p:sldId id="258" r:id="rId4"/>
-    <p:sldId id="259" r:id="rId5"/>
+    <p:sldId id="259" r:id="rId4"/>
+    <p:sldId id="261" r:id="rId5"/>
     <p:sldId id="260" r:id="rId6"/>
   </p:sldIdLst>
   <p:sldSz cx="9144000" cy="6858000" type="screen4x3"/>
@@ -113,7 +113,7 @@
   </p:defaultTextStyle>
   <p:extLst>
     <p:ext uri="{EFAFB233-063F-42B5-8137-9DF3F51BA10A}">
-      <p15:sldGuideLst xmlns="" xmlns:p15="http://schemas.microsoft.com/office/powerpoint/2012/main">
+      <p15:sldGuideLst xmlns:p15="http://schemas.microsoft.com/office/powerpoint/2012/main" xmlns="">
         <p15:guide id="1" orient="horz" pos="2160">
           <p15:clr>
             <a:srgbClr val="A4A3A4"/>
@@ -546,90 +546,6 @@
             <a:fld id="{BDA08951-C925-4892-A29C-E0303FE728E1}" type="slidenum">
               <a:rPr lang="pt-BR" smtClean="0"/>
               <a:t>3</a:t>
-            </a:fld>
-            <a:endParaRPr lang="pt-BR"/>
-          </a:p>
-        </p:txBody>
-      </p:sp>
-    </p:spTree>
-    <p:extLst>
-      <p:ext uri="{BB962C8B-B14F-4D97-AF65-F5344CB8AC3E}">
-        <p14:creationId xmlns:p14="http://schemas.microsoft.com/office/powerpoint/2010/main" val="1206248820"/>
-      </p:ext>
-    </p:extLst>
-  </p:cSld>
-  <p:clrMapOvr>
-    <a:masterClrMapping/>
-  </p:clrMapOvr>
-</p:notes>
-</file>
-
-<file path=ppt/notesSlides/notesSlide2.xml><?xml version="1.0" encoding="utf-8"?>
-<p:notes xmlns:a="http://schemas.openxmlformats.org/drawingml/2006/main" xmlns:r="http://schemas.openxmlformats.org/officeDocument/2006/relationships" xmlns:p="http://schemas.openxmlformats.org/presentationml/2006/main">
-  <p:cSld>
-    <p:spTree>
-      <p:nvGrpSpPr>
-        <p:cNvPr id="1" name=""/>
-        <p:cNvGrpSpPr/>
-        <p:nvPr/>
-      </p:nvGrpSpPr>
-      <p:grpSpPr>
-        <a:xfrm>
-          <a:off x="0" y="0"/>
-          <a:ext cx="0" cy="0"/>
-          <a:chOff x="0" y="0"/>
-          <a:chExt cx="0" cy="0"/>
-        </a:xfrm>
-      </p:grpSpPr>
-      <p:sp>
-        <p:nvSpPr>
-          <p:cNvPr id="2" name="Espaço Reservado para Imagem de Slide 1"/>
-          <p:cNvSpPr>
-            <a:spLocks noGrp="1" noRot="1" noChangeAspect="1"/>
-          </p:cNvSpPr>
-          <p:nvPr>
-            <p:ph type="sldImg"/>
-          </p:nvPr>
-        </p:nvSpPr>
-        <p:spPr/>
-      </p:sp>
-      <p:sp>
-        <p:nvSpPr>
-          <p:cNvPr id="3" name="Espaço Reservado para Anotações 2"/>
-          <p:cNvSpPr>
-            <a:spLocks noGrp="1"/>
-          </p:cNvSpPr>
-          <p:nvPr>
-            <p:ph type="body" idx="1"/>
-          </p:nvPr>
-        </p:nvSpPr>
-        <p:spPr/>
-        <p:txBody>
-          <a:bodyPr/>
-          <a:lstStyle/>
-          <a:p>
-            <a:endParaRPr lang="pt-BR" dirty="0"/>
-          </a:p>
-        </p:txBody>
-      </p:sp>
-      <p:sp>
-        <p:nvSpPr>
-          <p:cNvPr id="4" name="Espaço Reservado para Número de Slide 3"/>
-          <p:cNvSpPr>
-            <a:spLocks noGrp="1"/>
-          </p:cNvSpPr>
-          <p:nvPr>
-            <p:ph type="sldNum" sz="quarter" idx="10"/>
-          </p:nvPr>
-        </p:nvSpPr>
-        <p:spPr/>
-        <p:txBody>
-          <a:bodyPr/>
-          <a:lstStyle/>
-          <a:p>
-            <a:fld id="{BDA08951-C925-4892-A29C-E0303FE728E1}" type="slidenum">
-              <a:rPr lang="pt-BR" smtClean="0"/>
-              <a:t>4</a:t>
             </a:fld>
             <a:endParaRPr lang="pt-BR"/>
           </a:p>
@@ -3712,7 +3628,7 @@
               <p:cNvPr id="17" name="Balão de Pensamento: Nuvem 16">
                 <a:extLst>
                   <a:ext uri="{FF2B5EF4-FFF2-40B4-BE49-F238E27FC236}">
-                    <a16:creationId xmlns:a16="http://schemas.microsoft.com/office/drawing/2014/main" xmlns="" id="{5C57BA0A-9700-43BD-9104-CC30BC0DE381}"/>
+                    <a16:creationId xmlns="" xmlns:a16="http://schemas.microsoft.com/office/drawing/2014/main" id="{5C57BA0A-9700-43BD-9104-CC30BC0DE381}"/>
                   </a:ext>
                 </a:extLst>
               </p:cNvPr>
@@ -3786,7 +3702,7 @@
               <p:cNvPr id="96" name="Agrupar 15">
                 <a:extLst>
                   <a:ext uri="{FF2B5EF4-FFF2-40B4-BE49-F238E27FC236}">
-                    <a16:creationId xmlns:a16="http://schemas.microsoft.com/office/drawing/2014/main" xmlns="" id="{CDA0B437-9E5C-43AF-AD41-CFFD83C35D59}"/>
+                    <a16:creationId xmlns="" xmlns:a16="http://schemas.microsoft.com/office/drawing/2014/main" id="{CDA0B437-9E5C-43AF-AD41-CFFD83C35D59}"/>
                   </a:ext>
                 </a:extLst>
               </p:cNvPr>
@@ -4770,7 +4686,7 @@
               <p:cNvPr id="16" name="Agrupar 15">
                 <a:extLst>
                   <a:ext uri="{FF2B5EF4-FFF2-40B4-BE49-F238E27FC236}">
-                    <a16:creationId xmlns:a16="http://schemas.microsoft.com/office/drawing/2014/main" xmlns="" id="{CDA0B437-9E5C-43AF-AD41-CFFD83C35D59}"/>
+                    <a16:creationId xmlns="" xmlns:a16="http://schemas.microsoft.com/office/drawing/2014/main" id="{CDA0B437-9E5C-43AF-AD41-CFFD83C35D59}"/>
                   </a:ext>
                 </a:extLst>
               </p:cNvPr>
@@ -6598,7 +6514,7 @@
               <p:cNvPr id="17" name="Balão de Pensamento: Nuvem 16">
                 <a:extLst>
                   <a:ext uri="{FF2B5EF4-FFF2-40B4-BE49-F238E27FC236}">
-                    <a16:creationId xmlns:a16="http://schemas.microsoft.com/office/drawing/2014/main" xmlns="" id="{5C57BA0A-9700-43BD-9104-CC30BC0DE381}"/>
+                    <a16:creationId xmlns="" xmlns:a16="http://schemas.microsoft.com/office/drawing/2014/main" id="{5C57BA0A-9700-43BD-9104-CC30BC0DE381}"/>
                   </a:ext>
                 </a:extLst>
               </p:cNvPr>
@@ -6666,7 +6582,7 @@
               <p:cNvPr id="96" name="Agrupar 15">
                 <a:extLst>
                   <a:ext uri="{FF2B5EF4-FFF2-40B4-BE49-F238E27FC236}">
-                    <a16:creationId xmlns:a16="http://schemas.microsoft.com/office/drawing/2014/main" xmlns="" id="{CDA0B437-9E5C-43AF-AD41-CFFD83C35D59}"/>
+                    <a16:creationId xmlns="" xmlns:a16="http://schemas.microsoft.com/office/drawing/2014/main" id="{CDA0B437-9E5C-43AF-AD41-CFFD83C35D59}"/>
                   </a:ext>
                 </a:extLst>
               </p:cNvPr>
@@ -7671,7 +7587,7 @@
               <p:cNvPr id="16" name="Agrupar 15">
                 <a:extLst>
                   <a:ext uri="{FF2B5EF4-FFF2-40B4-BE49-F238E27FC236}">
-                    <a16:creationId xmlns:a16="http://schemas.microsoft.com/office/drawing/2014/main" xmlns="" id="{CDA0B437-9E5C-43AF-AD41-CFFD83C35D59}"/>
+                    <a16:creationId xmlns="" xmlns:a16="http://schemas.microsoft.com/office/drawing/2014/main" id="{CDA0B437-9E5C-43AF-AD41-CFFD83C35D59}"/>
                   </a:ext>
                 </a:extLst>
               </p:cNvPr>
@@ -9435,3549 +9351,6 @@
     <p:bg>
       <p:bgPr>
         <a:solidFill>
-          <a:schemeClr val="bg1"/>
-        </a:solidFill>
-        <a:effectLst/>
-      </p:bgPr>
-    </p:bg>
-    <p:spTree>
-      <p:nvGrpSpPr>
-        <p:cNvPr id="1" name=""/>
-        <p:cNvGrpSpPr/>
-        <p:nvPr/>
-      </p:nvGrpSpPr>
-      <p:grpSpPr>
-        <a:xfrm>
-          <a:off x="0" y="0"/>
-          <a:ext cx="0" cy="0"/>
-          <a:chOff x="0" y="0"/>
-          <a:chExt cx="0" cy="0"/>
-        </a:xfrm>
-      </p:grpSpPr>
-      <p:sp>
-        <p:nvSpPr>
-          <p:cNvPr id="211" name="Retângulo 210"/>
-          <p:cNvSpPr/>
-          <p:nvPr/>
-        </p:nvSpPr>
-        <p:spPr>
-          <a:xfrm>
-            <a:off x="-13350" y="273433"/>
-            <a:ext cx="9162298" cy="1660007"/>
-          </a:xfrm>
-          <a:prstGeom prst="rect">
-            <a:avLst/>
-          </a:prstGeom>
-          <a:solidFill>
-            <a:srgbClr val="F6B600"/>
-          </a:solidFill>
-          <a:ln>
-            <a:noFill/>
-          </a:ln>
-        </p:spPr>
-        <p:style>
-          <a:lnRef idx="2">
-            <a:schemeClr val="accent1">
-              <a:shade val="50000"/>
-            </a:schemeClr>
-          </a:lnRef>
-          <a:fillRef idx="1">
-            <a:schemeClr val="accent1"/>
-          </a:fillRef>
-          <a:effectRef idx="0">
-            <a:schemeClr val="accent1"/>
-          </a:effectRef>
-          <a:fontRef idx="minor">
-            <a:schemeClr val="lt1"/>
-          </a:fontRef>
-        </p:style>
-        <p:txBody>
-          <a:bodyPr rtlCol="0" anchor="ctr"/>
-          <a:lstStyle/>
-          <a:p>
-            <a:pPr algn="ctr"/>
-            <a:endParaRPr lang="pt-BR" dirty="0" smtClean="0"/>
-          </a:p>
-          <a:p>
-            <a:pPr algn="ctr"/>
-            <a:endParaRPr lang="pt-BR" dirty="0"/>
-          </a:p>
-          <a:p>
-            <a:pPr algn="ctr"/>
-            <a:endParaRPr lang="pt-BR" dirty="0" smtClean="0"/>
-          </a:p>
-          <a:p>
-            <a:pPr algn="ctr"/>
-            <a:endParaRPr lang="pt-BR" dirty="0"/>
-          </a:p>
-          <a:p>
-            <a:pPr algn="ctr"/>
-            <a:r>
-              <a:rPr lang="pt-BR" sz="3200" b="1" dirty="0" smtClean="0">
-                <a:latin typeface="Agency FB" panose="020B0503020202020204" pitchFamily="34" charset="0"/>
-              </a:rPr>
-              <a:t>	FÓRUM	 DST		 DADOS	MITOS	</a:t>
-            </a:r>
-            <a:endParaRPr lang="pt-BR" sz="3200" b="1" dirty="0">
-              <a:latin typeface="Agency FB" panose="020B0503020202020204" pitchFamily="34" charset="0"/>
-            </a:endParaRPr>
-          </a:p>
-        </p:txBody>
-      </p:sp>
-      <p:sp>
-        <p:nvSpPr>
-          <p:cNvPr id="71" name="Retângulo 70"/>
-          <p:cNvSpPr/>
-          <p:nvPr/>
-        </p:nvSpPr>
-        <p:spPr>
-          <a:xfrm>
-            <a:off x="0" y="0"/>
-            <a:ext cx="9144000" cy="1281416"/>
-          </a:xfrm>
-          <a:prstGeom prst="rect">
-            <a:avLst/>
-          </a:prstGeom>
-          <a:solidFill>
-            <a:srgbClr val="FFC107"/>
-          </a:solidFill>
-          <a:ln>
-            <a:noFill/>
-          </a:ln>
-        </p:spPr>
-        <p:style>
-          <a:lnRef idx="2">
-            <a:schemeClr val="accent1">
-              <a:shade val="50000"/>
-            </a:schemeClr>
-          </a:lnRef>
-          <a:fillRef idx="1">
-            <a:schemeClr val="accent1"/>
-          </a:fillRef>
-          <a:effectRef idx="0">
-            <a:schemeClr val="accent1"/>
-          </a:effectRef>
-          <a:fontRef idx="minor">
-            <a:schemeClr val="lt1"/>
-          </a:fontRef>
-        </p:style>
-        <p:txBody>
-          <a:bodyPr rtlCol="0" anchor="ctr"/>
-          <a:lstStyle/>
-          <a:p>
-            <a:pPr algn="ctr"/>
-            <a:endParaRPr lang="pt-BR"/>
-          </a:p>
-        </p:txBody>
-      </p:sp>
-      <p:sp>
-        <p:nvSpPr>
-          <p:cNvPr id="68" name="CaixaDeTexto 67"/>
-          <p:cNvSpPr txBox="1"/>
-          <p:nvPr/>
-        </p:nvSpPr>
-        <p:spPr>
-          <a:xfrm>
-            <a:off x="416695" y="466695"/>
-            <a:ext cx="4155305" cy="584775"/>
-          </a:xfrm>
-          <a:prstGeom prst="rect">
-            <a:avLst/>
-          </a:prstGeom>
-          <a:noFill/>
-          <a:effectLst/>
-        </p:spPr>
-        <p:txBody>
-          <a:bodyPr wrap="square" rtlCol="0">
-            <a:spAutoFit/>
-          </a:bodyPr>
-          <a:lstStyle/>
-          <a:p>
-            <a:r>
-              <a:rPr lang="pt-BR" sz="3200" b="1" dirty="0" smtClean="0">
-                <a:solidFill>
-                  <a:srgbClr val="7030A0"/>
-                </a:solidFill>
-                <a:latin typeface="Century Gothic" panose="020B0502020202020204" pitchFamily="34" charset="0"/>
-              </a:rPr>
-              <a:t>DISCUS</a:t>
-            </a:r>
-            <a:r>
-              <a:rPr lang="pt-BR" sz="3200" b="1" dirty="0" smtClean="0">
-                <a:solidFill>
-                  <a:schemeClr val="bg1"/>
-                </a:solidFill>
-                <a:latin typeface="Century Gothic" panose="020B0502020202020204" pitchFamily="34" charset="0"/>
-              </a:rPr>
-              <a:t>SEX</a:t>
-            </a:r>
-            <a:endParaRPr lang="pt-BR" sz="1000" b="1" dirty="0">
-              <a:solidFill>
-                <a:schemeClr val="bg1"/>
-              </a:solidFill>
-              <a:latin typeface="Century Gothic" panose="020B0502020202020204" pitchFamily="34" charset="0"/>
-            </a:endParaRPr>
-          </a:p>
-        </p:txBody>
-      </p:sp>
-      <p:sp>
-        <p:nvSpPr>
-          <p:cNvPr id="69" name="Balão de Pensamento: Nuvem 16">
-            <a:extLst>
-              <a:ext uri="{FF2B5EF4-FFF2-40B4-BE49-F238E27FC236}">
-                <a16:creationId xmlns:a16="http://schemas.microsoft.com/office/drawing/2014/main" xmlns="" id="{5C57BA0A-9700-43BD-9104-CC30BC0DE381}"/>
-              </a:ext>
-            </a:extLst>
-          </p:cNvPr>
-          <p:cNvSpPr/>
-          <p:nvPr/>
-        </p:nvSpPr>
-        <p:spPr>
-          <a:xfrm>
-            <a:off x="690052" y="268829"/>
-            <a:ext cx="360040" cy="269359"/>
-          </a:xfrm>
-          <a:prstGeom prst="cloudCallout">
-            <a:avLst>
-              <a:gd name="adj1" fmla="val -5084"/>
-              <a:gd name="adj2" fmla="val 57074"/>
-            </a:avLst>
-          </a:prstGeom>
-          <a:solidFill>
-            <a:srgbClr val="7030A0"/>
-          </a:solidFill>
-          <a:ln>
-            <a:noFill/>
-          </a:ln>
-        </p:spPr>
-        <p:style>
-          <a:lnRef idx="2">
-            <a:schemeClr val="accent1">
-              <a:shade val="50000"/>
-            </a:schemeClr>
-          </a:lnRef>
-          <a:fillRef idx="1">
-            <a:schemeClr val="accent1"/>
-          </a:fillRef>
-          <a:effectRef idx="0">
-            <a:schemeClr val="accent1"/>
-          </a:effectRef>
-          <a:fontRef idx="minor">
-            <a:schemeClr val="lt1"/>
-          </a:fontRef>
-        </p:style>
-        <p:txBody>
-          <a:bodyPr rtlCol="0" anchor="ctr"/>
-          <a:lstStyle/>
-          <a:p>
-            <a:pPr algn="ctr"/>
-            <a:endParaRPr lang="pt-BR"/>
-          </a:p>
-        </p:txBody>
-      </p:sp>
-      <p:sp>
-        <p:nvSpPr>
-          <p:cNvPr id="80" name="Retângulo de cantos arredondados 79"/>
-          <p:cNvSpPr/>
-          <p:nvPr/>
-        </p:nvSpPr>
-        <p:spPr>
-          <a:xfrm>
-            <a:off x="7653684" y="294571"/>
-            <a:ext cx="1152128" cy="461113"/>
-          </a:xfrm>
-          <a:prstGeom prst="roundRect">
-            <a:avLst/>
-          </a:prstGeom>
-          <a:solidFill>
-            <a:schemeClr val="bg1"/>
-          </a:solidFill>
-          <a:ln>
-            <a:noFill/>
-          </a:ln>
-          <a:effectLst>
-            <a:outerShdw blurRad="50800" dist="38100" dir="2700000" algn="tl" rotWithShape="0">
-              <a:prstClr val="black">
-                <a:alpha val="40000"/>
-              </a:prstClr>
-            </a:outerShdw>
-          </a:effectLst>
-        </p:spPr>
-        <p:style>
-          <a:lnRef idx="2">
-            <a:schemeClr val="accent1">
-              <a:shade val="50000"/>
-            </a:schemeClr>
-          </a:lnRef>
-          <a:fillRef idx="1">
-            <a:schemeClr val="accent1"/>
-          </a:fillRef>
-          <a:effectRef idx="0">
-            <a:schemeClr val="accent1"/>
-          </a:effectRef>
-          <a:fontRef idx="minor">
-            <a:schemeClr val="lt1"/>
-          </a:fontRef>
-        </p:style>
-        <p:txBody>
-          <a:bodyPr rtlCol="0" anchor="ctr"/>
-          <a:lstStyle/>
-          <a:p>
-            <a:pPr algn="ctr"/>
-            <a:r>
-              <a:rPr lang="pt-BR" b="1" dirty="0" smtClean="0">
-                <a:solidFill>
-                  <a:schemeClr val="tx1"/>
-                </a:solidFill>
-                <a:latin typeface="Agency FB" panose="020B0503020202020204" pitchFamily="34" charset="0"/>
-              </a:rPr>
-              <a:t>ENTRAR</a:t>
-            </a:r>
-            <a:endParaRPr lang="pt-BR" sz="2000" b="1" dirty="0">
-              <a:solidFill>
-                <a:schemeClr val="tx1"/>
-              </a:solidFill>
-              <a:latin typeface="Agency FB" panose="020B0503020202020204" pitchFamily="34" charset="0"/>
-            </a:endParaRPr>
-          </a:p>
-        </p:txBody>
-      </p:sp>
-      <p:grpSp>
-        <p:nvGrpSpPr>
-          <p:cNvPr id="5" name="Grupo 4"/>
-          <p:cNvGrpSpPr/>
-          <p:nvPr/>
-        </p:nvGrpSpPr>
-        <p:grpSpPr>
-          <a:xfrm rot="503187">
-            <a:off x="2878411" y="191195"/>
-            <a:ext cx="878010" cy="955509"/>
-            <a:chOff x="-180528" y="2276873"/>
-            <a:chExt cx="2857570" cy="3024336"/>
-          </a:xfrm>
-          <a:effectLst/>
-        </p:grpSpPr>
-        <p:grpSp>
-          <p:nvGrpSpPr>
-            <p:cNvPr id="6" name="Agrupar 15">
-              <a:extLst>
-                <a:ext uri="{FF2B5EF4-FFF2-40B4-BE49-F238E27FC236}">
-                  <a16:creationId xmlns:a16="http://schemas.microsoft.com/office/drawing/2014/main" xmlns="" id="{CDA0B437-9E5C-43AF-AD41-CFFD83C35D59}"/>
-                </a:ext>
-              </a:extLst>
-            </p:cNvPr>
-            <p:cNvGrpSpPr/>
-            <p:nvPr/>
-          </p:nvGrpSpPr>
-          <p:grpSpPr>
-            <a:xfrm>
-              <a:off x="-180528" y="2276873"/>
-              <a:ext cx="2857570" cy="3024336"/>
-              <a:chOff x="3787349" y="611219"/>
-              <a:chExt cx="2714217" cy="2854593"/>
-            </a:xfrm>
-            <a:solidFill>
-              <a:srgbClr val="7A34AE"/>
-            </a:solidFill>
-          </p:grpSpPr>
-          <p:sp>
-            <p:nvSpPr>
-              <p:cNvPr id="45" name="Retângulo 44"/>
-              <p:cNvSpPr/>
-              <p:nvPr/>
-            </p:nvSpPr>
-            <p:spPr>
-              <a:xfrm>
-                <a:off x="3792719" y="708149"/>
-                <a:ext cx="2703477" cy="2664296"/>
-              </a:xfrm>
-              <a:prstGeom prst="rect">
-                <a:avLst/>
-              </a:prstGeom>
-              <a:grpFill/>
-              <a:ln>
-                <a:noFill/>
-              </a:ln>
-              <a:effectLst/>
-            </p:spPr>
-            <p:style>
-              <a:lnRef idx="2">
-                <a:schemeClr val="accent1">
-                  <a:shade val="50000"/>
-                </a:schemeClr>
-              </a:lnRef>
-              <a:fillRef idx="1">
-                <a:schemeClr val="accent1"/>
-              </a:fillRef>
-              <a:effectRef idx="0">
-                <a:schemeClr val="accent1"/>
-              </a:effectRef>
-              <a:fontRef idx="minor">
-                <a:schemeClr val="lt1"/>
-              </a:fontRef>
-            </p:style>
-            <p:txBody>
-              <a:bodyPr rtlCol="0" anchor="ctr"/>
-              <a:lstStyle/>
-              <a:p>
-                <a:pPr algn="ctr"/>
-                <a:endParaRPr lang="pt-BR">
-                  <a:solidFill>
-                    <a:srgbClr val="9900FF"/>
-                  </a:solidFill>
-                </a:endParaRPr>
-              </a:p>
-            </p:txBody>
-          </p:sp>
-          <p:grpSp>
-            <p:nvGrpSpPr>
-              <p:cNvPr id="46" name="Grupo 45"/>
-              <p:cNvGrpSpPr/>
-              <p:nvPr/>
-            </p:nvGrpSpPr>
-            <p:grpSpPr>
-              <a:xfrm>
-                <a:off x="3787349" y="611219"/>
-                <a:ext cx="2703476" cy="108012"/>
-                <a:chOff x="5952287" y="2088395"/>
-                <a:chExt cx="2850831" cy="216024"/>
-              </a:xfrm>
-              <a:grpFill/>
-            </p:grpSpPr>
-            <p:sp>
-              <p:nvSpPr>
-                <p:cNvPr id="58" name="Triângulo isósceles 57"/>
-                <p:cNvSpPr/>
-                <p:nvPr/>
-              </p:nvSpPr>
-              <p:spPr>
-                <a:xfrm>
-                  <a:off x="5952287" y="2088395"/>
-                  <a:ext cx="288032" cy="216024"/>
-                </a:xfrm>
-                <a:prstGeom prst="triangle">
-                  <a:avLst/>
-                </a:prstGeom>
-                <a:grpFill/>
-                <a:ln>
-                  <a:noFill/>
-                </a:ln>
-                <a:effectLst/>
-              </p:spPr>
-              <p:style>
-                <a:lnRef idx="2">
-                  <a:schemeClr val="accent1">
-                    <a:shade val="50000"/>
-                  </a:schemeClr>
-                </a:lnRef>
-                <a:fillRef idx="1">
-                  <a:schemeClr val="accent1"/>
-                </a:fillRef>
-                <a:effectRef idx="0">
-                  <a:schemeClr val="accent1"/>
-                </a:effectRef>
-                <a:fontRef idx="minor">
-                  <a:schemeClr val="lt1"/>
-                </a:fontRef>
-              </p:style>
-              <p:txBody>
-                <a:bodyPr rtlCol="0" anchor="ctr"/>
-                <a:lstStyle/>
-                <a:p>
-                  <a:pPr algn="ctr"/>
-                  <a:endParaRPr lang="pt-BR"/>
-                </a:p>
-              </p:txBody>
-            </p:sp>
-            <p:sp>
-              <p:nvSpPr>
-                <p:cNvPr id="59" name="Triângulo isósceles 58"/>
-                <p:cNvSpPr/>
-                <p:nvPr/>
-              </p:nvSpPr>
-              <p:spPr>
-                <a:xfrm>
-                  <a:off x="6241783" y="2088395"/>
-                  <a:ext cx="288032" cy="216024"/>
-                </a:xfrm>
-                <a:prstGeom prst="triangle">
-                  <a:avLst/>
-                </a:prstGeom>
-                <a:grpFill/>
-                <a:ln>
-                  <a:noFill/>
-                </a:ln>
-                <a:effectLst/>
-              </p:spPr>
-              <p:style>
-                <a:lnRef idx="2">
-                  <a:schemeClr val="accent1">
-                    <a:shade val="50000"/>
-                  </a:schemeClr>
-                </a:lnRef>
-                <a:fillRef idx="1">
-                  <a:schemeClr val="accent1"/>
-                </a:fillRef>
-                <a:effectRef idx="0">
-                  <a:schemeClr val="accent1"/>
-                </a:effectRef>
-                <a:fontRef idx="minor">
-                  <a:schemeClr val="lt1"/>
-                </a:fontRef>
-              </p:style>
-              <p:txBody>
-                <a:bodyPr rtlCol="0" anchor="ctr"/>
-                <a:lstStyle/>
-                <a:p>
-                  <a:pPr algn="ctr"/>
-                  <a:endParaRPr lang="pt-BR"/>
-                </a:p>
-              </p:txBody>
-            </p:sp>
-            <p:sp>
-              <p:nvSpPr>
-                <p:cNvPr id="60" name="Triângulo isósceles 59"/>
-                <p:cNvSpPr/>
-                <p:nvPr/>
-              </p:nvSpPr>
-              <p:spPr>
-                <a:xfrm>
-                  <a:off x="6520839" y="2088395"/>
-                  <a:ext cx="288032" cy="216024"/>
-                </a:xfrm>
-                <a:prstGeom prst="triangle">
-                  <a:avLst/>
-                </a:prstGeom>
-                <a:grpFill/>
-                <a:ln>
-                  <a:noFill/>
-                </a:ln>
-                <a:effectLst/>
-              </p:spPr>
-              <p:style>
-                <a:lnRef idx="2">
-                  <a:schemeClr val="accent1">
-                    <a:shade val="50000"/>
-                  </a:schemeClr>
-                </a:lnRef>
-                <a:fillRef idx="1">
-                  <a:schemeClr val="accent1"/>
-                </a:fillRef>
-                <a:effectRef idx="0">
-                  <a:schemeClr val="accent1"/>
-                </a:effectRef>
-                <a:fontRef idx="minor">
-                  <a:schemeClr val="lt1"/>
-                </a:fontRef>
-              </p:style>
-              <p:txBody>
-                <a:bodyPr rtlCol="0" anchor="ctr"/>
-                <a:lstStyle/>
-                <a:p>
-                  <a:pPr algn="ctr"/>
-                  <a:endParaRPr lang="pt-BR"/>
-                </a:p>
-              </p:txBody>
-            </p:sp>
-            <p:sp>
-              <p:nvSpPr>
-                <p:cNvPr id="61" name="Triângulo isósceles 60"/>
-                <p:cNvSpPr/>
-                <p:nvPr/>
-              </p:nvSpPr>
-              <p:spPr>
-                <a:xfrm>
-                  <a:off x="6786042" y="2088395"/>
-                  <a:ext cx="288032" cy="216024"/>
-                </a:xfrm>
-                <a:prstGeom prst="triangle">
-                  <a:avLst/>
-                </a:prstGeom>
-                <a:grpFill/>
-                <a:ln>
-                  <a:noFill/>
-                </a:ln>
-                <a:effectLst/>
-              </p:spPr>
-              <p:style>
-                <a:lnRef idx="2">
-                  <a:schemeClr val="accent1">
-                    <a:shade val="50000"/>
-                  </a:schemeClr>
-                </a:lnRef>
-                <a:fillRef idx="1">
-                  <a:schemeClr val="accent1"/>
-                </a:fillRef>
-                <a:effectRef idx="0">
-                  <a:schemeClr val="accent1"/>
-                </a:effectRef>
-                <a:fontRef idx="minor">
-                  <a:schemeClr val="lt1"/>
-                </a:fontRef>
-              </p:style>
-              <p:txBody>
-                <a:bodyPr rtlCol="0" anchor="ctr"/>
-                <a:lstStyle/>
-                <a:p>
-                  <a:pPr algn="ctr"/>
-                  <a:endParaRPr lang="pt-BR"/>
-                </a:p>
-              </p:txBody>
-            </p:sp>
-            <p:sp>
-              <p:nvSpPr>
-                <p:cNvPr id="62" name="Triângulo isósceles 61"/>
-                <p:cNvSpPr/>
-                <p:nvPr/>
-              </p:nvSpPr>
-              <p:spPr>
-                <a:xfrm>
-                  <a:off x="7057306" y="2088395"/>
-                  <a:ext cx="288032" cy="216024"/>
-                </a:xfrm>
-                <a:prstGeom prst="triangle">
-                  <a:avLst/>
-                </a:prstGeom>
-                <a:grpFill/>
-                <a:ln>
-                  <a:noFill/>
-                </a:ln>
-                <a:effectLst/>
-              </p:spPr>
-              <p:style>
-                <a:lnRef idx="2">
-                  <a:schemeClr val="accent1">
-                    <a:shade val="50000"/>
-                  </a:schemeClr>
-                </a:lnRef>
-                <a:fillRef idx="1">
-                  <a:schemeClr val="accent1"/>
-                </a:fillRef>
-                <a:effectRef idx="0">
-                  <a:schemeClr val="accent1"/>
-                </a:effectRef>
-                <a:fontRef idx="minor">
-                  <a:schemeClr val="lt1"/>
-                </a:fontRef>
-              </p:style>
-              <p:txBody>
-                <a:bodyPr rtlCol="0" anchor="ctr"/>
-                <a:lstStyle/>
-                <a:p>
-                  <a:pPr algn="ctr"/>
-                  <a:endParaRPr lang="pt-BR"/>
-                </a:p>
-              </p:txBody>
-            </p:sp>
-            <p:sp>
-              <p:nvSpPr>
-                <p:cNvPr id="63" name="Triângulo isósceles 62"/>
-                <p:cNvSpPr/>
-                <p:nvPr/>
-              </p:nvSpPr>
-              <p:spPr>
-                <a:xfrm>
-                  <a:off x="7358127" y="2088395"/>
-                  <a:ext cx="288032" cy="216024"/>
-                </a:xfrm>
-                <a:prstGeom prst="triangle">
-                  <a:avLst/>
-                </a:prstGeom>
-                <a:grpFill/>
-                <a:ln>
-                  <a:noFill/>
-                </a:ln>
-                <a:effectLst/>
-              </p:spPr>
-              <p:style>
-                <a:lnRef idx="2">
-                  <a:schemeClr val="accent1">
-                    <a:shade val="50000"/>
-                  </a:schemeClr>
-                </a:lnRef>
-                <a:fillRef idx="1">
-                  <a:schemeClr val="accent1"/>
-                </a:fillRef>
-                <a:effectRef idx="0">
-                  <a:schemeClr val="accent1"/>
-                </a:effectRef>
-                <a:fontRef idx="minor">
-                  <a:schemeClr val="lt1"/>
-                </a:fontRef>
-              </p:style>
-              <p:txBody>
-                <a:bodyPr rtlCol="0" anchor="ctr"/>
-                <a:lstStyle/>
-                <a:p>
-                  <a:pPr algn="ctr"/>
-                  <a:endParaRPr lang="pt-BR"/>
-                </a:p>
-              </p:txBody>
-            </p:sp>
-            <p:sp>
-              <p:nvSpPr>
-                <p:cNvPr id="64" name="Triângulo isósceles 63"/>
-                <p:cNvSpPr/>
-                <p:nvPr/>
-              </p:nvSpPr>
-              <p:spPr>
-                <a:xfrm>
-                  <a:off x="7628725" y="2088395"/>
-                  <a:ext cx="288032" cy="216024"/>
-                </a:xfrm>
-                <a:prstGeom prst="triangle">
-                  <a:avLst/>
-                </a:prstGeom>
-                <a:grpFill/>
-                <a:ln>
-                  <a:noFill/>
-                </a:ln>
-                <a:effectLst/>
-              </p:spPr>
-              <p:style>
-                <a:lnRef idx="2">
-                  <a:schemeClr val="accent1">
-                    <a:shade val="50000"/>
-                  </a:schemeClr>
-                </a:lnRef>
-                <a:fillRef idx="1">
-                  <a:schemeClr val="accent1"/>
-                </a:fillRef>
-                <a:effectRef idx="0">
-                  <a:schemeClr val="accent1"/>
-                </a:effectRef>
-                <a:fontRef idx="minor">
-                  <a:schemeClr val="lt1"/>
-                </a:fontRef>
-              </p:style>
-              <p:txBody>
-                <a:bodyPr rtlCol="0" anchor="ctr"/>
-                <a:lstStyle/>
-                <a:p>
-                  <a:pPr algn="ctr"/>
-                  <a:endParaRPr lang="pt-BR"/>
-                </a:p>
-              </p:txBody>
-            </p:sp>
-            <p:sp>
-              <p:nvSpPr>
-                <p:cNvPr id="65" name="Triângulo isósceles 64"/>
-                <p:cNvSpPr/>
-                <p:nvPr/>
-              </p:nvSpPr>
-              <p:spPr>
-                <a:xfrm>
-                  <a:off x="7939022" y="2088395"/>
-                  <a:ext cx="288032" cy="216024"/>
-                </a:xfrm>
-                <a:prstGeom prst="triangle">
-                  <a:avLst/>
-                </a:prstGeom>
-                <a:grpFill/>
-                <a:ln>
-                  <a:noFill/>
-                </a:ln>
-                <a:effectLst/>
-              </p:spPr>
-              <p:style>
-                <a:lnRef idx="2">
-                  <a:schemeClr val="accent1">
-                    <a:shade val="50000"/>
-                  </a:schemeClr>
-                </a:lnRef>
-                <a:fillRef idx="1">
-                  <a:schemeClr val="accent1"/>
-                </a:fillRef>
-                <a:effectRef idx="0">
-                  <a:schemeClr val="accent1"/>
-                </a:effectRef>
-                <a:fontRef idx="minor">
-                  <a:schemeClr val="lt1"/>
-                </a:fontRef>
-              </p:style>
-              <p:txBody>
-                <a:bodyPr rtlCol="0" anchor="ctr"/>
-                <a:lstStyle/>
-                <a:p>
-                  <a:pPr algn="ctr"/>
-                  <a:endParaRPr lang="pt-BR"/>
-                </a:p>
-              </p:txBody>
-            </p:sp>
-            <p:sp>
-              <p:nvSpPr>
-                <p:cNvPr id="66" name="Triângulo isósceles 65"/>
-                <p:cNvSpPr/>
-                <p:nvPr/>
-              </p:nvSpPr>
-              <p:spPr>
-                <a:xfrm>
-                  <a:off x="8227054" y="2088395"/>
-                  <a:ext cx="288032" cy="216024"/>
-                </a:xfrm>
-                <a:prstGeom prst="triangle">
-                  <a:avLst/>
-                </a:prstGeom>
-                <a:grpFill/>
-                <a:ln>
-                  <a:noFill/>
-                </a:ln>
-                <a:effectLst/>
-              </p:spPr>
-              <p:style>
-                <a:lnRef idx="2">
-                  <a:schemeClr val="accent1">
-                    <a:shade val="50000"/>
-                  </a:schemeClr>
-                </a:lnRef>
-                <a:fillRef idx="1">
-                  <a:schemeClr val="accent1"/>
-                </a:fillRef>
-                <a:effectRef idx="0">
-                  <a:schemeClr val="accent1"/>
-                </a:effectRef>
-                <a:fontRef idx="minor">
-                  <a:schemeClr val="lt1"/>
-                </a:fontRef>
-              </p:style>
-              <p:txBody>
-                <a:bodyPr rtlCol="0" anchor="ctr"/>
-                <a:lstStyle/>
-                <a:p>
-                  <a:pPr algn="ctr"/>
-                  <a:endParaRPr lang="pt-BR"/>
-                </a:p>
-              </p:txBody>
-            </p:sp>
-            <p:sp>
-              <p:nvSpPr>
-                <p:cNvPr id="67" name="Triângulo isósceles 66"/>
-                <p:cNvSpPr/>
-                <p:nvPr/>
-              </p:nvSpPr>
-              <p:spPr>
-                <a:xfrm>
-                  <a:off x="8515086" y="2088395"/>
-                  <a:ext cx="288032" cy="216024"/>
-                </a:xfrm>
-                <a:prstGeom prst="triangle">
-                  <a:avLst/>
-                </a:prstGeom>
-                <a:grpFill/>
-                <a:ln>
-                  <a:noFill/>
-                </a:ln>
-                <a:effectLst/>
-              </p:spPr>
-              <p:style>
-                <a:lnRef idx="2">
-                  <a:schemeClr val="accent1">
-                    <a:shade val="50000"/>
-                  </a:schemeClr>
-                </a:lnRef>
-                <a:fillRef idx="1">
-                  <a:schemeClr val="accent1"/>
-                </a:fillRef>
-                <a:effectRef idx="0">
-                  <a:schemeClr val="accent1"/>
-                </a:effectRef>
-                <a:fontRef idx="minor">
-                  <a:schemeClr val="lt1"/>
-                </a:fontRef>
-              </p:style>
-              <p:txBody>
-                <a:bodyPr rtlCol="0" anchor="ctr"/>
-                <a:lstStyle/>
-                <a:p>
-                  <a:pPr algn="ctr"/>
-                  <a:endParaRPr lang="pt-BR"/>
-                </a:p>
-              </p:txBody>
-            </p:sp>
-          </p:grpSp>
-          <p:grpSp>
-            <p:nvGrpSpPr>
-              <p:cNvPr id="47" name="Grupo 46"/>
-              <p:cNvGrpSpPr/>
-              <p:nvPr/>
-            </p:nvGrpSpPr>
-            <p:grpSpPr>
-              <a:xfrm rot="10800000">
-                <a:off x="3798090" y="3357800"/>
-                <a:ext cx="2703476" cy="108012"/>
-                <a:chOff x="5952287" y="2088395"/>
-                <a:chExt cx="2850831" cy="216024"/>
-              </a:xfrm>
-              <a:grpFill/>
-            </p:grpSpPr>
-            <p:sp>
-              <p:nvSpPr>
-                <p:cNvPr id="48" name="Triângulo isósceles 47"/>
-                <p:cNvSpPr/>
-                <p:nvPr/>
-              </p:nvSpPr>
-              <p:spPr>
-                <a:xfrm>
-                  <a:off x="5952287" y="2088395"/>
-                  <a:ext cx="288032" cy="216024"/>
-                </a:xfrm>
-                <a:prstGeom prst="triangle">
-                  <a:avLst/>
-                </a:prstGeom>
-                <a:grpFill/>
-                <a:ln>
-                  <a:noFill/>
-                </a:ln>
-                <a:effectLst/>
-              </p:spPr>
-              <p:style>
-                <a:lnRef idx="2">
-                  <a:schemeClr val="accent1">
-                    <a:shade val="50000"/>
-                  </a:schemeClr>
-                </a:lnRef>
-                <a:fillRef idx="1">
-                  <a:schemeClr val="accent1"/>
-                </a:fillRef>
-                <a:effectRef idx="0">
-                  <a:schemeClr val="accent1"/>
-                </a:effectRef>
-                <a:fontRef idx="minor">
-                  <a:schemeClr val="lt1"/>
-                </a:fontRef>
-              </p:style>
-              <p:txBody>
-                <a:bodyPr rtlCol="0" anchor="ctr"/>
-                <a:lstStyle/>
-                <a:p>
-                  <a:pPr algn="ctr"/>
-                  <a:endParaRPr lang="pt-BR"/>
-                </a:p>
-              </p:txBody>
-            </p:sp>
-            <p:sp>
-              <p:nvSpPr>
-                <p:cNvPr id="49" name="Triângulo isósceles 48"/>
-                <p:cNvSpPr/>
-                <p:nvPr/>
-              </p:nvSpPr>
-              <p:spPr>
-                <a:xfrm>
-                  <a:off x="6241783" y="2088395"/>
-                  <a:ext cx="288032" cy="216024"/>
-                </a:xfrm>
-                <a:prstGeom prst="triangle">
-                  <a:avLst/>
-                </a:prstGeom>
-                <a:grpFill/>
-                <a:ln>
-                  <a:noFill/>
-                </a:ln>
-                <a:effectLst/>
-              </p:spPr>
-              <p:style>
-                <a:lnRef idx="2">
-                  <a:schemeClr val="accent1">
-                    <a:shade val="50000"/>
-                  </a:schemeClr>
-                </a:lnRef>
-                <a:fillRef idx="1">
-                  <a:schemeClr val="accent1"/>
-                </a:fillRef>
-                <a:effectRef idx="0">
-                  <a:schemeClr val="accent1"/>
-                </a:effectRef>
-                <a:fontRef idx="minor">
-                  <a:schemeClr val="lt1"/>
-                </a:fontRef>
-              </p:style>
-              <p:txBody>
-                <a:bodyPr rtlCol="0" anchor="ctr"/>
-                <a:lstStyle/>
-                <a:p>
-                  <a:pPr algn="ctr"/>
-                  <a:endParaRPr lang="pt-BR"/>
-                </a:p>
-              </p:txBody>
-            </p:sp>
-            <p:sp>
-              <p:nvSpPr>
-                <p:cNvPr id="50" name="Triângulo isósceles 49"/>
-                <p:cNvSpPr/>
-                <p:nvPr/>
-              </p:nvSpPr>
-              <p:spPr>
-                <a:xfrm>
-                  <a:off x="6520839" y="2088395"/>
-                  <a:ext cx="288032" cy="216024"/>
-                </a:xfrm>
-                <a:prstGeom prst="triangle">
-                  <a:avLst/>
-                </a:prstGeom>
-                <a:grpFill/>
-                <a:ln>
-                  <a:noFill/>
-                </a:ln>
-                <a:effectLst/>
-              </p:spPr>
-              <p:style>
-                <a:lnRef idx="2">
-                  <a:schemeClr val="accent1">
-                    <a:shade val="50000"/>
-                  </a:schemeClr>
-                </a:lnRef>
-                <a:fillRef idx="1">
-                  <a:schemeClr val="accent1"/>
-                </a:fillRef>
-                <a:effectRef idx="0">
-                  <a:schemeClr val="accent1"/>
-                </a:effectRef>
-                <a:fontRef idx="minor">
-                  <a:schemeClr val="lt1"/>
-                </a:fontRef>
-              </p:style>
-              <p:txBody>
-                <a:bodyPr rtlCol="0" anchor="ctr"/>
-                <a:lstStyle/>
-                <a:p>
-                  <a:pPr algn="ctr"/>
-                  <a:endParaRPr lang="pt-BR"/>
-                </a:p>
-              </p:txBody>
-            </p:sp>
-            <p:sp>
-              <p:nvSpPr>
-                <p:cNvPr id="51" name="Triângulo isósceles 50"/>
-                <p:cNvSpPr/>
-                <p:nvPr/>
-              </p:nvSpPr>
-              <p:spPr>
-                <a:xfrm>
-                  <a:off x="6786042" y="2088395"/>
-                  <a:ext cx="288032" cy="216024"/>
-                </a:xfrm>
-                <a:prstGeom prst="triangle">
-                  <a:avLst/>
-                </a:prstGeom>
-                <a:grpFill/>
-                <a:ln>
-                  <a:noFill/>
-                </a:ln>
-                <a:effectLst/>
-              </p:spPr>
-              <p:style>
-                <a:lnRef idx="2">
-                  <a:schemeClr val="accent1">
-                    <a:shade val="50000"/>
-                  </a:schemeClr>
-                </a:lnRef>
-                <a:fillRef idx="1">
-                  <a:schemeClr val="accent1"/>
-                </a:fillRef>
-                <a:effectRef idx="0">
-                  <a:schemeClr val="accent1"/>
-                </a:effectRef>
-                <a:fontRef idx="minor">
-                  <a:schemeClr val="lt1"/>
-                </a:fontRef>
-              </p:style>
-              <p:txBody>
-                <a:bodyPr rtlCol="0" anchor="ctr"/>
-                <a:lstStyle/>
-                <a:p>
-                  <a:pPr algn="ctr"/>
-                  <a:endParaRPr lang="pt-BR"/>
-                </a:p>
-              </p:txBody>
-            </p:sp>
-            <p:sp>
-              <p:nvSpPr>
-                <p:cNvPr id="52" name="Triângulo isósceles 51"/>
-                <p:cNvSpPr/>
-                <p:nvPr/>
-              </p:nvSpPr>
-              <p:spPr>
-                <a:xfrm>
-                  <a:off x="7057306" y="2088395"/>
-                  <a:ext cx="288032" cy="216024"/>
-                </a:xfrm>
-                <a:prstGeom prst="triangle">
-                  <a:avLst/>
-                </a:prstGeom>
-                <a:grpFill/>
-                <a:ln>
-                  <a:noFill/>
-                </a:ln>
-                <a:effectLst/>
-              </p:spPr>
-              <p:style>
-                <a:lnRef idx="2">
-                  <a:schemeClr val="accent1">
-                    <a:shade val="50000"/>
-                  </a:schemeClr>
-                </a:lnRef>
-                <a:fillRef idx="1">
-                  <a:schemeClr val="accent1"/>
-                </a:fillRef>
-                <a:effectRef idx="0">
-                  <a:schemeClr val="accent1"/>
-                </a:effectRef>
-                <a:fontRef idx="minor">
-                  <a:schemeClr val="lt1"/>
-                </a:fontRef>
-              </p:style>
-              <p:txBody>
-                <a:bodyPr rtlCol="0" anchor="ctr"/>
-                <a:lstStyle/>
-                <a:p>
-                  <a:pPr algn="ctr"/>
-                  <a:endParaRPr lang="pt-BR"/>
-                </a:p>
-              </p:txBody>
-            </p:sp>
-            <p:sp>
-              <p:nvSpPr>
-                <p:cNvPr id="53" name="Triângulo isósceles 52"/>
-                <p:cNvSpPr/>
-                <p:nvPr/>
-              </p:nvSpPr>
-              <p:spPr>
-                <a:xfrm>
-                  <a:off x="7358127" y="2088395"/>
-                  <a:ext cx="288032" cy="216024"/>
-                </a:xfrm>
-                <a:prstGeom prst="triangle">
-                  <a:avLst/>
-                </a:prstGeom>
-                <a:grpFill/>
-                <a:ln>
-                  <a:noFill/>
-                </a:ln>
-                <a:effectLst/>
-              </p:spPr>
-              <p:style>
-                <a:lnRef idx="2">
-                  <a:schemeClr val="accent1">
-                    <a:shade val="50000"/>
-                  </a:schemeClr>
-                </a:lnRef>
-                <a:fillRef idx="1">
-                  <a:schemeClr val="accent1"/>
-                </a:fillRef>
-                <a:effectRef idx="0">
-                  <a:schemeClr val="accent1"/>
-                </a:effectRef>
-                <a:fontRef idx="minor">
-                  <a:schemeClr val="lt1"/>
-                </a:fontRef>
-              </p:style>
-              <p:txBody>
-                <a:bodyPr rtlCol="0" anchor="ctr"/>
-                <a:lstStyle/>
-                <a:p>
-                  <a:pPr algn="ctr"/>
-                  <a:endParaRPr lang="pt-BR"/>
-                </a:p>
-              </p:txBody>
-            </p:sp>
-            <p:sp>
-              <p:nvSpPr>
-                <p:cNvPr id="54" name="Triângulo isósceles 53"/>
-                <p:cNvSpPr/>
-                <p:nvPr/>
-              </p:nvSpPr>
-              <p:spPr>
-                <a:xfrm>
-                  <a:off x="7628725" y="2088395"/>
-                  <a:ext cx="288032" cy="216024"/>
-                </a:xfrm>
-                <a:prstGeom prst="triangle">
-                  <a:avLst/>
-                </a:prstGeom>
-                <a:grpFill/>
-                <a:ln>
-                  <a:noFill/>
-                </a:ln>
-                <a:effectLst/>
-              </p:spPr>
-              <p:style>
-                <a:lnRef idx="2">
-                  <a:schemeClr val="accent1">
-                    <a:shade val="50000"/>
-                  </a:schemeClr>
-                </a:lnRef>
-                <a:fillRef idx="1">
-                  <a:schemeClr val="accent1"/>
-                </a:fillRef>
-                <a:effectRef idx="0">
-                  <a:schemeClr val="accent1"/>
-                </a:effectRef>
-                <a:fontRef idx="minor">
-                  <a:schemeClr val="lt1"/>
-                </a:fontRef>
-              </p:style>
-              <p:txBody>
-                <a:bodyPr rtlCol="0" anchor="ctr"/>
-                <a:lstStyle/>
-                <a:p>
-                  <a:pPr algn="ctr"/>
-                  <a:endParaRPr lang="pt-BR"/>
-                </a:p>
-              </p:txBody>
-            </p:sp>
-            <p:sp>
-              <p:nvSpPr>
-                <p:cNvPr id="55" name="Triângulo isósceles 54"/>
-                <p:cNvSpPr/>
-                <p:nvPr/>
-              </p:nvSpPr>
-              <p:spPr>
-                <a:xfrm>
-                  <a:off x="7939022" y="2088395"/>
-                  <a:ext cx="288032" cy="216024"/>
-                </a:xfrm>
-                <a:prstGeom prst="triangle">
-                  <a:avLst/>
-                </a:prstGeom>
-                <a:grpFill/>
-                <a:ln>
-                  <a:noFill/>
-                </a:ln>
-                <a:effectLst/>
-              </p:spPr>
-              <p:style>
-                <a:lnRef idx="2">
-                  <a:schemeClr val="accent1">
-                    <a:shade val="50000"/>
-                  </a:schemeClr>
-                </a:lnRef>
-                <a:fillRef idx="1">
-                  <a:schemeClr val="accent1"/>
-                </a:fillRef>
-                <a:effectRef idx="0">
-                  <a:schemeClr val="accent1"/>
-                </a:effectRef>
-                <a:fontRef idx="minor">
-                  <a:schemeClr val="lt1"/>
-                </a:fontRef>
-              </p:style>
-              <p:txBody>
-                <a:bodyPr rtlCol="0" anchor="ctr"/>
-                <a:lstStyle/>
-                <a:p>
-                  <a:pPr algn="ctr"/>
-                  <a:endParaRPr lang="pt-BR"/>
-                </a:p>
-              </p:txBody>
-            </p:sp>
-            <p:sp>
-              <p:nvSpPr>
-                <p:cNvPr id="56" name="Triângulo isósceles 55"/>
-                <p:cNvSpPr/>
-                <p:nvPr/>
-              </p:nvSpPr>
-              <p:spPr>
-                <a:xfrm>
-                  <a:off x="8227054" y="2088395"/>
-                  <a:ext cx="288032" cy="216024"/>
-                </a:xfrm>
-                <a:prstGeom prst="triangle">
-                  <a:avLst/>
-                </a:prstGeom>
-                <a:grpFill/>
-                <a:ln>
-                  <a:noFill/>
-                </a:ln>
-                <a:effectLst/>
-              </p:spPr>
-              <p:style>
-                <a:lnRef idx="2">
-                  <a:schemeClr val="accent1">
-                    <a:shade val="50000"/>
-                  </a:schemeClr>
-                </a:lnRef>
-                <a:fillRef idx="1">
-                  <a:schemeClr val="accent1"/>
-                </a:fillRef>
-                <a:effectRef idx="0">
-                  <a:schemeClr val="accent1"/>
-                </a:effectRef>
-                <a:fontRef idx="minor">
-                  <a:schemeClr val="lt1"/>
-                </a:fontRef>
-              </p:style>
-              <p:txBody>
-                <a:bodyPr rtlCol="0" anchor="ctr"/>
-                <a:lstStyle/>
-                <a:p>
-                  <a:pPr algn="ctr"/>
-                  <a:endParaRPr lang="pt-BR"/>
-                </a:p>
-              </p:txBody>
-            </p:sp>
-            <p:sp>
-              <p:nvSpPr>
-                <p:cNvPr id="57" name="Triângulo isósceles 56"/>
-                <p:cNvSpPr/>
-                <p:nvPr/>
-              </p:nvSpPr>
-              <p:spPr>
-                <a:xfrm>
-                  <a:off x="8515086" y="2088395"/>
-                  <a:ext cx="288032" cy="216024"/>
-                </a:xfrm>
-                <a:prstGeom prst="triangle">
-                  <a:avLst/>
-                </a:prstGeom>
-                <a:grpFill/>
-                <a:ln>
-                  <a:noFill/>
-                </a:ln>
-                <a:effectLst/>
-              </p:spPr>
-              <p:style>
-                <a:lnRef idx="2">
-                  <a:schemeClr val="accent1">
-                    <a:shade val="50000"/>
-                  </a:schemeClr>
-                </a:lnRef>
-                <a:fillRef idx="1">
-                  <a:schemeClr val="accent1"/>
-                </a:fillRef>
-                <a:effectRef idx="0">
-                  <a:schemeClr val="accent1"/>
-                </a:effectRef>
-                <a:fontRef idx="minor">
-                  <a:schemeClr val="lt1"/>
-                </a:fontRef>
-              </p:style>
-              <p:txBody>
-                <a:bodyPr rtlCol="0" anchor="ctr"/>
-                <a:lstStyle/>
-                <a:p>
-                  <a:pPr algn="ctr"/>
-                  <a:endParaRPr lang="pt-BR"/>
-                </a:p>
-              </p:txBody>
-            </p:sp>
-          </p:grpSp>
-        </p:grpSp>
-        <p:grpSp>
-          <p:nvGrpSpPr>
-            <p:cNvPr id="7" name="Agrupar 15">
-              <a:extLst>
-                <a:ext uri="{FF2B5EF4-FFF2-40B4-BE49-F238E27FC236}">
-                  <a16:creationId xmlns:a16="http://schemas.microsoft.com/office/drawing/2014/main" xmlns="" id="{CDA0B437-9E5C-43AF-AD41-CFFD83C35D59}"/>
-                </a:ext>
-              </a:extLst>
-            </p:cNvPr>
-            <p:cNvGrpSpPr/>
-            <p:nvPr/>
-          </p:nvGrpSpPr>
-          <p:grpSpPr>
-            <a:xfrm>
-              <a:off x="-97830" y="2366963"/>
-              <a:ext cx="2714217" cy="2854593"/>
-              <a:chOff x="3787349" y="611219"/>
-              <a:chExt cx="2714217" cy="2854593"/>
-            </a:xfrm>
-            <a:solidFill>
-              <a:srgbClr val="893BC3"/>
-            </a:solidFill>
-          </p:grpSpPr>
-          <p:sp>
-            <p:nvSpPr>
-              <p:cNvPr id="22" name="Retângulo 21"/>
-              <p:cNvSpPr/>
-              <p:nvPr/>
-            </p:nvSpPr>
-            <p:spPr>
-              <a:xfrm>
-                <a:off x="3792719" y="708149"/>
-                <a:ext cx="2703477" cy="2664296"/>
-              </a:xfrm>
-              <a:prstGeom prst="rect">
-                <a:avLst/>
-              </a:prstGeom>
-              <a:grpFill/>
-              <a:ln>
-                <a:noFill/>
-              </a:ln>
-              <a:effectLst/>
-            </p:spPr>
-            <p:style>
-              <a:lnRef idx="2">
-                <a:schemeClr val="accent1">
-                  <a:shade val="50000"/>
-                </a:schemeClr>
-              </a:lnRef>
-              <a:fillRef idx="1">
-                <a:schemeClr val="accent1"/>
-              </a:fillRef>
-              <a:effectRef idx="0">
-                <a:schemeClr val="accent1"/>
-              </a:effectRef>
-              <a:fontRef idx="minor">
-                <a:schemeClr val="lt1"/>
-              </a:fontRef>
-            </p:style>
-            <p:txBody>
-              <a:bodyPr rtlCol="0" anchor="ctr"/>
-              <a:lstStyle/>
-              <a:p>
-                <a:pPr algn="ctr"/>
-                <a:endParaRPr lang="pt-BR">
-                  <a:solidFill>
-                    <a:srgbClr val="9900FF"/>
-                  </a:solidFill>
-                </a:endParaRPr>
-              </a:p>
-            </p:txBody>
-          </p:sp>
-          <p:grpSp>
-            <p:nvGrpSpPr>
-              <p:cNvPr id="23" name="Grupo 22"/>
-              <p:cNvGrpSpPr/>
-              <p:nvPr/>
-            </p:nvGrpSpPr>
-            <p:grpSpPr>
-              <a:xfrm>
-                <a:off x="3787349" y="611219"/>
-                <a:ext cx="2703476" cy="108012"/>
-                <a:chOff x="5952287" y="2088395"/>
-                <a:chExt cx="2850831" cy="216024"/>
-              </a:xfrm>
-              <a:grpFill/>
-            </p:grpSpPr>
-            <p:sp>
-              <p:nvSpPr>
-                <p:cNvPr id="35" name="Triângulo isósceles 34"/>
-                <p:cNvSpPr/>
-                <p:nvPr/>
-              </p:nvSpPr>
-              <p:spPr>
-                <a:xfrm>
-                  <a:off x="5952287" y="2088395"/>
-                  <a:ext cx="288032" cy="216024"/>
-                </a:xfrm>
-                <a:prstGeom prst="triangle">
-                  <a:avLst/>
-                </a:prstGeom>
-                <a:grpFill/>
-                <a:ln>
-                  <a:noFill/>
-                </a:ln>
-                <a:effectLst/>
-              </p:spPr>
-              <p:style>
-                <a:lnRef idx="2">
-                  <a:schemeClr val="accent1">
-                    <a:shade val="50000"/>
-                  </a:schemeClr>
-                </a:lnRef>
-                <a:fillRef idx="1">
-                  <a:schemeClr val="accent1"/>
-                </a:fillRef>
-                <a:effectRef idx="0">
-                  <a:schemeClr val="accent1"/>
-                </a:effectRef>
-                <a:fontRef idx="minor">
-                  <a:schemeClr val="lt1"/>
-                </a:fontRef>
-              </p:style>
-              <p:txBody>
-                <a:bodyPr rtlCol="0" anchor="ctr"/>
-                <a:lstStyle/>
-                <a:p>
-                  <a:pPr algn="ctr"/>
-                  <a:endParaRPr lang="pt-BR"/>
-                </a:p>
-              </p:txBody>
-            </p:sp>
-            <p:sp>
-              <p:nvSpPr>
-                <p:cNvPr id="36" name="Triângulo isósceles 35"/>
-                <p:cNvSpPr/>
-                <p:nvPr/>
-              </p:nvSpPr>
-              <p:spPr>
-                <a:xfrm>
-                  <a:off x="6241783" y="2088395"/>
-                  <a:ext cx="288032" cy="216024"/>
-                </a:xfrm>
-                <a:prstGeom prst="triangle">
-                  <a:avLst/>
-                </a:prstGeom>
-                <a:grpFill/>
-                <a:ln>
-                  <a:noFill/>
-                </a:ln>
-                <a:effectLst/>
-              </p:spPr>
-              <p:style>
-                <a:lnRef idx="2">
-                  <a:schemeClr val="accent1">
-                    <a:shade val="50000"/>
-                  </a:schemeClr>
-                </a:lnRef>
-                <a:fillRef idx="1">
-                  <a:schemeClr val="accent1"/>
-                </a:fillRef>
-                <a:effectRef idx="0">
-                  <a:schemeClr val="accent1"/>
-                </a:effectRef>
-                <a:fontRef idx="minor">
-                  <a:schemeClr val="lt1"/>
-                </a:fontRef>
-              </p:style>
-              <p:txBody>
-                <a:bodyPr rtlCol="0" anchor="ctr"/>
-                <a:lstStyle/>
-                <a:p>
-                  <a:pPr algn="ctr"/>
-                  <a:endParaRPr lang="pt-BR"/>
-                </a:p>
-              </p:txBody>
-            </p:sp>
-            <p:sp>
-              <p:nvSpPr>
-                <p:cNvPr id="37" name="Triângulo isósceles 36"/>
-                <p:cNvSpPr/>
-                <p:nvPr/>
-              </p:nvSpPr>
-              <p:spPr>
-                <a:xfrm>
-                  <a:off x="6520839" y="2088395"/>
-                  <a:ext cx="288032" cy="216024"/>
-                </a:xfrm>
-                <a:prstGeom prst="triangle">
-                  <a:avLst/>
-                </a:prstGeom>
-                <a:grpFill/>
-                <a:ln>
-                  <a:noFill/>
-                </a:ln>
-                <a:effectLst/>
-              </p:spPr>
-              <p:style>
-                <a:lnRef idx="2">
-                  <a:schemeClr val="accent1">
-                    <a:shade val="50000"/>
-                  </a:schemeClr>
-                </a:lnRef>
-                <a:fillRef idx="1">
-                  <a:schemeClr val="accent1"/>
-                </a:fillRef>
-                <a:effectRef idx="0">
-                  <a:schemeClr val="accent1"/>
-                </a:effectRef>
-                <a:fontRef idx="minor">
-                  <a:schemeClr val="lt1"/>
-                </a:fontRef>
-              </p:style>
-              <p:txBody>
-                <a:bodyPr rtlCol="0" anchor="ctr"/>
-                <a:lstStyle/>
-                <a:p>
-                  <a:pPr algn="ctr"/>
-                  <a:endParaRPr lang="pt-BR"/>
-                </a:p>
-              </p:txBody>
-            </p:sp>
-            <p:sp>
-              <p:nvSpPr>
-                <p:cNvPr id="38" name="Triângulo isósceles 37"/>
-                <p:cNvSpPr/>
-                <p:nvPr/>
-              </p:nvSpPr>
-              <p:spPr>
-                <a:xfrm>
-                  <a:off x="6786042" y="2088395"/>
-                  <a:ext cx="288032" cy="216024"/>
-                </a:xfrm>
-                <a:prstGeom prst="triangle">
-                  <a:avLst/>
-                </a:prstGeom>
-                <a:grpFill/>
-                <a:ln>
-                  <a:noFill/>
-                </a:ln>
-                <a:effectLst/>
-              </p:spPr>
-              <p:style>
-                <a:lnRef idx="2">
-                  <a:schemeClr val="accent1">
-                    <a:shade val="50000"/>
-                  </a:schemeClr>
-                </a:lnRef>
-                <a:fillRef idx="1">
-                  <a:schemeClr val="accent1"/>
-                </a:fillRef>
-                <a:effectRef idx="0">
-                  <a:schemeClr val="accent1"/>
-                </a:effectRef>
-                <a:fontRef idx="minor">
-                  <a:schemeClr val="lt1"/>
-                </a:fontRef>
-              </p:style>
-              <p:txBody>
-                <a:bodyPr rtlCol="0" anchor="ctr"/>
-                <a:lstStyle/>
-                <a:p>
-                  <a:pPr algn="ctr"/>
-                  <a:endParaRPr lang="pt-BR"/>
-                </a:p>
-              </p:txBody>
-            </p:sp>
-            <p:sp>
-              <p:nvSpPr>
-                <p:cNvPr id="39" name="Triângulo isósceles 38"/>
-                <p:cNvSpPr/>
-                <p:nvPr/>
-              </p:nvSpPr>
-              <p:spPr>
-                <a:xfrm>
-                  <a:off x="7057306" y="2088395"/>
-                  <a:ext cx="288032" cy="216024"/>
-                </a:xfrm>
-                <a:prstGeom prst="triangle">
-                  <a:avLst/>
-                </a:prstGeom>
-                <a:grpFill/>
-                <a:ln>
-                  <a:noFill/>
-                </a:ln>
-                <a:effectLst/>
-              </p:spPr>
-              <p:style>
-                <a:lnRef idx="2">
-                  <a:schemeClr val="accent1">
-                    <a:shade val="50000"/>
-                  </a:schemeClr>
-                </a:lnRef>
-                <a:fillRef idx="1">
-                  <a:schemeClr val="accent1"/>
-                </a:fillRef>
-                <a:effectRef idx="0">
-                  <a:schemeClr val="accent1"/>
-                </a:effectRef>
-                <a:fontRef idx="minor">
-                  <a:schemeClr val="lt1"/>
-                </a:fontRef>
-              </p:style>
-              <p:txBody>
-                <a:bodyPr rtlCol="0" anchor="ctr"/>
-                <a:lstStyle/>
-                <a:p>
-                  <a:pPr algn="ctr"/>
-                  <a:endParaRPr lang="pt-BR"/>
-                </a:p>
-              </p:txBody>
-            </p:sp>
-            <p:sp>
-              <p:nvSpPr>
-                <p:cNvPr id="40" name="Triângulo isósceles 39"/>
-                <p:cNvSpPr/>
-                <p:nvPr/>
-              </p:nvSpPr>
-              <p:spPr>
-                <a:xfrm>
-                  <a:off x="7358127" y="2088395"/>
-                  <a:ext cx="288032" cy="216024"/>
-                </a:xfrm>
-                <a:prstGeom prst="triangle">
-                  <a:avLst/>
-                </a:prstGeom>
-                <a:grpFill/>
-                <a:ln>
-                  <a:noFill/>
-                </a:ln>
-                <a:effectLst/>
-              </p:spPr>
-              <p:style>
-                <a:lnRef idx="2">
-                  <a:schemeClr val="accent1">
-                    <a:shade val="50000"/>
-                  </a:schemeClr>
-                </a:lnRef>
-                <a:fillRef idx="1">
-                  <a:schemeClr val="accent1"/>
-                </a:fillRef>
-                <a:effectRef idx="0">
-                  <a:schemeClr val="accent1"/>
-                </a:effectRef>
-                <a:fontRef idx="minor">
-                  <a:schemeClr val="lt1"/>
-                </a:fontRef>
-              </p:style>
-              <p:txBody>
-                <a:bodyPr rtlCol="0" anchor="ctr"/>
-                <a:lstStyle/>
-                <a:p>
-                  <a:pPr algn="ctr"/>
-                  <a:endParaRPr lang="pt-BR"/>
-                </a:p>
-              </p:txBody>
-            </p:sp>
-            <p:sp>
-              <p:nvSpPr>
-                <p:cNvPr id="41" name="Triângulo isósceles 40"/>
-                <p:cNvSpPr/>
-                <p:nvPr/>
-              </p:nvSpPr>
-              <p:spPr>
-                <a:xfrm>
-                  <a:off x="7628725" y="2088395"/>
-                  <a:ext cx="288032" cy="216024"/>
-                </a:xfrm>
-                <a:prstGeom prst="triangle">
-                  <a:avLst/>
-                </a:prstGeom>
-                <a:grpFill/>
-                <a:ln>
-                  <a:noFill/>
-                </a:ln>
-                <a:effectLst/>
-              </p:spPr>
-              <p:style>
-                <a:lnRef idx="2">
-                  <a:schemeClr val="accent1">
-                    <a:shade val="50000"/>
-                  </a:schemeClr>
-                </a:lnRef>
-                <a:fillRef idx="1">
-                  <a:schemeClr val="accent1"/>
-                </a:fillRef>
-                <a:effectRef idx="0">
-                  <a:schemeClr val="accent1"/>
-                </a:effectRef>
-                <a:fontRef idx="minor">
-                  <a:schemeClr val="lt1"/>
-                </a:fontRef>
-              </p:style>
-              <p:txBody>
-                <a:bodyPr rtlCol="0" anchor="ctr"/>
-                <a:lstStyle/>
-                <a:p>
-                  <a:pPr algn="ctr"/>
-                  <a:endParaRPr lang="pt-BR"/>
-                </a:p>
-              </p:txBody>
-            </p:sp>
-            <p:sp>
-              <p:nvSpPr>
-                <p:cNvPr id="42" name="Triângulo isósceles 41"/>
-                <p:cNvSpPr/>
-                <p:nvPr/>
-              </p:nvSpPr>
-              <p:spPr>
-                <a:xfrm>
-                  <a:off x="7939022" y="2088395"/>
-                  <a:ext cx="288032" cy="216024"/>
-                </a:xfrm>
-                <a:prstGeom prst="triangle">
-                  <a:avLst/>
-                </a:prstGeom>
-                <a:grpFill/>
-                <a:ln>
-                  <a:noFill/>
-                </a:ln>
-                <a:effectLst/>
-              </p:spPr>
-              <p:style>
-                <a:lnRef idx="2">
-                  <a:schemeClr val="accent1">
-                    <a:shade val="50000"/>
-                  </a:schemeClr>
-                </a:lnRef>
-                <a:fillRef idx="1">
-                  <a:schemeClr val="accent1"/>
-                </a:fillRef>
-                <a:effectRef idx="0">
-                  <a:schemeClr val="accent1"/>
-                </a:effectRef>
-                <a:fontRef idx="minor">
-                  <a:schemeClr val="lt1"/>
-                </a:fontRef>
-              </p:style>
-              <p:txBody>
-                <a:bodyPr rtlCol="0" anchor="ctr"/>
-                <a:lstStyle/>
-                <a:p>
-                  <a:pPr algn="ctr"/>
-                  <a:endParaRPr lang="pt-BR"/>
-                </a:p>
-              </p:txBody>
-            </p:sp>
-            <p:sp>
-              <p:nvSpPr>
-                <p:cNvPr id="43" name="Triângulo isósceles 42"/>
-                <p:cNvSpPr/>
-                <p:nvPr/>
-              </p:nvSpPr>
-              <p:spPr>
-                <a:xfrm>
-                  <a:off x="8227054" y="2088395"/>
-                  <a:ext cx="288032" cy="216024"/>
-                </a:xfrm>
-                <a:prstGeom prst="triangle">
-                  <a:avLst/>
-                </a:prstGeom>
-                <a:grpFill/>
-                <a:ln>
-                  <a:noFill/>
-                </a:ln>
-                <a:effectLst/>
-              </p:spPr>
-              <p:style>
-                <a:lnRef idx="2">
-                  <a:schemeClr val="accent1">
-                    <a:shade val="50000"/>
-                  </a:schemeClr>
-                </a:lnRef>
-                <a:fillRef idx="1">
-                  <a:schemeClr val="accent1"/>
-                </a:fillRef>
-                <a:effectRef idx="0">
-                  <a:schemeClr val="accent1"/>
-                </a:effectRef>
-                <a:fontRef idx="minor">
-                  <a:schemeClr val="lt1"/>
-                </a:fontRef>
-              </p:style>
-              <p:txBody>
-                <a:bodyPr rtlCol="0" anchor="ctr"/>
-                <a:lstStyle/>
-                <a:p>
-                  <a:pPr algn="ctr"/>
-                  <a:endParaRPr lang="pt-BR"/>
-                </a:p>
-              </p:txBody>
-            </p:sp>
-            <p:sp>
-              <p:nvSpPr>
-                <p:cNvPr id="44" name="Triângulo isósceles 43"/>
-                <p:cNvSpPr/>
-                <p:nvPr/>
-              </p:nvSpPr>
-              <p:spPr>
-                <a:xfrm>
-                  <a:off x="8515086" y="2088395"/>
-                  <a:ext cx="288032" cy="216024"/>
-                </a:xfrm>
-                <a:prstGeom prst="triangle">
-                  <a:avLst/>
-                </a:prstGeom>
-                <a:grpFill/>
-                <a:ln>
-                  <a:noFill/>
-                </a:ln>
-                <a:effectLst/>
-              </p:spPr>
-              <p:style>
-                <a:lnRef idx="2">
-                  <a:schemeClr val="accent1">
-                    <a:shade val="50000"/>
-                  </a:schemeClr>
-                </a:lnRef>
-                <a:fillRef idx="1">
-                  <a:schemeClr val="accent1"/>
-                </a:fillRef>
-                <a:effectRef idx="0">
-                  <a:schemeClr val="accent1"/>
-                </a:effectRef>
-                <a:fontRef idx="minor">
-                  <a:schemeClr val="lt1"/>
-                </a:fontRef>
-              </p:style>
-              <p:txBody>
-                <a:bodyPr rtlCol="0" anchor="ctr"/>
-                <a:lstStyle/>
-                <a:p>
-                  <a:pPr algn="ctr"/>
-                  <a:endParaRPr lang="pt-BR"/>
-                </a:p>
-              </p:txBody>
-            </p:sp>
-          </p:grpSp>
-          <p:grpSp>
-            <p:nvGrpSpPr>
-              <p:cNvPr id="24" name="Grupo 23"/>
-              <p:cNvGrpSpPr/>
-              <p:nvPr/>
-            </p:nvGrpSpPr>
-            <p:grpSpPr>
-              <a:xfrm rot="10800000">
-                <a:off x="3798090" y="3357800"/>
-                <a:ext cx="2703476" cy="108012"/>
-                <a:chOff x="5952287" y="2088395"/>
-                <a:chExt cx="2850831" cy="216024"/>
-              </a:xfrm>
-              <a:grpFill/>
-            </p:grpSpPr>
-            <p:sp>
-              <p:nvSpPr>
-                <p:cNvPr id="25" name="Triângulo isósceles 24"/>
-                <p:cNvSpPr/>
-                <p:nvPr/>
-              </p:nvSpPr>
-              <p:spPr>
-                <a:xfrm>
-                  <a:off x="5952287" y="2088395"/>
-                  <a:ext cx="288032" cy="216024"/>
-                </a:xfrm>
-                <a:prstGeom prst="triangle">
-                  <a:avLst/>
-                </a:prstGeom>
-                <a:grpFill/>
-                <a:ln>
-                  <a:noFill/>
-                </a:ln>
-                <a:effectLst/>
-              </p:spPr>
-              <p:style>
-                <a:lnRef idx="2">
-                  <a:schemeClr val="accent1">
-                    <a:shade val="50000"/>
-                  </a:schemeClr>
-                </a:lnRef>
-                <a:fillRef idx="1">
-                  <a:schemeClr val="accent1"/>
-                </a:fillRef>
-                <a:effectRef idx="0">
-                  <a:schemeClr val="accent1"/>
-                </a:effectRef>
-                <a:fontRef idx="minor">
-                  <a:schemeClr val="lt1"/>
-                </a:fontRef>
-              </p:style>
-              <p:txBody>
-                <a:bodyPr rtlCol="0" anchor="ctr"/>
-                <a:lstStyle/>
-                <a:p>
-                  <a:pPr algn="ctr"/>
-                  <a:endParaRPr lang="pt-BR"/>
-                </a:p>
-              </p:txBody>
-            </p:sp>
-            <p:sp>
-              <p:nvSpPr>
-                <p:cNvPr id="26" name="Triângulo isósceles 25"/>
-                <p:cNvSpPr/>
-                <p:nvPr/>
-              </p:nvSpPr>
-              <p:spPr>
-                <a:xfrm>
-                  <a:off x="6241783" y="2088395"/>
-                  <a:ext cx="288032" cy="216024"/>
-                </a:xfrm>
-                <a:prstGeom prst="triangle">
-                  <a:avLst/>
-                </a:prstGeom>
-                <a:grpFill/>
-                <a:ln>
-                  <a:noFill/>
-                </a:ln>
-                <a:effectLst/>
-              </p:spPr>
-              <p:style>
-                <a:lnRef idx="2">
-                  <a:schemeClr val="accent1">
-                    <a:shade val="50000"/>
-                  </a:schemeClr>
-                </a:lnRef>
-                <a:fillRef idx="1">
-                  <a:schemeClr val="accent1"/>
-                </a:fillRef>
-                <a:effectRef idx="0">
-                  <a:schemeClr val="accent1"/>
-                </a:effectRef>
-                <a:fontRef idx="minor">
-                  <a:schemeClr val="lt1"/>
-                </a:fontRef>
-              </p:style>
-              <p:txBody>
-                <a:bodyPr rtlCol="0" anchor="ctr"/>
-                <a:lstStyle/>
-                <a:p>
-                  <a:pPr algn="ctr"/>
-                  <a:endParaRPr lang="pt-BR"/>
-                </a:p>
-              </p:txBody>
-            </p:sp>
-            <p:sp>
-              <p:nvSpPr>
-                <p:cNvPr id="27" name="Triângulo isósceles 26"/>
-                <p:cNvSpPr/>
-                <p:nvPr/>
-              </p:nvSpPr>
-              <p:spPr>
-                <a:xfrm>
-                  <a:off x="6520839" y="2088395"/>
-                  <a:ext cx="288032" cy="216024"/>
-                </a:xfrm>
-                <a:prstGeom prst="triangle">
-                  <a:avLst/>
-                </a:prstGeom>
-                <a:grpFill/>
-                <a:ln>
-                  <a:noFill/>
-                </a:ln>
-                <a:effectLst/>
-              </p:spPr>
-              <p:style>
-                <a:lnRef idx="2">
-                  <a:schemeClr val="accent1">
-                    <a:shade val="50000"/>
-                  </a:schemeClr>
-                </a:lnRef>
-                <a:fillRef idx="1">
-                  <a:schemeClr val="accent1"/>
-                </a:fillRef>
-                <a:effectRef idx="0">
-                  <a:schemeClr val="accent1"/>
-                </a:effectRef>
-                <a:fontRef idx="minor">
-                  <a:schemeClr val="lt1"/>
-                </a:fontRef>
-              </p:style>
-              <p:txBody>
-                <a:bodyPr rtlCol="0" anchor="ctr"/>
-                <a:lstStyle/>
-                <a:p>
-                  <a:pPr algn="ctr"/>
-                  <a:endParaRPr lang="pt-BR"/>
-                </a:p>
-              </p:txBody>
-            </p:sp>
-            <p:sp>
-              <p:nvSpPr>
-                <p:cNvPr id="28" name="Triângulo isósceles 27"/>
-                <p:cNvSpPr/>
-                <p:nvPr/>
-              </p:nvSpPr>
-              <p:spPr>
-                <a:xfrm>
-                  <a:off x="6786042" y="2088395"/>
-                  <a:ext cx="288032" cy="216024"/>
-                </a:xfrm>
-                <a:prstGeom prst="triangle">
-                  <a:avLst/>
-                </a:prstGeom>
-                <a:grpFill/>
-                <a:ln>
-                  <a:noFill/>
-                </a:ln>
-                <a:effectLst/>
-              </p:spPr>
-              <p:style>
-                <a:lnRef idx="2">
-                  <a:schemeClr val="accent1">
-                    <a:shade val="50000"/>
-                  </a:schemeClr>
-                </a:lnRef>
-                <a:fillRef idx="1">
-                  <a:schemeClr val="accent1"/>
-                </a:fillRef>
-                <a:effectRef idx="0">
-                  <a:schemeClr val="accent1"/>
-                </a:effectRef>
-                <a:fontRef idx="minor">
-                  <a:schemeClr val="lt1"/>
-                </a:fontRef>
-              </p:style>
-              <p:txBody>
-                <a:bodyPr rtlCol="0" anchor="ctr"/>
-                <a:lstStyle/>
-                <a:p>
-                  <a:pPr algn="ctr"/>
-                  <a:endParaRPr lang="pt-BR"/>
-                </a:p>
-              </p:txBody>
-            </p:sp>
-            <p:sp>
-              <p:nvSpPr>
-                <p:cNvPr id="29" name="Triângulo isósceles 28"/>
-                <p:cNvSpPr/>
-                <p:nvPr/>
-              </p:nvSpPr>
-              <p:spPr>
-                <a:xfrm>
-                  <a:off x="7057306" y="2088395"/>
-                  <a:ext cx="288032" cy="216024"/>
-                </a:xfrm>
-                <a:prstGeom prst="triangle">
-                  <a:avLst/>
-                </a:prstGeom>
-                <a:grpFill/>
-                <a:ln>
-                  <a:noFill/>
-                </a:ln>
-                <a:effectLst/>
-              </p:spPr>
-              <p:style>
-                <a:lnRef idx="2">
-                  <a:schemeClr val="accent1">
-                    <a:shade val="50000"/>
-                  </a:schemeClr>
-                </a:lnRef>
-                <a:fillRef idx="1">
-                  <a:schemeClr val="accent1"/>
-                </a:fillRef>
-                <a:effectRef idx="0">
-                  <a:schemeClr val="accent1"/>
-                </a:effectRef>
-                <a:fontRef idx="minor">
-                  <a:schemeClr val="lt1"/>
-                </a:fontRef>
-              </p:style>
-              <p:txBody>
-                <a:bodyPr rtlCol="0" anchor="ctr"/>
-                <a:lstStyle/>
-                <a:p>
-                  <a:pPr algn="ctr"/>
-                  <a:endParaRPr lang="pt-BR"/>
-                </a:p>
-              </p:txBody>
-            </p:sp>
-            <p:sp>
-              <p:nvSpPr>
-                <p:cNvPr id="30" name="Triângulo isósceles 29"/>
-                <p:cNvSpPr/>
-                <p:nvPr/>
-              </p:nvSpPr>
-              <p:spPr>
-                <a:xfrm>
-                  <a:off x="7358127" y="2088395"/>
-                  <a:ext cx="288032" cy="216024"/>
-                </a:xfrm>
-                <a:prstGeom prst="triangle">
-                  <a:avLst/>
-                </a:prstGeom>
-                <a:grpFill/>
-                <a:ln>
-                  <a:noFill/>
-                </a:ln>
-                <a:effectLst/>
-              </p:spPr>
-              <p:style>
-                <a:lnRef idx="2">
-                  <a:schemeClr val="accent1">
-                    <a:shade val="50000"/>
-                  </a:schemeClr>
-                </a:lnRef>
-                <a:fillRef idx="1">
-                  <a:schemeClr val="accent1"/>
-                </a:fillRef>
-                <a:effectRef idx="0">
-                  <a:schemeClr val="accent1"/>
-                </a:effectRef>
-                <a:fontRef idx="minor">
-                  <a:schemeClr val="lt1"/>
-                </a:fontRef>
-              </p:style>
-              <p:txBody>
-                <a:bodyPr rtlCol="0" anchor="ctr"/>
-                <a:lstStyle/>
-                <a:p>
-                  <a:pPr algn="ctr"/>
-                  <a:endParaRPr lang="pt-BR"/>
-                </a:p>
-              </p:txBody>
-            </p:sp>
-            <p:sp>
-              <p:nvSpPr>
-                <p:cNvPr id="31" name="Triângulo isósceles 30"/>
-                <p:cNvSpPr/>
-                <p:nvPr/>
-              </p:nvSpPr>
-              <p:spPr>
-                <a:xfrm>
-                  <a:off x="7628725" y="2088395"/>
-                  <a:ext cx="288032" cy="216024"/>
-                </a:xfrm>
-                <a:prstGeom prst="triangle">
-                  <a:avLst/>
-                </a:prstGeom>
-                <a:grpFill/>
-                <a:ln>
-                  <a:noFill/>
-                </a:ln>
-                <a:effectLst/>
-              </p:spPr>
-              <p:style>
-                <a:lnRef idx="2">
-                  <a:schemeClr val="accent1">
-                    <a:shade val="50000"/>
-                  </a:schemeClr>
-                </a:lnRef>
-                <a:fillRef idx="1">
-                  <a:schemeClr val="accent1"/>
-                </a:fillRef>
-                <a:effectRef idx="0">
-                  <a:schemeClr val="accent1"/>
-                </a:effectRef>
-                <a:fontRef idx="minor">
-                  <a:schemeClr val="lt1"/>
-                </a:fontRef>
-              </p:style>
-              <p:txBody>
-                <a:bodyPr rtlCol="0" anchor="ctr"/>
-                <a:lstStyle/>
-                <a:p>
-                  <a:pPr algn="ctr"/>
-                  <a:endParaRPr lang="pt-BR"/>
-                </a:p>
-              </p:txBody>
-            </p:sp>
-            <p:sp>
-              <p:nvSpPr>
-                <p:cNvPr id="32" name="Triângulo isósceles 31"/>
-                <p:cNvSpPr/>
-                <p:nvPr/>
-              </p:nvSpPr>
-              <p:spPr>
-                <a:xfrm>
-                  <a:off x="7939022" y="2088395"/>
-                  <a:ext cx="288032" cy="216024"/>
-                </a:xfrm>
-                <a:prstGeom prst="triangle">
-                  <a:avLst/>
-                </a:prstGeom>
-                <a:grpFill/>
-                <a:ln>
-                  <a:noFill/>
-                </a:ln>
-                <a:effectLst/>
-              </p:spPr>
-              <p:style>
-                <a:lnRef idx="2">
-                  <a:schemeClr val="accent1">
-                    <a:shade val="50000"/>
-                  </a:schemeClr>
-                </a:lnRef>
-                <a:fillRef idx="1">
-                  <a:schemeClr val="accent1"/>
-                </a:fillRef>
-                <a:effectRef idx="0">
-                  <a:schemeClr val="accent1"/>
-                </a:effectRef>
-                <a:fontRef idx="minor">
-                  <a:schemeClr val="lt1"/>
-                </a:fontRef>
-              </p:style>
-              <p:txBody>
-                <a:bodyPr rtlCol="0" anchor="ctr"/>
-                <a:lstStyle/>
-                <a:p>
-                  <a:pPr algn="ctr"/>
-                  <a:endParaRPr lang="pt-BR"/>
-                </a:p>
-              </p:txBody>
-            </p:sp>
-            <p:sp>
-              <p:nvSpPr>
-                <p:cNvPr id="33" name="Triângulo isósceles 32"/>
-                <p:cNvSpPr/>
-                <p:nvPr/>
-              </p:nvSpPr>
-              <p:spPr>
-                <a:xfrm>
-                  <a:off x="8227054" y="2088395"/>
-                  <a:ext cx="288032" cy="216024"/>
-                </a:xfrm>
-                <a:prstGeom prst="triangle">
-                  <a:avLst/>
-                </a:prstGeom>
-                <a:grpFill/>
-                <a:ln>
-                  <a:noFill/>
-                </a:ln>
-                <a:effectLst/>
-              </p:spPr>
-              <p:style>
-                <a:lnRef idx="2">
-                  <a:schemeClr val="accent1">
-                    <a:shade val="50000"/>
-                  </a:schemeClr>
-                </a:lnRef>
-                <a:fillRef idx="1">
-                  <a:schemeClr val="accent1"/>
-                </a:fillRef>
-                <a:effectRef idx="0">
-                  <a:schemeClr val="accent1"/>
-                </a:effectRef>
-                <a:fontRef idx="minor">
-                  <a:schemeClr val="lt1"/>
-                </a:fontRef>
-              </p:style>
-              <p:txBody>
-                <a:bodyPr rtlCol="0" anchor="ctr"/>
-                <a:lstStyle/>
-                <a:p>
-                  <a:pPr algn="ctr"/>
-                  <a:endParaRPr lang="pt-BR"/>
-                </a:p>
-              </p:txBody>
-            </p:sp>
-            <p:sp>
-              <p:nvSpPr>
-                <p:cNvPr id="34" name="Triângulo isósceles 33"/>
-                <p:cNvSpPr/>
-                <p:nvPr/>
-              </p:nvSpPr>
-              <p:spPr>
-                <a:xfrm>
-                  <a:off x="8515086" y="2088395"/>
-                  <a:ext cx="288032" cy="216024"/>
-                </a:xfrm>
-                <a:prstGeom prst="triangle">
-                  <a:avLst/>
-                </a:prstGeom>
-                <a:grpFill/>
-                <a:ln>
-                  <a:noFill/>
-                </a:ln>
-                <a:effectLst/>
-              </p:spPr>
-              <p:style>
-                <a:lnRef idx="2">
-                  <a:schemeClr val="accent1">
-                    <a:shade val="50000"/>
-                  </a:schemeClr>
-                </a:lnRef>
-                <a:fillRef idx="1">
-                  <a:schemeClr val="accent1"/>
-                </a:fillRef>
-                <a:effectRef idx="0">
-                  <a:schemeClr val="accent1"/>
-                </a:effectRef>
-                <a:fontRef idx="minor">
-                  <a:schemeClr val="lt1"/>
-                </a:fontRef>
-              </p:style>
-              <p:txBody>
-                <a:bodyPr rtlCol="0" anchor="ctr"/>
-                <a:lstStyle/>
-                <a:p>
-                  <a:pPr algn="ctr"/>
-                  <a:endParaRPr lang="pt-BR"/>
-                </a:p>
-              </p:txBody>
-            </p:sp>
-          </p:grpSp>
-        </p:grpSp>
-        <p:sp>
-          <p:nvSpPr>
-            <p:cNvPr id="8" name="Retângulo de cantos arredondados 7"/>
-            <p:cNvSpPr/>
-            <p:nvPr/>
-          </p:nvSpPr>
-          <p:spPr>
-            <a:xfrm>
-              <a:off x="57634" y="2564904"/>
-              <a:ext cx="2354126" cy="2513813"/>
-            </a:xfrm>
-            <a:prstGeom prst="roundRect">
-              <a:avLst>
-                <a:gd name="adj" fmla="val 13040"/>
-              </a:avLst>
-            </a:prstGeom>
-            <a:solidFill>
-              <a:srgbClr val="934CC8"/>
-            </a:solidFill>
-            <a:ln>
-              <a:noFill/>
-            </a:ln>
-            <a:effectLst/>
-          </p:spPr>
-          <p:style>
-            <a:lnRef idx="2">
-              <a:schemeClr val="accent1">
-                <a:shade val="50000"/>
-              </a:schemeClr>
-            </a:lnRef>
-            <a:fillRef idx="1">
-              <a:schemeClr val="accent1"/>
-            </a:fillRef>
-            <a:effectRef idx="0">
-              <a:schemeClr val="accent1"/>
-            </a:effectRef>
-            <a:fontRef idx="minor">
-              <a:schemeClr val="lt1"/>
-            </a:fontRef>
-          </p:style>
-          <p:txBody>
-            <a:bodyPr rtlCol="0" anchor="ctr"/>
-            <a:lstStyle/>
-            <a:p>
-              <a:pPr algn="ctr"/>
-              <a:endParaRPr lang="pt-BR"/>
-            </a:p>
-          </p:txBody>
-        </p:sp>
-        <p:sp>
-          <p:nvSpPr>
-            <p:cNvPr id="9" name="Elipse 8"/>
-            <p:cNvSpPr/>
-            <p:nvPr/>
-          </p:nvSpPr>
-          <p:spPr>
-            <a:xfrm>
-              <a:off x="315341" y="2836839"/>
-              <a:ext cx="1935767" cy="1935767"/>
-            </a:xfrm>
-            <a:prstGeom prst="ellipse">
-              <a:avLst/>
-            </a:prstGeom>
-            <a:solidFill>
-              <a:srgbClr val="9F5FCF"/>
-            </a:solidFill>
-            <a:ln>
-              <a:noFill/>
-            </a:ln>
-            <a:effectLst/>
-          </p:spPr>
-          <p:style>
-            <a:lnRef idx="2">
-              <a:schemeClr val="accent1">
-                <a:shade val="50000"/>
-              </a:schemeClr>
-            </a:lnRef>
-            <a:fillRef idx="1">
-              <a:schemeClr val="accent1"/>
-            </a:fillRef>
-            <a:effectRef idx="0">
-              <a:schemeClr val="accent1"/>
-            </a:effectRef>
-            <a:fontRef idx="minor">
-              <a:schemeClr val="lt1"/>
-            </a:fontRef>
-          </p:style>
-          <p:txBody>
-            <a:bodyPr rtlCol="0" anchor="ctr"/>
-            <a:lstStyle/>
-            <a:p>
-              <a:pPr algn="ctr"/>
-              <a:endParaRPr lang="pt-BR"/>
-            </a:p>
-          </p:txBody>
-        </p:sp>
-        <p:grpSp>
-          <p:nvGrpSpPr>
-            <p:cNvPr id="10" name="Grupo 9"/>
-            <p:cNvGrpSpPr/>
-            <p:nvPr/>
-          </p:nvGrpSpPr>
-          <p:grpSpPr>
-            <a:xfrm>
-              <a:off x="236651" y="2685954"/>
-              <a:ext cx="2045254" cy="2327222"/>
-              <a:chOff x="3834481" y="2564904"/>
-              <a:chExt cx="2249687" cy="2559840"/>
-            </a:xfrm>
-          </p:grpSpPr>
-          <p:grpSp>
-            <p:nvGrpSpPr>
-              <p:cNvPr id="11" name="Grupo 10"/>
-              <p:cNvGrpSpPr/>
-              <p:nvPr/>
-            </p:nvGrpSpPr>
-            <p:grpSpPr>
-              <a:xfrm>
-                <a:off x="3834481" y="2564904"/>
-                <a:ext cx="2249687" cy="2559840"/>
-                <a:chOff x="3834481" y="2564904"/>
-                <a:chExt cx="2249687" cy="2559840"/>
-              </a:xfrm>
-            </p:grpSpPr>
-            <p:grpSp>
-              <p:nvGrpSpPr>
-                <p:cNvPr id="13" name="Grupo 12"/>
-                <p:cNvGrpSpPr/>
-                <p:nvPr/>
-              </p:nvGrpSpPr>
-              <p:grpSpPr>
-                <a:xfrm>
-                  <a:off x="3834481" y="2564904"/>
-                  <a:ext cx="2177679" cy="680434"/>
-                  <a:chOff x="3834481" y="2564904"/>
-                  <a:chExt cx="2177679" cy="680434"/>
-                </a:xfrm>
-              </p:grpSpPr>
-              <p:sp>
-                <p:nvSpPr>
-                  <p:cNvPr id="19" name="Retângulo de cantos arredondados 18"/>
-                  <p:cNvSpPr/>
-                  <p:nvPr/>
-                </p:nvSpPr>
-                <p:spPr>
-                  <a:xfrm>
-                    <a:off x="3834481" y="2564904"/>
-                    <a:ext cx="2177679" cy="680434"/>
-                  </a:xfrm>
-                  <a:custGeom>
-                    <a:avLst/>
-                    <a:gdLst/>
-                    <a:ahLst/>
-                    <a:cxnLst/>
-                    <a:rect l="l" t="t" r="r" b="b"/>
-                    <a:pathLst>
-                      <a:path w="2041106" h="578046">
-                        <a:moveTo>
-                          <a:pt x="289023" y="0"/>
-                        </a:moveTo>
-                        <a:lnTo>
-                          <a:pt x="1752083" y="0"/>
-                        </a:lnTo>
-                        <a:cubicBezTo>
-                          <a:pt x="1911706" y="0"/>
-                          <a:pt x="2041106" y="129400"/>
-                          <a:pt x="2041106" y="289023"/>
-                        </a:cubicBezTo>
-                        <a:cubicBezTo>
-                          <a:pt x="2041106" y="428738"/>
-                          <a:pt x="1941971" y="545298"/>
-                          <a:pt x="1810202" y="572187"/>
-                        </a:cubicBezTo>
-                        <a:cubicBezTo>
-                          <a:pt x="1636249" y="345950"/>
-                          <a:pt x="1362230" y="202538"/>
-                          <a:pt x="1054714" y="202538"/>
-                        </a:cubicBezTo>
-                        <a:cubicBezTo>
-                          <a:pt x="744460" y="202538"/>
-                          <a:pt x="468300" y="348516"/>
-                          <a:pt x="294392" y="578046"/>
-                        </a:cubicBezTo>
-                        <a:lnTo>
-                          <a:pt x="289023" y="578046"/>
-                        </a:lnTo>
-                        <a:cubicBezTo>
-                          <a:pt x="129400" y="578046"/>
-                          <a:pt x="0" y="448646"/>
-                          <a:pt x="0" y="289023"/>
-                        </a:cubicBezTo>
-                        <a:cubicBezTo>
-                          <a:pt x="0" y="129400"/>
-                          <a:pt x="129400" y="0"/>
-                          <a:pt x="289023" y="0"/>
-                        </a:cubicBezTo>
-                        <a:close/>
-                      </a:path>
-                    </a:pathLst>
-                  </a:custGeom>
-                  <a:solidFill>
-                    <a:srgbClr val="702FA1"/>
-                  </a:solidFill>
-                  <a:ln>
-                    <a:noFill/>
-                  </a:ln>
-                  <a:effectLst/>
-                </p:spPr>
-                <p:style>
-                  <a:lnRef idx="2">
-                    <a:schemeClr val="accent1">
-                      <a:shade val="50000"/>
-                    </a:schemeClr>
-                  </a:lnRef>
-                  <a:fillRef idx="1">
-                    <a:schemeClr val="accent1"/>
-                  </a:fillRef>
-                  <a:effectRef idx="0">
-                    <a:schemeClr val="accent1"/>
-                  </a:effectRef>
-                  <a:fontRef idx="minor">
-                    <a:schemeClr val="lt1"/>
-                  </a:fontRef>
-                </p:style>
-                <p:txBody>
-                  <a:bodyPr rtlCol="0" anchor="ctr"/>
-                  <a:lstStyle/>
-                  <a:p>
-                    <a:pPr algn="ctr"/>
-                    <a:endParaRPr lang="pt-BR"/>
-                  </a:p>
-                </p:txBody>
-              </p:sp>
-              <p:sp>
-                <p:nvSpPr>
-                  <p:cNvPr id="20" name="Retângulo de cantos arredondados 18"/>
-                  <p:cNvSpPr/>
-                  <p:nvPr/>
-                </p:nvSpPr>
-                <p:spPr>
-                  <a:xfrm>
-                    <a:off x="3957140" y="2636912"/>
-                    <a:ext cx="1948083" cy="342021"/>
-                  </a:xfrm>
-                  <a:custGeom>
-                    <a:avLst/>
-                    <a:gdLst/>
-                    <a:ahLst/>
-                    <a:cxnLst/>
-                    <a:rect l="l" t="t" r="r" b="b"/>
-                    <a:pathLst>
-                      <a:path w="2041106" h="578046">
-                        <a:moveTo>
-                          <a:pt x="289023" y="0"/>
-                        </a:moveTo>
-                        <a:lnTo>
-                          <a:pt x="1752083" y="0"/>
-                        </a:lnTo>
-                        <a:cubicBezTo>
-                          <a:pt x="1911706" y="0"/>
-                          <a:pt x="2041106" y="129400"/>
-                          <a:pt x="2041106" y="289023"/>
-                        </a:cubicBezTo>
-                        <a:cubicBezTo>
-                          <a:pt x="2041106" y="428738"/>
-                          <a:pt x="1941971" y="545298"/>
-                          <a:pt x="1810202" y="572187"/>
-                        </a:cubicBezTo>
-                        <a:cubicBezTo>
-                          <a:pt x="1636249" y="345950"/>
-                          <a:pt x="1362230" y="202538"/>
-                          <a:pt x="1054714" y="202538"/>
-                        </a:cubicBezTo>
-                        <a:cubicBezTo>
-                          <a:pt x="744460" y="202538"/>
-                          <a:pt x="468300" y="348516"/>
-                          <a:pt x="294392" y="578046"/>
-                        </a:cubicBezTo>
-                        <a:lnTo>
-                          <a:pt x="289023" y="578046"/>
-                        </a:lnTo>
-                        <a:cubicBezTo>
-                          <a:pt x="129400" y="578046"/>
-                          <a:pt x="0" y="448646"/>
-                          <a:pt x="0" y="289023"/>
-                        </a:cubicBezTo>
-                        <a:cubicBezTo>
-                          <a:pt x="0" y="129400"/>
-                          <a:pt x="129400" y="0"/>
-                          <a:pt x="289023" y="0"/>
-                        </a:cubicBezTo>
-                        <a:close/>
-                      </a:path>
-                    </a:pathLst>
-                  </a:custGeom>
-                  <a:solidFill>
-                    <a:srgbClr val="7A33AF"/>
-                  </a:solidFill>
-                  <a:ln>
-                    <a:noFill/>
-                  </a:ln>
-                  <a:effectLst/>
-                </p:spPr>
-                <p:style>
-                  <a:lnRef idx="2">
-                    <a:schemeClr val="accent1">
-                      <a:shade val="50000"/>
-                    </a:schemeClr>
-                  </a:lnRef>
-                  <a:fillRef idx="1">
-                    <a:schemeClr val="accent1"/>
-                  </a:fillRef>
-                  <a:effectRef idx="0">
-                    <a:schemeClr val="accent1"/>
-                  </a:effectRef>
-                  <a:fontRef idx="minor">
-                    <a:schemeClr val="lt1"/>
-                  </a:fontRef>
-                </p:style>
-                <p:txBody>
-                  <a:bodyPr rtlCol="0" anchor="ctr"/>
-                  <a:lstStyle/>
-                  <a:p>
-                    <a:pPr algn="ctr"/>
-                    <a:endParaRPr lang="pt-BR"/>
-                  </a:p>
-                </p:txBody>
-              </p:sp>
-              <p:sp>
-                <p:nvSpPr>
-                  <p:cNvPr id="21" name="Retângulo de cantos arredondados 20"/>
-                  <p:cNvSpPr/>
-                  <p:nvPr/>
-                </p:nvSpPr>
-                <p:spPr>
-                  <a:xfrm rot="19680248">
-                    <a:off x="5710148" y="2699401"/>
-                    <a:ext cx="63913" cy="130411"/>
-                  </a:xfrm>
-                  <a:prstGeom prst="roundRect">
-                    <a:avLst>
-                      <a:gd name="adj" fmla="val 50000"/>
-                    </a:avLst>
-                  </a:prstGeom>
-                  <a:solidFill>
-                    <a:srgbClr val="AE77D7"/>
-                  </a:solidFill>
-                  <a:ln>
-                    <a:noFill/>
-                  </a:ln>
-                  <a:effectLst/>
-                </p:spPr>
-                <p:style>
-                  <a:lnRef idx="2">
-                    <a:schemeClr val="accent1">
-                      <a:shade val="50000"/>
-                    </a:schemeClr>
-                  </a:lnRef>
-                  <a:fillRef idx="1">
-                    <a:schemeClr val="accent1"/>
-                  </a:fillRef>
-                  <a:effectRef idx="0">
-                    <a:schemeClr val="accent1"/>
-                  </a:effectRef>
-                  <a:fontRef idx="minor">
-                    <a:schemeClr val="lt1"/>
-                  </a:fontRef>
-                </p:style>
-                <p:txBody>
-                  <a:bodyPr rtlCol="0" anchor="ctr"/>
-                  <a:lstStyle/>
-                  <a:p>
-                    <a:pPr algn="ctr"/>
-                    <a:endParaRPr lang="pt-BR"/>
-                  </a:p>
-                </p:txBody>
-              </p:sp>
-            </p:grpSp>
-            <p:sp>
-              <p:nvSpPr>
-                <p:cNvPr id="14" name="Lua 13"/>
-                <p:cNvSpPr/>
-                <p:nvPr/>
-              </p:nvSpPr>
-              <p:spPr>
-                <a:xfrm rot="14897553" flipV="1">
-                  <a:off x="5051438" y="4011013"/>
-                  <a:ext cx="332395" cy="854979"/>
-                </a:xfrm>
-                <a:prstGeom prst="moon">
-                  <a:avLst>
-                    <a:gd name="adj" fmla="val 57263"/>
-                  </a:avLst>
-                </a:prstGeom>
-                <a:solidFill>
-                  <a:srgbClr val="AE77D7"/>
-                </a:solidFill>
-                <a:ln>
-                  <a:noFill/>
-                </a:ln>
-                <a:effectLst/>
-              </p:spPr>
-              <p:style>
-                <a:lnRef idx="2">
-                  <a:schemeClr val="accent1">
-                    <a:shade val="50000"/>
-                  </a:schemeClr>
-                </a:lnRef>
-                <a:fillRef idx="1">
-                  <a:schemeClr val="accent1"/>
-                </a:fillRef>
-                <a:effectRef idx="0">
-                  <a:schemeClr val="accent1"/>
-                </a:effectRef>
-                <a:fontRef idx="minor">
-                  <a:schemeClr val="lt1"/>
-                </a:fontRef>
-              </p:style>
-              <p:txBody>
-                <a:bodyPr rtlCol="0" anchor="ctr"/>
-                <a:lstStyle/>
-                <a:p>
-                  <a:pPr algn="ctr"/>
-                  <a:endParaRPr lang="pt-BR">
-                    <a:solidFill>
-                      <a:srgbClr val="7030A0"/>
-                    </a:solidFill>
-                  </a:endParaRPr>
-                </a:p>
-              </p:txBody>
-            </p:sp>
-            <p:sp>
-              <p:nvSpPr>
-                <p:cNvPr id="15" name="Lua 14"/>
-                <p:cNvSpPr/>
-                <p:nvPr/>
-              </p:nvSpPr>
-              <p:spPr>
-                <a:xfrm rot="4888875">
-                  <a:off x="4622462" y="2588504"/>
-                  <a:ext cx="483049" cy="1242485"/>
-                </a:xfrm>
-                <a:prstGeom prst="moon">
-                  <a:avLst>
-                    <a:gd name="adj" fmla="val 59731"/>
-                  </a:avLst>
-                </a:prstGeom>
-                <a:solidFill>
-                  <a:srgbClr val="7131A1"/>
-                </a:solidFill>
-                <a:ln>
-                  <a:noFill/>
-                </a:ln>
-                <a:effectLst/>
-              </p:spPr>
-              <p:style>
-                <a:lnRef idx="2">
-                  <a:schemeClr val="accent1">
-                    <a:shade val="50000"/>
-                  </a:schemeClr>
-                </a:lnRef>
-                <a:fillRef idx="1">
-                  <a:schemeClr val="accent1"/>
-                </a:fillRef>
-                <a:effectRef idx="0">
-                  <a:schemeClr val="accent1"/>
-                </a:effectRef>
-                <a:fontRef idx="minor">
-                  <a:schemeClr val="lt1"/>
-                </a:fontRef>
-              </p:style>
-              <p:txBody>
-                <a:bodyPr rtlCol="0" anchor="ctr"/>
-                <a:lstStyle/>
-                <a:p>
-                  <a:pPr algn="ctr"/>
-                  <a:endParaRPr lang="pt-BR"/>
-                </a:p>
-              </p:txBody>
-            </p:sp>
-            <p:grpSp>
-              <p:nvGrpSpPr>
-                <p:cNvPr id="16" name="Grupo 15"/>
-                <p:cNvGrpSpPr/>
-                <p:nvPr/>
-              </p:nvGrpSpPr>
-              <p:grpSpPr>
-                <a:xfrm rot="10800000">
-                  <a:off x="3906489" y="4444310"/>
-                  <a:ext cx="2177679" cy="680434"/>
-                  <a:chOff x="3834481" y="2485698"/>
-                  <a:chExt cx="2177679" cy="680434"/>
-                </a:xfrm>
-              </p:grpSpPr>
-              <p:sp>
-                <p:nvSpPr>
-                  <p:cNvPr id="17" name="Retângulo de cantos arredondados 18"/>
-                  <p:cNvSpPr/>
-                  <p:nvPr/>
-                </p:nvSpPr>
-                <p:spPr>
-                  <a:xfrm>
-                    <a:off x="3834481" y="2485698"/>
-                    <a:ext cx="2177679" cy="680434"/>
-                  </a:xfrm>
-                  <a:custGeom>
-                    <a:avLst/>
-                    <a:gdLst/>
-                    <a:ahLst/>
-                    <a:cxnLst/>
-                    <a:rect l="l" t="t" r="r" b="b"/>
-                    <a:pathLst>
-                      <a:path w="2041106" h="578046">
-                        <a:moveTo>
-                          <a:pt x="289023" y="0"/>
-                        </a:moveTo>
-                        <a:lnTo>
-                          <a:pt x="1752083" y="0"/>
-                        </a:lnTo>
-                        <a:cubicBezTo>
-                          <a:pt x="1911706" y="0"/>
-                          <a:pt x="2041106" y="129400"/>
-                          <a:pt x="2041106" y="289023"/>
-                        </a:cubicBezTo>
-                        <a:cubicBezTo>
-                          <a:pt x="2041106" y="428738"/>
-                          <a:pt x="1941971" y="545298"/>
-                          <a:pt x="1810202" y="572187"/>
-                        </a:cubicBezTo>
-                        <a:cubicBezTo>
-                          <a:pt x="1636249" y="345950"/>
-                          <a:pt x="1362230" y="202538"/>
-                          <a:pt x="1054714" y="202538"/>
-                        </a:cubicBezTo>
-                        <a:cubicBezTo>
-                          <a:pt x="744460" y="202538"/>
-                          <a:pt x="468300" y="348516"/>
-                          <a:pt x="294392" y="578046"/>
-                        </a:cubicBezTo>
-                        <a:lnTo>
-                          <a:pt x="289023" y="578046"/>
-                        </a:lnTo>
-                        <a:cubicBezTo>
-                          <a:pt x="129400" y="578046"/>
-                          <a:pt x="0" y="448646"/>
-                          <a:pt x="0" y="289023"/>
-                        </a:cubicBezTo>
-                        <a:cubicBezTo>
-                          <a:pt x="0" y="129400"/>
-                          <a:pt x="129400" y="0"/>
-                          <a:pt x="289023" y="0"/>
-                        </a:cubicBezTo>
-                        <a:close/>
-                      </a:path>
-                    </a:pathLst>
-                  </a:custGeom>
-                  <a:solidFill>
-                    <a:srgbClr val="702FA1"/>
-                  </a:solidFill>
-                  <a:ln>
-                    <a:noFill/>
-                  </a:ln>
-                  <a:effectLst/>
-                </p:spPr>
-                <p:style>
-                  <a:lnRef idx="2">
-                    <a:schemeClr val="accent1">
-                      <a:shade val="50000"/>
-                    </a:schemeClr>
-                  </a:lnRef>
-                  <a:fillRef idx="1">
-                    <a:schemeClr val="accent1"/>
-                  </a:fillRef>
-                  <a:effectRef idx="0">
-                    <a:schemeClr val="accent1"/>
-                  </a:effectRef>
-                  <a:fontRef idx="minor">
-                    <a:schemeClr val="lt1"/>
-                  </a:fontRef>
-                </p:style>
-                <p:txBody>
-                  <a:bodyPr rtlCol="0" anchor="ctr"/>
-                  <a:lstStyle/>
-                  <a:p>
-                    <a:pPr algn="ctr"/>
-                    <a:endParaRPr lang="pt-BR"/>
-                  </a:p>
-                </p:txBody>
-              </p:sp>
-              <p:sp>
-                <p:nvSpPr>
-                  <p:cNvPr id="18" name="Retângulo de cantos arredondados 18"/>
-                  <p:cNvSpPr/>
-                  <p:nvPr/>
-                </p:nvSpPr>
-                <p:spPr>
-                  <a:xfrm>
-                    <a:off x="3957140" y="2564904"/>
-                    <a:ext cx="1948083" cy="342021"/>
-                  </a:xfrm>
-                  <a:custGeom>
-                    <a:avLst/>
-                    <a:gdLst/>
-                    <a:ahLst/>
-                    <a:cxnLst/>
-                    <a:rect l="l" t="t" r="r" b="b"/>
-                    <a:pathLst>
-                      <a:path w="2041106" h="578046">
-                        <a:moveTo>
-                          <a:pt x="289023" y="0"/>
-                        </a:moveTo>
-                        <a:lnTo>
-                          <a:pt x="1752083" y="0"/>
-                        </a:lnTo>
-                        <a:cubicBezTo>
-                          <a:pt x="1911706" y="0"/>
-                          <a:pt x="2041106" y="129400"/>
-                          <a:pt x="2041106" y="289023"/>
-                        </a:cubicBezTo>
-                        <a:cubicBezTo>
-                          <a:pt x="2041106" y="428738"/>
-                          <a:pt x="1941971" y="545298"/>
-                          <a:pt x="1810202" y="572187"/>
-                        </a:cubicBezTo>
-                        <a:cubicBezTo>
-                          <a:pt x="1636249" y="345950"/>
-                          <a:pt x="1362230" y="202538"/>
-                          <a:pt x="1054714" y="202538"/>
-                        </a:cubicBezTo>
-                        <a:cubicBezTo>
-                          <a:pt x="744460" y="202538"/>
-                          <a:pt x="468300" y="348516"/>
-                          <a:pt x="294392" y="578046"/>
-                        </a:cubicBezTo>
-                        <a:lnTo>
-                          <a:pt x="289023" y="578046"/>
-                        </a:lnTo>
-                        <a:cubicBezTo>
-                          <a:pt x="129400" y="578046"/>
-                          <a:pt x="0" y="448646"/>
-                          <a:pt x="0" y="289023"/>
-                        </a:cubicBezTo>
-                        <a:cubicBezTo>
-                          <a:pt x="0" y="129400"/>
-                          <a:pt x="129400" y="0"/>
-                          <a:pt x="289023" y="0"/>
-                        </a:cubicBezTo>
-                        <a:close/>
-                      </a:path>
-                    </a:pathLst>
-                  </a:custGeom>
-                  <a:solidFill>
-                    <a:srgbClr val="7A33AF"/>
-                  </a:solidFill>
-                  <a:ln>
-                    <a:noFill/>
-                  </a:ln>
-                  <a:effectLst/>
-                </p:spPr>
-                <p:style>
-                  <a:lnRef idx="2">
-                    <a:schemeClr val="accent1">
-                      <a:shade val="50000"/>
-                    </a:schemeClr>
-                  </a:lnRef>
-                  <a:fillRef idx="1">
-                    <a:schemeClr val="accent1"/>
-                  </a:fillRef>
-                  <a:effectRef idx="0">
-                    <a:schemeClr val="accent1"/>
-                  </a:effectRef>
-                  <a:fontRef idx="minor">
-                    <a:schemeClr val="lt1"/>
-                  </a:fontRef>
-                </p:style>
-                <p:txBody>
-                  <a:bodyPr rtlCol="0" anchor="ctr"/>
-                  <a:lstStyle/>
-                  <a:p>
-                    <a:pPr algn="ctr"/>
-                    <a:endParaRPr lang="pt-BR"/>
-                  </a:p>
-                </p:txBody>
-              </p:sp>
-            </p:grpSp>
-          </p:grpSp>
-          <p:sp>
-            <p:nvSpPr>
-              <p:cNvPr id="12" name="Retângulo de cantos arredondados 11"/>
-              <p:cNvSpPr/>
-              <p:nvPr/>
-            </p:nvSpPr>
-            <p:spPr>
-              <a:xfrm rot="8880248">
-                <a:off x="5771800" y="4828895"/>
-                <a:ext cx="63913" cy="130411"/>
-              </a:xfrm>
-              <a:prstGeom prst="roundRect">
-                <a:avLst>
-                  <a:gd name="adj" fmla="val 50000"/>
-                </a:avLst>
-              </a:prstGeom>
-              <a:solidFill>
-                <a:srgbClr val="AE77D7"/>
-              </a:solidFill>
-              <a:ln>
-                <a:noFill/>
-              </a:ln>
-              <a:effectLst/>
-            </p:spPr>
-            <p:style>
-              <a:lnRef idx="2">
-                <a:schemeClr val="accent1">
-                  <a:shade val="50000"/>
-                </a:schemeClr>
-              </a:lnRef>
-              <a:fillRef idx="1">
-                <a:schemeClr val="accent1"/>
-              </a:fillRef>
-              <a:effectRef idx="0">
-                <a:schemeClr val="accent1"/>
-              </a:effectRef>
-              <a:fontRef idx="minor">
-                <a:schemeClr val="lt1"/>
-              </a:fontRef>
-            </p:style>
-            <p:txBody>
-              <a:bodyPr rtlCol="0" anchor="ctr"/>
-              <a:lstStyle/>
-              <a:p>
-                <a:pPr algn="ctr"/>
-                <a:endParaRPr lang="pt-BR"/>
-              </a:p>
-            </p:txBody>
-          </p:sp>
-        </p:grpSp>
-      </p:grpSp>
-      <p:sp>
-        <p:nvSpPr>
-          <p:cNvPr id="70" name="Retângulo 69"/>
-          <p:cNvSpPr/>
-          <p:nvPr/>
-        </p:nvSpPr>
-        <p:spPr>
-          <a:xfrm>
-            <a:off x="4948" y="8037512"/>
-            <a:ext cx="9144000" cy="9865096"/>
-          </a:xfrm>
-          <a:prstGeom prst="rect">
-            <a:avLst/>
-          </a:prstGeom>
-          <a:noFill/>
-          <a:ln>
-            <a:noFill/>
-          </a:ln>
-        </p:spPr>
-        <p:style>
-          <a:lnRef idx="2">
-            <a:schemeClr val="accent1">
-              <a:shade val="50000"/>
-            </a:schemeClr>
-          </a:lnRef>
-          <a:fillRef idx="1">
-            <a:schemeClr val="accent1"/>
-          </a:fillRef>
-          <a:effectRef idx="0">
-            <a:schemeClr val="accent1"/>
-          </a:effectRef>
-          <a:fontRef idx="minor">
-            <a:schemeClr val="lt1"/>
-          </a:fontRef>
-        </p:style>
-        <p:txBody>
-          <a:bodyPr rtlCol="0" anchor="ctr"/>
-          <a:lstStyle/>
-          <a:p>
-            <a:pPr algn="ctr"/>
-            <a:endParaRPr lang="pt-BR"/>
-          </a:p>
-        </p:txBody>
-      </p:sp>
-      <p:sp>
-        <p:nvSpPr>
-          <p:cNvPr id="212" name="Retângulo 211"/>
-          <p:cNvSpPr/>
-          <p:nvPr/>
-        </p:nvSpPr>
-        <p:spPr>
-          <a:xfrm>
-            <a:off x="157348" y="8189912"/>
-            <a:ext cx="9144000" cy="9865096"/>
-          </a:xfrm>
-          <a:prstGeom prst="rect">
-            <a:avLst/>
-          </a:prstGeom>
-          <a:noFill/>
-          <a:ln>
-            <a:noFill/>
-          </a:ln>
-        </p:spPr>
-        <p:style>
-          <a:lnRef idx="2">
-            <a:schemeClr val="accent1">
-              <a:shade val="50000"/>
-            </a:schemeClr>
-          </a:lnRef>
-          <a:fillRef idx="1">
-            <a:schemeClr val="accent1"/>
-          </a:fillRef>
-          <a:effectRef idx="0">
-            <a:schemeClr val="accent1"/>
-          </a:effectRef>
-          <a:fontRef idx="minor">
-            <a:schemeClr val="lt1"/>
-          </a:fontRef>
-        </p:style>
-        <p:txBody>
-          <a:bodyPr rtlCol="0" anchor="ctr"/>
-          <a:lstStyle/>
-          <a:p>
-            <a:pPr algn="ctr"/>
-            <a:endParaRPr lang="pt-BR"/>
-          </a:p>
-        </p:txBody>
-      </p:sp>
-      <p:sp>
-        <p:nvSpPr>
-          <p:cNvPr id="72" name="Retângulo 71"/>
-          <p:cNvSpPr/>
-          <p:nvPr/>
-        </p:nvSpPr>
-        <p:spPr>
-          <a:xfrm>
-            <a:off x="-13350" y="1933440"/>
-            <a:ext cx="9162298" cy="2503672"/>
-          </a:xfrm>
-          <a:prstGeom prst="rect">
-            <a:avLst/>
-          </a:prstGeom>
-          <a:solidFill>
-            <a:schemeClr val="accent4">
-              <a:lumMod val="50000"/>
-            </a:schemeClr>
-          </a:solidFill>
-          <a:ln>
-            <a:noFill/>
-          </a:ln>
-        </p:spPr>
-        <p:style>
-          <a:lnRef idx="2">
-            <a:schemeClr val="accent1">
-              <a:shade val="50000"/>
-            </a:schemeClr>
-          </a:lnRef>
-          <a:fillRef idx="1">
-            <a:schemeClr val="accent1"/>
-          </a:fillRef>
-          <a:effectRef idx="0">
-            <a:schemeClr val="accent1"/>
-          </a:effectRef>
-          <a:fontRef idx="minor">
-            <a:schemeClr val="lt1"/>
-          </a:fontRef>
-        </p:style>
-        <p:txBody>
-          <a:bodyPr rtlCol="0" anchor="ctr"/>
-          <a:lstStyle/>
-          <a:p>
-            <a:pPr algn="ctr"/>
-            <a:endParaRPr lang="pt-BR"/>
-          </a:p>
-        </p:txBody>
-      </p:sp>
-      <p:sp>
-        <p:nvSpPr>
-          <p:cNvPr id="73" name="Retângulo 72"/>
-          <p:cNvSpPr/>
-          <p:nvPr/>
-        </p:nvSpPr>
-        <p:spPr>
-          <a:xfrm>
-            <a:off x="-4948" y="11699776"/>
-            <a:ext cx="9148948" cy="2420888"/>
-          </a:xfrm>
-          <a:prstGeom prst="rect">
-            <a:avLst/>
-          </a:prstGeom>
-          <a:ln>
-            <a:noFill/>
-          </a:ln>
-        </p:spPr>
-        <p:style>
-          <a:lnRef idx="2">
-            <a:schemeClr val="accent1">
-              <a:shade val="50000"/>
-            </a:schemeClr>
-          </a:lnRef>
-          <a:fillRef idx="1">
-            <a:schemeClr val="accent1"/>
-          </a:fillRef>
-          <a:effectRef idx="0">
-            <a:schemeClr val="accent1"/>
-          </a:effectRef>
-          <a:fontRef idx="minor">
-            <a:schemeClr val="lt1"/>
-          </a:fontRef>
-        </p:style>
-        <p:txBody>
-          <a:bodyPr rtlCol="0" anchor="ctr"/>
-          <a:lstStyle/>
-          <a:p>
-            <a:pPr algn="ctr"/>
-            <a:endParaRPr lang="pt-BR"/>
-          </a:p>
-        </p:txBody>
-      </p:sp>
-      <p:sp>
-        <p:nvSpPr>
-          <p:cNvPr id="213" name="Retângulo 212"/>
-          <p:cNvSpPr/>
-          <p:nvPr/>
-        </p:nvSpPr>
-        <p:spPr>
-          <a:xfrm>
-            <a:off x="-4948" y="6858000"/>
-            <a:ext cx="9148948" cy="2420888"/>
-          </a:xfrm>
-          <a:prstGeom prst="rect">
-            <a:avLst/>
-          </a:prstGeom>
-          <a:ln>
-            <a:noFill/>
-          </a:ln>
-        </p:spPr>
-        <p:style>
-          <a:lnRef idx="2">
-            <a:schemeClr val="accent1">
-              <a:shade val="50000"/>
-            </a:schemeClr>
-          </a:lnRef>
-          <a:fillRef idx="1">
-            <a:schemeClr val="accent1"/>
-          </a:fillRef>
-          <a:effectRef idx="0">
-            <a:schemeClr val="accent1"/>
-          </a:effectRef>
-          <a:fontRef idx="minor">
-            <a:schemeClr val="lt1"/>
-          </a:fontRef>
-        </p:style>
-        <p:txBody>
-          <a:bodyPr rtlCol="0" anchor="ctr"/>
-          <a:lstStyle/>
-          <a:p>
-            <a:pPr algn="ctr"/>
-            <a:endParaRPr lang="pt-BR"/>
-          </a:p>
-        </p:txBody>
-      </p:sp>
-      <p:sp>
-        <p:nvSpPr>
-          <p:cNvPr id="214" name="Retângulo 213"/>
-          <p:cNvSpPr/>
-          <p:nvPr/>
-        </p:nvSpPr>
-        <p:spPr>
-          <a:xfrm>
-            <a:off x="-4948" y="9278888"/>
-            <a:ext cx="9148948" cy="2420888"/>
-          </a:xfrm>
-          <a:prstGeom prst="rect">
-            <a:avLst/>
-          </a:prstGeom>
-          <a:ln>
-            <a:noFill/>
-          </a:ln>
-        </p:spPr>
-        <p:style>
-          <a:lnRef idx="2">
-            <a:schemeClr val="accent1">
-              <a:shade val="50000"/>
-            </a:schemeClr>
-          </a:lnRef>
-          <a:fillRef idx="1">
-            <a:schemeClr val="accent1"/>
-          </a:fillRef>
-          <a:effectRef idx="0">
-            <a:schemeClr val="accent1"/>
-          </a:effectRef>
-          <a:fontRef idx="minor">
-            <a:schemeClr val="lt1"/>
-          </a:fontRef>
-        </p:style>
-        <p:txBody>
-          <a:bodyPr rtlCol="0" anchor="ctr"/>
-          <a:lstStyle/>
-          <a:p>
-            <a:pPr algn="ctr"/>
-            <a:endParaRPr lang="pt-BR"/>
-          </a:p>
-        </p:txBody>
-      </p:sp>
-      <p:sp>
-        <p:nvSpPr>
-          <p:cNvPr id="215" name="Retângulo 214"/>
-          <p:cNvSpPr/>
-          <p:nvPr/>
-        </p:nvSpPr>
-        <p:spPr>
-          <a:xfrm>
-            <a:off x="-4948" y="4437112"/>
-            <a:ext cx="9148948" cy="2420888"/>
-          </a:xfrm>
-          <a:prstGeom prst="rect">
-            <a:avLst/>
-          </a:prstGeom>
-          <a:ln>
-            <a:noFill/>
-          </a:ln>
-        </p:spPr>
-        <p:style>
-          <a:lnRef idx="2">
-            <a:schemeClr val="accent1">
-              <a:shade val="50000"/>
-            </a:schemeClr>
-          </a:lnRef>
-          <a:fillRef idx="1">
-            <a:schemeClr val="accent1"/>
-          </a:fillRef>
-          <a:effectRef idx="0">
-            <a:schemeClr val="accent1"/>
-          </a:effectRef>
-          <a:fontRef idx="minor">
-            <a:schemeClr val="lt1"/>
-          </a:fontRef>
-        </p:style>
-        <p:txBody>
-          <a:bodyPr rtlCol="0" anchor="ctr"/>
-          <a:lstStyle/>
-          <a:p>
-            <a:pPr algn="ctr"/>
-            <a:endParaRPr lang="pt-BR"/>
-          </a:p>
-        </p:txBody>
-      </p:sp>
-      <p:sp>
-        <p:nvSpPr>
-          <p:cNvPr id="216" name="Retângulo 215"/>
-          <p:cNvSpPr/>
-          <p:nvPr/>
-        </p:nvSpPr>
-        <p:spPr>
-          <a:xfrm>
-            <a:off x="-4948" y="14120664"/>
-            <a:ext cx="9148948" cy="2420888"/>
-          </a:xfrm>
-          <a:prstGeom prst="rect">
-            <a:avLst/>
-          </a:prstGeom>
-          <a:solidFill>
-            <a:srgbClr val="F6B600"/>
-          </a:solidFill>
-          <a:ln>
-            <a:noFill/>
-          </a:ln>
-        </p:spPr>
-        <p:style>
-          <a:lnRef idx="2">
-            <a:schemeClr val="accent1">
-              <a:shade val="50000"/>
-            </a:schemeClr>
-          </a:lnRef>
-          <a:fillRef idx="1">
-            <a:schemeClr val="accent1"/>
-          </a:fillRef>
-          <a:effectRef idx="0">
-            <a:schemeClr val="accent1"/>
-          </a:effectRef>
-          <a:fontRef idx="minor">
-            <a:schemeClr val="lt1"/>
-          </a:fontRef>
-        </p:style>
-        <p:txBody>
-          <a:bodyPr rtlCol="0" anchor="ctr"/>
-          <a:lstStyle/>
-          <a:p>
-            <a:pPr algn="ctr"/>
-            <a:endParaRPr lang="pt-BR" dirty="0"/>
-          </a:p>
-        </p:txBody>
-      </p:sp>
-      <p:sp>
-        <p:nvSpPr>
-          <p:cNvPr id="74" name="CaixaDeTexto 73"/>
-          <p:cNvSpPr txBox="1"/>
-          <p:nvPr/>
-        </p:nvSpPr>
-        <p:spPr>
-          <a:xfrm>
-            <a:off x="136446" y="14374216"/>
-            <a:ext cx="3547766" cy="584775"/>
-          </a:xfrm>
-          <a:prstGeom prst="rect">
-            <a:avLst/>
-          </a:prstGeom>
-          <a:noFill/>
-        </p:spPr>
-        <p:txBody>
-          <a:bodyPr wrap="none" rtlCol="0">
-            <a:spAutoFit/>
-          </a:bodyPr>
-          <a:lstStyle/>
-          <a:p>
-            <a:r>
-              <a:rPr lang="pt-BR" sz="3200" b="1" dirty="0" smtClean="0">
-                <a:solidFill>
-                  <a:schemeClr val="bg1"/>
-                </a:solidFill>
-                <a:latin typeface="Aharoni" panose="02010803020104030203" pitchFamily="2" charset="-79"/>
-                <a:cs typeface="Aharoni" panose="02010803020104030203" pitchFamily="2" charset="-79"/>
-              </a:rPr>
-              <a:t>@COPYRIGHT 2019</a:t>
-            </a:r>
-            <a:endParaRPr lang="pt-BR" sz="3200" b="1" dirty="0">
-              <a:solidFill>
-                <a:schemeClr val="bg1"/>
-              </a:solidFill>
-              <a:latin typeface="Aharoni" panose="02010803020104030203" pitchFamily="2" charset="-79"/>
-              <a:cs typeface="Aharoni" panose="02010803020104030203" pitchFamily="2" charset="-79"/>
-            </a:endParaRPr>
-          </a:p>
-        </p:txBody>
-      </p:sp>
-      <p:sp>
-        <p:nvSpPr>
-          <p:cNvPr id="3" name="Retângulo 2"/>
-          <p:cNvSpPr/>
-          <p:nvPr/>
-        </p:nvSpPr>
-        <p:spPr>
-          <a:xfrm>
-            <a:off x="-11930" y="1281416"/>
-            <a:ext cx="1691680" cy="652024"/>
-          </a:xfrm>
-          <a:prstGeom prst="rect">
-            <a:avLst/>
-          </a:prstGeom>
-          <a:solidFill>
-            <a:srgbClr val="D29B00"/>
-          </a:solidFill>
-          <a:ln>
-            <a:noFill/>
-          </a:ln>
-        </p:spPr>
-        <p:style>
-          <a:lnRef idx="2">
-            <a:schemeClr val="accent1">
-              <a:shade val="50000"/>
-            </a:schemeClr>
-          </a:lnRef>
-          <a:fillRef idx="1">
-            <a:schemeClr val="accent1"/>
-          </a:fillRef>
-          <a:effectRef idx="0">
-            <a:schemeClr val="accent1"/>
-          </a:effectRef>
-          <a:fontRef idx="minor">
-            <a:schemeClr val="lt1"/>
-          </a:fontRef>
-        </p:style>
-        <p:txBody>
-          <a:bodyPr rtlCol="0" anchor="ctr"/>
-          <a:lstStyle/>
-          <a:p>
-            <a:pPr algn="ctr"/>
-            <a:r>
-              <a:rPr lang="pt-BR" b="1" dirty="0">
-                <a:latin typeface="Agency FB" panose="020B0503020202020204" pitchFamily="34" charset="0"/>
-              </a:rPr>
-              <a:t>HOME </a:t>
-            </a:r>
-            <a:endParaRPr lang="pt-BR" dirty="0"/>
-          </a:p>
-        </p:txBody>
-      </p:sp>
-    </p:spTree>
-    <p:extLst>
-      <p:ext uri="{BB962C8B-B14F-4D97-AF65-F5344CB8AC3E}">
-        <p14:creationId xmlns:p14="http://schemas.microsoft.com/office/powerpoint/2010/main" val="3720797462"/>
-      </p:ext>
-    </p:extLst>
-  </p:cSld>
-  <p:clrMapOvr>
-    <a:masterClrMapping/>
-  </p:clrMapOvr>
-  <p:timing>
-    <p:tnLst>
-      <p:par>
-        <p:cTn id="1" dur="indefinite" restart="never" nodeType="tmRoot"/>
-      </p:par>
-    </p:tnLst>
-  </p:timing>
-</p:sld>
-</file>
-
-<file path=ppt/slides/slide4.xml><?xml version="1.0" encoding="utf-8"?>
-<p:sld xmlns:a="http://schemas.openxmlformats.org/drawingml/2006/main" xmlns:r="http://schemas.openxmlformats.org/officeDocument/2006/relationships" xmlns:p="http://schemas.openxmlformats.org/presentationml/2006/main">
-  <p:cSld>
-    <p:bg>
-      <p:bgPr>
-        <a:solidFill>
           <a:srgbClr val="F3C34B"/>
         </a:solidFill>
         <a:effectLst/>
@@ -13108,7 +9481,7 @@
           <p:cNvPr id="253" name="Balão de Pensamento: Nuvem 16">
             <a:extLst>
               <a:ext uri="{FF2B5EF4-FFF2-40B4-BE49-F238E27FC236}">
-                <a16:creationId xmlns:a16="http://schemas.microsoft.com/office/drawing/2014/main" xmlns="" id="{5C57BA0A-9700-43BD-9104-CC30BC0DE381}"/>
+                <a16:creationId xmlns="" xmlns:a16="http://schemas.microsoft.com/office/drawing/2014/main" id="{5C57BA0A-9700-43BD-9104-CC30BC0DE381}"/>
               </a:ext>
             </a:extLst>
           </p:cNvPr>
@@ -13178,7 +9551,7 @@
             <p:cNvPr id="255" name="Agrupar 15">
               <a:extLst>
                 <a:ext uri="{FF2B5EF4-FFF2-40B4-BE49-F238E27FC236}">
-                  <a16:creationId xmlns:a16="http://schemas.microsoft.com/office/drawing/2014/main" xmlns="" id="{CDA0B437-9E5C-43AF-AD41-CFFD83C35D59}"/>
+                  <a16:creationId xmlns="" xmlns:a16="http://schemas.microsoft.com/office/drawing/2014/main" id="{CDA0B437-9E5C-43AF-AD41-CFFD83C35D59}"/>
                 </a:ext>
               </a:extLst>
             </p:cNvPr>
@@ -14183,7 +10556,7 @@
             <p:cNvPr id="256" name="Agrupar 15">
               <a:extLst>
                 <a:ext uri="{FF2B5EF4-FFF2-40B4-BE49-F238E27FC236}">
-                  <a16:creationId xmlns:a16="http://schemas.microsoft.com/office/drawing/2014/main" xmlns="" id="{CDA0B437-9E5C-43AF-AD41-CFFD83C35D59}"/>
+                  <a16:creationId xmlns="" xmlns:a16="http://schemas.microsoft.com/office/drawing/2014/main" id="{CDA0B437-9E5C-43AF-AD41-CFFD83C35D59}"/>
                 </a:ext>
               </a:extLst>
             </p:cNvPr>
@@ -16023,6 +12396,2838 @@
 </p:sld>
 </file>
 
+<file path=ppt/slides/slide4.xml><?xml version="1.0" encoding="utf-8"?>
+<p:sld xmlns:a="http://schemas.openxmlformats.org/drawingml/2006/main" xmlns:r="http://schemas.openxmlformats.org/officeDocument/2006/relationships" xmlns:p="http://schemas.openxmlformats.org/presentationml/2006/main">
+  <p:cSld>
+    <p:bg>
+      <p:bgPr>
+        <a:gradFill flip="none" rotWithShape="1">
+          <a:gsLst>
+            <a:gs pos="47000">
+              <a:schemeClr val="bg1">
+                <a:lumMod val="85000"/>
+              </a:schemeClr>
+            </a:gs>
+            <a:gs pos="29000">
+              <a:schemeClr val="bg1">
+                <a:lumMod val="75000"/>
+              </a:schemeClr>
+            </a:gs>
+            <a:gs pos="0">
+              <a:schemeClr val="bg1">
+                <a:lumMod val="65000"/>
+              </a:schemeClr>
+            </a:gs>
+            <a:gs pos="100000">
+              <a:schemeClr val="bg1"/>
+            </a:gs>
+            <a:gs pos="84000">
+              <a:schemeClr val="bg1">
+                <a:lumMod val="95000"/>
+              </a:schemeClr>
+            </a:gs>
+          </a:gsLst>
+          <a:path path="circle">
+            <a:fillToRect l="100000" t="100000"/>
+          </a:path>
+          <a:tileRect r="-100000" b="-100000"/>
+        </a:gradFill>
+        <a:effectLst/>
+      </p:bgPr>
+    </p:bg>
+    <p:spTree>
+      <p:nvGrpSpPr>
+        <p:cNvPr id="1" name=""/>
+        <p:cNvGrpSpPr/>
+        <p:nvPr/>
+      </p:nvGrpSpPr>
+      <p:grpSpPr>
+        <a:xfrm>
+          <a:off x="0" y="0"/>
+          <a:ext cx="0" cy="0"/>
+          <a:chOff x="0" y="0"/>
+          <a:chExt cx="0" cy="0"/>
+        </a:xfrm>
+      </p:grpSpPr>
+      <p:sp>
+        <p:nvSpPr>
+          <p:cNvPr id="61" name="Retângulo 60"/>
+          <p:cNvSpPr/>
+          <p:nvPr/>
+        </p:nvSpPr>
+        <p:spPr>
+          <a:xfrm>
+            <a:off x="0" y="6237311"/>
+            <a:ext cx="9168408" cy="632301"/>
+          </a:xfrm>
+          <a:prstGeom prst="rect">
+            <a:avLst/>
+          </a:prstGeom>
+          <a:solidFill>
+            <a:srgbClr val="452E23"/>
+          </a:solidFill>
+          <a:ln>
+            <a:noFill/>
+          </a:ln>
+        </p:spPr>
+        <p:style>
+          <a:lnRef idx="2">
+            <a:schemeClr val="accent1">
+              <a:shade val="50000"/>
+            </a:schemeClr>
+          </a:lnRef>
+          <a:fillRef idx="1">
+            <a:schemeClr val="accent1"/>
+          </a:fillRef>
+          <a:effectRef idx="0">
+            <a:schemeClr val="accent1"/>
+          </a:effectRef>
+          <a:fontRef idx="minor">
+            <a:schemeClr val="lt1"/>
+          </a:fontRef>
+        </p:style>
+        <p:txBody>
+          <a:bodyPr rtlCol="0" anchor="ctr"/>
+          <a:lstStyle/>
+          <a:p>
+            <a:pPr algn="ctr"/>
+            <a:endParaRPr lang="pt-BR"/>
+          </a:p>
+        </p:txBody>
+      </p:sp>
+      <p:grpSp>
+        <p:nvGrpSpPr>
+          <p:cNvPr id="6" name="Grupo 5"/>
+          <p:cNvGrpSpPr/>
+          <p:nvPr/>
+        </p:nvGrpSpPr>
+        <p:grpSpPr>
+          <a:xfrm>
+            <a:off x="6383425" y="3640625"/>
+            <a:ext cx="1800200" cy="2881145"/>
+            <a:chOff x="4932040" y="2276872"/>
+            <a:chExt cx="1800200" cy="2881145"/>
+          </a:xfrm>
+          <a:effectLst>
+            <a:outerShdw blurRad="63500" sx="102000" sy="102000" algn="ctr" rotWithShape="0">
+              <a:prstClr val="black">
+                <a:alpha val="40000"/>
+              </a:prstClr>
+            </a:outerShdw>
+          </a:effectLst>
+        </p:grpSpPr>
+        <p:grpSp>
+          <p:nvGrpSpPr>
+            <p:cNvPr id="7" name="Grupo 6"/>
+            <p:cNvGrpSpPr/>
+            <p:nvPr/>
+          </p:nvGrpSpPr>
+          <p:grpSpPr>
+            <a:xfrm>
+              <a:off x="4932040" y="2276872"/>
+              <a:ext cx="1800200" cy="2881145"/>
+              <a:chOff x="2289158" y="-972054"/>
+              <a:chExt cx="4467298" cy="7149725"/>
+            </a:xfrm>
+          </p:grpSpPr>
+          <p:grpSp>
+            <p:nvGrpSpPr>
+              <p:cNvPr id="10" name="Grupo 9"/>
+              <p:cNvGrpSpPr/>
+              <p:nvPr/>
+            </p:nvGrpSpPr>
+            <p:grpSpPr>
+              <a:xfrm flipH="1">
+                <a:off x="4638586" y="-959094"/>
+                <a:ext cx="866611" cy="1209141"/>
+                <a:chOff x="2977842" y="959720"/>
+                <a:chExt cx="866611" cy="1209141"/>
+              </a:xfrm>
+            </p:grpSpPr>
+            <p:grpSp>
+              <p:nvGrpSpPr>
+                <p:cNvPr id="50" name="Grupo 49"/>
+                <p:cNvGrpSpPr/>
+                <p:nvPr/>
+              </p:nvGrpSpPr>
+              <p:grpSpPr>
+                <a:xfrm rot="20181812">
+                  <a:off x="2977842" y="959720"/>
+                  <a:ext cx="866611" cy="1209141"/>
+                  <a:chOff x="1221113" y="2759920"/>
+                  <a:chExt cx="866611" cy="1209141"/>
+                </a:xfrm>
+              </p:grpSpPr>
+              <p:sp>
+                <p:nvSpPr>
+                  <p:cNvPr id="55" name="Retângulo de cantos arredondados 54"/>
+                  <p:cNvSpPr/>
+                  <p:nvPr/>
+                </p:nvSpPr>
+                <p:spPr>
+                  <a:xfrm rot="3764710">
+                    <a:off x="1331640" y="3212976"/>
+                    <a:ext cx="1080120" cy="432048"/>
+                  </a:xfrm>
+                  <a:prstGeom prst="roundRect">
+                    <a:avLst/>
+                  </a:prstGeom>
+                  <a:solidFill>
+                    <a:schemeClr val="bg1">
+                      <a:lumMod val="65000"/>
+                    </a:schemeClr>
+                  </a:solidFill>
+                  <a:ln>
+                    <a:noFill/>
+                  </a:ln>
+                </p:spPr>
+                <p:style>
+                  <a:lnRef idx="2">
+                    <a:schemeClr val="accent1">
+                      <a:shade val="50000"/>
+                    </a:schemeClr>
+                  </a:lnRef>
+                  <a:fillRef idx="1">
+                    <a:schemeClr val="accent1"/>
+                  </a:fillRef>
+                  <a:effectRef idx="0">
+                    <a:schemeClr val="accent1"/>
+                  </a:effectRef>
+                  <a:fontRef idx="minor">
+                    <a:schemeClr val="lt1"/>
+                  </a:fontRef>
+                </p:style>
+                <p:txBody>
+                  <a:bodyPr rtlCol="0" anchor="ctr"/>
+                  <a:lstStyle/>
+                  <a:p>
+                    <a:pPr algn="ctr"/>
+                    <a:endParaRPr lang="pt-BR"/>
+                  </a:p>
+                </p:txBody>
+              </p:sp>
+              <p:sp>
+                <p:nvSpPr>
+                  <p:cNvPr id="56" name="Retângulo de cantos arredondados 55"/>
+                  <p:cNvSpPr/>
+                  <p:nvPr/>
+                </p:nvSpPr>
+                <p:spPr>
+                  <a:xfrm rot="17835290" flipH="1">
+                    <a:off x="897077" y="3212977"/>
+                    <a:ext cx="1080120" cy="432048"/>
+                  </a:xfrm>
+                  <a:prstGeom prst="roundRect">
+                    <a:avLst/>
+                  </a:prstGeom>
+                  <a:solidFill>
+                    <a:schemeClr val="bg1">
+                      <a:lumMod val="65000"/>
+                    </a:schemeClr>
+                  </a:solidFill>
+                  <a:ln>
+                    <a:noFill/>
+                  </a:ln>
+                </p:spPr>
+                <p:style>
+                  <a:lnRef idx="2">
+                    <a:schemeClr val="accent1">
+                      <a:shade val="50000"/>
+                    </a:schemeClr>
+                  </a:lnRef>
+                  <a:fillRef idx="1">
+                    <a:schemeClr val="accent1"/>
+                  </a:fillRef>
+                  <a:effectRef idx="0">
+                    <a:schemeClr val="accent1"/>
+                  </a:effectRef>
+                  <a:fontRef idx="minor">
+                    <a:schemeClr val="lt1"/>
+                  </a:fontRef>
+                </p:style>
+                <p:txBody>
+                  <a:bodyPr rtlCol="0" anchor="ctr"/>
+                  <a:lstStyle/>
+                  <a:p>
+                    <a:pPr algn="ctr"/>
+                    <a:endParaRPr lang="pt-BR"/>
+                  </a:p>
+                </p:txBody>
+              </p:sp>
+              <p:sp>
+                <p:nvSpPr>
+                  <p:cNvPr id="57" name="Elipse 56"/>
+                  <p:cNvSpPr/>
+                  <p:nvPr/>
+                </p:nvSpPr>
+                <p:spPr>
+                  <a:xfrm>
+                    <a:off x="1455586" y="2759920"/>
+                    <a:ext cx="387157" cy="363005"/>
+                  </a:xfrm>
+                  <a:prstGeom prst="ellipse">
+                    <a:avLst/>
+                  </a:prstGeom>
+                  <a:solidFill>
+                    <a:schemeClr val="bg1">
+                      <a:lumMod val="65000"/>
+                    </a:schemeClr>
+                  </a:solidFill>
+                  <a:ln>
+                    <a:noFill/>
+                  </a:ln>
+                </p:spPr>
+                <p:style>
+                  <a:lnRef idx="2">
+                    <a:schemeClr val="accent1">
+                      <a:shade val="50000"/>
+                    </a:schemeClr>
+                  </a:lnRef>
+                  <a:fillRef idx="1">
+                    <a:schemeClr val="accent1"/>
+                  </a:fillRef>
+                  <a:effectRef idx="0">
+                    <a:schemeClr val="accent1"/>
+                  </a:effectRef>
+                  <a:fontRef idx="minor">
+                    <a:schemeClr val="lt1"/>
+                  </a:fontRef>
+                </p:style>
+                <p:txBody>
+                  <a:bodyPr rtlCol="0" anchor="ctr"/>
+                  <a:lstStyle/>
+                  <a:p>
+                    <a:pPr algn="ctr"/>
+                    <a:endParaRPr lang="pt-BR"/>
+                  </a:p>
+                </p:txBody>
+              </p:sp>
+            </p:grpSp>
+            <p:grpSp>
+              <p:nvGrpSpPr>
+                <p:cNvPr id="51" name="Grupo 50"/>
+                <p:cNvGrpSpPr/>
+                <p:nvPr/>
+              </p:nvGrpSpPr>
+              <p:grpSpPr>
+                <a:xfrm rot="20181812">
+                  <a:off x="3154751" y="1212162"/>
+                  <a:ext cx="386565" cy="553531"/>
+                  <a:chOff x="1221113" y="2759920"/>
+                  <a:chExt cx="866611" cy="1209141"/>
+                </a:xfrm>
+                <a:solidFill>
+                  <a:srgbClr val="626262"/>
+                </a:solidFill>
+              </p:grpSpPr>
+              <p:sp>
+                <p:nvSpPr>
+                  <p:cNvPr id="52" name="Retângulo de cantos arredondados 51"/>
+                  <p:cNvSpPr/>
+                  <p:nvPr/>
+                </p:nvSpPr>
+                <p:spPr>
+                  <a:xfrm rot="3764710">
+                    <a:off x="1331640" y="3212976"/>
+                    <a:ext cx="1080120" cy="432048"/>
+                  </a:xfrm>
+                  <a:prstGeom prst="roundRect">
+                    <a:avLst/>
+                  </a:prstGeom>
+                  <a:grpFill/>
+                  <a:ln>
+                    <a:noFill/>
+                  </a:ln>
+                </p:spPr>
+                <p:style>
+                  <a:lnRef idx="2">
+                    <a:schemeClr val="accent1">
+                      <a:shade val="50000"/>
+                    </a:schemeClr>
+                  </a:lnRef>
+                  <a:fillRef idx="1">
+                    <a:schemeClr val="accent1"/>
+                  </a:fillRef>
+                  <a:effectRef idx="0">
+                    <a:schemeClr val="accent1"/>
+                  </a:effectRef>
+                  <a:fontRef idx="minor">
+                    <a:schemeClr val="lt1"/>
+                  </a:fontRef>
+                </p:style>
+                <p:txBody>
+                  <a:bodyPr rtlCol="0" anchor="ctr"/>
+                  <a:lstStyle/>
+                  <a:p>
+                    <a:pPr algn="ctr"/>
+                    <a:endParaRPr lang="pt-BR"/>
+                  </a:p>
+                </p:txBody>
+              </p:sp>
+              <p:sp>
+                <p:nvSpPr>
+                  <p:cNvPr id="53" name="Retângulo de cantos arredondados 52"/>
+                  <p:cNvSpPr/>
+                  <p:nvPr/>
+                </p:nvSpPr>
+                <p:spPr>
+                  <a:xfrm rot="17835290" flipH="1">
+                    <a:off x="897077" y="3212977"/>
+                    <a:ext cx="1080120" cy="432048"/>
+                  </a:xfrm>
+                  <a:prstGeom prst="roundRect">
+                    <a:avLst/>
+                  </a:prstGeom>
+                  <a:grpFill/>
+                  <a:ln>
+                    <a:noFill/>
+                  </a:ln>
+                </p:spPr>
+                <p:style>
+                  <a:lnRef idx="2">
+                    <a:schemeClr val="accent1">
+                      <a:shade val="50000"/>
+                    </a:schemeClr>
+                  </a:lnRef>
+                  <a:fillRef idx="1">
+                    <a:schemeClr val="accent1"/>
+                  </a:fillRef>
+                  <a:effectRef idx="0">
+                    <a:schemeClr val="accent1"/>
+                  </a:effectRef>
+                  <a:fontRef idx="minor">
+                    <a:schemeClr val="lt1"/>
+                  </a:fontRef>
+                </p:style>
+                <p:txBody>
+                  <a:bodyPr rtlCol="0" anchor="ctr"/>
+                  <a:lstStyle/>
+                  <a:p>
+                    <a:pPr algn="ctr"/>
+                    <a:endParaRPr lang="pt-BR"/>
+                  </a:p>
+                </p:txBody>
+              </p:sp>
+              <p:sp>
+                <p:nvSpPr>
+                  <p:cNvPr id="54" name="Elipse 53"/>
+                  <p:cNvSpPr/>
+                  <p:nvPr/>
+                </p:nvSpPr>
+                <p:spPr>
+                  <a:xfrm>
+                    <a:off x="1455586" y="2759920"/>
+                    <a:ext cx="387157" cy="363005"/>
+                  </a:xfrm>
+                  <a:prstGeom prst="ellipse">
+                    <a:avLst/>
+                  </a:prstGeom>
+                  <a:grpFill/>
+                  <a:ln>
+                    <a:noFill/>
+                  </a:ln>
+                </p:spPr>
+                <p:style>
+                  <a:lnRef idx="2">
+                    <a:schemeClr val="accent1">
+                      <a:shade val="50000"/>
+                    </a:schemeClr>
+                  </a:lnRef>
+                  <a:fillRef idx="1">
+                    <a:schemeClr val="accent1"/>
+                  </a:fillRef>
+                  <a:effectRef idx="0">
+                    <a:schemeClr val="accent1"/>
+                  </a:effectRef>
+                  <a:fontRef idx="minor">
+                    <a:schemeClr val="lt1"/>
+                  </a:fontRef>
+                </p:style>
+                <p:txBody>
+                  <a:bodyPr rtlCol="0" anchor="ctr"/>
+                  <a:lstStyle/>
+                  <a:p>
+                    <a:pPr algn="ctr"/>
+                    <a:endParaRPr lang="pt-BR"/>
+                  </a:p>
+                </p:txBody>
+              </p:sp>
+            </p:grpSp>
+          </p:grpSp>
+          <p:grpSp>
+            <p:nvGrpSpPr>
+              <p:cNvPr id="11" name="Grupo 10"/>
+              <p:cNvGrpSpPr/>
+              <p:nvPr/>
+            </p:nvGrpSpPr>
+            <p:grpSpPr>
+              <a:xfrm>
+                <a:off x="3044428" y="-972054"/>
+                <a:ext cx="866611" cy="1209141"/>
+                <a:chOff x="2977842" y="959720"/>
+                <a:chExt cx="866611" cy="1209141"/>
+              </a:xfrm>
+            </p:grpSpPr>
+            <p:grpSp>
+              <p:nvGrpSpPr>
+                <p:cNvPr id="42" name="Grupo 41"/>
+                <p:cNvGrpSpPr/>
+                <p:nvPr/>
+              </p:nvGrpSpPr>
+              <p:grpSpPr>
+                <a:xfrm rot="20181812">
+                  <a:off x="2977842" y="959720"/>
+                  <a:ext cx="866611" cy="1209141"/>
+                  <a:chOff x="1221113" y="2759920"/>
+                  <a:chExt cx="866611" cy="1209141"/>
+                </a:xfrm>
+              </p:grpSpPr>
+              <p:sp>
+                <p:nvSpPr>
+                  <p:cNvPr id="47" name="Retângulo de cantos arredondados 46"/>
+                  <p:cNvSpPr/>
+                  <p:nvPr/>
+                </p:nvSpPr>
+                <p:spPr>
+                  <a:xfrm rot="3764710">
+                    <a:off x="1331640" y="3212976"/>
+                    <a:ext cx="1080120" cy="432048"/>
+                  </a:xfrm>
+                  <a:prstGeom prst="roundRect">
+                    <a:avLst/>
+                  </a:prstGeom>
+                  <a:solidFill>
+                    <a:schemeClr val="bg1">
+                      <a:lumMod val="65000"/>
+                    </a:schemeClr>
+                  </a:solidFill>
+                  <a:ln>
+                    <a:noFill/>
+                  </a:ln>
+                </p:spPr>
+                <p:style>
+                  <a:lnRef idx="2">
+                    <a:schemeClr val="accent1">
+                      <a:shade val="50000"/>
+                    </a:schemeClr>
+                  </a:lnRef>
+                  <a:fillRef idx="1">
+                    <a:schemeClr val="accent1"/>
+                  </a:fillRef>
+                  <a:effectRef idx="0">
+                    <a:schemeClr val="accent1"/>
+                  </a:effectRef>
+                  <a:fontRef idx="minor">
+                    <a:schemeClr val="lt1"/>
+                  </a:fontRef>
+                </p:style>
+                <p:txBody>
+                  <a:bodyPr rtlCol="0" anchor="ctr"/>
+                  <a:lstStyle/>
+                  <a:p>
+                    <a:pPr algn="ctr"/>
+                    <a:endParaRPr lang="pt-BR"/>
+                  </a:p>
+                </p:txBody>
+              </p:sp>
+              <p:sp>
+                <p:nvSpPr>
+                  <p:cNvPr id="48" name="Retângulo de cantos arredondados 47"/>
+                  <p:cNvSpPr/>
+                  <p:nvPr/>
+                </p:nvSpPr>
+                <p:spPr>
+                  <a:xfrm rot="17835290" flipH="1">
+                    <a:off x="897077" y="3212977"/>
+                    <a:ext cx="1080120" cy="432048"/>
+                  </a:xfrm>
+                  <a:prstGeom prst="roundRect">
+                    <a:avLst/>
+                  </a:prstGeom>
+                  <a:solidFill>
+                    <a:schemeClr val="bg1">
+                      <a:lumMod val="65000"/>
+                    </a:schemeClr>
+                  </a:solidFill>
+                  <a:ln>
+                    <a:noFill/>
+                  </a:ln>
+                </p:spPr>
+                <p:style>
+                  <a:lnRef idx="2">
+                    <a:schemeClr val="accent1">
+                      <a:shade val="50000"/>
+                    </a:schemeClr>
+                  </a:lnRef>
+                  <a:fillRef idx="1">
+                    <a:schemeClr val="accent1"/>
+                  </a:fillRef>
+                  <a:effectRef idx="0">
+                    <a:schemeClr val="accent1"/>
+                  </a:effectRef>
+                  <a:fontRef idx="minor">
+                    <a:schemeClr val="lt1"/>
+                  </a:fontRef>
+                </p:style>
+                <p:txBody>
+                  <a:bodyPr rtlCol="0" anchor="ctr"/>
+                  <a:lstStyle/>
+                  <a:p>
+                    <a:pPr algn="ctr"/>
+                    <a:endParaRPr lang="pt-BR"/>
+                  </a:p>
+                </p:txBody>
+              </p:sp>
+              <p:sp>
+                <p:nvSpPr>
+                  <p:cNvPr id="49" name="Elipse 48"/>
+                  <p:cNvSpPr/>
+                  <p:nvPr/>
+                </p:nvSpPr>
+                <p:spPr>
+                  <a:xfrm>
+                    <a:off x="1455586" y="2759920"/>
+                    <a:ext cx="387157" cy="363005"/>
+                  </a:xfrm>
+                  <a:prstGeom prst="ellipse">
+                    <a:avLst/>
+                  </a:prstGeom>
+                  <a:solidFill>
+                    <a:schemeClr val="bg1">
+                      <a:lumMod val="65000"/>
+                    </a:schemeClr>
+                  </a:solidFill>
+                  <a:ln>
+                    <a:noFill/>
+                  </a:ln>
+                </p:spPr>
+                <p:style>
+                  <a:lnRef idx="2">
+                    <a:schemeClr val="accent1">
+                      <a:shade val="50000"/>
+                    </a:schemeClr>
+                  </a:lnRef>
+                  <a:fillRef idx="1">
+                    <a:schemeClr val="accent1"/>
+                  </a:fillRef>
+                  <a:effectRef idx="0">
+                    <a:schemeClr val="accent1"/>
+                  </a:effectRef>
+                  <a:fontRef idx="minor">
+                    <a:schemeClr val="lt1"/>
+                  </a:fontRef>
+                </p:style>
+                <p:txBody>
+                  <a:bodyPr rtlCol="0" anchor="ctr"/>
+                  <a:lstStyle/>
+                  <a:p>
+                    <a:pPr algn="ctr"/>
+                    <a:endParaRPr lang="pt-BR"/>
+                  </a:p>
+                </p:txBody>
+              </p:sp>
+            </p:grpSp>
+            <p:grpSp>
+              <p:nvGrpSpPr>
+                <p:cNvPr id="43" name="Grupo 42"/>
+                <p:cNvGrpSpPr/>
+                <p:nvPr/>
+              </p:nvGrpSpPr>
+              <p:grpSpPr>
+                <a:xfrm rot="20181812">
+                  <a:off x="3154751" y="1212162"/>
+                  <a:ext cx="386565" cy="553531"/>
+                  <a:chOff x="1221113" y="2759920"/>
+                  <a:chExt cx="866611" cy="1209141"/>
+                </a:xfrm>
+                <a:solidFill>
+                  <a:srgbClr val="626262"/>
+                </a:solidFill>
+              </p:grpSpPr>
+              <p:sp>
+                <p:nvSpPr>
+                  <p:cNvPr id="44" name="Retângulo de cantos arredondados 43"/>
+                  <p:cNvSpPr/>
+                  <p:nvPr/>
+                </p:nvSpPr>
+                <p:spPr>
+                  <a:xfrm rot="3764710">
+                    <a:off x="1331640" y="3212976"/>
+                    <a:ext cx="1080120" cy="432048"/>
+                  </a:xfrm>
+                  <a:prstGeom prst="roundRect">
+                    <a:avLst/>
+                  </a:prstGeom>
+                  <a:grpFill/>
+                  <a:ln>
+                    <a:noFill/>
+                  </a:ln>
+                </p:spPr>
+                <p:style>
+                  <a:lnRef idx="2">
+                    <a:schemeClr val="accent1">
+                      <a:shade val="50000"/>
+                    </a:schemeClr>
+                  </a:lnRef>
+                  <a:fillRef idx="1">
+                    <a:schemeClr val="accent1"/>
+                  </a:fillRef>
+                  <a:effectRef idx="0">
+                    <a:schemeClr val="accent1"/>
+                  </a:effectRef>
+                  <a:fontRef idx="minor">
+                    <a:schemeClr val="lt1"/>
+                  </a:fontRef>
+                </p:style>
+                <p:txBody>
+                  <a:bodyPr rtlCol="0" anchor="ctr"/>
+                  <a:lstStyle/>
+                  <a:p>
+                    <a:pPr algn="ctr"/>
+                    <a:endParaRPr lang="pt-BR"/>
+                  </a:p>
+                </p:txBody>
+              </p:sp>
+              <p:sp>
+                <p:nvSpPr>
+                  <p:cNvPr id="45" name="Retângulo de cantos arredondados 44"/>
+                  <p:cNvSpPr/>
+                  <p:nvPr/>
+                </p:nvSpPr>
+                <p:spPr>
+                  <a:xfrm rot="17835290" flipH="1">
+                    <a:off x="897077" y="3212977"/>
+                    <a:ext cx="1080120" cy="432048"/>
+                  </a:xfrm>
+                  <a:prstGeom prst="roundRect">
+                    <a:avLst/>
+                  </a:prstGeom>
+                  <a:grpFill/>
+                  <a:ln>
+                    <a:noFill/>
+                  </a:ln>
+                </p:spPr>
+                <p:style>
+                  <a:lnRef idx="2">
+                    <a:schemeClr val="accent1">
+                      <a:shade val="50000"/>
+                    </a:schemeClr>
+                  </a:lnRef>
+                  <a:fillRef idx="1">
+                    <a:schemeClr val="accent1"/>
+                  </a:fillRef>
+                  <a:effectRef idx="0">
+                    <a:schemeClr val="accent1"/>
+                  </a:effectRef>
+                  <a:fontRef idx="minor">
+                    <a:schemeClr val="lt1"/>
+                  </a:fontRef>
+                </p:style>
+                <p:txBody>
+                  <a:bodyPr rtlCol="0" anchor="ctr"/>
+                  <a:lstStyle/>
+                  <a:p>
+                    <a:pPr algn="ctr"/>
+                    <a:endParaRPr lang="pt-BR"/>
+                  </a:p>
+                </p:txBody>
+              </p:sp>
+              <p:sp>
+                <p:nvSpPr>
+                  <p:cNvPr id="46" name="Elipse 45"/>
+                  <p:cNvSpPr/>
+                  <p:nvPr/>
+                </p:nvSpPr>
+                <p:spPr>
+                  <a:xfrm>
+                    <a:off x="1455586" y="2759920"/>
+                    <a:ext cx="387157" cy="363005"/>
+                  </a:xfrm>
+                  <a:prstGeom prst="ellipse">
+                    <a:avLst/>
+                  </a:prstGeom>
+                  <a:grpFill/>
+                  <a:ln>
+                    <a:noFill/>
+                  </a:ln>
+                </p:spPr>
+                <p:style>
+                  <a:lnRef idx="2">
+                    <a:schemeClr val="accent1">
+                      <a:shade val="50000"/>
+                    </a:schemeClr>
+                  </a:lnRef>
+                  <a:fillRef idx="1">
+                    <a:schemeClr val="accent1"/>
+                  </a:fillRef>
+                  <a:effectRef idx="0">
+                    <a:schemeClr val="accent1"/>
+                  </a:effectRef>
+                  <a:fontRef idx="minor">
+                    <a:schemeClr val="lt1"/>
+                  </a:fontRef>
+                </p:style>
+                <p:txBody>
+                  <a:bodyPr rtlCol="0" anchor="ctr"/>
+                  <a:lstStyle/>
+                  <a:p>
+                    <a:pPr algn="ctr"/>
+                    <a:endParaRPr lang="pt-BR"/>
+                  </a:p>
+                </p:txBody>
+              </p:sp>
+            </p:grpSp>
+          </p:grpSp>
+          <p:grpSp>
+            <p:nvGrpSpPr>
+              <p:cNvPr id="12" name="Grupo 11"/>
+              <p:cNvGrpSpPr/>
+              <p:nvPr/>
+            </p:nvGrpSpPr>
+            <p:grpSpPr>
+              <a:xfrm>
+                <a:off x="2289158" y="-649841"/>
+                <a:ext cx="4467298" cy="6827512"/>
+                <a:chOff x="2289158" y="-649841"/>
+                <a:chExt cx="4467298" cy="6827512"/>
+              </a:xfrm>
+            </p:grpSpPr>
+            <p:grpSp>
+              <p:nvGrpSpPr>
+                <p:cNvPr id="13" name="Grupo 12"/>
+                <p:cNvGrpSpPr/>
+                <p:nvPr/>
+              </p:nvGrpSpPr>
+              <p:grpSpPr>
+                <a:xfrm rot="3902623">
+                  <a:off x="4913975" y="3772173"/>
+                  <a:ext cx="746051" cy="2938911"/>
+                  <a:chOff x="6804246" y="1683538"/>
+                  <a:chExt cx="1008112" cy="4101862"/>
+                </a:xfrm>
+              </p:grpSpPr>
+              <p:sp>
+                <p:nvSpPr>
+                  <p:cNvPr id="37" name="Elipse 36"/>
+                  <p:cNvSpPr/>
+                  <p:nvPr/>
+                </p:nvSpPr>
+                <p:spPr>
+                  <a:xfrm rot="16200000">
+                    <a:off x="5257373" y="3230414"/>
+                    <a:ext cx="4101862" cy="1008112"/>
+                  </a:xfrm>
+                  <a:prstGeom prst="ellipse">
+                    <a:avLst/>
+                  </a:prstGeom>
+                  <a:solidFill>
+                    <a:srgbClr val="BFBFBF"/>
+                  </a:solidFill>
+                  <a:ln>
+                    <a:noFill/>
+                  </a:ln>
+                </p:spPr>
+                <p:style>
+                  <a:lnRef idx="2">
+                    <a:schemeClr val="accent1">
+                      <a:shade val="50000"/>
+                    </a:schemeClr>
+                  </a:lnRef>
+                  <a:fillRef idx="1">
+                    <a:schemeClr val="accent1"/>
+                  </a:fillRef>
+                  <a:effectRef idx="0">
+                    <a:schemeClr val="accent1"/>
+                  </a:effectRef>
+                  <a:fontRef idx="minor">
+                    <a:schemeClr val="lt1"/>
+                  </a:fontRef>
+                </p:style>
+                <p:txBody>
+                  <a:bodyPr rtlCol="0" anchor="ctr"/>
+                  <a:lstStyle/>
+                  <a:p>
+                    <a:pPr algn="ctr"/>
+                    <a:endParaRPr lang="pt-BR"/>
+                  </a:p>
+                </p:txBody>
+              </p:sp>
+              <p:sp>
+                <p:nvSpPr>
+                  <p:cNvPr id="38" name="Elipse 81"/>
+                  <p:cNvSpPr/>
+                  <p:nvPr/>
+                </p:nvSpPr>
+                <p:spPr>
+                  <a:xfrm rot="5400000">
+                    <a:off x="6990336" y="4604262"/>
+                    <a:ext cx="629180" cy="870945"/>
+                  </a:xfrm>
+                  <a:custGeom>
+                    <a:avLst/>
+                    <a:gdLst/>
+                    <a:ahLst/>
+                    <a:cxnLst/>
+                    <a:rect l="l" t="t" r="r" b="b"/>
+                    <a:pathLst>
+                      <a:path w="629180" h="870945">
+                        <a:moveTo>
+                          <a:pt x="0" y="432096"/>
+                        </a:moveTo>
+                        <a:cubicBezTo>
+                          <a:pt x="0" y="275708"/>
+                          <a:pt x="13474" y="128478"/>
+                          <a:pt x="38846" y="0"/>
+                        </a:cubicBezTo>
+                        <a:cubicBezTo>
+                          <a:pt x="258046" y="30731"/>
+                          <a:pt x="451424" y="71713"/>
+                          <a:pt x="609224" y="120406"/>
+                        </a:cubicBezTo>
+                        <a:cubicBezTo>
+                          <a:pt x="622575" y="217583"/>
+                          <a:pt x="629180" y="322595"/>
+                          <a:pt x="629180" y="432096"/>
+                        </a:cubicBezTo>
+                        <a:cubicBezTo>
+                          <a:pt x="629180" y="544296"/>
+                          <a:pt x="622245" y="651781"/>
+                          <a:pt x="608456" y="750980"/>
+                        </a:cubicBezTo>
+                        <a:cubicBezTo>
+                          <a:pt x="451097" y="799462"/>
+                          <a:pt x="258431" y="840296"/>
+                          <a:pt x="40106" y="870945"/>
+                        </a:cubicBezTo>
+                        <a:cubicBezTo>
+                          <a:pt x="13950" y="740876"/>
+                          <a:pt x="0" y="591227"/>
+                          <a:pt x="0" y="432096"/>
+                        </a:cubicBezTo>
+                        <a:close/>
+                      </a:path>
+                    </a:pathLst>
+                  </a:custGeom>
+                  <a:solidFill>
+                    <a:schemeClr val="tx1">
+                      <a:lumMod val="85000"/>
+                      <a:lumOff val="15000"/>
+                    </a:schemeClr>
+                  </a:solidFill>
+                  <a:ln>
+                    <a:noFill/>
+                  </a:ln>
+                </p:spPr>
+                <p:style>
+                  <a:lnRef idx="2">
+                    <a:schemeClr val="accent1">
+                      <a:shade val="50000"/>
+                    </a:schemeClr>
+                  </a:lnRef>
+                  <a:fillRef idx="1">
+                    <a:schemeClr val="accent1"/>
+                  </a:fillRef>
+                  <a:effectRef idx="0">
+                    <a:schemeClr val="accent1"/>
+                  </a:effectRef>
+                  <a:fontRef idx="minor">
+                    <a:schemeClr val="lt1"/>
+                  </a:fontRef>
+                </p:style>
+                <p:txBody>
+                  <a:bodyPr rtlCol="0" anchor="ctr"/>
+                  <a:lstStyle/>
+                  <a:p>
+                    <a:pPr algn="ctr"/>
+                    <a:endParaRPr lang="pt-BR"/>
+                  </a:p>
+                </p:txBody>
+              </p:sp>
+              <p:sp>
+                <p:nvSpPr>
+                  <p:cNvPr id="39" name="Elipse 82"/>
+                  <p:cNvSpPr/>
+                  <p:nvPr/>
+                </p:nvSpPr>
+                <p:spPr>
+                  <a:xfrm rot="5400000">
+                    <a:off x="6993713" y="3589918"/>
+                    <a:ext cx="629180" cy="1003466"/>
+                  </a:xfrm>
+                  <a:custGeom>
+                    <a:avLst/>
+                    <a:gdLst/>
+                    <a:ahLst/>
+                    <a:cxnLst/>
+                    <a:rect l="l" t="t" r="r" b="b"/>
+                    <a:pathLst>
+                      <a:path w="629180" h="1003466">
+                        <a:moveTo>
+                          <a:pt x="0" y="501734"/>
+                        </a:moveTo>
+                        <a:cubicBezTo>
+                          <a:pt x="0" y="316451"/>
+                          <a:pt x="18912" y="144023"/>
+                          <a:pt x="51834" y="0"/>
+                        </a:cubicBezTo>
+                        <a:cubicBezTo>
+                          <a:pt x="235701" y="228"/>
+                          <a:pt x="413245" y="8210"/>
+                          <a:pt x="581364" y="21544"/>
+                        </a:cubicBezTo>
+                        <a:cubicBezTo>
+                          <a:pt x="612078" y="160968"/>
+                          <a:pt x="629180" y="325538"/>
+                          <a:pt x="629180" y="501734"/>
+                        </a:cubicBezTo>
+                        <a:cubicBezTo>
+                          <a:pt x="629180" y="677929"/>
+                          <a:pt x="612078" y="842498"/>
+                          <a:pt x="581365" y="981922"/>
+                        </a:cubicBezTo>
+                        <a:cubicBezTo>
+                          <a:pt x="413246" y="995256"/>
+                          <a:pt x="235701" y="1003238"/>
+                          <a:pt x="51834" y="1003466"/>
+                        </a:cubicBezTo>
+                        <a:cubicBezTo>
+                          <a:pt x="18912" y="859444"/>
+                          <a:pt x="0" y="687016"/>
+                          <a:pt x="0" y="501734"/>
+                        </a:cubicBezTo>
+                        <a:close/>
+                      </a:path>
+                    </a:pathLst>
+                  </a:custGeom>
+                  <a:solidFill>
+                    <a:schemeClr val="tx1">
+                      <a:lumMod val="85000"/>
+                      <a:lumOff val="15000"/>
+                    </a:schemeClr>
+                  </a:solidFill>
+                  <a:ln>
+                    <a:noFill/>
+                  </a:ln>
+                </p:spPr>
+                <p:style>
+                  <a:lnRef idx="2">
+                    <a:schemeClr val="accent1">
+                      <a:shade val="50000"/>
+                    </a:schemeClr>
+                  </a:lnRef>
+                  <a:fillRef idx="1">
+                    <a:schemeClr val="accent1"/>
+                  </a:fillRef>
+                  <a:effectRef idx="0">
+                    <a:schemeClr val="accent1"/>
+                  </a:effectRef>
+                  <a:fontRef idx="minor">
+                    <a:schemeClr val="lt1"/>
+                  </a:fontRef>
+                </p:style>
+                <p:txBody>
+                  <a:bodyPr rtlCol="0" anchor="ctr"/>
+                  <a:lstStyle/>
+                  <a:p>
+                    <a:pPr algn="ctr"/>
+                    <a:endParaRPr lang="pt-BR"/>
+                  </a:p>
+                </p:txBody>
+              </p:sp>
+              <p:sp>
+                <p:nvSpPr>
+                  <p:cNvPr id="40" name="Elipse 83"/>
+                  <p:cNvSpPr/>
+                  <p:nvPr/>
+                </p:nvSpPr>
+                <p:spPr>
+                  <a:xfrm rot="5400000">
+                    <a:off x="6990242" y="2670999"/>
+                    <a:ext cx="629180" cy="993054"/>
+                  </a:xfrm>
+                  <a:custGeom>
+                    <a:avLst/>
+                    <a:gdLst/>
+                    <a:ahLst/>
+                    <a:cxnLst/>
+                    <a:rect l="l" t="t" r="r" b="b"/>
+                    <a:pathLst>
+                      <a:path w="629180" h="993054">
+                        <a:moveTo>
+                          <a:pt x="0" y="496526"/>
+                        </a:moveTo>
+                        <a:cubicBezTo>
+                          <a:pt x="0" y="328839"/>
+                          <a:pt x="15491" y="171681"/>
+                          <a:pt x="43998" y="36805"/>
+                        </a:cubicBezTo>
+                        <a:cubicBezTo>
+                          <a:pt x="211354" y="17910"/>
+                          <a:pt x="390655" y="4818"/>
+                          <a:pt x="578317" y="0"/>
+                        </a:cubicBezTo>
+                        <a:cubicBezTo>
+                          <a:pt x="610716" y="142929"/>
+                          <a:pt x="629180" y="313452"/>
+                          <a:pt x="629180" y="496526"/>
+                        </a:cubicBezTo>
+                        <a:cubicBezTo>
+                          <a:pt x="629180" y="679600"/>
+                          <a:pt x="610716" y="850124"/>
+                          <a:pt x="578317" y="993054"/>
+                        </a:cubicBezTo>
+                        <a:cubicBezTo>
+                          <a:pt x="390655" y="988236"/>
+                          <a:pt x="211354" y="975143"/>
+                          <a:pt x="43999" y="956249"/>
+                        </a:cubicBezTo>
+                        <a:cubicBezTo>
+                          <a:pt x="15491" y="821372"/>
+                          <a:pt x="0" y="664214"/>
+                          <a:pt x="0" y="496526"/>
+                        </a:cubicBezTo>
+                        <a:close/>
+                      </a:path>
+                    </a:pathLst>
+                  </a:custGeom>
+                  <a:solidFill>
+                    <a:schemeClr val="tx1">
+                      <a:lumMod val="85000"/>
+                      <a:lumOff val="15000"/>
+                    </a:schemeClr>
+                  </a:solidFill>
+                  <a:ln>
+                    <a:noFill/>
+                  </a:ln>
+                </p:spPr>
+                <p:style>
+                  <a:lnRef idx="2">
+                    <a:schemeClr val="accent1">
+                      <a:shade val="50000"/>
+                    </a:schemeClr>
+                  </a:lnRef>
+                  <a:fillRef idx="1">
+                    <a:schemeClr val="accent1"/>
+                  </a:fillRef>
+                  <a:effectRef idx="0">
+                    <a:schemeClr val="accent1"/>
+                  </a:effectRef>
+                  <a:fontRef idx="minor">
+                    <a:schemeClr val="lt1"/>
+                  </a:fontRef>
+                </p:style>
+                <p:txBody>
+                  <a:bodyPr rtlCol="0" anchor="ctr"/>
+                  <a:lstStyle/>
+                  <a:p>
+                    <a:pPr algn="ctr"/>
+                    <a:endParaRPr lang="pt-BR"/>
+                  </a:p>
+                </p:txBody>
+              </p:sp>
+              <p:sp>
+                <p:nvSpPr>
+                  <p:cNvPr id="41" name="Elipse 84"/>
+                  <p:cNvSpPr/>
+                  <p:nvPr/>
+                </p:nvSpPr>
+                <p:spPr>
+                  <a:xfrm rot="5400000">
+                    <a:off x="6990357" y="1813858"/>
+                    <a:ext cx="629180" cy="794512"/>
+                  </a:xfrm>
+                  <a:custGeom>
+                    <a:avLst/>
+                    <a:gdLst/>
+                    <a:ahLst/>
+                    <a:cxnLst/>
+                    <a:rect l="l" t="t" r="r" b="b"/>
+                    <a:pathLst>
+                      <a:path w="629180" h="794512">
+                        <a:moveTo>
+                          <a:pt x="0" y="393900"/>
+                        </a:moveTo>
+                        <a:cubicBezTo>
+                          <a:pt x="0" y="319919"/>
+                          <a:pt x="3015" y="247987"/>
+                          <a:pt x="9615" y="179164"/>
+                        </a:cubicBezTo>
+                        <a:cubicBezTo>
+                          <a:pt x="147198" y="107923"/>
+                          <a:pt x="349547" y="46832"/>
+                          <a:pt x="597458" y="0"/>
+                        </a:cubicBezTo>
+                        <a:cubicBezTo>
+                          <a:pt x="618213" y="119167"/>
+                          <a:pt x="629180" y="252806"/>
+                          <a:pt x="629180" y="393900"/>
+                        </a:cubicBezTo>
+                        <a:cubicBezTo>
+                          <a:pt x="629180" y="537655"/>
+                          <a:pt x="617796" y="673671"/>
+                          <a:pt x="596206" y="794512"/>
+                        </a:cubicBezTo>
+                        <a:cubicBezTo>
+                          <a:pt x="349335" y="747793"/>
+                          <a:pt x="147731" y="686932"/>
+                          <a:pt x="10398" y="615977"/>
+                        </a:cubicBezTo>
+                        <a:cubicBezTo>
+                          <a:pt x="3234" y="544939"/>
+                          <a:pt x="0" y="470519"/>
+                          <a:pt x="0" y="393900"/>
+                        </a:cubicBezTo>
+                        <a:close/>
+                      </a:path>
+                    </a:pathLst>
+                  </a:custGeom>
+                  <a:solidFill>
+                    <a:schemeClr val="tx1">
+                      <a:lumMod val="85000"/>
+                      <a:lumOff val="15000"/>
+                    </a:schemeClr>
+                  </a:solidFill>
+                  <a:ln>
+                    <a:noFill/>
+                  </a:ln>
+                </p:spPr>
+                <p:style>
+                  <a:lnRef idx="2">
+                    <a:schemeClr val="accent1">
+                      <a:shade val="50000"/>
+                    </a:schemeClr>
+                  </a:lnRef>
+                  <a:fillRef idx="1">
+                    <a:schemeClr val="accent1"/>
+                  </a:fillRef>
+                  <a:effectRef idx="0">
+                    <a:schemeClr val="accent1"/>
+                  </a:effectRef>
+                  <a:fontRef idx="minor">
+                    <a:schemeClr val="lt1"/>
+                  </a:fontRef>
+                </p:style>
+                <p:txBody>
+                  <a:bodyPr rtlCol="0" anchor="ctr"/>
+                  <a:lstStyle/>
+                  <a:p>
+                    <a:pPr algn="ctr"/>
+                    <a:endParaRPr lang="pt-BR"/>
+                  </a:p>
+                </p:txBody>
+              </p:sp>
+            </p:grpSp>
+            <p:sp>
+              <p:nvSpPr>
+                <p:cNvPr id="14" name="Elipse 13"/>
+                <p:cNvSpPr/>
+                <p:nvPr/>
+              </p:nvSpPr>
+              <p:spPr>
+                <a:xfrm>
+                  <a:off x="2624100" y="524092"/>
+                  <a:ext cx="3266514" cy="5445224"/>
+                </a:xfrm>
+                <a:prstGeom prst="ellipse">
+                  <a:avLst/>
+                </a:prstGeom>
+                <a:solidFill>
+                  <a:schemeClr val="bg1">
+                    <a:lumMod val="75000"/>
+                  </a:schemeClr>
+                </a:solidFill>
+                <a:ln>
+                  <a:noFill/>
+                </a:ln>
+              </p:spPr>
+              <p:style>
+                <a:lnRef idx="2">
+                  <a:schemeClr val="accent1">
+                    <a:shade val="50000"/>
+                  </a:schemeClr>
+                </a:lnRef>
+                <a:fillRef idx="1">
+                  <a:schemeClr val="accent1"/>
+                </a:fillRef>
+                <a:effectRef idx="0">
+                  <a:schemeClr val="accent1"/>
+                </a:effectRef>
+                <a:fontRef idx="minor">
+                  <a:schemeClr val="lt1"/>
+                </a:fontRef>
+              </p:style>
+              <p:txBody>
+                <a:bodyPr rtlCol="0" anchor="ctr"/>
+                <a:lstStyle/>
+                <a:p>
+                  <a:pPr algn="ctr"/>
+                  <a:endParaRPr lang="pt-BR"/>
+                </a:p>
+              </p:txBody>
+            </p:sp>
+            <p:sp>
+              <p:nvSpPr>
+                <p:cNvPr id="15" name="Elipse 14"/>
+                <p:cNvSpPr/>
+                <p:nvPr/>
+              </p:nvSpPr>
+              <p:spPr>
+                <a:xfrm>
+                  <a:off x="2979548" y="1141055"/>
+                  <a:ext cx="2571842" cy="1224136"/>
+                </a:xfrm>
+                <a:prstGeom prst="ellipse">
+                  <a:avLst/>
+                </a:prstGeom>
+                <a:solidFill>
+                  <a:srgbClr val="626262"/>
+                </a:solidFill>
+                <a:ln>
+                  <a:noFill/>
+                </a:ln>
+              </p:spPr>
+              <p:style>
+                <a:lnRef idx="2">
+                  <a:schemeClr val="accent1">
+                    <a:shade val="50000"/>
+                  </a:schemeClr>
+                </a:lnRef>
+                <a:fillRef idx="1">
+                  <a:schemeClr val="accent1"/>
+                </a:fillRef>
+                <a:effectRef idx="0">
+                  <a:schemeClr val="accent1"/>
+                </a:effectRef>
+                <a:fontRef idx="minor">
+                  <a:schemeClr val="lt1"/>
+                </a:fontRef>
+              </p:style>
+              <p:txBody>
+                <a:bodyPr rtlCol="0" anchor="ctr"/>
+                <a:lstStyle/>
+                <a:p>
+                  <a:pPr algn="ctr"/>
+                  <a:endParaRPr lang="pt-BR"/>
+                </a:p>
+              </p:txBody>
+            </p:sp>
+            <p:sp>
+              <p:nvSpPr>
+                <p:cNvPr id="16" name="Elipse 15"/>
+                <p:cNvSpPr/>
+                <p:nvPr/>
+              </p:nvSpPr>
+              <p:spPr>
+                <a:xfrm rot="20465158" flipH="1">
+                  <a:off x="5495770" y="1405519"/>
+                  <a:ext cx="713437" cy="1819893"/>
+                </a:xfrm>
+                <a:prstGeom prst="ellipse">
+                  <a:avLst/>
+                </a:prstGeom>
+                <a:solidFill>
+                  <a:srgbClr val="262626"/>
+                </a:solidFill>
+                <a:ln>
+                  <a:noFill/>
+                </a:ln>
+              </p:spPr>
+              <p:style>
+                <a:lnRef idx="2">
+                  <a:schemeClr val="accent1">
+                    <a:shade val="50000"/>
+                  </a:schemeClr>
+                </a:lnRef>
+                <a:fillRef idx="1">
+                  <a:schemeClr val="accent1"/>
+                </a:fillRef>
+                <a:effectRef idx="0">
+                  <a:schemeClr val="accent1"/>
+                </a:effectRef>
+                <a:fontRef idx="minor">
+                  <a:schemeClr val="lt1"/>
+                </a:fontRef>
+              </p:style>
+              <p:txBody>
+                <a:bodyPr rtlCol="0" anchor="ctr"/>
+                <a:lstStyle/>
+                <a:p>
+                  <a:pPr algn="ctr"/>
+                  <a:endParaRPr lang="pt-BR"/>
+                </a:p>
+              </p:txBody>
+            </p:sp>
+            <p:sp>
+              <p:nvSpPr>
+                <p:cNvPr id="17" name="Elipse 16"/>
+                <p:cNvSpPr/>
+                <p:nvPr/>
+              </p:nvSpPr>
+              <p:spPr>
+                <a:xfrm rot="1134842">
+                  <a:off x="2289158" y="1407219"/>
+                  <a:ext cx="713437" cy="1819893"/>
+                </a:xfrm>
+                <a:prstGeom prst="ellipse">
+                  <a:avLst/>
+                </a:prstGeom>
+                <a:solidFill>
+                  <a:srgbClr val="262626"/>
+                </a:solidFill>
+                <a:ln>
+                  <a:noFill/>
+                </a:ln>
+              </p:spPr>
+              <p:style>
+                <a:lnRef idx="2">
+                  <a:schemeClr val="accent1">
+                    <a:shade val="50000"/>
+                  </a:schemeClr>
+                </a:lnRef>
+                <a:fillRef idx="1">
+                  <a:schemeClr val="accent1"/>
+                </a:fillRef>
+                <a:effectRef idx="0">
+                  <a:schemeClr val="accent1"/>
+                </a:effectRef>
+                <a:fontRef idx="minor">
+                  <a:schemeClr val="lt1"/>
+                </a:fontRef>
+              </p:style>
+              <p:txBody>
+                <a:bodyPr rtlCol="0" anchor="ctr"/>
+                <a:lstStyle/>
+                <a:p>
+                  <a:pPr algn="ctr"/>
+                  <a:endParaRPr lang="pt-BR"/>
+                </a:p>
+              </p:txBody>
+            </p:sp>
+            <p:sp>
+              <p:nvSpPr>
+                <p:cNvPr id="18" name="Lua 17"/>
+                <p:cNvSpPr/>
+                <p:nvPr/>
+              </p:nvSpPr>
+              <p:spPr>
+                <a:xfrm rot="5400000">
+                  <a:off x="3545389" y="-1382998"/>
+                  <a:ext cx="1440160" cy="2906473"/>
+                </a:xfrm>
+                <a:prstGeom prst="moon">
+                  <a:avLst>
+                    <a:gd name="adj" fmla="val 87500"/>
+                  </a:avLst>
+                </a:prstGeom>
+                <a:solidFill>
+                  <a:schemeClr val="bg1">
+                    <a:lumMod val="65000"/>
+                  </a:schemeClr>
+                </a:solidFill>
+                <a:ln>
+                  <a:noFill/>
+                </a:ln>
+              </p:spPr>
+              <p:style>
+                <a:lnRef idx="2">
+                  <a:schemeClr val="accent1">
+                    <a:shade val="50000"/>
+                  </a:schemeClr>
+                </a:lnRef>
+                <a:fillRef idx="1">
+                  <a:schemeClr val="accent1"/>
+                </a:fillRef>
+                <a:effectRef idx="0">
+                  <a:schemeClr val="accent1"/>
+                </a:effectRef>
+                <a:fontRef idx="minor">
+                  <a:schemeClr val="lt1"/>
+                </a:fontRef>
+              </p:style>
+              <p:txBody>
+                <a:bodyPr rtlCol="0" anchor="ctr"/>
+                <a:lstStyle/>
+                <a:p>
+                  <a:pPr algn="ctr"/>
+                  <a:endParaRPr lang="pt-BR"/>
+                </a:p>
+              </p:txBody>
+            </p:sp>
+            <p:sp>
+              <p:nvSpPr>
+                <p:cNvPr id="19" name="Retângulo de cantos arredondados 33"/>
+                <p:cNvSpPr/>
+                <p:nvPr/>
+              </p:nvSpPr>
+              <p:spPr>
+                <a:xfrm rot="977550" flipH="1">
+                  <a:off x="4102025" y="-36117"/>
+                  <a:ext cx="1728280" cy="476256"/>
+                </a:xfrm>
+                <a:custGeom>
+                  <a:avLst/>
+                  <a:gdLst/>
+                  <a:ahLst/>
+                  <a:cxnLst/>
+                  <a:rect l="l" t="t" r="r" b="b"/>
+                  <a:pathLst>
+                    <a:path w="1673106" h="476256">
+                      <a:moveTo>
+                        <a:pt x="1624626" y="6238"/>
+                      </a:moveTo>
+                      <a:cubicBezTo>
+                        <a:pt x="1653116" y="18288"/>
+                        <a:pt x="1673107" y="46498"/>
+                        <a:pt x="1673106" y="79378"/>
+                      </a:cubicBezTo>
+                      <a:lnTo>
+                        <a:pt x="1673106" y="396878"/>
+                      </a:lnTo>
+                      <a:cubicBezTo>
+                        <a:pt x="1673107" y="440717"/>
+                        <a:pt x="1637568" y="476256"/>
+                        <a:pt x="1593728" y="476256"/>
+                      </a:cubicBezTo>
+                      <a:lnTo>
+                        <a:pt x="0" y="476256"/>
+                      </a:lnTo>
+                      <a:cubicBezTo>
+                        <a:pt x="70147" y="293321"/>
+                        <a:pt x="175667" y="132733"/>
+                        <a:pt x="306466" y="0"/>
+                      </a:cubicBezTo>
+                      <a:lnTo>
+                        <a:pt x="1593729" y="0"/>
+                      </a:lnTo>
+                      <a:cubicBezTo>
+                        <a:pt x="1604688" y="0"/>
+                        <a:pt x="1615129" y="2221"/>
+                        <a:pt x="1624626" y="6238"/>
+                      </a:cubicBezTo>
+                      <a:close/>
+                    </a:path>
+                  </a:pathLst>
+                </a:custGeom>
+                <a:solidFill>
+                  <a:srgbClr val="626262"/>
+                </a:solidFill>
+                <a:ln>
+                  <a:noFill/>
+                </a:ln>
+              </p:spPr>
+              <p:style>
+                <a:lnRef idx="2">
+                  <a:schemeClr val="accent1">
+                    <a:shade val="50000"/>
+                  </a:schemeClr>
+                </a:lnRef>
+                <a:fillRef idx="1">
+                  <a:schemeClr val="accent1"/>
+                </a:fillRef>
+                <a:effectRef idx="0">
+                  <a:schemeClr val="accent1"/>
+                </a:effectRef>
+                <a:fontRef idx="minor">
+                  <a:schemeClr val="lt1"/>
+                </a:fontRef>
+              </p:style>
+              <p:txBody>
+                <a:bodyPr rtlCol="0" anchor="ctr"/>
+                <a:lstStyle/>
+                <a:p>
+                  <a:pPr algn="ctr"/>
+                  <a:endParaRPr lang="pt-BR"/>
+                </a:p>
+              </p:txBody>
+            </p:sp>
+            <p:sp>
+              <p:nvSpPr>
+                <p:cNvPr id="20" name="Retângulo de cantos arredondados 33"/>
+                <p:cNvSpPr/>
+                <p:nvPr/>
+              </p:nvSpPr>
+              <p:spPr>
+                <a:xfrm rot="20622450">
+                  <a:off x="2717669" y="-43855"/>
+                  <a:ext cx="1673106" cy="476256"/>
+                </a:xfrm>
+                <a:custGeom>
+                  <a:avLst/>
+                  <a:gdLst/>
+                  <a:ahLst/>
+                  <a:cxnLst/>
+                  <a:rect l="l" t="t" r="r" b="b"/>
+                  <a:pathLst>
+                    <a:path w="1673106" h="476256">
+                      <a:moveTo>
+                        <a:pt x="1624626" y="6238"/>
+                      </a:moveTo>
+                      <a:cubicBezTo>
+                        <a:pt x="1653116" y="18288"/>
+                        <a:pt x="1673107" y="46498"/>
+                        <a:pt x="1673106" y="79378"/>
+                      </a:cubicBezTo>
+                      <a:lnTo>
+                        <a:pt x="1673106" y="396878"/>
+                      </a:lnTo>
+                      <a:cubicBezTo>
+                        <a:pt x="1673107" y="440717"/>
+                        <a:pt x="1637568" y="476256"/>
+                        <a:pt x="1593728" y="476256"/>
+                      </a:cubicBezTo>
+                      <a:lnTo>
+                        <a:pt x="0" y="476256"/>
+                      </a:lnTo>
+                      <a:cubicBezTo>
+                        <a:pt x="70147" y="293321"/>
+                        <a:pt x="175667" y="132733"/>
+                        <a:pt x="306466" y="0"/>
+                      </a:cubicBezTo>
+                      <a:lnTo>
+                        <a:pt x="1593729" y="0"/>
+                      </a:lnTo>
+                      <a:cubicBezTo>
+                        <a:pt x="1604688" y="0"/>
+                        <a:pt x="1615129" y="2221"/>
+                        <a:pt x="1624626" y="6238"/>
+                      </a:cubicBezTo>
+                      <a:close/>
+                    </a:path>
+                  </a:pathLst>
+                </a:custGeom>
+                <a:solidFill>
+                  <a:srgbClr val="626262"/>
+                </a:solidFill>
+                <a:ln>
+                  <a:noFill/>
+                </a:ln>
+              </p:spPr>
+              <p:style>
+                <a:lnRef idx="2">
+                  <a:schemeClr val="accent1">
+                    <a:shade val="50000"/>
+                  </a:schemeClr>
+                </a:lnRef>
+                <a:fillRef idx="1">
+                  <a:schemeClr val="accent1"/>
+                </a:fillRef>
+                <a:effectRef idx="0">
+                  <a:schemeClr val="accent1"/>
+                </a:effectRef>
+                <a:fontRef idx="minor">
+                  <a:schemeClr val="lt1"/>
+                </a:fontRef>
+              </p:style>
+              <p:txBody>
+                <a:bodyPr rtlCol="0" anchor="ctr"/>
+                <a:lstStyle/>
+                <a:p>
+                  <a:pPr algn="ctr"/>
+                  <a:endParaRPr lang="pt-BR"/>
+                </a:p>
+              </p:txBody>
+            </p:sp>
+            <p:sp>
+              <p:nvSpPr>
+                <p:cNvPr id="21" name="Elipse 71"/>
+                <p:cNvSpPr/>
+                <p:nvPr/>
+              </p:nvSpPr>
+              <p:spPr>
+                <a:xfrm>
+                  <a:off x="2625179" y="202007"/>
+                  <a:ext cx="3264356" cy="1722409"/>
+                </a:xfrm>
+                <a:custGeom>
+                  <a:avLst/>
+                  <a:gdLst>
+                    <a:gd name="connsiteX0" fmla="*/ 0 w 3744416"/>
+                    <a:gd name="connsiteY0" fmla="*/ 647608 h 1295215"/>
+                    <a:gd name="connsiteX1" fmla="*/ 1872208 w 3744416"/>
+                    <a:gd name="connsiteY1" fmla="*/ 0 h 1295215"/>
+                    <a:gd name="connsiteX2" fmla="*/ 3744416 w 3744416"/>
+                    <a:gd name="connsiteY2" fmla="*/ 647608 h 1295215"/>
+                    <a:gd name="connsiteX3" fmla="*/ 1872208 w 3744416"/>
+                    <a:gd name="connsiteY3" fmla="*/ 1295216 h 1295215"/>
+                    <a:gd name="connsiteX4" fmla="*/ 0 w 3744416"/>
+                    <a:gd name="connsiteY4" fmla="*/ 647608 h 1295215"/>
+                    <a:gd name="connsiteX0" fmla="*/ 0 w 3470096"/>
+                    <a:gd name="connsiteY0" fmla="*/ 647801 h 1295642"/>
+                    <a:gd name="connsiteX1" fmla="*/ 1872208 w 3470096"/>
+                    <a:gd name="connsiteY1" fmla="*/ 193 h 1295642"/>
+                    <a:gd name="connsiteX2" fmla="*/ 3470096 w 3470096"/>
+                    <a:gd name="connsiteY2" fmla="*/ 701141 h 1295642"/>
+                    <a:gd name="connsiteX3" fmla="*/ 1872208 w 3470096"/>
+                    <a:gd name="connsiteY3" fmla="*/ 1295409 h 1295642"/>
+                    <a:gd name="connsiteX4" fmla="*/ 0 w 3470096"/>
+                    <a:gd name="connsiteY4" fmla="*/ 647801 h 1295642"/>
+                    <a:gd name="connsiteX0" fmla="*/ 0 w 3264356"/>
+                    <a:gd name="connsiteY0" fmla="*/ 693332 h 1295225"/>
+                    <a:gd name="connsiteX1" fmla="*/ 1666468 w 3264356"/>
+                    <a:gd name="connsiteY1" fmla="*/ 4 h 1295225"/>
+                    <a:gd name="connsiteX2" fmla="*/ 3264356 w 3264356"/>
+                    <a:gd name="connsiteY2" fmla="*/ 700952 h 1295225"/>
+                    <a:gd name="connsiteX3" fmla="*/ 1666468 w 3264356"/>
+                    <a:gd name="connsiteY3" fmla="*/ 1295220 h 1295225"/>
+                    <a:gd name="connsiteX4" fmla="*/ 0 w 3264356"/>
+                    <a:gd name="connsiteY4" fmla="*/ 693332 h 1295225"/>
+                  </a:gdLst>
+                  <a:ahLst/>
+                  <a:cxnLst>
+                    <a:cxn ang="0">
+                      <a:pos x="connsiteX0" y="connsiteY0"/>
+                    </a:cxn>
+                    <a:cxn ang="0">
+                      <a:pos x="connsiteX1" y="connsiteY1"/>
+                    </a:cxn>
+                    <a:cxn ang="0">
+                      <a:pos x="connsiteX2" y="connsiteY2"/>
+                    </a:cxn>
+                    <a:cxn ang="0">
+                      <a:pos x="connsiteX3" y="connsiteY3"/>
+                    </a:cxn>
+                    <a:cxn ang="0">
+                      <a:pos x="connsiteX4" y="connsiteY4"/>
+                    </a:cxn>
+                  </a:cxnLst>
+                  <a:rect l="l" t="t" r="r" b="b"/>
+                  <a:pathLst>
+                    <a:path w="3264356" h="1295225">
+                      <a:moveTo>
+                        <a:pt x="0" y="693332"/>
+                      </a:moveTo>
+                      <a:cubicBezTo>
+                        <a:pt x="0" y="335668"/>
+                        <a:pt x="1122409" y="-1266"/>
+                        <a:pt x="1666468" y="4"/>
+                      </a:cubicBezTo>
+                      <a:cubicBezTo>
+                        <a:pt x="2210527" y="1274"/>
+                        <a:pt x="3264356" y="343288"/>
+                        <a:pt x="3264356" y="700952"/>
+                      </a:cubicBezTo>
+                      <a:cubicBezTo>
+                        <a:pt x="3264356" y="1058616"/>
+                        <a:pt x="2210527" y="1296490"/>
+                        <a:pt x="1666468" y="1295220"/>
+                      </a:cubicBezTo>
+                      <a:cubicBezTo>
+                        <a:pt x="1122409" y="1293950"/>
+                        <a:pt x="0" y="1050996"/>
+                        <a:pt x="0" y="693332"/>
+                      </a:cubicBezTo>
+                      <a:close/>
+                    </a:path>
+                  </a:pathLst>
+                </a:custGeom>
+                <a:solidFill>
+                  <a:schemeClr val="bg1">
+                    <a:lumMod val="65000"/>
+                  </a:schemeClr>
+                </a:solidFill>
+                <a:ln>
+                  <a:noFill/>
+                </a:ln>
+              </p:spPr>
+              <p:style>
+                <a:lnRef idx="2">
+                  <a:schemeClr val="accent1">
+                    <a:shade val="50000"/>
+                  </a:schemeClr>
+                </a:lnRef>
+                <a:fillRef idx="1">
+                  <a:schemeClr val="accent1"/>
+                </a:fillRef>
+                <a:effectRef idx="0">
+                  <a:schemeClr val="accent1"/>
+                </a:effectRef>
+                <a:fontRef idx="minor">
+                  <a:schemeClr val="lt1"/>
+                </a:fontRef>
+              </p:style>
+              <p:txBody>
+                <a:bodyPr rtlCol="0" anchor="ctr"/>
+                <a:lstStyle/>
+                <a:p>
+                  <a:pPr algn="ctr"/>
+                  <a:endParaRPr lang="pt-BR"/>
+                </a:p>
+              </p:txBody>
+            </p:sp>
+            <p:sp>
+              <p:nvSpPr>
+                <p:cNvPr id="22" name="Elipse 21"/>
+                <p:cNvSpPr/>
+                <p:nvPr/>
+              </p:nvSpPr>
+              <p:spPr>
+                <a:xfrm>
+                  <a:off x="3738763" y="910543"/>
+                  <a:ext cx="1013873" cy="1013873"/>
+                </a:xfrm>
+                <a:prstGeom prst="ellipse">
+                  <a:avLst/>
+                </a:prstGeom>
+                <a:solidFill>
+                  <a:schemeClr val="bg1">
+                    <a:lumMod val="75000"/>
+                  </a:schemeClr>
+                </a:solidFill>
+                <a:ln>
+                  <a:noFill/>
+                </a:ln>
+              </p:spPr>
+              <p:style>
+                <a:lnRef idx="2">
+                  <a:schemeClr val="accent1">
+                    <a:shade val="50000"/>
+                  </a:schemeClr>
+                </a:lnRef>
+                <a:fillRef idx="1">
+                  <a:schemeClr val="accent1"/>
+                </a:fillRef>
+                <a:effectRef idx="0">
+                  <a:schemeClr val="accent1"/>
+                </a:effectRef>
+                <a:fontRef idx="minor">
+                  <a:schemeClr val="lt1"/>
+                </a:fontRef>
+              </p:style>
+              <p:txBody>
+                <a:bodyPr rtlCol="0" anchor="ctr"/>
+                <a:lstStyle/>
+                <a:p>
+                  <a:pPr algn="ctr"/>
+                  <a:endParaRPr lang="pt-BR"/>
+                </a:p>
+              </p:txBody>
+            </p:sp>
+            <p:sp>
+              <p:nvSpPr>
+                <p:cNvPr id="23" name="Retângulo de cantos arredondados 22"/>
+                <p:cNvSpPr/>
+                <p:nvPr/>
+              </p:nvSpPr>
+              <p:spPr>
+                <a:xfrm>
+                  <a:off x="4069922" y="125750"/>
+                  <a:ext cx="354064" cy="1371476"/>
+                </a:xfrm>
+                <a:prstGeom prst="roundRect">
+                  <a:avLst/>
+                </a:prstGeom>
+                <a:solidFill>
+                  <a:srgbClr val="626262"/>
+                </a:solidFill>
+                <a:ln>
+                  <a:noFill/>
+                </a:ln>
+              </p:spPr>
+              <p:style>
+                <a:lnRef idx="2">
+                  <a:schemeClr val="accent1">
+                    <a:shade val="50000"/>
+                  </a:schemeClr>
+                </a:lnRef>
+                <a:fillRef idx="1">
+                  <a:schemeClr val="accent1"/>
+                </a:fillRef>
+                <a:effectRef idx="0">
+                  <a:schemeClr val="accent1"/>
+                </a:effectRef>
+                <a:fontRef idx="minor">
+                  <a:schemeClr val="lt1"/>
+                </a:fontRef>
+              </p:style>
+              <p:txBody>
+                <a:bodyPr rtlCol="0" anchor="ctr"/>
+                <a:lstStyle/>
+                <a:p>
+                  <a:pPr algn="ctr"/>
+                  <a:endParaRPr lang="pt-BR"/>
+                </a:p>
+              </p:txBody>
+            </p:sp>
+            <p:grpSp>
+              <p:nvGrpSpPr>
+                <p:cNvPr id="24" name="Grupo 23"/>
+                <p:cNvGrpSpPr/>
+                <p:nvPr/>
+              </p:nvGrpSpPr>
+              <p:grpSpPr>
+                <a:xfrm>
+                  <a:off x="3002848" y="255825"/>
+                  <a:ext cx="1139521" cy="1111326"/>
+                  <a:chOff x="2821544" y="2133785"/>
+                  <a:chExt cx="1254240" cy="1223207"/>
+                </a:xfrm>
+              </p:grpSpPr>
+              <p:sp>
+                <p:nvSpPr>
+                  <p:cNvPr id="34" name="Elipse 33"/>
+                  <p:cNvSpPr/>
+                  <p:nvPr/>
+                </p:nvSpPr>
+                <p:spPr>
+                  <a:xfrm>
+                    <a:off x="2821544" y="2133785"/>
+                    <a:ext cx="1254240" cy="1223207"/>
+                  </a:xfrm>
+                  <a:prstGeom prst="ellipse">
+                    <a:avLst/>
+                  </a:prstGeom>
+                  <a:solidFill>
+                    <a:schemeClr val="tx1">
+                      <a:lumMod val="95000"/>
+                      <a:lumOff val="5000"/>
+                    </a:schemeClr>
+                  </a:solidFill>
+                  <a:ln>
+                    <a:noFill/>
+                  </a:ln>
+                </p:spPr>
+                <p:style>
+                  <a:lnRef idx="2">
+                    <a:schemeClr val="accent1">
+                      <a:shade val="50000"/>
+                    </a:schemeClr>
+                  </a:lnRef>
+                  <a:fillRef idx="1">
+                    <a:schemeClr val="accent1"/>
+                  </a:fillRef>
+                  <a:effectRef idx="0">
+                    <a:schemeClr val="accent1"/>
+                  </a:effectRef>
+                  <a:fontRef idx="minor">
+                    <a:schemeClr val="lt1"/>
+                  </a:fontRef>
+                </p:style>
+                <p:txBody>
+                  <a:bodyPr rtlCol="0" anchor="ctr"/>
+                  <a:lstStyle/>
+                  <a:p>
+                    <a:pPr algn="ctr"/>
+                    <a:endParaRPr lang="pt-BR"/>
+                  </a:p>
+                </p:txBody>
+              </p:sp>
+              <p:sp>
+                <p:nvSpPr>
+                  <p:cNvPr id="35" name="Elipse 34"/>
+                  <p:cNvSpPr/>
+                  <p:nvPr/>
+                </p:nvSpPr>
+                <p:spPr>
+                  <a:xfrm>
+                    <a:off x="3382856" y="2385054"/>
+                    <a:ext cx="439448" cy="439448"/>
+                  </a:xfrm>
+                  <a:prstGeom prst="ellipse">
+                    <a:avLst/>
+                  </a:prstGeom>
+                  <a:solidFill>
+                    <a:schemeClr val="bg1"/>
+                  </a:solidFill>
+                  <a:ln>
+                    <a:noFill/>
+                  </a:ln>
+                </p:spPr>
+                <p:style>
+                  <a:lnRef idx="2">
+                    <a:schemeClr val="accent1">
+                      <a:shade val="50000"/>
+                    </a:schemeClr>
+                  </a:lnRef>
+                  <a:fillRef idx="1">
+                    <a:schemeClr val="accent1"/>
+                  </a:fillRef>
+                  <a:effectRef idx="0">
+                    <a:schemeClr val="accent1"/>
+                  </a:effectRef>
+                  <a:fontRef idx="minor">
+                    <a:schemeClr val="lt1"/>
+                  </a:fontRef>
+                </p:style>
+                <p:txBody>
+                  <a:bodyPr rtlCol="0" anchor="ctr"/>
+                  <a:lstStyle/>
+                  <a:p>
+                    <a:pPr algn="ctr"/>
+                    <a:endParaRPr lang="pt-BR"/>
+                  </a:p>
+                </p:txBody>
+              </p:sp>
+              <p:sp>
+                <p:nvSpPr>
+                  <p:cNvPr id="36" name="Elipse 35"/>
+                  <p:cNvSpPr/>
+                  <p:nvPr/>
+                </p:nvSpPr>
+                <p:spPr>
+                  <a:xfrm>
+                    <a:off x="2897357" y="2604778"/>
+                    <a:ext cx="551307" cy="536189"/>
+                  </a:xfrm>
+                  <a:prstGeom prst="ellipse">
+                    <a:avLst/>
+                  </a:prstGeom>
+                  <a:solidFill>
+                    <a:srgbClr val="2C2C2C"/>
+                  </a:solidFill>
+                  <a:ln>
+                    <a:noFill/>
+                  </a:ln>
+                  <a:effectLst>
+                    <a:outerShdw blurRad="63500" sx="102000" sy="102000" algn="ctr" rotWithShape="0">
+                      <a:prstClr val="black">
+                        <a:alpha val="40000"/>
+                      </a:prstClr>
+                    </a:outerShdw>
+                    <a:softEdge rad="127000"/>
+                  </a:effectLst>
+                </p:spPr>
+                <p:style>
+                  <a:lnRef idx="2">
+                    <a:schemeClr val="accent1">
+                      <a:shade val="50000"/>
+                    </a:schemeClr>
+                  </a:lnRef>
+                  <a:fillRef idx="1">
+                    <a:schemeClr val="accent1"/>
+                  </a:fillRef>
+                  <a:effectRef idx="0">
+                    <a:schemeClr val="accent1"/>
+                  </a:effectRef>
+                  <a:fontRef idx="minor">
+                    <a:schemeClr val="lt1"/>
+                  </a:fontRef>
+                </p:style>
+                <p:txBody>
+                  <a:bodyPr rtlCol="0" anchor="ctr"/>
+                  <a:lstStyle/>
+                  <a:p>
+                    <a:pPr algn="ctr"/>
+                    <a:endParaRPr lang="pt-BR"/>
+                  </a:p>
+                </p:txBody>
+              </p:sp>
+            </p:grpSp>
+            <p:sp>
+              <p:nvSpPr>
+                <p:cNvPr id="25" name="Elipse 24"/>
+                <p:cNvSpPr/>
+                <p:nvPr/>
+              </p:nvSpPr>
+              <p:spPr>
+                <a:xfrm>
+                  <a:off x="3888890" y="1313337"/>
+                  <a:ext cx="740059" cy="439786"/>
+                </a:xfrm>
+                <a:prstGeom prst="ellipse">
+                  <a:avLst/>
+                </a:prstGeom>
+                <a:solidFill>
+                  <a:schemeClr val="tx1"/>
+                </a:solidFill>
+                <a:ln>
+                  <a:noFill/>
+                </a:ln>
+              </p:spPr>
+              <p:style>
+                <a:lnRef idx="2">
+                  <a:schemeClr val="accent1">
+                    <a:shade val="50000"/>
+                  </a:schemeClr>
+                </a:lnRef>
+                <a:fillRef idx="1">
+                  <a:schemeClr val="accent1"/>
+                </a:fillRef>
+                <a:effectRef idx="0">
+                  <a:schemeClr val="accent1"/>
+                </a:effectRef>
+                <a:fontRef idx="minor">
+                  <a:schemeClr val="lt1"/>
+                </a:fontRef>
+              </p:style>
+              <p:txBody>
+                <a:bodyPr rtlCol="0" anchor="ctr"/>
+                <a:lstStyle/>
+                <a:p>
+                  <a:pPr algn="ctr"/>
+                  <a:endParaRPr lang="pt-BR"/>
+                </a:p>
+              </p:txBody>
+            </p:sp>
+            <p:sp>
+              <p:nvSpPr>
+                <p:cNvPr id="26" name="Elipse 25"/>
+                <p:cNvSpPr/>
+                <p:nvPr/>
+              </p:nvSpPr>
+              <p:spPr>
+                <a:xfrm>
+                  <a:off x="4042278" y="1430742"/>
+                  <a:ext cx="72448" cy="72008"/>
+                </a:xfrm>
+                <a:prstGeom prst="ellipse">
+                  <a:avLst/>
+                </a:prstGeom>
+                <a:solidFill>
+                  <a:schemeClr val="bg1"/>
+                </a:solidFill>
+                <a:ln>
+                  <a:noFill/>
+                </a:ln>
+              </p:spPr>
+              <p:style>
+                <a:lnRef idx="2">
+                  <a:schemeClr val="accent1">
+                    <a:shade val="50000"/>
+                  </a:schemeClr>
+                </a:lnRef>
+                <a:fillRef idx="1">
+                  <a:schemeClr val="accent1"/>
+                </a:fillRef>
+                <a:effectRef idx="0">
+                  <a:schemeClr val="accent1"/>
+                </a:effectRef>
+                <a:fontRef idx="minor">
+                  <a:schemeClr val="lt1"/>
+                </a:fontRef>
+              </p:style>
+              <p:txBody>
+                <a:bodyPr rtlCol="0" anchor="ctr"/>
+                <a:lstStyle/>
+                <a:p>
+                  <a:pPr algn="ctr"/>
+                  <a:endParaRPr lang="pt-BR" dirty="0"/>
+                </a:p>
+              </p:txBody>
+            </p:sp>
+            <p:grpSp>
+              <p:nvGrpSpPr>
+                <p:cNvPr id="27" name="Grupo 26"/>
+                <p:cNvGrpSpPr/>
+                <p:nvPr/>
+              </p:nvGrpSpPr>
+              <p:grpSpPr>
+                <a:xfrm flipH="1">
+                  <a:off x="4355235" y="255825"/>
+                  <a:ext cx="1139521" cy="1111326"/>
+                  <a:chOff x="2821544" y="2133785"/>
+                  <a:chExt cx="1254240" cy="1223207"/>
+                </a:xfrm>
+              </p:grpSpPr>
+              <p:sp>
+                <p:nvSpPr>
+                  <p:cNvPr id="31" name="Elipse 30"/>
+                  <p:cNvSpPr/>
+                  <p:nvPr/>
+                </p:nvSpPr>
+                <p:spPr>
+                  <a:xfrm flipH="1">
+                    <a:off x="2821544" y="2133785"/>
+                    <a:ext cx="1254240" cy="1223207"/>
+                  </a:xfrm>
+                  <a:prstGeom prst="ellipse">
+                    <a:avLst/>
+                  </a:prstGeom>
+                  <a:solidFill>
+                    <a:schemeClr val="tx1">
+                      <a:lumMod val="95000"/>
+                      <a:lumOff val="5000"/>
+                    </a:schemeClr>
+                  </a:solidFill>
+                  <a:ln>
+                    <a:noFill/>
+                  </a:ln>
+                </p:spPr>
+                <p:style>
+                  <a:lnRef idx="2">
+                    <a:schemeClr val="accent1">
+                      <a:shade val="50000"/>
+                    </a:schemeClr>
+                  </a:lnRef>
+                  <a:fillRef idx="1">
+                    <a:schemeClr val="accent1"/>
+                  </a:fillRef>
+                  <a:effectRef idx="0">
+                    <a:schemeClr val="accent1"/>
+                  </a:effectRef>
+                  <a:fontRef idx="minor">
+                    <a:schemeClr val="lt1"/>
+                  </a:fontRef>
+                </p:style>
+                <p:txBody>
+                  <a:bodyPr rtlCol="0" anchor="ctr"/>
+                  <a:lstStyle/>
+                  <a:p>
+                    <a:pPr algn="ctr"/>
+                    <a:endParaRPr lang="pt-BR"/>
+                  </a:p>
+                </p:txBody>
+              </p:sp>
+              <p:sp>
+                <p:nvSpPr>
+                  <p:cNvPr id="32" name="Elipse 31"/>
+                  <p:cNvSpPr/>
+                  <p:nvPr/>
+                </p:nvSpPr>
+                <p:spPr>
+                  <a:xfrm>
+                    <a:off x="3382856" y="2385054"/>
+                    <a:ext cx="439448" cy="439448"/>
+                  </a:xfrm>
+                  <a:prstGeom prst="ellipse">
+                    <a:avLst/>
+                  </a:prstGeom>
+                  <a:solidFill>
+                    <a:schemeClr val="bg1"/>
+                  </a:solidFill>
+                  <a:ln>
+                    <a:noFill/>
+                  </a:ln>
+                </p:spPr>
+                <p:style>
+                  <a:lnRef idx="2">
+                    <a:schemeClr val="accent1">
+                      <a:shade val="50000"/>
+                    </a:schemeClr>
+                  </a:lnRef>
+                  <a:fillRef idx="1">
+                    <a:schemeClr val="accent1"/>
+                  </a:fillRef>
+                  <a:effectRef idx="0">
+                    <a:schemeClr val="accent1"/>
+                  </a:effectRef>
+                  <a:fontRef idx="minor">
+                    <a:schemeClr val="lt1"/>
+                  </a:fontRef>
+                </p:style>
+                <p:txBody>
+                  <a:bodyPr rtlCol="0" anchor="ctr"/>
+                  <a:lstStyle/>
+                  <a:p>
+                    <a:pPr algn="ctr"/>
+                    <a:endParaRPr lang="pt-BR"/>
+                  </a:p>
+                </p:txBody>
+              </p:sp>
+              <p:sp>
+                <p:nvSpPr>
+                  <p:cNvPr id="33" name="Elipse 32"/>
+                  <p:cNvSpPr/>
+                  <p:nvPr/>
+                </p:nvSpPr>
+                <p:spPr>
+                  <a:xfrm>
+                    <a:off x="2897357" y="2604777"/>
+                    <a:ext cx="551307" cy="536189"/>
+                  </a:xfrm>
+                  <a:prstGeom prst="ellipse">
+                    <a:avLst/>
+                  </a:prstGeom>
+                  <a:solidFill>
+                    <a:srgbClr val="2C2C2C"/>
+                  </a:solidFill>
+                  <a:ln>
+                    <a:noFill/>
+                  </a:ln>
+                  <a:effectLst>
+                    <a:outerShdw blurRad="63500" sx="102000" sy="102000" algn="ctr" rotWithShape="0">
+                      <a:prstClr val="black">
+                        <a:alpha val="40000"/>
+                      </a:prstClr>
+                    </a:outerShdw>
+                    <a:softEdge rad="127000"/>
+                  </a:effectLst>
+                </p:spPr>
+                <p:style>
+                  <a:lnRef idx="2">
+                    <a:schemeClr val="accent1">
+                      <a:shade val="50000"/>
+                    </a:schemeClr>
+                  </a:lnRef>
+                  <a:fillRef idx="1">
+                    <a:schemeClr val="accent1"/>
+                  </a:fillRef>
+                  <a:effectRef idx="0">
+                    <a:schemeClr val="accent1"/>
+                  </a:effectRef>
+                  <a:fontRef idx="minor">
+                    <a:schemeClr val="lt1"/>
+                  </a:fontRef>
+                </p:style>
+                <p:txBody>
+                  <a:bodyPr rtlCol="0" anchor="ctr"/>
+                  <a:lstStyle/>
+                  <a:p>
+                    <a:pPr algn="ctr"/>
+                    <a:endParaRPr lang="pt-BR"/>
+                  </a:p>
+                </p:txBody>
+              </p:sp>
+            </p:grpSp>
+            <p:sp>
+              <p:nvSpPr>
+                <p:cNvPr id="28" name="Elipse 27"/>
+                <p:cNvSpPr/>
+                <p:nvPr/>
+              </p:nvSpPr>
+              <p:spPr>
+                <a:xfrm rot="20637214">
+                  <a:off x="2915608" y="4561707"/>
+                  <a:ext cx="759215" cy="1598428"/>
+                </a:xfrm>
+                <a:prstGeom prst="ellipse">
+                  <a:avLst/>
+                </a:prstGeom>
+                <a:solidFill>
+                  <a:srgbClr val="262626"/>
+                </a:solidFill>
+                <a:ln>
+                  <a:noFill/>
+                </a:ln>
+              </p:spPr>
+              <p:style>
+                <a:lnRef idx="2">
+                  <a:schemeClr val="accent1">
+                    <a:shade val="50000"/>
+                  </a:schemeClr>
+                </a:lnRef>
+                <a:fillRef idx="1">
+                  <a:schemeClr val="accent1"/>
+                </a:fillRef>
+                <a:effectRef idx="0">
+                  <a:schemeClr val="accent1"/>
+                </a:effectRef>
+                <a:fontRef idx="minor">
+                  <a:schemeClr val="lt1"/>
+                </a:fontRef>
+              </p:style>
+              <p:txBody>
+                <a:bodyPr rtlCol="0" anchor="ctr"/>
+                <a:lstStyle/>
+                <a:p>
+                  <a:pPr algn="ctr"/>
+                  <a:endParaRPr lang="pt-BR"/>
+                </a:p>
+              </p:txBody>
+            </p:sp>
+            <p:sp>
+              <p:nvSpPr>
+                <p:cNvPr id="29" name="Elipse 28"/>
+                <p:cNvSpPr/>
+                <p:nvPr/>
+              </p:nvSpPr>
+              <p:spPr>
+                <a:xfrm rot="962786" flipH="1">
+                  <a:off x="4603918" y="4579243"/>
+                  <a:ext cx="759215" cy="1598428"/>
+                </a:xfrm>
+                <a:prstGeom prst="ellipse">
+                  <a:avLst/>
+                </a:prstGeom>
+                <a:solidFill>
+                  <a:srgbClr val="262626"/>
+                </a:solidFill>
+                <a:ln>
+                  <a:noFill/>
+                </a:ln>
+              </p:spPr>
+              <p:style>
+                <a:lnRef idx="2">
+                  <a:schemeClr val="accent1">
+                    <a:shade val="50000"/>
+                  </a:schemeClr>
+                </a:lnRef>
+                <a:fillRef idx="1">
+                  <a:schemeClr val="accent1"/>
+                </a:fillRef>
+                <a:effectRef idx="0">
+                  <a:schemeClr val="accent1"/>
+                </a:effectRef>
+                <a:fontRef idx="minor">
+                  <a:schemeClr val="lt1"/>
+                </a:fontRef>
+              </p:style>
+              <p:txBody>
+                <a:bodyPr rtlCol="0" anchor="ctr"/>
+                <a:lstStyle/>
+                <a:p>
+                  <a:pPr algn="ctr"/>
+                  <a:endParaRPr lang="pt-BR"/>
+                </a:p>
+              </p:txBody>
+            </p:sp>
+            <p:sp>
+              <p:nvSpPr>
+                <p:cNvPr id="30" name="Elipse 29"/>
+                <p:cNvSpPr/>
+                <p:nvPr/>
+              </p:nvSpPr>
+              <p:spPr>
+                <a:xfrm>
+                  <a:off x="3782393" y="2509327"/>
+                  <a:ext cx="941247" cy="2141950"/>
+                </a:xfrm>
+                <a:prstGeom prst="ellipse">
+                  <a:avLst/>
+                </a:prstGeom>
+                <a:solidFill>
+                  <a:srgbClr val="DBDBDB"/>
+                </a:solidFill>
+                <a:ln>
+                  <a:noFill/>
+                </a:ln>
+              </p:spPr>
+              <p:style>
+                <a:lnRef idx="2">
+                  <a:schemeClr val="accent1">
+                    <a:shade val="50000"/>
+                  </a:schemeClr>
+                </a:lnRef>
+                <a:fillRef idx="1">
+                  <a:schemeClr val="accent1"/>
+                </a:fillRef>
+                <a:effectRef idx="0">
+                  <a:schemeClr val="accent1"/>
+                </a:effectRef>
+                <a:fontRef idx="minor">
+                  <a:schemeClr val="lt1"/>
+                </a:fontRef>
+              </p:style>
+              <p:txBody>
+                <a:bodyPr rtlCol="0" anchor="ctr"/>
+                <a:lstStyle/>
+                <a:p>
+                  <a:pPr algn="ctr"/>
+                  <a:endParaRPr lang="pt-BR"/>
+                </a:p>
+              </p:txBody>
+            </p:sp>
+          </p:grpSp>
+        </p:grpSp>
+        <p:sp>
+          <p:nvSpPr>
+            <p:cNvPr id="8" name="Elipse 7"/>
+            <p:cNvSpPr/>
+            <p:nvPr/>
+          </p:nvSpPr>
+          <p:spPr>
+            <a:xfrm>
+              <a:off x="5886191" y="2922195"/>
+              <a:ext cx="45719" cy="45719"/>
+            </a:xfrm>
+            <a:prstGeom prst="ellipse">
+              <a:avLst/>
+            </a:prstGeom>
+            <a:solidFill>
+              <a:schemeClr val="tx1"/>
+            </a:solidFill>
+            <a:ln>
+              <a:noFill/>
+            </a:ln>
+          </p:spPr>
+          <p:style>
+            <a:lnRef idx="2">
+              <a:schemeClr val="accent1">
+                <a:shade val="50000"/>
+              </a:schemeClr>
+            </a:lnRef>
+            <a:fillRef idx="1">
+              <a:schemeClr val="accent1"/>
+            </a:fillRef>
+            <a:effectRef idx="0">
+              <a:schemeClr val="accent1"/>
+            </a:effectRef>
+            <a:fontRef idx="minor">
+              <a:schemeClr val="lt1"/>
+            </a:fontRef>
+          </p:style>
+          <p:txBody>
+            <a:bodyPr rtlCol="0" anchor="ctr"/>
+            <a:lstStyle/>
+            <a:p>
+              <a:pPr algn="ctr"/>
+              <a:endParaRPr lang="pt-BR"/>
+            </a:p>
+          </p:txBody>
+        </p:sp>
+        <p:sp>
+          <p:nvSpPr>
+            <p:cNvPr id="9" name="Elipse 8"/>
+            <p:cNvSpPr/>
+            <p:nvPr/>
+          </p:nvSpPr>
+          <p:spPr>
+            <a:xfrm>
+              <a:off x="5516192" y="2922195"/>
+              <a:ext cx="45719" cy="45719"/>
+            </a:xfrm>
+            <a:prstGeom prst="ellipse">
+              <a:avLst/>
+            </a:prstGeom>
+            <a:solidFill>
+              <a:schemeClr val="tx1"/>
+            </a:solidFill>
+            <a:ln>
+              <a:noFill/>
+            </a:ln>
+          </p:spPr>
+          <p:style>
+            <a:lnRef idx="2">
+              <a:schemeClr val="accent1">
+                <a:shade val="50000"/>
+              </a:schemeClr>
+            </a:lnRef>
+            <a:fillRef idx="1">
+              <a:schemeClr val="accent1"/>
+            </a:fillRef>
+            <a:effectRef idx="0">
+              <a:schemeClr val="accent1"/>
+            </a:effectRef>
+            <a:fontRef idx="minor">
+              <a:schemeClr val="lt1"/>
+            </a:fontRef>
+          </p:style>
+          <p:txBody>
+            <a:bodyPr rtlCol="0" anchor="ctr"/>
+            <a:lstStyle/>
+            <a:p>
+              <a:pPr algn="ctr"/>
+              <a:endParaRPr lang="pt-BR"/>
+            </a:p>
+          </p:txBody>
+        </p:sp>
+      </p:grpSp>
+      <p:sp>
+        <p:nvSpPr>
+          <p:cNvPr id="58" name="Retângulo de cantos arredondados 57"/>
+          <p:cNvSpPr/>
+          <p:nvPr/>
+        </p:nvSpPr>
+        <p:spPr>
+          <a:xfrm rot="20108332">
+            <a:off x="6141075" y="4584011"/>
+            <a:ext cx="144016" cy="600900"/>
+          </a:xfrm>
+          <a:prstGeom prst="roundRect">
+            <a:avLst/>
+          </a:prstGeom>
+          <a:solidFill>
+            <a:schemeClr val="bg1"/>
+          </a:solidFill>
+          <a:ln>
+            <a:noFill/>
+          </a:ln>
+          <a:effectLst>
+            <a:outerShdw blurRad="63500" sx="102000" sy="102000" algn="ctr" rotWithShape="0">
+              <a:prstClr val="black">
+                <a:alpha val="40000"/>
+              </a:prstClr>
+            </a:outerShdw>
+          </a:effectLst>
+        </p:spPr>
+        <p:style>
+          <a:lnRef idx="2">
+            <a:schemeClr val="accent1">
+              <a:shade val="50000"/>
+            </a:schemeClr>
+          </a:lnRef>
+          <a:fillRef idx="1">
+            <a:schemeClr val="accent1"/>
+          </a:fillRef>
+          <a:effectRef idx="0">
+            <a:schemeClr val="accent1"/>
+          </a:effectRef>
+          <a:fontRef idx="minor">
+            <a:schemeClr val="lt1"/>
+          </a:fontRef>
+        </p:style>
+        <p:txBody>
+          <a:bodyPr rtlCol="0" anchor="ctr"/>
+          <a:lstStyle/>
+          <a:p>
+            <a:pPr algn="ctr"/>
+            <a:endParaRPr lang="pt-BR"/>
+          </a:p>
+        </p:txBody>
+      </p:sp>
+      <p:sp>
+        <p:nvSpPr>
+          <p:cNvPr id="2" name="Retângulo 1"/>
+          <p:cNvSpPr/>
+          <p:nvPr/>
+        </p:nvSpPr>
+        <p:spPr>
+          <a:xfrm>
+            <a:off x="913799" y="548680"/>
+            <a:ext cx="5220072" cy="3955523"/>
+          </a:xfrm>
+          <a:prstGeom prst="rect">
+            <a:avLst/>
+          </a:prstGeom>
+          <a:solidFill>
+            <a:srgbClr val="3E2C2A"/>
+          </a:solidFill>
+          <a:ln>
+            <a:noFill/>
+          </a:ln>
+          <a:scene3d>
+            <a:camera prst="orthographicFront"/>
+            <a:lightRig rig="threePt" dir="t"/>
+          </a:scene3d>
+          <a:sp3d>
+            <a:bevelB w="165100" prst="coolSlant"/>
+          </a:sp3d>
+        </p:spPr>
+        <p:style>
+          <a:lnRef idx="2">
+            <a:schemeClr val="accent1">
+              <a:shade val="50000"/>
+            </a:schemeClr>
+          </a:lnRef>
+          <a:fillRef idx="1">
+            <a:schemeClr val="accent1"/>
+          </a:fillRef>
+          <a:effectRef idx="0">
+            <a:schemeClr val="accent1"/>
+          </a:effectRef>
+          <a:fontRef idx="minor">
+            <a:schemeClr val="lt1"/>
+          </a:fontRef>
+        </p:style>
+        <p:txBody>
+          <a:bodyPr rtlCol="0" anchor="ctr"/>
+          <a:lstStyle/>
+          <a:p>
+            <a:pPr algn="ctr"/>
+            <a:endParaRPr lang="pt-BR" dirty="0"/>
+          </a:p>
+        </p:txBody>
+      </p:sp>
+      <p:sp>
+        <p:nvSpPr>
+          <p:cNvPr id="63" name="Retângulo 62"/>
+          <p:cNvSpPr/>
+          <p:nvPr/>
+        </p:nvSpPr>
+        <p:spPr>
+          <a:xfrm>
+            <a:off x="1096320" y="4132017"/>
+            <a:ext cx="4843832" cy="152400"/>
+          </a:xfrm>
+          <a:prstGeom prst="rect">
+            <a:avLst/>
+          </a:prstGeom>
+          <a:solidFill>
+            <a:srgbClr val="251A19"/>
+          </a:solidFill>
+          <a:ln>
+            <a:noFill/>
+          </a:ln>
+          <a:scene3d>
+            <a:camera prst="orthographicFront"/>
+            <a:lightRig rig="threePt" dir="t"/>
+          </a:scene3d>
+          <a:sp3d>
+            <a:bevelB w="165100" prst="coolSlant"/>
+          </a:sp3d>
+        </p:spPr>
+        <p:style>
+          <a:lnRef idx="2">
+            <a:schemeClr val="accent1">
+              <a:shade val="50000"/>
+            </a:schemeClr>
+          </a:lnRef>
+          <a:fillRef idx="1">
+            <a:schemeClr val="accent1"/>
+          </a:fillRef>
+          <a:effectRef idx="0">
+            <a:schemeClr val="accent1"/>
+          </a:effectRef>
+          <a:fontRef idx="minor">
+            <a:schemeClr val="lt1"/>
+          </a:fontRef>
+        </p:style>
+        <p:txBody>
+          <a:bodyPr rtlCol="0" anchor="ctr"/>
+          <a:lstStyle/>
+          <a:p>
+            <a:pPr algn="ctr"/>
+            <a:endParaRPr lang="pt-BR" dirty="0"/>
+          </a:p>
+        </p:txBody>
+      </p:sp>
+      <p:sp>
+        <p:nvSpPr>
+          <p:cNvPr id="3" name="Retângulo 2"/>
+          <p:cNvSpPr/>
+          <p:nvPr/>
+        </p:nvSpPr>
+        <p:spPr>
+          <a:xfrm>
+            <a:off x="1075563" y="715163"/>
+            <a:ext cx="4896544" cy="3456695"/>
+          </a:xfrm>
+          <a:prstGeom prst="rect">
+            <a:avLst/>
+          </a:prstGeom>
+          <a:solidFill>
+            <a:srgbClr val="002E15"/>
+          </a:solidFill>
+          <a:ln>
+            <a:noFill/>
+          </a:ln>
+          <a:effectLst>
+            <a:softEdge rad="31750"/>
+          </a:effectLst>
+        </p:spPr>
+        <p:style>
+          <a:lnRef idx="2">
+            <a:schemeClr val="accent1">
+              <a:shade val="50000"/>
+            </a:schemeClr>
+          </a:lnRef>
+          <a:fillRef idx="1">
+            <a:schemeClr val="accent1"/>
+          </a:fillRef>
+          <a:effectRef idx="0">
+            <a:schemeClr val="accent1"/>
+          </a:effectRef>
+          <a:fontRef idx="minor">
+            <a:schemeClr val="lt1"/>
+          </a:fontRef>
+        </p:style>
+        <p:txBody>
+          <a:bodyPr rtlCol="0" anchor="ctr"/>
+          <a:lstStyle/>
+          <a:p>
+            <a:pPr algn="ctr"/>
+            <a:endParaRPr lang="pt-BR"/>
+          </a:p>
+        </p:txBody>
+      </p:sp>
+      <p:sp>
+        <p:nvSpPr>
+          <p:cNvPr id="64" name="Retângulo 63"/>
+          <p:cNvSpPr/>
+          <p:nvPr/>
+        </p:nvSpPr>
+        <p:spPr>
+          <a:xfrm>
+            <a:off x="2199997" y="4504203"/>
+            <a:ext cx="2647675" cy="222350"/>
+          </a:xfrm>
+          <a:prstGeom prst="rect">
+            <a:avLst/>
+          </a:prstGeom>
+          <a:solidFill>
+            <a:srgbClr val="251A19"/>
+          </a:solidFill>
+          <a:ln>
+            <a:noFill/>
+          </a:ln>
+          <a:scene3d>
+            <a:camera prst="orthographicFront"/>
+            <a:lightRig rig="threePt" dir="t"/>
+          </a:scene3d>
+          <a:sp3d>
+            <a:bevelB w="165100" prst="coolSlant"/>
+          </a:sp3d>
+        </p:spPr>
+        <p:style>
+          <a:lnRef idx="2">
+            <a:schemeClr val="accent1">
+              <a:shade val="50000"/>
+            </a:schemeClr>
+          </a:lnRef>
+          <a:fillRef idx="1">
+            <a:schemeClr val="accent1"/>
+          </a:fillRef>
+          <a:effectRef idx="0">
+            <a:schemeClr val="accent1"/>
+          </a:effectRef>
+          <a:fontRef idx="minor">
+            <a:schemeClr val="lt1"/>
+          </a:fontRef>
+        </p:style>
+        <p:txBody>
+          <a:bodyPr rtlCol="0" anchor="ctr"/>
+          <a:lstStyle/>
+          <a:p>
+            <a:pPr algn="ctr"/>
+            <a:endParaRPr lang="pt-BR" dirty="0"/>
+          </a:p>
+        </p:txBody>
+      </p:sp>
+      <p:sp>
+        <p:nvSpPr>
+          <p:cNvPr id="65" name="Retângulo 64"/>
+          <p:cNvSpPr/>
+          <p:nvPr/>
+        </p:nvSpPr>
+        <p:spPr>
+          <a:xfrm>
+            <a:off x="1915814" y="4683765"/>
+            <a:ext cx="3216042" cy="128701"/>
+          </a:xfrm>
+          <a:prstGeom prst="rect">
+            <a:avLst/>
+          </a:prstGeom>
+          <a:solidFill>
+            <a:srgbClr val="3E2C2A"/>
+          </a:solidFill>
+          <a:ln>
+            <a:noFill/>
+          </a:ln>
+          <a:scene3d>
+            <a:camera prst="orthographicFront"/>
+            <a:lightRig rig="threePt" dir="t"/>
+          </a:scene3d>
+          <a:sp3d>
+            <a:bevelB w="165100" prst="coolSlant"/>
+          </a:sp3d>
+        </p:spPr>
+        <p:style>
+          <a:lnRef idx="2">
+            <a:schemeClr val="accent1">
+              <a:shade val="50000"/>
+            </a:schemeClr>
+          </a:lnRef>
+          <a:fillRef idx="1">
+            <a:schemeClr val="accent1"/>
+          </a:fillRef>
+          <a:effectRef idx="0">
+            <a:schemeClr val="accent1"/>
+          </a:effectRef>
+          <a:fontRef idx="minor">
+            <a:schemeClr val="lt1"/>
+          </a:fontRef>
+        </p:style>
+        <p:txBody>
+          <a:bodyPr rtlCol="0" anchor="ctr"/>
+          <a:lstStyle/>
+          <a:p>
+            <a:pPr algn="ctr"/>
+            <a:endParaRPr lang="pt-BR" dirty="0"/>
+          </a:p>
+        </p:txBody>
+      </p:sp>
+    </p:spTree>
+    <p:extLst>
+      <p:ext uri="{BB962C8B-B14F-4D97-AF65-F5344CB8AC3E}">
+        <p14:creationId xmlns:p14="http://schemas.microsoft.com/office/powerpoint/2010/main" val="2907515567"/>
+      </p:ext>
+    </p:extLst>
+  </p:cSld>
+  <p:clrMapOvr>
+    <a:masterClrMapping/>
+  </p:clrMapOvr>
+</p:sld>
+</file>
+
 <file path=ppt/slides/slide5.xml><?xml version="1.0" encoding="utf-8"?>
 <p:sld xmlns:a="http://schemas.openxmlformats.org/drawingml/2006/main" xmlns:r="http://schemas.openxmlformats.org/officeDocument/2006/relationships" xmlns:p="http://schemas.openxmlformats.org/presentationml/2006/main">
   <p:cSld>
@@ -16048,7 +15253,7 @@
         </p:nvGrpSpPr>
         <p:grpSpPr>
           <a:xfrm>
-            <a:off x="734667" y="2760361"/>
+            <a:off x="1042379" y="2644568"/>
             <a:ext cx="1800200" cy="2881145"/>
             <a:chOff x="4932040" y="2276872"/>
             <a:chExt cx="1800200" cy="2881145"/>

--- a/Rascunhos/Logo - PP2.pptx
+++ b/Rascunhos/Logo - PP2.pptx
@@ -8,12 +8,12 @@
     <p:notesMasterId r:id="rId8"/>
   </p:notesMasterIdLst>
   <p:sldIdLst>
-    <p:sldId id="256" r:id="rId2"/>
-    <p:sldId id="257" r:id="rId3"/>
-    <p:sldId id="259" r:id="rId4"/>
-    <p:sldId id="262" r:id="rId5"/>
-    <p:sldId id="261" r:id="rId6"/>
-    <p:sldId id="260" r:id="rId7"/>
+    <p:sldId id="257" r:id="rId2"/>
+    <p:sldId id="259" r:id="rId3"/>
+    <p:sldId id="262" r:id="rId4"/>
+    <p:sldId id="261" r:id="rId5"/>
+    <p:sldId id="260" r:id="rId6"/>
+    <p:sldId id="263" r:id="rId7"/>
   </p:sldIdLst>
   <p:sldSz cx="9144000" cy="6858000" type="screen4x3"/>
   <p:notesSz cx="6858000" cy="9144000"/>
@@ -114,7 +114,7 @@
   </p:defaultTextStyle>
   <p:extLst>
     <p:ext uri="{EFAFB233-063F-42B5-8137-9DF3F51BA10A}">
-      <p15:sldGuideLst xmlns="" xmlns:p15="http://schemas.microsoft.com/office/powerpoint/2012/main">
+      <p15:sldGuideLst xmlns:p15="http://schemas.microsoft.com/office/powerpoint/2012/main" xmlns="">
         <p15:guide id="1" orient="horz" pos="2160">
           <p15:clr>
             <a:srgbClr val="A4A3A4"/>
@@ -546,7 +546,7 @@
           <a:p>
             <a:fld id="{BDA08951-C925-4892-A29C-E0303FE728E1}" type="slidenum">
               <a:rPr lang="pt-BR" smtClean="0"/>
-              <a:t>3</a:t>
+              <a:t>2</a:t>
             </a:fld>
             <a:endParaRPr lang="pt-BR"/>
           </a:p>
@@ -630,7 +630,7 @@
           <a:p>
             <a:fld id="{BDA08951-C925-4892-A29C-E0303FE728E1}" type="slidenum">
               <a:rPr lang="pt-BR" smtClean="0"/>
-              <a:t>4</a:t>
+              <a:t>3</a:t>
             </a:fld>
             <a:endParaRPr lang="pt-BR"/>
           </a:p>
@@ -3608,2899 +3608,6 @@
 <file path=ppt/slides/slide1.xml><?xml version="1.0" encoding="utf-8"?>
 <p:sld xmlns:a="http://schemas.openxmlformats.org/drawingml/2006/main" xmlns:r="http://schemas.openxmlformats.org/officeDocument/2006/relationships" xmlns:p="http://schemas.openxmlformats.org/presentationml/2006/main">
   <p:cSld>
-    <p:bg>
-      <p:bgPr>
-        <a:solidFill>
-          <a:schemeClr val="bg1"/>
-        </a:solidFill>
-        <a:effectLst/>
-      </p:bgPr>
-    </p:bg>
-    <p:spTree>
-      <p:nvGrpSpPr>
-        <p:cNvPr id="1" name=""/>
-        <p:cNvGrpSpPr/>
-        <p:nvPr/>
-      </p:nvGrpSpPr>
-      <p:grpSpPr>
-        <a:xfrm>
-          <a:off x="0" y="0"/>
-          <a:ext cx="0" cy="0"/>
-          <a:chOff x="0" y="0"/>
-          <a:chExt cx="0" cy="0"/>
-        </a:xfrm>
-      </p:grpSpPr>
-      <p:grpSp>
-        <p:nvGrpSpPr>
-          <p:cNvPr id="28" name="Grupo 27"/>
-          <p:cNvGrpSpPr/>
-          <p:nvPr/>
-        </p:nvGrpSpPr>
-        <p:grpSpPr>
-          <a:xfrm>
-            <a:off x="2842311" y="1640110"/>
-            <a:ext cx="4155305" cy="3746126"/>
-            <a:chOff x="2018747" y="1994367"/>
-            <a:chExt cx="4155305" cy="3746126"/>
-          </a:xfrm>
-        </p:grpSpPr>
-        <p:grpSp>
-          <p:nvGrpSpPr>
-            <p:cNvPr id="27" name="Grupo 26"/>
-            <p:cNvGrpSpPr/>
-            <p:nvPr/>
-          </p:nvGrpSpPr>
-          <p:grpSpPr>
-            <a:xfrm>
-              <a:off x="2018747" y="4652282"/>
-              <a:ext cx="4155305" cy="1088211"/>
-              <a:chOff x="1824545" y="5712543"/>
-              <a:chExt cx="4155305" cy="1088211"/>
-            </a:xfrm>
-            <a:effectLst>
-              <a:outerShdw blurRad="50800" dist="38100" dir="5400000" algn="t" rotWithShape="0">
-                <a:prstClr val="black">
-                  <a:alpha val="40000"/>
-                </a:prstClr>
-              </a:outerShdw>
-            </a:effectLst>
-          </p:grpSpPr>
-          <p:sp>
-            <p:nvSpPr>
-              <p:cNvPr id="4" name="CaixaDeTexto 3"/>
-              <p:cNvSpPr txBox="1"/>
-              <p:nvPr/>
-            </p:nvSpPr>
-            <p:spPr>
-              <a:xfrm>
-                <a:off x="1824545" y="5785091"/>
-                <a:ext cx="4155305" cy="1015663"/>
-              </a:xfrm>
-              <a:prstGeom prst="rect">
-                <a:avLst/>
-              </a:prstGeom>
-              <a:noFill/>
-            </p:spPr>
-            <p:txBody>
-              <a:bodyPr wrap="square" rtlCol="0">
-                <a:spAutoFit/>
-              </a:bodyPr>
-              <a:lstStyle/>
-              <a:p>
-                <a:r>
-                  <a:rPr lang="pt-BR" sz="6000" b="1" dirty="0">
-                    <a:solidFill>
-                      <a:srgbClr val="7030A0"/>
-                    </a:solidFill>
-                    <a:latin typeface="Century Gothic" panose="020B0502020202020204" pitchFamily="34" charset="0"/>
-                  </a:rPr>
-                  <a:t>DISCUS</a:t>
-                </a:r>
-                <a:r>
-                  <a:rPr lang="pt-BR" sz="6000" b="1" dirty="0">
-                    <a:latin typeface="Century Gothic" panose="020B0502020202020204" pitchFamily="34" charset="0"/>
-                  </a:rPr>
-                  <a:t>SEX</a:t>
-                </a:r>
-                <a:endParaRPr lang="pt-BR" b="1" dirty="0">
-                  <a:latin typeface="Century Gothic" panose="020B0502020202020204" pitchFamily="34" charset="0"/>
-                </a:endParaRPr>
-              </a:p>
-            </p:txBody>
-          </p:sp>
-          <p:sp>
-            <p:nvSpPr>
-              <p:cNvPr id="17" name="Balão de Pensamento: Nuvem 16">
-                <a:extLst>
-                  <a:ext uri="{FF2B5EF4-FFF2-40B4-BE49-F238E27FC236}">
-                    <a16:creationId xmlns:a16="http://schemas.microsoft.com/office/drawing/2014/main" xmlns="" id="{5C57BA0A-9700-43BD-9104-CC30BC0DE381}"/>
-                  </a:ext>
-                </a:extLst>
-              </p:cNvPr>
-              <p:cNvSpPr/>
-              <p:nvPr/>
-            </p:nvSpPr>
-            <p:spPr>
-              <a:xfrm rot="805575">
-                <a:off x="2488193" y="5712543"/>
-                <a:ext cx="345036" cy="239075"/>
-              </a:xfrm>
-              <a:prstGeom prst="cloudCallout">
-                <a:avLst/>
-              </a:prstGeom>
-              <a:solidFill>
-                <a:srgbClr val="7030A0"/>
-              </a:solidFill>
-              <a:ln>
-                <a:noFill/>
-              </a:ln>
-            </p:spPr>
-            <p:style>
-              <a:lnRef idx="2">
-                <a:schemeClr val="accent1">
-                  <a:shade val="50000"/>
-                </a:schemeClr>
-              </a:lnRef>
-              <a:fillRef idx="1">
-                <a:schemeClr val="accent1"/>
-              </a:fillRef>
-              <a:effectRef idx="0">
-                <a:schemeClr val="accent1"/>
-              </a:effectRef>
-              <a:fontRef idx="minor">
-                <a:schemeClr val="lt1"/>
-              </a:fontRef>
-            </p:style>
-            <p:txBody>
-              <a:bodyPr rtlCol="0" anchor="ctr"/>
-              <a:lstStyle/>
-              <a:p>
-                <a:pPr algn="ctr"/>
-                <a:endParaRPr lang="pt-BR"/>
-              </a:p>
-            </p:txBody>
-          </p:sp>
-        </p:grpSp>
-        <p:grpSp>
-          <p:nvGrpSpPr>
-            <p:cNvPr id="26" name="Grupo 25"/>
-            <p:cNvGrpSpPr/>
-            <p:nvPr/>
-          </p:nvGrpSpPr>
-          <p:grpSpPr>
-            <a:xfrm rot="503187">
-              <a:off x="2936514" y="1994367"/>
-              <a:ext cx="2303839" cy="2438290"/>
-              <a:chOff x="-180528" y="2276873"/>
-              <a:chExt cx="2857570" cy="3024336"/>
-            </a:xfrm>
-            <a:effectLst>
-              <a:outerShdw blurRad="152400" dist="38100" dir="1800000" sx="103000" sy="103000" algn="t" rotWithShape="0">
-                <a:srgbClr val="893BC3">
-                  <a:alpha val="61000"/>
-                </a:srgbClr>
-              </a:outerShdw>
-            </a:effectLst>
-          </p:grpSpPr>
-          <p:grpSp>
-            <p:nvGrpSpPr>
-              <p:cNvPr id="96" name="Agrupar 15">
-                <a:extLst>
-                  <a:ext uri="{FF2B5EF4-FFF2-40B4-BE49-F238E27FC236}">
-                    <a16:creationId xmlns:a16="http://schemas.microsoft.com/office/drawing/2014/main" xmlns="" id="{CDA0B437-9E5C-43AF-AD41-CFFD83C35D59}"/>
-                  </a:ext>
-                </a:extLst>
-              </p:cNvPr>
-              <p:cNvGrpSpPr/>
-              <p:nvPr/>
-            </p:nvGrpSpPr>
-            <p:grpSpPr>
-              <a:xfrm>
-                <a:off x="-180528" y="2276873"/>
-                <a:ext cx="2857570" cy="3024336"/>
-                <a:chOff x="3787349" y="611219"/>
-                <a:chExt cx="2714217" cy="2854593"/>
-              </a:xfrm>
-              <a:solidFill>
-                <a:srgbClr val="7A34AE"/>
-              </a:solidFill>
-            </p:grpSpPr>
-            <p:sp>
-              <p:nvSpPr>
-                <p:cNvPr id="97" name="Retângulo 96"/>
-                <p:cNvSpPr/>
-                <p:nvPr/>
-              </p:nvSpPr>
-              <p:spPr>
-                <a:xfrm>
-                  <a:off x="3792719" y="708149"/>
-                  <a:ext cx="2703477" cy="2664296"/>
-                </a:xfrm>
-                <a:prstGeom prst="rect">
-                  <a:avLst/>
-                </a:prstGeom>
-                <a:grpFill/>
-                <a:ln>
-                  <a:noFill/>
-                </a:ln>
-              </p:spPr>
-              <p:style>
-                <a:lnRef idx="2">
-                  <a:schemeClr val="accent1">
-                    <a:shade val="50000"/>
-                  </a:schemeClr>
-                </a:lnRef>
-                <a:fillRef idx="1">
-                  <a:schemeClr val="accent1"/>
-                </a:fillRef>
-                <a:effectRef idx="0">
-                  <a:schemeClr val="accent1"/>
-                </a:effectRef>
-                <a:fontRef idx="minor">
-                  <a:schemeClr val="lt1"/>
-                </a:fontRef>
-              </p:style>
-              <p:txBody>
-                <a:bodyPr rtlCol="0" anchor="ctr"/>
-                <a:lstStyle/>
-                <a:p>
-                  <a:pPr algn="ctr"/>
-                  <a:endParaRPr lang="pt-BR">
-                    <a:solidFill>
-                      <a:srgbClr val="9900FF"/>
-                    </a:solidFill>
-                  </a:endParaRPr>
-                </a:p>
-              </p:txBody>
-            </p:sp>
-            <p:grpSp>
-              <p:nvGrpSpPr>
-                <p:cNvPr id="98" name="Grupo 97"/>
-                <p:cNvGrpSpPr/>
-                <p:nvPr/>
-              </p:nvGrpSpPr>
-              <p:grpSpPr>
-                <a:xfrm>
-                  <a:off x="3787349" y="611219"/>
-                  <a:ext cx="2703476" cy="108012"/>
-                  <a:chOff x="5952287" y="2088395"/>
-                  <a:chExt cx="2850831" cy="216024"/>
-                </a:xfrm>
-                <a:grpFill/>
-              </p:grpSpPr>
-              <p:sp>
-                <p:nvSpPr>
-                  <p:cNvPr id="110" name="Triângulo isósceles 109"/>
-                  <p:cNvSpPr/>
-                  <p:nvPr/>
-                </p:nvSpPr>
-                <p:spPr>
-                  <a:xfrm>
-                    <a:off x="5952287" y="2088395"/>
-                    <a:ext cx="288032" cy="216024"/>
-                  </a:xfrm>
-                  <a:prstGeom prst="triangle">
-                    <a:avLst/>
-                  </a:prstGeom>
-                  <a:grpFill/>
-                  <a:ln>
-                    <a:noFill/>
-                  </a:ln>
-                </p:spPr>
-                <p:style>
-                  <a:lnRef idx="2">
-                    <a:schemeClr val="accent1">
-                      <a:shade val="50000"/>
-                    </a:schemeClr>
-                  </a:lnRef>
-                  <a:fillRef idx="1">
-                    <a:schemeClr val="accent1"/>
-                  </a:fillRef>
-                  <a:effectRef idx="0">
-                    <a:schemeClr val="accent1"/>
-                  </a:effectRef>
-                  <a:fontRef idx="minor">
-                    <a:schemeClr val="lt1"/>
-                  </a:fontRef>
-                </p:style>
-                <p:txBody>
-                  <a:bodyPr rtlCol="0" anchor="ctr"/>
-                  <a:lstStyle/>
-                  <a:p>
-                    <a:pPr algn="ctr"/>
-                    <a:endParaRPr lang="pt-BR"/>
-                  </a:p>
-                </p:txBody>
-              </p:sp>
-              <p:sp>
-                <p:nvSpPr>
-                  <p:cNvPr id="111" name="Triângulo isósceles 110"/>
-                  <p:cNvSpPr/>
-                  <p:nvPr/>
-                </p:nvSpPr>
-                <p:spPr>
-                  <a:xfrm>
-                    <a:off x="6241783" y="2088395"/>
-                    <a:ext cx="288032" cy="216024"/>
-                  </a:xfrm>
-                  <a:prstGeom prst="triangle">
-                    <a:avLst/>
-                  </a:prstGeom>
-                  <a:grpFill/>
-                  <a:ln>
-                    <a:noFill/>
-                  </a:ln>
-                </p:spPr>
-                <p:style>
-                  <a:lnRef idx="2">
-                    <a:schemeClr val="accent1">
-                      <a:shade val="50000"/>
-                    </a:schemeClr>
-                  </a:lnRef>
-                  <a:fillRef idx="1">
-                    <a:schemeClr val="accent1"/>
-                  </a:fillRef>
-                  <a:effectRef idx="0">
-                    <a:schemeClr val="accent1"/>
-                  </a:effectRef>
-                  <a:fontRef idx="minor">
-                    <a:schemeClr val="lt1"/>
-                  </a:fontRef>
-                </p:style>
-                <p:txBody>
-                  <a:bodyPr rtlCol="0" anchor="ctr"/>
-                  <a:lstStyle/>
-                  <a:p>
-                    <a:pPr algn="ctr"/>
-                    <a:endParaRPr lang="pt-BR"/>
-                  </a:p>
-                </p:txBody>
-              </p:sp>
-              <p:sp>
-                <p:nvSpPr>
-                  <p:cNvPr id="112" name="Triângulo isósceles 111"/>
-                  <p:cNvSpPr/>
-                  <p:nvPr/>
-                </p:nvSpPr>
-                <p:spPr>
-                  <a:xfrm>
-                    <a:off x="6520839" y="2088395"/>
-                    <a:ext cx="288032" cy="216024"/>
-                  </a:xfrm>
-                  <a:prstGeom prst="triangle">
-                    <a:avLst/>
-                  </a:prstGeom>
-                  <a:grpFill/>
-                  <a:ln>
-                    <a:noFill/>
-                  </a:ln>
-                </p:spPr>
-                <p:style>
-                  <a:lnRef idx="2">
-                    <a:schemeClr val="accent1">
-                      <a:shade val="50000"/>
-                    </a:schemeClr>
-                  </a:lnRef>
-                  <a:fillRef idx="1">
-                    <a:schemeClr val="accent1"/>
-                  </a:fillRef>
-                  <a:effectRef idx="0">
-                    <a:schemeClr val="accent1"/>
-                  </a:effectRef>
-                  <a:fontRef idx="minor">
-                    <a:schemeClr val="lt1"/>
-                  </a:fontRef>
-                </p:style>
-                <p:txBody>
-                  <a:bodyPr rtlCol="0" anchor="ctr"/>
-                  <a:lstStyle/>
-                  <a:p>
-                    <a:pPr algn="ctr"/>
-                    <a:endParaRPr lang="pt-BR"/>
-                  </a:p>
-                </p:txBody>
-              </p:sp>
-              <p:sp>
-                <p:nvSpPr>
-                  <p:cNvPr id="113" name="Triângulo isósceles 112"/>
-                  <p:cNvSpPr/>
-                  <p:nvPr/>
-                </p:nvSpPr>
-                <p:spPr>
-                  <a:xfrm>
-                    <a:off x="6786042" y="2088395"/>
-                    <a:ext cx="288032" cy="216024"/>
-                  </a:xfrm>
-                  <a:prstGeom prst="triangle">
-                    <a:avLst/>
-                  </a:prstGeom>
-                  <a:grpFill/>
-                  <a:ln>
-                    <a:noFill/>
-                  </a:ln>
-                </p:spPr>
-                <p:style>
-                  <a:lnRef idx="2">
-                    <a:schemeClr val="accent1">
-                      <a:shade val="50000"/>
-                    </a:schemeClr>
-                  </a:lnRef>
-                  <a:fillRef idx="1">
-                    <a:schemeClr val="accent1"/>
-                  </a:fillRef>
-                  <a:effectRef idx="0">
-                    <a:schemeClr val="accent1"/>
-                  </a:effectRef>
-                  <a:fontRef idx="minor">
-                    <a:schemeClr val="lt1"/>
-                  </a:fontRef>
-                </p:style>
-                <p:txBody>
-                  <a:bodyPr rtlCol="0" anchor="ctr"/>
-                  <a:lstStyle/>
-                  <a:p>
-                    <a:pPr algn="ctr"/>
-                    <a:endParaRPr lang="pt-BR"/>
-                  </a:p>
-                </p:txBody>
-              </p:sp>
-              <p:sp>
-                <p:nvSpPr>
-                  <p:cNvPr id="114" name="Triângulo isósceles 113"/>
-                  <p:cNvSpPr/>
-                  <p:nvPr/>
-                </p:nvSpPr>
-                <p:spPr>
-                  <a:xfrm>
-                    <a:off x="7057306" y="2088395"/>
-                    <a:ext cx="288032" cy="216024"/>
-                  </a:xfrm>
-                  <a:prstGeom prst="triangle">
-                    <a:avLst/>
-                  </a:prstGeom>
-                  <a:grpFill/>
-                  <a:ln>
-                    <a:noFill/>
-                  </a:ln>
-                </p:spPr>
-                <p:style>
-                  <a:lnRef idx="2">
-                    <a:schemeClr val="accent1">
-                      <a:shade val="50000"/>
-                    </a:schemeClr>
-                  </a:lnRef>
-                  <a:fillRef idx="1">
-                    <a:schemeClr val="accent1"/>
-                  </a:fillRef>
-                  <a:effectRef idx="0">
-                    <a:schemeClr val="accent1"/>
-                  </a:effectRef>
-                  <a:fontRef idx="minor">
-                    <a:schemeClr val="lt1"/>
-                  </a:fontRef>
-                </p:style>
-                <p:txBody>
-                  <a:bodyPr rtlCol="0" anchor="ctr"/>
-                  <a:lstStyle/>
-                  <a:p>
-                    <a:pPr algn="ctr"/>
-                    <a:endParaRPr lang="pt-BR"/>
-                  </a:p>
-                </p:txBody>
-              </p:sp>
-              <p:sp>
-                <p:nvSpPr>
-                  <p:cNvPr id="115" name="Triângulo isósceles 114"/>
-                  <p:cNvSpPr/>
-                  <p:nvPr/>
-                </p:nvSpPr>
-                <p:spPr>
-                  <a:xfrm>
-                    <a:off x="7358127" y="2088395"/>
-                    <a:ext cx="288032" cy="216024"/>
-                  </a:xfrm>
-                  <a:prstGeom prst="triangle">
-                    <a:avLst/>
-                  </a:prstGeom>
-                  <a:grpFill/>
-                  <a:ln>
-                    <a:noFill/>
-                  </a:ln>
-                </p:spPr>
-                <p:style>
-                  <a:lnRef idx="2">
-                    <a:schemeClr val="accent1">
-                      <a:shade val="50000"/>
-                    </a:schemeClr>
-                  </a:lnRef>
-                  <a:fillRef idx="1">
-                    <a:schemeClr val="accent1"/>
-                  </a:fillRef>
-                  <a:effectRef idx="0">
-                    <a:schemeClr val="accent1"/>
-                  </a:effectRef>
-                  <a:fontRef idx="minor">
-                    <a:schemeClr val="lt1"/>
-                  </a:fontRef>
-                </p:style>
-                <p:txBody>
-                  <a:bodyPr rtlCol="0" anchor="ctr"/>
-                  <a:lstStyle/>
-                  <a:p>
-                    <a:pPr algn="ctr"/>
-                    <a:endParaRPr lang="pt-BR"/>
-                  </a:p>
-                </p:txBody>
-              </p:sp>
-              <p:sp>
-                <p:nvSpPr>
-                  <p:cNvPr id="116" name="Triângulo isósceles 115"/>
-                  <p:cNvSpPr/>
-                  <p:nvPr/>
-                </p:nvSpPr>
-                <p:spPr>
-                  <a:xfrm>
-                    <a:off x="7628725" y="2088395"/>
-                    <a:ext cx="288032" cy="216024"/>
-                  </a:xfrm>
-                  <a:prstGeom prst="triangle">
-                    <a:avLst/>
-                  </a:prstGeom>
-                  <a:grpFill/>
-                  <a:ln>
-                    <a:noFill/>
-                  </a:ln>
-                </p:spPr>
-                <p:style>
-                  <a:lnRef idx="2">
-                    <a:schemeClr val="accent1">
-                      <a:shade val="50000"/>
-                    </a:schemeClr>
-                  </a:lnRef>
-                  <a:fillRef idx="1">
-                    <a:schemeClr val="accent1"/>
-                  </a:fillRef>
-                  <a:effectRef idx="0">
-                    <a:schemeClr val="accent1"/>
-                  </a:effectRef>
-                  <a:fontRef idx="minor">
-                    <a:schemeClr val="lt1"/>
-                  </a:fontRef>
-                </p:style>
-                <p:txBody>
-                  <a:bodyPr rtlCol="0" anchor="ctr"/>
-                  <a:lstStyle/>
-                  <a:p>
-                    <a:pPr algn="ctr"/>
-                    <a:endParaRPr lang="pt-BR"/>
-                  </a:p>
-                </p:txBody>
-              </p:sp>
-              <p:sp>
-                <p:nvSpPr>
-                  <p:cNvPr id="117" name="Triângulo isósceles 116"/>
-                  <p:cNvSpPr/>
-                  <p:nvPr/>
-                </p:nvSpPr>
-                <p:spPr>
-                  <a:xfrm>
-                    <a:off x="7939022" y="2088395"/>
-                    <a:ext cx="288032" cy="216024"/>
-                  </a:xfrm>
-                  <a:prstGeom prst="triangle">
-                    <a:avLst/>
-                  </a:prstGeom>
-                  <a:grpFill/>
-                  <a:ln>
-                    <a:noFill/>
-                  </a:ln>
-                </p:spPr>
-                <p:style>
-                  <a:lnRef idx="2">
-                    <a:schemeClr val="accent1">
-                      <a:shade val="50000"/>
-                    </a:schemeClr>
-                  </a:lnRef>
-                  <a:fillRef idx="1">
-                    <a:schemeClr val="accent1"/>
-                  </a:fillRef>
-                  <a:effectRef idx="0">
-                    <a:schemeClr val="accent1"/>
-                  </a:effectRef>
-                  <a:fontRef idx="minor">
-                    <a:schemeClr val="lt1"/>
-                  </a:fontRef>
-                </p:style>
-                <p:txBody>
-                  <a:bodyPr rtlCol="0" anchor="ctr"/>
-                  <a:lstStyle/>
-                  <a:p>
-                    <a:pPr algn="ctr"/>
-                    <a:endParaRPr lang="pt-BR"/>
-                  </a:p>
-                </p:txBody>
-              </p:sp>
-              <p:sp>
-                <p:nvSpPr>
-                  <p:cNvPr id="118" name="Triângulo isósceles 117"/>
-                  <p:cNvSpPr/>
-                  <p:nvPr/>
-                </p:nvSpPr>
-                <p:spPr>
-                  <a:xfrm>
-                    <a:off x="8227054" y="2088395"/>
-                    <a:ext cx="288032" cy="216024"/>
-                  </a:xfrm>
-                  <a:prstGeom prst="triangle">
-                    <a:avLst/>
-                  </a:prstGeom>
-                  <a:grpFill/>
-                  <a:ln>
-                    <a:noFill/>
-                  </a:ln>
-                </p:spPr>
-                <p:style>
-                  <a:lnRef idx="2">
-                    <a:schemeClr val="accent1">
-                      <a:shade val="50000"/>
-                    </a:schemeClr>
-                  </a:lnRef>
-                  <a:fillRef idx="1">
-                    <a:schemeClr val="accent1"/>
-                  </a:fillRef>
-                  <a:effectRef idx="0">
-                    <a:schemeClr val="accent1"/>
-                  </a:effectRef>
-                  <a:fontRef idx="minor">
-                    <a:schemeClr val="lt1"/>
-                  </a:fontRef>
-                </p:style>
-                <p:txBody>
-                  <a:bodyPr rtlCol="0" anchor="ctr"/>
-                  <a:lstStyle/>
-                  <a:p>
-                    <a:pPr algn="ctr"/>
-                    <a:endParaRPr lang="pt-BR"/>
-                  </a:p>
-                </p:txBody>
-              </p:sp>
-              <p:sp>
-                <p:nvSpPr>
-                  <p:cNvPr id="119" name="Triângulo isósceles 118"/>
-                  <p:cNvSpPr/>
-                  <p:nvPr/>
-                </p:nvSpPr>
-                <p:spPr>
-                  <a:xfrm>
-                    <a:off x="8515086" y="2088395"/>
-                    <a:ext cx="288032" cy="216024"/>
-                  </a:xfrm>
-                  <a:prstGeom prst="triangle">
-                    <a:avLst/>
-                  </a:prstGeom>
-                  <a:grpFill/>
-                  <a:ln>
-                    <a:noFill/>
-                  </a:ln>
-                </p:spPr>
-                <p:style>
-                  <a:lnRef idx="2">
-                    <a:schemeClr val="accent1">
-                      <a:shade val="50000"/>
-                    </a:schemeClr>
-                  </a:lnRef>
-                  <a:fillRef idx="1">
-                    <a:schemeClr val="accent1"/>
-                  </a:fillRef>
-                  <a:effectRef idx="0">
-                    <a:schemeClr val="accent1"/>
-                  </a:effectRef>
-                  <a:fontRef idx="minor">
-                    <a:schemeClr val="lt1"/>
-                  </a:fontRef>
-                </p:style>
-                <p:txBody>
-                  <a:bodyPr rtlCol="0" anchor="ctr"/>
-                  <a:lstStyle/>
-                  <a:p>
-                    <a:pPr algn="ctr"/>
-                    <a:endParaRPr lang="pt-BR"/>
-                  </a:p>
-                </p:txBody>
-              </p:sp>
-            </p:grpSp>
-            <p:grpSp>
-              <p:nvGrpSpPr>
-                <p:cNvPr id="99" name="Grupo 98"/>
-                <p:cNvGrpSpPr/>
-                <p:nvPr/>
-              </p:nvGrpSpPr>
-              <p:grpSpPr>
-                <a:xfrm rot="10800000">
-                  <a:off x="3798090" y="3357800"/>
-                  <a:ext cx="2703476" cy="108012"/>
-                  <a:chOff x="5952287" y="2088395"/>
-                  <a:chExt cx="2850831" cy="216024"/>
-                </a:xfrm>
-                <a:grpFill/>
-              </p:grpSpPr>
-              <p:sp>
-                <p:nvSpPr>
-                  <p:cNvPr id="100" name="Triângulo isósceles 99"/>
-                  <p:cNvSpPr/>
-                  <p:nvPr/>
-                </p:nvSpPr>
-                <p:spPr>
-                  <a:xfrm>
-                    <a:off x="5952287" y="2088395"/>
-                    <a:ext cx="288032" cy="216024"/>
-                  </a:xfrm>
-                  <a:prstGeom prst="triangle">
-                    <a:avLst/>
-                  </a:prstGeom>
-                  <a:grpFill/>
-                  <a:ln>
-                    <a:noFill/>
-                  </a:ln>
-                </p:spPr>
-                <p:style>
-                  <a:lnRef idx="2">
-                    <a:schemeClr val="accent1">
-                      <a:shade val="50000"/>
-                    </a:schemeClr>
-                  </a:lnRef>
-                  <a:fillRef idx="1">
-                    <a:schemeClr val="accent1"/>
-                  </a:fillRef>
-                  <a:effectRef idx="0">
-                    <a:schemeClr val="accent1"/>
-                  </a:effectRef>
-                  <a:fontRef idx="minor">
-                    <a:schemeClr val="lt1"/>
-                  </a:fontRef>
-                </p:style>
-                <p:txBody>
-                  <a:bodyPr rtlCol="0" anchor="ctr"/>
-                  <a:lstStyle/>
-                  <a:p>
-                    <a:pPr algn="ctr"/>
-                    <a:endParaRPr lang="pt-BR"/>
-                  </a:p>
-                </p:txBody>
-              </p:sp>
-              <p:sp>
-                <p:nvSpPr>
-                  <p:cNvPr id="101" name="Triângulo isósceles 100"/>
-                  <p:cNvSpPr/>
-                  <p:nvPr/>
-                </p:nvSpPr>
-                <p:spPr>
-                  <a:xfrm>
-                    <a:off x="6241783" y="2088395"/>
-                    <a:ext cx="288032" cy="216024"/>
-                  </a:xfrm>
-                  <a:prstGeom prst="triangle">
-                    <a:avLst/>
-                  </a:prstGeom>
-                  <a:grpFill/>
-                  <a:ln>
-                    <a:noFill/>
-                  </a:ln>
-                </p:spPr>
-                <p:style>
-                  <a:lnRef idx="2">
-                    <a:schemeClr val="accent1">
-                      <a:shade val="50000"/>
-                    </a:schemeClr>
-                  </a:lnRef>
-                  <a:fillRef idx="1">
-                    <a:schemeClr val="accent1"/>
-                  </a:fillRef>
-                  <a:effectRef idx="0">
-                    <a:schemeClr val="accent1"/>
-                  </a:effectRef>
-                  <a:fontRef idx="minor">
-                    <a:schemeClr val="lt1"/>
-                  </a:fontRef>
-                </p:style>
-                <p:txBody>
-                  <a:bodyPr rtlCol="0" anchor="ctr"/>
-                  <a:lstStyle/>
-                  <a:p>
-                    <a:pPr algn="ctr"/>
-                    <a:endParaRPr lang="pt-BR"/>
-                  </a:p>
-                </p:txBody>
-              </p:sp>
-              <p:sp>
-                <p:nvSpPr>
-                  <p:cNvPr id="102" name="Triângulo isósceles 101"/>
-                  <p:cNvSpPr/>
-                  <p:nvPr/>
-                </p:nvSpPr>
-                <p:spPr>
-                  <a:xfrm>
-                    <a:off x="6520839" y="2088395"/>
-                    <a:ext cx="288032" cy="216024"/>
-                  </a:xfrm>
-                  <a:prstGeom prst="triangle">
-                    <a:avLst/>
-                  </a:prstGeom>
-                  <a:grpFill/>
-                  <a:ln>
-                    <a:noFill/>
-                  </a:ln>
-                </p:spPr>
-                <p:style>
-                  <a:lnRef idx="2">
-                    <a:schemeClr val="accent1">
-                      <a:shade val="50000"/>
-                    </a:schemeClr>
-                  </a:lnRef>
-                  <a:fillRef idx="1">
-                    <a:schemeClr val="accent1"/>
-                  </a:fillRef>
-                  <a:effectRef idx="0">
-                    <a:schemeClr val="accent1"/>
-                  </a:effectRef>
-                  <a:fontRef idx="minor">
-                    <a:schemeClr val="lt1"/>
-                  </a:fontRef>
-                </p:style>
-                <p:txBody>
-                  <a:bodyPr rtlCol="0" anchor="ctr"/>
-                  <a:lstStyle/>
-                  <a:p>
-                    <a:pPr algn="ctr"/>
-                    <a:endParaRPr lang="pt-BR"/>
-                  </a:p>
-                </p:txBody>
-              </p:sp>
-              <p:sp>
-                <p:nvSpPr>
-                  <p:cNvPr id="103" name="Triângulo isósceles 102"/>
-                  <p:cNvSpPr/>
-                  <p:nvPr/>
-                </p:nvSpPr>
-                <p:spPr>
-                  <a:xfrm>
-                    <a:off x="6786042" y="2088395"/>
-                    <a:ext cx="288032" cy="216024"/>
-                  </a:xfrm>
-                  <a:prstGeom prst="triangle">
-                    <a:avLst/>
-                  </a:prstGeom>
-                  <a:grpFill/>
-                  <a:ln>
-                    <a:noFill/>
-                  </a:ln>
-                </p:spPr>
-                <p:style>
-                  <a:lnRef idx="2">
-                    <a:schemeClr val="accent1">
-                      <a:shade val="50000"/>
-                    </a:schemeClr>
-                  </a:lnRef>
-                  <a:fillRef idx="1">
-                    <a:schemeClr val="accent1"/>
-                  </a:fillRef>
-                  <a:effectRef idx="0">
-                    <a:schemeClr val="accent1"/>
-                  </a:effectRef>
-                  <a:fontRef idx="minor">
-                    <a:schemeClr val="lt1"/>
-                  </a:fontRef>
-                </p:style>
-                <p:txBody>
-                  <a:bodyPr rtlCol="0" anchor="ctr"/>
-                  <a:lstStyle/>
-                  <a:p>
-                    <a:pPr algn="ctr"/>
-                    <a:endParaRPr lang="pt-BR"/>
-                  </a:p>
-                </p:txBody>
-              </p:sp>
-              <p:sp>
-                <p:nvSpPr>
-                  <p:cNvPr id="104" name="Triângulo isósceles 103"/>
-                  <p:cNvSpPr/>
-                  <p:nvPr/>
-                </p:nvSpPr>
-                <p:spPr>
-                  <a:xfrm>
-                    <a:off x="7057306" y="2088395"/>
-                    <a:ext cx="288032" cy="216024"/>
-                  </a:xfrm>
-                  <a:prstGeom prst="triangle">
-                    <a:avLst/>
-                  </a:prstGeom>
-                  <a:grpFill/>
-                  <a:ln>
-                    <a:noFill/>
-                  </a:ln>
-                </p:spPr>
-                <p:style>
-                  <a:lnRef idx="2">
-                    <a:schemeClr val="accent1">
-                      <a:shade val="50000"/>
-                    </a:schemeClr>
-                  </a:lnRef>
-                  <a:fillRef idx="1">
-                    <a:schemeClr val="accent1"/>
-                  </a:fillRef>
-                  <a:effectRef idx="0">
-                    <a:schemeClr val="accent1"/>
-                  </a:effectRef>
-                  <a:fontRef idx="minor">
-                    <a:schemeClr val="lt1"/>
-                  </a:fontRef>
-                </p:style>
-                <p:txBody>
-                  <a:bodyPr rtlCol="0" anchor="ctr"/>
-                  <a:lstStyle/>
-                  <a:p>
-                    <a:pPr algn="ctr"/>
-                    <a:endParaRPr lang="pt-BR"/>
-                  </a:p>
-                </p:txBody>
-              </p:sp>
-              <p:sp>
-                <p:nvSpPr>
-                  <p:cNvPr id="105" name="Triângulo isósceles 104"/>
-                  <p:cNvSpPr/>
-                  <p:nvPr/>
-                </p:nvSpPr>
-                <p:spPr>
-                  <a:xfrm>
-                    <a:off x="7358127" y="2088395"/>
-                    <a:ext cx="288032" cy="216024"/>
-                  </a:xfrm>
-                  <a:prstGeom prst="triangle">
-                    <a:avLst/>
-                  </a:prstGeom>
-                  <a:grpFill/>
-                  <a:ln>
-                    <a:noFill/>
-                  </a:ln>
-                </p:spPr>
-                <p:style>
-                  <a:lnRef idx="2">
-                    <a:schemeClr val="accent1">
-                      <a:shade val="50000"/>
-                    </a:schemeClr>
-                  </a:lnRef>
-                  <a:fillRef idx="1">
-                    <a:schemeClr val="accent1"/>
-                  </a:fillRef>
-                  <a:effectRef idx="0">
-                    <a:schemeClr val="accent1"/>
-                  </a:effectRef>
-                  <a:fontRef idx="minor">
-                    <a:schemeClr val="lt1"/>
-                  </a:fontRef>
-                </p:style>
-                <p:txBody>
-                  <a:bodyPr rtlCol="0" anchor="ctr"/>
-                  <a:lstStyle/>
-                  <a:p>
-                    <a:pPr algn="ctr"/>
-                    <a:endParaRPr lang="pt-BR"/>
-                  </a:p>
-                </p:txBody>
-              </p:sp>
-              <p:sp>
-                <p:nvSpPr>
-                  <p:cNvPr id="106" name="Triângulo isósceles 105"/>
-                  <p:cNvSpPr/>
-                  <p:nvPr/>
-                </p:nvSpPr>
-                <p:spPr>
-                  <a:xfrm>
-                    <a:off x="7628725" y="2088395"/>
-                    <a:ext cx="288032" cy="216024"/>
-                  </a:xfrm>
-                  <a:prstGeom prst="triangle">
-                    <a:avLst/>
-                  </a:prstGeom>
-                  <a:grpFill/>
-                  <a:ln>
-                    <a:noFill/>
-                  </a:ln>
-                </p:spPr>
-                <p:style>
-                  <a:lnRef idx="2">
-                    <a:schemeClr val="accent1">
-                      <a:shade val="50000"/>
-                    </a:schemeClr>
-                  </a:lnRef>
-                  <a:fillRef idx="1">
-                    <a:schemeClr val="accent1"/>
-                  </a:fillRef>
-                  <a:effectRef idx="0">
-                    <a:schemeClr val="accent1"/>
-                  </a:effectRef>
-                  <a:fontRef idx="minor">
-                    <a:schemeClr val="lt1"/>
-                  </a:fontRef>
-                </p:style>
-                <p:txBody>
-                  <a:bodyPr rtlCol="0" anchor="ctr"/>
-                  <a:lstStyle/>
-                  <a:p>
-                    <a:pPr algn="ctr"/>
-                    <a:endParaRPr lang="pt-BR"/>
-                  </a:p>
-                </p:txBody>
-              </p:sp>
-              <p:sp>
-                <p:nvSpPr>
-                  <p:cNvPr id="107" name="Triângulo isósceles 106"/>
-                  <p:cNvSpPr/>
-                  <p:nvPr/>
-                </p:nvSpPr>
-                <p:spPr>
-                  <a:xfrm>
-                    <a:off x="7939022" y="2088395"/>
-                    <a:ext cx="288032" cy="216024"/>
-                  </a:xfrm>
-                  <a:prstGeom prst="triangle">
-                    <a:avLst/>
-                  </a:prstGeom>
-                  <a:grpFill/>
-                  <a:ln>
-                    <a:noFill/>
-                  </a:ln>
-                </p:spPr>
-                <p:style>
-                  <a:lnRef idx="2">
-                    <a:schemeClr val="accent1">
-                      <a:shade val="50000"/>
-                    </a:schemeClr>
-                  </a:lnRef>
-                  <a:fillRef idx="1">
-                    <a:schemeClr val="accent1"/>
-                  </a:fillRef>
-                  <a:effectRef idx="0">
-                    <a:schemeClr val="accent1"/>
-                  </a:effectRef>
-                  <a:fontRef idx="minor">
-                    <a:schemeClr val="lt1"/>
-                  </a:fontRef>
-                </p:style>
-                <p:txBody>
-                  <a:bodyPr rtlCol="0" anchor="ctr"/>
-                  <a:lstStyle/>
-                  <a:p>
-                    <a:pPr algn="ctr"/>
-                    <a:endParaRPr lang="pt-BR"/>
-                  </a:p>
-                </p:txBody>
-              </p:sp>
-              <p:sp>
-                <p:nvSpPr>
-                  <p:cNvPr id="108" name="Triângulo isósceles 107"/>
-                  <p:cNvSpPr/>
-                  <p:nvPr/>
-                </p:nvSpPr>
-                <p:spPr>
-                  <a:xfrm>
-                    <a:off x="8227054" y="2088395"/>
-                    <a:ext cx="288032" cy="216024"/>
-                  </a:xfrm>
-                  <a:prstGeom prst="triangle">
-                    <a:avLst/>
-                  </a:prstGeom>
-                  <a:grpFill/>
-                  <a:ln>
-                    <a:noFill/>
-                  </a:ln>
-                </p:spPr>
-                <p:style>
-                  <a:lnRef idx="2">
-                    <a:schemeClr val="accent1">
-                      <a:shade val="50000"/>
-                    </a:schemeClr>
-                  </a:lnRef>
-                  <a:fillRef idx="1">
-                    <a:schemeClr val="accent1"/>
-                  </a:fillRef>
-                  <a:effectRef idx="0">
-                    <a:schemeClr val="accent1"/>
-                  </a:effectRef>
-                  <a:fontRef idx="minor">
-                    <a:schemeClr val="lt1"/>
-                  </a:fontRef>
-                </p:style>
-                <p:txBody>
-                  <a:bodyPr rtlCol="0" anchor="ctr"/>
-                  <a:lstStyle/>
-                  <a:p>
-                    <a:pPr algn="ctr"/>
-                    <a:endParaRPr lang="pt-BR"/>
-                  </a:p>
-                </p:txBody>
-              </p:sp>
-              <p:sp>
-                <p:nvSpPr>
-                  <p:cNvPr id="109" name="Triângulo isósceles 108"/>
-                  <p:cNvSpPr/>
-                  <p:nvPr/>
-                </p:nvSpPr>
-                <p:spPr>
-                  <a:xfrm>
-                    <a:off x="8515086" y="2088395"/>
-                    <a:ext cx="288032" cy="216024"/>
-                  </a:xfrm>
-                  <a:prstGeom prst="triangle">
-                    <a:avLst/>
-                  </a:prstGeom>
-                  <a:grpFill/>
-                  <a:ln>
-                    <a:noFill/>
-                  </a:ln>
-                </p:spPr>
-                <p:style>
-                  <a:lnRef idx="2">
-                    <a:schemeClr val="accent1">
-                      <a:shade val="50000"/>
-                    </a:schemeClr>
-                  </a:lnRef>
-                  <a:fillRef idx="1">
-                    <a:schemeClr val="accent1"/>
-                  </a:fillRef>
-                  <a:effectRef idx="0">
-                    <a:schemeClr val="accent1"/>
-                  </a:effectRef>
-                  <a:fontRef idx="minor">
-                    <a:schemeClr val="lt1"/>
-                  </a:fontRef>
-                </p:style>
-                <p:txBody>
-                  <a:bodyPr rtlCol="0" anchor="ctr"/>
-                  <a:lstStyle/>
-                  <a:p>
-                    <a:pPr algn="ctr"/>
-                    <a:endParaRPr lang="pt-BR"/>
-                  </a:p>
-                </p:txBody>
-              </p:sp>
-            </p:grpSp>
-          </p:grpSp>
-          <p:grpSp>
-            <p:nvGrpSpPr>
-              <p:cNvPr id="16" name="Agrupar 15">
-                <a:extLst>
-                  <a:ext uri="{FF2B5EF4-FFF2-40B4-BE49-F238E27FC236}">
-                    <a16:creationId xmlns:a16="http://schemas.microsoft.com/office/drawing/2014/main" xmlns="" id="{CDA0B437-9E5C-43AF-AD41-CFFD83C35D59}"/>
-                  </a:ext>
-                </a:extLst>
-              </p:cNvPr>
-              <p:cNvGrpSpPr/>
-              <p:nvPr/>
-            </p:nvGrpSpPr>
-            <p:grpSpPr>
-              <a:xfrm>
-                <a:off x="-97830" y="2366963"/>
-                <a:ext cx="2714217" cy="2854593"/>
-                <a:chOff x="3787349" y="611219"/>
-                <a:chExt cx="2714217" cy="2854593"/>
-              </a:xfrm>
-              <a:solidFill>
-                <a:srgbClr val="893BC3"/>
-              </a:solidFill>
-            </p:grpSpPr>
-            <p:sp>
-              <p:nvSpPr>
-                <p:cNvPr id="5" name="Retângulo 4"/>
-                <p:cNvSpPr/>
-                <p:nvPr/>
-              </p:nvSpPr>
-              <p:spPr>
-                <a:xfrm>
-                  <a:off x="3792719" y="708149"/>
-                  <a:ext cx="2703477" cy="2664296"/>
-                </a:xfrm>
-                <a:prstGeom prst="rect">
-                  <a:avLst/>
-                </a:prstGeom>
-                <a:grpFill/>
-                <a:ln>
-                  <a:noFill/>
-                </a:ln>
-              </p:spPr>
-              <p:style>
-                <a:lnRef idx="2">
-                  <a:schemeClr val="accent1">
-                    <a:shade val="50000"/>
-                  </a:schemeClr>
-                </a:lnRef>
-                <a:fillRef idx="1">
-                  <a:schemeClr val="accent1"/>
-                </a:fillRef>
-                <a:effectRef idx="0">
-                  <a:schemeClr val="accent1"/>
-                </a:effectRef>
-                <a:fontRef idx="minor">
-                  <a:schemeClr val="lt1"/>
-                </a:fontRef>
-              </p:style>
-              <p:txBody>
-                <a:bodyPr rtlCol="0" anchor="ctr"/>
-                <a:lstStyle/>
-                <a:p>
-                  <a:pPr algn="ctr"/>
-                  <a:endParaRPr lang="pt-BR">
-                    <a:solidFill>
-                      <a:srgbClr val="9900FF"/>
-                    </a:solidFill>
-                  </a:endParaRPr>
-                </a:p>
-              </p:txBody>
-            </p:sp>
-            <p:grpSp>
-              <p:nvGrpSpPr>
-                <p:cNvPr id="42" name="Grupo 41"/>
-                <p:cNvGrpSpPr/>
-                <p:nvPr/>
-              </p:nvGrpSpPr>
-              <p:grpSpPr>
-                <a:xfrm>
-                  <a:off x="3787349" y="611219"/>
-                  <a:ext cx="2703476" cy="108012"/>
-                  <a:chOff x="5952287" y="2088395"/>
-                  <a:chExt cx="2850831" cy="216024"/>
-                </a:xfrm>
-                <a:grpFill/>
-              </p:grpSpPr>
-              <p:sp>
-                <p:nvSpPr>
-                  <p:cNvPr id="6" name="Triângulo isósceles 5"/>
-                  <p:cNvSpPr/>
-                  <p:nvPr/>
-                </p:nvSpPr>
-                <p:spPr>
-                  <a:xfrm>
-                    <a:off x="5952287" y="2088395"/>
-                    <a:ext cx="288032" cy="216024"/>
-                  </a:xfrm>
-                  <a:prstGeom prst="triangle">
-                    <a:avLst/>
-                  </a:prstGeom>
-                  <a:grpFill/>
-                  <a:ln>
-                    <a:noFill/>
-                  </a:ln>
-                </p:spPr>
-                <p:style>
-                  <a:lnRef idx="2">
-                    <a:schemeClr val="accent1">
-                      <a:shade val="50000"/>
-                    </a:schemeClr>
-                  </a:lnRef>
-                  <a:fillRef idx="1">
-                    <a:schemeClr val="accent1"/>
-                  </a:fillRef>
-                  <a:effectRef idx="0">
-                    <a:schemeClr val="accent1"/>
-                  </a:effectRef>
-                  <a:fontRef idx="minor">
-                    <a:schemeClr val="lt1"/>
-                  </a:fontRef>
-                </p:style>
-                <p:txBody>
-                  <a:bodyPr rtlCol="0" anchor="ctr"/>
-                  <a:lstStyle/>
-                  <a:p>
-                    <a:pPr algn="ctr"/>
-                    <a:endParaRPr lang="pt-BR"/>
-                  </a:p>
-                </p:txBody>
-              </p:sp>
-              <p:sp>
-                <p:nvSpPr>
-                  <p:cNvPr id="7" name="Triângulo isósceles 6"/>
-                  <p:cNvSpPr/>
-                  <p:nvPr/>
-                </p:nvSpPr>
-                <p:spPr>
-                  <a:xfrm>
-                    <a:off x="6241783" y="2088395"/>
-                    <a:ext cx="288032" cy="216024"/>
-                  </a:xfrm>
-                  <a:prstGeom prst="triangle">
-                    <a:avLst/>
-                  </a:prstGeom>
-                  <a:grpFill/>
-                  <a:ln>
-                    <a:noFill/>
-                  </a:ln>
-                </p:spPr>
-                <p:style>
-                  <a:lnRef idx="2">
-                    <a:schemeClr val="accent1">
-                      <a:shade val="50000"/>
-                    </a:schemeClr>
-                  </a:lnRef>
-                  <a:fillRef idx="1">
-                    <a:schemeClr val="accent1"/>
-                  </a:fillRef>
-                  <a:effectRef idx="0">
-                    <a:schemeClr val="accent1"/>
-                  </a:effectRef>
-                  <a:fontRef idx="minor">
-                    <a:schemeClr val="lt1"/>
-                  </a:fontRef>
-                </p:style>
-                <p:txBody>
-                  <a:bodyPr rtlCol="0" anchor="ctr"/>
-                  <a:lstStyle/>
-                  <a:p>
-                    <a:pPr algn="ctr"/>
-                    <a:endParaRPr lang="pt-BR"/>
-                  </a:p>
-                </p:txBody>
-              </p:sp>
-              <p:sp>
-                <p:nvSpPr>
-                  <p:cNvPr id="8" name="Triângulo isósceles 7"/>
-                  <p:cNvSpPr/>
-                  <p:nvPr/>
-                </p:nvSpPr>
-                <p:spPr>
-                  <a:xfrm>
-                    <a:off x="6520839" y="2088395"/>
-                    <a:ext cx="288032" cy="216024"/>
-                  </a:xfrm>
-                  <a:prstGeom prst="triangle">
-                    <a:avLst/>
-                  </a:prstGeom>
-                  <a:grpFill/>
-                  <a:ln>
-                    <a:noFill/>
-                  </a:ln>
-                </p:spPr>
-                <p:style>
-                  <a:lnRef idx="2">
-                    <a:schemeClr val="accent1">
-                      <a:shade val="50000"/>
-                    </a:schemeClr>
-                  </a:lnRef>
-                  <a:fillRef idx="1">
-                    <a:schemeClr val="accent1"/>
-                  </a:fillRef>
-                  <a:effectRef idx="0">
-                    <a:schemeClr val="accent1"/>
-                  </a:effectRef>
-                  <a:fontRef idx="minor">
-                    <a:schemeClr val="lt1"/>
-                  </a:fontRef>
-                </p:style>
-                <p:txBody>
-                  <a:bodyPr rtlCol="0" anchor="ctr"/>
-                  <a:lstStyle/>
-                  <a:p>
-                    <a:pPr algn="ctr"/>
-                    <a:endParaRPr lang="pt-BR"/>
-                  </a:p>
-                </p:txBody>
-              </p:sp>
-              <p:sp>
-                <p:nvSpPr>
-                  <p:cNvPr id="9" name="Triângulo isósceles 8"/>
-                  <p:cNvSpPr/>
-                  <p:nvPr/>
-                </p:nvSpPr>
-                <p:spPr>
-                  <a:xfrm>
-                    <a:off x="6786042" y="2088395"/>
-                    <a:ext cx="288032" cy="216024"/>
-                  </a:xfrm>
-                  <a:prstGeom prst="triangle">
-                    <a:avLst/>
-                  </a:prstGeom>
-                  <a:grpFill/>
-                  <a:ln>
-                    <a:noFill/>
-                  </a:ln>
-                </p:spPr>
-                <p:style>
-                  <a:lnRef idx="2">
-                    <a:schemeClr val="accent1">
-                      <a:shade val="50000"/>
-                    </a:schemeClr>
-                  </a:lnRef>
-                  <a:fillRef idx="1">
-                    <a:schemeClr val="accent1"/>
-                  </a:fillRef>
-                  <a:effectRef idx="0">
-                    <a:schemeClr val="accent1"/>
-                  </a:effectRef>
-                  <a:fontRef idx="minor">
-                    <a:schemeClr val="lt1"/>
-                  </a:fontRef>
-                </p:style>
-                <p:txBody>
-                  <a:bodyPr rtlCol="0" anchor="ctr"/>
-                  <a:lstStyle/>
-                  <a:p>
-                    <a:pPr algn="ctr"/>
-                    <a:endParaRPr lang="pt-BR"/>
-                  </a:p>
-                </p:txBody>
-              </p:sp>
-              <p:sp>
-                <p:nvSpPr>
-                  <p:cNvPr id="10" name="Triângulo isósceles 9"/>
-                  <p:cNvSpPr/>
-                  <p:nvPr/>
-                </p:nvSpPr>
-                <p:spPr>
-                  <a:xfrm>
-                    <a:off x="7057306" y="2088395"/>
-                    <a:ext cx="288032" cy="216024"/>
-                  </a:xfrm>
-                  <a:prstGeom prst="triangle">
-                    <a:avLst/>
-                  </a:prstGeom>
-                  <a:grpFill/>
-                  <a:ln>
-                    <a:noFill/>
-                  </a:ln>
-                </p:spPr>
-                <p:style>
-                  <a:lnRef idx="2">
-                    <a:schemeClr val="accent1">
-                      <a:shade val="50000"/>
-                    </a:schemeClr>
-                  </a:lnRef>
-                  <a:fillRef idx="1">
-                    <a:schemeClr val="accent1"/>
-                  </a:fillRef>
-                  <a:effectRef idx="0">
-                    <a:schemeClr val="accent1"/>
-                  </a:effectRef>
-                  <a:fontRef idx="minor">
-                    <a:schemeClr val="lt1"/>
-                  </a:fontRef>
-                </p:style>
-                <p:txBody>
-                  <a:bodyPr rtlCol="0" anchor="ctr"/>
-                  <a:lstStyle/>
-                  <a:p>
-                    <a:pPr algn="ctr"/>
-                    <a:endParaRPr lang="pt-BR"/>
-                  </a:p>
-                </p:txBody>
-              </p:sp>
-              <p:sp>
-                <p:nvSpPr>
-                  <p:cNvPr id="11" name="Triângulo isósceles 10"/>
-                  <p:cNvSpPr/>
-                  <p:nvPr/>
-                </p:nvSpPr>
-                <p:spPr>
-                  <a:xfrm>
-                    <a:off x="7358127" y="2088395"/>
-                    <a:ext cx="288032" cy="216024"/>
-                  </a:xfrm>
-                  <a:prstGeom prst="triangle">
-                    <a:avLst/>
-                  </a:prstGeom>
-                  <a:grpFill/>
-                  <a:ln>
-                    <a:noFill/>
-                  </a:ln>
-                </p:spPr>
-                <p:style>
-                  <a:lnRef idx="2">
-                    <a:schemeClr val="accent1">
-                      <a:shade val="50000"/>
-                    </a:schemeClr>
-                  </a:lnRef>
-                  <a:fillRef idx="1">
-                    <a:schemeClr val="accent1"/>
-                  </a:fillRef>
-                  <a:effectRef idx="0">
-                    <a:schemeClr val="accent1"/>
-                  </a:effectRef>
-                  <a:fontRef idx="minor">
-                    <a:schemeClr val="lt1"/>
-                  </a:fontRef>
-                </p:style>
-                <p:txBody>
-                  <a:bodyPr rtlCol="0" anchor="ctr"/>
-                  <a:lstStyle/>
-                  <a:p>
-                    <a:pPr algn="ctr"/>
-                    <a:endParaRPr lang="pt-BR"/>
-                  </a:p>
-                </p:txBody>
-              </p:sp>
-              <p:sp>
-                <p:nvSpPr>
-                  <p:cNvPr id="12" name="Triângulo isósceles 11"/>
-                  <p:cNvSpPr/>
-                  <p:nvPr/>
-                </p:nvSpPr>
-                <p:spPr>
-                  <a:xfrm>
-                    <a:off x="7628725" y="2088395"/>
-                    <a:ext cx="288032" cy="216024"/>
-                  </a:xfrm>
-                  <a:prstGeom prst="triangle">
-                    <a:avLst/>
-                  </a:prstGeom>
-                  <a:grpFill/>
-                  <a:ln>
-                    <a:noFill/>
-                  </a:ln>
-                </p:spPr>
-                <p:style>
-                  <a:lnRef idx="2">
-                    <a:schemeClr val="accent1">
-                      <a:shade val="50000"/>
-                    </a:schemeClr>
-                  </a:lnRef>
-                  <a:fillRef idx="1">
-                    <a:schemeClr val="accent1"/>
-                  </a:fillRef>
-                  <a:effectRef idx="0">
-                    <a:schemeClr val="accent1"/>
-                  </a:effectRef>
-                  <a:fontRef idx="minor">
-                    <a:schemeClr val="lt1"/>
-                  </a:fontRef>
-                </p:style>
-                <p:txBody>
-                  <a:bodyPr rtlCol="0" anchor="ctr"/>
-                  <a:lstStyle/>
-                  <a:p>
-                    <a:pPr algn="ctr"/>
-                    <a:endParaRPr lang="pt-BR"/>
-                  </a:p>
-                </p:txBody>
-              </p:sp>
-              <p:sp>
-                <p:nvSpPr>
-                  <p:cNvPr id="13" name="Triângulo isósceles 12"/>
-                  <p:cNvSpPr/>
-                  <p:nvPr/>
-                </p:nvSpPr>
-                <p:spPr>
-                  <a:xfrm>
-                    <a:off x="7939022" y="2088395"/>
-                    <a:ext cx="288032" cy="216024"/>
-                  </a:xfrm>
-                  <a:prstGeom prst="triangle">
-                    <a:avLst/>
-                  </a:prstGeom>
-                  <a:grpFill/>
-                  <a:ln>
-                    <a:noFill/>
-                  </a:ln>
-                </p:spPr>
-                <p:style>
-                  <a:lnRef idx="2">
-                    <a:schemeClr val="accent1">
-                      <a:shade val="50000"/>
-                    </a:schemeClr>
-                  </a:lnRef>
-                  <a:fillRef idx="1">
-                    <a:schemeClr val="accent1"/>
-                  </a:fillRef>
-                  <a:effectRef idx="0">
-                    <a:schemeClr val="accent1"/>
-                  </a:effectRef>
-                  <a:fontRef idx="minor">
-                    <a:schemeClr val="lt1"/>
-                  </a:fontRef>
-                </p:style>
-                <p:txBody>
-                  <a:bodyPr rtlCol="0" anchor="ctr"/>
-                  <a:lstStyle/>
-                  <a:p>
-                    <a:pPr algn="ctr"/>
-                    <a:endParaRPr lang="pt-BR"/>
-                  </a:p>
-                </p:txBody>
-              </p:sp>
-              <p:sp>
-                <p:nvSpPr>
-                  <p:cNvPr id="14" name="Triângulo isósceles 13"/>
-                  <p:cNvSpPr/>
-                  <p:nvPr/>
-                </p:nvSpPr>
-                <p:spPr>
-                  <a:xfrm>
-                    <a:off x="8227054" y="2088395"/>
-                    <a:ext cx="288032" cy="216024"/>
-                  </a:xfrm>
-                  <a:prstGeom prst="triangle">
-                    <a:avLst/>
-                  </a:prstGeom>
-                  <a:grpFill/>
-                  <a:ln>
-                    <a:noFill/>
-                  </a:ln>
-                </p:spPr>
-                <p:style>
-                  <a:lnRef idx="2">
-                    <a:schemeClr val="accent1">
-                      <a:shade val="50000"/>
-                    </a:schemeClr>
-                  </a:lnRef>
-                  <a:fillRef idx="1">
-                    <a:schemeClr val="accent1"/>
-                  </a:fillRef>
-                  <a:effectRef idx="0">
-                    <a:schemeClr val="accent1"/>
-                  </a:effectRef>
-                  <a:fontRef idx="minor">
-                    <a:schemeClr val="lt1"/>
-                  </a:fontRef>
-                </p:style>
-                <p:txBody>
-                  <a:bodyPr rtlCol="0" anchor="ctr"/>
-                  <a:lstStyle/>
-                  <a:p>
-                    <a:pPr algn="ctr"/>
-                    <a:endParaRPr lang="pt-BR"/>
-                  </a:p>
-                </p:txBody>
-              </p:sp>
-              <p:sp>
-                <p:nvSpPr>
-                  <p:cNvPr id="15" name="Triângulo isósceles 14"/>
-                  <p:cNvSpPr/>
-                  <p:nvPr/>
-                </p:nvSpPr>
-                <p:spPr>
-                  <a:xfrm>
-                    <a:off x="8515086" y="2088395"/>
-                    <a:ext cx="288032" cy="216024"/>
-                  </a:xfrm>
-                  <a:prstGeom prst="triangle">
-                    <a:avLst/>
-                  </a:prstGeom>
-                  <a:grpFill/>
-                  <a:ln>
-                    <a:noFill/>
-                  </a:ln>
-                </p:spPr>
-                <p:style>
-                  <a:lnRef idx="2">
-                    <a:schemeClr val="accent1">
-                      <a:shade val="50000"/>
-                    </a:schemeClr>
-                  </a:lnRef>
-                  <a:fillRef idx="1">
-                    <a:schemeClr val="accent1"/>
-                  </a:fillRef>
-                  <a:effectRef idx="0">
-                    <a:schemeClr val="accent1"/>
-                  </a:effectRef>
-                  <a:fontRef idx="minor">
-                    <a:schemeClr val="lt1"/>
-                  </a:fontRef>
-                </p:style>
-                <p:txBody>
-                  <a:bodyPr rtlCol="0" anchor="ctr"/>
-                  <a:lstStyle/>
-                  <a:p>
-                    <a:pPr algn="ctr"/>
-                    <a:endParaRPr lang="pt-BR"/>
-                  </a:p>
-                </p:txBody>
-              </p:sp>
-            </p:grpSp>
-            <p:grpSp>
-              <p:nvGrpSpPr>
-                <p:cNvPr id="50" name="Grupo 49"/>
-                <p:cNvGrpSpPr/>
-                <p:nvPr/>
-              </p:nvGrpSpPr>
-              <p:grpSpPr>
-                <a:xfrm rot="10800000">
-                  <a:off x="3798090" y="3357800"/>
-                  <a:ext cx="2703476" cy="108012"/>
-                  <a:chOff x="5952287" y="2088395"/>
-                  <a:chExt cx="2850831" cy="216024"/>
-                </a:xfrm>
-                <a:grpFill/>
-              </p:grpSpPr>
-              <p:sp>
-                <p:nvSpPr>
-                  <p:cNvPr id="51" name="Triângulo isósceles 50"/>
-                  <p:cNvSpPr/>
-                  <p:nvPr/>
-                </p:nvSpPr>
-                <p:spPr>
-                  <a:xfrm>
-                    <a:off x="5952287" y="2088395"/>
-                    <a:ext cx="288032" cy="216024"/>
-                  </a:xfrm>
-                  <a:prstGeom prst="triangle">
-                    <a:avLst/>
-                  </a:prstGeom>
-                  <a:grpFill/>
-                  <a:ln>
-                    <a:noFill/>
-                  </a:ln>
-                </p:spPr>
-                <p:style>
-                  <a:lnRef idx="2">
-                    <a:schemeClr val="accent1">
-                      <a:shade val="50000"/>
-                    </a:schemeClr>
-                  </a:lnRef>
-                  <a:fillRef idx="1">
-                    <a:schemeClr val="accent1"/>
-                  </a:fillRef>
-                  <a:effectRef idx="0">
-                    <a:schemeClr val="accent1"/>
-                  </a:effectRef>
-                  <a:fontRef idx="minor">
-                    <a:schemeClr val="lt1"/>
-                  </a:fontRef>
-                </p:style>
-                <p:txBody>
-                  <a:bodyPr rtlCol="0" anchor="ctr"/>
-                  <a:lstStyle/>
-                  <a:p>
-                    <a:pPr algn="ctr"/>
-                    <a:endParaRPr lang="pt-BR"/>
-                  </a:p>
-                </p:txBody>
-              </p:sp>
-              <p:sp>
-                <p:nvSpPr>
-                  <p:cNvPr id="52" name="Triângulo isósceles 51"/>
-                  <p:cNvSpPr/>
-                  <p:nvPr/>
-                </p:nvSpPr>
-                <p:spPr>
-                  <a:xfrm>
-                    <a:off x="6241783" y="2088395"/>
-                    <a:ext cx="288032" cy="216024"/>
-                  </a:xfrm>
-                  <a:prstGeom prst="triangle">
-                    <a:avLst/>
-                  </a:prstGeom>
-                  <a:grpFill/>
-                  <a:ln>
-                    <a:noFill/>
-                  </a:ln>
-                </p:spPr>
-                <p:style>
-                  <a:lnRef idx="2">
-                    <a:schemeClr val="accent1">
-                      <a:shade val="50000"/>
-                    </a:schemeClr>
-                  </a:lnRef>
-                  <a:fillRef idx="1">
-                    <a:schemeClr val="accent1"/>
-                  </a:fillRef>
-                  <a:effectRef idx="0">
-                    <a:schemeClr val="accent1"/>
-                  </a:effectRef>
-                  <a:fontRef idx="minor">
-                    <a:schemeClr val="lt1"/>
-                  </a:fontRef>
-                </p:style>
-                <p:txBody>
-                  <a:bodyPr rtlCol="0" anchor="ctr"/>
-                  <a:lstStyle/>
-                  <a:p>
-                    <a:pPr algn="ctr"/>
-                    <a:endParaRPr lang="pt-BR"/>
-                  </a:p>
-                </p:txBody>
-              </p:sp>
-              <p:sp>
-                <p:nvSpPr>
-                  <p:cNvPr id="53" name="Triângulo isósceles 52"/>
-                  <p:cNvSpPr/>
-                  <p:nvPr/>
-                </p:nvSpPr>
-                <p:spPr>
-                  <a:xfrm>
-                    <a:off x="6520839" y="2088395"/>
-                    <a:ext cx="288032" cy="216024"/>
-                  </a:xfrm>
-                  <a:prstGeom prst="triangle">
-                    <a:avLst/>
-                  </a:prstGeom>
-                  <a:grpFill/>
-                  <a:ln>
-                    <a:noFill/>
-                  </a:ln>
-                </p:spPr>
-                <p:style>
-                  <a:lnRef idx="2">
-                    <a:schemeClr val="accent1">
-                      <a:shade val="50000"/>
-                    </a:schemeClr>
-                  </a:lnRef>
-                  <a:fillRef idx="1">
-                    <a:schemeClr val="accent1"/>
-                  </a:fillRef>
-                  <a:effectRef idx="0">
-                    <a:schemeClr val="accent1"/>
-                  </a:effectRef>
-                  <a:fontRef idx="minor">
-                    <a:schemeClr val="lt1"/>
-                  </a:fontRef>
-                </p:style>
-                <p:txBody>
-                  <a:bodyPr rtlCol="0" anchor="ctr"/>
-                  <a:lstStyle/>
-                  <a:p>
-                    <a:pPr algn="ctr"/>
-                    <a:endParaRPr lang="pt-BR"/>
-                  </a:p>
-                </p:txBody>
-              </p:sp>
-              <p:sp>
-                <p:nvSpPr>
-                  <p:cNvPr id="54" name="Triângulo isósceles 53"/>
-                  <p:cNvSpPr/>
-                  <p:nvPr/>
-                </p:nvSpPr>
-                <p:spPr>
-                  <a:xfrm>
-                    <a:off x="6786042" y="2088395"/>
-                    <a:ext cx="288032" cy="216024"/>
-                  </a:xfrm>
-                  <a:prstGeom prst="triangle">
-                    <a:avLst/>
-                  </a:prstGeom>
-                  <a:grpFill/>
-                  <a:ln>
-                    <a:noFill/>
-                  </a:ln>
-                </p:spPr>
-                <p:style>
-                  <a:lnRef idx="2">
-                    <a:schemeClr val="accent1">
-                      <a:shade val="50000"/>
-                    </a:schemeClr>
-                  </a:lnRef>
-                  <a:fillRef idx="1">
-                    <a:schemeClr val="accent1"/>
-                  </a:fillRef>
-                  <a:effectRef idx="0">
-                    <a:schemeClr val="accent1"/>
-                  </a:effectRef>
-                  <a:fontRef idx="minor">
-                    <a:schemeClr val="lt1"/>
-                  </a:fontRef>
-                </p:style>
-                <p:txBody>
-                  <a:bodyPr rtlCol="0" anchor="ctr"/>
-                  <a:lstStyle/>
-                  <a:p>
-                    <a:pPr algn="ctr"/>
-                    <a:endParaRPr lang="pt-BR"/>
-                  </a:p>
-                </p:txBody>
-              </p:sp>
-              <p:sp>
-                <p:nvSpPr>
-                  <p:cNvPr id="55" name="Triângulo isósceles 54"/>
-                  <p:cNvSpPr/>
-                  <p:nvPr/>
-                </p:nvSpPr>
-                <p:spPr>
-                  <a:xfrm>
-                    <a:off x="7057306" y="2088395"/>
-                    <a:ext cx="288032" cy="216024"/>
-                  </a:xfrm>
-                  <a:prstGeom prst="triangle">
-                    <a:avLst/>
-                  </a:prstGeom>
-                  <a:grpFill/>
-                  <a:ln>
-                    <a:noFill/>
-                  </a:ln>
-                </p:spPr>
-                <p:style>
-                  <a:lnRef idx="2">
-                    <a:schemeClr val="accent1">
-                      <a:shade val="50000"/>
-                    </a:schemeClr>
-                  </a:lnRef>
-                  <a:fillRef idx="1">
-                    <a:schemeClr val="accent1"/>
-                  </a:fillRef>
-                  <a:effectRef idx="0">
-                    <a:schemeClr val="accent1"/>
-                  </a:effectRef>
-                  <a:fontRef idx="minor">
-                    <a:schemeClr val="lt1"/>
-                  </a:fontRef>
-                </p:style>
-                <p:txBody>
-                  <a:bodyPr rtlCol="0" anchor="ctr"/>
-                  <a:lstStyle/>
-                  <a:p>
-                    <a:pPr algn="ctr"/>
-                    <a:endParaRPr lang="pt-BR"/>
-                  </a:p>
-                </p:txBody>
-              </p:sp>
-              <p:sp>
-                <p:nvSpPr>
-                  <p:cNvPr id="56" name="Triângulo isósceles 55"/>
-                  <p:cNvSpPr/>
-                  <p:nvPr/>
-                </p:nvSpPr>
-                <p:spPr>
-                  <a:xfrm>
-                    <a:off x="7358127" y="2088395"/>
-                    <a:ext cx="288032" cy="216024"/>
-                  </a:xfrm>
-                  <a:prstGeom prst="triangle">
-                    <a:avLst/>
-                  </a:prstGeom>
-                  <a:grpFill/>
-                  <a:ln>
-                    <a:noFill/>
-                  </a:ln>
-                </p:spPr>
-                <p:style>
-                  <a:lnRef idx="2">
-                    <a:schemeClr val="accent1">
-                      <a:shade val="50000"/>
-                    </a:schemeClr>
-                  </a:lnRef>
-                  <a:fillRef idx="1">
-                    <a:schemeClr val="accent1"/>
-                  </a:fillRef>
-                  <a:effectRef idx="0">
-                    <a:schemeClr val="accent1"/>
-                  </a:effectRef>
-                  <a:fontRef idx="minor">
-                    <a:schemeClr val="lt1"/>
-                  </a:fontRef>
-                </p:style>
-                <p:txBody>
-                  <a:bodyPr rtlCol="0" anchor="ctr"/>
-                  <a:lstStyle/>
-                  <a:p>
-                    <a:pPr algn="ctr"/>
-                    <a:endParaRPr lang="pt-BR"/>
-                  </a:p>
-                </p:txBody>
-              </p:sp>
-              <p:sp>
-                <p:nvSpPr>
-                  <p:cNvPr id="57" name="Triângulo isósceles 56"/>
-                  <p:cNvSpPr/>
-                  <p:nvPr/>
-                </p:nvSpPr>
-                <p:spPr>
-                  <a:xfrm>
-                    <a:off x="7628725" y="2088395"/>
-                    <a:ext cx="288032" cy="216024"/>
-                  </a:xfrm>
-                  <a:prstGeom prst="triangle">
-                    <a:avLst/>
-                  </a:prstGeom>
-                  <a:grpFill/>
-                  <a:ln>
-                    <a:noFill/>
-                  </a:ln>
-                </p:spPr>
-                <p:style>
-                  <a:lnRef idx="2">
-                    <a:schemeClr val="accent1">
-                      <a:shade val="50000"/>
-                    </a:schemeClr>
-                  </a:lnRef>
-                  <a:fillRef idx="1">
-                    <a:schemeClr val="accent1"/>
-                  </a:fillRef>
-                  <a:effectRef idx="0">
-                    <a:schemeClr val="accent1"/>
-                  </a:effectRef>
-                  <a:fontRef idx="minor">
-                    <a:schemeClr val="lt1"/>
-                  </a:fontRef>
-                </p:style>
-                <p:txBody>
-                  <a:bodyPr rtlCol="0" anchor="ctr"/>
-                  <a:lstStyle/>
-                  <a:p>
-                    <a:pPr algn="ctr"/>
-                    <a:endParaRPr lang="pt-BR"/>
-                  </a:p>
-                </p:txBody>
-              </p:sp>
-              <p:sp>
-                <p:nvSpPr>
-                  <p:cNvPr id="58" name="Triângulo isósceles 57"/>
-                  <p:cNvSpPr/>
-                  <p:nvPr/>
-                </p:nvSpPr>
-                <p:spPr>
-                  <a:xfrm>
-                    <a:off x="7939022" y="2088395"/>
-                    <a:ext cx="288032" cy="216024"/>
-                  </a:xfrm>
-                  <a:prstGeom prst="triangle">
-                    <a:avLst/>
-                  </a:prstGeom>
-                  <a:grpFill/>
-                  <a:ln>
-                    <a:noFill/>
-                  </a:ln>
-                </p:spPr>
-                <p:style>
-                  <a:lnRef idx="2">
-                    <a:schemeClr val="accent1">
-                      <a:shade val="50000"/>
-                    </a:schemeClr>
-                  </a:lnRef>
-                  <a:fillRef idx="1">
-                    <a:schemeClr val="accent1"/>
-                  </a:fillRef>
-                  <a:effectRef idx="0">
-                    <a:schemeClr val="accent1"/>
-                  </a:effectRef>
-                  <a:fontRef idx="minor">
-                    <a:schemeClr val="lt1"/>
-                  </a:fontRef>
-                </p:style>
-                <p:txBody>
-                  <a:bodyPr rtlCol="0" anchor="ctr"/>
-                  <a:lstStyle/>
-                  <a:p>
-                    <a:pPr algn="ctr"/>
-                    <a:endParaRPr lang="pt-BR"/>
-                  </a:p>
-                </p:txBody>
-              </p:sp>
-              <p:sp>
-                <p:nvSpPr>
-                  <p:cNvPr id="59" name="Triângulo isósceles 58"/>
-                  <p:cNvSpPr/>
-                  <p:nvPr/>
-                </p:nvSpPr>
-                <p:spPr>
-                  <a:xfrm>
-                    <a:off x="8227054" y="2088395"/>
-                    <a:ext cx="288032" cy="216024"/>
-                  </a:xfrm>
-                  <a:prstGeom prst="triangle">
-                    <a:avLst/>
-                  </a:prstGeom>
-                  <a:grpFill/>
-                  <a:ln>
-                    <a:noFill/>
-                  </a:ln>
-                </p:spPr>
-                <p:style>
-                  <a:lnRef idx="2">
-                    <a:schemeClr val="accent1">
-                      <a:shade val="50000"/>
-                    </a:schemeClr>
-                  </a:lnRef>
-                  <a:fillRef idx="1">
-                    <a:schemeClr val="accent1"/>
-                  </a:fillRef>
-                  <a:effectRef idx="0">
-                    <a:schemeClr val="accent1"/>
-                  </a:effectRef>
-                  <a:fontRef idx="minor">
-                    <a:schemeClr val="lt1"/>
-                  </a:fontRef>
-                </p:style>
-                <p:txBody>
-                  <a:bodyPr rtlCol="0" anchor="ctr"/>
-                  <a:lstStyle/>
-                  <a:p>
-                    <a:pPr algn="ctr"/>
-                    <a:endParaRPr lang="pt-BR"/>
-                  </a:p>
-                </p:txBody>
-              </p:sp>
-              <p:sp>
-                <p:nvSpPr>
-                  <p:cNvPr id="60" name="Triângulo isósceles 59"/>
-                  <p:cNvSpPr/>
-                  <p:nvPr/>
-                </p:nvSpPr>
-                <p:spPr>
-                  <a:xfrm>
-                    <a:off x="8515086" y="2088395"/>
-                    <a:ext cx="288032" cy="216024"/>
-                  </a:xfrm>
-                  <a:prstGeom prst="triangle">
-                    <a:avLst/>
-                  </a:prstGeom>
-                  <a:grpFill/>
-                  <a:ln>
-                    <a:noFill/>
-                  </a:ln>
-                </p:spPr>
-                <p:style>
-                  <a:lnRef idx="2">
-                    <a:schemeClr val="accent1">
-                      <a:shade val="50000"/>
-                    </a:schemeClr>
-                  </a:lnRef>
-                  <a:fillRef idx="1">
-                    <a:schemeClr val="accent1"/>
-                  </a:fillRef>
-                  <a:effectRef idx="0">
-                    <a:schemeClr val="accent1"/>
-                  </a:effectRef>
-                  <a:fontRef idx="minor">
-                    <a:schemeClr val="lt1"/>
-                  </a:fontRef>
-                </p:style>
-                <p:txBody>
-                  <a:bodyPr rtlCol="0" anchor="ctr"/>
-                  <a:lstStyle/>
-                  <a:p>
-                    <a:pPr algn="ctr"/>
-                    <a:endParaRPr lang="pt-BR"/>
-                  </a:p>
-                </p:txBody>
-              </p:sp>
-            </p:grpSp>
-          </p:grpSp>
-          <p:sp>
-            <p:nvSpPr>
-              <p:cNvPr id="22" name="Retângulo de cantos arredondados 21"/>
-              <p:cNvSpPr/>
-              <p:nvPr/>
-            </p:nvSpPr>
-            <p:spPr>
-              <a:xfrm>
-                <a:off x="57634" y="2564904"/>
-                <a:ext cx="2354126" cy="2513813"/>
-              </a:xfrm>
-              <a:prstGeom prst="roundRect">
-                <a:avLst>
-                  <a:gd name="adj" fmla="val 13040"/>
-                </a:avLst>
-              </a:prstGeom>
-              <a:solidFill>
-                <a:srgbClr val="934CC8"/>
-              </a:solidFill>
-              <a:ln>
-                <a:noFill/>
-              </a:ln>
-            </p:spPr>
-            <p:style>
-              <a:lnRef idx="2">
-                <a:schemeClr val="accent1">
-                  <a:shade val="50000"/>
-                </a:schemeClr>
-              </a:lnRef>
-              <a:fillRef idx="1">
-                <a:schemeClr val="accent1"/>
-              </a:fillRef>
-              <a:effectRef idx="0">
-                <a:schemeClr val="accent1"/>
-              </a:effectRef>
-              <a:fontRef idx="minor">
-                <a:schemeClr val="lt1"/>
-              </a:fontRef>
-            </p:style>
-            <p:txBody>
-              <a:bodyPr rtlCol="0" anchor="ctr"/>
-              <a:lstStyle/>
-              <a:p>
-                <a:pPr algn="ctr"/>
-                <a:endParaRPr lang="pt-BR"/>
-              </a:p>
-            </p:txBody>
-          </p:sp>
-          <p:sp>
-            <p:nvSpPr>
-              <p:cNvPr id="81" name="Elipse 80"/>
-              <p:cNvSpPr/>
-              <p:nvPr/>
-            </p:nvSpPr>
-            <p:spPr>
-              <a:xfrm>
-                <a:off x="315341" y="2836839"/>
-                <a:ext cx="1935767" cy="1935767"/>
-              </a:xfrm>
-              <a:prstGeom prst="ellipse">
-                <a:avLst/>
-              </a:prstGeom>
-              <a:solidFill>
-                <a:srgbClr val="9F5FCF"/>
-              </a:solidFill>
-              <a:ln>
-                <a:noFill/>
-              </a:ln>
-            </p:spPr>
-            <p:style>
-              <a:lnRef idx="2">
-                <a:schemeClr val="accent1">
-                  <a:shade val="50000"/>
-                </a:schemeClr>
-              </a:lnRef>
-              <a:fillRef idx="1">
-                <a:schemeClr val="accent1"/>
-              </a:fillRef>
-              <a:effectRef idx="0">
-                <a:schemeClr val="accent1"/>
-              </a:effectRef>
-              <a:fontRef idx="minor">
-                <a:schemeClr val="lt1"/>
-              </a:fontRef>
-            </p:style>
-            <p:txBody>
-              <a:bodyPr rtlCol="0" anchor="ctr"/>
-              <a:lstStyle/>
-              <a:p>
-                <a:pPr algn="ctr"/>
-                <a:endParaRPr lang="pt-BR"/>
-              </a:p>
-            </p:txBody>
-          </p:sp>
-          <p:grpSp>
-            <p:nvGrpSpPr>
-              <p:cNvPr id="24" name="Grupo 23"/>
-              <p:cNvGrpSpPr/>
-              <p:nvPr/>
-            </p:nvGrpSpPr>
-            <p:grpSpPr>
-              <a:xfrm>
-                <a:off x="236651" y="2685954"/>
-                <a:ext cx="2045254" cy="2327222"/>
-                <a:chOff x="3834481" y="2564904"/>
-                <a:chExt cx="2249687" cy="2559840"/>
-              </a:xfrm>
-            </p:grpSpPr>
-            <p:grpSp>
-              <p:nvGrpSpPr>
-                <p:cNvPr id="23" name="Grupo 22"/>
-                <p:cNvGrpSpPr/>
-                <p:nvPr/>
-              </p:nvGrpSpPr>
-              <p:grpSpPr>
-                <a:xfrm>
-                  <a:off x="3834481" y="2564904"/>
-                  <a:ext cx="2249687" cy="2559840"/>
-                  <a:chOff x="3834481" y="2564904"/>
-                  <a:chExt cx="2249687" cy="2559840"/>
-                </a:xfrm>
-              </p:grpSpPr>
-              <p:grpSp>
-                <p:nvGrpSpPr>
-                  <p:cNvPr id="21" name="Grupo 20"/>
-                  <p:cNvGrpSpPr/>
-                  <p:nvPr/>
-                </p:nvGrpSpPr>
-                <p:grpSpPr>
-                  <a:xfrm>
-                    <a:off x="3834481" y="2564904"/>
-                    <a:ext cx="2177679" cy="680434"/>
-                    <a:chOff x="3834481" y="2564904"/>
-                    <a:chExt cx="2177679" cy="680434"/>
-                  </a:xfrm>
-                </p:grpSpPr>
-                <p:sp>
-                  <p:nvSpPr>
-                    <p:cNvPr id="86" name="Retângulo de cantos arredondados 18"/>
-                    <p:cNvSpPr/>
-                    <p:nvPr/>
-                  </p:nvSpPr>
-                  <p:spPr>
-                    <a:xfrm>
-                      <a:off x="3834481" y="2564904"/>
-                      <a:ext cx="2177679" cy="680434"/>
-                    </a:xfrm>
-                    <a:custGeom>
-                      <a:avLst/>
-                      <a:gdLst/>
-                      <a:ahLst/>
-                      <a:cxnLst/>
-                      <a:rect l="l" t="t" r="r" b="b"/>
-                      <a:pathLst>
-                        <a:path w="2041106" h="578046">
-                          <a:moveTo>
-                            <a:pt x="289023" y="0"/>
-                          </a:moveTo>
-                          <a:lnTo>
-                            <a:pt x="1752083" y="0"/>
-                          </a:lnTo>
-                          <a:cubicBezTo>
-                            <a:pt x="1911706" y="0"/>
-                            <a:pt x="2041106" y="129400"/>
-                            <a:pt x="2041106" y="289023"/>
-                          </a:cubicBezTo>
-                          <a:cubicBezTo>
-                            <a:pt x="2041106" y="428738"/>
-                            <a:pt x="1941971" y="545298"/>
-                            <a:pt x="1810202" y="572187"/>
-                          </a:cubicBezTo>
-                          <a:cubicBezTo>
-                            <a:pt x="1636249" y="345950"/>
-                            <a:pt x="1362230" y="202538"/>
-                            <a:pt x="1054714" y="202538"/>
-                          </a:cubicBezTo>
-                          <a:cubicBezTo>
-                            <a:pt x="744460" y="202538"/>
-                            <a:pt x="468300" y="348516"/>
-                            <a:pt x="294392" y="578046"/>
-                          </a:cubicBezTo>
-                          <a:lnTo>
-                            <a:pt x="289023" y="578046"/>
-                          </a:lnTo>
-                          <a:cubicBezTo>
-                            <a:pt x="129400" y="578046"/>
-                            <a:pt x="0" y="448646"/>
-                            <a:pt x="0" y="289023"/>
-                          </a:cubicBezTo>
-                          <a:cubicBezTo>
-                            <a:pt x="0" y="129400"/>
-                            <a:pt x="129400" y="0"/>
-                            <a:pt x="289023" y="0"/>
-                          </a:cubicBezTo>
-                          <a:close/>
-                        </a:path>
-                      </a:pathLst>
-                    </a:custGeom>
-                    <a:solidFill>
-                      <a:srgbClr val="702FA1"/>
-                    </a:solidFill>
-                    <a:ln>
-                      <a:noFill/>
-                    </a:ln>
-                  </p:spPr>
-                  <p:style>
-                    <a:lnRef idx="2">
-                      <a:schemeClr val="accent1">
-                        <a:shade val="50000"/>
-                      </a:schemeClr>
-                    </a:lnRef>
-                    <a:fillRef idx="1">
-                      <a:schemeClr val="accent1"/>
-                    </a:fillRef>
-                    <a:effectRef idx="0">
-                      <a:schemeClr val="accent1"/>
-                    </a:effectRef>
-                    <a:fontRef idx="minor">
-                      <a:schemeClr val="lt1"/>
-                    </a:fontRef>
-                  </p:style>
-                  <p:txBody>
-                    <a:bodyPr rtlCol="0" anchor="ctr"/>
-                    <a:lstStyle/>
-                    <a:p>
-                      <a:pPr algn="ctr"/>
-                      <a:endParaRPr lang="pt-BR"/>
-                    </a:p>
-                  </p:txBody>
-                </p:sp>
-                <p:sp>
-                  <p:nvSpPr>
-                    <p:cNvPr id="19" name="Retângulo de cantos arredondados 18"/>
-                    <p:cNvSpPr/>
-                    <p:nvPr/>
-                  </p:nvSpPr>
-                  <p:spPr>
-                    <a:xfrm>
-                      <a:off x="3957140" y="2636912"/>
-                      <a:ext cx="1948083" cy="342021"/>
-                    </a:xfrm>
-                    <a:custGeom>
-                      <a:avLst/>
-                      <a:gdLst/>
-                      <a:ahLst/>
-                      <a:cxnLst/>
-                      <a:rect l="l" t="t" r="r" b="b"/>
-                      <a:pathLst>
-                        <a:path w="2041106" h="578046">
-                          <a:moveTo>
-                            <a:pt x="289023" y="0"/>
-                          </a:moveTo>
-                          <a:lnTo>
-                            <a:pt x="1752083" y="0"/>
-                          </a:lnTo>
-                          <a:cubicBezTo>
-                            <a:pt x="1911706" y="0"/>
-                            <a:pt x="2041106" y="129400"/>
-                            <a:pt x="2041106" y="289023"/>
-                          </a:cubicBezTo>
-                          <a:cubicBezTo>
-                            <a:pt x="2041106" y="428738"/>
-                            <a:pt x="1941971" y="545298"/>
-                            <a:pt x="1810202" y="572187"/>
-                          </a:cubicBezTo>
-                          <a:cubicBezTo>
-                            <a:pt x="1636249" y="345950"/>
-                            <a:pt x="1362230" y="202538"/>
-                            <a:pt x="1054714" y="202538"/>
-                          </a:cubicBezTo>
-                          <a:cubicBezTo>
-                            <a:pt x="744460" y="202538"/>
-                            <a:pt x="468300" y="348516"/>
-                            <a:pt x="294392" y="578046"/>
-                          </a:cubicBezTo>
-                          <a:lnTo>
-                            <a:pt x="289023" y="578046"/>
-                          </a:lnTo>
-                          <a:cubicBezTo>
-                            <a:pt x="129400" y="578046"/>
-                            <a:pt x="0" y="448646"/>
-                            <a:pt x="0" y="289023"/>
-                          </a:cubicBezTo>
-                          <a:cubicBezTo>
-                            <a:pt x="0" y="129400"/>
-                            <a:pt x="129400" y="0"/>
-                            <a:pt x="289023" y="0"/>
-                          </a:cubicBezTo>
-                          <a:close/>
-                        </a:path>
-                      </a:pathLst>
-                    </a:custGeom>
-                    <a:solidFill>
-                      <a:srgbClr val="7A33AF"/>
-                    </a:solidFill>
-                    <a:ln>
-                      <a:noFill/>
-                    </a:ln>
-                  </p:spPr>
-                  <p:style>
-                    <a:lnRef idx="2">
-                      <a:schemeClr val="accent1">
-                        <a:shade val="50000"/>
-                      </a:schemeClr>
-                    </a:lnRef>
-                    <a:fillRef idx="1">
-                      <a:schemeClr val="accent1"/>
-                    </a:fillRef>
-                    <a:effectRef idx="0">
-                      <a:schemeClr val="accent1"/>
-                    </a:effectRef>
-                    <a:fontRef idx="minor">
-                      <a:schemeClr val="lt1"/>
-                    </a:fontRef>
-                  </p:style>
-                  <p:txBody>
-                    <a:bodyPr rtlCol="0" anchor="ctr"/>
-                    <a:lstStyle/>
-                    <a:p>
-                      <a:pPr algn="ctr"/>
-                      <a:endParaRPr lang="pt-BR"/>
-                    </a:p>
-                  </p:txBody>
-                </p:sp>
-                <p:sp>
-                  <p:nvSpPr>
-                    <p:cNvPr id="84" name="Retângulo de cantos arredondados 83"/>
-                    <p:cNvSpPr/>
-                    <p:nvPr/>
-                  </p:nvSpPr>
-                  <p:spPr>
-                    <a:xfrm rot="19680248">
-                      <a:off x="5710148" y="2699401"/>
-                      <a:ext cx="63913" cy="130411"/>
-                    </a:xfrm>
-                    <a:prstGeom prst="roundRect">
-                      <a:avLst>
-                        <a:gd name="adj" fmla="val 50000"/>
-                      </a:avLst>
-                    </a:prstGeom>
-                    <a:solidFill>
-                      <a:srgbClr val="AE77D7"/>
-                    </a:solidFill>
-                    <a:ln>
-                      <a:noFill/>
-                    </a:ln>
-                  </p:spPr>
-                  <p:style>
-                    <a:lnRef idx="2">
-                      <a:schemeClr val="accent1">
-                        <a:shade val="50000"/>
-                      </a:schemeClr>
-                    </a:lnRef>
-                    <a:fillRef idx="1">
-                      <a:schemeClr val="accent1"/>
-                    </a:fillRef>
-                    <a:effectRef idx="0">
-                      <a:schemeClr val="accent1"/>
-                    </a:effectRef>
-                    <a:fontRef idx="minor">
-                      <a:schemeClr val="lt1"/>
-                    </a:fontRef>
-                  </p:style>
-                  <p:txBody>
-                    <a:bodyPr rtlCol="0" anchor="ctr"/>
-                    <a:lstStyle/>
-                    <a:p>
-                      <a:pPr algn="ctr"/>
-                      <a:endParaRPr lang="pt-BR"/>
-                    </a:p>
-                  </p:txBody>
-                </p:sp>
-              </p:grpSp>
-              <p:sp>
-                <p:nvSpPr>
-                  <p:cNvPr id="89" name="Lua 88"/>
-                  <p:cNvSpPr/>
-                  <p:nvPr/>
-                </p:nvSpPr>
-                <p:spPr>
-                  <a:xfrm rot="14897553" flipV="1">
-                    <a:off x="5051438" y="4011013"/>
-                    <a:ext cx="332395" cy="854979"/>
-                  </a:xfrm>
-                  <a:prstGeom prst="moon">
-                    <a:avLst>
-                      <a:gd name="adj" fmla="val 57263"/>
-                    </a:avLst>
-                  </a:prstGeom>
-                  <a:solidFill>
-                    <a:srgbClr val="AE77D7"/>
-                  </a:solidFill>
-                  <a:ln>
-                    <a:noFill/>
-                  </a:ln>
-                </p:spPr>
-                <p:style>
-                  <a:lnRef idx="2">
-                    <a:schemeClr val="accent1">
-                      <a:shade val="50000"/>
-                    </a:schemeClr>
-                  </a:lnRef>
-                  <a:fillRef idx="1">
-                    <a:schemeClr val="accent1"/>
-                  </a:fillRef>
-                  <a:effectRef idx="0">
-                    <a:schemeClr val="accent1"/>
-                  </a:effectRef>
-                  <a:fontRef idx="minor">
-                    <a:schemeClr val="lt1"/>
-                  </a:fontRef>
-                </p:style>
-                <p:txBody>
-                  <a:bodyPr rtlCol="0" anchor="ctr"/>
-                  <a:lstStyle/>
-                  <a:p>
-                    <a:pPr algn="ctr"/>
-                    <a:endParaRPr lang="pt-BR">
-                      <a:solidFill>
-                        <a:srgbClr val="7030A0"/>
-                      </a:solidFill>
-                    </a:endParaRPr>
-                  </a:p>
-                </p:txBody>
-              </p:sp>
-              <p:sp>
-                <p:nvSpPr>
-                  <p:cNvPr id="88" name="Lua 87"/>
-                  <p:cNvSpPr/>
-                  <p:nvPr/>
-                </p:nvSpPr>
-                <p:spPr>
-                  <a:xfrm rot="4888875">
-                    <a:off x="4622462" y="2588504"/>
-                    <a:ext cx="483049" cy="1242485"/>
-                  </a:xfrm>
-                  <a:prstGeom prst="moon">
-                    <a:avLst>
-                      <a:gd name="adj" fmla="val 59731"/>
-                    </a:avLst>
-                  </a:prstGeom>
-                  <a:solidFill>
-                    <a:srgbClr val="7131A1"/>
-                  </a:solidFill>
-                  <a:ln>
-                    <a:noFill/>
-                  </a:ln>
-                </p:spPr>
-                <p:style>
-                  <a:lnRef idx="2">
-                    <a:schemeClr val="accent1">
-                      <a:shade val="50000"/>
-                    </a:schemeClr>
-                  </a:lnRef>
-                  <a:fillRef idx="1">
-                    <a:schemeClr val="accent1"/>
-                  </a:fillRef>
-                  <a:effectRef idx="0">
-                    <a:schemeClr val="accent1"/>
-                  </a:effectRef>
-                  <a:fontRef idx="minor">
-                    <a:schemeClr val="lt1"/>
-                  </a:fontRef>
-                </p:style>
-                <p:txBody>
-                  <a:bodyPr rtlCol="0" anchor="ctr"/>
-                  <a:lstStyle/>
-                  <a:p>
-                    <a:pPr algn="ctr"/>
-                    <a:endParaRPr lang="pt-BR"/>
-                  </a:p>
-                </p:txBody>
-              </p:sp>
-              <p:grpSp>
-                <p:nvGrpSpPr>
-                  <p:cNvPr id="91" name="Grupo 90"/>
-                  <p:cNvGrpSpPr/>
-                  <p:nvPr/>
-                </p:nvGrpSpPr>
-                <p:grpSpPr>
-                  <a:xfrm rot="10800000">
-                    <a:off x="3906489" y="4444310"/>
-                    <a:ext cx="2177679" cy="680434"/>
-                    <a:chOff x="3834481" y="2485698"/>
-                    <a:chExt cx="2177679" cy="680434"/>
-                  </a:xfrm>
-                </p:grpSpPr>
-                <p:sp>
-                  <p:nvSpPr>
-                    <p:cNvPr id="92" name="Retângulo de cantos arredondados 18"/>
-                    <p:cNvSpPr/>
-                    <p:nvPr/>
-                  </p:nvSpPr>
-                  <p:spPr>
-                    <a:xfrm>
-                      <a:off x="3834481" y="2485698"/>
-                      <a:ext cx="2177679" cy="680434"/>
-                    </a:xfrm>
-                    <a:custGeom>
-                      <a:avLst/>
-                      <a:gdLst/>
-                      <a:ahLst/>
-                      <a:cxnLst/>
-                      <a:rect l="l" t="t" r="r" b="b"/>
-                      <a:pathLst>
-                        <a:path w="2041106" h="578046">
-                          <a:moveTo>
-                            <a:pt x="289023" y="0"/>
-                          </a:moveTo>
-                          <a:lnTo>
-                            <a:pt x="1752083" y="0"/>
-                          </a:lnTo>
-                          <a:cubicBezTo>
-                            <a:pt x="1911706" y="0"/>
-                            <a:pt x="2041106" y="129400"/>
-                            <a:pt x="2041106" y="289023"/>
-                          </a:cubicBezTo>
-                          <a:cubicBezTo>
-                            <a:pt x="2041106" y="428738"/>
-                            <a:pt x="1941971" y="545298"/>
-                            <a:pt x="1810202" y="572187"/>
-                          </a:cubicBezTo>
-                          <a:cubicBezTo>
-                            <a:pt x="1636249" y="345950"/>
-                            <a:pt x="1362230" y="202538"/>
-                            <a:pt x="1054714" y="202538"/>
-                          </a:cubicBezTo>
-                          <a:cubicBezTo>
-                            <a:pt x="744460" y="202538"/>
-                            <a:pt x="468300" y="348516"/>
-                            <a:pt x="294392" y="578046"/>
-                          </a:cubicBezTo>
-                          <a:lnTo>
-                            <a:pt x="289023" y="578046"/>
-                          </a:lnTo>
-                          <a:cubicBezTo>
-                            <a:pt x="129400" y="578046"/>
-                            <a:pt x="0" y="448646"/>
-                            <a:pt x="0" y="289023"/>
-                          </a:cubicBezTo>
-                          <a:cubicBezTo>
-                            <a:pt x="0" y="129400"/>
-                            <a:pt x="129400" y="0"/>
-                            <a:pt x="289023" y="0"/>
-                          </a:cubicBezTo>
-                          <a:close/>
-                        </a:path>
-                      </a:pathLst>
-                    </a:custGeom>
-                    <a:solidFill>
-                      <a:srgbClr val="702FA1"/>
-                    </a:solidFill>
-                    <a:ln>
-                      <a:noFill/>
-                    </a:ln>
-                  </p:spPr>
-                  <p:style>
-                    <a:lnRef idx="2">
-                      <a:schemeClr val="accent1">
-                        <a:shade val="50000"/>
-                      </a:schemeClr>
-                    </a:lnRef>
-                    <a:fillRef idx="1">
-                      <a:schemeClr val="accent1"/>
-                    </a:fillRef>
-                    <a:effectRef idx="0">
-                      <a:schemeClr val="accent1"/>
-                    </a:effectRef>
-                    <a:fontRef idx="minor">
-                      <a:schemeClr val="lt1"/>
-                    </a:fontRef>
-                  </p:style>
-                  <p:txBody>
-                    <a:bodyPr rtlCol="0" anchor="ctr"/>
-                    <a:lstStyle/>
-                    <a:p>
-                      <a:pPr algn="ctr"/>
-                      <a:endParaRPr lang="pt-BR"/>
-                    </a:p>
-                  </p:txBody>
-                </p:sp>
-                <p:sp>
-                  <p:nvSpPr>
-                    <p:cNvPr id="93" name="Retângulo de cantos arredondados 18"/>
-                    <p:cNvSpPr/>
-                    <p:nvPr/>
-                  </p:nvSpPr>
-                  <p:spPr>
-                    <a:xfrm>
-                      <a:off x="3957140" y="2564904"/>
-                      <a:ext cx="1948083" cy="342021"/>
-                    </a:xfrm>
-                    <a:custGeom>
-                      <a:avLst/>
-                      <a:gdLst/>
-                      <a:ahLst/>
-                      <a:cxnLst/>
-                      <a:rect l="l" t="t" r="r" b="b"/>
-                      <a:pathLst>
-                        <a:path w="2041106" h="578046">
-                          <a:moveTo>
-                            <a:pt x="289023" y="0"/>
-                          </a:moveTo>
-                          <a:lnTo>
-                            <a:pt x="1752083" y="0"/>
-                          </a:lnTo>
-                          <a:cubicBezTo>
-                            <a:pt x="1911706" y="0"/>
-                            <a:pt x="2041106" y="129400"/>
-                            <a:pt x="2041106" y="289023"/>
-                          </a:cubicBezTo>
-                          <a:cubicBezTo>
-                            <a:pt x="2041106" y="428738"/>
-                            <a:pt x="1941971" y="545298"/>
-                            <a:pt x="1810202" y="572187"/>
-                          </a:cubicBezTo>
-                          <a:cubicBezTo>
-                            <a:pt x="1636249" y="345950"/>
-                            <a:pt x="1362230" y="202538"/>
-                            <a:pt x="1054714" y="202538"/>
-                          </a:cubicBezTo>
-                          <a:cubicBezTo>
-                            <a:pt x="744460" y="202538"/>
-                            <a:pt x="468300" y="348516"/>
-                            <a:pt x="294392" y="578046"/>
-                          </a:cubicBezTo>
-                          <a:lnTo>
-                            <a:pt x="289023" y="578046"/>
-                          </a:lnTo>
-                          <a:cubicBezTo>
-                            <a:pt x="129400" y="578046"/>
-                            <a:pt x="0" y="448646"/>
-                            <a:pt x="0" y="289023"/>
-                          </a:cubicBezTo>
-                          <a:cubicBezTo>
-                            <a:pt x="0" y="129400"/>
-                            <a:pt x="129400" y="0"/>
-                            <a:pt x="289023" y="0"/>
-                          </a:cubicBezTo>
-                          <a:close/>
-                        </a:path>
-                      </a:pathLst>
-                    </a:custGeom>
-                    <a:solidFill>
-                      <a:srgbClr val="7A33AF"/>
-                    </a:solidFill>
-                    <a:ln>
-                      <a:noFill/>
-                    </a:ln>
-                  </p:spPr>
-                  <p:style>
-                    <a:lnRef idx="2">
-                      <a:schemeClr val="accent1">
-                        <a:shade val="50000"/>
-                      </a:schemeClr>
-                    </a:lnRef>
-                    <a:fillRef idx="1">
-                      <a:schemeClr val="accent1"/>
-                    </a:fillRef>
-                    <a:effectRef idx="0">
-                      <a:schemeClr val="accent1"/>
-                    </a:effectRef>
-                    <a:fontRef idx="minor">
-                      <a:schemeClr val="lt1"/>
-                    </a:fontRef>
-                  </p:style>
-                  <p:txBody>
-                    <a:bodyPr rtlCol="0" anchor="ctr"/>
-                    <a:lstStyle/>
-                    <a:p>
-                      <a:pPr algn="ctr"/>
-                      <a:endParaRPr lang="pt-BR"/>
-                    </a:p>
-                  </p:txBody>
-                </p:sp>
-              </p:grpSp>
-            </p:grpSp>
-            <p:sp>
-              <p:nvSpPr>
-                <p:cNvPr id="95" name="Retângulo de cantos arredondados 94"/>
-                <p:cNvSpPr/>
-                <p:nvPr/>
-              </p:nvSpPr>
-              <p:spPr>
-                <a:xfrm rot="8880248">
-                  <a:off x="5771800" y="4828895"/>
-                  <a:ext cx="63913" cy="130411"/>
-                </a:xfrm>
-                <a:prstGeom prst="roundRect">
-                  <a:avLst>
-                    <a:gd name="adj" fmla="val 50000"/>
-                  </a:avLst>
-                </a:prstGeom>
-                <a:solidFill>
-                  <a:srgbClr val="AE77D7"/>
-                </a:solidFill>
-                <a:ln>
-                  <a:noFill/>
-                </a:ln>
-              </p:spPr>
-              <p:style>
-                <a:lnRef idx="2">
-                  <a:schemeClr val="accent1">
-                    <a:shade val="50000"/>
-                  </a:schemeClr>
-                </a:lnRef>
-                <a:fillRef idx="1">
-                  <a:schemeClr val="accent1"/>
-                </a:fillRef>
-                <a:effectRef idx="0">
-                  <a:schemeClr val="accent1"/>
-                </a:effectRef>
-                <a:fontRef idx="minor">
-                  <a:schemeClr val="lt1"/>
-                </a:fontRef>
-              </p:style>
-              <p:txBody>
-                <a:bodyPr rtlCol="0" anchor="ctr"/>
-                <a:lstStyle/>
-                <a:p>
-                  <a:pPr algn="ctr"/>
-                  <a:endParaRPr lang="pt-BR"/>
-                </a:p>
-              </p:txBody>
-            </p:sp>
-          </p:grpSp>
-        </p:grpSp>
-      </p:grpSp>
-    </p:spTree>
-    <p:extLst>
-      <p:ext uri="{BB962C8B-B14F-4D97-AF65-F5344CB8AC3E}">
-        <p14:creationId xmlns:p14="http://schemas.microsoft.com/office/powerpoint/2010/main" val="1976428926"/>
-      </p:ext>
-    </p:extLst>
-  </p:cSld>
-  <p:clrMapOvr>
-    <a:masterClrMapping/>
-  </p:clrMapOvr>
-  <p:timing>
-    <p:tnLst>
-      <p:par>
-        <p:cTn id="1" dur="indefinite" restart="never" nodeType="tmRoot"/>
-      </p:par>
-    </p:tnLst>
-  </p:timing>
-</p:sld>
-</file>
-
-<file path=ppt/slides/slide2.xml><?xml version="1.0" encoding="utf-8"?>
-<p:sld xmlns:a="http://schemas.openxmlformats.org/drawingml/2006/main" xmlns:r="http://schemas.openxmlformats.org/officeDocument/2006/relationships" xmlns:p="http://schemas.openxmlformats.org/presentationml/2006/main">
-  <p:cSld>
     <p:spTree>
       <p:nvGrpSpPr>
         <p:cNvPr id="1" name=""/>
@@ -6599,7 +3706,7 @@
               <p:cNvPr id="17" name="Balão de Pensamento: Nuvem 16">
                 <a:extLst>
                   <a:ext uri="{FF2B5EF4-FFF2-40B4-BE49-F238E27FC236}">
-                    <a16:creationId xmlns:a16="http://schemas.microsoft.com/office/drawing/2014/main" xmlns="" id="{5C57BA0A-9700-43BD-9104-CC30BC0DE381}"/>
+                    <a16:creationId xmlns="" xmlns:a16="http://schemas.microsoft.com/office/drawing/2014/main" id="{5C57BA0A-9700-43BD-9104-CC30BC0DE381}"/>
                   </a:ext>
                 </a:extLst>
               </p:cNvPr>
@@ -6667,7 +3774,7 @@
               <p:cNvPr id="96" name="Agrupar 15">
                 <a:extLst>
                   <a:ext uri="{FF2B5EF4-FFF2-40B4-BE49-F238E27FC236}">
-                    <a16:creationId xmlns:a16="http://schemas.microsoft.com/office/drawing/2014/main" xmlns="" id="{CDA0B437-9E5C-43AF-AD41-CFFD83C35D59}"/>
+                    <a16:creationId xmlns="" xmlns:a16="http://schemas.microsoft.com/office/drawing/2014/main" id="{CDA0B437-9E5C-43AF-AD41-CFFD83C35D59}"/>
                   </a:ext>
                 </a:extLst>
               </p:cNvPr>
@@ -7672,7 +4779,7 @@
               <p:cNvPr id="16" name="Agrupar 15">
                 <a:extLst>
                   <a:ext uri="{FF2B5EF4-FFF2-40B4-BE49-F238E27FC236}">
-                    <a16:creationId xmlns:a16="http://schemas.microsoft.com/office/drawing/2014/main" xmlns="" id="{CDA0B437-9E5C-43AF-AD41-CFFD83C35D59}"/>
+                    <a16:creationId xmlns="" xmlns:a16="http://schemas.microsoft.com/office/drawing/2014/main" id="{CDA0B437-9E5C-43AF-AD41-CFFD83C35D59}"/>
                   </a:ext>
                 </a:extLst>
               </p:cNvPr>
@@ -9430,7 +6537,7 @@
 </p:sld>
 </file>
 
-<file path=ppt/slides/slide3.xml><?xml version="1.0" encoding="utf-8"?>
+<file path=ppt/slides/slide2.xml><?xml version="1.0" encoding="utf-8"?>
 <p:sld xmlns:a="http://schemas.openxmlformats.org/drawingml/2006/main" xmlns:r="http://schemas.openxmlformats.org/officeDocument/2006/relationships" xmlns:p="http://schemas.openxmlformats.org/presentationml/2006/main">
   <p:cSld>
     <p:bg>
@@ -18163,8 +15270,8 @@
             </p:sp>
           </p:grpSp>
         </p:grpSp>
-        <mc:AlternateContent xmlns:mc="http://schemas.openxmlformats.org/markup-compatibility/2006">
-          <mc:Choice xmlns:a14="http://schemas.microsoft.com/office/drawing/2010/main" Requires="a14">
+        <mc:AlternateContent xmlns:mc="http://schemas.openxmlformats.org/markup-compatibility/2006" xmlns:a14="http://schemas.microsoft.com/office/drawing/2010/main">
+          <mc:Choice Requires="a14">
             <p:sp>
               <p:nvSpPr>
                 <p:cNvPr id="329" name="Retângulo 328"/>
@@ -18215,7 +15322,7 @@
               </p:txBody>
             </p:sp>
           </mc:Choice>
-          <mc:Fallback>
+          <mc:Fallback xmlns="">
             <p:sp>
               <p:nvSpPr>
                 <p:cNvPr id="329" name="Retângulo 328"/>
@@ -18366,7 +15473,7 @@
           <p:cNvPr id="253" name="Balão de Pensamento: Nuvem 16">
             <a:extLst>
               <a:ext uri="{FF2B5EF4-FFF2-40B4-BE49-F238E27FC236}">
-                <a16:creationId xmlns:a16="http://schemas.microsoft.com/office/drawing/2014/main" xmlns="" id="{5C57BA0A-9700-43BD-9104-CC30BC0DE381}"/>
+                <a16:creationId xmlns="" xmlns:a16="http://schemas.microsoft.com/office/drawing/2014/main" id="{5C57BA0A-9700-43BD-9104-CC30BC0DE381}"/>
               </a:ext>
             </a:extLst>
           </p:cNvPr>
@@ -18436,7 +15543,7 @@
             <p:cNvPr id="255" name="Agrupar 15">
               <a:extLst>
                 <a:ext uri="{FF2B5EF4-FFF2-40B4-BE49-F238E27FC236}">
-                  <a16:creationId xmlns:a16="http://schemas.microsoft.com/office/drawing/2014/main" xmlns="" id="{CDA0B437-9E5C-43AF-AD41-CFFD83C35D59}"/>
+                  <a16:creationId xmlns="" xmlns:a16="http://schemas.microsoft.com/office/drawing/2014/main" id="{CDA0B437-9E5C-43AF-AD41-CFFD83C35D59}"/>
                 </a:ext>
               </a:extLst>
             </p:cNvPr>
@@ -19441,7 +16548,7 @@
             <p:cNvPr id="256" name="Agrupar 15">
               <a:extLst>
                 <a:ext uri="{FF2B5EF4-FFF2-40B4-BE49-F238E27FC236}">
-                  <a16:creationId xmlns:a16="http://schemas.microsoft.com/office/drawing/2014/main" xmlns="" id="{CDA0B437-9E5C-43AF-AD41-CFFD83C35D59}"/>
+                  <a16:creationId xmlns="" xmlns:a16="http://schemas.microsoft.com/office/drawing/2014/main" id="{CDA0B437-9E5C-43AF-AD41-CFFD83C35D59}"/>
                 </a:ext>
               </a:extLst>
             </p:cNvPr>
@@ -21307,7 +18414,7 @@
 </p:sld>
 </file>
 
-<file path=ppt/slides/slide4.xml><?xml version="1.0" encoding="utf-8"?>
+<file path=ppt/slides/slide3.xml><?xml version="1.0" encoding="utf-8"?>
 <p:sld xmlns:a="http://schemas.openxmlformats.org/drawingml/2006/main" xmlns:r="http://schemas.openxmlformats.org/officeDocument/2006/relationships" xmlns:p="http://schemas.openxmlformats.org/presentationml/2006/main">
   <p:cSld>
     <p:bg>
@@ -30040,8 +27147,8 @@
             </p:sp>
           </p:grpSp>
         </p:grpSp>
-        <mc:AlternateContent xmlns:mc="http://schemas.openxmlformats.org/markup-compatibility/2006">
-          <mc:Choice xmlns:a14="http://schemas.microsoft.com/office/drawing/2010/main" Requires="a14">
+        <mc:AlternateContent xmlns:mc="http://schemas.openxmlformats.org/markup-compatibility/2006" xmlns:a14="http://schemas.microsoft.com/office/drawing/2010/main">
+          <mc:Choice Requires="a14">
             <p:sp>
               <p:nvSpPr>
                 <p:cNvPr id="329" name="Retângulo 328"/>
@@ -30092,7 +27199,7 @@
               </p:txBody>
             </p:sp>
           </mc:Choice>
-          <mc:Fallback>
+          <mc:Fallback xmlns="">
             <p:sp>
               <p:nvSpPr>
                 <p:cNvPr id="329" name="Retângulo 328"/>
@@ -30245,7 +27352,7 @@
           <p:cNvPr id="253" name="Balão de Pensamento: Nuvem 16">
             <a:extLst>
               <a:ext uri="{FF2B5EF4-FFF2-40B4-BE49-F238E27FC236}">
-                <a16:creationId xmlns:a16="http://schemas.microsoft.com/office/drawing/2014/main" xmlns="" id="{5C57BA0A-9700-43BD-9104-CC30BC0DE381}"/>
+                <a16:creationId xmlns="" xmlns:a16="http://schemas.microsoft.com/office/drawing/2014/main" id="{5C57BA0A-9700-43BD-9104-CC30BC0DE381}"/>
               </a:ext>
             </a:extLst>
           </p:cNvPr>
@@ -30315,7 +27422,7 @@
             <p:cNvPr id="255" name="Agrupar 15">
               <a:extLst>
                 <a:ext uri="{FF2B5EF4-FFF2-40B4-BE49-F238E27FC236}">
-                  <a16:creationId xmlns:a16="http://schemas.microsoft.com/office/drawing/2014/main" xmlns="" id="{CDA0B437-9E5C-43AF-AD41-CFFD83C35D59}"/>
+                  <a16:creationId xmlns="" xmlns:a16="http://schemas.microsoft.com/office/drawing/2014/main" id="{CDA0B437-9E5C-43AF-AD41-CFFD83C35D59}"/>
                 </a:ext>
               </a:extLst>
             </p:cNvPr>
@@ -31320,7 +28427,7 @@
             <p:cNvPr id="256" name="Agrupar 15">
               <a:extLst>
                 <a:ext uri="{FF2B5EF4-FFF2-40B4-BE49-F238E27FC236}">
-                  <a16:creationId xmlns:a16="http://schemas.microsoft.com/office/drawing/2014/main" xmlns="" id="{CDA0B437-9E5C-43AF-AD41-CFFD83C35D59}"/>
+                  <a16:creationId xmlns="" xmlns:a16="http://schemas.microsoft.com/office/drawing/2014/main" id="{CDA0B437-9E5C-43AF-AD41-CFFD83C35D59}"/>
                 </a:ext>
               </a:extLst>
             </p:cNvPr>
@@ -33241,7 +30348,7 @@
 </p:sld>
 </file>
 
-<file path=ppt/slides/slide5.xml><?xml version="1.0" encoding="utf-8"?>
+<file path=ppt/slides/slide4.xml><?xml version="1.0" encoding="utf-8"?>
 <p:sld xmlns:a="http://schemas.openxmlformats.org/drawingml/2006/main" xmlns:r="http://schemas.openxmlformats.org/officeDocument/2006/relationships" xmlns:p="http://schemas.openxmlformats.org/presentationml/2006/main">
   <p:cSld>
     <p:bg>
@@ -36073,7 +33180,7 @@
 </p:sld>
 </file>
 
-<file path=ppt/slides/slide6.xml><?xml version="1.0" encoding="utf-8"?>
+<file path=ppt/slides/slide5.xml><?xml version="1.0" encoding="utf-8"?>
 <p:sld xmlns:a="http://schemas.openxmlformats.org/drawingml/2006/main" xmlns:r="http://schemas.openxmlformats.org/officeDocument/2006/relationships" xmlns:p="http://schemas.openxmlformats.org/presentationml/2006/main">
   <p:cSld>
     <p:spTree>
@@ -36098,7 +33205,7 @@
         </p:nvGrpSpPr>
         <p:grpSpPr>
           <a:xfrm>
-            <a:off x="1042379" y="2644568"/>
+            <a:off x="3803239" y="2014163"/>
             <a:ext cx="1800200" cy="2881145"/>
             <a:chOff x="4932040" y="2276872"/>
             <a:chExt cx="1800200" cy="2881145"/>
@@ -38496,1145 +35603,99 @@
           </p:txBody>
         </p:sp>
       </p:grpSp>
+    </p:spTree>
+    <p:extLst>
+      <p:ext uri="{BB962C8B-B14F-4D97-AF65-F5344CB8AC3E}">
+        <p14:creationId xmlns:p14="http://schemas.microsoft.com/office/powerpoint/2010/main" val="678965404"/>
+      </p:ext>
+    </p:extLst>
+  </p:cSld>
+  <p:clrMapOvr>
+    <a:masterClrMapping/>
+  </p:clrMapOvr>
+  <p:timing>
+    <p:tnLst>
+      <p:par>
+        <p:cTn id="1" dur="indefinite" restart="never" nodeType="tmRoot"/>
+      </p:par>
+    </p:tnLst>
+  </p:timing>
+</p:sld>
+</file>
+
+<file path=ppt/slides/slide6.xml><?xml version="1.0" encoding="utf-8"?>
+<p:sld xmlns:a="http://schemas.openxmlformats.org/drawingml/2006/main" xmlns:r="http://schemas.openxmlformats.org/officeDocument/2006/relationships" xmlns:p="http://schemas.openxmlformats.org/presentationml/2006/main">
+  <p:cSld>
+    <p:bg>
+      <p:bgPr>
+        <a:solidFill>
+          <a:schemeClr val="bg1"/>
+        </a:solidFill>
+        <a:effectLst/>
+      </p:bgPr>
+    </p:bg>
+    <p:spTree>
+      <p:nvGrpSpPr>
+        <p:cNvPr id="1" name=""/>
+        <p:cNvGrpSpPr/>
+        <p:nvPr/>
+      </p:nvGrpSpPr>
+      <p:grpSpPr>
+        <a:xfrm>
+          <a:off x="0" y="0"/>
+          <a:ext cx="0" cy="0"/>
+          <a:chOff x="0" y="0"/>
+          <a:chExt cx="0" cy="0"/>
+        </a:xfrm>
+      </p:grpSpPr>
       <p:grpSp>
         <p:nvGrpSpPr>
-          <p:cNvPr id="21" name="Grupo 20"/>
+          <p:cNvPr id="9" name="Grupo 8"/>
           <p:cNvGrpSpPr/>
           <p:nvPr/>
         </p:nvGrpSpPr>
         <p:grpSpPr>
-          <a:xfrm rot="3956065">
-            <a:off x="5054970" y="4212312"/>
-            <a:ext cx="2220328" cy="1512386"/>
-            <a:chOff x="996022" y="3109179"/>
-            <a:chExt cx="4986968" cy="2951525"/>
+          <a:xfrm>
+            <a:off x="0" y="4293096"/>
+            <a:ext cx="9144000" cy="2564904"/>
+            <a:chOff x="0" y="4293096"/>
+            <a:chExt cx="9144000" cy="2564904"/>
           </a:xfrm>
-          <a:effectLst>
-            <a:outerShdw blurRad="50800" dist="38100" dir="5400000" algn="t" rotWithShape="0">
-              <a:prstClr val="black">
-                <a:alpha val="40000"/>
-              </a:prstClr>
-            </a:outerShdw>
-          </a:effectLst>
-        </p:grpSpPr>
-        <p:sp>
-          <p:nvSpPr>
-            <p:cNvPr id="6" name="Triângulo isósceles 5"/>
-            <p:cNvSpPr/>
-            <p:nvPr/>
-          </p:nvSpPr>
-          <p:spPr>
-            <a:xfrm rot="8331098">
-              <a:off x="2562233" y="3334691"/>
-              <a:ext cx="217293" cy="2508710"/>
-            </a:xfrm>
-            <a:prstGeom prst="triangle">
-              <a:avLst/>
-            </a:prstGeom>
-            <a:solidFill>
-              <a:srgbClr val="E5BF9F"/>
-            </a:solidFill>
-            <a:ln>
-              <a:noFill/>
-            </a:ln>
-          </p:spPr>
-          <p:style>
-            <a:lnRef idx="2">
-              <a:schemeClr val="accent1">
-                <a:shade val="50000"/>
-              </a:schemeClr>
-            </a:lnRef>
-            <a:fillRef idx="1">
-              <a:schemeClr val="accent1"/>
-            </a:fillRef>
-            <a:effectRef idx="0">
-              <a:schemeClr val="accent1"/>
-            </a:effectRef>
-            <a:fontRef idx="minor">
-              <a:schemeClr val="lt1"/>
-            </a:fontRef>
-          </p:style>
-          <p:txBody>
-            <a:bodyPr rtlCol="0" anchor="ctr"/>
-            <a:lstStyle/>
-            <a:p>
-              <a:pPr algn="ctr"/>
-              <a:endParaRPr lang="pt-BR"/>
-            </a:p>
-          </p:txBody>
-        </p:sp>
-        <p:sp>
-          <p:nvSpPr>
-            <p:cNvPr id="7" name="Retângulo de cantos arredondados 6"/>
-            <p:cNvSpPr/>
-            <p:nvPr/>
-          </p:nvSpPr>
-          <p:spPr>
-            <a:xfrm rot="2618671">
-              <a:off x="996022" y="4797152"/>
-              <a:ext cx="2952328" cy="432048"/>
-            </a:xfrm>
-            <a:prstGeom prst="roundRect">
-              <a:avLst/>
-            </a:prstGeom>
-            <a:solidFill>
-              <a:srgbClr val="9D5F2B"/>
-            </a:solidFill>
-            <a:ln>
-              <a:noFill/>
-            </a:ln>
-          </p:spPr>
-          <p:style>
-            <a:lnRef idx="2">
-              <a:schemeClr val="accent1">
-                <a:shade val="50000"/>
-              </a:schemeClr>
-            </a:lnRef>
-            <a:fillRef idx="1">
-              <a:schemeClr val="accent1"/>
-            </a:fillRef>
-            <a:effectRef idx="0">
-              <a:schemeClr val="accent1"/>
-            </a:effectRef>
-            <a:fontRef idx="minor">
-              <a:schemeClr val="lt1"/>
-            </a:fontRef>
-          </p:style>
-          <p:txBody>
-            <a:bodyPr rtlCol="0" anchor="ctr"/>
-            <a:lstStyle/>
-            <a:p>
-              <a:pPr algn="ctr"/>
-              <a:endParaRPr lang="pt-BR"/>
-            </a:p>
-          </p:txBody>
-        </p:sp>
-        <p:sp>
-          <p:nvSpPr>
-            <p:cNvPr id="11" name="Elipse 10"/>
-            <p:cNvSpPr/>
-            <p:nvPr/>
-          </p:nvSpPr>
-          <p:spPr>
-            <a:xfrm>
-              <a:off x="3203847" y="5677647"/>
-              <a:ext cx="580390" cy="383057"/>
-            </a:xfrm>
-            <a:prstGeom prst="ellipse">
-              <a:avLst/>
-            </a:prstGeom>
-            <a:solidFill>
-              <a:srgbClr val="9D5F2B"/>
-            </a:solidFill>
-            <a:ln>
-              <a:noFill/>
-            </a:ln>
-          </p:spPr>
-          <p:style>
-            <a:lnRef idx="2">
-              <a:schemeClr val="accent1">
-                <a:shade val="50000"/>
-              </a:schemeClr>
-            </a:lnRef>
-            <a:fillRef idx="1">
-              <a:schemeClr val="accent1"/>
-            </a:fillRef>
-            <a:effectRef idx="0">
-              <a:schemeClr val="accent1"/>
-            </a:effectRef>
-            <a:fontRef idx="minor">
-              <a:schemeClr val="lt1"/>
-            </a:fontRef>
-          </p:style>
-          <p:txBody>
-            <a:bodyPr rtlCol="0" anchor="ctr"/>
-            <a:lstStyle/>
-            <a:p>
-              <a:pPr algn="ctr"/>
-              <a:endParaRPr lang="pt-BR"/>
-            </a:p>
-          </p:txBody>
-        </p:sp>
-        <p:sp>
-          <p:nvSpPr>
-            <p:cNvPr id="12" name="Retângulo de cantos arredondados 11"/>
-            <p:cNvSpPr/>
-            <p:nvPr/>
-          </p:nvSpPr>
-          <p:spPr>
-            <a:xfrm rot="18981329" flipH="1">
-              <a:off x="3030662" y="4797151"/>
-              <a:ext cx="2952328" cy="432048"/>
-            </a:xfrm>
-            <a:prstGeom prst="roundRect">
-              <a:avLst/>
-            </a:prstGeom>
-            <a:solidFill>
-              <a:srgbClr val="9D5F2B"/>
-            </a:solidFill>
-            <a:ln>
-              <a:noFill/>
-            </a:ln>
-          </p:spPr>
-          <p:style>
-            <a:lnRef idx="2">
-              <a:schemeClr val="accent1">
-                <a:shade val="50000"/>
-              </a:schemeClr>
-            </a:lnRef>
-            <a:fillRef idx="1">
-              <a:schemeClr val="accent1"/>
-            </a:fillRef>
-            <a:effectRef idx="0">
-              <a:schemeClr val="accent1"/>
-            </a:effectRef>
-            <a:fontRef idx="minor">
-              <a:schemeClr val="lt1"/>
-            </a:fontRef>
-          </p:style>
-          <p:txBody>
-            <a:bodyPr rtlCol="0" anchor="ctr"/>
-            <a:lstStyle/>
-            <a:p>
-              <a:pPr algn="ctr"/>
-              <a:endParaRPr lang="pt-BR"/>
-            </a:p>
-          </p:txBody>
-        </p:sp>
-        <p:sp>
-          <p:nvSpPr>
-            <p:cNvPr id="15" name="Triângulo isósceles 14"/>
-            <p:cNvSpPr/>
-            <p:nvPr/>
-          </p:nvSpPr>
-          <p:spPr>
-            <a:xfrm rot="13268902" flipH="1">
-              <a:off x="4204234" y="3334692"/>
-              <a:ext cx="217293" cy="2508710"/>
-            </a:xfrm>
-            <a:prstGeom prst="triangle">
-              <a:avLst/>
-            </a:prstGeom>
-            <a:solidFill>
-              <a:srgbClr val="E5BF9F"/>
-            </a:solidFill>
-            <a:ln>
-              <a:noFill/>
-            </a:ln>
-          </p:spPr>
-          <p:style>
-            <a:lnRef idx="2">
-              <a:schemeClr val="accent1">
-                <a:shade val="50000"/>
-              </a:schemeClr>
-            </a:lnRef>
-            <a:fillRef idx="1">
-              <a:schemeClr val="accent1"/>
-            </a:fillRef>
-            <a:effectRef idx="0">
-              <a:schemeClr val="accent1"/>
-            </a:effectRef>
-            <a:fontRef idx="minor">
-              <a:schemeClr val="lt1"/>
-            </a:fontRef>
-          </p:style>
-          <p:txBody>
-            <a:bodyPr rtlCol="0" anchor="ctr"/>
-            <a:lstStyle/>
-            <a:p>
-              <a:pPr algn="ctr"/>
-              <a:endParaRPr lang="pt-BR"/>
-            </a:p>
-          </p:txBody>
-        </p:sp>
-        <p:sp>
-          <p:nvSpPr>
-            <p:cNvPr id="16" name="Triângulo isósceles 15"/>
-            <p:cNvSpPr/>
-            <p:nvPr/>
-          </p:nvSpPr>
-          <p:spPr>
-            <a:xfrm rot="8827352">
-              <a:off x="2713284" y="3207359"/>
-              <a:ext cx="217293" cy="2508710"/>
-            </a:xfrm>
-            <a:prstGeom prst="triangle">
-              <a:avLst/>
-            </a:prstGeom>
-            <a:solidFill>
-              <a:srgbClr val="E5BF9F"/>
-            </a:solidFill>
-            <a:ln>
-              <a:noFill/>
-            </a:ln>
-          </p:spPr>
-          <p:style>
-            <a:lnRef idx="2">
-              <a:schemeClr val="accent1">
-                <a:shade val="50000"/>
-              </a:schemeClr>
-            </a:lnRef>
-            <a:fillRef idx="1">
-              <a:schemeClr val="accent1"/>
-            </a:fillRef>
-            <a:effectRef idx="0">
-              <a:schemeClr val="accent1"/>
-            </a:effectRef>
-            <a:fontRef idx="minor">
-              <a:schemeClr val="lt1"/>
-            </a:fontRef>
-          </p:style>
-          <p:txBody>
-            <a:bodyPr rtlCol="0" anchor="ctr"/>
-            <a:lstStyle/>
-            <a:p>
-              <a:pPr algn="ctr"/>
-              <a:endParaRPr lang="pt-BR"/>
-            </a:p>
-          </p:txBody>
-        </p:sp>
-        <p:sp>
-          <p:nvSpPr>
-            <p:cNvPr id="17" name="Triângulo isósceles 16"/>
-            <p:cNvSpPr/>
-            <p:nvPr/>
-          </p:nvSpPr>
-          <p:spPr>
-            <a:xfrm rot="12772648" flipH="1">
-              <a:off x="4051229" y="3207360"/>
-              <a:ext cx="217293" cy="2508710"/>
-            </a:xfrm>
-            <a:prstGeom prst="triangle">
-              <a:avLst/>
-            </a:prstGeom>
-            <a:solidFill>
-              <a:srgbClr val="E5BF9F"/>
-            </a:solidFill>
-            <a:ln>
-              <a:noFill/>
-            </a:ln>
-          </p:spPr>
-          <p:style>
-            <a:lnRef idx="2">
-              <a:schemeClr val="accent1">
-                <a:shade val="50000"/>
-              </a:schemeClr>
-            </a:lnRef>
-            <a:fillRef idx="1">
-              <a:schemeClr val="accent1"/>
-            </a:fillRef>
-            <a:effectRef idx="0">
-              <a:schemeClr val="accent1"/>
-            </a:effectRef>
-            <a:fontRef idx="minor">
-              <a:schemeClr val="lt1"/>
-            </a:fontRef>
-          </p:style>
-          <p:txBody>
-            <a:bodyPr rtlCol="0" anchor="ctr"/>
-            <a:lstStyle/>
-            <a:p>
-              <a:pPr algn="ctr"/>
-              <a:endParaRPr lang="pt-BR"/>
-            </a:p>
-          </p:txBody>
-        </p:sp>
-        <p:sp>
-          <p:nvSpPr>
-            <p:cNvPr id="19" name="Triângulo isósceles 18"/>
-            <p:cNvSpPr/>
-            <p:nvPr/>
-          </p:nvSpPr>
-          <p:spPr>
-            <a:xfrm rot="9269000">
-              <a:off x="2867273" y="3109180"/>
-              <a:ext cx="217293" cy="2508710"/>
-            </a:xfrm>
-            <a:prstGeom prst="triangle">
-              <a:avLst/>
-            </a:prstGeom>
-            <a:solidFill>
-              <a:srgbClr val="E5BF9F"/>
-            </a:solidFill>
-            <a:ln>
-              <a:noFill/>
-            </a:ln>
-          </p:spPr>
-          <p:style>
-            <a:lnRef idx="2">
-              <a:schemeClr val="accent1">
-                <a:shade val="50000"/>
-              </a:schemeClr>
-            </a:lnRef>
-            <a:fillRef idx="1">
-              <a:schemeClr val="accent1"/>
-            </a:fillRef>
-            <a:effectRef idx="0">
-              <a:schemeClr val="accent1"/>
-            </a:effectRef>
-            <a:fontRef idx="minor">
-              <a:schemeClr val="lt1"/>
-            </a:fontRef>
-          </p:style>
-          <p:txBody>
-            <a:bodyPr rtlCol="0" anchor="ctr"/>
-            <a:lstStyle/>
-            <a:p>
-              <a:pPr algn="ctr"/>
-              <a:endParaRPr lang="pt-BR"/>
-            </a:p>
-          </p:txBody>
-        </p:sp>
-        <p:sp>
-          <p:nvSpPr>
-            <p:cNvPr id="20" name="Triângulo isósceles 19"/>
-            <p:cNvSpPr/>
-            <p:nvPr/>
-          </p:nvSpPr>
-          <p:spPr>
-            <a:xfrm rot="12331000" flipH="1">
-              <a:off x="3896969" y="3109179"/>
-              <a:ext cx="217293" cy="2508710"/>
-            </a:xfrm>
-            <a:prstGeom prst="triangle">
-              <a:avLst/>
-            </a:prstGeom>
-            <a:solidFill>
-              <a:srgbClr val="E5BF9F"/>
-            </a:solidFill>
-            <a:ln>
-              <a:noFill/>
-            </a:ln>
-          </p:spPr>
-          <p:style>
-            <a:lnRef idx="2">
-              <a:schemeClr val="accent1">
-                <a:shade val="50000"/>
-              </a:schemeClr>
-            </a:lnRef>
-            <a:fillRef idx="1">
-              <a:schemeClr val="accent1"/>
-            </a:fillRef>
-            <a:effectRef idx="0">
-              <a:schemeClr val="accent1"/>
-            </a:effectRef>
-            <a:fontRef idx="minor">
-              <a:schemeClr val="lt1"/>
-            </a:fontRef>
-          </p:style>
-          <p:txBody>
-            <a:bodyPr rtlCol="0" anchor="ctr"/>
-            <a:lstStyle/>
-            <a:p>
-              <a:pPr algn="ctr"/>
-              <a:endParaRPr lang="pt-BR"/>
-            </a:p>
-          </p:txBody>
-        </p:sp>
-      </p:grpSp>
-      <p:grpSp>
-        <p:nvGrpSpPr>
-          <p:cNvPr id="92" name="Grupo 91"/>
-          <p:cNvGrpSpPr/>
-          <p:nvPr/>
-        </p:nvGrpSpPr>
-        <p:grpSpPr>
-          <a:xfrm rot="19779663">
-            <a:off x="4603021" y="1197352"/>
-            <a:ext cx="1293083" cy="1570131"/>
-            <a:chOff x="5618998" y="2635966"/>
-            <a:chExt cx="2328170" cy="2826989"/>
-          </a:xfrm>
-          <a:gradFill>
-            <a:gsLst>
-              <a:gs pos="60000">
-                <a:srgbClr val="92D050"/>
-              </a:gs>
-              <a:gs pos="40000">
-                <a:srgbClr val="FFFF66"/>
-              </a:gs>
-              <a:gs pos="20000">
-                <a:srgbClr val="FF7A3F"/>
-              </a:gs>
-              <a:gs pos="0">
-                <a:srgbClr val="FF0000"/>
-              </a:gs>
-              <a:gs pos="80000">
-                <a:srgbClr val="3333FF"/>
-              </a:gs>
-              <a:gs pos="100000">
-                <a:srgbClr val="C64AB7"/>
-              </a:gs>
-            </a:gsLst>
-            <a:lin ang="5400000" scaled="0"/>
-          </a:gradFill>
-          <a:effectLst>
-            <a:outerShdw blurRad="63500" sx="102000" sy="102000" algn="ctr" rotWithShape="0">
-              <a:prstClr val="black">
-                <a:alpha val="40000"/>
-              </a:prstClr>
-            </a:outerShdw>
-          </a:effectLst>
         </p:grpSpPr>
         <p:grpSp>
           <p:nvGrpSpPr>
-            <p:cNvPr id="93" name="Grupo 92"/>
+            <p:cNvPr id="4" name="Grupo 3"/>
             <p:cNvGrpSpPr/>
             <p:nvPr/>
           </p:nvGrpSpPr>
           <p:grpSpPr>
-            <a:xfrm rot="8126470">
-              <a:off x="5618998" y="3461642"/>
-              <a:ext cx="1994612" cy="2001313"/>
-              <a:chOff x="4644008" y="1430760"/>
-              <a:chExt cx="3570421" cy="3582416"/>
+            <a:xfrm>
+              <a:off x="0" y="4293096"/>
+              <a:ext cx="9144000" cy="2564904"/>
+              <a:chOff x="0" y="4293096"/>
+              <a:chExt cx="9144000" cy="2564904"/>
             </a:xfrm>
-            <a:grpFill/>
           </p:grpSpPr>
           <p:sp>
             <p:nvSpPr>
-              <p:cNvPr id="100" name="Elipse 33"/>
+              <p:cNvPr id="2" name="Retângulo 1"/>
               <p:cNvSpPr/>
               <p:nvPr/>
             </p:nvSpPr>
             <p:spPr>
               <a:xfrm>
-                <a:off x="4644008" y="2636912"/>
-                <a:ext cx="2376264" cy="2376264"/>
+                <a:off x="0" y="6093296"/>
+                <a:ext cx="9144000" cy="764704"/>
               </a:xfrm>
-              <a:custGeom>
+              <a:prstGeom prst="rect">
                 <a:avLst/>
-                <a:gdLst/>
-                <a:ahLst/>
-                <a:cxnLst/>
-                <a:rect l="l" t="t" r="r" b="b"/>
-                <a:pathLst>
-                  <a:path w="2376264" h="2376264">
-                    <a:moveTo>
-                      <a:pt x="1188132" y="216024"/>
-                    </a:moveTo>
-                    <a:cubicBezTo>
-                      <a:pt x="651252" y="216024"/>
-                      <a:pt x="216024" y="651252"/>
-                      <a:pt x="216024" y="1188132"/>
-                    </a:cubicBezTo>
-                    <a:cubicBezTo>
-                      <a:pt x="216024" y="1725012"/>
-                      <a:pt x="651252" y="2160240"/>
-                      <a:pt x="1188132" y="2160240"/>
-                    </a:cubicBezTo>
-                    <a:cubicBezTo>
-                      <a:pt x="1725012" y="2160240"/>
-                      <a:pt x="2160240" y="1725012"/>
-                      <a:pt x="2160240" y="1188132"/>
-                    </a:cubicBezTo>
-                    <a:cubicBezTo>
-                      <a:pt x="2160240" y="651252"/>
-                      <a:pt x="1725012" y="216024"/>
-                      <a:pt x="1188132" y="216024"/>
-                    </a:cubicBezTo>
-                    <a:close/>
-                    <a:moveTo>
-                      <a:pt x="1188132" y="0"/>
-                    </a:moveTo>
-                    <a:cubicBezTo>
-                      <a:pt x="1844319" y="0"/>
-                      <a:pt x="2376264" y="531945"/>
-                      <a:pt x="2376264" y="1188132"/>
-                    </a:cubicBezTo>
-                    <a:cubicBezTo>
-                      <a:pt x="2376264" y="1844319"/>
-                      <a:pt x="1844319" y="2376264"/>
-                      <a:pt x="1188132" y="2376264"/>
-                    </a:cubicBezTo>
-                    <a:cubicBezTo>
-                      <a:pt x="531945" y="2376264"/>
-                      <a:pt x="0" y="1844319"/>
-                      <a:pt x="0" y="1188132"/>
-                    </a:cubicBezTo>
-                    <a:cubicBezTo>
-                      <a:pt x="0" y="531945"/>
-                      <a:pt x="531945" y="0"/>
-                      <a:pt x="1188132" y="0"/>
-                    </a:cubicBezTo>
-                    <a:close/>
-                  </a:path>
-                </a:pathLst>
-              </a:custGeom>
-              <a:grpFill/>
-              <a:ln>
-                <a:noFill/>
-              </a:ln>
-            </p:spPr>
-            <p:style>
-              <a:lnRef idx="2">
-                <a:schemeClr val="accent1">
-                  <a:shade val="50000"/>
+              </a:prstGeom>
+              <a:solidFill>
+                <a:schemeClr val="tx1">
+                  <a:lumMod val="85000"/>
+                  <a:lumOff val="15000"/>
                 </a:schemeClr>
-              </a:lnRef>
-              <a:fillRef idx="1">
-                <a:schemeClr val="accent1"/>
-              </a:fillRef>
-              <a:effectRef idx="0">
-                <a:schemeClr val="accent1"/>
-              </a:effectRef>
-              <a:fontRef idx="minor">
-                <a:schemeClr val="lt1"/>
-              </a:fontRef>
-            </p:style>
-            <p:txBody>
-              <a:bodyPr rtlCol="0" anchor="ctr"/>
-              <a:lstStyle/>
-              <a:p>
-                <a:pPr algn="ctr"/>
-                <a:endParaRPr lang="pt-BR"/>
-              </a:p>
-            </p:txBody>
-          </p:sp>
-          <p:grpSp>
-            <p:nvGrpSpPr>
-              <p:cNvPr id="101" name="Grupo 100"/>
-              <p:cNvGrpSpPr/>
-              <p:nvPr/>
-            </p:nvGrpSpPr>
-            <p:grpSpPr>
-              <a:xfrm>
-                <a:off x="7077493" y="1430760"/>
-                <a:ext cx="1136936" cy="2016224"/>
-                <a:chOff x="6925093" y="1278360"/>
-                <a:chExt cx="1136936" cy="2016224"/>
-              </a:xfrm>
-              <a:grpFill/>
-            </p:grpSpPr>
-            <p:sp>
-              <p:nvSpPr>
-                <p:cNvPr id="102" name="Retângulo 101"/>
-                <p:cNvSpPr/>
-                <p:nvPr/>
-              </p:nvSpPr>
-              <p:spPr>
-                <a:xfrm rot="18765510">
-                  <a:off x="6292294" y="2150582"/>
-                  <a:ext cx="2016224" cy="271779"/>
-                </a:xfrm>
-                <a:prstGeom prst="rect">
-                  <a:avLst/>
-                </a:prstGeom>
-                <a:grpFill/>
-                <a:ln>
-                  <a:noFill/>
-                </a:ln>
-              </p:spPr>
-              <p:style>
-                <a:lnRef idx="2">
-                  <a:schemeClr val="accent1">
-                    <a:shade val="50000"/>
-                  </a:schemeClr>
-                </a:lnRef>
-                <a:fillRef idx="1">
-                  <a:schemeClr val="accent1"/>
-                </a:fillRef>
-                <a:effectRef idx="0">
-                  <a:schemeClr val="accent1"/>
-                </a:effectRef>
-                <a:fontRef idx="minor">
-                  <a:schemeClr val="lt1"/>
-                </a:fontRef>
-              </p:style>
-              <p:txBody>
-                <a:bodyPr rtlCol="0" anchor="ctr"/>
-                <a:lstStyle/>
-                <a:p>
-                  <a:pPr algn="ctr"/>
-                  <a:endParaRPr lang="pt-BR"/>
-                </a:p>
-              </p:txBody>
-            </p:sp>
-            <p:sp>
-              <p:nvSpPr>
-                <p:cNvPr id="103" name="Retângulo 102"/>
-                <p:cNvSpPr/>
-                <p:nvPr/>
-              </p:nvSpPr>
-              <p:spPr>
-                <a:xfrm rot="10029040">
-                  <a:off x="6925093" y="1562536"/>
-                  <a:ext cx="1010681" cy="309990"/>
-                </a:xfrm>
-                <a:prstGeom prst="rect">
-                  <a:avLst/>
-                </a:prstGeom>
-                <a:grpFill/>
-                <a:ln>
-                  <a:noFill/>
-                </a:ln>
-              </p:spPr>
-              <p:style>
-                <a:lnRef idx="2">
-                  <a:schemeClr val="accent1">
-                    <a:shade val="50000"/>
-                  </a:schemeClr>
-                </a:lnRef>
-                <a:fillRef idx="1">
-                  <a:schemeClr val="accent1"/>
-                </a:fillRef>
-                <a:effectRef idx="0">
-                  <a:schemeClr val="accent1"/>
-                </a:effectRef>
-                <a:fontRef idx="minor">
-                  <a:schemeClr val="lt1"/>
-                </a:fontRef>
-              </p:style>
-              <p:txBody>
-                <a:bodyPr rtlCol="0" anchor="ctr"/>
-                <a:lstStyle/>
-                <a:p>
-                  <a:pPr algn="ctr"/>
-                  <a:endParaRPr lang="pt-BR"/>
-                </a:p>
-              </p:txBody>
-            </p:sp>
-            <p:sp>
-              <p:nvSpPr>
-                <p:cNvPr id="104" name="Retângulo 103"/>
-                <p:cNvSpPr/>
-                <p:nvPr/>
-              </p:nvSpPr>
-              <p:spPr>
-                <a:xfrm rot="16410830">
-                  <a:off x="7401693" y="1976131"/>
-                  <a:ext cx="1010681" cy="309990"/>
-                </a:xfrm>
-                <a:prstGeom prst="rect">
-                  <a:avLst/>
-                </a:prstGeom>
-                <a:grpFill/>
-                <a:ln>
-                  <a:noFill/>
-                </a:ln>
-              </p:spPr>
-              <p:style>
-                <a:lnRef idx="2">
-                  <a:schemeClr val="accent1">
-                    <a:shade val="50000"/>
-                  </a:schemeClr>
-                </a:lnRef>
-                <a:fillRef idx="1">
-                  <a:schemeClr val="accent1"/>
-                </a:fillRef>
-                <a:effectRef idx="0">
-                  <a:schemeClr val="accent1"/>
-                </a:effectRef>
-                <a:fontRef idx="minor">
-                  <a:schemeClr val="lt1"/>
-                </a:fontRef>
-              </p:style>
-              <p:txBody>
-                <a:bodyPr rtlCol="0" anchor="ctr"/>
-                <a:lstStyle/>
-                <a:p>
-                  <a:pPr algn="ctr"/>
-                  <a:endParaRPr lang="pt-BR"/>
-                </a:p>
-              </p:txBody>
-            </p:sp>
-          </p:grpSp>
-        </p:grpSp>
-        <p:grpSp>
-          <p:nvGrpSpPr>
-            <p:cNvPr id="94" name="Grupo 93"/>
-            <p:cNvGrpSpPr/>
-            <p:nvPr/>
-          </p:nvGrpSpPr>
-          <p:grpSpPr>
-            <a:xfrm>
-              <a:off x="5952556" y="2635966"/>
-              <a:ext cx="1994612" cy="2001313"/>
-              <a:chOff x="4644008" y="1430760"/>
-              <a:chExt cx="3570421" cy="3582416"/>
-            </a:xfrm>
-            <a:grpFill/>
-          </p:grpSpPr>
-          <p:sp>
-            <p:nvSpPr>
-              <p:cNvPr id="95" name="Elipse 33"/>
-              <p:cNvSpPr/>
-              <p:nvPr/>
-            </p:nvSpPr>
-            <p:spPr>
-              <a:xfrm>
-                <a:off x="4644008" y="2636912"/>
-                <a:ext cx="2376264" cy="2376264"/>
-              </a:xfrm>
-              <a:custGeom>
-                <a:avLst/>
-                <a:gdLst/>
-                <a:ahLst/>
-                <a:cxnLst/>
-                <a:rect l="l" t="t" r="r" b="b"/>
-                <a:pathLst>
-                  <a:path w="2376264" h="2376264">
-                    <a:moveTo>
-                      <a:pt x="1188132" y="216024"/>
-                    </a:moveTo>
-                    <a:cubicBezTo>
-                      <a:pt x="651252" y="216024"/>
-                      <a:pt x="216024" y="651252"/>
-                      <a:pt x="216024" y="1188132"/>
-                    </a:cubicBezTo>
-                    <a:cubicBezTo>
-                      <a:pt x="216024" y="1725012"/>
-                      <a:pt x="651252" y="2160240"/>
-                      <a:pt x="1188132" y="2160240"/>
-                    </a:cubicBezTo>
-                    <a:cubicBezTo>
-                      <a:pt x="1725012" y="2160240"/>
-                      <a:pt x="2160240" y="1725012"/>
-                      <a:pt x="2160240" y="1188132"/>
-                    </a:cubicBezTo>
-                    <a:cubicBezTo>
-                      <a:pt x="2160240" y="651252"/>
-                      <a:pt x="1725012" y="216024"/>
-                      <a:pt x="1188132" y="216024"/>
-                    </a:cubicBezTo>
-                    <a:close/>
-                    <a:moveTo>
-                      <a:pt x="1188132" y="0"/>
-                    </a:moveTo>
-                    <a:cubicBezTo>
-                      <a:pt x="1844319" y="0"/>
-                      <a:pt x="2376264" y="531945"/>
-                      <a:pt x="2376264" y="1188132"/>
-                    </a:cubicBezTo>
-                    <a:cubicBezTo>
-                      <a:pt x="2376264" y="1844319"/>
-                      <a:pt x="1844319" y="2376264"/>
-                      <a:pt x="1188132" y="2376264"/>
-                    </a:cubicBezTo>
-                    <a:cubicBezTo>
-                      <a:pt x="531945" y="2376264"/>
-                      <a:pt x="0" y="1844319"/>
-                      <a:pt x="0" y="1188132"/>
-                    </a:cubicBezTo>
-                    <a:cubicBezTo>
-                      <a:pt x="0" y="531945"/>
-                      <a:pt x="531945" y="0"/>
-                      <a:pt x="1188132" y="0"/>
-                    </a:cubicBezTo>
-                    <a:close/>
-                  </a:path>
-                </a:pathLst>
-              </a:custGeom>
-              <a:grpFill/>
-              <a:ln>
-                <a:noFill/>
-              </a:ln>
-            </p:spPr>
-            <p:style>
-              <a:lnRef idx="2">
-                <a:schemeClr val="accent1">
-                  <a:shade val="50000"/>
-                </a:schemeClr>
-              </a:lnRef>
-              <a:fillRef idx="1">
-                <a:schemeClr val="accent1"/>
-              </a:fillRef>
-              <a:effectRef idx="0">
-                <a:schemeClr val="accent1"/>
-              </a:effectRef>
-              <a:fontRef idx="minor">
-                <a:schemeClr val="lt1"/>
-              </a:fontRef>
-            </p:style>
-            <p:txBody>
-              <a:bodyPr rtlCol="0" anchor="ctr"/>
-              <a:lstStyle/>
-              <a:p>
-                <a:pPr algn="ctr"/>
-                <a:endParaRPr lang="pt-BR"/>
-              </a:p>
-            </p:txBody>
-          </p:sp>
-          <p:grpSp>
-            <p:nvGrpSpPr>
-              <p:cNvPr id="96" name="Grupo 95"/>
-              <p:cNvGrpSpPr/>
-              <p:nvPr/>
-            </p:nvGrpSpPr>
-            <p:grpSpPr>
-              <a:xfrm>
-                <a:off x="7077493" y="1430760"/>
-                <a:ext cx="1136936" cy="2016224"/>
-                <a:chOff x="6925093" y="1278360"/>
-                <a:chExt cx="1136936" cy="2016224"/>
-              </a:xfrm>
-              <a:grpFill/>
-            </p:grpSpPr>
-            <p:sp>
-              <p:nvSpPr>
-                <p:cNvPr id="97" name="Retângulo 96"/>
-                <p:cNvSpPr/>
-                <p:nvPr/>
-              </p:nvSpPr>
-              <p:spPr>
-                <a:xfrm rot="18765510">
-                  <a:off x="6292294" y="2150582"/>
-                  <a:ext cx="2016224" cy="271779"/>
-                </a:xfrm>
-                <a:prstGeom prst="rect">
-                  <a:avLst/>
-                </a:prstGeom>
-                <a:grpFill/>
-                <a:ln>
-                  <a:noFill/>
-                </a:ln>
-              </p:spPr>
-              <p:style>
-                <a:lnRef idx="2">
-                  <a:schemeClr val="accent1">
-                    <a:shade val="50000"/>
-                  </a:schemeClr>
-                </a:lnRef>
-                <a:fillRef idx="1">
-                  <a:schemeClr val="accent1"/>
-                </a:fillRef>
-                <a:effectRef idx="0">
-                  <a:schemeClr val="accent1"/>
-                </a:effectRef>
-                <a:fontRef idx="minor">
-                  <a:schemeClr val="lt1"/>
-                </a:fontRef>
-              </p:style>
-              <p:txBody>
-                <a:bodyPr rtlCol="0" anchor="ctr"/>
-                <a:lstStyle/>
-                <a:p>
-                  <a:pPr algn="ctr"/>
-                  <a:endParaRPr lang="pt-BR"/>
-                </a:p>
-              </p:txBody>
-            </p:sp>
-            <p:sp>
-              <p:nvSpPr>
-                <p:cNvPr id="98" name="Retângulo 97"/>
-                <p:cNvSpPr/>
-                <p:nvPr/>
-              </p:nvSpPr>
-              <p:spPr>
-                <a:xfrm rot="10029040">
-                  <a:off x="6925093" y="1562536"/>
-                  <a:ext cx="1010681" cy="309990"/>
-                </a:xfrm>
-                <a:prstGeom prst="rect">
-                  <a:avLst/>
-                </a:prstGeom>
-                <a:grpFill/>
-                <a:ln>
-                  <a:noFill/>
-                </a:ln>
-              </p:spPr>
-              <p:style>
-                <a:lnRef idx="2">
-                  <a:schemeClr val="accent1">
-                    <a:shade val="50000"/>
-                  </a:schemeClr>
-                </a:lnRef>
-                <a:fillRef idx="1">
-                  <a:schemeClr val="accent1"/>
-                </a:fillRef>
-                <a:effectRef idx="0">
-                  <a:schemeClr val="accent1"/>
-                </a:effectRef>
-                <a:fontRef idx="minor">
-                  <a:schemeClr val="lt1"/>
-                </a:fontRef>
-              </p:style>
-              <p:txBody>
-                <a:bodyPr rtlCol="0" anchor="ctr"/>
-                <a:lstStyle/>
-                <a:p>
-                  <a:pPr algn="ctr"/>
-                  <a:endParaRPr lang="pt-BR"/>
-                </a:p>
-              </p:txBody>
-            </p:sp>
-            <p:sp>
-              <p:nvSpPr>
-                <p:cNvPr id="99" name="Retângulo 98"/>
-                <p:cNvSpPr/>
-                <p:nvPr/>
-              </p:nvSpPr>
-              <p:spPr>
-                <a:xfrm rot="16410830">
-                  <a:off x="7401693" y="1976131"/>
-                  <a:ext cx="1010681" cy="309990"/>
-                </a:xfrm>
-                <a:prstGeom prst="rect">
-                  <a:avLst/>
-                </a:prstGeom>
-                <a:grpFill/>
-                <a:ln>
-                  <a:noFill/>
-                </a:ln>
-              </p:spPr>
-              <p:style>
-                <a:lnRef idx="2">
-                  <a:schemeClr val="accent1">
-                    <a:shade val="50000"/>
-                  </a:schemeClr>
-                </a:lnRef>
-                <a:fillRef idx="1">
-                  <a:schemeClr val="accent1"/>
-                </a:fillRef>
-                <a:effectRef idx="0">
-                  <a:schemeClr val="accent1"/>
-                </a:effectRef>
-                <a:fontRef idx="minor">
-                  <a:schemeClr val="lt1"/>
-                </a:fontRef>
-              </p:style>
-              <p:txBody>
-                <a:bodyPr rtlCol="0" anchor="ctr"/>
-                <a:lstStyle/>
-                <a:p>
-                  <a:pPr algn="ctr"/>
-                  <a:endParaRPr lang="pt-BR"/>
-                </a:p>
-              </p:txBody>
-            </p:sp>
-          </p:grpSp>
-        </p:grpSp>
-      </p:grpSp>
-      <p:grpSp>
-        <p:nvGrpSpPr>
-          <p:cNvPr id="105" name="Grupo 104"/>
-          <p:cNvGrpSpPr/>
-          <p:nvPr/>
-        </p:nvGrpSpPr>
-        <p:grpSpPr>
-          <a:xfrm rot="1034383">
-            <a:off x="6394249" y="1404169"/>
-            <a:ext cx="1198438" cy="1649054"/>
-            <a:chOff x="1530853" y="1082114"/>
-            <a:chExt cx="3636642" cy="5004030"/>
-          </a:xfrm>
-          <a:gradFill>
-            <a:gsLst>
-              <a:gs pos="60000">
-                <a:srgbClr val="92D050"/>
-              </a:gs>
-              <a:gs pos="40000">
-                <a:srgbClr val="FFFF66"/>
-              </a:gs>
-              <a:gs pos="20000">
-                <a:srgbClr val="FF7A3F"/>
-              </a:gs>
-              <a:gs pos="0">
-                <a:srgbClr val="FF0000"/>
-              </a:gs>
-              <a:gs pos="80000">
-                <a:srgbClr val="3333FF"/>
-              </a:gs>
-              <a:gs pos="100000">
-                <a:srgbClr val="C64AB7"/>
-              </a:gs>
-            </a:gsLst>
-            <a:lin ang="5400000" scaled="0"/>
-          </a:gradFill>
-          <a:effectLst>
-            <a:outerShdw blurRad="63500" sx="102000" sy="102000" algn="ctr" rotWithShape="0">
-              <a:prstClr val="black">
-                <a:alpha val="40000"/>
-              </a:prstClr>
-            </a:outerShdw>
-          </a:effectLst>
-        </p:grpSpPr>
-        <p:grpSp>
-          <p:nvGrpSpPr>
-            <p:cNvPr id="106" name="Grupo 105"/>
-            <p:cNvGrpSpPr/>
-            <p:nvPr/>
-          </p:nvGrpSpPr>
-          <p:grpSpPr>
-            <a:xfrm>
-              <a:off x="2791231" y="1426616"/>
-              <a:ext cx="2376264" cy="4659528"/>
-              <a:chOff x="1378453" y="929714"/>
-              <a:chExt cx="2376264" cy="4659528"/>
-            </a:xfrm>
-            <a:grpFill/>
-          </p:grpSpPr>
-          <p:sp>
-            <p:nvSpPr>
-              <p:cNvPr id="111" name="Elipse 33"/>
-              <p:cNvSpPr/>
-              <p:nvPr/>
-            </p:nvSpPr>
-            <p:spPr>
-              <a:xfrm>
-                <a:off x="1378453" y="929714"/>
-                <a:ext cx="2376264" cy="2376264"/>
-              </a:xfrm>
-              <a:custGeom>
-                <a:avLst/>
-                <a:gdLst/>
-                <a:ahLst/>
-                <a:cxnLst/>
-                <a:rect l="l" t="t" r="r" b="b"/>
-                <a:pathLst>
-                  <a:path w="2376264" h="2376264">
-                    <a:moveTo>
-                      <a:pt x="1188132" y="216024"/>
-                    </a:moveTo>
-                    <a:cubicBezTo>
-                      <a:pt x="651252" y="216024"/>
-                      <a:pt x="216024" y="651252"/>
-                      <a:pt x="216024" y="1188132"/>
-                    </a:cubicBezTo>
-                    <a:cubicBezTo>
-                      <a:pt x="216024" y="1725012"/>
-                      <a:pt x="651252" y="2160240"/>
-                      <a:pt x="1188132" y="2160240"/>
-                    </a:cubicBezTo>
-                    <a:cubicBezTo>
-                      <a:pt x="1725012" y="2160240"/>
-                      <a:pt x="2160240" y="1725012"/>
-                      <a:pt x="2160240" y="1188132"/>
-                    </a:cubicBezTo>
-                    <a:cubicBezTo>
-                      <a:pt x="2160240" y="651252"/>
-                      <a:pt x="1725012" y="216024"/>
-                      <a:pt x="1188132" y="216024"/>
-                    </a:cubicBezTo>
-                    <a:close/>
-                    <a:moveTo>
-                      <a:pt x="1188132" y="0"/>
-                    </a:moveTo>
-                    <a:cubicBezTo>
-                      <a:pt x="1844319" y="0"/>
-                      <a:pt x="2376264" y="531945"/>
-                      <a:pt x="2376264" y="1188132"/>
-                    </a:cubicBezTo>
-                    <a:cubicBezTo>
-                      <a:pt x="2376264" y="1844319"/>
-                      <a:pt x="1844319" y="2376264"/>
-                      <a:pt x="1188132" y="2376264"/>
-                    </a:cubicBezTo>
-                    <a:cubicBezTo>
-                      <a:pt x="531945" y="2376264"/>
-                      <a:pt x="0" y="1844319"/>
-                      <a:pt x="0" y="1188132"/>
-                    </a:cubicBezTo>
-                    <a:cubicBezTo>
-                      <a:pt x="0" y="531945"/>
-                      <a:pt x="531945" y="0"/>
-                      <a:pt x="1188132" y="0"/>
-                    </a:cubicBezTo>
-                    <a:close/>
-                  </a:path>
-                </a:pathLst>
-              </a:custGeom>
-              <a:grpFill/>
+              </a:solidFill>
               <a:ln>
                 <a:noFill/>
               </a:ln>
@@ -39666,63 +35727,24 @@
           </p:sp>
           <p:sp>
             <p:nvSpPr>
-              <p:cNvPr id="112" name="Retângulo 111"/>
-              <p:cNvSpPr/>
-              <p:nvPr/>
-            </p:nvSpPr>
-            <p:spPr>
-              <a:xfrm rot="16200000">
-                <a:off x="1429782" y="4302491"/>
-                <a:ext cx="2301722" cy="271779"/>
-              </a:xfrm>
-              <a:prstGeom prst="rect">
-                <a:avLst/>
-              </a:prstGeom>
-              <a:grpFill/>
-              <a:ln>
-                <a:noFill/>
-              </a:ln>
-            </p:spPr>
-            <p:style>
-              <a:lnRef idx="2">
-                <a:schemeClr val="accent1">
-                  <a:shade val="50000"/>
-                </a:schemeClr>
-              </a:lnRef>
-              <a:fillRef idx="1">
-                <a:schemeClr val="accent1"/>
-              </a:fillRef>
-              <a:effectRef idx="0">
-                <a:schemeClr val="accent1"/>
-              </a:effectRef>
-              <a:fontRef idx="minor">
-                <a:schemeClr val="lt1"/>
-              </a:fontRef>
-            </p:style>
-            <p:txBody>
-              <a:bodyPr rtlCol="0" anchor="ctr"/>
-              <a:lstStyle/>
-              <a:p>
-                <a:pPr algn="ctr"/>
-                <a:endParaRPr lang="pt-BR"/>
-              </a:p>
-            </p:txBody>
-          </p:sp>
-          <p:sp>
-            <p:nvSpPr>
-              <p:cNvPr id="113" name="Retângulo 112"/>
+              <p:cNvPr id="3" name="Retângulo 2"/>
               <p:cNvSpPr/>
               <p:nvPr/>
             </p:nvSpPr>
             <p:spPr>
               <a:xfrm>
-                <a:off x="1558473" y="3933056"/>
-                <a:ext cx="2016224" cy="271779"/>
+                <a:off x="0" y="4293096"/>
+                <a:ext cx="9144000" cy="1800200"/>
               </a:xfrm>
               <a:prstGeom prst="rect">
                 <a:avLst/>
               </a:prstGeom>
-              <a:grpFill/>
+              <a:solidFill>
+                <a:schemeClr val="tx1">
+                  <a:lumMod val="75000"/>
+                  <a:lumOff val="25000"/>
+                </a:schemeClr>
+              </a:solidFill>
               <a:ln>
                 <a:noFill/>
               </a:ln>
@@ -39753,228 +35775,107 @@
             </p:txBody>
           </p:sp>
         </p:grpSp>
-        <p:grpSp>
-          <p:nvGrpSpPr>
-            <p:cNvPr id="107" name="Grupo 106"/>
-            <p:cNvGrpSpPr/>
+        <p:sp>
+          <p:nvSpPr>
+            <p:cNvPr id="5" name="CaixaDeTexto 4"/>
+            <p:cNvSpPr txBox="1"/>
             <p:nvPr/>
-          </p:nvGrpSpPr>
-          <p:grpSpPr>
+          </p:nvSpPr>
+          <p:spPr>
             <a:xfrm>
-              <a:off x="1530853" y="1082114"/>
-              <a:ext cx="2376264" cy="4659528"/>
-              <a:chOff x="1378453" y="929714"/>
-              <a:chExt cx="2376264" cy="4659528"/>
+              <a:off x="107504" y="6290982"/>
+              <a:ext cx="5926622" cy="369332"/>
             </a:xfrm>
-            <a:grpFill/>
-          </p:grpSpPr>
-          <p:sp>
-            <p:nvSpPr>
-              <p:cNvPr id="108" name="Elipse 33"/>
-              <p:cNvSpPr/>
-              <p:nvPr/>
-            </p:nvSpPr>
-            <p:spPr>
-              <a:xfrm>
-                <a:off x="1378453" y="929714"/>
-                <a:ext cx="2376264" cy="2376264"/>
-              </a:xfrm>
-              <a:custGeom>
-                <a:avLst/>
-                <a:gdLst/>
-                <a:ahLst/>
-                <a:cxnLst/>
-                <a:rect l="l" t="t" r="r" b="b"/>
-                <a:pathLst>
-                  <a:path w="2376264" h="2376264">
-                    <a:moveTo>
-                      <a:pt x="1188132" y="216024"/>
-                    </a:moveTo>
-                    <a:cubicBezTo>
-                      <a:pt x="651252" y="216024"/>
-                      <a:pt x="216024" y="651252"/>
-                      <a:pt x="216024" y="1188132"/>
-                    </a:cubicBezTo>
-                    <a:cubicBezTo>
-                      <a:pt x="216024" y="1725012"/>
-                      <a:pt x="651252" y="2160240"/>
-                      <a:pt x="1188132" y="2160240"/>
-                    </a:cubicBezTo>
-                    <a:cubicBezTo>
-                      <a:pt x="1725012" y="2160240"/>
-                      <a:pt x="2160240" y="1725012"/>
-                      <a:pt x="2160240" y="1188132"/>
-                    </a:cubicBezTo>
-                    <a:cubicBezTo>
-                      <a:pt x="2160240" y="651252"/>
-                      <a:pt x="1725012" y="216024"/>
-                      <a:pt x="1188132" y="216024"/>
-                    </a:cubicBezTo>
-                    <a:close/>
-                    <a:moveTo>
-                      <a:pt x="1188132" y="0"/>
-                    </a:moveTo>
-                    <a:cubicBezTo>
-                      <a:pt x="1844319" y="0"/>
-                      <a:pt x="2376264" y="531945"/>
-                      <a:pt x="2376264" y="1188132"/>
-                    </a:cubicBezTo>
-                    <a:cubicBezTo>
-                      <a:pt x="2376264" y="1844319"/>
-                      <a:pt x="1844319" y="2376264"/>
-                      <a:pt x="1188132" y="2376264"/>
-                    </a:cubicBezTo>
-                    <a:cubicBezTo>
-                      <a:pt x="531945" y="2376264"/>
-                      <a:pt x="0" y="1844319"/>
-                      <a:pt x="0" y="1188132"/>
-                    </a:cubicBezTo>
-                    <a:cubicBezTo>
-                      <a:pt x="0" y="531945"/>
-                      <a:pt x="531945" y="0"/>
-                      <a:pt x="1188132" y="0"/>
-                    </a:cubicBezTo>
-                    <a:close/>
-                  </a:path>
-                </a:pathLst>
-              </a:custGeom>
-              <a:grpFill/>
-              <a:ln>
-                <a:noFill/>
-              </a:ln>
-            </p:spPr>
-            <p:style>
-              <a:lnRef idx="2">
-                <a:schemeClr val="accent1">
-                  <a:shade val="50000"/>
-                </a:schemeClr>
-              </a:lnRef>
-              <a:fillRef idx="1">
-                <a:schemeClr val="accent1"/>
-              </a:fillRef>
-              <a:effectRef idx="0">
-                <a:schemeClr val="accent1"/>
-              </a:effectRef>
-              <a:fontRef idx="minor">
-                <a:schemeClr val="lt1"/>
-              </a:fontRef>
-            </p:style>
-            <p:txBody>
-              <a:bodyPr rtlCol="0" anchor="ctr"/>
-              <a:lstStyle/>
-              <a:p>
-                <a:pPr algn="ctr"/>
-                <a:endParaRPr lang="pt-BR"/>
-              </a:p>
-            </p:txBody>
-          </p:sp>
-          <p:sp>
-            <p:nvSpPr>
-              <p:cNvPr id="109" name="Retângulo 108"/>
-              <p:cNvSpPr/>
-              <p:nvPr/>
-            </p:nvSpPr>
-            <p:spPr>
-              <a:xfrm rot="16200000">
-                <a:off x="1429782" y="4302491"/>
-                <a:ext cx="2301722" cy="271779"/>
-              </a:xfrm>
-              <a:prstGeom prst="rect">
-                <a:avLst/>
-              </a:prstGeom>
-              <a:grpFill/>
-              <a:ln>
-                <a:noFill/>
-              </a:ln>
-            </p:spPr>
-            <p:style>
-              <a:lnRef idx="2">
-                <a:schemeClr val="accent1">
-                  <a:shade val="50000"/>
-                </a:schemeClr>
-              </a:lnRef>
-              <a:fillRef idx="1">
-                <a:schemeClr val="accent1"/>
-              </a:fillRef>
-              <a:effectRef idx="0">
-                <a:schemeClr val="accent1"/>
-              </a:effectRef>
-              <a:fontRef idx="minor">
-                <a:schemeClr val="lt1"/>
-              </a:fontRef>
-            </p:style>
-            <p:txBody>
-              <a:bodyPr rtlCol="0" anchor="ctr"/>
-              <a:lstStyle/>
-              <a:p>
-                <a:pPr algn="ctr"/>
-                <a:endParaRPr lang="pt-BR"/>
-              </a:p>
-            </p:txBody>
-          </p:sp>
-          <p:sp>
-            <p:nvSpPr>
-              <p:cNvPr id="110" name="Retângulo 109"/>
-              <p:cNvSpPr/>
-              <p:nvPr/>
-            </p:nvSpPr>
-            <p:spPr>
-              <a:xfrm>
-                <a:off x="1558473" y="3933056"/>
-                <a:ext cx="2016224" cy="271779"/>
-              </a:xfrm>
-              <a:prstGeom prst="rect">
-                <a:avLst/>
-              </a:prstGeom>
-              <a:grpFill/>
-              <a:ln>
-                <a:noFill/>
-              </a:ln>
-            </p:spPr>
-            <p:style>
-              <a:lnRef idx="2">
-                <a:schemeClr val="accent1">
-                  <a:shade val="50000"/>
-                </a:schemeClr>
-              </a:lnRef>
-              <a:fillRef idx="1">
-                <a:schemeClr val="accent1"/>
-              </a:fillRef>
-              <a:effectRef idx="0">
-                <a:schemeClr val="accent1"/>
-              </a:effectRef>
-              <a:fontRef idx="minor">
-                <a:schemeClr val="lt1"/>
-              </a:fontRef>
-            </p:style>
-            <p:txBody>
-              <a:bodyPr rtlCol="0" anchor="ctr"/>
-              <a:lstStyle/>
-              <a:p>
-                <a:pPr algn="ctr"/>
-                <a:endParaRPr lang="pt-BR"/>
-              </a:p>
-            </p:txBody>
-          </p:sp>
-        </p:grpSp>
+            <a:prstGeom prst="rect">
+              <a:avLst/>
+            </a:prstGeom>
+            <a:noFill/>
+            <a:ln>
+              <a:noFill/>
+            </a:ln>
+          </p:spPr>
+          <p:txBody>
+            <a:bodyPr wrap="none" rtlCol="0">
+              <a:spAutoFit/>
+            </a:bodyPr>
+            <a:lstStyle/>
+            <a:p>
+              <a:r>
+                <a:rPr lang="pt-BR" b="1" dirty="0" smtClean="0">
+                  <a:solidFill>
+                    <a:schemeClr val="bg1"/>
+                  </a:solidFill>
+                  <a:latin typeface="Aharoni" panose="02010803020104030203" pitchFamily="2" charset="-79"/>
+                  <a:cs typeface="Aharoni" panose="02010803020104030203" pitchFamily="2" charset="-79"/>
+                </a:rPr>
+                <a:t>@COPYRIGHT 2019. TODOS OS DIREITOS RESERVADOS</a:t>
+              </a:r>
+              <a:endParaRPr lang="pt-BR" b="1" dirty="0">
+                <a:solidFill>
+                  <a:schemeClr val="bg1"/>
+                </a:solidFill>
+                <a:latin typeface="Aharoni" panose="02010803020104030203" pitchFamily="2" charset="-79"/>
+                <a:cs typeface="Aharoni" panose="02010803020104030203" pitchFamily="2" charset="-79"/>
+              </a:endParaRPr>
+            </a:p>
+          </p:txBody>
+        </p:sp>
+        <p:sp>
+          <p:nvSpPr>
+            <p:cNvPr id="7" name="CaixaDeTexto 6"/>
+            <p:cNvSpPr txBox="1"/>
+            <p:nvPr/>
+          </p:nvSpPr>
+          <p:spPr>
+            <a:xfrm>
+              <a:off x="1562201" y="5008530"/>
+              <a:ext cx="6019597" cy="369332"/>
+            </a:xfrm>
+            <a:prstGeom prst="rect">
+              <a:avLst/>
+            </a:prstGeom>
+            <a:noFill/>
+            <a:ln>
+              <a:noFill/>
+            </a:ln>
+          </p:spPr>
+          <p:txBody>
+            <a:bodyPr wrap="none" rtlCol="0">
+              <a:spAutoFit/>
+            </a:bodyPr>
+            <a:lstStyle/>
+            <a:p>
+              <a:r>
+                <a:rPr lang="pt-BR" b="1" dirty="0" smtClean="0">
+                  <a:solidFill>
+                    <a:schemeClr val="bg1"/>
+                  </a:solidFill>
+                  <a:latin typeface="Aharoni" panose="02010803020104030203" pitchFamily="2" charset="-79"/>
+                  <a:cs typeface="Aharoni" panose="02010803020104030203" pitchFamily="2" charset="-79"/>
+                </a:rPr>
+                <a:t>HOME | ABOUT | REGISTER | CONTACT US | BASTIDORES</a:t>
+              </a:r>
+              <a:endParaRPr lang="pt-BR" b="1" dirty="0">
+                <a:solidFill>
+                  <a:schemeClr val="bg1"/>
+                </a:solidFill>
+                <a:latin typeface="Aharoni" panose="02010803020104030203" pitchFamily="2" charset="-79"/>
+                <a:cs typeface="Aharoni" panose="02010803020104030203" pitchFamily="2" charset="-79"/>
+              </a:endParaRPr>
+            </a:p>
+          </p:txBody>
+        </p:sp>
       </p:grpSp>
     </p:spTree>
     <p:extLst>
       <p:ext uri="{BB962C8B-B14F-4D97-AF65-F5344CB8AC3E}">
-        <p14:creationId xmlns:p14="http://schemas.microsoft.com/office/powerpoint/2010/main" val="678965404"/>
+        <p14:creationId xmlns:p14="http://schemas.microsoft.com/office/powerpoint/2010/main" val="3673803070"/>
       </p:ext>
     </p:extLst>
   </p:cSld>
   <p:clrMapOvr>
     <a:masterClrMapping/>
   </p:clrMapOvr>
-  <p:timing>
-    <p:tnLst>
-      <p:par>
-        <p:cTn id="1" dur="indefinite" restart="never" nodeType="tmRoot"/>
-      </p:par>
-    </p:tnLst>
-  </p:timing>
 </p:sld>
 </file>
 

--- a/Rascunhos/Logo - PP2.pptx
+++ b/Rascunhos/Logo - PP2.pptx
@@ -114,7 +114,7 @@
   </p:defaultTextStyle>
   <p:extLst>
     <p:ext uri="{EFAFB233-063F-42B5-8137-9DF3F51BA10A}">
-      <p15:sldGuideLst xmlns:p15="http://schemas.microsoft.com/office/powerpoint/2012/main" xmlns="">
+      <p15:sldGuideLst xmlns="" xmlns:p15="http://schemas.microsoft.com/office/powerpoint/2012/main">
         <p15:guide id="1" orient="horz" pos="2160">
           <p15:clr>
             <a:srgbClr val="A4A3A4"/>
@@ -213,7 +213,7 @@
           <a:p>
             <a:fld id="{FF064E14-6B57-4160-B976-9759441CBCC8}" type="datetimeFigureOut">
               <a:rPr lang="pt-BR" smtClean="0"/>
-              <a:t>21/02/2019</a:t>
+              <a:t>22/02/2019</a:t>
             </a:fld>
             <a:endParaRPr lang="pt-BR"/>
           </a:p>
@@ -828,7 +828,7 @@
           <a:p>
             <a:fld id="{26F57601-A94F-4415-BE12-3A057DDE858C}" type="datetimeFigureOut">
               <a:rPr lang="pt-BR" smtClean="0"/>
-              <a:t>21/02/2019</a:t>
+              <a:t>22/02/2019</a:t>
             </a:fld>
             <a:endParaRPr lang="pt-BR"/>
           </a:p>
@@ -996,7 +996,7 @@
           <a:p>
             <a:fld id="{26F57601-A94F-4415-BE12-3A057DDE858C}" type="datetimeFigureOut">
               <a:rPr lang="pt-BR" smtClean="0"/>
-              <a:t>21/02/2019</a:t>
+              <a:t>22/02/2019</a:t>
             </a:fld>
             <a:endParaRPr lang="pt-BR"/>
           </a:p>
@@ -1174,7 +1174,7 @@
           <a:p>
             <a:fld id="{26F57601-A94F-4415-BE12-3A057DDE858C}" type="datetimeFigureOut">
               <a:rPr lang="pt-BR" smtClean="0"/>
-              <a:t>21/02/2019</a:t>
+              <a:t>22/02/2019</a:t>
             </a:fld>
             <a:endParaRPr lang="pt-BR"/>
           </a:p>
@@ -1342,7 +1342,7 @@
           <a:p>
             <a:fld id="{26F57601-A94F-4415-BE12-3A057DDE858C}" type="datetimeFigureOut">
               <a:rPr lang="pt-BR" smtClean="0"/>
-              <a:t>21/02/2019</a:t>
+              <a:t>22/02/2019</a:t>
             </a:fld>
             <a:endParaRPr lang="pt-BR"/>
           </a:p>
@@ -1587,7 +1587,7 @@
           <a:p>
             <a:fld id="{26F57601-A94F-4415-BE12-3A057DDE858C}" type="datetimeFigureOut">
               <a:rPr lang="pt-BR" smtClean="0"/>
-              <a:t>21/02/2019</a:t>
+              <a:t>22/02/2019</a:t>
             </a:fld>
             <a:endParaRPr lang="pt-BR"/>
           </a:p>
@@ -1872,7 +1872,7 @@
           <a:p>
             <a:fld id="{26F57601-A94F-4415-BE12-3A057DDE858C}" type="datetimeFigureOut">
               <a:rPr lang="pt-BR" smtClean="0"/>
-              <a:t>21/02/2019</a:t>
+              <a:t>22/02/2019</a:t>
             </a:fld>
             <a:endParaRPr lang="pt-BR"/>
           </a:p>
@@ -2291,7 +2291,7 @@
           <a:p>
             <a:fld id="{26F57601-A94F-4415-BE12-3A057DDE858C}" type="datetimeFigureOut">
               <a:rPr lang="pt-BR" smtClean="0"/>
-              <a:t>21/02/2019</a:t>
+              <a:t>22/02/2019</a:t>
             </a:fld>
             <a:endParaRPr lang="pt-BR"/>
           </a:p>
@@ -2408,7 +2408,7 @@
           <a:p>
             <a:fld id="{26F57601-A94F-4415-BE12-3A057DDE858C}" type="datetimeFigureOut">
               <a:rPr lang="pt-BR" smtClean="0"/>
-              <a:t>21/02/2019</a:t>
+              <a:t>22/02/2019</a:t>
             </a:fld>
             <a:endParaRPr lang="pt-BR"/>
           </a:p>
@@ -2503,7 +2503,7 @@
           <a:p>
             <a:fld id="{26F57601-A94F-4415-BE12-3A057DDE858C}" type="datetimeFigureOut">
               <a:rPr lang="pt-BR" smtClean="0"/>
-              <a:t>21/02/2019</a:t>
+              <a:t>22/02/2019</a:t>
             </a:fld>
             <a:endParaRPr lang="pt-BR"/>
           </a:p>
@@ -2778,7 +2778,7 @@
           <a:p>
             <a:fld id="{26F57601-A94F-4415-BE12-3A057DDE858C}" type="datetimeFigureOut">
               <a:rPr lang="pt-BR" smtClean="0"/>
-              <a:t>21/02/2019</a:t>
+              <a:t>22/02/2019</a:t>
             </a:fld>
             <a:endParaRPr lang="pt-BR"/>
           </a:p>
@@ -3030,7 +3030,7 @@
           <a:p>
             <a:fld id="{26F57601-A94F-4415-BE12-3A057DDE858C}" type="datetimeFigureOut">
               <a:rPr lang="pt-BR" smtClean="0"/>
-              <a:t>21/02/2019</a:t>
+              <a:t>22/02/2019</a:t>
             </a:fld>
             <a:endParaRPr lang="pt-BR"/>
           </a:p>
@@ -3247,7 +3247,7 @@
           <a:p>
             <a:fld id="{26F57601-A94F-4415-BE12-3A057DDE858C}" type="datetimeFigureOut">
               <a:rPr lang="pt-BR" smtClean="0"/>
-              <a:t>21/02/2019</a:t>
+              <a:t>22/02/2019</a:t>
             </a:fld>
             <a:endParaRPr lang="pt-BR"/>
           </a:p>
@@ -3706,7 +3706,7 @@
               <p:cNvPr id="17" name="Balão de Pensamento: Nuvem 16">
                 <a:extLst>
                   <a:ext uri="{FF2B5EF4-FFF2-40B4-BE49-F238E27FC236}">
-                    <a16:creationId xmlns="" xmlns:a16="http://schemas.microsoft.com/office/drawing/2014/main" id="{5C57BA0A-9700-43BD-9104-CC30BC0DE381}"/>
+                    <a16:creationId xmlns:a16="http://schemas.microsoft.com/office/drawing/2014/main" xmlns="" id="{5C57BA0A-9700-43BD-9104-CC30BC0DE381}"/>
                   </a:ext>
                 </a:extLst>
               </p:cNvPr>
@@ -3774,7 +3774,7 @@
               <p:cNvPr id="96" name="Agrupar 15">
                 <a:extLst>
                   <a:ext uri="{FF2B5EF4-FFF2-40B4-BE49-F238E27FC236}">
-                    <a16:creationId xmlns="" xmlns:a16="http://schemas.microsoft.com/office/drawing/2014/main" id="{CDA0B437-9E5C-43AF-AD41-CFFD83C35D59}"/>
+                    <a16:creationId xmlns:a16="http://schemas.microsoft.com/office/drawing/2014/main" xmlns="" id="{CDA0B437-9E5C-43AF-AD41-CFFD83C35D59}"/>
                   </a:ext>
                 </a:extLst>
               </p:cNvPr>
@@ -4779,7 +4779,7 @@
               <p:cNvPr id="16" name="Agrupar 15">
                 <a:extLst>
                   <a:ext uri="{FF2B5EF4-FFF2-40B4-BE49-F238E27FC236}">
-                    <a16:creationId xmlns="" xmlns:a16="http://schemas.microsoft.com/office/drawing/2014/main" id="{CDA0B437-9E5C-43AF-AD41-CFFD83C35D59}"/>
+                    <a16:creationId xmlns:a16="http://schemas.microsoft.com/office/drawing/2014/main" xmlns="" id="{CDA0B437-9E5C-43AF-AD41-CFFD83C35D59}"/>
                   </a:ext>
                 </a:extLst>
               </p:cNvPr>
@@ -15473,7 +15473,7 @@
           <p:cNvPr id="253" name="Balão de Pensamento: Nuvem 16">
             <a:extLst>
               <a:ext uri="{FF2B5EF4-FFF2-40B4-BE49-F238E27FC236}">
-                <a16:creationId xmlns="" xmlns:a16="http://schemas.microsoft.com/office/drawing/2014/main" id="{5C57BA0A-9700-43BD-9104-CC30BC0DE381}"/>
+                <a16:creationId xmlns:a16="http://schemas.microsoft.com/office/drawing/2014/main" xmlns="" id="{5C57BA0A-9700-43BD-9104-CC30BC0DE381}"/>
               </a:ext>
             </a:extLst>
           </p:cNvPr>
@@ -15543,7 +15543,7 @@
             <p:cNvPr id="255" name="Agrupar 15">
               <a:extLst>
                 <a:ext uri="{FF2B5EF4-FFF2-40B4-BE49-F238E27FC236}">
-                  <a16:creationId xmlns="" xmlns:a16="http://schemas.microsoft.com/office/drawing/2014/main" id="{CDA0B437-9E5C-43AF-AD41-CFFD83C35D59}"/>
+                  <a16:creationId xmlns:a16="http://schemas.microsoft.com/office/drawing/2014/main" xmlns="" id="{CDA0B437-9E5C-43AF-AD41-CFFD83C35D59}"/>
                 </a:ext>
               </a:extLst>
             </p:cNvPr>
@@ -16548,7 +16548,7 @@
             <p:cNvPr id="256" name="Agrupar 15">
               <a:extLst>
                 <a:ext uri="{FF2B5EF4-FFF2-40B4-BE49-F238E27FC236}">
-                  <a16:creationId xmlns="" xmlns:a16="http://schemas.microsoft.com/office/drawing/2014/main" id="{CDA0B437-9E5C-43AF-AD41-CFFD83C35D59}"/>
+                  <a16:creationId xmlns:a16="http://schemas.microsoft.com/office/drawing/2014/main" xmlns="" id="{CDA0B437-9E5C-43AF-AD41-CFFD83C35D59}"/>
                 </a:ext>
               </a:extLst>
             </p:cNvPr>
@@ -18336,7 +18336,7 @@
         <p:spPr>
           <a:xfrm>
             <a:off x="5636740" y="820728"/>
-            <a:ext cx="1282723" cy="461665"/>
+            <a:ext cx="1449436" cy="461665"/>
           </a:xfrm>
           <a:prstGeom prst="rect">
             <a:avLst/>
@@ -18353,8 +18353,9 @@
                 <a:solidFill>
                   <a:schemeClr val="bg1"/>
                 </a:solidFill>
-                <a:latin typeface="Aharoni" panose="02010803020104030203" pitchFamily="2" charset="-79"/>
-                <a:cs typeface="Aharoni" panose="02010803020104030203" pitchFamily="2" charset="-79"/>
+                <a:latin typeface="DejaVu Sans" panose="020B0603030804020204" pitchFamily="34" charset="0"/>
+                <a:ea typeface="DejaVu Sans" panose="020B0603030804020204" pitchFamily="34" charset="0"/>
+                <a:cs typeface="DejaVu Sans" panose="020B0603030804020204" pitchFamily="34" charset="0"/>
               </a:rPr>
               <a:t>FORÚM</a:t>
             </a:r>
@@ -18362,8 +18363,9 @@
               <a:solidFill>
                 <a:schemeClr val="bg1"/>
               </a:solidFill>
-              <a:latin typeface="Aharoni" panose="02010803020104030203" pitchFamily="2" charset="-79"/>
-              <a:cs typeface="Aharoni" panose="02010803020104030203" pitchFamily="2" charset="-79"/>
+              <a:latin typeface="DejaVu Sans" panose="020B0603030804020204" pitchFamily="34" charset="0"/>
+              <a:ea typeface="DejaVu Sans" panose="020B0603030804020204" pitchFamily="34" charset="0"/>
+              <a:cs typeface="DejaVu Sans" panose="020B0603030804020204" pitchFamily="34" charset="0"/>
             </a:endParaRPr>
           </a:p>
         </p:txBody>
@@ -18391,6 +18393,96 @@
           <a:lstStyle/>
           <a:p>
             <a:endParaRPr lang="pt-BR" dirty="0"/>
+          </a:p>
+        </p:txBody>
+      </p:sp>
+      <p:sp>
+        <p:nvSpPr>
+          <p:cNvPr id="330" name="CaixaDeTexto 329"/>
+          <p:cNvSpPr txBox="1"/>
+          <p:nvPr/>
+        </p:nvSpPr>
+        <p:spPr>
+          <a:xfrm>
+            <a:off x="3073050" y="3296383"/>
+            <a:ext cx="2755306" cy="707886"/>
+          </a:xfrm>
+          <a:prstGeom prst="rect">
+            <a:avLst/>
+          </a:prstGeom>
+          <a:noFill/>
+        </p:spPr>
+        <p:txBody>
+          <a:bodyPr wrap="none" rtlCol="0">
+            <a:spAutoFit/>
+          </a:bodyPr>
+          <a:lstStyle/>
+          <a:p>
+            <a:r>
+              <a:rPr lang="pt-BR" sz="4000" b="1" dirty="0" smtClean="0">
+                <a:solidFill>
+                  <a:schemeClr val="accent6">
+                    <a:lumMod val="50000"/>
+                  </a:schemeClr>
+                </a:solidFill>
+              </a:rPr>
+              <a:t>FRASE AQUI</a:t>
+            </a:r>
+            <a:endParaRPr lang="pt-BR" sz="4000" b="1" dirty="0">
+              <a:solidFill>
+                <a:schemeClr val="accent6">
+                  <a:lumMod val="50000"/>
+                </a:schemeClr>
+              </a:solidFill>
+            </a:endParaRPr>
+          </a:p>
+        </p:txBody>
+      </p:sp>
+      <p:sp>
+        <p:nvSpPr>
+          <p:cNvPr id="331" name="Retângulo de cantos arredondados 330"/>
+          <p:cNvSpPr/>
+          <p:nvPr/>
+        </p:nvSpPr>
+        <p:spPr>
+          <a:xfrm>
+            <a:off x="2526226" y="4212749"/>
+            <a:ext cx="3899877" cy="92711"/>
+          </a:xfrm>
+          <a:prstGeom prst="roundRect">
+            <a:avLst/>
+          </a:prstGeom>
+          <a:solidFill>
+            <a:schemeClr val="accent6">
+              <a:lumMod val="75000"/>
+            </a:schemeClr>
+          </a:solidFill>
+          <a:ln>
+            <a:noFill/>
+          </a:ln>
+        </p:spPr>
+        <p:style>
+          <a:lnRef idx="2">
+            <a:schemeClr val="accent1">
+              <a:shade val="50000"/>
+            </a:schemeClr>
+          </a:lnRef>
+          <a:fillRef idx="1">
+            <a:schemeClr val="accent1"/>
+          </a:fillRef>
+          <a:effectRef idx="0">
+            <a:schemeClr val="accent1"/>
+          </a:effectRef>
+          <a:fontRef idx="minor">
+            <a:schemeClr val="lt1"/>
+          </a:fontRef>
+        </p:style>
+        <p:txBody>
+          <a:bodyPr rtlCol="0" anchor="ctr"/>
+          <a:lstStyle/>
+          <a:p>
+            <a:pPr algn="ctr"/>
+            <a:endParaRPr lang="pt-BR"/>
           </a:p>
         </p:txBody>
       </p:sp>
@@ -27241,2262 +27333,67 @@
       </p:grpSp>
       <p:sp>
         <p:nvSpPr>
-          <p:cNvPr id="22" name="Retângulo de cantos arredondados 21"/>
-          <p:cNvSpPr/>
-          <p:nvPr/>
-        </p:nvSpPr>
-        <p:spPr>
-          <a:xfrm>
-            <a:off x="4648047" y="5407"/>
-            <a:ext cx="4527767" cy="1224136"/>
-          </a:xfrm>
-          <a:prstGeom prst="roundRect">
-            <a:avLst>
-              <a:gd name="adj" fmla="val 0"/>
-            </a:avLst>
-          </a:prstGeom>
-          <a:solidFill>
-            <a:schemeClr val="tx1">
-              <a:lumMod val="85000"/>
-              <a:lumOff val="15000"/>
-            </a:schemeClr>
-          </a:solidFill>
-          <a:ln>
-            <a:noFill/>
-          </a:ln>
-          <a:effectLst>
-            <a:outerShdw blurRad="50800" dist="38100" dir="5400000" algn="t" rotWithShape="0">
-              <a:prstClr val="black">
-                <a:alpha val="40000"/>
-              </a:prstClr>
-            </a:outerShdw>
-          </a:effectLst>
-        </p:spPr>
-        <p:style>
-          <a:lnRef idx="2">
-            <a:schemeClr val="accent1">
-              <a:shade val="50000"/>
-            </a:schemeClr>
-          </a:lnRef>
-          <a:fillRef idx="1">
-            <a:schemeClr val="accent1"/>
-          </a:fillRef>
-          <a:effectRef idx="0">
-            <a:schemeClr val="accent1"/>
-          </a:effectRef>
-          <a:fontRef idx="minor">
-            <a:schemeClr val="lt1"/>
-          </a:fontRef>
-        </p:style>
-        <p:txBody>
-          <a:bodyPr rtlCol="0" anchor="ctr"/>
-          <a:lstStyle/>
-          <a:p>
-            <a:pPr algn="ctr"/>
-            <a:endParaRPr lang="pt-BR" dirty="0"/>
-          </a:p>
-        </p:txBody>
-      </p:sp>
-      <p:sp>
-        <p:nvSpPr>
-          <p:cNvPr id="252" name="CaixaDeTexto 251"/>
+          <p:cNvPr id="5" name="CaixaDeTexto 4"/>
           <p:cNvSpPr txBox="1"/>
           <p:nvPr/>
         </p:nvSpPr>
         <p:spPr>
           <a:xfrm>
-            <a:off x="4781125" y="347573"/>
-            <a:ext cx="4161952" cy="584775"/>
+            <a:off x="-1980728" y="5167567"/>
+            <a:ext cx="184731" cy="369332"/>
           </a:xfrm>
           <a:prstGeom prst="rect">
             <a:avLst/>
           </a:prstGeom>
           <a:noFill/>
-          <a:effectLst/>
         </p:spPr>
         <p:txBody>
-          <a:bodyPr wrap="square" rtlCol="0">
+          <a:bodyPr wrap="none" rtlCol="0">
             <a:spAutoFit/>
           </a:bodyPr>
           <a:lstStyle/>
           <a:p>
-            <a:r>
-              <a:rPr lang="pt-BR" sz="3200" b="1" dirty="0" smtClean="0">
-                <a:solidFill>
-                  <a:srgbClr val="893BC3"/>
-                </a:solidFill>
-                <a:latin typeface="Century Gothic" panose="020B0502020202020204" pitchFamily="34" charset="0"/>
-              </a:rPr>
-              <a:t>DISCUS</a:t>
-            </a:r>
-            <a:r>
-              <a:rPr lang="pt-BR" sz="3200" b="1" dirty="0" smtClean="0">
-                <a:solidFill>
-                  <a:schemeClr val="bg1"/>
-                </a:solidFill>
-                <a:latin typeface="Century Gothic" panose="020B0502020202020204" pitchFamily="34" charset="0"/>
-              </a:rPr>
-              <a:t>SEX</a:t>
-            </a:r>
-            <a:endParaRPr lang="pt-BR" sz="1000" b="1" dirty="0">
-              <a:solidFill>
-                <a:schemeClr val="bg1"/>
-              </a:solidFill>
-              <a:latin typeface="Century Gothic" panose="020B0502020202020204" pitchFamily="34" charset="0"/>
-            </a:endParaRPr>
-          </a:p>
-        </p:txBody>
-      </p:sp>
-      <p:sp>
-        <p:nvSpPr>
-          <p:cNvPr id="253" name="Balão de Pensamento: Nuvem 16">
-            <a:extLst>
-              <a:ext uri="{FF2B5EF4-FFF2-40B4-BE49-F238E27FC236}">
-                <a16:creationId xmlns="" xmlns:a16="http://schemas.microsoft.com/office/drawing/2014/main" id="{5C57BA0A-9700-43BD-9104-CC30BC0DE381}"/>
-              </a:ext>
-            </a:extLst>
-          </p:cNvPr>
-          <p:cNvSpPr/>
-          <p:nvPr/>
-        </p:nvSpPr>
-        <p:spPr>
-          <a:xfrm>
-            <a:off x="5094226" y="171824"/>
-            <a:ext cx="360616" cy="269359"/>
-          </a:xfrm>
-          <a:prstGeom prst="cloudCallout">
-            <a:avLst>
-              <a:gd name="adj1" fmla="val -5084"/>
-              <a:gd name="adj2" fmla="val 57074"/>
-            </a:avLst>
-          </a:prstGeom>
-          <a:solidFill>
-            <a:srgbClr val="893BC3"/>
-          </a:solidFill>
-          <a:ln>
-            <a:noFill/>
-          </a:ln>
-        </p:spPr>
-        <p:style>
-          <a:lnRef idx="2">
-            <a:schemeClr val="accent1">
-              <a:shade val="50000"/>
-            </a:schemeClr>
-          </a:lnRef>
-          <a:fillRef idx="1">
-            <a:schemeClr val="accent1"/>
-          </a:fillRef>
-          <a:effectRef idx="0">
-            <a:schemeClr val="accent1"/>
-          </a:effectRef>
-          <a:fontRef idx="minor">
-            <a:schemeClr val="lt1"/>
-          </a:fontRef>
-        </p:style>
-        <p:txBody>
-          <a:bodyPr rtlCol="0" anchor="ctr"/>
-          <a:lstStyle/>
-          <a:p>
-            <a:pPr algn="ctr"/>
-            <a:endParaRPr lang="pt-BR"/>
+            <a:endParaRPr lang="pt-BR" dirty="0"/>
           </a:p>
         </p:txBody>
       </p:sp>
       <p:grpSp>
         <p:nvGrpSpPr>
-          <p:cNvPr id="254" name="Grupo 253"/>
+          <p:cNvPr id="9" name="Grupo 8"/>
           <p:cNvGrpSpPr/>
           <p:nvPr/>
         </p:nvGrpSpPr>
         <p:grpSpPr>
-          <a:xfrm rot="503187">
-            <a:off x="7087031" y="88908"/>
-            <a:ext cx="879414" cy="955509"/>
-            <a:chOff x="-180528" y="2276873"/>
-            <a:chExt cx="2857570" cy="3024336"/>
+          <a:xfrm>
+            <a:off x="4648047" y="5407"/>
+            <a:ext cx="4534879" cy="1358595"/>
+            <a:chOff x="4648047" y="5407"/>
+            <a:chExt cx="4534879" cy="1358595"/>
           </a:xfrm>
-          <a:effectLst/>
         </p:grpSpPr>
-        <p:grpSp>
-          <p:nvGrpSpPr>
-            <p:cNvPr id="255" name="Agrupar 15">
-              <a:extLst>
-                <a:ext uri="{FF2B5EF4-FFF2-40B4-BE49-F238E27FC236}">
-                  <a16:creationId xmlns="" xmlns:a16="http://schemas.microsoft.com/office/drawing/2014/main" id="{CDA0B437-9E5C-43AF-AD41-CFFD83C35D59}"/>
-                </a:ext>
-              </a:extLst>
-            </p:cNvPr>
-            <p:cNvGrpSpPr/>
-            <p:nvPr/>
-          </p:nvGrpSpPr>
-          <p:grpSpPr>
-            <a:xfrm>
-              <a:off x="-180528" y="2276873"/>
-              <a:ext cx="2857570" cy="3024336"/>
-              <a:chOff x="3787349" y="611219"/>
-              <a:chExt cx="2714217" cy="2854593"/>
-            </a:xfrm>
-            <a:solidFill>
-              <a:srgbClr val="7A34AE"/>
-            </a:solidFill>
-          </p:grpSpPr>
-          <p:sp>
-            <p:nvSpPr>
-              <p:cNvPr id="294" name="Retângulo 293"/>
-              <p:cNvSpPr/>
-              <p:nvPr/>
-            </p:nvSpPr>
-            <p:spPr>
-              <a:xfrm>
-                <a:off x="3792719" y="708149"/>
-                <a:ext cx="2703477" cy="2664296"/>
-              </a:xfrm>
-              <a:prstGeom prst="rect">
-                <a:avLst/>
-              </a:prstGeom>
-              <a:grpFill/>
-              <a:ln>
-                <a:noFill/>
-              </a:ln>
-              <a:effectLst/>
-            </p:spPr>
-            <p:style>
-              <a:lnRef idx="2">
-                <a:schemeClr val="accent1">
-                  <a:shade val="50000"/>
-                </a:schemeClr>
-              </a:lnRef>
-              <a:fillRef idx="1">
-                <a:schemeClr val="accent1"/>
-              </a:fillRef>
-              <a:effectRef idx="0">
-                <a:schemeClr val="accent1"/>
-              </a:effectRef>
-              <a:fontRef idx="minor">
-                <a:schemeClr val="lt1"/>
-              </a:fontRef>
-            </p:style>
-            <p:txBody>
-              <a:bodyPr rtlCol="0" anchor="ctr"/>
-              <a:lstStyle/>
-              <a:p>
-                <a:pPr algn="ctr"/>
-                <a:endParaRPr lang="pt-BR">
-                  <a:solidFill>
-                    <a:srgbClr val="9900FF"/>
-                  </a:solidFill>
-                </a:endParaRPr>
-              </a:p>
-            </p:txBody>
-          </p:sp>
-          <p:grpSp>
-            <p:nvGrpSpPr>
-              <p:cNvPr id="295" name="Grupo 294"/>
-              <p:cNvGrpSpPr/>
-              <p:nvPr/>
-            </p:nvGrpSpPr>
-            <p:grpSpPr>
-              <a:xfrm>
-                <a:off x="3787349" y="611219"/>
-                <a:ext cx="2703476" cy="108012"/>
-                <a:chOff x="5952287" y="2088395"/>
-                <a:chExt cx="2850831" cy="216024"/>
-              </a:xfrm>
-              <a:grpFill/>
-            </p:grpSpPr>
-            <p:sp>
-              <p:nvSpPr>
-                <p:cNvPr id="307" name="Triângulo isósceles 306"/>
-                <p:cNvSpPr/>
-                <p:nvPr/>
-              </p:nvSpPr>
-              <p:spPr>
-                <a:xfrm>
-                  <a:off x="5952287" y="2088395"/>
-                  <a:ext cx="288032" cy="216024"/>
-                </a:xfrm>
-                <a:prstGeom prst="triangle">
-                  <a:avLst/>
-                </a:prstGeom>
-                <a:grpFill/>
-                <a:ln>
-                  <a:noFill/>
-                </a:ln>
-                <a:effectLst/>
-              </p:spPr>
-              <p:style>
-                <a:lnRef idx="2">
-                  <a:schemeClr val="accent1">
-                    <a:shade val="50000"/>
-                  </a:schemeClr>
-                </a:lnRef>
-                <a:fillRef idx="1">
-                  <a:schemeClr val="accent1"/>
-                </a:fillRef>
-                <a:effectRef idx="0">
-                  <a:schemeClr val="accent1"/>
-                </a:effectRef>
-                <a:fontRef idx="minor">
-                  <a:schemeClr val="lt1"/>
-                </a:fontRef>
-              </p:style>
-              <p:txBody>
-                <a:bodyPr rtlCol="0" anchor="ctr"/>
-                <a:lstStyle/>
-                <a:p>
-                  <a:pPr algn="ctr"/>
-                  <a:endParaRPr lang="pt-BR"/>
-                </a:p>
-              </p:txBody>
-            </p:sp>
-            <p:sp>
-              <p:nvSpPr>
-                <p:cNvPr id="308" name="Triângulo isósceles 307"/>
-                <p:cNvSpPr/>
-                <p:nvPr/>
-              </p:nvSpPr>
-              <p:spPr>
-                <a:xfrm>
-                  <a:off x="6241783" y="2088395"/>
-                  <a:ext cx="288032" cy="216024"/>
-                </a:xfrm>
-                <a:prstGeom prst="triangle">
-                  <a:avLst/>
-                </a:prstGeom>
-                <a:grpFill/>
-                <a:ln>
-                  <a:noFill/>
-                </a:ln>
-                <a:effectLst/>
-              </p:spPr>
-              <p:style>
-                <a:lnRef idx="2">
-                  <a:schemeClr val="accent1">
-                    <a:shade val="50000"/>
-                  </a:schemeClr>
-                </a:lnRef>
-                <a:fillRef idx="1">
-                  <a:schemeClr val="accent1"/>
-                </a:fillRef>
-                <a:effectRef idx="0">
-                  <a:schemeClr val="accent1"/>
-                </a:effectRef>
-                <a:fontRef idx="minor">
-                  <a:schemeClr val="lt1"/>
-                </a:fontRef>
-              </p:style>
-              <p:txBody>
-                <a:bodyPr rtlCol="0" anchor="ctr"/>
-                <a:lstStyle/>
-                <a:p>
-                  <a:pPr algn="ctr"/>
-                  <a:endParaRPr lang="pt-BR"/>
-                </a:p>
-              </p:txBody>
-            </p:sp>
-            <p:sp>
-              <p:nvSpPr>
-                <p:cNvPr id="309" name="Triângulo isósceles 308"/>
-                <p:cNvSpPr/>
-                <p:nvPr/>
-              </p:nvSpPr>
-              <p:spPr>
-                <a:xfrm>
-                  <a:off x="6520839" y="2088395"/>
-                  <a:ext cx="288032" cy="216024"/>
-                </a:xfrm>
-                <a:prstGeom prst="triangle">
-                  <a:avLst/>
-                </a:prstGeom>
-                <a:grpFill/>
-                <a:ln>
-                  <a:noFill/>
-                </a:ln>
-                <a:effectLst/>
-              </p:spPr>
-              <p:style>
-                <a:lnRef idx="2">
-                  <a:schemeClr val="accent1">
-                    <a:shade val="50000"/>
-                  </a:schemeClr>
-                </a:lnRef>
-                <a:fillRef idx="1">
-                  <a:schemeClr val="accent1"/>
-                </a:fillRef>
-                <a:effectRef idx="0">
-                  <a:schemeClr val="accent1"/>
-                </a:effectRef>
-                <a:fontRef idx="minor">
-                  <a:schemeClr val="lt1"/>
-                </a:fontRef>
-              </p:style>
-              <p:txBody>
-                <a:bodyPr rtlCol="0" anchor="ctr"/>
-                <a:lstStyle/>
-                <a:p>
-                  <a:pPr algn="ctr"/>
-                  <a:endParaRPr lang="pt-BR"/>
-                </a:p>
-              </p:txBody>
-            </p:sp>
-            <p:sp>
-              <p:nvSpPr>
-                <p:cNvPr id="310" name="Triângulo isósceles 309"/>
-                <p:cNvSpPr/>
-                <p:nvPr/>
-              </p:nvSpPr>
-              <p:spPr>
-                <a:xfrm>
-                  <a:off x="6786042" y="2088395"/>
-                  <a:ext cx="288032" cy="216024"/>
-                </a:xfrm>
-                <a:prstGeom prst="triangle">
-                  <a:avLst/>
-                </a:prstGeom>
-                <a:grpFill/>
-                <a:ln>
-                  <a:noFill/>
-                </a:ln>
-                <a:effectLst/>
-              </p:spPr>
-              <p:style>
-                <a:lnRef idx="2">
-                  <a:schemeClr val="accent1">
-                    <a:shade val="50000"/>
-                  </a:schemeClr>
-                </a:lnRef>
-                <a:fillRef idx="1">
-                  <a:schemeClr val="accent1"/>
-                </a:fillRef>
-                <a:effectRef idx="0">
-                  <a:schemeClr val="accent1"/>
-                </a:effectRef>
-                <a:fontRef idx="minor">
-                  <a:schemeClr val="lt1"/>
-                </a:fontRef>
-              </p:style>
-              <p:txBody>
-                <a:bodyPr rtlCol="0" anchor="ctr"/>
-                <a:lstStyle/>
-                <a:p>
-                  <a:pPr algn="ctr"/>
-                  <a:endParaRPr lang="pt-BR"/>
-                </a:p>
-              </p:txBody>
-            </p:sp>
-            <p:sp>
-              <p:nvSpPr>
-                <p:cNvPr id="311" name="Triângulo isósceles 310"/>
-                <p:cNvSpPr/>
-                <p:nvPr/>
-              </p:nvSpPr>
-              <p:spPr>
-                <a:xfrm>
-                  <a:off x="7057306" y="2088395"/>
-                  <a:ext cx="288032" cy="216024"/>
-                </a:xfrm>
-                <a:prstGeom prst="triangle">
-                  <a:avLst/>
-                </a:prstGeom>
-                <a:grpFill/>
-                <a:ln>
-                  <a:noFill/>
-                </a:ln>
-                <a:effectLst/>
-              </p:spPr>
-              <p:style>
-                <a:lnRef idx="2">
-                  <a:schemeClr val="accent1">
-                    <a:shade val="50000"/>
-                  </a:schemeClr>
-                </a:lnRef>
-                <a:fillRef idx="1">
-                  <a:schemeClr val="accent1"/>
-                </a:fillRef>
-                <a:effectRef idx="0">
-                  <a:schemeClr val="accent1"/>
-                </a:effectRef>
-                <a:fontRef idx="minor">
-                  <a:schemeClr val="lt1"/>
-                </a:fontRef>
-              </p:style>
-              <p:txBody>
-                <a:bodyPr rtlCol="0" anchor="ctr"/>
-                <a:lstStyle/>
-                <a:p>
-                  <a:pPr algn="ctr"/>
-                  <a:endParaRPr lang="pt-BR"/>
-                </a:p>
-              </p:txBody>
-            </p:sp>
-            <p:sp>
-              <p:nvSpPr>
-                <p:cNvPr id="312" name="Triângulo isósceles 311"/>
-                <p:cNvSpPr/>
-                <p:nvPr/>
-              </p:nvSpPr>
-              <p:spPr>
-                <a:xfrm>
-                  <a:off x="7358127" y="2088395"/>
-                  <a:ext cx="288032" cy="216024"/>
-                </a:xfrm>
-                <a:prstGeom prst="triangle">
-                  <a:avLst/>
-                </a:prstGeom>
-                <a:grpFill/>
-                <a:ln>
-                  <a:noFill/>
-                </a:ln>
-                <a:effectLst/>
-              </p:spPr>
-              <p:style>
-                <a:lnRef idx="2">
-                  <a:schemeClr val="accent1">
-                    <a:shade val="50000"/>
-                  </a:schemeClr>
-                </a:lnRef>
-                <a:fillRef idx="1">
-                  <a:schemeClr val="accent1"/>
-                </a:fillRef>
-                <a:effectRef idx="0">
-                  <a:schemeClr val="accent1"/>
-                </a:effectRef>
-                <a:fontRef idx="minor">
-                  <a:schemeClr val="lt1"/>
-                </a:fontRef>
-              </p:style>
-              <p:txBody>
-                <a:bodyPr rtlCol="0" anchor="ctr"/>
-                <a:lstStyle/>
-                <a:p>
-                  <a:pPr algn="ctr"/>
-                  <a:endParaRPr lang="pt-BR"/>
-                </a:p>
-              </p:txBody>
-            </p:sp>
-            <p:sp>
-              <p:nvSpPr>
-                <p:cNvPr id="313" name="Triângulo isósceles 312"/>
-                <p:cNvSpPr/>
-                <p:nvPr/>
-              </p:nvSpPr>
-              <p:spPr>
-                <a:xfrm>
-                  <a:off x="7628725" y="2088395"/>
-                  <a:ext cx="288032" cy="216024"/>
-                </a:xfrm>
-                <a:prstGeom prst="triangle">
-                  <a:avLst/>
-                </a:prstGeom>
-                <a:grpFill/>
-                <a:ln>
-                  <a:noFill/>
-                </a:ln>
-                <a:effectLst/>
-              </p:spPr>
-              <p:style>
-                <a:lnRef idx="2">
-                  <a:schemeClr val="accent1">
-                    <a:shade val="50000"/>
-                  </a:schemeClr>
-                </a:lnRef>
-                <a:fillRef idx="1">
-                  <a:schemeClr val="accent1"/>
-                </a:fillRef>
-                <a:effectRef idx="0">
-                  <a:schemeClr val="accent1"/>
-                </a:effectRef>
-                <a:fontRef idx="minor">
-                  <a:schemeClr val="lt1"/>
-                </a:fontRef>
-              </p:style>
-              <p:txBody>
-                <a:bodyPr rtlCol="0" anchor="ctr"/>
-                <a:lstStyle/>
-                <a:p>
-                  <a:pPr algn="ctr"/>
-                  <a:endParaRPr lang="pt-BR"/>
-                </a:p>
-              </p:txBody>
-            </p:sp>
-            <p:sp>
-              <p:nvSpPr>
-                <p:cNvPr id="314" name="Triângulo isósceles 313"/>
-                <p:cNvSpPr/>
-                <p:nvPr/>
-              </p:nvSpPr>
-              <p:spPr>
-                <a:xfrm>
-                  <a:off x="7939022" y="2088395"/>
-                  <a:ext cx="288032" cy="216024"/>
-                </a:xfrm>
-                <a:prstGeom prst="triangle">
-                  <a:avLst/>
-                </a:prstGeom>
-                <a:grpFill/>
-                <a:ln>
-                  <a:noFill/>
-                </a:ln>
-                <a:effectLst/>
-              </p:spPr>
-              <p:style>
-                <a:lnRef idx="2">
-                  <a:schemeClr val="accent1">
-                    <a:shade val="50000"/>
-                  </a:schemeClr>
-                </a:lnRef>
-                <a:fillRef idx="1">
-                  <a:schemeClr val="accent1"/>
-                </a:fillRef>
-                <a:effectRef idx="0">
-                  <a:schemeClr val="accent1"/>
-                </a:effectRef>
-                <a:fontRef idx="minor">
-                  <a:schemeClr val="lt1"/>
-                </a:fontRef>
-              </p:style>
-              <p:txBody>
-                <a:bodyPr rtlCol="0" anchor="ctr"/>
-                <a:lstStyle/>
-                <a:p>
-                  <a:pPr algn="ctr"/>
-                  <a:endParaRPr lang="pt-BR"/>
-                </a:p>
-              </p:txBody>
-            </p:sp>
-            <p:sp>
-              <p:nvSpPr>
-                <p:cNvPr id="315" name="Triângulo isósceles 314"/>
-                <p:cNvSpPr/>
-                <p:nvPr/>
-              </p:nvSpPr>
-              <p:spPr>
-                <a:xfrm>
-                  <a:off x="8227054" y="2088395"/>
-                  <a:ext cx="288032" cy="216024"/>
-                </a:xfrm>
-                <a:prstGeom prst="triangle">
-                  <a:avLst/>
-                </a:prstGeom>
-                <a:grpFill/>
-                <a:ln>
-                  <a:noFill/>
-                </a:ln>
-                <a:effectLst/>
-              </p:spPr>
-              <p:style>
-                <a:lnRef idx="2">
-                  <a:schemeClr val="accent1">
-                    <a:shade val="50000"/>
-                  </a:schemeClr>
-                </a:lnRef>
-                <a:fillRef idx="1">
-                  <a:schemeClr val="accent1"/>
-                </a:fillRef>
-                <a:effectRef idx="0">
-                  <a:schemeClr val="accent1"/>
-                </a:effectRef>
-                <a:fontRef idx="minor">
-                  <a:schemeClr val="lt1"/>
-                </a:fontRef>
-              </p:style>
-              <p:txBody>
-                <a:bodyPr rtlCol="0" anchor="ctr"/>
-                <a:lstStyle/>
-                <a:p>
-                  <a:pPr algn="ctr"/>
-                  <a:endParaRPr lang="pt-BR"/>
-                </a:p>
-              </p:txBody>
-            </p:sp>
-            <p:sp>
-              <p:nvSpPr>
-                <p:cNvPr id="316" name="Triângulo isósceles 315"/>
-                <p:cNvSpPr/>
-                <p:nvPr/>
-              </p:nvSpPr>
-              <p:spPr>
-                <a:xfrm>
-                  <a:off x="8515086" y="2088395"/>
-                  <a:ext cx="288032" cy="216024"/>
-                </a:xfrm>
-                <a:prstGeom prst="triangle">
-                  <a:avLst/>
-                </a:prstGeom>
-                <a:grpFill/>
-                <a:ln>
-                  <a:noFill/>
-                </a:ln>
-                <a:effectLst/>
-              </p:spPr>
-              <p:style>
-                <a:lnRef idx="2">
-                  <a:schemeClr val="accent1">
-                    <a:shade val="50000"/>
-                  </a:schemeClr>
-                </a:lnRef>
-                <a:fillRef idx="1">
-                  <a:schemeClr val="accent1"/>
-                </a:fillRef>
-                <a:effectRef idx="0">
-                  <a:schemeClr val="accent1"/>
-                </a:effectRef>
-                <a:fontRef idx="minor">
-                  <a:schemeClr val="lt1"/>
-                </a:fontRef>
-              </p:style>
-              <p:txBody>
-                <a:bodyPr rtlCol="0" anchor="ctr"/>
-                <a:lstStyle/>
-                <a:p>
-                  <a:pPr algn="ctr"/>
-                  <a:endParaRPr lang="pt-BR"/>
-                </a:p>
-              </p:txBody>
-            </p:sp>
-          </p:grpSp>
-          <p:grpSp>
-            <p:nvGrpSpPr>
-              <p:cNvPr id="296" name="Grupo 295"/>
-              <p:cNvGrpSpPr/>
-              <p:nvPr/>
-            </p:nvGrpSpPr>
-            <p:grpSpPr>
-              <a:xfrm rot="10800000">
-                <a:off x="3798090" y="3357800"/>
-                <a:ext cx="2703476" cy="108012"/>
-                <a:chOff x="5952287" y="2088395"/>
-                <a:chExt cx="2850831" cy="216024"/>
-              </a:xfrm>
-              <a:grpFill/>
-            </p:grpSpPr>
-            <p:sp>
-              <p:nvSpPr>
-                <p:cNvPr id="297" name="Triângulo isósceles 296"/>
-                <p:cNvSpPr/>
-                <p:nvPr/>
-              </p:nvSpPr>
-              <p:spPr>
-                <a:xfrm>
-                  <a:off x="5952287" y="2088395"/>
-                  <a:ext cx="288032" cy="216024"/>
-                </a:xfrm>
-                <a:prstGeom prst="triangle">
-                  <a:avLst/>
-                </a:prstGeom>
-                <a:grpFill/>
-                <a:ln>
-                  <a:noFill/>
-                </a:ln>
-                <a:effectLst/>
-              </p:spPr>
-              <p:style>
-                <a:lnRef idx="2">
-                  <a:schemeClr val="accent1">
-                    <a:shade val="50000"/>
-                  </a:schemeClr>
-                </a:lnRef>
-                <a:fillRef idx="1">
-                  <a:schemeClr val="accent1"/>
-                </a:fillRef>
-                <a:effectRef idx="0">
-                  <a:schemeClr val="accent1"/>
-                </a:effectRef>
-                <a:fontRef idx="minor">
-                  <a:schemeClr val="lt1"/>
-                </a:fontRef>
-              </p:style>
-              <p:txBody>
-                <a:bodyPr rtlCol="0" anchor="ctr"/>
-                <a:lstStyle/>
-                <a:p>
-                  <a:pPr algn="ctr"/>
-                  <a:endParaRPr lang="pt-BR"/>
-                </a:p>
-              </p:txBody>
-            </p:sp>
-            <p:sp>
-              <p:nvSpPr>
-                <p:cNvPr id="298" name="Triângulo isósceles 297"/>
-                <p:cNvSpPr/>
-                <p:nvPr/>
-              </p:nvSpPr>
-              <p:spPr>
-                <a:xfrm>
-                  <a:off x="6241783" y="2088395"/>
-                  <a:ext cx="288032" cy="216024"/>
-                </a:xfrm>
-                <a:prstGeom prst="triangle">
-                  <a:avLst/>
-                </a:prstGeom>
-                <a:grpFill/>
-                <a:ln>
-                  <a:noFill/>
-                </a:ln>
-                <a:effectLst/>
-              </p:spPr>
-              <p:style>
-                <a:lnRef idx="2">
-                  <a:schemeClr val="accent1">
-                    <a:shade val="50000"/>
-                  </a:schemeClr>
-                </a:lnRef>
-                <a:fillRef idx="1">
-                  <a:schemeClr val="accent1"/>
-                </a:fillRef>
-                <a:effectRef idx="0">
-                  <a:schemeClr val="accent1"/>
-                </a:effectRef>
-                <a:fontRef idx="minor">
-                  <a:schemeClr val="lt1"/>
-                </a:fontRef>
-              </p:style>
-              <p:txBody>
-                <a:bodyPr rtlCol="0" anchor="ctr"/>
-                <a:lstStyle/>
-                <a:p>
-                  <a:pPr algn="ctr"/>
-                  <a:endParaRPr lang="pt-BR"/>
-                </a:p>
-              </p:txBody>
-            </p:sp>
-            <p:sp>
-              <p:nvSpPr>
-                <p:cNvPr id="299" name="Triângulo isósceles 298"/>
-                <p:cNvSpPr/>
-                <p:nvPr/>
-              </p:nvSpPr>
-              <p:spPr>
-                <a:xfrm>
-                  <a:off x="6520839" y="2088395"/>
-                  <a:ext cx="288032" cy="216024"/>
-                </a:xfrm>
-                <a:prstGeom prst="triangle">
-                  <a:avLst/>
-                </a:prstGeom>
-                <a:grpFill/>
-                <a:ln>
-                  <a:noFill/>
-                </a:ln>
-                <a:effectLst/>
-              </p:spPr>
-              <p:style>
-                <a:lnRef idx="2">
-                  <a:schemeClr val="accent1">
-                    <a:shade val="50000"/>
-                  </a:schemeClr>
-                </a:lnRef>
-                <a:fillRef idx="1">
-                  <a:schemeClr val="accent1"/>
-                </a:fillRef>
-                <a:effectRef idx="0">
-                  <a:schemeClr val="accent1"/>
-                </a:effectRef>
-                <a:fontRef idx="minor">
-                  <a:schemeClr val="lt1"/>
-                </a:fontRef>
-              </p:style>
-              <p:txBody>
-                <a:bodyPr rtlCol="0" anchor="ctr"/>
-                <a:lstStyle/>
-                <a:p>
-                  <a:pPr algn="ctr"/>
-                  <a:endParaRPr lang="pt-BR"/>
-                </a:p>
-              </p:txBody>
-            </p:sp>
-            <p:sp>
-              <p:nvSpPr>
-                <p:cNvPr id="300" name="Triângulo isósceles 299"/>
-                <p:cNvSpPr/>
-                <p:nvPr/>
-              </p:nvSpPr>
-              <p:spPr>
-                <a:xfrm>
-                  <a:off x="6786042" y="2088395"/>
-                  <a:ext cx="288032" cy="216024"/>
-                </a:xfrm>
-                <a:prstGeom prst="triangle">
-                  <a:avLst/>
-                </a:prstGeom>
-                <a:grpFill/>
-                <a:ln>
-                  <a:noFill/>
-                </a:ln>
-                <a:effectLst/>
-              </p:spPr>
-              <p:style>
-                <a:lnRef idx="2">
-                  <a:schemeClr val="accent1">
-                    <a:shade val="50000"/>
-                  </a:schemeClr>
-                </a:lnRef>
-                <a:fillRef idx="1">
-                  <a:schemeClr val="accent1"/>
-                </a:fillRef>
-                <a:effectRef idx="0">
-                  <a:schemeClr val="accent1"/>
-                </a:effectRef>
-                <a:fontRef idx="minor">
-                  <a:schemeClr val="lt1"/>
-                </a:fontRef>
-              </p:style>
-              <p:txBody>
-                <a:bodyPr rtlCol="0" anchor="ctr"/>
-                <a:lstStyle/>
-                <a:p>
-                  <a:pPr algn="ctr"/>
-                  <a:endParaRPr lang="pt-BR"/>
-                </a:p>
-              </p:txBody>
-            </p:sp>
-            <p:sp>
-              <p:nvSpPr>
-                <p:cNvPr id="301" name="Triângulo isósceles 300"/>
-                <p:cNvSpPr/>
-                <p:nvPr/>
-              </p:nvSpPr>
-              <p:spPr>
-                <a:xfrm>
-                  <a:off x="7057306" y="2088395"/>
-                  <a:ext cx="288032" cy="216024"/>
-                </a:xfrm>
-                <a:prstGeom prst="triangle">
-                  <a:avLst/>
-                </a:prstGeom>
-                <a:grpFill/>
-                <a:ln>
-                  <a:noFill/>
-                </a:ln>
-                <a:effectLst/>
-              </p:spPr>
-              <p:style>
-                <a:lnRef idx="2">
-                  <a:schemeClr val="accent1">
-                    <a:shade val="50000"/>
-                  </a:schemeClr>
-                </a:lnRef>
-                <a:fillRef idx="1">
-                  <a:schemeClr val="accent1"/>
-                </a:fillRef>
-                <a:effectRef idx="0">
-                  <a:schemeClr val="accent1"/>
-                </a:effectRef>
-                <a:fontRef idx="minor">
-                  <a:schemeClr val="lt1"/>
-                </a:fontRef>
-              </p:style>
-              <p:txBody>
-                <a:bodyPr rtlCol="0" anchor="ctr"/>
-                <a:lstStyle/>
-                <a:p>
-                  <a:pPr algn="ctr"/>
-                  <a:endParaRPr lang="pt-BR"/>
-                </a:p>
-              </p:txBody>
-            </p:sp>
-            <p:sp>
-              <p:nvSpPr>
-                <p:cNvPr id="302" name="Triângulo isósceles 301"/>
-                <p:cNvSpPr/>
-                <p:nvPr/>
-              </p:nvSpPr>
-              <p:spPr>
-                <a:xfrm>
-                  <a:off x="7358127" y="2088395"/>
-                  <a:ext cx="288032" cy="216024"/>
-                </a:xfrm>
-                <a:prstGeom prst="triangle">
-                  <a:avLst/>
-                </a:prstGeom>
-                <a:grpFill/>
-                <a:ln>
-                  <a:noFill/>
-                </a:ln>
-                <a:effectLst/>
-              </p:spPr>
-              <p:style>
-                <a:lnRef idx="2">
-                  <a:schemeClr val="accent1">
-                    <a:shade val="50000"/>
-                  </a:schemeClr>
-                </a:lnRef>
-                <a:fillRef idx="1">
-                  <a:schemeClr val="accent1"/>
-                </a:fillRef>
-                <a:effectRef idx="0">
-                  <a:schemeClr val="accent1"/>
-                </a:effectRef>
-                <a:fontRef idx="minor">
-                  <a:schemeClr val="lt1"/>
-                </a:fontRef>
-              </p:style>
-              <p:txBody>
-                <a:bodyPr rtlCol="0" anchor="ctr"/>
-                <a:lstStyle/>
-                <a:p>
-                  <a:pPr algn="ctr"/>
-                  <a:endParaRPr lang="pt-BR"/>
-                </a:p>
-              </p:txBody>
-            </p:sp>
-            <p:sp>
-              <p:nvSpPr>
-                <p:cNvPr id="303" name="Triângulo isósceles 302"/>
-                <p:cNvSpPr/>
-                <p:nvPr/>
-              </p:nvSpPr>
-              <p:spPr>
-                <a:xfrm>
-                  <a:off x="7628725" y="2088395"/>
-                  <a:ext cx="288032" cy="216024"/>
-                </a:xfrm>
-                <a:prstGeom prst="triangle">
-                  <a:avLst/>
-                </a:prstGeom>
-                <a:grpFill/>
-                <a:ln>
-                  <a:noFill/>
-                </a:ln>
-                <a:effectLst/>
-              </p:spPr>
-              <p:style>
-                <a:lnRef idx="2">
-                  <a:schemeClr val="accent1">
-                    <a:shade val="50000"/>
-                  </a:schemeClr>
-                </a:lnRef>
-                <a:fillRef idx="1">
-                  <a:schemeClr val="accent1"/>
-                </a:fillRef>
-                <a:effectRef idx="0">
-                  <a:schemeClr val="accent1"/>
-                </a:effectRef>
-                <a:fontRef idx="minor">
-                  <a:schemeClr val="lt1"/>
-                </a:fontRef>
-              </p:style>
-              <p:txBody>
-                <a:bodyPr rtlCol="0" anchor="ctr"/>
-                <a:lstStyle/>
-                <a:p>
-                  <a:pPr algn="ctr"/>
-                  <a:endParaRPr lang="pt-BR"/>
-                </a:p>
-              </p:txBody>
-            </p:sp>
-            <p:sp>
-              <p:nvSpPr>
-                <p:cNvPr id="304" name="Triângulo isósceles 303"/>
-                <p:cNvSpPr/>
-                <p:nvPr/>
-              </p:nvSpPr>
-              <p:spPr>
-                <a:xfrm>
-                  <a:off x="7939022" y="2088395"/>
-                  <a:ext cx="288032" cy="216024"/>
-                </a:xfrm>
-                <a:prstGeom prst="triangle">
-                  <a:avLst/>
-                </a:prstGeom>
-                <a:grpFill/>
-                <a:ln>
-                  <a:noFill/>
-                </a:ln>
-                <a:effectLst/>
-              </p:spPr>
-              <p:style>
-                <a:lnRef idx="2">
-                  <a:schemeClr val="accent1">
-                    <a:shade val="50000"/>
-                  </a:schemeClr>
-                </a:lnRef>
-                <a:fillRef idx="1">
-                  <a:schemeClr val="accent1"/>
-                </a:fillRef>
-                <a:effectRef idx="0">
-                  <a:schemeClr val="accent1"/>
-                </a:effectRef>
-                <a:fontRef idx="minor">
-                  <a:schemeClr val="lt1"/>
-                </a:fontRef>
-              </p:style>
-              <p:txBody>
-                <a:bodyPr rtlCol="0" anchor="ctr"/>
-                <a:lstStyle/>
-                <a:p>
-                  <a:pPr algn="ctr"/>
-                  <a:endParaRPr lang="pt-BR"/>
-                </a:p>
-              </p:txBody>
-            </p:sp>
-            <p:sp>
-              <p:nvSpPr>
-                <p:cNvPr id="305" name="Triângulo isósceles 304"/>
-                <p:cNvSpPr/>
-                <p:nvPr/>
-              </p:nvSpPr>
-              <p:spPr>
-                <a:xfrm>
-                  <a:off x="8227054" y="2088395"/>
-                  <a:ext cx="288032" cy="216024"/>
-                </a:xfrm>
-                <a:prstGeom prst="triangle">
-                  <a:avLst/>
-                </a:prstGeom>
-                <a:grpFill/>
-                <a:ln>
-                  <a:noFill/>
-                </a:ln>
-                <a:effectLst/>
-              </p:spPr>
-              <p:style>
-                <a:lnRef idx="2">
-                  <a:schemeClr val="accent1">
-                    <a:shade val="50000"/>
-                  </a:schemeClr>
-                </a:lnRef>
-                <a:fillRef idx="1">
-                  <a:schemeClr val="accent1"/>
-                </a:fillRef>
-                <a:effectRef idx="0">
-                  <a:schemeClr val="accent1"/>
-                </a:effectRef>
-                <a:fontRef idx="minor">
-                  <a:schemeClr val="lt1"/>
-                </a:fontRef>
-              </p:style>
-              <p:txBody>
-                <a:bodyPr rtlCol="0" anchor="ctr"/>
-                <a:lstStyle/>
-                <a:p>
-                  <a:pPr algn="ctr"/>
-                  <a:endParaRPr lang="pt-BR"/>
-                </a:p>
-              </p:txBody>
-            </p:sp>
-            <p:sp>
-              <p:nvSpPr>
-                <p:cNvPr id="306" name="Triângulo isósceles 305"/>
-                <p:cNvSpPr/>
-                <p:nvPr/>
-              </p:nvSpPr>
-              <p:spPr>
-                <a:xfrm>
-                  <a:off x="8515086" y="2088395"/>
-                  <a:ext cx="288032" cy="216024"/>
-                </a:xfrm>
-                <a:prstGeom prst="triangle">
-                  <a:avLst/>
-                </a:prstGeom>
-                <a:grpFill/>
-                <a:ln>
-                  <a:noFill/>
-                </a:ln>
-                <a:effectLst/>
-              </p:spPr>
-              <p:style>
-                <a:lnRef idx="2">
-                  <a:schemeClr val="accent1">
-                    <a:shade val="50000"/>
-                  </a:schemeClr>
-                </a:lnRef>
-                <a:fillRef idx="1">
-                  <a:schemeClr val="accent1"/>
-                </a:fillRef>
-                <a:effectRef idx="0">
-                  <a:schemeClr val="accent1"/>
-                </a:effectRef>
-                <a:fontRef idx="minor">
-                  <a:schemeClr val="lt1"/>
-                </a:fontRef>
-              </p:style>
-              <p:txBody>
-                <a:bodyPr rtlCol="0" anchor="ctr"/>
-                <a:lstStyle/>
-                <a:p>
-                  <a:pPr algn="ctr"/>
-                  <a:endParaRPr lang="pt-BR"/>
-                </a:p>
-              </p:txBody>
-            </p:sp>
-          </p:grpSp>
-        </p:grpSp>
-        <p:grpSp>
-          <p:nvGrpSpPr>
-            <p:cNvPr id="256" name="Agrupar 15">
-              <a:extLst>
-                <a:ext uri="{FF2B5EF4-FFF2-40B4-BE49-F238E27FC236}">
-                  <a16:creationId xmlns="" xmlns:a16="http://schemas.microsoft.com/office/drawing/2014/main" id="{CDA0B437-9E5C-43AF-AD41-CFFD83C35D59}"/>
-                </a:ext>
-              </a:extLst>
-            </p:cNvPr>
-            <p:cNvGrpSpPr/>
-            <p:nvPr/>
-          </p:nvGrpSpPr>
-          <p:grpSpPr>
-            <a:xfrm>
-              <a:off x="-97830" y="2366963"/>
-              <a:ext cx="2714217" cy="2854593"/>
-              <a:chOff x="3787349" y="611219"/>
-              <a:chExt cx="2714217" cy="2854593"/>
-            </a:xfrm>
-            <a:solidFill>
-              <a:srgbClr val="893BC3"/>
-            </a:solidFill>
-          </p:grpSpPr>
-          <p:sp>
-            <p:nvSpPr>
-              <p:cNvPr id="271" name="Retângulo 270"/>
-              <p:cNvSpPr/>
-              <p:nvPr/>
-            </p:nvSpPr>
-            <p:spPr>
-              <a:xfrm>
-                <a:off x="3792719" y="708149"/>
-                <a:ext cx="2703477" cy="2664296"/>
-              </a:xfrm>
-              <a:prstGeom prst="rect">
-                <a:avLst/>
-              </a:prstGeom>
-              <a:grpFill/>
-              <a:ln>
-                <a:noFill/>
-              </a:ln>
-              <a:effectLst/>
-            </p:spPr>
-            <p:style>
-              <a:lnRef idx="2">
-                <a:schemeClr val="accent1">
-                  <a:shade val="50000"/>
-                </a:schemeClr>
-              </a:lnRef>
-              <a:fillRef idx="1">
-                <a:schemeClr val="accent1"/>
-              </a:fillRef>
-              <a:effectRef idx="0">
-                <a:schemeClr val="accent1"/>
-              </a:effectRef>
-              <a:fontRef idx="minor">
-                <a:schemeClr val="lt1"/>
-              </a:fontRef>
-            </p:style>
-            <p:txBody>
-              <a:bodyPr rtlCol="0" anchor="ctr"/>
-              <a:lstStyle/>
-              <a:p>
-                <a:pPr algn="ctr"/>
-                <a:endParaRPr lang="pt-BR">
-                  <a:solidFill>
-                    <a:srgbClr val="9900FF"/>
-                  </a:solidFill>
-                </a:endParaRPr>
-              </a:p>
-            </p:txBody>
-          </p:sp>
-          <p:grpSp>
-            <p:nvGrpSpPr>
-              <p:cNvPr id="272" name="Grupo 271"/>
-              <p:cNvGrpSpPr/>
-              <p:nvPr/>
-            </p:nvGrpSpPr>
-            <p:grpSpPr>
-              <a:xfrm>
-                <a:off x="3787349" y="611219"/>
-                <a:ext cx="2703476" cy="108012"/>
-                <a:chOff x="5952287" y="2088395"/>
-                <a:chExt cx="2850831" cy="216024"/>
-              </a:xfrm>
-              <a:grpFill/>
-            </p:grpSpPr>
-            <p:sp>
-              <p:nvSpPr>
-                <p:cNvPr id="284" name="Triângulo isósceles 283"/>
-                <p:cNvSpPr/>
-                <p:nvPr/>
-              </p:nvSpPr>
-              <p:spPr>
-                <a:xfrm>
-                  <a:off x="5952287" y="2088395"/>
-                  <a:ext cx="288032" cy="216024"/>
-                </a:xfrm>
-                <a:prstGeom prst="triangle">
-                  <a:avLst/>
-                </a:prstGeom>
-                <a:grpFill/>
-                <a:ln>
-                  <a:noFill/>
-                </a:ln>
-                <a:effectLst/>
-              </p:spPr>
-              <p:style>
-                <a:lnRef idx="2">
-                  <a:schemeClr val="accent1">
-                    <a:shade val="50000"/>
-                  </a:schemeClr>
-                </a:lnRef>
-                <a:fillRef idx="1">
-                  <a:schemeClr val="accent1"/>
-                </a:fillRef>
-                <a:effectRef idx="0">
-                  <a:schemeClr val="accent1"/>
-                </a:effectRef>
-                <a:fontRef idx="minor">
-                  <a:schemeClr val="lt1"/>
-                </a:fontRef>
-              </p:style>
-              <p:txBody>
-                <a:bodyPr rtlCol="0" anchor="ctr"/>
-                <a:lstStyle/>
-                <a:p>
-                  <a:pPr algn="ctr"/>
-                  <a:endParaRPr lang="pt-BR"/>
-                </a:p>
-              </p:txBody>
-            </p:sp>
-            <p:sp>
-              <p:nvSpPr>
-                <p:cNvPr id="285" name="Triângulo isósceles 284"/>
-                <p:cNvSpPr/>
-                <p:nvPr/>
-              </p:nvSpPr>
-              <p:spPr>
-                <a:xfrm>
-                  <a:off x="6241783" y="2088395"/>
-                  <a:ext cx="288032" cy="216024"/>
-                </a:xfrm>
-                <a:prstGeom prst="triangle">
-                  <a:avLst/>
-                </a:prstGeom>
-                <a:grpFill/>
-                <a:ln>
-                  <a:noFill/>
-                </a:ln>
-                <a:effectLst/>
-              </p:spPr>
-              <p:style>
-                <a:lnRef idx="2">
-                  <a:schemeClr val="accent1">
-                    <a:shade val="50000"/>
-                  </a:schemeClr>
-                </a:lnRef>
-                <a:fillRef idx="1">
-                  <a:schemeClr val="accent1"/>
-                </a:fillRef>
-                <a:effectRef idx="0">
-                  <a:schemeClr val="accent1"/>
-                </a:effectRef>
-                <a:fontRef idx="minor">
-                  <a:schemeClr val="lt1"/>
-                </a:fontRef>
-              </p:style>
-              <p:txBody>
-                <a:bodyPr rtlCol="0" anchor="ctr"/>
-                <a:lstStyle/>
-                <a:p>
-                  <a:pPr algn="ctr"/>
-                  <a:endParaRPr lang="pt-BR"/>
-                </a:p>
-              </p:txBody>
-            </p:sp>
-            <p:sp>
-              <p:nvSpPr>
-                <p:cNvPr id="286" name="Triângulo isósceles 285"/>
-                <p:cNvSpPr/>
-                <p:nvPr/>
-              </p:nvSpPr>
-              <p:spPr>
-                <a:xfrm>
-                  <a:off x="6520839" y="2088395"/>
-                  <a:ext cx="288032" cy="216024"/>
-                </a:xfrm>
-                <a:prstGeom prst="triangle">
-                  <a:avLst/>
-                </a:prstGeom>
-                <a:grpFill/>
-                <a:ln>
-                  <a:noFill/>
-                </a:ln>
-                <a:effectLst/>
-              </p:spPr>
-              <p:style>
-                <a:lnRef idx="2">
-                  <a:schemeClr val="accent1">
-                    <a:shade val="50000"/>
-                  </a:schemeClr>
-                </a:lnRef>
-                <a:fillRef idx="1">
-                  <a:schemeClr val="accent1"/>
-                </a:fillRef>
-                <a:effectRef idx="0">
-                  <a:schemeClr val="accent1"/>
-                </a:effectRef>
-                <a:fontRef idx="minor">
-                  <a:schemeClr val="lt1"/>
-                </a:fontRef>
-              </p:style>
-              <p:txBody>
-                <a:bodyPr rtlCol="0" anchor="ctr"/>
-                <a:lstStyle/>
-                <a:p>
-                  <a:pPr algn="ctr"/>
-                  <a:endParaRPr lang="pt-BR"/>
-                </a:p>
-              </p:txBody>
-            </p:sp>
-            <p:sp>
-              <p:nvSpPr>
-                <p:cNvPr id="287" name="Triângulo isósceles 286"/>
-                <p:cNvSpPr/>
-                <p:nvPr/>
-              </p:nvSpPr>
-              <p:spPr>
-                <a:xfrm>
-                  <a:off x="6786042" y="2088395"/>
-                  <a:ext cx="288032" cy="216024"/>
-                </a:xfrm>
-                <a:prstGeom prst="triangle">
-                  <a:avLst/>
-                </a:prstGeom>
-                <a:grpFill/>
-                <a:ln>
-                  <a:noFill/>
-                </a:ln>
-                <a:effectLst/>
-              </p:spPr>
-              <p:style>
-                <a:lnRef idx="2">
-                  <a:schemeClr val="accent1">
-                    <a:shade val="50000"/>
-                  </a:schemeClr>
-                </a:lnRef>
-                <a:fillRef idx="1">
-                  <a:schemeClr val="accent1"/>
-                </a:fillRef>
-                <a:effectRef idx="0">
-                  <a:schemeClr val="accent1"/>
-                </a:effectRef>
-                <a:fontRef idx="minor">
-                  <a:schemeClr val="lt1"/>
-                </a:fontRef>
-              </p:style>
-              <p:txBody>
-                <a:bodyPr rtlCol="0" anchor="ctr"/>
-                <a:lstStyle/>
-                <a:p>
-                  <a:pPr algn="ctr"/>
-                  <a:endParaRPr lang="pt-BR"/>
-                </a:p>
-              </p:txBody>
-            </p:sp>
-            <p:sp>
-              <p:nvSpPr>
-                <p:cNvPr id="288" name="Triângulo isósceles 287"/>
-                <p:cNvSpPr/>
-                <p:nvPr/>
-              </p:nvSpPr>
-              <p:spPr>
-                <a:xfrm>
-                  <a:off x="7057306" y="2088395"/>
-                  <a:ext cx="288032" cy="216024"/>
-                </a:xfrm>
-                <a:prstGeom prst="triangle">
-                  <a:avLst/>
-                </a:prstGeom>
-                <a:grpFill/>
-                <a:ln>
-                  <a:noFill/>
-                </a:ln>
-                <a:effectLst/>
-              </p:spPr>
-              <p:style>
-                <a:lnRef idx="2">
-                  <a:schemeClr val="accent1">
-                    <a:shade val="50000"/>
-                  </a:schemeClr>
-                </a:lnRef>
-                <a:fillRef idx="1">
-                  <a:schemeClr val="accent1"/>
-                </a:fillRef>
-                <a:effectRef idx="0">
-                  <a:schemeClr val="accent1"/>
-                </a:effectRef>
-                <a:fontRef idx="minor">
-                  <a:schemeClr val="lt1"/>
-                </a:fontRef>
-              </p:style>
-              <p:txBody>
-                <a:bodyPr rtlCol="0" anchor="ctr"/>
-                <a:lstStyle/>
-                <a:p>
-                  <a:pPr algn="ctr"/>
-                  <a:endParaRPr lang="pt-BR"/>
-                </a:p>
-              </p:txBody>
-            </p:sp>
-            <p:sp>
-              <p:nvSpPr>
-                <p:cNvPr id="289" name="Triângulo isósceles 288"/>
-                <p:cNvSpPr/>
-                <p:nvPr/>
-              </p:nvSpPr>
-              <p:spPr>
-                <a:xfrm>
-                  <a:off x="7358127" y="2088395"/>
-                  <a:ext cx="288032" cy="216024"/>
-                </a:xfrm>
-                <a:prstGeom prst="triangle">
-                  <a:avLst/>
-                </a:prstGeom>
-                <a:grpFill/>
-                <a:ln>
-                  <a:noFill/>
-                </a:ln>
-                <a:effectLst/>
-              </p:spPr>
-              <p:style>
-                <a:lnRef idx="2">
-                  <a:schemeClr val="accent1">
-                    <a:shade val="50000"/>
-                  </a:schemeClr>
-                </a:lnRef>
-                <a:fillRef idx="1">
-                  <a:schemeClr val="accent1"/>
-                </a:fillRef>
-                <a:effectRef idx="0">
-                  <a:schemeClr val="accent1"/>
-                </a:effectRef>
-                <a:fontRef idx="minor">
-                  <a:schemeClr val="lt1"/>
-                </a:fontRef>
-              </p:style>
-              <p:txBody>
-                <a:bodyPr rtlCol="0" anchor="ctr"/>
-                <a:lstStyle/>
-                <a:p>
-                  <a:pPr algn="ctr"/>
-                  <a:endParaRPr lang="pt-BR"/>
-                </a:p>
-              </p:txBody>
-            </p:sp>
-            <p:sp>
-              <p:nvSpPr>
-                <p:cNvPr id="290" name="Triângulo isósceles 289"/>
-                <p:cNvSpPr/>
-                <p:nvPr/>
-              </p:nvSpPr>
-              <p:spPr>
-                <a:xfrm>
-                  <a:off x="7628725" y="2088395"/>
-                  <a:ext cx="288032" cy="216024"/>
-                </a:xfrm>
-                <a:prstGeom prst="triangle">
-                  <a:avLst/>
-                </a:prstGeom>
-                <a:grpFill/>
-                <a:ln>
-                  <a:noFill/>
-                </a:ln>
-                <a:effectLst/>
-              </p:spPr>
-              <p:style>
-                <a:lnRef idx="2">
-                  <a:schemeClr val="accent1">
-                    <a:shade val="50000"/>
-                  </a:schemeClr>
-                </a:lnRef>
-                <a:fillRef idx="1">
-                  <a:schemeClr val="accent1"/>
-                </a:fillRef>
-                <a:effectRef idx="0">
-                  <a:schemeClr val="accent1"/>
-                </a:effectRef>
-                <a:fontRef idx="minor">
-                  <a:schemeClr val="lt1"/>
-                </a:fontRef>
-              </p:style>
-              <p:txBody>
-                <a:bodyPr rtlCol="0" anchor="ctr"/>
-                <a:lstStyle/>
-                <a:p>
-                  <a:pPr algn="ctr"/>
-                  <a:endParaRPr lang="pt-BR"/>
-                </a:p>
-              </p:txBody>
-            </p:sp>
-            <p:sp>
-              <p:nvSpPr>
-                <p:cNvPr id="291" name="Triângulo isósceles 290"/>
-                <p:cNvSpPr/>
-                <p:nvPr/>
-              </p:nvSpPr>
-              <p:spPr>
-                <a:xfrm>
-                  <a:off x="7939022" y="2088395"/>
-                  <a:ext cx="288032" cy="216024"/>
-                </a:xfrm>
-                <a:prstGeom prst="triangle">
-                  <a:avLst/>
-                </a:prstGeom>
-                <a:grpFill/>
-                <a:ln>
-                  <a:noFill/>
-                </a:ln>
-                <a:effectLst/>
-              </p:spPr>
-              <p:style>
-                <a:lnRef idx="2">
-                  <a:schemeClr val="accent1">
-                    <a:shade val="50000"/>
-                  </a:schemeClr>
-                </a:lnRef>
-                <a:fillRef idx="1">
-                  <a:schemeClr val="accent1"/>
-                </a:fillRef>
-                <a:effectRef idx="0">
-                  <a:schemeClr val="accent1"/>
-                </a:effectRef>
-                <a:fontRef idx="minor">
-                  <a:schemeClr val="lt1"/>
-                </a:fontRef>
-              </p:style>
-              <p:txBody>
-                <a:bodyPr rtlCol="0" anchor="ctr"/>
-                <a:lstStyle/>
-                <a:p>
-                  <a:pPr algn="ctr"/>
-                  <a:endParaRPr lang="pt-BR"/>
-                </a:p>
-              </p:txBody>
-            </p:sp>
-            <p:sp>
-              <p:nvSpPr>
-                <p:cNvPr id="292" name="Triângulo isósceles 291"/>
-                <p:cNvSpPr/>
-                <p:nvPr/>
-              </p:nvSpPr>
-              <p:spPr>
-                <a:xfrm>
-                  <a:off x="8227054" y="2088395"/>
-                  <a:ext cx="288032" cy="216024"/>
-                </a:xfrm>
-                <a:prstGeom prst="triangle">
-                  <a:avLst/>
-                </a:prstGeom>
-                <a:grpFill/>
-                <a:ln>
-                  <a:noFill/>
-                </a:ln>
-                <a:effectLst/>
-              </p:spPr>
-              <p:style>
-                <a:lnRef idx="2">
-                  <a:schemeClr val="accent1">
-                    <a:shade val="50000"/>
-                  </a:schemeClr>
-                </a:lnRef>
-                <a:fillRef idx="1">
-                  <a:schemeClr val="accent1"/>
-                </a:fillRef>
-                <a:effectRef idx="0">
-                  <a:schemeClr val="accent1"/>
-                </a:effectRef>
-                <a:fontRef idx="minor">
-                  <a:schemeClr val="lt1"/>
-                </a:fontRef>
-              </p:style>
-              <p:txBody>
-                <a:bodyPr rtlCol="0" anchor="ctr"/>
-                <a:lstStyle/>
-                <a:p>
-                  <a:pPr algn="ctr"/>
-                  <a:endParaRPr lang="pt-BR"/>
-                </a:p>
-              </p:txBody>
-            </p:sp>
-            <p:sp>
-              <p:nvSpPr>
-                <p:cNvPr id="293" name="Triângulo isósceles 292"/>
-                <p:cNvSpPr/>
-                <p:nvPr/>
-              </p:nvSpPr>
-              <p:spPr>
-                <a:xfrm>
-                  <a:off x="8515086" y="2088395"/>
-                  <a:ext cx="288032" cy="216024"/>
-                </a:xfrm>
-                <a:prstGeom prst="triangle">
-                  <a:avLst/>
-                </a:prstGeom>
-                <a:grpFill/>
-                <a:ln>
-                  <a:noFill/>
-                </a:ln>
-                <a:effectLst/>
-              </p:spPr>
-              <p:style>
-                <a:lnRef idx="2">
-                  <a:schemeClr val="accent1">
-                    <a:shade val="50000"/>
-                  </a:schemeClr>
-                </a:lnRef>
-                <a:fillRef idx="1">
-                  <a:schemeClr val="accent1"/>
-                </a:fillRef>
-                <a:effectRef idx="0">
-                  <a:schemeClr val="accent1"/>
-                </a:effectRef>
-                <a:fontRef idx="minor">
-                  <a:schemeClr val="lt1"/>
-                </a:fontRef>
-              </p:style>
-              <p:txBody>
-                <a:bodyPr rtlCol="0" anchor="ctr"/>
-                <a:lstStyle/>
-                <a:p>
-                  <a:pPr algn="ctr"/>
-                  <a:endParaRPr lang="pt-BR"/>
-                </a:p>
-              </p:txBody>
-            </p:sp>
-          </p:grpSp>
-          <p:grpSp>
-            <p:nvGrpSpPr>
-              <p:cNvPr id="273" name="Grupo 272"/>
-              <p:cNvGrpSpPr/>
-              <p:nvPr/>
-            </p:nvGrpSpPr>
-            <p:grpSpPr>
-              <a:xfrm rot="10800000">
-                <a:off x="3798090" y="3357800"/>
-                <a:ext cx="2703476" cy="108012"/>
-                <a:chOff x="5952287" y="2088395"/>
-                <a:chExt cx="2850831" cy="216024"/>
-              </a:xfrm>
-              <a:grpFill/>
-            </p:grpSpPr>
-            <p:sp>
-              <p:nvSpPr>
-                <p:cNvPr id="274" name="Triângulo isósceles 273"/>
-                <p:cNvSpPr/>
-                <p:nvPr/>
-              </p:nvSpPr>
-              <p:spPr>
-                <a:xfrm>
-                  <a:off x="5952287" y="2088395"/>
-                  <a:ext cx="288032" cy="216024"/>
-                </a:xfrm>
-                <a:prstGeom prst="triangle">
-                  <a:avLst/>
-                </a:prstGeom>
-                <a:grpFill/>
-                <a:ln>
-                  <a:noFill/>
-                </a:ln>
-                <a:effectLst/>
-              </p:spPr>
-              <p:style>
-                <a:lnRef idx="2">
-                  <a:schemeClr val="accent1">
-                    <a:shade val="50000"/>
-                  </a:schemeClr>
-                </a:lnRef>
-                <a:fillRef idx="1">
-                  <a:schemeClr val="accent1"/>
-                </a:fillRef>
-                <a:effectRef idx="0">
-                  <a:schemeClr val="accent1"/>
-                </a:effectRef>
-                <a:fontRef idx="minor">
-                  <a:schemeClr val="lt1"/>
-                </a:fontRef>
-              </p:style>
-              <p:txBody>
-                <a:bodyPr rtlCol="0" anchor="ctr"/>
-                <a:lstStyle/>
-                <a:p>
-                  <a:pPr algn="ctr"/>
-                  <a:endParaRPr lang="pt-BR"/>
-                </a:p>
-              </p:txBody>
-            </p:sp>
-            <p:sp>
-              <p:nvSpPr>
-                <p:cNvPr id="275" name="Triângulo isósceles 274"/>
-                <p:cNvSpPr/>
-                <p:nvPr/>
-              </p:nvSpPr>
-              <p:spPr>
-                <a:xfrm>
-                  <a:off x="6241783" y="2088395"/>
-                  <a:ext cx="288032" cy="216024"/>
-                </a:xfrm>
-                <a:prstGeom prst="triangle">
-                  <a:avLst/>
-                </a:prstGeom>
-                <a:grpFill/>
-                <a:ln>
-                  <a:noFill/>
-                </a:ln>
-                <a:effectLst/>
-              </p:spPr>
-              <p:style>
-                <a:lnRef idx="2">
-                  <a:schemeClr val="accent1">
-                    <a:shade val="50000"/>
-                  </a:schemeClr>
-                </a:lnRef>
-                <a:fillRef idx="1">
-                  <a:schemeClr val="accent1"/>
-                </a:fillRef>
-                <a:effectRef idx="0">
-                  <a:schemeClr val="accent1"/>
-                </a:effectRef>
-                <a:fontRef idx="minor">
-                  <a:schemeClr val="lt1"/>
-                </a:fontRef>
-              </p:style>
-              <p:txBody>
-                <a:bodyPr rtlCol="0" anchor="ctr"/>
-                <a:lstStyle/>
-                <a:p>
-                  <a:pPr algn="ctr"/>
-                  <a:endParaRPr lang="pt-BR"/>
-                </a:p>
-              </p:txBody>
-            </p:sp>
-            <p:sp>
-              <p:nvSpPr>
-                <p:cNvPr id="276" name="Triângulo isósceles 275"/>
-                <p:cNvSpPr/>
-                <p:nvPr/>
-              </p:nvSpPr>
-              <p:spPr>
-                <a:xfrm>
-                  <a:off x="6520839" y="2088395"/>
-                  <a:ext cx="288032" cy="216024"/>
-                </a:xfrm>
-                <a:prstGeom prst="triangle">
-                  <a:avLst/>
-                </a:prstGeom>
-                <a:grpFill/>
-                <a:ln>
-                  <a:noFill/>
-                </a:ln>
-                <a:effectLst/>
-              </p:spPr>
-              <p:style>
-                <a:lnRef idx="2">
-                  <a:schemeClr val="accent1">
-                    <a:shade val="50000"/>
-                  </a:schemeClr>
-                </a:lnRef>
-                <a:fillRef idx="1">
-                  <a:schemeClr val="accent1"/>
-                </a:fillRef>
-                <a:effectRef idx="0">
-                  <a:schemeClr val="accent1"/>
-                </a:effectRef>
-                <a:fontRef idx="minor">
-                  <a:schemeClr val="lt1"/>
-                </a:fontRef>
-              </p:style>
-              <p:txBody>
-                <a:bodyPr rtlCol="0" anchor="ctr"/>
-                <a:lstStyle/>
-                <a:p>
-                  <a:pPr algn="ctr"/>
-                  <a:endParaRPr lang="pt-BR"/>
-                </a:p>
-              </p:txBody>
-            </p:sp>
-            <p:sp>
-              <p:nvSpPr>
-                <p:cNvPr id="277" name="Triângulo isósceles 276"/>
-                <p:cNvSpPr/>
-                <p:nvPr/>
-              </p:nvSpPr>
-              <p:spPr>
-                <a:xfrm>
-                  <a:off x="6786042" y="2088395"/>
-                  <a:ext cx="288032" cy="216024"/>
-                </a:xfrm>
-                <a:prstGeom prst="triangle">
-                  <a:avLst/>
-                </a:prstGeom>
-                <a:grpFill/>
-                <a:ln>
-                  <a:noFill/>
-                </a:ln>
-                <a:effectLst/>
-              </p:spPr>
-              <p:style>
-                <a:lnRef idx="2">
-                  <a:schemeClr val="accent1">
-                    <a:shade val="50000"/>
-                  </a:schemeClr>
-                </a:lnRef>
-                <a:fillRef idx="1">
-                  <a:schemeClr val="accent1"/>
-                </a:fillRef>
-                <a:effectRef idx="0">
-                  <a:schemeClr val="accent1"/>
-                </a:effectRef>
-                <a:fontRef idx="minor">
-                  <a:schemeClr val="lt1"/>
-                </a:fontRef>
-              </p:style>
-              <p:txBody>
-                <a:bodyPr rtlCol="0" anchor="ctr"/>
-                <a:lstStyle/>
-                <a:p>
-                  <a:pPr algn="ctr"/>
-                  <a:endParaRPr lang="pt-BR"/>
-                </a:p>
-              </p:txBody>
-            </p:sp>
-            <p:sp>
-              <p:nvSpPr>
-                <p:cNvPr id="278" name="Triângulo isósceles 277"/>
-                <p:cNvSpPr/>
-                <p:nvPr/>
-              </p:nvSpPr>
-              <p:spPr>
-                <a:xfrm>
-                  <a:off x="7057306" y="2088395"/>
-                  <a:ext cx="288032" cy="216024"/>
-                </a:xfrm>
-                <a:prstGeom prst="triangle">
-                  <a:avLst/>
-                </a:prstGeom>
-                <a:grpFill/>
-                <a:ln>
-                  <a:noFill/>
-                </a:ln>
-                <a:effectLst/>
-              </p:spPr>
-              <p:style>
-                <a:lnRef idx="2">
-                  <a:schemeClr val="accent1">
-                    <a:shade val="50000"/>
-                  </a:schemeClr>
-                </a:lnRef>
-                <a:fillRef idx="1">
-                  <a:schemeClr val="accent1"/>
-                </a:fillRef>
-                <a:effectRef idx="0">
-                  <a:schemeClr val="accent1"/>
-                </a:effectRef>
-                <a:fontRef idx="minor">
-                  <a:schemeClr val="lt1"/>
-                </a:fontRef>
-              </p:style>
-              <p:txBody>
-                <a:bodyPr rtlCol="0" anchor="ctr"/>
-                <a:lstStyle/>
-                <a:p>
-                  <a:pPr algn="ctr"/>
-                  <a:endParaRPr lang="pt-BR"/>
-                </a:p>
-              </p:txBody>
-            </p:sp>
-            <p:sp>
-              <p:nvSpPr>
-                <p:cNvPr id="279" name="Triângulo isósceles 278"/>
-                <p:cNvSpPr/>
-                <p:nvPr/>
-              </p:nvSpPr>
-              <p:spPr>
-                <a:xfrm>
-                  <a:off x="7358127" y="2088395"/>
-                  <a:ext cx="288032" cy="216024"/>
-                </a:xfrm>
-                <a:prstGeom prst="triangle">
-                  <a:avLst/>
-                </a:prstGeom>
-                <a:grpFill/>
-                <a:ln>
-                  <a:noFill/>
-                </a:ln>
-                <a:effectLst/>
-              </p:spPr>
-              <p:style>
-                <a:lnRef idx="2">
-                  <a:schemeClr val="accent1">
-                    <a:shade val="50000"/>
-                  </a:schemeClr>
-                </a:lnRef>
-                <a:fillRef idx="1">
-                  <a:schemeClr val="accent1"/>
-                </a:fillRef>
-                <a:effectRef idx="0">
-                  <a:schemeClr val="accent1"/>
-                </a:effectRef>
-                <a:fontRef idx="minor">
-                  <a:schemeClr val="lt1"/>
-                </a:fontRef>
-              </p:style>
-              <p:txBody>
-                <a:bodyPr rtlCol="0" anchor="ctr"/>
-                <a:lstStyle/>
-                <a:p>
-                  <a:pPr algn="ctr"/>
-                  <a:endParaRPr lang="pt-BR"/>
-                </a:p>
-              </p:txBody>
-            </p:sp>
-            <p:sp>
-              <p:nvSpPr>
-                <p:cNvPr id="280" name="Triângulo isósceles 279"/>
-                <p:cNvSpPr/>
-                <p:nvPr/>
-              </p:nvSpPr>
-              <p:spPr>
-                <a:xfrm>
-                  <a:off x="7628725" y="2088395"/>
-                  <a:ext cx="288032" cy="216024"/>
-                </a:xfrm>
-                <a:prstGeom prst="triangle">
-                  <a:avLst/>
-                </a:prstGeom>
-                <a:grpFill/>
-                <a:ln>
-                  <a:noFill/>
-                </a:ln>
-                <a:effectLst/>
-              </p:spPr>
-              <p:style>
-                <a:lnRef idx="2">
-                  <a:schemeClr val="accent1">
-                    <a:shade val="50000"/>
-                  </a:schemeClr>
-                </a:lnRef>
-                <a:fillRef idx="1">
-                  <a:schemeClr val="accent1"/>
-                </a:fillRef>
-                <a:effectRef idx="0">
-                  <a:schemeClr val="accent1"/>
-                </a:effectRef>
-                <a:fontRef idx="minor">
-                  <a:schemeClr val="lt1"/>
-                </a:fontRef>
-              </p:style>
-              <p:txBody>
-                <a:bodyPr rtlCol="0" anchor="ctr"/>
-                <a:lstStyle/>
-                <a:p>
-                  <a:pPr algn="ctr"/>
-                  <a:endParaRPr lang="pt-BR"/>
-                </a:p>
-              </p:txBody>
-            </p:sp>
-            <p:sp>
-              <p:nvSpPr>
-                <p:cNvPr id="281" name="Triângulo isósceles 280"/>
-                <p:cNvSpPr/>
-                <p:nvPr/>
-              </p:nvSpPr>
-              <p:spPr>
-                <a:xfrm>
-                  <a:off x="7939022" y="2088395"/>
-                  <a:ext cx="288032" cy="216024"/>
-                </a:xfrm>
-                <a:prstGeom prst="triangle">
-                  <a:avLst/>
-                </a:prstGeom>
-                <a:grpFill/>
-                <a:ln>
-                  <a:noFill/>
-                </a:ln>
-                <a:effectLst/>
-              </p:spPr>
-              <p:style>
-                <a:lnRef idx="2">
-                  <a:schemeClr val="accent1">
-                    <a:shade val="50000"/>
-                  </a:schemeClr>
-                </a:lnRef>
-                <a:fillRef idx="1">
-                  <a:schemeClr val="accent1"/>
-                </a:fillRef>
-                <a:effectRef idx="0">
-                  <a:schemeClr val="accent1"/>
-                </a:effectRef>
-                <a:fontRef idx="minor">
-                  <a:schemeClr val="lt1"/>
-                </a:fontRef>
-              </p:style>
-              <p:txBody>
-                <a:bodyPr rtlCol="0" anchor="ctr"/>
-                <a:lstStyle/>
-                <a:p>
-                  <a:pPr algn="ctr"/>
-                  <a:endParaRPr lang="pt-BR"/>
-                </a:p>
-              </p:txBody>
-            </p:sp>
-            <p:sp>
-              <p:nvSpPr>
-                <p:cNvPr id="282" name="Triângulo isósceles 281"/>
-                <p:cNvSpPr/>
-                <p:nvPr/>
-              </p:nvSpPr>
-              <p:spPr>
-                <a:xfrm>
-                  <a:off x="8227054" y="2088395"/>
-                  <a:ext cx="288032" cy="216024"/>
-                </a:xfrm>
-                <a:prstGeom prst="triangle">
-                  <a:avLst/>
-                </a:prstGeom>
-                <a:grpFill/>
-                <a:ln>
-                  <a:noFill/>
-                </a:ln>
-                <a:effectLst/>
-              </p:spPr>
-              <p:style>
-                <a:lnRef idx="2">
-                  <a:schemeClr val="accent1">
-                    <a:shade val="50000"/>
-                  </a:schemeClr>
-                </a:lnRef>
-                <a:fillRef idx="1">
-                  <a:schemeClr val="accent1"/>
-                </a:fillRef>
-                <a:effectRef idx="0">
-                  <a:schemeClr val="accent1"/>
-                </a:effectRef>
-                <a:fontRef idx="minor">
-                  <a:schemeClr val="lt1"/>
-                </a:fontRef>
-              </p:style>
-              <p:txBody>
-                <a:bodyPr rtlCol="0" anchor="ctr"/>
-                <a:lstStyle/>
-                <a:p>
-                  <a:pPr algn="ctr"/>
-                  <a:endParaRPr lang="pt-BR"/>
-                </a:p>
-              </p:txBody>
-            </p:sp>
-            <p:sp>
-              <p:nvSpPr>
-                <p:cNvPr id="283" name="Triângulo isósceles 282"/>
-                <p:cNvSpPr/>
-                <p:nvPr/>
-              </p:nvSpPr>
-              <p:spPr>
-                <a:xfrm>
-                  <a:off x="8515086" y="2088395"/>
-                  <a:ext cx="288032" cy="216024"/>
-                </a:xfrm>
-                <a:prstGeom prst="triangle">
-                  <a:avLst/>
-                </a:prstGeom>
-                <a:grpFill/>
-                <a:ln>
-                  <a:noFill/>
-                </a:ln>
-                <a:effectLst/>
-              </p:spPr>
-              <p:style>
-                <a:lnRef idx="2">
-                  <a:schemeClr val="accent1">
-                    <a:shade val="50000"/>
-                  </a:schemeClr>
-                </a:lnRef>
-                <a:fillRef idx="1">
-                  <a:schemeClr val="accent1"/>
-                </a:fillRef>
-                <a:effectRef idx="0">
-                  <a:schemeClr val="accent1"/>
-                </a:effectRef>
-                <a:fontRef idx="minor">
-                  <a:schemeClr val="lt1"/>
-                </a:fontRef>
-              </p:style>
-              <p:txBody>
-                <a:bodyPr rtlCol="0" anchor="ctr"/>
-                <a:lstStyle/>
-                <a:p>
-                  <a:pPr algn="ctr"/>
-                  <a:endParaRPr lang="pt-BR"/>
-                </a:p>
-              </p:txBody>
-            </p:sp>
-          </p:grpSp>
-        </p:grpSp>
         <p:sp>
           <p:nvSpPr>
-            <p:cNvPr id="257" name="Retângulo de cantos arredondados 256"/>
+            <p:cNvPr id="8" name="Retângulo 7"/>
             <p:cNvSpPr/>
             <p:nvPr/>
           </p:nvSpPr>
           <p:spPr>
             <a:xfrm>
-              <a:off x="57634" y="2564904"/>
-              <a:ext cx="2354126" cy="2513813"/>
+              <a:off x="4648048" y="791481"/>
+              <a:ext cx="4534878" cy="572521"/>
             </a:xfrm>
-            <a:prstGeom prst="roundRect">
-              <a:avLst>
-                <a:gd name="adj" fmla="val 13040"/>
-              </a:avLst>
+            <a:prstGeom prst="rect">
+              <a:avLst/>
             </a:prstGeom>
             <a:solidFill>
-              <a:srgbClr val="934CC8"/>
+              <a:schemeClr val="tx1">
+                <a:lumMod val="75000"/>
+                <a:lumOff val="25000"/>
+              </a:schemeClr>
             </a:solidFill>
             <a:ln>
               <a:noFill/>
             </a:ln>
-            <a:effectLst/>
-          </p:spPr>
-          <p:style>
-            <a:lnRef idx="2">
-              <a:schemeClr val="accent1">
-                <a:shade val="50000"/>
-              </a:schemeClr>
-            </a:lnRef>
-            <a:fillRef idx="1">
-              <a:schemeClr val="accent1"/>
-            </a:fillRef>
-            <a:effectRef idx="0">
-              <a:schemeClr val="accent1"/>
-            </a:effectRef>
-            <a:fontRef idx="minor">
-              <a:schemeClr val="lt1"/>
-            </a:fontRef>
-          </p:style>
-          <p:txBody>
-            <a:bodyPr rtlCol="0" anchor="ctr"/>
-            <a:lstStyle/>
-            <a:p>
-              <a:pPr algn="ctr"/>
-              <a:endParaRPr lang="pt-BR"/>
-            </a:p>
-          </p:txBody>
-        </p:sp>
-        <p:sp>
-          <p:nvSpPr>
-            <p:cNvPr id="258" name="Elipse 257"/>
-            <p:cNvSpPr/>
-            <p:nvPr/>
-          </p:nvSpPr>
-          <p:spPr>
-            <a:xfrm>
-              <a:off x="315341" y="2836839"/>
-              <a:ext cx="1935767" cy="1935767"/>
-            </a:xfrm>
-            <a:prstGeom prst="ellipse">
-              <a:avLst/>
-            </a:prstGeom>
-            <a:solidFill>
-              <a:srgbClr val="9F5FCF"/>
-            </a:solidFill>
-            <a:ln>
-              <a:noFill/>
-            </a:ln>
-            <a:effectLst/>
           </p:spPr>
           <p:style>
             <a:lnRef idx="2">
@@ -29525,612 +27422,40 @@
         </p:sp>
         <p:grpSp>
           <p:nvGrpSpPr>
-            <p:cNvPr id="259" name="Grupo 258"/>
+            <p:cNvPr id="6" name="Grupo 5"/>
             <p:cNvGrpSpPr/>
             <p:nvPr/>
           </p:nvGrpSpPr>
           <p:grpSpPr>
             <a:xfrm>
-              <a:off x="236651" y="2685954"/>
-              <a:ext cx="2045254" cy="2327222"/>
-              <a:chOff x="3834481" y="2564904"/>
-              <a:chExt cx="2249687" cy="2559840"/>
+              <a:off x="4648047" y="5407"/>
+              <a:ext cx="4527767" cy="1224136"/>
+              <a:chOff x="4648047" y="5407"/>
+              <a:chExt cx="4527767" cy="1224136"/>
             </a:xfrm>
+            <a:effectLst/>
           </p:grpSpPr>
-          <p:grpSp>
-            <p:nvGrpSpPr>
-              <p:cNvPr id="260" name="Grupo 259"/>
-              <p:cNvGrpSpPr/>
-              <p:nvPr/>
-            </p:nvGrpSpPr>
-            <p:grpSpPr>
-              <a:xfrm>
-                <a:off x="3834481" y="2564904"/>
-                <a:ext cx="2249687" cy="2559840"/>
-                <a:chOff x="3834481" y="2564904"/>
-                <a:chExt cx="2249687" cy="2559840"/>
-              </a:xfrm>
-            </p:grpSpPr>
-            <p:grpSp>
-              <p:nvGrpSpPr>
-                <p:cNvPr id="262" name="Grupo 261"/>
-                <p:cNvGrpSpPr/>
-                <p:nvPr/>
-              </p:nvGrpSpPr>
-              <p:grpSpPr>
-                <a:xfrm>
-                  <a:off x="3834481" y="2564904"/>
-                  <a:ext cx="2177679" cy="680434"/>
-                  <a:chOff x="3834481" y="2564904"/>
-                  <a:chExt cx="2177679" cy="680434"/>
-                </a:xfrm>
-              </p:grpSpPr>
-              <p:sp>
-                <p:nvSpPr>
-                  <p:cNvPr id="268" name="Retângulo de cantos arredondados 18"/>
-                  <p:cNvSpPr/>
-                  <p:nvPr/>
-                </p:nvSpPr>
-                <p:spPr>
-                  <a:xfrm>
-                    <a:off x="3834481" y="2564904"/>
-                    <a:ext cx="2177679" cy="680434"/>
-                  </a:xfrm>
-                  <a:custGeom>
-                    <a:avLst/>
-                    <a:gdLst/>
-                    <a:ahLst/>
-                    <a:cxnLst/>
-                    <a:rect l="l" t="t" r="r" b="b"/>
-                    <a:pathLst>
-                      <a:path w="2041106" h="578046">
-                        <a:moveTo>
-                          <a:pt x="289023" y="0"/>
-                        </a:moveTo>
-                        <a:lnTo>
-                          <a:pt x="1752083" y="0"/>
-                        </a:lnTo>
-                        <a:cubicBezTo>
-                          <a:pt x="1911706" y="0"/>
-                          <a:pt x="2041106" y="129400"/>
-                          <a:pt x="2041106" y="289023"/>
-                        </a:cubicBezTo>
-                        <a:cubicBezTo>
-                          <a:pt x="2041106" y="428738"/>
-                          <a:pt x="1941971" y="545298"/>
-                          <a:pt x="1810202" y="572187"/>
-                        </a:cubicBezTo>
-                        <a:cubicBezTo>
-                          <a:pt x="1636249" y="345950"/>
-                          <a:pt x="1362230" y="202538"/>
-                          <a:pt x="1054714" y="202538"/>
-                        </a:cubicBezTo>
-                        <a:cubicBezTo>
-                          <a:pt x="744460" y="202538"/>
-                          <a:pt x="468300" y="348516"/>
-                          <a:pt x="294392" y="578046"/>
-                        </a:cubicBezTo>
-                        <a:lnTo>
-                          <a:pt x="289023" y="578046"/>
-                        </a:lnTo>
-                        <a:cubicBezTo>
-                          <a:pt x="129400" y="578046"/>
-                          <a:pt x="0" y="448646"/>
-                          <a:pt x="0" y="289023"/>
-                        </a:cubicBezTo>
-                        <a:cubicBezTo>
-                          <a:pt x="0" y="129400"/>
-                          <a:pt x="129400" y="0"/>
-                          <a:pt x="289023" y="0"/>
-                        </a:cubicBezTo>
-                        <a:close/>
-                      </a:path>
-                    </a:pathLst>
-                  </a:custGeom>
-                  <a:solidFill>
-                    <a:srgbClr val="702FA1"/>
-                  </a:solidFill>
-                  <a:ln>
-                    <a:noFill/>
-                  </a:ln>
-                  <a:effectLst/>
-                </p:spPr>
-                <p:style>
-                  <a:lnRef idx="2">
-                    <a:schemeClr val="accent1">
-                      <a:shade val="50000"/>
-                    </a:schemeClr>
-                  </a:lnRef>
-                  <a:fillRef idx="1">
-                    <a:schemeClr val="accent1"/>
-                  </a:fillRef>
-                  <a:effectRef idx="0">
-                    <a:schemeClr val="accent1"/>
-                  </a:effectRef>
-                  <a:fontRef idx="minor">
-                    <a:schemeClr val="lt1"/>
-                  </a:fontRef>
-                </p:style>
-                <p:txBody>
-                  <a:bodyPr rtlCol="0" anchor="ctr"/>
-                  <a:lstStyle/>
-                  <a:p>
-                    <a:pPr algn="ctr"/>
-                    <a:endParaRPr lang="pt-BR"/>
-                  </a:p>
-                </p:txBody>
-              </p:sp>
-              <p:sp>
-                <p:nvSpPr>
-                  <p:cNvPr id="269" name="Retângulo de cantos arredondados 18"/>
-                  <p:cNvSpPr/>
-                  <p:nvPr/>
-                </p:nvSpPr>
-                <p:spPr>
-                  <a:xfrm>
-                    <a:off x="3957140" y="2636912"/>
-                    <a:ext cx="1948083" cy="342021"/>
-                  </a:xfrm>
-                  <a:custGeom>
-                    <a:avLst/>
-                    <a:gdLst/>
-                    <a:ahLst/>
-                    <a:cxnLst/>
-                    <a:rect l="l" t="t" r="r" b="b"/>
-                    <a:pathLst>
-                      <a:path w="2041106" h="578046">
-                        <a:moveTo>
-                          <a:pt x="289023" y="0"/>
-                        </a:moveTo>
-                        <a:lnTo>
-                          <a:pt x="1752083" y="0"/>
-                        </a:lnTo>
-                        <a:cubicBezTo>
-                          <a:pt x="1911706" y="0"/>
-                          <a:pt x="2041106" y="129400"/>
-                          <a:pt x="2041106" y="289023"/>
-                        </a:cubicBezTo>
-                        <a:cubicBezTo>
-                          <a:pt x="2041106" y="428738"/>
-                          <a:pt x="1941971" y="545298"/>
-                          <a:pt x="1810202" y="572187"/>
-                        </a:cubicBezTo>
-                        <a:cubicBezTo>
-                          <a:pt x="1636249" y="345950"/>
-                          <a:pt x="1362230" y="202538"/>
-                          <a:pt x="1054714" y="202538"/>
-                        </a:cubicBezTo>
-                        <a:cubicBezTo>
-                          <a:pt x="744460" y="202538"/>
-                          <a:pt x="468300" y="348516"/>
-                          <a:pt x="294392" y="578046"/>
-                        </a:cubicBezTo>
-                        <a:lnTo>
-                          <a:pt x="289023" y="578046"/>
-                        </a:lnTo>
-                        <a:cubicBezTo>
-                          <a:pt x="129400" y="578046"/>
-                          <a:pt x="0" y="448646"/>
-                          <a:pt x="0" y="289023"/>
-                        </a:cubicBezTo>
-                        <a:cubicBezTo>
-                          <a:pt x="0" y="129400"/>
-                          <a:pt x="129400" y="0"/>
-                          <a:pt x="289023" y="0"/>
-                        </a:cubicBezTo>
-                        <a:close/>
-                      </a:path>
-                    </a:pathLst>
-                  </a:custGeom>
-                  <a:solidFill>
-                    <a:srgbClr val="7A33AF"/>
-                  </a:solidFill>
-                  <a:ln>
-                    <a:noFill/>
-                  </a:ln>
-                  <a:effectLst/>
-                </p:spPr>
-                <p:style>
-                  <a:lnRef idx="2">
-                    <a:schemeClr val="accent1">
-                      <a:shade val="50000"/>
-                    </a:schemeClr>
-                  </a:lnRef>
-                  <a:fillRef idx="1">
-                    <a:schemeClr val="accent1"/>
-                  </a:fillRef>
-                  <a:effectRef idx="0">
-                    <a:schemeClr val="accent1"/>
-                  </a:effectRef>
-                  <a:fontRef idx="minor">
-                    <a:schemeClr val="lt1"/>
-                  </a:fontRef>
-                </p:style>
-                <p:txBody>
-                  <a:bodyPr rtlCol="0" anchor="ctr"/>
-                  <a:lstStyle/>
-                  <a:p>
-                    <a:pPr algn="ctr"/>
-                    <a:endParaRPr lang="pt-BR"/>
-                  </a:p>
-                </p:txBody>
-              </p:sp>
-              <p:sp>
-                <p:nvSpPr>
-                  <p:cNvPr id="270" name="Retângulo de cantos arredondados 269"/>
-                  <p:cNvSpPr/>
-                  <p:nvPr/>
-                </p:nvSpPr>
-                <p:spPr>
-                  <a:xfrm rot="19680248">
-                    <a:off x="5710148" y="2699401"/>
-                    <a:ext cx="63913" cy="130411"/>
-                  </a:xfrm>
-                  <a:prstGeom prst="roundRect">
-                    <a:avLst>
-                      <a:gd name="adj" fmla="val 50000"/>
-                    </a:avLst>
-                  </a:prstGeom>
-                  <a:solidFill>
-                    <a:srgbClr val="AE77D7"/>
-                  </a:solidFill>
-                  <a:ln>
-                    <a:noFill/>
-                  </a:ln>
-                  <a:effectLst/>
-                </p:spPr>
-                <p:style>
-                  <a:lnRef idx="2">
-                    <a:schemeClr val="accent1">
-                      <a:shade val="50000"/>
-                    </a:schemeClr>
-                  </a:lnRef>
-                  <a:fillRef idx="1">
-                    <a:schemeClr val="accent1"/>
-                  </a:fillRef>
-                  <a:effectRef idx="0">
-                    <a:schemeClr val="accent1"/>
-                  </a:effectRef>
-                  <a:fontRef idx="minor">
-                    <a:schemeClr val="lt1"/>
-                  </a:fontRef>
-                </p:style>
-                <p:txBody>
-                  <a:bodyPr rtlCol="0" anchor="ctr"/>
-                  <a:lstStyle/>
-                  <a:p>
-                    <a:pPr algn="ctr"/>
-                    <a:endParaRPr lang="pt-BR"/>
-                  </a:p>
-                </p:txBody>
-              </p:sp>
-            </p:grpSp>
-            <p:sp>
-              <p:nvSpPr>
-                <p:cNvPr id="263" name="Lua 262"/>
-                <p:cNvSpPr/>
-                <p:nvPr/>
-              </p:nvSpPr>
-              <p:spPr>
-                <a:xfrm rot="14897553" flipV="1">
-                  <a:off x="5051438" y="4011013"/>
-                  <a:ext cx="332395" cy="854979"/>
-                </a:xfrm>
-                <a:prstGeom prst="moon">
-                  <a:avLst>
-                    <a:gd name="adj" fmla="val 57263"/>
-                  </a:avLst>
-                </a:prstGeom>
-                <a:solidFill>
-                  <a:srgbClr val="AE77D7"/>
-                </a:solidFill>
-                <a:ln>
-                  <a:noFill/>
-                </a:ln>
-                <a:effectLst/>
-              </p:spPr>
-              <p:style>
-                <a:lnRef idx="2">
-                  <a:schemeClr val="accent1">
-                    <a:shade val="50000"/>
-                  </a:schemeClr>
-                </a:lnRef>
-                <a:fillRef idx="1">
-                  <a:schemeClr val="accent1"/>
-                </a:fillRef>
-                <a:effectRef idx="0">
-                  <a:schemeClr val="accent1"/>
-                </a:effectRef>
-                <a:fontRef idx="minor">
-                  <a:schemeClr val="lt1"/>
-                </a:fontRef>
-              </p:style>
-              <p:txBody>
-                <a:bodyPr rtlCol="0" anchor="ctr"/>
-                <a:lstStyle/>
-                <a:p>
-                  <a:pPr algn="ctr"/>
-                  <a:endParaRPr lang="pt-BR">
-                    <a:solidFill>
-                      <a:srgbClr val="7030A0"/>
-                    </a:solidFill>
-                  </a:endParaRPr>
-                </a:p>
-              </p:txBody>
-            </p:sp>
-            <p:sp>
-              <p:nvSpPr>
-                <p:cNvPr id="264" name="Lua 263"/>
-                <p:cNvSpPr/>
-                <p:nvPr/>
-              </p:nvSpPr>
-              <p:spPr>
-                <a:xfrm rot="4888875">
-                  <a:off x="4622462" y="2588504"/>
-                  <a:ext cx="483049" cy="1242485"/>
-                </a:xfrm>
-                <a:prstGeom prst="moon">
-                  <a:avLst>
-                    <a:gd name="adj" fmla="val 59731"/>
-                  </a:avLst>
-                </a:prstGeom>
-                <a:solidFill>
-                  <a:srgbClr val="7131A1"/>
-                </a:solidFill>
-                <a:ln>
-                  <a:noFill/>
-                </a:ln>
-                <a:effectLst/>
-              </p:spPr>
-              <p:style>
-                <a:lnRef idx="2">
-                  <a:schemeClr val="accent1">
-                    <a:shade val="50000"/>
-                  </a:schemeClr>
-                </a:lnRef>
-                <a:fillRef idx="1">
-                  <a:schemeClr val="accent1"/>
-                </a:fillRef>
-                <a:effectRef idx="0">
-                  <a:schemeClr val="accent1"/>
-                </a:effectRef>
-                <a:fontRef idx="minor">
-                  <a:schemeClr val="lt1"/>
-                </a:fontRef>
-              </p:style>
-              <p:txBody>
-                <a:bodyPr rtlCol="0" anchor="ctr"/>
-                <a:lstStyle/>
-                <a:p>
-                  <a:pPr algn="ctr"/>
-                  <a:endParaRPr lang="pt-BR"/>
-                </a:p>
-              </p:txBody>
-            </p:sp>
-            <p:grpSp>
-              <p:nvGrpSpPr>
-                <p:cNvPr id="265" name="Grupo 264"/>
-                <p:cNvGrpSpPr/>
-                <p:nvPr/>
-              </p:nvGrpSpPr>
-              <p:grpSpPr>
-                <a:xfrm rot="10800000">
-                  <a:off x="3906489" y="4444310"/>
-                  <a:ext cx="2177679" cy="680434"/>
-                  <a:chOff x="3834481" y="2485698"/>
-                  <a:chExt cx="2177679" cy="680434"/>
-                </a:xfrm>
-              </p:grpSpPr>
-              <p:sp>
-                <p:nvSpPr>
-                  <p:cNvPr id="266" name="Retângulo de cantos arredondados 18"/>
-                  <p:cNvSpPr/>
-                  <p:nvPr/>
-                </p:nvSpPr>
-                <p:spPr>
-                  <a:xfrm>
-                    <a:off x="3834481" y="2485698"/>
-                    <a:ext cx="2177679" cy="680434"/>
-                  </a:xfrm>
-                  <a:custGeom>
-                    <a:avLst/>
-                    <a:gdLst/>
-                    <a:ahLst/>
-                    <a:cxnLst/>
-                    <a:rect l="l" t="t" r="r" b="b"/>
-                    <a:pathLst>
-                      <a:path w="2041106" h="578046">
-                        <a:moveTo>
-                          <a:pt x="289023" y="0"/>
-                        </a:moveTo>
-                        <a:lnTo>
-                          <a:pt x="1752083" y="0"/>
-                        </a:lnTo>
-                        <a:cubicBezTo>
-                          <a:pt x="1911706" y="0"/>
-                          <a:pt x="2041106" y="129400"/>
-                          <a:pt x="2041106" y="289023"/>
-                        </a:cubicBezTo>
-                        <a:cubicBezTo>
-                          <a:pt x="2041106" y="428738"/>
-                          <a:pt x="1941971" y="545298"/>
-                          <a:pt x="1810202" y="572187"/>
-                        </a:cubicBezTo>
-                        <a:cubicBezTo>
-                          <a:pt x="1636249" y="345950"/>
-                          <a:pt x="1362230" y="202538"/>
-                          <a:pt x="1054714" y="202538"/>
-                        </a:cubicBezTo>
-                        <a:cubicBezTo>
-                          <a:pt x="744460" y="202538"/>
-                          <a:pt x="468300" y="348516"/>
-                          <a:pt x="294392" y="578046"/>
-                        </a:cubicBezTo>
-                        <a:lnTo>
-                          <a:pt x="289023" y="578046"/>
-                        </a:lnTo>
-                        <a:cubicBezTo>
-                          <a:pt x="129400" y="578046"/>
-                          <a:pt x="0" y="448646"/>
-                          <a:pt x="0" y="289023"/>
-                        </a:cubicBezTo>
-                        <a:cubicBezTo>
-                          <a:pt x="0" y="129400"/>
-                          <a:pt x="129400" y="0"/>
-                          <a:pt x="289023" y="0"/>
-                        </a:cubicBezTo>
-                        <a:close/>
-                      </a:path>
-                    </a:pathLst>
-                  </a:custGeom>
-                  <a:solidFill>
-                    <a:srgbClr val="702FA1"/>
-                  </a:solidFill>
-                  <a:ln>
-                    <a:noFill/>
-                  </a:ln>
-                  <a:effectLst/>
-                </p:spPr>
-                <p:style>
-                  <a:lnRef idx="2">
-                    <a:schemeClr val="accent1">
-                      <a:shade val="50000"/>
-                    </a:schemeClr>
-                  </a:lnRef>
-                  <a:fillRef idx="1">
-                    <a:schemeClr val="accent1"/>
-                  </a:fillRef>
-                  <a:effectRef idx="0">
-                    <a:schemeClr val="accent1"/>
-                  </a:effectRef>
-                  <a:fontRef idx="minor">
-                    <a:schemeClr val="lt1"/>
-                  </a:fontRef>
-                </p:style>
-                <p:txBody>
-                  <a:bodyPr rtlCol="0" anchor="ctr"/>
-                  <a:lstStyle/>
-                  <a:p>
-                    <a:pPr algn="ctr"/>
-                    <a:endParaRPr lang="pt-BR"/>
-                  </a:p>
-                </p:txBody>
-              </p:sp>
-              <p:sp>
-                <p:nvSpPr>
-                  <p:cNvPr id="267" name="Retângulo de cantos arredondados 18"/>
-                  <p:cNvSpPr/>
-                  <p:nvPr/>
-                </p:nvSpPr>
-                <p:spPr>
-                  <a:xfrm>
-                    <a:off x="3957140" y="2564904"/>
-                    <a:ext cx="1948083" cy="342021"/>
-                  </a:xfrm>
-                  <a:custGeom>
-                    <a:avLst/>
-                    <a:gdLst/>
-                    <a:ahLst/>
-                    <a:cxnLst/>
-                    <a:rect l="l" t="t" r="r" b="b"/>
-                    <a:pathLst>
-                      <a:path w="2041106" h="578046">
-                        <a:moveTo>
-                          <a:pt x="289023" y="0"/>
-                        </a:moveTo>
-                        <a:lnTo>
-                          <a:pt x="1752083" y="0"/>
-                        </a:lnTo>
-                        <a:cubicBezTo>
-                          <a:pt x="1911706" y="0"/>
-                          <a:pt x="2041106" y="129400"/>
-                          <a:pt x="2041106" y="289023"/>
-                        </a:cubicBezTo>
-                        <a:cubicBezTo>
-                          <a:pt x="2041106" y="428738"/>
-                          <a:pt x="1941971" y="545298"/>
-                          <a:pt x="1810202" y="572187"/>
-                        </a:cubicBezTo>
-                        <a:cubicBezTo>
-                          <a:pt x="1636249" y="345950"/>
-                          <a:pt x="1362230" y="202538"/>
-                          <a:pt x="1054714" y="202538"/>
-                        </a:cubicBezTo>
-                        <a:cubicBezTo>
-                          <a:pt x="744460" y="202538"/>
-                          <a:pt x="468300" y="348516"/>
-                          <a:pt x="294392" y="578046"/>
-                        </a:cubicBezTo>
-                        <a:lnTo>
-                          <a:pt x="289023" y="578046"/>
-                        </a:lnTo>
-                        <a:cubicBezTo>
-                          <a:pt x="129400" y="578046"/>
-                          <a:pt x="0" y="448646"/>
-                          <a:pt x="0" y="289023"/>
-                        </a:cubicBezTo>
-                        <a:cubicBezTo>
-                          <a:pt x="0" y="129400"/>
-                          <a:pt x="129400" y="0"/>
-                          <a:pt x="289023" y="0"/>
-                        </a:cubicBezTo>
-                        <a:close/>
-                      </a:path>
-                    </a:pathLst>
-                  </a:custGeom>
-                  <a:solidFill>
-                    <a:srgbClr val="7A33AF"/>
-                  </a:solidFill>
-                  <a:ln>
-                    <a:noFill/>
-                  </a:ln>
-                  <a:effectLst/>
-                </p:spPr>
-                <p:style>
-                  <a:lnRef idx="2">
-                    <a:schemeClr val="accent1">
-                      <a:shade val="50000"/>
-                    </a:schemeClr>
-                  </a:lnRef>
-                  <a:fillRef idx="1">
-                    <a:schemeClr val="accent1"/>
-                  </a:fillRef>
-                  <a:effectRef idx="0">
-                    <a:schemeClr val="accent1"/>
-                  </a:effectRef>
-                  <a:fontRef idx="minor">
-                    <a:schemeClr val="lt1"/>
-                  </a:fontRef>
-                </p:style>
-                <p:txBody>
-                  <a:bodyPr rtlCol="0" anchor="ctr"/>
-                  <a:lstStyle/>
-                  <a:p>
-                    <a:pPr algn="ctr"/>
-                    <a:endParaRPr lang="pt-BR"/>
-                  </a:p>
-                </p:txBody>
-              </p:sp>
-            </p:grpSp>
-          </p:grpSp>
           <p:sp>
             <p:nvSpPr>
-              <p:cNvPr id="261" name="Retângulo de cantos arredondados 260"/>
+              <p:cNvPr id="22" name="Retângulo de cantos arredondados 21"/>
               <p:cNvSpPr/>
               <p:nvPr/>
             </p:nvSpPr>
             <p:spPr>
-              <a:xfrm rot="8880248">
-                <a:off x="5771800" y="4828895"/>
-                <a:ext cx="63913" cy="130411"/>
+              <a:xfrm>
+                <a:off x="4648047" y="5407"/>
+                <a:ext cx="4527767" cy="1224136"/>
               </a:xfrm>
               <a:prstGeom prst="roundRect">
                 <a:avLst>
-                  <a:gd name="adj" fmla="val 50000"/>
+                  <a:gd name="adj" fmla="val 0"/>
                 </a:avLst>
               </a:prstGeom>
               <a:solidFill>
-                <a:srgbClr val="AE77D7"/>
+                <a:schemeClr val="tx1">
+                  <a:lumMod val="85000"/>
+                  <a:lumOff val="15000"/>
+                </a:schemeClr>
               </a:solidFill>
               <a:ln>
                 <a:noFill/>
@@ -30158,22 +27483,3042 @@
               <a:lstStyle/>
               <a:p>
                 <a:pPr algn="ctr"/>
+                <a:endParaRPr lang="pt-BR" dirty="0"/>
+              </a:p>
+            </p:txBody>
+          </p:sp>
+          <p:sp>
+            <p:nvSpPr>
+              <p:cNvPr id="252" name="CaixaDeTexto 251"/>
+              <p:cNvSpPr txBox="1"/>
+              <p:nvPr/>
+            </p:nvSpPr>
+            <p:spPr>
+              <a:xfrm>
+                <a:off x="4781125" y="347573"/>
+                <a:ext cx="4161952" cy="584775"/>
+              </a:xfrm>
+              <a:prstGeom prst="rect">
+                <a:avLst/>
+              </a:prstGeom>
+              <a:noFill/>
+              <a:effectLst/>
+            </p:spPr>
+            <p:txBody>
+              <a:bodyPr wrap="square" rtlCol="0">
+                <a:spAutoFit/>
+              </a:bodyPr>
+              <a:lstStyle/>
+              <a:p>
+                <a:r>
+                  <a:rPr lang="pt-BR" sz="3200" b="1" dirty="0" smtClean="0">
+                    <a:solidFill>
+                      <a:srgbClr val="893BC3"/>
+                    </a:solidFill>
+                    <a:latin typeface="Century Gothic" panose="020B0502020202020204" pitchFamily="34" charset="0"/>
+                  </a:rPr>
+                  <a:t>DISCUS</a:t>
+                </a:r>
+                <a:r>
+                  <a:rPr lang="pt-BR" sz="3200" b="1" dirty="0" smtClean="0">
+                    <a:solidFill>
+                      <a:schemeClr val="bg1"/>
+                    </a:solidFill>
+                    <a:latin typeface="Century Gothic" panose="020B0502020202020204" pitchFamily="34" charset="0"/>
+                  </a:rPr>
+                  <a:t>SEX</a:t>
+                </a:r>
+                <a:endParaRPr lang="pt-BR" sz="1000" b="1" dirty="0">
+                  <a:solidFill>
+                    <a:schemeClr val="bg1"/>
+                  </a:solidFill>
+                  <a:latin typeface="Century Gothic" panose="020B0502020202020204" pitchFamily="34" charset="0"/>
+                </a:endParaRPr>
+              </a:p>
+            </p:txBody>
+          </p:sp>
+          <p:sp>
+            <p:nvSpPr>
+              <p:cNvPr id="253" name="Balão de Pensamento: Nuvem 16">
+                <a:extLst>
+                  <a:ext uri="{FF2B5EF4-FFF2-40B4-BE49-F238E27FC236}">
+                    <a16:creationId xmlns:a16="http://schemas.microsoft.com/office/drawing/2014/main" xmlns="" id="{5C57BA0A-9700-43BD-9104-CC30BC0DE381}"/>
+                  </a:ext>
+                </a:extLst>
+              </p:cNvPr>
+              <p:cNvSpPr/>
+              <p:nvPr/>
+            </p:nvSpPr>
+            <p:spPr>
+              <a:xfrm>
+                <a:off x="5094226" y="171824"/>
+                <a:ext cx="360616" cy="269359"/>
+              </a:xfrm>
+              <a:prstGeom prst="cloudCallout">
+                <a:avLst>
+                  <a:gd name="adj1" fmla="val -5084"/>
+                  <a:gd name="adj2" fmla="val 57074"/>
+                </a:avLst>
+              </a:prstGeom>
+              <a:solidFill>
+                <a:srgbClr val="893BC3"/>
+              </a:solidFill>
+              <a:ln>
+                <a:noFill/>
+              </a:ln>
+            </p:spPr>
+            <p:style>
+              <a:lnRef idx="2">
+                <a:schemeClr val="accent1">
+                  <a:shade val="50000"/>
+                </a:schemeClr>
+              </a:lnRef>
+              <a:fillRef idx="1">
+                <a:schemeClr val="accent1"/>
+              </a:fillRef>
+              <a:effectRef idx="0">
+                <a:schemeClr val="accent1"/>
+              </a:effectRef>
+              <a:fontRef idx="minor">
+                <a:schemeClr val="lt1"/>
+              </a:fontRef>
+            </p:style>
+            <p:txBody>
+              <a:bodyPr rtlCol="0" anchor="ctr"/>
+              <a:lstStyle/>
+              <a:p>
+                <a:pPr algn="ctr"/>
                 <a:endParaRPr lang="pt-BR"/>
               </a:p>
             </p:txBody>
           </p:sp>
+          <p:grpSp>
+            <p:nvGrpSpPr>
+              <p:cNvPr id="254" name="Grupo 253"/>
+              <p:cNvGrpSpPr/>
+              <p:nvPr/>
+            </p:nvGrpSpPr>
+            <p:grpSpPr>
+              <a:xfrm rot="503187">
+                <a:off x="7087031" y="88908"/>
+                <a:ext cx="879414" cy="955509"/>
+                <a:chOff x="-180528" y="2276873"/>
+                <a:chExt cx="2857570" cy="3024336"/>
+              </a:xfrm>
+              <a:effectLst/>
+            </p:grpSpPr>
+            <p:grpSp>
+              <p:nvGrpSpPr>
+                <p:cNvPr id="255" name="Agrupar 15">
+                  <a:extLst>
+                    <a:ext uri="{FF2B5EF4-FFF2-40B4-BE49-F238E27FC236}">
+                      <a16:creationId xmlns:a16="http://schemas.microsoft.com/office/drawing/2014/main" xmlns="" id="{CDA0B437-9E5C-43AF-AD41-CFFD83C35D59}"/>
+                    </a:ext>
+                  </a:extLst>
+                </p:cNvPr>
+                <p:cNvGrpSpPr/>
+                <p:nvPr/>
+              </p:nvGrpSpPr>
+              <p:grpSpPr>
+                <a:xfrm>
+                  <a:off x="-180528" y="2276873"/>
+                  <a:ext cx="2857570" cy="3024336"/>
+                  <a:chOff x="3787349" y="611219"/>
+                  <a:chExt cx="2714217" cy="2854593"/>
+                </a:xfrm>
+                <a:solidFill>
+                  <a:srgbClr val="7A34AE"/>
+                </a:solidFill>
+              </p:grpSpPr>
+              <p:sp>
+                <p:nvSpPr>
+                  <p:cNvPr id="294" name="Retângulo 293"/>
+                  <p:cNvSpPr/>
+                  <p:nvPr/>
+                </p:nvSpPr>
+                <p:spPr>
+                  <a:xfrm>
+                    <a:off x="3792719" y="708149"/>
+                    <a:ext cx="2703477" cy="2664296"/>
+                  </a:xfrm>
+                  <a:prstGeom prst="rect">
+                    <a:avLst/>
+                  </a:prstGeom>
+                  <a:grpFill/>
+                  <a:ln>
+                    <a:noFill/>
+                  </a:ln>
+                  <a:effectLst/>
+                </p:spPr>
+                <p:style>
+                  <a:lnRef idx="2">
+                    <a:schemeClr val="accent1">
+                      <a:shade val="50000"/>
+                    </a:schemeClr>
+                  </a:lnRef>
+                  <a:fillRef idx="1">
+                    <a:schemeClr val="accent1"/>
+                  </a:fillRef>
+                  <a:effectRef idx="0">
+                    <a:schemeClr val="accent1"/>
+                  </a:effectRef>
+                  <a:fontRef idx="minor">
+                    <a:schemeClr val="lt1"/>
+                  </a:fontRef>
+                </p:style>
+                <p:txBody>
+                  <a:bodyPr rtlCol="0" anchor="ctr"/>
+                  <a:lstStyle/>
+                  <a:p>
+                    <a:pPr algn="ctr"/>
+                    <a:endParaRPr lang="pt-BR">
+                      <a:solidFill>
+                        <a:srgbClr val="9900FF"/>
+                      </a:solidFill>
+                    </a:endParaRPr>
+                  </a:p>
+                </p:txBody>
+              </p:sp>
+              <p:grpSp>
+                <p:nvGrpSpPr>
+                  <p:cNvPr id="295" name="Grupo 294"/>
+                  <p:cNvGrpSpPr/>
+                  <p:nvPr/>
+                </p:nvGrpSpPr>
+                <p:grpSpPr>
+                  <a:xfrm>
+                    <a:off x="3787349" y="611219"/>
+                    <a:ext cx="2703476" cy="108012"/>
+                    <a:chOff x="5952287" y="2088395"/>
+                    <a:chExt cx="2850831" cy="216024"/>
+                  </a:xfrm>
+                  <a:grpFill/>
+                </p:grpSpPr>
+                <p:sp>
+                  <p:nvSpPr>
+                    <p:cNvPr id="307" name="Triângulo isósceles 306"/>
+                    <p:cNvSpPr/>
+                    <p:nvPr/>
+                  </p:nvSpPr>
+                  <p:spPr>
+                    <a:xfrm>
+                      <a:off x="5952287" y="2088395"/>
+                      <a:ext cx="288032" cy="216024"/>
+                    </a:xfrm>
+                    <a:prstGeom prst="triangle">
+                      <a:avLst/>
+                    </a:prstGeom>
+                    <a:grpFill/>
+                    <a:ln>
+                      <a:noFill/>
+                    </a:ln>
+                    <a:effectLst/>
+                  </p:spPr>
+                  <p:style>
+                    <a:lnRef idx="2">
+                      <a:schemeClr val="accent1">
+                        <a:shade val="50000"/>
+                      </a:schemeClr>
+                    </a:lnRef>
+                    <a:fillRef idx="1">
+                      <a:schemeClr val="accent1"/>
+                    </a:fillRef>
+                    <a:effectRef idx="0">
+                      <a:schemeClr val="accent1"/>
+                    </a:effectRef>
+                    <a:fontRef idx="minor">
+                      <a:schemeClr val="lt1"/>
+                    </a:fontRef>
+                  </p:style>
+                  <p:txBody>
+                    <a:bodyPr rtlCol="0" anchor="ctr"/>
+                    <a:lstStyle/>
+                    <a:p>
+                      <a:pPr algn="ctr"/>
+                      <a:endParaRPr lang="pt-BR"/>
+                    </a:p>
+                  </p:txBody>
+                </p:sp>
+                <p:sp>
+                  <p:nvSpPr>
+                    <p:cNvPr id="308" name="Triângulo isósceles 307"/>
+                    <p:cNvSpPr/>
+                    <p:nvPr/>
+                  </p:nvSpPr>
+                  <p:spPr>
+                    <a:xfrm>
+                      <a:off x="6241783" y="2088395"/>
+                      <a:ext cx="288032" cy="216024"/>
+                    </a:xfrm>
+                    <a:prstGeom prst="triangle">
+                      <a:avLst/>
+                    </a:prstGeom>
+                    <a:grpFill/>
+                    <a:ln>
+                      <a:noFill/>
+                    </a:ln>
+                    <a:effectLst/>
+                  </p:spPr>
+                  <p:style>
+                    <a:lnRef idx="2">
+                      <a:schemeClr val="accent1">
+                        <a:shade val="50000"/>
+                      </a:schemeClr>
+                    </a:lnRef>
+                    <a:fillRef idx="1">
+                      <a:schemeClr val="accent1"/>
+                    </a:fillRef>
+                    <a:effectRef idx="0">
+                      <a:schemeClr val="accent1"/>
+                    </a:effectRef>
+                    <a:fontRef idx="minor">
+                      <a:schemeClr val="lt1"/>
+                    </a:fontRef>
+                  </p:style>
+                  <p:txBody>
+                    <a:bodyPr rtlCol="0" anchor="ctr"/>
+                    <a:lstStyle/>
+                    <a:p>
+                      <a:pPr algn="ctr"/>
+                      <a:endParaRPr lang="pt-BR"/>
+                    </a:p>
+                  </p:txBody>
+                </p:sp>
+                <p:sp>
+                  <p:nvSpPr>
+                    <p:cNvPr id="309" name="Triângulo isósceles 308"/>
+                    <p:cNvSpPr/>
+                    <p:nvPr/>
+                  </p:nvSpPr>
+                  <p:spPr>
+                    <a:xfrm>
+                      <a:off x="6520839" y="2088395"/>
+                      <a:ext cx="288032" cy="216024"/>
+                    </a:xfrm>
+                    <a:prstGeom prst="triangle">
+                      <a:avLst/>
+                    </a:prstGeom>
+                    <a:grpFill/>
+                    <a:ln>
+                      <a:noFill/>
+                    </a:ln>
+                    <a:effectLst/>
+                  </p:spPr>
+                  <p:style>
+                    <a:lnRef idx="2">
+                      <a:schemeClr val="accent1">
+                        <a:shade val="50000"/>
+                      </a:schemeClr>
+                    </a:lnRef>
+                    <a:fillRef idx="1">
+                      <a:schemeClr val="accent1"/>
+                    </a:fillRef>
+                    <a:effectRef idx="0">
+                      <a:schemeClr val="accent1"/>
+                    </a:effectRef>
+                    <a:fontRef idx="minor">
+                      <a:schemeClr val="lt1"/>
+                    </a:fontRef>
+                  </p:style>
+                  <p:txBody>
+                    <a:bodyPr rtlCol="0" anchor="ctr"/>
+                    <a:lstStyle/>
+                    <a:p>
+                      <a:pPr algn="ctr"/>
+                      <a:endParaRPr lang="pt-BR"/>
+                    </a:p>
+                  </p:txBody>
+                </p:sp>
+                <p:sp>
+                  <p:nvSpPr>
+                    <p:cNvPr id="310" name="Triângulo isósceles 309"/>
+                    <p:cNvSpPr/>
+                    <p:nvPr/>
+                  </p:nvSpPr>
+                  <p:spPr>
+                    <a:xfrm>
+                      <a:off x="6786042" y="2088395"/>
+                      <a:ext cx="288032" cy="216024"/>
+                    </a:xfrm>
+                    <a:prstGeom prst="triangle">
+                      <a:avLst/>
+                    </a:prstGeom>
+                    <a:grpFill/>
+                    <a:ln>
+                      <a:noFill/>
+                    </a:ln>
+                    <a:effectLst/>
+                  </p:spPr>
+                  <p:style>
+                    <a:lnRef idx="2">
+                      <a:schemeClr val="accent1">
+                        <a:shade val="50000"/>
+                      </a:schemeClr>
+                    </a:lnRef>
+                    <a:fillRef idx="1">
+                      <a:schemeClr val="accent1"/>
+                    </a:fillRef>
+                    <a:effectRef idx="0">
+                      <a:schemeClr val="accent1"/>
+                    </a:effectRef>
+                    <a:fontRef idx="minor">
+                      <a:schemeClr val="lt1"/>
+                    </a:fontRef>
+                  </p:style>
+                  <p:txBody>
+                    <a:bodyPr rtlCol="0" anchor="ctr"/>
+                    <a:lstStyle/>
+                    <a:p>
+                      <a:pPr algn="ctr"/>
+                      <a:endParaRPr lang="pt-BR"/>
+                    </a:p>
+                  </p:txBody>
+                </p:sp>
+                <p:sp>
+                  <p:nvSpPr>
+                    <p:cNvPr id="311" name="Triângulo isósceles 310"/>
+                    <p:cNvSpPr/>
+                    <p:nvPr/>
+                  </p:nvSpPr>
+                  <p:spPr>
+                    <a:xfrm>
+                      <a:off x="7057306" y="2088395"/>
+                      <a:ext cx="288032" cy="216024"/>
+                    </a:xfrm>
+                    <a:prstGeom prst="triangle">
+                      <a:avLst/>
+                    </a:prstGeom>
+                    <a:grpFill/>
+                    <a:ln>
+                      <a:noFill/>
+                    </a:ln>
+                    <a:effectLst/>
+                  </p:spPr>
+                  <p:style>
+                    <a:lnRef idx="2">
+                      <a:schemeClr val="accent1">
+                        <a:shade val="50000"/>
+                      </a:schemeClr>
+                    </a:lnRef>
+                    <a:fillRef idx="1">
+                      <a:schemeClr val="accent1"/>
+                    </a:fillRef>
+                    <a:effectRef idx="0">
+                      <a:schemeClr val="accent1"/>
+                    </a:effectRef>
+                    <a:fontRef idx="minor">
+                      <a:schemeClr val="lt1"/>
+                    </a:fontRef>
+                  </p:style>
+                  <p:txBody>
+                    <a:bodyPr rtlCol="0" anchor="ctr"/>
+                    <a:lstStyle/>
+                    <a:p>
+                      <a:pPr algn="ctr"/>
+                      <a:endParaRPr lang="pt-BR"/>
+                    </a:p>
+                  </p:txBody>
+                </p:sp>
+                <p:sp>
+                  <p:nvSpPr>
+                    <p:cNvPr id="312" name="Triângulo isósceles 311"/>
+                    <p:cNvSpPr/>
+                    <p:nvPr/>
+                  </p:nvSpPr>
+                  <p:spPr>
+                    <a:xfrm>
+                      <a:off x="7358127" y="2088395"/>
+                      <a:ext cx="288032" cy="216024"/>
+                    </a:xfrm>
+                    <a:prstGeom prst="triangle">
+                      <a:avLst/>
+                    </a:prstGeom>
+                    <a:grpFill/>
+                    <a:ln>
+                      <a:noFill/>
+                    </a:ln>
+                    <a:effectLst/>
+                  </p:spPr>
+                  <p:style>
+                    <a:lnRef idx="2">
+                      <a:schemeClr val="accent1">
+                        <a:shade val="50000"/>
+                      </a:schemeClr>
+                    </a:lnRef>
+                    <a:fillRef idx="1">
+                      <a:schemeClr val="accent1"/>
+                    </a:fillRef>
+                    <a:effectRef idx="0">
+                      <a:schemeClr val="accent1"/>
+                    </a:effectRef>
+                    <a:fontRef idx="minor">
+                      <a:schemeClr val="lt1"/>
+                    </a:fontRef>
+                  </p:style>
+                  <p:txBody>
+                    <a:bodyPr rtlCol="0" anchor="ctr"/>
+                    <a:lstStyle/>
+                    <a:p>
+                      <a:pPr algn="ctr"/>
+                      <a:endParaRPr lang="pt-BR"/>
+                    </a:p>
+                  </p:txBody>
+                </p:sp>
+                <p:sp>
+                  <p:nvSpPr>
+                    <p:cNvPr id="313" name="Triângulo isósceles 312"/>
+                    <p:cNvSpPr/>
+                    <p:nvPr/>
+                  </p:nvSpPr>
+                  <p:spPr>
+                    <a:xfrm>
+                      <a:off x="7628725" y="2088395"/>
+                      <a:ext cx="288032" cy="216024"/>
+                    </a:xfrm>
+                    <a:prstGeom prst="triangle">
+                      <a:avLst/>
+                    </a:prstGeom>
+                    <a:grpFill/>
+                    <a:ln>
+                      <a:noFill/>
+                    </a:ln>
+                    <a:effectLst/>
+                  </p:spPr>
+                  <p:style>
+                    <a:lnRef idx="2">
+                      <a:schemeClr val="accent1">
+                        <a:shade val="50000"/>
+                      </a:schemeClr>
+                    </a:lnRef>
+                    <a:fillRef idx="1">
+                      <a:schemeClr val="accent1"/>
+                    </a:fillRef>
+                    <a:effectRef idx="0">
+                      <a:schemeClr val="accent1"/>
+                    </a:effectRef>
+                    <a:fontRef idx="minor">
+                      <a:schemeClr val="lt1"/>
+                    </a:fontRef>
+                  </p:style>
+                  <p:txBody>
+                    <a:bodyPr rtlCol="0" anchor="ctr"/>
+                    <a:lstStyle/>
+                    <a:p>
+                      <a:pPr algn="ctr"/>
+                      <a:endParaRPr lang="pt-BR"/>
+                    </a:p>
+                  </p:txBody>
+                </p:sp>
+                <p:sp>
+                  <p:nvSpPr>
+                    <p:cNvPr id="314" name="Triângulo isósceles 313"/>
+                    <p:cNvSpPr/>
+                    <p:nvPr/>
+                  </p:nvSpPr>
+                  <p:spPr>
+                    <a:xfrm>
+                      <a:off x="7939022" y="2088395"/>
+                      <a:ext cx="288032" cy="216024"/>
+                    </a:xfrm>
+                    <a:prstGeom prst="triangle">
+                      <a:avLst/>
+                    </a:prstGeom>
+                    <a:grpFill/>
+                    <a:ln>
+                      <a:noFill/>
+                    </a:ln>
+                    <a:effectLst/>
+                  </p:spPr>
+                  <p:style>
+                    <a:lnRef idx="2">
+                      <a:schemeClr val="accent1">
+                        <a:shade val="50000"/>
+                      </a:schemeClr>
+                    </a:lnRef>
+                    <a:fillRef idx="1">
+                      <a:schemeClr val="accent1"/>
+                    </a:fillRef>
+                    <a:effectRef idx="0">
+                      <a:schemeClr val="accent1"/>
+                    </a:effectRef>
+                    <a:fontRef idx="minor">
+                      <a:schemeClr val="lt1"/>
+                    </a:fontRef>
+                  </p:style>
+                  <p:txBody>
+                    <a:bodyPr rtlCol="0" anchor="ctr"/>
+                    <a:lstStyle/>
+                    <a:p>
+                      <a:pPr algn="ctr"/>
+                      <a:endParaRPr lang="pt-BR"/>
+                    </a:p>
+                  </p:txBody>
+                </p:sp>
+                <p:sp>
+                  <p:nvSpPr>
+                    <p:cNvPr id="315" name="Triângulo isósceles 314"/>
+                    <p:cNvSpPr/>
+                    <p:nvPr/>
+                  </p:nvSpPr>
+                  <p:spPr>
+                    <a:xfrm>
+                      <a:off x="8227054" y="2088395"/>
+                      <a:ext cx="288032" cy="216024"/>
+                    </a:xfrm>
+                    <a:prstGeom prst="triangle">
+                      <a:avLst/>
+                    </a:prstGeom>
+                    <a:grpFill/>
+                    <a:ln>
+                      <a:noFill/>
+                    </a:ln>
+                    <a:effectLst/>
+                  </p:spPr>
+                  <p:style>
+                    <a:lnRef idx="2">
+                      <a:schemeClr val="accent1">
+                        <a:shade val="50000"/>
+                      </a:schemeClr>
+                    </a:lnRef>
+                    <a:fillRef idx="1">
+                      <a:schemeClr val="accent1"/>
+                    </a:fillRef>
+                    <a:effectRef idx="0">
+                      <a:schemeClr val="accent1"/>
+                    </a:effectRef>
+                    <a:fontRef idx="minor">
+                      <a:schemeClr val="lt1"/>
+                    </a:fontRef>
+                  </p:style>
+                  <p:txBody>
+                    <a:bodyPr rtlCol="0" anchor="ctr"/>
+                    <a:lstStyle/>
+                    <a:p>
+                      <a:pPr algn="ctr"/>
+                      <a:endParaRPr lang="pt-BR"/>
+                    </a:p>
+                  </p:txBody>
+                </p:sp>
+                <p:sp>
+                  <p:nvSpPr>
+                    <p:cNvPr id="316" name="Triângulo isósceles 315"/>
+                    <p:cNvSpPr/>
+                    <p:nvPr/>
+                  </p:nvSpPr>
+                  <p:spPr>
+                    <a:xfrm>
+                      <a:off x="8515086" y="2088395"/>
+                      <a:ext cx="288032" cy="216024"/>
+                    </a:xfrm>
+                    <a:prstGeom prst="triangle">
+                      <a:avLst/>
+                    </a:prstGeom>
+                    <a:grpFill/>
+                    <a:ln>
+                      <a:noFill/>
+                    </a:ln>
+                    <a:effectLst/>
+                  </p:spPr>
+                  <p:style>
+                    <a:lnRef idx="2">
+                      <a:schemeClr val="accent1">
+                        <a:shade val="50000"/>
+                      </a:schemeClr>
+                    </a:lnRef>
+                    <a:fillRef idx="1">
+                      <a:schemeClr val="accent1"/>
+                    </a:fillRef>
+                    <a:effectRef idx="0">
+                      <a:schemeClr val="accent1"/>
+                    </a:effectRef>
+                    <a:fontRef idx="minor">
+                      <a:schemeClr val="lt1"/>
+                    </a:fontRef>
+                  </p:style>
+                  <p:txBody>
+                    <a:bodyPr rtlCol="0" anchor="ctr"/>
+                    <a:lstStyle/>
+                    <a:p>
+                      <a:pPr algn="ctr"/>
+                      <a:endParaRPr lang="pt-BR"/>
+                    </a:p>
+                  </p:txBody>
+                </p:sp>
+              </p:grpSp>
+              <p:grpSp>
+                <p:nvGrpSpPr>
+                  <p:cNvPr id="296" name="Grupo 295"/>
+                  <p:cNvGrpSpPr/>
+                  <p:nvPr/>
+                </p:nvGrpSpPr>
+                <p:grpSpPr>
+                  <a:xfrm rot="10800000">
+                    <a:off x="3798090" y="3357800"/>
+                    <a:ext cx="2703476" cy="108012"/>
+                    <a:chOff x="5952287" y="2088395"/>
+                    <a:chExt cx="2850831" cy="216024"/>
+                  </a:xfrm>
+                  <a:grpFill/>
+                </p:grpSpPr>
+                <p:sp>
+                  <p:nvSpPr>
+                    <p:cNvPr id="297" name="Triângulo isósceles 296"/>
+                    <p:cNvSpPr/>
+                    <p:nvPr/>
+                  </p:nvSpPr>
+                  <p:spPr>
+                    <a:xfrm>
+                      <a:off x="5952287" y="2088395"/>
+                      <a:ext cx="288032" cy="216024"/>
+                    </a:xfrm>
+                    <a:prstGeom prst="triangle">
+                      <a:avLst/>
+                    </a:prstGeom>
+                    <a:grpFill/>
+                    <a:ln>
+                      <a:noFill/>
+                    </a:ln>
+                    <a:effectLst/>
+                  </p:spPr>
+                  <p:style>
+                    <a:lnRef idx="2">
+                      <a:schemeClr val="accent1">
+                        <a:shade val="50000"/>
+                      </a:schemeClr>
+                    </a:lnRef>
+                    <a:fillRef idx="1">
+                      <a:schemeClr val="accent1"/>
+                    </a:fillRef>
+                    <a:effectRef idx="0">
+                      <a:schemeClr val="accent1"/>
+                    </a:effectRef>
+                    <a:fontRef idx="minor">
+                      <a:schemeClr val="lt1"/>
+                    </a:fontRef>
+                  </p:style>
+                  <p:txBody>
+                    <a:bodyPr rtlCol="0" anchor="ctr"/>
+                    <a:lstStyle/>
+                    <a:p>
+                      <a:pPr algn="ctr"/>
+                      <a:endParaRPr lang="pt-BR"/>
+                    </a:p>
+                  </p:txBody>
+                </p:sp>
+                <p:sp>
+                  <p:nvSpPr>
+                    <p:cNvPr id="298" name="Triângulo isósceles 297"/>
+                    <p:cNvSpPr/>
+                    <p:nvPr/>
+                  </p:nvSpPr>
+                  <p:spPr>
+                    <a:xfrm>
+                      <a:off x="6241783" y="2088395"/>
+                      <a:ext cx="288032" cy="216024"/>
+                    </a:xfrm>
+                    <a:prstGeom prst="triangle">
+                      <a:avLst/>
+                    </a:prstGeom>
+                    <a:grpFill/>
+                    <a:ln>
+                      <a:noFill/>
+                    </a:ln>
+                    <a:effectLst/>
+                  </p:spPr>
+                  <p:style>
+                    <a:lnRef idx="2">
+                      <a:schemeClr val="accent1">
+                        <a:shade val="50000"/>
+                      </a:schemeClr>
+                    </a:lnRef>
+                    <a:fillRef idx="1">
+                      <a:schemeClr val="accent1"/>
+                    </a:fillRef>
+                    <a:effectRef idx="0">
+                      <a:schemeClr val="accent1"/>
+                    </a:effectRef>
+                    <a:fontRef idx="minor">
+                      <a:schemeClr val="lt1"/>
+                    </a:fontRef>
+                  </p:style>
+                  <p:txBody>
+                    <a:bodyPr rtlCol="0" anchor="ctr"/>
+                    <a:lstStyle/>
+                    <a:p>
+                      <a:pPr algn="ctr"/>
+                      <a:endParaRPr lang="pt-BR"/>
+                    </a:p>
+                  </p:txBody>
+                </p:sp>
+                <p:sp>
+                  <p:nvSpPr>
+                    <p:cNvPr id="299" name="Triângulo isósceles 298"/>
+                    <p:cNvSpPr/>
+                    <p:nvPr/>
+                  </p:nvSpPr>
+                  <p:spPr>
+                    <a:xfrm>
+                      <a:off x="6520839" y="2088395"/>
+                      <a:ext cx="288032" cy="216024"/>
+                    </a:xfrm>
+                    <a:prstGeom prst="triangle">
+                      <a:avLst/>
+                    </a:prstGeom>
+                    <a:grpFill/>
+                    <a:ln>
+                      <a:noFill/>
+                    </a:ln>
+                    <a:effectLst/>
+                  </p:spPr>
+                  <p:style>
+                    <a:lnRef idx="2">
+                      <a:schemeClr val="accent1">
+                        <a:shade val="50000"/>
+                      </a:schemeClr>
+                    </a:lnRef>
+                    <a:fillRef idx="1">
+                      <a:schemeClr val="accent1"/>
+                    </a:fillRef>
+                    <a:effectRef idx="0">
+                      <a:schemeClr val="accent1"/>
+                    </a:effectRef>
+                    <a:fontRef idx="minor">
+                      <a:schemeClr val="lt1"/>
+                    </a:fontRef>
+                  </p:style>
+                  <p:txBody>
+                    <a:bodyPr rtlCol="0" anchor="ctr"/>
+                    <a:lstStyle/>
+                    <a:p>
+                      <a:pPr algn="ctr"/>
+                      <a:endParaRPr lang="pt-BR"/>
+                    </a:p>
+                  </p:txBody>
+                </p:sp>
+                <p:sp>
+                  <p:nvSpPr>
+                    <p:cNvPr id="300" name="Triângulo isósceles 299"/>
+                    <p:cNvSpPr/>
+                    <p:nvPr/>
+                  </p:nvSpPr>
+                  <p:spPr>
+                    <a:xfrm>
+                      <a:off x="6786042" y="2088395"/>
+                      <a:ext cx="288032" cy="216024"/>
+                    </a:xfrm>
+                    <a:prstGeom prst="triangle">
+                      <a:avLst/>
+                    </a:prstGeom>
+                    <a:grpFill/>
+                    <a:ln>
+                      <a:noFill/>
+                    </a:ln>
+                    <a:effectLst/>
+                  </p:spPr>
+                  <p:style>
+                    <a:lnRef idx="2">
+                      <a:schemeClr val="accent1">
+                        <a:shade val="50000"/>
+                      </a:schemeClr>
+                    </a:lnRef>
+                    <a:fillRef idx="1">
+                      <a:schemeClr val="accent1"/>
+                    </a:fillRef>
+                    <a:effectRef idx="0">
+                      <a:schemeClr val="accent1"/>
+                    </a:effectRef>
+                    <a:fontRef idx="minor">
+                      <a:schemeClr val="lt1"/>
+                    </a:fontRef>
+                  </p:style>
+                  <p:txBody>
+                    <a:bodyPr rtlCol="0" anchor="ctr"/>
+                    <a:lstStyle/>
+                    <a:p>
+                      <a:pPr algn="ctr"/>
+                      <a:endParaRPr lang="pt-BR"/>
+                    </a:p>
+                  </p:txBody>
+                </p:sp>
+                <p:sp>
+                  <p:nvSpPr>
+                    <p:cNvPr id="301" name="Triângulo isósceles 300"/>
+                    <p:cNvSpPr/>
+                    <p:nvPr/>
+                  </p:nvSpPr>
+                  <p:spPr>
+                    <a:xfrm>
+                      <a:off x="7057306" y="2088395"/>
+                      <a:ext cx="288032" cy="216024"/>
+                    </a:xfrm>
+                    <a:prstGeom prst="triangle">
+                      <a:avLst/>
+                    </a:prstGeom>
+                    <a:grpFill/>
+                    <a:ln>
+                      <a:noFill/>
+                    </a:ln>
+                    <a:effectLst/>
+                  </p:spPr>
+                  <p:style>
+                    <a:lnRef idx="2">
+                      <a:schemeClr val="accent1">
+                        <a:shade val="50000"/>
+                      </a:schemeClr>
+                    </a:lnRef>
+                    <a:fillRef idx="1">
+                      <a:schemeClr val="accent1"/>
+                    </a:fillRef>
+                    <a:effectRef idx="0">
+                      <a:schemeClr val="accent1"/>
+                    </a:effectRef>
+                    <a:fontRef idx="minor">
+                      <a:schemeClr val="lt1"/>
+                    </a:fontRef>
+                  </p:style>
+                  <p:txBody>
+                    <a:bodyPr rtlCol="0" anchor="ctr"/>
+                    <a:lstStyle/>
+                    <a:p>
+                      <a:pPr algn="ctr"/>
+                      <a:endParaRPr lang="pt-BR"/>
+                    </a:p>
+                  </p:txBody>
+                </p:sp>
+                <p:sp>
+                  <p:nvSpPr>
+                    <p:cNvPr id="302" name="Triângulo isósceles 301"/>
+                    <p:cNvSpPr/>
+                    <p:nvPr/>
+                  </p:nvSpPr>
+                  <p:spPr>
+                    <a:xfrm>
+                      <a:off x="7358127" y="2088395"/>
+                      <a:ext cx="288032" cy="216024"/>
+                    </a:xfrm>
+                    <a:prstGeom prst="triangle">
+                      <a:avLst/>
+                    </a:prstGeom>
+                    <a:grpFill/>
+                    <a:ln>
+                      <a:noFill/>
+                    </a:ln>
+                    <a:effectLst/>
+                  </p:spPr>
+                  <p:style>
+                    <a:lnRef idx="2">
+                      <a:schemeClr val="accent1">
+                        <a:shade val="50000"/>
+                      </a:schemeClr>
+                    </a:lnRef>
+                    <a:fillRef idx="1">
+                      <a:schemeClr val="accent1"/>
+                    </a:fillRef>
+                    <a:effectRef idx="0">
+                      <a:schemeClr val="accent1"/>
+                    </a:effectRef>
+                    <a:fontRef idx="minor">
+                      <a:schemeClr val="lt1"/>
+                    </a:fontRef>
+                  </p:style>
+                  <p:txBody>
+                    <a:bodyPr rtlCol="0" anchor="ctr"/>
+                    <a:lstStyle/>
+                    <a:p>
+                      <a:pPr algn="ctr"/>
+                      <a:endParaRPr lang="pt-BR"/>
+                    </a:p>
+                  </p:txBody>
+                </p:sp>
+                <p:sp>
+                  <p:nvSpPr>
+                    <p:cNvPr id="303" name="Triângulo isósceles 302"/>
+                    <p:cNvSpPr/>
+                    <p:nvPr/>
+                  </p:nvSpPr>
+                  <p:spPr>
+                    <a:xfrm>
+                      <a:off x="7628725" y="2088395"/>
+                      <a:ext cx="288032" cy="216024"/>
+                    </a:xfrm>
+                    <a:prstGeom prst="triangle">
+                      <a:avLst/>
+                    </a:prstGeom>
+                    <a:grpFill/>
+                    <a:ln>
+                      <a:noFill/>
+                    </a:ln>
+                    <a:effectLst/>
+                  </p:spPr>
+                  <p:style>
+                    <a:lnRef idx="2">
+                      <a:schemeClr val="accent1">
+                        <a:shade val="50000"/>
+                      </a:schemeClr>
+                    </a:lnRef>
+                    <a:fillRef idx="1">
+                      <a:schemeClr val="accent1"/>
+                    </a:fillRef>
+                    <a:effectRef idx="0">
+                      <a:schemeClr val="accent1"/>
+                    </a:effectRef>
+                    <a:fontRef idx="minor">
+                      <a:schemeClr val="lt1"/>
+                    </a:fontRef>
+                  </p:style>
+                  <p:txBody>
+                    <a:bodyPr rtlCol="0" anchor="ctr"/>
+                    <a:lstStyle/>
+                    <a:p>
+                      <a:pPr algn="ctr"/>
+                      <a:endParaRPr lang="pt-BR"/>
+                    </a:p>
+                  </p:txBody>
+                </p:sp>
+                <p:sp>
+                  <p:nvSpPr>
+                    <p:cNvPr id="304" name="Triângulo isósceles 303"/>
+                    <p:cNvSpPr/>
+                    <p:nvPr/>
+                  </p:nvSpPr>
+                  <p:spPr>
+                    <a:xfrm>
+                      <a:off x="7939022" y="2088395"/>
+                      <a:ext cx="288032" cy="216024"/>
+                    </a:xfrm>
+                    <a:prstGeom prst="triangle">
+                      <a:avLst/>
+                    </a:prstGeom>
+                    <a:grpFill/>
+                    <a:ln>
+                      <a:noFill/>
+                    </a:ln>
+                    <a:effectLst/>
+                  </p:spPr>
+                  <p:style>
+                    <a:lnRef idx="2">
+                      <a:schemeClr val="accent1">
+                        <a:shade val="50000"/>
+                      </a:schemeClr>
+                    </a:lnRef>
+                    <a:fillRef idx="1">
+                      <a:schemeClr val="accent1"/>
+                    </a:fillRef>
+                    <a:effectRef idx="0">
+                      <a:schemeClr val="accent1"/>
+                    </a:effectRef>
+                    <a:fontRef idx="minor">
+                      <a:schemeClr val="lt1"/>
+                    </a:fontRef>
+                  </p:style>
+                  <p:txBody>
+                    <a:bodyPr rtlCol="0" anchor="ctr"/>
+                    <a:lstStyle/>
+                    <a:p>
+                      <a:pPr algn="ctr"/>
+                      <a:endParaRPr lang="pt-BR"/>
+                    </a:p>
+                  </p:txBody>
+                </p:sp>
+                <p:sp>
+                  <p:nvSpPr>
+                    <p:cNvPr id="305" name="Triângulo isósceles 304"/>
+                    <p:cNvSpPr/>
+                    <p:nvPr/>
+                  </p:nvSpPr>
+                  <p:spPr>
+                    <a:xfrm>
+                      <a:off x="8227054" y="2088395"/>
+                      <a:ext cx="288032" cy="216024"/>
+                    </a:xfrm>
+                    <a:prstGeom prst="triangle">
+                      <a:avLst/>
+                    </a:prstGeom>
+                    <a:grpFill/>
+                    <a:ln>
+                      <a:noFill/>
+                    </a:ln>
+                    <a:effectLst/>
+                  </p:spPr>
+                  <p:style>
+                    <a:lnRef idx="2">
+                      <a:schemeClr val="accent1">
+                        <a:shade val="50000"/>
+                      </a:schemeClr>
+                    </a:lnRef>
+                    <a:fillRef idx="1">
+                      <a:schemeClr val="accent1"/>
+                    </a:fillRef>
+                    <a:effectRef idx="0">
+                      <a:schemeClr val="accent1"/>
+                    </a:effectRef>
+                    <a:fontRef idx="minor">
+                      <a:schemeClr val="lt1"/>
+                    </a:fontRef>
+                  </p:style>
+                  <p:txBody>
+                    <a:bodyPr rtlCol="0" anchor="ctr"/>
+                    <a:lstStyle/>
+                    <a:p>
+                      <a:pPr algn="ctr"/>
+                      <a:endParaRPr lang="pt-BR"/>
+                    </a:p>
+                  </p:txBody>
+                </p:sp>
+                <p:sp>
+                  <p:nvSpPr>
+                    <p:cNvPr id="306" name="Triângulo isósceles 305"/>
+                    <p:cNvSpPr/>
+                    <p:nvPr/>
+                  </p:nvSpPr>
+                  <p:spPr>
+                    <a:xfrm>
+                      <a:off x="8515086" y="2088395"/>
+                      <a:ext cx="288032" cy="216024"/>
+                    </a:xfrm>
+                    <a:prstGeom prst="triangle">
+                      <a:avLst/>
+                    </a:prstGeom>
+                    <a:grpFill/>
+                    <a:ln>
+                      <a:noFill/>
+                    </a:ln>
+                    <a:effectLst/>
+                  </p:spPr>
+                  <p:style>
+                    <a:lnRef idx="2">
+                      <a:schemeClr val="accent1">
+                        <a:shade val="50000"/>
+                      </a:schemeClr>
+                    </a:lnRef>
+                    <a:fillRef idx="1">
+                      <a:schemeClr val="accent1"/>
+                    </a:fillRef>
+                    <a:effectRef idx="0">
+                      <a:schemeClr val="accent1"/>
+                    </a:effectRef>
+                    <a:fontRef idx="minor">
+                      <a:schemeClr val="lt1"/>
+                    </a:fontRef>
+                  </p:style>
+                  <p:txBody>
+                    <a:bodyPr rtlCol="0" anchor="ctr"/>
+                    <a:lstStyle/>
+                    <a:p>
+                      <a:pPr algn="ctr"/>
+                      <a:endParaRPr lang="pt-BR"/>
+                    </a:p>
+                  </p:txBody>
+                </p:sp>
+              </p:grpSp>
+            </p:grpSp>
+            <p:grpSp>
+              <p:nvGrpSpPr>
+                <p:cNvPr id="256" name="Agrupar 15">
+                  <a:extLst>
+                    <a:ext uri="{FF2B5EF4-FFF2-40B4-BE49-F238E27FC236}">
+                      <a16:creationId xmlns:a16="http://schemas.microsoft.com/office/drawing/2014/main" xmlns="" id="{CDA0B437-9E5C-43AF-AD41-CFFD83C35D59}"/>
+                    </a:ext>
+                  </a:extLst>
+                </p:cNvPr>
+                <p:cNvGrpSpPr/>
+                <p:nvPr/>
+              </p:nvGrpSpPr>
+              <p:grpSpPr>
+                <a:xfrm>
+                  <a:off x="-97830" y="2366963"/>
+                  <a:ext cx="2714217" cy="2854593"/>
+                  <a:chOff x="3787349" y="611219"/>
+                  <a:chExt cx="2714217" cy="2854593"/>
+                </a:xfrm>
+                <a:solidFill>
+                  <a:srgbClr val="893BC3"/>
+                </a:solidFill>
+              </p:grpSpPr>
+              <p:sp>
+                <p:nvSpPr>
+                  <p:cNvPr id="271" name="Retângulo 270"/>
+                  <p:cNvSpPr/>
+                  <p:nvPr/>
+                </p:nvSpPr>
+                <p:spPr>
+                  <a:xfrm>
+                    <a:off x="3792719" y="708149"/>
+                    <a:ext cx="2703477" cy="2664296"/>
+                  </a:xfrm>
+                  <a:prstGeom prst="rect">
+                    <a:avLst/>
+                  </a:prstGeom>
+                  <a:grpFill/>
+                  <a:ln>
+                    <a:noFill/>
+                  </a:ln>
+                  <a:effectLst/>
+                </p:spPr>
+                <p:style>
+                  <a:lnRef idx="2">
+                    <a:schemeClr val="accent1">
+                      <a:shade val="50000"/>
+                    </a:schemeClr>
+                  </a:lnRef>
+                  <a:fillRef idx="1">
+                    <a:schemeClr val="accent1"/>
+                  </a:fillRef>
+                  <a:effectRef idx="0">
+                    <a:schemeClr val="accent1"/>
+                  </a:effectRef>
+                  <a:fontRef idx="minor">
+                    <a:schemeClr val="lt1"/>
+                  </a:fontRef>
+                </p:style>
+                <p:txBody>
+                  <a:bodyPr rtlCol="0" anchor="ctr"/>
+                  <a:lstStyle/>
+                  <a:p>
+                    <a:pPr algn="ctr"/>
+                    <a:endParaRPr lang="pt-BR">
+                      <a:solidFill>
+                        <a:srgbClr val="9900FF"/>
+                      </a:solidFill>
+                    </a:endParaRPr>
+                  </a:p>
+                </p:txBody>
+              </p:sp>
+              <p:grpSp>
+                <p:nvGrpSpPr>
+                  <p:cNvPr id="272" name="Grupo 271"/>
+                  <p:cNvGrpSpPr/>
+                  <p:nvPr/>
+                </p:nvGrpSpPr>
+                <p:grpSpPr>
+                  <a:xfrm>
+                    <a:off x="3787349" y="611219"/>
+                    <a:ext cx="2703476" cy="108012"/>
+                    <a:chOff x="5952287" y="2088395"/>
+                    <a:chExt cx="2850831" cy="216024"/>
+                  </a:xfrm>
+                  <a:grpFill/>
+                </p:grpSpPr>
+                <p:sp>
+                  <p:nvSpPr>
+                    <p:cNvPr id="284" name="Triângulo isósceles 283"/>
+                    <p:cNvSpPr/>
+                    <p:nvPr/>
+                  </p:nvSpPr>
+                  <p:spPr>
+                    <a:xfrm>
+                      <a:off x="5952287" y="2088395"/>
+                      <a:ext cx="288032" cy="216024"/>
+                    </a:xfrm>
+                    <a:prstGeom prst="triangle">
+                      <a:avLst/>
+                    </a:prstGeom>
+                    <a:grpFill/>
+                    <a:ln>
+                      <a:noFill/>
+                    </a:ln>
+                    <a:effectLst/>
+                  </p:spPr>
+                  <p:style>
+                    <a:lnRef idx="2">
+                      <a:schemeClr val="accent1">
+                        <a:shade val="50000"/>
+                      </a:schemeClr>
+                    </a:lnRef>
+                    <a:fillRef idx="1">
+                      <a:schemeClr val="accent1"/>
+                    </a:fillRef>
+                    <a:effectRef idx="0">
+                      <a:schemeClr val="accent1"/>
+                    </a:effectRef>
+                    <a:fontRef idx="minor">
+                      <a:schemeClr val="lt1"/>
+                    </a:fontRef>
+                  </p:style>
+                  <p:txBody>
+                    <a:bodyPr rtlCol="0" anchor="ctr"/>
+                    <a:lstStyle/>
+                    <a:p>
+                      <a:pPr algn="ctr"/>
+                      <a:endParaRPr lang="pt-BR"/>
+                    </a:p>
+                  </p:txBody>
+                </p:sp>
+                <p:sp>
+                  <p:nvSpPr>
+                    <p:cNvPr id="285" name="Triângulo isósceles 284"/>
+                    <p:cNvSpPr/>
+                    <p:nvPr/>
+                  </p:nvSpPr>
+                  <p:spPr>
+                    <a:xfrm>
+                      <a:off x="6241783" y="2088395"/>
+                      <a:ext cx="288032" cy="216024"/>
+                    </a:xfrm>
+                    <a:prstGeom prst="triangle">
+                      <a:avLst/>
+                    </a:prstGeom>
+                    <a:grpFill/>
+                    <a:ln>
+                      <a:noFill/>
+                    </a:ln>
+                    <a:effectLst/>
+                  </p:spPr>
+                  <p:style>
+                    <a:lnRef idx="2">
+                      <a:schemeClr val="accent1">
+                        <a:shade val="50000"/>
+                      </a:schemeClr>
+                    </a:lnRef>
+                    <a:fillRef idx="1">
+                      <a:schemeClr val="accent1"/>
+                    </a:fillRef>
+                    <a:effectRef idx="0">
+                      <a:schemeClr val="accent1"/>
+                    </a:effectRef>
+                    <a:fontRef idx="minor">
+                      <a:schemeClr val="lt1"/>
+                    </a:fontRef>
+                  </p:style>
+                  <p:txBody>
+                    <a:bodyPr rtlCol="0" anchor="ctr"/>
+                    <a:lstStyle/>
+                    <a:p>
+                      <a:pPr algn="ctr"/>
+                      <a:endParaRPr lang="pt-BR"/>
+                    </a:p>
+                  </p:txBody>
+                </p:sp>
+                <p:sp>
+                  <p:nvSpPr>
+                    <p:cNvPr id="286" name="Triângulo isósceles 285"/>
+                    <p:cNvSpPr/>
+                    <p:nvPr/>
+                  </p:nvSpPr>
+                  <p:spPr>
+                    <a:xfrm>
+                      <a:off x="6520839" y="2088395"/>
+                      <a:ext cx="288032" cy="216024"/>
+                    </a:xfrm>
+                    <a:prstGeom prst="triangle">
+                      <a:avLst/>
+                    </a:prstGeom>
+                    <a:grpFill/>
+                    <a:ln>
+                      <a:noFill/>
+                    </a:ln>
+                    <a:effectLst/>
+                  </p:spPr>
+                  <p:style>
+                    <a:lnRef idx="2">
+                      <a:schemeClr val="accent1">
+                        <a:shade val="50000"/>
+                      </a:schemeClr>
+                    </a:lnRef>
+                    <a:fillRef idx="1">
+                      <a:schemeClr val="accent1"/>
+                    </a:fillRef>
+                    <a:effectRef idx="0">
+                      <a:schemeClr val="accent1"/>
+                    </a:effectRef>
+                    <a:fontRef idx="minor">
+                      <a:schemeClr val="lt1"/>
+                    </a:fontRef>
+                  </p:style>
+                  <p:txBody>
+                    <a:bodyPr rtlCol="0" anchor="ctr"/>
+                    <a:lstStyle/>
+                    <a:p>
+                      <a:pPr algn="ctr"/>
+                      <a:endParaRPr lang="pt-BR"/>
+                    </a:p>
+                  </p:txBody>
+                </p:sp>
+                <p:sp>
+                  <p:nvSpPr>
+                    <p:cNvPr id="287" name="Triângulo isósceles 286"/>
+                    <p:cNvSpPr/>
+                    <p:nvPr/>
+                  </p:nvSpPr>
+                  <p:spPr>
+                    <a:xfrm>
+                      <a:off x="6786042" y="2088395"/>
+                      <a:ext cx="288032" cy="216024"/>
+                    </a:xfrm>
+                    <a:prstGeom prst="triangle">
+                      <a:avLst/>
+                    </a:prstGeom>
+                    <a:grpFill/>
+                    <a:ln>
+                      <a:noFill/>
+                    </a:ln>
+                    <a:effectLst/>
+                  </p:spPr>
+                  <p:style>
+                    <a:lnRef idx="2">
+                      <a:schemeClr val="accent1">
+                        <a:shade val="50000"/>
+                      </a:schemeClr>
+                    </a:lnRef>
+                    <a:fillRef idx="1">
+                      <a:schemeClr val="accent1"/>
+                    </a:fillRef>
+                    <a:effectRef idx="0">
+                      <a:schemeClr val="accent1"/>
+                    </a:effectRef>
+                    <a:fontRef idx="minor">
+                      <a:schemeClr val="lt1"/>
+                    </a:fontRef>
+                  </p:style>
+                  <p:txBody>
+                    <a:bodyPr rtlCol="0" anchor="ctr"/>
+                    <a:lstStyle/>
+                    <a:p>
+                      <a:pPr algn="ctr"/>
+                      <a:endParaRPr lang="pt-BR"/>
+                    </a:p>
+                  </p:txBody>
+                </p:sp>
+                <p:sp>
+                  <p:nvSpPr>
+                    <p:cNvPr id="288" name="Triângulo isósceles 287"/>
+                    <p:cNvSpPr/>
+                    <p:nvPr/>
+                  </p:nvSpPr>
+                  <p:spPr>
+                    <a:xfrm>
+                      <a:off x="7057306" y="2088395"/>
+                      <a:ext cx="288032" cy="216024"/>
+                    </a:xfrm>
+                    <a:prstGeom prst="triangle">
+                      <a:avLst/>
+                    </a:prstGeom>
+                    <a:grpFill/>
+                    <a:ln>
+                      <a:noFill/>
+                    </a:ln>
+                    <a:effectLst/>
+                  </p:spPr>
+                  <p:style>
+                    <a:lnRef idx="2">
+                      <a:schemeClr val="accent1">
+                        <a:shade val="50000"/>
+                      </a:schemeClr>
+                    </a:lnRef>
+                    <a:fillRef idx="1">
+                      <a:schemeClr val="accent1"/>
+                    </a:fillRef>
+                    <a:effectRef idx="0">
+                      <a:schemeClr val="accent1"/>
+                    </a:effectRef>
+                    <a:fontRef idx="minor">
+                      <a:schemeClr val="lt1"/>
+                    </a:fontRef>
+                  </p:style>
+                  <p:txBody>
+                    <a:bodyPr rtlCol="0" anchor="ctr"/>
+                    <a:lstStyle/>
+                    <a:p>
+                      <a:pPr algn="ctr"/>
+                      <a:endParaRPr lang="pt-BR"/>
+                    </a:p>
+                  </p:txBody>
+                </p:sp>
+                <p:sp>
+                  <p:nvSpPr>
+                    <p:cNvPr id="289" name="Triângulo isósceles 288"/>
+                    <p:cNvSpPr/>
+                    <p:nvPr/>
+                  </p:nvSpPr>
+                  <p:spPr>
+                    <a:xfrm>
+                      <a:off x="7358127" y="2088395"/>
+                      <a:ext cx="288032" cy="216024"/>
+                    </a:xfrm>
+                    <a:prstGeom prst="triangle">
+                      <a:avLst/>
+                    </a:prstGeom>
+                    <a:grpFill/>
+                    <a:ln>
+                      <a:noFill/>
+                    </a:ln>
+                    <a:effectLst/>
+                  </p:spPr>
+                  <p:style>
+                    <a:lnRef idx="2">
+                      <a:schemeClr val="accent1">
+                        <a:shade val="50000"/>
+                      </a:schemeClr>
+                    </a:lnRef>
+                    <a:fillRef idx="1">
+                      <a:schemeClr val="accent1"/>
+                    </a:fillRef>
+                    <a:effectRef idx="0">
+                      <a:schemeClr val="accent1"/>
+                    </a:effectRef>
+                    <a:fontRef idx="minor">
+                      <a:schemeClr val="lt1"/>
+                    </a:fontRef>
+                  </p:style>
+                  <p:txBody>
+                    <a:bodyPr rtlCol="0" anchor="ctr"/>
+                    <a:lstStyle/>
+                    <a:p>
+                      <a:pPr algn="ctr"/>
+                      <a:endParaRPr lang="pt-BR"/>
+                    </a:p>
+                  </p:txBody>
+                </p:sp>
+                <p:sp>
+                  <p:nvSpPr>
+                    <p:cNvPr id="290" name="Triângulo isósceles 289"/>
+                    <p:cNvSpPr/>
+                    <p:nvPr/>
+                  </p:nvSpPr>
+                  <p:spPr>
+                    <a:xfrm>
+                      <a:off x="7628725" y="2088395"/>
+                      <a:ext cx="288032" cy="216024"/>
+                    </a:xfrm>
+                    <a:prstGeom prst="triangle">
+                      <a:avLst/>
+                    </a:prstGeom>
+                    <a:grpFill/>
+                    <a:ln>
+                      <a:noFill/>
+                    </a:ln>
+                    <a:effectLst/>
+                  </p:spPr>
+                  <p:style>
+                    <a:lnRef idx="2">
+                      <a:schemeClr val="accent1">
+                        <a:shade val="50000"/>
+                      </a:schemeClr>
+                    </a:lnRef>
+                    <a:fillRef idx="1">
+                      <a:schemeClr val="accent1"/>
+                    </a:fillRef>
+                    <a:effectRef idx="0">
+                      <a:schemeClr val="accent1"/>
+                    </a:effectRef>
+                    <a:fontRef idx="minor">
+                      <a:schemeClr val="lt1"/>
+                    </a:fontRef>
+                  </p:style>
+                  <p:txBody>
+                    <a:bodyPr rtlCol="0" anchor="ctr"/>
+                    <a:lstStyle/>
+                    <a:p>
+                      <a:pPr algn="ctr"/>
+                      <a:endParaRPr lang="pt-BR"/>
+                    </a:p>
+                  </p:txBody>
+                </p:sp>
+                <p:sp>
+                  <p:nvSpPr>
+                    <p:cNvPr id="291" name="Triângulo isósceles 290"/>
+                    <p:cNvSpPr/>
+                    <p:nvPr/>
+                  </p:nvSpPr>
+                  <p:spPr>
+                    <a:xfrm>
+                      <a:off x="7939022" y="2088395"/>
+                      <a:ext cx="288032" cy="216024"/>
+                    </a:xfrm>
+                    <a:prstGeom prst="triangle">
+                      <a:avLst/>
+                    </a:prstGeom>
+                    <a:grpFill/>
+                    <a:ln>
+                      <a:noFill/>
+                    </a:ln>
+                    <a:effectLst/>
+                  </p:spPr>
+                  <p:style>
+                    <a:lnRef idx="2">
+                      <a:schemeClr val="accent1">
+                        <a:shade val="50000"/>
+                      </a:schemeClr>
+                    </a:lnRef>
+                    <a:fillRef idx="1">
+                      <a:schemeClr val="accent1"/>
+                    </a:fillRef>
+                    <a:effectRef idx="0">
+                      <a:schemeClr val="accent1"/>
+                    </a:effectRef>
+                    <a:fontRef idx="minor">
+                      <a:schemeClr val="lt1"/>
+                    </a:fontRef>
+                  </p:style>
+                  <p:txBody>
+                    <a:bodyPr rtlCol="0" anchor="ctr"/>
+                    <a:lstStyle/>
+                    <a:p>
+                      <a:pPr algn="ctr"/>
+                      <a:endParaRPr lang="pt-BR"/>
+                    </a:p>
+                  </p:txBody>
+                </p:sp>
+                <p:sp>
+                  <p:nvSpPr>
+                    <p:cNvPr id="292" name="Triângulo isósceles 291"/>
+                    <p:cNvSpPr/>
+                    <p:nvPr/>
+                  </p:nvSpPr>
+                  <p:spPr>
+                    <a:xfrm>
+                      <a:off x="8227054" y="2088395"/>
+                      <a:ext cx="288032" cy="216024"/>
+                    </a:xfrm>
+                    <a:prstGeom prst="triangle">
+                      <a:avLst/>
+                    </a:prstGeom>
+                    <a:grpFill/>
+                    <a:ln>
+                      <a:noFill/>
+                    </a:ln>
+                    <a:effectLst/>
+                  </p:spPr>
+                  <p:style>
+                    <a:lnRef idx="2">
+                      <a:schemeClr val="accent1">
+                        <a:shade val="50000"/>
+                      </a:schemeClr>
+                    </a:lnRef>
+                    <a:fillRef idx="1">
+                      <a:schemeClr val="accent1"/>
+                    </a:fillRef>
+                    <a:effectRef idx="0">
+                      <a:schemeClr val="accent1"/>
+                    </a:effectRef>
+                    <a:fontRef idx="minor">
+                      <a:schemeClr val="lt1"/>
+                    </a:fontRef>
+                  </p:style>
+                  <p:txBody>
+                    <a:bodyPr rtlCol="0" anchor="ctr"/>
+                    <a:lstStyle/>
+                    <a:p>
+                      <a:pPr algn="ctr"/>
+                      <a:endParaRPr lang="pt-BR"/>
+                    </a:p>
+                  </p:txBody>
+                </p:sp>
+                <p:sp>
+                  <p:nvSpPr>
+                    <p:cNvPr id="293" name="Triângulo isósceles 292"/>
+                    <p:cNvSpPr/>
+                    <p:nvPr/>
+                  </p:nvSpPr>
+                  <p:spPr>
+                    <a:xfrm>
+                      <a:off x="8515086" y="2088395"/>
+                      <a:ext cx="288032" cy="216024"/>
+                    </a:xfrm>
+                    <a:prstGeom prst="triangle">
+                      <a:avLst/>
+                    </a:prstGeom>
+                    <a:grpFill/>
+                    <a:ln>
+                      <a:noFill/>
+                    </a:ln>
+                    <a:effectLst/>
+                  </p:spPr>
+                  <p:style>
+                    <a:lnRef idx="2">
+                      <a:schemeClr val="accent1">
+                        <a:shade val="50000"/>
+                      </a:schemeClr>
+                    </a:lnRef>
+                    <a:fillRef idx="1">
+                      <a:schemeClr val="accent1"/>
+                    </a:fillRef>
+                    <a:effectRef idx="0">
+                      <a:schemeClr val="accent1"/>
+                    </a:effectRef>
+                    <a:fontRef idx="minor">
+                      <a:schemeClr val="lt1"/>
+                    </a:fontRef>
+                  </p:style>
+                  <p:txBody>
+                    <a:bodyPr rtlCol="0" anchor="ctr"/>
+                    <a:lstStyle/>
+                    <a:p>
+                      <a:pPr algn="ctr"/>
+                      <a:endParaRPr lang="pt-BR"/>
+                    </a:p>
+                  </p:txBody>
+                </p:sp>
+              </p:grpSp>
+              <p:grpSp>
+                <p:nvGrpSpPr>
+                  <p:cNvPr id="273" name="Grupo 272"/>
+                  <p:cNvGrpSpPr/>
+                  <p:nvPr/>
+                </p:nvGrpSpPr>
+                <p:grpSpPr>
+                  <a:xfrm rot="10800000">
+                    <a:off x="3798090" y="3357800"/>
+                    <a:ext cx="2703476" cy="108012"/>
+                    <a:chOff x="5952287" y="2088395"/>
+                    <a:chExt cx="2850831" cy="216024"/>
+                  </a:xfrm>
+                  <a:grpFill/>
+                </p:grpSpPr>
+                <p:sp>
+                  <p:nvSpPr>
+                    <p:cNvPr id="274" name="Triângulo isósceles 273"/>
+                    <p:cNvSpPr/>
+                    <p:nvPr/>
+                  </p:nvSpPr>
+                  <p:spPr>
+                    <a:xfrm>
+                      <a:off x="5952287" y="2088395"/>
+                      <a:ext cx="288032" cy="216024"/>
+                    </a:xfrm>
+                    <a:prstGeom prst="triangle">
+                      <a:avLst/>
+                    </a:prstGeom>
+                    <a:grpFill/>
+                    <a:ln>
+                      <a:noFill/>
+                    </a:ln>
+                    <a:effectLst/>
+                  </p:spPr>
+                  <p:style>
+                    <a:lnRef idx="2">
+                      <a:schemeClr val="accent1">
+                        <a:shade val="50000"/>
+                      </a:schemeClr>
+                    </a:lnRef>
+                    <a:fillRef idx="1">
+                      <a:schemeClr val="accent1"/>
+                    </a:fillRef>
+                    <a:effectRef idx="0">
+                      <a:schemeClr val="accent1"/>
+                    </a:effectRef>
+                    <a:fontRef idx="minor">
+                      <a:schemeClr val="lt1"/>
+                    </a:fontRef>
+                  </p:style>
+                  <p:txBody>
+                    <a:bodyPr rtlCol="0" anchor="ctr"/>
+                    <a:lstStyle/>
+                    <a:p>
+                      <a:pPr algn="ctr"/>
+                      <a:endParaRPr lang="pt-BR"/>
+                    </a:p>
+                  </p:txBody>
+                </p:sp>
+                <p:sp>
+                  <p:nvSpPr>
+                    <p:cNvPr id="275" name="Triângulo isósceles 274"/>
+                    <p:cNvSpPr/>
+                    <p:nvPr/>
+                  </p:nvSpPr>
+                  <p:spPr>
+                    <a:xfrm>
+                      <a:off x="6241783" y="2088395"/>
+                      <a:ext cx="288032" cy="216024"/>
+                    </a:xfrm>
+                    <a:prstGeom prst="triangle">
+                      <a:avLst/>
+                    </a:prstGeom>
+                    <a:grpFill/>
+                    <a:ln>
+                      <a:noFill/>
+                    </a:ln>
+                    <a:effectLst/>
+                  </p:spPr>
+                  <p:style>
+                    <a:lnRef idx="2">
+                      <a:schemeClr val="accent1">
+                        <a:shade val="50000"/>
+                      </a:schemeClr>
+                    </a:lnRef>
+                    <a:fillRef idx="1">
+                      <a:schemeClr val="accent1"/>
+                    </a:fillRef>
+                    <a:effectRef idx="0">
+                      <a:schemeClr val="accent1"/>
+                    </a:effectRef>
+                    <a:fontRef idx="minor">
+                      <a:schemeClr val="lt1"/>
+                    </a:fontRef>
+                  </p:style>
+                  <p:txBody>
+                    <a:bodyPr rtlCol="0" anchor="ctr"/>
+                    <a:lstStyle/>
+                    <a:p>
+                      <a:pPr algn="ctr"/>
+                      <a:endParaRPr lang="pt-BR"/>
+                    </a:p>
+                  </p:txBody>
+                </p:sp>
+                <p:sp>
+                  <p:nvSpPr>
+                    <p:cNvPr id="276" name="Triângulo isósceles 275"/>
+                    <p:cNvSpPr/>
+                    <p:nvPr/>
+                  </p:nvSpPr>
+                  <p:spPr>
+                    <a:xfrm>
+                      <a:off x="6520839" y="2088395"/>
+                      <a:ext cx="288032" cy="216024"/>
+                    </a:xfrm>
+                    <a:prstGeom prst="triangle">
+                      <a:avLst/>
+                    </a:prstGeom>
+                    <a:grpFill/>
+                    <a:ln>
+                      <a:noFill/>
+                    </a:ln>
+                    <a:effectLst/>
+                  </p:spPr>
+                  <p:style>
+                    <a:lnRef idx="2">
+                      <a:schemeClr val="accent1">
+                        <a:shade val="50000"/>
+                      </a:schemeClr>
+                    </a:lnRef>
+                    <a:fillRef idx="1">
+                      <a:schemeClr val="accent1"/>
+                    </a:fillRef>
+                    <a:effectRef idx="0">
+                      <a:schemeClr val="accent1"/>
+                    </a:effectRef>
+                    <a:fontRef idx="minor">
+                      <a:schemeClr val="lt1"/>
+                    </a:fontRef>
+                  </p:style>
+                  <p:txBody>
+                    <a:bodyPr rtlCol="0" anchor="ctr"/>
+                    <a:lstStyle/>
+                    <a:p>
+                      <a:pPr algn="ctr"/>
+                      <a:endParaRPr lang="pt-BR"/>
+                    </a:p>
+                  </p:txBody>
+                </p:sp>
+                <p:sp>
+                  <p:nvSpPr>
+                    <p:cNvPr id="277" name="Triângulo isósceles 276"/>
+                    <p:cNvSpPr/>
+                    <p:nvPr/>
+                  </p:nvSpPr>
+                  <p:spPr>
+                    <a:xfrm>
+                      <a:off x="6786042" y="2088395"/>
+                      <a:ext cx="288032" cy="216024"/>
+                    </a:xfrm>
+                    <a:prstGeom prst="triangle">
+                      <a:avLst/>
+                    </a:prstGeom>
+                    <a:grpFill/>
+                    <a:ln>
+                      <a:noFill/>
+                    </a:ln>
+                    <a:effectLst/>
+                  </p:spPr>
+                  <p:style>
+                    <a:lnRef idx="2">
+                      <a:schemeClr val="accent1">
+                        <a:shade val="50000"/>
+                      </a:schemeClr>
+                    </a:lnRef>
+                    <a:fillRef idx="1">
+                      <a:schemeClr val="accent1"/>
+                    </a:fillRef>
+                    <a:effectRef idx="0">
+                      <a:schemeClr val="accent1"/>
+                    </a:effectRef>
+                    <a:fontRef idx="minor">
+                      <a:schemeClr val="lt1"/>
+                    </a:fontRef>
+                  </p:style>
+                  <p:txBody>
+                    <a:bodyPr rtlCol="0" anchor="ctr"/>
+                    <a:lstStyle/>
+                    <a:p>
+                      <a:pPr algn="ctr"/>
+                      <a:endParaRPr lang="pt-BR"/>
+                    </a:p>
+                  </p:txBody>
+                </p:sp>
+                <p:sp>
+                  <p:nvSpPr>
+                    <p:cNvPr id="278" name="Triângulo isósceles 277"/>
+                    <p:cNvSpPr/>
+                    <p:nvPr/>
+                  </p:nvSpPr>
+                  <p:spPr>
+                    <a:xfrm>
+                      <a:off x="7057306" y="2088395"/>
+                      <a:ext cx="288032" cy="216024"/>
+                    </a:xfrm>
+                    <a:prstGeom prst="triangle">
+                      <a:avLst/>
+                    </a:prstGeom>
+                    <a:grpFill/>
+                    <a:ln>
+                      <a:noFill/>
+                    </a:ln>
+                    <a:effectLst/>
+                  </p:spPr>
+                  <p:style>
+                    <a:lnRef idx="2">
+                      <a:schemeClr val="accent1">
+                        <a:shade val="50000"/>
+                      </a:schemeClr>
+                    </a:lnRef>
+                    <a:fillRef idx="1">
+                      <a:schemeClr val="accent1"/>
+                    </a:fillRef>
+                    <a:effectRef idx="0">
+                      <a:schemeClr val="accent1"/>
+                    </a:effectRef>
+                    <a:fontRef idx="minor">
+                      <a:schemeClr val="lt1"/>
+                    </a:fontRef>
+                  </p:style>
+                  <p:txBody>
+                    <a:bodyPr rtlCol="0" anchor="ctr"/>
+                    <a:lstStyle/>
+                    <a:p>
+                      <a:pPr algn="ctr"/>
+                      <a:endParaRPr lang="pt-BR"/>
+                    </a:p>
+                  </p:txBody>
+                </p:sp>
+                <p:sp>
+                  <p:nvSpPr>
+                    <p:cNvPr id="279" name="Triângulo isósceles 278"/>
+                    <p:cNvSpPr/>
+                    <p:nvPr/>
+                  </p:nvSpPr>
+                  <p:spPr>
+                    <a:xfrm>
+                      <a:off x="7358127" y="2088395"/>
+                      <a:ext cx="288032" cy="216024"/>
+                    </a:xfrm>
+                    <a:prstGeom prst="triangle">
+                      <a:avLst/>
+                    </a:prstGeom>
+                    <a:grpFill/>
+                    <a:ln>
+                      <a:noFill/>
+                    </a:ln>
+                    <a:effectLst/>
+                  </p:spPr>
+                  <p:style>
+                    <a:lnRef idx="2">
+                      <a:schemeClr val="accent1">
+                        <a:shade val="50000"/>
+                      </a:schemeClr>
+                    </a:lnRef>
+                    <a:fillRef idx="1">
+                      <a:schemeClr val="accent1"/>
+                    </a:fillRef>
+                    <a:effectRef idx="0">
+                      <a:schemeClr val="accent1"/>
+                    </a:effectRef>
+                    <a:fontRef idx="minor">
+                      <a:schemeClr val="lt1"/>
+                    </a:fontRef>
+                  </p:style>
+                  <p:txBody>
+                    <a:bodyPr rtlCol="0" anchor="ctr"/>
+                    <a:lstStyle/>
+                    <a:p>
+                      <a:pPr algn="ctr"/>
+                      <a:endParaRPr lang="pt-BR"/>
+                    </a:p>
+                  </p:txBody>
+                </p:sp>
+                <p:sp>
+                  <p:nvSpPr>
+                    <p:cNvPr id="280" name="Triângulo isósceles 279"/>
+                    <p:cNvSpPr/>
+                    <p:nvPr/>
+                  </p:nvSpPr>
+                  <p:spPr>
+                    <a:xfrm>
+                      <a:off x="7628725" y="2088395"/>
+                      <a:ext cx="288032" cy="216024"/>
+                    </a:xfrm>
+                    <a:prstGeom prst="triangle">
+                      <a:avLst/>
+                    </a:prstGeom>
+                    <a:grpFill/>
+                    <a:ln>
+                      <a:noFill/>
+                    </a:ln>
+                    <a:effectLst/>
+                  </p:spPr>
+                  <p:style>
+                    <a:lnRef idx="2">
+                      <a:schemeClr val="accent1">
+                        <a:shade val="50000"/>
+                      </a:schemeClr>
+                    </a:lnRef>
+                    <a:fillRef idx="1">
+                      <a:schemeClr val="accent1"/>
+                    </a:fillRef>
+                    <a:effectRef idx="0">
+                      <a:schemeClr val="accent1"/>
+                    </a:effectRef>
+                    <a:fontRef idx="minor">
+                      <a:schemeClr val="lt1"/>
+                    </a:fontRef>
+                  </p:style>
+                  <p:txBody>
+                    <a:bodyPr rtlCol="0" anchor="ctr"/>
+                    <a:lstStyle/>
+                    <a:p>
+                      <a:pPr algn="ctr"/>
+                      <a:endParaRPr lang="pt-BR"/>
+                    </a:p>
+                  </p:txBody>
+                </p:sp>
+                <p:sp>
+                  <p:nvSpPr>
+                    <p:cNvPr id="281" name="Triângulo isósceles 280"/>
+                    <p:cNvSpPr/>
+                    <p:nvPr/>
+                  </p:nvSpPr>
+                  <p:spPr>
+                    <a:xfrm>
+                      <a:off x="7939022" y="2088395"/>
+                      <a:ext cx="288032" cy="216024"/>
+                    </a:xfrm>
+                    <a:prstGeom prst="triangle">
+                      <a:avLst/>
+                    </a:prstGeom>
+                    <a:grpFill/>
+                    <a:ln>
+                      <a:noFill/>
+                    </a:ln>
+                    <a:effectLst/>
+                  </p:spPr>
+                  <p:style>
+                    <a:lnRef idx="2">
+                      <a:schemeClr val="accent1">
+                        <a:shade val="50000"/>
+                      </a:schemeClr>
+                    </a:lnRef>
+                    <a:fillRef idx="1">
+                      <a:schemeClr val="accent1"/>
+                    </a:fillRef>
+                    <a:effectRef idx="0">
+                      <a:schemeClr val="accent1"/>
+                    </a:effectRef>
+                    <a:fontRef idx="minor">
+                      <a:schemeClr val="lt1"/>
+                    </a:fontRef>
+                  </p:style>
+                  <p:txBody>
+                    <a:bodyPr rtlCol="0" anchor="ctr"/>
+                    <a:lstStyle/>
+                    <a:p>
+                      <a:pPr algn="ctr"/>
+                      <a:endParaRPr lang="pt-BR"/>
+                    </a:p>
+                  </p:txBody>
+                </p:sp>
+                <p:sp>
+                  <p:nvSpPr>
+                    <p:cNvPr id="282" name="Triângulo isósceles 281"/>
+                    <p:cNvSpPr/>
+                    <p:nvPr/>
+                  </p:nvSpPr>
+                  <p:spPr>
+                    <a:xfrm>
+                      <a:off x="8227054" y="2088395"/>
+                      <a:ext cx="288032" cy="216024"/>
+                    </a:xfrm>
+                    <a:prstGeom prst="triangle">
+                      <a:avLst/>
+                    </a:prstGeom>
+                    <a:grpFill/>
+                    <a:ln>
+                      <a:noFill/>
+                    </a:ln>
+                    <a:effectLst/>
+                  </p:spPr>
+                  <p:style>
+                    <a:lnRef idx="2">
+                      <a:schemeClr val="accent1">
+                        <a:shade val="50000"/>
+                      </a:schemeClr>
+                    </a:lnRef>
+                    <a:fillRef idx="1">
+                      <a:schemeClr val="accent1"/>
+                    </a:fillRef>
+                    <a:effectRef idx="0">
+                      <a:schemeClr val="accent1"/>
+                    </a:effectRef>
+                    <a:fontRef idx="minor">
+                      <a:schemeClr val="lt1"/>
+                    </a:fontRef>
+                  </p:style>
+                  <p:txBody>
+                    <a:bodyPr rtlCol="0" anchor="ctr"/>
+                    <a:lstStyle/>
+                    <a:p>
+                      <a:pPr algn="ctr"/>
+                      <a:endParaRPr lang="pt-BR"/>
+                    </a:p>
+                  </p:txBody>
+                </p:sp>
+                <p:sp>
+                  <p:nvSpPr>
+                    <p:cNvPr id="283" name="Triângulo isósceles 282"/>
+                    <p:cNvSpPr/>
+                    <p:nvPr/>
+                  </p:nvSpPr>
+                  <p:spPr>
+                    <a:xfrm>
+                      <a:off x="8515086" y="2088395"/>
+                      <a:ext cx="288032" cy="216024"/>
+                    </a:xfrm>
+                    <a:prstGeom prst="triangle">
+                      <a:avLst/>
+                    </a:prstGeom>
+                    <a:grpFill/>
+                    <a:ln>
+                      <a:noFill/>
+                    </a:ln>
+                    <a:effectLst/>
+                  </p:spPr>
+                  <p:style>
+                    <a:lnRef idx="2">
+                      <a:schemeClr val="accent1">
+                        <a:shade val="50000"/>
+                      </a:schemeClr>
+                    </a:lnRef>
+                    <a:fillRef idx="1">
+                      <a:schemeClr val="accent1"/>
+                    </a:fillRef>
+                    <a:effectRef idx="0">
+                      <a:schemeClr val="accent1"/>
+                    </a:effectRef>
+                    <a:fontRef idx="minor">
+                      <a:schemeClr val="lt1"/>
+                    </a:fontRef>
+                  </p:style>
+                  <p:txBody>
+                    <a:bodyPr rtlCol="0" anchor="ctr"/>
+                    <a:lstStyle/>
+                    <a:p>
+                      <a:pPr algn="ctr"/>
+                      <a:endParaRPr lang="pt-BR"/>
+                    </a:p>
+                  </p:txBody>
+                </p:sp>
+              </p:grpSp>
+            </p:grpSp>
+            <p:sp>
+              <p:nvSpPr>
+                <p:cNvPr id="257" name="Retângulo de cantos arredondados 256"/>
+                <p:cNvSpPr/>
+                <p:nvPr/>
+              </p:nvSpPr>
+              <p:spPr>
+                <a:xfrm>
+                  <a:off x="57634" y="2564904"/>
+                  <a:ext cx="2354126" cy="2513813"/>
+                </a:xfrm>
+                <a:prstGeom prst="roundRect">
+                  <a:avLst>
+                    <a:gd name="adj" fmla="val 13040"/>
+                  </a:avLst>
+                </a:prstGeom>
+                <a:solidFill>
+                  <a:srgbClr val="934CC8"/>
+                </a:solidFill>
+                <a:ln>
+                  <a:noFill/>
+                </a:ln>
+                <a:effectLst/>
+              </p:spPr>
+              <p:style>
+                <a:lnRef idx="2">
+                  <a:schemeClr val="accent1">
+                    <a:shade val="50000"/>
+                  </a:schemeClr>
+                </a:lnRef>
+                <a:fillRef idx="1">
+                  <a:schemeClr val="accent1"/>
+                </a:fillRef>
+                <a:effectRef idx="0">
+                  <a:schemeClr val="accent1"/>
+                </a:effectRef>
+                <a:fontRef idx="minor">
+                  <a:schemeClr val="lt1"/>
+                </a:fontRef>
+              </p:style>
+              <p:txBody>
+                <a:bodyPr rtlCol="0" anchor="ctr"/>
+                <a:lstStyle/>
+                <a:p>
+                  <a:pPr algn="ctr"/>
+                  <a:endParaRPr lang="pt-BR"/>
+                </a:p>
+              </p:txBody>
+            </p:sp>
+            <p:sp>
+              <p:nvSpPr>
+                <p:cNvPr id="258" name="Elipse 257"/>
+                <p:cNvSpPr/>
+                <p:nvPr/>
+              </p:nvSpPr>
+              <p:spPr>
+                <a:xfrm>
+                  <a:off x="315341" y="2836839"/>
+                  <a:ext cx="1935767" cy="1935767"/>
+                </a:xfrm>
+                <a:prstGeom prst="ellipse">
+                  <a:avLst/>
+                </a:prstGeom>
+                <a:solidFill>
+                  <a:srgbClr val="9F5FCF"/>
+                </a:solidFill>
+                <a:ln>
+                  <a:noFill/>
+                </a:ln>
+                <a:effectLst/>
+              </p:spPr>
+              <p:style>
+                <a:lnRef idx="2">
+                  <a:schemeClr val="accent1">
+                    <a:shade val="50000"/>
+                  </a:schemeClr>
+                </a:lnRef>
+                <a:fillRef idx="1">
+                  <a:schemeClr val="accent1"/>
+                </a:fillRef>
+                <a:effectRef idx="0">
+                  <a:schemeClr val="accent1"/>
+                </a:effectRef>
+                <a:fontRef idx="minor">
+                  <a:schemeClr val="lt1"/>
+                </a:fontRef>
+              </p:style>
+              <p:txBody>
+                <a:bodyPr rtlCol="0" anchor="ctr"/>
+                <a:lstStyle/>
+                <a:p>
+                  <a:pPr algn="ctr"/>
+                  <a:endParaRPr lang="pt-BR"/>
+                </a:p>
+              </p:txBody>
+            </p:sp>
+            <p:grpSp>
+              <p:nvGrpSpPr>
+                <p:cNvPr id="259" name="Grupo 258"/>
+                <p:cNvGrpSpPr/>
+                <p:nvPr/>
+              </p:nvGrpSpPr>
+              <p:grpSpPr>
+                <a:xfrm>
+                  <a:off x="236651" y="2685954"/>
+                  <a:ext cx="2045254" cy="2327222"/>
+                  <a:chOff x="3834481" y="2564904"/>
+                  <a:chExt cx="2249687" cy="2559840"/>
+                </a:xfrm>
+              </p:grpSpPr>
+              <p:grpSp>
+                <p:nvGrpSpPr>
+                  <p:cNvPr id="260" name="Grupo 259"/>
+                  <p:cNvGrpSpPr/>
+                  <p:nvPr/>
+                </p:nvGrpSpPr>
+                <p:grpSpPr>
+                  <a:xfrm>
+                    <a:off x="3834481" y="2564904"/>
+                    <a:ext cx="2249687" cy="2559840"/>
+                    <a:chOff x="3834481" y="2564904"/>
+                    <a:chExt cx="2249687" cy="2559840"/>
+                  </a:xfrm>
+                </p:grpSpPr>
+                <p:grpSp>
+                  <p:nvGrpSpPr>
+                    <p:cNvPr id="262" name="Grupo 261"/>
+                    <p:cNvGrpSpPr/>
+                    <p:nvPr/>
+                  </p:nvGrpSpPr>
+                  <p:grpSpPr>
+                    <a:xfrm>
+                      <a:off x="3834481" y="2564904"/>
+                      <a:ext cx="2177679" cy="680434"/>
+                      <a:chOff x="3834481" y="2564904"/>
+                      <a:chExt cx="2177679" cy="680434"/>
+                    </a:xfrm>
+                  </p:grpSpPr>
+                  <p:sp>
+                    <p:nvSpPr>
+                      <p:cNvPr id="268" name="Retângulo de cantos arredondados 18"/>
+                      <p:cNvSpPr/>
+                      <p:nvPr/>
+                    </p:nvSpPr>
+                    <p:spPr>
+                      <a:xfrm>
+                        <a:off x="3834481" y="2564904"/>
+                        <a:ext cx="2177679" cy="680434"/>
+                      </a:xfrm>
+                      <a:custGeom>
+                        <a:avLst/>
+                        <a:gdLst/>
+                        <a:ahLst/>
+                        <a:cxnLst/>
+                        <a:rect l="l" t="t" r="r" b="b"/>
+                        <a:pathLst>
+                          <a:path w="2041106" h="578046">
+                            <a:moveTo>
+                              <a:pt x="289023" y="0"/>
+                            </a:moveTo>
+                            <a:lnTo>
+                              <a:pt x="1752083" y="0"/>
+                            </a:lnTo>
+                            <a:cubicBezTo>
+                              <a:pt x="1911706" y="0"/>
+                              <a:pt x="2041106" y="129400"/>
+                              <a:pt x="2041106" y="289023"/>
+                            </a:cubicBezTo>
+                            <a:cubicBezTo>
+                              <a:pt x="2041106" y="428738"/>
+                              <a:pt x="1941971" y="545298"/>
+                              <a:pt x="1810202" y="572187"/>
+                            </a:cubicBezTo>
+                            <a:cubicBezTo>
+                              <a:pt x="1636249" y="345950"/>
+                              <a:pt x="1362230" y="202538"/>
+                              <a:pt x="1054714" y="202538"/>
+                            </a:cubicBezTo>
+                            <a:cubicBezTo>
+                              <a:pt x="744460" y="202538"/>
+                              <a:pt x="468300" y="348516"/>
+                              <a:pt x="294392" y="578046"/>
+                            </a:cubicBezTo>
+                            <a:lnTo>
+                              <a:pt x="289023" y="578046"/>
+                            </a:lnTo>
+                            <a:cubicBezTo>
+                              <a:pt x="129400" y="578046"/>
+                              <a:pt x="0" y="448646"/>
+                              <a:pt x="0" y="289023"/>
+                            </a:cubicBezTo>
+                            <a:cubicBezTo>
+                              <a:pt x="0" y="129400"/>
+                              <a:pt x="129400" y="0"/>
+                              <a:pt x="289023" y="0"/>
+                            </a:cubicBezTo>
+                            <a:close/>
+                          </a:path>
+                        </a:pathLst>
+                      </a:custGeom>
+                      <a:solidFill>
+                        <a:srgbClr val="702FA1"/>
+                      </a:solidFill>
+                      <a:ln>
+                        <a:noFill/>
+                      </a:ln>
+                      <a:effectLst/>
+                    </p:spPr>
+                    <p:style>
+                      <a:lnRef idx="2">
+                        <a:schemeClr val="accent1">
+                          <a:shade val="50000"/>
+                        </a:schemeClr>
+                      </a:lnRef>
+                      <a:fillRef idx="1">
+                        <a:schemeClr val="accent1"/>
+                      </a:fillRef>
+                      <a:effectRef idx="0">
+                        <a:schemeClr val="accent1"/>
+                      </a:effectRef>
+                      <a:fontRef idx="minor">
+                        <a:schemeClr val="lt1"/>
+                      </a:fontRef>
+                    </p:style>
+                    <p:txBody>
+                      <a:bodyPr rtlCol="0" anchor="ctr"/>
+                      <a:lstStyle/>
+                      <a:p>
+                        <a:pPr algn="ctr"/>
+                        <a:endParaRPr lang="pt-BR"/>
+                      </a:p>
+                    </p:txBody>
+                  </p:sp>
+                  <p:sp>
+                    <p:nvSpPr>
+                      <p:cNvPr id="269" name="Retângulo de cantos arredondados 18"/>
+                      <p:cNvSpPr/>
+                      <p:nvPr/>
+                    </p:nvSpPr>
+                    <p:spPr>
+                      <a:xfrm>
+                        <a:off x="3957140" y="2636912"/>
+                        <a:ext cx="1948083" cy="342021"/>
+                      </a:xfrm>
+                      <a:custGeom>
+                        <a:avLst/>
+                        <a:gdLst/>
+                        <a:ahLst/>
+                        <a:cxnLst/>
+                        <a:rect l="l" t="t" r="r" b="b"/>
+                        <a:pathLst>
+                          <a:path w="2041106" h="578046">
+                            <a:moveTo>
+                              <a:pt x="289023" y="0"/>
+                            </a:moveTo>
+                            <a:lnTo>
+                              <a:pt x="1752083" y="0"/>
+                            </a:lnTo>
+                            <a:cubicBezTo>
+                              <a:pt x="1911706" y="0"/>
+                              <a:pt x="2041106" y="129400"/>
+                              <a:pt x="2041106" y="289023"/>
+                            </a:cubicBezTo>
+                            <a:cubicBezTo>
+                              <a:pt x="2041106" y="428738"/>
+                              <a:pt x="1941971" y="545298"/>
+                              <a:pt x="1810202" y="572187"/>
+                            </a:cubicBezTo>
+                            <a:cubicBezTo>
+                              <a:pt x="1636249" y="345950"/>
+                              <a:pt x="1362230" y="202538"/>
+                              <a:pt x="1054714" y="202538"/>
+                            </a:cubicBezTo>
+                            <a:cubicBezTo>
+                              <a:pt x="744460" y="202538"/>
+                              <a:pt x="468300" y="348516"/>
+                              <a:pt x="294392" y="578046"/>
+                            </a:cubicBezTo>
+                            <a:lnTo>
+                              <a:pt x="289023" y="578046"/>
+                            </a:lnTo>
+                            <a:cubicBezTo>
+                              <a:pt x="129400" y="578046"/>
+                              <a:pt x="0" y="448646"/>
+                              <a:pt x="0" y="289023"/>
+                            </a:cubicBezTo>
+                            <a:cubicBezTo>
+                              <a:pt x="0" y="129400"/>
+                              <a:pt x="129400" y="0"/>
+                              <a:pt x="289023" y="0"/>
+                            </a:cubicBezTo>
+                            <a:close/>
+                          </a:path>
+                        </a:pathLst>
+                      </a:custGeom>
+                      <a:solidFill>
+                        <a:srgbClr val="7A33AF"/>
+                      </a:solidFill>
+                      <a:ln>
+                        <a:noFill/>
+                      </a:ln>
+                      <a:effectLst/>
+                    </p:spPr>
+                    <p:style>
+                      <a:lnRef idx="2">
+                        <a:schemeClr val="accent1">
+                          <a:shade val="50000"/>
+                        </a:schemeClr>
+                      </a:lnRef>
+                      <a:fillRef idx="1">
+                        <a:schemeClr val="accent1"/>
+                      </a:fillRef>
+                      <a:effectRef idx="0">
+                        <a:schemeClr val="accent1"/>
+                      </a:effectRef>
+                      <a:fontRef idx="minor">
+                        <a:schemeClr val="lt1"/>
+                      </a:fontRef>
+                    </p:style>
+                    <p:txBody>
+                      <a:bodyPr rtlCol="0" anchor="ctr"/>
+                      <a:lstStyle/>
+                      <a:p>
+                        <a:pPr algn="ctr"/>
+                        <a:endParaRPr lang="pt-BR"/>
+                      </a:p>
+                    </p:txBody>
+                  </p:sp>
+                  <p:sp>
+                    <p:nvSpPr>
+                      <p:cNvPr id="270" name="Retângulo de cantos arredondados 269"/>
+                      <p:cNvSpPr/>
+                      <p:nvPr/>
+                    </p:nvSpPr>
+                    <p:spPr>
+                      <a:xfrm rot="19680248">
+                        <a:off x="5710148" y="2699401"/>
+                        <a:ext cx="63913" cy="130411"/>
+                      </a:xfrm>
+                      <a:prstGeom prst="roundRect">
+                        <a:avLst>
+                          <a:gd name="adj" fmla="val 50000"/>
+                        </a:avLst>
+                      </a:prstGeom>
+                      <a:solidFill>
+                        <a:srgbClr val="AE77D7"/>
+                      </a:solidFill>
+                      <a:ln>
+                        <a:noFill/>
+                      </a:ln>
+                      <a:effectLst/>
+                    </p:spPr>
+                    <p:style>
+                      <a:lnRef idx="2">
+                        <a:schemeClr val="accent1">
+                          <a:shade val="50000"/>
+                        </a:schemeClr>
+                      </a:lnRef>
+                      <a:fillRef idx="1">
+                        <a:schemeClr val="accent1"/>
+                      </a:fillRef>
+                      <a:effectRef idx="0">
+                        <a:schemeClr val="accent1"/>
+                      </a:effectRef>
+                      <a:fontRef idx="minor">
+                        <a:schemeClr val="lt1"/>
+                      </a:fontRef>
+                    </p:style>
+                    <p:txBody>
+                      <a:bodyPr rtlCol="0" anchor="ctr"/>
+                      <a:lstStyle/>
+                      <a:p>
+                        <a:pPr algn="ctr"/>
+                        <a:endParaRPr lang="pt-BR"/>
+                      </a:p>
+                    </p:txBody>
+                  </p:sp>
+                </p:grpSp>
+                <p:sp>
+                  <p:nvSpPr>
+                    <p:cNvPr id="263" name="Lua 262"/>
+                    <p:cNvSpPr/>
+                    <p:nvPr/>
+                  </p:nvSpPr>
+                  <p:spPr>
+                    <a:xfrm rot="14897553" flipV="1">
+                      <a:off x="5051438" y="4011013"/>
+                      <a:ext cx="332395" cy="854979"/>
+                    </a:xfrm>
+                    <a:prstGeom prst="moon">
+                      <a:avLst>
+                        <a:gd name="adj" fmla="val 57263"/>
+                      </a:avLst>
+                    </a:prstGeom>
+                    <a:solidFill>
+                      <a:srgbClr val="AE77D7"/>
+                    </a:solidFill>
+                    <a:ln>
+                      <a:noFill/>
+                    </a:ln>
+                    <a:effectLst/>
+                  </p:spPr>
+                  <p:style>
+                    <a:lnRef idx="2">
+                      <a:schemeClr val="accent1">
+                        <a:shade val="50000"/>
+                      </a:schemeClr>
+                    </a:lnRef>
+                    <a:fillRef idx="1">
+                      <a:schemeClr val="accent1"/>
+                    </a:fillRef>
+                    <a:effectRef idx="0">
+                      <a:schemeClr val="accent1"/>
+                    </a:effectRef>
+                    <a:fontRef idx="minor">
+                      <a:schemeClr val="lt1"/>
+                    </a:fontRef>
+                  </p:style>
+                  <p:txBody>
+                    <a:bodyPr rtlCol="0" anchor="ctr"/>
+                    <a:lstStyle/>
+                    <a:p>
+                      <a:pPr algn="ctr"/>
+                      <a:endParaRPr lang="pt-BR">
+                        <a:solidFill>
+                          <a:srgbClr val="7030A0"/>
+                        </a:solidFill>
+                      </a:endParaRPr>
+                    </a:p>
+                  </p:txBody>
+                </p:sp>
+                <p:sp>
+                  <p:nvSpPr>
+                    <p:cNvPr id="264" name="Lua 263"/>
+                    <p:cNvSpPr/>
+                    <p:nvPr/>
+                  </p:nvSpPr>
+                  <p:spPr>
+                    <a:xfrm rot="4888875">
+                      <a:off x="4622462" y="2588504"/>
+                      <a:ext cx="483049" cy="1242485"/>
+                    </a:xfrm>
+                    <a:prstGeom prst="moon">
+                      <a:avLst>
+                        <a:gd name="adj" fmla="val 59731"/>
+                      </a:avLst>
+                    </a:prstGeom>
+                    <a:solidFill>
+                      <a:srgbClr val="7131A1"/>
+                    </a:solidFill>
+                    <a:ln>
+                      <a:noFill/>
+                    </a:ln>
+                    <a:effectLst/>
+                  </p:spPr>
+                  <p:style>
+                    <a:lnRef idx="2">
+                      <a:schemeClr val="accent1">
+                        <a:shade val="50000"/>
+                      </a:schemeClr>
+                    </a:lnRef>
+                    <a:fillRef idx="1">
+                      <a:schemeClr val="accent1"/>
+                    </a:fillRef>
+                    <a:effectRef idx="0">
+                      <a:schemeClr val="accent1"/>
+                    </a:effectRef>
+                    <a:fontRef idx="minor">
+                      <a:schemeClr val="lt1"/>
+                    </a:fontRef>
+                  </p:style>
+                  <p:txBody>
+                    <a:bodyPr rtlCol="0" anchor="ctr"/>
+                    <a:lstStyle/>
+                    <a:p>
+                      <a:pPr algn="ctr"/>
+                      <a:endParaRPr lang="pt-BR"/>
+                    </a:p>
+                  </p:txBody>
+                </p:sp>
+                <p:grpSp>
+                  <p:nvGrpSpPr>
+                    <p:cNvPr id="265" name="Grupo 264"/>
+                    <p:cNvGrpSpPr/>
+                    <p:nvPr/>
+                  </p:nvGrpSpPr>
+                  <p:grpSpPr>
+                    <a:xfrm rot="10800000">
+                      <a:off x="3906489" y="4444310"/>
+                      <a:ext cx="2177679" cy="680434"/>
+                      <a:chOff x="3834481" y="2485698"/>
+                      <a:chExt cx="2177679" cy="680434"/>
+                    </a:xfrm>
+                  </p:grpSpPr>
+                  <p:sp>
+                    <p:nvSpPr>
+                      <p:cNvPr id="266" name="Retângulo de cantos arredondados 18"/>
+                      <p:cNvSpPr/>
+                      <p:nvPr/>
+                    </p:nvSpPr>
+                    <p:spPr>
+                      <a:xfrm>
+                        <a:off x="3834481" y="2485698"/>
+                        <a:ext cx="2177679" cy="680434"/>
+                      </a:xfrm>
+                      <a:custGeom>
+                        <a:avLst/>
+                        <a:gdLst/>
+                        <a:ahLst/>
+                        <a:cxnLst/>
+                        <a:rect l="l" t="t" r="r" b="b"/>
+                        <a:pathLst>
+                          <a:path w="2041106" h="578046">
+                            <a:moveTo>
+                              <a:pt x="289023" y="0"/>
+                            </a:moveTo>
+                            <a:lnTo>
+                              <a:pt x="1752083" y="0"/>
+                            </a:lnTo>
+                            <a:cubicBezTo>
+                              <a:pt x="1911706" y="0"/>
+                              <a:pt x="2041106" y="129400"/>
+                              <a:pt x="2041106" y="289023"/>
+                            </a:cubicBezTo>
+                            <a:cubicBezTo>
+                              <a:pt x="2041106" y="428738"/>
+                              <a:pt x="1941971" y="545298"/>
+                              <a:pt x="1810202" y="572187"/>
+                            </a:cubicBezTo>
+                            <a:cubicBezTo>
+                              <a:pt x="1636249" y="345950"/>
+                              <a:pt x="1362230" y="202538"/>
+                              <a:pt x="1054714" y="202538"/>
+                            </a:cubicBezTo>
+                            <a:cubicBezTo>
+                              <a:pt x="744460" y="202538"/>
+                              <a:pt x="468300" y="348516"/>
+                              <a:pt x="294392" y="578046"/>
+                            </a:cubicBezTo>
+                            <a:lnTo>
+                              <a:pt x="289023" y="578046"/>
+                            </a:lnTo>
+                            <a:cubicBezTo>
+                              <a:pt x="129400" y="578046"/>
+                              <a:pt x="0" y="448646"/>
+                              <a:pt x="0" y="289023"/>
+                            </a:cubicBezTo>
+                            <a:cubicBezTo>
+                              <a:pt x="0" y="129400"/>
+                              <a:pt x="129400" y="0"/>
+                              <a:pt x="289023" y="0"/>
+                            </a:cubicBezTo>
+                            <a:close/>
+                          </a:path>
+                        </a:pathLst>
+                      </a:custGeom>
+                      <a:solidFill>
+                        <a:srgbClr val="702FA1"/>
+                      </a:solidFill>
+                      <a:ln>
+                        <a:noFill/>
+                      </a:ln>
+                      <a:effectLst/>
+                    </p:spPr>
+                    <p:style>
+                      <a:lnRef idx="2">
+                        <a:schemeClr val="accent1">
+                          <a:shade val="50000"/>
+                        </a:schemeClr>
+                      </a:lnRef>
+                      <a:fillRef idx="1">
+                        <a:schemeClr val="accent1"/>
+                      </a:fillRef>
+                      <a:effectRef idx="0">
+                        <a:schemeClr val="accent1"/>
+                      </a:effectRef>
+                      <a:fontRef idx="minor">
+                        <a:schemeClr val="lt1"/>
+                      </a:fontRef>
+                    </p:style>
+                    <p:txBody>
+                      <a:bodyPr rtlCol="0" anchor="ctr"/>
+                      <a:lstStyle/>
+                      <a:p>
+                        <a:pPr algn="ctr"/>
+                        <a:endParaRPr lang="pt-BR"/>
+                      </a:p>
+                    </p:txBody>
+                  </p:sp>
+                  <p:sp>
+                    <p:nvSpPr>
+                      <p:cNvPr id="267" name="Retângulo de cantos arredondados 18"/>
+                      <p:cNvSpPr/>
+                      <p:nvPr/>
+                    </p:nvSpPr>
+                    <p:spPr>
+                      <a:xfrm>
+                        <a:off x="3957140" y="2564904"/>
+                        <a:ext cx="1948083" cy="342021"/>
+                      </a:xfrm>
+                      <a:custGeom>
+                        <a:avLst/>
+                        <a:gdLst/>
+                        <a:ahLst/>
+                        <a:cxnLst/>
+                        <a:rect l="l" t="t" r="r" b="b"/>
+                        <a:pathLst>
+                          <a:path w="2041106" h="578046">
+                            <a:moveTo>
+                              <a:pt x="289023" y="0"/>
+                            </a:moveTo>
+                            <a:lnTo>
+                              <a:pt x="1752083" y="0"/>
+                            </a:lnTo>
+                            <a:cubicBezTo>
+                              <a:pt x="1911706" y="0"/>
+                              <a:pt x="2041106" y="129400"/>
+                              <a:pt x="2041106" y="289023"/>
+                            </a:cubicBezTo>
+                            <a:cubicBezTo>
+                              <a:pt x="2041106" y="428738"/>
+                              <a:pt x="1941971" y="545298"/>
+                              <a:pt x="1810202" y="572187"/>
+                            </a:cubicBezTo>
+                            <a:cubicBezTo>
+                              <a:pt x="1636249" y="345950"/>
+                              <a:pt x="1362230" y="202538"/>
+                              <a:pt x="1054714" y="202538"/>
+                            </a:cubicBezTo>
+                            <a:cubicBezTo>
+                              <a:pt x="744460" y="202538"/>
+                              <a:pt x="468300" y="348516"/>
+                              <a:pt x="294392" y="578046"/>
+                            </a:cubicBezTo>
+                            <a:lnTo>
+                              <a:pt x="289023" y="578046"/>
+                            </a:lnTo>
+                            <a:cubicBezTo>
+                              <a:pt x="129400" y="578046"/>
+                              <a:pt x="0" y="448646"/>
+                              <a:pt x="0" y="289023"/>
+                            </a:cubicBezTo>
+                            <a:cubicBezTo>
+                              <a:pt x="0" y="129400"/>
+                              <a:pt x="129400" y="0"/>
+                              <a:pt x="289023" y="0"/>
+                            </a:cubicBezTo>
+                            <a:close/>
+                          </a:path>
+                        </a:pathLst>
+                      </a:custGeom>
+                      <a:solidFill>
+                        <a:srgbClr val="7A33AF"/>
+                      </a:solidFill>
+                      <a:ln>
+                        <a:noFill/>
+                      </a:ln>
+                      <a:effectLst/>
+                    </p:spPr>
+                    <p:style>
+                      <a:lnRef idx="2">
+                        <a:schemeClr val="accent1">
+                          <a:shade val="50000"/>
+                        </a:schemeClr>
+                      </a:lnRef>
+                      <a:fillRef idx="1">
+                        <a:schemeClr val="accent1"/>
+                      </a:fillRef>
+                      <a:effectRef idx="0">
+                        <a:schemeClr val="accent1"/>
+                      </a:effectRef>
+                      <a:fontRef idx="minor">
+                        <a:schemeClr val="lt1"/>
+                      </a:fontRef>
+                    </p:style>
+                    <p:txBody>
+                      <a:bodyPr rtlCol="0" anchor="ctr"/>
+                      <a:lstStyle/>
+                      <a:p>
+                        <a:pPr algn="ctr"/>
+                        <a:endParaRPr lang="pt-BR"/>
+                      </a:p>
+                    </p:txBody>
+                  </p:sp>
+                </p:grpSp>
+              </p:grpSp>
+              <p:sp>
+                <p:nvSpPr>
+                  <p:cNvPr id="261" name="Retângulo de cantos arredondados 260"/>
+                  <p:cNvSpPr/>
+                  <p:nvPr/>
+                </p:nvSpPr>
+                <p:spPr>
+                  <a:xfrm rot="8880248">
+                    <a:off x="5771800" y="4828895"/>
+                    <a:ext cx="63913" cy="130411"/>
+                  </a:xfrm>
+                  <a:prstGeom prst="roundRect">
+                    <a:avLst>
+                      <a:gd name="adj" fmla="val 50000"/>
+                    </a:avLst>
+                  </a:prstGeom>
+                  <a:solidFill>
+                    <a:srgbClr val="AE77D7"/>
+                  </a:solidFill>
+                  <a:ln>
+                    <a:noFill/>
+                  </a:ln>
+                  <a:effectLst/>
+                </p:spPr>
+                <p:style>
+                  <a:lnRef idx="2">
+                    <a:schemeClr val="accent1">
+                      <a:shade val="50000"/>
+                    </a:schemeClr>
+                  </a:lnRef>
+                  <a:fillRef idx="1">
+                    <a:schemeClr val="accent1"/>
+                  </a:fillRef>
+                  <a:effectRef idx="0">
+                    <a:schemeClr val="accent1"/>
+                  </a:effectRef>
+                  <a:fontRef idx="minor">
+                    <a:schemeClr val="lt1"/>
+                  </a:fontRef>
+                </p:style>
+                <p:txBody>
+                  <a:bodyPr rtlCol="0" anchor="ctr"/>
+                  <a:lstStyle/>
+                  <a:p>
+                    <a:pPr algn="ctr"/>
+                    <a:endParaRPr lang="pt-BR"/>
+                  </a:p>
+                </p:txBody>
+              </p:sp>
+            </p:grpSp>
+          </p:grpSp>
+          <p:grpSp>
+            <p:nvGrpSpPr>
+              <p:cNvPr id="4" name="Grupo 3"/>
+              <p:cNvGrpSpPr/>
+              <p:nvPr/>
+            </p:nvGrpSpPr>
+            <p:grpSpPr>
+              <a:xfrm>
+                <a:off x="8520240" y="385689"/>
+                <a:ext cx="453832" cy="382477"/>
+                <a:chOff x="8559314" y="349206"/>
+                <a:chExt cx="453832" cy="382477"/>
+              </a:xfrm>
+            </p:grpSpPr>
+            <p:sp>
+              <p:nvSpPr>
+                <p:cNvPr id="3" name="Retângulo de cantos arredondados 2"/>
+                <p:cNvSpPr/>
+                <p:nvPr/>
+              </p:nvSpPr>
+              <p:spPr>
+                <a:xfrm>
+                  <a:off x="8559314" y="349206"/>
+                  <a:ext cx="453832" cy="91977"/>
+                </a:xfrm>
+                <a:prstGeom prst="roundRect">
+                  <a:avLst/>
+                </a:prstGeom>
+                <a:solidFill>
+                  <a:schemeClr val="bg1"/>
+                </a:solidFill>
+                <a:ln>
+                  <a:noFill/>
+                </a:ln>
+              </p:spPr>
+              <p:style>
+                <a:lnRef idx="2">
+                  <a:schemeClr val="accent1">
+                    <a:shade val="50000"/>
+                  </a:schemeClr>
+                </a:lnRef>
+                <a:fillRef idx="1">
+                  <a:schemeClr val="accent1"/>
+                </a:fillRef>
+                <a:effectRef idx="0">
+                  <a:schemeClr val="accent1"/>
+                </a:effectRef>
+                <a:fontRef idx="minor">
+                  <a:schemeClr val="lt1"/>
+                </a:fontRef>
+              </p:style>
+              <p:txBody>
+                <a:bodyPr rtlCol="0" anchor="ctr"/>
+                <a:lstStyle/>
+                <a:p>
+                  <a:pPr algn="ctr"/>
+                  <a:endParaRPr lang="pt-BR"/>
+                </a:p>
+              </p:txBody>
+            </p:sp>
+            <p:sp>
+              <p:nvSpPr>
+                <p:cNvPr id="332" name="Retângulo de cantos arredondados 331"/>
+                <p:cNvSpPr/>
+                <p:nvPr/>
+              </p:nvSpPr>
+              <p:spPr>
+                <a:xfrm>
+                  <a:off x="8559314" y="491968"/>
+                  <a:ext cx="453832" cy="91977"/>
+                </a:xfrm>
+                <a:prstGeom prst="roundRect">
+                  <a:avLst/>
+                </a:prstGeom>
+                <a:solidFill>
+                  <a:schemeClr val="bg1"/>
+                </a:solidFill>
+                <a:ln>
+                  <a:noFill/>
+                </a:ln>
+              </p:spPr>
+              <p:style>
+                <a:lnRef idx="2">
+                  <a:schemeClr val="accent1">
+                    <a:shade val="50000"/>
+                  </a:schemeClr>
+                </a:lnRef>
+                <a:fillRef idx="1">
+                  <a:schemeClr val="accent1"/>
+                </a:fillRef>
+                <a:effectRef idx="0">
+                  <a:schemeClr val="accent1"/>
+                </a:effectRef>
+                <a:fontRef idx="minor">
+                  <a:schemeClr val="lt1"/>
+                </a:fontRef>
+              </p:style>
+              <p:txBody>
+                <a:bodyPr rtlCol="0" anchor="ctr"/>
+                <a:lstStyle/>
+                <a:p>
+                  <a:pPr algn="ctr"/>
+                  <a:endParaRPr lang="pt-BR"/>
+                </a:p>
+              </p:txBody>
+            </p:sp>
+            <p:sp>
+              <p:nvSpPr>
+                <p:cNvPr id="333" name="Retângulo de cantos arredondados 332"/>
+                <p:cNvSpPr/>
+                <p:nvPr/>
+              </p:nvSpPr>
+              <p:spPr>
+                <a:xfrm>
+                  <a:off x="8559314" y="639706"/>
+                  <a:ext cx="453832" cy="91977"/>
+                </a:xfrm>
+                <a:prstGeom prst="roundRect">
+                  <a:avLst/>
+                </a:prstGeom>
+                <a:solidFill>
+                  <a:schemeClr val="bg1"/>
+                </a:solidFill>
+                <a:ln>
+                  <a:noFill/>
+                </a:ln>
+              </p:spPr>
+              <p:style>
+                <a:lnRef idx="2">
+                  <a:schemeClr val="accent1">
+                    <a:shade val="50000"/>
+                  </a:schemeClr>
+                </a:lnRef>
+                <a:fillRef idx="1">
+                  <a:schemeClr val="accent1"/>
+                </a:fillRef>
+                <a:effectRef idx="0">
+                  <a:schemeClr val="accent1"/>
+                </a:effectRef>
+                <a:fontRef idx="minor">
+                  <a:schemeClr val="lt1"/>
+                </a:fontRef>
+              </p:style>
+              <p:txBody>
+                <a:bodyPr rtlCol="0" anchor="ctr"/>
+                <a:lstStyle/>
+                <a:p>
+                  <a:pPr algn="ctr"/>
+                  <a:endParaRPr lang="pt-BR"/>
+                </a:p>
+              </p:txBody>
+            </p:sp>
+          </p:grpSp>
         </p:grpSp>
       </p:grpSp>
       <p:sp>
         <p:nvSpPr>
-          <p:cNvPr id="5" name="CaixaDeTexto 4"/>
+          <p:cNvPr id="10" name="CaixaDeTexto 9"/>
           <p:cNvSpPr txBox="1"/>
           <p:nvPr/>
         </p:nvSpPr>
         <p:spPr>
           <a:xfrm>
-            <a:off x="-1980728" y="5167567"/>
-            <a:ext cx="184731" cy="369332"/>
+            <a:off x="5547764" y="3431709"/>
+            <a:ext cx="2755306" cy="707886"/>
           </a:xfrm>
           <a:prstGeom prst="rect">
             <a:avLst/>
@@ -30186,118 +30531,44 @@
           </a:bodyPr>
           <a:lstStyle/>
           <a:p>
-            <a:endParaRPr lang="pt-BR" dirty="0"/>
+            <a:r>
+              <a:rPr lang="pt-BR" sz="4000" b="1" dirty="0" smtClean="0">
+                <a:solidFill>
+                  <a:schemeClr val="accent6">
+                    <a:lumMod val="50000"/>
+                  </a:schemeClr>
+                </a:solidFill>
+              </a:rPr>
+              <a:t>FRASE AQUI</a:t>
+            </a:r>
+            <a:endParaRPr lang="pt-BR" sz="4000" b="1" dirty="0">
+              <a:solidFill>
+                <a:schemeClr val="accent6">
+                  <a:lumMod val="50000"/>
+                </a:schemeClr>
+              </a:solidFill>
+            </a:endParaRPr>
           </a:p>
         </p:txBody>
       </p:sp>
       <p:sp>
         <p:nvSpPr>
-          <p:cNvPr id="3" name="Retângulo de cantos arredondados 2"/>
+          <p:cNvPr id="11" name="Retângulo de cantos arredondados 10"/>
           <p:cNvSpPr/>
           <p:nvPr/>
         </p:nvSpPr>
         <p:spPr>
           <a:xfrm>
-            <a:off x="8559314" y="349206"/>
-            <a:ext cx="453832" cy="91977"/>
+            <a:off x="5330757" y="4149805"/>
+            <a:ext cx="3375389" cy="119897"/>
           </a:xfrm>
           <a:prstGeom prst="roundRect">
             <a:avLst/>
           </a:prstGeom>
           <a:solidFill>
-            <a:schemeClr val="bg1"/>
-          </a:solidFill>
-          <a:ln>
-            <a:noFill/>
-          </a:ln>
-        </p:spPr>
-        <p:style>
-          <a:lnRef idx="2">
-            <a:schemeClr val="accent1">
-              <a:shade val="50000"/>
+            <a:schemeClr val="accent6">
+              <a:lumMod val="75000"/>
             </a:schemeClr>
-          </a:lnRef>
-          <a:fillRef idx="1">
-            <a:schemeClr val="accent1"/>
-          </a:fillRef>
-          <a:effectRef idx="0">
-            <a:schemeClr val="accent1"/>
-          </a:effectRef>
-          <a:fontRef idx="minor">
-            <a:schemeClr val="lt1"/>
-          </a:fontRef>
-        </p:style>
-        <p:txBody>
-          <a:bodyPr rtlCol="0" anchor="ctr"/>
-          <a:lstStyle/>
-          <a:p>
-            <a:pPr algn="ctr"/>
-            <a:endParaRPr lang="pt-BR"/>
-          </a:p>
-        </p:txBody>
-      </p:sp>
-      <p:sp>
-        <p:nvSpPr>
-          <p:cNvPr id="332" name="Retângulo de cantos arredondados 331"/>
-          <p:cNvSpPr/>
-          <p:nvPr/>
-        </p:nvSpPr>
-        <p:spPr>
-          <a:xfrm>
-            <a:off x="8559314" y="491968"/>
-            <a:ext cx="453832" cy="91977"/>
-          </a:xfrm>
-          <a:prstGeom prst="roundRect">
-            <a:avLst/>
-          </a:prstGeom>
-          <a:solidFill>
-            <a:schemeClr val="bg1"/>
-          </a:solidFill>
-          <a:ln>
-            <a:noFill/>
-          </a:ln>
-        </p:spPr>
-        <p:style>
-          <a:lnRef idx="2">
-            <a:schemeClr val="accent1">
-              <a:shade val="50000"/>
-            </a:schemeClr>
-          </a:lnRef>
-          <a:fillRef idx="1">
-            <a:schemeClr val="accent1"/>
-          </a:fillRef>
-          <a:effectRef idx="0">
-            <a:schemeClr val="accent1"/>
-          </a:effectRef>
-          <a:fontRef idx="minor">
-            <a:schemeClr val="lt1"/>
-          </a:fontRef>
-        </p:style>
-        <p:txBody>
-          <a:bodyPr rtlCol="0" anchor="ctr"/>
-          <a:lstStyle/>
-          <a:p>
-            <a:pPr algn="ctr"/>
-            <a:endParaRPr lang="pt-BR"/>
-          </a:p>
-        </p:txBody>
-      </p:sp>
-      <p:sp>
-        <p:nvSpPr>
-          <p:cNvPr id="333" name="Retângulo de cantos arredondados 332"/>
-          <p:cNvSpPr/>
-          <p:nvPr/>
-        </p:nvSpPr>
-        <p:spPr>
-          <a:xfrm>
-            <a:off x="8559314" y="639706"/>
-            <a:ext cx="453832" cy="91977"/>
-          </a:xfrm>
-          <a:prstGeom prst="roundRect">
-            <a:avLst/>
-          </a:prstGeom>
-          <a:solidFill>
-            <a:schemeClr val="bg1"/>
           </a:solidFill>
           <a:ln>
             <a:noFill/>

--- a/Rascunhos/Logo - PP2.pptx
+++ b/Rascunhos/Logo - PP2.pptx
@@ -5,7 +5,7 @@
     <p:sldMasterId id="2147483648" r:id="rId1"/>
   </p:sldMasterIdLst>
   <p:notesMasterIdLst>
-    <p:notesMasterId r:id="rId8"/>
+    <p:notesMasterId r:id="rId10"/>
   </p:notesMasterIdLst>
   <p:sldIdLst>
     <p:sldId id="257" r:id="rId2"/>
@@ -14,6 +14,8 @@
     <p:sldId id="261" r:id="rId5"/>
     <p:sldId id="260" r:id="rId6"/>
     <p:sldId id="263" r:id="rId7"/>
+    <p:sldId id="264" r:id="rId8"/>
+    <p:sldId id="265" r:id="rId9"/>
   </p:sldIdLst>
   <p:sldSz cx="9144000" cy="6858000" type="screen4x3"/>
   <p:notesSz cx="6858000" cy="9144000"/>
@@ -114,7 +116,7 @@
   </p:defaultTextStyle>
   <p:extLst>
     <p:ext uri="{EFAFB233-063F-42B5-8137-9DF3F51BA10A}">
-      <p15:sldGuideLst xmlns="" xmlns:p15="http://schemas.microsoft.com/office/powerpoint/2012/main">
+      <p15:sldGuideLst xmlns:p15="http://schemas.microsoft.com/office/powerpoint/2012/main" xmlns="">
         <p15:guide id="1" orient="horz" pos="2160">
           <p15:clr>
             <a:srgbClr val="A4A3A4"/>
@@ -213,7 +215,7 @@
           <a:p>
             <a:fld id="{FF064E14-6B57-4160-B976-9759441CBCC8}" type="datetimeFigureOut">
               <a:rPr lang="pt-BR" smtClean="0"/>
-              <a:t>22/02/2019</a:t>
+              <a:t>26/02/2019</a:t>
             </a:fld>
             <a:endParaRPr lang="pt-BR"/>
           </a:p>
@@ -828,7 +830,7 @@
           <a:p>
             <a:fld id="{26F57601-A94F-4415-BE12-3A057DDE858C}" type="datetimeFigureOut">
               <a:rPr lang="pt-BR" smtClean="0"/>
-              <a:t>22/02/2019</a:t>
+              <a:t>26/02/2019</a:t>
             </a:fld>
             <a:endParaRPr lang="pt-BR"/>
           </a:p>
@@ -996,7 +998,7 @@
           <a:p>
             <a:fld id="{26F57601-A94F-4415-BE12-3A057DDE858C}" type="datetimeFigureOut">
               <a:rPr lang="pt-BR" smtClean="0"/>
-              <a:t>22/02/2019</a:t>
+              <a:t>26/02/2019</a:t>
             </a:fld>
             <a:endParaRPr lang="pt-BR"/>
           </a:p>
@@ -1174,7 +1176,7 @@
           <a:p>
             <a:fld id="{26F57601-A94F-4415-BE12-3A057DDE858C}" type="datetimeFigureOut">
               <a:rPr lang="pt-BR" smtClean="0"/>
-              <a:t>22/02/2019</a:t>
+              <a:t>26/02/2019</a:t>
             </a:fld>
             <a:endParaRPr lang="pt-BR"/>
           </a:p>
@@ -1342,7 +1344,7 @@
           <a:p>
             <a:fld id="{26F57601-A94F-4415-BE12-3A057DDE858C}" type="datetimeFigureOut">
               <a:rPr lang="pt-BR" smtClean="0"/>
-              <a:t>22/02/2019</a:t>
+              <a:t>26/02/2019</a:t>
             </a:fld>
             <a:endParaRPr lang="pt-BR"/>
           </a:p>
@@ -1587,7 +1589,7 @@
           <a:p>
             <a:fld id="{26F57601-A94F-4415-BE12-3A057DDE858C}" type="datetimeFigureOut">
               <a:rPr lang="pt-BR" smtClean="0"/>
-              <a:t>22/02/2019</a:t>
+              <a:t>26/02/2019</a:t>
             </a:fld>
             <a:endParaRPr lang="pt-BR"/>
           </a:p>
@@ -1872,7 +1874,7 @@
           <a:p>
             <a:fld id="{26F57601-A94F-4415-BE12-3A057DDE858C}" type="datetimeFigureOut">
               <a:rPr lang="pt-BR" smtClean="0"/>
-              <a:t>22/02/2019</a:t>
+              <a:t>26/02/2019</a:t>
             </a:fld>
             <a:endParaRPr lang="pt-BR"/>
           </a:p>
@@ -2291,7 +2293,7 @@
           <a:p>
             <a:fld id="{26F57601-A94F-4415-BE12-3A057DDE858C}" type="datetimeFigureOut">
               <a:rPr lang="pt-BR" smtClean="0"/>
-              <a:t>22/02/2019</a:t>
+              <a:t>26/02/2019</a:t>
             </a:fld>
             <a:endParaRPr lang="pt-BR"/>
           </a:p>
@@ -2408,7 +2410,7 @@
           <a:p>
             <a:fld id="{26F57601-A94F-4415-BE12-3A057DDE858C}" type="datetimeFigureOut">
               <a:rPr lang="pt-BR" smtClean="0"/>
-              <a:t>22/02/2019</a:t>
+              <a:t>26/02/2019</a:t>
             </a:fld>
             <a:endParaRPr lang="pt-BR"/>
           </a:p>
@@ -2503,7 +2505,7 @@
           <a:p>
             <a:fld id="{26F57601-A94F-4415-BE12-3A057DDE858C}" type="datetimeFigureOut">
               <a:rPr lang="pt-BR" smtClean="0"/>
-              <a:t>22/02/2019</a:t>
+              <a:t>26/02/2019</a:t>
             </a:fld>
             <a:endParaRPr lang="pt-BR"/>
           </a:p>
@@ -2778,7 +2780,7 @@
           <a:p>
             <a:fld id="{26F57601-A94F-4415-BE12-3A057DDE858C}" type="datetimeFigureOut">
               <a:rPr lang="pt-BR" smtClean="0"/>
-              <a:t>22/02/2019</a:t>
+              <a:t>26/02/2019</a:t>
             </a:fld>
             <a:endParaRPr lang="pt-BR"/>
           </a:p>
@@ -3030,7 +3032,7 @@
           <a:p>
             <a:fld id="{26F57601-A94F-4415-BE12-3A057DDE858C}" type="datetimeFigureOut">
               <a:rPr lang="pt-BR" smtClean="0"/>
-              <a:t>22/02/2019</a:t>
+              <a:t>26/02/2019</a:t>
             </a:fld>
             <a:endParaRPr lang="pt-BR"/>
           </a:p>
@@ -3247,7 +3249,7 @@
           <a:p>
             <a:fld id="{26F57601-A94F-4415-BE12-3A057DDE858C}" type="datetimeFigureOut">
               <a:rPr lang="pt-BR" smtClean="0"/>
-              <a:t>22/02/2019</a:t>
+              <a:t>26/02/2019</a:t>
             </a:fld>
             <a:endParaRPr lang="pt-BR"/>
           </a:p>
@@ -3706,7 +3708,7 @@
               <p:cNvPr id="17" name="Balão de Pensamento: Nuvem 16">
                 <a:extLst>
                   <a:ext uri="{FF2B5EF4-FFF2-40B4-BE49-F238E27FC236}">
-                    <a16:creationId xmlns:a16="http://schemas.microsoft.com/office/drawing/2014/main" xmlns="" id="{5C57BA0A-9700-43BD-9104-CC30BC0DE381}"/>
+                    <a16:creationId xmlns="" xmlns:a16="http://schemas.microsoft.com/office/drawing/2014/main" id="{5C57BA0A-9700-43BD-9104-CC30BC0DE381}"/>
                   </a:ext>
                 </a:extLst>
               </p:cNvPr>
@@ -3774,7 +3776,7 @@
               <p:cNvPr id="96" name="Agrupar 15">
                 <a:extLst>
                   <a:ext uri="{FF2B5EF4-FFF2-40B4-BE49-F238E27FC236}">
-                    <a16:creationId xmlns:a16="http://schemas.microsoft.com/office/drawing/2014/main" xmlns="" id="{CDA0B437-9E5C-43AF-AD41-CFFD83C35D59}"/>
+                    <a16:creationId xmlns="" xmlns:a16="http://schemas.microsoft.com/office/drawing/2014/main" id="{CDA0B437-9E5C-43AF-AD41-CFFD83C35D59}"/>
                   </a:ext>
                 </a:extLst>
               </p:cNvPr>
@@ -4779,7 +4781,7 @@
               <p:cNvPr id="16" name="Agrupar 15">
                 <a:extLst>
                   <a:ext uri="{FF2B5EF4-FFF2-40B4-BE49-F238E27FC236}">
-                    <a16:creationId xmlns:a16="http://schemas.microsoft.com/office/drawing/2014/main" xmlns="" id="{CDA0B437-9E5C-43AF-AD41-CFFD83C35D59}"/>
+                    <a16:creationId xmlns="" xmlns:a16="http://schemas.microsoft.com/office/drawing/2014/main" id="{CDA0B437-9E5C-43AF-AD41-CFFD83C35D59}"/>
                   </a:ext>
                 </a:extLst>
               </p:cNvPr>
@@ -15473,7 +15475,7 @@
           <p:cNvPr id="253" name="Balão de Pensamento: Nuvem 16">
             <a:extLst>
               <a:ext uri="{FF2B5EF4-FFF2-40B4-BE49-F238E27FC236}">
-                <a16:creationId xmlns:a16="http://schemas.microsoft.com/office/drawing/2014/main" xmlns="" id="{5C57BA0A-9700-43BD-9104-CC30BC0DE381}"/>
+                <a16:creationId xmlns="" xmlns:a16="http://schemas.microsoft.com/office/drawing/2014/main" id="{5C57BA0A-9700-43BD-9104-CC30BC0DE381}"/>
               </a:ext>
             </a:extLst>
           </p:cNvPr>
@@ -15543,7 +15545,7 @@
             <p:cNvPr id="255" name="Agrupar 15">
               <a:extLst>
                 <a:ext uri="{FF2B5EF4-FFF2-40B4-BE49-F238E27FC236}">
-                  <a16:creationId xmlns:a16="http://schemas.microsoft.com/office/drawing/2014/main" xmlns="" id="{CDA0B437-9E5C-43AF-AD41-CFFD83C35D59}"/>
+                  <a16:creationId xmlns="" xmlns:a16="http://schemas.microsoft.com/office/drawing/2014/main" id="{CDA0B437-9E5C-43AF-AD41-CFFD83C35D59}"/>
                 </a:ext>
               </a:extLst>
             </p:cNvPr>
@@ -16548,7 +16550,7 @@
             <p:cNvPr id="256" name="Agrupar 15">
               <a:extLst>
                 <a:ext uri="{FF2B5EF4-FFF2-40B4-BE49-F238E27FC236}">
-                  <a16:creationId xmlns:a16="http://schemas.microsoft.com/office/drawing/2014/main" xmlns="" id="{CDA0B437-9E5C-43AF-AD41-CFFD83C35D59}"/>
+                  <a16:creationId xmlns="" xmlns:a16="http://schemas.microsoft.com/office/drawing/2014/main" id="{CDA0B437-9E5C-43AF-AD41-CFFD83C35D59}"/>
                 </a:ext>
               </a:extLst>
             </p:cNvPr>
@@ -27542,7 +27544,7 @@
               <p:cNvPr id="253" name="Balão de Pensamento: Nuvem 16">
                 <a:extLst>
                   <a:ext uri="{FF2B5EF4-FFF2-40B4-BE49-F238E27FC236}">
-                    <a16:creationId xmlns:a16="http://schemas.microsoft.com/office/drawing/2014/main" xmlns="" id="{5C57BA0A-9700-43BD-9104-CC30BC0DE381}"/>
+                    <a16:creationId xmlns="" xmlns:a16="http://schemas.microsoft.com/office/drawing/2014/main" id="{5C57BA0A-9700-43BD-9104-CC30BC0DE381}"/>
                   </a:ext>
                 </a:extLst>
               </p:cNvPr>
@@ -27612,7 +27614,7 @@
                 <p:cNvPr id="255" name="Agrupar 15">
                   <a:extLst>
                     <a:ext uri="{FF2B5EF4-FFF2-40B4-BE49-F238E27FC236}">
-                      <a16:creationId xmlns:a16="http://schemas.microsoft.com/office/drawing/2014/main" xmlns="" id="{CDA0B437-9E5C-43AF-AD41-CFFD83C35D59}"/>
+                      <a16:creationId xmlns="" xmlns:a16="http://schemas.microsoft.com/office/drawing/2014/main" id="{CDA0B437-9E5C-43AF-AD41-CFFD83C35D59}"/>
                     </a:ext>
                   </a:extLst>
                 </p:cNvPr>
@@ -28617,7 +28619,7 @@
                 <p:cNvPr id="256" name="Agrupar 15">
                   <a:extLst>
                     <a:ext uri="{FF2B5EF4-FFF2-40B4-BE49-F238E27FC236}">
-                      <a16:creationId xmlns:a16="http://schemas.microsoft.com/office/drawing/2014/main" xmlns="" id="{CDA0B437-9E5C-43AF-AD41-CFFD83C35D59}"/>
+                      <a16:creationId xmlns="" xmlns:a16="http://schemas.microsoft.com/office/drawing/2014/main" id="{CDA0B437-9E5C-43AF-AD41-CFFD83C35D59}"/>
                     </a:ext>
                   </a:extLst>
                 </p:cNvPr>
@@ -33476,7 +33478,7 @@
         </p:nvGrpSpPr>
         <p:grpSpPr>
           <a:xfrm>
-            <a:off x="3803239" y="2014163"/>
+            <a:off x="3731059" y="1729986"/>
             <a:ext cx="1800200" cy="2881145"/>
             <a:chOff x="4932040" y="2276872"/>
             <a:chExt cx="1800200" cy="2881145"/>
@@ -36150,6 +36152,1970 @@
 </p:sld>
 </file>
 
+<file path=ppt/slides/slide7.xml><?xml version="1.0" encoding="utf-8"?>
+<p:sld xmlns:a="http://schemas.openxmlformats.org/drawingml/2006/main" xmlns:r="http://schemas.openxmlformats.org/officeDocument/2006/relationships" xmlns:p="http://schemas.openxmlformats.org/presentationml/2006/main">
+  <p:cSld>
+    <p:spTree>
+      <p:nvGrpSpPr>
+        <p:cNvPr id="1" name=""/>
+        <p:cNvGrpSpPr/>
+        <p:nvPr/>
+      </p:nvGrpSpPr>
+      <p:grpSpPr>
+        <a:xfrm>
+          <a:off x="0" y="0"/>
+          <a:ext cx="0" cy="0"/>
+          <a:chOff x="0" y="0"/>
+          <a:chExt cx="0" cy="0"/>
+        </a:xfrm>
+      </p:grpSpPr>
+      <p:sp>
+        <p:nvSpPr>
+          <p:cNvPr id="2" name="Elipse 1">
+            <a:extLst>
+              <a:ext uri="{FF2B5EF4-FFF2-40B4-BE49-F238E27FC236}">
+                <a16:creationId xmlns="" xmlns:a16="http://schemas.microsoft.com/office/drawing/2014/main" id="{3E2299F0-B270-40D7-8F79-C18F6A4FE3E7}"/>
+              </a:ext>
+            </a:extLst>
+          </p:cNvPr>
+          <p:cNvSpPr/>
+          <p:nvPr/>
+        </p:nvSpPr>
+        <p:spPr>
+          <a:xfrm>
+            <a:off x="2360860" y="671074"/>
+            <a:ext cx="5459895" cy="5459895"/>
+          </a:xfrm>
+          <a:prstGeom prst="ellipse">
+            <a:avLst/>
+          </a:prstGeom>
+          <a:solidFill>
+            <a:srgbClr val="E8D8F4"/>
+          </a:solidFill>
+          <a:ln>
+            <a:noFill/>
+          </a:ln>
+        </p:spPr>
+        <p:style>
+          <a:lnRef idx="2">
+            <a:schemeClr val="accent1">
+              <a:shade val="50000"/>
+            </a:schemeClr>
+          </a:lnRef>
+          <a:fillRef idx="1">
+            <a:schemeClr val="accent1"/>
+          </a:fillRef>
+          <a:effectRef idx="0">
+            <a:schemeClr val="accent1"/>
+          </a:effectRef>
+          <a:fontRef idx="minor">
+            <a:schemeClr val="lt1"/>
+          </a:fontRef>
+        </p:style>
+        <p:txBody>
+          <a:bodyPr rtlCol="0" anchor="ctr"/>
+          <a:lstStyle/>
+          <a:p>
+            <a:pPr algn="ctr"/>
+            <a:endParaRPr lang="pt-BR" dirty="0"/>
+          </a:p>
+        </p:txBody>
+      </p:sp>
+      <p:sp>
+        <p:nvSpPr>
+          <p:cNvPr id="3" name="Elipse 2">
+            <a:extLst>
+              <a:ext uri="{FF2B5EF4-FFF2-40B4-BE49-F238E27FC236}">
+                <a16:creationId xmlns="" xmlns:a16="http://schemas.microsoft.com/office/drawing/2014/main" id="{1C62FD96-B9CD-44D9-A6B7-B9CA744BF9E4}"/>
+              </a:ext>
+            </a:extLst>
+          </p:cNvPr>
+          <p:cNvSpPr/>
+          <p:nvPr/>
+        </p:nvSpPr>
+        <p:spPr>
+          <a:xfrm>
+            <a:off x="2344744" y="533800"/>
+            <a:ext cx="5459895" cy="5459895"/>
+          </a:xfrm>
+          <a:prstGeom prst="ellipse">
+            <a:avLst/>
+          </a:prstGeom>
+          <a:solidFill>
+            <a:srgbClr val="F3EBF9"/>
+          </a:solidFill>
+          <a:ln>
+            <a:noFill/>
+          </a:ln>
+        </p:spPr>
+        <p:style>
+          <a:lnRef idx="2">
+            <a:schemeClr val="accent1">
+              <a:shade val="50000"/>
+            </a:schemeClr>
+          </a:lnRef>
+          <a:fillRef idx="1">
+            <a:schemeClr val="accent1"/>
+          </a:fillRef>
+          <a:effectRef idx="0">
+            <a:schemeClr val="accent1"/>
+          </a:effectRef>
+          <a:fontRef idx="minor">
+            <a:schemeClr val="lt1"/>
+          </a:fontRef>
+        </p:style>
+        <p:txBody>
+          <a:bodyPr rtlCol="0" anchor="ctr"/>
+          <a:lstStyle/>
+          <a:p>
+            <a:pPr algn="ctr"/>
+            <a:endParaRPr lang="pt-BR" dirty="0"/>
+          </a:p>
+        </p:txBody>
+      </p:sp>
+      <p:grpSp>
+        <p:nvGrpSpPr>
+          <p:cNvPr id="4" name="Agrupar 37">
+            <a:extLst>
+              <a:ext uri="{FF2B5EF4-FFF2-40B4-BE49-F238E27FC236}">
+                <a16:creationId xmlns="" xmlns:a16="http://schemas.microsoft.com/office/drawing/2014/main" id="{52F3F48F-870F-4ABD-96B6-61DF53E4E1C5}"/>
+              </a:ext>
+            </a:extLst>
+          </p:cNvPr>
+          <p:cNvGrpSpPr/>
+          <p:nvPr/>
+        </p:nvGrpSpPr>
+        <p:grpSpPr>
+          <a:xfrm>
+            <a:off x="2936698" y="1908512"/>
+            <a:ext cx="1749287" cy="1749287"/>
+            <a:chOff x="2716696" y="1908313"/>
+            <a:chExt cx="1749287" cy="1749287"/>
+          </a:xfrm>
+        </p:grpSpPr>
+        <p:sp>
+          <p:nvSpPr>
+            <p:cNvPr id="5" name="Elipse 4">
+              <a:extLst>
+                <a:ext uri="{FF2B5EF4-FFF2-40B4-BE49-F238E27FC236}">
+                  <a16:creationId xmlns="" xmlns:a16="http://schemas.microsoft.com/office/drawing/2014/main" id="{97BAADA3-8958-4B81-A9AD-4BD804FFCDF5}"/>
+                </a:ext>
+              </a:extLst>
+            </p:cNvPr>
+            <p:cNvSpPr/>
+            <p:nvPr/>
+          </p:nvSpPr>
+          <p:spPr>
+            <a:xfrm>
+              <a:off x="2716696" y="1908313"/>
+              <a:ext cx="1749287" cy="1749287"/>
+            </a:xfrm>
+            <a:prstGeom prst="ellipse">
+              <a:avLst/>
+            </a:prstGeom>
+            <a:solidFill>
+              <a:srgbClr val="3C1A56"/>
+            </a:solidFill>
+            <a:ln>
+              <a:noFill/>
+            </a:ln>
+          </p:spPr>
+          <p:style>
+            <a:lnRef idx="2">
+              <a:schemeClr val="accent1">
+                <a:shade val="50000"/>
+              </a:schemeClr>
+            </a:lnRef>
+            <a:fillRef idx="1">
+              <a:schemeClr val="accent1"/>
+            </a:fillRef>
+            <a:effectRef idx="0">
+              <a:schemeClr val="accent1"/>
+            </a:effectRef>
+            <a:fontRef idx="minor">
+              <a:schemeClr val="lt1"/>
+            </a:fontRef>
+          </p:style>
+          <p:txBody>
+            <a:bodyPr rtlCol="0" anchor="ctr"/>
+            <a:lstStyle/>
+            <a:p>
+              <a:pPr algn="ctr"/>
+              <a:endParaRPr lang="pt-BR" dirty="0"/>
+            </a:p>
+          </p:txBody>
+        </p:sp>
+        <p:sp>
+          <p:nvSpPr>
+            <p:cNvPr id="6" name="Elipse 5">
+              <a:extLst>
+                <a:ext uri="{FF2B5EF4-FFF2-40B4-BE49-F238E27FC236}">
+                  <a16:creationId xmlns="" xmlns:a16="http://schemas.microsoft.com/office/drawing/2014/main" id="{DD7FCB07-6872-4369-AFA7-3EE266845754}"/>
+                </a:ext>
+              </a:extLst>
+            </p:cNvPr>
+            <p:cNvSpPr/>
+            <p:nvPr/>
+          </p:nvSpPr>
+          <p:spPr>
+            <a:xfrm>
+              <a:off x="2968487" y="2418522"/>
+              <a:ext cx="1239078" cy="1239078"/>
+            </a:xfrm>
+            <a:prstGeom prst="ellipse">
+              <a:avLst/>
+            </a:prstGeom>
+            <a:solidFill>
+              <a:srgbClr val="7030A0"/>
+            </a:solidFill>
+            <a:ln>
+              <a:noFill/>
+            </a:ln>
+          </p:spPr>
+          <p:style>
+            <a:lnRef idx="2">
+              <a:schemeClr val="accent1">
+                <a:shade val="50000"/>
+              </a:schemeClr>
+            </a:lnRef>
+            <a:fillRef idx="1">
+              <a:schemeClr val="accent1"/>
+            </a:fillRef>
+            <a:effectRef idx="0">
+              <a:schemeClr val="accent1"/>
+            </a:effectRef>
+            <a:fontRef idx="minor">
+              <a:schemeClr val="lt1"/>
+            </a:fontRef>
+          </p:style>
+          <p:txBody>
+            <a:bodyPr rtlCol="0" anchor="ctr"/>
+            <a:lstStyle/>
+            <a:p>
+              <a:pPr algn="ctr"/>
+              <a:endParaRPr lang="pt-BR" dirty="0"/>
+            </a:p>
+          </p:txBody>
+        </p:sp>
+        <p:sp>
+          <p:nvSpPr>
+            <p:cNvPr id="7" name="Elipse 6">
+              <a:extLst>
+                <a:ext uri="{FF2B5EF4-FFF2-40B4-BE49-F238E27FC236}">
+                  <a16:creationId xmlns="" xmlns:a16="http://schemas.microsoft.com/office/drawing/2014/main" id="{0B6E4FBC-9CDE-4401-9469-77C9298AD225}"/>
+                </a:ext>
+              </a:extLst>
+            </p:cNvPr>
+            <p:cNvSpPr/>
+            <p:nvPr/>
+          </p:nvSpPr>
+          <p:spPr>
+            <a:xfrm>
+              <a:off x="3187147" y="2855843"/>
+              <a:ext cx="801757" cy="801757"/>
+            </a:xfrm>
+            <a:prstGeom prst="ellipse">
+              <a:avLst/>
+            </a:prstGeom>
+            <a:solidFill>
+              <a:srgbClr val="A568D2"/>
+            </a:solidFill>
+            <a:ln>
+              <a:noFill/>
+            </a:ln>
+          </p:spPr>
+          <p:style>
+            <a:lnRef idx="2">
+              <a:schemeClr val="accent1">
+                <a:shade val="50000"/>
+              </a:schemeClr>
+            </a:lnRef>
+            <a:fillRef idx="1">
+              <a:schemeClr val="accent1"/>
+            </a:fillRef>
+            <a:effectRef idx="0">
+              <a:schemeClr val="accent1"/>
+            </a:effectRef>
+            <a:fontRef idx="minor">
+              <a:schemeClr val="lt1"/>
+            </a:fontRef>
+          </p:style>
+          <p:txBody>
+            <a:bodyPr rtlCol="0" anchor="ctr"/>
+            <a:lstStyle/>
+            <a:p>
+              <a:pPr algn="ctr"/>
+              <a:endParaRPr lang="pt-BR" dirty="0"/>
+            </a:p>
+          </p:txBody>
+        </p:sp>
+      </p:grpSp>
+      <p:grpSp>
+        <p:nvGrpSpPr>
+          <p:cNvPr id="8" name="Agrupar 36">
+            <a:extLst>
+              <a:ext uri="{FF2B5EF4-FFF2-40B4-BE49-F238E27FC236}">
+                <a16:creationId xmlns="" xmlns:a16="http://schemas.microsoft.com/office/drawing/2014/main" id="{E549C062-7711-41AB-ABF2-AB4E91EA62FE}"/>
+              </a:ext>
+            </a:extLst>
+          </p:cNvPr>
+          <p:cNvGrpSpPr/>
+          <p:nvPr/>
+        </p:nvGrpSpPr>
+        <p:grpSpPr>
+          <a:xfrm>
+            <a:off x="4216153" y="3644323"/>
+            <a:ext cx="1749313" cy="1749312"/>
+            <a:chOff x="6639314" y="1981172"/>
+            <a:chExt cx="1749313" cy="1749312"/>
+          </a:xfrm>
+        </p:grpSpPr>
+        <p:sp>
+          <p:nvSpPr>
+            <p:cNvPr id="9" name="Forma Livre: Forma 27">
+              <a:extLst>
+                <a:ext uri="{FF2B5EF4-FFF2-40B4-BE49-F238E27FC236}">
+                  <a16:creationId xmlns="" xmlns:a16="http://schemas.microsoft.com/office/drawing/2014/main" id="{BF0A1B5E-6E58-4A70-97B5-2DCC1B239780}"/>
+                </a:ext>
+              </a:extLst>
+            </p:cNvPr>
+            <p:cNvSpPr/>
+            <p:nvPr/>
+          </p:nvSpPr>
+          <p:spPr>
+            <a:xfrm>
+              <a:off x="6639314" y="1981172"/>
+              <a:ext cx="1749313" cy="1749312"/>
+            </a:xfrm>
+            <a:custGeom>
+              <a:avLst/>
+              <a:gdLst>
+                <a:gd name="connsiteX0" fmla="*/ 833615 w 1749313"/>
+                <a:gd name="connsiteY0" fmla="*/ 973 h 1749312"/>
+                <a:gd name="connsiteX1" fmla="*/ 1212890 w 1749313"/>
+                <a:gd name="connsiteY1" fmla="*/ 68065 h 1749312"/>
+                <a:gd name="connsiteX2" fmla="*/ 1749301 w 1749313"/>
+                <a:gd name="connsiteY2" fmla="*/ 879264 h 1749312"/>
+                <a:gd name="connsiteX3" fmla="*/ 1623221 w 1749313"/>
+                <a:gd name="connsiteY3" fmla="*/ 878602 h 1749312"/>
+                <a:gd name="connsiteX4" fmla="*/ 1623417 w 1749313"/>
+                <a:gd name="connsiteY4" fmla="*/ 874669 h 1749312"/>
+                <a:gd name="connsiteX5" fmla="*/ 874669 w 1749313"/>
+                <a:gd name="connsiteY5" fmla="*/ 116715 h 1749312"/>
+                <a:gd name="connsiteX6" fmla="*/ 125921 w 1749313"/>
+                <a:gd name="connsiteY6" fmla="*/ 874669 h 1749312"/>
+                <a:gd name="connsiteX7" fmla="*/ 798114 w 1749313"/>
+                <a:gd name="connsiteY7" fmla="*/ 1628710 h 1749312"/>
+                <a:gd name="connsiteX8" fmla="*/ 873441 w 1749313"/>
+                <a:gd name="connsiteY8" fmla="*/ 1632560 h 1749312"/>
+                <a:gd name="connsiteX9" fmla="*/ 873251 w 1749313"/>
+                <a:gd name="connsiteY9" fmla="*/ 1749312 h 1749312"/>
+                <a:gd name="connsiteX10" fmla="*/ 65760 w 1749313"/>
+                <a:gd name="connsiteY10" fmla="*/ 1207335 h 1749312"/>
+                <a:gd name="connsiteX11" fmla="*/ 258333 w 1749313"/>
+                <a:gd name="connsiteY11" fmla="*/ 254079 h 1749312"/>
+                <a:gd name="connsiteX12" fmla="*/ 833615 w 1749313"/>
+                <a:gd name="connsiteY12" fmla="*/ 973 h 1749312"/>
+              </a:gdLst>
+              <a:ahLst/>
+              <a:cxnLst>
+                <a:cxn ang="0">
+                  <a:pos x="connsiteX0" y="connsiteY0"/>
+                </a:cxn>
+                <a:cxn ang="0">
+                  <a:pos x="connsiteX1" y="connsiteY1"/>
+                </a:cxn>
+                <a:cxn ang="0">
+                  <a:pos x="connsiteX2" y="connsiteY2"/>
+                </a:cxn>
+                <a:cxn ang="0">
+                  <a:pos x="connsiteX3" y="connsiteY3"/>
+                </a:cxn>
+                <a:cxn ang="0">
+                  <a:pos x="connsiteX4" y="connsiteY4"/>
+                </a:cxn>
+                <a:cxn ang="0">
+                  <a:pos x="connsiteX5" y="connsiteY5"/>
+                </a:cxn>
+                <a:cxn ang="0">
+                  <a:pos x="connsiteX6" y="connsiteY6"/>
+                </a:cxn>
+                <a:cxn ang="0">
+                  <a:pos x="connsiteX7" y="connsiteY7"/>
+                </a:cxn>
+                <a:cxn ang="0">
+                  <a:pos x="connsiteX8" y="connsiteY8"/>
+                </a:cxn>
+                <a:cxn ang="0">
+                  <a:pos x="connsiteX9" y="connsiteY9"/>
+                </a:cxn>
+                <a:cxn ang="0">
+                  <a:pos x="connsiteX10" y="connsiteY10"/>
+                </a:cxn>
+                <a:cxn ang="0">
+                  <a:pos x="connsiteX11" y="connsiteY11"/>
+                </a:cxn>
+                <a:cxn ang="0">
+                  <a:pos x="connsiteX12" y="connsiteY12"/>
+                </a:cxn>
+              </a:cxnLst>
+              <a:rect l="l" t="t" r="r" b="b"/>
+              <a:pathLst>
+                <a:path w="1749313" h="1749312">
+                  <a:moveTo>
+                    <a:pt x="833615" y="973"/>
+                  </a:moveTo>
+                  <a:cubicBezTo>
+                    <a:pt x="960932" y="-5037"/>
+                    <a:pt x="1090450" y="16724"/>
+                    <a:pt x="1212890" y="68065"/>
+                  </a:cubicBezTo>
+                  <a:cubicBezTo>
+                    <a:pt x="1539397" y="204974"/>
+                    <a:pt x="1751162" y="525219"/>
+                    <a:pt x="1749301" y="879264"/>
+                  </a:cubicBezTo>
+                  <a:lnTo>
+                    <a:pt x="1623221" y="878602"/>
+                  </a:lnTo>
+                  <a:lnTo>
+                    <a:pt x="1623417" y="874669"/>
+                  </a:lnTo>
+                  <a:cubicBezTo>
+                    <a:pt x="1623417" y="456063"/>
+                    <a:pt x="1288191" y="116715"/>
+                    <a:pt x="874669" y="116715"/>
+                  </a:cubicBezTo>
+                  <a:cubicBezTo>
+                    <a:pt x="461147" y="116715"/>
+                    <a:pt x="125921" y="456063"/>
+                    <a:pt x="125921" y="874669"/>
+                  </a:cubicBezTo>
+                  <a:cubicBezTo>
+                    <a:pt x="125921" y="1267112"/>
+                    <a:pt x="420554" y="1589895"/>
+                    <a:pt x="798114" y="1628710"/>
+                  </a:cubicBezTo>
+                  <a:lnTo>
+                    <a:pt x="873441" y="1632560"/>
+                  </a:lnTo>
+                  <a:lnTo>
+                    <a:pt x="873251" y="1749312"/>
+                  </a:lnTo>
+                  <a:cubicBezTo>
+                    <a:pt x="519202" y="1748738"/>
+                    <a:pt x="200421" y="1534776"/>
+                    <a:pt x="65760" y="1207335"/>
+                  </a:cubicBezTo>
+                  <a:cubicBezTo>
+                    <a:pt x="-68901" y="879894"/>
+                    <a:pt x="7123" y="503568"/>
+                    <a:pt x="258333" y="254079"/>
+                  </a:cubicBezTo>
+                  <a:cubicBezTo>
+                    <a:pt x="415340" y="98148"/>
+                    <a:pt x="621420" y="10989"/>
+                    <a:pt x="833615" y="973"/>
+                  </a:cubicBezTo>
+                  <a:close/>
+                </a:path>
+              </a:pathLst>
+            </a:custGeom>
+            <a:solidFill>
+              <a:schemeClr val="accent1">
+                <a:lumMod val="50000"/>
+              </a:schemeClr>
+            </a:solidFill>
+            <a:ln>
+              <a:noFill/>
+            </a:ln>
+          </p:spPr>
+          <p:style>
+            <a:lnRef idx="2">
+              <a:schemeClr val="accent1">
+                <a:shade val="50000"/>
+              </a:schemeClr>
+            </a:lnRef>
+            <a:fillRef idx="1">
+              <a:schemeClr val="accent1"/>
+            </a:fillRef>
+            <a:effectRef idx="0">
+              <a:schemeClr val="accent1"/>
+            </a:effectRef>
+            <a:fontRef idx="minor">
+              <a:schemeClr val="lt1"/>
+            </a:fontRef>
+          </p:style>
+          <p:txBody>
+            <a:bodyPr rtlCol="0" anchor="ctr"/>
+            <a:lstStyle/>
+            <a:p>
+              <a:pPr algn="ctr"/>
+              <a:endParaRPr lang="pt-BR" dirty="0">
+                <a:solidFill>
+                  <a:schemeClr val="tx1"/>
+                </a:solidFill>
+              </a:endParaRPr>
+            </a:p>
+          </p:txBody>
+        </p:sp>
+        <p:sp>
+          <p:nvSpPr>
+            <p:cNvPr id="10" name="Forma Livre: Forma 30">
+              <a:extLst>
+                <a:ext uri="{FF2B5EF4-FFF2-40B4-BE49-F238E27FC236}">
+                  <a16:creationId xmlns="" xmlns:a16="http://schemas.microsoft.com/office/drawing/2014/main" id="{6FF9B9D0-C367-45F8-9B44-FCCBA75DBB3F}"/>
+                </a:ext>
+              </a:extLst>
+            </p:cNvPr>
+            <p:cNvSpPr/>
+            <p:nvPr/>
+          </p:nvSpPr>
+          <p:spPr>
+            <a:xfrm>
+              <a:off x="6810310" y="2138297"/>
+              <a:ext cx="1269272" cy="1424040"/>
+            </a:xfrm>
+            <a:custGeom>
+              <a:avLst/>
+              <a:gdLst>
+                <a:gd name="connsiteX0" fmla="*/ 646902 w 1269272"/>
+                <a:gd name="connsiteY0" fmla="*/ 2043 h 1424040"/>
+                <a:gd name="connsiteX1" fmla="*/ 1269272 w 1269272"/>
+                <a:gd name="connsiteY1" fmla="*/ 297414 h 1424040"/>
+                <a:gd name="connsiteX2" fmla="*/ 1203168 w 1269272"/>
+                <a:gd name="connsiteY2" fmla="*/ 345576 h 1424040"/>
+                <a:gd name="connsiteX3" fmla="*/ 1144335 w 1269272"/>
+                <a:gd name="connsiteY3" fmla="*/ 274270 h 1424040"/>
+                <a:gd name="connsiteX4" fmla="*/ 706547 w 1269272"/>
+                <a:gd name="connsiteY4" fmla="*/ 92932 h 1424040"/>
+                <a:gd name="connsiteX5" fmla="*/ 87422 w 1269272"/>
+                <a:gd name="connsiteY5" fmla="*/ 712057 h 1424040"/>
+                <a:gd name="connsiteX6" fmla="*/ 581772 w 1269272"/>
+                <a:gd name="connsiteY6" fmla="*/ 1318604 h 1424040"/>
+                <a:gd name="connsiteX7" fmla="*/ 696804 w 1269272"/>
+                <a:gd name="connsiteY7" fmla="*/ 1330200 h 1424040"/>
+                <a:gd name="connsiteX8" fmla="*/ 696295 w 1269272"/>
+                <a:gd name="connsiteY8" fmla="*/ 1424040 h 1424040"/>
+                <a:gd name="connsiteX9" fmla="*/ 14428 w 1269272"/>
+                <a:gd name="connsiteY9" fmla="*/ 855542 h 1424040"/>
+                <a:gd name="connsiteX10" fmla="*/ 411972 w 1269272"/>
+                <a:gd name="connsiteY10" fmla="*/ 63182 h 1424040"/>
+                <a:gd name="connsiteX11" fmla="*/ 646902 w 1269272"/>
+                <a:gd name="connsiteY11" fmla="*/ 2043 h 1424040"/>
+              </a:gdLst>
+              <a:ahLst/>
+              <a:cxnLst>
+                <a:cxn ang="0">
+                  <a:pos x="connsiteX0" y="connsiteY0"/>
+                </a:cxn>
+                <a:cxn ang="0">
+                  <a:pos x="connsiteX1" y="connsiteY1"/>
+                </a:cxn>
+                <a:cxn ang="0">
+                  <a:pos x="connsiteX2" y="connsiteY2"/>
+                </a:cxn>
+                <a:cxn ang="0">
+                  <a:pos x="connsiteX3" y="connsiteY3"/>
+                </a:cxn>
+                <a:cxn ang="0">
+                  <a:pos x="connsiteX4" y="connsiteY4"/>
+                </a:cxn>
+                <a:cxn ang="0">
+                  <a:pos x="connsiteX5" y="connsiteY5"/>
+                </a:cxn>
+                <a:cxn ang="0">
+                  <a:pos x="connsiteX6" y="connsiteY6"/>
+                </a:cxn>
+                <a:cxn ang="0">
+                  <a:pos x="connsiteX7" y="connsiteY7"/>
+                </a:cxn>
+                <a:cxn ang="0">
+                  <a:pos x="connsiteX8" y="connsiteY8"/>
+                </a:cxn>
+                <a:cxn ang="0">
+                  <a:pos x="connsiteX9" y="connsiteY9"/>
+                </a:cxn>
+                <a:cxn ang="0">
+                  <a:pos x="connsiteX10" y="connsiteY10"/>
+                </a:cxn>
+                <a:cxn ang="0">
+                  <a:pos x="connsiteX11" y="connsiteY11"/>
+                </a:cxn>
+              </a:cxnLst>
+              <a:rect l="l" t="t" r="r" b="b"/>
+              <a:pathLst>
+                <a:path w="1269272" h="1424040">
+                  <a:moveTo>
+                    <a:pt x="646902" y="2043"/>
+                  </a:moveTo>
+                  <a:cubicBezTo>
+                    <a:pt x="885236" y="-16390"/>
+                    <a:pt x="1123511" y="90487"/>
+                    <a:pt x="1269272" y="297414"/>
+                  </a:cubicBezTo>
+                  <a:lnTo>
+                    <a:pt x="1203168" y="345576"/>
+                  </a:lnTo>
+                  <a:lnTo>
+                    <a:pt x="1144335" y="274270"/>
+                  </a:lnTo>
+                  <a:cubicBezTo>
+                    <a:pt x="1032295" y="162230"/>
+                    <a:pt x="877514" y="92932"/>
+                    <a:pt x="706547" y="92932"/>
+                  </a:cubicBezTo>
+                  <a:cubicBezTo>
+                    <a:pt x="364614" y="92932"/>
+                    <a:pt x="87422" y="370124"/>
+                    <a:pt x="87422" y="712057"/>
+                  </a:cubicBezTo>
+                  <a:cubicBezTo>
+                    <a:pt x="87422" y="1011248"/>
+                    <a:pt x="299647" y="1260873"/>
+                    <a:pt x="581772" y="1318604"/>
+                  </a:cubicBezTo>
+                  <a:lnTo>
+                    <a:pt x="696804" y="1330200"/>
+                  </a:lnTo>
+                  <a:lnTo>
+                    <a:pt x="696295" y="1424040"/>
+                  </a:lnTo>
+                  <a:cubicBezTo>
+                    <a:pt x="365481" y="1422186"/>
+                    <a:pt x="81096" y="1185084"/>
+                    <a:pt x="14428" y="855542"/>
+                  </a:cubicBezTo>
+                  <a:cubicBezTo>
+                    <a:pt x="-51558" y="529374"/>
+                    <a:pt x="113567" y="200257"/>
+                    <a:pt x="411972" y="63182"/>
+                  </a:cubicBezTo>
+                  <a:cubicBezTo>
+                    <a:pt x="488006" y="28255"/>
+                    <a:pt x="567457" y="8188"/>
+                    <a:pt x="646902" y="2043"/>
+                  </a:cubicBezTo>
+                  <a:close/>
+                </a:path>
+              </a:pathLst>
+            </a:custGeom>
+            <a:solidFill>
+              <a:schemeClr val="accent1">
+                <a:lumMod val="75000"/>
+              </a:schemeClr>
+            </a:solidFill>
+            <a:ln>
+              <a:noFill/>
+            </a:ln>
+          </p:spPr>
+          <p:style>
+            <a:lnRef idx="2">
+              <a:schemeClr val="accent1">
+                <a:shade val="50000"/>
+              </a:schemeClr>
+            </a:lnRef>
+            <a:fillRef idx="1">
+              <a:schemeClr val="accent1"/>
+            </a:fillRef>
+            <a:effectRef idx="0">
+              <a:schemeClr val="accent1"/>
+            </a:effectRef>
+            <a:fontRef idx="minor">
+              <a:schemeClr val="lt1"/>
+            </a:fontRef>
+          </p:style>
+          <p:txBody>
+            <a:bodyPr rtlCol="0" anchor="ctr"/>
+            <a:lstStyle/>
+            <a:p>
+              <a:pPr algn="ctr"/>
+              <a:endParaRPr lang="pt-BR" dirty="0">
+                <a:solidFill>
+                  <a:schemeClr val="tx1"/>
+                </a:solidFill>
+              </a:endParaRPr>
+            </a:p>
+          </p:txBody>
+        </p:sp>
+        <p:sp>
+          <p:nvSpPr>
+            <p:cNvPr id="11" name="Forma Livre: Forma 35">
+              <a:extLst>
+                <a:ext uri="{FF2B5EF4-FFF2-40B4-BE49-F238E27FC236}">
+                  <a16:creationId xmlns="" xmlns:a16="http://schemas.microsoft.com/office/drawing/2014/main" id="{3D672EEE-75CC-4107-A84F-8A3C90295A3A}"/>
+                </a:ext>
+              </a:extLst>
+            </p:cNvPr>
+            <p:cNvSpPr/>
+            <p:nvPr/>
+          </p:nvSpPr>
+          <p:spPr>
+            <a:xfrm>
+              <a:off x="6948746" y="2285094"/>
+              <a:ext cx="565223" cy="1130372"/>
+            </a:xfrm>
+            <a:custGeom>
+              <a:avLst/>
+              <a:gdLst>
+                <a:gd name="connsiteX0" fmla="*/ 565223 w 565223"/>
+                <a:gd name="connsiteY0" fmla="*/ 0 h 1130372"/>
+                <a:gd name="connsiteX1" fmla="*/ 565223 w 565223"/>
+                <a:gd name="connsiteY1" fmla="*/ 74353 h 1130372"/>
+                <a:gd name="connsiteX2" fmla="*/ 465326 w 565223"/>
+                <a:gd name="connsiteY2" fmla="*/ 84423 h 1130372"/>
+                <a:gd name="connsiteX3" fmla="*/ 68959 w 565223"/>
+                <a:gd name="connsiteY3" fmla="*/ 570749 h 1130372"/>
+                <a:gd name="connsiteX4" fmla="*/ 465326 w 565223"/>
+                <a:gd name="connsiteY4" fmla="*/ 1057075 h 1130372"/>
+                <a:gd name="connsiteX5" fmla="*/ 557152 w 565223"/>
+                <a:gd name="connsiteY5" fmla="*/ 1066332 h 1130372"/>
+                <a:gd name="connsiteX6" fmla="*/ 556120 w 565223"/>
+                <a:gd name="connsiteY6" fmla="*/ 1130372 h 1130372"/>
+                <a:gd name="connsiteX7" fmla="*/ 18 w 565223"/>
+                <a:gd name="connsiteY7" fmla="*/ 560671 h 1130372"/>
+                <a:gd name="connsiteX8" fmla="*/ 565223 w 565223"/>
+                <a:gd name="connsiteY8" fmla="*/ 0 h 1130372"/>
+              </a:gdLst>
+              <a:ahLst/>
+              <a:cxnLst>
+                <a:cxn ang="0">
+                  <a:pos x="connsiteX0" y="connsiteY0"/>
+                </a:cxn>
+                <a:cxn ang="0">
+                  <a:pos x="connsiteX1" y="connsiteY1"/>
+                </a:cxn>
+                <a:cxn ang="0">
+                  <a:pos x="connsiteX2" y="connsiteY2"/>
+                </a:cxn>
+                <a:cxn ang="0">
+                  <a:pos x="connsiteX3" y="connsiteY3"/>
+                </a:cxn>
+                <a:cxn ang="0">
+                  <a:pos x="connsiteX4" y="connsiteY4"/>
+                </a:cxn>
+                <a:cxn ang="0">
+                  <a:pos x="connsiteX5" y="connsiteY5"/>
+                </a:cxn>
+                <a:cxn ang="0">
+                  <a:pos x="connsiteX6" y="connsiteY6"/>
+                </a:cxn>
+                <a:cxn ang="0">
+                  <a:pos x="connsiteX7" y="connsiteY7"/>
+                </a:cxn>
+                <a:cxn ang="0">
+                  <a:pos x="connsiteX8" y="connsiteY8"/>
+                </a:cxn>
+              </a:cxnLst>
+              <a:rect l="l" t="t" r="r" b="b"/>
+              <a:pathLst>
+                <a:path w="565223" h="1130372">
+                  <a:moveTo>
+                    <a:pt x="565223" y="0"/>
+                  </a:moveTo>
+                  <a:lnTo>
+                    <a:pt x="565223" y="74353"/>
+                  </a:lnTo>
+                  <a:lnTo>
+                    <a:pt x="465326" y="84423"/>
+                  </a:lnTo>
+                  <a:cubicBezTo>
+                    <a:pt x="239120" y="130712"/>
+                    <a:pt x="68959" y="330859"/>
+                    <a:pt x="68959" y="570749"/>
+                  </a:cubicBezTo>
+                  <a:cubicBezTo>
+                    <a:pt x="68959" y="810639"/>
+                    <a:pt x="239120" y="1010786"/>
+                    <a:pt x="465326" y="1057075"/>
+                  </a:cubicBezTo>
+                  <a:lnTo>
+                    <a:pt x="557152" y="1066332"/>
+                  </a:lnTo>
+                  <a:lnTo>
+                    <a:pt x="556120" y="1130372"/>
+                  </a:lnTo>
+                  <a:cubicBezTo>
+                    <a:pt x="245772" y="1125373"/>
+                    <a:pt x="-2481" y="871049"/>
+                    <a:pt x="18" y="560671"/>
+                  </a:cubicBezTo>
+                  <a:cubicBezTo>
+                    <a:pt x="2518" y="250293"/>
+                    <a:pt x="254835" y="0"/>
+                    <a:pt x="565223" y="0"/>
+                  </a:cubicBezTo>
+                  <a:close/>
+                </a:path>
+              </a:pathLst>
+            </a:custGeom>
+            <a:ln>
+              <a:noFill/>
+            </a:ln>
+          </p:spPr>
+          <p:style>
+            <a:lnRef idx="2">
+              <a:schemeClr val="accent1">
+                <a:shade val="50000"/>
+              </a:schemeClr>
+            </a:lnRef>
+            <a:fillRef idx="1">
+              <a:schemeClr val="accent1"/>
+            </a:fillRef>
+            <a:effectRef idx="0">
+              <a:schemeClr val="accent1"/>
+            </a:effectRef>
+            <a:fontRef idx="minor">
+              <a:schemeClr val="lt1"/>
+            </a:fontRef>
+          </p:style>
+          <p:txBody>
+            <a:bodyPr rtlCol="0" anchor="ctr"/>
+            <a:lstStyle/>
+            <a:p>
+              <a:pPr algn="ctr"/>
+              <a:endParaRPr lang="pt-BR" dirty="0">
+                <a:solidFill>
+                  <a:schemeClr val="tx1"/>
+                </a:solidFill>
+              </a:endParaRPr>
+            </a:p>
+          </p:txBody>
+        </p:sp>
+      </p:grpSp>
+      <p:grpSp>
+        <p:nvGrpSpPr>
+          <p:cNvPr id="12" name="Agrupar 52">
+            <a:extLst>
+              <a:ext uri="{FF2B5EF4-FFF2-40B4-BE49-F238E27FC236}">
+                <a16:creationId xmlns="" xmlns:a16="http://schemas.microsoft.com/office/drawing/2014/main" id="{CED2FBEA-A000-4639-9C71-CB2D033ECC53}"/>
+              </a:ext>
+            </a:extLst>
+          </p:cNvPr>
+          <p:cNvGrpSpPr/>
+          <p:nvPr/>
+        </p:nvGrpSpPr>
+        <p:grpSpPr>
+          <a:xfrm rot="2476726">
+            <a:off x="5636019" y="2446756"/>
+            <a:ext cx="1940003" cy="1183007"/>
+            <a:chOff x="5346622" y="4798692"/>
+            <a:chExt cx="1940003" cy="1183007"/>
+          </a:xfrm>
+        </p:grpSpPr>
+        <p:sp>
+          <p:nvSpPr>
+            <p:cNvPr id="13" name="Retângulo: Cantos Arredondados 43">
+              <a:extLst>
+                <a:ext uri="{FF2B5EF4-FFF2-40B4-BE49-F238E27FC236}">
+                  <a16:creationId xmlns="" xmlns:a16="http://schemas.microsoft.com/office/drawing/2014/main" id="{935E1078-7E4F-4D81-A29C-06AE0B308F99}"/>
+                </a:ext>
+              </a:extLst>
+            </p:cNvPr>
+            <p:cNvSpPr/>
+            <p:nvPr/>
+          </p:nvSpPr>
+          <p:spPr>
+            <a:xfrm rot="16200000" flipV="1">
+              <a:off x="4777979" y="5367335"/>
+              <a:ext cx="1183005" cy="45719"/>
+            </a:xfrm>
+            <a:prstGeom prst="roundRect">
+              <a:avLst/>
+            </a:prstGeom>
+            <a:ln>
+              <a:noFill/>
+            </a:ln>
+          </p:spPr>
+          <p:style>
+            <a:lnRef idx="2">
+              <a:schemeClr val="accent1">
+                <a:shade val="50000"/>
+              </a:schemeClr>
+            </a:lnRef>
+            <a:fillRef idx="1">
+              <a:schemeClr val="accent1"/>
+            </a:fillRef>
+            <a:effectRef idx="0">
+              <a:schemeClr val="accent1"/>
+            </a:effectRef>
+            <a:fontRef idx="minor">
+              <a:schemeClr val="lt1"/>
+            </a:fontRef>
+          </p:style>
+          <p:txBody>
+            <a:bodyPr rtlCol="0" anchor="ctr"/>
+            <a:lstStyle/>
+            <a:p>
+              <a:pPr algn="ctr"/>
+              <a:endParaRPr lang="pt-BR"/>
+            </a:p>
+          </p:txBody>
+        </p:sp>
+        <p:sp>
+          <p:nvSpPr>
+            <p:cNvPr id="14" name="Retângulo: Cantos Arredondados 44">
+              <a:extLst>
+                <a:ext uri="{FF2B5EF4-FFF2-40B4-BE49-F238E27FC236}">
+                  <a16:creationId xmlns="" xmlns:a16="http://schemas.microsoft.com/office/drawing/2014/main" id="{362AA42A-C925-499C-8A2A-00D8CFAA8EC3}"/>
+                </a:ext>
+              </a:extLst>
+            </p:cNvPr>
+            <p:cNvSpPr/>
+            <p:nvPr/>
+          </p:nvSpPr>
+          <p:spPr>
+            <a:xfrm>
+              <a:off x="5392339" y="5935980"/>
+              <a:ext cx="1894286" cy="45719"/>
+            </a:xfrm>
+            <a:prstGeom prst="roundRect">
+              <a:avLst/>
+            </a:prstGeom>
+            <a:ln>
+              <a:noFill/>
+            </a:ln>
+          </p:spPr>
+          <p:style>
+            <a:lnRef idx="2">
+              <a:schemeClr val="accent1">
+                <a:shade val="50000"/>
+              </a:schemeClr>
+            </a:lnRef>
+            <a:fillRef idx="1">
+              <a:schemeClr val="accent1"/>
+            </a:fillRef>
+            <a:effectRef idx="0">
+              <a:schemeClr val="accent1"/>
+            </a:effectRef>
+            <a:fontRef idx="minor">
+              <a:schemeClr val="lt1"/>
+            </a:fontRef>
+          </p:style>
+          <p:txBody>
+            <a:bodyPr rtlCol="0" anchor="ctr"/>
+            <a:lstStyle/>
+            <a:p>
+              <a:pPr algn="ctr"/>
+              <a:endParaRPr lang="pt-BR"/>
+            </a:p>
+          </p:txBody>
+        </p:sp>
+        <p:sp>
+          <p:nvSpPr>
+            <p:cNvPr id="15" name="Retângulo 14">
+              <a:extLst>
+                <a:ext uri="{FF2B5EF4-FFF2-40B4-BE49-F238E27FC236}">
+                  <a16:creationId xmlns="" xmlns:a16="http://schemas.microsoft.com/office/drawing/2014/main" id="{AB9F52CB-BAD1-4109-8FB0-B4B761B0A458}"/>
+                </a:ext>
+              </a:extLst>
+            </p:cNvPr>
+            <p:cNvSpPr/>
+            <p:nvPr/>
+          </p:nvSpPr>
+          <p:spPr>
+            <a:xfrm>
+              <a:off x="5514861" y="5343525"/>
+              <a:ext cx="298525" cy="459802"/>
+            </a:xfrm>
+            <a:prstGeom prst="rect">
+              <a:avLst/>
+            </a:prstGeom>
+            <a:solidFill>
+              <a:schemeClr val="accent1">
+                <a:lumMod val="75000"/>
+              </a:schemeClr>
+            </a:solidFill>
+            <a:ln>
+              <a:noFill/>
+            </a:ln>
+          </p:spPr>
+          <p:style>
+            <a:lnRef idx="2">
+              <a:schemeClr val="accent1">
+                <a:shade val="50000"/>
+              </a:schemeClr>
+            </a:lnRef>
+            <a:fillRef idx="1">
+              <a:schemeClr val="accent1"/>
+            </a:fillRef>
+            <a:effectRef idx="0">
+              <a:schemeClr val="accent1"/>
+            </a:effectRef>
+            <a:fontRef idx="minor">
+              <a:schemeClr val="lt1"/>
+            </a:fontRef>
+          </p:style>
+          <p:txBody>
+            <a:bodyPr rtlCol="0" anchor="ctr"/>
+            <a:lstStyle/>
+            <a:p>
+              <a:pPr algn="ctr"/>
+              <a:endParaRPr lang="pt-BR" dirty="0"/>
+            </a:p>
+          </p:txBody>
+        </p:sp>
+        <p:sp>
+          <p:nvSpPr>
+            <p:cNvPr id="16" name="Retângulo 15">
+              <a:extLst>
+                <a:ext uri="{FF2B5EF4-FFF2-40B4-BE49-F238E27FC236}">
+                  <a16:creationId xmlns="" xmlns:a16="http://schemas.microsoft.com/office/drawing/2014/main" id="{50836BD2-34DC-4080-9DED-7E87AE1B68FC}"/>
+                </a:ext>
+              </a:extLst>
+            </p:cNvPr>
+            <p:cNvSpPr/>
+            <p:nvPr/>
+          </p:nvSpPr>
+          <p:spPr>
+            <a:xfrm>
+              <a:off x="5813386" y="5465444"/>
+              <a:ext cx="298525" cy="337883"/>
+            </a:xfrm>
+            <a:prstGeom prst="rect">
+              <a:avLst/>
+            </a:prstGeom>
+            <a:solidFill>
+              <a:schemeClr val="accent1">
+                <a:lumMod val="50000"/>
+              </a:schemeClr>
+            </a:solidFill>
+            <a:ln>
+              <a:noFill/>
+            </a:ln>
+          </p:spPr>
+          <p:style>
+            <a:lnRef idx="2">
+              <a:schemeClr val="accent1">
+                <a:shade val="50000"/>
+              </a:schemeClr>
+            </a:lnRef>
+            <a:fillRef idx="1">
+              <a:schemeClr val="accent1"/>
+            </a:fillRef>
+            <a:effectRef idx="0">
+              <a:schemeClr val="accent1"/>
+            </a:effectRef>
+            <a:fontRef idx="minor">
+              <a:schemeClr val="lt1"/>
+            </a:fontRef>
+          </p:style>
+          <p:txBody>
+            <a:bodyPr rtlCol="0" anchor="ctr"/>
+            <a:lstStyle/>
+            <a:p>
+              <a:pPr algn="ctr"/>
+              <a:endParaRPr lang="pt-BR"/>
+            </a:p>
+          </p:txBody>
+        </p:sp>
+        <p:sp>
+          <p:nvSpPr>
+            <p:cNvPr id="17" name="Retângulo 16">
+              <a:extLst>
+                <a:ext uri="{FF2B5EF4-FFF2-40B4-BE49-F238E27FC236}">
+                  <a16:creationId xmlns="" xmlns:a16="http://schemas.microsoft.com/office/drawing/2014/main" id="{012E5920-ED13-449A-8146-547EA4F7B84D}"/>
+                </a:ext>
+              </a:extLst>
+            </p:cNvPr>
+            <p:cNvSpPr/>
+            <p:nvPr/>
+          </p:nvSpPr>
+          <p:spPr>
+            <a:xfrm>
+              <a:off x="6111911" y="4930138"/>
+              <a:ext cx="298525" cy="873190"/>
+            </a:xfrm>
+            <a:prstGeom prst="rect">
+              <a:avLst/>
+            </a:prstGeom>
+            <a:solidFill>
+              <a:schemeClr val="accent1">
+                <a:lumMod val="60000"/>
+                <a:lumOff val="40000"/>
+              </a:schemeClr>
+            </a:solidFill>
+            <a:ln>
+              <a:noFill/>
+            </a:ln>
+          </p:spPr>
+          <p:style>
+            <a:lnRef idx="2">
+              <a:schemeClr val="accent1">
+                <a:shade val="50000"/>
+              </a:schemeClr>
+            </a:lnRef>
+            <a:fillRef idx="1">
+              <a:schemeClr val="accent1"/>
+            </a:fillRef>
+            <a:effectRef idx="0">
+              <a:schemeClr val="accent1"/>
+            </a:effectRef>
+            <a:fontRef idx="minor">
+              <a:schemeClr val="lt1"/>
+            </a:fontRef>
+          </p:style>
+          <p:txBody>
+            <a:bodyPr rtlCol="0" anchor="ctr"/>
+            <a:lstStyle/>
+            <a:p>
+              <a:pPr algn="ctr"/>
+              <a:endParaRPr lang="pt-BR"/>
+            </a:p>
+          </p:txBody>
+        </p:sp>
+        <p:sp>
+          <p:nvSpPr>
+            <p:cNvPr id="18" name="Retângulo 17">
+              <a:extLst>
+                <a:ext uri="{FF2B5EF4-FFF2-40B4-BE49-F238E27FC236}">
+                  <a16:creationId xmlns="" xmlns:a16="http://schemas.microsoft.com/office/drawing/2014/main" id="{0CB2364E-131E-4BF1-8595-5EECBF6E212A}"/>
+                </a:ext>
+              </a:extLst>
+            </p:cNvPr>
+            <p:cNvSpPr/>
+            <p:nvPr/>
+          </p:nvSpPr>
+          <p:spPr>
+            <a:xfrm>
+              <a:off x="6414916" y="4838698"/>
+              <a:ext cx="298525" cy="964629"/>
+            </a:xfrm>
+            <a:prstGeom prst="rect">
+              <a:avLst/>
+            </a:prstGeom>
+            <a:solidFill>
+              <a:schemeClr val="accent1">
+                <a:lumMod val="20000"/>
+                <a:lumOff val="80000"/>
+              </a:schemeClr>
+            </a:solidFill>
+            <a:ln>
+              <a:noFill/>
+            </a:ln>
+          </p:spPr>
+          <p:style>
+            <a:lnRef idx="2">
+              <a:schemeClr val="accent1">
+                <a:shade val="50000"/>
+              </a:schemeClr>
+            </a:lnRef>
+            <a:fillRef idx="1">
+              <a:schemeClr val="accent1"/>
+            </a:fillRef>
+            <a:effectRef idx="0">
+              <a:schemeClr val="accent1"/>
+            </a:effectRef>
+            <a:fontRef idx="minor">
+              <a:schemeClr val="lt1"/>
+            </a:fontRef>
+          </p:style>
+          <p:txBody>
+            <a:bodyPr rtlCol="0" anchor="ctr"/>
+            <a:lstStyle/>
+            <a:p>
+              <a:pPr algn="ctr"/>
+              <a:endParaRPr lang="pt-BR"/>
+            </a:p>
+          </p:txBody>
+        </p:sp>
+        <p:sp>
+          <p:nvSpPr>
+            <p:cNvPr id="19" name="Retângulo 18">
+              <a:extLst>
+                <a:ext uri="{FF2B5EF4-FFF2-40B4-BE49-F238E27FC236}">
+                  <a16:creationId xmlns="" xmlns:a16="http://schemas.microsoft.com/office/drawing/2014/main" id="{E0F8B7C4-A7C9-4D59-8E09-7EA6624828AF}"/>
+                </a:ext>
+              </a:extLst>
+            </p:cNvPr>
+            <p:cNvSpPr/>
+            <p:nvPr/>
+          </p:nvSpPr>
+          <p:spPr>
+            <a:xfrm>
+              <a:off x="6717921" y="4975857"/>
+              <a:ext cx="298525" cy="827469"/>
+            </a:xfrm>
+            <a:prstGeom prst="rect">
+              <a:avLst/>
+            </a:prstGeom>
+            <a:solidFill>
+              <a:schemeClr val="tx2">
+                <a:lumMod val="50000"/>
+              </a:schemeClr>
+            </a:solidFill>
+            <a:ln>
+              <a:noFill/>
+            </a:ln>
+          </p:spPr>
+          <p:style>
+            <a:lnRef idx="2">
+              <a:schemeClr val="accent1">
+                <a:shade val="50000"/>
+              </a:schemeClr>
+            </a:lnRef>
+            <a:fillRef idx="1">
+              <a:schemeClr val="accent1"/>
+            </a:fillRef>
+            <a:effectRef idx="0">
+              <a:schemeClr val="accent1"/>
+            </a:effectRef>
+            <a:fontRef idx="minor">
+              <a:schemeClr val="lt1"/>
+            </a:fontRef>
+          </p:style>
+          <p:txBody>
+            <a:bodyPr rtlCol="0" anchor="ctr"/>
+            <a:lstStyle/>
+            <a:p>
+              <a:pPr algn="ctr"/>
+              <a:endParaRPr lang="pt-BR"/>
+            </a:p>
+          </p:txBody>
+        </p:sp>
+      </p:grpSp>
+    </p:spTree>
+    <p:extLst>
+      <p:ext uri="{BB962C8B-B14F-4D97-AF65-F5344CB8AC3E}">
+        <p14:creationId xmlns:p14="http://schemas.microsoft.com/office/powerpoint/2010/main" val="3021210209"/>
+      </p:ext>
+    </p:extLst>
+  </p:cSld>
+  <p:clrMapOvr>
+    <a:masterClrMapping/>
+  </p:clrMapOvr>
+</p:sld>
+</file>
+
+<file path=ppt/slides/slide8.xml><?xml version="1.0" encoding="utf-8"?>
+<p:sld xmlns:a="http://schemas.openxmlformats.org/drawingml/2006/main" xmlns:r="http://schemas.openxmlformats.org/officeDocument/2006/relationships" xmlns:p="http://schemas.openxmlformats.org/presentationml/2006/main">
+  <p:cSld>
+    <p:spTree>
+      <p:nvGrpSpPr>
+        <p:cNvPr id="1" name=""/>
+        <p:cNvGrpSpPr/>
+        <p:nvPr/>
+      </p:nvGrpSpPr>
+      <p:grpSpPr>
+        <a:xfrm>
+          <a:off x="0" y="0"/>
+          <a:ext cx="0" cy="0"/>
+          <a:chOff x="0" y="0"/>
+          <a:chExt cx="0" cy="0"/>
+        </a:xfrm>
+      </p:grpSpPr>
+      <p:sp>
+        <p:nvSpPr>
+          <p:cNvPr id="2" name="Elipse 1">
+            <a:extLst>
+              <a:ext uri="{FF2B5EF4-FFF2-40B4-BE49-F238E27FC236}">
+                <a16:creationId xmlns="" xmlns:a16="http://schemas.microsoft.com/office/drawing/2014/main" id="{3E2299F0-B270-40D7-8F79-C18F6A4FE3E7}"/>
+              </a:ext>
+            </a:extLst>
+          </p:cNvPr>
+          <p:cNvSpPr/>
+          <p:nvPr/>
+        </p:nvSpPr>
+        <p:spPr>
+          <a:xfrm>
+            <a:off x="1851812" y="692034"/>
+            <a:ext cx="5459895" cy="5459895"/>
+          </a:xfrm>
+          <a:prstGeom prst="ellipse">
+            <a:avLst/>
+          </a:prstGeom>
+          <a:solidFill>
+            <a:srgbClr val="E8D8F4"/>
+          </a:solidFill>
+          <a:ln>
+            <a:noFill/>
+          </a:ln>
+        </p:spPr>
+        <p:style>
+          <a:lnRef idx="2">
+            <a:schemeClr val="accent1">
+              <a:shade val="50000"/>
+            </a:schemeClr>
+          </a:lnRef>
+          <a:fillRef idx="1">
+            <a:schemeClr val="accent1"/>
+          </a:fillRef>
+          <a:effectRef idx="0">
+            <a:schemeClr val="accent1"/>
+          </a:effectRef>
+          <a:fontRef idx="minor">
+            <a:schemeClr val="lt1"/>
+          </a:fontRef>
+        </p:style>
+        <p:txBody>
+          <a:bodyPr rtlCol="0" anchor="ctr"/>
+          <a:lstStyle/>
+          <a:p>
+            <a:pPr algn="ctr"/>
+            <a:endParaRPr lang="pt-BR" dirty="0"/>
+          </a:p>
+        </p:txBody>
+      </p:sp>
+      <p:sp>
+        <p:nvSpPr>
+          <p:cNvPr id="3" name="Elipse 2">
+            <a:extLst>
+              <a:ext uri="{FF2B5EF4-FFF2-40B4-BE49-F238E27FC236}">
+                <a16:creationId xmlns="" xmlns:a16="http://schemas.microsoft.com/office/drawing/2014/main" id="{1C62FD96-B9CD-44D9-A6B7-B9CA744BF9E4}"/>
+              </a:ext>
+            </a:extLst>
+          </p:cNvPr>
+          <p:cNvSpPr/>
+          <p:nvPr/>
+        </p:nvSpPr>
+        <p:spPr>
+          <a:xfrm>
+            <a:off x="1826412" y="561160"/>
+            <a:ext cx="5459895" cy="5459895"/>
+          </a:xfrm>
+          <a:prstGeom prst="ellipse">
+            <a:avLst/>
+          </a:prstGeom>
+          <a:solidFill>
+            <a:srgbClr val="F3EBF9"/>
+          </a:solidFill>
+          <a:ln>
+            <a:noFill/>
+          </a:ln>
+        </p:spPr>
+        <p:style>
+          <a:lnRef idx="2">
+            <a:schemeClr val="accent1">
+              <a:shade val="50000"/>
+            </a:schemeClr>
+          </a:lnRef>
+          <a:fillRef idx="1">
+            <a:schemeClr val="accent1"/>
+          </a:fillRef>
+          <a:effectRef idx="0">
+            <a:schemeClr val="accent1"/>
+          </a:effectRef>
+          <a:fontRef idx="minor">
+            <a:schemeClr val="lt1"/>
+          </a:fontRef>
+        </p:style>
+        <p:txBody>
+          <a:bodyPr rtlCol="0" anchor="ctr"/>
+          <a:lstStyle/>
+          <a:p>
+            <a:pPr algn="ctr"/>
+            <a:endParaRPr lang="pt-BR" dirty="0"/>
+          </a:p>
+        </p:txBody>
+      </p:sp>
+      <p:grpSp>
+        <p:nvGrpSpPr>
+          <p:cNvPr id="14" name="Grupo 13"/>
+          <p:cNvGrpSpPr/>
+          <p:nvPr/>
+        </p:nvGrpSpPr>
+        <p:grpSpPr>
+          <a:xfrm rot="1748328">
+            <a:off x="5589517" y="2592734"/>
+            <a:ext cx="668407" cy="2017638"/>
+            <a:chOff x="4623674" y="1297992"/>
+            <a:chExt cx="668407" cy="2017638"/>
+          </a:xfrm>
+        </p:grpSpPr>
+        <p:sp>
+          <p:nvSpPr>
+            <p:cNvPr id="10" name="Retângulo de cantos arredondados 9"/>
+            <p:cNvSpPr/>
+            <p:nvPr/>
+          </p:nvSpPr>
+          <p:spPr>
+            <a:xfrm>
+              <a:off x="4716016" y="1299406"/>
+              <a:ext cx="576064" cy="2016224"/>
+            </a:xfrm>
+            <a:prstGeom prst="roundRect">
+              <a:avLst>
+                <a:gd name="adj" fmla="val 50000"/>
+              </a:avLst>
+            </a:prstGeom>
+            <a:solidFill>
+              <a:srgbClr val="00759E"/>
+            </a:solidFill>
+            <a:ln>
+              <a:noFill/>
+            </a:ln>
+          </p:spPr>
+          <p:style>
+            <a:lnRef idx="2">
+              <a:schemeClr val="accent1">
+                <a:shade val="50000"/>
+              </a:schemeClr>
+            </a:lnRef>
+            <a:fillRef idx="1">
+              <a:schemeClr val="accent1"/>
+            </a:fillRef>
+            <a:effectRef idx="0">
+              <a:schemeClr val="accent1"/>
+            </a:effectRef>
+            <a:fontRef idx="minor">
+              <a:schemeClr val="lt1"/>
+            </a:fontRef>
+          </p:style>
+          <p:txBody>
+            <a:bodyPr rtlCol="0" anchor="ctr"/>
+            <a:lstStyle/>
+            <a:p>
+              <a:pPr algn="ctr"/>
+              <a:endParaRPr lang="pt-BR"/>
+            </a:p>
+          </p:txBody>
+        </p:sp>
+        <p:sp>
+          <p:nvSpPr>
+            <p:cNvPr id="11" name="Retângulo de cantos arredondados 10"/>
+            <p:cNvSpPr/>
+            <p:nvPr/>
+          </p:nvSpPr>
+          <p:spPr>
+            <a:xfrm rot="10801235">
+              <a:off x="4715835" y="2306102"/>
+              <a:ext cx="576064" cy="1008008"/>
+            </a:xfrm>
+            <a:prstGeom prst="roundRect">
+              <a:avLst>
+                <a:gd name="adj" fmla="val 50000"/>
+              </a:avLst>
+            </a:prstGeom>
+            <a:solidFill>
+              <a:srgbClr val="C00000"/>
+            </a:solidFill>
+            <a:ln>
+              <a:noFill/>
+            </a:ln>
+          </p:spPr>
+          <p:style>
+            <a:lnRef idx="2">
+              <a:schemeClr val="accent1">
+                <a:shade val="50000"/>
+              </a:schemeClr>
+            </a:lnRef>
+            <a:fillRef idx="1">
+              <a:schemeClr val="accent1"/>
+            </a:fillRef>
+            <a:effectRef idx="0">
+              <a:schemeClr val="accent1"/>
+            </a:effectRef>
+            <a:fontRef idx="minor">
+              <a:schemeClr val="lt1"/>
+            </a:fontRef>
+          </p:style>
+          <p:txBody>
+            <a:bodyPr rtlCol="0" anchor="ctr"/>
+            <a:lstStyle/>
+            <a:p>
+              <a:pPr algn="ctr"/>
+              <a:endParaRPr lang="pt-BR"/>
+            </a:p>
+          </p:txBody>
+        </p:sp>
+        <p:sp>
+          <p:nvSpPr>
+            <p:cNvPr id="12" name="Retângulo 11"/>
+            <p:cNvSpPr/>
+            <p:nvPr/>
+          </p:nvSpPr>
+          <p:spPr>
+            <a:xfrm>
+              <a:off x="4716017" y="2305998"/>
+              <a:ext cx="576064" cy="422259"/>
+            </a:xfrm>
+            <a:prstGeom prst="rect">
+              <a:avLst/>
+            </a:prstGeom>
+            <a:solidFill>
+              <a:srgbClr val="C00000"/>
+            </a:solidFill>
+            <a:ln>
+              <a:noFill/>
+            </a:ln>
+          </p:spPr>
+          <p:style>
+            <a:lnRef idx="2">
+              <a:schemeClr val="accent1">
+                <a:shade val="50000"/>
+              </a:schemeClr>
+            </a:lnRef>
+            <a:fillRef idx="1">
+              <a:schemeClr val="accent1"/>
+            </a:fillRef>
+            <a:effectRef idx="0">
+              <a:schemeClr val="accent1"/>
+            </a:effectRef>
+            <a:fontRef idx="minor">
+              <a:schemeClr val="lt1"/>
+            </a:fontRef>
+          </p:style>
+          <p:txBody>
+            <a:bodyPr rtlCol="0" anchor="ctr"/>
+            <a:lstStyle/>
+            <a:p>
+              <a:pPr algn="ctr"/>
+              <a:endParaRPr lang="pt-BR"/>
+            </a:p>
+          </p:txBody>
+        </p:sp>
+        <p:sp>
+          <p:nvSpPr>
+            <p:cNvPr id="4" name="Retângulo de cantos arredondados 3"/>
+            <p:cNvSpPr/>
+            <p:nvPr/>
+          </p:nvSpPr>
+          <p:spPr>
+            <a:xfrm>
+              <a:off x="4623674" y="1297992"/>
+              <a:ext cx="576064" cy="2016224"/>
+            </a:xfrm>
+            <a:prstGeom prst="roundRect">
+              <a:avLst>
+                <a:gd name="adj" fmla="val 50000"/>
+              </a:avLst>
+            </a:prstGeom>
+            <a:solidFill>
+              <a:srgbClr val="00B0F0"/>
+            </a:solidFill>
+            <a:ln>
+              <a:noFill/>
+            </a:ln>
+          </p:spPr>
+          <p:style>
+            <a:lnRef idx="2">
+              <a:schemeClr val="accent1">
+                <a:shade val="50000"/>
+              </a:schemeClr>
+            </a:lnRef>
+            <a:fillRef idx="1">
+              <a:schemeClr val="accent1"/>
+            </a:fillRef>
+            <a:effectRef idx="0">
+              <a:schemeClr val="accent1"/>
+            </a:effectRef>
+            <a:fontRef idx="minor">
+              <a:schemeClr val="lt1"/>
+            </a:fontRef>
+          </p:style>
+          <p:txBody>
+            <a:bodyPr rtlCol="0" anchor="ctr"/>
+            <a:lstStyle/>
+            <a:p>
+              <a:pPr algn="ctr"/>
+              <a:endParaRPr lang="pt-BR"/>
+            </a:p>
+          </p:txBody>
+        </p:sp>
+        <p:sp>
+          <p:nvSpPr>
+            <p:cNvPr id="5" name="Retângulo de cantos arredondados 4"/>
+            <p:cNvSpPr/>
+            <p:nvPr/>
+          </p:nvSpPr>
+          <p:spPr>
+            <a:xfrm rot="10801235">
+              <a:off x="4623854" y="2306103"/>
+              <a:ext cx="576064" cy="1008008"/>
+            </a:xfrm>
+            <a:prstGeom prst="roundRect">
+              <a:avLst>
+                <a:gd name="adj" fmla="val 50000"/>
+              </a:avLst>
+            </a:prstGeom>
+            <a:solidFill>
+              <a:srgbClr val="FF5050"/>
+            </a:solidFill>
+            <a:ln>
+              <a:noFill/>
+            </a:ln>
+          </p:spPr>
+          <p:style>
+            <a:lnRef idx="2">
+              <a:schemeClr val="accent1">
+                <a:shade val="50000"/>
+              </a:schemeClr>
+            </a:lnRef>
+            <a:fillRef idx="1">
+              <a:schemeClr val="accent1"/>
+            </a:fillRef>
+            <a:effectRef idx="0">
+              <a:schemeClr val="accent1"/>
+            </a:effectRef>
+            <a:fontRef idx="minor">
+              <a:schemeClr val="lt1"/>
+            </a:fontRef>
+          </p:style>
+          <p:txBody>
+            <a:bodyPr rtlCol="0" anchor="ctr"/>
+            <a:lstStyle/>
+            <a:p>
+              <a:pPr algn="ctr"/>
+              <a:endParaRPr lang="pt-BR"/>
+            </a:p>
+          </p:txBody>
+        </p:sp>
+        <p:sp>
+          <p:nvSpPr>
+            <p:cNvPr id="8" name="Retângulo 7"/>
+            <p:cNvSpPr/>
+            <p:nvPr/>
+          </p:nvSpPr>
+          <p:spPr>
+            <a:xfrm>
+              <a:off x="4624036" y="2305999"/>
+              <a:ext cx="576064" cy="422259"/>
+            </a:xfrm>
+            <a:prstGeom prst="rect">
+              <a:avLst/>
+            </a:prstGeom>
+            <a:solidFill>
+              <a:srgbClr val="FF5050"/>
+            </a:solidFill>
+            <a:ln>
+              <a:noFill/>
+            </a:ln>
+          </p:spPr>
+          <p:style>
+            <a:lnRef idx="2">
+              <a:schemeClr val="accent1">
+                <a:shade val="50000"/>
+              </a:schemeClr>
+            </a:lnRef>
+            <a:fillRef idx="1">
+              <a:schemeClr val="accent1"/>
+            </a:fillRef>
+            <a:effectRef idx="0">
+              <a:schemeClr val="accent1"/>
+            </a:effectRef>
+            <a:fontRef idx="minor">
+              <a:schemeClr val="lt1"/>
+            </a:fontRef>
+          </p:style>
+          <p:txBody>
+            <a:bodyPr rtlCol="0" anchor="ctr"/>
+            <a:lstStyle/>
+            <a:p>
+              <a:pPr algn="ctr"/>
+              <a:endParaRPr lang="pt-BR"/>
+            </a:p>
+          </p:txBody>
+        </p:sp>
+      </p:grpSp>
+      <p:grpSp>
+        <p:nvGrpSpPr>
+          <p:cNvPr id="15" name="Grupo 14"/>
+          <p:cNvGrpSpPr/>
+          <p:nvPr/>
+        </p:nvGrpSpPr>
+        <p:grpSpPr>
+          <a:xfrm rot="20782508" flipH="1">
+            <a:off x="2863383" y="2443949"/>
+            <a:ext cx="668407" cy="2017638"/>
+            <a:chOff x="4623674" y="1297992"/>
+            <a:chExt cx="668407" cy="2017638"/>
+          </a:xfrm>
+          <a:solidFill>
+            <a:schemeClr val="bg1"/>
+          </a:solidFill>
+        </p:grpSpPr>
+        <p:sp>
+          <p:nvSpPr>
+            <p:cNvPr id="16" name="Retângulo de cantos arredondados 15"/>
+            <p:cNvSpPr/>
+            <p:nvPr/>
+          </p:nvSpPr>
+          <p:spPr>
+            <a:xfrm>
+              <a:off x="4716016" y="1299406"/>
+              <a:ext cx="576064" cy="2016224"/>
+            </a:xfrm>
+            <a:prstGeom prst="roundRect">
+              <a:avLst>
+                <a:gd name="adj" fmla="val 50000"/>
+              </a:avLst>
+            </a:prstGeom>
+            <a:solidFill>
+              <a:srgbClr val="E0E0E0"/>
+            </a:solidFill>
+            <a:ln>
+              <a:noFill/>
+            </a:ln>
+          </p:spPr>
+          <p:style>
+            <a:lnRef idx="2">
+              <a:schemeClr val="accent1">
+                <a:shade val="50000"/>
+              </a:schemeClr>
+            </a:lnRef>
+            <a:fillRef idx="1">
+              <a:schemeClr val="accent1"/>
+            </a:fillRef>
+            <a:effectRef idx="0">
+              <a:schemeClr val="accent1"/>
+            </a:effectRef>
+            <a:fontRef idx="minor">
+              <a:schemeClr val="lt1"/>
+            </a:fontRef>
+          </p:style>
+          <p:txBody>
+            <a:bodyPr rtlCol="0" anchor="ctr"/>
+            <a:lstStyle/>
+            <a:p>
+              <a:pPr algn="ctr"/>
+              <a:endParaRPr lang="pt-BR"/>
+            </a:p>
+          </p:txBody>
+        </p:sp>
+        <p:sp>
+          <p:nvSpPr>
+            <p:cNvPr id="17" name="Retângulo de cantos arredondados 16"/>
+            <p:cNvSpPr/>
+            <p:nvPr/>
+          </p:nvSpPr>
+          <p:spPr>
+            <a:xfrm rot="10801235">
+              <a:off x="4715835" y="2306102"/>
+              <a:ext cx="576064" cy="1008008"/>
+            </a:xfrm>
+            <a:prstGeom prst="roundRect">
+              <a:avLst>
+                <a:gd name="adj" fmla="val 50000"/>
+              </a:avLst>
+            </a:prstGeom>
+            <a:solidFill>
+              <a:srgbClr val="E0E0E0"/>
+            </a:solidFill>
+            <a:ln>
+              <a:noFill/>
+            </a:ln>
+          </p:spPr>
+          <p:style>
+            <a:lnRef idx="2">
+              <a:schemeClr val="accent1">
+                <a:shade val="50000"/>
+              </a:schemeClr>
+            </a:lnRef>
+            <a:fillRef idx="1">
+              <a:schemeClr val="accent1"/>
+            </a:fillRef>
+            <a:effectRef idx="0">
+              <a:schemeClr val="accent1"/>
+            </a:effectRef>
+            <a:fontRef idx="minor">
+              <a:schemeClr val="lt1"/>
+            </a:fontRef>
+          </p:style>
+          <p:txBody>
+            <a:bodyPr rtlCol="0" anchor="ctr"/>
+            <a:lstStyle/>
+            <a:p>
+              <a:pPr algn="ctr"/>
+              <a:endParaRPr lang="pt-BR"/>
+            </a:p>
+          </p:txBody>
+        </p:sp>
+        <p:sp>
+          <p:nvSpPr>
+            <p:cNvPr id="18" name="Retângulo 17"/>
+            <p:cNvSpPr/>
+            <p:nvPr/>
+          </p:nvSpPr>
+          <p:spPr>
+            <a:xfrm>
+              <a:off x="4716017" y="2305998"/>
+              <a:ext cx="576064" cy="422259"/>
+            </a:xfrm>
+            <a:prstGeom prst="rect">
+              <a:avLst/>
+            </a:prstGeom>
+            <a:solidFill>
+              <a:srgbClr val="E0E0E0"/>
+            </a:solidFill>
+            <a:ln>
+              <a:noFill/>
+            </a:ln>
+          </p:spPr>
+          <p:style>
+            <a:lnRef idx="2">
+              <a:schemeClr val="accent1">
+                <a:shade val="50000"/>
+              </a:schemeClr>
+            </a:lnRef>
+            <a:fillRef idx="1">
+              <a:schemeClr val="accent1"/>
+            </a:fillRef>
+            <a:effectRef idx="0">
+              <a:schemeClr val="accent1"/>
+            </a:effectRef>
+            <a:fontRef idx="minor">
+              <a:schemeClr val="lt1"/>
+            </a:fontRef>
+          </p:style>
+          <p:txBody>
+            <a:bodyPr rtlCol="0" anchor="ctr"/>
+            <a:lstStyle/>
+            <a:p>
+              <a:pPr algn="ctr"/>
+              <a:endParaRPr lang="pt-BR"/>
+            </a:p>
+          </p:txBody>
+        </p:sp>
+        <p:sp>
+          <p:nvSpPr>
+            <p:cNvPr id="19" name="Retângulo de cantos arredondados 18"/>
+            <p:cNvSpPr/>
+            <p:nvPr/>
+          </p:nvSpPr>
+          <p:spPr>
+            <a:xfrm>
+              <a:off x="4623674" y="1297992"/>
+              <a:ext cx="576064" cy="2016224"/>
+            </a:xfrm>
+            <a:prstGeom prst="roundRect">
+              <a:avLst>
+                <a:gd name="adj" fmla="val 50000"/>
+              </a:avLst>
+            </a:prstGeom>
+            <a:grpFill/>
+            <a:ln>
+              <a:noFill/>
+            </a:ln>
+          </p:spPr>
+          <p:style>
+            <a:lnRef idx="2">
+              <a:schemeClr val="accent1">
+                <a:shade val="50000"/>
+              </a:schemeClr>
+            </a:lnRef>
+            <a:fillRef idx="1">
+              <a:schemeClr val="accent1"/>
+            </a:fillRef>
+            <a:effectRef idx="0">
+              <a:schemeClr val="accent1"/>
+            </a:effectRef>
+            <a:fontRef idx="minor">
+              <a:schemeClr val="lt1"/>
+            </a:fontRef>
+          </p:style>
+          <p:txBody>
+            <a:bodyPr rtlCol="0" anchor="ctr"/>
+            <a:lstStyle/>
+            <a:p>
+              <a:pPr algn="ctr"/>
+              <a:endParaRPr lang="pt-BR"/>
+            </a:p>
+          </p:txBody>
+        </p:sp>
+        <p:sp>
+          <p:nvSpPr>
+            <p:cNvPr id="20" name="Retângulo de cantos arredondados 19"/>
+            <p:cNvSpPr/>
+            <p:nvPr/>
+          </p:nvSpPr>
+          <p:spPr>
+            <a:xfrm rot="10801235">
+              <a:off x="4623854" y="2306103"/>
+              <a:ext cx="576064" cy="1008008"/>
+            </a:xfrm>
+            <a:prstGeom prst="roundRect">
+              <a:avLst>
+                <a:gd name="adj" fmla="val 50000"/>
+              </a:avLst>
+            </a:prstGeom>
+            <a:grpFill/>
+            <a:ln>
+              <a:noFill/>
+            </a:ln>
+          </p:spPr>
+          <p:style>
+            <a:lnRef idx="2">
+              <a:schemeClr val="accent1">
+                <a:shade val="50000"/>
+              </a:schemeClr>
+            </a:lnRef>
+            <a:fillRef idx="1">
+              <a:schemeClr val="accent1"/>
+            </a:fillRef>
+            <a:effectRef idx="0">
+              <a:schemeClr val="accent1"/>
+            </a:effectRef>
+            <a:fontRef idx="minor">
+              <a:schemeClr val="lt1"/>
+            </a:fontRef>
+          </p:style>
+          <p:txBody>
+            <a:bodyPr rtlCol="0" anchor="ctr"/>
+            <a:lstStyle/>
+            <a:p>
+              <a:pPr algn="ctr"/>
+              <a:endParaRPr lang="pt-BR"/>
+            </a:p>
+          </p:txBody>
+        </p:sp>
+        <p:sp>
+          <p:nvSpPr>
+            <p:cNvPr id="21" name="Retângulo 20"/>
+            <p:cNvSpPr/>
+            <p:nvPr/>
+          </p:nvSpPr>
+          <p:spPr>
+            <a:xfrm>
+              <a:off x="4624036" y="2305999"/>
+              <a:ext cx="576064" cy="422259"/>
+            </a:xfrm>
+            <a:prstGeom prst="rect">
+              <a:avLst/>
+            </a:prstGeom>
+            <a:grpFill/>
+            <a:ln>
+              <a:noFill/>
+            </a:ln>
+          </p:spPr>
+          <p:style>
+            <a:lnRef idx="2">
+              <a:schemeClr val="accent1">
+                <a:shade val="50000"/>
+              </a:schemeClr>
+            </a:lnRef>
+            <a:fillRef idx="1">
+              <a:schemeClr val="accent1"/>
+            </a:fillRef>
+            <a:effectRef idx="0">
+              <a:schemeClr val="accent1"/>
+            </a:effectRef>
+            <a:fontRef idx="minor">
+              <a:schemeClr val="lt1"/>
+            </a:fontRef>
+          </p:style>
+          <p:txBody>
+            <a:bodyPr rtlCol="0" anchor="ctr"/>
+            <a:lstStyle/>
+            <a:p>
+              <a:pPr algn="ctr"/>
+              <a:endParaRPr lang="pt-BR"/>
+            </a:p>
+          </p:txBody>
+        </p:sp>
+      </p:grpSp>
+    </p:spTree>
+    <p:extLst>
+      <p:ext uri="{BB962C8B-B14F-4D97-AF65-F5344CB8AC3E}">
+        <p14:creationId xmlns:p14="http://schemas.microsoft.com/office/powerpoint/2010/main" val="622987803"/>
+      </p:ext>
+    </p:extLst>
+  </p:cSld>
+  <p:clrMapOvr>
+    <a:masterClrMapping/>
+  </p:clrMapOvr>
+</p:sld>
+</file>
+
 <file path=ppt/theme/theme1.xml><?xml version="1.0" encoding="utf-8"?>
 <a:theme xmlns:a="http://schemas.openxmlformats.org/drawingml/2006/main" name="Tema do Office">
   <a:themeElements>

--- a/Rascunhos/Logo - PP2.pptx
+++ b/Rascunhos/Logo - PP2.pptx
@@ -116,7 +116,7 @@
   </p:defaultTextStyle>
   <p:extLst>
     <p:ext uri="{EFAFB233-063F-42B5-8137-9DF3F51BA10A}">
-      <p15:sldGuideLst xmlns:p15="http://schemas.microsoft.com/office/powerpoint/2012/main" xmlns="">
+      <p15:sldGuideLst xmlns:p15="http://schemas.microsoft.com/office/powerpoint/2012/main">
         <p15:guide id="1" orient="horz" pos="2160">
           <p15:clr>
             <a:srgbClr val="A4A3A4"/>
@@ -279,38 +279,37 @@
           <a:p>
             <a:pPr lvl="0"/>
             <a:r>
-              <a:rPr lang="pt-BR" smtClean="0"/>
+              <a:rPr lang="pt-BR"/>
               <a:t>Clique para editar o texto mestre</a:t>
             </a:r>
           </a:p>
           <a:p>
             <a:pPr lvl="1"/>
             <a:r>
-              <a:rPr lang="pt-BR" smtClean="0"/>
+              <a:rPr lang="pt-BR"/>
               <a:t>Segundo nível</a:t>
             </a:r>
           </a:p>
           <a:p>
             <a:pPr lvl="2"/>
             <a:r>
-              <a:rPr lang="pt-BR" smtClean="0"/>
+              <a:rPr lang="pt-BR"/>
               <a:t>Terceiro nível</a:t>
             </a:r>
           </a:p>
           <a:p>
             <a:pPr lvl="3"/>
             <a:r>
-              <a:rPr lang="pt-BR" smtClean="0"/>
+              <a:rPr lang="pt-BR"/>
               <a:t>Quarto nível</a:t>
             </a:r>
           </a:p>
           <a:p>
             <a:pPr lvl="4"/>
             <a:r>
-              <a:rPr lang="pt-BR" smtClean="0"/>
+              <a:rPr lang="pt-BR"/>
               <a:t>Quinto nível</a:t>
             </a:r>
-            <a:endParaRPr lang="pt-BR"/>
           </a:p>
         </p:txBody>
       </p:sp>
@@ -3683,7 +3682,7 @@
               <a:lstStyle/>
               <a:p>
                 <a:r>
-                  <a:rPr lang="pt-BR" sz="6000" b="1" dirty="0" smtClean="0">
+                  <a:rPr lang="pt-BR" sz="6000" b="1" dirty="0">
                     <a:solidFill>
                       <a:srgbClr val="7030A0"/>
                     </a:solidFill>
@@ -3692,7 +3691,7 @@
                   <a:t>DISCUS</a:t>
                 </a:r>
                 <a:r>
-                  <a:rPr lang="pt-BR" sz="6000" b="1" dirty="0" smtClean="0">
+                  <a:rPr lang="pt-BR" sz="6000" b="1" dirty="0">
                     <a:solidFill>
                       <a:schemeClr val="bg1"/>
                     </a:solidFill>
@@ -3708,7 +3707,7 @@
               <p:cNvPr id="17" name="Balão de Pensamento: Nuvem 16">
                 <a:extLst>
                   <a:ext uri="{FF2B5EF4-FFF2-40B4-BE49-F238E27FC236}">
-                    <a16:creationId xmlns="" xmlns:a16="http://schemas.microsoft.com/office/drawing/2014/main" id="{5C57BA0A-9700-43BD-9104-CC30BC0DE381}"/>
+                    <a16:creationId xmlns:a16="http://schemas.microsoft.com/office/drawing/2014/main" id="{5C57BA0A-9700-43BD-9104-CC30BC0DE381}"/>
                   </a:ext>
                 </a:extLst>
               </p:cNvPr>
@@ -3776,7 +3775,7 @@
               <p:cNvPr id="96" name="Agrupar 15">
                 <a:extLst>
                   <a:ext uri="{FF2B5EF4-FFF2-40B4-BE49-F238E27FC236}">
-                    <a16:creationId xmlns="" xmlns:a16="http://schemas.microsoft.com/office/drawing/2014/main" id="{CDA0B437-9E5C-43AF-AD41-CFFD83C35D59}"/>
+                    <a16:creationId xmlns:a16="http://schemas.microsoft.com/office/drawing/2014/main" id="{CDA0B437-9E5C-43AF-AD41-CFFD83C35D59}"/>
                   </a:ext>
                 </a:extLst>
               </p:cNvPr>
@@ -4781,7 +4780,7 @@
               <p:cNvPr id="16" name="Agrupar 15">
                 <a:extLst>
                   <a:ext uri="{FF2B5EF4-FFF2-40B4-BE49-F238E27FC236}">
-                    <a16:creationId xmlns="" xmlns:a16="http://schemas.microsoft.com/office/drawing/2014/main" id="{CDA0B437-9E5C-43AF-AD41-CFFD83C35D59}"/>
+                    <a16:creationId xmlns:a16="http://schemas.microsoft.com/office/drawing/2014/main" id="{CDA0B437-9E5C-43AF-AD41-CFFD83C35D59}"/>
                   </a:ext>
                 </a:extLst>
               </p:cNvPr>
@@ -6529,13 +6528,6 @@
   <p:clrMapOvr>
     <a:masterClrMapping/>
   </p:clrMapOvr>
-  <p:timing>
-    <p:tnLst>
-      <p:par>
-        <p:cTn id="1" dur="indefinite" restart="never" nodeType="tmRoot"/>
-      </p:par>
-    </p:tnLst>
-  </p:timing>
 </p:sld>
 </file>
 
@@ -15444,7 +15436,7 @@
           <a:lstStyle/>
           <a:p>
             <a:r>
-              <a:rPr lang="pt-BR" sz="3200" b="1" dirty="0" smtClean="0">
+              <a:rPr lang="pt-BR" sz="3200" b="1" dirty="0">
                 <a:solidFill>
                   <a:srgbClr val="893BC3"/>
                 </a:solidFill>
@@ -15453,7 +15445,7 @@
               <a:t>DISCUS</a:t>
             </a:r>
             <a:r>
-              <a:rPr lang="pt-BR" sz="3200" b="1" dirty="0" smtClean="0">
+              <a:rPr lang="pt-BR" sz="3200" b="1" dirty="0">
                 <a:solidFill>
                   <a:schemeClr val="bg1"/>
                 </a:solidFill>
@@ -15475,7 +15467,7 @@
           <p:cNvPr id="253" name="Balão de Pensamento: Nuvem 16">
             <a:extLst>
               <a:ext uri="{FF2B5EF4-FFF2-40B4-BE49-F238E27FC236}">
-                <a16:creationId xmlns="" xmlns:a16="http://schemas.microsoft.com/office/drawing/2014/main" id="{5C57BA0A-9700-43BD-9104-CC30BC0DE381}"/>
+                <a16:creationId xmlns:a16="http://schemas.microsoft.com/office/drawing/2014/main" id="{5C57BA0A-9700-43BD-9104-CC30BC0DE381}"/>
               </a:ext>
             </a:extLst>
           </p:cNvPr>
@@ -15545,7 +15537,7 @@
             <p:cNvPr id="255" name="Agrupar 15">
               <a:extLst>
                 <a:ext uri="{FF2B5EF4-FFF2-40B4-BE49-F238E27FC236}">
-                  <a16:creationId xmlns="" xmlns:a16="http://schemas.microsoft.com/office/drawing/2014/main" id="{CDA0B437-9E5C-43AF-AD41-CFFD83C35D59}"/>
+                  <a16:creationId xmlns:a16="http://schemas.microsoft.com/office/drawing/2014/main" id="{CDA0B437-9E5C-43AF-AD41-CFFD83C35D59}"/>
                 </a:ext>
               </a:extLst>
             </p:cNvPr>
@@ -16550,7 +16542,7 @@
             <p:cNvPr id="256" name="Agrupar 15">
               <a:extLst>
                 <a:ext uri="{FF2B5EF4-FFF2-40B4-BE49-F238E27FC236}">
-                  <a16:creationId xmlns="" xmlns:a16="http://schemas.microsoft.com/office/drawing/2014/main" id="{CDA0B437-9E5C-43AF-AD41-CFFD83C35D59}"/>
+                  <a16:creationId xmlns:a16="http://schemas.microsoft.com/office/drawing/2014/main" id="{CDA0B437-9E5C-43AF-AD41-CFFD83C35D59}"/>
                 </a:ext>
               </a:extLst>
             </p:cNvPr>
@@ -18310,7 +18302,7 @@
           <a:lstStyle/>
           <a:p>
             <a:r>
-              <a:rPr lang="pt-BR" sz="2400" b="1" dirty="0" smtClean="0">
+              <a:rPr lang="pt-BR" sz="2400" b="1" dirty="0">
                 <a:solidFill>
                   <a:schemeClr val="bg1"/>
                 </a:solidFill>
@@ -18351,7 +18343,7 @@
           <a:lstStyle/>
           <a:p>
             <a:r>
-              <a:rPr lang="pt-BR" sz="2400" b="1" dirty="0" smtClean="0">
+              <a:rPr lang="pt-BR" sz="2400" b="1" dirty="0">
                 <a:solidFill>
                   <a:schemeClr val="bg1"/>
                 </a:solidFill>
@@ -18361,14 +18353,6 @@
               </a:rPr>
               <a:t>FORÚM</a:t>
             </a:r>
-            <a:endParaRPr lang="pt-BR" sz="2400" b="1" dirty="0">
-              <a:solidFill>
-                <a:schemeClr val="bg1"/>
-              </a:solidFill>
-              <a:latin typeface="DejaVu Sans" panose="020B0603030804020204" pitchFamily="34" charset="0"/>
-              <a:ea typeface="DejaVu Sans" panose="020B0603030804020204" pitchFamily="34" charset="0"/>
-              <a:cs typeface="DejaVu Sans" panose="020B0603030804020204" pitchFamily="34" charset="0"/>
-            </a:endParaRPr>
           </a:p>
         </p:txBody>
       </p:sp>
@@ -18421,7 +18405,7 @@
           <a:lstStyle/>
           <a:p>
             <a:r>
-              <a:rPr lang="pt-BR" sz="4000" b="1" dirty="0" smtClean="0">
+              <a:rPr lang="pt-BR" sz="4000" b="1" dirty="0">
                 <a:solidFill>
                   <a:schemeClr val="accent6">
                     <a:lumMod val="50000"/>
@@ -18430,13 +18414,6 @@
               </a:rPr>
               <a:t>FRASE AQUI</a:t>
             </a:r>
-            <a:endParaRPr lang="pt-BR" sz="4000" b="1" dirty="0">
-              <a:solidFill>
-                <a:schemeClr val="accent6">
-                  <a:lumMod val="50000"/>
-                </a:schemeClr>
-              </a:solidFill>
-            </a:endParaRPr>
           </a:p>
         </p:txBody>
       </p:sp>
@@ -18498,13 +18475,6 @@
   <p:clrMapOvr>
     <a:masterClrMapping/>
   </p:clrMapOvr>
-  <p:timing>
-    <p:tnLst>
-      <p:par>
-        <p:cTn id="1" dur="indefinite" restart="never" nodeType="tmRoot"/>
-      </p:par>
-    </p:tnLst>
-  </p:timing>
 </p:sld>
 </file>
 
@@ -27513,7 +27483,7 @@
               <a:lstStyle/>
               <a:p>
                 <a:r>
-                  <a:rPr lang="pt-BR" sz="3200" b="1" dirty="0" smtClean="0">
+                  <a:rPr lang="pt-BR" sz="3200" b="1" dirty="0">
                     <a:solidFill>
                       <a:srgbClr val="893BC3"/>
                     </a:solidFill>
@@ -27522,7 +27492,7 @@
                   <a:t>DISCUS</a:t>
                 </a:r>
                 <a:r>
-                  <a:rPr lang="pt-BR" sz="3200" b="1" dirty="0" smtClean="0">
+                  <a:rPr lang="pt-BR" sz="3200" b="1" dirty="0">
                     <a:solidFill>
                       <a:schemeClr val="bg1"/>
                     </a:solidFill>
@@ -27544,7 +27514,7 @@
               <p:cNvPr id="253" name="Balão de Pensamento: Nuvem 16">
                 <a:extLst>
                   <a:ext uri="{FF2B5EF4-FFF2-40B4-BE49-F238E27FC236}">
-                    <a16:creationId xmlns="" xmlns:a16="http://schemas.microsoft.com/office/drawing/2014/main" id="{5C57BA0A-9700-43BD-9104-CC30BC0DE381}"/>
+                    <a16:creationId xmlns:a16="http://schemas.microsoft.com/office/drawing/2014/main" id="{5C57BA0A-9700-43BD-9104-CC30BC0DE381}"/>
                   </a:ext>
                 </a:extLst>
               </p:cNvPr>
@@ -27614,7 +27584,7 @@
                 <p:cNvPr id="255" name="Agrupar 15">
                   <a:extLst>
                     <a:ext uri="{FF2B5EF4-FFF2-40B4-BE49-F238E27FC236}">
-                      <a16:creationId xmlns="" xmlns:a16="http://schemas.microsoft.com/office/drawing/2014/main" id="{CDA0B437-9E5C-43AF-AD41-CFFD83C35D59}"/>
+                      <a16:creationId xmlns:a16="http://schemas.microsoft.com/office/drawing/2014/main" id="{CDA0B437-9E5C-43AF-AD41-CFFD83C35D59}"/>
                     </a:ext>
                   </a:extLst>
                 </p:cNvPr>
@@ -28619,7 +28589,7 @@
                 <p:cNvPr id="256" name="Agrupar 15">
                   <a:extLst>
                     <a:ext uri="{FF2B5EF4-FFF2-40B4-BE49-F238E27FC236}">
-                      <a16:creationId xmlns="" xmlns:a16="http://schemas.microsoft.com/office/drawing/2014/main" id="{CDA0B437-9E5C-43AF-AD41-CFFD83C35D59}"/>
+                      <a16:creationId xmlns:a16="http://schemas.microsoft.com/office/drawing/2014/main" id="{CDA0B437-9E5C-43AF-AD41-CFFD83C35D59}"/>
                     </a:ext>
                   </a:extLst>
                 </p:cNvPr>
@@ -30534,7 +30504,7 @@
           <a:lstStyle/>
           <a:p>
             <a:r>
-              <a:rPr lang="pt-BR" sz="4000" b="1" dirty="0" smtClean="0">
+              <a:rPr lang="pt-BR" sz="4000" b="1" dirty="0">
                 <a:solidFill>
                   <a:schemeClr val="accent6">
                     <a:lumMod val="50000"/>
@@ -30543,13 +30513,6 @@
               </a:rPr>
               <a:t>FRASE AQUI</a:t>
             </a:r>
-            <a:endParaRPr lang="pt-BR" sz="4000" b="1" dirty="0">
-              <a:solidFill>
-                <a:schemeClr val="accent6">
-                  <a:lumMod val="50000"/>
-                </a:schemeClr>
-              </a:solidFill>
-            </a:endParaRPr>
           </a:p>
         </p:txBody>
       </p:sp>
@@ -30611,13 +30574,6 @@
   <p:clrMapOvr>
     <a:masterClrMapping/>
   </p:clrMapOvr>
-  <p:timing>
-    <p:tnLst>
-      <p:par>
-        <p:cTn id="1" dur="indefinite" restart="never" nodeType="tmRoot"/>
-      </p:par>
-    </p:tnLst>
-  </p:timing>
 </p:sld>
 </file>
 
@@ -35886,13 +35842,6 @@
   <p:clrMapOvr>
     <a:masterClrMapping/>
   </p:clrMapOvr>
-  <p:timing>
-    <p:tnLst>
-      <p:par>
-        <p:cTn id="1" dur="indefinite" restart="never" nodeType="tmRoot"/>
-      </p:par>
-    </p:tnLst>
-  </p:timing>
 </p:sld>
 </file>
 
@@ -36074,7 +36023,7 @@
             <a:lstStyle/>
             <a:p>
               <a:r>
-                <a:rPr lang="pt-BR" b="1" dirty="0" smtClean="0">
+                <a:rPr lang="pt-BR" b="1" dirty="0">
                   <a:solidFill>
                     <a:schemeClr val="bg1"/>
                   </a:solidFill>
@@ -36083,13 +36032,6 @@
                 </a:rPr>
                 <a:t>@COPYRIGHT 2019. TODOS OS DIREITOS RESERVADOS</a:t>
               </a:r>
-              <a:endParaRPr lang="pt-BR" b="1" dirty="0">
-                <a:solidFill>
-                  <a:schemeClr val="bg1"/>
-                </a:solidFill>
-                <a:latin typeface="Aharoni" panose="02010803020104030203" pitchFamily="2" charset="-79"/>
-                <a:cs typeface="Aharoni" panose="02010803020104030203" pitchFamily="2" charset="-79"/>
-              </a:endParaRPr>
             </a:p>
           </p:txBody>
         </p:sp>
@@ -36119,7 +36061,7 @@
             <a:lstStyle/>
             <a:p>
               <a:r>
-                <a:rPr lang="pt-BR" b="1" dirty="0" smtClean="0">
+                <a:rPr lang="pt-BR" b="1" dirty="0">
                   <a:solidFill>
                     <a:schemeClr val="bg1"/>
                   </a:solidFill>
@@ -36128,13 +36070,6 @@
                 </a:rPr>
                 <a:t>HOME | ABOUT | REGISTER | CONTACT US | BASTIDORES</a:t>
               </a:r>
-              <a:endParaRPr lang="pt-BR" b="1" dirty="0">
-                <a:solidFill>
-                  <a:schemeClr val="bg1"/>
-                </a:solidFill>
-                <a:latin typeface="Aharoni" panose="02010803020104030203" pitchFamily="2" charset="-79"/>
-                <a:cs typeface="Aharoni" panose="02010803020104030203" pitchFamily="2" charset="-79"/>
-              </a:endParaRPr>
             </a:p>
           </p:txBody>
         </p:sp>
@@ -36174,7 +36109,7 @@
           <p:cNvPr id="2" name="Elipse 1">
             <a:extLst>
               <a:ext uri="{FF2B5EF4-FFF2-40B4-BE49-F238E27FC236}">
-                <a16:creationId xmlns="" xmlns:a16="http://schemas.microsoft.com/office/drawing/2014/main" id="{3E2299F0-B270-40D7-8F79-C18F6A4FE3E7}"/>
+                <a16:creationId xmlns:a16="http://schemas.microsoft.com/office/drawing/2014/main" id="{3E2299F0-B270-40D7-8F79-C18F6A4FE3E7}"/>
               </a:ext>
             </a:extLst>
           </p:cNvPr>
@@ -36226,7 +36161,7 @@
           <p:cNvPr id="3" name="Elipse 2">
             <a:extLst>
               <a:ext uri="{FF2B5EF4-FFF2-40B4-BE49-F238E27FC236}">
-                <a16:creationId xmlns="" xmlns:a16="http://schemas.microsoft.com/office/drawing/2014/main" id="{1C62FD96-B9CD-44D9-A6B7-B9CA744BF9E4}"/>
+                <a16:creationId xmlns:a16="http://schemas.microsoft.com/office/drawing/2014/main" id="{1C62FD96-B9CD-44D9-A6B7-B9CA744BF9E4}"/>
               </a:ext>
             </a:extLst>
           </p:cNvPr>
@@ -36278,7 +36213,7 @@
           <p:cNvPr id="4" name="Agrupar 37">
             <a:extLst>
               <a:ext uri="{FF2B5EF4-FFF2-40B4-BE49-F238E27FC236}">
-                <a16:creationId xmlns="" xmlns:a16="http://schemas.microsoft.com/office/drawing/2014/main" id="{52F3F48F-870F-4ABD-96B6-61DF53E4E1C5}"/>
+                <a16:creationId xmlns:a16="http://schemas.microsoft.com/office/drawing/2014/main" id="{52F3F48F-870F-4ABD-96B6-61DF53E4E1C5}"/>
               </a:ext>
             </a:extLst>
           </p:cNvPr>
@@ -36298,7 +36233,7 @@
             <p:cNvPr id="5" name="Elipse 4">
               <a:extLst>
                 <a:ext uri="{FF2B5EF4-FFF2-40B4-BE49-F238E27FC236}">
-                  <a16:creationId xmlns="" xmlns:a16="http://schemas.microsoft.com/office/drawing/2014/main" id="{97BAADA3-8958-4B81-A9AD-4BD804FFCDF5}"/>
+                  <a16:creationId xmlns:a16="http://schemas.microsoft.com/office/drawing/2014/main" id="{97BAADA3-8958-4B81-A9AD-4BD804FFCDF5}"/>
                 </a:ext>
               </a:extLst>
             </p:cNvPr>
@@ -36350,7 +36285,7 @@
             <p:cNvPr id="6" name="Elipse 5">
               <a:extLst>
                 <a:ext uri="{FF2B5EF4-FFF2-40B4-BE49-F238E27FC236}">
-                  <a16:creationId xmlns="" xmlns:a16="http://schemas.microsoft.com/office/drawing/2014/main" id="{DD7FCB07-6872-4369-AFA7-3EE266845754}"/>
+                  <a16:creationId xmlns:a16="http://schemas.microsoft.com/office/drawing/2014/main" id="{DD7FCB07-6872-4369-AFA7-3EE266845754}"/>
                 </a:ext>
               </a:extLst>
             </p:cNvPr>
@@ -36402,7 +36337,7 @@
             <p:cNvPr id="7" name="Elipse 6">
               <a:extLst>
                 <a:ext uri="{FF2B5EF4-FFF2-40B4-BE49-F238E27FC236}">
-                  <a16:creationId xmlns="" xmlns:a16="http://schemas.microsoft.com/office/drawing/2014/main" id="{0B6E4FBC-9CDE-4401-9469-77C9298AD225}"/>
+                  <a16:creationId xmlns:a16="http://schemas.microsoft.com/office/drawing/2014/main" id="{0B6E4FBC-9CDE-4401-9469-77C9298AD225}"/>
                 </a:ext>
               </a:extLst>
             </p:cNvPr>
@@ -36455,7 +36390,7 @@
           <p:cNvPr id="8" name="Agrupar 36">
             <a:extLst>
               <a:ext uri="{FF2B5EF4-FFF2-40B4-BE49-F238E27FC236}">
-                <a16:creationId xmlns="" xmlns:a16="http://schemas.microsoft.com/office/drawing/2014/main" id="{E549C062-7711-41AB-ABF2-AB4E91EA62FE}"/>
+                <a16:creationId xmlns:a16="http://schemas.microsoft.com/office/drawing/2014/main" id="{E549C062-7711-41AB-ABF2-AB4E91EA62FE}"/>
               </a:ext>
             </a:extLst>
           </p:cNvPr>
@@ -36475,7 +36410,7 @@
             <p:cNvPr id="9" name="Forma Livre: Forma 27">
               <a:extLst>
                 <a:ext uri="{FF2B5EF4-FFF2-40B4-BE49-F238E27FC236}">
-                  <a16:creationId xmlns="" xmlns:a16="http://schemas.microsoft.com/office/drawing/2014/main" id="{BF0A1B5E-6E58-4A70-97B5-2DCC1B239780}"/>
+                  <a16:creationId xmlns:a16="http://schemas.microsoft.com/office/drawing/2014/main" id="{BF0A1B5E-6E58-4A70-97B5-2DCC1B239780}"/>
                 </a:ext>
               </a:extLst>
             </p:cNvPr>
@@ -36664,7 +36599,7 @@
             <p:cNvPr id="10" name="Forma Livre: Forma 30">
               <a:extLst>
                 <a:ext uri="{FF2B5EF4-FFF2-40B4-BE49-F238E27FC236}">
-                  <a16:creationId xmlns="" xmlns:a16="http://schemas.microsoft.com/office/drawing/2014/main" id="{6FF9B9D0-C367-45F8-9B44-FCCBA75DBB3F}"/>
+                  <a16:creationId xmlns:a16="http://schemas.microsoft.com/office/drawing/2014/main" id="{6FF9B9D0-C367-45F8-9B44-FCCBA75DBB3F}"/>
                 </a:ext>
               </a:extLst>
             </p:cNvPr>
@@ -36843,7 +36778,7 @@
             <p:cNvPr id="11" name="Forma Livre: Forma 35">
               <a:extLst>
                 <a:ext uri="{FF2B5EF4-FFF2-40B4-BE49-F238E27FC236}">
-                  <a16:creationId xmlns="" xmlns:a16="http://schemas.microsoft.com/office/drawing/2014/main" id="{3D672EEE-75CC-4107-A84F-8A3C90295A3A}"/>
+                  <a16:creationId xmlns:a16="http://schemas.microsoft.com/office/drawing/2014/main" id="{3D672EEE-75CC-4107-A84F-8A3C90295A3A}"/>
                 </a:ext>
               </a:extLst>
             </p:cNvPr>
@@ -36988,7 +36923,7 @@
           <p:cNvPr id="12" name="Agrupar 52">
             <a:extLst>
               <a:ext uri="{FF2B5EF4-FFF2-40B4-BE49-F238E27FC236}">
-                <a16:creationId xmlns="" xmlns:a16="http://schemas.microsoft.com/office/drawing/2014/main" id="{CED2FBEA-A000-4639-9C71-CB2D033ECC53}"/>
+                <a16:creationId xmlns:a16="http://schemas.microsoft.com/office/drawing/2014/main" id="{CED2FBEA-A000-4639-9C71-CB2D033ECC53}"/>
               </a:ext>
             </a:extLst>
           </p:cNvPr>
@@ -37008,7 +36943,7 @@
             <p:cNvPr id="13" name="Retângulo: Cantos Arredondados 43">
               <a:extLst>
                 <a:ext uri="{FF2B5EF4-FFF2-40B4-BE49-F238E27FC236}">
-                  <a16:creationId xmlns="" xmlns:a16="http://schemas.microsoft.com/office/drawing/2014/main" id="{935E1078-7E4F-4D81-A29C-06AE0B308F99}"/>
+                  <a16:creationId xmlns:a16="http://schemas.microsoft.com/office/drawing/2014/main" id="{935E1078-7E4F-4D81-A29C-06AE0B308F99}"/>
                 </a:ext>
               </a:extLst>
             </p:cNvPr>
@@ -37057,7 +36992,7 @@
             <p:cNvPr id="14" name="Retângulo: Cantos Arredondados 44">
               <a:extLst>
                 <a:ext uri="{FF2B5EF4-FFF2-40B4-BE49-F238E27FC236}">
-                  <a16:creationId xmlns="" xmlns:a16="http://schemas.microsoft.com/office/drawing/2014/main" id="{362AA42A-C925-499C-8A2A-00D8CFAA8EC3}"/>
+                  <a16:creationId xmlns:a16="http://schemas.microsoft.com/office/drawing/2014/main" id="{362AA42A-C925-499C-8A2A-00D8CFAA8EC3}"/>
                 </a:ext>
               </a:extLst>
             </p:cNvPr>
@@ -37106,7 +37041,7 @@
             <p:cNvPr id="15" name="Retângulo 14">
               <a:extLst>
                 <a:ext uri="{FF2B5EF4-FFF2-40B4-BE49-F238E27FC236}">
-                  <a16:creationId xmlns="" xmlns:a16="http://schemas.microsoft.com/office/drawing/2014/main" id="{AB9F52CB-BAD1-4109-8FB0-B4B761B0A458}"/>
+                  <a16:creationId xmlns:a16="http://schemas.microsoft.com/office/drawing/2014/main" id="{AB9F52CB-BAD1-4109-8FB0-B4B761B0A458}"/>
                 </a:ext>
               </a:extLst>
             </p:cNvPr>
@@ -37160,7 +37095,7 @@
             <p:cNvPr id="16" name="Retângulo 15">
               <a:extLst>
                 <a:ext uri="{FF2B5EF4-FFF2-40B4-BE49-F238E27FC236}">
-                  <a16:creationId xmlns="" xmlns:a16="http://schemas.microsoft.com/office/drawing/2014/main" id="{50836BD2-34DC-4080-9DED-7E87AE1B68FC}"/>
+                  <a16:creationId xmlns:a16="http://schemas.microsoft.com/office/drawing/2014/main" id="{50836BD2-34DC-4080-9DED-7E87AE1B68FC}"/>
                 </a:ext>
               </a:extLst>
             </p:cNvPr>
@@ -37214,7 +37149,7 @@
             <p:cNvPr id="17" name="Retângulo 16">
               <a:extLst>
                 <a:ext uri="{FF2B5EF4-FFF2-40B4-BE49-F238E27FC236}">
-                  <a16:creationId xmlns="" xmlns:a16="http://schemas.microsoft.com/office/drawing/2014/main" id="{012E5920-ED13-449A-8146-547EA4F7B84D}"/>
+                  <a16:creationId xmlns:a16="http://schemas.microsoft.com/office/drawing/2014/main" id="{012E5920-ED13-449A-8146-547EA4F7B84D}"/>
                 </a:ext>
               </a:extLst>
             </p:cNvPr>
@@ -37269,7 +37204,7 @@
             <p:cNvPr id="18" name="Retângulo 17">
               <a:extLst>
                 <a:ext uri="{FF2B5EF4-FFF2-40B4-BE49-F238E27FC236}">
-                  <a16:creationId xmlns="" xmlns:a16="http://schemas.microsoft.com/office/drawing/2014/main" id="{0CB2364E-131E-4BF1-8595-5EECBF6E212A}"/>
+                  <a16:creationId xmlns:a16="http://schemas.microsoft.com/office/drawing/2014/main" id="{0CB2364E-131E-4BF1-8595-5EECBF6E212A}"/>
                 </a:ext>
               </a:extLst>
             </p:cNvPr>
@@ -37324,7 +37259,7 @@
             <p:cNvPr id="19" name="Retângulo 18">
               <a:extLst>
                 <a:ext uri="{FF2B5EF4-FFF2-40B4-BE49-F238E27FC236}">
-                  <a16:creationId xmlns="" xmlns:a16="http://schemas.microsoft.com/office/drawing/2014/main" id="{E0F8B7C4-A7C9-4D59-8E09-7EA6624828AF}"/>
+                  <a16:creationId xmlns:a16="http://schemas.microsoft.com/office/drawing/2014/main" id="{E0F8B7C4-A7C9-4D59-8E09-7EA6624828AF}"/>
                 </a:ext>
               </a:extLst>
             </p:cNvPr>
@@ -37409,7 +37344,7 @@
           <p:cNvPr id="2" name="Elipse 1">
             <a:extLst>
               <a:ext uri="{FF2B5EF4-FFF2-40B4-BE49-F238E27FC236}">
-                <a16:creationId xmlns="" xmlns:a16="http://schemas.microsoft.com/office/drawing/2014/main" id="{3E2299F0-B270-40D7-8F79-C18F6A4FE3E7}"/>
+                <a16:creationId xmlns:a16="http://schemas.microsoft.com/office/drawing/2014/main" id="{3E2299F0-B270-40D7-8F79-C18F6A4FE3E7}"/>
               </a:ext>
             </a:extLst>
           </p:cNvPr>
@@ -37461,7 +37396,7 @@
           <p:cNvPr id="3" name="Elipse 2">
             <a:extLst>
               <a:ext uri="{FF2B5EF4-FFF2-40B4-BE49-F238E27FC236}">
-                <a16:creationId xmlns="" xmlns:a16="http://schemas.microsoft.com/office/drawing/2014/main" id="{1C62FD96-B9CD-44D9-A6B7-B9CA744BF9E4}"/>
+                <a16:creationId xmlns:a16="http://schemas.microsoft.com/office/drawing/2014/main" id="{1C62FD96-B9CD-44D9-A6B7-B9CA744BF9E4}"/>
               </a:ext>
             </a:extLst>
           </p:cNvPr>
@@ -37510,312 +37445,13 @@
       </p:sp>
       <p:grpSp>
         <p:nvGrpSpPr>
-          <p:cNvPr id="14" name="Grupo 13"/>
-          <p:cNvGrpSpPr/>
-          <p:nvPr/>
-        </p:nvGrpSpPr>
-        <p:grpSpPr>
-          <a:xfrm rot="1748328">
-            <a:off x="5589517" y="2592734"/>
-            <a:ext cx="668407" cy="2017638"/>
-            <a:chOff x="4623674" y="1297992"/>
-            <a:chExt cx="668407" cy="2017638"/>
-          </a:xfrm>
-        </p:grpSpPr>
-        <p:sp>
-          <p:nvSpPr>
-            <p:cNvPr id="10" name="Retângulo de cantos arredondados 9"/>
-            <p:cNvSpPr/>
-            <p:nvPr/>
-          </p:nvSpPr>
-          <p:spPr>
-            <a:xfrm>
-              <a:off x="4716016" y="1299406"/>
-              <a:ext cx="576064" cy="2016224"/>
-            </a:xfrm>
-            <a:prstGeom prst="roundRect">
-              <a:avLst>
-                <a:gd name="adj" fmla="val 50000"/>
-              </a:avLst>
-            </a:prstGeom>
-            <a:solidFill>
-              <a:srgbClr val="00759E"/>
-            </a:solidFill>
-            <a:ln>
-              <a:noFill/>
-            </a:ln>
-          </p:spPr>
-          <p:style>
-            <a:lnRef idx="2">
-              <a:schemeClr val="accent1">
-                <a:shade val="50000"/>
-              </a:schemeClr>
-            </a:lnRef>
-            <a:fillRef idx="1">
-              <a:schemeClr val="accent1"/>
-            </a:fillRef>
-            <a:effectRef idx="0">
-              <a:schemeClr val="accent1"/>
-            </a:effectRef>
-            <a:fontRef idx="minor">
-              <a:schemeClr val="lt1"/>
-            </a:fontRef>
-          </p:style>
-          <p:txBody>
-            <a:bodyPr rtlCol="0" anchor="ctr"/>
-            <a:lstStyle/>
-            <a:p>
-              <a:pPr algn="ctr"/>
-              <a:endParaRPr lang="pt-BR"/>
-            </a:p>
-          </p:txBody>
-        </p:sp>
-        <p:sp>
-          <p:nvSpPr>
-            <p:cNvPr id="11" name="Retângulo de cantos arredondados 10"/>
-            <p:cNvSpPr/>
-            <p:nvPr/>
-          </p:nvSpPr>
-          <p:spPr>
-            <a:xfrm rot="10801235">
-              <a:off x="4715835" y="2306102"/>
-              <a:ext cx="576064" cy="1008008"/>
-            </a:xfrm>
-            <a:prstGeom prst="roundRect">
-              <a:avLst>
-                <a:gd name="adj" fmla="val 50000"/>
-              </a:avLst>
-            </a:prstGeom>
-            <a:solidFill>
-              <a:srgbClr val="C00000"/>
-            </a:solidFill>
-            <a:ln>
-              <a:noFill/>
-            </a:ln>
-          </p:spPr>
-          <p:style>
-            <a:lnRef idx="2">
-              <a:schemeClr val="accent1">
-                <a:shade val="50000"/>
-              </a:schemeClr>
-            </a:lnRef>
-            <a:fillRef idx="1">
-              <a:schemeClr val="accent1"/>
-            </a:fillRef>
-            <a:effectRef idx="0">
-              <a:schemeClr val="accent1"/>
-            </a:effectRef>
-            <a:fontRef idx="minor">
-              <a:schemeClr val="lt1"/>
-            </a:fontRef>
-          </p:style>
-          <p:txBody>
-            <a:bodyPr rtlCol="0" anchor="ctr"/>
-            <a:lstStyle/>
-            <a:p>
-              <a:pPr algn="ctr"/>
-              <a:endParaRPr lang="pt-BR"/>
-            </a:p>
-          </p:txBody>
-        </p:sp>
-        <p:sp>
-          <p:nvSpPr>
-            <p:cNvPr id="12" name="Retângulo 11"/>
-            <p:cNvSpPr/>
-            <p:nvPr/>
-          </p:nvSpPr>
-          <p:spPr>
-            <a:xfrm>
-              <a:off x="4716017" y="2305998"/>
-              <a:ext cx="576064" cy="422259"/>
-            </a:xfrm>
-            <a:prstGeom prst="rect">
-              <a:avLst/>
-            </a:prstGeom>
-            <a:solidFill>
-              <a:srgbClr val="C00000"/>
-            </a:solidFill>
-            <a:ln>
-              <a:noFill/>
-            </a:ln>
-          </p:spPr>
-          <p:style>
-            <a:lnRef idx="2">
-              <a:schemeClr val="accent1">
-                <a:shade val="50000"/>
-              </a:schemeClr>
-            </a:lnRef>
-            <a:fillRef idx="1">
-              <a:schemeClr val="accent1"/>
-            </a:fillRef>
-            <a:effectRef idx="0">
-              <a:schemeClr val="accent1"/>
-            </a:effectRef>
-            <a:fontRef idx="minor">
-              <a:schemeClr val="lt1"/>
-            </a:fontRef>
-          </p:style>
-          <p:txBody>
-            <a:bodyPr rtlCol="0" anchor="ctr"/>
-            <a:lstStyle/>
-            <a:p>
-              <a:pPr algn="ctr"/>
-              <a:endParaRPr lang="pt-BR"/>
-            </a:p>
-          </p:txBody>
-        </p:sp>
-        <p:sp>
-          <p:nvSpPr>
-            <p:cNvPr id="4" name="Retângulo de cantos arredondados 3"/>
-            <p:cNvSpPr/>
-            <p:nvPr/>
-          </p:nvSpPr>
-          <p:spPr>
-            <a:xfrm>
-              <a:off x="4623674" y="1297992"/>
-              <a:ext cx="576064" cy="2016224"/>
-            </a:xfrm>
-            <a:prstGeom prst="roundRect">
-              <a:avLst>
-                <a:gd name="adj" fmla="val 50000"/>
-              </a:avLst>
-            </a:prstGeom>
-            <a:solidFill>
-              <a:srgbClr val="00B0F0"/>
-            </a:solidFill>
-            <a:ln>
-              <a:noFill/>
-            </a:ln>
-          </p:spPr>
-          <p:style>
-            <a:lnRef idx="2">
-              <a:schemeClr val="accent1">
-                <a:shade val="50000"/>
-              </a:schemeClr>
-            </a:lnRef>
-            <a:fillRef idx="1">
-              <a:schemeClr val="accent1"/>
-            </a:fillRef>
-            <a:effectRef idx="0">
-              <a:schemeClr val="accent1"/>
-            </a:effectRef>
-            <a:fontRef idx="minor">
-              <a:schemeClr val="lt1"/>
-            </a:fontRef>
-          </p:style>
-          <p:txBody>
-            <a:bodyPr rtlCol="0" anchor="ctr"/>
-            <a:lstStyle/>
-            <a:p>
-              <a:pPr algn="ctr"/>
-              <a:endParaRPr lang="pt-BR"/>
-            </a:p>
-          </p:txBody>
-        </p:sp>
-        <p:sp>
-          <p:nvSpPr>
-            <p:cNvPr id="5" name="Retângulo de cantos arredondados 4"/>
-            <p:cNvSpPr/>
-            <p:nvPr/>
-          </p:nvSpPr>
-          <p:spPr>
-            <a:xfrm rot="10801235">
-              <a:off x="4623854" y="2306103"/>
-              <a:ext cx="576064" cy="1008008"/>
-            </a:xfrm>
-            <a:prstGeom prst="roundRect">
-              <a:avLst>
-                <a:gd name="adj" fmla="val 50000"/>
-              </a:avLst>
-            </a:prstGeom>
-            <a:solidFill>
-              <a:srgbClr val="FF5050"/>
-            </a:solidFill>
-            <a:ln>
-              <a:noFill/>
-            </a:ln>
-          </p:spPr>
-          <p:style>
-            <a:lnRef idx="2">
-              <a:schemeClr val="accent1">
-                <a:shade val="50000"/>
-              </a:schemeClr>
-            </a:lnRef>
-            <a:fillRef idx="1">
-              <a:schemeClr val="accent1"/>
-            </a:fillRef>
-            <a:effectRef idx="0">
-              <a:schemeClr val="accent1"/>
-            </a:effectRef>
-            <a:fontRef idx="minor">
-              <a:schemeClr val="lt1"/>
-            </a:fontRef>
-          </p:style>
-          <p:txBody>
-            <a:bodyPr rtlCol="0" anchor="ctr"/>
-            <a:lstStyle/>
-            <a:p>
-              <a:pPr algn="ctr"/>
-              <a:endParaRPr lang="pt-BR"/>
-            </a:p>
-          </p:txBody>
-        </p:sp>
-        <p:sp>
-          <p:nvSpPr>
-            <p:cNvPr id="8" name="Retângulo 7"/>
-            <p:cNvSpPr/>
-            <p:nvPr/>
-          </p:nvSpPr>
-          <p:spPr>
-            <a:xfrm>
-              <a:off x="4624036" y="2305999"/>
-              <a:ext cx="576064" cy="422259"/>
-            </a:xfrm>
-            <a:prstGeom prst="rect">
-              <a:avLst/>
-            </a:prstGeom>
-            <a:solidFill>
-              <a:srgbClr val="FF5050"/>
-            </a:solidFill>
-            <a:ln>
-              <a:noFill/>
-            </a:ln>
-          </p:spPr>
-          <p:style>
-            <a:lnRef idx="2">
-              <a:schemeClr val="accent1">
-                <a:shade val="50000"/>
-              </a:schemeClr>
-            </a:lnRef>
-            <a:fillRef idx="1">
-              <a:schemeClr val="accent1"/>
-            </a:fillRef>
-            <a:effectRef idx="0">
-              <a:schemeClr val="accent1"/>
-            </a:effectRef>
-            <a:fontRef idx="minor">
-              <a:schemeClr val="lt1"/>
-            </a:fontRef>
-          </p:style>
-          <p:txBody>
-            <a:bodyPr rtlCol="0" anchor="ctr"/>
-            <a:lstStyle/>
-            <a:p>
-              <a:pPr algn="ctr"/>
-              <a:endParaRPr lang="pt-BR"/>
-            </a:p>
-          </p:txBody>
-        </p:sp>
-      </p:grpSp>
-      <p:grpSp>
-        <p:nvGrpSpPr>
           <p:cNvPr id="15" name="Grupo 14"/>
           <p:cNvGrpSpPr/>
           <p:nvPr/>
         </p:nvGrpSpPr>
         <p:grpSpPr>
           <a:xfrm rot="20782508" flipH="1">
-            <a:off x="2863383" y="2443949"/>
+            <a:off x="2861553" y="2273414"/>
             <a:ext cx="668407" cy="2017638"/>
             <a:chOff x="4623674" y="1297992"/>
             <a:chExt cx="668407" cy="2017638"/>
@@ -37832,7 +37468,7 @@
           </p:nvSpPr>
           <p:spPr>
             <a:xfrm>
-              <a:off x="4716016" y="1299406"/>
+              <a:off x="4716015" y="1299406"/>
               <a:ext cx="576064" cy="2016224"/>
             </a:xfrm>
             <a:prstGeom prst="roundRect">
@@ -38008,7 +37644,7 @@
             <a:lstStyle/>
             <a:p>
               <a:pPr algn="ctr"/>
-              <a:endParaRPr lang="pt-BR"/>
+              <a:endParaRPr lang="pt-BR" dirty="0"/>
             </a:p>
           </p:txBody>
         </p:sp>
@@ -38099,6 +37735,505 @@
             <a:p>
               <a:pPr algn="ctr"/>
               <a:endParaRPr lang="pt-BR"/>
+            </a:p>
+          </p:txBody>
+        </p:sp>
+      </p:grpSp>
+      <p:grpSp>
+        <p:nvGrpSpPr>
+          <p:cNvPr id="7" name="Agrupar 6">
+            <a:extLst>
+              <a:ext uri="{FF2B5EF4-FFF2-40B4-BE49-F238E27FC236}">
+                <a16:creationId xmlns:a16="http://schemas.microsoft.com/office/drawing/2014/main" id="{E976DEB7-185B-4375-9DBA-5D78AF26D6D7}"/>
+              </a:ext>
+            </a:extLst>
+          </p:cNvPr>
+          <p:cNvGrpSpPr/>
+          <p:nvPr/>
+        </p:nvGrpSpPr>
+        <p:grpSpPr>
+          <a:xfrm>
+            <a:off x="4001013" y="4886080"/>
+            <a:ext cx="1180858" cy="988639"/>
+            <a:chOff x="4018280" y="1646015"/>
+            <a:chExt cx="1180858" cy="988639"/>
+          </a:xfrm>
+        </p:grpSpPr>
+        <p:sp>
+          <p:nvSpPr>
+            <p:cNvPr id="22" name="Elipse 21">
+              <a:extLst>
+                <a:ext uri="{FF2B5EF4-FFF2-40B4-BE49-F238E27FC236}">
+                  <a16:creationId xmlns:a16="http://schemas.microsoft.com/office/drawing/2014/main" id="{8DA61EDA-D65F-407B-82BD-B427144766D3}"/>
+                </a:ext>
+              </a:extLst>
+            </p:cNvPr>
+            <p:cNvSpPr/>
+            <p:nvPr/>
+          </p:nvSpPr>
+          <p:spPr>
+            <a:xfrm>
+              <a:off x="4091699" y="1698550"/>
+              <a:ext cx="1107439" cy="936104"/>
+            </a:xfrm>
+            <a:prstGeom prst="ellipse">
+              <a:avLst/>
+            </a:prstGeom>
+            <a:solidFill>
+              <a:srgbClr val="E0E0E0"/>
+            </a:solidFill>
+            <a:ln>
+              <a:noFill/>
+            </a:ln>
+          </p:spPr>
+          <p:style>
+            <a:lnRef idx="2">
+              <a:schemeClr val="accent1">
+                <a:shade val="50000"/>
+              </a:schemeClr>
+            </a:lnRef>
+            <a:fillRef idx="1">
+              <a:schemeClr val="accent1"/>
+            </a:fillRef>
+            <a:effectRef idx="0">
+              <a:schemeClr val="accent1"/>
+            </a:effectRef>
+            <a:fontRef idx="minor">
+              <a:schemeClr val="lt1"/>
+            </a:fontRef>
+          </p:style>
+          <p:txBody>
+            <a:bodyPr rtlCol="0" anchor="ctr"/>
+            <a:lstStyle/>
+            <a:p>
+              <a:pPr algn="ctr"/>
+              <a:endParaRPr lang="pt-BR" dirty="0"/>
+            </a:p>
+          </p:txBody>
+        </p:sp>
+        <p:sp>
+          <p:nvSpPr>
+            <p:cNvPr id="6" name="Elipse 5">
+              <a:extLst>
+                <a:ext uri="{FF2B5EF4-FFF2-40B4-BE49-F238E27FC236}">
+                  <a16:creationId xmlns:a16="http://schemas.microsoft.com/office/drawing/2014/main" id="{A6965E2E-3446-4C27-9E1F-A31F25446713}"/>
+                </a:ext>
+              </a:extLst>
+            </p:cNvPr>
+            <p:cNvSpPr/>
+            <p:nvPr/>
+          </p:nvSpPr>
+          <p:spPr>
+            <a:xfrm>
+              <a:off x="4018280" y="1646015"/>
+              <a:ext cx="1107439" cy="936104"/>
+            </a:xfrm>
+            <a:prstGeom prst="ellipse">
+              <a:avLst/>
+            </a:prstGeom>
+            <a:solidFill>
+              <a:schemeClr val="bg1"/>
+            </a:solidFill>
+            <a:ln>
+              <a:noFill/>
+            </a:ln>
+          </p:spPr>
+          <p:style>
+            <a:lnRef idx="2">
+              <a:schemeClr val="accent1">
+                <a:shade val="50000"/>
+              </a:schemeClr>
+            </a:lnRef>
+            <a:fillRef idx="1">
+              <a:schemeClr val="accent1"/>
+            </a:fillRef>
+            <a:effectRef idx="0">
+              <a:schemeClr val="accent1"/>
+            </a:effectRef>
+            <a:fontRef idx="minor">
+              <a:schemeClr val="lt1"/>
+            </a:fontRef>
+          </p:style>
+          <p:txBody>
+            <a:bodyPr rtlCol="0" anchor="ctr"/>
+            <a:lstStyle/>
+            <a:p>
+              <a:pPr algn="ctr"/>
+              <a:endParaRPr lang="pt-BR" dirty="0"/>
+            </a:p>
+          </p:txBody>
+        </p:sp>
+      </p:grpSp>
+      <p:grpSp>
+        <p:nvGrpSpPr>
+          <p:cNvPr id="13" name="Agrupar 12">
+            <a:extLst>
+              <a:ext uri="{FF2B5EF4-FFF2-40B4-BE49-F238E27FC236}">
+                <a16:creationId xmlns:a16="http://schemas.microsoft.com/office/drawing/2014/main" id="{965676BF-D116-4225-AF8B-939F9F6B7F9E}"/>
+              </a:ext>
+            </a:extLst>
+          </p:cNvPr>
+          <p:cNvGrpSpPr/>
+          <p:nvPr/>
+        </p:nvGrpSpPr>
+        <p:grpSpPr>
+          <a:xfrm>
+            <a:off x="5482832" y="2193983"/>
+            <a:ext cx="668407" cy="2017638"/>
+            <a:chOff x="5479604" y="2847816"/>
+            <a:chExt cx="668407" cy="2017638"/>
+          </a:xfrm>
+        </p:grpSpPr>
+        <p:grpSp>
+          <p:nvGrpSpPr>
+            <p:cNvPr id="14" name="Grupo 13"/>
+            <p:cNvGrpSpPr/>
+            <p:nvPr/>
+          </p:nvGrpSpPr>
+          <p:grpSpPr>
+            <a:xfrm rot="1748328">
+              <a:off x="5479604" y="2847816"/>
+              <a:ext cx="668407" cy="2017638"/>
+              <a:chOff x="4623674" y="1297992"/>
+              <a:chExt cx="668407" cy="2017638"/>
+            </a:xfrm>
+          </p:grpSpPr>
+          <p:sp>
+            <p:nvSpPr>
+              <p:cNvPr id="10" name="Retângulo de cantos arredondados 9"/>
+              <p:cNvSpPr/>
+              <p:nvPr/>
+            </p:nvSpPr>
+            <p:spPr>
+              <a:xfrm>
+                <a:off x="4716016" y="1299406"/>
+                <a:ext cx="576064" cy="2016224"/>
+              </a:xfrm>
+              <a:prstGeom prst="roundRect">
+                <a:avLst>
+                  <a:gd name="adj" fmla="val 50000"/>
+                </a:avLst>
+              </a:prstGeom>
+              <a:solidFill>
+                <a:srgbClr val="00759E"/>
+              </a:solidFill>
+              <a:ln>
+                <a:noFill/>
+              </a:ln>
+            </p:spPr>
+            <p:style>
+              <a:lnRef idx="2">
+                <a:schemeClr val="accent1">
+                  <a:shade val="50000"/>
+                </a:schemeClr>
+              </a:lnRef>
+              <a:fillRef idx="1">
+                <a:schemeClr val="accent1"/>
+              </a:fillRef>
+              <a:effectRef idx="0">
+                <a:schemeClr val="accent1"/>
+              </a:effectRef>
+              <a:fontRef idx="minor">
+                <a:schemeClr val="lt1"/>
+              </a:fontRef>
+            </p:style>
+            <p:txBody>
+              <a:bodyPr rtlCol="0" anchor="ctr"/>
+              <a:lstStyle/>
+              <a:p>
+                <a:pPr algn="ctr"/>
+                <a:endParaRPr lang="pt-BR"/>
+              </a:p>
+            </p:txBody>
+          </p:sp>
+          <p:sp>
+            <p:nvSpPr>
+              <p:cNvPr id="11" name="Retângulo de cantos arredondados 10"/>
+              <p:cNvSpPr/>
+              <p:nvPr/>
+            </p:nvSpPr>
+            <p:spPr>
+              <a:xfrm rot="10801235">
+                <a:off x="4715835" y="2306102"/>
+                <a:ext cx="576064" cy="1008008"/>
+              </a:xfrm>
+              <a:prstGeom prst="roundRect">
+                <a:avLst>
+                  <a:gd name="adj" fmla="val 50000"/>
+                </a:avLst>
+              </a:prstGeom>
+              <a:solidFill>
+                <a:srgbClr val="C00000"/>
+              </a:solidFill>
+              <a:ln>
+                <a:noFill/>
+              </a:ln>
+            </p:spPr>
+            <p:style>
+              <a:lnRef idx="2">
+                <a:schemeClr val="accent1">
+                  <a:shade val="50000"/>
+                </a:schemeClr>
+              </a:lnRef>
+              <a:fillRef idx="1">
+                <a:schemeClr val="accent1"/>
+              </a:fillRef>
+              <a:effectRef idx="0">
+                <a:schemeClr val="accent1"/>
+              </a:effectRef>
+              <a:fontRef idx="minor">
+                <a:schemeClr val="lt1"/>
+              </a:fontRef>
+            </p:style>
+            <p:txBody>
+              <a:bodyPr rtlCol="0" anchor="ctr"/>
+              <a:lstStyle/>
+              <a:p>
+                <a:pPr algn="ctr"/>
+                <a:endParaRPr lang="pt-BR"/>
+              </a:p>
+            </p:txBody>
+          </p:sp>
+          <p:sp>
+            <p:nvSpPr>
+              <p:cNvPr id="12" name="Retângulo 11"/>
+              <p:cNvSpPr/>
+              <p:nvPr/>
+            </p:nvSpPr>
+            <p:spPr>
+              <a:xfrm>
+                <a:off x="4716017" y="2305998"/>
+                <a:ext cx="576064" cy="422259"/>
+              </a:xfrm>
+              <a:prstGeom prst="rect">
+                <a:avLst/>
+              </a:prstGeom>
+              <a:solidFill>
+                <a:srgbClr val="C00000"/>
+              </a:solidFill>
+              <a:ln>
+                <a:noFill/>
+              </a:ln>
+            </p:spPr>
+            <p:style>
+              <a:lnRef idx="2">
+                <a:schemeClr val="accent1">
+                  <a:shade val="50000"/>
+                </a:schemeClr>
+              </a:lnRef>
+              <a:fillRef idx="1">
+                <a:schemeClr val="accent1"/>
+              </a:fillRef>
+              <a:effectRef idx="0">
+                <a:schemeClr val="accent1"/>
+              </a:effectRef>
+              <a:fontRef idx="minor">
+                <a:schemeClr val="lt1"/>
+              </a:fontRef>
+            </p:style>
+            <p:txBody>
+              <a:bodyPr rtlCol="0" anchor="ctr"/>
+              <a:lstStyle/>
+              <a:p>
+                <a:pPr algn="ctr"/>
+                <a:endParaRPr lang="pt-BR"/>
+              </a:p>
+            </p:txBody>
+          </p:sp>
+          <p:sp>
+            <p:nvSpPr>
+              <p:cNvPr id="4" name="Retângulo de cantos arredondados 3"/>
+              <p:cNvSpPr/>
+              <p:nvPr/>
+            </p:nvSpPr>
+            <p:spPr>
+              <a:xfrm>
+                <a:off x="4623674" y="1297992"/>
+                <a:ext cx="576064" cy="2016224"/>
+              </a:xfrm>
+              <a:prstGeom prst="roundRect">
+                <a:avLst>
+                  <a:gd name="adj" fmla="val 50000"/>
+                </a:avLst>
+              </a:prstGeom>
+              <a:solidFill>
+                <a:srgbClr val="00B0F0"/>
+              </a:solidFill>
+              <a:ln>
+                <a:noFill/>
+              </a:ln>
+            </p:spPr>
+            <p:style>
+              <a:lnRef idx="2">
+                <a:schemeClr val="accent1">
+                  <a:shade val="50000"/>
+                </a:schemeClr>
+              </a:lnRef>
+              <a:fillRef idx="1">
+                <a:schemeClr val="accent1"/>
+              </a:fillRef>
+              <a:effectRef idx="0">
+                <a:schemeClr val="accent1"/>
+              </a:effectRef>
+              <a:fontRef idx="minor">
+                <a:schemeClr val="lt1"/>
+              </a:fontRef>
+            </p:style>
+            <p:txBody>
+              <a:bodyPr rtlCol="0" anchor="ctr"/>
+              <a:lstStyle/>
+              <a:p>
+                <a:pPr algn="ctr"/>
+                <a:endParaRPr lang="pt-BR"/>
+              </a:p>
+            </p:txBody>
+          </p:sp>
+          <p:sp>
+            <p:nvSpPr>
+              <p:cNvPr id="5" name="Retângulo de cantos arredondados 4"/>
+              <p:cNvSpPr/>
+              <p:nvPr/>
+            </p:nvSpPr>
+            <p:spPr>
+              <a:xfrm rot="10801235">
+                <a:off x="4623854" y="2306103"/>
+                <a:ext cx="576064" cy="1008008"/>
+              </a:xfrm>
+              <a:prstGeom prst="roundRect">
+                <a:avLst>
+                  <a:gd name="adj" fmla="val 50000"/>
+                </a:avLst>
+              </a:prstGeom>
+              <a:solidFill>
+                <a:srgbClr val="FF5050"/>
+              </a:solidFill>
+              <a:ln>
+                <a:noFill/>
+              </a:ln>
+            </p:spPr>
+            <p:style>
+              <a:lnRef idx="2">
+                <a:schemeClr val="accent1">
+                  <a:shade val="50000"/>
+                </a:schemeClr>
+              </a:lnRef>
+              <a:fillRef idx="1">
+                <a:schemeClr val="accent1"/>
+              </a:fillRef>
+              <a:effectRef idx="0">
+                <a:schemeClr val="accent1"/>
+              </a:effectRef>
+              <a:fontRef idx="minor">
+                <a:schemeClr val="lt1"/>
+              </a:fontRef>
+            </p:style>
+            <p:txBody>
+              <a:bodyPr rtlCol="0" anchor="ctr"/>
+              <a:lstStyle/>
+              <a:p>
+                <a:pPr algn="ctr"/>
+                <a:endParaRPr lang="pt-BR"/>
+              </a:p>
+            </p:txBody>
+          </p:sp>
+          <p:sp>
+            <p:nvSpPr>
+              <p:cNvPr id="8" name="Retângulo 7"/>
+              <p:cNvSpPr/>
+              <p:nvPr/>
+            </p:nvSpPr>
+            <p:spPr>
+              <a:xfrm>
+                <a:off x="4624036" y="2305999"/>
+                <a:ext cx="576064" cy="422259"/>
+              </a:xfrm>
+              <a:prstGeom prst="rect">
+                <a:avLst/>
+              </a:prstGeom>
+              <a:solidFill>
+                <a:srgbClr val="FF5050"/>
+              </a:solidFill>
+              <a:ln>
+                <a:noFill/>
+              </a:ln>
+            </p:spPr>
+            <p:style>
+              <a:lnRef idx="2">
+                <a:schemeClr val="accent1">
+                  <a:shade val="50000"/>
+                </a:schemeClr>
+              </a:lnRef>
+              <a:fillRef idx="1">
+                <a:schemeClr val="accent1"/>
+              </a:fillRef>
+              <a:effectRef idx="0">
+                <a:schemeClr val="accent1"/>
+              </a:effectRef>
+              <a:fontRef idx="minor">
+                <a:schemeClr val="lt1"/>
+              </a:fontRef>
+            </p:style>
+            <p:txBody>
+              <a:bodyPr rtlCol="0" anchor="ctr"/>
+              <a:lstStyle/>
+              <a:p>
+                <a:pPr algn="ctr"/>
+                <a:endParaRPr lang="pt-BR"/>
+              </a:p>
+            </p:txBody>
+          </p:sp>
+        </p:grpSp>
+        <p:sp>
+          <p:nvSpPr>
+            <p:cNvPr id="9" name="Retângulo: Cantos Arredondados 8">
+              <a:extLst>
+                <a:ext uri="{FF2B5EF4-FFF2-40B4-BE49-F238E27FC236}">
+                  <a16:creationId xmlns:a16="http://schemas.microsoft.com/office/drawing/2014/main" id="{F8102B5C-A279-4902-B60D-5047349AC13D}"/>
+                </a:ext>
+              </a:extLst>
+            </p:cNvPr>
+            <p:cNvSpPr/>
+            <p:nvPr/>
+          </p:nvSpPr>
+          <p:spPr>
+            <a:xfrm rot="1664378">
+              <a:off x="5842743" y="3018843"/>
+              <a:ext cx="144016" cy="514637"/>
+            </a:xfrm>
+            <a:prstGeom prst="roundRect">
+              <a:avLst>
+                <a:gd name="adj" fmla="val 50000"/>
+              </a:avLst>
+            </a:prstGeom>
+            <a:solidFill>
+              <a:srgbClr val="43CEFF"/>
+            </a:solidFill>
+            <a:ln>
+              <a:noFill/>
+            </a:ln>
+          </p:spPr>
+          <p:style>
+            <a:lnRef idx="2">
+              <a:schemeClr val="accent1">
+                <a:shade val="50000"/>
+              </a:schemeClr>
+            </a:lnRef>
+            <a:fillRef idx="1">
+              <a:schemeClr val="accent1"/>
+            </a:fillRef>
+            <a:effectRef idx="0">
+              <a:schemeClr val="accent1"/>
+            </a:effectRef>
+            <a:fontRef idx="minor">
+              <a:schemeClr val="lt1"/>
+            </a:fontRef>
+          </p:style>
+          <p:txBody>
+            <a:bodyPr rtlCol="0" anchor="ctr"/>
+            <a:lstStyle/>
+            <a:p>
+              <a:pPr algn="ctr"/>
+              <a:endParaRPr lang="pt-BR" dirty="0"/>
             </a:p>
           </p:txBody>
         </p:sp>

--- a/Rascunhos/Logo - PP2.pptx
+++ b/Rascunhos/Logo - PP2.pptx
@@ -116,7 +116,7 @@
   </p:defaultTextStyle>
   <p:extLst>
     <p:ext uri="{EFAFB233-063F-42B5-8137-9DF3F51BA10A}">
-      <p15:sldGuideLst xmlns:p15="http://schemas.microsoft.com/office/powerpoint/2012/main">
+      <p15:sldGuideLst xmlns:p15="http://schemas.microsoft.com/office/powerpoint/2012/main" xmlns="">
         <p15:guide id="1" orient="horz" pos="2160">
           <p15:clr>
             <a:srgbClr val="A4A3A4"/>
@@ -215,7 +215,7 @@
           <a:p>
             <a:fld id="{FF064E14-6B57-4160-B976-9759441CBCC8}" type="datetimeFigureOut">
               <a:rPr lang="pt-BR" smtClean="0"/>
-              <a:t>26/02/2019</a:t>
+              <a:t>28/02/2019</a:t>
             </a:fld>
             <a:endParaRPr lang="pt-BR"/>
           </a:p>
@@ -829,7 +829,7 @@
           <a:p>
             <a:fld id="{26F57601-A94F-4415-BE12-3A057DDE858C}" type="datetimeFigureOut">
               <a:rPr lang="pt-BR" smtClean="0"/>
-              <a:t>26/02/2019</a:t>
+              <a:t>28/02/2019</a:t>
             </a:fld>
             <a:endParaRPr lang="pt-BR"/>
           </a:p>
@@ -997,7 +997,7 @@
           <a:p>
             <a:fld id="{26F57601-A94F-4415-BE12-3A057DDE858C}" type="datetimeFigureOut">
               <a:rPr lang="pt-BR" smtClean="0"/>
-              <a:t>26/02/2019</a:t>
+              <a:t>28/02/2019</a:t>
             </a:fld>
             <a:endParaRPr lang="pt-BR"/>
           </a:p>
@@ -1175,7 +1175,7 @@
           <a:p>
             <a:fld id="{26F57601-A94F-4415-BE12-3A057DDE858C}" type="datetimeFigureOut">
               <a:rPr lang="pt-BR" smtClean="0"/>
-              <a:t>26/02/2019</a:t>
+              <a:t>28/02/2019</a:t>
             </a:fld>
             <a:endParaRPr lang="pt-BR"/>
           </a:p>
@@ -1343,7 +1343,7 @@
           <a:p>
             <a:fld id="{26F57601-A94F-4415-BE12-3A057DDE858C}" type="datetimeFigureOut">
               <a:rPr lang="pt-BR" smtClean="0"/>
-              <a:t>26/02/2019</a:t>
+              <a:t>28/02/2019</a:t>
             </a:fld>
             <a:endParaRPr lang="pt-BR"/>
           </a:p>
@@ -1588,7 +1588,7 @@
           <a:p>
             <a:fld id="{26F57601-A94F-4415-BE12-3A057DDE858C}" type="datetimeFigureOut">
               <a:rPr lang="pt-BR" smtClean="0"/>
-              <a:t>26/02/2019</a:t>
+              <a:t>28/02/2019</a:t>
             </a:fld>
             <a:endParaRPr lang="pt-BR"/>
           </a:p>
@@ -1873,7 +1873,7 @@
           <a:p>
             <a:fld id="{26F57601-A94F-4415-BE12-3A057DDE858C}" type="datetimeFigureOut">
               <a:rPr lang="pt-BR" smtClean="0"/>
-              <a:t>26/02/2019</a:t>
+              <a:t>28/02/2019</a:t>
             </a:fld>
             <a:endParaRPr lang="pt-BR"/>
           </a:p>
@@ -2292,7 +2292,7 @@
           <a:p>
             <a:fld id="{26F57601-A94F-4415-BE12-3A057DDE858C}" type="datetimeFigureOut">
               <a:rPr lang="pt-BR" smtClean="0"/>
-              <a:t>26/02/2019</a:t>
+              <a:t>28/02/2019</a:t>
             </a:fld>
             <a:endParaRPr lang="pt-BR"/>
           </a:p>
@@ -2409,7 +2409,7 @@
           <a:p>
             <a:fld id="{26F57601-A94F-4415-BE12-3A057DDE858C}" type="datetimeFigureOut">
               <a:rPr lang="pt-BR" smtClean="0"/>
-              <a:t>26/02/2019</a:t>
+              <a:t>28/02/2019</a:t>
             </a:fld>
             <a:endParaRPr lang="pt-BR"/>
           </a:p>
@@ -2504,7 +2504,7 @@
           <a:p>
             <a:fld id="{26F57601-A94F-4415-BE12-3A057DDE858C}" type="datetimeFigureOut">
               <a:rPr lang="pt-BR" smtClean="0"/>
-              <a:t>26/02/2019</a:t>
+              <a:t>28/02/2019</a:t>
             </a:fld>
             <a:endParaRPr lang="pt-BR"/>
           </a:p>
@@ -2779,7 +2779,7 @@
           <a:p>
             <a:fld id="{26F57601-A94F-4415-BE12-3A057DDE858C}" type="datetimeFigureOut">
               <a:rPr lang="pt-BR" smtClean="0"/>
-              <a:t>26/02/2019</a:t>
+              <a:t>28/02/2019</a:t>
             </a:fld>
             <a:endParaRPr lang="pt-BR"/>
           </a:p>
@@ -3031,7 +3031,7 @@
           <a:p>
             <a:fld id="{26F57601-A94F-4415-BE12-3A057DDE858C}" type="datetimeFigureOut">
               <a:rPr lang="pt-BR" smtClean="0"/>
-              <a:t>26/02/2019</a:t>
+              <a:t>28/02/2019</a:t>
             </a:fld>
             <a:endParaRPr lang="pt-BR"/>
           </a:p>
@@ -3248,7 +3248,7 @@
           <a:p>
             <a:fld id="{26F57601-A94F-4415-BE12-3A057DDE858C}" type="datetimeFigureOut">
               <a:rPr lang="pt-BR" smtClean="0"/>
-              <a:t>26/02/2019</a:t>
+              <a:t>28/02/2019</a:t>
             </a:fld>
             <a:endParaRPr lang="pt-BR"/>
           </a:p>
@@ -3707,7 +3707,7 @@
               <p:cNvPr id="17" name="Balão de Pensamento: Nuvem 16">
                 <a:extLst>
                   <a:ext uri="{FF2B5EF4-FFF2-40B4-BE49-F238E27FC236}">
-                    <a16:creationId xmlns:a16="http://schemas.microsoft.com/office/drawing/2014/main" id="{5C57BA0A-9700-43BD-9104-CC30BC0DE381}"/>
+                    <a16:creationId xmlns:a16="http://schemas.microsoft.com/office/drawing/2014/main" xmlns="" id="{5C57BA0A-9700-43BD-9104-CC30BC0DE381}"/>
                   </a:ext>
                 </a:extLst>
               </p:cNvPr>
@@ -3775,7 +3775,7 @@
               <p:cNvPr id="96" name="Agrupar 15">
                 <a:extLst>
                   <a:ext uri="{FF2B5EF4-FFF2-40B4-BE49-F238E27FC236}">
-                    <a16:creationId xmlns:a16="http://schemas.microsoft.com/office/drawing/2014/main" id="{CDA0B437-9E5C-43AF-AD41-CFFD83C35D59}"/>
+                    <a16:creationId xmlns:a16="http://schemas.microsoft.com/office/drawing/2014/main" xmlns="" id="{CDA0B437-9E5C-43AF-AD41-CFFD83C35D59}"/>
                   </a:ext>
                 </a:extLst>
               </p:cNvPr>
@@ -4780,7 +4780,7 @@
               <p:cNvPr id="16" name="Agrupar 15">
                 <a:extLst>
                   <a:ext uri="{FF2B5EF4-FFF2-40B4-BE49-F238E27FC236}">
-                    <a16:creationId xmlns:a16="http://schemas.microsoft.com/office/drawing/2014/main" id="{CDA0B437-9E5C-43AF-AD41-CFFD83C35D59}"/>
+                    <a16:creationId xmlns:a16="http://schemas.microsoft.com/office/drawing/2014/main" xmlns="" id="{CDA0B437-9E5C-43AF-AD41-CFFD83C35D59}"/>
                   </a:ext>
                 </a:extLst>
               </p:cNvPr>
@@ -15467,7 +15467,7 @@
           <p:cNvPr id="253" name="Balão de Pensamento: Nuvem 16">
             <a:extLst>
               <a:ext uri="{FF2B5EF4-FFF2-40B4-BE49-F238E27FC236}">
-                <a16:creationId xmlns:a16="http://schemas.microsoft.com/office/drawing/2014/main" id="{5C57BA0A-9700-43BD-9104-CC30BC0DE381}"/>
+                <a16:creationId xmlns:a16="http://schemas.microsoft.com/office/drawing/2014/main" xmlns="" id="{5C57BA0A-9700-43BD-9104-CC30BC0DE381}"/>
               </a:ext>
             </a:extLst>
           </p:cNvPr>
@@ -15537,7 +15537,7 @@
             <p:cNvPr id="255" name="Agrupar 15">
               <a:extLst>
                 <a:ext uri="{FF2B5EF4-FFF2-40B4-BE49-F238E27FC236}">
-                  <a16:creationId xmlns:a16="http://schemas.microsoft.com/office/drawing/2014/main" id="{CDA0B437-9E5C-43AF-AD41-CFFD83C35D59}"/>
+                  <a16:creationId xmlns:a16="http://schemas.microsoft.com/office/drawing/2014/main" xmlns="" id="{CDA0B437-9E5C-43AF-AD41-CFFD83C35D59}"/>
                 </a:ext>
               </a:extLst>
             </p:cNvPr>
@@ -16542,7 +16542,7 @@
             <p:cNvPr id="256" name="Agrupar 15">
               <a:extLst>
                 <a:ext uri="{FF2B5EF4-FFF2-40B4-BE49-F238E27FC236}">
-                  <a16:creationId xmlns:a16="http://schemas.microsoft.com/office/drawing/2014/main" id="{CDA0B437-9E5C-43AF-AD41-CFFD83C35D59}"/>
+                  <a16:creationId xmlns:a16="http://schemas.microsoft.com/office/drawing/2014/main" xmlns="" id="{CDA0B437-9E5C-43AF-AD41-CFFD83C35D59}"/>
                 </a:ext>
               </a:extLst>
             </p:cNvPr>
@@ -18390,8 +18390,8 @@
         </p:nvSpPr>
         <p:spPr>
           <a:xfrm>
-            <a:off x="3073050" y="3296383"/>
-            <a:ext cx="2755306" cy="707886"/>
+            <a:off x="2035484" y="3285634"/>
+            <a:ext cx="5402313" cy="707886"/>
           </a:xfrm>
           <a:prstGeom prst="rect">
             <a:avLst/>
@@ -18405,15 +18405,22 @@
           <a:lstStyle/>
           <a:p>
             <a:r>
-              <a:rPr lang="pt-BR" sz="4000" b="1" dirty="0">
+              <a:rPr lang="pt-BR" sz="4000" b="1" dirty="0" smtClean="0">
                 <a:solidFill>
                   <a:schemeClr val="accent6">
                     <a:lumMod val="50000"/>
                   </a:schemeClr>
                 </a:solidFill>
               </a:rPr>
-              <a:t>FRASE AQUI</a:t>
+              <a:t>VAMOS FALAR DE SEXO?</a:t>
             </a:r>
+            <a:endParaRPr lang="pt-BR" sz="4000" b="1" dirty="0">
+              <a:solidFill>
+                <a:schemeClr val="accent6">
+                  <a:lumMod val="50000"/>
+                </a:schemeClr>
+              </a:solidFill>
+            </a:endParaRPr>
           </a:p>
         </p:txBody>
       </p:sp>
@@ -18425,8 +18432,8 @@
         </p:nvSpPr>
         <p:spPr>
           <a:xfrm>
-            <a:off x="2526226" y="4212749"/>
-            <a:ext cx="3899877" cy="92711"/>
+            <a:off x="886294" y="4147711"/>
+            <a:ext cx="7674109" cy="45719"/>
           </a:xfrm>
           <a:prstGeom prst="roundRect">
             <a:avLst/>
@@ -27514,7 +27521,7 @@
               <p:cNvPr id="253" name="Balão de Pensamento: Nuvem 16">
                 <a:extLst>
                   <a:ext uri="{FF2B5EF4-FFF2-40B4-BE49-F238E27FC236}">
-                    <a16:creationId xmlns:a16="http://schemas.microsoft.com/office/drawing/2014/main" id="{5C57BA0A-9700-43BD-9104-CC30BC0DE381}"/>
+                    <a16:creationId xmlns:a16="http://schemas.microsoft.com/office/drawing/2014/main" xmlns="" id="{5C57BA0A-9700-43BD-9104-CC30BC0DE381}"/>
                   </a:ext>
                 </a:extLst>
               </p:cNvPr>
@@ -27584,7 +27591,7 @@
                 <p:cNvPr id="255" name="Agrupar 15">
                   <a:extLst>
                     <a:ext uri="{FF2B5EF4-FFF2-40B4-BE49-F238E27FC236}">
-                      <a16:creationId xmlns:a16="http://schemas.microsoft.com/office/drawing/2014/main" id="{CDA0B437-9E5C-43AF-AD41-CFFD83C35D59}"/>
+                      <a16:creationId xmlns:a16="http://schemas.microsoft.com/office/drawing/2014/main" xmlns="" id="{CDA0B437-9E5C-43AF-AD41-CFFD83C35D59}"/>
                     </a:ext>
                   </a:extLst>
                 </p:cNvPr>
@@ -28589,7 +28596,7 @@
                 <p:cNvPr id="256" name="Agrupar 15">
                   <a:extLst>
                     <a:ext uri="{FF2B5EF4-FFF2-40B4-BE49-F238E27FC236}">
-                      <a16:creationId xmlns:a16="http://schemas.microsoft.com/office/drawing/2014/main" id="{CDA0B437-9E5C-43AF-AD41-CFFD83C35D59}"/>
+                      <a16:creationId xmlns:a16="http://schemas.microsoft.com/office/drawing/2014/main" xmlns="" id="{CDA0B437-9E5C-43AF-AD41-CFFD83C35D59}"/>
                     </a:ext>
                   </a:extLst>
                 </p:cNvPr>
@@ -30489,8 +30496,8 @@
         </p:nvSpPr>
         <p:spPr>
           <a:xfrm>
-            <a:off x="5547764" y="3431709"/>
-            <a:ext cx="2755306" cy="707886"/>
+            <a:off x="5023035" y="3402011"/>
+            <a:ext cx="3840731" cy="523220"/>
           </a:xfrm>
           <a:prstGeom prst="rect">
             <a:avLst/>
@@ -30504,15 +30511,22 @@
           <a:lstStyle/>
           <a:p>
             <a:r>
-              <a:rPr lang="pt-BR" sz="4000" b="1" dirty="0">
+              <a:rPr lang="pt-BR" sz="2800" b="1" dirty="0">
                 <a:solidFill>
                   <a:schemeClr val="accent6">
                     <a:lumMod val="50000"/>
                   </a:schemeClr>
                 </a:solidFill>
               </a:rPr>
-              <a:t>FRASE AQUI</a:t>
+              <a:t>VAMOS FALAR DE SEXO?</a:t>
             </a:r>
+            <a:endParaRPr lang="pt-BR" sz="2800" b="1" dirty="0">
+              <a:solidFill>
+                <a:schemeClr val="accent6">
+                  <a:lumMod val="50000"/>
+                </a:schemeClr>
+              </a:solidFill>
+            </a:endParaRPr>
           </a:p>
         </p:txBody>
       </p:sp>
@@ -30524,7 +30538,7 @@
         </p:nvSpPr>
         <p:spPr>
           <a:xfrm>
-            <a:off x="5330757" y="4149805"/>
+            <a:off x="5227792" y="4163805"/>
             <a:ext cx="3375389" cy="119897"/>
           </a:xfrm>
           <a:prstGeom prst="roundRect">
@@ -36109,7 +36123,7 @@
           <p:cNvPr id="2" name="Elipse 1">
             <a:extLst>
               <a:ext uri="{FF2B5EF4-FFF2-40B4-BE49-F238E27FC236}">
-                <a16:creationId xmlns:a16="http://schemas.microsoft.com/office/drawing/2014/main" id="{3E2299F0-B270-40D7-8F79-C18F6A4FE3E7}"/>
+                <a16:creationId xmlns:a16="http://schemas.microsoft.com/office/drawing/2014/main" xmlns="" id="{3E2299F0-B270-40D7-8F79-C18F6A4FE3E7}"/>
               </a:ext>
             </a:extLst>
           </p:cNvPr>
@@ -36161,7 +36175,7 @@
           <p:cNvPr id="3" name="Elipse 2">
             <a:extLst>
               <a:ext uri="{FF2B5EF4-FFF2-40B4-BE49-F238E27FC236}">
-                <a16:creationId xmlns:a16="http://schemas.microsoft.com/office/drawing/2014/main" id="{1C62FD96-B9CD-44D9-A6B7-B9CA744BF9E4}"/>
+                <a16:creationId xmlns:a16="http://schemas.microsoft.com/office/drawing/2014/main" xmlns="" id="{1C62FD96-B9CD-44D9-A6B7-B9CA744BF9E4}"/>
               </a:ext>
             </a:extLst>
           </p:cNvPr>
@@ -36210,10 +36224,10 @@
       </p:sp>
       <p:grpSp>
         <p:nvGrpSpPr>
-          <p:cNvPr id="4" name="Agrupar 37">
+          <p:cNvPr id="8" name="Agrupar 36">
             <a:extLst>
               <a:ext uri="{FF2B5EF4-FFF2-40B4-BE49-F238E27FC236}">
-                <a16:creationId xmlns:a16="http://schemas.microsoft.com/office/drawing/2014/main" id="{52F3F48F-870F-4ABD-96B6-61DF53E4E1C5}"/>
+                <a16:creationId xmlns:a16="http://schemas.microsoft.com/office/drawing/2014/main" xmlns="" id="{E549C062-7711-41AB-ABF2-AB4E91EA62FE}"/>
               </a:ext>
             </a:extLst>
           </p:cNvPr>
@@ -36222,184 +36236,7 @@
         </p:nvGrpSpPr>
         <p:grpSpPr>
           <a:xfrm>
-            <a:off x="2936698" y="1908512"/>
-            <a:ext cx="1749287" cy="1749287"/>
-            <a:chOff x="2716696" y="1908313"/>
-            <a:chExt cx="1749287" cy="1749287"/>
-          </a:xfrm>
-        </p:grpSpPr>
-        <p:sp>
-          <p:nvSpPr>
-            <p:cNvPr id="5" name="Elipse 4">
-              <a:extLst>
-                <a:ext uri="{FF2B5EF4-FFF2-40B4-BE49-F238E27FC236}">
-                  <a16:creationId xmlns:a16="http://schemas.microsoft.com/office/drawing/2014/main" id="{97BAADA3-8958-4B81-A9AD-4BD804FFCDF5}"/>
-                </a:ext>
-              </a:extLst>
-            </p:cNvPr>
-            <p:cNvSpPr/>
-            <p:nvPr/>
-          </p:nvSpPr>
-          <p:spPr>
-            <a:xfrm>
-              <a:off x="2716696" y="1908313"/>
-              <a:ext cx="1749287" cy="1749287"/>
-            </a:xfrm>
-            <a:prstGeom prst="ellipse">
-              <a:avLst/>
-            </a:prstGeom>
-            <a:solidFill>
-              <a:srgbClr val="3C1A56"/>
-            </a:solidFill>
-            <a:ln>
-              <a:noFill/>
-            </a:ln>
-          </p:spPr>
-          <p:style>
-            <a:lnRef idx="2">
-              <a:schemeClr val="accent1">
-                <a:shade val="50000"/>
-              </a:schemeClr>
-            </a:lnRef>
-            <a:fillRef idx="1">
-              <a:schemeClr val="accent1"/>
-            </a:fillRef>
-            <a:effectRef idx="0">
-              <a:schemeClr val="accent1"/>
-            </a:effectRef>
-            <a:fontRef idx="minor">
-              <a:schemeClr val="lt1"/>
-            </a:fontRef>
-          </p:style>
-          <p:txBody>
-            <a:bodyPr rtlCol="0" anchor="ctr"/>
-            <a:lstStyle/>
-            <a:p>
-              <a:pPr algn="ctr"/>
-              <a:endParaRPr lang="pt-BR" dirty="0"/>
-            </a:p>
-          </p:txBody>
-        </p:sp>
-        <p:sp>
-          <p:nvSpPr>
-            <p:cNvPr id="6" name="Elipse 5">
-              <a:extLst>
-                <a:ext uri="{FF2B5EF4-FFF2-40B4-BE49-F238E27FC236}">
-                  <a16:creationId xmlns:a16="http://schemas.microsoft.com/office/drawing/2014/main" id="{DD7FCB07-6872-4369-AFA7-3EE266845754}"/>
-                </a:ext>
-              </a:extLst>
-            </p:cNvPr>
-            <p:cNvSpPr/>
-            <p:nvPr/>
-          </p:nvSpPr>
-          <p:spPr>
-            <a:xfrm>
-              <a:off x="2968487" y="2418522"/>
-              <a:ext cx="1239078" cy="1239078"/>
-            </a:xfrm>
-            <a:prstGeom prst="ellipse">
-              <a:avLst/>
-            </a:prstGeom>
-            <a:solidFill>
-              <a:srgbClr val="7030A0"/>
-            </a:solidFill>
-            <a:ln>
-              <a:noFill/>
-            </a:ln>
-          </p:spPr>
-          <p:style>
-            <a:lnRef idx="2">
-              <a:schemeClr val="accent1">
-                <a:shade val="50000"/>
-              </a:schemeClr>
-            </a:lnRef>
-            <a:fillRef idx="1">
-              <a:schemeClr val="accent1"/>
-            </a:fillRef>
-            <a:effectRef idx="0">
-              <a:schemeClr val="accent1"/>
-            </a:effectRef>
-            <a:fontRef idx="minor">
-              <a:schemeClr val="lt1"/>
-            </a:fontRef>
-          </p:style>
-          <p:txBody>
-            <a:bodyPr rtlCol="0" anchor="ctr"/>
-            <a:lstStyle/>
-            <a:p>
-              <a:pPr algn="ctr"/>
-              <a:endParaRPr lang="pt-BR" dirty="0"/>
-            </a:p>
-          </p:txBody>
-        </p:sp>
-        <p:sp>
-          <p:nvSpPr>
-            <p:cNvPr id="7" name="Elipse 6">
-              <a:extLst>
-                <a:ext uri="{FF2B5EF4-FFF2-40B4-BE49-F238E27FC236}">
-                  <a16:creationId xmlns:a16="http://schemas.microsoft.com/office/drawing/2014/main" id="{0B6E4FBC-9CDE-4401-9469-77C9298AD225}"/>
-                </a:ext>
-              </a:extLst>
-            </p:cNvPr>
-            <p:cNvSpPr/>
-            <p:nvPr/>
-          </p:nvSpPr>
-          <p:spPr>
-            <a:xfrm>
-              <a:off x="3187147" y="2855843"/>
-              <a:ext cx="801757" cy="801757"/>
-            </a:xfrm>
-            <a:prstGeom prst="ellipse">
-              <a:avLst/>
-            </a:prstGeom>
-            <a:solidFill>
-              <a:srgbClr val="A568D2"/>
-            </a:solidFill>
-            <a:ln>
-              <a:noFill/>
-            </a:ln>
-          </p:spPr>
-          <p:style>
-            <a:lnRef idx="2">
-              <a:schemeClr val="accent1">
-                <a:shade val="50000"/>
-              </a:schemeClr>
-            </a:lnRef>
-            <a:fillRef idx="1">
-              <a:schemeClr val="accent1"/>
-            </a:fillRef>
-            <a:effectRef idx="0">
-              <a:schemeClr val="accent1"/>
-            </a:effectRef>
-            <a:fontRef idx="minor">
-              <a:schemeClr val="lt1"/>
-            </a:fontRef>
-          </p:style>
-          <p:txBody>
-            <a:bodyPr rtlCol="0" anchor="ctr"/>
-            <a:lstStyle/>
-            <a:p>
-              <a:pPr algn="ctr"/>
-              <a:endParaRPr lang="pt-BR" dirty="0"/>
-            </a:p>
-          </p:txBody>
-        </p:sp>
-      </p:grpSp>
-      <p:grpSp>
-        <p:nvGrpSpPr>
-          <p:cNvPr id="8" name="Agrupar 36">
-            <a:extLst>
-              <a:ext uri="{FF2B5EF4-FFF2-40B4-BE49-F238E27FC236}">
-                <a16:creationId xmlns:a16="http://schemas.microsoft.com/office/drawing/2014/main" id="{E549C062-7711-41AB-ABF2-AB4E91EA62FE}"/>
-              </a:ext>
-            </a:extLst>
-          </p:cNvPr>
-          <p:cNvGrpSpPr/>
-          <p:nvPr/>
-        </p:nvGrpSpPr>
-        <p:grpSpPr>
-          <a:xfrm>
-            <a:off x="4216153" y="3644323"/>
+            <a:off x="3325378" y="1442932"/>
             <a:ext cx="1749313" cy="1749312"/>
             <a:chOff x="6639314" y="1981172"/>
             <a:chExt cx="1749313" cy="1749312"/>
@@ -36410,7 +36247,7 @@
             <p:cNvPr id="9" name="Forma Livre: Forma 27">
               <a:extLst>
                 <a:ext uri="{FF2B5EF4-FFF2-40B4-BE49-F238E27FC236}">
-                  <a16:creationId xmlns:a16="http://schemas.microsoft.com/office/drawing/2014/main" id="{BF0A1B5E-6E58-4A70-97B5-2DCC1B239780}"/>
+                  <a16:creationId xmlns:a16="http://schemas.microsoft.com/office/drawing/2014/main" xmlns="" id="{BF0A1B5E-6E58-4A70-97B5-2DCC1B239780}"/>
                 </a:ext>
               </a:extLst>
             </p:cNvPr>
@@ -36557,9 +36394,7 @@
               </a:pathLst>
             </a:custGeom>
             <a:solidFill>
-              <a:schemeClr val="accent1">
-                <a:lumMod val="50000"/>
-              </a:schemeClr>
+              <a:srgbClr val="3C1A56"/>
             </a:solidFill>
             <a:ln>
               <a:noFill/>
@@ -36599,7 +36434,7 @@
             <p:cNvPr id="10" name="Forma Livre: Forma 30">
               <a:extLst>
                 <a:ext uri="{FF2B5EF4-FFF2-40B4-BE49-F238E27FC236}">
-                  <a16:creationId xmlns:a16="http://schemas.microsoft.com/office/drawing/2014/main" id="{6FF9B9D0-C367-45F8-9B44-FCCBA75DBB3F}"/>
+                  <a16:creationId xmlns:a16="http://schemas.microsoft.com/office/drawing/2014/main" xmlns="" id="{6FF9B9D0-C367-45F8-9B44-FCCBA75DBB3F}"/>
                 </a:ext>
               </a:extLst>
             </p:cNvPr>
@@ -36736,9 +36571,7 @@
               </a:pathLst>
             </a:custGeom>
             <a:solidFill>
-              <a:schemeClr val="accent1">
-                <a:lumMod val="75000"/>
-              </a:schemeClr>
+              <a:srgbClr val="7030A0"/>
             </a:solidFill>
             <a:ln>
               <a:noFill/>
@@ -36778,7 +36611,7 @@
             <p:cNvPr id="11" name="Forma Livre: Forma 35">
               <a:extLst>
                 <a:ext uri="{FF2B5EF4-FFF2-40B4-BE49-F238E27FC236}">
-                  <a16:creationId xmlns:a16="http://schemas.microsoft.com/office/drawing/2014/main" id="{3D672EEE-75CC-4107-A84F-8A3C90295A3A}"/>
+                  <a16:creationId xmlns:a16="http://schemas.microsoft.com/office/drawing/2014/main" xmlns="" id="{3D672EEE-75CC-4107-A84F-8A3C90295A3A}"/>
                 </a:ext>
               </a:extLst>
             </p:cNvPr>
@@ -36884,6 +36717,9 @@
                 </a:path>
               </a:pathLst>
             </a:custGeom>
+            <a:solidFill>
+              <a:srgbClr val="A568D2"/>
+            </a:solidFill>
             <a:ln>
               <a:noFill/>
             </a:ln>
@@ -36923,7 +36759,7 @@
           <p:cNvPr id="12" name="Agrupar 52">
             <a:extLst>
               <a:ext uri="{FF2B5EF4-FFF2-40B4-BE49-F238E27FC236}">
-                <a16:creationId xmlns:a16="http://schemas.microsoft.com/office/drawing/2014/main" id="{CED2FBEA-A000-4639-9C71-CB2D033ECC53}"/>
+                <a16:creationId xmlns:a16="http://schemas.microsoft.com/office/drawing/2014/main" xmlns="" id="{CED2FBEA-A000-4639-9C71-CB2D033ECC53}"/>
               </a:ext>
             </a:extLst>
           </p:cNvPr>
@@ -36931,11 +36767,11 @@
           <p:nvPr/>
         </p:nvGrpSpPr>
         <p:grpSpPr>
-          <a:xfrm rot="2476726">
-            <a:off x="5636019" y="2446756"/>
-            <a:ext cx="1940003" cy="1183007"/>
+          <a:xfrm rot="1367751">
+            <a:off x="5712618" y="2637141"/>
+            <a:ext cx="1934096" cy="1183007"/>
             <a:chOff x="5346622" y="4798692"/>
-            <a:chExt cx="1940003" cy="1183007"/>
+            <a:chExt cx="1934096" cy="1183007"/>
           </a:xfrm>
         </p:grpSpPr>
         <p:sp>
@@ -36943,7 +36779,7 @@
             <p:cNvPr id="13" name="Retângulo: Cantos Arredondados 43">
               <a:extLst>
                 <a:ext uri="{FF2B5EF4-FFF2-40B4-BE49-F238E27FC236}">
-                  <a16:creationId xmlns:a16="http://schemas.microsoft.com/office/drawing/2014/main" id="{935E1078-7E4F-4D81-A29C-06AE0B308F99}"/>
+                  <a16:creationId xmlns:a16="http://schemas.microsoft.com/office/drawing/2014/main" xmlns="" id="{935E1078-7E4F-4D81-A29C-06AE0B308F99}"/>
                 </a:ext>
               </a:extLst>
             </p:cNvPr>
@@ -36958,6 +36794,9 @@
             <a:prstGeom prst="roundRect">
               <a:avLst/>
             </a:prstGeom>
+            <a:solidFill>
+              <a:srgbClr val="36174D"/>
+            </a:solidFill>
             <a:ln>
               <a:noFill/>
             </a:ln>
@@ -36992,7 +36831,7 @@
             <p:cNvPr id="14" name="Retângulo: Cantos Arredondados 44">
               <a:extLst>
                 <a:ext uri="{FF2B5EF4-FFF2-40B4-BE49-F238E27FC236}">
-                  <a16:creationId xmlns:a16="http://schemas.microsoft.com/office/drawing/2014/main" id="{362AA42A-C925-499C-8A2A-00D8CFAA8EC3}"/>
+                  <a16:creationId xmlns:a16="http://schemas.microsoft.com/office/drawing/2014/main" xmlns="" id="{362AA42A-C925-499C-8A2A-00D8CFAA8EC3}"/>
                 </a:ext>
               </a:extLst>
             </p:cNvPr>
@@ -37001,12 +36840,15 @@
           </p:nvSpPr>
           <p:spPr>
             <a:xfrm>
-              <a:off x="5392339" y="5935980"/>
+              <a:off x="5386432" y="5935980"/>
               <a:ext cx="1894286" cy="45719"/>
             </a:xfrm>
             <a:prstGeom prst="roundRect">
               <a:avLst/>
             </a:prstGeom>
+            <a:solidFill>
+              <a:srgbClr val="36174D"/>
+            </a:solidFill>
             <a:ln>
               <a:noFill/>
             </a:ln>
@@ -37041,7 +36883,7 @@
             <p:cNvPr id="15" name="Retângulo 14">
               <a:extLst>
                 <a:ext uri="{FF2B5EF4-FFF2-40B4-BE49-F238E27FC236}">
-                  <a16:creationId xmlns:a16="http://schemas.microsoft.com/office/drawing/2014/main" id="{AB9F52CB-BAD1-4109-8FB0-B4B761B0A458}"/>
+                  <a16:creationId xmlns:a16="http://schemas.microsoft.com/office/drawing/2014/main" xmlns="" id="{AB9F52CB-BAD1-4109-8FB0-B4B761B0A458}"/>
                 </a:ext>
               </a:extLst>
             </p:cNvPr>
@@ -37057,9 +36899,7 @@
               <a:avLst/>
             </a:prstGeom>
             <a:solidFill>
-              <a:schemeClr val="accent1">
-                <a:lumMod val="75000"/>
-              </a:schemeClr>
+              <a:srgbClr val="A568D2"/>
             </a:solidFill>
             <a:ln>
               <a:noFill/>
@@ -37095,7 +36935,7 @@
             <p:cNvPr id="16" name="Retângulo 15">
               <a:extLst>
                 <a:ext uri="{FF2B5EF4-FFF2-40B4-BE49-F238E27FC236}">
-                  <a16:creationId xmlns:a16="http://schemas.microsoft.com/office/drawing/2014/main" id="{50836BD2-34DC-4080-9DED-7E87AE1B68FC}"/>
+                  <a16:creationId xmlns:a16="http://schemas.microsoft.com/office/drawing/2014/main" xmlns="" id="{50836BD2-34DC-4080-9DED-7E87AE1B68FC}"/>
                 </a:ext>
               </a:extLst>
             </p:cNvPr>
@@ -37111,9 +36951,7 @@
               <a:avLst/>
             </a:prstGeom>
             <a:solidFill>
-              <a:schemeClr val="accent1">
-                <a:lumMod val="50000"/>
-              </a:schemeClr>
+              <a:srgbClr val="C198E0"/>
             </a:solidFill>
             <a:ln>
               <a:noFill/>
@@ -37149,7 +36987,7 @@
             <p:cNvPr id="17" name="Retângulo 16">
               <a:extLst>
                 <a:ext uri="{FF2B5EF4-FFF2-40B4-BE49-F238E27FC236}">
-                  <a16:creationId xmlns:a16="http://schemas.microsoft.com/office/drawing/2014/main" id="{012E5920-ED13-449A-8146-547EA4F7B84D}"/>
+                  <a16:creationId xmlns:a16="http://schemas.microsoft.com/office/drawing/2014/main" xmlns="" id="{012E5920-ED13-449A-8146-547EA4F7B84D}"/>
                 </a:ext>
               </a:extLst>
             </p:cNvPr>
@@ -37158,17 +36996,14 @@
           </p:nvSpPr>
           <p:spPr>
             <a:xfrm>
-              <a:off x="6111911" y="4930138"/>
+              <a:off x="6111910" y="4930138"/>
               <a:ext cx="298525" cy="873190"/>
             </a:xfrm>
             <a:prstGeom prst="rect">
               <a:avLst/>
             </a:prstGeom>
             <a:solidFill>
-              <a:schemeClr val="accent1">
-                <a:lumMod val="60000"/>
-                <a:lumOff val="40000"/>
-              </a:schemeClr>
+              <a:srgbClr val="7030A0"/>
             </a:solidFill>
             <a:ln>
               <a:noFill/>
@@ -37204,7 +37039,7 @@
             <p:cNvPr id="18" name="Retângulo 17">
               <a:extLst>
                 <a:ext uri="{FF2B5EF4-FFF2-40B4-BE49-F238E27FC236}">
-                  <a16:creationId xmlns:a16="http://schemas.microsoft.com/office/drawing/2014/main" id="{0CB2364E-131E-4BF1-8595-5EECBF6E212A}"/>
+                  <a16:creationId xmlns:a16="http://schemas.microsoft.com/office/drawing/2014/main" xmlns="" id="{0CB2364E-131E-4BF1-8595-5EECBF6E212A}"/>
                 </a:ext>
               </a:extLst>
             </p:cNvPr>
@@ -37213,17 +37048,14 @@
           </p:nvSpPr>
           <p:spPr>
             <a:xfrm>
-              <a:off x="6414916" y="4838698"/>
+              <a:off x="6410435" y="4838696"/>
               <a:ext cx="298525" cy="964629"/>
             </a:xfrm>
             <a:prstGeom prst="rect">
               <a:avLst/>
             </a:prstGeom>
             <a:solidFill>
-              <a:schemeClr val="accent1">
-                <a:lumMod val="20000"/>
-                <a:lumOff val="80000"/>
-              </a:schemeClr>
+              <a:srgbClr val="36174D"/>
             </a:solidFill>
             <a:ln>
               <a:noFill/>
@@ -37259,7 +37091,7 @@
             <p:cNvPr id="19" name="Retângulo 18">
               <a:extLst>
                 <a:ext uri="{FF2B5EF4-FFF2-40B4-BE49-F238E27FC236}">
-                  <a16:creationId xmlns:a16="http://schemas.microsoft.com/office/drawing/2014/main" id="{E0F8B7C4-A7C9-4D59-8E09-7EA6624828AF}"/>
+                  <a16:creationId xmlns:a16="http://schemas.microsoft.com/office/drawing/2014/main" xmlns="" id="{E0F8B7C4-A7C9-4D59-8E09-7EA6624828AF}"/>
                 </a:ext>
               </a:extLst>
             </p:cNvPr>
@@ -37268,16 +37100,14 @@
           </p:nvSpPr>
           <p:spPr>
             <a:xfrm>
-              <a:off x="6717921" y="4975857"/>
+              <a:off x="6708961" y="4975856"/>
               <a:ext cx="298525" cy="827469"/>
             </a:xfrm>
             <a:prstGeom prst="rect">
               <a:avLst/>
             </a:prstGeom>
             <a:solidFill>
-              <a:schemeClr val="tx2">
-                <a:lumMod val="50000"/>
-              </a:schemeClr>
+              <a:srgbClr val="A568D2"/>
             </a:solidFill>
             <a:ln>
               <a:noFill/>
@@ -37305,6 +37135,285 @@
             <a:p>
               <a:pPr algn="ctr"/>
               <a:endParaRPr lang="pt-BR"/>
+            </a:p>
+          </p:txBody>
+        </p:sp>
+      </p:grpSp>
+      <p:grpSp>
+        <p:nvGrpSpPr>
+          <p:cNvPr id="33" name="Grupo 32"/>
+          <p:cNvGrpSpPr/>
+          <p:nvPr/>
+        </p:nvGrpSpPr>
+        <p:grpSpPr>
+          <a:xfrm>
+            <a:off x="3529356" y="3691296"/>
+            <a:ext cx="1749287" cy="1749290"/>
+            <a:chOff x="3742945" y="3459969"/>
+            <a:chExt cx="1749287" cy="1749290"/>
+          </a:xfrm>
+        </p:grpSpPr>
+        <p:sp>
+          <p:nvSpPr>
+            <p:cNvPr id="5" name="Elipse 4">
+              <a:extLst>
+                <a:ext uri="{FF2B5EF4-FFF2-40B4-BE49-F238E27FC236}">
+                  <a16:creationId xmlns:a16="http://schemas.microsoft.com/office/drawing/2014/main" xmlns="" id="{97BAADA3-8958-4B81-A9AD-4BD804FFCDF5}"/>
+                </a:ext>
+              </a:extLst>
+            </p:cNvPr>
+            <p:cNvSpPr/>
+            <p:nvPr/>
+          </p:nvSpPr>
+          <p:spPr>
+            <a:xfrm>
+              <a:off x="3742945" y="3459972"/>
+              <a:ext cx="1749287" cy="1749287"/>
+            </a:xfrm>
+            <a:prstGeom prst="ellipse">
+              <a:avLst/>
+            </a:prstGeom>
+            <a:solidFill>
+              <a:srgbClr val="3C1A56"/>
+            </a:solidFill>
+            <a:ln>
+              <a:noFill/>
+            </a:ln>
+          </p:spPr>
+          <p:style>
+            <a:lnRef idx="2">
+              <a:schemeClr val="accent1">
+                <a:shade val="50000"/>
+              </a:schemeClr>
+            </a:lnRef>
+            <a:fillRef idx="1">
+              <a:schemeClr val="accent1"/>
+            </a:fillRef>
+            <a:effectRef idx="0">
+              <a:schemeClr val="accent1"/>
+            </a:effectRef>
+            <a:fontRef idx="minor">
+              <a:schemeClr val="lt1"/>
+            </a:fontRef>
+          </p:style>
+          <p:txBody>
+            <a:bodyPr rtlCol="0" anchor="ctr"/>
+            <a:lstStyle/>
+            <a:p>
+              <a:pPr algn="ctr"/>
+              <a:endParaRPr lang="pt-BR" dirty="0"/>
+            </a:p>
+          </p:txBody>
+        </p:sp>
+        <p:sp>
+          <p:nvSpPr>
+            <p:cNvPr id="29" name="Pizza 28"/>
+            <p:cNvSpPr/>
+            <p:nvPr/>
+          </p:nvSpPr>
+          <p:spPr>
+            <a:xfrm>
+              <a:off x="3742945" y="3459971"/>
+              <a:ext cx="1749287" cy="1749287"/>
+            </a:xfrm>
+            <a:prstGeom prst="pie">
+              <a:avLst>
+                <a:gd name="adj1" fmla="val 8138422"/>
+                <a:gd name="adj2" fmla="val 16200000"/>
+              </a:avLst>
+            </a:prstGeom>
+            <a:solidFill>
+              <a:srgbClr val="934BC9"/>
+            </a:solidFill>
+            <a:ln>
+              <a:noFill/>
+            </a:ln>
+          </p:spPr>
+          <p:style>
+            <a:lnRef idx="2">
+              <a:schemeClr val="accent1">
+                <a:shade val="50000"/>
+              </a:schemeClr>
+            </a:lnRef>
+            <a:fillRef idx="1">
+              <a:schemeClr val="accent1"/>
+            </a:fillRef>
+            <a:effectRef idx="0">
+              <a:schemeClr val="accent1"/>
+            </a:effectRef>
+            <a:fontRef idx="minor">
+              <a:schemeClr val="lt1"/>
+            </a:fontRef>
+          </p:style>
+          <p:txBody>
+            <a:bodyPr rtlCol="0" anchor="ctr"/>
+            <a:lstStyle/>
+            <a:p>
+              <a:pPr algn="ctr"/>
+              <a:endParaRPr lang="pt-BR">
+                <a:solidFill>
+                  <a:schemeClr val="tx1"/>
+                </a:solidFill>
+              </a:endParaRPr>
+            </a:p>
+          </p:txBody>
+        </p:sp>
+        <p:sp>
+          <p:nvSpPr>
+            <p:cNvPr id="30" name="Pizza 29"/>
+            <p:cNvSpPr/>
+            <p:nvPr/>
+          </p:nvSpPr>
+          <p:spPr>
+            <a:xfrm>
+              <a:off x="3742945" y="3459972"/>
+              <a:ext cx="1749287" cy="1749287"/>
+            </a:xfrm>
+            <a:prstGeom prst="pie">
+              <a:avLst>
+                <a:gd name="adj1" fmla="val 11284478"/>
+                <a:gd name="adj2" fmla="val 16200000"/>
+              </a:avLst>
+            </a:prstGeom>
+            <a:solidFill>
+              <a:srgbClr val="A568D2"/>
+            </a:solidFill>
+            <a:ln>
+              <a:noFill/>
+            </a:ln>
+          </p:spPr>
+          <p:style>
+            <a:lnRef idx="2">
+              <a:schemeClr val="accent1">
+                <a:shade val="50000"/>
+              </a:schemeClr>
+            </a:lnRef>
+            <a:fillRef idx="1">
+              <a:schemeClr val="accent1"/>
+            </a:fillRef>
+            <a:effectRef idx="0">
+              <a:schemeClr val="accent1"/>
+            </a:effectRef>
+            <a:fontRef idx="minor">
+              <a:schemeClr val="lt1"/>
+            </a:fontRef>
+          </p:style>
+          <p:txBody>
+            <a:bodyPr rtlCol="0" anchor="ctr"/>
+            <a:lstStyle/>
+            <a:p>
+              <a:pPr algn="ctr"/>
+              <a:endParaRPr lang="pt-BR">
+                <a:solidFill>
+                  <a:schemeClr val="tx1"/>
+                </a:solidFill>
+              </a:endParaRPr>
+            </a:p>
+          </p:txBody>
+        </p:sp>
+        <p:sp>
+          <p:nvSpPr>
+            <p:cNvPr id="31" name="Pizza 30"/>
+            <p:cNvSpPr/>
+            <p:nvPr/>
+          </p:nvSpPr>
+          <p:spPr>
+            <a:xfrm>
+              <a:off x="3742945" y="3459970"/>
+              <a:ext cx="1749287" cy="1749287"/>
+            </a:xfrm>
+            <a:prstGeom prst="pie">
+              <a:avLst>
+                <a:gd name="adj1" fmla="val 13090784"/>
+                <a:gd name="adj2" fmla="val 16200000"/>
+              </a:avLst>
+            </a:prstGeom>
+            <a:solidFill>
+              <a:srgbClr val="7030A0"/>
+            </a:solidFill>
+            <a:ln>
+              <a:noFill/>
+            </a:ln>
+          </p:spPr>
+          <p:style>
+            <a:lnRef idx="2">
+              <a:schemeClr val="accent1">
+                <a:shade val="50000"/>
+              </a:schemeClr>
+            </a:lnRef>
+            <a:fillRef idx="1">
+              <a:schemeClr val="accent1"/>
+            </a:fillRef>
+            <a:effectRef idx="0">
+              <a:schemeClr val="accent1"/>
+            </a:effectRef>
+            <a:fontRef idx="minor">
+              <a:schemeClr val="lt1"/>
+            </a:fontRef>
+          </p:style>
+          <p:txBody>
+            <a:bodyPr rtlCol="0" anchor="ctr"/>
+            <a:lstStyle/>
+            <a:p>
+              <a:pPr algn="ctr"/>
+              <a:endParaRPr lang="pt-BR">
+                <a:solidFill>
+                  <a:schemeClr val="tx1"/>
+                </a:solidFill>
+              </a:endParaRPr>
+            </a:p>
+          </p:txBody>
+        </p:sp>
+        <p:sp>
+          <p:nvSpPr>
+            <p:cNvPr id="32" name="Pizza 31"/>
+            <p:cNvSpPr/>
+            <p:nvPr/>
+          </p:nvSpPr>
+          <p:spPr>
+            <a:xfrm>
+              <a:off x="3742945" y="3459969"/>
+              <a:ext cx="1749287" cy="1749287"/>
+            </a:xfrm>
+            <a:prstGeom prst="pie">
+              <a:avLst>
+                <a:gd name="adj1" fmla="val 14324800"/>
+                <a:gd name="adj2" fmla="val 16200000"/>
+              </a:avLst>
+            </a:prstGeom>
+            <a:solidFill>
+              <a:srgbClr val="CBA9E5"/>
+            </a:solidFill>
+            <a:ln>
+              <a:noFill/>
+            </a:ln>
+          </p:spPr>
+          <p:style>
+            <a:lnRef idx="2">
+              <a:schemeClr val="accent1">
+                <a:shade val="50000"/>
+              </a:schemeClr>
+            </a:lnRef>
+            <a:fillRef idx="1">
+              <a:schemeClr val="accent1"/>
+            </a:fillRef>
+            <a:effectRef idx="0">
+              <a:schemeClr val="accent1"/>
+            </a:effectRef>
+            <a:fontRef idx="minor">
+              <a:schemeClr val="lt1"/>
+            </a:fontRef>
+          </p:style>
+          <p:txBody>
+            <a:bodyPr rtlCol="0" anchor="ctr"/>
+            <a:lstStyle/>
+            <a:p>
+              <a:pPr algn="ctr"/>
+              <a:endParaRPr lang="pt-BR">
+                <a:solidFill>
+                  <a:schemeClr val="tx1"/>
+                </a:solidFill>
+              </a:endParaRPr>
             </a:p>
           </p:txBody>
         </p:sp>
@@ -37341,10 +37450,10 @@
       </p:grpSpPr>
       <p:sp>
         <p:nvSpPr>
-          <p:cNvPr id="2" name="Elipse 1">
+          <p:cNvPr id="3" name="Elipse 2">
             <a:extLst>
               <a:ext uri="{FF2B5EF4-FFF2-40B4-BE49-F238E27FC236}">
-                <a16:creationId xmlns:a16="http://schemas.microsoft.com/office/drawing/2014/main" id="{3E2299F0-B270-40D7-8F79-C18F6A4FE3E7}"/>
+                <a16:creationId xmlns:a16="http://schemas.microsoft.com/office/drawing/2014/main" xmlns="" id="{1C62FD96-B9CD-44D9-A6B7-B9CA744BF9E4}"/>
               </a:ext>
             </a:extLst>
           </p:cNvPr>
@@ -37353,59 +37462,7 @@
         </p:nvSpPr>
         <p:spPr>
           <a:xfrm>
-            <a:off x="1851812" y="692034"/>
-            <a:ext cx="5459895" cy="5459895"/>
-          </a:xfrm>
-          <a:prstGeom prst="ellipse">
-            <a:avLst/>
-          </a:prstGeom>
-          <a:solidFill>
-            <a:srgbClr val="E8D8F4"/>
-          </a:solidFill>
-          <a:ln>
-            <a:noFill/>
-          </a:ln>
-        </p:spPr>
-        <p:style>
-          <a:lnRef idx="2">
-            <a:schemeClr val="accent1">
-              <a:shade val="50000"/>
-            </a:schemeClr>
-          </a:lnRef>
-          <a:fillRef idx="1">
-            <a:schemeClr val="accent1"/>
-          </a:fillRef>
-          <a:effectRef idx="0">
-            <a:schemeClr val="accent1"/>
-          </a:effectRef>
-          <a:fontRef idx="minor">
-            <a:schemeClr val="lt1"/>
-          </a:fontRef>
-        </p:style>
-        <p:txBody>
-          <a:bodyPr rtlCol="0" anchor="ctr"/>
-          <a:lstStyle/>
-          <a:p>
-            <a:pPr algn="ctr"/>
-            <a:endParaRPr lang="pt-BR" dirty="0"/>
-          </a:p>
-        </p:txBody>
-      </p:sp>
-      <p:sp>
-        <p:nvSpPr>
-          <p:cNvPr id="3" name="Elipse 2">
-            <a:extLst>
-              <a:ext uri="{FF2B5EF4-FFF2-40B4-BE49-F238E27FC236}">
-                <a16:creationId xmlns:a16="http://schemas.microsoft.com/office/drawing/2014/main" id="{1C62FD96-B9CD-44D9-A6B7-B9CA744BF9E4}"/>
-              </a:ext>
-            </a:extLst>
-          </p:cNvPr>
-          <p:cNvSpPr/>
-          <p:nvPr/>
-        </p:nvSpPr>
-        <p:spPr>
-          <a:xfrm>
-            <a:off x="1826412" y="561160"/>
+            <a:off x="1826412" y="561838"/>
             <a:ext cx="5459895" cy="5459895"/>
           </a:xfrm>
           <a:prstGeom prst="ellipse">
@@ -37439,312 +37496,62 @@
           <a:lstStyle/>
           <a:p>
             <a:pPr algn="ctr"/>
-            <a:endParaRPr lang="pt-BR" dirty="0"/>
+            <a:endParaRPr lang="pt-BR" u="sng" dirty="0"/>
+          </a:p>
+        </p:txBody>
+      </p:sp>
+      <p:sp>
+        <p:nvSpPr>
+          <p:cNvPr id="41" name="Retângulo 40"/>
+          <p:cNvSpPr/>
+          <p:nvPr/>
+        </p:nvSpPr>
+        <p:spPr>
+          <a:xfrm rot="19141708">
+            <a:off x="3086552" y="1875876"/>
+            <a:ext cx="3555416" cy="4258010"/>
+          </a:xfrm>
+          <a:prstGeom prst="rect">
+            <a:avLst/>
+          </a:prstGeom>
+          <a:solidFill>
+            <a:srgbClr val="E8D8F4"/>
+          </a:solidFill>
+          <a:ln>
+            <a:noFill/>
+          </a:ln>
+        </p:spPr>
+        <p:style>
+          <a:lnRef idx="2">
+            <a:schemeClr val="accent1">
+              <a:shade val="50000"/>
+            </a:schemeClr>
+          </a:lnRef>
+          <a:fillRef idx="1">
+            <a:schemeClr val="accent1"/>
+          </a:fillRef>
+          <a:effectRef idx="0">
+            <a:schemeClr val="accent1"/>
+          </a:effectRef>
+          <a:fontRef idx="minor">
+            <a:schemeClr val="lt1"/>
+          </a:fontRef>
+        </p:style>
+        <p:txBody>
+          <a:bodyPr rtlCol="0" anchor="ctr"/>
+          <a:lstStyle/>
+          <a:p>
+            <a:pPr algn="ctr"/>
+            <a:endParaRPr lang="pt-BR" u="sng" dirty="0"/>
           </a:p>
         </p:txBody>
       </p:sp>
       <p:grpSp>
         <p:nvGrpSpPr>
-          <p:cNvPr id="15" name="Grupo 14"/>
-          <p:cNvGrpSpPr/>
-          <p:nvPr/>
-        </p:nvGrpSpPr>
-        <p:grpSpPr>
-          <a:xfrm rot="20782508" flipH="1">
-            <a:off x="2861553" y="2273414"/>
-            <a:ext cx="668407" cy="2017638"/>
-            <a:chOff x="4623674" y="1297992"/>
-            <a:chExt cx="668407" cy="2017638"/>
-          </a:xfrm>
-          <a:solidFill>
-            <a:schemeClr val="bg1"/>
-          </a:solidFill>
-        </p:grpSpPr>
-        <p:sp>
-          <p:nvSpPr>
-            <p:cNvPr id="16" name="Retângulo de cantos arredondados 15"/>
-            <p:cNvSpPr/>
-            <p:nvPr/>
-          </p:nvSpPr>
-          <p:spPr>
-            <a:xfrm>
-              <a:off x="4716015" y="1299406"/>
-              <a:ext cx="576064" cy="2016224"/>
-            </a:xfrm>
-            <a:prstGeom prst="roundRect">
-              <a:avLst>
-                <a:gd name="adj" fmla="val 50000"/>
-              </a:avLst>
-            </a:prstGeom>
-            <a:solidFill>
-              <a:srgbClr val="E0E0E0"/>
-            </a:solidFill>
-            <a:ln>
-              <a:noFill/>
-            </a:ln>
-          </p:spPr>
-          <p:style>
-            <a:lnRef idx="2">
-              <a:schemeClr val="accent1">
-                <a:shade val="50000"/>
-              </a:schemeClr>
-            </a:lnRef>
-            <a:fillRef idx="1">
-              <a:schemeClr val="accent1"/>
-            </a:fillRef>
-            <a:effectRef idx="0">
-              <a:schemeClr val="accent1"/>
-            </a:effectRef>
-            <a:fontRef idx="minor">
-              <a:schemeClr val="lt1"/>
-            </a:fontRef>
-          </p:style>
-          <p:txBody>
-            <a:bodyPr rtlCol="0" anchor="ctr"/>
-            <a:lstStyle/>
-            <a:p>
-              <a:pPr algn="ctr"/>
-              <a:endParaRPr lang="pt-BR"/>
-            </a:p>
-          </p:txBody>
-        </p:sp>
-        <p:sp>
-          <p:nvSpPr>
-            <p:cNvPr id="17" name="Retângulo de cantos arredondados 16"/>
-            <p:cNvSpPr/>
-            <p:nvPr/>
-          </p:nvSpPr>
-          <p:spPr>
-            <a:xfrm rot="10801235">
-              <a:off x="4715835" y="2306102"/>
-              <a:ext cx="576064" cy="1008008"/>
-            </a:xfrm>
-            <a:prstGeom prst="roundRect">
-              <a:avLst>
-                <a:gd name="adj" fmla="val 50000"/>
-              </a:avLst>
-            </a:prstGeom>
-            <a:solidFill>
-              <a:srgbClr val="E0E0E0"/>
-            </a:solidFill>
-            <a:ln>
-              <a:noFill/>
-            </a:ln>
-          </p:spPr>
-          <p:style>
-            <a:lnRef idx="2">
-              <a:schemeClr val="accent1">
-                <a:shade val="50000"/>
-              </a:schemeClr>
-            </a:lnRef>
-            <a:fillRef idx="1">
-              <a:schemeClr val="accent1"/>
-            </a:fillRef>
-            <a:effectRef idx="0">
-              <a:schemeClr val="accent1"/>
-            </a:effectRef>
-            <a:fontRef idx="minor">
-              <a:schemeClr val="lt1"/>
-            </a:fontRef>
-          </p:style>
-          <p:txBody>
-            <a:bodyPr rtlCol="0" anchor="ctr"/>
-            <a:lstStyle/>
-            <a:p>
-              <a:pPr algn="ctr"/>
-              <a:endParaRPr lang="pt-BR"/>
-            </a:p>
-          </p:txBody>
-        </p:sp>
-        <p:sp>
-          <p:nvSpPr>
-            <p:cNvPr id="18" name="Retângulo 17"/>
-            <p:cNvSpPr/>
-            <p:nvPr/>
-          </p:nvSpPr>
-          <p:spPr>
-            <a:xfrm>
-              <a:off x="4716017" y="2305998"/>
-              <a:ext cx="576064" cy="422259"/>
-            </a:xfrm>
-            <a:prstGeom prst="rect">
-              <a:avLst/>
-            </a:prstGeom>
-            <a:solidFill>
-              <a:srgbClr val="E0E0E0"/>
-            </a:solidFill>
-            <a:ln>
-              <a:noFill/>
-            </a:ln>
-          </p:spPr>
-          <p:style>
-            <a:lnRef idx="2">
-              <a:schemeClr val="accent1">
-                <a:shade val="50000"/>
-              </a:schemeClr>
-            </a:lnRef>
-            <a:fillRef idx="1">
-              <a:schemeClr val="accent1"/>
-            </a:fillRef>
-            <a:effectRef idx="0">
-              <a:schemeClr val="accent1"/>
-            </a:effectRef>
-            <a:fontRef idx="minor">
-              <a:schemeClr val="lt1"/>
-            </a:fontRef>
-          </p:style>
-          <p:txBody>
-            <a:bodyPr rtlCol="0" anchor="ctr"/>
-            <a:lstStyle/>
-            <a:p>
-              <a:pPr algn="ctr"/>
-              <a:endParaRPr lang="pt-BR"/>
-            </a:p>
-          </p:txBody>
-        </p:sp>
-        <p:sp>
-          <p:nvSpPr>
-            <p:cNvPr id="19" name="Retângulo de cantos arredondados 18"/>
-            <p:cNvSpPr/>
-            <p:nvPr/>
-          </p:nvSpPr>
-          <p:spPr>
-            <a:xfrm>
-              <a:off x="4623674" y="1297992"/>
-              <a:ext cx="576064" cy="2016224"/>
-            </a:xfrm>
-            <a:prstGeom prst="roundRect">
-              <a:avLst>
-                <a:gd name="adj" fmla="val 50000"/>
-              </a:avLst>
-            </a:prstGeom>
-            <a:grpFill/>
-            <a:ln>
-              <a:noFill/>
-            </a:ln>
-          </p:spPr>
-          <p:style>
-            <a:lnRef idx="2">
-              <a:schemeClr val="accent1">
-                <a:shade val="50000"/>
-              </a:schemeClr>
-            </a:lnRef>
-            <a:fillRef idx="1">
-              <a:schemeClr val="accent1"/>
-            </a:fillRef>
-            <a:effectRef idx="0">
-              <a:schemeClr val="accent1"/>
-            </a:effectRef>
-            <a:fontRef idx="minor">
-              <a:schemeClr val="lt1"/>
-            </a:fontRef>
-          </p:style>
-          <p:txBody>
-            <a:bodyPr rtlCol="0" anchor="ctr"/>
-            <a:lstStyle/>
-            <a:p>
-              <a:pPr algn="ctr"/>
-              <a:endParaRPr lang="pt-BR" dirty="0"/>
-            </a:p>
-          </p:txBody>
-        </p:sp>
-        <p:sp>
-          <p:nvSpPr>
-            <p:cNvPr id="20" name="Retângulo de cantos arredondados 19"/>
-            <p:cNvSpPr/>
-            <p:nvPr/>
-          </p:nvSpPr>
-          <p:spPr>
-            <a:xfrm rot="10801235">
-              <a:off x="4623854" y="2306103"/>
-              <a:ext cx="576064" cy="1008008"/>
-            </a:xfrm>
-            <a:prstGeom prst="roundRect">
-              <a:avLst>
-                <a:gd name="adj" fmla="val 50000"/>
-              </a:avLst>
-            </a:prstGeom>
-            <a:grpFill/>
-            <a:ln>
-              <a:noFill/>
-            </a:ln>
-          </p:spPr>
-          <p:style>
-            <a:lnRef idx="2">
-              <a:schemeClr val="accent1">
-                <a:shade val="50000"/>
-              </a:schemeClr>
-            </a:lnRef>
-            <a:fillRef idx="1">
-              <a:schemeClr val="accent1"/>
-            </a:fillRef>
-            <a:effectRef idx="0">
-              <a:schemeClr val="accent1"/>
-            </a:effectRef>
-            <a:fontRef idx="minor">
-              <a:schemeClr val="lt1"/>
-            </a:fontRef>
-          </p:style>
-          <p:txBody>
-            <a:bodyPr rtlCol="0" anchor="ctr"/>
-            <a:lstStyle/>
-            <a:p>
-              <a:pPr algn="ctr"/>
-              <a:endParaRPr lang="pt-BR"/>
-            </a:p>
-          </p:txBody>
-        </p:sp>
-        <p:sp>
-          <p:nvSpPr>
-            <p:cNvPr id="21" name="Retângulo 20"/>
-            <p:cNvSpPr/>
-            <p:nvPr/>
-          </p:nvSpPr>
-          <p:spPr>
-            <a:xfrm>
-              <a:off x="4624036" y="2305999"/>
-              <a:ext cx="576064" cy="422259"/>
-            </a:xfrm>
-            <a:prstGeom prst="rect">
-              <a:avLst/>
-            </a:prstGeom>
-            <a:grpFill/>
-            <a:ln>
-              <a:noFill/>
-            </a:ln>
-          </p:spPr>
-          <p:style>
-            <a:lnRef idx="2">
-              <a:schemeClr val="accent1">
-                <a:shade val="50000"/>
-              </a:schemeClr>
-            </a:lnRef>
-            <a:fillRef idx="1">
-              <a:schemeClr val="accent1"/>
-            </a:fillRef>
-            <a:effectRef idx="0">
-              <a:schemeClr val="accent1"/>
-            </a:effectRef>
-            <a:fontRef idx="minor">
-              <a:schemeClr val="lt1"/>
-            </a:fontRef>
-          </p:style>
-          <p:txBody>
-            <a:bodyPr rtlCol="0" anchor="ctr"/>
-            <a:lstStyle/>
-            <a:p>
-              <a:pPr algn="ctr"/>
-              <a:endParaRPr lang="pt-BR"/>
-            </a:p>
-          </p:txBody>
-        </p:sp>
-      </p:grpSp>
-      <p:grpSp>
-        <p:nvGrpSpPr>
           <p:cNvPr id="7" name="Agrupar 6">
             <a:extLst>
               <a:ext uri="{FF2B5EF4-FFF2-40B4-BE49-F238E27FC236}">
-                <a16:creationId xmlns:a16="http://schemas.microsoft.com/office/drawing/2014/main" id="{E976DEB7-185B-4375-9DBA-5D78AF26D6D7}"/>
+                <a16:creationId xmlns:a16="http://schemas.microsoft.com/office/drawing/2014/main" xmlns="" id="{E976DEB7-185B-4375-9DBA-5D78AF26D6D7}"/>
               </a:ext>
             </a:extLst>
           </p:cNvPr>
@@ -37752,8 +37559,8 @@
           <p:nvPr/>
         </p:nvGrpSpPr>
         <p:grpSpPr>
-          <a:xfrm>
-            <a:off x="4001013" y="4886080"/>
+          <a:xfrm rot="3216273">
+            <a:off x="4440319" y="2584418"/>
             <a:ext cx="1180858" cy="988639"/>
             <a:chOff x="4018280" y="1646015"/>
             <a:chExt cx="1180858" cy="988639"/>
@@ -37764,7 +37571,7 @@
             <p:cNvPr id="22" name="Elipse 21">
               <a:extLst>
                 <a:ext uri="{FF2B5EF4-FFF2-40B4-BE49-F238E27FC236}">
-                  <a16:creationId xmlns:a16="http://schemas.microsoft.com/office/drawing/2014/main" id="{8DA61EDA-D65F-407B-82BD-B427144766D3}"/>
+                  <a16:creationId xmlns:a16="http://schemas.microsoft.com/office/drawing/2014/main" xmlns="" id="{8DA61EDA-D65F-407B-82BD-B427144766D3}"/>
                 </a:ext>
               </a:extLst>
             </p:cNvPr>
@@ -37816,7 +37623,7 @@
             <p:cNvPr id="6" name="Elipse 5">
               <a:extLst>
                 <a:ext uri="{FF2B5EF4-FFF2-40B4-BE49-F238E27FC236}">
-                  <a16:creationId xmlns:a16="http://schemas.microsoft.com/office/drawing/2014/main" id="{A6965E2E-3446-4C27-9E1F-A31F25446713}"/>
+                  <a16:creationId xmlns:a16="http://schemas.microsoft.com/office/drawing/2014/main" xmlns="" id="{A6965E2E-3446-4C27-9E1F-A31F25446713}"/>
                 </a:ext>
               </a:extLst>
             </p:cNvPr>
@@ -37866,22 +37673,16 @@
       </p:grpSp>
       <p:grpSp>
         <p:nvGrpSpPr>
-          <p:cNvPr id="13" name="Agrupar 12">
-            <a:extLst>
-              <a:ext uri="{FF2B5EF4-FFF2-40B4-BE49-F238E27FC236}">
-                <a16:creationId xmlns:a16="http://schemas.microsoft.com/office/drawing/2014/main" id="{965676BF-D116-4225-AF8B-939F9F6B7F9E}"/>
-              </a:ext>
-            </a:extLst>
-          </p:cNvPr>
+          <p:cNvPr id="40" name="Grupo 39"/>
           <p:cNvGrpSpPr/>
           <p:nvPr/>
         </p:nvGrpSpPr>
         <p:grpSpPr>
           <a:xfrm>
-            <a:off x="5482832" y="2193983"/>
-            <a:ext cx="668407" cy="2017638"/>
-            <a:chOff x="5479604" y="2847816"/>
-            <a:chExt cx="668407" cy="2017638"/>
+            <a:off x="2987828" y="3455995"/>
+            <a:ext cx="3605346" cy="1194386"/>
+            <a:chOff x="3155680" y="2960252"/>
+            <a:chExt cx="3605346" cy="1194386"/>
           </a:xfrm>
         </p:grpSpPr>
         <p:grpSp>
@@ -37891,9 +37692,9 @@
             <p:nvPr/>
           </p:nvGrpSpPr>
           <p:grpSpPr>
-            <a:xfrm rot="1748328">
-              <a:off x="5479604" y="2847816"/>
-              <a:ext cx="668407" cy="2017638"/>
+            <a:xfrm rot="5348328">
+              <a:off x="4361160" y="1754772"/>
+              <a:ext cx="1194386" cy="3605346"/>
               <a:chOff x="4623674" y="1297992"/>
               <a:chExt cx="668407" cy="2017638"/>
             </a:xfrm>
@@ -38188,7 +37989,7 @@
             <p:cNvPr id="9" name="Retângulo: Cantos Arredondados 8">
               <a:extLst>
                 <a:ext uri="{FF2B5EF4-FFF2-40B4-BE49-F238E27FC236}">
-                  <a16:creationId xmlns:a16="http://schemas.microsoft.com/office/drawing/2014/main" id="{F8102B5C-A279-4902-B60D-5047349AC13D}"/>
+                  <a16:creationId xmlns:a16="http://schemas.microsoft.com/office/drawing/2014/main" xmlns="" id="{F8102B5C-A279-4902-B60D-5047349AC13D}"/>
                 </a:ext>
               </a:extLst>
             </p:cNvPr>
@@ -38196,9 +37997,9 @@
             <p:nvPr/>
           </p:nvSpPr>
           <p:spPr>
-            <a:xfrm rot="1664378">
-              <a:off x="5842743" y="3018843"/>
-              <a:ext cx="144016" cy="514637"/>
+            <a:xfrm rot="5264378">
+              <a:off x="5818160" y="2735222"/>
+              <a:ext cx="257344" cy="919612"/>
             </a:xfrm>
             <a:prstGeom prst="roundRect">
               <a:avLst>
@@ -38234,6 +38035,342 @@
             <a:p>
               <a:pPr algn="ctr"/>
               <a:endParaRPr lang="pt-BR" dirty="0"/>
+            </a:p>
+          </p:txBody>
+        </p:sp>
+      </p:grpSp>
+      <p:cxnSp>
+        <p:nvCxnSpPr>
+          <p:cNvPr id="30" name="Conector reto 29"/>
+          <p:cNvCxnSpPr>
+            <a:stCxn id="6" idx="0"/>
+            <a:endCxn id="6" idx="4"/>
+          </p:cNvCxnSpPr>
+          <p:nvPr/>
+        </p:nvCxnSpPr>
+        <p:spPr>
+          <a:xfrm flipH="1">
+            <a:off x="4653357" y="2755882"/>
+            <a:ext cx="753508" cy="555442"/>
+          </a:xfrm>
+          <a:prstGeom prst="line">
+            <a:avLst/>
+          </a:prstGeom>
+          <a:ln w="76200">
+            <a:solidFill>
+              <a:schemeClr val="bg1">
+                <a:lumMod val="85000"/>
+              </a:schemeClr>
+            </a:solidFill>
+          </a:ln>
+        </p:spPr>
+        <p:style>
+          <a:lnRef idx="1">
+            <a:schemeClr val="accent1"/>
+          </a:lnRef>
+          <a:fillRef idx="0">
+            <a:schemeClr val="accent1"/>
+          </a:fillRef>
+          <a:effectRef idx="0">
+            <a:schemeClr val="accent1"/>
+          </a:effectRef>
+          <a:fontRef idx="minor">
+            <a:schemeClr val="tx1"/>
+          </a:fontRef>
+        </p:style>
+      </p:cxnSp>
+      <p:grpSp>
+        <p:nvGrpSpPr>
+          <p:cNvPr id="15" name="Grupo 14"/>
+          <p:cNvGrpSpPr/>
+          <p:nvPr/>
+        </p:nvGrpSpPr>
+        <p:grpSpPr>
+          <a:xfrm rot="1346184" flipH="1">
+            <a:off x="3283222" y="1121419"/>
+            <a:ext cx="1218537" cy="3678248"/>
+            <a:chOff x="4623674" y="1297992"/>
+            <a:chExt cx="668407" cy="2017638"/>
+          </a:xfrm>
+          <a:solidFill>
+            <a:schemeClr val="bg1"/>
+          </a:solidFill>
+        </p:grpSpPr>
+        <p:sp>
+          <p:nvSpPr>
+            <p:cNvPr id="16" name="Retângulo de cantos arredondados 15"/>
+            <p:cNvSpPr/>
+            <p:nvPr/>
+          </p:nvSpPr>
+          <p:spPr>
+            <a:xfrm>
+              <a:off x="4716015" y="1299406"/>
+              <a:ext cx="576064" cy="2016224"/>
+            </a:xfrm>
+            <a:prstGeom prst="roundRect">
+              <a:avLst>
+                <a:gd name="adj" fmla="val 50000"/>
+              </a:avLst>
+            </a:prstGeom>
+            <a:solidFill>
+              <a:srgbClr val="E0E0E0"/>
+            </a:solidFill>
+            <a:ln>
+              <a:noFill/>
+            </a:ln>
+          </p:spPr>
+          <p:style>
+            <a:lnRef idx="2">
+              <a:schemeClr val="accent1">
+                <a:shade val="50000"/>
+              </a:schemeClr>
+            </a:lnRef>
+            <a:fillRef idx="1">
+              <a:schemeClr val="accent1"/>
+            </a:fillRef>
+            <a:effectRef idx="0">
+              <a:schemeClr val="accent1"/>
+            </a:effectRef>
+            <a:fontRef idx="minor">
+              <a:schemeClr val="lt1"/>
+            </a:fontRef>
+          </p:style>
+          <p:txBody>
+            <a:bodyPr rtlCol="0" anchor="ctr"/>
+            <a:lstStyle/>
+            <a:p>
+              <a:pPr algn="ctr"/>
+              <a:endParaRPr lang="pt-BR"/>
+            </a:p>
+          </p:txBody>
+        </p:sp>
+        <p:sp>
+          <p:nvSpPr>
+            <p:cNvPr id="17" name="Retângulo de cantos arredondados 16"/>
+            <p:cNvSpPr/>
+            <p:nvPr/>
+          </p:nvSpPr>
+          <p:spPr>
+            <a:xfrm rot="10801235">
+              <a:off x="4715835" y="2306102"/>
+              <a:ext cx="576064" cy="1008008"/>
+            </a:xfrm>
+            <a:prstGeom prst="roundRect">
+              <a:avLst>
+                <a:gd name="adj" fmla="val 50000"/>
+              </a:avLst>
+            </a:prstGeom>
+            <a:solidFill>
+              <a:srgbClr val="E0E0E0"/>
+            </a:solidFill>
+            <a:ln>
+              <a:noFill/>
+            </a:ln>
+          </p:spPr>
+          <p:style>
+            <a:lnRef idx="2">
+              <a:schemeClr val="accent1">
+                <a:shade val="50000"/>
+              </a:schemeClr>
+            </a:lnRef>
+            <a:fillRef idx="1">
+              <a:schemeClr val="accent1"/>
+            </a:fillRef>
+            <a:effectRef idx="0">
+              <a:schemeClr val="accent1"/>
+            </a:effectRef>
+            <a:fontRef idx="minor">
+              <a:schemeClr val="lt1"/>
+            </a:fontRef>
+          </p:style>
+          <p:txBody>
+            <a:bodyPr rtlCol="0" anchor="ctr"/>
+            <a:lstStyle/>
+            <a:p>
+              <a:pPr algn="ctr"/>
+              <a:endParaRPr lang="pt-BR"/>
+            </a:p>
+          </p:txBody>
+        </p:sp>
+        <p:sp>
+          <p:nvSpPr>
+            <p:cNvPr id="18" name="Retângulo 17"/>
+            <p:cNvSpPr/>
+            <p:nvPr/>
+          </p:nvSpPr>
+          <p:spPr>
+            <a:xfrm>
+              <a:off x="4716017" y="2305998"/>
+              <a:ext cx="576064" cy="422259"/>
+            </a:xfrm>
+            <a:prstGeom prst="rect">
+              <a:avLst/>
+            </a:prstGeom>
+            <a:solidFill>
+              <a:srgbClr val="E0E0E0"/>
+            </a:solidFill>
+            <a:ln>
+              <a:noFill/>
+            </a:ln>
+          </p:spPr>
+          <p:style>
+            <a:lnRef idx="2">
+              <a:schemeClr val="accent1">
+                <a:shade val="50000"/>
+              </a:schemeClr>
+            </a:lnRef>
+            <a:fillRef idx="1">
+              <a:schemeClr val="accent1"/>
+            </a:fillRef>
+            <a:effectRef idx="0">
+              <a:schemeClr val="accent1"/>
+            </a:effectRef>
+            <a:fontRef idx="minor">
+              <a:schemeClr val="lt1"/>
+            </a:fontRef>
+          </p:style>
+          <p:txBody>
+            <a:bodyPr rtlCol="0" anchor="ctr"/>
+            <a:lstStyle/>
+            <a:p>
+              <a:pPr algn="ctr"/>
+              <a:endParaRPr lang="pt-BR"/>
+            </a:p>
+          </p:txBody>
+        </p:sp>
+        <p:sp>
+          <p:nvSpPr>
+            <p:cNvPr id="19" name="Retângulo de cantos arredondados 18"/>
+            <p:cNvSpPr/>
+            <p:nvPr/>
+          </p:nvSpPr>
+          <p:spPr>
+            <a:xfrm>
+              <a:off x="4623674" y="1297992"/>
+              <a:ext cx="576064" cy="2016224"/>
+            </a:xfrm>
+            <a:prstGeom prst="roundRect">
+              <a:avLst>
+                <a:gd name="adj" fmla="val 50000"/>
+              </a:avLst>
+            </a:prstGeom>
+            <a:grpFill/>
+            <a:ln>
+              <a:noFill/>
+            </a:ln>
+          </p:spPr>
+          <p:style>
+            <a:lnRef idx="2">
+              <a:schemeClr val="accent1">
+                <a:shade val="50000"/>
+              </a:schemeClr>
+            </a:lnRef>
+            <a:fillRef idx="1">
+              <a:schemeClr val="accent1"/>
+            </a:fillRef>
+            <a:effectRef idx="0">
+              <a:schemeClr val="accent1"/>
+            </a:effectRef>
+            <a:fontRef idx="minor">
+              <a:schemeClr val="lt1"/>
+            </a:fontRef>
+          </p:style>
+          <p:txBody>
+            <a:bodyPr rtlCol="0" anchor="ctr"/>
+            <a:lstStyle/>
+            <a:p>
+              <a:pPr algn="ctr"/>
+              <a:endParaRPr lang="pt-BR" dirty="0"/>
+            </a:p>
+          </p:txBody>
+        </p:sp>
+        <p:sp>
+          <p:nvSpPr>
+            <p:cNvPr id="20" name="Retângulo de cantos arredondados 19"/>
+            <p:cNvSpPr/>
+            <p:nvPr/>
+          </p:nvSpPr>
+          <p:spPr>
+            <a:xfrm rot="10801235">
+              <a:off x="4623854" y="2306103"/>
+              <a:ext cx="576064" cy="1008008"/>
+            </a:xfrm>
+            <a:prstGeom prst="roundRect">
+              <a:avLst>
+                <a:gd name="adj" fmla="val 50000"/>
+              </a:avLst>
+            </a:prstGeom>
+            <a:grpFill/>
+            <a:ln>
+              <a:noFill/>
+            </a:ln>
+          </p:spPr>
+          <p:style>
+            <a:lnRef idx="2">
+              <a:schemeClr val="accent1">
+                <a:shade val="50000"/>
+              </a:schemeClr>
+            </a:lnRef>
+            <a:fillRef idx="1">
+              <a:schemeClr val="accent1"/>
+            </a:fillRef>
+            <a:effectRef idx="0">
+              <a:schemeClr val="accent1"/>
+            </a:effectRef>
+            <a:fontRef idx="minor">
+              <a:schemeClr val="lt1"/>
+            </a:fontRef>
+          </p:style>
+          <p:txBody>
+            <a:bodyPr rtlCol="0" anchor="ctr"/>
+            <a:lstStyle/>
+            <a:p>
+              <a:pPr algn="ctr"/>
+              <a:endParaRPr lang="pt-BR"/>
+            </a:p>
+          </p:txBody>
+        </p:sp>
+        <p:sp>
+          <p:nvSpPr>
+            <p:cNvPr id="21" name="Retângulo 20"/>
+            <p:cNvSpPr/>
+            <p:nvPr/>
+          </p:nvSpPr>
+          <p:spPr>
+            <a:xfrm>
+              <a:off x="4624036" y="2305999"/>
+              <a:ext cx="576064" cy="422259"/>
+            </a:xfrm>
+            <a:prstGeom prst="rect">
+              <a:avLst/>
+            </a:prstGeom>
+            <a:grpFill/>
+            <a:ln>
+              <a:noFill/>
+            </a:ln>
+          </p:spPr>
+          <p:style>
+            <a:lnRef idx="2">
+              <a:schemeClr val="accent1">
+                <a:shade val="50000"/>
+              </a:schemeClr>
+            </a:lnRef>
+            <a:fillRef idx="1">
+              <a:schemeClr val="accent1"/>
+            </a:fillRef>
+            <a:effectRef idx="0">
+              <a:schemeClr val="accent1"/>
+            </a:effectRef>
+            <a:fontRef idx="minor">
+              <a:schemeClr val="lt1"/>
+            </a:fontRef>
+          </p:style>
+          <p:txBody>
+            <a:bodyPr rtlCol="0" anchor="ctr"/>
+            <a:lstStyle/>
+            <a:p>
+              <a:pPr algn="ctr"/>
+              <a:endParaRPr lang="pt-BR"/>
             </a:p>
           </p:txBody>
         </p:sp>

--- a/Rascunhos/Logo - PP2.pptx
+++ b/Rascunhos/Logo - PP2.pptx
@@ -116,7 +116,7 @@
   </p:defaultTextStyle>
   <p:extLst>
     <p:ext uri="{EFAFB233-063F-42B5-8137-9DF3F51BA10A}">
-      <p15:sldGuideLst xmlns:p15="http://schemas.microsoft.com/office/powerpoint/2012/main" xmlns="">
+      <p15:sldGuideLst xmlns="" xmlns:p15="http://schemas.microsoft.com/office/powerpoint/2012/main">
         <p15:guide id="1" orient="horz" pos="2160">
           <p15:clr>
             <a:srgbClr val="A4A3A4"/>
@@ -215,7 +215,7 @@
           <a:p>
             <a:fld id="{FF064E14-6B57-4160-B976-9759441CBCC8}" type="datetimeFigureOut">
               <a:rPr lang="pt-BR" smtClean="0"/>
-              <a:t>28/02/2019</a:t>
+              <a:t>01/03/2019</a:t>
             </a:fld>
             <a:endParaRPr lang="pt-BR"/>
           </a:p>
@@ -829,7 +829,7 @@
           <a:p>
             <a:fld id="{26F57601-A94F-4415-BE12-3A057DDE858C}" type="datetimeFigureOut">
               <a:rPr lang="pt-BR" smtClean="0"/>
-              <a:t>28/02/2019</a:t>
+              <a:t>01/03/2019</a:t>
             </a:fld>
             <a:endParaRPr lang="pt-BR"/>
           </a:p>
@@ -997,7 +997,7 @@
           <a:p>
             <a:fld id="{26F57601-A94F-4415-BE12-3A057DDE858C}" type="datetimeFigureOut">
               <a:rPr lang="pt-BR" smtClean="0"/>
-              <a:t>28/02/2019</a:t>
+              <a:t>01/03/2019</a:t>
             </a:fld>
             <a:endParaRPr lang="pt-BR"/>
           </a:p>
@@ -1175,7 +1175,7 @@
           <a:p>
             <a:fld id="{26F57601-A94F-4415-BE12-3A057DDE858C}" type="datetimeFigureOut">
               <a:rPr lang="pt-BR" smtClean="0"/>
-              <a:t>28/02/2019</a:t>
+              <a:t>01/03/2019</a:t>
             </a:fld>
             <a:endParaRPr lang="pt-BR"/>
           </a:p>
@@ -1343,7 +1343,7 @@
           <a:p>
             <a:fld id="{26F57601-A94F-4415-BE12-3A057DDE858C}" type="datetimeFigureOut">
               <a:rPr lang="pt-BR" smtClean="0"/>
-              <a:t>28/02/2019</a:t>
+              <a:t>01/03/2019</a:t>
             </a:fld>
             <a:endParaRPr lang="pt-BR"/>
           </a:p>
@@ -1588,7 +1588,7 @@
           <a:p>
             <a:fld id="{26F57601-A94F-4415-BE12-3A057DDE858C}" type="datetimeFigureOut">
               <a:rPr lang="pt-BR" smtClean="0"/>
-              <a:t>28/02/2019</a:t>
+              <a:t>01/03/2019</a:t>
             </a:fld>
             <a:endParaRPr lang="pt-BR"/>
           </a:p>
@@ -1873,7 +1873,7 @@
           <a:p>
             <a:fld id="{26F57601-A94F-4415-BE12-3A057DDE858C}" type="datetimeFigureOut">
               <a:rPr lang="pt-BR" smtClean="0"/>
-              <a:t>28/02/2019</a:t>
+              <a:t>01/03/2019</a:t>
             </a:fld>
             <a:endParaRPr lang="pt-BR"/>
           </a:p>
@@ -2292,7 +2292,7 @@
           <a:p>
             <a:fld id="{26F57601-A94F-4415-BE12-3A057DDE858C}" type="datetimeFigureOut">
               <a:rPr lang="pt-BR" smtClean="0"/>
-              <a:t>28/02/2019</a:t>
+              <a:t>01/03/2019</a:t>
             </a:fld>
             <a:endParaRPr lang="pt-BR"/>
           </a:p>
@@ -2409,7 +2409,7 @@
           <a:p>
             <a:fld id="{26F57601-A94F-4415-BE12-3A057DDE858C}" type="datetimeFigureOut">
               <a:rPr lang="pt-BR" smtClean="0"/>
-              <a:t>28/02/2019</a:t>
+              <a:t>01/03/2019</a:t>
             </a:fld>
             <a:endParaRPr lang="pt-BR"/>
           </a:p>
@@ -2504,7 +2504,7 @@
           <a:p>
             <a:fld id="{26F57601-A94F-4415-BE12-3A057DDE858C}" type="datetimeFigureOut">
               <a:rPr lang="pt-BR" smtClean="0"/>
-              <a:t>28/02/2019</a:t>
+              <a:t>01/03/2019</a:t>
             </a:fld>
             <a:endParaRPr lang="pt-BR"/>
           </a:p>
@@ -2779,7 +2779,7 @@
           <a:p>
             <a:fld id="{26F57601-A94F-4415-BE12-3A057DDE858C}" type="datetimeFigureOut">
               <a:rPr lang="pt-BR" smtClean="0"/>
-              <a:t>28/02/2019</a:t>
+              <a:t>01/03/2019</a:t>
             </a:fld>
             <a:endParaRPr lang="pt-BR"/>
           </a:p>
@@ -3031,7 +3031,7 @@
           <a:p>
             <a:fld id="{26F57601-A94F-4415-BE12-3A057DDE858C}" type="datetimeFigureOut">
               <a:rPr lang="pt-BR" smtClean="0"/>
-              <a:t>28/02/2019</a:t>
+              <a:t>01/03/2019</a:t>
             </a:fld>
             <a:endParaRPr lang="pt-BR"/>
           </a:p>
@@ -3248,7 +3248,7 @@
           <a:p>
             <a:fld id="{26F57601-A94F-4415-BE12-3A057DDE858C}" type="datetimeFigureOut">
               <a:rPr lang="pt-BR" smtClean="0"/>
-              <a:t>28/02/2019</a:t>
+              <a:t>01/03/2019</a:t>
             </a:fld>
             <a:endParaRPr lang="pt-BR"/>
           </a:p>
@@ -3707,7 +3707,7 @@
               <p:cNvPr id="17" name="Balão de Pensamento: Nuvem 16">
                 <a:extLst>
                   <a:ext uri="{FF2B5EF4-FFF2-40B4-BE49-F238E27FC236}">
-                    <a16:creationId xmlns:a16="http://schemas.microsoft.com/office/drawing/2014/main" xmlns="" id="{5C57BA0A-9700-43BD-9104-CC30BC0DE381}"/>
+                    <a16:creationId xmlns="" xmlns:a16="http://schemas.microsoft.com/office/drawing/2014/main" id="{5C57BA0A-9700-43BD-9104-CC30BC0DE381}"/>
                   </a:ext>
                 </a:extLst>
               </p:cNvPr>
@@ -3775,7 +3775,7 @@
               <p:cNvPr id="96" name="Agrupar 15">
                 <a:extLst>
                   <a:ext uri="{FF2B5EF4-FFF2-40B4-BE49-F238E27FC236}">
-                    <a16:creationId xmlns:a16="http://schemas.microsoft.com/office/drawing/2014/main" xmlns="" id="{CDA0B437-9E5C-43AF-AD41-CFFD83C35D59}"/>
+                    <a16:creationId xmlns="" xmlns:a16="http://schemas.microsoft.com/office/drawing/2014/main" id="{CDA0B437-9E5C-43AF-AD41-CFFD83C35D59}"/>
                   </a:ext>
                 </a:extLst>
               </p:cNvPr>
@@ -4780,7 +4780,7 @@
               <p:cNvPr id="16" name="Agrupar 15">
                 <a:extLst>
                   <a:ext uri="{FF2B5EF4-FFF2-40B4-BE49-F238E27FC236}">
-                    <a16:creationId xmlns:a16="http://schemas.microsoft.com/office/drawing/2014/main" xmlns="" id="{CDA0B437-9E5C-43AF-AD41-CFFD83C35D59}"/>
+                    <a16:creationId xmlns="" xmlns:a16="http://schemas.microsoft.com/office/drawing/2014/main" id="{CDA0B437-9E5C-43AF-AD41-CFFD83C35D59}"/>
                   </a:ext>
                 </a:extLst>
               </p:cNvPr>
@@ -15412,225 +15412,175 @@
           </a:p>
         </p:txBody>
       </p:sp>
-      <p:sp>
-        <p:nvSpPr>
-          <p:cNvPr id="252" name="CaixaDeTexto 251"/>
-          <p:cNvSpPr txBox="1"/>
+      <p:grpSp>
+        <p:nvGrpSpPr>
+          <p:cNvPr id="3" name="Grupo 2"/>
+          <p:cNvGrpSpPr/>
           <p:nvPr/>
-        </p:nvSpPr>
-        <p:spPr>
+        </p:nvGrpSpPr>
+        <p:grpSpPr>
           <a:xfrm>
-            <a:off x="1023513" y="765052"/>
-            <a:ext cx="4155305" cy="584775"/>
+            <a:off x="1023513" y="582852"/>
+            <a:ext cx="4155305" cy="955509"/>
+            <a:chOff x="1023513" y="582852"/>
+            <a:chExt cx="4155305" cy="955509"/>
           </a:xfrm>
-          <a:prstGeom prst="rect">
-            <a:avLst/>
-          </a:prstGeom>
-          <a:noFill/>
-          <a:effectLst/>
-        </p:spPr>
-        <p:txBody>
-          <a:bodyPr wrap="square" rtlCol="0">
-            <a:spAutoFit/>
-          </a:bodyPr>
-          <a:lstStyle/>
-          <a:p>
-            <a:r>
-              <a:rPr lang="pt-BR" sz="3200" b="1" dirty="0">
-                <a:solidFill>
-                  <a:srgbClr val="893BC3"/>
-                </a:solidFill>
-                <a:latin typeface="Century Gothic" panose="020B0502020202020204" pitchFamily="34" charset="0"/>
-              </a:rPr>
-              <a:t>DISCUS</a:t>
-            </a:r>
-            <a:r>
-              <a:rPr lang="pt-BR" sz="3200" b="1" dirty="0">
+        </p:grpSpPr>
+        <p:sp>
+          <p:nvSpPr>
+            <p:cNvPr id="252" name="CaixaDeTexto 251"/>
+            <p:cNvSpPr txBox="1"/>
+            <p:nvPr/>
+          </p:nvSpPr>
+          <p:spPr>
+            <a:xfrm>
+              <a:off x="1023513" y="765052"/>
+              <a:ext cx="4155305" cy="584775"/>
+            </a:xfrm>
+            <a:prstGeom prst="rect">
+              <a:avLst/>
+            </a:prstGeom>
+            <a:noFill/>
+            <a:effectLst/>
+          </p:spPr>
+          <p:txBody>
+            <a:bodyPr wrap="square" rtlCol="0">
+              <a:spAutoFit/>
+            </a:bodyPr>
+            <a:lstStyle/>
+            <a:p>
+              <a:r>
+                <a:rPr lang="pt-BR" sz="3200" b="1" dirty="0">
+                  <a:solidFill>
+                    <a:srgbClr val="893BC3"/>
+                  </a:solidFill>
+                  <a:latin typeface="Century Gothic" panose="020B0502020202020204" pitchFamily="34" charset="0"/>
+                </a:rPr>
+                <a:t>DISCUS</a:t>
+              </a:r>
+              <a:r>
+                <a:rPr lang="pt-BR" sz="3200" b="1" dirty="0">
+                  <a:solidFill>
+                    <a:schemeClr val="bg1"/>
+                  </a:solidFill>
+                  <a:latin typeface="Century Gothic" panose="020B0502020202020204" pitchFamily="34" charset="0"/>
+                </a:rPr>
+                <a:t>SEX</a:t>
+              </a:r>
+              <a:endParaRPr lang="pt-BR" sz="1000" b="1" dirty="0">
                 <a:solidFill>
                   <a:schemeClr val="bg1"/>
                 </a:solidFill>
                 <a:latin typeface="Century Gothic" panose="020B0502020202020204" pitchFamily="34" charset="0"/>
-              </a:rPr>
-              <a:t>SEX</a:t>
-            </a:r>
-            <a:endParaRPr lang="pt-BR" sz="1000" b="1" dirty="0">
-              <a:solidFill>
-                <a:schemeClr val="bg1"/>
-              </a:solidFill>
-              <a:latin typeface="Century Gothic" panose="020B0502020202020204" pitchFamily="34" charset="0"/>
-            </a:endParaRPr>
-          </a:p>
-        </p:txBody>
-      </p:sp>
-      <p:sp>
-        <p:nvSpPr>
-          <p:cNvPr id="253" name="Balão de Pensamento: Nuvem 16">
-            <a:extLst>
-              <a:ext uri="{FF2B5EF4-FFF2-40B4-BE49-F238E27FC236}">
-                <a16:creationId xmlns:a16="http://schemas.microsoft.com/office/drawing/2014/main" xmlns="" id="{5C57BA0A-9700-43BD-9104-CC30BC0DE381}"/>
-              </a:ext>
-            </a:extLst>
-          </p:cNvPr>
-          <p:cNvSpPr/>
-          <p:nvPr/>
-        </p:nvSpPr>
-        <p:spPr>
-          <a:xfrm>
-            <a:off x="1330544" y="589303"/>
-            <a:ext cx="360040" cy="269359"/>
-          </a:xfrm>
-          <a:prstGeom prst="cloudCallout">
-            <a:avLst>
-              <a:gd name="adj1" fmla="val -5084"/>
-              <a:gd name="adj2" fmla="val 57074"/>
-            </a:avLst>
-          </a:prstGeom>
-          <a:solidFill>
-            <a:srgbClr val="893BC3"/>
-          </a:solidFill>
-          <a:ln>
-            <a:noFill/>
-          </a:ln>
-        </p:spPr>
-        <p:style>
-          <a:lnRef idx="2">
-            <a:schemeClr val="accent1">
-              <a:shade val="50000"/>
-            </a:schemeClr>
-          </a:lnRef>
-          <a:fillRef idx="1">
-            <a:schemeClr val="accent1"/>
-          </a:fillRef>
-          <a:effectRef idx="0">
-            <a:schemeClr val="accent1"/>
-          </a:effectRef>
-          <a:fontRef idx="minor">
-            <a:schemeClr val="lt1"/>
-          </a:fontRef>
-        </p:style>
-        <p:txBody>
-          <a:bodyPr rtlCol="0" anchor="ctr"/>
-          <a:lstStyle/>
-          <a:p>
-            <a:pPr algn="ctr"/>
-            <a:endParaRPr lang="pt-BR"/>
-          </a:p>
-        </p:txBody>
-      </p:sp>
-      <p:grpSp>
-        <p:nvGrpSpPr>
-          <p:cNvPr id="254" name="Grupo 253"/>
-          <p:cNvGrpSpPr/>
-          <p:nvPr/>
-        </p:nvGrpSpPr>
-        <p:grpSpPr>
-          <a:xfrm rot="503187">
-            <a:off x="3408120" y="582852"/>
-            <a:ext cx="878010" cy="955509"/>
-            <a:chOff x="-180528" y="2276873"/>
-            <a:chExt cx="2857570" cy="3024336"/>
-          </a:xfrm>
-          <a:effectLst/>
-        </p:grpSpPr>
-        <p:grpSp>
-          <p:nvGrpSpPr>
-            <p:cNvPr id="255" name="Agrupar 15">
+              </a:endParaRPr>
+            </a:p>
+          </p:txBody>
+        </p:sp>
+        <p:sp>
+          <p:nvSpPr>
+            <p:cNvPr id="253" name="Balão de Pensamento: Nuvem 16">
               <a:extLst>
                 <a:ext uri="{FF2B5EF4-FFF2-40B4-BE49-F238E27FC236}">
-                  <a16:creationId xmlns:a16="http://schemas.microsoft.com/office/drawing/2014/main" xmlns="" id="{CDA0B437-9E5C-43AF-AD41-CFFD83C35D59}"/>
+                  <a16:creationId xmlns="" xmlns:a16="http://schemas.microsoft.com/office/drawing/2014/main" id="{5C57BA0A-9700-43BD-9104-CC30BC0DE381}"/>
                 </a:ext>
               </a:extLst>
             </p:cNvPr>
+            <p:cNvSpPr/>
+            <p:nvPr/>
+          </p:nvSpPr>
+          <p:spPr>
+            <a:xfrm>
+              <a:off x="1330544" y="589303"/>
+              <a:ext cx="360040" cy="269359"/>
+            </a:xfrm>
+            <a:prstGeom prst="cloudCallout">
+              <a:avLst>
+                <a:gd name="adj1" fmla="val -5084"/>
+                <a:gd name="adj2" fmla="val 57074"/>
+              </a:avLst>
+            </a:prstGeom>
+            <a:solidFill>
+              <a:srgbClr val="893BC3"/>
+            </a:solidFill>
+            <a:ln>
+              <a:noFill/>
+            </a:ln>
+          </p:spPr>
+          <p:style>
+            <a:lnRef idx="2">
+              <a:schemeClr val="accent1">
+                <a:shade val="50000"/>
+              </a:schemeClr>
+            </a:lnRef>
+            <a:fillRef idx="1">
+              <a:schemeClr val="accent1"/>
+            </a:fillRef>
+            <a:effectRef idx="0">
+              <a:schemeClr val="accent1"/>
+            </a:effectRef>
+            <a:fontRef idx="minor">
+              <a:schemeClr val="lt1"/>
+            </a:fontRef>
+          </p:style>
+          <p:txBody>
+            <a:bodyPr rtlCol="0" anchor="ctr"/>
+            <a:lstStyle/>
+            <a:p>
+              <a:pPr algn="ctr"/>
+              <a:endParaRPr lang="pt-BR"/>
+            </a:p>
+          </p:txBody>
+        </p:sp>
+        <p:grpSp>
+          <p:nvGrpSpPr>
+            <p:cNvPr id="254" name="Grupo 253"/>
             <p:cNvGrpSpPr/>
             <p:nvPr/>
           </p:nvGrpSpPr>
           <p:grpSpPr>
-            <a:xfrm>
-              <a:off x="-180528" y="2276873"/>
-              <a:ext cx="2857570" cy="3024336"/>
-              <a:chOff x="3787349" y="611219"/>
-              <a:chExt cx="2714217" cy="2854593"/>
+            <a:xfrm rot="503187">
+              <a:off x="3408120" y="582852"/>
+              <a:ext cx="878010" cy="955509"/>
+              <a:chOff x="-180528" y="2276873"/>
+              <a:chExt cx="2857570" cy="3024336"/>
             </a:xfrm>
-            <a:solidFill>
-              <a:srgbClr val="7A34AE"/>
-            </a:solidFill>
+            <a:effectLst/>
           </p:grpSpPr>
-          <p:sp>
-            <p:nvSpPr>
-              <p:cNvPr id="294" name="Retângulo 293"/>
-              <p:cNvSpPr/>
-              <p:nvPr/>
-            </p:nvSpPr>
-            <p:spPr>
-              <a:xfrm>
-                <a:off x="3792719" y="708149"/>
-                <a:ext cx="2703477" cy="2664296"/>
-              </a:xfrm>
-              <a:prstGeom prst="rect">
-                <a:avLst/>
-              </a:prstGeom>
-              <a:grpFill/>
-              <a:ln>
-                <a:noFill/>
-              </a:ln>
-              <a:effectLst/>
-            </p:spPr>
-            <p:style>
-              <a:lnRef idx="2">
-                <a:schemeClr val="accent1">
-                  <a:shade val="50000"/>
-                </a:schemeClr>
-              </a:lnRef>
-              <a:fillRef idx="1">
-                <a:schemeClr val="accent1"/>
-              </a:fillRef>
-              <a:effectRef idx="0">
-                <a:schemeClr val="accent1"/>
-              </a:effectRef>
-              <a:fontRef idx="minor">
-                <a:schemeClr val="lt1"/>
-              </a:fontRef>
-            </p:style>
-            <p:txBody>
-              <a:bodyPr rtlCol="0" anchor="ctr"/>
-              <a:lstStyle/>
-              <a:p>
-                <a:pPr algn="ctr"/>
-                <a:endParaRPr lang="pt-BR">
-                  <a:solidFill>
-                    <a:srgbClr val="9900FF"/>
-                  </a:solidFill>
-                </a:endParaRPr>
-              </a:p>
-            </p:txBody>
-          </p:sp>
           <p:grpSp>
             <p:nvGrpSpPr>
-              <p:cNvPr id="295" name="Grupo 294"/>
+              <p:cNvPr id="255" name="Agrupar 15">
+                <a:extLst>
+                  <a:ext uri="{FF2B5EF4-FFF2-40B4-BE49-F238E27FC236}">
+                    <a16:creationId xmlns="" xmlns:a16="http://schemas.microsoft.com/office/drawing/2014/main" id="{CDA0B437-9E5C-43AF-AD41-CFFD83C35D59}"/>
+                  </a:ext>
+                </a:extLst>
+              </p:cNvPr>
               <p:cNvGrpSpPr/>
               <p:nvPr/>
             </p:nvGrpSpPr>
             <p:grpSpPr>
               <a:xfrm>
-                <a:off x="3787349" y="611219"/>
-                <a:ext cx="2703476" cy="108012"/>
-                <a:chOff x="5952287" y="2088395"/>
-                <a:chExt cx="2850831" cy="216024"/>
+                <a:off x="-180528" y="2276873"/>
+                <a:ext cx="2857570" cy="3024336"/>
+                <a:chOff x="3787349" y="611219"/>
+                <a:chExt cx="2714217" cy="2854593"/>
               </a:xfrm>
-              <a:grpFill/>
+              <a:solidFill>
+                <a:srgbClr val="7A34AE"/>
+              </a:solidFill>
             </p:grpSpPr>
             <p:sp>
               <p:nvSpPr>
-                <p:cNvPr id="307" name="Triângulo isósceles 306"/>
+                <p:cNvPr id="294" name="Retângulo 293"/>
                 <p:cNvSpPr/>
                 <p:nvPr/>
               </p:nvSpPr>
               <p:spPr>
                 <a:xfrm>
-                  <a:off x="5952287" y="2088395"/>
-                  <a:ext cx="288032" cy="216024"/>
+                  <a:off x="3792719" y="708149"/>
+                  <a:ext cx="2703477" cy="2664296"/>
                 </a:xfrm>
-                <a:prstGeom prst="triangle">
+                <a:prstGeom prst="rect">
                   <a:avLst/>
                 </a:prstGeom>
                 <a:grpFill/>
@@ -15660,22 +15610,982 @@
                 <a:lstStyle/>
                 <a:p>
                   <a:pPr algn="ctr"/>
-                  <a:endParaRPr lang="pt-BR"/>
+                  <a:endParaRPr lang="pt-BR">
+                    <a:solidFill>
+                      <a:srgbClr val="9900FF"/>
+                    </a:solidFill>
+                  </a:endParaRPr>
                 </a:p>
               </p:txBody>
             </p:sp>
+            <p:grpSp>
+              <p:nvGrpSpPr>
+                <p:cNvPr id="295" name="Grupo 294"/>
+                <p:cNvGrpSpPr/>
+                <p:nvPr/>
+              </p:nvGrpSpPr>
+              <p:grpSpPr>
+                <a:xfrm>
+                  <a:off x="3787349" y="611219"/>
+                  <a:ext cx="2703476" cy="108012"/>
+                  <a:chOff x="5952287" y="2088395"/>
+                  <a:chExt cx="2850831" cy="216024"/>
+                </a:xfrm>
+                <a:grpFill/>
+              </p:grpSpPr>
+              <p:sp>
+                <p:nvSpPr>
+                  <p:cNvPr id="307" name="Triângulo isósceles 306"/>
+                  <p:cNvSpPr/>
+                  <p:nvPr/>
+                </p:nvSpPr>
+                <p:spPr>
+                  <a:xfrm>
+                    <a:off x="5952287" y="2088395"/>
+                    <a:ext cx="288032" cy="216024"/>
+                  </a:xfrm>
+                  <a:prstGeom prst="triangle">
+                    <a:avLst/>
+                  </a:prstGeom>
+                  <a:grpFill/>
+                  <a:ln>
+                    <a:noFill/>
+                  </a:ln>
+                  <a:effectLst/>
+                </p:spPr>
+                <p:style>
+                  <a:lnRef idx="2">
+                    <a:schemeClr val="accent1">
+                      <a:shade val="50000"/>
+                    </a:schemeClr>
+                  </a:lnRef>
+                  <a:fillRef idx="1">
+                    <a:schemeClr val="accent1"/>
+                  </a:fillRef>
+                  <a:effectRef idx="0">
+                    <a:schemeClr val="accent1"/>
+                  </a:effectRef>
+                  <a:fontRef idx="minor">
+                    <a:schemeClr val="lt1"/>
+                  </a:fontRef>
+                </p:style>
+                <p:txBody>
+                  <a:bodyPr rtlCol="0" anchor="ctr"/>
+                  <a:lstStyle/>
+                  <a:p>
+                    <a:pPr algn="ctr"/>
+                    <a:endParaRPr lang="pt-BR"/>
+                  </a:p>
+                </p:txBody>
+              </p:sp>
+              <p:sp>
+                <p:nvSpPr>
+                  <p:cNvPr id="308" name="Triângulo isósceles 307"/>
+                  <p:cNvSpPr/>
+                  <p:nvPr/>
+                </p:nvSpPr>
+                <p:spPr>
+                  <a:xfrm>
+                    <a:off x="6241783" y="2088395"/>
+                    <a:ext cx="288032" cy="216024"/>
+                  </a:xfrm>
+                  <a:prstGeom prst="triangle">
+                    <a:avLst/>
+                  </a:prstGeom>
+                  <a:grpFill/>
+                  <a:ln>
+                    <a:noFill/>
+                  </a:ln>
+                  <a:effectLst/>
+                </p:spPr>
+                <p:style>
+                  <a:lnRef idx="2">
+                    <a:schemeClr val="accent1">
+                      <a:shade val="50000"/>
+                    </a:schemeClr>
+                  </a:lnRef>
+                  <a:fillRef idx="1">
+                    <a:schemeClr val="accent1"/>
+                  </a:fillRef>
+                  <a:effectRef idx="0">
+                    <a:schemeClr val="accent1"/>
+                  </a:effectRef>
+                  <a:fontRef idx="minor">
+                    <a:schemeClr val="lt1"/>
+                  </a:fontRef>
+                </p:style>
+                <p:txBody>
+                  <a:bodyPr rtlCol="0" anchor="ctr"/>
+                  <a:lstStyle/>
+                  <a:p>
+                    <a:pPr algn="ctr"/>
+                    <a:endParaRPr lang="pt-BR"/>
+                  </a:p>
+                </p:txBody>
+              </p:sp>
+              <p:sp>
+                <p:nvSpPr>
+                  <p:cNvPr id="309" name="Triângulo isósceles 308"/>
+                  <p:cNvSpPr/>
+                  <p:nvPr/>
+                </p:nvSpPr>
+                <p:spPr>
+                  <a:xfrm>
+                    <a:off x="6520839" y="2088395"/>
+                    <a:ext cx="288032" cy="216024"/>
+                  </a:xfrm>
+                  <a:prstGeom prst="triangle">
+                    <a:avLst/>
+                  </a:prstGeom>
+                  <a:grpFill/>
+                  <a:ln>
+                    <a:noFill/>
+                  </a:ln>
+                  <a:effectLst/>
+                </p:spPr>
+                <p:style>
+                  <a:lnRef idx="2">
+                    <a:schemeClr val="accent1">
+                      <a:shade val="50000"/>
+                    </a:schemeClr>
+                  </a:lnRef>
+                  <a:fillRef idx="1">
+                    <a:schemeClr val="accent1"/>
+                  </a:fillRef>
+                  <a:effectRef idx="0">
+                    <a:schemeClr val="accent1"/>
+                  </a:effectRef>
+                  <a:fontRef idx="minor">
+                    <a:schemeClr val="lt1"/>
+                  </a:fontRef>
+                </p:style>
+                <p:txBody>
+                  <a:bodyPr rtlCol="0" anchor="ctr"/>
+                  <a:lstStyle/>
+                  <a:p>
+                    <a:pPr algn="ctr"/>
+                    <a:endParaRPr lang="pt-BR"/>
+                  </a:p>
+                </p:txBody>
+              </p:sp>
+              <p:sp>
+                <p:nvSpPr>
+                  <p:cNvPr id="310" name="Triângulo isósceles 309"/>
+                  <p:cNvSpPr/>
+                  <p:nvPr/>
+                </p:nvSpPr>
+                <p:spPr>
+                  <a:xfrm>
+                    <a:off x="6786042" y="2088395"/>
+                    <a:ext cx="288032" cy="216024"/>
+                  </a:xfrm>
+                  <a:prstGeom prst="triangle">
+                    <a:avLst/>
+                  </a:prstGeom>
+                  <a:grpFill/>
+                  <a:ln>
+                    <a:noFill/>
+                  </a:ln>
+                  <a:effectLst/>
+                </p:spPr>
+                <p:style>
+                  <a:lnRef idx="2">
+                    <a:schemeClr val="accent1">
+                      <a:shade val="50000"/>
+                    </a:schemeClr>
+                  </a:lnRef>
+                  <a:fillRef idx="1">
+                    <a:schemeClr val="accent1"/>
+                  </a:fillRef>
+                  <a:effectRef idx="0">
+                    <a:schemeClr val="accent1"/>
+                  </a:effectRef>
+                  <a:fontRef idx="minor">
+                    <a:schemeClr val="lt1"/>
+                  </a:fontRef>
+                </p:style>
+                <p:txBody>
+                  <a:bodyPr rtlCol="0" anchor="ctr"/>
+                  <a:lstStyle/>
+                  <a:p>
+                    <a:pPr algn="ctr"/>
+                    <a:endParaRPr lang="pt-BR"/>
+                  </a:p>
+                </p:txBody>
+              </p:sp>
+              <p:sp>
+                <p:nvSpPr>
+                  <p:cNvPr id="311" name="Triângulo isósceles 310"/>
+                  <p:cNvSpPr/>
+                  <p:nvPr/>
+                </p:nvSpPr>
+                <p:spPr>
+                  <a:xfrm>
+                    <a:off x="7057306" y="2088395"/>
+                    <a:ext cx="288032" cy="216024"/>
+                  </a:xfrm>
+                  <a:prstGeom prst="triangle">
+                    <a:avLst/>
+                  </a:prstGeom>
+                  <a:grpFill/>
+                  <a:ln>
+                    <a:noFill/>
+                  </a:ln>
+                  <a:effectLst/>
+                </p:spPr>
+                <p:style>
+                  <a:lnRef idx="2">
+                    <a:schemeClr val="accent1">
+                      <a:shade val="50000"/>
+                    </a:schemeClr>
+                  </a:lnRef>
+                  <a:fillRef idx="1">
+                    <a:schemeClr val="accent1"/>
+                  </a:fillRef>
+                  <a:effectRef idx="0">
+                    <a:schemeClr val="accent1"/>
+                  </a:effectRef>
+                  <a:fontRef idx="minor">
+                    <a:schemeClr val="lt1"/>
+                  </a:fontRef>
+                </p:style>
+                <p:txBody>
+                  <a:bodyPr rtlCol="0" anchor="ctr"/>
+                  <a:lstStyle/>
+                  <a:p>
+                    <a:pPr algn="ctr"/>
+                    <a:endParaRPr lang="pt-BR"/>
+                  </a:p>
+                </p:txBody>
+              </p:sp>
+              <p:sp>
+                <p:nvSpPr>
+                  <p:cNvPr id="312" name="Triângulo isósceles 311"/>
+                  <p:cNvSpPr/>
+                  <p:nvPr/>
+                </p:nvSpPr>
+                <p:spPr>
+                  <a:xfrm>
+                    <a:off x="7358127" y="2088395"/>
+                    <a:ext cx="288032" cy="216024"/>
+                  </a:xfrm>
+                  <a:prstGeom prst="triangle">
+                    <a:avLst/>
+                  </a:prstGeom>
+                  <a:grpFill/>
+                  <a:ln>
+                    <a:noFill/>
+                  </a:ln>
+                  <a:effectLst/>
+                </p:spPr>
+                <p:style>
+                  <a:lnRef idx="2">
+                    <a:schemeClr val="accent1">
+                      <a:shade val="50000"/>
+                    </a:schemeClr>
+                  </a:lnRef>
+                  <a:fillRef idx="1">
+                    <a:schemeClr val="accent1"/>
+                  </a:fillRef>
+                  <a:effectRef idx="0">
+                    <a:schemeClr val="accent1"/>
+                  </a:effectRef>
+                  <a:fontRef idx="minor">
+                    <a:schemeClr val="lt1"/>
+                  </a:fontRef>
+                </p:style>
+                <p:txBody>
+                  <a:bodyPr rtlCol="0" anchor="ctr"/>
+                  <a:lstStyle/>
+                  <a:p>
+                    <a:pPr algn="ctr"/>
+                    <a:endParaRPr lang="pt-BR"/>
+                  </a:p>
+                </p:txBody>
+              </p:sp>
+              <p:sp>
+                <p:nvSpPr>
+                  <p:cNvPr id="313" name="Triângulo isósceles 312"/>
+                  <p:cNvSpPr/>
+                  <p:nvPr/>
+                </p:nvSpPr>
+                <p:spPr>
+                  <a:xfrm>
+                    <a:off x="7628725" y="2088395"/>
+                    <a:ext cx="288032" cy="216024"/>
+                  </a:xfrm>
+                  <a:prstGeom prst="triangle">
+                    <a:avLst/>
+                  </a:prstGeom>
+                  <a:grpFill/>
+                  <a:ln>
+                    <a:noFill/>
+                  </a:ln>
+                  <a:effectLst/>
+                </p:spPr>
+                <p:style>
+                  <a:lnRef idx="2">
+                    <a:schemeClr val="accent1">
+                      <a:shade val="50000"/>
+                    </a:schemeClr>
+                  </a:lnRef>
+                  <a:fillRef idx="1">
+                    <a:schemeClr val="accent1"/>
+                  </a:fillRef>
+                  <a:effectRef idx="0">
+                    <a:schemeClr val="accent1"/>
+                  </a:effectRef>
+                  <a:fontRef idx="minor">
+                    <a:schemeClr val="lt1"/>
+                  </a:fontRef>
+                </p:style>
+                <p:txBody>
+                  <a:bodyPr rtlCol="0" anchor="ctr"/>
+                  <a:lstStyle/>
+                  <a:p>
+                    <a:pPr algn="ctr"/>
+                    <a:endParaRPr lang="pt-BR"/>
+                  </a:p>
+                </p:txBody>
+              </p:sp>
+              <p:sp>
+                <p:nvSpPr>
+                  <p:cNvPr id="314" name="Triângulo isósceles 313"/>
+                  <p:cNvSpPr/>
+                  <p:nvPr/>
+                </p:nvSpPr>
+                <p:spPr>
+                  <a:xfrm>
+                    <a:off x="7939022" y="2088395"/>
+                    <a:ext cx="288032" cy="216024"/>
+                  </a:xfrm>
+                  <a:prstGeom prst="triangle">
+                    <a:avLst/>
+                  </a:prstGeom>
+                  <a:grpFill/>
+                  <a:ln>
+                    <a:noFill/>
+                  </a:ln>
+                  <a:effectLst/>
+                </p:spPr>
+                <p:style>
+                  <a:lnRef idx="2">
+                    <a:schemeClr val="accent1">
+                      <a:shade val="50000"/>
+                    </a:schemeClr>
+                  </a:lnRef>
+                  <a:fillRef idx="1">
+                    <a:schemeClr val="accent1"/>
+                  </a:fillRef>
+                  <a:effectRef idx="0">
+                    <a:schemeClr val="accent1"/>
+                  </a:effectRef>
+                  <a:fontRef idx="minor">
+                    <a:schemeClr val="lt1"/>
+                  </a:fontRef>
+                </p:style>
+                <p:txBody>
+                  <a:bodyPr rtlCol="0" anchor="ctr"/>
+                  <a:lstStyle/>
+                  <a:p>
+                    <a:pPr algn="ctr"/>
+                    <a:endParaRPr lang="pt-BR"/>
+                  </a:p>
+                </p:txBody>
+              </p:sp>
+              <p:sp>
+                <p:nvSpPr>
+                  <p:cNvPr id="315" name="Triângulo isósceles 314"/>
+                  <p:cNvSpPr/>
+                  <p:nvPr/>
+                </p:nvSpPr>
+                <p:spPr>
+                  <a:xfrm>
+                    <a:off x="8227054" y="2088395"/>
+                    <a:ext cx="288032" cy="216024"/>
+                  </a:xfrm>
+                  <a:prstGeom prst="triangle">
+                    <a:avLst/>
+                  </a:prstGeom>
+                  <a:grpFill/>
+                  <a:ln>
+                    <a:noFill/>
+                  </a:ln>
+                  <a:effectLst/>
+                </p:spPr>
+                <p:style>
+                  <a:lnRef idx="2">
+                    <a:schemeClr val="accent1">
+                      <a:shade val="50000"/>
+                    </a:schemeClr>
+                  </a:lnRef>
+                  <a:fillRef idx="1">
+                    <a:schemeClr val="accent1"/>
+                  </a:fillRef>
+                  <a:effectRef idx="0">
+                    <a:schemeClr val="accent1"/>
+                  </a:effectRef>
+                  <a:fontRef idx="minor">
+                    <a:schemeClr val="lt1"/>
+                  </a:fontRef>
+                </p:style>
+                <p:txBody>
+                  <a:bodyPr rtlCol="0" anchor="ctr"/>
+                  <a:lstStyle/>
+                  <a:p>
+                    <a:pPr algn="ctr"/>
+                    <a:endParaRPr lang="pt-BR"/>
+                  </a:p>
+                </p:txBody>
+              </p:sp>
+              <p:sp>
+                <p:nvSpPr>
+                  <p:cNvPr id="316" name="Triângulo isósceles 315"/>
+                  <p:cNvSpPr/>
+                  <p:nvPr/>
+                </p:nvSpPr>
+                <p:spPr>
+                  <a:xfrm>
+                    <a:off x="8515086" y="2088395"/>
+                    <a:ext cx="288032" cy="216024"/>
+                  </a:xfrm>
+                  <a:prstGeom prst="triangle">
+                    <a:avLst/>
+                  </a:prstGeom>
+                  <a:grpFill/>
+                  <a:ln>
+                    <a:noFill/>
+                  </a:ln>
+                  <a:effectLst/>
+                </p:spPr>
+                <p:style>
+                  <a:lnRef idx="2">
+                    <a:schemeClr val="accent1">
+                      <a:shade val="50000"/>
+                    </a:schemeClr>
+                  </a:lnRef>
+                  <a:fillRef idx="1">
+                    <a:schemeClr val="accent1"/>
+                  </a:fillRef>
+                  <a:effectRef idx="0">
+                    <a:schemeClr val="accent1"/>
+                  </a:effectRef>
+                  <a:fontRef idx="minor">
+                    <a:schemeClr val="lt1"/>
+                  </a:fontRef>
+                </p:style>
+                <p:txBody>
+                  <a:bodyPr rtlCol="0" anchor="ctr"/>
+                  <a:lstStyle/>
+                  <a:p>
+                    <a:pPr algn="ctr"/>
+                    <a:endParaRPr lang="pt-BR"/>
+                  </a:p>
+                </p:txBody>
+              </p:sp>
+            </p:grpSp>
+            <p:grpSp>
+              <p:nvGrpSpPr>
+                <p:cNvPr id="296" name="Grupo 295"/>
+                <p:cNvGrpSpPr/>
+                <p:nvPr/>
+              </p:nvGrpSpPr>
+              <p:grpSpPr>
+                <a:xfrm rot="10800000">
+                  <a:off x="3798090" y="3357800"/>
+                  <a:ext cx="2703476" cy="108012"/>
+                  <a:chOff x="5952287" y="2088395"/>
+                  <a:chExt cx="2850831" cy="216024"/>
+                </a:xfrm>
+                <a:grpFill/>
+              </p:grpSpPr>
+              <p:sp>
+                <p:nvSpPr>
+                  <p:cNvPr id="297" name="Triângulo isósceles 296"/>
+                  <p:cNvSpPr/>
+                  <p:nvPr/>
+                </p:nvSpPr>
+                <p:spPr>
+                  <a:xfrm>
+                    <a:off x="5952287" y="2088395"/>
+                    <a:ext cx="288032" cy="216024"/>
+                  </a:xfrm>
+                  <a:prstGeom prst="triangle">
+                    <a:avLst/>
+                  </a:prstGeom>
+                  <a:grpFill/>
+                  <a:ln>
+                    <a:noFill/>
+                  </a:ln>
+                  <a:effectLst/>
+                </p:spPr>
+                <p:style>
+                  <a:lnRef idx="2">
+                    <a:schemeClr val="accent1">
+                      <a:shade val="50000"/>
+                    </a:schemeClr>
+                  </a:lnRef>
+                  <a:fillRef idx="1">
+                    <a:schemeClr val="accent1"/>
+                  </a:fillRef>
+                  <a:effectRef idx="0">
+                    <a:schemeClr val="accent1"/>
+                  </a:effectRef>
+                  <a:fontRef idx="minor">
+                    <a:schemeClr val="lt1"/>
+                  </a:fontRef>
+                </p:style>
+                <p:txBody>
+                  <a:bodyPr rtlCol="0" anchor="ctr"/>
+                  <a:lstStyle/>
+                  <a:p>
+                    <a:pPr algn="ctr"/>
+                    <a:endParaRPr lang="pt-BR"/>
+                  </a:p>
+                </p:txBody>
+              </p:sp>
+              <p:sp>
+                <p:nvSpPr>
+                  <p:cNvPr id="298" name="Triângulo isósceles 297"/>
+                  <p:cNvSpPr/>
+                  <p:nvPr/>
+                </p:nvSpPr>
+                <p:spPr>
+                  <a:xfrm>
+                    <a:off x="6241783" y="2088395"/>
+                    <a:ext cx="288032" cy="216024"/>
+                  </a:xfrm>
+                  <a:prstGeom prst="triangle">
+                    <a:avLst/>
+                  </a:prstGeom>
+                  <a:grpFill/>
+                  <a:ln>
+                    <a:noFill/>
+                  </a:ln>
+                  <a:effectLst/>
+                </p:spPr>
+                <p:style>
+                  <a:lnRef idx="2">
+                    <a:schemeClr val="accent1">
+                      <a:shade val="50000"/>
+                    </a:schemeClr>
+                  </a:lnRef>
+                  <a:fillRef idx="1">
+                    <a:schemeClr val="accent1"/>
+                  </a:fillRef>
+                  <a:effectRef idx="0">
+                    <a:schemeClr val="accent1"/>
+                  </a:effectRef>
+                  <a:fontRef idx="minor">
+                    <a:schemeClr val="lt1"/>
+                  </a:fontRef>
+                </p:style>
+                <p:txBody>
+                  <a:bodyPr rtlCol="0" anchor="ctr"/>
+                  <a:lstStyle/>
+                  <a:p>
+                    <a:pPr algn="ctr"/>
+                    <a:endParaRPr lang="pt-BR"/>
+                  </a:p>
+                </p:txBody>
+              </p:sp>
+              <p:sp>
+                <p:nvSpPr>
+                  <p:cNvPr id="299" name="Triângulo isósceles 298"/>
+                  <p:cNvSpPr/>
+                  <p:nvPr/>
+                </p:nvSpPr>
+                <p:spPr>
+                  <a:xfrm>
+                    <a:off x="6520839" y="2088395"/>
+                    <a:ext cx="288032" cy="216024"/>
+                  </a:xfrm>
+                  <a:prstGeom prst="triangle">
+                    <a:avLst/>
+                  </a:prstGeom>
+                  <a:grpFill/>
+                  <a:ln>
+                    <a:noFill/>
+                  </a:ln>
+                  <a:effectLst/>
+                </p:spPr>
+                <p:style>
+                  <a:lnRef idx="2">
+                    <a:schemeClr val="accent1">
+                      <a:shade val="50000"/>
+                    </a:schemeClr>
+                  </a:lnRef>
+                  <a:fillRef idx="1">
+                    <a:schemeClr val="accent1"/>
+                  </a:fillRef>
+                  <a:effectRef idx="0">
+                    <a:schemeClr val="accent1"/>
+                  </a:effectRef>
+                  <a:fontRef idx="minor">
+                    <a:schemeClr val="lt1"/>
+                  </a:fontRef>
+                </p:style>
+                <p:txBody>
+                  <a:bodyPr rtlCol="0" anchor="ctr"/>
+                  <a:lstStyle/>
+                  <a:p>
+                    <a:pPr algn="ctr"/>
+                    <a:endParaRPr lang="pt-BR"/>
+                  </a:p>
+                </p:txBody>
+              </p:sp>
+              <p:sp>
+                <p:nvSpPr>
+                  <p:cNvPr id="300" name="Triângulo isósceles 299"/>
+                  <p:cNvSpPr/>
+                  <p:nvPr/>
+                </p:nvSpPr>
+                <p:spPr>
+                  <a:xfrm>
+                    <a:off x="6786042" y="2088395"/>
+                    <a:ext cx="288032" cy="216024"/>
+                  </a:xfrm>
+                  <a:prstGeom prst="triangle">
+                    <a:avLst/>
+                  </a:prstGeom>
+                  <a:grpFill/>
+                  <a:ln>
+                    <a:noFill/>
+                  </a:ln>
+                  <a:effectLst/>
+                </p:spPr>
+                <p:style>
+                  <a:lnRef idx="2">
+                    <a:schemeClr val="accent1">
+                      <a:shade val="50000"/>
+                    </a:schemeClr>
+                  </a:lnRef>
+                  <a:fillRef idx="1">
+                    <a:schemeClr val="accent1"/>
+                  </a:fillRef>
+                  <a:effectRef idx="0">
+                    <a:schemeClr val="accent1"/>
+                  </a:effectRef>
+                  <a:fontRef idx="minor">
+                    <a:schemeClr val="lt1"/>
+                  </a:fontRef>
+                </p:style>
+                <p:txBody>
+                  <a:bodyPr rtlCol="0" anchor="ctr"/>
+                  <a:lstStyle/>
+                  <a:p>
+                    <a:pPr algn="ctr"/>
+                    <a:endParaRPr lang="pt-BR"/>
+                  </a:p>
+                </p:txBody>
+              </p:sp>
+              <p:sp>
+                <p:nvSpPr>
+                  <p:cNvPr id="301" name="Triângulo isósceles 300"/>
+                  <p:cNvSpPr/>
+                  <p:nvPr/>
+                </p:nvSpPr>
+                <p:spPr>
+                  <a:xfrm>
+                    <a:off x="7057306" y="2088395"/>
+                    <a:ext cx="288032" cy="216024"/>
+                  </a:xfrm>
+                  <a:prstGeom prst="triangle">
+                    <a:avLst/>
+                  </a:prstGeom>
+                  <a:grpFill/>
+                  <a:ln>
+                    <a:noFill/>
+                  </a:ln>
+                  <a:effectLst/>
+                </p:spPr>
+                <p:style>
+                  <a:lnRef idx="2">
+                    <a:schemeClr val="accent1">
+                      <a:shade val="50000"/>
+                    </a:schemeClr>
+                  </a:lnRef>
+                  <a:fillRef idx="1">
+                    <a:schemeClr val="accent1"/>
+                  </a:fillRef>
+                  <a:effectRef idx="0">
+                    <a:schemeClr val="accent1"/>
+                  </a:effectRef>
+                  <a:fontRef idx="minor">
+                    <a:schemeClr val="lt1"/>
+                  </a:fontRef>
+                </p:style>
+                <p:txBody>
+                  <a:bodyPr rtlCol="0" anchor="ctr"/>
+                  <a:lstStyle/>
+                  <a:p>
+                    <a:pPr algn="ctr"/>
+                    <a:endParaRPr lang="pt-BR"/>
+                  </a:p>
+                </p:txBody>
+              </p:sp>
+              <p:sp>
+                <p:nvSpPr>
+                  <p:cNvPr id="302" name="Triângulo isósceles 301"/>
+                  <p:cNvSpPr/>
+                  <p:nvPr/>
+                </p:nvSpPr>
+                <p:spPr>
+                  <a:xfrm>
+                    <a:off x="7358127" y="2088395"/>
+                    <a:ext cx="288032" cy="216024"/>
+                  </a:xfrm>
+                  <a:prstGeom prst="triangle">
+                    <a:avLst/>
+                  </a:prstGeom>
+                  <a:grpFill/>
+                  <a:ln>
+                    <a:noFill/>
+                  </a:ln>
+                  <a:effectLst/>
+                </p:spPr>
+                <p:style>
+                  <a:lnRef idx="2">
+                    <a:schemeClr val="accent1">
+                      <a:shade val="50000"/>
+                    </a:schemeClr>
+                  </a:lnRef>
+                  <a:fillRef idx="1">
+                    <a:schemeClr val="accent1"/>
+                  </a:fillRef>
+                  <a:effectRef idx="0">
+                    <a:schemeClr val="accent1"/>
+                  </a:effectRef>
+                  <a:fontRef idx="minor">
+                    <a:schemeClr val="lt1"/>
+                  </a:fontRef>
+                </p:style>
+                <p:txBody>
+                  <a:bodyPr rtlCol="0" anchor="ctr"/>
+                  <a:lstStyle/>
+                  <a:p>
+                    <a:pPr algn="ctr"/>
+                    <a:endParaRPr lang="pt-BR"/>
+                  </a:p>
+                </p:txBody>
+              </p:sp>
+              <p:sp>
+                <p:nvSpPr>
+                  <p:cNvPr id="303" name="Triângulo isósceles 302"/>
+                  <p:cNvSpPr/>
+                  <p:nvPr/>
+                </p:nvSpPr>
+                <p:spPr>
+                  <a:xfrm>
+                    <a:off x="7628725" y="2088395"/>
+                    <a:ext cx="288032" cy="216024"/>
+                  </a:xfrm>
+                  <a:prstGeom prst="triangle">
+                    <a:avLst/>
+                  </a:prstGeom>
+                  <a:grpFill/>
+                  <a:ln>
+                    <a:noFill/>
+                  </a:ln>
+                  <a:effectLst/>
+                </p:spPr>
+                <p:style>
+                  <a:lnRef idx="2">
+                    <a:schemeClr val="accent1">
+                      <a:shade val="50000"/>
+                    </a:schemeClr>
+                  </a:lnRef>
+                  <a:fillRef idx="1">
+                    <a:schemeClr val="accent1"/>
+                  </a:fillRef>
+                  <a:effectRef idx="0">
+                    <a:schemeClr val="accent1"/>
+                  </a:effectRef>
+                  <a:fontRef idx="minor">
+                    <a:schemeClr val="lt1"/>
+                  </a:fontRef>
+                </p:style>
+                <p:txBody>
+                  <a:bodyPr rtlCol="0" anchor="ctr"/>
+                  <a:lstStyle/>
+                  <a:p>
+                    <a:pPr algn="ctr"/>
+                    <a:endParaRPr lang="pt-BR"/>
+                  </a:p>
+                </p:txBody>
+              </p:sp>
+              <p:sp>
+                <p:nvSpPr>
+                  <p:cNvPr id="304" name="Triângulo isósceles 303"/>
+                  <p:cNvSpPr/>
+                  <p:nvPr/>
+                </p:nvSpPr>
+                <p:spPr>
+                  <a:xfrm>
+                    <a:off x="7939022" y="2088395"/>
+                    <a:ext cx="288032" cy="216024"/>
+                  </a:xfrm>
+                  <a:prstGeom prst="triangle">
+                    <a:avLst/>
+                  </a:prstGeom>
+                  <a:grpFill/>
+                  <a:ln>
+                    <a:noFill/>
+                  </a:ln>
+                  <a:effectLst/>
+                </p:spPr>
+                <p:style>
+                  <a:lnRef idx="2">
+                    <a:schemeClr val="accent1">
+                      <a:shade val="50000"/>
+                    </a:schemeClr>
+                  </a:lnRef>
+                  <a:fillRef idx="1">
+                    <a:schemeClr val="accent1"/>
+                  </a:fillRef>
+                  <a:effectRef idx="0">
+                    <a:schemeClr val="accent1"/>
+                  </a:effectRef>
+                  <a:fontRef idx="minor">
+                    <a:schemeClr val="lt1"/>
+                  </a:fontRef>
+                </p:style>
+                <p:txBody>
+                  <a:bodyPr rtlCol="0" anchor="ctr"/>
+                  <a:lstStyle/>
+                  <a:p>
+                    <a:pPr algn="ctr"/>
+                    <a:endParaRPr lang="pt-BR"/>
+                  </a:p>
+                </p:txBody>
+              </p:sp>
+              <p:sp>
+                <p:nvSpPr>
+                  <p:cNvPr id="305" name="Triângulo isósceles 304"/>
+                  <p:cNvSpPr/>
+                  <p:nvPr/>
+                </p:nvSpPr>
+                <p:spPr>
+                  <a:xfrm>
+                    <a:off x="8227054" y="2088395"/>
+                    <a:ext cx="288032" cy="216024"/>
+                  </a:xfrm>
+                  <a:prstGeom prst="triangle">
+                    <a:avLst/>
+                  </a:prstGeom>
+                  <a:grpFill/>
+                  <a:ln>
+                    <a:noFill/>
+                  </a:ln>
+                  <a:effectLst/>
+                </p:spPr>
+                <p:style>
+                  <a:lnRef idx="2">
+                    <a:schemeClr val="accent1">
+                      <a:shade val="50000"/>
+                    </a:schemeClr>
+                  </a:lnRef>
+                  <a:fillRef idx="1">
+                    <a:schemeClr val="accent1"/>
+                  </a:fillRef>
+                  <a:effectRef idx="0">
+                    <a:schemeClr val="accent1"/>
+                  </a:effectRef>
+                  <a:fontRef idx="minor">
+                    <a:schemeClr val="lt1"/>
+                  </a:fontRef>
+                </p:style>
+                <p:txBody>
+                  <a:bodyPr rtlCol="0" anchor="ctr"/>
+                  <a:lstStyle/>
+                  <a:p>
+                    <a:pPr algn="ctr"/>
+                    <a:endParaRPr lang="pt-BR"/>
+                  </a:p>
+                </p:txBody>
+              </p:sp>
+              <p:sp>
+                <p:nvSpPr>
+                  <p:cNvPr id="306" name="Triângulo isósceles 305"/>
+                  <p:cNvSpPr/>
+                  <p:nvPr/>
+                </p:nvSpPr>
+                <p:spPr>
+                  <a:xfrm>
+                    <a:off x="8515086" y="2088395"/>
+                    <a:ext cx="288032" cy="216024"/>
+                  </a:xfrm>
+                  <a:prstGeom prst="triangle">
+                    <a:avLst/>
+                  </a:prstGeom>
+                  <a:grpFill/>
+                  <a:ln>
+                    <a:noFill/>
+                  </a:ln>
+                  <a:effectLst/>
+                </p:spPr>
+                <p:style>
+                  <a:lnRef idx="2">
+                    <a:schemeClr val="accent1">
+                      <a:shade val="50000"/>
+                    </a:schemeClr>
+                  </a:lnRef>
+                  <a:fillRef idx="1">
+                    <a:schemeClr val="accent1"/>
+                  </a:fillRef>
+                  <a:effectRef idx="0">
+                    <a:schemeClr val="accent1"/>
+                  </a:effectRef>
+                  <a:fontRef idx="minor">
+                    <a:schemeClr val="lt1"/>
+                  </a:fontRef>
+                </p:style>
+                <p:txBody>
+                  <a:bodyPr rtlCol="0" anchor="ctr"/>
+                  <a:lstStyle/>
+                  <a:p>
+                    <a:pPr algn="ctr"/>
+                    <a:endParaRPr lang="pt-BR"/>
+                  </a:p>
+                </p:txBody>
+              </p:sp>
+            </p:grpSp>
+          </p:grpSp>
+          <p:grpSp>
+            <p:nvGrpSpPr>
+              <p:cNvPr id="256" name="Agrupar 15">
+                <a:extLst>
+                  <a:ext uri="{FF2B5EF4-FFF2-40B4-BE49-F238E27FC236}">
+                    <a16:creationId xmlns="" xmlns:a16="http://schemas.microsoft.com/office/drawing/2014/main" id="{CDA0B437-9E5C-43AF-AD41-CFFD83C35D59}"/>
+                  </a:ext>
+                </a:extLst>
+              </p:cNvPr>
+              <p:cNvGrpSpPr/>
+              <p:nvPr/>
+            </p:nvGrpSpPr>
+            <p:grpSpPr>
+              <a:xfrm>
+                <a:off x="-97830" y="2366963"/>
+                <a:ext cx="2714217" cy="2854593"/>
+                <a:chOff x="3787349" y="611219"/>
+                <a:chExt cx="2714217" cy="2854593"/>
+              </a:xfrm>
+              <a:solidFill>
+                <a:srgbClr val="893BC3"/>
+              </a:solidFill>
+            </p:grpSpPr>
             <p:sp>
               <p:nvSpPr>
-                <p:cNvPr id="308" name="Triângulo isósceles 307"/>
+                <p:cNvPr id="271" name="Retângulo 270"/>
                 <p:cNvSpPr/>
                 <p:nvPr/>
               </p:nvSpPr>
               <p:spPr>
                 <a:xfrm>
-                  <a:off x="6241783" y="2088395"/>
-                  <a:ext cx="288032" cy="216024"/>
+                  <a:off x="3792719" y="708149"/>
+                  <a:ext cx="2703477" cy="2664296"/>
                 </a:xfrm>
-                <a:prstGeom prst="triangle">
+                <a:prstGeom prst="rect">
                   <a:avLst/>
                 </a:prstGeom>
                 <a:grpFill/>
@@ -15705,340 +16615,1652 @@
                 <a:lstStyle/>
                 <a:p>
                   <a:pPr algn="ctr"/>
-                  <a:endParaRPr lang="pt-BR"/>
+                  <a:endParaRPr lang="pt-BR">
+                    <a:solidFill>
+                      <a:srgbClr val="9900FF"/>
+                    </a:solidFill>
+                  </a:endParaRPr>
                 </a:p>
               </p:txBody>
             </p:sp>
+            <p:grpSp>
+              <p:nvGrpSpPr>
+                <p:cNvPr id="272" name="Grupo 271"/>
+                <p:cNvGrpSpPr/>
+                <p:nvPr/>
+              </p:nvGrpSpPr>
+              <p:grpSpPr>
+                <a:xfrm>
+                  <a:off x="3787349" y="611219"/>
+                  <a:ext cx="2703476" cy="108012"/>
+                  <a:chOff x="5952287" y="2088395"/>
+                  <a:chExt cx="2850831" cy="216024"/>
+                </a:xfrm>
+                <a:grpFill/>
+              </p:grpSpPr>
+              <p:sp>
+                <p:nvSpPr>
+                  <p:cNvPr id="284" name="Triângulo isósceles 283"/>
+                  <p:cNvSpPr/>
+                  <p:nvPr/>
+                </p:nvSpPr>
+                <p:spPr>
+                  <a:xfrm>
+                    <a:off x="5952287" y="2088395"/>
+                    <a:ext cx="288032" cy="216024"/>
+                  </a:xfrm>
+                  <a:prstGeom prst="triangle">
+                    <a:avLst/>
+                  </a:prstGeom>
+                  <a:grpFill/>
+                  <a:ln>
+                    <a:noFill/>
+                  </a:ln>
+                  <a:effectLst/>
+                </p:spPr>
+                <p:style>
+                  <a:lnRef idx="2">
+                    <a:schemeClr val="accent1">
+                      <a:shade val="50000"/>
+                    </a:schemeClr>
+                  </a:lnRef>
+                  <a:fillRef idx="1">
+                    <a:schemeClr val="accent1"/>
+                  </a:fillRef>
+                  <a:effectRef idx="0">
+                    <a:schemeClr val="accent1"/>
+                  </a:effectRef>
+                  <a:fontRef idx="minor">
+                    <a:schemeClr val="lt1"/>
+                  </a:fontRef>
+                </p:style>
+                <p:txBody>
+                  <a:bodyPr rtlCol="0" anchor="ctr"/>
+                  <a:lstStyle/>
+                  <a:p>
+                    <a:pPr algn="ctr"/>
+                    <a:endParaRPr lang="pt-BR"/>
+                  </a:p>
+                </p:txBody>
+              </p:sp>
+              <p:sp>
+                <p:nvSpPr>
+                  <p:cNvPr id="285" name="Triângulo isósceles 284"/>
+                  <p:cNvSpPr/>
+                  <p:nvPr/>
+                </p:nvSpPr>
+                <p:spPr>
+                  <a:xfrm>
+                    <a:off x="6241783" y="2088395"/>
+                    <a:ext cx="288032" cy="216024"/>
+                  </a:xfrm>
+                  <a:prstGeom prst="triangle">
+                    <a:avLst/>
+                  </a:prstGeom>
+                  <a:grpFill/>
+                  <a:ln>
+                    <a:noFill/>
+                  </a:ln>
+                  <a:effectLst/>
+                </p:spPr>
+                <p:style>
+                  <a:lnRef idx="2">
+                    <a:schemeClr val="accent1">
+                      <a:shade val="50000"/>
+                    </a:schemeClr>
+                  </a:lnRef>
+                  <a:fillRef idx="1">
+                    <a:schemeClr val="accent1"/>
+                  </a:fillRef>
+                  <a:effectRef idx="0">
+                    <a:schemeClr val="accent1"/>
+                  </a:effectRef>
+                  <a:fontRef idx="minor">
+                    <a:schemeClr val="lt1"/>
+                  </a:fontRef>
+                </p:style>
+                <p:txBody>
+                  <a:bodyPr rtlCol="0" anchor="ctr"/>
+                  <a:lstStyle/>
+                  <a:p>
+                    <a:pPr algn="ctr"/>
+                    <a:endParaRPr lang="pt-BR"/>
+                  </a:p>
+                </p:txBody>
+              </p:sp>
+              <p:sp>
+                <p:nvSpPr>
+                  <p:cNvPr id="286" name="Triângulo isósceles 285"/>
+                  <p:cNvSpPr/>
+                  <p:nvPr/>
+                </p:nvSpPr>
+                <p:spPr>
+                  <a:xfrm>
+                    <a:off x="6520839" y="2088395"/>
+                    <a:ext cx="288032" cy="216024"/>
+                  </a:xfrm>
+                  <a:prstGeom prst="triangle">
+                    <a:avLst/>
+                  </a:prstGeom>
+                  <a:grpFill/>
+                  <a:ln>
+                    <a:noFill/>
+                  </a:ln>
+                  <a:effectLst/>
+                </p:spPr>
+                <p:style>
+                  <a:lnRef idx="2">
+                    <a:schemeClr val="accent1">
+                      <a:shade val="50000"/>
+                    </a:schemeClr>
+                  </a:lnRef>
+                  <a:fillRef idx="1">
+                    <a:schemeClr val="accent1"/>
+                  </a:fillRef>
+                  <a:effectRef idx="0">
+                    <a:schemeClr val="accent1"/>
+                  </a:effectRef>
+                  <a:fontRef idx="minor">
+                    <a:schemeClr val="lt1"/>
+                  </a:fontRef>
+                </p:style>
+                <p:txBody>
+                  <a:bodyPr rtlCol="0" anchor="ctr"/>
+                  <a:lstStyle/>
+                  <a:p>
+                    <a:pPr algn="ctr"/>
+                    <a:endParaRPr lang="pt-BR"/>
+                  </a:p>
+                </p:txBody>
+              </p:sp>
+              <p:sp>
+                <p:nvSpPr>
+                  <p:cNvPr id="287" name="Triângulo isósceles 286"/>
+                  <p:cNvSpPr/>
+                  <p:nvPr/>
+                </p:nvSpPr>
+                <p:spPr>
+                  <a:xfrm>
+                    <a:off x="6786042" y="2088395"/>
+                    <a:ext cx="288032" cy="216024"/>
+                  </a:xfrm>
+                  <a:prstGeom prst="triangle">
+                    <a:avLst/>
+                  </a:prstGeom>
+                  <a:grpFill/>
+                  <a:ln>
+                    <a:noFill/>
+                  </a:ln>
+                  <a:effectLst/>
+                </p:spPr>
+                <p:style>
+                  <a:lnRef idx="2">
+                    <a:schemeClr val="accent1">
+                      <a:shade val="50000"/>
+                    </a:schemeClr>
+                  </a:lnRef>
+                  <a:fillRef idx="1">
+                    <a:schemeClr val="accent1"/>
+                  </a:fillRef>
+                  <a:effectRef idx="0">
+                    <a:schemeClr val="accent1"/>
+                  </a:effectRef>
+                  <a:fontRef idx="minor">
+                    <a:schemeClr val="lt1"/>
+                  </a:fontRef>
+                </p:style>
+                <p:txBody>
+                  <a:bodyPr rtlCol="0" anchor="ctr"/>
+                  <a:lstStyle/>
+                  <a:p>
+                    <a:pPr algn="ctr"/>
+                    <a:endParaRPr lang="pt-BR"/>
+                  </a:p>
+                </p:txBody>
+              </p:sp>
+              <p:sp>
+                <p:nvSpPr>
+                  <p:cNvPr id="288" name="Triângulo isósceles 287"/>
+                  <p:cNvSpPr/>
+                  <p:nvPr/>
+                </p:nvSpPr>
+                <p:spPr>
+                  <a:xfrm>
+                    <a:off x="7057306" y="2088395"/>
+                    <a:ext cx="288032" cy="216024"/>
+                  </a:xfrm>
+                  <a:prstGeom prst="triangle">
+                    <a:avLst/>
+                  </a:prstGeom>
+                  <a:grpFill/>
+                  <a:ln>
+                    <a:noFill/>
+                  </a:ln>
+                  <a:effectLst/>
+                </p:spPr>
+                <p:style>
+                  <a:lnRef idx="2">
+                    <a:schemeClr val="accent1">
+                      <a:shade val="50000"/>
+                    </a:schemeClr>
+                  </a:lnRef>
+                  <a:fillRef idx="1">
+                    <a:schemeClr val="accent1"/>
+                  </a:fillRef>
+                  <a:effectRef idx="0">
+                    <a:schemeClr val="accent1"/>
+                  </a:effectRef>
+                  <a:fontRef idx="minor">
+                    <a:schemeClr val="lt1"/>
+                  </a:fontRef>
+                </p:style>
+                <p:txBody>
+                  <a:bodyPr rtlCol="0" anchor="ctr"/>
+                  <a:lstStyle/>
+                  <a:p>
+                    <a:pPr algn="ctr"/>
+                    <a:endParaRPr lang="pt-BR"/>
+                  </a:p>
+                </p:txBody>
+              </p:sp>
+              <p:sp>
+                <p:nvSpPr>
+                  <p:cNvPr id="289" name="Triângulo isósceles 288"/>
+                  <p:cNvSpPr/>
+                  <p:nvPr/>
+                </p:nvSpPr>
+                <p:spPr>
+                  <a:xfrm>
+                    <a:off x="7358127" y="2088395"/>
+                    <a:ext cx="288032" cy="216024"/>
+                  </a:xfrm>
+                  <a:prstGeom prst="triangle">
+                    <a:avLst/>
+                  </a:prstGeom>
+                  <a:grpFill/>
+                  <a:ln>
+                    <a:noFill/>
+                  </a:ln>
+                  <a:effectLst/>
+                </p:spPr>
+                <p:style>
+                  <a:lnRef idx="2">
+                    <a:schemeClr val="accent1">
+                      <a:shade val="50000"/>
+                    </a:schemeClr>
+                  </a:lnRef>
+                  <a:fillRef idx="1">
+                    <a:schemeClr val="accent1"/>
+                  </a:fillRef>
+                  <a:effectRef idx="0">
+                    <a:schemeClr val="accent1"/>
+                  </a:effectRef>
+                  <a:fontRef idx="minor">
+                    <a:schemeClr val="lt1"/>
+                  </a:fontRef>
+                </p:style>
+                <p:txBody>
+                  <a:bodyPr rtlCol="0" anchor="ctr"/>
+                  <a:lstStyle/>
+                  <a:p>
+                    <a:pPr algn="ctr"/>
+                    <a:endParaRPr lang="pt-BR"/>
+                  </a:p>
+                </p:txBody>
+              </p:sp>
+              <p:sp>
+                <p:nvSpPr>
+                  <p:cNvPr id="290" name="Triângulo isósceles 289"/>
+                  <p:cNvSpPr/>
+                  <p:nvPr/>
+                </p:nvSpPr>
+                <p:spPr>
+                  <a:xfrm>
+                    <a:off x="7628725" y="2088395"/>
+                    <a:ext cx="288032" cy="216024"/>
+                  </a:xfrm>
+                  <a:prstGeom prst="triangle">
+                    <a:avLst/>
+                  </a:prstGeom>
+                  <a:grpFill/>
+                  <a:ln>
+                    <a:noFill/>
+                  </a:ln>
+                  <a:effectLst/>
+                </p:spPr>
+                <p:style>
+                  <a:lnRef idx="2">
+                    <a:schemeClr val="accent1">
+                      <a:shade val="50000"/>
+                    </a:schemeClr>
+                  </a:lnRef>
+                  <a:fillRef idx="1">
+                    <a:schemeClr val="accent1"/>
+                  </a:fillRef>
+                  <a:effectRef idx="0">
+                    <a:schemeClr val="accent1"/>
+                  </a:effectRef>
+                  <a:fontRef idx="minor">
+                    <a:schemeClr val="lt1"/>
+                  </a:fontRef>
+                </p:style>
+                <p:txBody>
+                  <a:bodyPr rtlCol="0" anchor="ctr"/>
+                  <a:lstStyle/>
+                  <a:p>
+                    <a:pPr algn="ctr"/>
+                    <a:endParaRPr lang="pt-BR"/>
+                  </a:p>
+                </p:txBody>
+              </p:sp>
+              <p:sp>
+                <p:nvSpPr>
+                  <p:cNvPr id="291" name="Triângulo isósceles 290"/>
+                  <p:cNvSpPr/>
+                  <p:nvPr/>
+                </p:nvSpPr>
+                <p:spPr>
+                  <a:xfrm>
+                    <a:off x="7939022" y="2088395"/>
+                    <a:ext cx="288032" cy="216024"/>
+                  </a:xfrm>
+                  <a:prstGeom prst="triangle">
+                    <a:avLst/>
+                  </a:prstGeom>
+                  <a:grpFill/>
+                  <a:ln>
+                    <a:noFill/>
+                  </a:ln>
+                  <a:effectLst/>
+                </p:spPr>
+                <p:style>
+                  <a:lnRef idx="2">
+                    <a:schemeClr val="accent1">
+                      <a:shade val="50000"/>
+                    </a:schemeClr>
+                  </a:lnRef>
+                  <a:fillRef idx="1">
+                    <a:schemeClr val="accent1"/>
+                  </a:fillRef>
+                  <a:effectRef idx="0">
+                    <a:schemeClr val="accent1"/>
+                  </a:effectRef>
+                  <a:fontRef idx="minor">
+                    <a:schemeClr val="lt1"/>
+                  </a:fontRef>
+                </p:style>
+                <p:txBody>
+                  <a:bodyPr rtlCol="0" anchor="ctr"/>
+                  <a:lstStyle/>
+                  <a:p>
+                    <a:pPr algn="ctr"/>
+                    <a:endParaRPr lang="pt-BR"/>
+                  </a:p>
+                </p:txBody>
+              </p:sp>
+              <p:sp>
+                <p:nvSpPr>
+                  <p:cNvPr id="292" name="Triângulo isósceles 291"/>
+                  <p:cNvSpPr/>
+                  <p:nvPr/>
+                </p:nvSpPr>
+                <p:spPr>
+                  <a:xfrm>
+                    <a:off x="8227054" y="2088395"/>
+                    <a:ext cx="288032" cy="216024"/>
+                  </a:xfrm>
+                  <a:prstGeom prst="triangle">
+                    <a:avLst/>
+                  </a:prstGeom>
+                  <a:grpFill/>
+                  <a:ln>
+                    <a:noFill/>
+                  </a:ln>
+                  <a:effectLst/>
+                </p:spPr>
+                <p:style>
+                  <a:lnRef idx="2">
+                    <a:schemeClr val="accent1">
+                      <a:shade val="50000"/>
+                    </a:schemeClr>
+                  </a:lnRef>
+                  <a:fillRef idx="1">
+                    <a:schemeClr val="accent1"/>
+                  </a:fillRef>
+                  <a:effectRef idx="0">
+                    <a:schemeClr val="accent1"/>
+                  </a:effectRef>
+                  <a:fontRef idx="minor">
+                    <a:schemeClr val="lt1"/>
+                  </a:fontRef>
+                </p:style>
+                <p:txBody>
+                  <a:bodyPr rtlCol="0" anchor="ctr"/>
+                  <a:lstStyle/>
+                  <a:p>
+                    <a:pPr algn="ctr"/>
+                    <a:endParaRPr lang="pt-BR"/>
+                  </a:p>
+                </p:txBody>
+              </p:sp>
+              <p:sp>
+                <p:nvSpPr>
+                  <p:cNvPr id="293" name="Triângulo isósceles 292"/>
+                  <p:cNvSpPr/>
+                  <p:nvPr/>
+                </p:nvSpPr>
+                <p:spPr>
+                  <a:xfrm>
+                    <a:off x="8515086" y="2088395"/>
+                    <a:ext cx="288032" cy="216024"/>
+                  </a:xfrm>
+                  <a:prstGeom prst="triangle">
+                    <a:avLst/>
+                  </a:prstGeom>
+                  <a:grpFill/>
+                  <a:ln>
+                    <a:noFill/>
+                  </a:ln>
+                  <a:effectLst/>
+                </p:spPr>
+                <p:style>
+                  <a:lnRef idx="2">
+                    <a:schemeClr val="accent1">
+                      <a:shade val="50000"/>
+                    </a:schemeClr>
+                  </a:lnRef>
+                  <a:fillRef idx="1">
+                    <a:schemeClr val="accent1"/>
+                  </a:fillRef>
+                  <a:effectRef idx="0">
+                    <a:schemeClr val="accent1"/>
+                  </a:effectRef>
+                  <a:fontRef idx="minor">
+                    <a:schemeClr val="lt1"/>
+                  </a:fontRef>
+                </p:style>
+                <p:txBody>
+                  <a:bodyPr rtlCol="0" anchor="ctr"/>
+                  <a:lstStyle/>
+                  <a:p>
+                    <a:pPr algn="ctr"/>
+                    <a:endParaRPr lang="pt-BR"/>
+                  </a:p>
+                </p:txBody>
+              </p:sp>
+            </p:grpSp>
+            <p:grpSp>
+              <p:nvGrpSpPr>
+                <p:cNvPr id="273" name="Grupo 272"/>
+                <p:cNvGrpSpPr/>
+                <p:nvPr/>
+              </p:nvGrpSpPr>
+              <p:grpSpPr>
+                <a:xfrm rot="10800000">
+                  <a:off x="3798090" y="3357800"/>
+                  <a:ext cx="2703476" cy="108012"/>
+                  <a:chOff x="5952287" y="2088395"/>
+                  <a:chExt cx="2850831" cy="216024"/>
+                </a:xfrm>
+                <a:grpFill/>
+              </p:grpSpPr>
+              <p:sp>
+                <p:nvSpPr>
+                  <p:cNvPr id="274" name="Triângulo isósceles 273"/>
+                  <p:cNvSpPr/>
+                  <p:nvPr/>
+                </p:nvSpPr>
+                <p:spPr>
+                  <a:xfrm>
+                    <a:off x="5952287" y="2088395"/>
+                    <a:ext cx="288032" cy="216024"/>
+                  </a:xfrm>
+                  <a:prstGeom prst="triangle">
+                    <a:avLst/>
+                  </a:prstGeom>
+                  <a:grpFill/>
+                  <a:ln>
+                    <a:noFill/>
+                  </a:ln>
+                  <a:effectLst/>
+                </p:spPr>
+                <p:style>
+                  <a:lnRef idx="2">
+                    <a:schemeClr val="accent1">
+                      <a:shade val="50000"/>
+                    </a:schemeClr>
+                  </a:lnRef>
+                  <a:fillRef idx="1">
+                    <a:schemeClr val="accent1"/>
+                  </a:fillRef>
+                  <a:effectRef idx="0">
+                    <a:schemeClr val="accent1"/>
+                  </a:effectRef>
+                  <a:fontRef idx="minor">
+                    <a:schemeClr val="lt1"/>
+                  </a:fontRef>
+                </p:style>
+                <p:txBody>
+                  <a:bodyPr rtlCol="0" anchor="ctr"/>
+                  <a:lstStyle/>
+                  <a:p>
+                    <a:pPr algn="ctr"/>
+                    <a:endParaRPr lang="pt-BR"/>
+                  </a:p>
+                </p:txBody>
+              </p:sp>
+              <p:sp>
+                <p:nvSpPr>
+                  <p:cNvPr id="275" name="Triângulo isósceles 274"/>
+                  <p:cNvSpPr/>
+                  <p:nvPr/>
+                </p:nvSpPr>
+                <p:spPr>
+                  <a:xfrm>
+                    <a:off x="6241783" y="2088395"/>
+                    <a:ext cx="288032" cy="216024"/>
+                  </a:xfrm>
+                  <a:prstGeom prst="triangle">
+                    <a:avLst/>
+                  </a:prstGeom>
+                  <a:grpFill/>
+                  <a:ln>
+                    <a:noFill/>
+                  </a:ln>
+                  <a:effectLst/>
+                </p:spPr>
+                <p:style>
+                  <a:lnRef idx="2">
+                    <a:schemeClr val="accent1">
+                      <a:shade val="50000"/>
+                    </a:schemeClr>
+                  </a:lnRef>
+                  <a:fillRef idx="1">
+                    <a:schemeClr val="accent1"/>
+                  </a:fillRef>
+                  <a:effectRef idx="0">
+                    <a:schemeClr val="accent1"/>
+                  </a:effectRef>
+                  <a:fontRef idx="minor">
+                    <a:schemeClr val="lt1"/>
+                  </a:fontRef>
+                </p:style>
+                <p:txBody>
+                  <a:bodyPr rtlCol="0" anchor="ctr"/>
+                  <a:lstStyle/>
+                  <a:p>
+                    <a:pPr algn="ctr"/>
+                    <a:endParaRPr lang="pt-BR"/>
+                  </a:p>
+                </p:txBody>
+              </p:sp>
+              <p:sp>
+                <p:nvSpPr>
+                  <p:cNvPr id="276" name="Triângulo isósceles 275"/>
+                  <p:cNvSpPr/>
+                  <p:nvPr/>
+                </p:nvSpPr>
+                <p:spPr>
+                  <a:xfrm>
+                    <a:off x="6520839" y="2088395"/>
+                    <a:ext cx="288032" cy="216024"/>
+                  </a:xfrm>
+                  <a:prstGeom prst="triangle">
+                    <a:avLst/>
+                  </a:prstGeom>
+                  <a:grpFill/>
+                  <a:ln>
+                    <a:noFill/>
+                  </a:ln>
+                  <a:effectLst/>
+                </p:spPr>
+                <p:style>
+                  <a:lnRef idx="2">
+                    <a:schemeClr val="accent1">
+                      <a:shade val="50000"/>
+                    </a:schemeClr>
+                  </a:lnRef>
+                  <a:fillRef idx="1">
+                    <a:schemeClr val="accent1"/>
+                  </a:fillRef>
+                  <a:effectRef idx="0">
+                    <a:schemeClr val="accent1"/>
+                  </a:effectRef>
+                  <a:fontRef idx="minor">
+                    <a:schemeClr val="lt1"/>
+                  </a:fontRef>
+                </p:style>
+                <p:txBody>
+                  <a:bodyPr rtlCol="0" anchor="ctr"/>
+                  <a:lstStyle/>
+                  <a:p>
+                    <a:pPr algn="ctr"/>
+                    <a:endParaRPr lang="pt-BR"/>
+                  </a:p>
+                </p:txBody>
+              </p:sp>
+              <p:sp>
+                <p:nvSpPr>
+                  <p:cNvPr id="277" name="Triângulo isósceles 276"/>
+                  <p:cNvSpPr/>
+                  <p:nvPr/>
+                </p:nvSpPr>
+                <p:spPr>
+                  <a:xfrm>
+                    <a:off x="6786042" y="2088395"/>
+                    <a:ext cx="288032" cy="216024"/>
+                  </a:xfrm>
+                  <a:prstGeom prst="triangle">
+                    <a:avLst/>
+                  </a:prstGeom>
+                  <a:grpFill/>
+                  <a:ln>
+                    <a:noFill/>
+                  </a:ln>
+                  <a:effectLst/>
+                </p:spPr>
+                <p:style>
+                  <a:lnRef idx="2">
+                    <a:schemeClr val="accent1">
+                      <a:shade val="50000"/>
+                    </a:schemeClr>
+                  </a:lnRef>
+                  <a:fillRef idx="1">
+                    <a:schemeClr val="accent1"/>
+                  </a:fillRef>
+                  <a:effectRef idx="0">
+                    <a:schemeClr val="accent1"/>
+                  </a:effectRef>
+                  <a:fontRef idx="minor">
+                    <a:schemeClr val="lt1"/>
+                  </a:fontRef>
+                </p:style>
+                <p:txBody>
+                  <a:bodyPr rtlCol="0" anchor="ctr"/>
+                  <a:lstStyle/>
+                  <a:p>
+                    <a:pPr algn="ctr"/>
+                    <a:endParaRPr lang="pt-BR"/>
+                  </a:p>
+                </p:txBody>
+              </p:sp>
+              <p:sp>
+                <p:nvSpPr>
+                  <p:cNvPr id="278" name="Triângulo isósceles 277"/>
+                  <p:cNvSpPr/>
+                  <p:nvPr/>
+                </p:nvSpPr>
+                <p:spPr>
+                  <a:xfrm>
+                    <a:off x="7057306" y="2088395"/>
+                    <a:ext cx="288032" cy="216024"/>
+                  </a:xfrm>
+                  <a:prstGeom prst="triangle">
+                    <a:avLst/>
+                  </a:prstGeom>
+                  <a:grpFill/>
+                  <a:ln>
+                    <a:noFill/>
+                  </a:ln>
+                  <a:effectLst/>
+                </p:spPr>
+                <p:style>
+                  <a:lnRef idx="2">
+                    <a:schemeClr val="accent1">
+                      <a:shade val="50000"/>
+                    </a:schemeClr>
+                  </a:lnRef>
+                  <a:fillRef idx="1">
+                    <a:schemeClr val="accent1"/>
+                  </a:fillRef>
+                  <a:effectRef idx="0">
+                    <a:schemeClr val="accent1"/>
+                  </a:effectRef>
+                  <a:fontRef idx="minor">
+                    <a:schemeClr val="lt1"/>
+                  </a:fontRef>
+                </p:style>
+                <p:txBody>
+                  <a:bodyPr rtlCol="0" anchor="ctr"/>
+                  <a:lstStyle/>
+                  <a:p>
+                    <a:pPr algn="ctr"/>
+                    <a:endParaRPr lang="pt-BR"/>
+                  </a:p>
+                </p:txBody>
+              </p:sp>
+              <p:sp>
+                <p:nvSpPr>
+                  <p:cNvPr id="279" name="Triângulo isósceles 278"/>
+                  <p:cNvSpPr/>
+                  <p:nvPr/>
+                </p:nvSpPr>
+                <p:spPr>
+                  <a:xfrm>
+                    <a:off x="7358127" y="2088395"/>
+                    <a:ext cx="288032" cy="216024"/>
+                  </a:xfrm>
+                  <a:prstGeom prst="triangle">
+                    <a:avLst/>
+                  </a:prstGeom>
+                  <a:grpFill/>
+                  <a:ln>
+                    <a:noFill/>
+                  </a:ln>
+                  <a:effectLst/>
+                </p:spPr>
+                <p:style>
+                  <a:lnRef idx="2">
+                    <a:schemeClr val="accent1">
+                      <a:shade val="50000"/>
+                    </a:schemeClr>
+                  </a:lnRef>
+                  <a:fillRef idx="1">
+                    <a:schemeClr val="accent1"/>
+                  </a:fillRef>
+                  <a:effectRef idx="0">
+                    <a:schemeClr val="accent1"/>
+                  </a:effectRef>
+                  <a:fontRef idx="minor">
+                    <a:schemeClr val="lt1"/>
+                  </a:fontRef>
+                </p:style>
+                <p:txBody>
+                  <a:bodyPr rtlCol="0" anchor="ctr"/>
+                  <a:lstStyle/>
+                  <a:p>
+                    <a:pPr algn="ctr"/>
+                    <a:endParaRPr lang="pt-BR"/>
+                  </a:p>
+                </p:txBody>
+              </p:sp>
+              <p:sp>
+                <p:nvSpPr>
+                  <p:cNvPr id="280" name="Triângulo isósceles 279"/>
+                  <p:cNvSpPr/>
+                  <p:nvPr/>
+                </p:nvSpPr>
+                <p:spPr>
+                  <a:xfrm>
+                    <a:off x="7628725" y="2088395"/>
+                    <a:ext cx="288032" cy="216024"/>
+                  </a:xfrm>
+                  <a:prstGeom prst="triangle">
+                    <a:avLst/>
+                  </a:prstGeom>
+                  <a:grpFill/>
+                  <a:ln>
+                    <a:noFill/>
+                  </a:ln>
+                  <a:effectLst/>
+                </p:spPr>
+                <p:style>
+                  <a:lnRef idx="2">
+                    <a:schemeClr val="accent1">
+                      <a:shade val="50000"/>
+                    </a:schemeClr>
+                  </a:lnRef>
+                  <a:fillRef idx="1">
+                    <a:schemeClr val="accent1"/>
+                  </a:fillRef>
+                  <a:effectRef idx="0">
+                    <a:schemeClr val="accent1"/>
+                  </a:effectRef>
+                  <a:fontRef idx="minor">
+                    <a:schemeClr val="lt1"/>
+                  </a:fontRef>
+                </p:style>
+                <p:txBody>
+                  <a:bodyPr rtlCol="0" anchor="ctr"/>
+                  <a:lstStyle/>
+                  <a:p>
+                    <a:pPr algn="ctr"/>
+                    <a:endParaRPr lang="pt-BR"/>
+                  </a:p>
+                </p:txBody>
+              </p:sp>
+              <p:sp>
+                <p:nvSpPr>
+                  <p:cNvPr id="281" name="Triângulo isósceles 280"/>
+                  <p:cNvSpPr/>
+                  <p:nvPr/>
+                </p:nvSpPr>
+                <p:spPr>
+                  <a:xfrm>
+                    <a:off x="7939022" y="2088395"/>
+                    <a:ext cx="288032" cy="216024"/>
+                  </a:xfrm>
+                  <a:prstGeom prst="triangle">
+                    <a:avLst/>
+                  </a:prstGeom>
+                  <a:grpFill/>
+                  <a:ln>
+                    <a:noFill/>
+                  </a:ln>
+                  <a:effectLst/>
+                </p:spPr>
+                <p:style>
+                  <a:lnRef idx="2">
+                    <a:schemeClr val="accent1">
+                      <a:shade val="50000"/>
+                    </a:schemeClr>
+                  </a:lnRef>
+                  <a:fillRef idx="1">
+                    <a:schemeClr val="accent1"/>
+                  </a:fillRef>
+                  <a:effectRef idx="0">
+                    <a:schemeClr val="accent1"/>
+                  </a:effectRef>
+                  <a:fontRef idx="minor">
+                    <a:schemeClr val="lt1"/>
+                  </a:fontRef>
+                </p:style>
+                <p:txBody>
+                  <a:bodyPr rtlCol="0" anchor="ctr"/>
+                  <a:lstStyle/>
+                  <a:p>
+                    <a:pPr algn="ctr"/>
+                    <a:endParaRPr lang="pt-BR"/>
+                  </a:p>
+                </p:txBody>
+              </p:sp>
+              <p:sp>
+                <p:nvSpPr>
+                  <p:cNvPr id="282" name="Triângulo isósceles 281"/>
+                  <p:cNvSpPr/>
+                  <p:nvPr/>
+                </p:nvSpPr>
+                <p:spPr>
+                  <a:xfrm>
+                    <a:off x="8227054" y="2088395"/>
+                    <a:ext cx="288032" cy="216024"/>
+                  </a:xfrm>
+                  <a:prstGeom prst="triangle">
+                    <a:avLst/>
+                  </a:prstGeom>
+                  <a:grpFill/>
+                  <a:ln>
+                    <a:noFill/>
+                  </a:ln>
+                  <a:effectLst/>
+                </p:spPr>
+                <p:style>
+                  <a:lnRef idx="2">
+                    <a:schemeClr val="accent1">
+                      <a:shade val="50000"/>
+                    </a:schemeClr>
+                  </a:lnRef>
+                  <a:fillRef idx="1">
+                    <a:schemeClr val="accent1"/>
+                  </a:fillRef>
+                  <a:effectRef idx="0">
+                    <a:schemeClr val="accent1"/>
+                  </a:effectRef>
+                  <a:fontRef idx="minor">
+                    <a:schemeClr val="lt1"/>
+                  </a:fontRef>
+                </p:style>
+                <p:txBody>
+                  <a:bodyPr rtlCol="0" anchor="ctr"/>
+                  <a:lstStyle/>
+                  <a:p>
+                    <a:pPr algn="ctr"/>
+                    <a:endParaRPr lang="pt-BR"/>
+                  </a:p>
+                </p:txBody>
+              </p:sp>
+              <p:sp>
+                <p:nvSpPr>
+                  <p:cNvPr id="283" name="Triângulo isósceles 282"/>
+                  <p:cNvSpPr/>
+                  <p:nvPr/>
+                </p:nvSpPr>
+                <p:spPr>
+                  <a:xfrm>
+                    <a:off x="8515086" y="2088395"/>
+                    <a:ext cx="288032" cy="216024"/>
+                  </a:xfrm>
+                  <a:prstGeom prst="triangle">
+                    <a:avLst/>
+                  </a:prstGeom>
+                  <a:grpFill/>
+                  <a:ln>
+                    <a:noFill/>
+                  </a:ln>
+                  <a:effectLst/>
+                </p:spPr>
+                <p:style>
+                  <a:lnRef idx="2">
+                    <a:schemeClr val="accent1">
+                      <a:shade val="50000"/>
+                    </a:schemeClr>
+                  </a:lnRef>
+                  <a:fillRef idx="1">
+                    <a:schemeClr val="accent1"/>
+                  </a:fillRef>
+                  <a:effectRef idx="0">
+                    <a:schemeClr val="accent1"/>
+                  </a:effectRef>
+                  <a:fontRef idx="minor">
+                    <a:schemeClr val="lt1"/>
+                  </a:fontRef>
+                </p:style>
+                <p:txBody>
+                  <a:bodyPr rtlCol="0" anchor="ctr"/>
+                  <a:lstStyle/>
+                  <a:p>
+                    <a:pPr algn="ctr"/>
+                    <a:endParaRPr lang="pt-BR"/>
+                  </a:p>
+                </p:txBody>
+              </p:sp>
+            </p:grpSp>
+          </p:grpSp>
+          <p:sp>
+            <p:nvSpPr>
+              <p:cNvPr id="257" name="Retângulo de cantos arredondados 256"/>
+              <p:cNvSpPr/>
+              <p:nvPr/>
+            </p:nvSpPr>
+            <p:spPr>
+              <a:xfrm>
+                <a:off x="57634" y="2564904"/>
+                <a:ext cx="2354126" cy="2513813"/>
+              </a:xfrm>
+              <a:prstGeom prst="roundRect">
+                <a:avLst>
+                  <a:gd name="adj" fmla="val 13040"/>
+                </a:avLst>
+              </a:prstGeom>
+              <a:solidFill>
+                <a:srgbClr val="934CC8"/>
+              </a:solidFill>
+              <a:ln>
+                <a:noFill/>
+              </a:ln>
+              <a:effectLst/>
+            </p:spPr>
+            <p:style>
+              <a:lnRef idx="2">
+                <a:schemeClr val="accent1">
+                  <a:shade val="50000"/>
+                </a:schemeClr>
+              </a:lnRef>
+              <a:fillRef idx="1">
+                <a:schemeClr val="accent1"/>
+              </a:fillRef>
+              <a:effectRef idx="0">
+                <a:schemeClr val="accent1"/>
+              </a:effectRef>
+              <a:fontRef idx="minor">
+                <a:schemeClr val="lt1"/>
+              </a:fontRef>
+            </p:style>
+            <p:txBody>
+              <a:bodyPr rtlCol="0" anchor="ctr"/>
+              <a:lstStyle/>
+              <a:p>
+                <a:pPr algn="ctr"/>
+                <a:endParaRPr lang="pt-BR"/>
+              </a:p>
+            </p:txBody>
+          </p:sp>
+          <p:sp>
+            <p:nvSpPr>
+              <p:cNvPr id="258" name="Elipse 257"/>
+              <p:cNvSpPr/>
+              <p:nvPr/>
+            </p:nvSpPr>
+            <p:spPr>
+              <a:xfrm>
+                <a:off x="315341" y="2836839"/>
+                <a:ext cx="1935767" cy="1935767"/>
+              </a:xfrm>
+              <a:prstGeom prst="ellipse">
+                <a:avLst/>
+              </a:prstGeom>
+              <a:solidFill>
+                <a:srgbClr val="9F5FCF"/>
+              </a:solidFill>
+              <a:ln>
+                <a:noFill/>
+              </a:ln>
+              <a:effectLst/>
+            </p:spPr>
+            <p:style>
+              <a:lnRef idx="2">
+                <a:schemeClr val="accent1">
+                  <a:shade val="50000"/>
+                </a:schemeClr>
+              </a:lnRef>
+              <a:fillRef idx="1">
+                <a:schemeClr val="accent1"/>
+              </a:fillRef>
+              <a:effectRef idx="0">
+                <a:schemeClr val="accent1"/>
+              </a:effectRef>
+              <a:fontRef idx="minor">
+                <a:schemeClr val="lt1"/>
+              </a:fontRef>
+            </p:style>
+            <p:txBody>
+              <a:bodyPr rtlCol="0" anchor="ctr"/>
+              <a:lstStyle/>
+              <a:p>
+                <a:pPr algn="ctr"/>
+                <a:endParaRPr lang="pt-BR"/>
+              </a:p>
+            </p:txBody>
+          </p:sp>
+          <p:grpSp>
+            <p:nvGrpSpPr>
+              <p:cNvPr id="259" name="Grupo 258"/>
+              <p:cNvGrpSpPr/>
+              <p:nvPr/>
+            </p:nvGrpSpPr>
+            <p:grpSpPr>
+              <a:xfrm>
+                <a:off x="236651" y="2685954"/>
+                <a:ext cx="2045254" cy="2327222"/>
+                <a:chOff x="3834481" y="2564904"/>
+                <a:chExt cx="2249687" cy="2559840"/>
+              </a:xfrm>
+            </p:grpSpPr>
+            <p:grpSp>
+              <p:nvGrpSpPr>
+                <p:cNvPr id="260" name="Grupo 259"/>
+                <p:cNvGrpSpPr/>
+                <p:nvPr/>
+              </p:nvGrpSpPr>
+              <p:grpSpPr>
+                <a:xfrm>
+                  <a:off x="3834481" y="2564904"/>
+                  <a:ext cx="2249687" cy="2559840"/>
+                  <a:chOff x="3834481" y="2564904"/>
+                  <a:chExt cx="2249687" cy="2559840"/>
+                </a:xfrm>
+              </p:grpSpPr>
+              <p:grpSp>
+                <p:nvGrpSpPr>
+                  <p:cNvPr id="262" name="Grupo 261"/>
+                  <p:cNvGrpSpPr/>
+                  <p:nvPr/>
+                </p:nvGrpSpPr>
+                <p:grpSpPr>
+                  <a:xfrm>
+                    <a:off x="3834481" y="2564904"/>
+                    <a:ext cx="2177679" cy="680434"/>
+                    <a:chOff x="3834481" y="2564904"/>
+                    <a:chExt cx="2177679" cy="680434"/>
+                  </a:xfrm>
+                </p:grpSpPr>
+                <p:sp>
+                  <p:nvSpPr>
+                    <p:cNvPr id="268" name="Retângulo de cantos arredondados 18"/>
+                    <p:cNvSpPr/>
+                    <p:nvPr/>
+                  </p:nvSpPr>
+                  <p:spPr>
+                    <a:xfrm>
+                      <a:off x="3834481" y="2564904"/>
+                      <a:ext cx="2177679" cy="680434"/>
+                    </a:xfrm>
+                    <a:custGeom>
+                      <a:avLst/>
+                      <a:gdLst/>
+                      <a:ahLst/>
+                      <a:cxnLst/>
+                      <a:rect l="l" t="t" r="r" b="b"/>
+                      <a:pathLst>
+                        <a:path w="2041106" h="578046">
+                          <a:moveTo>
+                            <a:pt x="289023" y="0"/>
+                          </a:moveTo>
+                          <a:lnTo>
+                            <a:pt x="1752083" y="0"/>
+                          </a:lnTo>
+                          <a:cubicBezTo>
+                            <a:pt x="1911706" y="0"/>
+                            <a:pt x="2041106" y="129400"/>
+                            <a:pt x="2041106" y="289023"/>
+                          </a:cubicBezTo>
+                          <a:cubicBezTo>
+                            <a:pt x="2041106" y="428738"/>
+                            <a:pt x="1941971" y="545298"/>
+                            <a:pt x="1810202" y="572187"/>
+                          </a:cubicBezTo>
+                          <a:cubicBezTo>
+                            <a:pt x="1636249" y="345950"/>
+                            <a:pt x="1362230" y="202538"/>
+                            <a:pt x="1054714" y="202538"/>
+                          </a:cubicBezTo>
+                          <a:cubicBezTo>
+                            <a:pt x="744460" y="202538"/>
+                            <a:pt x="468300" y="348516"/>
+                            <a:pt x="294392" y="578046"/>
+                          </a:cubicBezTo>
+                          <a:lnTo>
+                            <a:pt x="289023" y="578046"/>
+                          </a:lnTo>
+                          <a:cubicBezTo>
+                            <a:pt x="129400" y="578046"/>
+                            <a:pt x="0" y="448646"/>
+                            <a:pt x="0" y="289023"/>
+                          </a:cubicBezTo>
+                          <a:cubicBezTo>
+                            <a:pt x="0" y="129400"/>
+                            <a:pt x="129400" y="0"/>
+                            <a:pt x="289023" y="0"/>
+                          </a:cubicBezTo>
+                          <a:close/>
+                        </a:path>
+                      </a:pathLst>
+                    </a:custGeom>
+                    <a:solidFill>
+                      <a:srgbClr val="702FA1"/>
+                    </a:solidFill>
+                    <a:ln>
+                      <a:noFill/>
+                    </a:ln>
+                    <a:effectLst/>
+                  </p:spPr>
+                  <p:style>
+                    <a:lnRef idx="2">
+                      <a:schemeClr val="accent1">
+                        <a:shade val="50000"/>
+                      </a:schemeClr>
+                    </a:lnRef>
+                    <a:fillRef idx="1">
+                      <a:schemeClr val="accent1"/>
+                    </a:fillRef>
+                    <a:effectRef idx="0">
+                      <a:schemeClr val="accent1"/>
+                    </a:effectRef>
+                    <a:fontRef idx="minor">
+                      <a:schemeClr val="lt1"/>
+                    </a:fontRef>
+                  </p:style>
+                  <p:txBody>
+                    <a:bodyPr rtlCol="0" anchor="ctr"/>
+                    <a:lstStyle/>
+                    <a:p>
+                      <a:pPr algn="ctr"/>
+                      <a:endParaRPr lang="pt-BR"/>
+                    </a:p>
+                  </p:txBody>
+                </p:sp>
+                <p:sp>
+                  <p:nvSpPr>
+                    <p:cNvPr id="269" name="Retângulo de cantos arredondados 18"/>
+                    <p:cNvSpPr/>
+                    <p:nvPr/>
+                  </p:nvSpPr>
+                  <p:spPr>
+                    <a:xfrm>
+                      <a:off x="3957140" y="2636912"/>
+                      <a:ext cx="1948083" cy="342021"/>
+                    </a:xfrm>
+                    <a:custGeom>
+                      <a:avLst/>
+                      <a:gdLst/>
+                      <a:ahLst/>
+                      <a:cxnLst/>
+                      <a:rect l="l" t="t" r="r" b="b"/>
+                      <a:pathLst>
+                        <a:path w="2041106" h="578046">
+                          <a:moveTo>
+                            <a:pt x="289023" y="0"/>
+                          </a:moveTo>
+                          <a:lnTo>
+                            <a:pt x="1752083" y="0"/>
+                          </a:lnTo>
+                          <a:cubicBezTo>
+                            <a:pt x="1911706" y="0"/>
+                            <a:pt x="2041106" y="129400"/>
+                            <a:pt x="2041106" y="289023"/>
+                          </a:cubicBezTo>
+                          <a:cubicBezTo>
+                            <a:pt x="2041106" y="428738"/>
+                            <a:pt x="1941971" y="545298"/>
+                            <a:pt x="1810202" y="572187"/>
+                          </a:cubicBezTo>
+                          <a:cubicBezTo>
+                            <a:pt x="1636249" y="345950"/>
+                            <a:pt x="1362230" y="202538"/>
+                            <a:pt x="1054714" y="202538"/>
+                          </a:cubicBezTo>
+                          <a:cubicBezTo>
+                            <a:pt x="744460" y="202538"/>
+                            <a:pt x="468300" y="348516"/>
+                            <a:pt x="294392" y="578046"/>
+                          </a:cubicBezTo>
+                          <a:lnTo>
+                            <a:pt x="289023" y="578046"/>
+                          </a:lnTo>
+                          <a:cubicBezTo>
+                            <a:pt x="129400" y="578046"/>
+                            <a:pt x="0" y="448646"/>
+                            <a:pt x="0" y="289023"/>
+                          </a:cubicBezTo>
+                          <a:cubicBezTo>
+                            <a:pt x="0" y="129400"/>
+                            <a:pt x="129400" y="0"/>
+                            <a:pt x="289023" y="0"/>
+                          </a:cubicBezTo>
+                          <a:close/>
+                        </a:path>
+                      </a:pathLst>
+                    </a:custGeom>
+                    <a:solidFill>
+                      <a:srgbClr val="7A33AF"/>
+                    </a:solidFill>
+                    <a:ln>
+                      <a:noFill/>
+                    </a:ln>
+                    <a:effectLst/>
+                  </p:spPr>
+                  <p:style>
+                    <a:lnRef idx="2">
+                      <a:schemeClr val="accent1">
+                        <a:shade val="50000"/>
+                      </a:schemeClr>
+                    </a:lnRef>
+                    <a:fillRef idx="1">
+                      <a:schemeClr val="accent1"/>
+                    </a:fillRef>
+                    <a:effectRef idx="0">
+                      <a:schemeClr val="accent1"/>
+                    </a:effectRef>
+                    <a:fontRef idx="minor">
+                      <a:schemeClr val="lt1"/>
+                    </a:fontRef>
+                  </p:style>
+                  <p:txBody>
+                    <a:bodyPr rtlCol="0" anchor="ctr"/>
+                    <a:lstStyle/>
+                    <a:p>
+                      <a:pPr algn="ctr"/>
+                      <a:endParaRPr lang="pt-BR"/>
+                    </a:p>
+                  </p:txBody>
+                </p:sp>
+                <p:sp>
+                  <p:nvSpPr>
+                    <p:cNvPr id="270" name="Retângulo de cantos arredondados 269"/>
+                    <p:cNvSpPr/>
+                    <p:nvPr/>
+                  </p:nvSpPr>
+                  <p:spPr>
+                    <a:xfrm rot="19680248">
+                      <a:off x="5710148" y="2699401"/>
+                      <a:ext cx="63913" cy="130411"/>
+                    </a:xfrm>
+                    <a:prstGeom prst="roundRect">
+                      <a:avLst>
+                        <a:gd name="adj" fmla="val 50000"/>
+                      </a:avLst>
+                    </a:prstGeom>
+                    <a:solidFill>
+                      <a:srgbClr val="AE77D7"/>
+                    </a:solidFill>
+                    <a:ln>
+                      <a:noFill/>
+                    </a:ln>
+                    <a:effectLst/>
+                  </p:spPr>
+                  <p:style>
+                    <a:lnRef idx="2">
+                      <a:schemeClr val="accent1">
+                        <a:shade val="50000"/>
+                      </a:schemeClr>
+                    </a:lnRef>
+                    <a:fillRef idx="1">
+                      <a:schemeClr val="accent1"/>
+                    </a:fillRef>
+                    <a:effectRef idx="0">
+                      <a:schemeClr val="accent1"/>
+                    </a:effectRef>
+                    <a:fontRef idx="minor">
+                      <a:schemeClr val="lt1"/>
+                    </a:fontRef>
+                  </p:style>
+                  <p:txBody>
+                    <a:bodyPr rtlCol="0" anchor="ctr"/>
+                    <a:lstStyle/>
+                    <a:p>
+                      <a:pPr algn="ctr"/>
+                      <a:endParaRPr lang="pt-BR"/>
+                    </a:p>
+                  </p:txBody>
+                </p:sp>
+              </p:grpSp>
+              <p:sp>
+                <p:nvSpPr>
+                  <p:cNvPr id="263" name="Lua 262"/>
+                  <p:cNvSpPr/>
+                  <p:nvPr/>
+                </p:nvSpPr>
+                <p:spPr>
+                  <a:xfrm rot="14897553" flipV="1">
+                    <a:off x="5051438" y="4011013"/>
+                    <a:ext cx="332395" cy="854979"/>
+                  </a:xfrm>
+                  <a:prstGeom prst="moon">
+                    <a:avLst>
+                      <a:gd name="adj" fmla="val 57263"/>
+                    </a:avLst>
+                  </a:prstGeom>
+                  <a:solidFill>
+                    <a:srgbClr val="AE77D7"/>
+                  </a:solidFill>
+                  <a:ln>
+                    <a:noFill/>
+                  </a:ln>
+                  <a:effectLst/>
+                </p:spPr>
+                <p:style>
+                  <a:lnRef idx="2">
+                    <a:schemeClr val="accent1">
+                      <a:shade val="50000"/>
+                    </a:schemeClr>
+                  </a:lnRef>
+                  <a:fillRef idx="1">
+                    <a:schemeClr val="accent1"/>
+                  </a:fillRef>
+                  <a:effectRef idx="0">
+                    <a:schemeClr val="accent1"/>
+                  </a:effectRef>
+                  <a:fontRef idx="minor">
+                    <a:schemeClr val="lt1"/>
+                  </a:fontRef>
+                </p:style>
+                <p:txBody>
+                  <a:bodyPr rtlCol="0" anchor="ctr"/>
+                  <a:lstStyle/>
+                  <a:p>
+                    <a:pPr algn="ctr"/>
+                    <a:endParaRPr lang="pt-BR">
+                      <a:solidFill>
+                        <a:srgbClr val="7030A0"/>
+                      </a:solidFill>
+                    </a:endParaRPr>
+                  </a:p>
+                </p:txBody>
+              </p:sp>
+              <p:sp>
+                <p:nvSpPr>
+                  <p:cNvPr id="264" name="Lua 263"/>
+                  <p:cNvSpPr/>
+                  <p:nvPr/>
+                </p:nvSpPr>
+                <p:spPr>
+                  <a:xfrm rot="4888875">
+                    <a:off x="4622462" y="2588504"/>
+                    <a:ext cx="483049" cy="1242485"/>
+                  </a:xfrm>
+                  <a:prstGeom prst="moon">
+                    <a:avLst>
+                      <a:gd name="adj" fmla="val 59731"/>
+                    </a:avLst>
+                  </a:prstGeom>
+                  <a:solidFill>
+                    <a:srgbClr val="7131A1"/>
+                  </a:solidFill>
+                  <a:ln>
+                    <a:noFill/>
+                  </a:ln>
+                  <a:effectLst/>
+                </p:spPr>
+                <p:style>
+                  <a:lnRef idx="2">
+                    <a:schemeClr val="accent1">
+                      <a:shade val="50000"/>
+                    </a:schemeClr>
+                  </a:lnRef>
+                  <a:fillRef idx="1">
+                    <a:schemeClr val="accent1"/>
+                  </a:fillRef>
+                  <a:effectRef idx="0">
+                    <a:schemeClr val="accent1"/>
+                  </a:effectRef>
+                  <a:fontRef idx="minor">
+                    <a:schemeClr val="lt1"/>
+                  </a:fontRef>
+                </p:style>
+                <p:txBody>
+                  <a:bodyPr rtlCol="0" anchor="ctr"/>
+                  <a:lstStyle/>
+                  <a:p>
+                    <a:pPr algn="ctr"/>
+                    <a:endParaRPr lang="pt-BR"/>
+                  </a:p>
+                </p:txBody>
+              </p:sp>
+              <p:grpSp>
+                <p:nvGrpSpPr>
+                  <p:cNvPr id="265" name="Grupo 264"/>
+                  <p:cNvGrpSpPr/>
+                  <p:nvPr/>
+                </p:nvGrpSpPr>
+                <p:grpSpPr>
+                  <a:xfrm rot="10800000">
+                    <a:off x="3906489" y="4444310"/>
+                    <a:ext cx="2177679" cy="680434"/>
+                    <a:chOff x="3834481" y="2485698"/>
+                    <a:chExt cx="2177679" cy="680434"/>
+                  </a:xfrm>
+                </p:grpSpPr>
+                <p:sp>
+                  <p:nvSpPr>
+                    <p:cNvPr id="266" name="Retângulo de cantos arredondados 18"/>
+                    <p:cNvSpPr/>
+                    <p:nvPr/>
+                  </p:nvSpPr>
+                  <p:spPr>
+                    <a:xfrm>
+                      <a:off x="3834481" y="2485698"/>
+                      <a:ext cx="2177679" cy="680434"/>
+                    </a:xfrm>
+                    <a:custGeom>
+                      <a:avLst/>
+                      <a:gdLst/>
+                      <a:ahLst/>
+                      <a:cxnLst/>
+                      <a:rect l="l" t="t" r="r" b="b"/>
+                      <a:pathLst>
+                        <a:path w="2041106" h="578046">
+                          <a:moveTo>
+                            <a:pt x="289023" y="0"/>
+                          </a:moveTo>
+                          <a:lnTo>
+                            <a:pt x="1752083" y="0"/>
+                          </a:lnTo>
+                          <a:cubicBezTo>
+                            <a:pt x="1911706" y="0"/>
+                            <a:pt x="2041106" y="129400"/>
+                            <a:pt x="2041106" y="289023"/>
+                          </a:cubicBezTo>
+                          <a:cubicBezTo>
+                            <a:pt x="2041106" y="428738"/>
+                            <a:pt x="1941971" y="545298"/>
+                            <a:pt x="1810202" y="572187"/>
+                          </a:cubicBezTo>
+                          <a:cubicBezTo>
+                            <a:pt x="1636249" y="345950"/>
+                            <a:pt x="1362230" y="202538"/>
+                            <a:pt x="1054714" y="202538"/>
+                          </a:cubicBezTo>
+                          <a:cubicBezTo>
+                            <a:pt x="744460" y="202538"/>
+                            <a:pt x="468300" y="348516"/>
+                            <a:pt x="294392" y="578046"/>
+                          </a:cubicBezTo>
+                          <a:lnTo>
+                            <a:pt x="289023" y="578046"/>
+                          </a:lnTo>
+                          <a:cubicBezTo>
+                            <a:pt x="129400" y="578046"/>
+                            <a:pt x="0" y="448646"/>
+                            <a:pt x="0" y="289023"/>
+                          </a:cubicBezTo>
+                          <a:cubicBezTo>
+                            <a:pt x="0" y="129400"/>
+                            <a:pt x="129400" y="0"/>
+                            <a:pt x="289023" y="0"/>
+                          </a:cubicBezTo>
+                          <a:close/>
+                        </a:path>
+                      </a:pathLst>
+                    </a:custGeom>
+                    <a:solidFill>
+                      <a:srgbClr val="702FA1"/>
+                    </a:solidFill>
+                    <a:ln>
+                      <a:noFill/>
+                    </a:ln>
+                    <a:effectLst/>
+                  </p:spPr>
+                  <p:style>
+                    <a:lnRef idx="2">
+                      <a:schemeClr val="accent1">
+                        <a:shade val="50000"/>
+                      </a:schemeClr>
+                    </a:lnRef>
+                    <a:fillRef idx="1">
+                      <a:schemeClr val="accent1"/>
+                    </a:fillRef>
+                    <a:effectRef idx="0">
+                      <a:schemeClr val="accent1"/>
+                    </a:effectRef>
+                    <a:fontRef idx="minor">
+                      <a:schemeClr val="lt1"/>
+                    </a:fontRef>
+                  </p:style>
+                  <p:txBody>
+                    <a:bodyPr rtlCol="0" anchor="ctr"/>
+                    <a:lstStyle/>
+                    <a:p>
+                      <a:pPr algn="ctr"/>
+                      <a:endParaRPr lang="pt-BR"/>
+                    </a:p>
+                  </p:txBody>
+                </p:sp>
+                <p:sp>
+                  <p:nvSpPr>
+                    <p:cNvPr id="267" name="Retângulo de cantos arredondados 18"/>
+                    <p:cNvSpPr/>
+                    <p:nvPr/>
+                  </p:nvSpPr>
+                  <p:spPr>
+                    <a:xfrm>
+                      <a:off x="3957140" y="2564904"/>
+                      <a:ext cx="1948083" cy="342021"/>
+                    </a:xfrm>
+                    <a:custGeom>
+                      <a:avLst/>
+                      <a:gdLst/>
+                      <a:ahLst/>
+                      <a:cxnLst/>
+                      <a:rect l="l" t="t" r="r" b="b"/>
+                      <a:pathLst>
+                        <a:path w="2041106" h="578046">
+                          <a:moveTo>
+                            <a:pt x="289023" y="0"/>
+                          </a:moveTo>
+                          <a:lnTo>
+                            <a:pt x="1752083" y="0"/>
+                          </a:lnTo>
+                          <a:cubicBezTo>
+                            <a:pt x="1911706" y="0"/>
+                            <a:pt x="2041106" y="129400"/>
+                            <a:pt x="2041106" y="289023"/>
+                          </a:cubicBezTo>
+                          <a:cubicBezTo>
+                            <a:pt x="2041106" y="428738"/>
+                            <a:pt x="1941971" y="545298"/>
+                            <a:pt x="1810202" y="572187"/>
+                          </a:cubicBezTo>
+                          <a:cubicBezTo>
+                            <a:pt x="1636249" y="345950"/>
+                            <a:pt x="1362230" y="202538"/>
+                            <a:pt x="1054714" y="202538"/>
+                          </a:cubicBezTo>
+                          <a:cubicBezTo>
+                            <a:pt x="744460" y="202538"/>
+                            <a:pt x="468300" y="348516"/>
+                            <a:pt x="294392" y="578046"/>
+                          </a:cubicBezTo>
+                          <a:lnTo>
+                            <a:pt x="289023" y="578046"/>
+                          </a:lnTo>
+                          <a:cubicBezTo>
+                            <a:pt x="129400" y="578046"/>
+                            <a:pt x="0" y="448646"/>
+                            <a:pt x="0" y="289023"/>
+                          </a:cubicBezTo>
+                          <a:cubicBezTo>
+                            <a:pt x="0" y="129400"/>
+                            <a:pt x="129400" y="0"/>
+                            <a:pt x="289023" y="0"/>
+                          </a:cubicBezTo>
+                          <a:close/>
+                        </a:path>
+                      </a:pathLst>
+                    </a:custGeom>
+                    <a:solidFill>
+                      <a:srgbClr val="7A33AF"/>
+                    </a:solidFill>
+                    <a:ln>
+                      <a:noFill/>
+                    </a:ln>
+                    <a:effectLst/>
+                  </p:spPr>
+                  <p:style>
+                    <a:lnRef idx="2">
+                      <a:schemeClr val="accent1">
+                        <a:shade val="50000"/>
+                      </a:schemeClr>
+                    </a:lnRef>
+                    <a:fillRef idx="1">
+                      <a:schemeClr val="accent1"/>
+                    </a:fillRef>
+                    <a:effectRef idx="0">
+                      <a:schemeClr val="accent1"/>
+                    </a:effectRef>
+                    <a:fontRef idx="minor">
+                      <a:schemeClr val="lt1"/>
+                    </a:fontRef>
+                  </p:style>
+                  <p:txBody>
+                    <a:bodyPr rtlCol="0" anchor="ctr"/>
+                    <a:lstStyle/>
+                    <a:p>
+                      <a:pPr algn="ctr"/>
+                      <a:endParaRPr lang="pt-BR"/>
+                    </a:p>
+                  </p:txBody>
+                </p:sp>
+              </p:grpSp>
+            </p:grpSp>
             <p:sp>
               <p:nvSpPr>
-                <p:cNvPr id="309" name="Triângulo isósceles 308"/>
+                <p:cNvPr id="261" name="Retângulo de cantos arredondados 260"/>
                 <p:cNvSpPr/>
                 <p:nvPr/>
               </p:nvSpPr>
               <p:spPr>
-                <a:xfrm>
-                  <a:off x="6520839" y="2088395"/>
-                  <a:ext cx="288032" cy="216024"/>
+                <a:xfrm rot="8880248">
+                  <a:off x="5771800" y="4828895"/>
+                  <a:ext cx="63913" cy="130411"/>
                 </a:xfrm>
-                <a:prstGeom prst="triangle">
-                  <a:avLst/>
+                <a:prstGeom prst="roundRect">
+                  <a:avLst>
+                    <a:gd name="adj" fmla="val 50000"/>
+                  </a:avLst>
                 </a:prstGeom>
-                <a:grpFill/>
-                <a:ln>
-                  <a:noFill/>
-                </a:ln>
-                <a:effectLst/>
-              </p:spPr>
-              <p:style>
-                <a:lnRef idx="2">
-                  <a:schemeClr val="accent1">
-                    <a:shade val="50000"/>
-                  </a:schemeClr>
-                </a:lnRef>
-                <a:fillRef idx="1">
-                  <a:schemeClr val="accent1"/>
-                </a:fillRef>
-                <a:effectRef idx="0">
-                  <a:schemeClr val="accent1"/>
-                </a:effectRef>
-                <a:fontRef idx="minor">
-                  <a:schemeClr val="lt1"/>
-                </a:fontRef>
-              </p:style>
-              <p:txBody>
-                <a:bodyPr rtlCol="0" anchor="ctr"/>
-                <a:lstStyle/>
-                <a:p>
-                  <a:pPr algn="ctr"/>
-                  <a:endParaRPr lang="pt-BR"/>
-                </a:p>
-              </p:txBody>
-            </p:sp>
-            <p:sp>
-              <p:nvSpPr>
-                <p:cNvPr id="310" name="Triângulo isósceles 309"/>
-                <p:cNvSpPr/>
-                <p:nvPr/>
-              </p:nvSpPr>
-              <p:spPr>
-                <a:xfrm>
-                  <a:off x="6786042" y="2088395"/>
-                  <a:ext cx="288032" cy="216024"/>
-                </a:xfrm>
-                <a:prstGeom prst="triangle">
-                  <a:avLst/>
-                </a:prstGeom>
-                <a:grpFill/>
-                <a:ln>
-                  <a:noFill/>
-                </a:ln>
-                <a:effectLst/>
-              </p:spPr>
-              <p:style>
-                <a:lnRef idx="2">
-                  <a:schemeClr val="accent1">
-                    <a:shade val="50000"/>
-                  </a:schemeClr>
-                </a:lnRef>
-                <a:fillRef idx="1">
-                  <a:schemeClr val="accent1"/>
-                </a:fillRef>
-                <a:effectRef idx="0">
-                  <a:schemeClr val="accent1"/>
-                </a:effectRef>
-                <a:fontRef idx="minor">
-                  <a:schemeClr val="lt1"/>
-                </a:fontRef>
-              </p:style>
-              <p:txBody>
-                <a:bodyPr rtlCol="0" anchor="ctr"/>
-                <a:lstStyle/>
-                <a:p>
-                  <a:pPr algn="ctr"/>
-                  <a:endParaRPr lang="pt-BR"/>
-                </a:p>
-              </p:txBody>
-            </p:sp>
-            <p:sp>
-              <p:nvSpPr>
-                <p:cNvPr id="311" name="Triângulo isósceles 310"/>
-                <p:cNvSpPr/>
-                <p:nvPr/>
-              </p:nvSpPr>
-              <p:spPr>
-                <a:xfrm>
-                  <a:off x="7057306" y="2088395"/>
-                  <a:ext cx="288032" cy="216024"/>
-                </a:xfrm>
-                <a:prstGeom prst="triangle">
-                  <a:avLst/>
-                </a:prstGeom>
-                <a:grpFill/>
-                <a:ln>
-                  <a:noFill/>
-                </a:ln>
-                <a:effectLst/>
-              </p:spPr>
-              <p:style>
-                <a:lnRef idx="2">
-                  <a:schemeClr val="accent1">
-                    <a:shade val="50000"/>
-                  </a:schemeClr>
-                </a:lnRef>
-                <a:fillRef idx="1">
-                  <a:schemeClr val="accent1"/>
-                </a:fillRef>
-                <a:effectRef idx="0">
-                  <a:schemeClr val="accent1"/>
-                </a:effectRef>
-                <a:fontRef idx="minor">
-                  <a:schemeClr val="lt1"/>
-                </a:fontRef>
-              </p:style>
-              <p:txBody>
-                <a:bodyPr rtlCol="0" anchor="ctr"/>
-                <a:lstStyle/>
-                <a:p>
-                  <a:pPr algn="ctr"/>
-                  <a:endParaRPr lang="pt-BR"/>
-                </a:p>
-              </p:txBody>
-            </p:sp>
-            <p:sp>
-              <p:nvSpPr>
-                <p:cNvPr id="312" name="Triângulo isósceles 311"/>
-                <p:cNvSpPr/>
-                <p:nvPr/>
-              </p:nvSpPr>
-              <p:spPr>
-                <a:xfrm>
-                  <a:off x="7358127" y="2088395"/>
-                  <a:ext cx="288032" cy="216024"/>
-                </a:xfrm>
-                <a:prstGeom prst="triangle">
-                  <a:avLst/>
-                </a:prstGeom>
-                <a:grpFill/>
-                <a:ln>
-                  <a:noFill/>
-                </a:ln>
-                <a:effectLst/>
-              </p:spPr>
-              <p:style>
-                <a:lnRef idx="2">
-                  <a:schemeClr val="accent1">
-                    <a:shade val="50000"/>
-                  </a:schemeClr>
-                </a:lnRef>
-                <a:fillRef idx="1">
-                  <a:schemeClr val="accent1"/>
-                </a:fillRef>
-                <a:effectRef idx="0">
-                  <a:schemeClr val="accent1"/>
-                </a:effectRef>
-                <a:fontRef idx="minor">
-                  <a:schemeClr val="lt1"/>
-                </a:fontRef>
-              </p:style>
-              <p:txBody>
-                <a:bodyPr rtlCol="0" anchor="ctr"/>
-                <a:lstStyle/>
-                <a:p>
-                  <a:pPr algn="ctr"/>
-                  <a:endParaRPr lang="pt-BR"/>
-                </a:p>
-              </p:txBody>
-            </p:sp>
-            <p:sp>
-              <p:nvSpPr>
-                <p:cNvPr id="313" name="Triângulo isósceles 312"/>
-                <p:cNvSpPr/>
-                <p:nvPr/>
-              </p:nvSpPr>
-              <p:spPr>
-                <a:xfrm>
-                  <a:off x="7628725" y="2088395"/>
-                  <a:ext cx="288032" cy="216024"/>
-                </a:xfrm>
-                <a:prstGeom prst="triangle">
-                  <a:avLst/>
-                </a:prstGeom>
-                <a:grpFill/>
-                <a:ln>
-                  <a:noFill/>
-                </a:ln>
-                <a:effectLst/>
-              </p:spPr>
-              <p:style>
-                <a:lnRef idx="2">
-                  <a:schemeClr val="accent1">
-                    <a:shade val="50000"/>
-                  </a:schemeClr>
-                </a:lnRef>
-                <a:fillRef idx="1">
-                  <a:schemeClr val="accent1"/>
-                </a:fillRef>
-                <a:effectRef idx="0">
-                  <a:schemeClr val="accent1"/>
-                </a:effectRef>
-                <a:fontRef idx="minor">
-                  <a:schemeClr val="lt1"/>
-                </a:fontRef>
-              </p:style>
-              <p:txBody>
-                <a:bodyPr rtlCol="0" anchor="ctr"/>
-                <a:lstStyle/>
-                <a:p>
-                  <a:pPr algn="ctr"/>
-                  <a:endParaRPr lang="pt-BR"/>
-                </a:p>
-              </p:txBody>
-            </p:sp>
-            <p:sp>
-              <p:nvSpPr>
-                <p:cNvPr id="314" name="Triângulo isósceles 313"/>
-                <p:cNvSpPr/>
-                <p:nvPr/>
-              </p:nvSpPr>
-              <p:spPr>
-                <a:xfrm>
-                  <a:off x="7939022" y="2088395"/>
-                  <a:ext cx="288032" cy="216024"/>
-                </a:xfrm>
-                <a:prstGeom prst="triangle">
-                  <a:avLst/>
-                </a:prstGeom>
-                <a:grpFill/>
-                <a:ln>
-                  <a:noFill/>
-                </a:ln>
-                <a:effectLst/>
-              </p:spPr>
-              <p:style>
-                <a:lnRef idx="2">
-                  <a:schemeClr val="accent1">
-                    <a:shade val="50000"/>
-                  </a:schemeClr>
-                </a:lnRef>
-                <a:fillRef idx="1">
-                  <a:schemeClr val="accent1"/>
-                </a:fillRef>
-                <a:effectRef idx="0">
-                  <a:schemeClr val="accent1"/>
-                </a:effectRef>
-                <a:fontRef idx="minor">
-                  <a:schemeClr val="lt1"/>
-                </a:fontRef>
-              </p:style>
-              <p:txBody>
-                <a:bodyPr rtlCol="0" anchor="ctr"/>
-                <a:lstStyle/>
-                <a:p>
-                  <a:pPr algn="ctr"/>
-                  <a:endParaRPr lang="pt-BR"/>
-                </a:p>
-              </p:txBody>
-            </p:sp>
-            <p:sp>
-              <p:nvSpPr>
-                <p:cNvPr id="315" name="Triângulo isósceles 314"/>
-                <p:cNvSpPr/>
-                <p:nvPr/>
-              </p:nvSpPr>
-              <p:spPr>
-                <a:xfrm>
-                  <a:off x="8227054" y="2088395"/>
-                  <a:ext cx="288032" cy="216024"/>
-                </a:xfrm>
-                <a:prstGeom prst="triangle">
-                  <a:avLst/>
-                </a:prstGeom>
-                <a:grpFill/>
-                <a:ln>
-                  <a:noFill/>
-                </a:ln>
-                <a:effectLst/>
-              </p:spPr>
-              <p:style>
-                <a:lnRef idx="2">
-                  <a:schemeClr val="accent1">
-                    <a:shade val="50000"/>
-                  </a:schemeClr>
-                </a:lnRef>
-                <a:fillRef idx="1">
-                  <a:schemeClr val="accent1"/>
-                </a:fillRef>
-                <a:effectRef idx="0">
-                  <a:schemeClr val="accent1"/>
-                </a:effectRef>
-                <a:fontRef idx="minor">
-                  <a:schemeClr val="lt1"/>
-                </a:fontRef>
-              </p:style>
-              <p:txBody>
-                <a:bodyPr rtlCol="0" anchor="ctr"/>
-                <a:lstStyle/>
-                <a:p>
-                  <a:pPr algn="ctr"/>
-                  <a:endParaRPr lang="pt-BR"/>
-                </a:p>
-              </p:txBody>
-            </p:sp>
-            <p:sp>
-              <p:nvSpPr>
-                <p:cNvPr id="316" name="Triângulo isósceles 315"/>
-                <p:cNvSpPr/>
-                <p:nvPr/>
-              </p:nvSpPr>
-              <p:spPr>
-                <a:xfrm>
-                  <a:off x="8515086" y="2088395"/>
-                  <a:ext cx="288032" cy="216024"/>
-                </a:xfrm>
-                <a:prstGeom prst="triangle">
-                  <a:avLst/>
-                </a:prstGeom>
-                <a:grpFill/>
+                <a:solidFill>
+                  <a:srgbClr val="AE77D7"/>
+                </a:solidFill>
                 <a:ln>
                   <a:noFill/>
                 </a:ln>
@@ -16070,2213 +18292,6 @@
               </p:txBody>
             </p:sp>
           </p:grpSp>
-          <p:grpSp>
-            <p:nvGrpSpPr>
-              <p:cNvPr id="296" name="Grupo 295"/>
-              <p:cNvGrpSpPr/>
-              <p:nvPr/>
-            </p:nvGrpSpPr>
-            <p:grpSpPr>
-              <a:xfrm rot="10800000">
-                <a:off x="3798090" y="3357800"/>
-                <a:ext cx="2703476" cy="108012"/>
-                <a:chOff x="5952287" y="2088395"/>
-                <a:chExt cx="2850831" cy="216024"/>
-              </a:xfrm>
-              <a:grpFill/>
-            </p:grpSpPr>
-            <p:sp>
-              <p:nvSpPr>
-                <p:cNvPr id="297" name="Triângulo isósceles 296"/>
-                <p:cNvSpPr/>
-                <p:nvPr/>
-              </p:nvSpPr>
-              <p:spPr>
-                <a:xfrm>
-                  <a:off x="5952287" y="2088395"/>
-                  <a:ext cx="288032" cy="216024"/>
-                </a:xfrm>
-                <a:prstGeom prst="triangle">
-                  <a:avLst/>
-                </a:prstGeom>
-                <a:grpFill/>
-                <a:ln>
-                  <a:noFill/>
-                </a:ln>
-                <a:effectLst/>
-              </p:spPr>
-              <p:style>
-                <a:lnRef idx="2">
-                  <a:schemeClr val="accent1">
-                    <a:shade val="50000"/>
-                  </a:schemeClr>
-                </a:lnRef>
-                <a:fillRef idx="1">
-                  <a:schemeClr val="accent1"/>
-                </a:fillRef>
-                <a:effectRef idx="0">
-                  <a:schemeClr val="accent1"/>
-                </a:effectRef>
-                <a:fontRef idx="minor">
-                  <a:schemeClr val="lt1"/>
-                </a:fontRef>
-              </p:style>
-              <p:txBody>
-                <a:bodyPr rtlCol="0" anchor="ctr"/>
-                <a:lstStyle/>
-                <a:p>
-                  <a:pPr algn="ctr"/>
-                  <a:endParaRPr lang="pt-BR"/>
-                </a:p>
-              </p:txBody>
-            </p:sp>
-            <p:sp>
-              <p:nvSpPr>
-                <p:cNvPr id="298" name="Triângulo isósceles 297"/>
-                <p:cNvSpPr/>
-                <p:nvPr/>
-              </p:nvSpPr>
-              <p:spPr>
-                <a:xfrm>
-                  <a:off x="6241783" y="2088395"/>
-                  <a:ext cx="288032" cy="216024"/>
-                </a:xfrm>
-                <a:prstGeom prst="triangle">
-                  <a:avLst/>
-                </a:prstGeom>
-                <a:grpFill/>
-                <a:ln>
-                  <a:noFill/>
-                </a:ln>
-                <a:effectLst/>
-              </p:spPr>
-              <p:style>
-                <a:lnRef idx="2">
-                  <a:schemeClr val="accent1">
-                    <a:shade val="50000"/>
-                  </a:schemeClr>
-                </a:lnRef>
-                <a:fillRef idx="1">
-                  <a:schemeClr val="accent1"/>
-                </a:fillRef>
-                <a:effectRef idx="0">
-                  <a:schemeClr val="accent1"/>
-                </a:effectRef>
-                <a:fontRef idx="minor">
-                  <a:schemeClr val="lt1"/>
-                </a:fontRef>
-              </p:style>
-              <p:txBody>
-                <a:bodyPr rtlCol="0" anchor="ctr"/>
-                <a:lstStyle/>
-                <a:p>
-                  <a:pPr algn="ctr"/>
-                  <a:endParaRPr lang="pt-BR"/>
-                </a:p>
-              </p:txBody>
-            </p:sp>
-            <p:sp>
-              <p:nvSpPr>
-                <p:cNvPr id="299" name="Triângulo isósceles 298"/>
-                <p:cNvSpPr/>
-                <p:nvPr/>
-              </p:nvSpPr>
-              <p:spPr>
-                <a:xfrm>
-                  <a:off x="6520839" y="2088395"/>
-                  <a:ext cx="288032" cy="216024"/>
-                </a:xfrm>
-                <a:prstGeom prst="triangle">
-                  <a:avLst/>
-                </a:prstGeom>
-                <a:grpFill/>
-                <a:ln>
-                  <a:noFill/>
-                </a:ln>
-                <a:effectLst/>
-              </p:spPr>
-              <p:style>
-                <a:lnRef idx="2">
-                  <a:schemeClr val="accent1">
-                    <a:shade val="50000"/>
-                  </a:schemeClr>
-                </a:lnRef>
-                <a:fillRef idx="1">
-                  <a:schemeClr val="accent1"/>
-                </a:fillRef>
-                <a:effectRef idx="0">
-                  <a:schemeClr val="accent1"/>
-                </a:effectRef>
-                <a:fontRef idx="minor">
-                  <a:schemeClr val="lt1"/>
-                </a:fontRef>
-              </p:style>
-              <p:txBody>
-                <a:bodyPr rtlCol="0" anchor="ctr"/>
-                <a:lstStyle/>
-                <a:p>
-                  <a:pPr algn="ctr"/>
-                  <a:endParaRPr lang="pt-BR"/>
-                </a:p>
-              </p:txBody>
-            </p:sp>
-            <p:sp>
-              <p:nvSpPr>
-                <p:cNvPr id="300" name="Triângulo isósceles 299"/>
-                <p:cNvSpPr/>
-                <p:nvPr/>
-              </p:nvSpPr>
-              <p:spPr>
-                <a:xfrm>
-                  <a:off x="6786042" y="2088395"/>
-                  <a:ext cx="288032" cy="216024"/>
-                </a:xfrm>
-                <a:prstGeom prst="triangle">
-                  <a:avLst/>
-                </a:prstGeom>
-                <a:grpFill/>
-                <a:ln>
-                  <a:noFill/>
-                </a:ln>
-                <a:effectLst/>
-              </p:spPr>
-              <p:style>
-                <a:lnRef idx="2">
-                  <a:schemeClr val="accent1">
-                    <a:shade val="50000"/>
-                  </a:schemeClr>
-                </a:lnRef>
-                <a:fillRef idx="1">
-                  <a:schemeClr val="accent1"/>
-                </a:fillRef>
-                <a:effectRef idx="0">
-                  <a:schemeClr val="accent1"/>
-                </a:effectRef>
-                <a:fontRef idx="minor">
-                  <a:schemeClr val="lt1"/>
-                </a:fontRef>
-              </p:style>
-              <p:txBody>
-                <a:bodyPr rtlCol="0" anchor="ctr"/>
-                <a:lstStyle/>
-                <a:p>
-                  <a:pPr algn="ctr"/>
-                  <a:endParaRPr lang="pt-BR"/>
-                </a:p>
-              </p:txBody>
-            </p:sp>
-            <p:sp>
-              <p:nvSpPr>
-                <p:cNvPr id="301" name="Triângulo isósceles 300"/>
-                <p:cNvSpPr/>
-                <p:nvPr/>
-              </p:nvSpPr>
-              <p:spPr>
-                <a:xfrm>
-                  <a:off x="7057306" y="2088395"/>
-                  <a:ext cx="288032" cy="216024"/>
-                </a:xfrm>
-                <a:prstGeom prst="triangle">
-                  <a:avLst/>
-                </a:prstGeom>
-                <a:grpFill/>
-                <a:ln>
-                  <a:noFill/>
-                </a:ln>
-                <a:effectLst/>
-              </p:spPr>
-              <p:style>
-                <a:lnRef idx="2">
-                  <a:schemeClr val="accent1">
-                    <a:shade val="50000"/>
-                  </a:schemeClr>
-                </a:lnRef>
-                <a:fillRef idx="1">
-                  <a:schemeClr val="accent1"/>
-                </a:fillRef>
-                <a:effectRef idx="0">
-                  <a:schemeClr val="accent1"/>
-                </a:effectRef>
-                <a:fontRef idx="minor">
-                  <a:schemeClr val="lt1"/>
-                </a:fontRef>
-              </p:style>
-              <p:txBody>
-                <a:bodyPr rtlCol="0" anchor="ctr"/>
-                <a:lstStyle/>
-                <a:p>
-                  <a:pPr algn="ctr"/>
-                  <a:endParaRPr lang="pt-BR"/>
-                </a:p>
-              </p:txBody>
-            </p:sp>
-            <p:sp>
-              <p:nvSpPr>
-                <p:cNvPr id="302" name="Triângulo isósceles 301"/>
-                <p:cNvSpPr/>
-                <p:nvPr/>
-              </p:nvSpPr>
-              <p:spPr>
-                <a:xfrm>
-                  <a:off x="7358127" y="2088395"/>
-                  <a:ext cx="288032" cy="216024"/>
-                </a:xfrm>
-                <a:prstGeom prst="triangle">
-                  <a:avLst/>
-                </a:prstGeom>
-                <a:grpFill/>
-                <a:ln>
-                  <a:noFill/>
-                </a:ln>
-                <a:effectLst/>
-              </p:spPr>
-              <p:style>
-                <a:lnRef idx="2">
-                  <a:schemeClr val="accent1">
-                    <a:shade val="50000"/>
-                  </a:schemeClr>
-                </a:lnRef>
-                <a:fillRef idx="1">
-                  <a:schemeClr val="accent1"/>
-                </a:fillRef>
-                <a:effectRef idx="0">
-                  <a:schemeClr val="accent1"/>
-                </a:effectRef>
-                <a:fontRef idx="minor">
-                  <a:schemeClr val="lt1"/>
-                </a:fontRef>
-              </p:style>
-              <p:txBody>
-                <a:bodyPr rtlCol="0" anchor="ctr"/>
-                <a:lstStyle/>
-                <a:p>
-                  <a:pPr algn="ctr"/>
-                  <a:endParaRPr lang="pt-BR"/>
-                </a:p>
-              </p:txBody>
-            </p:sp>
-            <p:sp>
-              <p:nvSpPr>
-                <p:cNvPr id="303" name="Triângulo isósceles 302"/>
-                <p:cNvSpPr/>
-                <p:nvPr/>
-              </p:nvSpPr>
-              <p:spPr>
-                <a:xfrm>
-                  <a:off x="7628725" y="2088395"/>
-                  <a:ext cx="288032" cy="216024"/>
-                </a:xfrm>
-                <a:prstGeom prst="triangle">
-                  <a:avLst/>
-                </a:prstGeom>
-                <a:grpFill/>
-                <a:ln>
-                  <a:noFill/>
-                </a:ln>
-                <a:effectLst/>
-              </p:spPr>
-              <p:style>
-                <a:lnRef idx="2">
-                  <a:schemeClr val="accent1">
-                    <a:shade val="50000"/>
-                  </a:schemeClr>
-                </a:lnRef>
-                <a:fillRef idx="1">
-                  <a:schemeClr val="accent1"/>
-                </a:fillRef>
-                <a:effectRef idx="0">
-                  <a:schemeClr val="accent1"/>
-                </a:effectRef>
-                <a:fontRef idx="minor">
-                  <a:schemeClr val="lt1"/>
-                </a:fontRef>
-              </p:style>
-              <p:txBody>
-                <a:bodyPr rtlCol="0" anchor="ctr"/>
-                <a:lstStyle/>
-                <a:p>
-                  <a:pPr algn="ctr"/>
-                  <a:endParaRPr lang="pt-BR"/>
-                </a:p>
-              </p:txBody>
-            </p:sp>
-            <p:sp>
-              <p:nvSpPr>
-                <p:cNvPr id="304" name="Triângulo isósceles 303"/>
-                <p:cNvSpPr/>
-                <p:nvPr/>
-              </p:nvSpPr>
-              <p:spPr>
-                <a:xfrm>
-                  <a:off x="7939022" y="2088395"/>
-                  <a:ext cx="288032" cy="216024"/>
-                </a:xfrm>
-                <a:prstGeom prst="triangle">
-                  <a:avLst/>
-                </a:prstGeom>
-                <a:grpFill/>
-                <a:ln>
-                  <a:noFill/>
-                </a:ln>
-                <a:effectLst/>
-              </p:spPr>
-              <p:style>
-                <a:lnRef idx="2">
-                  <a:schemeClr val="accent1">
-                    <a:shade val="50000"/>
-                  </a:schemeClr>
-                </a:lnRef>
-                <a:fillRef idx="1">
-                  <a:schemeClr val="accent1"/>
-                </a:fillRef>
-                <a:effectRef idx="0">
-                  <a:schemeClr val="accent1"/>
-                </a:effectRef>
-                <a:fontRef idx="minor">
-                  <a:schemeClr val="lt1"/>
-                </a:fontRef>
-              </p:style>
-              <p:txBody>
-                <a:bodyPr rtlCol="0" anchor="ctr"/>
-                <a:lstStyle/>
-                <a:p>
-                  <a:pPr algn="ctr"/>
-                  <a:endParaRPr lang="pt-BR"/>
-                </a:p>
-              </p:txBody>
-            </p:sp>
-            <p:sp>
-              <p:nvSpPr>
-                <p:cNvPr id="305" name="Triângulo isósceles 304"/>
-                <p:cNvSpPr/>
-                <p:nvPr/>
-              </p:nvSpPr>
-              <p:spPr>
-                <a:xfrm>
-                  <a:off x="8227054" y="2088395"/>
-                  <a:ext cx="288032" cy="216024"/>
-                </a:xfrm>
-                <a:prstGeom prst="triangle">
-                  <a:avLst/>
-                </a:prstGeom>
-                <a:grpFill/>
-                <a:ln>
-                  <a:noFill/>
-                </a:ln>
-                <a:effectLst/>
-              </p:spPr>
-              <p:style>
-                <a:lnRef idx="2">
-                  <a:schemeClr val="accent1">
-                    <a:shade val="50000"/>
-                  </a:schemeClr>
-                </a:lnRef>
-                <a:fillRef idx="1">
-                  <a:schemeClr val="accent1"/>
-                </a:fillRef>
-                <a:effectRef idx="0">
-                  <a:schemeClr val="accent1"/>
-                </a:effectRef>
-                <a:fontRef idx="minor">
-                  <a:schemeClr val="lt1"/>
-                </a:fontRef>
-              </p:style>
-              <p:txBody>
-                <a:bodyPr rtlCol="0" anchor="ctr"/>
-                <a:lstStyle/>
-                <a:p>
-                  <a:pPr algn="ctr"/>
-                  <a:endParaRPr lang="pt-BR"/>
-                </a:p>
-              </p:txBody>
-            </p:sp>
-            <p:sp>
-              <p:nvSpPr>
-                <p:cNvPr id="306" name="Triângulo isósceles 305"/>
-                <p:cNvSpPr/>
-                <p:nvPr/>
-              </p:nvSpPr>
-              <p:spPr>
-                <a:xfrm>
-                  <a:off x="8515086" y="2088395"/>
-                  <a:ext cx="288032" cy="216024"/>
-                </a:xfrm>
-                <a:prstGeom prst="triangle">
-                  <a:avLst/>
-                </a:prstGeom>
-                <a:grpFill/>
-                <a:ln>
-                  <a:noFill/>
-                </a:ln>
-                <a:effectLst/>
-              </p:spPr>
-              <p:style>
-                <a:lnRef idx="2">
-                  <a:schemeClr val="accent1">
-                    <a:shade val="50000"/>
-                  </a:schemeClr>
-                </a:lnRef>
-                <a:fillRef idx="1">
-                  <a:schemeClr val="accent1"/>
-                </a:fillRef>
-                <a:effectRef idx="0">
-                  <a:schemeClr val="accent1"/>
-                </a:effectRef>
-                <a:fontRef idx="minor">
-                  <a:schemeClr val="lt1"/>
-                </a:fontRef>
-              </p:style>
-              <p:txBody>
-                <a:bodyPr rtlCol="0" anchor="ctr"/>
-                <a:lstStyle/>
-                <a:p>
-                  <a:pPr algn="ctr"/>
-                  <a:endParaRPr lang="pt-BR"/>
-                </a:p>
-              </p:txBody>
-            </p:sp>
-          </p:grpSp>
-        </p:grpSp>
-        <p:grpSp>
-          <p:nvGrpSpPr>
-            <p:cNvPr id="256" name="Agrupar 15">
-              <a:extLst>
-                <a:ext uri="{FF2B5EF4-FFF2-40B4-BE49-F238E27FC236}">
-                  <a16:creationId xmlns:a16="http://schemas.microsoft.com/office/drawing/2014/main" xmlns="" id="{CDA0B437-9E5C-43AF-AD41-CFFD83C35D59}"/>
-                </a:ext>
-              </a:extLst>
-            </p:cNvPr>
-            <p:cNvGrpSpPr/>
-            <p:nvPr/>
-          </p:nvGrpSpPr>
-          <p:grpSpPr>
-            <a:xfrm>
-              <a:off x="-97830" y="2366963"/>
-              <a:ext cx="2714217" cy="2854593"/>
-              <a:chOff x="3787349" y="611219"/>
-              <a:chExt cx="2714217" cy="2854593"/>
-            </a:xfrm>
-            <a:solidFill>
-              <a:srgbClr val="893BC3"/>
-            </a:solidFill>
-          </p:grpSpPr>
-          <p:sp>
-            <p:nvSpPr>
-              <p:cNvPr id="271" name="Retângulo 270"/>
-              <p:cNvSpPr/>
-              <p:nvPr/>
-            </p:nvSpPr>
-            <p:spPr>
-              <a:xfrm>
-                <a:off x="3792719" y="708149"/>
-                <a:ext cx="2703477" cy="2664296"/>
-              </a:xfrm>
-              <a:prstGeom prst="rect">
-                <a:avLst/>
-              </a:prstGeom>
-              <a:grpFill/>
-              <a:ln>
-                <a:noFill/>
-              </a:ln>
-              <a:effectLst/>
-            </p:spPr>
-            <p:style>
-              <a:lnRef idx="2">
-                <a:schemeClr val="accent1">
-                  <a:shade val="50000"/>
-                </a:schemeClr>
-              </a:lnRef>
-              <a:fillRef idx="1">
-                <a:schemeClr val="accent1"/>
-              </a:fillRef>
-              <a:effectRef idx="0">
-                <a:schemeClr val="accent1"/>
-              </a:effectRef>
-              <a:fontRef idx="minor">
-                <a:schemeClr val="lt1"/>
-              </a:fontRef>
-            </p:style>
-            <p:txBody>
-              <a:bodyPr rtlCol="0" anchor="ctr"/>
-              <a:lstStyle/>
-              <a:p>
-                <a:pPr algn="ctr"/>
-                <a:endParaRPr lang="pt-BR">
-                  <a:solidFill>
-                    <a:srgbClr val="9900FF"/>
-                  </a:solidFill>
-                </a:endParaRPr>
-              </a:p>
-            </p:txBody>
-          </p:sp>
-          <p:grpSp>
-            <p:nvGrpSpPr>
-              <p:cNvPr id="272" name="Grupo 271"/>
-              <p:cNvGrpSpPr/>
-              <p:nvPr/>
-            </p:nvGrpSpPr>
-            <p:grpSpPr>
-              <a:xfrm>
-                <a:off x="3787349" y="611219"/>
-                <a:ext cx="2703476" cy="108012"/>
-                <a:chOff x="5952287" y="2088395"/>
-                <a:chExt cx="2850831" cy="216024"/>
-              </a:xfrm>
-              <a:grpFill/>
-            </p:grpSpPr>
-            <p:sp>
-              <p:nvSpPr>
-                <p:cNvPr id="284" name="Triângulo isósceles 283"/>
-                <p:cNvSpPr/>
-                <p:nvPr/>
-              </p:nvSpPr>
-              <p:spPr>
-                <a:xfrm>
-                  <a:off x="5952287" y="2088395"/>
-                  <a:ext cx="288032" cy="216024"/>
-                </a:xfrm>
-                <a:prstGeom prst="triangle">
-                  <a:avLst/>
-                </a:prstGeom>
-                <a:grpFill/>
-                <a:ln>
-                  <a:noFill/>
-                </a:ln>
-                <a:effectLst/>
-              </p:spPr>
-              <p:style>
-                <a:lnRef idx="2">
-                  <a:schemeClr val="accent1">
-                    <a:shade val="50000"/>
-                  </a:schemeClr>
-                </a:lnRef>
-                <a:fillRef idx="1">
-                  <a:schemeClr val="accent1"/>
-                </a:fillRef>
-                <a:effectRef idx="0">
-                  <a:schemeClr val="accent1"/>
-                </a:effectRef>
-                <a:fontRef idx="minor">
-                  <a:schemeClr val="lt1"/>
-                </a:fontRef>
-              </p:style>
-              <p:txBody>
-                <a:bodyPr rtlCol="0" anchor="ctr"/>
-                <a:lstStyle/>
-                <a:p>
-                  <a:pPr algn="ctr"/>
-                  <a:endParaRPr lang="pt-BR"/>
-                </a:p>
-              </p:txBody>
-            </p:sp>
-            <p:sp>
-              <p:nvSpPr>
-                <p:cNvPr id="285" name="Triângulo isósceles 284"/>
-                <p:cNvSpPr/>
-                <p:nvPr/>
-              </p:nvSpPr>
-              <p:spPr>
-                <a:xfrm>
-                  <a:off x="6241783" y="2088395"/>
-                  <a:ext cx="288032" cy="216024"/>
-                </a:xfrm>
-                <a:prstGeom prst="triangle">
-                  <a:avLst/>
-                </a:prstGeom>
-                <a:grpFill/>
-                <a:ln>
-                  <a:noFill/>
-                </a:ln>
-                <a:effectLst/>
-              </p:spPr>
-              <p:style>
-                <a:lnRef idx="2">
-                  <a:schemeClr val="accent1">
-                    <a:shade val="50000"/>
-                  </a:schemeClr>
-                </a:lnRef>
-                <a:fillRef idx="1">
-                  <a:schemeClr val="accent1"/>
-                </a:fillRef>
-                <a:effectRef idx="0">
-                  <a:schemeClr val="accent1"/>
-                </a:effectRef>
-                <a:fontRef idx="minor">
-                  <a:schemeClr val="lt1"/>
-                </a:fontRef>
-              </p:style>
-              <p:txBody>
-                <a:bodyPr rtlCol="0" anchor="ctr"/>
-                <a:lstStyle/>
-                <a:p>
-                  <a:pPr algn="ctr"/>
-                  <a:endParaRPr lang="pt-BR"/>
-                </a:p>
-              </p:txBody>
-            </p:sp>
-            <p:sp>
-              <p:nvSpPr>
-                <p:cNvPr id="286" name="Triângulo isósceles 285"/>
-                <p:cNvSpPr/>
-                <p:nvPr/>
-              </p:nvSpPr>
-              <p:spPr>
-                <a:xfrm>
-                  <a:off x="6520839" y="2088395"/>
-                  <a:ext cx="288032" cy="216024"/>
-                </a:xfrm>
-                <a:prstGeom prst="triangle">
-                  <a:avLst/>
-                </a:prstGeom>
-                <a:grpFill/>
-                <a:ln>
-                  <a:noFill/>
-                </a:ln>
-                <a:effectLst/>
-              </p:spPr>
-              <p:style>
-                <a:lnRef idx="2">
-                  <a:schemeClr val="accent1">
-                    <a:shade val="50000"/>
-                  </a:schemeClr>
-                </a:lnRef>
-                <a:fillRef idx="1">
-                  <a:schemeClr val="accent1"/>
-                </a:fillRef>
-                <a:effectRef idx="0">
-                  <a:schemeClr val="accent1"/>
-                </a:effectRef>
-                <a:fontRef idx="minor">
-                  <a:schemeClr val="lt1"/>
-                </a:fontRef>
-              </p:style>
-              <p:txBody>
-                <a:bodyPr rtlCol="0" anchor="ctr"/>
-                <a:lstStyle/>
-                <a:p>
-                  <a:pPr algn="ctr"/>
-                  <a:endParaRPr lang="pt-BR"/>
-                </a:p>
-              </p:txBody>
-            </p:sp>
-            <p:sp>
-              <p:nvSpPr>
-                <p:cNvPr id="287" name="Triângulo isósceles 286"/>
-                <p:cNvSpPr/>
-                <p:nvPr/>
-              </p:nvSpPr>
-              <p:spPr>
-                <a:xfrm>
-                  <a:off x="6786042" y="2088395"/>
-                  <a:ext cx="288032" cy="216024"/>
-                </a:xfrm>
-                <a:prstGeom prst="triangle">
-                  <a:avLst/>
-                </a:prstGeom>
-                <a:grpFill/>
-                <a:ln>
-                  <a:noFill/>
-                </a:ln>
-                <a:effectLst/>
-              </p:spPr>
-              <p:style>
-                <a:lnRef idx="2">
-                  <a:schemeClr val="accent1">
-                    <a:shade val="50000"/>
-                  </a:schemeClr>
-                </a:lnRef>
-                <a:fillRef idx="1">
-                  <a:schemeClr val="accent1"/>
-                </a:fillRef>
-                <a:effectRef idx="0">
-                  <a:schemeClr val="accent1"/>
-                </a:effectRef>
-                <a:fontRef idx="minor">
-                  <a:schemeClr val="lt1"/>
-                </a:fontRef>
-              </p:style>
-              <p:txBody>
-                <a:bodyPr rtlCol="0" anchor="ctr"/>
-                <a:lstStyle/>
-                <a:p>
-                  <a:pPr algn="ctr"/>
-                  <a:endParaRPr lang="pt-BR"/>
-                </a:p>
-              </p:txBody>
-            </p:sp>
-            <p:sp>
-              <p:nvSpPr>
-                <p:cNvPr id="288" name="Triângulo isósceles 287"/>
-                <p:cNvSpPr/>
-                <p:nvPr/>
-              </p:nvSpPr>
-              <p:spPr>
-                <a:xfrm>
-                  <a:off x="7057306" y="2088395"/>
-                  <a:ext cx="288032" cy="216024"/>
-                </a:xfrm>
-                <a:prstGeom prst="triangle">
-                  <a:avLst/>
-                </a:prstGeom>
-                <a:grpFill/>
-                <a:ln>
-                  <a:noFill/>
-                </a:ln>
-                <a:effectLst/>
-              </p:spPr>
-              <p:style>
-                <a:lnRef idx="2">
-                  <a:schemeClr val="accent1">
-                    <a:shade val="50000"/>
-                  </a:schemeClr>
-                </a:lnRef>
-                <a:fillRef idx="1">
-                  <a:schemeClr val="accent1"/>
-                </a:fillRef>
-                <a:effectRef idx="0">
-                  <a:schemeClr val="accent1"/>
-                </a:effectRef>
-                <a:fontRef idx="minor">
-                  <a:schemeClr val="lt1"/>
-                </a:fontRef>
-              </p:style>
-              <p:txBody>
-                <a:bodyPr rtlCol="0" anchor="ctr"/>
-                <a:lstStyle/>
-                <a:p>
-                  <a:pPr algn="ctr"/>
-                  <a:endParaRPr lang="pt-BR"/>
-                </a:p>
-              </p:txBody>
-            </p:sp>
-            <p:sp>
-              <p:nvSpPr>
-                <p:cNvPr id="289" name="Triângulo isósceles 288"/>
-                <p:cNvSpPr/>
-                <p:nvPr/>
-              </p:nvSpPr>
-              <p:spPr>
-                <a:xfrm>
-                  <a:off x="7358127" y="2088395"/>
-                  <a:ext cx="288032" cy="216024"/>
-                </a:xfrm>
-                <a:prstGeom prst="triangle">
-                  <a:avLst/>
-                </a:prstGeom>
-                <a:grpFill/>
-                <a:ln>
-                  <a:noFill/>
-                </a:ln>
-                <a:effectLst/>
-              </p:spPr>
-              <p:style>
-                <a:lnRef idx="2">
-                  <a:schemeClr val="accent1">
-                    <a:shade val="50000"/>
-                  </a:schemeClr>
-                </a:lnRef>
-                <a:fillRef idx="1">
-                  <a:schemeClr val="accent1"/>
-                </a:fillRef>
-                <a:effectRef idx="0">
-                  <a:schemeClr val="accent1"/>
-                </a:effectRef>
-                <a:fontRef idx="minor">
-                  <a:schemeClr val="lt1"/>
-                </a:fontRef>
-              </p:style>
-              <p:txBody>
-                <a:bodyPr rtlCol="0" anchor="ctr"/>
-                <a:lstStyle/>
-                <a:p>
-                  <a:pPr algn="ctr"/>
-                  <a:endParaRPr lang="pt-BR"/>
-                </a:p>
-              </p:txBody>
-            </p:sp>
-            <p:sp>
-              <p:nvSpPr>
-                <p:cNvPr id="290" name="Triângulo isósceles 289"/>
-                <p:cNvSpPr/>
-                <p:nvPr/>
-              </p:nvSpPr>
-              <p:spPr>
-                <a:xfrm>
-                  <a:off x="7628725" y="2088395"/>
-                  <a:ext cx="288032" cy="216024"/>
-                </a:xfrm>
-                <a:prstGeom prst="triangle">
-                  <a:avLst/>
-                </a:prstGeom>
-                <a:grpFill/>
-                <a:ln>
-                  <a:noFill/>
-                </a:ln>
-                <a:effectLst/>
-              </p:spPr>
-              <p:style>
-                <a:lnRef idx="2">
-                  <a:schemeClr val="accent1">
-                    <a:shade val="50000"/>
-                  </a:schemeClr>
-                </a:lnRef>
-                <a:fillRef idx="1">
-                  <a:schemeClr val="accent1"/>
-                </a:fillRef>
-                <a:effectRef idx="0">
-                  <a:schemeClr val="accent1"/>
-                </a:effectRef>
-                <a:fontRef idx="minor">
-                  <a:schemeClr val="lt1"/>
-                </a:fontRef>
-              </p:style>
-              <p:txBody>
-                <a:bodyPr rtlCol="0" anchor="ctr"/>
-                <a:lstStyle/>
-                <a:p>
-                  <a:pPr algn="ctr"/>
-                  <a:endParaRPr lang="pt-BR"/>
-                </a:p>
-              </p:txBody>
-            </p:sp>
-            <p:sp>
-              <p:nvSpPr>
-                <p:cNvPr id="291" name="Triângulo isósceles 290"/>
-                <p:cNvSpPr/>
-                <p:nvPr/>
-              </p:nvSpPr>
-              <p:spPr>
-                <a:xfrm>
-                  <a:off x="7939022" y="2088395"/>
-                  <a:ext cx="288032" cy="216024"/>
-                </a:xfrm>
-                <a:prstGeom prst="triangle">
-                  <a:avLst/>
-                </a:prstGeom>
-                <a:grpFill/>
-                <a:ln>
-                  <a:noFill/>
-                </a:ln>
-                <a:effectLst/>
-              </p:spPr>
-              <p:style>
-                <a:lnRef idx="2">
-                  <a:schemeClr val="accent1">
-                    <a:shade val="50000"/>
-                  </a:schemeClr>
-                </a:lnRef>
-                <a:fillRef idx="1">
-                  <a:schemeClr val="accent1"/>
-                </a:fillRef>
-                <a:effectRef idx="0">
-                  <a:schemeClr val="accent1"/>
-                </a:effectRef>
-                <a:fontRef idx="minor">
-                  <a:schemeClr val="lt1"/>
-                </a:fontRef>
-              </p:style>
-              <p:txBody>
-                <a:bodyPr rtlCol="0" anchor="ctr"/>
-                <a:lstStyle/>
-                <a:p>
-                  <a:pPr algn="ctr"/>
-                  <a:endParaRPr lang="pt-BR"/>
-                </a:p>
-              </p:txBody>
-            </p:sp>
-            <p:sp>
-              <p:nvSpPr>
-                <p:cNvPr id="292" name="Triângulo isósceles 291"/>
-                <p:cNvSpPr/>
-                <p:nvPr/>
-              </p:nvSpPr>
-              <p:spPr>
-                <a:xfrm>
-                  <a:off x="8227054" y="2088395"/>
-                  <a:ext cx="288032" cy="216024"/>
-                </a:xfrm>
-                <a:prstGeom prst="triangle">
-                  <a:avLst/>
-                </a:prstGeom>
-                <a:grpFill/>
-                <a:ln>
-                  <a:noFill/>
-                </a:ln>
-                <a:effectLst/>
-              </p:spPr>
-              <p:style>
-                <a:lnRef idx="2">
-                  <a:schemeClr val="accent1">
-                    <a:shade val="50000"/>
-                  </a:schemeClr>
-                </a:lnRef>
-                <a:fillRef idx="1">
-                  <a:schemeClr val="accent1"/>
-                </a:fillRef>
-                <a:effectRef idx="0">
-                  <a:schemeClr val="accent1"/>
-                </a:effectRef>
-                <a:fontRef idx="minor">
-                  <a:schemeClr val="lt1"/>
-                </a:fontRef>
-              </p:style>
-              <p:txBody>
-                <a:bodyPr rtlCol="0" anchor="ctr"/>
-                <a:lstStyle/>
-                <a:p>
-                  <a:pPr algn="ctr"/>
-                  <a:endParaRPr lang="pt-BR"/>
-                </a:p>
-              </p:txBody>
-            </p:sp>
-            <p:sp>
-              <p:nvSpPr>
-                <p:cNvPr id="293" name="Triângulo isósceles 292"/>
-                <p:cNvSpPr/>
-                <p:nvPr/>
-              </p:nvSpPr>
-              <p:spPr>
-                <a:xfrm>
-                  <a:off x="8515086" y="2088395"/>
-                  <a:ext cx="288032" cy="216024"/>
-                </a:xfrm>
-                <a:prstGeom prst="triangle">
-                  <a:avLst/>
-                </a:prstGeom>
-                <a:grpFill/>
-                <a:ln>
-                  <a:noFill/>
-                </a:ln>
-                <a:effectLst/>
-              </p:spPr>
-              <p:style>
-                <a:lnRef idx="2">
-                  <a:schemeClr val="accent1">
-                    <a:shade val="50000"/>
-                  </a:schemeClr>
-                </a:lnRef>
-                <a:fillRef idx="1">
-                  <a:schemeClr val="accent1"/>
-                </a:fillRef>
-                <a:effectRef idx="0">
-                  <a:schemeClr val="accent1"/>
-                </a:effectRef>
-                <a:fontRef idx="minor">
-                  <a:schemeClr val="lt1"/>
-                </a:fontRef>
-              </p:style>
-              <p:txBody>
-                <a:bodyPr rtlCol="0" anchor="ctr"/>
-                <a:lstStyle/>
-                <a:p>
-                  <a:pPr algn="ctr"/>
-                  <a:endParaRPr lang="pt-BR"/>
-                </a:p>
-              </p:txBody>
-            </p:sp>
-          </p:grpSp>
-          <p:grpSp>
-            <p:nvGrpSpPr>
-              <p:cNvPr id="273" name="Grupo 272"/>
-              <p:cNvGrpSpPr/>
-              <p:nvPr/>
-            </p:nvGrpSpPr>
-            <p:grpSpPr>
-              <a:xfrm rot="10800000">
-                <a:off x="3798090" y="3357800"/>
-                <a:ext cx="2703476" cy="108012"/>
-                <a:chOff x="5952287" y="2088395"/>
-                <a:chExt cx="2850831" cy="216024"/>
-              </a:xfrm>
-              <a:grpFill/>
-            </p:grpSpPr>
-            <p:sp>
-              <p:nvSpPr>
-                <p:cNvPr id="274" name="Triângulo isósceles 273"/>
-                <p:cNvSpPr/>
-                <p:nvPr/>
-              </p:nvSpPr>
-              <p:spPr>
-                <a:xfrm>
-                  <a:off x="5952287" y="2088395"/>
-                  <a:ext cx="288032" cy="216024"/>
-                </a:xfrm>
-                <a:prstGeom prst="triangle">
-                  <a:avLst/>
-                </a:prstGeom>
-                <a:grpFill/>
-                <a:ln>
-                  <a:noFill/>
-                </a:ln>
-                <a:effectLst/>
-              </p:spPr>
-              <p:style>
-                <a:lnRef idx="2">
-                  <a:schemeClr val="accent1">
-                    <a:shade val="50000"/>
-                  </a:schemeClr>
-                </a:lnRef>
-                <a:fillRef idx="1">
-                  <a:schemeClr val="accent1"/>
-                </a:fillRef>
-                <a:effectRef idx="0">
-                  <a:schemeClr val="accent1"/>
-                </a:effectRef>
-                <a:fontRef idx="minor">
-                  <a:schemeClr val="lt1"/>
-                </a:fontRef>
-              </p:style>
-              <p:txBody>
-                <a:bodyPr rtlCol="0" anchor="ctr"/>
-                <a:lstStyle/>
-                <a:p>
-                  <a:pPr algn="ctr"/>
-                  <a:endParaRPr lang="pt-BR"/>
-                </a:p>
-              </p:txBody>
-            </p:sp>
-            <p:sp>
-              <p:nvSpPr>
-                <p:cNvPr id="275" name="Triângulo isósceles 274"/>
-                <p:cNvSpPr/>
-                <p:nvPr/>
-              </p:nvSpPr>
-              <p:spPr>
-                <a:xfrm>
-                  <a:off x="6241783" y="2088395"/>
-                  <a:ext cx="288032" cy="216024"/>
-                </a:xfrm>
-                <a:prstGeom prst="triangle">
-                  <a:avLst/>
-                </a:prstGeom>
-                <a:grpFill/>
-                <a:ln>
-                  <a:noFill/>
-                </a:ln>
-                <a:effectLst/>
-              </p:spPr>
-              <p:style>
-                <a:lnRef idx="2">
-                  <a:schemeClr val="accent1">
-                    <a:shade val="50000"/>
-                  </a:schemeClr>
-                </a:lnRef>
-                <a:fillRef idx="1">
-                  <a:schemeClr val="accent1"/>
-                </a:fillRef>
-                <a:effectRef idx="0">
-                  <a:schemeClr val="accent1"/>
-                </a:effectRef>
-                <a:fontRef idx="minor">
-                  <a:schemeClr val="lt1"/>
-                </a:fontRef>
-              </p:style>
-              <p:txBody>
-                <a:bodyPr rtlCol="0" anchor="ctr"/>
-                <a:lstStyle/>
-                <a:p>
-                  <a:pPr algn="ctr"/>
-                  <a:endParaRPr lang="pt-BR"/>
-                </a:p>
-              </p:txBody>
-            </p:sp>
-            <p:sp>
-              <p:nvSpPr>
-                <p:cNvPr id="276" name="Triângulo isósceles 275"/>
-                <p:cNvSpPr/>
-                <p:nvPr/>
-              </p:nvSpPr>
-              <p:spPr>
-                <a:xfrm>
-                  <a:off x="6520839" y="2088395"/>
-                  <a:ext cx="288032" cy="216024"/>
-                </a:xfrm>
-                <a:prstGeom prst="triangle">
-                  <a:avLst/>
-                </a:prstGeom>
-                <a:grpFill/>
-                <a:ln>
-                  <a:noFill/>
-                </a:ln>
-                <a:effectLst/>
-              </p:spPr>
-              <p:style>
-                <a:lnRef idx="2">
-                  <a:schemeClr val="accent1">
-                    <a:shade val="50000"/>
-                  </a:schemeClr>
-                </a:lnRef>
-                <a:fillRef idx="1">
-                  <a:schemeClr val="accent1"/>
-                </a:fillRef>
-                <a:effectRef idx="0">
-                  <a:schemeClr val="accent1"/>
-                </a:effectRef>
-                <a:fontRef idx="minor">
-                  <a:schemeClr val="lt1"/>
-                </a:fontRef>
-              </p:style>
-              <p:txBody>
-                <a:bodyPr rtlCol="0" anchor="ctr"/>
-                <a:lstStyle/>
-                <a:p>
-                  <a:pPr algn="ctr"/>
-                  <a:endParaRPr lang="pt-BR"/>
-                </a:p>
-              </p:txBody>
-            </p:sp>
-            <p:sp>
-              <p:nvSpPr>
-                <p:cNvPr id="277" name="Triângulo isósceles 276"/>
-                <p:cNvSpPr/>
-                <p:nvPr/>
-              </p:nvSpPr>
-              <p:spPr>
-                <a:xfrm>
-                  <a:off x="6786042" y="2088395"/>
-                  <a:ext cx="288032" cy="216024"/>
-                </a:xfrm>
-                <a:prstGeom prst="triangle">
-                  <a:avLst/>
-                </a:prstGeom>
-                <a:grpFill/>
-                <a:ln>
-                  <a:noFill/>
-                </a:ln>
-                <a:effectLst/>
-              </p:spPr>
-              <p:style>
-                <a:lnRef idx="2">
-                  <a:schemeClr val="accent1">
-                    <a:shade val="50000"/>
-                  </a:schemeClr>
-                </a:lnRef>
-                <a:fillRef idx="1">
-                  <a:schemeClr val="accent1"/>
-                </a:fillRef>
-                <a:effectRef idx="0">
-                  <a:schemeClr val="accent1"/>
-                </a:effectRef>
-                <a:fontRef idx="minor">
-                  <a:schemeClr val="lt1"/>
-                </a:fontRef>
-              </p:style>
-              <p:txBody>
-                <a:bodyPr rtlCol="0" anchor="ctr"/>
-                <a:lstStyle/>
-                <a:p>
-                  <a:pPr algn="ctr"/>
-                  <a:endParaRPr lang="pt-BR"/>
-                </a:p>
-              </p:txBody>
-            </p:sp>
-            <p:sp>
-              <p:nvSpPr>
-                <p:cNvPr id="278" name="Triângulo isósceles 277"/>
-                <p:cNvSpPr/>
-                <p:nvPr/>
-              </p:nvSpPr>
-              <p:spPr>
-                <a:xfrm>
-                  <a:off x="7057306" y="2088395"/>
-                  <a:ext cx="288032" cy="216024"/>
-                </a:xfrm>
-                <a:prstGeom prst="triangle">
-                  <a:avLst/>
-                </a:prstGeom>
-                <a:grpFill/>
-                <a:ln>
-                  <a:noFill/>
-                </a:ln>
-                <a:effectLst/>
-              </p:spPr>
-              <p:style>
-                <a:lnRef idx="2">
-                  <a:schemeClr val="accent1">
-                    <a:shade val="50000"/>
-                  </a:schemeClr>
-                </a:lnRef>
-                <a:fillRef idx="1">
-                  <a:schemeClr val="accent1"/>
-                </a:fillRef>
-                <a:effectRef idx="0">
-                  <a:schemeClr val="accent1"/>
-                </a:effectRef>
-                <a:fontRef idx="minor">
-                  <a:schemeClr val="lt1"/>
-                </a:fontRef>
-              </p:style>
-              <p:txBody>
-                <a:bodyPr rtlCol="0" anchor="ctr"/>
-                <a:lstStyle/>
-                <a:p>
-                  <a:pPr algn="ctr"/>
-                  <a:endParaRPr lang="pt-BR"/>
-                </a:p>
-              </p:txBody>
-            </p:sp>
-            <p:sp>
-              <p:nvSpPr>
-                <p:cNvPr id="279" name="Triângulo isósceles 278"/>
-                <p:cNvSpPr/>
-                <p:nvPr/>
-              </p:nvSpPr>
-              <p:spPr>
-                <a:xfrm>
-                  <a:off x="7358127" y="2088395"/>
-                  <a:ext cx="288032" cy="216024"/>
-                </a:xfrm>
-                <a:prstGeom prst="triangle">
-                  <a:avLst/>
-                </a:prstGeom>
-                <a:grpFill/>
-                <a:ln>
-                  <a:noFill/>
-                </a:ln>
-                <a:effectLst/>
-              </p:spPr>
-              <p:style>
-                <a:lnRef idx="2">
-                  <a:schemeClr val="accent1">
-                    <a:shade val="50000"/>
-                  </a:schemeClr>
-                </a:lnRef>
-                <a:fillRef idx="1">
-                  <a:schemeClr val="accent1"/>
-                </a:fillRef>
-                <a:effectRef idx="0">
-                  <a:schemeClr val="accent1"/>
-                </a:effectRef>
-                <a:fontRef idx="minor">
-                  <a:schemeClr val="lt1"/>
-                </a:fontRef>
-              </p:style>
-              <p:txBody>
-                <a:bodyPr rtlCol="0" anchor="ctr"/>
-                <a:lstStyle/>
-                <a:p>
-                  <a:pPr algn="ctr"/>
-                  <a:endParaRPr lang="pt-BR"/>
-                </a:p>
-              </p:txBody>
-            </p:sp>
-            <p:sp>
-              <p:nvSpPr>
-                <p:cNvPr id="280" name="Triângulo isósceles 279"/>
-                <p:cNvSpPr/>
-                <p:nvPr/>
-              </p:nvSpPr>
-              <p:spPr>
-                <a:xfrm>
-                  <a:off x="7628725" y="2088395"/>
-                  <a:ext cx="288032" cy="216024"/>
-                </a:xfrm>
-                <a:prstGeom prst="triangle">
-                  <a:avLst/>
-                </a:prstGeom>
-                <a:grpFill/>
-                <a:ln>
-                  <a:noFill/>
-                </a:ln>
-                <a:effectLst/>
-              </p:spPr>
-              <p:style>
-                <a:lnRef idx="2">
-                  <a:schemeClr val="accent1">
-                    <a:shade val="50000"/>
-                  </a:schemeClr>
-                </a:lnRef>
-                <a:fillRef idx="1">
-                  <a:schemeClr val="accent1"/>
-                </a:fillRef>
-                <a:effectRef idx="0">
-                  <a:schemeClr val="accent1"/>
-                </a:effectRef>
-                <a:fontRef idx="minor">
-                  <a:schemeClr val="lt1"/>
-                </a:fontRef>
-              </p:style>
-              <p:txBody>
-                <a:bodyPr rtlCol="0" anchor="ctr"/>
-                <a:lstStyle/>
-                <a:p>
-                  <a:pPr algn="ctr"/>
-                  <a:endParaRPr lang="pt-BR"/>
-                </a:p>
-              </p:txBody>
-            </p:sp>
-            <p:sp>
-              <p:nvSpPr>
-                <p:cNvPr id="281" name="Triângulo isósceles 280"/>
-                <p:cNvSpPr/>
-                <p:nvPr/>
-              </p:nvSpPr>
-              <p:spPr>
-                <a:xfrm>
-                  <a:off x="7939022" y="2088395"/>
-                  <a:ext cx="288032" cy="216024"/>
-                </a:xfrm>
-                <a:prstGeom prst="triangle">
-                  <a:avLst/>
-                </a:prstGeom>
-                <a:grpFill/>
-                <a:ln>
-                  <a:noFill/>
-                </a:ln>
-                <a:effectLst/>
-              </p:spPr>
-              <p:style>
-                <a:lnRef idx="2">
-                  <a:schemeClr val="accent1">
-                    <a:shade val="50000"/>
-                  </a:schemeClr>
-                </a:lnRef>
-                <a:fillRef idx="1">
-                  <a:schemeClr val="accent1"/>
-                </a:fillRef>
-                <a:effectRef idx="0">
-                  <a:schemeClr val="accent1"/>
-                </a:effectRef>
-                <a:fontRef idx="minor">
-                  <a:schemeClr val="lt1"/>
-                </a:fontRef>
-              </p:style>
-              <p:txBody>
-                <a:bodyPr rtlCol="0" anchor="ctr"/>
-                <a:lstStyle/>
-                <a:p>
-                  <a:pPr algn="ctr"/>
-                  <a:endParaRPr lang="pt-BR"/>
-                </a:p>
-              </p:txBody>
-            </p:sp>
-            <p:sp>
-              <p:nvSpPr>
-                <p:cNvPr id="282" name="Triângulo isósceles 281"/>
-                <p:cNvSpPr/>
-                <p:nvPr/>
-              </p:nvSpPr>
-              <p:spPr>
-                <a:xfrm>
-                  <a:off x="8227054" y="2088395"/>
-                  <a:ext cx="288032" cy="216024"/>
-                </a:xfrm>
-                <a:prstGeom prst="triangle">
-                  <a:avLst/>
-                </a:prstGeom>
-                <a:grpFill/>
-                <a:ln>
-                  <a:noFill/>
-                </a:ln>
-                <a:effectLst/>
-              </p:spPr>
-              <p:style>
-                <a:lnRef idx="2">
-                  <a:schemeClr val="accent1">
-                    <a:shade val="50000"/>
-                  </a:schemeClr>
-                </a:lnRef>
-                <a:fillRef idx="1">
-                  <a:schemeClr val="accent1"/>
-                </a:fillRef>
-                <a:effectRef idx="0">
-                  <a:schemeClr val="accent1"/>
-                </a:effectRef>
-                <a:fontRef idx="minor">
-                  <a:schemeClr val="lt1"/>
-                </a:fontRef>
-              </p:style>
-              <p:txBody>
-                <a:bodyPr rtlCol="0" anchor="ctr"/>
-                <a:lstStyle/>
-                <a:p>
-                  <a:pPr algn="ctr"/>
-                  <a:endParaRPr lang="pt-BR"/>
-                </a:p>
-              </p:txBody>
-            </p:sp>
-            <p:sp>
-              <p:nvSpPr>
-                <p:cNvPr id="283" name="Triângulo isósceles 282"/>
-                <p:cNvSpPr/>
-                <p:nvPr/>
-              </p:nvSpPr>
-              <p:spPr>
-                <a:xfrm>
-                  <a:off x="8515086" y="2088395"/>
-                  <a:ext cx="288032" cy="216024"/>
-                </a:xfrm>
-                <a:prstGeom prst="triangle">
-                  <a:avLst/>
-                </a:prstGeom>
-                <a:grpFill/>
-                <a:ln>
-                  <a:noFill/>
-                </a:ln>
-                <a:effectLst/>
-              </p:spPr>
-              <p:style>
-                <a:lnRef idx="2">
-                  <a:schemeClr val="accent1">
-                    <a:shade val="50000"/>
-                  </a:schemeClr>
-                </a:lnRef>
-                <a:fillRef idx="1">
-                  <a:schemeClr val="accent1"/>
-                </a:fillRef>
-                <a:effectRef idx="0">
-                  <a:schemeClr val="accent1"/>
-                </a:effectRef>
-                <a:fontRef idx="minor">
-                  <a:schemeClr val="lt1"/>
-                </a:fontRef>
-              </p:style>
-              <p:txBody>
-                <a:bodyPr rtlCol="0" anchor="ctr"/>
-                <a:lstStyle/>
-                <a:p>
-                  <a:pPr algn="ctr"/>
-                  <a:endParaRPr lang="pt-BR"/>
-                </a:p>
-              </p:txBody>
-            </p:sp>
-          </p:grpSp>
-        </p:grpSp>
-        <p:sp>
-          <p:nvSpPr>
-            <p:cNvPr id="257" name="Retângulo de cantos arredondados 256"/>
-            <p:cNvSpPr/>
-            <p:nvPr/>
-          </p:nvSpPr>
-          <p:spPr>
-            <a:xfrm>
-              <a:off x="57634" y="2564904"/>
-              <a:ext cx="2354126" cy="2513813"/>
-            </a:xfrm>
-            <a:prstGeom prst="roundRect">
-              <a:avLst>
-                <a:gd name="adj" fmla="val 13040"/>
-              </a:avLst>
-            </a:prstGeom>
-            <a:solidFill>
-              <a:srgbClr val="934CC8"/>
-            </a:solidFill>
-            <a:ln>
-              <a:noFill/>
-            </a:ln>
-            <a:effectLst/>
-          </p:spPr>
-          <p:style>
-            <a:lnRef idx="2">
-              <a:schemeClr val="accent1">
-                <a:shade val="50000"/>
-              </a:schemeClr>
-            </a:lnRef>
-            <a:fillRef idx="1">
-              <a:schemeClr val="accent1"/>
-            </a:fillRef>
-            <a:effectRef idx="0">
-              <a:schemeClr val="accent1"/>
-            </a:effectRef>
-            <a:fontRef idx="minor">
-              <a:schemeClr val="lt1"/>
-            </a:fontRef>
-          </p:style>
-          <p:txBody>
-            <a:bodyPr rtlCol="0" anchor="ctr"/>
-            <a:lstStyle/>
-            <a:p>
-              <a:pPr algn="ctr"/>
-              <a:endParaRPr lang="pt-BR"/>
-            </a:p>
-          </p:txBody>
-        </p:sp>
-        <p:sp>
-          <p:nvSpPr>
-            <p:cNvPr id="258" name="Elipse 257"/>
-            <p:cNvSpPr/>
-            <p:nvPr/>
-          </p:nvSpPr>
-          <p:spPr>
-            <a:xfrm>
-              <a:off x="315341" y="2836839"/>
-              <a:ext cx="1935767" cy="1935767"/>
-            </a:xfrm>
-            <a:prstGeom prst="ellipse">
-              <a:avLst/>
-            </a:prstGeom>
-            <a:solidFill>
-              <a:srgbClr val="9F5FCF"/>
-            </a:solidFill>
-            <a:ln>
-              <a:noFill/>
-            </a:ln>
-            <a:effectLst/>
-          </p:spPr>
-          <p:style>
-            <a:lnRef idx="2">
-              <a:schemeClr val="accent1">
-                <a:shade val="50000"/>
-              </a:schemeClr>
-            </a:lnRef>
-            <a:fillRef idx="1">
-              <a:schemeClr val="accent1"/>
-            </a:fillRef>
-            <a:effectRef idx="0">
-              <a:schemeClr val="accent1"/>
-            </a:effectRef>
-            <a:fontRef idx="minor">
-              <a:schemeClr val="lt1"/>
-            </a:fontRef>
-          </p:style>
-          <p:txBody>
-            <a:bodyPr rtlCol="0" anchor="ctr"/>
-            <a:lstStyle/>
-            <a:p>
-              <a:pPr algn="ctr"/>
-              <a:endParaRPr lang="pt-BR"/>
-            </a:p>
-          </p:txBody>
-        </p:sp>
-        <p:grpSp>
-          <p:nvGrpSpPr>
-            <p:cNvPr id="259" name="Grupo 258"/>
-            <p:cNvGrpSpPr/>
-            <p:nvPr/>
-          </p:nvGrpSpPr>
-          <p:grpSpPr>
-            <a:xfrm>
-              <a:off x="236651" y="2685954"/>
-              <a:ext cx="2045254" cy="2327222"/>
-              <a:chOff x="3834481" y="2564904"/>
-              <a:chExt cx="2249687" cy="2559840"/>
-            </a:xfrm>
-          </p:grpSpPr>
-          <p:grpSp>
-            <p:nvGrpSpPr>
-              <p:cNvPr id="260" name="Grupo 259"/>
-              <p:cNvGrpSpPr/>
-              <p:nvPr/>
-            </p:nvGrpSpPr>
-            <p:grpSpPr>
-              <a:xfrm>
-                <a:off x="3834481" y="2564904"/>
-                <a:ext cx="2249687" cy="2559840"/>
-                <a:chOff x="3834481" y="2564904"/>
-                <a:chExt cx="2249687" cy="2559840"/>
-              </a:xfrm>
-            </p:grpSpPr>
-            <p:grpSp>
-              <p:nvGrpSpPr>
-                <p:cNvPr id="262" name="Grupo 261"/>
-                <p:cNvGrpSpPr/>
-                <p:nvPr/>
-              </p:nvGrpSpPr>
-              <p:grpSpPr>
-                <a:xfrm>
-                  <a:off x="3834481" y="2564904"/>
-                  <a:ext cx="2177679" cy="680434"/>
-                  <a:chOff x="3834481" y="2564904"/>
-                  <a:chExt cx="2177679" cy="680434"/>
-                </a:xfrm>
-              </p:grpSpPr>
-              <p:sp>
-                <p:nvSpPr>
-                  <p:cNvPr id="268" name="Retângulo de cantos arredondados 18"/>
-                  <p:cNvSpPr/>
-                  <p:nvPr/>
-                </p:nvSpPr>
-                <p:spPr>
-                  <a:xfrm>
-                    <a:off x="3834481" y="2564904"/>
-                    <a:ext cx="2177679" cy="680434"/>
-                  </a:xfrm>
-                  <a:custGeom>
-                    <a:avLst/>
-                    <a:gdLst/>
-                    <a:ahLst/>
-                    <a:cxnLst/>
-                    <a:rect l="l" t="t" r="r" b="b"/>
-                    <a:pathLst>
-                      <a:path w="2041106" h="578046">
-                        <a:moveTo>
-                          <a:pt x="289023" y="0"/>
-                        </a:moveTo>
-                        <a:lnTo>
-                          <a:pt x="1752083" y="0"/>
-                        </a:lnTo>
-                        <a:cubicBezTo>
-                          <a:pt x="1911706" y="0"/>
-                          <a:pt x="2041106" y="129400"/>
-                          <a:pt x="2041106" y="289023"/>
-                        </a:cubicBezTo>
-                        <a:cubicBezTo>
-                          <a:pt x="2041106" y="428738"/>
-                          <a:pt x="1941971" y="545298"/>
-                          <a:pt x="1810202" y="572187"/>
-                        </a:cubicBezTo>
-                        <a:cubicBezTo>
-                          <a:pt x="1636249" y="345950"/>
-                          <a:pt x="1362230" y="202538"/>
-                          <a:pt x="1054714" y="202538"/>
-                        </a:cubicBezTo>
-                        <a:cubicBezTo>
-                          <a:pt x="744460" y="202538"/>
-                          <a:pt x="468300" y="348516"/>
-                          <a:pt x="294392" y="578046"/>
-                        </a:cubicBezTo>
-                        <a:lnTo>
-                          <a:pt x="289023" y="578046"/>
-                        </a:lnTo>
-                        <a:cubicBezTo>
-                          <a:pt x="129400" y="578046"/>
-                          <a:pt x="0" y="448646"/>
-                          <a:pt x="0" y="289023"/>
-                        </a:cubicBezTo>
-                        <a:cubicBezTo>
-                          <a:pt x="0" y="129400"/>
-                          <a:pt x="129400" y="0"/>
-                          <a:pt x="289023" y="0"/>
-                        </a:cubicBezTo>
-                        <a:close/>
-                      </a:path>
-                    </a:pathLst>
-                  </a:custGeom>
-                  <a:solidFill>
-                    <a:srgbClr val="702FA1"/>
-                  </a:solidFill>
-                  <a:ln>
-                    <a:noFill/>
-                  </a:ln>
-                  <a:effectLst/>
-                </p:spPr>
-                <p:style>
-                  <a:lnRef idx="2">
-                    <a:schemeClr val="accent1">
-                      <a:shade val="50000"/>
-                    </a:schemeClr>
-                  </a:lnRef>
-                  <a:fillRef idx="1">
-                    <a:schemeClr val="accent1"/>
-                  </a:fillRef>
-                  <a:effectRef idx="0">
-                    <a:schemeClr val="accent1"/>
-                  </a:effectRef>
-                  <a:fontRef idx="minor">
-                    <a:schemeClr val="lt1"/>
-                  </a:fontRef>
-                </p:style>
-                <p:txBody>
-                  <a:bodyPr rtlCol="0" anchor="ctr"/>
-                  <a:lstStyle/>
-                  <a:p>
-                    <a:pPr algn="ctr"/>
-                    <a:endParaRPr lang="pt-BR"/>
-                  </a:p>
-                </p:txBody>
-              </p:sp>
-              <p:sp>
-                <p:nvSpPr>
-                  <p:cNvPr id="269" name="Retângulo de cantos arredondados 18"/>
-                  <p:cNvSpPr/>
-                  <p:nvPr/>
-                </p:nvSpPr>
-                <p:spPr>
-                  <a:xfrm>
-                    <a:off x="3957140" y="2636912"/>
-                    <a:ext cx="1948083" cy="342021"/>
-                  </a:xfrm>
-                  <a:custGeom>
-                    <a:avLst/>
-                    <a:gdLst/>
-                    <a:ahLst/>
-                    <a:cxnLst/>
-                    <a:rect l="l" t="t" r="r" b="b"/>
-                    <a:pathLst>
-                      <a:path w="2041106" h="578046">
-                        <a:moveTo>
-                          <a:pt x="289023" y="0"/>
-                        </a:moveTo>
-                        <a:lnTo>
-                          <a:pt x="1752083" y="0"/>
-                        </a:lnTo>
-                        <a:cubicBezTo>
-                          <a:pt x="1911706" y="0"/>
-                          <a:pt x="2041106" y="129400"/>
-                          <a:pt x="2041106" y="289023"/>
-                        </a:cubicBezTo>
-                        <a:cubicBezTo>
-                          <a:pt x="2041106" y="428738"/>
-                          <a:pt x="1941971" y="545298"/>
-                          <a:pt x="1810202" y="572187"/>
-                        </a:cubicBezTo>
-                        <a:cubicBezTo>
-                          <a:pt x="1636249" y="345950"/>
-                          <a:pt x="1362230" y="202538"/>
-                          <a:pt x="1054714" y="202538"/>
-                        </a:cubicBezTo>
-                        <a:cubicBezTo>
-                          <a:pt x="744460" y="202538"/>
-                          <a:pt x="468300" y="348516"/>
-                          <a:pt x="294392" y="578046"/>
-                        </a:cubicBezTo>
-                        <a:lnTo>
-                          <a:pt x="289023" y="578046"/>
-                        </a:lnTo>
-                        <a:cubicBezTo>
-                          <a:pt x="129400" y="578046"/>
-                          <a:pt x="0" y="448646"/>
-                          <a:pt x="0" y="289023"/>
-                        </a:cubicBezTo>
-                        <a:cubicBezTo>
-                          <a:pt x="0" y="129400"/>
-                          <a:pt x="129400" y="0"/>
-                          <a:pt x="289023" y="0"/>
-                        </a:cubicBezTo>
-                        <a:close/>
-                      </a:path>
-                    </a:pathLst>
-                  </a:custGeom>
-                  <a:solidFill>
-                    <a:srgbClr val="7A33AF"/>
-                  </a:solidFill>
-                  <a:ln>
-                    <a:noFill/>
-                  </a:ln>
-                  <a:effectLst/>
-                </p:spPr>
-                <p:style>
-                  <a:lnRef idx="2">
-                    <a:schemeClr val="accent1">
-                      <a:shade val="50000"/>
-                    </a:schemeClr>
-                  </a:lnRef>
-                  <a:fillRef idx="1">
-                    <a:schemeClr val="accent1"/>
-                  </a:fillRef>
-                  <a:effectRef idx="0">
-                    <a:schemeClr val="accent1"/>
-                  </a:effectRef>
-                  <a:fontRef idx="minor">
-                    <a:schemeClr val="lt1"/>
-                  </a:fontRef>
-                </p:style>
-                <p:txBody>
-                  <a:bodyPr rtlCol="0" anchor="ctr"/>
-                  <a:lstStyle/>
-                  <a:p>
-                    <a:pPr algn="ctr"/>
-                    <a:endParaRPr lang="pt-BR"/>
-                  </a:p>
-                </p:txBody>
-              </p:sp>
-              <p:sp>
-                <p:nvSpPr>
-                  <p:cNvPr id="270" name="Retângulo de cantos arredondados 269"/>
-                  <p:cNvSpPr/>
-                  <p:nvPr/>
-                </p:nvSpPr>
-                <p:spPr>
-                  <a:xfrm rot="19680248">
-                    <a:off x="5710148" y="2699401"/>
-                    <a:ext cx="63913" cy="130411"/>
-                  </a:xfrm>
-                  <a:prstGeom prst="roundRect">
-                    <a:avLst>
-                      <a:gd name="adj" fmla="val 50000"/>
-                    </a:avLst>
-                  </a:prstGeom>
-                  <a:solidFill>
-                    <a:srgbClr val="AE77D7"/>
-                  </a:solidFill>
-                  <a:ln>
-                    <a:noFill/>
-                  </a:ln>
-                  <a:effectLst/>
-                </p:spPr>
-                <p:style>
-                  <a:lnRef idx="2">
-                    <a:schemeClr val="accent1">
-                      <a:shade val="50000"/>
-                    </a:schemeClr>
-                  </a:lnRef>
-                  <a:fillRef idx="1">
-                    <a:schemeClr val="accent1"/>
-                  </a:fillRef>
-                  <a:effectRef idx="0">
-                    <a:schemeClr val="accent1"/>
-                  </a:effectRef>
-                  <a:fontRef idx="minor">
-                    <a:schemeClr val="lt1"/>
-                  </a:fontRef>
-                </p:style>
-                <p:txBody>
-                  <a:bodyPr rtlCol="0" anchor="ctr"/>
-                  <a:lstStyle/>
-                  <a:p>
-                    <a:pPr algn="ctr"/>
-                    <a:endParaRPr lang="pt-BR"/>
-                  </a:p>
-                </p:txBody>
-              </p:sp>
-            </p:grpSp>
-            <p:sp>
-              <p:nvSpPr>
-                <p:cNvPr id="263" name="Lua 262"/>
-                <p:cNvSpPr/>
-                <p:nvPr/>
-              </p:nvSpPr>
-              <p:spPr>
-                <a:xfrm rot="14897553" flipV="1">
-                  <a:off x="5051438" y="4011013"/>
-                  <a:ext cx="332395" cy="854979"/>
-                </a:xfrm>
-                <a:prstGeom prst="moon">
-                  <a:avLst>
-                    <a:gd name="adj" fmla="val 57263"/>
-                  </a:avLst>
-                </a:prstGeom>
-                <a:solidFill>
-                  <a:srgbClr val="AE77D7"/>
-                </a:solidFill>
-                <a:ln>
-                  <a:noFill/>
-                </a:ln>
-                <a:effectLst/>
-              </p:spPr>
-              <p:style>
-                <a:lnRef idx="2">
-                  <a:schemeClr val="accent1">
-                    <a:shade val="50000"/>
-                  </a:schemeClr>
-                </a:lnRef>
-                <a:fillRef idx="1">
-                  <a:schemeClr val="accent1"/>
-                </a:fillRef>
-                <a:effectRef idx="0">
-                  <a:schemeClr val="accent1"/>
-                </a:effectRef>
-                <a:fontRef idx="minor">
-                  <a:schemeClr val="lt1"/>
-                </a:fontRef>
-              </p:style>
-              <p:txBody>
-                <a:bodyPr rtlCol="0" anchor="ctr"/>
-                <a:lstStyle/>
-                <a:p>
-                  <a:pPr algn="ctr"/>
-                  <a:endParaRPr lang="pt-BR">
-                    <a:solidFill>
-                      <a:srgbClr val="7030A0"/>
-                    </a:solidFill>
-                  </a:endParaRPr>
-                </a:p>
-              </p:txBody>
-            </p:sp>
-            <p:sp>
-              <p:nvSpPr>
-                <p:cNvPr id="264" name="Lua 263"/>
-                <p:cNvSpPr/>
-                <p:nvPr/>
-              </p:nvSpPr>
-              <p:spPr>
-                <a:xfrm rot="4888875">
-                  <a:off x="4622462" y="2588504"/>
-                  <a:ext cx="483049" cy="1242485"/>
-                </a:xfrm>
-                <a:prstGeom prst="moon">
-                  <a:avLst>
-                    <a:gd name="adj" fmla="val 59731"/>
-                  </a:avLst>
-                </a:prstGeom>
-                <a:solidFill>
-                  <a:srgbClr val="7131A1"/>
-                </a:solidFill>
-                <a:ln>
-                  <a:noFill/>
-                </a:ln>
-                <a:effectLst/>
-              </p:spPr>
-              <p:style>
-                <a:lnRef idx="2">
-                  <a:schemeClr val="accent1">
-                    <a:shade val="50000"/>
-                  </a:schemeClr>
-                </a:lnRef>
-                <a:fillRef idx="1">
-                  <a:schemeClr val="accent1"/>
-                </a:fillRef>
-                <a:effectRef idx="0">
-                  <a:schemeClr val="accent1"/>
-                </a:effectRef>
-                <a:fontRef idx="minor">
-                  <a:schemeClr val="lt1"/>
-                </a:fontRef>
-              </p:style>
-              <p:txBody>
-                <a:bodyPr rtlCol="0" anchor="ctr"/>
-                <a:lstStyle/>
-                <a:p>
-                  <a:pPr algn="ctr"/>
-                  <a:endParaRPr lang="pt-BR"/>
-                </a:p>
-              </p:txBody>
-            </p:sp>
-            <p:grpSp>
-              <p:nvGrpSpPr>
-                <p:cNvPr id="265" name="Grupo 264"/>
-                <p:cNvGrpSpPr/>
-                <p:nvPr/>
-              </p:nvGrpSpPr>
-              <p:grpSpPr>
-                <a:xfrm rot="10800000">
-                  <a:off x="3906489" y="4444310"/>
-                  <a:ext cx="2177679" cy="680434"/>
-                  <a:chOff x="3834481" y="2485698"/>
-                  <a:chExt cx="2177679" cy="680434"/>
-                </a:xfrm>
-              </p:grpSpPr>
-              <p:sp>
-                <p:nvSpPr>
-                  <p:cNvPr id="266" name="Retângulo de cantos arredondados 18"/>
-                  <p:cNvSpPr/>
-                  <p:nvPr/>
-                </p:nvSpPr>
-                <p:spPr>
-                  <a:xfrm>
-                    <a:off x="3834481" y="2485698"/>
-                    <a:ext cx="2177679" cy="680434"/>
-                  </a:xfrm>
-                  <a:custGeom>
-                    <a:avLst/>
-                    <a:gdLst/>
-                    <a:ahLst/>
-                    <a:cxnLst/>
-                    <a:rect l="l" t="t" r="r" b="b"/>
-                    <a:pathLst>
-                      <a:path w="2041106" h="578046">
-                        <a:moveTo>
-                          <a:pt x="289023" y="0"/>
-                        </a:moveTo>
-                        <a:lnTo>
-                          <a:pt x="1752083" y="0"/>
-                        </a:lnTo>
-                        <a:cubicBezTo>
-                          <a:pt x="1911706" y="0"/>
-                          <a:pt x="2041106" y="129400"/>
-                          <a:pt x="2041106" y="289023"/>
-                        </a:cubicBezTo>
-                        <a:cubicBezTo>
-                          <a:pt x="2041106" y="428738"/>
-                          <a:pt x="1941971" y="545298"/>
-                          <a:pt x="1810202" y="572187"/>
-                        </a:cubicBezTo>
-                        <a:cubicBezTo>
-                          <a:pt x="1636249" y="345950"/>
-                          <a:pt x="1362230" y="202538"/>
-                          <a:pt x="1054714" y="202538"/>
-                        </a:cubicBezTo>
-                        <a:cubicBezTo>
-                          <a:pt x="744460" y="202538"/>
-                          <a:pt x="468300" y="348516"/>
-                          <a:pt x="294392" y="578046"/>
-                        </a:cubicBezTo>
-                        <a:lnTo>
-                          <a:pt x="289023" y="578046"/>
-                        </a:lnTo>
-                        <a:cubicBezTo>
-                          <a:pt x="129400" y="578046"/>
-                          <a:pt x="0" y="448646"/>
-                          <a:pt x="0" y="289023"/>
-                        </a:cubicBezTo>
-                        <a:cubicBezTo>
-                          <a:pt x="0" y="129400"/>
-                          <a:pt x="129400" y="0"/>
-                          <a:pt x="289023" y="0"/>
-                        </a:cubicBezTo>
-                        <a:close/>
-                      </a:path>
-                    </a:pathLst>
-                  </a:custGeom>
-                  <a:solidFill>
-                    <a:srgbClr val="702FA1"/>
-                  </a:solidFill>
-                  <a:ln>
-                    <a:noFill/>
-                  </a:ln>
-                  <a:effectLst/>
-                </p:spPr>
-                <p:style>
-                  <a:lnRef idx="2">
-                    <a:schemeClr val="accent1">
-                      <a:shade val="50000"/>
-                    </a:schemeClr>
-                  </a:lnRef>
-                  <a:fillRef idx="1">
-                    <a:schemeClr val="accent1"/>
-                  </a:fillRef>
-                  <a:effectRef idx="0">
-                    <a:schemeClr val="accent1"/>
-                  </a:effectRef>
-                  <a:fontRef idx="minor">
-                    <a:schemeClr val="lt1"/>
-                  </a:fontRef>
-                </p:style>
-                <p:txBody>
-                  <a:bodyPr rtlCol="0" anchor="ctr"/>
-                  <a:lstStyle/>
-                  <a:p>
-                    <a:pPr algn="ctr"/>
-                    <a:endParaRPr lang="pt-BR"/>
-                  </a:p>
-                </p:txBody>
-              </p:sp>
-              <p:sp>
-                <p:nvSpPr>
-                  <p:cNvPr id="267" name="Retângulo de cantos arredondados 18"/>
-                  <p:cNvSpPr/>
-                  <p:nvPr/>
-                </p:nvSpPr>
-                <p:spPr>
-                  <a:xfrm>
-                    <a:off x="3957140" y="2564904"/>
-                    <a:ext cx="1948083" cy="342021"/>
-                  </a:xfrm>
-                  <a:custGeom>
-                    <a:avLst/>
-                    <a:gdLst/>
-                    <a:ahLst/>
-                    <a:cxnLst/>
-                    <a:rect l="l" t="t" r="r" b="b"/>
-                    <a:pathLst>
-                      <a:path w="2041106" h="578046">
-                        <a:moveTo>
-                          <a:pt x="289023" y="0"/>
-                        </a:moveTo>
-                        <a:lnTo>
-                          <a:pt x="1752083" y="0"/>
-                        </a:lnTo>
-                        <a:cubicBezTo>
-                          <a:pt x="1911706" y="0"/>
-                          <a:pt x="2041106" y="129400"/>
-                          <a:pt x="2041106" y="289023"/>
-                        </a:cubicBezTo>
-                        <a:cubicBezTo>
-                          <a:pt x="2041106" y="428738"/>
-                          <a:pt x="1941971" y="545298"/>
-                          <a:pt x="1810202" y="572187"/>
-                        </a:cubicBezTo>
-                        <a:cubicBezTo>
-                          <a:pt x="1636249" y="345950"/>
-                          <a:pt x="1362230" y="202538"/>
-                          <a:pt x="1054714" y="202538"/>
-                        </a:cubicBezTo>
-                        <a:cubicBezTo>
-                          <a:pt x="744460" y="202538"/>
-                          <a:pt x="468300" y="348516"/>
-                          <a:pt x="294392" y="578046"/>
-                        </a:cubicBezTo>
-                        <a:lnTo>
-                          <a:pt x="289023" y="578046"/>
-                        </a:lnTo>
-                        <a:cubicBezTo>
-                          <a:pt x="129400" y="578046"/>
-                          <a:pt x="0" y="448646"/>
-                          <a:pt x="0" y="289023"/>
-                        </a:cubicBezTo>
-                        <a:cubicBezTo>
-                          <a:pt x="0" y="129400"/>
-                          <a:pt x="129400" y="0"/>
-                          <a:pt x="289023" y="0"/>
-                        </a:cubicBezTo>
-                        <a:close/>
-                      </a:path>
-                    </a:pathLst>
-                  </a:custGeom>
-                  <a:solidFill>
-                    <a:srgbClr val="7A33AF"/>
-                  </a:solidFill>
-                  <a:ln>
-                    <a:noFill/>
-                  </a:ln>
-                  <a:effectLst/>
-                </p:spPr>
-                <p:style>
-                  <a:lnRef idx="2">
-                    <a:schemeClr val="accent1">
-                      <a:shade val="50000"/>
-                    </a:schemeClr>
-                  </a:lnRef>
-                  <a:fillRef idx="1">
-                    <a:schemeClr val="accent1"/>
-                  </a:fillRef>
-                  <a:effectRef idx="0">
-                    <a:schemeClr val="accent1"/>
-                  </a:effectRef>
-                  <a:fontRef idx="minor">
-                    <a:schemeClr val="lt1"/>
-                  </a:fontRef>
-                </p:style>
-                <p:txBody>
-                  <a:bodyPr rtlCol="0" anchor="ctr"/>
-                  <a:lstStyle/>
-                  <a:p>
-                    <a:pPr algn="ctr"/>
-                    <a:endParaRPr lang="pt-BR"/>
-                  </a:p>
-                </p:txBody>
-              </p:sp>
-            </p:grpSp>
-          </p:grpSp>
-          <p:sp>
-            <p:nvSpPr>
-              <p:cNvPr id="261" name="Retângulo de cantos arredondados 260"/>
-              <p:cNvSpPr/>
-              <p:nvPr/>
-            </p:nvSpPr>
-            <p:spPr>
-              <a:xfrm rot="8880248">
-                <a:off x="5771800" y="4828895"/>
-                <a:ext cx="63913" cy="130411"/>
-              </a:xfrm>
-              <a:prstGeom prst="roundRect">
-                <a:avLst>
-                  <a:gd name="adj" fmla="val 50000"/>
-                </a:avLst>
-              </a:prstGeom>
-              <a:solidFill>
-                <a:srgbClr val="AE77D7"/>
-              </a:solidFill>
-              <a:ln>
-                <a:noFill/>
-              </a:ln>
-              <a:effectLst/>
-            </p:spPr>
-            <p:style>
-              <a:lnRef idx="2">
-                <a:schemeClr val="accent1">
-                  <a:shade val="50000"/>
-                </a:schemeClr>
-              </a:lnRef>
-              <a:fillRef idx="1">
-                <a:schemeClr val="accent1"/>
-              </a:fillRef>
-              <a:effectRef idx="0">
-                <a:schemeClr val="accent1"/>
-              </a:effectRef>
-              <a:fontRef idx="minor">
-                <a:schemeClr val="lt1"/>
-              </a:fontRef>
-            </p:style>
-            <p:txBody>
-              <a:bodyPr rtlCol="0" anchor="ctr"/>
-              <a:lstStyle/>
-              <a:p>
-                <a:pPr algn="ctr"/>
-                <a:endParaRPr lang="pt-BR"/>
-              </a:p>
-            </p:txBody>
-          </p:sp>
         </p:grpSp>
       </p:grpSp>
       <p:sp>
@@ -27521,7 +27536,7 @@
               <p:cNvPr id="253" name="Balão de Pensamento: Nuvem 16">
                 <a:extLst>
                   <a:ext uri="{FF2B5EF4-FFF2-40B4-BE49-F238E27FC236}">
-                    <a16:creationId xmlns:a16="http://schemas.microsoft.com/office/drawing/2014/main" xmlns="" id="{5C57BA0A-9700-43BD-9104-CC30BC0DE381}"/>
+                    <a16:creationId xmlns="" xmlns:a16="http://schemas.microsoft.com/office/drawing/2014/main" id="{5C57BA0A-9700-43BD-9104-CC30BC0DE381}"/>
                   </a:ext>
                 </a:extLst>
               </p:cNvPr>
@@ -27591,7 +27606,7 @@
                 <p:cNvPr id="255" name="Agrupar 15">
                   <a:extLst>
                     <a:ext uri="{FF2B5EF4-FFF2-40B4-BE49-F238E27FC236}">
-                      <a16:creationId xmlns:a16="http://schemas.microsoft.com/office/drawing/2014/main" xmlns="" id="{CDA0B437-9E5C-43AF-AD41-CFFD83C35D59}"/>
+                      <a16:creationId xmlns="" xmlns:a16="http://schemas.microsoft.com/office/drawing/2014/main" id="{CDA0B437-9E5C-43AF-AD41-CFFD83C35D59}"/>
                     </a:ext>
                   </a:extLst>
                 </p:cNvPr>
@@ -28596,7 +28611,7 @@
                 <p:cNvPr id="256" name="Agrupar 15">
                   <a:extLst>
                     <a:ext uri="{FF2B5EF4-FFF2-40B4-BE49-F238E27FC236}">
-                      <a16:creationId xmlns:a16="http://schemas.microsoft.com/office/drawing/2014/main" xmlns="" id="{CDA0B437-9E5C-43AF-AD41-CFFD83C35D59}"/>
+                      <a16:creationId xmlns="" xmlns:a16="http://schemas.microsoft.com/office/drawing/2014/main" id="{CDA0B437-9E5C-43AF-AD41-CFFD83C35D59}"/>
                     </a:ext>
                   </a:extLst>
                 </p:cNvPr>
@@ -30520,13 +30535,6 @@
               </a:rPr>
               <a:t>VAMOS FALAR DE SEXO?</a:t>
             </a:r>
-            <a:endParaRPr lang="pt-BR" sz="2800" b="1" dirty="0">
-              <a:solidFill>
-                <a:schemeClr val="accent6">
-                  <a:lumMod val="50000"/>
-                </a:schemeClr>
-              </a:solidFill>
-            </a:endParaRPr>
           </a:p>
         </p:txBody>
       </p:sp>
@@ -36123,7 +36131,7 @@
           <p:cNvPr id="2" name="Elipse 1">
             <a:extLst>
               <a:ext uri="{FF2B5EF4-FFF2-40B4-BE49-F238E27FC236}">
-                <a16:creationId xmlns:a16="http://schemas.microsoft.com/office/drawing/2014/main" xmlns="" id="{3E2299F0-B270-40D7-8F79-C18F6A4FE3E7}"/>
+                <a16:creationId xmlns="" xmlns:a16="http://schemas.microsoft.com/office/drawing/2014/main" id="{3E2299F0-B270-40D7-8F79-C18F6A4FE3E7}"/>
               </a:ext>
             </a:extLst>
           </p:cNvPr>
@@ -36175,7 +36183,7 @@
           <p:cNvPr id="3" name="Elipse 2">
             <a:extLst>
               <a:ext uri="{FF2B5EF4-FFF2-40B4-BE49-F238E27FC236}">
-                <a16:creationId xmlns:a16="http://schemas.microsoft.com/office/drawing/2014/main" xmlns="" id="{1C62FD96-B9CD-44D9-A6B7-B9CA744BF9E4}"/>
+                <a16:creationId xmlns="" xmlns:a16="http://schemas.microsoft.com/office/drawing/2014/main" id="{1C62FD96-B9CD-44D9-A6B7-B9CA744BF9E4}"/>
               </a:ext>
             </a:extLst>
           </p:cNvPr>
@@ -36227,7 +36235,7 @@
           <p:cNvPr id="8" name="Agrupar 36">
             <a:extLst>
               <a:ext uri="{FF2B5EF4-FFF2-40B4-BE49-F238E27FC236}">
-                <a16:creationId xmlns:a16="http://schemas.microsoft.com/office/drawing/2014/main" xmlns="" id="{E549C062-7711-41AB-ABF2-AB4E91EA62FE}"/>
+                <a16:creationId xmlns="" xmlns:a16="http://schemas.microsoft.com/office/drawing/2014/main" id="{E549C062-7711-41AB-ABF2-AB4E91EA62FE}"/>
               </a:ext>
             </a:extLst>
           </p:cNvPr>
@@ -36247,7 +36255,7 @@
             <p:cNvPr id="9" name="Forma Livre: Forma 27">
               <a:extLst>
                 <a:ext uri="{FF2B5EF4-FFF2-40B4-BE49-F238E27FC236}">
-                  <a16:creationId xmlns:a16="http://schemas.microsoft.com/office/drawing/2014/main" xmlns="" id="{BF0A1B5E-6E58-4A70-97B5-2DCC1B239780}"/>
+                  <a16:creationId xmlns="" xmlns:a16="http://schemas.microsoft.com/office/drawing/2014/main" id="{BF0A1B5E-6E58-4A70-97B5-2DCC1B239780}"/>
                 </a:ext>
               </a:extLst>
             </p:cNvPr>
@@ -36434,7 +36442,7 @@
             <p:cNvPr id="10" name="Forma Livre: Forma 30">
               <a:extLst>
                 <a:ext uri="{FF2B5EF4-FFF2-40B4-BE49-F238E27FC236}">
-                  <a16:creationId xmlns:a16="http://schemas.microsoft.com/office/drawing/2014/main" xmlns="" id="{6FF9B9D0-C367-45F8-9B44-FCCBA75DBB3F}"/>
+                  <a16:creationId xmlns="" xmlns:a16="http://schemas.microsoft.com/office/drawing/2014/main" id="{6FF9B9D0-C367-45F8-9B44-FCCBA75DBB3F}"/>
                 </a:ext>
               </a:extLst>
             </p:cNvPr>
@@ -36611,7 +36619,7 @@
             <p:cNvPr id="11" name="Forma Livre: Forma 35">
               <a:extLst>
                 <a:ext uri="{FF2B5EF4-FFF2-40B4-BE49-F238E27FC236}">
-                  <a16:creationId xmlns:a16="http://schemas.microsoft.com/office/drawing/2014/main" xmlns="" id="{3D672EEE-75CC-4107-A84F-8A3C90295A3A}"/>
+                  <a16:creationId xmlns="" xmlns:a16="http://schemas.microsoft.com/office/drawing/2014/main" id="{3D672EEE-75CC-4107-A84F-8A3C90295A3A}"/>
                 </a:ext>
               </a:extLst>
             </p:cNvPr>
@@ -36759,7 +36767,7 @@
           <p:cNvPr id="12" name="Agrupar 52">
             <a:extLst>
               <a:ext uri="{FF2B5EF4-FFF2-40B4-BE49-F238E27FC236}">
-                <a16:creationId xmlns:a16="http://schemas.microsoft.com/office/drawing/2014/main" xmlns="" id="{CED2FBEA-A000-4639-9C71-CB2D033ECC53}"/>
+                <a16:creationId xmlns="" xmlns:a16="http://schemas.microsoft.com/office/drawing/2014/main" id="{CED2FBEA-A000-4639-9C71-CB2D033ECC53}"/>
               </a:ext>
             </a:extLst>
           </p:cNvPr>
@@ -36779,7 +36787,7 @@
             <p:cNvPr id="13" name="Retângulo: Cantos Arredondados 43">
               <a:extLst>
                 <a:ext uri="{FF2B5EF4-FFF2-40B4-BE49-F238E27FC236}">
-                  <a16:creationId xmlns:a16="http://schemas.microsoft.com/office/drawing/2014/main" xmlns="" id="{935E1078-7E4F-4D81-A29C-06AE0B308F99}"/>
+                  <a16:creationId xmlns="" xmlns:a16="http://schemas.microsoft.com/office/drawing/2014/main" id="{935E1078-7E4F-4D81-A29C-06AE0B308F99}"/>
                 </a:ext>
               </a:extLst>
             </p:cNvPr>
@@ -36831,7 +36839,7 @@
             <p:cNvPr id="14" name="Retângulo: Cantos Arredondados 44">
               <a:extLst>
                 <a:ext uri="{FF2B5EF4-FFF2-40B4-BE49-F238E27FC236}">
-                  <a16:creationId xmlns:a16="http://schemas.microsoft.com/office/drawing/2014/main" xmlns="" id="{362AA42A-C925-499C-8A2A-00D8CFAA8EC3}"/>
+                  <a16:creationId xmlns="" xmlns:a16="http://schemas.microsoft.com/office/drawing/2014/main" id="{362AA42A-C925-499C-8A2A-00D8CFAA8EC3}"/>
                 </a:ext>
               </a:extLst>
             </p:cNvPr>
@@ -36883,7 +36891,7 @@
             <p:cNvPr id="15" name="Retângulo 14">
               <a:extLst>
                 <a:ext uri="{FF2B5EF4-FFF2-40B4-BE49-F238E27FC236}">
-                  <a16:creationId xmlns:a16="http://schemas.microsoft.com/office/drawing/2014/main" xmlns="" id="{AB9F52CB-BAD1-4109-8FB0-B4B761B0A458}"/>
+                  <a16:creationId xmlns="" xmlns:a16="http://schemas.microsoft.com/office/drawing/2014/main" id="{AB9F52CB-BAD1-4109-8FB0-B4B761B0A458}"/>
                 </a:ext>
               </a:extLst>
             </p:cNvPr>
@@ -36935,7 +36943,7 @@
             <p:cNvPr id="16" name="Retângulo 15">
               <a:extLst>
                 <a:ext uri="{FF2B5EF4-FFF2-40B4-BE49-F238E27FC236}">
-                  <a16:creationId xmlns:a16="http://schemas.microsoft.com/office/drawing/2014/main" xmlns="" id="{50836BD2-34DC-4080-9DED-7E87AE1B68FC}"/>
+                  <a16:creationId xmlns="" xmlns:a16="http://schemas.microsoft.com/office/drawing/2014/main" id="{50836BD2-34DC-4080-9DED-7E87AE1B68FC}"/>
                 </a:ext>
               </a:extLst>
             </p:cNvPr>
@@ -36987,7 +36995,7 @@
             <p:cNvPr id="17" name="Retângulo 16">
               <a:extLst>
                 <a:ext uri="{FF2B5EF4-FFF2-40B4-BE49-F238E27FC236}">
-                  <a16:creationId xmlns:a16="http://schemas.microsoft.com/office/drawing/2014/main" xmlns="" id="{012E5920-ED13-449A-8146-547EA4F7B84D}"/>
+                  <a16:creationId xmlns="" xmlns:a16="http://schemas.microsoft.com/office/drawing/2014/main" id="{012E5920-ED13-449A-8146-547EA4F7B84D}"/>
                 </a:ext>
               </a:extLst>
             </p:cNvPr>
@@ -37039,7 +37047,7 @@
             <p:cNvPr id="18" name="Retângulo 17">
               <a:extLst>
                 <a:ext uri="{FF2B5EF4-FFF2-40B4-BE49-F238E27FC236}">
-                  <a16:creationId xmlns:a16="http://schemas.microsoft.com/office/drawing/2014/main" xmlns="" id="{0CB2364E-131E-4BF1-8595-5EECBF6E212A}"/>
+                  <a16:creationId xmlns="" xmlns:a16="http://schemas.microsoft.com/office/drawing/2014/main" id="{0CB2364E-131E-4BF1-8595-5EECBF6E212A}"/>
                 </a:ext>
               </a:extLst>
             </p:cNvPr>
@@ -37091,7 +37099,7 @@
             <p:cNvPr id="19" name="Retângulo 18">
               <a:extLst>
                 <a:ext uri="{FF2B5EF4-FFF2-40B4-BE49-F238E27FC236}">
-                  <a16:creationId xmlns:a16="http://schemas.microsoft.com/office/drawing/2014/main" xmlns="" id="{E0F8B7C4-A7C9-4D59-8E09-7EA6624828AF}"/>
+                  <a16:creationId xmlns="" xmlns:a16="http://schemas.microsoft.com/office/drawing/2014/main" id="{E0F8B7C4-A7C9-4D59-8E09-7EA6624828AF}"/>
                 </a:ext>
               </a:extLst>
             </p:cNvPr>
@@ -37158,7 +37166,7 @@
             <p:cNvPr id="5" name="Elipse 4">
               <a:extLst>
                 <a:ext uri="{FF2B5EF4-FFF2-40B4-BE49-F238E27FC236}">
-                  <a16:creationId xmlns:a16="http://schemas.microsoft.com/office/drawing/2014/main" xmlns="" id="{97BAADA3-8958-4B81-A9AD-4BD804FFCDF5}"/>
+                  <a16:creationId xmlns="" xmlns:a16="http://schemas.microsoft.com/office/drawing/2014/main" id="{97BAADA3-8958-4B81-A9AD-4BD804FFCDF5}"/>
                 </a:ext>
               </a:extLst>
             </p:cNvPr>
@@ -37453,7 +37461,7 @@
           <p:cNvPr id="3" name="Elipse 2">
             <a:extLst>
               <a:ext uri="{FF2B5EF4-FFF2-40B4-BE49-F238E27FC236}">
-                <a16:creationId xmlns:a16="http://schemas.microsoft.com/office/drawing/2014/main" xmlns="" id="{1C62FD96-B9CD-44D9-A6B7-B9CA744BF9E4}"/>
+                <a16:creationId xmlns="" xmlns:a16="http://schemas.microsoft.com/office/drawing/2014/main" id="{1C62FD96-B9CD-44D9-A6B7-B9CA744BF9E4}"/>
               </a:ext>
             </a:extLst>
           </p:cNvPr>
@@ -37551,7 +37559,7 @@
           <p:cNvPr id="7" name="Agrupar 6">
             <a:extLst>
               <a:ext uri="{FF2B5EF4-FFF2-40B4-BE49-F238E27FC236}">
-                <a16:creationId xmlns:a16="http://schemas.microsoft.com/office/drawing/2014/main" xmlns="" id="{E976DEB7-185B-4375-9DBA-5D78AF26D6D7}"/>
+                <a16:creationId xmlns="" xmlns:a16="http://schemas.microsoft.com/office/drawing/2014/main" id="{E976DEB7-185B-4375-9DBA-5D78AF26D6D7}"/>
               </a:ext>
             </a:extLst>
           </p:cNvPr>
@@ -37571,7 +37579,7 @@
             <p:cNvPr id="22" name="Elipse 21">
               <a:extLst>
                 <a:ext uri="{FF2B5EF4-FFF2-40B4-BE49-F238E27FC236}">
-                  <a16:creationId xmlns:a16="http://schemas.microsoft.com/office/drawing/2014/main" xmlns="" id="{8DA61EDA-D65F-407B-82BD-B427144766D3}"/>
+                  <a16:creationId xmlns="" xmlns:a16="http://schemas.microsoft.com/office/drawing/2014/main" id="{8DA61EDA-D65F-407B-82BD-B427144766D3}"/>
                 </a:ext>
               </a:extLst>
             </p:cNvPr>
@@ -37623,7 +37631,7 @@
             <p:cNvPr id="6" name="Elipse 5">
               <a:extLst>
                 <a:ext uri="{FF2B5EF4-FFF2-40B4-BE49-F238E27FC236}">
-                  <a16:creationId xmlns:a16="http://schemas.microsoft.com/office/drawing/2014/main" xmlns="" id="{A6965E2E-3446-4C27-9E1F-A31F25446713}"/>
+                  <a16:creationId xmlns="" xmlns:a16="http://schemas.microsoft.com/office/drawing/2014/main" id="{A6965E2E-3446-4C27-9E1F-A31F25446713}"/>
                 </a:ext>
               </a:extLst>
             </p:cNvPr>
@@ -37989,7 +37997,7 @@
             <p:cNvPr id="9" name="Retângulo: Cantos Arredondados 8">
               <a:extLst>
                 <a:ext uri="{FF2B5EF4-FFF2-40B4-BE49-F238E27FC236}">
-                  <a16:creationId xmlns:a16="http://schemas.microsoft.com/office/drawing/2014/main" xmlns="" id="{F8102B5C-A279-4902-B60D-5047349AC13D}"/>
+                  <a16:creationId xmlns="" xmlns:a16="http://schemas.microsoft.com/office/drawing/2014/main" id="{F8102B5C-A279-4902-B60D-5047349AC13D}"/>
                 </a:ext>
               </a:extLst>
             </p:cNvPr>

--- a/Rascunhos/Logo - PP2.pptx
+++ b/Rascunhos/Logo - PP2.pptx
@@ -116,7 +116,7 @@
   </p:defaultTextStyle>
   <p:extLst>
     <p:ext uri="{EFAFB233-063F-42B5-8137-9DF3F51BA10A}">
-      <p15:sldGuideLst xmlns="" xmlns:p15="http://schemas.microsoft.com/office/powerpoint/2012/main">
+      <p15:sldGuideLst xmlns:p15="http://schemas.microsoft.com/office/powerpoint/2012/main">
         <p15:guide id="1" orient="horz" pos="2160">
           <p15:clr>
             <a:srgbClr val="A4A3A4"/>
@@ -215,7 +215,7 @@
           <a:p>
             <a:fld id="{FF064E14-6B57-4160-B976-9759441CBCC8}" type="datetimeFigureOut">
               <a:rPr lang="pt-BR" smtClean="0"/>
-              <a:t>01/03/2019</a:t>
+              <a:t>03/03/2019</a:t>
             </a:fld>
             <a:endParaRPr lang="pt-BR"/>
           </a:p>
@@ -829,7 +829,7 @@
           <a:p>
             <a:fld id="{26F57601-A94F-4415-BE12-3A057DDE858C}" type="datetimeFigureOut">
               <a:rPr lang="pt-BR" smtClean="0"/>
-              <a:t>01/03/2019</a:t>
+              <a:t>03/03/2019</a:t>
             </a:fld>
             <a:endParaRPr lang="pt-BR"/>
           </a:p>
@@ -997,7 +997,7 @@
           <a:p>
             <a:fld id="{26F57601-A94F-4415-BE12-3A057DDE858C}" type="datetimeFigureOut">
               <a:rPr lang="pt-BR" smtClean="0"/>
-              <a:t>01/03/2019</a:t>
+              <a:t>03/03/2019</a:t>
             </a:fld>
             <a:endParaRPr lang="pt-BR"/>
           </a:p>
@@ -1175,7 +1175,7 @@
           <a:p>
             <a:fld id="{26F57601-A94F-4415-BE12-3A057DDE858C}" type="datetimeFigureOut">
               <a:rPr lang="pt-BR" smtClean="0"/>
-              <a:t>01/03/2019</a:t>
+              <a:t>03/03/2019</a:t>
             </a:fld>
             <a:endParaRPr lang="pt-BR"/>
           </a:p>
@@ -1343,7 +1343,7 @@
           <a:p>
             <a:fld id="{26F57601-A94F-4415-BE12-3A057DDE858C}" type="datetimeFigureOut">
               <a:rPr lang="pt-BR" smtClean="0"/>
-              <a:t>01/03/2019</a:t>
+              <a:t>03/03/2019</a:t>
             </a:fld>
             <a:endParaRPr lang="pt-BR"/>
           </a:p>
@@ -1588,7 +1588,7 @@
           <a:p>
             <a:fld id="{26F57601-A94F-4415-BE12-3A057DDE858C}" type="datetimeFigureOut">
               <a:rPr lang="pt-BR" smtClean="0"/>
-              <a:t>01/03/2019</a:t>
+              <a:t>03/03/2019</a:t>
             </a:fld>
             <a:endParaRPr lang="pt-BR"/>
           </a:p>
@@ -1873,7 +1873,7 @@
           <a:p>
             <a:fld id="{26F57601-A94F-4415-BE12-3A057DDE858C}" type="datetimeFigureOut">
               <a:rPr lang="pt-BR" smtClean="0"/>
-              <a:t>01/03/2019</a:t>
+              <a:t>03/03/2019</a:t>
             </a:fld>
             <a:endParaRPr lang="pt-BR"/>
           </a:p>
@@ -2292,7 +2292,7 @@
           <a:p>
             <a:fld id="{26F57601-A94F-4415-BE12-3A057DDE858C}" type="datetimeFigureOut">
               <a:rPr lang="pt-BR" smtClean="0"/>
-              <a:t>01/03/2019</a:t>
+              <a:t>03/03/2019</a:t>
             </a:fld>
             <a:endParaRPr lang="pt-BR"/>
           </a:p>
@@ -2409,7 +2409,7 @@
           <a:p>
             <a:fld id="{26F57601-A94F-4415-BE12-3A057DDE858C}" type="datetimeFigureOut">
               <a:rPr lang="pt-BR" smtClean="0"/>
-              <a:t>01/03/2019</a:t>
+              <a:t>03/03/2019</a:t>
             </a:fld>
             <a:endParaRPr lang="pt-BR"/>
           </a:p>
@@ -2504,7 +2504,7 @@
           <a:p>
             <a:fld id="{26F57601-A94F-4415-BE12-3A057DDE858C}" type="datetimeFigureOut">
               <a:rPr lang="pt-BR" smtClean="0"/>
-              <a:t>01/03/2019</a:t>
+              <a:t>03/03/2019</a:t>
             </a:fld>
             <a:endParaRPr lang="pt-BR"/>
           </a:p>
@@ -2779,7 +2779,7 @@
           <a:p>
             <a:fld id="{26F57601-A94F-4415-BE12-3A057DDE858C}" type="datetimeFigureOut">
               <a:rPr lang="pt-BR" smtClean="0"/>
-              <a:t>01/03/2019</a:t>
+              <a:t>03/03/2019</a:t>
             </a:fld>
             <a:endParaRPr lang="pt-BR"/>
           </a:p>
@@ -3031,7 +3031,7 @@
           <a:p>
             <a:fld id="{26F57601-A94F-4415-BE12-3A057DDE858C}" type="datetimeFigureOut">
               <a:rPr lang="pt-BR" smtClean="0"/>
-              <a:t>01/03/2019</a:t>
+              <a:t>03/03/2019</a:t>
             </a:fld>
             <a:endParaRPr lang="pt-BR"/>
           </a:p>
@@ -3248,7 +3248,7 @@
           <a:p>
             <a:fld id="{26F57601-A94F-4415-BE12-3A057DDE858C}" type="datetimeFigureOut">
               <a:rPr lang="pt-BR" smtClean="0"/>
-              <a:t>01/03/2019</a:t>
+              <a:t>03/03/2019</a:t>
             </a:fld>
             <a:endParaRPr lang="pt-BR"/>
           </a:p>
@@ -3625,38 +3625,43 @@
       </p:grpSpPr>
       <p:grpSp>
         <p:nvGrpSpPr>
-          <p:cNvPr id="2" name="Grupo 1"/>
+          <p:cNvPr id="20" name="Agrupar 19">
+            <a:extLst>
+              <a:ext uri="{FF2B5EF4-FFF2-40B4-BE49-F238E27FC236}">
+                <a16:creationId xmlns:a16="http://schemas.microsoft.com/office/drawing/2014/main" id="{E3682C21-8216-4FCF-A5C3-DC6FDF19FB2B}"/>
+              </a:ext>
+            </a:extLst>
+          </p:cNvPr>
           <p:cNvGrpSpPr/>
           <p:nvPr/>
         </p:nvGrpSpPr>
         <p:grpSpPr>
           <a:xfrm>
-            <a:off x="2405588" y="1598504"/>
-            <a:ext cx="4155305" cy="3746126"/>
-            <a:chOff x="2746785" y="1735723"/>
-            <a:chExt cx="4155305" cy="3746126"/>
+            <a:off x="2843808" y="1555937"/>
+            <a:ext cx="3240360" cy="3746126"/>
+            <a:chOff x="3059832" y="1591037"/>
+            <a:chExt cx="3240360" cy="3746126"/>
           </a:xfrm>
         </p:grpSpPr>
         <p:grpSp>
           <p:nvGrpSpPr>
-            <p:cNvPr id="27" name="Grupo 26"/>
+            <p:cNvPr id="3" name="Agrupar 2">
+              <a:extLst>
+                <a:ext uri="{FF2B5EF4-FFF2-40B4-BE49-F238E27FC236}">
+                  <a16:creationId xmlns:a16="http://schemas.microsoft.com/office/drawing/2014/main" id="{1DCF184F-89D1-4856-ACDA-65CFAEF778D1}"/>
+                </a:ext>
+              </a:extLst>
+            </p:cNvPr>
             <p:cNvGrpSpPr/>
             <p:nvPr/>
           </p:nvGrpSpPr>
           <p:grpSpPr>
             <a:xfrm>
-              <a:off x="2746785" y="4393638"/>
-              <a:ext cx="4155305" cy="1088211"/>
-              <a:chOff x="1824545" y="5712543"/>
-              <a:chExt cx="4155305" cy="1088211"/>
+              <a:off x="3059832" y="4221088"/>
+              <a:ext cx="3240360" cy="1116075"/>
+              <a:chOff x="2267745" y="4185988"/>
+              <a:chExt cx="3240360" cy="1116075"/>
             </a:xfrm>
-            <a:effectLst>
-              <a:outerShdw blurRad="50800" dist="38100" dir="5400000" algn="t" rotWithShape="0">
-                <a:prstClr val="black">
-                  <a:alpha val="40000"/>
-                </a:prstClr>
-              </a:outerShdw>
-            </a:effectLst>
           </p:grpSpPr>
           <p:sp>
             <p:nvSpPr>
@@ -3666,8 +3671,8 @@
             </p:nvSpPr>
             <p:spPr>
               <a:xfrm>
-                <a:off x="1824545" y="5785091"/>
-                <a:ext cx="4155305" cy="1015663"/>
+                <a:off x="2267745" y="4286400"/>
+                <a:ext cx="3240360" cy="1015663"/>
               </a:xfrm>
               <a:prstGeom prst="rect">
                 <a:avLst/>
@@ -3682,20 +3687,20 @@
               <a:lstStyle/>
               <a:p>
                 <a:r>
-                  <a:rPr lang="pt-BR" sz="6000" b="1" dirty="0">
+                  <a:rPr lang="pt-BR" sz="6000" b="1" spc="600" dirty="0">
                     <a:solidFill>
                       <a:srgbClr val="7030A0"/>
                     </a:solidFill>
-                    <a:latin typeface="Century Gothic" panose="020B0502020202020204" pitchFamily="34" charset="0"/>
+                    <a:latin typeface="Yanone Kaffeesatz" panose="00000800000000000000" pitchFamily="2" charset="0"/>
                   </a:rPr>
                   <a:t>DISCUS</a:t>
                 </a:r>
                 <a:r>
-                  <a:rPr lang="pt-BR" sz="6000" b="1" dirty="0">
+                  <a:rPr lang="pt-BR" sz="6000" b="1" spc="600" dirty="0">
                     <a:solidFill>
                       <a:schemeClr val="bg1"/>
                     </a:solidFill>
-                    <a:latin typeface="Century Gothic" panose="020B0502020202020204" pitchFamily="34" charset="0"/>
+                    <a:latin typeface="Yanone Kaffeesatz" panose="00000800000000000000" pitchFamily="2" charset="0"/>
                   </a:rPr>
                   <a:t>SEX</a:t>
                 </a:r>
@@ -3707,7 +3712,7 @@
               <p:cNvPr id="17" name="Balão de Pensamento: Nuvem 16">
                 <a:extLst>
                   <a:ext uri="{FF2B5EF4-FFF2-40B4-BE49-F238E27FC236}">
-                    <a16:creationId xmlns="" xmlns:a16="http://schemas.microsoft.com/office/drawing/2014/main" id="{5C57BA0A-9700-43BD-9104-CC30BC0DE381}"/>
+                    <a16:creationId xmlns:a16="http://schemas.microsoft.com/office/drawing/2014/main" id="{5C57BA0A-9700-43BD-9104-CC30BC0DE381}"/>
                   </a:ext>
                 </a:extLst>
               </p:cNvPr>
@@ -3716,7 +3721,7 @@
             </p:nvSpPr>
             <p:spPr>
               <a:xfrm rot="805575">
-                <a:off x="2488193" y="5712543"/>
+                <a:off x="2725186" y="4185988"/>
                 <a:ext cx="345036" cy="239075"/>
               </a:xfrm>
               <a:prstGeom prst="cloudCallout">
@@ -3763,7 +3768,7 @@
           </p:nvGrpSpPr>
           <p:grpSpPr>
             <a:xfrm rot="503187">
-              <a:off x="3664552" y="1735723"/>
+              <a:off x="3420081" y="1591037"/>
               <a:ext cx="2303839" cy="2438290"/>
               <a:chOff x="-180528" y="2276873"/>
               <a:chExt cx="2857570" cy="3024336"/>
@@ -3775,7 +3780,7 @@
               <p:cNvPr id="96" name="Agrupar 15">
                 <a:extLst>
                   <a:ext uri="{FF2B5EF4-FFF2-40B4-BE49-F238E27FC236}">
-                    <a16:creationId xmlns="" xmlns:a16="http://schemas.microsoft.com/office/drawing/2014/main" id="{CDA0B437-9E5C-43AF-AD41-CFFD83C35D59}"/>
+                    <a16:creationId xmlns:a16="http://schemas.microsoft.com/office/drawing/2014/main" id="{CDA0B437-9E5C-43AF-AD41-CFFD83C35D59}"/>
                   </a:ext>
                 </a:extLst>
               </p:cNvPr>
@@ -4780,7 +4785,7 @@
               <p:cNvPr id="16" name="Agrupar 15">
                 <a:extLst>
                   <a:ext uri="{FF2B5EF4-FFF2-40B4-BE49-F238E27FC236}">
-                    <a16:creationId xmlns="" xmlns:a16="http://schemas.microsoft.com/office/drawing/2014/main" id="{CDA0B437-9E5C-43AF-AD41-CFFD83C35D59}"/>
+                    <a16:creationId xmlns:a16="http://schemas.microsoft.com/office/drawing/2014/main" id="{CDA0B437-9E5C-43AF-AD41-CFFD83C35D59}"/>
                   </a:ext>
                 </a:extLst>
               </p:cNvPr>
@@ -4839,7 +4844,7 @@
                 <a:lstStyle/>
                 <a:p>
                   <a:pPr algn="ctr"/>
-                  <a:endParaRPr lang="pt-BR">
+                  <a:endParaRPr lang="pt-BR" dirty="0">
                     <a:solidFill>
                       <a:srgbClr val="9900FF"/>
                     </a:solidFill>
@@ -5872,7 +5877,7 @@
               <a:lstStyle/>
               <a:p>
                 <a:pPr algn="ctr"/>
-                <a:endParaRPr lang="pt-BR"/>
+                <a:endParaRPr lang="pt-BR" dirty="0"/>
               </a:p>
             </p:txBody>
           </p:sp>
@@ -15414,16 +15419,22 @@
       </p:sp>
       <p:grpSp>
         <p:nvGrpSpPr>
-          <p:cNvPr id="3" name="Grupo 2"/>
+          <p:cNvPr id="6" name="Agrupar 5">
+            <a:extLst>
+              <a:ext uri="{FF2B5EF4-FFF2-40B4-BE49-F238E27FC236}">
+                <a16:creationId xmlns:a16="http://schemas.microsoft.com/office/drawing/2014/main" id="{F988BBBF-4A40-4AE8-846E-DD4184A0B8C9}"/>
+              </a:ext>
+            </a:extLst>
+          </p:cNvPr>
           <p:cNvGrpSpPr/>
           <p:nvPr/>
         </p:nvGrpSpPr>
         <p:grpSpPr>
           <a:xfrm>
-            <a:off x="1023513" y="582852"/>
-            <a:ext cx="4155305" cy="955509"/>
-            <a:chOff x="1023513" y="582852"/>
-            <a:chExt cx="4155305" cy="955509"/>
+            <a:off x="1023513" y="568099"/>
+            <a:ext cx="2750250" cy="968836"/>
+            <a:chOff x="1023513" y="568099"/>
+            <a:chExt cx="2750250" cy="968836"/>
           </a:xfrm>
         </p:grpSpPr>
         <p:sp>
@@ -15435,7 +15446,7 @@
           <p:spPr>
             <a:xfrm>
               <a:off x="1023513" y="765052"/>
-              <a:ext cx="4155305" cy="584775"/>
+              <a:ext cx="1760883" cy="584775"/>
             </a:xfrm>
             <a:prstGeom prst="rect">
               <a:avLst/>
@@ -15450,28 +15461,28 @@
             <a:lstStyle/>
             <a:p>
               <a:r>
-                <a:rPr lang="pt-BR" sz="3200" b="1" dirty="0">
+                <a:rPr lang="pt-BR" sz="3200" b="1" spc="300" dirty="0">
                   <a:solidFill>
                     <a:srgbClr val="893BC3"/>
                   </a:solidFill>
-                  <a:latin typeface="Century Gothic" panose="020B0502020202020204" pitchFamily="34" charset="0"/>
+                  <a:latin typeface="Yanone Kaffeesatz" panose="00000800000000000000" pitchFamily="2" charset="0"/>
                 </a:rPr>
                 <a:t>DISCUS</a:t>
               </a:r>
               <a:r>
-                <a:rPr lang="pt-BR" sz="3200" b="1" dirty="0">
+                <a:rPr lang="pt-BR" sz="3200" b="1" spc="300" dirty="0">
                   <a:solidFill>
                     <a:schemeClr val="bg1"/>
                   </a:solidFill>
-                  <a:latin typeface="Century Gothic" panose="020B0502020202020204" pitchFamily="34" charset="0"/>
+                  <a:latin typeface="Yanone Kaffeesatz" panose="00000800000000000000" pitchFamily="2" charset="0"/>
                 </a:rPr>
                 <a:t>SEX</a:t>
               </a:r>
-              <a:endParaRPr lang="pt-BR" sz="1000" b="1" dirty="0">
+              <a:endParaRPr lang="pt-BR" sz="1000" b="1" spc="300" dirty="0">
                 <a:solidFill>
                   <a:schemeClr val="bg1"/>
                 </a:solidFill>
-                <a:latin typeface="Century Gothic" panose="020B0502020202020204" pitchFamily="34" charset="0"/>
+                <a:latin typeface="Yanone Kaffeesatz" panose="00000800000000000000" pitchFamily="2" charset="0"/>
               </a:endParaRPr>
             </a:p>
           </p:txBody>
@@ -15481,7 +15492,7 @@
             <p:cNvPr id="253" name="Balão de Pensamento: Nuvem 16">
               <a:extLst>
                 <a:ext uri="{FF2B5EF4-FFF2-40B4-BE49-F238E27FC236}">
-                  <a16:creationId xmlns="" xmlns:a16="http://schemas.microsoft.com/office/drawing/2014/main" id="{5C57BA0A-9700-43BD-9104-CC30BC0DE381}"/>
+                  <a16:creationId xmlns:a16="http://schemas.microsoft.com/office/drawing/2014/main" id="{5C57BA0A-9700-43BD-9104-CC30BC0DE381}"/>
                 </a:ext>
               </a:extLst>
             </p:cNvPr>
@@ -15490,7 +15501,7 @@
           </p:nvSpPr>
           <p:spPr>
             <a:xfrm>
-              <a:off x="1330544" y="589303"/>
+              <a:off x="1180595" y="568099"/>
               <a:ext cx="360040" cy="269359"/>
             </a:xfrm>
             <a:prstGeom prst="cloudCallout">
@@ -15527,7 +15538,7 @@
             <a:lstStyle/>
             <a:p>
               <a:pPr algn="ctr"/>
-              <a:endParaRPr lang="pt-BR"/>
+              <a:endParaRPr lang="pt-BR" dirty="0"/>
             </a:p>
           </p:txBody>
         </p:sp>
@@ -15539,7 +15550,7 @@
           </p:nvGrpSpPr>
           <p:grpSpPr>
             <a:xfrm rot="503187">
-              <a:off x="3408120" y="582852"/>
+              <a:off x="2895753" y="581426"/>
               <a:ext cx="878010" cy="955509"/>
               <a:chOff x="-180528" y="2276873"/>
               <a:chExt cx="2857570" cy="3024336"/>
@@ -15551,7 +15562,7 @@
               <p:cNvPr id="255" name="Agrupar 15">
                 <a:extLst>
                   <a:ext uri="{FF2B5EF4-FFF2-40B4-BE49-F238E27FC236}">
-                    <a16:creationId xmlns="" xmlns:a16="http://schemas.microsoft.com/office/drawing/2014/main" id="{CDA0B437-9E5C-43AF-AD41-CFFD83C35D59}"/>
+                    <a16:creationId xmlns:a16="http://schemas.microsoft.com/office/drawing/2014/main" id="{CDA0B437-9E5C-43AF-AD41-CFFD83C35D59}"/>
                   </a:ext>
                 </a:extLst>
               </p:cNvPr>
@@ -16556,7 +16567,7 @@
               <p:cNvPr id="256" name="Agrupar 15">
                 <a:extLst>
                   <a:ext uri="{FF2B5EF4-FFF2-40B4-BE49-F238E27FC236}">
-                    <a16:creationId xmlns="" xmlns:a16="http://schemas.microsoft.com/office/drawing/2014/main" id="{CDA0B437-9E5C-43AF-AD41-CFFD83C35D59}"/>
+                    <a16:creationId xmlns:a16="http://schemas.microsoft.com/office/drawing/2014/main" id="{CDA0B437-9E5C-43AF-AD41-CFFD83C35D59}"/>
                   </a:ext>
                 </a:extLst>
               </p:cNvPr>
@@ -18302,8 +18313,8 @@
         </p:nvSpPr>
         <p:spPr>
           <a:xfrm>
-            <a:off x="4446278" y="829773"/>
-            <a:ext cx="1095172" cy="461665"/>
+            <a:off x="4375716" y="752498"/>
+            <a:ext cx="829073" cy="584775"/>
           </a:xfrm>
           <a:prstGeom prst="rect">
             <a:avLst/>
@@ -18317,20 +18328,20 @@
           <a:lstStyle/>
           <a:p>
             <a:r>
-              <a:rPr lang="pt-BR" sz="2400" b="1" dirty="0">
+              <a:rPr lang="pt-BR" sz="3200" b="1" dirty="0">
                 <a:solidFill>
                   <a:schemeClr val="bg1"/>
                 </a:solidFill>
-                <a:latin typeface="Aharoni" panose="02010803020104030203" pitchFamily="2" charset="-79"/>
+                <a:latin typeface="Yanone Kaffeesatz" panose="00000800000000000000" pitchFamily="2" charset="0"/>
                 <a:cs typeface="Aharoni" panose="02010803020104030203" pitchFamily="2" charset="-79"/>
               </a:rPr>
               <a:t>HOME</a:t>
             </a:r>
-            <a:endParaRPr lang="pt-BR" b="1" dirty="0">
+            <a:endParaRPr lang="pt-BR" sz="2400" b="1" dirty="0">
               <a:solidFill>
                 <a:schemeClr val="bg1"/>
               </a:solidFill>
-              <a:latin typeface="Aharoni" panose="02010803020104030203" pitchFamily="2" charset="-79"/>
+              <a:latin typeface="Yanone Kaffeesatz" panose="00000800000000000000" pitchFamily="2" charset="0"/>
               <a:cs typeface="Aharoni" panose="02010803020104030203" pitchFamily="2" charset="-79"/>
             </a:endParaRPr>
           </a:p>
@@ -18345,7 +18356,7 @@
         <p:spPr>
           <a:xfrm>
             <a:off x="5636740" y="820728"/>
-            <a:ext cx="1449436" cy="461665"/>
+            <a:ext cx="788999" cy="461665"/>
           </a:xfrm>
           <a:prstGeom prst="rect">
             <a:avLst/>
@@ -18362,7 +18373,7 @@
                 <a:solidFill>
                   <a:schemeClr val="bg1"/>
                 </a:solidFill>
-                <a:latin typeface="DejaVu Sans" panose="020B0603030804020204" pitchFamily="34" charset="0"/>
+                <a:latin typeface="Yanone Kaffeesatz" panose="00000800000000000000" pitchFamily="2" charset="0"/>
                 <a:ea typeface="DejaVu Sans" panose="020B0603030804020204" pitchFamily="34" charset="0"/>
                 <a:cs typeface="DejaVu Sans" panose="020B0603030804020204" pitchFamily="34" charset="0"/>
               </a:rPr>
@@ -18405,8 +18416,8 @@
         </p:nvSpPr>
         <p:spPr>
           <a:xfrm>
-            <a:off x="2035484" y="3285634"/>
-            <a:ext cx="5402313" cy="707886"/>
+            <a:off x="2896733" y="3259402"/>
+            <a:ext cx="3661580" cy="707886"/>
           </a:xfrm>
           <a:prstGeom prst="rect">
             <a:avLst/>
@@ -18420,22 +18431,16 @@
           <a:lstStyle/>
           <a:p>
             <a:r>
-              <a:rPr lang="pt-BR" sz="4000" b="1" dirty="0" smtClean="0">
+              <a:rPr lang="pt-BR" sz="4000" b="1" dirty="0">
                 <a:solidFill>
                   <a:schemeClr val="accent6">
                     <a:lumMod val="50000"/>
                   </a:schemeClr>
                 </a:solidFill>
+                <a:latin typeface="Yanone Kaffeesatz" panose="00000800000000000000" pitchFamily="2" charset="0"/>
               </a:rPr>
               <a:t>VAMOS FALAR DE SEXO?</a:t>
             </a:r>
-            <a:endParaRPr lang="pt-BR" sz="4000" b="1" dirty="0">
-              <a:solidFill>
-                <a:schemeClr val="accent6">
-                  <a:lumMod val="50000"/>
-                </a:schemeClr>
-              </a:solidFill>
-            </a:endParaRPr>
           </a:p>
         </p:txBody>
       </p:sp>
@@ -18581,7 +18586,7 @@
             <a:lstStyle/>
             <a:p>
               <a:pPr algn="ctr"/>
-              <a:endParaRPr lang="pt-BR"/>
+              <a:endParaRPr lang="pt-BR" dirty="0"/>
             </a:p>
           </p:txBody>
         </p:sp>
@@ -27351,39 +27356,137 @@
           </a:p>
         </p:txBody>
       </p:sp>
+      <p:sp>
+        <p:nvSpPr>
+          <p:cNvPr id="8" name="Retângulo 7"/>
+          <p:cNvSpPr/>
+          <p:nvPr/>
+        </p:nvSpPr>
+        <p:spPr>
+          <a:xfrm>
+            <a:off x="4648048" y="791481"/>
+            <a:ext cx="4534878" cy="572521"/>
+          </a:xfrm>
+          <a:prstGeom prst="rect">
+            <a:avLst/>
+          </a:prstGeom>
+          <a:solidFill>
+            <a:schemeClr val="tx1">
+              <a:lumMod val="75000"/>
+              <a:lumOff val="25000"/>
+            </a:schemeClr>
+          </a:solidFill>
+          <a:ln>
+            <a:noFill/>
+          </a:ln>
+        </p:spPr>
+        <p:style>
+          <a:lnRef idx="2">
+            <a:schemeClr val="accent1">
+              <a:shade val="50000"/>
+            </a:schemeClr>
+          </a:lnRef>
+          <a:fillRef idx="1">
+            <a:schemeClr val="accent1"/>
+          </a:fillRef>
+          <a:effectRef idx="0">
+            <a:schemeClr val="accent1"/>
+          </a:effectRef>
+          <a:fontRef idx="minor">
+            <a:schemeClr val="lt1"/>
+          </a:fontRef>
+        </p:style>
+        <p:txBody>
+          <a:bodyPr rtlCol="0" anchor="ctr"/>
+          <a:lstStyle/>
+          <a:p>
+            <a:pPr algn="ctr"/>
+            <a:endParaRPr lang="pt-BR"/>
+          </a:p>
+        </p:txBody>
+      </p:sp>
+      <p:sp>
+        <p:nvSpPr>
+          <p:cNvPr id="22" name="Retângulo de cantos arredondados 21"/>
+          <p:cNvSpPr/>
+          <p:nvPr/>
+        </p:nvSpPr>
+        <p:spPr>
+          <a:xfrm>
+            <a:off x="4648047" y="5407"/>
+            <a:ext cx="4527767" cy="1224136"/>
+          </a:xfrm>
+          <a:prstGeom prst="roundRect">
+            <a:avLst>
+              <a:gd name="adj" fmla="val 0"/>
+            </a:avLst>
+          </a:prstGeom>
+          <a:solidFill>
+            <a:schemeClr val="tx1">
+              <a:lumMod val="85000"/>
+              <a:lumOff val="15000"/>
+            </a:schemeClr>
+          </a:solidFill>
+          <a:ln>
+            <a:noFill/>
+          </a:ln>
+          <a:effectLst/>
+        </p:spPr>
+        <p:style>
+          <a:lnRef idx="2">
+            <a:schemeClr val="accent1">
+              <a:shade val="50000"/>
+            </a:schemeClr>
+          </a:lnRef>
+          <a:fillRef idx="1">
+            <a:schemeClr val="accent1"/>
+          </a:fillRef>
+          <a:effectRef idx="0">
+            <a:schemeClr val="accent1"/>
+          </a:effectRef>
+          <a:fontRef idx="minor">
+            <a:schemeClr val="lt1"/>
+          </a:fontRef>
+        </p:style>
+        <p:txBody>
+          <a:bodyPr rtlCol="0" anchor="ctr"/>
+          <a:lstStyle/>
+          <a:p>
+            <a:pPr algn="ctr"/>
+            <a:endParaRPr lang="pt-BR" dirty="0"/>
+          </a:p>
+        </p:txBody>
+      </p:sp>
       <p:grpSp>
         <p:nvGrpSpPr>
-          <p:cNvPr id="9" name="Grupo 8"/>
+          <p:cNvPr id="4" name="Grupo 3"/>
           <p:cNvGrpSpPr/>
           <p:nvPr/>
         </p:nvGrpSpPr>
         <p:grpSpPr>
           <a:xfrm>
-            <a:off x="4648047" y="5407"/>
-            <a:ext cx="4534879" cy="1358595"/>
-            <a:chOff x="4648047" y="5407"/>
-            <a:chExt cx="4534879" cy="1358595"/>
+            <a:off x="8520240" y="385689"/>
+            <a:ext cx="453832" cy="382477"/>
+            <a:chOff x="8559314" y="349206"/>
+            <a:chExt cx="453832" cy="382477"/>
           </a:xfrm>
         </p:grpSpPr>
         <p:sp>
           <p:nvSpPr>
-            <p:cNvPr id="8" name="Retângulo 7"/>
+            <p:cNvPr id="3" name="Retângulo de cantos arredondados 2"/>
             <p:cNvSpPr/>
             <p:nvPr/>
           </p:nvSpPr>
           <p:spPr>
             <a:xfrm>
-              <a:off x="4648048" y="791481"/>
-              <a:ext cx="4534878" cy="572521"/>
+              <a:off x="8559314" y="349206"/>
+              <a:ext cx="453832" cy="91977"/>
             </a:xfrm>
-            <a:prstGeom prst="rect">
+            <a:prstGeom prst="roundRect">
               <a:avLst/>
             </a:prstGeom>
             <a:solidFill>
-              <a:schemeClr val="tx1">
-                <a:lumMod val="75000"/>
-                <a:lumOff val="25000"/>
-              </a:schemeClr>
+              <a:schemeClr val="bg1"/>
             </a:solidFill>
             <a:ln>
               <a:noFill/>
@@ -27414,3094 +27517,98 @@
             </a:p>
           </p:txBody>
         </p:sp>
-        <p:grpSp>
-          <p:nvGrpSpPr>
-            <p:cNvPr id="6" name="Grupo 5"/>
-            <p:cNvGrpSpPr/>
+        <p:sp>
+          <p:nvSpPr>
+            <p:cNvPr id="332" name="Retângulo de cantos arredondados 331"/>
+            <p:cNvSpPr/>
             <p:nvPr/>
-          </p:nvGrpSpPr>
-          <p:grpSpPr>
+          </p:nvSpPr>
+          <p:spPr>
             <a:xfrm>
-              <a:off x="4648047" y="5407"/>
-              <a:ext cx="4527767" cy="1224136"/>
-              <a:chOff x="4648047" y="5407"/>
-              <a:chExt cx="4527767" cy="1224136"/>
+              <a:off x="8559314" y="491968"/>
+              <a:ext cx="453832" cy="91977"/>
             </a:xfrm>
-            <a:effectLst/>
-          </p:grpSpPr>
-          <p:sp>
-            <p:nvSpPr>
-              <p:cNvPr id="22" name="Retângulo de cantos arredondados 21"/>
-              <p:cNvSpPr/>
-              <p:nvPr/>
-            </p:nvSpPr>
-            <p:spPr>
-              <a:xfrm>
-                <a:off x="4648047" y="5407"/>
-                <a:ext cx="4527767" cy="1224136"/>
-              </a:xfrm>
-              <a:prstGeom prst="roundRect">
-                <a:avLst>
-                  <a:gd name="adj" fmla="val 0"/>
-                </a:avLst>
-              </a:prstGeom>
-              <a:solidFill>
-                <a:schemeClr val="tx1">
-                  <a:lumMod val="85000"/>
-                  <a:lumOff val="15000"/>
-                </a:schemeClr>
-              </a:solidFill>
-              <a:ln>
-                <a:noFill/>
-              </a:ln>
-              <a:effectLst/>
-            </p:spPr>
-            <p:style>
-              <a:lnRef idx="2">
-                <a:schemeClr val="accent1">
-                  <a:shade val="50000"/>
-                </a:schemeClr>
-              </a:lnRef>
-              <a:fillRef idx="1">
-                <a:schemeClr val="accent1"/>
-              </a:fillRef>
-              <a:effectRef idx="0">
-                <a:schemeClr val="accent1"/>
-              </a:effectRef>
-              <a:fontRef idx="minor">
-                <a:schemeClr val="lt1"/>
-              </a:fontRef>
-            </p:style>
-            <p:txBody>
-              <a:bodyPr rtlCol="0" anchor="ctr"/>
-              <a:lstStyle/>
-              <a:p>
-                <a:pPr algn="ctr"/>
-                <a:endParaRPr lang="pt-BR" dirty="0"/>
-              </a:p>
-            </p:txBody>
-          </p:sp>
-          <p:sp>
-            <p:nvSpPr>
-              <p:cNvPr id="252" name="CaixaDeTexto 251"/>
-              <p:cNvSpPr txBox="1"/>
-              <p:nvPr/>
-            </p:nvSpPr>
-            <p:spPr>
-              <a:xfrm>
-                <a:off x="4781125" y="347573"/>
-                <a:ext cx="4161952" cy="584775"/>
-              </a:xfrm>
-              <a:prstGeom prst="rect">
-                <a:avLst/>
-              </a:prstGeom>
+            <a:prstGeom prst="roundRect">
+              <a:avLst/>
+            </a:prstGeom>
+            <a:solidFill>
+              <a:schemeClr val="bg1"/>
+            </a:solidFill>
+            <a:ln>
               <a:noFill/>
-              <a:effectLst/>
-            </p:spPr>
-            <p:txBody>
-              <a:bodyPr wrap="square" rtlCol="0">
-                <a:spAutoFit/>
-              </a:bodyPr>
-              <a:lstStyle/>
-              <a:p>
-                <a:r>
-                  <a:rPr lang="pt-BR" sz="3200" b="1" dirty="0">
-                    <a:solidFill>
-                      <a:srgbClr val="893BC3"/>
-                    </a:solidFill>
-                    <a:latin typeface="Century Gothic" panose="020B0502020202020204" pitchFamily="34" charset="0"/>
-                  </a:rPr>
-                  <a:t>DISCUS</a:t>
-                </a:r>
-                <a:r>
-                  <a:rPr lang="pt-BR" sz="3200" b="1" dirty="0">
-                    <a:solidFill>
-                      <a:schemeClr val="bg1"/>
-                    </a:solidFill>
-                    <a:latin typeface="Century Gothic" panose="020B0502020202020204" pitchFamily="34" charset="0"/>
-                  </a:rPr>
-                  <a:t>SEX</a:t>
-                </a:r>
-                <a:endParaRPr lang="pt-BR" sz="1000" b="1" dirty="0">
-                  <a:solidFill>
-                    <a:schemeClr val="bg1"/>
-                  </a:solidFill>
-                  <a:latin typeface="Century Gothic" panose="020B0502020202020204" pitchFamily="34" charset="0"/>
-                </a:endParaRPr>
-              </a:p>
-            </p:txBody>
-          </p:sp>
-          <p:sp>
-            <p:nvSpPr>
-              <p:cNvPr id="253" name="Balão de Pensamento: Nuvem 16">
-                <a:extLst>
-                  <a:ext uri="{FF2B5EF4-FFF2-40B4-BE49-F238E27FC236}">
-                    <a16:creationId xmlns="" xmlns:a16="http://schemas.microsoft.com/office/drawing/2014/main" id="{5C57BA0A-9700-43BD-9104-CC30BC0DE381}"/>
-                  </a:ext>
-                </a:extLst>
-              </p:cNvPr>
-              <p:cNvSpPr/>
-              <p:nvPr/>
-            </p:nvSpPr>
-            <p:spPr>
-              <a:xfrm>
-                <a:off x="5094226" y="171824"/>
-                <a:ext cx="360616" cy="269359"/>
-              </a:xfrm>
-              <a:prstGeom prst="cloudCallout">
-                <a:avLst>
-                  <a:gd name="adj1" fmla="val -5084"/>
-                  <a:gd name="adj2" fmla="val 57074"/>
-                </a:avLst>
-              </a:prstGeom>
-              <a:solidFill>
-                <a:srgbClr val="893BC3"/>
-              </a:solidFill>
-              <a:ln>
-                <a:noFill/>
-              </a:ln>
-            </p:spPr>
-            <p:style>
-              <a:lnRef idx="2">
-                <a:schemeClr val="accent1">
-                  <a:shade val="50000"/>
-                </a:schemeClr>
-              </a:lnRef>
-              <a:fillRef idx="1">
-                <a:schemeClr val="accent1"/>
-              </a:fillRef>
-              <a:effectRef idx="0">
-                <a:schemeClr val="accent1"/>
-              </a:effectRef>
-              <a:fontRef idx="minor">
-                <a:schemeClr val="lt1"/>
-              </a:fontRef>
-            </p:style>
-            <p:txBody>
-              <a:bodyPr rtlCol="0" anchor="ctr"/>
-              <a:lstStyle/>
-              <a:p>
-                <a:pPr algn="ctr"/>
-                <a:endParaRPr lang="pt-BR"/>
-              </a:p>
-            </p:txBody>
-          </p:sp>
-          <p:grpSp>
-            <p:nvGrpSpPr>
-              <p:cNvPr id="254" name="Grupo 253"/>
-              <p:cNvGrpSpPr/>
-              <p:nvPr/>
-            </p:nvGrpSpPr>
-            <p:grpSpPr>
-              <a:xfrm rot="503187">
-                <a:off x="7087031" y="88908"/>
-                <a:ext cx="879414" cy="955509"/>
-                <a:chOff x="-180528" y="2276873"/>
-                <a:chExt cx="2857570" cy="3024336"/>
-              </a:xfrm>
-              <a:effectLst/>
-            </p:grpSpPr>
-            <p:grpSp>
-              <p:nvGrpSpPr>
-                <p:cNvPr id="255" name="Agrupar 15">
-                  <a:extLst>
-                    <a:ext uri="{FF2B5EF4-FFF2-40B4-BE49-F238E27FC236}">
-                      <a16:creationId xmlns="" xmlns:a16="http://schemas.microsoft.com/office/drawing/2014/main" id="{CDA0B437-9E5C-43AF-AD41-CFFD83C35D59}"/>
-                    </a:ext>
-                  </a:extLst>
-                </p:cNvPr>
-                <p:cNvGrpSpPr/>
-                <p:nvPr/>
-              </p:nvGrpSpPr>
-              <p:grpSpPr>
-                <a:xfrm>
-                  <a:off x="-180528" y="2276873"/>
-                  <a:ext cx="2857570" cy="3024336"/>
-                  <a:chOff x="3787349" y="611219"/>
-                  <a:chExt cx="2714217" cy="2854593"/>
-                </a:xfrm>
-                <a:solidFill>
-                  <a:srgbClr val="7A34AE"/>
-                </a:solidFill>
-              </p:grpSpPr>
-              <p:sp>
-                <p:nvSpPr>
-                  <p:cNvPr id="294" name="Retângulo 293"/>
-                  <p:cNvSpPr/>
-                  <p:nvPr/>
-                </p:nvSpPr>
-                <p:spPr>
-                  <a:xfrm>
-                    <a:off x="3792719" y="708149"/>
-                    <a:ext cx="2703477" cy="2664296"/>
-                  </a:xfrm>
-                  <a:prstGeom prst="rect">
-                    <a:avLst/>
-                  </a:prstGeom>
-                  <a:grpFill/>
-                  <a:ln>
-                    <a:noFill/>
-                  </a:ln>
-                  <a:effectLst/>
-                </p:spPr>
-                <p:style>
-                  <a:lnRef idx="2">
-                    <a:schemeClr val="accent1">
-                      <a:shade val="50000"/>
-                    </a:schemeClr>
-                  </a:lnRef>
-                  <a:fillRef idx="1">
-                    <a:schemeClr val="accent1"/>
-                  </a:fillRef>
-                  <a:effectRef idx="0">
-                    <a:schemeClr val="accent1"/>
-                  </a:effectRef>
-                  <a:fontRef idx="minor">
-                    <a:schemeClr val="lt1"/>
-                  </a:fontRef>
-                </p:style>
-                <p:txBody>
-                  <a:bodyPr rtlCol="0" anchor="ctr"/>
-                  <a:lstStyle/>
-                  <a:p>
-                    <a:pPr algn="ctr"/>
-                    <a:endParaRPr lang="pt-BR">
-                      <a:solidFill>
-                        <a:srgbClr val="9900FF"/>
-                      </a:solidFill>
-                    </a:endParaRPr>
-                  </a:p>
-                </p:txBody>
-              </p:sp>
-              <p:grpSp>
-                <p:nvGrpSpPr>
-                  <p:cNvPr id="295" name="Grupo 294"/>
-                  <p:cNvGrpSpPr/>
-                  <p:nvPr/>
-                </p:nvGrpSpPr>
-                <p:grpSpPr>
-                  <a:xfrm>
-                    <a:off x="3787349" y="611219"/>
-                    <a:ext cx="2703476" cy="108012"/>
-                    <a:chOff x="5952287" y="2088395"/>
-                    <a:chExt cx="2850831" cy="216024"/>
-                  </a:xfrm>
-                  <a:grpFill/>
-                </p:grpSpPr>
-                <p:sp>
-                  <p:nvSpPr>
-                    <p:cNvPr id="307" name="Triângulo isósceles 306"/>
-                    <p:cNvSpPr/>
-                    <p:nvPr/>
-                  </p:nvSpPr>
-                  <p:spPr>
-                    <a:xfrm>
-                      <a:off x="5952287" y="2088395"/>
-                      <a:ext cx="288032" cy="216024"/>
-                    </a:xfrm>
-                    <a:prstGeom prst="triangle">
-                      <a:avLst/>
-                    </a:prstGeom>
-                    <a:grpFill/>
-                    <a:ln>
-                      <a:noFill/>
-                    </a:ln>
-                    <a:effectLst/>
-                  </p:spPr>
-                  <p:style>
-                    <a:lnRef idx="2">
-                      <a:schemeClr val="accent1">
-                        <a:shade val="50000"/>
-                      </a:schemeClr>
-                    </a:lnRef>
-                    <a:fillRef idx="1">
-                      <a:schemeClr val="accent1"/>
-                    </a:fillRef>
-                    <a:effectRef idx="0">
-                      <a:schemeClr val="accent1"/>
-                    </a:effectRef>
-                    <a:fontRef idx="minor">
-                      <a:schemeClr val="lt1"/>
-                    </a:fontRef>
-                  </p:style>
-                  <p:txBody>
-                    <a:bodyPr rtlCol="0" anchor="ctr"/>
-                    <a:lstStyle/>
-                    <a:p>
-                      <a:pPr algn="ctr"/>
-                      <a:endParaRPr lang="pt-BR"/>
-                    </a:p>
-                  </p:txBody>
-                </p:sp>
-                <p:sp>
-                  <p:nvSpPr>
-                    <p:cNvPr id="308" name="Triângulo isósceles 307"/>
-                    <p:cNvSpPr/>
-                    <p:nvPr/>
-                  </p:nvSpPr>
-                  <p:spPr>
-                    <a:xfrm>
-                      <a:off x="6241783" y="2088395"/>
-                      <a:ext cx="288032" cy="216024"/>
-                    </a:xfrm>
-                    <a:prstGeom prst="triangle">
-                      <a:avLst/>
-                    </a:prstGeom>
-                    <a:grpFill/>
-                    <a:ln>
-                      <a:noFill/>
-                    </a:ln>
-                    <a:effectLst/>
-                  </p:spPr>
-                  <p:style>
-                    <a:lnRef idx="2">
-                      <a:schemeClr val="accent1">
-                        <a:shade val="50000"/>
-                      </a:schemeClr>
-                    </a:lnRef>
-                    <a:fillRef idx="1">
-                      <a:schemeClr val="accent1"/>
-                    </a:fillRef>
-                    <a:effectRef idx="0">
-                      <a:schemeClr val="accent1"/>
-                    </a:effectRef>
-                    <a:fontRef idx="minor">
-                      <a:schemeClr val="lt1"/>
-                    </a:fontRef>
-                  </p:style>
-                  <p:txBody>
-                    <a:bodyPr rtlCol="0" anchor="ctr"/>
-                    <a:lstStyle/>
-                    <a:p>
-                      <a:pPr algn="ctr"/>
-                      <a:endParaRPr lang="pt-BR"/>
-                    </a:p>
-                  </p:txBody>
-                </p:sp>
-                <p:sp>
-                  <p:nvSpPr>
-                    <p:cNvPr id="309" name="Triângulo isósceles 308"/>
-                    <p:cNvSpPr/>
-                    <p:nvPr/>
-                  </p:nvSpPr>
-                  <p:spPr>
-                    <a:xfrm>
-                      <a:off x="6520839" y="2088395"/>
-                      <a:ext cx="288032" cy="216024"/>
-                    </a:xfrm>
-                    <a:prstGeom prst="triangle">
-                      <a:avLst/>
-                    </a:prstGeom>
-                    <a:grpFill/>
-                    <a:ln>
-                      <a:noFill/>
-                    </a:ln>
-                    <a:effectLst/>
-                  </p:spPr>
-                  <p:style>
-                    <a:lnRef idx="2">
-                      <a:schemeClr val="accent1">
-                        <a:shade val="50000"/>
-                      </a:schemeClr>
-                    </a:lnRef>
-                    <a:fillRef idx="1">
-                      <a:schemeClr val="accent1"/>
-                    </a:fillRef>
-                    <a:effectRef idx="0">
-                      <a:schemeClr val="accent1"/>
-                    </a:effectRef>
-                    <a:fontRef idx="minor">
-                      <a:schemeClr val="lt1"/>
-                    </a:fontRef>
-                  </p:style>
-                  <p:txBody>
-                    <a:bodyPr rtlCol="0" anchor="ctr"/>
-                    <a:lstStyle/>
-                    <a:p>
-                      <a:pPr algn="ctr"/>
-                      <a:endParaRPr lang="pt-BR"/>
-                    </a:p>
-                  </p:txBody>
-                </p:sp>
-                <p:sp>
-                  <p:nvSpPr>
-                    <p:cNvPr id="310" name="Triângulo isósceles 309"/>
-                    <p:cNvSpPr/>
-                    <p:nvPr/>
-                  </p:nvSpPr>
-                  <p:spPr>
-                    <a:xfrm>
-                      <a:off x="6786042" y="2088395"/>
-                      <a:ext cx="288032" cy="216024"/>
-                    </a:xfrm>
-                    <a:prstGeom prst="triangle">
-                      <a:avLst/>
-                    </a:prstGeom>
-                    <a:grpFill/>
-                    <a:ln>
-                      <a:noFill/>
-                    </a:ln>
-                    <a:effectLst/>
-                  </p:spPr>
-                  <p:style>
-                    <a:lnRef idx="2">
-                      <a:schemeClr val="accent1">
-                        <a:shade val="50000"/>
-                      </a:schemeClr>
-                    </a:lnRef>
-                    <a:fillRef idx="1">
-                      <a:schemeClr val="accent1"/>
-                    </a:fillRef>
-                    <a:effectRef idx="0">
-                      <a:schemeClr val="accent1"/>
-                    </a:effectRef>
-                    <a:fontRef idx="minor">
-                      <a:schemeClr val="lt1"/>
-                    </a:fontRef>
-                  </p:style>
-                  <p:txBody>
-                    <a:bodyPr rtlCol="0" anchor="ctr"/>
-                    <a:lstStyle/>
-                    <a:p>
-                      <a:pPr algn="ctr"/>
-                      <a:endParaRPr lang="pt-BR"/>
-                    </a:p>
-                  </p:txBody>
-                </p:sp>
-                <p:sp>
-                  <p:nvSpPr>
-                    <p:cNvPr id="311" name="Triângulo isósceles 310"/>
-                    <p:cNvSpPr/>
-                    <p:nvPr/>
-                  </p:nvSpPr>
-                  <p:spPr>
-                    <a:xfrm>
-                      <a:off x="7057306" y="2088395"/>
-                      <a:ext cx="288032" cy="216024"/>
-                    </a:xfrm>
-                    <a:prstGeom prst="triangle">
-                      <a:avLst/>
-                    </a:prstGeom>
-                    <a:grpFill/>
-                    <a:ln>
-                      <a:noFill/>
-                    </a:ln>
-                    <a:effectLst/>
-                  </p:spPr>
-                  <p:style>
-                    <a:lnRef idx="2">
-                      <a:schemeClr val="accent1">
-                        <a:shade val="50000"/>
-                      </a:schemeClr>
-                    </a:lnRef>
-                    <a:fillRef idx="1">
-                      <a:schemeClr val="accent1"/>
-                    </a:fillRef>
-                    <a:effectRef idx="0">
-                      <a:schemeClr val="accent1"/>
-                    </a:effectRef>
-                    <a:fontRef idx="minor">
-                      <a:schemeClr val="lt1"/>
-                    </a:fontRef>
-                  </p:style>
-                  <p:txBody>
-                    <a:bodyPr rtlCol="0" anchor="ctr"/>
-                    <a:lstStyle/>
-                    <a:p>
-                      <a:pPr algn="ctr"/>
-                      <a:endParaRPr lang="pt-BR"/>
-                    </a:p>
-                  </p:txBody>
-                </p:sp>
-                <p:sp>
-                  <p:nvSpPr>
-                    <p:cNvPr id="312" name="Triângulo isósceles 311"/>
-                    <p:cNvSpPr/>
-                    <p:nvPr/>
-                  </p:nvSpPr>
-                  <p:spPr>
-                    <a:xfrm>
-                      <a:off x="7358127" y="2088395"/>
-                      <a:ext cx="288032" cy="216024"/>
-                    </a:xfrm>
-                    <a:prstGeom prst="triangle">
-                      <a:avLst/>
-                    </a:prstGeom>
-                    <a:grpFill/>
-                    <a:ln>
-                      <a:noFill/>
-                    </a:ln>
-                    <a:effectLst/>
-                  </p:spPr>
-                  <p:style>
-                    <a:lnRef idx="2">
-                      <a:schemeClr val="accent1">
-                        <a:shade val="50000"/>
-                      </a:schemeClr>
-                    </a:lnRef>
-                    <a:fillRef idx="1">
-                      <a:schemeClr val="accent1"/>
-                    </a:fillRef>
-                    <a:effectRef idx="0">
-                      <a:schemeClr val="accent1"/>
-                    </a:effectRef>
-                    <a:fontRef idx="minor">
-                      <a:schemeClr val="lt1"/>
-                    </a:fontRef>
-                  </p:style>
-                  <p:txBody>
-                    <a:bodyPr rtlCol="0" anchor="ctr"/>
-                    <a:lstStyle/>
-                    <a:p>
-                      <a:pPr algn="ctr"/>
-                      <a:endParaRPr lang="pt-BR"/>
-                    </a:p>
-                  </p:txBody>
-                </p:sp>
-                <p:sp>
-                  <p:nvSpPr>
-                    <p:cNvPr id="313" name="Triângulo isósceles 312"/>
-                    <p:cNvSpPr/>
-                    <p:nvPr/>
-                  </p:nvSpPr>
-                  <p:spPr>
-                    <a:xfrm>
-                      <a:off x="7628725" y="2088395"/>
-                      <a:ext cx="288032" cy="216024"/>
-                    </a:xfrm>
-                    <a:prstGeom prst="triangle">
-                      <a:avLst/>
-                    </a:prstGeom>
-                    <a:grpFill/>
-                    <a:ln>
-                      <a:noFill/>
-                    </a:ln>
-                    <a:effectLst/>
-                  </p:spPr>
-                  <p:style>
-                    <a:lnRef idx="2">
-                      <a:schemeClr val="accent1">
-                        <a:shade val="50000"/>
-                      </a:schemeClr>
-                    </a:lnRef>
-                    <a:fillRef idx="1">
-                      <a:schemeClr val="accent1"/>
-                    </a:fillRef>
-                    <a:effectRef idx="0">
-                      <a:schemeClr val="accent1"/>
-                    </a:effectRef>
-                    <a:fontRef idx="minor">
-                      <a:schemeClr val="lt1"/>
-                    </a:fontRef>
-                  </p:style>
-                  <p:txBody>
-                    <a:bodyPr rtlCol="0" anchor="ctr"/>
-                    <a:lstStyle/>
-                    <a:p>
-                      <a:pPr algn="ctr"/>
-                      <a:endParaRPr lang="pt-BR"/>
-                    </a:p>
-                  </p:txBody>
-                </p:sp>
-                <p:sp>
-                  <p:nvSpPr>
-                    <p:cNvPr id="314" name="Triângulo isósceles 313"/>
-                    <p:cNvSpPr/>
-                    <p:nvPr/>
-                  </p:nvSpPr>
-                  <p:spPr>
-                    <a:xfrm>
-                      <a:off x="7939022" y="2088395"/>
-                      <a:ext cx="288032" cy="216024"/>
-                    </a:xfrm>
-                    <a:prstGeom prst="triangle">
-                      <a:avLst/>
-                    </a:prstGeom>
-                    <a:grpFill/>
-                    <a:ln>
-                      <a:noFill/>
-                    </a:ln>
-                    <a:effectLst/>
-                  </p:spPr>
-                  <p:style>
-                    <a:lnRef idx="2">
-                      <a:schemeClr val="accent1">
-                        <a:shade val="50000"/>
-                      </a:schemeClr>
-                    </a:lnRef>
-                    <a:fillRef idx="1">
-                      <a:schemeClr val="accent1"/>
-                    </a:fillRef>
-                    <a:effectRef idx="0">
-                      <a:schemeClr val="accent1"/>
-                    </a:effectRef>
-                    <a:fontRef idx="minor">
-                      <a:schemeClr val="lt1"/>
-                    </a:fontRef>
-                  </p:style>
-                  <p:txBody>
-                    <a:bodyPr rtlCol="0" anchor="ctr"/>
-                    <a:lstStyle/>
-                    <a:p>
-                      <a:pPr algn="ctr"/>
-                      <a:endParaRPr lang="pt-BR"/>
-                    </a:p>
-                  </p:txBody>
-                </p:sp>
-                <p:sp>
-                  <p:nvSpPr>
-                    <p:cNvPr id="315" name="Triângulo isósceles 314"/>
-                    <p:cNvSpPr/>
-                    <p:nvPr/>
-                  </p:nvSpPr>
-                  <p:spPr>
-                    <a:xfrm>
-                      <a:off x="8227054" y="2088395"/>
-                      <a:ext cx="288032" cy="216024"/>
-                    </a:xfrm>
-                    <a:prstGeom prst="triangle">
-                      <a:avLst/>
-                    </a:prstGeom>
-                    <a:grpFill/>
-                    <a:ln>
-                      <a:noFill/>
-                    </a:ln>
-                    <a:effectLst/>
-                  </p:spPr>
-                  <p:style>
-                    <a:lnRef idx="2">
-                      <a:schemeClr val="accent1">
-                        <a:shade val="50000"/>
-                      </a:schemeClr>
-                    </a:lnRef>
-                    <a:fillRef idx="1">
-                      <a:schemeClr val="accent1"/>
-                    </a:fillRef>
-                    <a:effectRef idx="0">
-                      <a:schemeClr val="accent1"/>
-                    </a:effectRef>
-                    <a:fontRef idx="minor">
-                      <a:schemeClr val="lt1"/>
-                    </a:fontRef>
-                  </p:style>
-                  <p:txBody>
-                    <a:bodyPr rtlCol="0" anchor="ctr"/>
-                    <a:lstStyle/>
-                    <a:p>
-                      <a:pPr algn="ctr"/>
-                      <a:endParaRPr lang="pt-BR"/>
-                    </a:p>
-                  </p:txBody>
-                </p:sp>
-                <p:sp>
-                  <p:nvSpPr>
-                    <p:cNvPr id="316" name="Triângulo isósceles 315"/>
-                    <p:cNvSpPr/>
-                    <p:nvPr/>
-                  </p:nvSpPr>
-                  <p:spPr>
-                    <a:xfrm>
-                      <a:off x="8515086" y="2088395"/>
-                      <a:ext cx="288032" cy="216024"/>
-                    </a:xfrm>
-                    <a:prstGeom prst="triangle">
-                      <a:avLst/>
-                    </a:prstGeom>
-                    <a:grpFill/>
-                    <a:ln>
-                      <a:noFill/>
-                    </a:ln>
-                    <a:effectLst/>
-                  </p:spPr>
-                  <p:style>
-                    <a:lnRef idx="2">
-                      <a:schemeClr val="accent1">
-                        <a:shade val="50000"/>
-                      </a:schemeClr>
-                    </a:lnRef>
-                    <a:fillRef idx="1">
-                      <a:schemeClr val="accent1"/>
-                    </a:fillRef>
-                    <a:effectRef idx="0">
-                      <a:schemeClr val="accent1"/>
-                    </a:effectRef>
-                    <a:fontRef idx="minor">
-                      <a:schemeClr val="lt1"/>
-                    </a:fontRef>
-                  </p:style>
-                  <p:txBody>
-                    <a:bodyPr rtlCol="0" anchor="ctr"/>
-                    <a:lstStyle/>
-                    <a:p>
-                      <a:pPr algn="ctr"/>
-                      <a:endParaRPr lang="pt-BR"/>
-                    </a:p>
-                  </p:txBody>
-                </p:sp>
-              </p:grpSp>
-              <p:grpSp>
-                <p:nvGrpSpPr>
-                  <p:cNvPr id="296" name="Grupo 295"/>
-                  <p:cNvGrpSpPr/>
-                  <p:nvPr/>
-                </p:nvGrpSpPr>
-                <p:grpSpPr>
-                  <a:xfrm rot="10800000">
-                    <a:off x="3798090" y="3357800"/>
-                    <a:ext cx="2703476" cy="108012"/>
-                    <a:chOff x="5952287" y="2088395"/>
-                    <a:chExt cx="2850831" cy="216024"/>
-                  </a:xfrm>
-                  <a:grpFill/>
-                </p:grpSpPr>
-                <p:sp>
-                  <p:nvSpPr>
-                    <p:cNvPr id="297" name="Triângulo isósceles 296"/>
-                    <p:cNvSpPr/>
-                    <p:nvPr/>
-                  </p:nvSpPr>
-                  <p:spPr>
-                    <a:xfrm>
-                      <a:off x="5952287" y="2088395"/>
-                      <a:ext cx="288032" cy="216024"/>
-                    </a:xfrm>
-                    <a:prstGeom prst="triangle">
-                      <a:avLst/>
-                    </a:prstGeom>
-                    <a:grpFill/>
-                    <a:ln>
-                      <a:noFill/>
-                    </a:ln>
-                    <a:effectLst/>
-                  </p:spPr>
-                  <p:style>
-                    <a:lnRef idx="2">
-                      <a:schemeClr val="accent1">
-                        <a:shade val="50000"/>
-                      </a:schemeClr>
-                    </a:lnRef>
-                    <a:fillRef idx="1">
-                      <a:schemeClr val="accent1"/>
-                    </a:fillRef>
-                    <a:effectRef idx="0">
-                      <a:schemeClr val="accent1"/>
-                    </a:effectRef>
-                    <a:fontRef idx="minor">
-                      <a:schemeClr val="lt1"/>
-                    </a:fontRef>
-                  </p:style>
-                  <p:txBody>
-                    <a:bodyPr rtlCol="0" anchor="ctr"/>
-                    <a:lstStyle/>
-                    <a:p>
-                      <a:pPr algn="ctr"/>
-                      <a:endParaRPr lang="pt-BR"/>
-                    </a:p>
-                  </p:txBody>
-                </p:sp>
-                <p:sp>
-                  <p:nvSpPr>
-                    <p:cNvPr id="298" name="Triângulo isósceles 297"/>
-                    <p:cNvSpPr/>
-                    <p:nvPr/>
-                  </p:nvSpPr>
-                  <p:spPr>
-                    <a:xfrm>
-                      <a:off x="6241783" y="2088395"/>
-                      <a:ext cx="288032" cy="216024"/>
-                    </a:xfrm>
-                    <a:prstGeom prst="triangle">
-                      <a:avLst/>
-                    </a:prstGeom>
-                    <a:grpFill/>
-                    <a:ln>
-                      <a:noFill/>
-                    </a:ln>
-                    <a:effectLst/>
-                  </p:spPr>
-                  <p:style>
-                    <a:lnRef idx="2">
-                      <a:schemeClr val="accent1">
-                        <a:shade val="50000"/>
-                      </a:schemeClr>
-                    </a:lnRef>
-                    <a:fillRef idx="1">
-                      <a:schemeClr val="accent1"/>
-                    </a:fillRef>
-                    <a:effectRef idx="0">
-                      <a:schemeClr val="accent1"/>
-                    </a:effectRef>
-                    <a:fontRef idx="minor">
-                      <a:schemeClr val="lt1"/>
-                    </a:fontRef>
-                  </p:style>
-                  <p:txBody>
-                    <a:bodyPr rtlCol="0" anchor="ctr"/>
-                    <a:lstStyle/>
-                    <a:p>
-                      <a:pPr algn="ctr"/>
-                      <a:endParaRPr lang="pt-BR"/>
-                    </a:p>
-                  </p:txBody>
-                </p:sp>
-                <p:sp>
-                  <p:nvSpPr>
-                    <p:cNvPr id="299" name="Triângulo isósceles 298"/>
-                    <p:cNvSpPr/>
-                    <p:nvPr/>
-                  </p:nvSpPr>
-                  <p:spPr>
-                    <a:xfrm>
-                      <a:off x="6520839" y="2088395"/>
-                      <a:ext cx="288032" cy="216024"/>
-                    </a:xfrm>
-                    <a:prstGeom prst="triangle">
-                      <a:avLst/>
-                    </a:prstGeom>
-                    <a:grpFill/>
-                    <a:ln>
-                      <a:noFill/>
-                    </a:ln>
-                    <a:effectLst/>
-                  </p:spPr>
-                  <p:style>
-                    <a:lnRef idx="2">
-                      <a:schemeClr val="accent1">
-                        <a:shade val="50000"/>
-                      </a:schemeClr>
-                    </a:lnRef>
-                    <a:fillRef idx="1">
-                      <a:schemeClr val="accent1"/>
-                    </a:fillRef>
-                    <a:effectRef idx="0">
-                      <a:schemeClr val="accent1"/>
-                    </a:effectRef>
-                    <a:fontRef idx="minor">
-                      <a:schemeClr val="lt1"/>
-                    </a:fontRef>
-                  </p:style>
-                  <p:txBody>
-                    <a:bodyPr rtlCol="0" anchor="ctr"/>
-                    <a:lstStyle/>
-                    <a:p>
-                      <a:pPr algn="ctr"/>
-                      <a:endParaRPr lang="pt-BR"/>
-                    </a:p>
-                  </p:txBody>
-                </p:sp>
-                <p:sp>
-                  <p:nvSpPr>
-                    <p:cNvPr id="300" name="Triângulo isósceles 299"/>
-                    <p:cNvSpPr/>
-                    <p:nvPr/>
-                  </p:nvSpPr>
-                  <p:spPr>
-                    <a:xfrm>
-                      <a:off x="6786042" y="2088395"/>
-                      <a:ext cx="288032" cy="216024"/>
-                    </a:xfrm>
-                    <a:prstGeom prst="triangle">
-                      <a:avLst/>
-                    </a:prstGeom>
-                    <a:grpFill/>
-                    <a:ln>
-                      <a:noFill/>
-                    </a:ln>
-                    <a:effectLst/>
-                  </p:spPr>
-                  <p:style>
-                    <a:lnRef idx="2">
-                      <a:schemeClr val="accent1">
-                        <a:shade val="50000"/>
-                      </a:schemeClr>
-                    </a:lnRef>
-                    <a:fillRef idx="1">
-                      <a:schemeClr val="accent1"/>
-                    </a:fillRef>
-                    <a:effectRef idx="0">
-                      <a:schemeClr val="accent1"/>
-                    </a:effectRef>
-                    <a:fontRef idx="minor">
-                      <a:schemeClr val="lt1"/>
-                    </a:fontRef>
-                  </p:style>
-                  <p:txBody>
-                    <a:bodyPr rtlCol="0" anchor="ctr"/>
-                    <a:lstStyle/>
-                    <a:p>
-                      <a:pPr algn="ctr"/>
-                      <a:endParaRPr lang="pt-BR"/>
-                    </a:p>
-                  </p:txBody>
-                </p:sp>
-                <p:sp>
-                  <p:nvSpPr>
-                    <p:cNvPr id="301" name="Triângulo isósceles 300"/>
-                    <p:cNvSpPr/>
-                    <p:nvPr/>
-                  </p:nvSpPr>
-                  <p:spPr>
-                    <a:xfrm>
-                      <a:off x="7057306" y="2088395"/>
-                      <a:ext cx="288032" cy="216024"/>
-                    </a:xfrm>
-                    <a:prstGeom prst="triangle">
-                      <a:avLst/>
-                    </a:prstGeom>
-                    <a:grpFill/>
-                    <a:ln>
-                      <a:noFill/>
-                    </a:ln>
-                    <a:effectLst/>
-                  </p:spPr>
-                  <p:style>
-                    <a:lnRef idx="2">
-                      <a:schemeClr val="accent1">
-                        <a:shade val="50000"/>
-                      </a:schemeClr>
-                    </a:lnRef>
-                    <a:fillRef idx="1">
-                      <a:schemeClr val="accent1"/>
-                    </a:fillRef>
-                    <a:effectRef idx="0">
-                      <a:schemeClr val="accent1"/>
-                    </a:effectRef>
-                    <a:fontRef idx="minor">
-                      <a:schemeClr val="lt1"/>
-                    </a:fontRef>
-                  </p:style>
-                  <p:txBody>
-                    <a:bodyPr rtlCol="0" anchor="ctr"/>
-                    <a:lstStyle/>
-                    <a:p>
-                      <a:pPr algn="ctr"/>
-                      <a:endParaRPr lang="pt-BR"/>
-                    </a:p>
-                  </p:txBody>
-                </p:sp>
-                <p:sp>
-                  <p:nvSpPr>
-                    <p:cNvPr id="302" name="Triângulo isósceles 301"/>
-                    <p:cNvSpPr/>
-                    <p:nvPr/>
-                  </p:nvSpPr>
-                  <p:spPr>
-                    <a:xfrm>
-                      <a:off x="7358127" y="2088395"/>
-                      <a:ext cx="288032" cy="216024"/>
-                    </a:xfrm>
-                    <a:prstGeom prst="triangle">
-                      <a:avLst/>
-                    </a:prstGeom>
-                    <a:grpFill/>
-                    <a:ln>
-                      <a:noFill/>
-                    </a:ln>
-                    <a:effectLst/>
-                  </p:spPr>
-                  <p:style>
-                    <a:lnRef idx="2">
-                      <a:schemeClr val="accent1">
-                        <a:shade val="50000"/>
-                      </a:schemeClr>
-                    </a:lnRef>
-                    <a:fillRef idx="1">
-                      <a:schemeClr val="accent1"/>
-                    </a:fillRef>
-                    <a:effectRef idx="0">
-                      <a:schemeClr val="accent1"/>
-                    </a:effectRef>
-                    <a:fontRef idx="minor">
-                      <a:schemeClr val="lt1"/>
-                    </a:fontRef>
-                  </p:style>
-                  <p:txBody>
-                    <a:bodyPr rtlCol="0" anchor="ctr"/>
-                    <a:lstStyle/>
-                    <a:p>
-                      <a:pPr algn="ctr"/>
-                      <a:endParaRPr lang="pt-BR"/>
-                    </a:p>
-                  </p:txBody>
-                </p:sp>
-                <p:sp>
-                  <p:nvSpPr>
-                    <p:cNvPr id="303" name="Triângulo isósceles 302"/>
-                    <p:cNvSpPr/>
-                    <p:nvPr/>
-                  </p:nvSpPr>
-                  <p:spPr>
-                    <a:xfrm>
-                      <a:off x="7628725" y="2088395"/>
-                      <a:ext cx="288032" cy="216024"/>
-                    </a:xfrm>
-                    <a:prstGeom prst="triangle">
-                      <a:avLst/>
-                    </a:prstGeom>
-                    <a:grpFill/>
-                    <a:ln>
-                      <a:noFill/>
-                    </a:ln>
-                    <a:effectLst/>
-                  </p:spPr>
-                  <p:style>
-                    <a:lnRef idx="2">
-                      <a:schemeClr val="accent1">
-                        <a:shade val="50000"/>
-                      </a:schemeClr>
-                    </a:lnRef>
-                    <a:fillRef idx="1">
-                      <a:schemeClr val="accent1"/>
-                    </a:fillRef>
-                    <a:effectRef idx="0">
-                      <a:schemeClr val="accent1"/>
-                    </a:effectRef>
-                    <a:fontRef idx="minor">
-                      <a:schemeClr val="lt1"/>
-                    </a:fontRef>
-                  </p:style>
-                  <p:txBody>
-                    <a:bodyPr rtlCol="0" anchor="ctr"/>
-                    <a:lstStyle/>
-                    <a:p>
-                      <a:pPr algn="ctr"/>
-                      <a:endParaRPr lang="pt-BR"/>
-                    </a:p>
-                  </p:txBody>
-                </p:sp>
-                <p:sp>
-                  <p:nvSpPr>
-                    <p:cNvPr id="304" name="Triângulo isósceles 303"/>
-                    <p:cNvSpPr/>
-                    <p:nvPr/>
-                  </p:nvSpPr>
-                  <p:spPr>
-                    <a:xfrm>
-                      <a:off x="7939022" y="2088395"/>
-                      <a:ext cx="288032" cy="216024"/>
-                    </a:xfrm>
-                    <a:prstGeom prst="triangle">
-                      <a:avLst/>
-                    </a:prstGeom>
-                    <a:grpFill/>
-                    <a:ln>
-                      <a:noFill/>
-                    </a:ln>
-                    <a:effectLst/>
-                  </p:spPr>
-                  <p:style>
-                    <a:lnRef idx="2">
-                      <a:schemeClr val="accent1">
-                        <a:shade val="50000"/>
-                      </a:schemeClr>
-                    </a:lnRef>
-                    <a:fillRef idx="1">
-                      <a:schemeClr val="accent1"/>
-                    </a:fillRef>
-                    <a:effectRef idx="0">
-                      <a:schemeClr val="accent1"/>
-                    </a:effectRef>
-                    <a:fontRef idx="minor">
-                      <a:schemeClr val="lt1"/>
-                    </a:fontRef>
-                  </p:style>
-                  <p:txBody>
-                    <a:bodyPr rtlCol="0" anchor="ctr"/>
-                    <a:lstStyle/>
-                    <a:p>
-                      <a:pPr algn="ctr"/>
-                      <a:endParaRPr lang="pt-BR"/>
-                    </a:p>
-                  </p:txBody>
-                </p:sp>
-                <p:sp>
-                  <p:nvSpPr>
-                    <p:cNvPr id="305" name="Triângulo isósceles 304"/>
-                    <p:cNvSpPr/>
-                    <p:nvPr/>
-                  </p:nvSpPr>
-                  <p:spPr>
-                    <a:xfrm>
-                      <a:off x="8227054" y="2088395"/>
-                      <a:ext cx="288032" cy="216024"/>
-                    </a:xfrm>
-                    <a:prstGeom prst="triangle">
-                      <a:avLst/>
-                    </a:prstGeom>
-                    <a:grpFill/>
-                    <a:ln>
-                      <a:noFill/>
-                    </a:ln>
-                    <a:effectLst/>
-                  </p:spPr>
-                  <p:style>
-                    <a:lnRef idx="2">
-                      <a:schemeClr val="accent1">
-                        <a:shade val="50000"/>
-                      </a:schemeClr>
-                    </a:lnRef>
-                    <a:fillRef idx="1">
-                      <a:schemeClr val="accent1"/>
-                    </a:fillRef>
-                    <a:effectRef idx="0">
-                      <a:schemeClr val="accent1"/>
-                    </a:effectRef>
-                    <a:fontRef idx="minor">
-                      <a:schemeClr val="lt1"/>
-                    </a:fontRef>
-                  </p:style>
-                  <p:txBody>
-                    <a:bodyPr rtlCol="0" anchor="ctr"/>
-                    <a:lstStyle/>
-                    <a:p>
-                      <a:pPr algn="ctr"/>
-                      <a:endParaRPr lang="pt-BR"/>
-                    </a:p>
-                  </p:txBody>
-                </p:sp>
-                <p:sp>
-                  <p:nvSpPr>
-                    <p:cNvPr id="306" name="Triângulo isósceles 305"/>
-                    <p:cNvSpPr/>
-                    <p:nvPr/>
-                  </p:nvSpPr>
-                  <p:spPr>
-                    <a:xfrm>
-                      <a:off x="8515086" y="2088395"/>
-                      <a:ext cx="288032" cy="216024"/>
-                    </a:xfrm>
-                    <a:prstGeom prst="triangle">
-                      <a:avLst/>
-                    </a:prstGeom>
-                    <a:grpFill/>
-                    <a:ln>
-                      <a:noFill/>
-                    </a:ln>
-                    <a:effectLst/>
-                  </p:spPr>
-                  <p:style>
-                    <a:lnRef idx="2">
-                      <a:schemeClr val="accent1">
-                        <a:shade val="50000"/>
-                      </a:schemeClr>
-                    </a:lnRef>
-                    <a:fillRef idx="1">
-                      <a:schemeClr val="accent1"/>
-                    </a:fillRef>
-                    <a:effectRef idx="0">
-                      <a:schemeClr val="accent1"/>
-                    </a:effectRef>
-                    <a:fontRef idx="minor">
-                      <a:schemeClr val="lt1"/>
-                    </a:fontRef>
-                  </p:style>
-                  <p:txBody>
-                    <a:bodyPr rtlCol="0" anchor="ctr"/>
-                    <a:lstStyle/>
-                    <a:p>
-                      <a:pPr algn="ctr"/>
-                      <a:endParaRPr lang="pt-BR"/>
-                    </a:p>
-                  </p:txBody>
-                </p:sp>
-              </p:grpSp>
-            </p:grpSp>
-            <p:grpSp>
-              <p:nvGrpSpPr>
-                <p:cNvPr id="256" name="Agrupar 15">
-                  <a:extLst>
-                    <a:ext uri="{FF2B5EF4-FFF2-40B4-BE49-F238E27FC236}">
-                      <a16:creationId xmlns="" xmlns:a16="http://schemas.microsoft.com/office/drawing/2014/main" id="{CDA0B437-9E5C-43AF-AD41-CFFD83C35D59}"/>
-                    </a:ext>
-                  </a:extLst>
-                </p:cNvPr>
-                <p:cNvGrpSpPr/>
-                <p:nvPr/>
-              </p:nvGrpSpPr>
-              <p:grpSpPr>
-                <a:xfrm>
-                  <a:off x="-97830" y="2366963"/>
-                  <a:ext cx="2714217" cy="2854593"/>
-                  <a:chOff x="3787349" y="611219"/>
-                  <a:chExt cx="2714217" cy="2854593"/>
-                </a:xfrm>
-                <a:solidFill>
-                  <a:srgbClr val="893BC3"/>
-                </a:solidFill>
-              </p:grpSpPr>
-              <p:sp>
-                <p:nvSpPr>
-                  <p:cNvPr id="271" name="Retângulo 270"/>
-                  <p:cNvSpPr/>
-                  <p:nvPr/>
-                </p:nvSpPr>
-                <p:spPr>
-                  <a:xfrm>
-                    <a:off x="3792719" y="708149"/>
-                    <a:ext cx="2703477" cy="2664296"/>
-                  </a:xfrm>
-                  <a:prstGeom prst="rect">
-                    <a:avLst/>
-                  </a:prstGeom>
-                  <a:grpFill/>
-                  <a:ln>
-                    <a:noFill/>
-                  </a:ln>
-                  <a:effectLst/>
-                </p:spPr>
-                <p:style>
-                  <a:lnRef idx="2">
-                    <a:schemeClr val="accent1">
-                      <a:shade val="50000"/>
-                    </a:schemeClr>
-                  </a:lnRef>
-                  <a:fillRef idx="1">
-                    <a:schemeClr val="accent1"/>
-                  </a:fillRef>
-                  <a:effectRef idx="0">
-                    <a:schemeClr val="accent1"/>
-                  </a:effectRef>
-                  <a:fontRef idx="minor">
-                    <a:schemeClr val="lt1"/>
-                  </a:fontRef>
-                </p:style>
-                <p:txBody>
-                  <a:bodyPr rtlCol="0" anchor="ctr"/>
-                  <a:lstStyle/>
-                  <a:p>
-                    <a:pPr algn="ctr"/>
-                    <a:endParaRPr lang="pt-BR">
-                      <a:solidFill>
-                        <a:srgbClr val="9900FF"/>
-                      </a:solidFill>
-                    </a:endParaRPr>
-                  </a:p>
-                </p:txBody>
-              </p:sp>
-              <p:grpSp>
-                <p:nvGrpSpPr>
-                  <p:cNvPr id="272" name="Grupo 271"/>
-                  <p:cNvGrpSpPr/>
-                  <p:nvPr/>
-                </p:nvGrpSpPr>
-                <p:grpSpPr>
-                  <a:xfrm>
-                    <a:off x="3787349" y="611219"/>
-                    <a:ext cx="2703476" cy="108012"/>
-                    <a:chOff x="5952287" y="2088395"/>
-                    <a:chExt cx="2850831" cy="216024"/>
-                  </a:xfrm>
-                  <a:grpFill/>
-                </p:grpSpPr>
-                <p:sp>
-                  <p:nvSpPr>
-                    <p:cNvPr id="284" name="Triângulo isósceles 283"/>
-                    <p:cNvSpPr/>
-                    <p:nvPr/>
-                  </p:nvSpPr>
-                  <p:spPr>
-                    <a:xfrm>
-                      <a:off x="5952287" y="2088395"/>
-                      <a:ext cx="288032" cy="216024"/>
-                    </a:xfrm>
-                    <a:prstGeom prst="triangle">
-                      <a:avLst/>
-                    </a:prstGeom>
-                    <a:grpFill/>
-                    <a:ln>
-                      <a:noFill/>
-                    </a:ln>
-                    <a:effectLst/>
-                  </p:spPr>
-                  <p:style>
-                    <a:lnRef idx="2">
-                      <a:schemeClr val="accent1">
-                        <a:shade val="50000"/>
-                      </a:schemeClr>
-                    </a:lnRef>
-                    <a:fillRef idx="1">
-                      <a:schemeClr val="accent1"/>
-                    </a:fillRef>
-                    <a:effectRef idx="0">
-                      <a:schemeClr val="accent1"/>
-                    </a:effectRef>
-                    <a:fontRef idx="minor">
-                      <a:schemeClr val="lt1"/>
-                    </a:fontRef>
-                  </p:style>
-                  <p:txBody>
-                    <a:bodyPr rtlCol="0" anchor="ctr"/>
-                    <a:lstStyle/>
-                    <a:p>
-                      <a:pPr algn="ctr"/>
-                      <a:endParaRPr lang="pt-BR"/>
-                    </a:p>
-                  </p:txBody>
-                </p:sp>
-                <p:sp>
-                  <p:nvSpPr>
-                    <p:cNvPr id="285" name="Triângulo isósceles 284"/>
-                    <p:cNvSpPr/>
-                    <p:nvPr/>
-                  </p:nvSpPr>
-                  <p:spPr>
-                    <a:xfrm>
-                      <a:off x="6241783" y="2088395"/>
-                      <a:ext cx="288032" cy="216024"/>
-                    </a:xfrm>
-                    <a:prstGeom prst="triangle">
-                      <a:avLst/>
-                    </a:prstGeom>
-                    <a:grpFill/>
-                    <a:ln>
-                      <a:noFill/>
-                    </a:ln>
-                    <a:effectLst/>
-                  </p:spPr>
-                  <p:style>
-                    <a:lnRef idx="2">
-                      <a:schemeClr val="accent1">
-                        <a:shade val="50000"/>
-                      </a:schemeClr>
-                    </a:lnRef>
-                    <a:fillRef idx="1">
-                      <a:schemeClr val="accent1"/>
-                    </a:fillRef>
-                    <a:effectRef idx="0">
-                      <a:schemeClr val="accent1"/>
-                    </a:effectRef>
-                    <a:fontRef idx="minor">
-                      <a:schemeClr val="lt1"/>
-                    </a:fontRef>
-                  </p:style>
-                  <p:txBody>
-                    <a:bodyPr rtlCol="0" anchor="ctr"/>
-                    <a:lstStyle/>
-                    <a:p>
-                      <a:pPr algn="ctr"/>
-                      <a:endParaRPr lang="pt-BR"/>
-                    </a:p>
-                  </p:txBody>
-                </p:sp>
-                <p:sp>
-                  <p:nvSpPr>
-                    <p:cNvPr id="286" name="Triângulo isósceles 285"/>
-                    <p:cNvSpPr/>
-                    <p:nvPr/>
-                  </p:nvSpPr>
-                  <p:spPr>
-                    <a:xfrm>
-                      <a:off x="6520839" y="2088395"/>
-                      <a:ext cx="288032" cy="216024"/>
-                    </a:xfrm>
-                    <a:prstGeom prst="triangle">
-                      <a:avLst/>
-                    </a:prstGeom>
-                    <a:grpFill/>
-                    <a:ln>
-                      <a:noFill/>
-                    </a:ln>
-                    <a:effectLst/>
-                  </p:spPr>
-                  <p:style>
-                    <a:lnRef idx="2">
-                      <a:schemeClr val="accent1">
-                        <a:shade val="50000"/>
-                      </a:schemeClr>
-                    </a:lnRef>
-                    <a:fillRef idx="1">
-                      <a:schemeClr val="accent1"/>
-                    </a:fillRef>
-                    <a:effectRef idx="0">
-                      <a:schemeClr val="accent1"/>
-                    </a:effectRef>
-                    <a:fontRef idx="minor">
-                      <a:schemeClr val="lt1"/>
-                    </a:fontRef>
-                  </p:style>
-                  <p:txBody>
-                    <a:bodyPr rtlCol="0" anchor="ctr"/>
-                    <a:lstStyle/>
-                    <a:p>
-                      <a:pPr algn="ctr"/>
-                      <a:endParaRPr lang="pt-BR"/>
-                    </a:p>
-                  </p:txBody>
-                </p:sp>
-                <p:sp>
-                  <p:nvSpPr>
-                    <p:cNvPr id="287" name="Triângulo isósceles 286"/>
-                    <p:cNvSpPr/>
-                    <p:nvPr/>
-                  </p:nvSpPr>
-                  <p:spPr>
-                    <a:xfrm>
-                      <a:off x="6786042" y="2088395"/>
-                      <a:ext cx="288032" cy="216024"/>
-                    </a:xfrm>
-                    <a:prstGeom prst="triangle">
-                      <a:avLst/>
-                    </a:prstGeom>
-                    <a:grpFill/>
-                    <a:ln>
-                      <a:noFill/>
-                    </a:ln>
-                    <a:effectLst/>
-                  </p:spPr>
-                  <p:style>
-                    <a:lnRef idx="2">
-                      <a:schemeClr val="accent1">
-                        <a:shade val="50000"/>
-                      </a:schemeClr>
-                    </a:lnRef>
-                    <a:fillRef idx="1">
-                      <a:schemeClr val="accent1"/>
-                    </a:fillRef>
-                    <a:effectRef idx="0">
-                      <a:schemeClr val="accent1"/>
-                    </a:effectRef>
-                    <a:fontRef idx="minor">
-                      <a:schemeClr val="lt1"/>
-                    </a:fontRef>
-                  </p:style>
-                  <p:txBody>
-                    <a:bodyPr rtlCol="0" anchor="ctr"/>
-                    <a:lstStyle/>
-                    <a:p>
-                      <a:pPr algn="ctr"/>
-                      <a:endParaRPr lang="pt-BR"/>
-                    </a:p>
-                  </p:txBody>
-                </p:sp>
-                <p:sp>
-                  <p:nvSpPr>
-                    <p:cNvPr id="288" name="Triângulo isósceles 287"/>
-                    <p:cNvSpPr/>
-                    <p:nvPr/>
-                  </p:nvSpPr>
-                  <p:spPr>
-                    <a:xfrm>
-                      <a:off x="7057306" y="2088395"/>
-                      <a:ext cx="288032" cy="216024"/>
-                    </a:xfrm>
-                    <a:prstGeom prst="triangle">
-                      <a:avLst/>
-                    </a:prstGeom>
-                    <a:grpFill/>
-                    <a:ln>
-                      <a:noFill/>
-                    </a:ln>
-                    <a:effectLst/>
-                  </p:spPr>
-                  <p:style>
-                    <a:lnRef idx="2">
-                      <a:schemeClr val="accent1">
-                        <a:shade val="50000"/>
-                      </a:schemeClr>
-                    </a:lnRef>
-                    <a:fillRef idx="1">
-                      <a:schemeClr val="accent1"/>
-                    </a:fillRef>
-                    <a:effectRef idx="0">
-                      <a:schemeClr val="accent1"/>
-                    </a:effectRef>
-                    <a:fontRef idx="minor">
-                      <a:schemeClr val="lt1"/>
-                    </a:fontRef>
-                  </p:style>
-                  <p:txBody>
-                    <a:bodyPr rtlCol="0" anchor="ctr"/>
-                    <a:lstStyle/>
-                    <a:p>
-                      <a:pPr algn="ctr"/>
-                      <a:endParaRPr lang="pt-BR"/>
-                    </a:p>
-                  </p:txBody>
-                </p:sp>
-                <p:sp>
-                  <p:nvSpPr>
-                    <p:cNvPr id="289" name="Triângulo isósceles 288"/>
-                    <p:cNvSpPr/>
-                    <p:nvPr/>
-                  </p:nvSpPr>
-                  <p:spPr>
-                    <a:xfrm>
-                      <a:off x="7358127" y="2088395"/>
-                      <a:ext cx="288032" cy="216024"/>
-                    </a:xfrm>
-                    <a:prstGeom prst="triangle">
-                      <a:avLst/>
-                    </a:prstGeom>
-                    <a:grpFill/>
-                    <a:ln>
-                      <a:noFill/>
-                    </a:ln>
-                    <a:effectLst/>
-                  </p:spPr>
-                  <p:style>
-                    <a:lnRef idx="2">
-                      <a:schemeClr val="accent1">
-                        <a:shade val="50000"/>
-                      </a:schemeClr>
-                    </a:lnRef>
-                    <a:fillRef idx="1">
-                      <a:schemeClr val="accent1"/>
-                    </a:fillRef>
-                    <a:effectRef idx="0">
-                      <a:schemeClr val="accent1"/>
-                    </a:effectRef>
-                    <a:fontRef idx="minor">
-                      <a:schemeClr val="lt1"/>
-                    </a:fontRef>
-                  </p:style>
-                  <p:txBody>
-                    <a:bodyPr rtlCol="0" anchor="ctr"/>
-                    <a:lstStyle/>
-                    <a:p>
-                      <a:pPr algn="ctr"/>
-                      <a:endParaRPr lang="pt-BR"/>
-                    </a:p>
-                  </p:txBody>
-                </p:sp>
-                <p:sp>
-                  <p:nvSpPr>
-                    <p:cNvPr id="290" name="Triângulo isósceles 289"/>
-                    <p:cNvSpPr/>
-                    <p:nvPr/>
-                  </p:nvSpPr>
-                  <p:spPr>
-                    <a:xfrm>
-                      <a:off x="7628725" y="2088395"/>
-                      <a:ext cx="288032" cy="216024"/>
-                    </a:xfrm>
-                    <a:prstGeom prst="triangle">
-                      <a:avLst/>
-                    </a:prstGeom>
-                    <a:grpFill/>
-                    <a:ln>
-                      <a:noFill/>
-                    </a:ln>
-                    <a:effectLst/>
-                  </p:spPr>
-                  <p:style>
-                    <a:lnRef idx="2">
-                      <a:schemeClr val="accent1">
-                        <a:shade val="50000"/>
-                      </a:schemeClr>
-                    </a:lnRef>
-                    <a:fillRef idx="1">
-                      <a:schemeClr val="accent1"/>
-                    </a:fillRef>
-                    <a:effectRef idx="0">
-                      <a:schemeClr val="accent1"/>
-                    </a:effectRef>
-                    <a:fontRef idx="minor">
-                      <a:schemeClr val="lt1"/>
-                    </a:fontRef>
-                  </p:style>
-                  <p:txBody>
-                    <a:bodyPr rtlCol="0" anchor="ctr"/>
-                    <a:lstStyle/>
-                    <a:p>
-                      <a:pPr algn="ctr"/>
-                      <a:endParaRPr lang="pt-BR"/>
-                    </a:p>
-                  </p:txBody>
-                </p:sp>
-                <p:sp>
-                  <p:nvSpPr>
-                    <p:cNvPr id="291" name="Triângulo isósceles 290"/>
-                    <p:cNvSpPr/>
-                    <p:nvPr/>
-                  </p:nvSpPr>
-                  <p:spPr>
-                    <a:xfrm>
-                      <a:off x="7939022" y="2088395"/>
-                      <a:ext cx="288032" cy="216024"/>
-                    </a:xfrm>
-                    <a:prstGeom prst="triangle">
-                      <a:avLst/>
-                    </a:prstGeom>
-                    <a:grpFill/>
-                    <a:ln>
-                      <a:noFill/>
-                    </a:ln>
-                    <a:effectLst/>
-                  </p:spPr>
-                  <p:style>
-                    <a:lnRef idx="2">
-                      <a:schemeClr val="accent1">
-                        <a:shade val="50000"/>
-                      </a:schemeClr>
-                    </a:lnRef>
-                    <a:fillRef idx="1">
-                      <a:schemeClr val="accent1"/>
-                    </a:fillRef>
-                    <a:effectRef idx="0">
-                      <a:schemeClr val="accent1"/>
-                    </a:effectRef>
-                    <a:fontRef idx="minor">
-                      <a:schemeClr val="lt1"/>
-                    </a:fontRef>
-                  </p:style>
-                  <p:txBody>
-                    <a:bodyPr rtlCol="0" anchor="ctr"/>
-                    <a:lstStyle/>
-                    <a:p>
-                      <a:pPr algn="ctr"/>
-                      <a:endParaRPr lang="pt-BR"/>
-                    </a:p>
-                  </p:txBody>
-                </p:sp>
-                <p:sp>
-                  <p:nvSpPr>
-                    <p:cNvPr id="292" name="Triângulo isósceles 291"/>
-                    <p:cNvSpPr/>
-                    <p:nvPr/>
-                  </p:nvSpPr>
-                  <p:spPr>
-                    <a:xfrm>
-                      <a:off x="8227054" y="2088395"/>
-                      <a:ext cx="288032" cy="216024"/>
-                    </a:xfrm>
-                    <a:prstGeom prst="triangle">
-                      <a:avLst/>
-                    </a:prstGeom>
-                    <a:grpFill/>
-                    <a:ln>
-                      <a:noFill/>
-                    </a:ln>
-                    <a:effectLst/>
-                  </p:spPr>
-                  <p:style>
-                    <a:lnRef idx="2">
-                      <a:schemeClr val="accent1">
-                        <a:shade val="50000"/>
-                      </a:schemeClr>
-                    </a:lnRef>
-                    <a:fillRef idx="1">
-                      <a:schemeClr val="accent1"/>
-                    </a:fillRef>
-                    <a:effectRef idx="0">
-                      <a:schemeClr val="accent1"/>
-                    </a:effectRef>
-                    <a:fontRef idx="minor">
-                      <a:schemeClr val="lt1"/>
-                    </a:fontRef>
-                  </p:style>
-                  <p:txBody>
-                    <a:bodyPr rtlCol="0" anchor="ctr"/>
-                    <a:lstStyle/>
-                    <a:p>
-                      <a:pPr algn="ctr"/>
-                      <a:endParaRPr lang="pt-BR"/>
-                    </a:p>
-                  </p:txBody>
-                </p:sp>
-                <p:sp>
-                  <p:nvSpPr>
-                    <p:cNvPr id="293" name="Triângulo isósceles 292"/>
-                    <p:cNvSpPr/>
-                    <p:nvPr/>
-                  </p:nvSpPr>
-                  <p:spPr>
-                    <a:xfrm>
-                      <a:off x="8515086" y="2088395"/>
-                      <a:ext cx="288032" cy="216024"/>
-                    </a:xfrm>
-                    <a:prstGeom prst="triangle">
-                      <a:avLst/>
-                    </a:prstGeom>
-                    <a:grpFill/>
-                    <a:ln>
-                      <a:noFill/>
-                    </a:ln>
-                    <a:effectLst/>
-                  </p:spPr>
-                  <p:style>
-                    <a:lnRef idx="2">
-                      <a:schemeClr val="accent1">
-                        <a:shade val="50000"/>
-                      </a:schemeClr>
-                    </a:lnRef>
-                    <a:fillRef idx="1">
-                      <a:schemeClr val="accent1"/>
-                    </a:fillRef>
-                    <a:effectRef idx="0">
-                      <a:schemeClr val="accent1"/>
-                    </a:effectRef>
-                    <a:fontRef idx="minor">
-                      <a:schemeClr val="lt1"/>
-                    </a:fontRef>
-                  </p:style>
-                  <p:txBody>
-                    <a:bodyPr rtlCol="0" anchor="ctr"/>
-                    <a:lstStyle/>
-                    <a:p>
-                      <a:pPr algn="ctr"/>
-                      <a:endParaRPr lang="pt-BR"/>
-                    </a:p>
-                  </p:txBody>
-                </p:sp>
-              </p:grpSp>
-              <p:grpSp>
-                <p:nvGrpSpPr>
-                  <p:cNvPr id="273" name="Grupo 272"/>
-                  <p:cNvGrpSpPr/>
-                  <p:nvPr/>
-                </p:nvGrpSpPr>
-                <p:grpSpPr>
-                  <a:xfrm rot="10800000">
-                    <a:off x="3798090" y="3357800"/>
-                    <a:ext cx="2703476" cy="108012"/>
-                    <a:chOff x="5952287" y="2088395"/>
-                    <a:chExt cx="2850831" cy="216024"/>
-                  </a:xfrm>
-                  <a:grpFill/>
-                </p:grpSpPr>
-                <p:sp>
-                  <p:nvSpPr>
-                    <p:cNvPr id="274" name="Triângulo isósceles 273"/>
-                    <p:cNvSpPr/>
-                    <p:nvPr/>
-                  </p:nvSpPr>
-                  <p:spPr>
-                    <a:xfrm>
-                      <a:off x="5952287" y="2088395"/>
-                      <a:ext cx="288032" cy="216024"/>
-                    </a:xfrm>
-                    <a:prstGeom prst="triangle">
-                      <a:avLst/>
-                    </a:prstGeom>
-                    <a:grpFill/>
-                    <a:ln>
-                      <a:noFill/>
-                    </a:ln>
-                    <a:effectLst/>
-                  </p:spPr>
-                  <p:style>
-                    <a:lnRef idx="2">
-                      <a:schemeClr val="accent1">
-                        <a:shade val="50000"/>
-                      </a:schemeClr>
-                    </a:lnRef>
-                    <a:fillRef idx="1">
-                      <a:schemeClr val="accent1"/>
-                    </a:fillRef>
-                    <a:effectRef idx="0">
-                      <a:schemeClr val="accent1"/>
-                    </a:effectRef>
-                    <a:fontRef idx="minor">
-                      <a:schemeClr val="lt1"/>
-                    </a:fontRef>
-                  </p:style>
-                  <p:txBody>
-                    <a:bodyPr rtlCol="0" anchor="ctr"/>
-                    <a:lstStyle/>
-                    <a:p>
-                      <a:pPr algn="ctr"/>
-                      <a:endParaRPr lang="pt-BR"/>
-                    </a:p>
-                  </p:txBody>
-                </p:sp>
-                <p:sp>
-                  <p:nvSpPr>
-                    <p:cNvPr id="275" name="Triângulo isósceles 274"/>
-                    <p:cNvSpPr/>
-                    <p:nvPr/>
-                  </p:nvSpPr>
-                  <p:spPr>
-                    <a:xfrm>
-                      <a:off x="6241783" y="2088395"/>
-                      <a:ext cx="288032" cy="216024"/>
-                    </a:xfrm>
-                    <a:prstGeom prst="triangle">
-                      <a:avLst/>
-                    </a:prstGeom>
-                    <a:grpFill/>
-                    <a:ln>
-                      <a:noFill/>
-                    </a:ln>
-                    <a:effectLst/>
-                  </p:spPr>
-                  <p:style>
-                    <a:lnRef idx="2">
-                      <a:schemeClr val="accent1">
-                        <a:shade val="50000"/>
-                      </a:schemeClr>
-                    </a:lnRef>
-                    <a:fillRef idx="1">
-                      <a:schemeClr val="accent1"/>
-                    </a:fillRef>
-                    <a:effectRef idx="0">
-                      <a:schemeClr val="accent1"/>
-                    </a:effectRef>
-                    <a:fontRef idx="minor">
-                      <a:schemeClr val="lt1"/>
-                    </a:fontRef>
-                  </p:style>
-                  <p:txBody>
-                    <a:bodyPr rtlCol="0" anchor="ctr"/>
-                    <a:lstStyle/>
-                    <a:p>
-                      <a:pPr algn="ctr"/>
-                      <a:endParaRPr lang="pt-BR"/>
-                    </a:p>
-                  </p:txBody>
-                </p:sp>
-                <p:sp>
-                  <p:nvSpPr>
-                    <p:cNvPr id="276" name="Triângulo isósceles 275"/>
-                    <p:cNvSpPr/>
-                    <p:nvPr/>
-                  </p:nvSpPr>
-                  <p:spPr>
-                    <a:xfrm>
-                      <a:off x="6520839" y="2088395"/>
-                      <a:ext cx="288032" cy="216024"/>
-                    </a:xfrm>
-                    <a:prstGeom prst="triangle">
-                      <a:avLst/>
-                    </a:prstGeom>
-                    <a:grpFill/>
-                    <a:ln>
-                      <a:noFill/>
-                    </a:ln>
-                    <a:effectLst/>
-                  </p:spPr>
-                  <p:style>
-                    <a:lnRef idx="2">
-                      <a:schemeClr val="accent1">
-                        <a:shade val="50000"/>
-                      </a:schemeClr>
-                    </a:lnRef>
-                    <a:fillRef idx="1">
-                      <a:schemeClr val="accent1"/>
-                    </a:fillRef>
-                    <a:effectRef idx="0">
-                      <a:schemeClr val="accent1"/>
-                    </a:effectRef>
-                    <a:fontRef idx="minor">
-                      <a:schemeClr val="lt1"/>
-                    </a:fontRef>
-                  </p:style>
-                  <p:txBody>
-                    <a:bodyPr rtlCol="0" anchor="ctr"/>
-                    <a:lstStyle/>
-                    <a:p>
-                      <a:pPr algn="ctr"/>
-                      <a:endParaRPr lang="pt-BR"/>
-                    </a:p>
-                  </p:txBody>
-                </p:sp>
-                <p:sp>
-                  <p:nvSpPr>
-                    <p:cNvPr id="277" name="Triângulo isósceles 276"/>
-                    <p:cNvSpPr/>
-                    <p:nvPr/>
-                  </p:nvSpPr>
-                  <p:spPr>
-                    <a:xfrm>
-                      <a:off x="6786042" y="2088395"/>
-                      <a:ext cx="288032" cy="216024"/>
-                    </a:xfrm>
-                    <a:prstGeom prst="triangle">
-                      <a:avLst/>
-                    </a:prstGeom>
-                    <a:grpFill/>
-                    <a:ln>
-                      <a:noFill/>
-                    </a:ln>
-                    <a:effectLst/>
-                  </p:spPr>
-                  <p:style>
-                    <a:lnRef idx="2">
-                      <a:schemeClr val="accent1">
-                        <a:shade val="50000"/>
-                      </a:schemeClr>
-                    </a:lnRef>
-                    <a:fillRef idx="1">
-                      <a:schemeClr val="accent1"/>
-                    </a:fillRef>
-                    <a:effectRef idx="0">
-                      <a:schemeClr val="accent1"/>
-                    </a:effectRef>
-                    <a:fontRef idx="minor">
-                      <a:schemeClr val="lt1"/>
-                    </a:fontRef>
-                  </p:style>
-                  <p:txBody>
-                    <a:bodyPr rtlCol="0" anchor="ctr"/>
-                    <a:lstStyle/>
-                    <a:p>
-                      <a:pPr algn="ctr"/>
-                      <a:endParaRPr lang="pt-BR"/>
-                    </a:p>
-                  </p:txBody>
-                </p:sp>
-                <p:sp>
-                  <p:nvSpPr>
-                    <p:cNvPr id="278" name="Triângulo isósceles 277"/>
-                    <p:cNvSpPr/>
-                    <p:nvPr/>
-                  </p:nvSpPr>
-                  <p:spPr>
-                    <a:xfrm>
-                      <a:off x="7057306" y="2088395"/>
-                      <a:ext cx="288032" cy="216024"/>
-                    </a:xfrm>
-                    <a:prstGeom prst="triangle">
-                      <a:avLst/>
-                    </a:prstGeom>
-                    <a:grpFill/>
-                    <a:ln>
-                      <a:noFill/>
-                    </a:ln>
-                    <a:effectLst/>
-                  </p:spPr>
-                  <p:style>
-                    <a:lnRef idx="2">
-                      <a:schemeClr val="accent1">
-                        <a:shade val="50000"/>
-                      </a:schemeClr>
-                    </a:lnRef>
-                    <a:fillRef idx="1">
-                      <a:schemeClr val="accent1"/>
-                    </a:fillRef>
-                    <a:effectRef idx="0">
-                      <a:schemeClr val="accent1"/>
-                    </a:effectRef>
-                    <a:fontRef idx="minor">
-                      <a:schemeClr val="lt1"/>
-                    </a:fontRef>
-                  </p:style>
-                  <p:txBody>
-                    <a:bodyPr rtlCol="0" anchor="ctr"/>
-                    <a:lstStyle/>
-                    <a:p>
-                      <a:pPr algn="ctr"/>
-                      <a:endParaRPr lang="pt-BR"/>
-                    </a:p>
-                  </p:txBody>
-                </p:sp>
-                <p:sp>
-                  <p:nvSpPr>
-                    <p:cNvPr id="279" name="Triângulo isósceles 278"/>
-                    <p:cNvSpPr/>
-                    <p:nvPr/>
-                  </p:nvSpPr>
-                  <p:spPr>
-                    <a:xfrm>
-                      <a:off x="7358127" y="2088395"/>
-                      <a:ext cx="288032" cy="216024"/>
-                    </a:xfrm>
-                    <a:prstGeom prst="triangle">
-                      <a:avLst/>
-                    </a:prstGeom>
-                    <a:grpFill/>
-                    <a:ln>
-                      <a:noFill/>
-                    </a:ln>
-                    <a:effectLst/>
-                  </p:spPr>
-                  <p:style>
-                    <a:lnRef idx="2">
-                      <a:schemeClr val="accent1">
-                        <a:shade val="50000"/>
-                      </a:schemeClr>
-                    </a:lnRef>
-                    <a:fillRef idx="1">
-                      <a:schemeClr val="accent1"/>
-                    </a:fillRef>
-                    <a:effectRef idx="0">
-                      <a:schemeClr val="accent1"/>
-                    </a:effectRef>
-                    <a:fontRef idx="minor">
-                      <a:schemeClr val="lt1"/>
-                    </a:fontRef>
-                  </p:style>
-                  <p:txBody>
-                    <a:bodyPr rtlCol="0" anchor="ctr"/>
-                    <a:lstStyle/>
-                    <a:p>
-                      <a:pPr algn="ctr"/>
-                      <a:endParaRPr lang="pt-BR"/>
-                    </a:p>
-                  </p:txBody>
-                </p:sp>
-                <p:sp>
-                  <p:nvSpPr>
-                    <p:cNvPr id="280" name="Triângulo isósceles 279"/>
-                    <p:cNvSpPr/>
-                    <p:nvPr/>
-                  </p:nvSpPr>
-                  <p:spPr>
-                    <a:xfrm>
-                      <a:off x="7628725" y="2088395"/>
-                      <a:ext cx="288032" cy="216024"/>
-                    </a:xfrm>
-                    <a:prstGeom prst="triangle">
-                      <a:avLst/>
-                    </a:prstGeom>
-                    <a:grpFill/>
-                    <a:ln>
-                      <a:noFill/>
-                    </a:ln>
-                    <a:effectLst/>
-                  </p:spPr>
-                  <p:style>
-                    <a:lnRef idx="2">
-                      <a:schemeClr val="accent1">
-                        <a:shade val="50000"/>
-                      </a:schemeClr>
-                    </a:lnRef>
-                    <a:fillRef idx="1">
-                      <a:schemeClr val="accent1"/>
-                    </a:fillRef>
-                    <a:effectRef idx="0">
-                      <a:schemeClr val="accent1"/>
-                    </a:effectRef>
-                    <a:fontRef idx="minor">
-                      <a:schemeClr val="lt1"/>
-                    </a:fontRef>
-                  </p:style>
-                  <p:txBody>
-                    <a:bodyPr rtlCol="0" anchor="ctr"/>
-                    <a:lstStyle/>
-                    <a:p>
-                      <a:pPr algn="ctr"/>
-                      <a:endParaRPr lang="pt-BR"/>
-                    </a:p>
-                  </p:txBody>
-                </p:sp>
-                <p:sp>
-                  <p:nvSpPr>
-                    <p:cNvPr id="281" name="Triângulo isósceles 280"/>
-                    <p:cNvSpPr/>
-                    <p:nvPr/>
-                  </p:nvSpPr>
-                  <p:spPr>
-                    <a:xfrm>
-                      <a:off x="7939022" y="2088395"/>
-                      <a:ext cx="288032" cy="216024"/>
-                    </a:xfrm>
-                    <a:prstGeom prst="triangle">
-                      <a:avLst/>
-                    </a:prstGeom>
-                    <a:grpFill/>
-                    <a:ln>
-                      <a:noFill/>
-                    </a:ln>
-                    <a:effectLst/>
-                  </p:spPr>
-                  <p:style>
-                    <a:lnRef idx="2">
-                      <a:schemeClr val="accent1">
-                        <a:shade val="50000"/>
-                      </a:schemeClr>
-                    </a:lnRef>
-                    <a:fillRef idx="1">
-                      <a:schemeClr val="accent1"/>
-                    </a:fillRef>
-                    <a:effectRef idx="0">
-                      <a:schemeClr val="accent1"/>
-                    </a:effectRef>
-                    <a:fontRef idx="minor">
-                      <a:schemeClr val="lt1"/>
-                    </a:fontRef>
-                  </p:style>
-                  <p:txBody>
-                    <a:bodyPr rtlCol="0" anchor="ctr"/>
-                    <a:lstStyle/>
-                    <a:p>
-                      <a:pPr algn="ctr"/>
-                      <a:endParaRPr lang="pt-BR"/>
-                    </a:p>
-                  </p:txBody>
-                </p:sp>
-                <p:sp>
-                  <p:nvSpPr>
-                    <p:cNvPr id="282" name="Triângulo isósceles 281"/>
-                    <p:cNvSpPr/>
-                    <p:nvPr/>
-                  </p:nvSpPr>
-                  <p:spPr>
-                    <a:xfrm>
-                      <a:off x="8227054" y="2088395"/>
-                      <a:ext cx="288032" cy="216024"/>
-                    </a:xfrm>
-                    <a:prstGeom prst="triangle">
-                      <a:avLst/>
-                    </a:prstGeom>
-                    <a:grpFill/>
-                    <a:ln>
-                      <a:noFill/>
-                    </a:ln>
-                    <a:effectLst/>
-                  </p:spPr>
-                  <p:style>
-                    <a:lnRef idx="2">
-                      <a:schemeClr val="accent1">
-                        <a:shade val="50000"/>
-                      </a:schemeClr>
-                    </a:lnRef>
-                    <a:fillRef idx="1">
-                      <a:schemeClr val="accent1"/>
-                    </a:fillRef>
-                    <a:effectRef idx="0">
-                      <a:schemeClr val="accent1"/>
-                    </a:effectRef>
-                    <a:fontRef idx="minor">
-                      <a:schemeClr val="lt1"/>
-                    </a:fontRef>
-                  </p:style>
-                  <p:txBody>
-                    <a:bodyPr rtlCol="0" anchor="ctr"/>
-                    <a:lstStyle/>
-                    <a:p>
-                      <a:pPr algn="ctr"/>
-                      <a:endParaRPr lang="pt-BR"/>
-                    </a:p>
-                  </p:txBody>
-                </p:sp>
-                <p:sp>
-                  <p:nvSpPr>
-                    <p:cNvPr id="283" name="Triângulo isósceles 282"/>
-                    <p:cNvSpPr/>
-                    <p:nvPr/>
-                  </p:nvSpPr>
-                  <p:spPr>
-                    <a:xfrm>
-                      <a:off x="8515086" y="2088395"/>
-                      <a:ext cx="288032" cy="216024"/>
-                    </a:xfrm>
-                    <a:prstGeom prst="triangle">
-                      <a:avLst/>
-                    </a:prstGeom>
-                    <a:grpFill/>
-                    <a:ln>
-                      <a:noFill/>
-                    </a:ln>
-                    <a:effectLst/>
-                  </p:spPr>
-                  <p:style>
-                    <a:lnRef idx="2">
-                      <a:schemeClr val="accent1">
-                        <a:shade val="50000"/>
-                      </a:schemeClr>
-                    </a:lnRef>
-                    <a:fillRef idx="1">
-                      <a:schemeClr val="accent1"/>
-                    </a:fillRef>
-                    <a:effectRef idx="0">
-                      <a:schemeClr val="accent1"/>
-                    </a:effectRef>
-                    <a:fontRef idx="minor">
-                      <a:schemeClr val="lt1"/>
-                    </a:fontRef>
-                  </p:style>
-                  <p:txBody>
-                    <a:bodyPr rtlCol="0" anchor="ctr"/>
-                    <a:lstStyle/>
-                    <a:p>
-                      <a:pPr algn="ctr"/>
-                      <a:endParaRPr lang="pt-BR"/>
-                    </a:p>
-                  </p:txBody>
-                </p:sp>
-              </p:grpSp>
-            </p:grpSp>
-            <p:sp>
-              <p:nvSpPr>
-                <p:cNvPr id="257" name="Retângulo de cantos arredondados 256"/>
-                <p:cNvSpPr/>
-                <p:nvPr/>
-              </p:nvSpPr>
-              <p:spPr>
-                <a:xfrm>
-                  <a:off x="57634" y="2564904"/>
-                  <a:ext cx="2354126" cy="2513813"/>
-                </a:xfrm>
-                <a:prstGeom prst="roundRect">
-                  <a:avLst>
-                    <a:gd name="adj" fmla="val 13040"/>
-                  </a:avLst>
-                </a:prstGeom>
-                <a:solidFill>
-                  <a:srgbClr val="934CC8"/>
-                </a:solidFill>
-                <a:ln>
-                  <a:noFill/>
-                </a:ln>
-                <a:effectLst/>
-              </p:spPr>
-              <p:style>
-                <a:lnRef idx="2">
-                  <a:schemeClr val="accent1">
-                    <a:shade val="50000"/>
-                  </a:schemeClr>
-                </a:lnRef>
-                <a:fillRef idx="1">
-                  <a:schemeClr val="accent1"/>
-                </a:fillRef>
-                <a:effectRef idx="0">
-                  <a:schemeClr val="accent1"/>
-                </a:effectRef>
-                <a:fontRef idx="minor">
-                  <a:schemeClr val="lt1"/>
-                </a:fontRef>
-              </p:style>
-              <p:txBody>
-                <a:bodyPr rtlCol="0" anchor="ctr"/>
-                <a:lstStyle/>
-                <a:p>
-                  <a:pPr algn="ctr"/>
-                  <a:endParaRPr lang="pt-BR"/>
-                </a:p>
-              </p:txBody>
-            </p:sp>
-            <p:sp>
-              <p:nvSpPr>
-                <p:cNvPr id="258" name="Elipse 257"/>
-                <p:cNvSpPr/>
-                <p:nvPr/>
-              </p:nvSpPr>
-              <p:spPr>
-                <a:xfrm>
-                  <a:off x="315341" y="2836839"/>
-                  <a:ext cx="1935767" cy="1935767"/>
-                </a:xfrm>
-                <a:prstGeom prst="ellipse">
-                  <a:avLst/>
-                </a:prstGeom>
-                <a:solidFill>
-                  <a:srgbClr val="9F5FCF"/>
-                </a:solidFill>
-                <a:ln>
-                  <a:noFill/>
-                </a:ln>
-                <a:effectLst/>
-              </p:spPr>
-              <p:style>
-                <a:lnRef idx="2">
-                  <a:schemeClr val="accent1">
-                    <a:shade val="50000"/>
-                  </a:schemeClr>
-                </a:lnRef>
-                <a:fillRef idx="1">
-                  <a:schemeClr val="accent1"/>
-                </a:fillRef>
-                <a:effectRef idx="0">
-                  <a:schemeClr val="accent1"/>
-                </a:effectRef>
-                <a:fontRef idx="minor">
-                  <a:schemeClr val="lt1"/>
-                </a:fontRef>
-              </p:style>
-              <p:txBody>
-                <a:bodyPr rtlCol="0" anchor="ctr"/>
-                <a:lstStyle/>
-                <a:p>
-                  <a:pPr algn="ctr"/>
-                  <a:endParaRPr lang="pt-BR"/>
-                </a:p>
-              </p:txBody>
-            </p:sp>
-            <p:grpSp>
-              <p:nvGrpSpPr>
-                <p:cNvPr id="259" name="Grupo 258"/>
-                <p:cNvGrpSpPr/>
-                <p:nvPr/>
-              </p:nvGrpSpPr>
-              <p:grpSpPr>
-                <a:xfrm>
-                  <a:off x="236651" y="2685954"/>
-                  <a:ext cx="2045254" cy="2327222"/>
-                  <a:chOff x="3834481" y="2564904"/>
-                  <a:chExt cx="2249687" cy="2559840"/>
-                </a:xfrm>
-              </p:grpSpPr>
-              <p:grpSp>
-                <p:nvGrpSpPr>
-                  <p:cNvPr id="260" name="Grupo 259"/>
-                  <p:cNvGrpSpPr/>
-                  <p:nvPr/>
-                </p:nvGrpSpPr>
-                <p:grpSpPr>
-                  <a:xfrm>
-                    <a:off x="3834481" y="2564904"/>
-                    <a:ext cx="2249687" cy="2559840"/>
-                    <a:chOff x="3834481" y="2564904"/>
-                    <a:chExt cx="2249687" cy="2559840"/>
-                  </a:xfrm>
-                </p:grpSpPr>
-                <p:grpSp>
-                  <p:nvGrpSpPr>
-                    <p:cNvPr id="262" name="Grupo 261"/>
-                    <p:cNvGrpSpPr/>
-                    <p:nvPr/>
-                  </p:nvGrpSpPr>
-                  <p:grpSpPr>
-                    <a:xfrm>
-                      <a:off x="3834481" y="2564904"/>
-                      <a:ext cx="2177679" cy="680434"/>
-                      <a:chOff x="3834481" y="2564904"/>
-                      <a:chExt cx="2177679" cy="680434"/>
-                    </a:xfrm>
-                  </p:grpSpPr>
-                  <p:sp>
-                    <p:nvSpPr>
-                      <p:cNvPr id="268" name="Retângulo de cantos arredondados 18"/>
-                      <p:cNvSpPr/>
-                      <p:nvPr/>
-                    </p:nvSpPr>
-                    <p:spPr>
-                      <a:xfrm>
-                        <a:off x="3834481" y="2564904"/>
-                        <a:ext cx="2177679" cy="680434"/>
-                      </a:xfrm>
-                      <a:custGeom>
-                        <a:avLst/>
-                        <a:gdLst/>
-                        <a:ahLst/>
-                        <a:cxnLst/>
-                        <a:rect l="l" t="t" r="r" b="b"/>
-                        <a:pathLst>
-                          <a:path w="2041106" h="578046">
-                            <a:moveTo>
-                              <a:pt x="289023" y="0"/>
-                            </a:moveTo>
-                            <a:lnTo>
-                              <a:pt x="1752083" y="0"/>
-                            </a:lnTo>
-                            <a:cubicBezTo>
-                              <a:pt x="1911706" y="0"/>
-                              <a:pt x="2041106" y="129400"/>
-                              <a:pt x="2041106" y="289023"/>
-                            </a:cubicBezTo>
-                            <a:cubicBezTo>
-                              <a:pt x="2041106" y="428738"/>
-                              <a:pt x="1941971" y="545298"/>
-                              <a:pt x="1810202" y="572187"/>
-                            </a:cubicBezTo>
-                            <a:cubicBezTo>
-                              <a:pt x="1636249" y="345950"/>
-                              <a:pt x="1362230" y="202538"/>
-                              <a:pt x="1054714" y="202538"/>
-                            </a:cubicBezTo>
-                            <a:cubicBezTo>
-                              <a:pt x="744460" y="202538"/>
-                              <a:pt x="468300" y="348516"/>
-                              <a:pt x="294392" y="578046"/>
-                            </a:cubicBezTo>
-                            <a:lnTo>
-                              <a:pt x="289023" y="578046"/>
-                            </a:lnTo>
-                            <a:cubicBezTo>
-                              <a:pt x="129400" y="578046"/>
-                              <a:pt x="0" y="448646"/>
-                              <a:pt x="0" y="289023"/>
-                            </a:cubicBezTo>
-                            <a:cubicBezTo>
-                              <a:pt x="0" y="129400"/>
-                              <a:pt x="129400" y="0"/>
-                              <a:pt x="289023" y="0"/>
-                            </a:cubicBezTo>
-                            <a:close/>
-                          </a:path>
-                        </a:pathLst>
-                      </a:custGeom>
-                      <a:solidFill>
-                        <a:srgbClr val="702FA1"/>
-                      </a:solidFill>
-                      <a:ln>
-                        <a:noFill/>
-                      </a:ln>
-                      <a:effectLst/>
-                    </p:spPr>
-                    <p:style>
-                      <a:lnRef idx="2">
-                        <a:schemeClr val="accent1">
-                          <a:shade val="50000"/>
-                        </a:schemeClr>
-                      </a:lnRef>
-                      <a:fillRef idx="1">
-                        <a:schemeClr val="accent1"/>
-                      </a:fillRef>
-                      <a:effectRef idx="0">
-                        <a:schemeClr val="accent1"/>
-                      </a:effectRef>
-                      <a:fontRef idx="minor">
-                        <a:schemeClr val="lt1"/>
-                      </a:fontRef>
-                    </p:style>
-                    <p:txBody>
-                      <a:bodyPr rtlCol="0" anchor="ctr"/>
-                      <a:lstStyle/>
-                      <a:p>
-                        <a:pPr algn="ctr"/>
-                        <a:endParaRPr lang="pt-BR"/>
-                      </a:p>
-                    </p:txBody>
-                  </p:sp>
-                  <p:sp>
-                    <p:nvSpPr>
-                      <p:cNvPr id="269" name="Retângulo de cantos arredondados 18"/>
-                      <p:cNvSpPr/>
-                      <p:nvPr/>
-                    </p:nvSpPr>
-                    <p:spPr>
-                      <a:xfrm>
-                        <a:off x="3957140" y="2636912"/>
-                        <a:ext cx="1948083" cy="342021"/>
-                      </a:xfrm>
-                      <a:custGeom>
-                        <a:avLst/>
-                        <a:gdLst/>
-                        <a:ahLst/>
-                        <a:cxnLst/>
-                        <a:rect l="l" t="t" r="r" b="b"/>
-                        <a:pathLst>
-                          <a:path w="2041106" h="578046">
-                            <a:moveTo>
-                              <a:pt x="289023" y="0"/>
-                            </a:moveTo>
-                            <a:lnTo>
-                              <a:pt x="1752083" y="0"/>
-                            </a:lnTo>
-                            <a:cubicBezTo>
-                              <a:pt x="1911706" y="0"/>
-                              <a:pt x="2041106" y="129400"/>
-                              <a:pt x="2041106" y="289023"/>
-                            </a:cubicBezTo>
-                            <a:cubicBezTo>
-                              <a:pt x="2041106" y="428738"/>
-                              <a:pt x="1941971" y="545298"/>
-                              <a:pt x="1810202" y="572187"/>
-                            </a:cubicBezTo>
-                            <a:cubicBezTo>
-                              <a:pt x="1636249" y="345950"/>
-                              <a:pt x="1362230" y="202538"/>
-                              <a:pt x="1054714" y="202538"/>
-                            </a:cubicBezTo>
-                            <a:cubicBezTo>
-                              <a:pt x="744460" y="202538"/>
-                              <a:pt x="468300" y="348516"/>
-                              <a:pt x="294392" y="578046"/>
-                            </a:cubicBezTo>
-                            <a:lnTo>
-                              <a:pt x="289023" y="578046"/>
-                            </a:lnTo>
-                            <a:cubicBezTo>
-                              <a:pt x="129400" y="578046"/>
-                              <a:pt x="0" y="448646"/>
-                              <a:pt x="0" y="289023"/>
-                            </a:cubicBezTo>
-                            <a:cubicBezTo>
-                              <a:pt x="0" y="129400"/>
-                              <a:pt x="129400" y="0"/>
-                              <a:pt x="289023" y="0"/>
-                            </a:cubicBezTo>
-                            <a:close/>
-                          </a:path>
-                        </a:pathLst>
-                      </a:custGeom>
-                      <a:solidFill>
-                        <a:srgbClr val="7A33AF"/>
-                      </a:solidFill>
-                      <a:ln>
-                        <a:noFill/>
-                      </a:ln>
-                      <a:effectLst/>
-                    </p:spPr>
-                    <p:style>
-                      <a:lnRef idx="2">
-                        <a:schemeClr val="accent1">
-                          <a:shade val="50000"/>
-                        </a:schemeClr>
-                      </a:lnRef>
-                      <a:fillRef idx="1">
-                        <a:schemeClr val="accent1"/>
-                      </a:fillRef>
-                      <a:effectRef idx="0">
-                        <a:schemeClr val="accent1"/>
-                      </a:effectRef>
-                      <a:fontRef idx="minor">
-                        <a:schemeClr val="lt1"/>
-                      </a:fontRef>
-                    </p:style>
-                    <p:txBody>
-                      <a:bodyPr rtlCol="0" anchor="ctr"/>
-                      <a:lstStyle/>
-                      <a:p>
-                        <a:pPr algn="ctr"/>
-                        <a:endParaRPr lang="pt-BR"/>
-                      </a:p>
-                    </p:txBody>
-                  </p:sp>
-                  <p:sp>
-                    <p:nvSpPr>
-                      <p:cNvPr id="270" name="Retângulo de cantos arredondados 269"/>
-                      <p:cNvSpPr/>
-                      <p:nvPr/>
-                    </p:nvSpPr>
-                    <p:spPr>
-                      <a:xfrm rot="19680248">
-                        <a:off x="5710148" y="2699401"/>
-                        <a:ext cx="63913" cy="130411"/>
-                      </a:xfrm>
-                      <a:prstGeom prst="roundRect">
-                        <a:avLst>
-                          <a:gd name="adj" fmla="val 50000"/>
-                        </a:avLst>
-                      </a:prstGeom>
-                      <a:solidFill>
-                        <a:srgbClr val="AE77D7"/>
-                      </a:solidFill>
-                      <a:ln>
-                        <a:noFill/>
-                      </a:ln>
-                      <a:effectLst/>
-                    </p:spPr>
-                    <p:style>
-                      <a:lnRef idx="2">
-                        <a:schemeClr val="accent1">
-                          <a:shade val="50000"/>
-                        </a:schemeClr>
-                      </a:lnRef>
-                      <a:fillRef idx="1">
-                        <a:schemeClr val="accent1"/>
-                      </a:fillRef>
-                      <a:effectRef idx="0">
-                        <a:schemeClr val="accent1"/>
-                      </a:effectRef>
-                      <a:fontRef idx="minor">
-                        <a:schemeClr val="lt1"/>
-                      </a:fontRef>
-                    </p:style>
-                    <p:txBody>
-                      <a:bodyPr rtlCol="0" anchor="ctr"/>
-                      <a:lstStyle/>
-                      <a:p>
-                        <a:pPr algn="ctr"/>
-                        <a:endParaRPr lang="pt-BR"/>
-                      </a:p>
-                    </p:txBody>
-                  </p:sp>
-                </p:grpSp>
-                <p:sp>
-                  <p:nvSpPr>
-                    <p:cNvPr id="263" name="Lua 262"/>
-                    <p:cNvSpPr/>
-                    <p:nvPr/>
-                  </p:nvSpPr>
-                  <p:spPr>
-                    <a:xfrm rot="14897553" flipV="1">
-                      <a:off x="5051438" y="4011013"/>
-                      <a:ext cx="332395" cy="854979"/>
-                    </a:xfrm>
-                    <a:prstGeom prst="moon">
-                      <a:avLst>
-                        <a:gd name="adj" fmla="val 57263"/>
-                      </a:avLst>
-                    </a:prstGeom>
-                    <a:solidFill>
-                      <a:srgbClr val="AE77D7"/>
-                    </a:solidFill>
-                    <a:ln>
-                      <a:noFill/>
-                    </a:ln>
-                    <a:effectLst/>
-                  </p:spPr>
-                  <p:style>
-                    <a:lnRef idx="2">
-                      <a:schemeClr val="accent1">
-                        <a:shade val="50000"/>
-                      </a:schemeClr>
-                    </a:lnRef>
-                    <a:fillRef idx="1">
-                      <a:schemeClr val="accent1"/>
-                    </a:fillRef>
-                    <a:effectRef idx="0">
-                      <a:schemeClr val="accent1"/>
-                    </a:effectRef>
-                    <a:fontRef idx="minor">
-                      <a:schemeClr val="lt1"/>
-                    </a:fontRef>
-                  </p:style>
-                  <p:txBody>
-                    <a:bodyPr rtlCol="0" anchor="ctr"/>
-                    <a:lstStyle/>
-                    <a:p>
-                      <a:pPr algn="ctr"/>
-                      <a:endParaRPr lang="pt-BR">
-                        <a:solidFill>
-                          <a:srgbClr val="7030A0"/>
-                        </a:solidFill>
-                      </a:endParaRPr>
-                    </a:p>
-                  </p:txBody>
-                </p:sp>
-                <p:sp>
-                  <p:nvSpPr>
-                    <p:cNvPr id="264" name="Lua 263"/>
-                    <p:cNvSpPr/>
-                    <p:nvPr/>
-                  </p:nvSpPr>
-                  <p:spPr>
-                    <a:xfrm rot="4888875">
-                      <a:off x="4622462" y="2588504"/>
-                      <a:ext cx="483049" cy="1242485"/>
-                    </a:xfrm>
-                    <a:prstGeom prst="moon">
-                      <a:avLst>
-                        <a:gd name="adj" fmla="val 59731"/>
-                      </a:avLst>
-                    </a:prstGeom>
-                    <a:solidFill>
-                      <a:srgbClr val="7131A1"/>
-                    </a:solidFill>
-                    <a:ln>
-                      <a:noFill/>
-                    </a:ln>
-                    <a:effectLst/>
-                  </p:spPr>
-                  <p:style>
-                    <a:lnRef idx="2">
-                      <a:schemeClr val="accent1">
-                        <a:shade val="50000"/>
-                      </a:schemeClr>
-                    </a:lnRef>
-                    <a:fillRef idx="1">
-                      <a:schemeClr val="accent1"/>
-                    </a:fillRef>
-                    <a:effectRef idx="0">
-                      <a:schemeClr val="accent1"/>
-                    </a:effectRef>
-                    <a:fontRef idx="minor">
-                      <a:schemeClr val="lt1"/>
-                    </a:fontRef>
-                  </p:style>
-                  <p:txBody>
-                    <a:bodyPr rtlCol="0" anchor="ctr"/>
-                    <a:lstStyle/>
-                    <a:p>
-                      <a:pPr algn="ctr"/>
-                      <a:endParaRPr lang="pt-BR"/>
-                    </a:p>
-                  </p:txBody>
-                </p:sp>
-                <p:grpSp>
-                  <p:nvGrpSpPr>
-                    <p:cNvPr id="265" name="Grupo 264"/>
-                    <p:cNvGrpSpPr/>
-                    <p:nvPr/>
-                  </p:nvGrpSpPr>
-                  <p:grpSpPr>
-                    <a:xfrm rot="10800000">
-                      <a:off x="3906489" y="4444310"/>
-                      <a:ext cx="2177679" cy="680434"/>
-                      <a:chOff x="3834481" y="2485698"/>
-                      <a:chExt cx="2177679" cy="680434"/>
-                    </a:xfrm>
-                  </p:grpSpPr>
-                  <p:sp>
-                    <p:nvSpPr>
-                      <p:cNvPr id="266" name="Retângulo de cantos arredondados 18"/>
-                      <p:cNvSpPr/>
-                      <p:nvPr/>
-                    </p:nvSpPr>
-                    <p:spPr>
-                      <a:xfrm>
-                        <a:off x="3834481" y="2485698"/>
-                        <a:ext cx="2177679" cy="680434"/>
-                      </a:xfrm>
-                      <a:custGeom>
-                        <a:avLst/>
-                        <a:gdLst/>
-                        <a:ahLst/>
-                        <a:cxnLst/>
-                        <a:rect l="l" t="t" r="r" b="b"/>
-                        <a:pathLst>
-                          <a:path w="2041106" h="578046">
-                            <a:moveTo>
-                              <a:pt x="289023" y="0"/>
-                            </a:moveTo>
-                            <a:lnTo>
-                              <a:pt x="1752083" y="0"/>
-                            </a:lnTo>
-                            <a:cubicBezTo>
-                              <a:pt x="1911706" y="0"/>
-                              <a:pt x="2041106" y="129400"/>
-                              <a:pt x="2041106" y="289023"/>
-                            </a:cubicBezTo>
-                            <a:cubicBezTo>
-                              <a:pt x="2041106" y="428738"/>
-                              <a:pt x="1941971" y="545298"/>
-                              <a:pt x="1810202" y="572187"/>
-                            </a:cubicBezTo>
-                            <a:cubicBezTo>
-                              <a:pt x="1636249" y="345950"/>
-                              <a:pt x="1362230" y="202538"/>
-                              <a:pt x="1054714" y="202538"/>
-                            </a:cubicBezTo>
-                            <a:cubicBezTo>
-                              <a:pt x="744460" y="202538"/>
-                              <a:pt x="468300" y="348516"/>
-                              <a:pt x="294392" y="578046"/>
-                            </a:cubicBezTo>
-                            <a:lnTo>
-                              <a:pt x="289023" y="578046"/>
-                            </a:lnTo>
-                            <a:cubicBezTo>
-                              <a:pt x="129400" y="578046"/>
-                              <a:pt x="0" y="448646"/>
-                              <a:pt x="0" y="289023"/>
-                            </a:cubicBezTo>
-                            <a:cubicBezTo>
-                              <a:pt x="0" y="129400"/>
-                              <a:pt x="129400" y="0"/>
-                              <a:pt x="289023" y="0"/>
-                            </a:cubicBezTo>
-                            <a:close/>
-                          </a:path>
-                        </a:pathLst>
-                      </a:custGeom>
-                      <a:solidFill>
-                        <a:srgbClr val="702FA1"/>
-                      </a:solidFill>
-                      <a:ln>
-                        <a:noFill/>
-                      </a:ln>
-                      <a:effectLst/>
-                    </p:spPr>
-                    <p:style>
-                      <a:lnRef idx="2">
-                        <a:schemeClr val="accent1">
-                          <a:shade val="50000"/>
-                        </a:schemeClr>
-                      </a:lnRef>
-                      <a:fillRef idx="1">
-                        <a:schemeClr val="accent1"/>
-                      </a:fillRef>
-                      <a:effectRef idx="0">
-                        <a:schemeClr val="accent1"/>
-                      </a:effectRef>
-                      <a:fontRef idx="minor">
-                        <a:schemeClr val="lt1"/>
-                      </a:fontRef>
-                    </p:style>
-                    <p:txBody>
-                      <a:bodyPr rtlCol="0" anchor="ctr"/>
-                      <a:lstStyle/>
-                      <a:p>
-                        <a:pPr algn="ctr"/>
-                        <a:endParaRPr lang="pt-BR"/>
-                      </a:p>
-                    </p:txBody>
-                  </p:sp>
-                  <p:sp>
-                    <p:nvSpPr>
-                      <p:cNvPr id="267" name="Retângulo de cantos arredondados 18"/>
-                      <p:cNvSpPr/>
-                      <p:nvPr/>
-                    </p:nvSpPr>
-                    <p:spPr>
-                      <a:xfrm>
-                        <a:off x="3957140" y="2564904"/>
-                        <a:ext cx="1948083" cy="342021"/>
-                      </a:xfrm>
-                      <a:custGeom>
-                        <a:avLst/>
-                        <a:gdLst/>
-                        <a:ahLst/>
-                        <a:cxnLst/>
-                        <a:rect l="l" t="t" r="r" b="b"/>
-                        <a:pathLst>
-                          <a:path w="2041106" h="578046">
-                            <a:moveTo>
-                              <a:pt x="289023" y="0"/>
-                            </a:moveTo>
-                            <a:lnTo>
-                              <a:pt x="1752083" y="0"/>
-                            </a:lnTo>
-                            <a:cubicBezTo>
-                              <a:pt x="1911706" y="0"/>
-                              <a:pt x="2041106" y="129400"/>
-                              <a:pt x="2041106" y="289023"/>
-                            </a:cubicBezTo>
-                            <a:cubicBezTo>
-                              <a:pt x="2041106" y="428738"/>
-                              <a:pt x="1941971" y="545298"/>
-                              <a:pt x="1810202" y="572187"/>
-                            </a:cubicBezTo>
-                            <a:cubicBezTo>
-                              <a:pt x="1636249" y="345950"/>
-                              <a:pt x="1362230" y="202538"/>
-                              <a:pt x="1054714" y="202538"/>
-                            </a:cubicBezTo>
-                            <a:cubicBezTo>
-                              <a:pt x="744460" y="202538"/>
-                              <a:pt x="468300" y="348516"/>
-                              <a:pt x="294392" y="578046"/>
-                            </a:cubicBezTo>
-                            <a:lnTo>
-                              <a:pt x="289023" y="578046"/>
-                            </a:lnTo>
-                            <a:cubicBezTo>
-                              <a:pt x="129400" y="578046"/>
-                              <a:pt x="0" y="448646"/>
-                              <a:pt x="0" y="289023"/>
-                            </a:cubicBezTo>
-                            <a:cubicBezTo>
-                              <a:pt x="0" y="129400"/>
-                              <a:pt x="129400" y="0"/>
-                              <a:pt x="289023" y="0"/>
-                            </a:cubicBezTo>
-                            <a:close/>
-                          </a:path>
-                        </a:pathLst>
-                      </a:custGeom>
-                      <a:solidFill>
-                        <a:srgbClr val="7A33AF"/>
-                      </a:solidFill>
-                      <a:ln>
-                        <a:noFill/>
-                      </a:ln>
-                      <a:effectLst/>
-                    </p:spPr>
-                    <p:style>
-                      <a:lnRef idx="2">
-                        <a:schemeClr val="accent1">
-                          <a:shade val="50000"/>
-                        </a:schemeClr>
-                      </a:lnRef>
-                      <a:fillRef idx="1">
-                        <a:schemeClr val="accent1"/>
-                      </a:fillRef>
-                      <a:effectRef idx="0">
-                        <a:schemeClr val="accent1"/>
-                      </a:effectRef>
-                      <a:fontRef idx="minor">
-                        <a:schemeClr val="lt1"/>
-                      </a:fontRef>
-                    </p:style>
-                    <p:txBody>
-                      <a:bodyPr rtlCol="0" anchor="ctr"/>
-                      <a:lstStyle/>
-                      <a:p>
-                        <a:pPr algn="ctr"/>
-                        <a:endParaRPr lang="pt-BR"/>
-                      </a:p>
-                    </p:txBody>
-                  </p:sp>
-                </p:grpSp>
-              </p:grpSp>
-              <p:sp>
-                <p:nvSpPr>
-                  <p:cNvPr id="261" name="Retângulo de cantos arredondados 260"/>
-                  <p:cNvSpPr/>
-                  <p:nvPr/>
-                </p:nvSpPr>
-                <p:spPr>
-                  <a:xfrm rot="8880248">
-                    <a:off x="5771800" y="4828895"/>
-                    <a:ext cx="63913" cy="130411"/>
-                  </a:xfrm>
-                  <a:prstGeom prst="roundRect">
-                    <a:avLst>
-                      <a:gd name="adj" fmla="val 50000"/>
-                    </a:avLst>
-                  </a:prstGeom>
-                  <a:solidFill>
-                    <a:srgbClr val="AE77D7"/>
-                  </a:solidFill>
-                  <a:ln>
-                    <a:noFill/>
-                  </a:ln>
-                  <a:effectLst/>
-                </p:spPr>
-                <p:style>
-                  <a:lnRef idx="2">
-                    <a:schemeClr val="accent1">
-                      <a:shade val="50000"/>
-                    </a:schemeClr>
-                  </a:lnRef>
-                  <a:fillRef idx="1">
-                    <a:schemeClr val="accent1"/>
-                  </a:fillRef>
-                  <a:effectRef idx="0">
-                    <a:schemeClr val="accent1"/>
-                  </a:effectRef>
-                  <a:fontRef idx="minor">
-                    <a:schemeClr val="lt1"/>
-                  </a:fontRef>
-                </p:style>
-                <p:txBody>
-                  <a:bodyPr rtlCol="0" anchor="ctr"/>
-                  <a:lstStyle/>
-                  <a:p>
-                    <a:pPr algn="ctr"/>
-                    <a:endParaRPr lang="pt-BR"/>
-                  </a:p>
-                </p:txBody>
-              </p:sp>
-            </p:grpSp>
-          </p:grpSp>
-          <p:grpSp>
-            <p:nvGrpSpPr>
-              <p:cNvPr id="4" name="Grupo 3"/>
-              <p:cNvGrpSpPr/>
-              <p:nvPr/>
-            </p:nvGrpSpPr>
-            <p:grpSpPr>
-              <a:xfrm>
-                <a:off x="8520240" y="385689"/>
-                <a:ext cx="453832" cy="382477"/>
-                <a:chOff x="8559314" y="349206"/>
-                <a:chExt cx="453832" cy="382477"/>
-              </a:xfrm>
-            </p:grpSpPr>
-            <p:sp>
-              <p:nvSpPr>
-                <p:cNvPr id="3" name="Retângulo de cantos arredondados 2"/>
-                <p:cNvSpPr/>
-                <p:nvPr/>
-              </p:nvSpPr>
-              <p:spPr>
-                <a:xfrm>
-                  <a:off x="8559314" y="349206"/>
-                  <a:ext cx="453832" cy="91977"/>
-                </a:xfrm>
-                <a:prstGeom prst="roundRect">
-                  <a:avLst/>
-                </a:prstGeom>
-                <a:solidFill>
-                  <a:schemeClr val="bg1"/>
-                </a:solidFill>
-                <a:ln>
-                  <a:noFill/>
-                </a:ln>
-              </p:spPr>
-              <p:style>
-                <a:lnRef idx="2">
-                  <a:schemeClr val="accent1">
-                    <a:shade val="50000"/>
-                  </a:schemeClr>
-                </a:lnRef>
-                <a:fillRef idx="1">
-                  <a:schemeClr val="accent1"/>
-                </a:fillRef>
-                <a:effectRef idx="0">
-                  <a:schemeClr val="accent1"/>
-                </a:effectRef>
-                <a:fontRef idx="minor">
-                  <a:schemeClr val="lt1"/>
-                </a:fontRef>
-              </p:style>
-              <p:txBody>
-                <a:bodyPr rtlCol="0" anchor="ctr"/>
-                <a:lstStyle/>
-                <a:p>
-                  <a:pPr algn="ctr"/>
-                  <a:endParaRPr lang="pt-BR"/>
-                </a:p>
-              </p:txBody>
-            </p:sp>
-            <p:sp>
-              <p:nvSpPr>
-                <p:cNvPr id="332" name="Retângulo de cantos arredondados 331"/>
-                <p:cNvSpPr/>
-                <p:nvPr/>
-              </p:nvSpPr>
-              <p:spPr>
-                <a:xfrm>
-                  <a:off x="8559314" y="491968"/>
-                  <a:ext cx="453832" cy="91977"/>
-                </a:xfrm>
-                <a:prstGeom prst="roundRect">
-                  <a:avLst/>
-                </a:prstGeom>
-                <a:solidFill>
-                  <a:schemeClr val="bg1"/>
-                </a:solidFill>
-                <a:ln>
-                  <a:noFill/>
-                </a:ln>
-              </p:spPr>
-              <p:style>
-                <a:lnRef idx="2">
-                  <a:schemeClr val="accent1">
-                    <a:shade val="50000"/>
-                  </a:schemeClr>
-                </a:lnRef>
-                <a:fillRef idx="1">
-                  <a:schemeClr val="accent1"/>
-                </a:fillRef>
-                <a:effectRef idx="0">
-                  <a:schemeClr val="accent1"/>
-                </a:effectRef>
-                <a:fontRef idx="minor">
-                  <a:schemeClr val="lt1"/>
-                </a:fontRef>
-              </p:style>
-              <p:txBody>
-                <a:bodyPr rtlCol="0" anchor="ctr"/>
-                <a:lstStyle/>
-                <a:p>
-                  <a:pPr algn="ctr"/>
-                  <a:endParaRPr lang="pt-BR"/>
-                </a:p>
-              </p:txBody>
-            </p:sp>
-            <p:sp>
-              <p:nvSpPr>
-                <p:cNvPr id="333" name="Retângulo de cantos arredondados 332"/>
-                <p:cNvSpPr/>
-                <p:nvPr/>
-              </p:nvSpPr>
-              <p:spPr>
-                <a:xfrm>
-                  <a:off x="8559314" y="639706"/>
-                  <a:ext cx="453832" cy="91977"/>
-                </a:xfrm>
-                <a:prstGeom prst="roundRect">
-                  <a:avLst/>
-                </a:prstGeom>
-                <a:solidFill>
-                  <a:schemeClr val="bg1"/>
-                </a:solidFill>
-                <a:ln>
-                  <a:noFill/>
-                </a:ln>
-              </p:spPr>
-              <p:style>
-                <a:lnRef idx="2">
-                  <a:schemeClr val="accent1">
-                    <a:shade val="50000"/>
-                  </a:schemeClr>
-                </a:lnRef>
-                <a:fillRef idx="1">
-                  <a:schemeClr val="accent1"/>
-                </a:fillRef>
-                <a:effectRef idx="0">
-                  <a:schemeClr val="accent1"/>
-                </a:effectRef>
-                <a:fontRef idx="minor">
-                  <a:schemeClr val="lt1"/>
-                </a:fontRef>
-              </p:style>
-              <p:txBody>
-                <a:bodyPr rtlCol="0" anchor="ctr"/>
-                <a:lstStyle/>
-                <a:p>
-                  <a:pPr algn="ctr"/>
-                  <a:endParaRPr lang="pt-BR"/>
-                </a:p>
-              </p:txBody>
-            </p:sp>
-          </p:grpSp>
-        </p:grpSp>
+            </a:ln>
+          </p:spPr>
+          <p:style>
+            <a:lnRef idx="2">
+              <a:schemeClr val="accent1">
+                <a:shade val="50000"/>
+              </a:schemeClr>
+            </a:lnRef>
+            <a:fillRef idx="1">
+              <a:schemeClr val="accent1"/>
+            </a:fillRef>
+            <a:effectRef idx="0">
+              <a:schemeClr val="accent1"/>
+            </a:effectRef>
+            <a:fontRef idx="minor">
+              <a:schemeClr val="lt1"/>
+            </a:fontRef>
+          </p:style>
+          <p:txBody>
+            <a:bodyPr rtlCol="0" anchor="ctr"/>
+            <a:lstStyle/>
+            <a:p>
+              <a:pPr algn="ctr"/>
+              <a:endParaRPr lang="pt-BR"/>
+            </a:p>
+          </p:txBody>
+        </p:sp>
+        <p:sp>
+          <p:nvSpPr>
+            <p:cNvPr id="333" name="Retângulo de cantos arredondados 332"/>
+            <p:cNvSpPr/>
+            <p:nvPr/>
+          </p:nvSpPr>
+          <p:spPr>
+            <a:xfrm>
+              <a:off x="8559314" y="639706"/>
+              <a:ext cx="453832" cy="91977"/>
+            </a:xfrm>
+            <a:prstGeom prst="roundRect">
+              <a:avLst/>
+            </a:prstGeom>
+            <a:solidFill>
+              <a:schemeClr val="bg1"/>
+            </a:solidFill>
+            <a:ln>
+              <a:noFill/>
+            </a:ln>
+          </p:spPr>
+          <p:style>
+            <a:lnRef idx="2">
+              <a:schemeClr val="accent1">
+                <a:shade val="50000"/>
+              </a:schemeClr>
+            </a:lnRef>
+            <a:fillRef idx="1">
+              <a:schemeClr val="accent1"/>
+            </a:fillRef>
+            <a:effectRef idx="0">
+              <a:schemeClr val="accent1"/>
+            </a:effectRef>
+            <a:fontRef idx="minor">
+              <a:schemeClr val="lt1"/>
+            </a:fontRef>
+          </p:style>
+          <p:txBody>
+            <a:bodyPr rtlCol="0" anchor="ctr"/>
+            <a:lstStyle/>
+            <a:p>
+              <a:pPr algn="ctr"/>
+              <a:endParaRPr lang="pt-BR"/>
+            </a:p>
+          </p:txBody>
+        </p:sp>
       </p:grpSp>
       <p:sp>
         <p:nvSpPr>
@@ -30511,8 +27618,8 @@
         </p:nvSpPr>
         <p:spPr>
           <a:xfrm>
-            <a:off x="5023035" y="3402011"/>
-            <a:ext cx="3840731" cy="523220"/>
+            <a:off x="5468117" y="3420000"/>
+            <a:ext cx="2619628" cy="523220"/>
           </a:xfrm>
           <a:prstGeom prst="rect">
             <a:avLst/>
@@ -30532,6 +27639,7 @@
                     <a:lumMod val="50000"/>
                   </a:schemeClr>
                 </a:solidFill>
+                <a:latin typeface="Yanone Kaffeesatz" panose="00000800000000000000" pitchFamily="2" charset="0"/>
               </a:rPr>
               <a:t>VAMOS FALAR DE SEXO?</a:t>
             </a:r>
@@ -30546,7 +27654,7 @@
         </p:nvSpPr>
         <p:spPr>
           <a:xfrm>
-            <a:off x="5227792" y="4163805"/>
+            <a:off x="5112526" y="4156523"/>
             <a:ext cx="3375389" cy="119897"/>
           </a:xfrm>
           <a:prstGeom prst="roundRect">
@@ -30582,10 +27690,3270 @@
           <a:lstStyle/>
           <a:p>
             <a:pPr algn="ctr"/>
-            <a:endParaRPr lang="pt-BR"/>
+            <a:endParaRPr lang="pt-BR" dirty="0"/>
           </a:p>
         </p:txBody>
       </p:sp>
+      <p:grpSp>
+        <p:nvGrpSpPr>
+          <p:cNvPr id="330" name="Agrupar 329">
+            <a:extLst>
+              <a:ext uri="{FF2B5EF4-FFF2-40B4-BE49-F238E27FC236}">
+                <a16:creationId xmlns:a16="http://schemas.microsoft.com/office/drawing/2014/main" id="{36870139-E17D-4BE8-ADB1-3C9623D933B2}"/>
+              </a:ext>
+            </a:extLst>
+          </p:cNvPr>
+          <p:cNvGrpSpPr/>
+          <p:nvPr/>
+        </p:nvGrpSpPr>
+        <p:grpSpPr>
+          <a:xfrm>
+            <a:off x="4830297" y="115403"/>
+            <a:ext cx="2750250" cy="968836"/>
+            <a:chOff x="1023513" y="568099"/>
+            <a:chExt cx="2750250" cy="968836"/>
+          </a:xfrm>
+        </p:grpSpPr>
+        <p:sp>
+          <p:nvSpPr>
+            <p:cNvPr id="331" name="CaixaDeTexto 330">
+              <a:extLst>
+                <a:ext uri="{FF2B5EF4-FFF2-40B4-BE49-F238E27FC236}">
+                  <a16:creationId xmlns:a16="http://schemas.microsoft.com/office/drawing/2014/main" id="{7D628B74-FC37-40A5-96BC-84A35102FEFF}"/>
+                </a:ext>
+              </a:extLst>
+            </p:cNvPr>
+            <p:cNvSpPr txBox="1"/>
+            <p:nvPr/>
+          </p:nvSpPr>
+          <p:spPr>
+            <a:xfrm>
+              <a:off x="1023513" y="765052"/>
+              <a:ext cx="1760883" cy="584775"/>
+            </a:xfrm>
+            <a:prstGeom prst="rect">
+              <a:avLst/>
+            </a:prstGeom>
+            <a:noFill/>
+            <a:effectLst/>
+          </p:spPr>
+          <p:txBody>
+            <a:bodyPr wrap="square" rtlCol="0">
+              <a:spAutoFit/>
+            </a:bodyPr>
+            <a:lstStyle/>
+            <a:p>
+              <a:r>
+                <a:rPr lang="pt-BR" sz="3200" b="1" spc="300" dirty="0">
+                  <a:solidFill>
+                    <a:srgbClr val="893BC3"/>
+                  </a:solidFill>
+                  <a:latin typeface="Yanone Kaffeesatz" panose="00000800000000000000" pitchFamily="2" charset="0"/>
+                </a:rPr>
+                <a:t>DISCUS</a:t>
+              </a:r>
+              <a:r>
+                <a:rPr lang="pt-BR" sz="3200" b="1" spc="300" dirty="0">
+                  <a:solidFill>
+                    <a:schemeClr val="bg1"/>
+                  </a:solidFill>
+                  <a:latin typeface="Yanone Kaffeesatz" panose="00000800000000000000" pitchFamily="2" charset="0"/>
+                </a:rPr>
+                <a:t>SEX</a:t>
+              </a:r>
+              <a:endParaRPr lang="pt-BR" sz="1000" b="1" spc="300" dirty="0">
+                <a:solidFill>
+                  <a:schemeClr val="bg1"/>
+                </a:solidFill>
+                <a:latin typeface="Yanone Kaffeesatz" panose="00000800000000000000" pitchFamily="2" charset="0"/>
+              </a:endParaRPr>
+            </a:p>
+          </p:txBody>
+        </p:sp>
+        <p:sp>
+          <p:nvSpPr>
+            <p:cNvPr id="334" name="Balão de Pensamento: Nuvem 16">
+              <a:extLst>
+                <a:ext uri="{FF2B5EF4-FFF2-40B4-BE49-F238E27FC236}">
+                  <a16:creationId xmlns:a16="http://schemas.microsoft.com/office/drawing/2014/main" id="{42D1F90F-5ACF-4134-A269-26B34205F99B}"/>
+                </a:ext>
+              </a:extLst>
+            </p:cNvPr>
+            <p:cNvSpPr/>
+            <p:nvPr/>
+          </p:nvSpPr>
+          <p:spPr>
+            <a:xfrm>
+              <a:off x="1180595" y="568099"/>
+              <a:ext cx="360040" cy="269359"/>
+            </a:xfrm>
+            <a:prstGeom prst="cloudCallout">
+              <a:avLst>
+                <a:gd name="adj1" fmla="val -5084"/>
+                <a:gd name="adj2" fmla="val 57074"/>
+              </a:avLst>
+            </a:prstGeom>
+            <a:solidFill>
+              <a:srgbClr val="893BC3"/>
+            </a:solidFill>
+            <a:ln>
+              <a:noFill/>
+            </a:ln>
+          </p:spPr>
+          <p:style>
+            <a:lnRef idx="2">
+              <a:schemeClr val="accent1">
+                <a:shade val="50000"/>
+              </a:schemeClr>
+            </a:lnRef>
+            <a:fillRef idx="1">
+              <a:schemeClr val="accent1"/>
+            </a:fillRef>
+            <a:effectRef idx="0">
+              <a:schemeClr val="accent1"/>
+            </a:effectRef>
+            <a:fontRef idx="minor">
+              <a:schemeClr val="lt1"/>
+            </a:fontRef>
+          </p:style>
+          <p:txBody>
+            <a:bodyPr rtlCol="0" anchor="ctr"/>
+            <a:lstStyle/>
+            <a:p>
+              <a:pPr algn="ctr"/>
+              <a:endParaRPr lang="pt-BR" dirty="0"/>
+            </a:p>
+          </p:txBody>
+        </p:sp>
+        <p:grpSp>
+          <p:nvGrpSpPr>
+            <p:cNvPr id="335" name="Grupo 253">
+              <a:extLst>
+                <a:ext uri="{FF2B5EF4-FFF2-40B4-BE49-F238E27FC236}">
+                  <a16:creationId xmlns:a16="http://schemas.microsoft.com/office/drawing/2014/main" id="{0547245D-30CF-4290-AE2E-6895D4AFE74D}"/>
+                </a:ext>
+              </a:extLst>
+            </p:cNvPr>
+            <p:cNvGrpSpPr/>
+            <p:nvPr/>
+          </p:nvGrpSpPr>
+          <p:grpSpPr>
+            <a:xfrm rot="503187">
+              <a:off x="2895753" y="581426"/>
+              <a:ext cx="878010" cy="955509"/>
+              <a:chOff x="-180528" y="2276873"/>
+              <a:chExt cx="2857570" cy="3024336"/>
+            </a:xfrm>
+            <a:effectLst/>
+          </p:grpSpPr>
+          <p:grpSp>
+            <p:nvGrpSpPr>
+              <p:cNvPr id="336" name="Agrupar 15">
+                <a:extLst>
+                  <a:ext uri="{FF2B5EF4-FFF2-40B4-BE49-F238E27FC236}">
+                    <a16:creationId xmlns:a16="http://schemas.microsoft.com/office/drawing/2014/main" id="{F0960F03-4731-4937-A9D4-247C6088FB8E}"/>
+                  </a:ext>
+                </a:extLst>
+              </p:cNvPr>
+              <p:cNvGrpSpPr/>
+              <p:nvPr/>
+            </p:nvGrpSpPr>
+            <p:grpSpPr>
+              <a:xfrm>
+                <a:off x="-180528" y="2276873"/>
+                <a:ext cx="2857570" cy="3024336"/>
+                <a:chOff x="3787349" y="611219"/>
+                <a:chExt cx="2714217" cy="2854593"/>
+              </a:xfrm>
+              <a:solidFill>
+                <a:srgbClr val="7A34AE"/>
+              </a:solidFill>
+            </p:grpSpPr>
+            <p:sp>
+              <p:nvSpPr>
+                <p:cNvPr id="375" name="Retângulo 374">
+                  <a:extLst>
+                    <a:ext uri="{FF2B5EF4-FFF2-40B4-BE49-F238E27FC236}">
+                      <a16:creationId xmlns:a16="http://schemas.microsoft.com/office/drawing/2014/main" id="{2B7AF6C2-70B1-4314-92C5-EDD1E0D02490}"/>
+                    </a:ext>
+                  </a:extLst>
+                </p:cNvPr>
+                <p:cNvSpPr/>
+                <p:nvPr/>
+              </p:nvSpPr>
+              <p:spPr>
+                <a:xfrm>
+                  <a:off x="3792719" y="708149"/>
+                  <a:ext cx="2703477" cy="2664296"/>
+                </a:xfrm>
+                <a:prstGeom prst="rect">
+                  <a:avLst/>
+                </a:prstGeom>
+                <a:grpFill/>
+                <a:ln>
+                  <a:noFill/>
+                </a:ln>
+                <a:effectLst/>
+              </p:spPr>
+              <p:style>
+                <a:lnRef idx="2">
+                  <a:schemeClr val="accent1">
+                    <a:shade val="50000"/>
+                  </a:schemeClr>
+                </a:lnRef>
+                <a:fillRef idx="1">
+                  <a:schemeClr val="accent1"/>
+                </a:fillRef>
+                <a:effectRef idx="0">
+                  <a:schemeClr val="accent1"/>
+                </a:effectRef>
+                <a:fontRef idx="minor">
+                  <a:schemeClr val="lt1"/>
+                </a:fontRef>
+              </p:style>
+              <p:txBody>
+                <a:bodyPr rtlCol="0" anchor="ctr"/>
+                <a:lstStyle/>
+                <a:p>
+                  <a:pPr algn="ctr"/>
+                  <a:endParaRPr lang="pt-BR">
+                    <a:solidFill>
+                      <a:srgbClr val="9900FF"/>
+                    </a:solidFill>
+                  </a:endParaRPr>
+                </a:p>
+              </p:txBody>
+            </p:sp>
+            <p:grpSp>
+              <p:nvGrpSpPr>
+                <p:cNvPr id="376" name="Grupo 294">
+                  <a:extLst>
+                    <a:ext uri="{FF2B5EF4-FFF2-40B4-BE49-F238E27FC236}">
+                      <a16:creationId xmlns:a16="http://schemas.microsoft.com/office/drawing/2014/main" id="{1842FADE-50CF-47FB-92C9-1AC9928F77D9}"/>
+                    </a:ext>
+                  </a:extLst>
+                </p:cNvPr>
+                <p:cNvGrpSpPr/>
+                <p:nvPr/>
+              </p:nvGrpSpPr>
+              <p:grpSpPr>
+                <a:xfrm>
+                  <a:off x="3787349" y="611219"/>
+                  <a:ext cx="2703476" cy="108012"/>
+                  <a:chOff x="5952287" y="2088395"/>
+                  <a:chExt cx="2850831" cy="216024"/>
+                </a:xfrm>
+                <a:grpFill/>
+              </p:grpSpPr>
+              <p:sp>
+                <p:nvSpPr>
+                  <p:cNvPr id="388" name="Triângulo isósceles 387">
+                    <a:extLst>
+                      <a:ext uri="{FF2B5EF4-FFF2-40B4-BE49-F238E27FC236}">
+                        <a16:creationId xmlns:a16="http://schemas.microsoft.com/office/drawing/2014/main" id="{D09ED1BE-DF17-48D9-BFFF-F09387F795D0}"/>
+                      </a:ext>
+                    </a:extLst>
+                  </p:cNvPr>
+                  <p:cNvSpPr/>
+                  <p:nvPr/>
+                </p:nvSpPr>
+                <p:spPr>
+                  <a:xfrm>
+                    <a:off x="5952287" y="2088395"/>
+                    <a:ext cx="288032" cy="216024"/>
+                  </a:xfrm>
+                  <a:prstGeom prst="triangle">
+                    <a:avLst/>
+                  </a:prstGeom>
+                  <a:grpFill/>
+                  <a:ln>
+                    <a:noFill/>
+                  </a:ln>
+                  <a:effectLst/>
+                </p:spPr>
+                <p:style>
+                  <a:lnRef idx="2">
+                    <a:schemeClr val="accent1">
+                      <a:shade val="50000"/>
+                    </a:schemeClr>
+                  </a:lnRef>
+                  <a:fillRef idx="1">
+                    <a:schemeClr val="accent1"/>
+                  </a:fillRef>
+                  <a:effectRef idx="0">
+                    <a:schemeClr val="accent1"/>
+                  </a:effectRef>
+                  <a:fontRef idx="minor">
+                    <a:schemeClr val="lt1"/>
+                  </a:fontRef>
+                </p:style>
+                <p:txBody>
+                  <a:bodyPr rtlCol="0" anchor="ctr"/>
+                  <a:lstStyle/>
+                  <a:p>
+                    <a:pPr algn="ctr"/>
+                    <a:endParaRPr lang="pt-BR"/>
+                  </a:p>
+                </p:txBody>
+              </p:sp>
+              <p:sp>
+                <p:nvSpPr>
+                  <p:cNvPr id="389" name="Triângulo isósceles 388">
+                    <a:extLst>
+                      <a:ext uri="{FF2B5EF4-FFF2-40B4-BE49-F238E27FC236}">
+                        <a16:creationId xmlns:a16="http://schemas.microsoft.com/office/drawing/2014/main" id="{B8F22848-EAF9-4F20-A858-B2CB010351F3}"/>
+                      </a:ext>
+                    </a:extLst>
+                  </p:cNvPr>
+                  <p:cNvSpPr/>
+                  <p:nvPr/>
+                </p:nvSpPr>
+                <p:spPr>
+                  <a:xfrm>
+                    <a:off x="6241783" y="2088395"/>
+                    <a:ext cx="288032" cy="216024"/>
+                  </a:xfrm>
+                  <a:prstGeom prst="triangle">
+                    <a:avLst/>
+                  </a:prstGeom>
+                  <a:grpFill/>
+                  <a:ln>
+                    <a:noFill/>
+                  </a:ln>
+                  <a:effectLst/>
+                </p:spPr>
+                <p:style>
+                  <a:lnRef idx="2">
+                    <a:schemeClr val="accent1">
+                      <a:shade val="50000"/>
+                    </a:schemeClr>
+                  </a:lnRef>
+                  <a:fillRef idx="1">
+                    <a:schemeClr val="accent1"/>
+                  </a:fillRef>
+                  <a:effectRef idx="0">
+                    <a:schemeClr val="accent1"/>
+                  </a:effectRef>
+                  <a:fontRef idx="minor">
+                    <a:schemeClr val="lt1"/>
+                  </a:fontRef>
+                </p:style>
+                <p:txBody>
+                  <a:bodyPr rtlCol="0" anchor="ctr"/>
+                  <a:lstStyle/>
+                  <a:p>
+                    <a:pPr algn="ctr"/>
+                    <a:endParaRPr lang="pt-BR"/>
+                  </a:p>
+                </p:txBody>
+              </p:sp>
+              <p:sp>
+                <p:nvSpPr>
+                  <p:cNvPr id="390" name="Triângulo isósceles 389">
+                    <a:extLst>
+                      <a:ext uri="{FF2B5EF4-FFF2-40B4-BE49-F238E27FC236}">
+                        <a16:creationId xmlns:a16="http://schemas.microsoft.com/office/drawing/2014/main" id="{F2AB4CB9-055F-42F7-8CF8-C299653C960D}"/>
+                      </a:ext>
+                    </a:extLst>
+                  </p:cNvPr>
+                  <p:cNvSpPr/>
+                  <p:nvPr/>
+                </p:nvSpPr>
+                <p:spPr>
+                  <a:xfrm>
+                    <a:off x="6520839" y="2088395"/>
+                    <a:ext cx="288032" cy="216024"/>
+                  </a:xfrm>
+                  <a:prstGeom prst="triangle">
+                    <a:avLst/>
+                  </a:prstGeom>
+                  <a:grpFill/>
+                  <a:ln>
+                    <a:noFill/>
+                  </a:ln>
+                  <a:effectLst/>
+                </p:spPr>
+                <p:style>
+                  <a:lnRef idx="2">
+                    <a:schemeClr val="accent1">
+                      <a:shade val="50000"/>
+                    </a:schemeClr>
+                  </a:lnRef>
+                  <a:fillRef idx="1">
+                    <a:schemeClr val="accent1"/>
+                  </a:fillRef>
+                  <a:effectRef idx="0">
+                    <a:schemeClr val="accent1"/>
+                  </a:effectRef>
+                  <a:fontRef idx="minor">
+                    <a:schemeClr val="lt1"/>
+                  </a:fontRef>
+                </p:style>
+                <p:txBody>
+                  <a:bodyPr rtlCol="0" anchor="ctr"/>
+                  <a:lstStyle/>
+                  <a:p>
+                    <a:pPr algn="ctr"/>
+                    <a:endParaRPr lang="pt-BR"/>
+                  </a:p>
+                </p:txBody>
+              </p:sp>
+              <p:sp>
+                <p:nvSpPr>
+                  <p:cNvPr id="391" name="Triângulo isósceles 390">
+                    <a:extLst>
+                      <a:ext uri="{FF2B5EF4-FFF2-40B4-BE49-F238E27FC236}">
+                        <a16:creationId xmlns:a16="http://schemas.microsoft.com/office/drawing/2014/main" id="{AD905013-4F21-443D-B502-050BA06794DC}"/>
+                      </a:ext>
+                    </a:extLst>
+                  </p:cNvPr>
+                  <p:cNvSpPr/>
+                  <p:nvPr/>
+                </p:nvSpPr>
+                <p:spPr>
+                  <a:xfrm>
+                    <a:off x="6786042" y="2088395"/>
+                    <a:ext cx="288032" cy="216024"/>
+                  </a:xfrm>
+                  <a:prstGeom prst="triangle">
+                    <a:avLst/>
+                  </a:prstGeom>
+                  <a:grpFill/>
+                  <a:ln>
+                    <a:noFill/>
+                  </a:ln>
+                  <a:effectLst/>
+                </p:spPr>
+                <p:style>
+                  <a:lnRef idx="2">
+                    <a:schemeClr val="accent1">
+                      <a:shade val="50000"/>
+                    </a:schemeClr>
+                  </a:lnRef>
+                  <a:fillRef idx="1">
+                    <a:schemeClr val="accent1"/>
+                  </a:fillRef>
+                  <a:effectRef idx="0">
+                    <a:schemeClr val="accent1"/>
+                  </a:effectRef>
+                  <a:fontRef idx="minor">
+                    <a:schemeClr val="lt1"/>
+                  </a:fontRef>
+                </p:style>
+                <p:txBody>
+                  <a:bodyPr rtlCol="0" anchor="ctr"/>
+                  <a:lstStyle/>
+                  <a:p>
+                    <a:pPr algn="ctr"/>
+                    <a:endParaRPr lang="pt-BR"/>
+                  </a:p>
+                </p:txBody>
+              </p:sp>
+              <p:sp>
+                <p:nvSpPr>
+                  <p:cNvPr id="392" name="Triângulo isósceles 391">
+                    <a:extLst>
+                      <a:ext uri="{FF2B5EF4-FFF2-40B4-BE49-F238E27FC236}">
+                        <a16:creationId xmlns:a16="http://schemas.microsoft.com/office/drawing/2014/main" id="{6A7E8B84-2D5D-48D2-961E-529886FE0CE4}"/>
+                      </a:ext>
+                    </a:extLst>
+                  </p:cNvPr>
+                  <p:cNvSpPr/>
+                  <p:nvPr/>
+                </p:nvSpPr>
+                <p:spPr>
+                  <a:xfrm>
+                    <a:off x="7057306" y="2088395"/>
+                    <a:ext cx="288032" cy="216024"/>
+                  </a:xfrm>
+                  <a:prstGeom prst="triangle">
+                    <a:avLst/>
+                  </a:prstGeom>
+                  <a:grpFill/>
+                  <a:ln>
+                    <a:noFill/>
+                  </a:ln>
+                  <a:effectLst/>
+                </p:spPr>
+                <p:style>
+                  <a:lnRef idx="2">
+                    <a:schemeClr val="accent1">
+                      <a:shade val="50000"/>
+                    </a:schemeClr>
+                  </a:lnRef>
+                  <a:fillRef idx="1">
+                    <a:schemeClr val="accent1"/>
+                  </a:fillRef>
+                  <a:effectRef idx="0">
+                    <a:schemeClr val="accent1"/>
+                  </a:effectRef>
+                  <a:fontRef idx="minor">
+                    <a:schemeClr val="lt1"/>
+                  </a:fontRef>
+                </p:style>
+                <p:txBody>
+                  <a:bodyPr rtlCol="0" anchor="ctr"/>
+                  <a:lstStyle/>
+                  <a:p>
+                    <a:pPr algn="ctr"/>
+                    <a:endParaRPr lang="pt-BR"/>
+                  </a:p>
+                </p:txBody>
+              </p:sp>
+              <p:sp>
+                <p:nvSpPr>
+                  <p:cNvPr id="393" name="Triângulo isósceles 392">
+                    <a:extLst>
+                      <a:ext uri="{FF2B5EF4-FFF2-40B4-BE49-F238E27FC236}">
+                        <a16:creationId xmlns:a16="http://schemas.microsoft.com/office/drawing/2014/main" id="{073F6783-070D-4115-A91C-112C0DBE3E7D}"/>
+                      </a:ext>
+                    </a:extLst>
+                  </p:cNvPr>
+                  <p:cNvSpPr/>
+                  <p:nvPr/>
+                </p:nvSpPr>
+                <p:spPr>
+                  <a:xfrm>
+                    <a:off x="7358127" y="2088395"/>
+                    <a:ext cx="288032" cy="216024"/>
+                  </a:xfrm>
+                  <a:prstGeom prst="triangle">
+                    <a:avLst/>
+                  </a:prstGeom>
+                  <a:grpFill/>
+                  <a:ln>
+                    <a:noFill/>
+                  </a:ln>
+                  <a:effectLst/>
+                </p:spPr>
+                <p:style>
+                  <a:lnRef idx="2">
+                    <a:schemeClr val="accent1">
+                      <a:shade val="50000"/>
+                    </a:schemeClr>
+                  </a:lnRef>
+                  <a:fillRef idx="1">
+                    <a:schemeClr val="accent1"/>
+                  </a:fillRef>
+                  <a:effectRef idx="0">
+                    <a:schemeClr val="accent1"/>
+                  </a:effectRef>
+                  <a:fontRef idx="minor">
+                    <a:schemeClr val="lt1"/>
+                  </a:fontRef>
+                </p:style>
+                <p:txBody>
+                  <a:bodyPr rtlCol="0" anchor="ctr"/>
+                  <a:lstStyle/>
+                  <a:p>
+                    <a:pPr algn="ctr"/>
+                    <a:endParaRPr lang="pt-BR"/>
+                  </a:p>
+                </p:txBody>
+              </p:sp>
+              <p:sp>
+                <p:nvSpPr>
+                  <p:cNvPr id="394" name="Triângulo isósceles 393">
+                    <a:extLst>
+                      <a:ext uri="{FF2B5EF4-FFF2-40B4-BE49-F238E27FC236}">
+                        <a16:creationId xmlns:a16="http://schemas.microsoft.com/office/drawing/2014/main" id="{6963F81C-7EC9-4880-B911-95984796B1D6}"/>
+                      </a:ext>
+                    </a:extLst>
+                  </p:cNvPr>
+                  <p:cNvSpPr/>
+                  <p:nvPr/>
+                </p:nvSpPr>
+                <p:spPr>
+                  <a:xfrm>
+                    <a:off x="7628725" y="2088395"/>
+                    <a:ext cx="288032" cy="216024"/>
+                  </a:xfrm>
+                  <a:prstGeom prst="triangle">
+                    <a:avLst/>
+                  </a:prstGeom>
+                  <a:grpFill/>
+                  <a:ln>
+                    <a:noFill/>
+                  </a:ln>
+                  <a:effectLst/>
+                </p:spPr>
+                <p:style>
+                  <a:lnRef idx="2">
+                    <a:schemeClr val="accent1">
+                      <a:shade val="50000"/>
+                    </a:schemeClr>
+                  </a:lnRef>
+                  <a:fillRef idx="1">
+                    <a:schemeClr val="accent1"/>
+                  </a:fillRef>
+                  <a:effectRef idx="0">
+                    <a:schemeClr val="accent1"/>
+                  </a:effectRef>
+                  <a:fontRef idx="minor">
+                    <a:schemeClr val="lt1"/>
+                  </a:fontRef>
+                </p:style>
+                <p:txBody>
+                  <a:bodyPr rtlCol="0" anchor="ctr"/>
+                  <a:lstStyle/>
+                  <a:p>
+                    <a:pPr algn="ctr"/>
+                    <a:endParaRPr lang="pt-BR"/>
+                  </a:p>
+                </p:txBody>
+              </p:sp>
+              <p:sp>
+                <p:nvSpPr>
+                  <p:cNvPr id="395" name="Triângulo isósceles 394">
+                    <a:extLst>
+                      <a:ext uri="{FF2B5EF4-FFF2-40B4-BE49-F238E27FC236}">
+                        <a16:creationId xmlns:a16="http://schemas.microsoft.com/office/drawing/2014/main" id="{7B90D1BA-FB60-46D4-976C-BD3BC53A8EA1}"/>
+                      </a:ext>
+                    </a:extLst>
+                  </p:cNvPr>
+                  <p:cNvSpPr/>
+                  <p:nvPr/>
+                </p:nvSpPr>
+                <p:spPr>
+                  <a:xfrm>
+                    <a:off x="7939022" y="2088395"/>
+                    <a:ext cx="288032" cy="216024"/>
+                  </a:xfrm>
+                  <a:prstGeom prst="triangle">
+                    <a:avLst/>
+                  </a:prstGeom>
+                  <a:grpFill/>
+                  <a:ln>
+                    <a:noFill/>
+                  </a:ln>
+                  <a:effectLst/>
+                </p:spPr>
+                <p:style>
+                  <a:lnRef idx="2">
+                    <a:schemeClr val="accent1">
+                      <a:shade val="50000"/>
+                    </a:schemeClr>
+                  </a:lnRef>
+                  <a:fillRef idx="1">
+                    <a:schemeClr val="accent1"/>
+                  </a:fillRef>
+                  <a:effectRef idx="0">
+                    <a:schemeClr val="accent1"/>
+                  </a:effectRef>
+                  <a:fontRef idx="minor">
+                    <a:schemeClr val="lt1"/>
+                  </a:fontRef>
+                </p:style>
+                <p:txBody>
+                  <a:bodyPr rtlCol="0" anchor="ctr"/>
+                  <a:lstStyle/>
+                  <a:p>
+                    <a:pPr algn="ctr"/>
+                    <a:endParaRPr lang="pt-BR"/>
+                  </a:p>
+                </p:txBody>
+              </p:sp>
+              <p:sp>
+                <p:nvSpPr>
+                  <p:cNvPr id="396" name="Triângulo isósceles 395">
+                    <a:extLst>
+                      <a:ext uri="{FF2B5EF4-FFF2-40B4-BE49-F238E27FC236}">
+                        <a16:creationId xmlns:a16="http://schemas.microsoft.com/office/drawing/2014/main" id="{9E99A37F-E3C8-4C4F-AD24-E0757B2A706F}"/>
+                      </a:ext>
+                    </a:extLst>
+                  </p:cNvPr>
+                  <p:cNvSpPr/>
+                  <p:nvPr/>
+                </p:nvSpPr>
+                <p:spPr>
+                  <a:xfrm>
+                    <a:off x="8227054" y="2088395"/>
+                    <a:ext cx="288032" cy="216024"/>
+                  </a:xfrm>
+                  <a:prstGeom prst="triangle">
+                    <a:avLst/>
+                  </a:prstGeom>
+                  <a:grpFill/>
+                  <a:ln>
+                    <a:noFill/>
+                  </a:ln>
+                  <a:effectLst/>
+                </p:spPr>
+                <p:style>
+                  <a:lnRef idx="2">
+                    <a:schemeClr val="accent1">
+                      <a:shade val="50000"/>
+                    </a:schemeClr>
+                  </a:lnRef>
+                  <a:fillRef idx="1">
+                    <a:schemeClr val="accent1"/>
+                  </a:fillRef>
+                  <a:effectRef idx="0">
+                    <a:schemeClr val="accent1"/>
+                  </a:effectRef>
+                  <a:fontRef idx="minor">
+                    <a:schemeClr val="lt1"/>
+                  </a:fontRef>
+                </p:style>
+                <p:txBody>
+                  <a:bodyPr rtlCol="0" anchor="ctr"/>
+                  <a:lstStyle/>
+                  <a:p>
+                    <a:pPr algn="ctr"/>
+                    <a:endParaRPr lang="pt-BR"/>
+                  </a:p>
+                </p:txBody>
+              </p:sp>
+              <p:sp>
+                <p:nvSpPr>
+                  <p:cNvPr id="397" name="Triângulo isósceles 396">
+                    <a:extLst>
+                      <a:ext uri="{FF2B5EF4-FFF2-40B4-BE49-F238E27FC236}">
+                        <a16:creationId xmlns:a16="http://schemas.microsoft.com/office/drawing/2014/main" id="{F3842785-0C5B-4BBF-A813-3E3EEBAF0EDB}"/>
+                      </a:ext>
+                    </a:extLst>
+                  </p:cNvPr>
+                  <p:cNvSpPr/>
+                  <p:nvPr/>
+                </p:nvSpPr>
+                <p:spPr>
+                  <a:xfrm>
+                    <a:off x="8515086" y="2088395"/>
+                    <a:ext cx="288032" cy="216024"/>
+                  </a:xfrm>
+                  <a:prstGeom prst="triangle">
+                    <a:avLst/>
+                  </a:prstGeom>
+                  <a:grpFill/>
+                  <a:ln>
+                    <a:noFill/>
+                  </a:ln>
+                  <a:effectLst/>
+                </p:spPr>
+                <p:style>
+                  <a:lnRef idx="2">
+                    <a:schemeClr val="accent1">
+                      <a:shade val="50000"/>
+                    </a:schemeClr>
+                  </a:lnRef>
+                  <a:fillRef idx="1">
+                    <a:schemeClr val="accent1"/>
+                  </a:fillRef>
+                  <a:effectRef idx="0">
+                    <a:schemeClr val="accent1"/>
+                  </a:effectRef>
+                  <a:fontRef idx="minor">
+                    <a:schemeClr val="lt1"/>
+                  </a:fontRef>
+                </p:style>
+                <p:txBody>
+                  <a:bodyPr rtlCol="0" anchor="ctr"/>
+                  <a:lstStyle/>
+                  <a:p>
+                    <a:pPr algn="ctr"/>
+                    <a:endParaRPr lang="pt-BR"/>
+                  </a:p>
+                </p:txBody>
+              </p:sp>
+            </p:grpSp>
+            <p:grpSp>
+              <p:nvGrpSpPr>
+                <p:cNvPr id="377" name="Grupo 295">
+                  <a:extLst>
+                    <a:ext uri="{FF2B5EF4-FFF2-40B4-BE49-F238E27FC236}">
+                      <a16:creationId xmlns:a16="http://schemas.microsoft.com/office/drawing/2014/main" id="{96B9B004-A86F-4E8E-ABFB-28D9D6A119CA}"/>
+                    </a:ext>
+                  </a:extLst>
+                </p:cNvPr>
+                <p:cNvGrpSpPr/>
+                <p:nvPr/>
+              </p:nvGrpSpPr>
+              <p:grpSpPr>
+                <a:xfrm rot="10800000">
+                  <a:off x="3798090" y="3357800"/>
+                  <a:ext cx="2703476" cy="108012"/>
+                  <a:chOff x="5952287" y="2088395"/>
+                  <a:chExt cx="2850831" cy="216024"/>
+                </a:xfrm>
+                <a:grpFill/>
+              </p:grpSpPr>
+              <p:sp>
+                <p:nvSpPr>
+                  <p:cNvPr id="378" name="Triângulo isósceles 377">
+                    <a:extLst>
+                      <a:ext uri="{FF2B5EF4-FFF2-40B4-BE49-F238E27FC236}">
+                        <a16:creationId xmlns:a16="http://schemas.microsoft.com/office/drawing/2014/main" id="{E1690A72-5EA4-49FD-84C9-7C3E4D472FEA}"/>
+                      </a:ext>
+                    </a:extLst>
+                  </p:cNvPr>
+                  <p:cNvSpPr/>
+                  <p:nvPr/>
+                </p:nvSpPr>
+                <p:spPr>
+                  <a:xfrm>
+                    <a:off x="5952287" y="2088395"/>
+                    <a:ext cx="288032" cy="216024"/>
+                  </a:xfrm>
+                  <a:prstGeom prst="triangle">
+                    <a:avLst/>
+                  </a:prstGeom>
+                  <a:grpFill/>
+                  <a:ln>
+                    <a:noFill/>
+                  </a:ln>
+                  <a:effectLst/>
+                </p:spPr>
+                <p:style>
+                  <a:lnRef idx="2">
+                    <a:schemeClr val="accent1">
+                      <a:shade val="50000"/>
+                    </a:schemeClr>
+                  </a:lnRef>
+                  <a:fillRef idx="1">
+                    <a:schemeClr val="accent1"/>
+                  </a:fillRef>
+                  <a:effectRef idx="0">
+                    <a:schemeClr val="accent1"/>
+                  </a:effectRef>
+                  <a:fontRef idx="minor">
+                    <a:schemeClr val="lt1"/>
+                  </a:fontRef>
+                </p:style>
+                <p:txBody>
+                  <a:bodyPr rtlCol="0" anchor="ctr"/>
+                  <a:lstStyle/>
+                  <a:p>
+                    <a:pPr algn="ctr"/>
+                    <a:endParaRPr lang="pt-BR"/>
+                  </a:p>
+                </p:txBody>
+              </p:sp>
+              <p:sp>
+                <p:nvSpPr>
+                  <p:cNvPr id="379" name="Triângulo isósceles 378">
+                    <a:extLst>
+                      <a:ext uri="{FF2B5EF4-FFF2-40B4-BE49-F238E27FC236}">
+                        <a16:creationId xmlns:a16="http://schemas.microsoft.com/office/drawing/2014/main" id="{BE35B3A9-0291-4523-BC6B-DF9A2B95BE49}"/>
+                      </a:ext>
+                    </a:extLst>
+                  </p:cNvPr>
+                  <p:cNvSpPr/>
+                  <p:nvPr/>
+                </p:nvSpPr>
+                <p:spPr>
+                  <a:xfrm>
+                    <a:off x="6241783" y="2088395"/>
+                    <a:ext cx="288032" cy="216024"/>
+                  </a:xfrm>
+                  <a:prstGeom prst="triangle">
+                    <a:avLst/>
+                  </a:prstGeom>
+                  <a:grpFill/>
+                  <a:ln>
+                    <a:noFill/>
+                  </a:ln>
+                  <a:effectLst/>
+                </p:spPr>
+                <p:style>
+                  <a:lnRef idx="2">
+                    <a:schemeClr val="accent1">
+                      <a:shade val="50000"/>
+                    </a:schemeClr>
+                  </a:lnRef>
+                  <a:fillRef idx="1">
+                    <a:schemeClr val="accent1"/>
+                  </a:fillRef>
+                  <a:effectRef idx="0">
+                    <a:schemeClr val="accent1"/>
+                  </a:effectRef>
+                  <a:fontRef idx="minor">
+                    <a:schemeClr val="lt1"/>
+                  </a:fontRef>
+                </p:style>
+                <p:txBody>
+                  <a:bodyPr rtlCol="0" anchor="ctr"/>
+                  <a:lstStyle/>
+                  <a:p>
+                    <a:pPr algn="ctr"/>
+                    <a:endParaRPr lang="pt-BR"/>
+                  </a:p>
+                </p:txBody>
+              </p:sp>
+              <p:sp>
+                <p:nvSpPr>
+                  <p:cNvPr id="380" name="Triângulo isósceles 379">
+                    <a:extLst>
+                      <a:ext uri="{FF2B5EF4-FFF2-40B4-BE49-F238E27FC236}">
+                        <a16:creationId xmlns:a16="http://schemas.microsoft.com/office/drawing/2014/main" id="{047653E2-465E-4A80-8D64-CD9083E1BA10}"/>
+                      </a:ext>
+                    </a:extLst>
+                  </p:cNvPr>
+                  <p:cNvSpPr/>
+                  <p:nvPr/>
+                </p:nvSpPr>
+                <p:spPr>
+                  <a:xfrm>
+                    <a:off x="6520839" y="2088395"/>
+                    <a:ext cx="288032" cy="216024"/>
+                  </a:xfrm>
+                  <a:prstGeom prst="triangle">
+                    <a:avLst/>
+                  </a:prstGeom>
+                  <a:grpFill/>
+                  <a:ln>
+                    <a:noFill/>
+                  </a:ln>
+                  <a:effectLst/>
+                </p:spPr>
+                <p:style>
+                  <a:lnRef idx="2">
+                    <a:schemeClr val="accent1">
+                      <a:shade val="50000"/>
+                    </a:schemeClr>
+                  </a:lnRef>
+                  <a:fillRef idx="1">
+                    <a:schemeClr val="accent1"/>
+                  </a:fillRef>
+                  <a:effectRef idx="0">
+                    <a:schemeClr val="accent1"/>
+                  </a:effectRef>
+                  <a:fontRef idx="minor">
+                    <a:schemeClr val="lt1"/>
+                  </a:fontRef>
+                </p:style>
+                <p:txBody>
+                  <a:bodyPr rtlCol="0" anchor="ctr"/>
+                  <a:lstStyle/>
+                  <a:p>
+                    <a:pPr algn="ctr"/>
+                    <a:endParaRPr lang="pt-BR"/>
+                  </a:p>
+                </p:txBody>
+              </p:sp>
+              <p:sp>
+                <p:nvSpPr>
+                  <p:cNvPr id="381" name="Triângulo isósceles 380">
+                    <a:extLst>
+                      <a:ext uri="{FF2B5EF4-FFF2-40B4-BE49-F238E27FC236}">
+                        <a16:creationId xmlns:a16="http://schemas.microsoft.com/office/drawing/2014/main" id="{84C5E897-DC3D-4A6E-AF24-9F992F8B4A13}"/>
+                      </a:ext>
+                    </a:extLst>
+                  </p:cNvPr>
+                  <p:cNvSpPr/>
+                  <p:nvPr/>
+                </p:nvSpPr>
+                <p:spPr>
+                  <a:xfrm>
+                    <a:off x="6786042" y="2088395"/>
+                    <a:ext cx="288032" cy="216024"/>
+                  </a:xfrm>
+                  <a:prstGeom prst="triangle">
+                    <a:avLst/>
+                  </a:prstGeom>
+                  <a:grpFill/>
+                  <a:ln>
+                    <a:noFill/>
+                  </a:ln>
+                  <a:effectLst/>
+                </p:spPr>
+                <p:style>
+                  <a:lnRef idx="2">
+                    <a:schemeClr val="accent1">
+                      <a:shade val="50000"/>
+                    </a:schemeClr>
+                  </a:lnRef>
+                  <a:fillRef idx="1">
+                    <a:schemeClr val="accent1"/>
+                  </a:fillRef>
+                  <a:effectRef idx="0">
+                    <a:schemeClr val="accent1"/>
+                  </a:effectRef>
+                  <a:fontRef idx="minor">
+                    <a:schemeClr val="lt1"/>
+                  </a:fontRef>
+                </p:style>
+                <p:txBody>
+                  <a:bodyPr rtlCol="0" anchor="ctr"/>
+                  <a:lstStyle/>
+                  <a:p>
+                    <a:pPr algn="ctr"/>
+                    <a:endParaRPr lang="pt-BR"/>
+                  </a:p>
+                </p:txBody>
+              </p:sp>
+              <p:sp>
+                <p:nvSpPr>
+                  <p:cNvPr id="382" name="Triângulo isósceles 381">
+                    <a:extLst>
+                      <a:ext uri="{FF2B5EF4-FFF2-40B4-BE49-F238E27FC236}">
+                        <a16:creationId xmlns:a16="http://schemas.microsoft.com/office/drawing/2014/main" id="{5F9DF9CF-8256-49E9-9439-AF198E6F1BA8}"/>
+                      </a:ext>
+                    </a:extLst>
+                  </p:cNvPr>
+                  <p:cNvSpPr/>
+                  <p:nvPr/>
+                </p:nvSpPr>
+                <p:spPr>
+                  <a:xfrm>
+                    <a:off x="7057306" y="2088395"/>
+                    <a:ext cx="288032" cy="216024"/>
+                  </a:xfrm>
+                  <a:prstGeom prst="triangle">
+                    <a:avLst/>
+                  </a:prstGeom>
+                  <a:grpFill/>
+                  <a:ln>
+                    <a:noFill/>
+                  </a:ln>
+                  <a:effectLst/>
+                </p:spPr>
+                <p:style>
+                  <a:lnRef idx="2">
+                    <a:schemeClr val="accent1">
+                      <a:shade val="50000"/>
+                    </a:schemeClr>
+                  </a:lnRef>
+                  <a:fillRef idx="1">
+                    <a:schemeClr val="accent1"/>
+                  </a:fillRef>
+                  <a:effectRef idx="0">
+                    <a:schemeClr val="accent1"/>
+                  </a:effectRef>
+                  <a:fontRef idx="minor">
+                    <a:schemeClr val="lt1"/>
+                  </a:fontRef>
+                </p:style>
+                <p:txBody>
+                  <a:bodyPr rtlCol="0" anchor="ctr"/>
+                  <a:lstStyle/>
+                  <a:p>
+                    <a:pPr algn="ctr"/>
+                    <a:endParaRPr lang="pt-BR"/>
+                  </a:p>
+                </p:txBody>
+              </p:sp>
+              <p:sp>
+                <p:nvSpPr>
+                  <p:cNvPr id="383" name="Triângulo isósceles 382">
+                    <a:extLst>
+                      <a:ext uri="{FF2B5EF4-FFF2-40B4-BE49-F238E27FC236}">
+                        <a16:creationId xmlns:a16="http://schemas.microsoft.com/office/drawing/2014/main" id="{D83FC3EE-7785-4E80-B5DA-2DDADC88F5E1}"/>
+                      </a:ext>
+                    </a:extLst>
+                  </p:cNvPr>
+                  <p:cNvSpPr/>
+                  <p:nvPr/>
+                </p:nvSpPr>
+                <p:spPr>
+                  <a:xfrm>
+                    <a:off x="7358127" y="2088395"/>
+                    <a:ext cx="288032" cy="216024"/>
+                  </a:xfrm>
+                  <a:prstGeom prst="triangle">
+                    <a:avLst/>
+                  </a:prstGeom>
+                  <a:grpFill/>
+                  <a:ln>
+                    <a:noFill/>
+                  </a:ln>
+                  <a:effectLst/>
+                </p:spPr>
+                <p:style>
+                  <a:lnRef idx="2">
+                    <a:schemeClr val="accent1">
+                      <a:shade val="50000"/>
+                    </a:schemeClr>
+                  </a:lnRef>
+                  <a:fillRef idx="1">
+                    <a:schemeClr val="accent1"/>
+                  </a:fillRef>
+                  <a:effectRef idx="0">
+                    <a:schemeClr val="accent1"/>
+                  </a:effectRef>
+                  <a:fontRef idx="minor">
+                    <a:schemeClr val="lt1"/>
+                  </a:fontRef>
+                </p:style>
+                <p:txBody>
+                  <a:bodyPr rtlCol="0" anchor="ctr"/>
+                  <a:lstStyle/>
+                  <a:p>
+                    <a:pPr algn="ctr"/>
+                    <a:endParaRPr lang="pt-BR"/>
+                  </a:p>
+                </p:txBody>
+              </p:sp>
+              <p:sp>
+                <p:nvSpPr>
+                  <p:cNvPr id="384" name="Triângulo isósceles 383">
+                    <a:extLst>
+                      <a:ext uri="{FF2B5EF4-FFF2-40B4-BE49-F238E27FC236}">
+                        <a16:creationId xmlns:a16="http://schemas.microsoft.com/office/drawing/2014/main" id="{A867A07F-477B-4DC2-BDFA-FB44E96A1FF4}"/>
+                      </a:ext>
+                    </a:extLst>
+                  </p:cNvPr>
+                  <p:cNvSpPr/>
+                  <p:nvPr/>
+                </p:nvSpPr>
+                <p:spPr>
+                  <a:xfrm>
+                    <a:off x="7628725" y="2088395"/>
+                    <a:ext cx="288032" cy="216024"/>
+                  </a:xfrm>
+                  <a:prstGeom prst="triangle">
+                    <a:avLst/>
+                  </a:prstGeom>
+                  <a:grpFill/>
+                  <a:ln>
+                    <a:noFill/>
+                  </a:ln>
+                  <a:effectLst/>
+                </p:spPr>
+                <p:style>
+                  <a:lnRef idx="2">
+                    <a:schemeClr val="accent1">
+                      <a:shade val="50000"/>
+                    </a:schemeClr>
+                  </a:lnRef>
+                  <a:fillRef idx="1">
+                    <a:schemeClr val="accent1"/>
+                  </a:fillRef>
+                  <a:effectRef idx="0">
+                    <a:schemeClr val="accent1"/>
+                  </a:effectRef>
+                  <a:fontRef idx="minor">
+                    <a:schemeClr val="lt1"/>
+                  </a:fontRef>
+                </p:style>
+                <p:txBody>
+                  <a:bodyPr rtlCol="0" anchor="ctr"/>
+                  <a:lstStyle/>
+                  <a:p>
+                    <a:pPr algn="ctr"/>
+                    <a:endParaRPr lang="pt-BR"/>
+                  </a:p>
+                </p:txBody>
+              </p:sp>
+              <p:sp>
+                <p:nvSpPr>
+                  <p:cNvPr id="385" name="Triângulo isósceles 384">
+                    <a:extLst>
+                      <a:ext uri="{FF2B5EF4-FFF2-40B4-BE49-F238E27FC236}">
+                        <a16:creationId xmlns:a16="http://schemas.microsoft.com/office/drawing/2014/main" id="{A8B82D78-8D07-496A-BE2E-D7BEB75D73E8}"/>
+                      </a:ext>
+                    </a:extLst>
+                  </p:cNvPr>
+                  <p:cNvSpPr/>
+                  <p:nvPr/>
+                </p:nvSpPr>
+                <p:spPr>
+                  <a:xfrm>
+                    <a:off x="7939022" y="2088395"/>
+                    <a:ext cx="288032" cy="216024"/>
+                  </a:xfrm>
+                  <a:prstGeom prst="triangle">
+                    <a:avLst/>
+                  </a:prstGeom>
+                  <a:grpFill/>
+                  <a:ln>
+                    <a:noFill/>
+                  </a:ln>
+                  <a:effectLst/>
+                </p:spPr>
+                <p:style>
+                  <a:lnRef idx="2">
+                    <a:schemeClr val="accent1">
+                      <a:shade val="50000"/>
+                    </a:schemeClr>
+                  </a:lnRef>
+                  <a:fillRef idx="1">
+                    <a:schemeClr val="accent1"/>
+                  </a:fillRef>
+                  <a:effectRef idx="0">
+                    <a:schemeClr val="accent1"/>
+                  </a:effectRef>
+                  <a:fontRef idx="minor">
+                    <a:schemeClr val="lt1"/>
+                  </a:fontRef>
+                </p:style>
+                <p:txBody>
+                  <a:bodyPr rtlCol="0" anchor="ctr"/>
+                  <a:lstStyle/>
+                  <a:p>
+                    <a:pPr algn="ctr"/>
+                    <a:endParaRPr lang="pt-BR"/>
+                  </a:p>
+                </p:txBody>
+              </p:sp>
+              <p:sp>
+                <p:nvSpPr>
+                  <p:cNvPr id="386" name="Triângulo isósceles 385">
+                    <a:extLst>
+                      <a:ext uri="{FF2B5EF4-FFF2-40B4-BE49-F238E27FC236}">
+                        <a16:creationId xmlns:a16="http://schemas.microsoft.com/office/drawing/2014/main" id="{38F0B751-7EDD-4C2B-93A1-3DB2B13BE472}"/>
+                      </a:ext>
+                    </a:extLst>
+                  </p:cNvPr>
+                  <p:cNvSpPr/>
+                  <p:nvPr/>
+                </p:nvSpPr>
+                <p:spPr>
+                  <a:xfrm>
+                    <a:off x="8227054" y="2088395"/>
+                    <a:ext cx="288032" cy="216024"/>
+                  </a:xfrm>
+                  <a:prstGeom prst="triangle">
+                    <a:avLst/>
+                  </a:prstGeom>
+                  <a:grpFill/>
+                  <a:ln>
+                    <a:noFill/>
+                  </a:ln>
+                  <a:effectLst/>
+                </p:spPr>
+                <p:style>
+                  <a:lnRef idx="2">
+                    <a:schemeClr val="accent1">
+                      <a:shade val="50000"/>
+                    </a:schemeClr>
+                  </a:lnRef>
+                  <a:fillRef idx="1">
+                    <a:schemeClr val="accent1"/>
+                  </a:fillRef>
+                  <a:effectRef idx="0">
+                    <a:schemeClr val="accent1"/>
+                  </a:effectRef>
+                  <a:fontRef idx="minor">
+                    <a:schemeClr val="lt1"/>
+                  </a:fontRef>
+                </p:style>
+                <p:txBody>
+                  <a:bodyPr rtlCol="0" anchor="ctr"/>
+                  <a:lstStyle/>
+                  <a:p>
+                    <a:pPr algn="ctr"/>
+                    <a:endParaRPr lang="pt-BR"/>
+                  </a:p>
+                </p:txBody>
+              </p:sp>
+              <p:sp>
+                <p:nvSpPr>
+                  <p:cNvPr id="387" name="Triângulo isósceles 386">
+                    <a:extLst>
+                      <a:ext uri="{FF2B5EF4-FFF2-40B4-BE49-F238E27FC236}">
+                        <a16:creationId xmlns:a16="http://schemas.microsoft.com/office/drawing/2014/main" id="{F0383DE2-8C78-4303-8F9D-2BC99CA061AE}"/>
+                      </a:ext>
+                    </a:extLst>
+                  </p:cNvPr>
+                  <p:cNvSpPr/>
+                  <p:nvPr/>
+                </p:nvSpPr>
+                <p:spPr>
+                  <a:xfrm>
+                    <a:off x="8515086" y="2088395"/>
+                    <a:ext cx="288032" cy="216024"/>
+                  </a:xfrm>
+                  <a:prstGeom prst="triangle">
+                    <a:avLst/>
+                  </a:prstGeom>
+                  <a:grpFill/>
+                  <a:ln>
+                    <a:noFill/>
+                  </a:ln>
+                  <a:effectLst/>
+                </p:spPr>
+                <p:style>
+                  <a:lnRef idx="2">
+                    <a:schemeClr val="accent1">
+                      <a:shade val="50000"/>
+                    </a:schemeClr>
+                  </a:lnRef>
+                  <a:fillRef idx="1">
+                    <a:schemeClr val="accent1"/>
+                  </a:fillRef>
+                  <a:effectRef idx="0">
+                    <a:schemeClr val="accent1"/>
+                  </a:effectRef>
+                  <a:fontRef idx="minor">
+                    <a:schemeClr val="lt1"/>
+                  </a:fontRef>
+                </p:style>
+                <p:txBody>
+                  <a:bodyPr rtlCol="0" anchor="ctr"/>
+                  <a:lstStyle/>
+                  <a:p>
+                    <a:pPr algn="ctr"/>
+                    <a:endParaRPr lang="pt-BR"/>
+                  </a:p>
+                </p:txBody>
+              </p:sp>
+            </p:grpSp>
+          </p:grpSp>
+          <p:grpSp>
+            <p:nvGrpSpPr>
+              <p:cNvPr id="337" name="Agrupar 15">
+                <a:extLst>
+                  <a:ext uri="{FF2B5EF4-FFF2-40B4-BE49-F238E27FC236}">
+                    <a16:creationId xmlns:a16="http://schemas.microsoft.com/office/drawing/2014/main" id="{D4CBCF90-768B-4212-BAA4-D3E65EF4EECB}"/>
+                  </a:ext>
+                </a:extLst>
+              </p:cNvPr>
+              <p:cNvGrpSpPr/>
+              <p:nvPr/>
+            </p:nvGrpSpPr>
+            <p:grpSpPr>
+              <a:xfrm>
+                <a:off x="-97830" y="2366963"/>
+                <a:ext cx="2714217" cy="2854593"/>
+                <a:chOff x="3787349" y="611219"/>
+                <a:chExt cx="2714217" cy="2854593"/>
+              </a:xfrm>
+              <a:solidFill>
+                <a:srgbClr val="893BC3"/>
+              </a:solidFill>
+            </p:grpSpPr>
+            <p:sp>
+              <p:nvSpPr>
+                <p:cNvPr id="352" name="Retângulo 351">
+                  <a:extLst>
+                    <a:ext uri="{FF2B5EF4-FFF2-40B4-BE49-F238E27FC236}">
+                      <a16:creationId xmlns:a16="http://schemas.microsoft.com/office/drawing/2014/main" id="{0864A174-B3AF-49D1-9777-DAD5FFC68A97}"/>
+                    </a:ext>
+                  </a:extLst>
+                </p:cNvPr>
+                <p:cNvSpPr/>
+                <p:nvPr/>
+              </p:nvSpPr>
+              <p:spPr>
+                <a:xfrm>
+                  <a:off x="3792719" y="708149"/>
+                  <a:ext cx="2703477" cy="2664296"/>
+                </a:xfrm>
+                <a:prstGeom prst="rect">
+                  <a:avLst/>
+                </a:prstGeom>
+                <a:grpFill/>
+                <a:ln>
+                  <a:noFill/>
+                </a:ln>
+                <a:effectLst/>
+              </p:spPr>
+              <p:style>
+                <a:lnRef idx="2">
+                  <a:schemeClr val="accent1">
+                    <a:shade val="50000"/>
+                  </a:schemeClr>
+                </a:lnRef>
+                <a:fillRef idx="1">
+                  <a:schemeClr val="accent1"/>
+                </a:fillRef>
+                <a:effectRef idx="0">
+                  <a:schemeClr val="accent1"/>
+                </a:effectRef>
+                <a:fontRef idx="minor">
+                  <a:schemeClr val="lt1"/>
+                </a:fontRef>
+              </p:style>
+              <p:txBody>
+                <a:bodyPr rtlCol="0" anchor="ctr"/>
+                <a:lstStyle/>
+                <a:p>
+                  <a:pPr algn="ctr"/>
+                  <a:endParaRPr lang="pt-BR">
+                    <a:solidFill>
+                      <a:srgbClr val="9900FF"/>
+                    </a:solidFill>
+                  </a:endParaRPr>
+                </a:p>
+              </p:txBody>
+            </p:sp>
+            <p:grpSp>
+              <p:nvGrpSpPr>
+                <p:cNvPr id="353" name="Grupo 271">
+                  <a:extLst>
+                    <a:ext uri="{FF2B5EF4-FFF2-40B4-BE49-F238E27FC236}">
+                      <a16:creationId xmlns:a16="http://schemas.microsoft.com/office/drawing/2014/main" id="{74ADE9F0-5442-44EE-8315-59E6B0DD0F52}"/>
+                    </a:ext>
+                  </a:extLst>
+                </p:cNvPr>
+                <p:cNvGrpSpPr/>
+                <p:nvPr/>
+              </p:nvGrpSpPr>
+              <p:grpSpPr>
+                <a:xfrm>
+                  <a:off x="3787349" y="611219"/>
+                  <a:ext cx="2703476" cy="108012"/>
+                  <a:chOff x="5952287" y="2088395"/>
+                  <a:chExt cx="2850831" cy="216024"/>
+                </a:xfrm>
+                <a:grpFill/>
+              </p:grpSpPr>
+              <p:sp>
+                <p:nvSpPr>
+                  <p:cNvPr id="365" name="Triângulo isósceles 364">
+                    <a:extLst>
+                      <a:ext uri="{FF2B5EF4-FFF2-40B4-BE49-F238E27FC236}">
+                        <a16:creationId xmlns:a16="http://schemas.microsoft.com/office/drawing/2014/main" id="{5C1367F9-D184-42BC-922B-EC32A143629A}"/>
+                      </a:ext>
+                    </a:extLst>
+                  </p:cNvPr>
+                  <p:cNvSpPr/>
+                  <p:nvPr/>
+                </p:nvSpPr>
+                <p:spPr>
+                  <a:xfrm>
+                    <a:off x="5952287" y="2088395"/>
+                    <a:ext cx="288032" cy="216024"/>
+                  </a:xfrm>
+                  <a:prstGeom prst="triangle">
+                    <a:avLst/>
+                  </a:prstGeom>
+                  <a:grpFill/>
+                  <a:ln>
+                    <a:noFill/>
+                  </a:ln>
+                  <a:effectLst/>
+                </p:spPr>
+                <p:style>
+                  <a:lnRef idx="2">
+                    <a:schemeClr val="accent1">
+                      <a:shade val="50000"/>
+                    </a:schemeClr>
+                  </a:lnRef>
+                  <a:fillRef idx="1">
+                    <a:schemeClr val="accent1"/>
+                  </a:fillRef>
+                  <a:effectRef idx="0">
+                    <a:schemeClr val="accent1"/>
+                  </a:effectRef>
+                  <a:fontRef idx="minor">
+                    <a:schemeClr val="lt1"/>
+                  </a:fontRef>
+                </p:style>
+                <p:txBody>
+                  <a:bodyPr rtlCol="0" anchor="ctr"/>
+                  <a:lstStyle/>
+                  <a:p>
+                    <a:pPr algn="ctr"/>
+                    <a:endParaRPr lang="pt-BR"/>
+                  </a:p>
+                </p:txBody>
+              </p:sp>
+              <p:sp>
+                <p:nvSpPr>
+                  <p:cNvPr id="366" name="Triângulo isósceles 365">
+                    <a:extLst>
+                      <a:ext uri="{FF2B5EF4-FFF2-40B4-BE49-F238E27FC236}">
+                        <a16:creationId xmlns:a16="http://schemas.microsoft.com/office/drawing/2014/main" id="{2F658D07-FE54-42B7-BCE3-64B226FD7DC9}"/>
+                      </a:ext>
+                    </a:extLst>
+                  </p:cNvPr>
+                  <p:cNvSpPr/>
+                  <p:nvPr/>
+                </p:nvSpPr>
+                <p:spPr>
+                  <a:xfrm>
+                    <a:off x="6241783" y="2088395"/>
+                    <a:ext cx="288032" cy="216024"/>
+                  </a:xfrm>
+                  <a:prstGeom prst="triangle">
+                    <a:avLst/>
+                  </a:prstGeom>
+                  <a:grpFill/>
+                  <a:ln>
+                    <a:noFill/>
+                  </a:ln>
+                  <a:effectLst/>
+                </p:spPr>
+                <p:style>
+                  <a:lnRef idx="2">
+                    <a:schemeClr val="accent1">
+                      <a:shade val="50000"/>
+                    </a:schemeClr>
+                  </a:lnRef>
+                  <a:fillRef idx="1">
+                    <a:schemeClr val="accent1"/>
+                  </a:fillRef>
+                  <a:effectRef idx="0">
+                    <a:schemeClr val="accent1"/>
+                  </a:effectRef>
+                  <a:fontRef idx="minor">
+                    <a:schemeClr val="lt1"/>
+                  </a:fontRef>
+                </p:style>
+                <p:txBody>
+                  <a:bodyPr rtlCol="0" anchor="ctr"/>
+                  <a:lstStyle/>
+                  <a:p>
+                    <a:pPr algn="ctr"/>
+                    <a:endParaRPr lang="pt-BR"/>
+                  </a:p>
+                </p:txBody>
+              </p:sp>
+              <p:sp>
+                <p:nvSpPr>
+                  <p:cNvPr id="367" name="Triângulo isósceles 366">
+                    <a:extLst>
+                      <a:ext uri="{FF2B5EF4-FFF2-40B4-BE49-F238E27FC236}">
+                        <a16:creationId xmlns:a16="http://schemas.microsoft.com/office/drawing/2014/main" id="{6805106D-4D3C-4414-BE57-AF32D675638E}"/>
+                      </a:ext>
+                    </a:extLst>
+                  </p:cNvPr>
+                  <p:cNvSpPr/>
+                  <p:nvPr/>
+                </p:nvSpPr>
+                <p:spPr>
+                  <a:xfrm>
+                    <a:off x="6520839" y="2088395"/>
+                    <a:ext cx="288032" cy="216024"/>
+                  </a:xfrm>
+                  <a:prstGeom prst="triangle">
+                    <a:avLst/>
+                  </a:prstGeom>
+                  <a:grpFill/>
+                  <a:ln>
+                    <a:noFill/>
+                  </a:ln>
+                  <a:effectLst/>
+                </p:spPr>
+                <p:style>
+                  <a:lnRef idx="2">
+                    <a:schemeClr val="accent1">
+                      <a:shade val="50000"/>
+                    </a:schemeClr>
+                  </a:lnRef>
+                  <a:fillRef idx="1">
+                    <a:schemeClr val="accent1"/>
+                  </a:fillRef>
+                  <a:effectRef idx="0">
+                    <a:schemeClr val="accent1"/>
+                  </a:effectRef>
+                  <a:fontRef idx="minor">
+                    <a:schemeClr val="lt1"/>
+                  </a:fontRef>
+                </p:style>
+                <p:txBody>
+                  <a:bodyPr rtlCol="0" anchor="ctr"/>
+                  <a:lstStyle/>
+                  <a:p>
+                    <a:pPr algn="ctr"/>
+                    <a:endParaRPr lang="pt-BR"/>
+                  </a:p>
+                </p:txBody>
+              </p:sp>
+              <p:sp>
+                <p:nvSpPr>
+                  <p:cNvPr id="368" name="Triângulo isósceles 367">
+                    <a:extLst>
+                      <a:ext uri="{FF2B5EF4-FFF2-40B4-BE49-F238E27FC236}">
+                        <a16:creationId xmlns:a16="http://schemas.microsoft.com/office/drawing/2014/main" id="{0D8E1BE5-4674-4D69-B728-05D5FACB8F88}"/>
+                      </a:ext>
+                    </a:extLst>
+                  </p:cNvPr>
+                  <p:cNvSpPr/>
+                  <p:nvPr/>
+                </p:nvSpPr>
+                <p:spPr>
+                  <a:xfrm>
+                    <a:off x="6786042" y="2088395"/>
+                    <a:ext cx="288032" cy="216024"/>
+                  </a:xfrm>
+                  <a:prstGeom prst="triangle">
+                    <a:avLst/>
+                  </a:prstGeom>
+                  <a:grpFill/>
+                  <a:ln>
+                    <a:noFill/>
+                  </a:ln>
+                  <a:effectLst/>
+                </p:spPr>
+                <p:style>
+                  <a:lnRef idx="2">
+                    <a:schemeClr val="accent1">
+                      <a:shade val="50000"/>
+                    </a:schemeClr>
+                  </a:lnRef>
+                  <a:fillRef idx="1">
+                    <a:schemeClr val="accent1"/>
+                  </a:fillRef>
+                  <a:effectRef idx="0">
+                    <a:schemeClr val="accent1"/>
+                  </a:effectRef>
+                  <a:fontRef idx="minor">
+                    <a:schemeClr val="lt1"/>
+                  </a:fontRef>
+                </p:style>
+                <p:txBody>
+                  <a:bodyPr rtlCol="0" anchor="ctr"/>
+                  <a:lstStyle/>
+                  <a:p>
+                    <a:pPr algn="ctr"/>
+                    <a:endParaRPr lang="pt-BR"/>
+                  </a:p>
+                </p:txBody>
+              </p:sp>
+              <p:sp>
+                <p:nvSpPr>
+                  <p:cNvPr id="369" name="Triângulo isósceles 368">
+                    <a:extLst>
+                      <a:ext uri="{FF2B5EF4-FFF2-40B4-BE49-F238E27FC236}">
+                        <a16:creationId xmlns:a16="http://schemas.microsoft.com/office/drawing/2014/main" id="{6174E7E3-2CBA-411A-9AA3-1F1F298AD65A}"/>
+                      </a:ext>
+                    </a:extLst>
+                  </p:cNvPr>
+                  <p:cNvSpPr/>
+                  <p:nvPr/>
+                </p:nvSpPr>
+                <p:spPr>
+                  <a:xfrm>
+                    <a:off x="7057306" y="2088395"/>
+                    <a:ext cx="288032" cy="216024"/>
+                  </a:xfrm>
+                  <a:prstGeom prst="triangle">
+                    <a:avLst/>
+                  </a:prstGeom>
+                  <a:grpFill/>
+                  <a:ln>
+                    <a:noFill/>
+                  </a:ln>
+                  <a:effectLst/>
+                </p:spPr>
+                <p:style>
+                  <a:lnRef idx="2">
+                    <a:schemeClr val="accent1">
+                      <a:shade val="50000"/>
+                    </a:schemeClr>
+                  </a:lnRef>
+                  <a:fillRef idx="1">
+                    <a:schemeClr val="accent1"/>
+                  </a:fillRef>
+                  <a:effectRef idx="0">
+                    <a:schemeClr val="accent1"/>
+                  </a:effectRef>
+                  <a:fontRef idx="minor">
+                    <a:schemeClr val="lt1"/>
+                  </a:fontRef>
+                </p:style>
+                <p:txBody>
+                  <a:bodyPr rtlCol="0" anchor="ctr"/>
+                  <a:lstStyle/>
+                  <a:p>
+                    <a:pPr algn="ctr"/>
+                    <a:endParaRPr lang="pt-BR"/>
+                  </a:p>
+                </p:txBody>
+              </p:sp>
+              <p:sp>
+                <p:nvSpPr>
+                  <p:cNvPr id="370" name="Triângulo isósceles 369">
+                    <a:extLst>
+                      <a:ext uri="{FF2B5EF4-FFF2-40B4-BE49-F238E27FC236}">
+                        <a16:creationId xmlns:a16="http://schemas.microsoft.com/office/drawing/2014/main" id="{7E75AA6A-00A1-479E-BA4A-55276BCD65DE}"/>
+                      </a:ext>
+                    </a:extLst>
+                  </p:cNvPr>
+                  <p:cNvSpPr/>
+                  <p:nvPr/>
+                </p:nvSpPr>
+                <p:spPr>
+                  <a:xfrm>
+                    <a:off x="7358127" y="2088395"/>
+                    <a:ext cx="288032" cy="216024"/>
+                  </a:xfrm>
+                  <a:prstGeom prst="triangle">
+                    <a:avLst/>
+                  </a:prstGeom>
+                  <a:grpFill/>
+                  <a:ln>
+                    <a:noFill/>
+                  </a:ln>
+                  <a:effectLst/>
+                </p:spPr>
+                <p:style>
+                  <a:lnRef idx="2">
+                    <a:schemeClr val="accent1">
+                      <a:shade val="50000"/>
+                    </a:schemeClr>
+                  </a:lnRef>
+                  <a:fillRef idx="1">
+                    <a:schemeClr val="accent1"/>
+                  </a:fillRef>
+                  <a:effectRef idx="0">
+                    <a:schemeClr val="accent1"/>
+                  </a:effectRef>
+                  <a:fontRef idx="minor">
+                    <a:schemeClr val="lt1"/>
+                  </a:fontRef>
+                </p:style>
+                <p:txBody>
+                  <a:bodyPr rtlCol="0" anchor="ctr"/>
+                  <a:lstStyle/>
+                  <a:p>
+                    <a:pPr algn="ctr"/>
+                    <a:endParaRPr lang="pt-BR"/>
+                  </a:p>
+                </p:txBody>
+              </p:sp>
+              <p:sp>
+                <p:nvSpPr>
+                  <p:cNvPr id="371" name="Triângulo isósceles 370">
+                    <a:extLst>
+                      <a:ext uri="{FF2B5EF4-FFF2-40B4-BE49-F238E27FC236}">
+                        <a16:creationId xmlns:a16="http://schemas.microsoft.com/office/drawing/2014/main" id="{91E9C50D-0566-4E2A-91DB-3BE93AC6C595}"/>
+                      </a:ext>
+                    </a:extLst>
+                  </p:cNvPr>
+                  <p:cNvSpPr/>
+                  <p:nvPr/>
+                </p:nvSpPr>
+                <p:spPr>
+                  <a:xfrm>
+                    <a:off x="7628725" y="2088395"/>
+                    <a:ext cx="288032" cy="216024"/>
+                  </a:xfrm>
+                  <a:prstGeom prst="triangle">
+                    <a:avLst/>
+                  </a:prstGeom>
+                  <a:grpFill/>
+                  <a:ln>
+                    <a:noFill/>
+                  </a:ln>
+                  <a:effectLst/>
+                </p:spPr>
+                <p:style>
+                  <a:lnRef idx="2">
+                    <a:schemeClr val="accent1">
+                      <a:shade val="50000"/>
+                    </a:schemeClr>
+                  </a:lnRef>
+                  <a:fillRef idx="1">
+                    <a:schemeClr val="accent1"/>
+                  </a:fillRef>
+                  <a:effectRef idx="0">
+                    <a:schemeClr val="accent1"/>
+                  </a:effectRef>
+                  <a:fontRef idx="minor">
+                    <a:schemeClr val="lt1"/>
+                  </a:fontRef>
+                </p:style>
+                <p:txBody>
+                  <a:bodyPr rtlCol="0" anchor="ctr"/>
+                  <a:lstStyle/>
+                  <a:p>
+                    <a:pPr algn="ctr"/>
+                    <a:endParaRPr lang="pt-BR"/>
+                  </a:p>
+                </p:txBody>
+              </p:sp>
+              <p:sp>
+                <p:nvSpPr>
+                  <p:cNvPr id="372" name="Triângulo isósceles 371">
+                    <a:extLst>
+                      <a:ext uri="{FF2B5EF4-FFF2-40B4-BE49-F238E27FC236}">
+                        <a16:creationId xmlns:a16="http://schemas.microsoft.com/office/drawing/2014/main" id="{4D109A08-5253-46C8-B75D-050538FE587E}"/>
+                      </a:ext>
+                    </a:extLst>
+                  </p:cNvPr>
+                  <p:cNvSpPr/>
+                  <p:nvPr/>
+                </p:nvSpPr>
+                <p:spPr>
+                  <a:xfrm>
+                    <a:off x="7939022" y="2088395"/>
+                    <a:ext cx="288032" cy="216024"/>
+                  </a:xfrm>
+                  <a:prstGeom prst="triangle">
+                    <a:avLst/>
+                  </a:prstGeom>
+                  <a:grpFill/>
+                  <a:ln>
+                    <a:noFill/>
+                  </a:ln>
+                  <a:effectLst/>
+                </p:spPr>
+                <p:style>
+                  <a:lnRef idx="2">
+                    <a:schemeClr val="accent1">
+                      <a:shade val="50000"/>
+                    </a:schemeClr>
+                  </a:lnRef>
+                  <a:fillRef idx="1">
+                    <a:schemeClr val="accent1"/>
+                  </a:fillRef>
+                  <a:effectRef idx="0">
+                    <a:schemeClr val="accent1"/>
+                  </a:effectRef>
+                  <a:fontRef idx="minor">
+                    <a:schemeClr val="lt1"/>
+                  </a:fontRef>
+                </p:style>
+                <p:txBody>
+                  <a:bodyPr rtlCol="0" anchor="ctr"/>
+                  <a:lstStyle/>
+                  <a:p>
+                    <a:pPr algn="ctr"/>
+                    <a:endParaRPr lang="pt-BR"/>
+                  </a:p>
+                </p:txBody>
+              </p:sp>
+              <p:sp>
+                <p:nvSpPr>
+                  <p:cNvPr id="373" name="Triângulo isósceles 372">
+                    <a:extLst>
+                      <a:ext uri="{FF2B5EF4-FFF2-40B4-BE49-F238E27FC236}">
+                        <a16:creationId xmlns:a16="http://schemas.microsoft.com/office/drawing/2014/main" id="{7BE4FC93-6858-45AA-8DC4-EF46E68E3C53}"/>
+                      </a:ext>
+                    </a:extLst>
+                  </p:cNvPr>
+                  <p:cNvSpPr/>
+                  <p:nvPr/>
+                </p:nvSpPr>
+                <p:spPr>
+                  <a:xfrm>
+                    <a:off x="8227054" y="2088395"/>
+                    <a:ext cx="288032" cy="216024"/>
+                  </a:xfrm>
+                  <a:prstGeom prst="triangle">
+                    <a:avLst/>
+                  </a:prstGeom>
+                  <a:grpFill/>
+                  <a:ln>
+                    <a:noFill/>
+                  </a:ln>
+                  <a:effectLst/>
+                </p:spPr>
+                <p:style>
+                  <a:lnRef idx="2">
+                    <a:schemeClr val="accent1">
+                      <a:shade val="50000"/>
+                    </a:schemeClr>
+                  </a:lnRef>
+                  <a:fillRef idx="1">
+                    <a:schemeClr val="accent1"/>
+                  </a:fillRef>
+                  <a:effectRef idx="0">
+                    <a:schemeClr val="accent1"/>
+                  </a:effectRef>
+                  <a:fontRef idx="minor">
+                    <a:schemeClr val="lt1"/>
+                  </a:fontRef>
+                </p:style>
+                <p:txBody>
+                  <a:bodyPr rtlCol="0" anchor="ctr"/>
+                  <a:lstStyle/>
+                  <a:p>
+                    <a:pPr algn="ctr"/>
+                    <a:endParaRPr lang="pt-BR"/>
+                  </a:p>
+                </p:txBody>
+              </p:sp>
+              <p:sp>
+                <p:nvSpPr>
+                  <p:cNvPr id="374" name="Triângulo isósceles 373">
+                    <a:extLst>
+                      <a:ext uri="{FF2B5EF4-FFF2-40B4-BE49-F238E27FC236}">
+                        <a16:creationId xmlns:a16="http://schemas.microsoft.com/office/drawing/2014/main" id="{6016613A-1256-461F-8922-18E83BFA7916}"/>
+                      </a:ext>
+                    </a:extLst>
+                  </p:cNvPr>
+                  <p:cNvSpPr/>
+                  <p:nvPr/>
+                </p:nvSpPr>
+                <p:spPr>
+                  <a:xfrm>
+                    <a:off x="8515086" y="2088395"/>
+                    <a:ext cx="288032" cy="216024"/>
+                  </a:xfrm>
+                  <a:prstGeom prst="triangle">
+                    <a:avLst/>
+                  </a:prstGeom>
+                  <a:grpFill/>
+                  <a:ln>
+                    <a:noFill/>
+                  </a:ln>
+                  <a:effectLst/>
+                </p:spPr>
+                <p:style>
+                  <a:lnRef idx="2">
+                    <a:schemeClr val="accent1">
+                      <a:shade val="50000"/>
+                    </a:schemeClr>
+                  </a:lnRef>
+                  <a:fillRef idx="1">
+                    <a:schemeClr val="accent1"/>
+                  </a:fillRef>
+                  <a:effectRef idx="0">
+                    <a:schemeClr val="accent1"/>
+                  </a:effectRef>
+                  <a:fontRef idx="minor">
+                    <a:schemeClr val="lt1"/>
+                  </a:fontRef>
+                </p:style>
+                <p:txBody>
+                  <a:bodyPr rtlCol="0" anchor="ctr"/>
+                  <a:lstStyle/>
+                  <a:p>
+                    <a:pPr algn="ctr"/>
+                    <a:endParaRPr lang="pt-BR"/>
+                  </a:p>
+                </p:txBody>
+              </p:sp>
+            </p:grpSp>
+            <p:grpSp>
+              <p:nvGrpSpPr>
+                <p:cNvPr id="354" name="Grupo 272">
+                  <a:extLst>
+                    <a:ext uri="{FF2B5EF4-FFF2-40B4-BE49-F238E27FC236}">
+                      <a16:creationId xmlns:a16="http://schemas.microsoft.com/office/drawing/2014/main" id="{0DE91147-CAB0-4DE5-9419-BEB83181DEDA}"/>
+                    </a:ext>
+                  </a:extLst>
+                </p:cNvPr>
+                <p:cNvGrpSpPr/>
+                <p:nvPr/>
+              </p:nvGrpSpPr>
+              <p:grpSpPr>
+                <a:xfrm rot="10800000">
+                  <a:off x="3798090" y="3357800"/>
+                  <a:ext cx="2703476" cy="108012"/>
+                  <a:chOff x="5952287" y="2088395"/>
+                  <a:chExt cx="2850831" cy="216024"/>
+                </a:xfrm>
+                <a:grpFill/>
+              </p:grpSpPr>
+              <p:sp>
+                <p:nvSpPr>
+                  <p:cNvPr id="355" name="Triângulo isósceles 354">
+                    <a:extLst>
+                      <a:ext uri="{FF2B5EF4-FFF2-40B4-BE49-F238E27FC236}">
+                        <a16:creationId xmlns:a16="http://schemas.microsoft.com/office/drawing/2014/main" id="{F282E94D-C333-481F-B406-4A5D0464AE28}"/>
+                      </a:ext>
+                    </a:extLst>
+                  </p:cNvPr>
+                  <p:cNvSpPr/>
+                  <p:nvPr/>
+                </p:nvSpPr>
+                <p:spPr>
+                  <a:xfrm>
+                    <a:off x="5952287" y="2088395"/>
+                    <a:ext cx="288032" cy="216024"/>
+                  </a:xfrm>
+                  <a:prstGeom prst="triangle">
+                    <a:avLst/>
+                  </a:prstGeom>
+                  <a:grpFill/>
+                  <a:ln>
+                    <a:noFill/>
+                  </a:ln>
+                  <a:effectLst/>
+                </p:spPr>
+                <p:style>
+                  <a:lnRef idx="2">
+                    <a:schemeClr val="accent1">
+                      <a:shade val="50000"/>
+                    </a:schemeClr>
+                  </a:lnRef>
+                  <a:fillRef idx="1">
+                    <a:schemeClr val="accent1"/>
+                  </a:fillRef>
+                  <a:effectRef idx="0">
+                    <a:schemeClr val="accent1"/>
+                  </a:effectRef>
+                  <a:fontRef idx="minor">
+                    <a:schemeClr val="lt1"/>
+                  </a:fontRef>
+                </p:style>
+                <p:txBody>
+                  <a:bodyPr rtlCol="0" anchor="ctr"/>
+                  <a:lstStyle/>
+                  <a:p>
+                    <a:pPr algn="ctr"/>
+                    <a:endParaRPr lang="pt-BR"/>
+                  </a:p>
+                </p:txBody>
+              </p:sp>
+              <p:sp>
+                <p:nvSpPr>
+                  <p:cNvPr id="356" name="Triângulo isósceles 355">
+                    <a:extLst>
+                      <a:ext uri="{FF2B5EF4-FFF2-40B4-BE49-F238E27FC236}">
+                        <a16:creationId xmlns:a16="http://schemas.microsoft.com/office/drawing/2014/main" id="{F7B689DA-B2CD-4262-A8F2-D93F9A1C5E64}"/>
+                      </a:ext>
+                    </a:extLst>
+                  </p:cNvPr>
+                  <p:cNvSpPr/>
+                  <p:nvPr/>
+                </p:nvSpPr>
+                <p:spPr>
+                  <a:xfrm>
+                    <a:off x="6241783" y="2088395"/>
+                    <a:ext cx="288032" cy="216024"/>
+                  </a:xfrm>
+                  <a:prstGeom prst="triangle">
+                    <a:avLst/>
+                  </a:prstGeom>
+                  <a:grpFill/>
+                  <a:ln>
+                    <a:noFill/>
+                  </a:ln>
+                  <a:effectLst/>
+                </p:spPr>
+                <p:style>
+                  <a:lnRef idx="2">
+                    <a:schemeClr val="accent1">
+                      <a:shade val="50000"/>
+                    </a:schemeClr>
+                  </a:lnRef>
+                  <a:fillRef idx="1">
+                    <a:schemeClr val="accent1"/>
+                  </a:fillRef>
+                  <a:effectRef idx="0">
+                    <a:schemeClr val="accent1"/>
+                  </a:effectRef>
+                  <a:fontRef idx="minor">
+                    <a:schemeClr val="lt1"/>
+                  </a:fontRef>
+                </p:style>
+                <p:txBody>
+                  <a:bodyPr rtlCol="0" anchor="ctr"/>
+                  <a:lstStyle/>
+                  <a:p>
+                    <a:pPr algn="ctr"/>
+                    <a:endParaRPr lang="pt-BR"/>
+                  </a:p>
+                </p:txBody>
+              </p:sp>
+              <p:sp>
+                <p:nvSpPr>
+                  <p:cNvPr id="357" name="Triângulo isósceles 356">
+                    <a:extLst>
+                      <a:ext uri="{FF2B5EF4-FFF2-40B4-BE49-F238E27FC236}">
+                        <a16:creationId xmlns:a16="http://schemas.microsoft.com/office/drawing/2014/main" id="{A74CE4B5-5A35-444A-BE4B-405339B1D97E}"/>
+                      </a:ext>
+                    </a:extLst>
+                  </p:cNvPr>
+                  <p:cNvSpPr/>
+                  <p:nvPr/>
+                </p:nvSpPr>
+                <p:spPr>
+                  <a:xfrm>
+                    <a:off x="6520839" y="2088395"/>
+                    <a:ext cx="288032" cy="216024"/>
+                  </a:xfrm>
+                  <a:prstGeom prst="triangle">
+                    <a:avLst/>
+                  </a:prstGeom>
+                  <a:grpFill/>
+                  <a:ln>
+                    <a:noFill/>
+                  </a:ln>
+                  <a:effectLst/>
+                </p:spPr>
+                <p:style>
+                  <a:lnRef idx="2">
+                    <a:schemeClr val="accent1">
+                      <a:shade val="50000"/>
+                    </a:schemeClr>
+                  </a:lnRef>
+                  <a:fillRef idx="1">
+                    <a:schemeClr val="accent1"/>
+                  </a:fillRef>
+                  <a:effectRef idx="0">
+                    <a:schemeClr val="accent1"/>
+                  </a:effectRef>
+                  <a:fontRef idx="minor">
+                    <a:schemeClr val="lt1"/>
+                  </a:fontRef>
+                </p:style>
+                <p:txBody>
+                  <a:bodyPr rtlCol="0" anchor="ctr"/>
+                  <a:lstStyle/>
+                  <a:p>
+                    <a:pPr algn="ctr"/>
+                    <a:endParaRPr lang="pt-BR"/>
+                  </a:p>
+                </p:txBody>
+              </p:sp>
+              <p:sp>
+                <p:nvSpPr>
+                  <p:cNvPr id="358" name="Triângulo isósceles 357">
+                    <a:extLst>
+                      <a:ext uri="{FF2B5EF4-FFF2-40B4-BE49-F238E27FC236}">
+                        <a16:creationId xmlns:a16="http://schemas.microsoft.com/office/drawing/2014/main" id="{78F1773D-5E95-4B77-B28D-C9145AC3EE5C}"/>
+                      </a:ext>
+                    </a:extLst>
+                  </p:cNvPr>
+                  <p:cNvSpPr/>
+                  <p:nvPr/>
+                </p:nvSpPr>
+                <p:spPr>
+                  <a:xfrm>
+                    <a:off x="6786042" y="2088395"/>
+                    <a:ext cx="288032" cy="216024"/>
+                  </a:xfrm>
+                  <a:prstGeom prst="triangle">
+                    <a:avLst/>
+                  </a:prstGeom>
+                  <a:grpFill/>
+                  <a:ln>
+                    <a:noFill/>
+                  </a:ln>
+                  <a:effectLst/>
+                </p:spPr>
+                <p:style>
+                  <a:lnRef idx="2">
+                    <a:schemeClr val="accent1">
+                      <a:shade val="50000"/>
+                    </a:schemeClr>
+                  </a:lnRef>
+                  <a:fillRef idx="1">
+                    <a:schemeClr val="accent1"/>
+                  </a:fillRef>
+                  <a:effectRef idx="0">
+                    <a:schemeClr val="accent1"/>
+                  </a:effectRef>
+                  <a:fontRef idx="minor">
+                    <a:schemeClr val="lt1"/>
+                  </a:fontRef>
+                </p:style>
+                <p:txBody>
+                  <a:bodyPr rtlCol="0" anchor="ctr"/>
+                  <a:lstStyle/>
+                  <a:p>
+                    <a:pPr algn="ctr"/>
+                    <a:endParaRPr lang="pt-BR"/>
+                  </a:p>
+                </p:txBody>
+              </p:sp>
+              <p:sp>
+                <p:nvSpPr>
+                  <p:cNvPr id="359" name="Triângulo isósceles 358">
+                    <a:extLst>
+                      <a:ext uri="{FF2B5EF4-FFF2-40B4-BE49-F238E27FC236}">
+                        <a16:creationId xmlns:a16="http://schemas.microsoft.com/office/drawing/2014/main" id="{9F4FBBE5-B3CB-4052-B5CA-23B362F1DAD5}"/>
+                      </a:ext>
+                    </a:extLst>
+                  </p:cNvPr>
+                  <p:cNvSpPr/>
+                  <p:nvPr/>
+                </p:nvSpPr>
+                <p:spPr>
+                  <a:xfrm>
+                    <a:off x="7057306" y="2088395"/>
+                    <a:ext cx="288032" cy="216024"/>
+                  </a:xfrm>
+                  <a:prstGeom prst="triangle">
+                    <a:avLst/>
+                  </a:prstGeom>
+                  <a:grpFill/>
+                  <a:ln>
+                    <a:noFill/>
+                  </a:ln>
+                  <a:effectLst/>
+                </p:spPr>
+                <p:style>
+                  <a:lnRef idx="2">
+                    <a:schemeClr val="accent1">
+                      <a:shade val="50000"/>
+                    </a:schemeClr>
+                  </a:lnRef>
+                  <a:fillRef idx="1">
+                    <a:schemeClr val="accent1"/>
+                  </a:fillRef>
+                  <a:effectRef idx="0">
+                    <a:schemeClr val="accent1"/>
+                  </a:effectRef>
+                  <a:fontRef idx="minor">
+                    <a:schemeClr val="lt1"/>
+                  </a:fontRef>
+                </p:style>
+                <p:txBody>
+                  <a:bodyPr rtlCol="0" anchor="ctr"/>
+                  <a:lstStyle/>
+                  <a:p>
+                    <a:pPr algn="ctr"/>
+                    <a:endParaRPr lang="pt-BR"/>
+                  </a:p>
+                </p:txBody>
+              </p:sp>
+              <p:sp>
+                <p:nvSpPr>
+                  <p:cNvPr id="360" name="Triângulo isósceles 359">
+                    <a:extLst>
+                      <a:ext uri="{FF2B5EF4-FFF2-40B4-BE49-F238E27FC236}">
+                        <a16:creationId xmlns:a16="http://schemas.microsoft.com/office/drawing/2014/main" id="{7F1E7121-0A35-48EE-B90B-89B17171D21D}"/>
+                      </a:ext>
+                    </a:extLst>
+                  </p:cNvPr>
+                  <p:cNvSpPr/>
+                  <p:nvPr/>
+                </p:nvSpPr>
+                <p:spPr>
+                  <a:xfrm>
+                    <a:off x="7358127" y="2088395"/>
+                    <a:ext cx="288032" cy="216024"/>
+                  </a:xfrm>
+                  <a:prstGeom prst="triangle">
+                    <a:avLst/>
+                  </a:prstGeom>
+                  <a:grpFill/>
+                  <a:ln>
+                    <a:noFill/>
+                  </a:ln>
+                  <a:effectLst/>
+                </p:spPr>
+                <p:style>
+                  <a:lnRef idx="2">
+                    <a:schemeClr val="accent1">
+                      <a:shade val="50000"/>
+                    </a:schemeClr>
+                  </a:lnRef>
+                  <a:fillRef idx="1">
+                    <a:schemeClr val="accent1"/>
+                  </a:fillRef>
+                  <a:effectRef idx="0">
+                    <a:schemeClr val="accent1"/>
+                  </a:effectRef>
+                  <a:fontRef idx="minor">
+                    <a:schemeClr val="lt1"/>
+                  </a:fontRef>
+                </p:style>
+                <p:txBody>
+                  <a:bodyPr rtlCol="0" anchor="ctr"/>
+                  <a:lstStyle/>
+                  <a:p>
+                    <a:pPr algn="ctr"/>
+                    <a:endParaRPr lang="pt-BR"/>
+                  </a:p>
+                </p:txBody>
+              </p:sp>
+              <p:sp>
+                <p:nvSpPr>
+                  <p:cNvPr id="361" name="Triângulo isósceles 360">
+                    <a:extLst>
+                      <a:ext uri="{FF2B5EF4-FFF2-40B4-BE49-F238E27FC236}">
+                        <a16:creationId xmlns:a16="http://schemas.microsoft.com/office/drawing/2014/main" id="{3EEF6174-D6C3-43E9-BBC1-518AD5F0EEEF}"/>
+                      </a:ext>
+                    </a:extLst>
+                  </p:cNvPr>
+                  <p:cNvSpPr/>
+                  <p:nvPr/>
+                </p:nvSpPr>
+                <p:spPr>
+                  <a:xfrm>
+                    <a:off x="7628725" y="2088395"/>
+                    <a:ext cx="288032" cy="216024"/>
+                  </a:xfrm>
+                  <a:prstGeom prst="triangle">
+                    <a:avLst/>
+                  </a:prstGeom>
+                  <a:grpFill/>
+                  <a:ln>
+                    <a:noFill/>
+                  </a:ln>
+                  <a:effectLst/>
+                </p:spPr>
+                <p:style>
+                  <a:lnRef idx="2">
+                    <a:schemeClr val="accent1">
+                      <a:shade val="50000"/>
+                    </a:schemeClr>
+                  </a:lnRef>
+                  <a:fillRef idx="1">
+                    <a:schemeClr val="accent1"/>
+                  </a:fillRef>
+                  <a:effectRef idx="0">
+                    <a:schemeClr val="accent1"/>
+                  </a:effectRef>
+                  <a:fontRef idx="minor">
+                    <a:schemeClr val="lt1"/>
+                  </a:fontRef>
+                </p:style>
+                <p:txBody>
+                  <a:bodyPr rtlCol="0" anchor="ctr"/>
+                  <a:lstStyle/>
+                  <a:p>
+                    <a:pPr algn="ctr"/>
+                    <a:endParaRPr lang="pt-BR"/>
+                  </a:p>
+                </p:txBody>
+              </p:sp>
+              <p:sp>
+                <p:nvSpPr>
+                  <p:cNvPr id="362" name="Triângulo isósceles 361">
+                    <a:extLst>
+                      <a:ext uri="{FF2B5EF4-FFF2-40B4-BE49-F238E27FC236}">
+                        <a16:creationId xmlns:a16="http://schemas.microsoft.com/office/drawing/2014/main" id="{FC558F78-3C83-4F84-BD5D-9BC25892470C}"/>
+                      </a:ext>
+                    </a:extLst>
+                  </p:cNvPr>
+                  <p:cNvSpPr/>
+                  <p:nvPr/>
+                </p:nvSpPr>
+                <p:spPr>
+                  <a:xfrm>
+                    <a:off x="7939022" y="2088395"/>
+                    <a:ext cx="288032" cy="216024"/>
+                  </a:xfrm>
+                  <a:prstGeom prst="triangle">
+                    <a:avLst/>
+                  </a:prstGeom>
+                  <a:grpFill/>
+                  <a:ln>
+                    <a:noFill/>
+                  </a:ln>
+                  <a:effectLst/>
+                </p:spPr>
+                <p:style>
+                  <a:lnRef idx="2">
+                    <a:schemeClr val="accent1">
+                      <a:shade val="50000"/>
+                    </a:schemeClr>
+                  </a:lnRef>
+                  <a:fillRef idx="1">
+                    <a:schemeClr val="accent1"/>
+                  </a:fillRef>
+                  <a:effectRef idx="0">
+                    <a:schemeClr val="accent1"/>
+                  </a:effectRef>
+                  <a:fontRef idx="minor">
+                    <a:schemeClr val="lt1"/>
+                  </a:fontRef>
+                </p:style>
+                <p:txBody>
+                  <a:bodyPr rtlCol="0" anchor="ctr"/>
+                  <a:lstStyle/>
+                  <a:p>
+                    <a:pPr algn="ctr"/>
+                    <a:endParaRPr lang="pt-BR"/>
+                  </a:p>
+                </p:txBody>
+              </p:sp>
+              <p:sp>
+                <p:nvSpPr>
+                  <p:cNvPr id="363" name="Triângulo isósceles 362">
+                    <a:extLst>
+                      <a:ext uri="{FF2B5EF4-FFF2-40B4-BE49-F238E27FC236}">
+                        <a16:creationId xmlns:a16="http://schemas.microsoft.com/office/drawing/2014/main" id="{37C4DFD5-8B43-457F-9183-7F7CCBBACC1B}"/>
+                      </a:ext>
+                    </a:extLst>
+                  </p:cNvPr>
+                  <p:cNvSpPr/>
+                  <p:nvPr/>
+                </p:nvSpPr>
+                <p:spPr>
+                  <a:xfrm>
+                    <a:off x="8227054" y="2088395"/>
+                    <a:ext cx="288032" cy="216024"/>
+                  </a:xfrm>
+                  <a:prstGeom prst="triangle">
+                    <a:avLst/>
+                  </a:prstGeom>
+                  <a:grpFill/>
+                  <a:ln>
+                    <a:noFill/>
+                  </a:ln>
+                  <a:effectLst/>
+                </p:spPr>
+                <p:style>
+                  <a:lnRef idx="2">
+                    <a:schemeClr val="accent1">
+                      <a:shade val="50000"/>
+                    </a:schemeClr>
+                  </a:lnRef>
+                  <a:fillRef idx="1">
+                    <a:schemeClr val="accent1"/>
+                  </a:fillRef>
+                  <a:effectRef idx="0">
+                    <a:schemeClr val="accent1"/>
+                  </a:effectRef>
+                  <a:fontRef idx="minor">
+                    <a:schemeClr val="lt1"/>
+                  </a:fontRef>
+                </p:style>
+                <p:txBody>
+                  <a:bodyPr rtlCol="0" anchor="ctr"/>
+                  <a:lstStyle/>
+                  <a:p>
+                    <a:pPr algn="ctr"/>
+                    <a:endParaRPr lang="pt-BR"/>
+                  </a:p>
+                </p:txBody>
+              </p:sp>
+              <p:sp>
+                <p:nvSpPr>
+                  <p:cNvPr id="364" name="Triângulo isósceles 363">
+                    <a:extLst>
+                      <a:ext uri="{FF2B5EF4-FFF2-40B4-BE49-F238E27FC236}">
+                        <a16:creationId xmlns:a16="http://schemas.microsoft.com/office/drawing/2014/main" id="{FECDAB48-AFF6-4360-B4C7-9CD568C8A24F}"/>
+                      </a:ext>
+                    </a:extLst>
+                  </p:cNvPr>
+                  <p:cNvSpPr/>
+                  <p:nvPr/>
+                </p:nvSpPr>
+                <p:spPr>
+                  <a:xfrm>
+                    <a:off x="8515086" y="2088395"/>
+                    <a:ext cx="288032" cy="216024"/>
+                  </a:xfrm>
+                  <a:prstGeom prst="triangle">
+                    <a:avLst/>
+                  </a:prstGeom>
+                  <a:grpFill/>
+                  <a:ln>
+                    <a:noFill/>
+                  </a:ln>
+                  <a:effectLst/>
+                </p:spPr>
+                <p:style>
+                  <a:lnRef idx="2">
+                    <a:schemeClr val="accent1">
+                      <a:shade val="50000"/>
+                    </a:schemeClr>
+                  </a:lnRef>
+                  <a:fillRef idx="1">
+                    <a:schemeClr val="accent1"/>
+                  </a:fillRef>
+                  <a:effectRef idx="0">
+                    <a:schemeClr val="accent1"/>
+                  </a:effectRef>
+                  <a:fontRef idx="minor">
+                    <a:schemeClr val="lt1"/>
+                  </a:fontRef>
+                </p:style>
+                <p:txBody>
+                  <a:bodyPr rtlCol="0" anchor="ctr"/>
+                  <a:lstStyle/>
+                  <a:p>
+                    <a:pPr algn="ctr"/>
+                    <a:endParaRPr lang="pt-BR"/>
+                  </a:p>
+                </p:txBody>
+              </p:sp>
+            </p:grpSp>
+          </p:grpSp>
+          <p:sp>
+            <p:nvSpPr>
+              <p:cNvPr id="338" name="Retângulo de cantos arredondados 256">
+                <a:extLst>
+                  <a:ext uri="{FF2B5EF4-FFF2-40B4-BE49-F238E27FC236}">
+                    <a16:creationId xmlns:a16="http://schemas.microsoft.com/office/drawing/2014/main" id="{C49FB0BC-732D-4457-B341-2215CE56E088}"/>
+                  </a:ext>
+                </a:extLst>
+              </p:cNvPr>
+              <p:cNvSpPr/>
+              <p:nvPr/>
+            </p:nvSpPr>
+            <p:spPr>
+              <a:xfrm>
+                <a:off x="57634" y="2564904"/>
+                <a:ext cx="2354126" cy="2513813"/>
+              </a:xfrm>
+              <a:prstGeom prst="roundRect">
+                <a:avLst>
+                  <a:gd name="adj" fmla="val 13040"/>
+                </a:avLst>
+              </a:prstGeom>
+              <a:solidFill>
+                <a:srgbClr val="934CC8"/>
+              </a:solidFill>
+              <a:ln>
+                <a:noFill/>
+              </a:ln>
+              <a:effectLst/>
+            </p:spPr>
+            <p:style>
+              <a:lnRef idx="2">
+                <a:schemeClr val="accent1">
+                  <a:shade val="50000"/>
+                </a:schemeClr>
+              </a:lnRef>
+              <a:fillRef idx="1">
+                <a:schemeClr val="accent1"/>
+              </a:fillRef>
+              <a:effectRef idx="0">
+                <a:schemeClr val="accent1"/>
+              </a:effectRef>
+              <a:fontRef idx="minor">
+                <a:schemeClr val="lt1"/>
+              </a:fontRef>
+            </p:style>
+            <p:txBody>
+              <a:bodyPr rtlCol="0" anchor="ctr"/>
+              <a:lstStyle/>
+              <a:p>
+                <a:pPr algn="ctr"/>
+                <a:endParaRPr lang="pt-BR"/>
+              </a:p>
+            </p:txBody>
+          </p:sp>
+          <p:sp>
+            <p:nvSpPr>
+              <p:cNvPr id="339" name="Elipse 338">
+                <a:extLst>
+                  <a:ext uri="{FF2B5EF4-FFF2-40B4-BE49-F238E27FC236}">
+                    <a16:creationId xmlns:a16="http://schemas.microsoft.com/office/drawing/2014/main" id="{7CB07525-C9FA-49BA-B036-2BAF83FDA2D7}"/>
+                  </a:ext>
+                </a:extLst>
+              </p:cNvPr>
+              <p:cNvSpPr/>
+              <p:nvPr/>
+            </p:nvSpPr>
+            <p:spPr>
+              <a:xfrm>
+                <a:off x="315341" y="2836839"/>
+                <a:ext cx="1935767" cy="1935767"/>
+              </a:xfrm>
+              <a:prstGeom prst="ellipse">
+                <a:avLst/>
+              </a:prstGeom>
+              <a:solidFill>
+                <a:srgbClr val="9F5FCF"/>
+              </a:solidFill>
+              <a:ln>
+                <a:noFill/>
+              </a:ln>
+              <a:effectLst/>
+            </p:spPr>
+            <p:style>
+              <a:lnRef idx="2">
+                <a:schemeClr val="accent1">
+                  <a:shade val="50000"/>
+                </a:schemeClr>
+              </a:lnRef>
+              <a:fillRef idx="1">
+                <a:schemeClr val="accent1"/>
+              </a:fillRef>
+              <a:effectRef idx="0">
+                <a:schemeClr val="accent1"/>
+              </a:effectRef>
+              <a:fontRef idx="minor">
+                <a:schemeClr val="lt1"/>
+              </a:fontRef>
+            </p:style>
+            <p:txBody>
+              <a:bodyPr rtlCol="0" anchor="ctr"/>
+              <a:lstStyle/>
+              <a:p>
+                <a:pPr algn="ctr"/>
+                <a:endParaRPr lang="pt-BR"/>
+              </a:p>
+            </p:txBody>
+          </p:sp>
+          <p:grpSp>
+            <p:nvGrpSpPr>
+              <p:cNvPr id="340" name="Grupo 258">
+                <a:extLst>
+                  <a:ext uri="{FF2B5EF4-FFF2-40B4-BE49-F238E27FC236}">
+                    <a16:creationId xmlns:a16="http://schemas.microsoft.com/office/drawing/2014/main" id="{C4DA1282-3CBA-4F05-8DF7-FA0A89491A23}"/>
+                  </a:ext>
+                </a:extLst>
+              </p:cNvPr>
+              <p:cNvGrpSpPr/>
+              <p:nvPr/>
+            </p:nvGrpSpPr>
+            <p:grpSpPr>
+              <a:xfrm>
+                <a:off x="236651" y="2685954"/>
+                <a:ext cx="2045254" cy="2327222"/>
+                <a:chOff x="3834481" y="2564904"/>
+                <a:chExt cx="2249687" cy="2559840"/>
+              </a:xfrm>
+            </p:grpSpPr>
+            <p:grpSp>
+              <p:nvGrpSpPr>
+                <p:cNvPr id="341" name="Grupo 259">
+                  <a:extLst>
+                    <a:ext uri="{FF2B5EF4-FFF2-40B4-BE49-F238E27FC236}">
+                      <a16:creationId xmlns:a16="http://schemas.microsoft.com/office/drawing/2014/main" id="{2F7FB1C2-BBB9-4C64-8389-327AEFCE29D4}"/>
+                    </a:ext>
+                  </a:extLst>
+                </p:cNvPr>
+                <p:cNvGrpSpPr/>
+                <p:nvPr/>
+              </p:nvGrpSpPr>
+              <p:grpSpPr>
+                <a:xfrm>
+                  <a:off x="3834481" y="2564904"/>
+                  <a:ext cx="2249687" cy="2559840"/>
+                  <a:chOff x="3834481" y="2564904"/>
+                  <a:chExt cx="2249687" cy="2559840"/>
+                </a:xfrm>
+              </p:grpSpPr>
+              <p:grpSp>
+                <p:nvGrpSpPr>
+                  <p:cNvPr id="343" name="Grupo 261">
+                    <a:extLst>
+                      <a:ext uri="{FF2B5EF4-FFF2-40B4-BE49-F238E27FC236}">
+                        <a16:creationId xmlns:a16="http://schemas.microsoft.com/office/drawing/2014/main" id="{6233BFBB-72A7-47DF-8C9A-DC2B69F44D2E}"/>
+                      </a:ext>
+                    </a:extLst>
+                  </p:cNvPr>
+                  <p:cNvGrpSpPr/>
+                  <p:nvPr/>
+                </p:nvGrpSpPr>
+                <p:grpSpPr>
+                  <a:xfrm>
+                    <a:off x="3834481" y="2564904"/>
+                    <a:ext cx="2177679" cy="680434"/>
+                    <a:chOff x="3834481" y="2564904"/>
+                    <a:chExt cx="2177679" cy="680434"/>
+                  </a:xfrm>
+                </p:grpSpPr>
+                <p:sp>
+                  <p:nvSpPr>
+                    <p:cNvPr id="349" name="Retângulo de cantos arredondados 18">
+                      <a:extLst>
+                        <a:ext uri="{FF2B5EF4-FFF2-40B4-BE49-F238E27FC236}">
+                          <a16:creationId xmlns:a16="http://schemas.microsoft.com/office/drawing/2014/main" id="{F921CE60-91CB-46E8-919D-C7331C0B9208}"/>
+                        </a:ext>
+                      </a:extLst>
+                    </p:cNvPr>
+                    <p:cNvSpPr/>
+                    <p:nvPr/>
+                  </p:nvSpPr>
+                  <p:spPr>
+                    <a:xfrm>
+                      <a:off x="3834481" y="2564904"/>
+                      <a:ext cx="2177679" cy="680434"/>
+                    </a:xfrm>
+                    <a:custGeom>
+                      <a:avLst/>
+                      <a:gdLst/>
+                      <a:ahLst/>
+                      <a:cxnLst/>
+                      <a:rect l="l" t="t" r="r" b="b"/>
+                      <a:pathLst>
+                        <a:path w="2041106" h="578046">
+                          <a:moveTo>
+                            <a:pt x="289023" y="0"/>
+                          </a:moveTo>
+                          <a:lnTo>
+                            <a:pt x="1752083" y="0"/>
+                          </a:lnTo>
+                          <a:cubicBezTo>
+                            <a:pt x="1911706" y="0"/>
+                            <a:pt x="2041106" y="129400"/>
+                            <a:pt x="2041106" y="289023"/>
+                          </a:cubicBezTo>
+                          <a:cubicBezTo>
+                            <a:pt x="2041106" y="428738"/>
+                            <a:pt x="1941971" y="545298"/>
+                            <a:pt x="1810202" y="572187"/>
+                          </a:cubicBezTo>
+                          <a:cubicBezTo>
+                            <a:pt x="1636249" y="345950"/>
+                            <a:pt x="1362230" y="202538"/>
+                            <a:pt x="1054714" y="202538"/>
+                          </a:cubicBezTo>
+                          <a:cubicBezTo>
+                            <a:pt x="744460" y="202538"/>
+                            <a:pt x="468300" y="348516"/>
+                            <a:pt x="294392" y="578046"/>
+                          </a:cubicBezTo>
+                          <a:lnTo>
+                            <a:pt x="289023" y="578046"/>
+                          </a:lnTo>
+                          <a:cubicBezTo>
+                            <a:pt x="129400" y="578046"/>
+                            <a:pt x="0" y="448646"/>
+                            <a:pt x="0" y="289023"/>
+                          </a:cubicBezTo>
+                          <a:cubicBezTo>
+                            <a:pt x="0" y="129400"/>
+                            <a:pt x="129400" y="0"/>
+                            <a:pt x="289023" y="0"/>
+                          </a:cubicBezTo>
+                          <a:close/>
+                        </a:path>
+                      </a:pathLst>
+                    </a:custGeom>
+                    <a:solidFill>
+                      <a:srgbClr val="702FA1"/>
+                    </a:solidFill>
+                    <a:ln>
+                      <a:noFill/>
+                    </a:ln>
+                    <a:effectLst/>
+                  </p:spPr>
+                  <p:style>
+                    <a:lnRef idx="2">
+                      <a:schemeClr val="accent1">
+                        <a:shade val="50000"/>
+                      </a:schemeClr>
+                    </a:lnRef>
+                    <a:fillRef idx="1">
+                      <a:schemeClr val="accent1"/>
+                    </a:fillRef>
+                    <a:effectRef idx="0">
+                      <a:schemeClr val="accent1"/>
+                    </a:effectRef>
+                    <a:fontRef idx="minor">
+                      <a:schemeClr val="lt1"/>
+                    </a:fontRef>
+                  </p:style>
+                  <p:txBody>
+                    <a:bodyPr rtlCol="0" anchor="ctr"/>
+                    <a:lstStyle/>
+                    <a:p>
+                      <a:pPr algn="ctr"/>
+                      <a:endParaRPr lang="pt-BR"/>
+                    </a:p>
+                  </p:txBody>
+                </p:sp>
+                <p:sp>
+                  <p:nvSpPr>
+                    <p:cNvPr id="350" name="Retângulo de cantos arredondados 18">
+                      <a:extLst>
+                        <a:ext uri="{FF2B5EF4-FFF2-40B4-BE49-F238E27FC236}">
+                          <a16:creationId xmlns:a16="http://schemas.microsoft.com/office/drawing/2014/main" id="{16A07EE1-E98D-438E-84FC-9DB776A499F2}"/>
+                        </a:ext>
+                      </a:extLst>
+                    </p:cNvPr>
+                    <p:cNvSpPr/>
+                    <p:nvPr/>
+                  </p:nvSpPr>
+                  <p:spPr>
+                    <a:xfrm>
+                      <a:off x="3957140" y="2636912"/>
+                      <a:ext cx="1948083" cy="342021"/>
+                    </a:xfrm>
+                    <a:custGeom>
+                      <a:avLst/>
+                      <a:gdLst/>
+                      <a:ahLst/>
+                      <a:cxnLst/>
+                      <a:rect l="l" t="t" r="r" b="b"/>
+                      <a:pathLst>
+                        <a:path w="2041106" h="578046">
+                          <a:moveTo>
+                            <a:pt x="289023" y="0"/>
+                          </a:moveTo>
+                          <a:lnTo>
+                            <a:pt x="1752083" y="0"/>
+                          </a:lnTo>
+                          <a:cubicBezTo>
+                            <a:pt x="1911706" y="0"/>
+                            <a:pt x="2041106" y="129400"/>
+                            <a:pt x="2041106" y="289023"/>
+                          </a:cubicBezTo>
+                          <a:cubicBezTo>
+                            <a:pt x="2041106" y="428738"/>
+                            <a:pt x="1941971" y="545298"/>
+                            <a:pt x="1810202" y="572187"/>
+                          </a:cubicBezTo>
+                          <a:cubicBezTo>
+                            <a:pt x="1636249" y="345950"/>
+                            <a:pt x="1362230" y="202538"/>
+                            <a:pt x="1054714" y="202538"/>
+                          </a:cubicBezTo>
+                          <a:cubicBezTo>
+                            <a:pt x="744460" y="202538"/>
+                            <a:pt x="468300" y="348516"/>
+                            <a:pt x="294392" y="578046"/>
+                          </a:cubicBezTo>
+                          <a:lnTo>
+                            <a:pt x="289023" y="578046"/>
+                          </a:lnTo>
+                          <a:cubicBezTo>
+                            <a:pt x="129400" y="578046"/>
+                            <a:pt x="0" y="448646"/>
+                            <a:pt x="0" y="289023"/>
+                          </a:cubicBezTo>
+                          <a:cubicBezTo>
+                            <a:pt x="0" y="129400"/>
+                            <a:pt x="129400" y="0"/>
+                            <a:pt x="289023" y="0"/>
+                          </a:cubicBezTo>
+                          <a:close/>
+                        </a:path>
+                      </a:pathLst>
+                    </a:custGeom>
+                    <a:solidFill>
+                      <a:srgbClr val="7A33AF"/>
+                    </a:solidFill>
+                    <a:ln>
+                      <a:noFill/>
+                    </a:ln>
+                    <a:effectLst/>
+                  </p:spPr>
+                  <p:style>
+                    <a:lnRef idx="2">
+                      <a:schemeClr val="accent1">
+                        <a:shade val="50000"/>
+                      </a:schemeClr>
+                    </a:lnRef>
+                    <a:fillRef idx="1">
+                      <a:schemeClr val="accent1"/>
+                    </a:fillRef>
+                    <a:effectRef idx="0">
+                      <a:schemeClr val="accent1"/>
+                    </a:effectRef>
+                    <a:fontRef idx="minor">
+                      <a:schemeClr val="lt1"/>
+                    </a:fontRef>
+                  </p:style>
+                  <p:txBody>
+                    <a:bodyPr rtlCol="0" anchor="ctr"/>
+                    <a:lstStyle/>
+                    <a:p>
+                      <a:pPr algn="ctr"/>
+                      <a:endParaRPr lang="pt-BR"/>
+                    </a:p>
+                  </p:txBody>
+                </p:sp>
+                <p:sp>
+                  <p:nvSpPr>
+                    <p:cNvPr id="351" name="Retângulo de cantos arredondados 269">
+                      <a:extLst>
+                        <a:ext uri="{FF2B5EF4-FFF2-40B4-BE49-F238E27FC236}">
+                          <a16:creationId xmlns:a16="http://schemas.microsoft.com/office/drawing/2014/main" id="{F8477439-40B8-467A-9ADA-744CFE41E79E}"/>
+                        </a:ext>
+                      </a:extLst>
+                    </p:cNvPr>
+                    <p:cNvSpPr/>
+                    <p:nvPr/>
+                  </p:nvSpPr>
+                  <p:spPr>
+                    <a:xfrm rot="19680248">
+                      <a:off x="5710148" y="2699401"/>
+                      <a:ext cx="63913" cy="130411"/>
+                    </a:xfrm>
+                    <a:prstGeom prst="roundRect">
+                      <a:avLst>
+                        <a:gd name="adj" fmla="val 50000"/>
+                      </a:avLst>
+                    </a:prstGeom>
+                    <a:solidFill>
+                      <a:srgbClr val="AE77D7"/>
+                    </a:solidFill>
+                    <a:ln>
+                      <a:noFill/>
+                    </a:ln>
+                    <a:effectLst/>
+                  </p:spPr>
+                  <p:style>
+                    <a:lnRef idx="2">
+                      <a:schemeClr val="accent1">
+                        <a:shade val="50000"/>
+                      </a:schemeClr>
+                    </a:lnRef>
+                    <a:fillRef idx="1">
+                      <a:schemeClr val="accent1"/>
+                    </a:fillRef>
+                    <a:effectRef idx="0">
+                      <a:schemeClr val="accent1"/>
+                    </a:effectRef>
+                    <a:fontRef idx="minor">
+                      <a:schemeClr val="lt1"/>
+                    </a:fontRef>
+                  </p:style>
+                  <p:txBody>
+                    <a:bodyPr rtlCol="0" anchor="ctr"/>
+                    <a:lstStyle/>
+                    <a:p>
+                      <a:pPr algn="ctr"/>
+                      <a:endParaRPr lang="pt-BR"/>
+                    </a:p>
+                  </p:txBody>
+                </p:sp>
+              </p:grpSp>
+              <p:sp>
+                <p:nvSpPr>
+                  <p:cNvPr id="344" name="Lua 343">
+                    <a:extLst>
+                      <a:ext uri="{FF2B5EF4-FFF2-40B4-BE49-F238E27FC236}">
+                        <a16:creationId xmlns:a16="http://schemas.microsoft.com/office/drawing/2014/main" id="{C0B3829F-2CE3-4824-B091-891BC321D4CD}"/>
+                      </a:ext>
+                    </a:extLst>
+                  </p:cNvPr>
+                  <p:cNvSpPr/>
+                  <p:nvPr/>
+                </p:nvSpPr>
+                <p:spPr>
+                  <a:xfrm rot="14897553" flipV="1">
+                    <a:off x="5051438" y="4011013"/>
+                    <a:ext cx="332395" cy="854979"/>
+                  </a:xfrm>
+                  <a:prstGeom prst="moon">
+                    <a:avLst>
+                      <a:gd name="adj" fmla="val 57263"/>
+                    </a:avLst>
+                  </a:prstGeom>
+                  <a:solidFill>
+                    <a:srgbClr val="AE77D7"/>
+                  </a:solidFill>
+                  <a:ln>
+                    <a:noFill/>
+                  </a:ln>
+                  <a:effectLst/>
+                </p:spPr>
+                <p:style>
+                  <a:lnRef idx="2">
+                    <a:schemeClr val="accent1">
+                      <a:shade val="50000"/>
+                    </a:schemeClr>
+                  </a:lnRef>
+                  <a:fillRef idx="1">
+                    <a:schemeClr val="accent1"/>
+                  </a:fillRef>
+                  <a:effectRef idx="0">
+                    <a:schemeClr val="accent1"/>
+                  </a:effectRef>
+                  <a:fontRef idx="minor">
+                    <a:schemeClr val="lt1"/>
+                  </a:fontRef>
+                </p:style>
+                <p:txBody>
+                  <a:bodyPr rtlCol="0" anchor="ctr"/>
+                  <a:lstStyle/>
+                  <a:p>
+                    <a:pPr algn="ctr"/>
+                    <a:endParaRPr lang="pt-BR">
+                      <a:solidFill>
+                        <a:srgbClr val="7030A0"/>
+                      </a:solidFill>
+                    </a:endParaRPr>
+                  </a:p>
+                </p:txBody>
+              </p:sp>
+              <p:sp>
+                <p:nvSpPr>
+                  <p:cNvPr id="345" name="Lua 344">
+                    <a:extLst>
+                      <a:ext uri="{FF2B5EF4-FFF2-40B4-BE49-F238E27FC236}">
+                        <a16:creationId xmlns:a16="http://schemas.microsoft.com/office/drawing/2014/main" id="{D88D18BF-1D72-4B16-85EF-20AE19F25EE9}"/>
+                      </a:ext>
+                    </a:extLst>
+                  </p:cNvPr>
+                  <p:cNvSpPr/>
+                  <p:nvPr/>
+                </p:nvSpPr>
+                <p:spPr>
+                  <a:xfrm rot="4888875">
+                    <a:off x="4622462" y="2588504"/>
+                    <a:ext cx="483049" cy="1242485"/>
+                  </a:xfrm>
+                  <a:prstGeom prst="moon">
+                    <a:avLst>
+                      <a:gd name="adj" fmla="val 59731"/>
+                    </a:avLst>
+                  </a:prstGeom>
+                  <a:solidFill>
+                    <a:srgbClr val="7131A1"/>
+                  </a:solidFill>
+                  <a:ln>
+                    <a:noFill/>
+                  </a:ln>
+                  <a:effectLst/>
+                </p:spPr>
+                <p:style>
+                  <a:lnRef idx="2">
+                    <a:schemeClr val="accent1">
+                      <a:shade val="50000"/>
+                    </a:schemeClr>
+                  </a:lnRef>
+                  <a:fillRef idx="1">
+                    <a:schemeClr val="accent1"/>
+                  </a:fillRef>
+                  <a:effectRef idx="0">
+                    <a:schemeClr val="accent1"/>
+                  </a:effectRef>
+                  <a:fontRef idx="minor">
+                    <a:schemeClr val="lt1"/>
+                  </a:fontRef>
+                </p:style>
+                <p:txBody>
+                  <a:bodyPr rtlCol="0" anchor="ctr"/>
+                  <a:lstStyle/>
+                  <a:p>
+                    <a:pPr algn="ctr"/>
+                    <a:endParaRPr lang="pt-BR"/>
+                  </a:p>
+                </p:txBody>
+              </p:sp>
+              <p:grpSp>
+                <p:nvGrpSpPr>
+                  <p:cNvPr id="346" name="Grupo 264">
+                    <a:extLst>
+                      <a:ext uri="{FF2B5EF4-FFF2-40B4-BE49-F238E27FC236}">
+                        <a16:creationId xmlns:a16="http://schemas.microsoft.com/office/drawing/2014/main" id="{17EBC2C7-6AF3-4A8C-8ED0-33FB89046270}"/>
+                      </a:ext>
+                    </a:extLst>
+                  </p:cNvPr>
+                  <p:cNvGrpSpPr/>
+                  <p:nvPr/>
+                </p:nvGrpSpPr>
+                <p:grpSpPr>
+                  <a:xfrm rot="10800000">
+                    <a:off x="3906489" y="4444310"/>
+                    <a:ext cx="2177679" cy="680434"/>
+                    <a:chOff x="3834481" y="2485698"/>
+                    <a:chExt cx="2177679" cy="680434"/>
+                  </a:xfrm>
+                </p:grpSpPr>
+                <p:sp>
+                  <p:nvSpPr>
+                    <p:cNvPr id="347" name="Retângulo de cantos arredondados 18">
+                      <a:extLst>
+                        <a:ext uri="{FF2B5EF4-FFF2-40B4-BE49-F238E27FC236}">
+                          <a16:creationId xmlns:a16="http://schemas.microsoft.com/office/drawing/2014/main" id="{037B3AFE-EEDC-487E-8426-116115997D1D}"/>
+                        </a:ext>
+                      </a:extLst>
+                    </p:cNvPr>
+                    <p:cNvSpPr/>
+                    <p:nvPr/>
+                  </p:nvSpPr>
+                  <p:spPr>
+                    <a:xfrm>
+                      <a:off x="3834481" y="2485698"/>
+                      <a:ext cx="2177679" cy="680434"/>
+                    </a:xfrm>
+                    <a:custGeom>
+                      <a:avLst/>
+                      <a:gdLst/>
+                      <a:ahLst/>
+                      <a:cxnLst/>
+                      <a:rect l="l" t="t" r="r" b="b"/>
+                      <a:pathLst>
+                        <a:path w="2041106" h="578046">
+                          <a:moveTo>
+                            <a:pt x="289023" y="0"/>
+                          </a:moveTo>
+                          <a:lnTo>
+                            <a:pt x="1752083" y="0"/>
+                          </a:lnTo>
+                          <a:cubicBezTo>
+                            <a:pt x="1911706" y="0"/>
+                            <a:pt x="2041106" y="129400"/>
+                            <a:pt x="2041106" y="289023"/>
+                          </a:cubicBezTo>
+                          <a:cubicBezTo>
+                            <a:pt x="2041106" y="428738"/>
+                            <a:pt x="1941971" y="545298"/>
+                            <a:pt x="1810202" y="572187"/>
+                          </a:cubicBezTo>
+                          <a:cubicBezTo>
+                            <a:pt x="1636249" y="345950"/>
+                            <a:pt x="1362230" y="202538"/>
+                            <a:pt x="1054714" y="202538"/>
+                          </a:cubicBezTo>
+                          <a:cubicBezTo>
+                            <a:pt x="744460" y="202538"/>
+                            <a:pt x="468300" y="348516"/>
+                            <a:pt x="294392" y="578046"/>
+                          </a:cubicBezTo>
+                          <a:lnTo>
+                            <a:pt x="289023" y="578046"/>
+                          </a:lnTo>
+                          <a:cubicBezTo>
+                            <a:pt x="129400" y="578046"/>
+                            <a:pt x="0" y="448646"/>
+                            <a:pt x="0" y="289023"/>
+                          </a:cubicBezTo>
+                          <a:cubicBezTo>
+                            <a:pt x="0" y="129400"/>
+                            <a:pt x="129400" y="0"/>
+                            <a:pt x="289023" y="0"/>
+                          </a:cubicBezTo>
+                          <a:close/>
+                        </a:path>
+                      </a:pathLst>
+                    </a:custGeom>
+                    <a:solidFill>
+                      <a:srgbClr val="702FA1"/>
+                    </a:solidFill>
+                    <a:ln>
+                      <a:noFill/>
+                    </a:ln>
+                    <a:effectLst/>
+                  </p:spPr>
+                  <p:style>
+                    <a:lnRef idx="2">
+                      <a:schemeClr val="accent1">
+                        <a:shade val="50000"/>
+                      </a:schemeClr>
+                    </a:lnRef>
+                    <a:fillRef idx="1">
+                      <a:schemeClr val="accent1"/>
+                    </a:fillRef>
+                    <a:effectRef idx="0">
+                      <a:schemeClr val="accent1"/>
+                    </a:effectRef>
+                    <a:fontRef idx="minor">
+                      <a:schemeClr val="lt1"/>
+                    </a:fontRef>
+                  </p:style>
+                  <p:txBody>
+                    <a:bodyPr rtlCol="0" anchor="ctr"/>
+                    <a:lstStyle/>
+                    <a:p>
+                      <a:pPr algn="ctr"/>
+                      <a:endParaRPr lang="pt-BR"/>
+                    </a:p>
+                  </p:txBody>
+                </p:sp>
+                <p:sp>
+                  <p:nvSpPr>
+                    <p:cNvPr id="348" name="Retângulo de cantos arredondados 18">
+                      <a:extLst>
+                        <a:ext uri="{FF2B5EF4-FFF2-40B4-BE49-F238E27FC236}">
+                          <a16:creationId xmlns:a16="http://schemas.microsoft.com/office/drawing/2014/main" id="{E6BEACB8-C51E-4531-9A30-010C180401BF}"/>
+                        </a:ext>
+                      </a:extLst>
+                    </p:cNvPr>
+                    <p:cNvSpPr/>
+                    <p:nvPr/>
+                  </p:nvSpPr>
+                  <p:spPr>
+                    <a:xfrm>
+                      <a:off x="3957140" y="2564904"/>
+                      <a:ext cx="1948083" cy="342021"/>
+                    </a:xfrm>
+                    <a:custGeom>
+                      <a:avLst/>
+                      <a:gdLst/>
+                      <a:ahLst/>
+                      <a:cxnLst/>
+                      <a:rect l="l" t="t" r="r" b="b"/>
+                      <a:pathLst>
+                        <a:path w="2041106" h="578046">
+                          <a:moveTo>
+                            <a:pt x="289023" y="0"/>
+                          </a:moveTo>
+                          <a:lnTo>
+                            <a:pt x="1752083" y="0"/>
+                          </a:lnTo>
+                          <a:cubicBezTo>
+                            <a:pt x="1911706" y="0"/>
+                            <a:pt x="2041106" y="129400"/>
+                            <a:pt x="2041106" y="289023"/>
+                          </a:cubicBezTo>
+                          <a:cubicBezTo>
+                            <a:pt x="2041106" y="428738"/>
+                            <a:pt x="1941971" y="545298"/>
+                            <a:pt x="1810202" y="572187"/>
+                          </a:cubicBezTo>
+                          <a:cubicBezTo>
+                            <a:pt x="1636249" y="345950"/>
+                            <a:pt x="1362230" y="202538"/>
+                            <a:pt x="1054714" y="202538"/>
+                          </a:cubicBezTo>
+                          <a:cubicBezTo>
+                            <a:pt x="744460" y="202538"/>
+                            <a:pt x="468300" y="348516"/>
+                            <a:pt x="294392" y="578046"/>
+                          </a:cubicBezTo>
+                          <a:lnTo>
+                            <a:pt x="289023" y="578046"/>
+                          </a:lnTo>
+                          <a:cubicBezTo>
+                            <a:pt x="129400" y="578046"/>
+                            <a:pt x="0" y="448646"/>
+                            <a:pt x="0" y="289023"/>
+                          </a:cubicBezTo>
+                          <a:cubicBezTo>
+                            <a:pt x="0" y="129400"/>
+                            <a:pt x="129400" y="0"/>
+                            <a:pt x="289023" y="0"/>
+                          </a:cubicBezTo>
+                          <a:close/>
+                        </a:path>
+                      </a:pathLst>
+                    </a:custGeom>
+                    <a:solidFill>
+                      <a:srgbClr val="7A33AF"/>
+                    </a:solidFill>
+                    <a:ln>
+                      <a:noFill/>
+                    </a:ln>
+                    <a:effectLst/>
+                  </p:spPr>
+                  <p:style>
+                    <a:lnRef idx="2">
+                      <a:schemeClr val="accent1">
+                        <a:shade val="50000"/>
+                      </a:schemeClr>
+                    </a:lnRef>
+                    <a:fillRef idx="1">
+                      <a:schemeClr val="accent1"/>
+                    </a:fillRef>
+                    <a:effectRef idx="0">
+                      <a:schemeClr val="accent1"/>
+                    </a:effectRef>
+                    <a:fontRef idx="minor">
+                      <a:schemeClr val="lt1"/>
+                    </a:fontRef>
+                  </p:style>
+                  <p:txBody>
+                    <a:bodyPr rtlCol="0" anchor="ctr"/>
+                    <a:lstStyle/>
+                    <a:p>
+                      <a:pPr algn="ctr"/>
+                      <a:endParaRPr lang="pt-BR"/>
+                    </a:p>
+                  </p:txBody>
+                </p:sp>
+              </p:grpSp>
+            </p:grpSp>
+            <p:sp>
+              <p:nvSpPr>
+                <p:cNvPr id="342" name="Retângulo de cantos arredondados 260">
+                  <a:extLst>
+                    <a:ext uri="{FF2B5EF4-FFF2-40B4-BE49-F238E27FC236}">
+                      <a16:creationId xmlns:a16="http://schemas.microsoft.com/office/drawing/2014/main" id="{0BC57659-183F-4E11-BCD1-18910EDD4D09}"/>
+                    </a:ext>
+                  </a:extLst>
+                </p:cNvPr>
+                <p:cNvSpPr/>
+                <p:nvPr/>
+              </p:nvSpPr>
+              <p:spPr>
+                <a:xfrm rot="8880248">
+                  <a:off x="5771800" y="4828895"/>
+                  <a:ext cx="63913" cy="130411"/>
+                </a:xfrm>
+                <a:prstGeom prst="roundRect">
+                  <a:avLst>
+                    <a:gd name="adj" fmla="val 50000"/>
+                  </a:avLst>
+                </a:prstGeom>
+                <a:solidFill>
+                  <a:srgbClr val="AE77D7"/>
+                </a:solidFill>
+                <a:ln>
+                  <a:noFill/>
+                </a:ln>
+                <a:effectLst/>
+              </p:spPr>
+              <p:style>
+                <a:lnRef idx="2">
+                  <a:schemeClr val="accent1">
+                    <a:shade val="50000"/>
+                  </a:schemeClr>
+                </a:lnRef>
+                <a:fillRef idx="1">
+                  <a:schemeClr val="accent1"/>
+                </a:fillRef>
+                <a:effectRef idx="0">
+                  <a:schemeClr val="accent1"/>
+                </a:effectRef>
+                <a:fontRef idx="minor">
+                  <a:schemeClr val="lt1"/>
+                </a:fontRef>
+              </p:style>
+              <p:txBody>
+                <a:bodyPr rtlCol="0" anchor="ctr"/>
+                <a:lstStyle/>
+                <a:p>
+                  <a:pPr algn="ctr"/>
+                  <a:endParaRPr lang="pt-BR"/>
+                </a:p>
+              </p:txBody>
+            </p:sp>
+          </p:grpSp>
+        </p:grpSp>
+      </p:grpSp>
     </p:spTree>
     <p:extLst>
       <p:ext uri="{BB962C8B-B14F-4D97-AF65-F5344CB8AC3E}">
@@ -36131,7 +36499,7 @@
           <p:cNvPr id="2" name="Elipse 1">
             <a:extLst>
               <a:ext uri="{FF2B5EF4-FFF2-40B4-BE49-F238E27FC236}">
-                <a16:creationId xmlns="" xmlns:a16="http://schemas.microsoft.com/office/drawing/2014/main" id="{3E2299F0-B270-40D7-8F79-C18F6A4FE3E7}"/>
+                <a16:creationId xmlns:a16="http://schemas.microsoft.com/office/drawing/2014/main" id="{3E2299F0-B270-40D7-8F79-C18F6A4FE3E7}"/>
               </a:ext>
             </a:extLst>
           </p:cNvPr>
@@ -36183,7 +36551,7 @@
           <p:cNvPr id="3" name="Elipse 2">
             <a:extLst>
               <a:ext uri="{FF2B5EF4-FFF2-40B4-BE49-F238E27FC236}">
-                <a16:creationId xmlns="" xmlns:a16="http://schemas.microsoft.com/office/drawing/2014/main" id="{1C62FD96-B9CD-44D9-A6B7-B9CA744BF9E4}"/>
+                <a16:creationId xmlns:a16="http://schemas.microsoft.com/office/drawing/2014/main" id="{1C62FD96-B9CD-44D9-A6B7-B9CA744BF9E4}"/>
               </a:ext>
             </a:extLst>
           </p:cNvPr>
@@ -36235,7 +36603,7 @@
           <p:cNvPr id="8" name="Agrupar 36">
             <a:extLst>
               <a:ext uri="{FF2B5EF4-FFF2-40B4-BE49-F238E27FC236}">
-                <a16:creationId xmlns="" xmlns:a16="http://schemas.microsoft.com/office/drawing/2014/main" id="{E549C062-7711-41AB-ABF2-AB4E91EA62FE}"/>
+                <a16:creationId xmlns:a16="http://schemas.microsoft.com/office/drawing/2014/main" id="{E549C062-7711-41AB-ABF2-AB4E91EA62FE}"/>
               </a:ext>
             </a:extLst>
           </p:cNvPr>
@@ -36255,7 +36623,7 @@
             <p:cNvPr id="9" name="Forma Livre: Forma 27">
               <a:extLst>
                 <a:ext uri="{FF2B5EF4-FFF2-40B4-BE49-F238E27FC236}">
-                  <a16:creationId xmlns="" xmlns:a16="http://schemas.microsoft.com/office/drawing/2014/main" id="{BF0A1B5E-6E58-4A70-97B5-2DCC1B239780}"/>
+                  <a16:creationId xmlns:a16="http://schemas.microsoft.com/office/drawing/2014/main" id="{BF0A1B5E-6E58-4A70-97B5-2DCC1B239780}"/>
                 </a:ext>
               </a:extLst>
             </p:cNvPr>
@@ -36442,7 +36810,7 @@
             <p:cNvPr id="10" name="Forma Livre: Forma 30">
               <a:extLst>
                 <a:ext uri="{FF2B5EF4-FFF2-40B4-BE49-F238E27FC236}">
-                  <a16:creationId xmlns="" xmlns:a16="http://schemas.microsoft.com/office/drawing/2014/main" id="{6FF9B9D0-C367-45F8-9B44-FCCBA75DBB3F}"/>
+                  <a16:creationId xmlns:a16="http://schemas.microsoft.com/office/drawing/2014/main" id="{6FF9B9D0-C367-45F8-9B44-FCCBA75DBB3F}"/>
                 </a:ext>
               </a:extLst>
             </p:cNvPr>
@@ -36619,7 +36987,7 @@
             <p:cNvPr id="11" name="Forma Livre: Forma 35">
               <a:extLst>
                 <a:ext uri="{FF2B5EF4-FFF2-40B4-BE49-F238E27FC236}">
-                  <a16:creationId xmlns="" xmlns:a16="http://schemas.microsoft.com/office/drawing/2014/main" id="{3D672EEE-75CC-4107-A84F-8A3C90295A3A}"/>
+                  <a16:creationId xmlns:a16="http://schemas.microsoft.com/office/drawing/2014/main" id="{3D672EEE-75CC-4107-A84F-8A3C90295A3A}"/>
                 </a:ext>
               </a:extLst>
             </p:cNvPr>
@@ -36767,7 +37135,7 @@
           <p:cNvPr id="12" name="Agrupar 52">
             <a:extLst>
               <a:ext uri="{FF2B5EF4-FFF2-40B4-BE49-F238E27FC236}">
-                <a16:creationId xmlns="" xmlns:a16="http://schemas.microsoft.com/office/drawing/2014/main" id="{CED2FBEA-A000-4639-9C71-CB2D033ECC53}"/>
+                <a16:creationId xmlns:a16="http://schemas.microsoft.com/office/drawing/2014/main" id="{CED2FBEA-A000-4639-9C71-CB2D033ECC53}"/>
               </a:ext>
             </a:extLst>
           </p:cNvPr>
@@ -36787,7 +37155,7 @@
             <p:cNvPr id="13" name="Retângulo: Cantos Arredondados 43">
               <a:extLst>
                 <a:ext uri="{FF2B5EF4-FFF2-40B4-BE49-F238E27FC236}">
-                  <a16:creationId xmlns="" xmlns:a16="http://schemas.microsoft.com/office/drawing/2014/main" id="{935E1078-7E4F-4D81-A29C-06AE0B308F99}"/>
+                  <a16:creationId xmlns:a16="http://schemas.microsoft.com/office/drawing/2014/main" id="{935E1078-7E4F-4D81-A29C-06AE0B308F99}"/>
                 </a:ext>
               </a:extLst>
             </p:cNvPr>
@@ -36839,7 +37207,7 @@
             <p:cNvPr id="14" name="Retângulo: Cantos Arredondados 44">
               <a:extLst>
                 <a:ext uri="{FF2B5EF4-FFF2-40B4-BE49-F238E27FC236}">
-                  <a16:creationId xmlns="" xmlns:a16="http://schemas.microsoft.com/office/drawing/2014/main" id="{362AA42A-C925-499C-8A2A-00D8CFAA8EC3}"/>
+                  <a16:creationId xmlns:a16="http://schemas.microsoft.com/office/drawing/2014/main" id="{362AA42A-C925-499C-8A2A-00D8CFAA8EC3}"/>
                 </a:ext>
               </a:extLst>
             </p:cNvPr>
@@ -36891,7 +37259,7 @@
             <p:cNvPr id="15" name="Retângulo 14">
               <a:extLst>
                 <a:ext uri="{FF2B5EF4-FFF2-40B4-BE49-F238E27FC236}">
-                  <a16:creationId xmlns="" xmlns:a16="http://schemas.microsoft.com/office/drawing/2014/main" id="{AB9F52CB-BAD1-4109-8FB0-B4B761B0A458}"/>
+                  <a16:creationId xmlns:a16="http://schemas.microsoft.com/office/drawing/2014/main" id="{AB9F52CB-BAD1-4109-8FB0-B4B761B0A458}"/>
                 </a:ext>
               </a:extLst>
             </p:cNvPr>
@@ -36943,7 +37311,7 @@
             <p:cNvPr id="16" name="Retângulo 15">
               <a:extLst>
                 <a:ext uri="{FF2B5EF4-FFF2-40B4-BE49-F238E27FC236}">
-                  <a16:creationId xmlns="" xmlns:a16="http://schemas.microsoft.com/office/drawing/2014/main" id="{50836BD2-34DC-4080-9DED-7E87AE1B68FC}"/>
+                  <a16:creationId xmlns:a16="http://schemas.microsoft.com/office/drawing/2014/main" id="{50836BD2-34DC-4080-9DED-7E87AE1B68FC}"/>
                 </a:ext>
               </a:extLst>
             </p:cNvPr>
@@ -36995,7 +37363,7 @@
             <p:cNvPr id="17" name="Retângulo 16">
               <a:extLst>
                 <a:ext uri="{FF2B5EF4-FFF2-40B4-BE49-F238E27FC236}">
-                  <a16:creationId xmlns="" xmlns:a16="http://schemas.microsoft.com/office/drawing/2014/main" id="{012E5920-ED13-449A-8146-547EA4F7B84D}"/>
+                  <a16:creationId xmlns:a16="http://schemas.microsoft.com/office/drawing/2014/main" id="{012E5920-ED13-449A-8146-547EA4F7B84D}"/>
                 </a:ext>
               </a:extLst>
             </p:cNvPr>
@@ -37047,7 +37415,7 @@
             <p:cNvPr id="18" name="Retângulo 17">
               <a:extLst>
                 <a:ext uri="{FF2B5EF4-FFF2-40B4-BE49-F238E27FC236}">
-                  <a16:creationId xmlns="" xmlns:a16="http://schemas.microsoft.com/office/drawing/2014/main" id="{0CB2364E-131E-4BF1-8595-5EECBF6E212A}"/>
+                  <a16:creationId xmlns:a16="http://schemas.microsoft.com/office/drawing/2014/main" id="{0CB2364E-131E-4BF1-8595-5EECBF6E212A}"/>
                 </a:ext>
               </a:extLst>
             </p:cNvPr>
@@ -37099,7 +37467,7 @@
             <p:cNvPr id="19" name="Retângulo 18">
               <a:extLst>
                 <a:ext uri="{FF2B5EF4-FFF2-40B4-BE49-F238E27FC236}">
-                  <a16:creationId xmlns="" xmlns:a16="http://schemas.microsoft.com/office/drawing/2014/main" id="{E0F8B7C4-A7C9-4D59-8E09-7EA6624828AF}"/>
+                  <a16:creationId xmlns:a16="http://schemas.microsoft.com/office/drawing/2014/main" id="{E0F8B7C4-A7C9-4D59-8E09-7EA6624828AF}"/>
                 </a:ext>
               </a:extLst>
             </p:cNvPr>
@@ -37166,7 +37534,7 @@
             <p:cNvPr id="5" name="Elipse 4">
               <a:extLst>
                 <a:ext uri="{FF2B5EF4-FFF2-40B4-BE49-F238E27FC236}">
-                  <a16:creationId xmlns="" xmlns:a16="http://schemas.microsoft.com/office/drawing/2014/main" id="{97BAADA3-8958-4B81-A9AD-4BD804FFCDF5}"/>
+                  <a16:creationId xmlns:a16="http://schemas.microsoft.com/office/drawing/2014/main" id="{97BAADA3-8958-4B81-A9AD-4BD804FFCDF5}"/>
                 </a:ext>
               </a:extLst>
             </p:cNvPr>
@@ -37461,7 +37829,7 @@
           <p:cNvPr id="3" name="Elipse 2">
             <a:extLst>
               <a:ext uri="{FF2B5EF4-FFF2-40B4-BE49-F238E27FC236}">
-                <a16:creationId xmlns="" xmlns:a16="http://schemas.microsoft.com/office/drawing/2014/main" id="{1C62FD96-B9CD-44D9-A6B7-B9CA744BF9E4}"/>
+                <a16:creationId xmlns:a16="http://schemas.microsoft.com/office/drawing/2014/main" id="{1C62FD96-B9CD-44D9-A6B7-B9CA744BF9E4}"/>
               </a:ext>
             </a:extLst>
           </p:cNvPr>
@@ -37559,7 +37927,7 @@
           <p:cNvPr id="7" name="Agrupar 6">
             <a:extLst>
               <a:ext uri="{FF2B5EF4-FFF2-40B4-BE49-F238E27FC236}">
-                <a16:creationId xmlns="" xmlns:a16="http://schemas.microsoft.com/office/drawing/2014/main" id="{E976DEB7-185B-4375-9DBA-5D78AF26D6D7}"/>
+                <a16:creationId xmlns:a16="http://schemas.microsoft.com/office/drawing/2014/main" id="{E976DEB7-185B-4375-9DBA-5D78AF26D6D7}"/>
               </a:ext>
             </a:extLst>
           </p:cNvPr>
@@ -37579,7 +37947,7 @@
             <p:cNvPr id="22" name="Elipse 21">
               <a:extLst>
                 <a:ext uri="{FF2B5EF4-FFF2-40B4-BE49-F238E27FC236}">
-                  <a16:creationId xmlns="" xmlns:a16="http://schemas.microsoft.com/office/drawing/2014/main" id="{8DA61EDA-D65F-407B-82BD-B427144766D3}"/>
+                  <a16:creationId xmlns:a16="http://schemas.microsoft.com/office/drawing/2014/main" id="{8DA61EDA-D65F-407B-82BD-B427144766D3}"/>
                 </a:ext>
               </a:extLst>
             </p:cNvPr>
@@ -37631,7 +37999,7 @@
             <p:cNvPr id="6" name="Elipse 5">
               <a:extLst>
                 <a:ext uri="{FF2B5EF4-FFF2-40B4-BE49-F238E27FC236}">
-                  <a16:creationId xmlns="" xmlns:a16="http://schemas.microsoft.com/office/drawing/2014/main" id="{A6965E2E-3446-4C27-9E1F-A31F25446713}"/>
+                  <a16:creationId xmlns:a16="http://schemas.microsoft.com/office/drawing/2014/main" id="{A6965E2E-3446-4C27-9E1F-A31F25446713}"/>
                 </a:ext>
               </a:extLst>
             </p:cNvPr>
@@ -37997,7 +38365,7 @@
             <p:cNvPr id="9" name="Retângulo: Cantos Arredondados 8">
               <a:extLst>
                 <a:ext uri="{FF2B5EF4-FFF2-40B4-BE49-F238E27FC236}">
-                  <a16:creationId xmlns="" xmlns:a16="http://schemas.microsoft.com/office/drawing/2014/main" id="{F8102B5C-A279-4902-B60D-5047349AC13D}"/>
+                  <a16:creationId xmlns:a16="http://schemas.microsoft.com/office/drawing/2014/main" id="{F8102B5C-A279-4902-B60D-5047349AC13D}"/>
                 </a:ext>
               </a:extLst>
             </p:cNvPr>

--- a/Rascunhos/Logo - PP2.pptx
+++ b/Rascunhos/Logo - PP2.pptx
@@ -215,7 +215,7 @@
           <a:p>
             <a:fld id="{FF064E14-6B57-4160-B976-9759441CBCC8}" type="datetimeFigureOut">
               <a:rPr lang="pt-BR" smtClean="0"/>
-              <a:t>03/03/2019</a:t>
+              <a:t>16/03/2019</a:t>
             </a:fld>
             <a:endParaRPr lang="pt-BR"/>
           </a:p>
@@ -829,7 +829,7 @@
           <a:p>
             <a:fld id="{26F57601-A94F-4415-BE12-3A057DDE858C}" type="datetimeFigureOut">
               <a:rPr lang="pt-BR" smtClean="0"/>
-              <a:t>03/03/2019</a:t>
+              <a:t>16/03/2019</a:t>
             </a:fld>
             <a:endParaRPr lang="pt-BR"/>
           </a:p>
@@ -997,7 +997,7 @@
           <a:p>
             <a:fld id="{26F57601-A94F-4415-BE12-3A057DDE858C}" type="datetimeFigureOut">
               <a:rPr lang="pt-BR" smtClean="0"/>
-              <a:t>03/03/2019</a:t>
+              <a:t>16/03/2019</a:t>
             </a:fld>
             <a:endParaRPr lang="pt-BR"/>
           </a:p>
@@ -1175,7 +1175,7 @@
           <a:p>
             <a:fld id="{26F57601-A94F-4415-BE12-3A057DDE858C}" type="datetimeFigureOut">
               <a:rPr lang="pt-BR" smtClean="0"/>
-              <a:t>03/03/2019</a:t>
+              <a:t>16/03/2019</a:t>
             </a:fld>
             <a:endParaRPr lang="pt-BR"/>
           </a:p>
@@ -1343,7 +1343,7 @@
           <a:p>
             <a:fld id="{26F57601-A94F-4415-BE12-3A057DDE858C}" type="datetimeFigureOut">
               <a:rPr lang="pt-BR" smtClean="0"/>
-              <a:t>03/03/2019</a:t>
+              <a:t>16/03/2019</a:t>
             </a:fld>
             <a:endParaRPr lang="pt-BR"/>
           </a:p>
@@ -1588,7 +1588,7 @@
           <a:p>
             <a:fld id="{26F57601-A94F-4415-BE12-3A057DDE858C}" type="datetimeFigureOut">
               <a:rPr lang="pt-BR" smtClean="0"/>
-              <a:t>03/03/2019</a:t>
+              <a:t>16/03/2019</a:t>
             </a:fld>
             <a:endParaRPr lang="pt-BR"/>
           </a:p>
@@ -1873,7 +1873,7 @@
           <a:p>
             <a:fld id="{26F57601-A94F-4415-BE12-3A057DDE858C}" type="datetimeFigureOut">
               <a:rPr lang="pt-BR" smtClean="0"/>
-              <a:t>03/03/2019</a:t>
+              <a:t>16/03/2019</a:t>
             </a:fld>
             <a:endParaRPr lang="pt-BR"/>
           </a:p>
@@ -2292,7 +2292,7 @@
           <a:p>
             <a:fld id="{26F57601-A94F-4415-BE12-3A057DDE858C}" type="datetimeFigureOut">
               <a:rPr lang="pt-BR" smtClean="0"/>
-              <a:t>03/03/2019</a:t>
+              <a:t>16/03/2019</a:t>
             </a:fld>
             <a:endParaRPr lang="pt-BR"/>
           </a:p>
@@ -2409,7 +2409,7 @@
           <a:p>
             <a:fld id="{26F57601-A94F-4415-BE12-3A057DDE858C}" type="datetimeFigureOut">
               <a:rPr lang="pt-BR" smtClean="0"/>
-              <a:t>03/03/2019</a:t>
+              <a:t>16/03/2019</a:t>
             </a:fld>
             <a:endParaRPr lang="pt-BR"/>
           </a:p>
@@ -2504,7 +2504,7 @@
           <a:p>
             <a:fld id="{26F57601-A94F-4415-BE12-3A057DDE858C}" type="datetimeFigureOut">
               <a:rPr lang="pt-BR" smtClean="0"/>
-              <a:t>03/03/2019</a:t>
+              <a:t>16/03/2019</a:t>
             </a:fld>
             <a:endParaRPr lang="pt-BR"/>
           </a:p>
@@ -2779,7 +2779,7 @@
           <a:p>
             <a:fld id="{26F57601-A94F-4415-BE12-3A057DDE858C}" type="datetimeFigureOut">
               <a:rPr lang="pt-BR" smtClean="0"/>
-              <a:t>03/03/2019</a:t>
+              <a:t>16/03/2019</a:t>
             </a:fld>
             <a:endParaRPr lang="pt-BR"/>
           </a:p>
@@ -3031,7 +3031,7 @@
           <a:p>
             <a:fld id="{26F57601-A94F-4415-BE12-3A057DDE858C}" type="datetimeFigureOut">
               <a:rPr lang="pt-BR" smtClean="0"/>
-              <a:t>03/03/2019</a:t>
+              <a:t>16/03/2019</a:t>
             </a:fld>
             <a:endParaRPr lang="pt-BR"/>
           </a:p>
@@ -3248,7 +3248,7 @@
           <a:p>
             <a:fld id="{26F57601-A94F-4415-BE12-3A057DDE858C}" type="datetimeFigureOut">
               <a:rPr lang="pt-BR" smtClean="0"/>
-              <a:t>03/03/2019</a:t>
+              <a:t>16/03/2019</a:t>
             </a:fld>
             <a:endParaRPr lang="pt-BR"/>
           </a:p>
@@ -6563,15 +6563,21 @@
       </p:grpSpPr>
       <p:grpSp>
         <p:nvGrpSpPr>
-          <p:cNvPr id="4" name="Grupo 3"/>
+          <p:cNvPr id="3" name="Agrupar 2">
+            <a:extLst>
+              <a:ext uri="{FF2B5EF4-FFF2-40B4-BE49-F238E27FC236}">
+                <a16:creationId xmlns:a16="http://schemas.microsoft.com/office/drawing/2014/main" id="{C00F6B22-9972-466C-A46D-58DB40292F40}"/>
+              </a:ext>
+            </a:extLst>
+          </p:cNvPr>
           <p:cNvGrpSpPr/>
           <p:nvPr/>
         </p:nvGrpSpPr>
         <p:grpSpPr>
           <a:xfrm>
-            <a:off x="4211" y="0"/>
+            <a:off x="-36512" y="0"/>
             <a:ext cx="9144000" cy="6858000"/>
-            <a:chOff x="4211" y="0"/>
+            <a:chOff x="9253536" y="0"/>
             <a:chExt cx="9144000" cy="6858000"/>
           </a:xfrm>
         </p:grpSpPr>
@@ -6583,7 +6589,7 @@
           </p:nvSpPr>
           <p:spPr>
             <a:xfrm>
-              <a:off x="4211" y="0"/>
+              <a:off x="9253536" y="0"/>
               <a:ext cx="9144000" cy="6858000"/>
             </a:xfrm>
             <a:prstGeom prst="rect">
@@ -6617,7 +6623,7 @@
             <a:lstStyle/>
             <a:p>
               <a:pPr algn="ctr"/>
-              <a:endParaRPr lang="pt-BR"/>
+              <a:endParaRPr lang="pt-BR" dirty="0"/>
             </a:p>
           </p:txBody>
         </p:sp>
@@ -6629,7 +6635,7 @@
           </p:nvGrpSpPr>
           <p:grpSpPr>
             <a:xfrm rot="20507114">
-              <a:off x="1608947" y="176669"/>
+              <a:off x="10708482" y="5457452"/>
               <a:ext cx="828547" cy="1140083"/>
               <a:chOff x="1530853" y="1082114"/>
               <a:chExt cx="3636642" cy="5004030"/>
@@ -7055,7 +7061,7 @@
           </p:nvGrpSpPr>
           <p:grpSpPr>
             <a:xfrm rot="957672">
-              <a:off x="3305222" y="871318"/>
+              <a:off x="12554547" y="871318"/>
               <a:ext cx="1055848" cy="1217658"/>
               <a:chOff x="1464644" y="3512447"/>
               <a:chExt cx="2442211" cy="2816484"/>
@@ -7481,7 +7487,7 @@
           </p:nvGrpSpPr>
           <p:grpSpPr>
             <a:xfrm rot="259046">
-              <a:off x="685403" y="1521058"/>
+              <a:off x="9934728" y="1521058"/>
               <a:ext cx="946729" cy="1095967"/>
               <a:chOff x="7077211" y="1852140"/>
               <a:chExt cx="2126073" cy="2461218"/>
@@ -7907,7 +7913,7 @@
           </p:nvGrpSpPr>
           <p:grpSpPr>
             <a:xfrm>
-              <a:off x="4769053" y="5486566"/>
+              <a:off x="14018378" y="5486566"/>
               <a:ext cx="1109403" cy="1142540"/>
               <a:chOff x="3449851" y="692696"/>
               <a:chExt cx="4505593" cy="4640171"/>
@@ -8453,7 +8459,7 @@
           </p:nvGrpSpPr>
           <p:grpSpPr>
             <a:xfrm rot="1269465">
-              <a:off x="7830818" y="1338018"/>
+              <a:off x="17080143" y="1338018"/>
               <a:ext cx="902275" cy="1095590"/>
               <a:chOff x="5618998" y="2635966"/>
               <a:chExt cx="2328170" cy="2826989"/>
@@ -8999,7 +9005,7 @@
           </p:nvGrpSpPr>
           <p:grpSpPr>
             <a:xfrm>
-              <a:off x="4274786" y="1819948"/>
+              <a:off x="13524111" y="1819948"/>
               <a:ext cx="1409965" cy="811902"/>
               <a:chOff x="5619543" y="4034160"/>
               <a:chExt cx="3497412" cy="2013920"/>
@@ -9545,7 +9551,7 @@
           </p:nvGrpSpPr>
           <p:grpSpPr>
             <a:xfrm rot="845969">
-              <a:off x="7702063" y="3341931"/>
+              <a:off x="16951388" y="3341931"/>
               <a:ext cx="1047191" cy="1328140"/>
               <a:chOff x="4664371" y="1744054"/>
               <a:chExt cx="2043027" cy="2591145"/>
@@ -10031,7 +10037,7 @@
           </p:nvGrpSpPr>
           <p:grpSpPr>
             <a:xfrm rot="20232769">
-              <a:off x="6318262" y="2229189"/>
+              <a:off x="15567587" y="2229189"/>
               <a:ext cx="770861" cy="1266411"/>
               <a:chOff x="2500465" y="1121906"/>
               <a:chExt cx="1606372" cy="2639035"/>
@@ -10517,7 +10523,7 @@
           </p:nvGrpSpPr>
           <p:grpSpPr>
             <a:xfrm rot="1462595">
-              <a:off x="2272624" y="3998699"/>
+              <a:off x="11521949" y="3998699"/>
               <a:ext cx="861970" cy="1185008"/>
               <a:chOff x="1528401" y="288255"/>
               <a:chExt cx="4444720" cy="6110454"/>
@@ -11003,7 +11009,7 @@
           </p:nvGrpSpPr>
           <p:grpSpPr>
             <a:xfrm rot="19483562">
-              <a:off x="304522" y="3036205"/>
+              <a:off x="9553847" y="3036205"/>
               <a:ext cx="925039" cy="1302370"/>
               <a:chOff x="2531392" y="-483286"/>
               <a:chExt cx="4758553" cy="6699606"/>
@@ -11693,7 +11699,7 @@
           </p:nvGrpSpPr>
           <p:grpSpPr>
             <a:xfrm rot="683179">
-              <a:off x="5750583" y="4196515"/>
+              <a:off x="14999908" y="4196515"/>
               <a:ext cx="1372880" cy="1377753"/>
               <a:chOff x="-840123" y="-276438"/>
               <a:chExt cx="7028863" cy="7053812"/>
@@ -12443,7 +12449,7 @@
           </p:nvGrpSpPr>
           <p:grpSpPr>
             <a:xfrm rot="19506178">
-              <a:off x="2054491" y="2665184"/>
+              <a:off x="11303816" y="2665184"/>
               <a:ext cx="909784" cy="1128899"/>
               <a:chOff x="3400144" y="-312908"/>
               <a:chExt cx="4730268" cy="5869520"/>
@@ -13193,7 +13199,7 @@
           </p:nvGrpSpPr>
           <p:grpSpPr>
             <a:xfrm rot="19648751">
-              <a:off x="5283490" y="185405"/>
+              <a:off x="15912992" y="5322975"/>
               <a:ext cx="1179815" cy="1482089"/>
               <a:chOff x="-1288916" y="-99927"/>
               <a:chExt cx="5100705" cy="6407530"/>
@@ -13767,7 +13773,7 @@
           </p:nvSpPr>
           <p:spPr>
             <a:xfrm>
-              <a:off x="3344879" y="2825615"/>
+              <a:off x="12594204" y="2825615"/>
               <a:ext cx="750583" cy="750583"/>
             </a:xfrm>
             <a:custGeom>
@@ -13869,7 +13875,7 @@
           </p:nvGrpSpPr>
           <p:grpSpPr>
             <a:xfrm rot="19813159">
-              <a:off x="206397" y="4847213"/>
+              <a:off x="9455722" y="4847213"/>
               <a:ext cx="905328" cy="1117652"/>
               <a:chOff x="1272137" y="608819"/>
               <a:chExt cx="4751358" cy="5865680"/>
@@ -14663,7 +14669,7 @@
           </p:nvGrpSpPr>
           <p:grpSpPr>
             <a:xfrm rot="1311155">
-              <a:off x="4421232" y="3363460"/>
+              <a:off x="13670557" y="3363460"/>
               <a:ext cx="829065" cy="1214151"/>
               <a:chOff x="1072105" y="1035727"/>
               <a:chExt cx="3248113" cy="4756802"/>
@@ -15053,7 +15059,7 @@
           </p:nvGrpSpPr>
           <p:grpSpPr>
             <a:xfrm rot="19582740">
-              <a:off x="3072239" y="5609151"/>
+              <a:off x="12321564" y="5609151"/>
               <a:ext cx="1159845" cy="850867"/>
               <a:chOff x="1534967" y="1556792"/>
               <a:chExt cx="5820816" cy="4270176"/>
@@ -15269,8 +15275,8 @@
             </p:sp>
           </p:grpSp>
         </p:grpSp>
-        <mc:AlternateContent xmlns:mc="http://schemas.openxmlformats.org/markup-compatibility/2006" xmlns:a14="http://schemas.microsoft.com/office/drawing/2010/main">
-          <mc:Choice Requires="a14">
+        <mc:AlternateContent xmlns:mc="http://schemas.openxmlformats.org/markup-compatibility/2006">
+          <mc:Choice xmlns:a14="http://schemas.microsoft.com/office/drawing/2010/main" Requires="a14">
             <p:sp>
               <p:nvSpPr>
                 <p:cNvPr id="329" name="Retângulo 328"/>
@@ -15279,7 +15285,7 @@
               </p:nvSpPr>
               <p:spPr>
                 <a:xfrm rot="908810">
-                  <a:off x="7174775" y="5173142"/>
+                  <a:off x="16883390" y="4136320"/>
                   <a:ext cx="1219437" cy="1569660"/>
                 </a:xfrm>
                 <a:prstGeom prst="rect">
@@ -15321,7 +15327,7 @@
               </p:txBody>
             </p:sp>
           </mc:Choice>
-          <mc:Fallback xmlns="">
+          <mc:Fallback>
             <p:sp>
               <p:nvSpPr>
                 <p:cNvPr id="329" name="Retângulo 328"/>
@@ -15332,13 +15338,13 @@
               </p:nvSpPr>
               <p:spPr>
                 <a:xfrm rot="908810">
-                  <a:off x="7174775" y="5173142"/>
+                  <a:off x="16883390" y="4136320"/>
                   <a:ext cx="1219437" cy="1569660"/>
                 </a:xfrm>
                 <a:prstGeom prst="rect">
                   <a:avLst/>
                 </a:prstGeom>
-                <a:blipFill rotWithShape="1">
+                <a:blipFill>
                   <a:blip r:embed="rId3"/>
                   <a:stretch>
                     <a:fillRect/>

--- a/Rascunhos/Logo - PP2.pptx
+++ b/Rascunhos/Logo - PP2.pptx
@@ -117,7 +117,7 @@
   </p:defaultTextStyle>
   <p:extLst>
     <p:ext uri="{EFAFB233-063F-42B5-8137-9DF3F51BA10A}">
-      <p15:sldGuideLst xmlns="" xmlns:p15="http://schemas.microsoft.com/office/powerpoint/2012/main">
+      <p15:sldGuideLst xmlns:p15="http://schemas.microsoft.com/office/powerpoint/2012/main" xmlns="">
         <p15:guide id="1" orient="horz" pos="2160">
           <p15:clr>
             <a:srgbClr val="A4A3A4"/>
@@ -216,7 +216,7 @@
           <a:p>
             <a:fld id="{FF064E14-6B57-4160-B976-9759441CBCC8}" type="datetimeFigureOut">
               <a:rPr lang="pt-BR" smtClean="0"/>
-              <a:t>18/03/2019</a:t>
+              <a:t>19/03/2019</a:t>
             </a:fld>
             <a:endParaRPr lang="pt-BR"/>
           </a:p>
@@ -830,7 +830,7 @@
           <a:p>
             <a:fld id="{26F57601-A94F-4415-BE12-3A057DDE858C}" type="datetimeFigureOut">
               <a:rPr lang="pt-BR" smtClean="0"/>
-              <a:t>18/03/2019</a:t>
+              <a:t>19/03/2019</a:t>
             </a:fld>
             <a:endParaRPr lang="pt-BR"/>
           </a:p>
@@ -998,7 +998,7 @@
           <a:p>
             <a:fld id="{26F57601-A94F-4415-BE12-3A057DDE858C}" type="datetimeFigureOut">
               <a:rPr lang="pt-BR" smtClean="0"/>
-              <a:t>18/03/2019</a:t>
+              <a:t>19/03/2019</a:t>
             </a:fld>
             <a:endParaRPr lang="pt-BR"/>
           </a:p>
@@ -1176,7 +1176,7 @@
           <a:p>
             <a:fld id="{26F57601-A94F-4415-BE12-3A057DDE858C}" type="datetimeFigureOut">
               <a:rPr lang="pt-BR" smtClean="0"/>
-              <a:t>18/03/2019</a:t>
+              <a:t>19/03/2019</a:t>
             </a:fld>
             <a:endParaRPr lang="pt-BR"/>
           </a:p>
@@ -1344,7 +1344,7 @@
           <a:p>
             <a:fld id="{26F57601-A94F-4415-BE12-3A057DDE858C}" type="datetimeFigureOut">
               <a:rPr lang="pt-BR" smtClean="0"/>
-              <a:t>18/03/2019</a:t>
+              <a:t>19/03/2019</a:t>
             </a:fld>
             <a:endParaRPr lang="pt-BR"/>
           </a:p>
@@ -1589,7 +1589,7 @@
           <a:p>
             <a:fld id="{26F57601-A94F-4415-BE12-3A057DDE858C}" type="datetimeFigureOut">
               <a:rPr lang="pt-BR" smtClean="0"/>
-              <a:t>18/03/2019</a:t>
+              <a:t>19/03/2019</a:t>
             </a:fld>
             <a:endParaRPr lang="pt-BR"/>
           </a:p>
@@ -1874,7 +1874,7 @@
           <a:p>
             <a:fld id="{26F57601-A94F-4415-BE12-3A057DDE858C}" type="datetimeFigureOut">
               <a:rPr lang="pt-BR" smtClean="0"/>
-              <a:t>18/03/2019</a:t>
+              <a:t>19/03/2019</a:t>
             </a:fld>
             <a:endParaRPr lang="pt-BR"/>
           </a:p>
@@ -2293,7 +2293,7 @@
           <a:p>
             <a:fld id="{26F57601-A94F-4415-BE12-3A057DDE858C}" type="datetimeFigureOut">
               <a:rPr lang="pt-BR" smtClean="0"/>
-              <a:t>18/03/2019</a:t>
+              <a:t>19/03/2019</a:t>
             </a:fld>
             <a:endParaRPr lang="pt-BR"/>
           </a:p>
@@ -2410,7 +2410,7 @@
           <a:p>
             <a:fld id="{26F57601-A94F-4415-BE12-3A057DDE858C}" type="datetimeFigureOut">
               <a:rPr lang="pt-BR" smtClean="0"/>
-              <a:t>18/03/2019</a:t>
+              <a:t>19/03/2019</a:t>
             </a:fld>
             <a:endParaRPr lang="pt-BR"/>
           </a:p>
@@ -2505,7 +2505,7 @@
           <a:p>
             <a:fld id="{26F57601-A94F-4415-BE12-3A057DDE858C}" type="datetimeFigureOut">
               <a:rPr lang="pt-BR" smtClean="0"/>
-              <a:t>18/03/2019</a:t>
+              <a:t>19/03/2019</a:t>
             </a:fld>
             <a:endParaRPr lang="pt-BR"/>
           </a:p>
@@ -2780,7 +2780,7 @@
           <a:p>
             <a:fld id="{26F57601-A94F-4415-BE12-3A057DDE858C}" type="datetimeFigureOut">
               <a:rPr lang="pt-BR" smtClean="0"/>
-              <a:t>18/03/2019</a:t>
+              <a:t>19/03/2019</a:t>
             </a:fld>
             <a:endParaRPr lang="pt-BR"/>
           </a:p>
@@ -3032,7 +3032,7 @@
           <a:p>
             <a:fld id="{26F57601-A94F-4415-BE12-3A057DDE858C}" type="datetimeFigureOut">
               <a:rPr lang="pt-BR" smtClean="0"/>
-              <a:t>18/03/2019</a:t>
+              <a:t>19/03/2019</a:t>
             </a:fld>
             <a:endParaRPr lang="pt-BR"/>
           </a:p>
@@ -3249,7 +3249,7 @@
           <a:p>
             <a:fld id="{26F57601-A94F-4415-BE12-3A057DDE858C}" type="datetimeFigureOut">
               <a:rPr lang="pt-BR" smtClean="0"/>
-              <a:t>18/03/2019</a:t>
+              <a:t>19/03/2019</a:t>
             </a:fld>
             <a:endParaRPr lang="pt-BR"/>
           </a:p>
@@ -3629,7 +3629,7 @@
           <p:cNvPr id="20" name="Agrupar 19">
             <a:extLst>
               <a:ext uri="{FF2B5EF4-FFF2-40B4-BE49-F238E27FC236}">
-                <a16:creationId xmlns="" xmlns:a16="http://schemas.microsoft.com/office/drawing/2014/main" id="{E3682C21-8216-4FCF-A5C3-DC6FDF19FB2B}"/>
+                <a16:creationId xmlns:a16="http://schemas.microsoft.com/office/drawing/2014/main" xmlns="" id="{E3682C21-8216-4FCF-A5C3-DC6FDF19FB2B}"/>
               </a:ext>
             </a:extLst>
           </p:cNvPr>
@@ -3649,7 +3649,7 @@
             <p:cNvPr id="3" name="Agrupar 2">
               <a:extLst>
                 <a:ext uri="{FF2B5EF4-FFF2-40B4-BE49-F238E27FC236}">
-                  <a16:creationId xmlns="" xmlns:a16="http://schemas.microsoft.com/office/drawing/2014/main" id="{1DCF184F-89D1-4856-ACDA-65CFAEF778D1}"/>
+                  <a16:creationId xmlns:a16="http://schemas.microsoft.com/office/drawing/2014/main" xmlns="" id="{1DCF184F-89D1-4856-ACDA-65CFAEF778D1}"/>
                 </a:ext>
               </a:extLst>
             </p:cNvPr>
@@ -3713,7 +3713,7 @@
               <p:cNvPr id="17" name="Balão de Pensamento: Nuvem 16">
                 <a:extLst>
                   <a:ext uri="{FF2B5EF4-FFF2-40B4-BE49-F238E27FC236}">
-                    <a16:creationId xmlns="" xmlns:a16="http://schemas.microsoft.com/office/drawing/2014/main" id="{5C57BA0A-9700-43BD-9104-CC30BC0DE381}"/>
+                    <a16:creationId xmlns:a16="http://schemas.microsoft.com/office/drawing/2014/main" xmlns="" id="{5C57BA0A-9700-43BD-9104-CC30BC0DE381}"/>
                   </a:ext>
                 </a:extLst>
               </p:cNvPr>
@@ -3781,7 +3781,7 @@
               <p:cNvPr id="96" name="Agrupar 15">
                 <a:extLst>
                   <a:ext uri="{FF2B5EF4-FFF2-40B4-BE49-F238E27FC236}">
-                    <a16:creationId xmlns="" xmlns:a16="http://schemas.microsoft.com/office/drawing/2014/main" id="{CDA0B437-9E5C-43AF-AD41-CFFD83C35D59}"/>
+                    <a16:creationId xmlns:a16="http://schemas.microsoft.com/office/drawing/2014/main" xmlns="" id="{CDA0B437-9E5C-43AF-AD41-CFFD83C35D59}"/>
                   </a:ext>
                 </a:extLst>
               </p:cNvPr>
@@ -4786,7 +4786,7 @@
               <p:cNvPr id="16" name="Agrupar 15">
                 <a:extLst>
                   <a:ext uri="{FF2B5EF4-FFF2-40B4-BE49-F238E27FC236}">
-                    <a16:creationId xmlns="" xmlns:a16="http://schemas.microsoft.com/office/drawing/2014/main" id="{CDA0B437-9E5C-43AF-AD41-CFFD83C35D59}"/>
+                    <a16:creationId xmlns:a16="http://schemas.microsoft.com/office/drawing/2014/main" xmlns="" id="{CDA0B437-9E5C-43AF-AD41-CFFD83C35D59}"/>
                   </a:ext>
                 </a:extLst>
               </p:cNvPr>
@@ -6623,7 +6623,7 @@
           <p:cNvPr id="6" name="Agrupar 5">
             <a:extLst>
               <a:ext uri="{FF2B5EF4-FFF2-40B4-BE49-F238E27FC236}">
-                <a16:creationId xmlns="" xmlns:a16="http://schemas.microsoft.com/office/drawing/2014/main" id="{F988BBBF-4A40-4AE8-846E-DD4184A0B8C9}"/>
+                <a16:creationId xmlns:a16="http://schemas.microsoft.com/office/drawing/2014/main" xmlns="" id="{F988BBBF-4A40-4AE8-846E-DD4184A0B8C9}"/>
               </a:ext>
             </a:extLst>
           </p:cNvPr>
@@ -6693,7 +6693,7 @@
             <p:cNvPr id="253" name="Balão de Pensamento: Nuvem 16">
               <a:extLst>
                 <a:ext uri="{FF2B5EF4-FFF2-40B4-BE49-F238E27FC236}">
-                  <a16:creationId xmlns="" xmlns:a16="http://schemas.microsoft.com/office/drawing/2014/main" id="{5C57BA0A-9700-43BD-9104-CC30BC0DE381}"/>
+                  <a16:creationId xmlns:a16="http://schemas.microsoft.com/office/drawing/2014/main" xmlns="" id="{5C57BA0A-9700-43BD-9104-CC30BC0DE381}"/>
                 </a:ext>
               </a:extLst>
             </p:cNvPr>
@@ -6763,7 +6763,7 @@
               <p:cNvPr id="255" name="Agrupar 15">
                 <a:extLst>
                   <a:ext uri="{FF2B5EF4-FFF2-40B4-BE49-F238E27FC236}">
-                    <a16:creationId xmlns="" xmlns:a16="http://schemas.microsoft.com/office/drawing/2014/main" id="{CDA0B437-9E5C-43AF-AD41-CFFD83C35D59}"/>
+                    <a16:creationId xmlns:a16="http://schemas.microsoft.com/office/drawing/2014/main" xmlns="" id="{CDA0B437-9E5C-43AF-AD41-CFFD83C35D59}"/>
                   </a:ext>
                 </a:extLst>
               </p:cNvPr>
@@ -7768,7 +7768,7 @@
               <p:cNvPr id="256" name="Agrupar 15">
                 <a:extLst>
                   <a:ext uri="{FF2B5EF4-FFF2-40B4-BE49-F238E27FC236}">
-                    <a16:creationId xmlns="" xmlns:a16="http://schemas.microsoft.com/office/drawing/2014/main" id="{CDA0B437-9E5C-43AF-AD41-CFFD83C35D59}"/>
+                    <a16:creationId xmlns:a16="http://schemas.microsoft.com/office/drawing/2014/main" xmlns="" id="{CDA0B437-9E5C-43AF-AD41-CFFD83C35D59}"/>
                   </a:ext>
                 </a:extLst>
               </p:cNvPr>
@@ -9742,7 +9742,7 @@
             <p:cNvPr id="984" name="Retângulo 983">
               <a:extLst>
                 <a:ext uri="{FF2B5EF4-FFF2-40B4-BE49-F238E27FC236}">
-                  <a16:creationId xmlns="" xmlns:a16="http://schemas.microsoft.com/office/drawing/2014/main" id="{22D3461F-A14E-4642-A041-9CC09656F8CD}"/>
+                  <a16:creationId xmlns:a16="http://schemas.microsoft.com/office/drawing/2014/main" xmlns="" id="{22D3461F-A14E-4642-A041-9CC09656F8CD}"/>
                 </a:ext>
               </a:extLst>
             </p:cNvPr>
@@ -9794,7 +9794,7 @@
             <p:cNvPr id="985" name="Grupo 113">
               <a:extLst>
                 <a:ext uri="{FF2B5EF4-FFF2-40B4-BE49-F238E27FC236}">
-                  <a16:creationId xmlns="" xmlns:a16="http://schemas.microsoft.com/office/drawing/2014/main" id="{3D89F614-E619-4BA8-83F8-DE0E8D18A898}"/>
+                  <a16:creationId xmlns:a16="http://schemas.microsoft.com/office/drawing/2014/main" xmlns="" id="{3D89F614-E619-4BA8-83F8-DE0E8D18A898}"/>
                 </a:ext>
               </a:extLst>
             </p:cNvPr>
@@ -9817,7 +9817,7 @@
               <p:cNvPr id="1367" name="Grupo 114">
                 <a:extLst>
                   <a:ext uri="{FF2B5EF4-FFF2-40B4-BE49-F238E27FC236}">
-                    <a16:creationId xmlns="" xmlns:a16="http://schemas.microsoft.com/office/drawing/2014/main" id="{C56F0803-C5A3-473D-8C80-36A328ED3569}"/>
+                    <a16:creationId xmlns:a16="http://schemas.microsoft.com/office/drawing/2014/main" xmlns="" id="{C56F0803-C5A3-473D-8C80-36A328ED3569}"/>
                   </a:ext>
                 </a:extLst>
               </p:cNvPr>
@@ -9838,7 +9838,7 @@
                 <p:cNvPr id="1372" name="Elipse 33">
                   <a:extLst>
                     <a:ext uri="{FF2B5EF4-FFF2-40B4-BE49-F238E27FC236}">
-                      <a16:creationId xmlns="" xmlns:a16="http://schemas.microsoft.com/office/drawing/2014/main" id="{AF9E060D-9662-423B-8A01-F24E99834503}"/>
+                      <a16:creationId xmlns:a16="http://schemas.microsoft.com/office/drawing/2014/main" xmlns="" id="{AF9E060D-9662-423B-8A01-F24E99834503}"/>
                     </a:ext>
                   </a:extLst>
                 </p:cNvPr>
@@ -9944,7 +9944,7 @@
                 <p:cNvPr id="1373" name="Retângulo 1372">
                   <a:extLst>
                     <a:ext uri="{FF2B5EF4-FFF2-40B4-BE49-F238E27FC236}">
-                      <a16:creationId xmlns="" xmlns:a16="http://schemas.microsoft.com/office/drawing/2014/main" id="{C3D5459E-58FF-4F38-A4D6-D9AD13554E0F}"/>
+                      <a16:creationId xmlns:a16="http://schemas.microsoft.com/office/drawing/2014/main" xmlns="" id="{C3D5459E-58FF-4F38-A4D6-D9AD13554E0F}"/>
                     </a:ext>
                   </a:extLst>
                 </p:cNvPr>
@@ -9994,7 +9994,7 @@
                 <p:cNvPr id="1374" name="Retângulo 1373">
                   <a:extLst>
                     <a:ext uri="{FF2B5EF4-FFF2-40B4-BE49-F238E27FC236}">
-                      <a16:creationId xmlns="" xmlns:a16="http://schemas.microsoft.com/office/drawing/2014/main" id="{6A85C799-5FE6-410B-8C4E-3B1295463C2E}"/>
+                      <a16:creationId xmlns:a16="http://schemas.microsoft.com/office/drawing/2014/main" xmlns="" id="{6A85C799-5FE6-410B-8C4E-3B1295463C2E}"/>
                     </a:ext>
                   </a:extLst>
                 </p:cNvPr>
@@ -10045,7 +10045,7 @@
               <p:cNvPr id="1368" name="Grupo 115">
                 <a:extLst>
                   <a:ext uri="{FF2B5EF4-FFF2-40B4-BE49-F238E27FC236}">
-                    <a16:creationId xmlns="" xmlns:a16="http://schemas.microsoft.com/office/drawing/2014/main" id="{FFAFB24B-979E-4DE8-B406-D88BDD4CD6D0}"/>
+                    <a16:creationId xmlns:a16="http://schemas.microsoft.com/office/drawing/2014/main" xmlns="" id="{FFAFB24B-979E-4DE8-B406-D88BDD4CD6D0}"/>
                   </a:ext>
                 </a:extLst>
               </p:cNvPr>
@@ -10066,7 +10066,7 @@
                 <p:cNvPr id="1369" name="Elipse 33">
                   <a:extLst>
                     <a:ext uri="{FF2B5EF4-FFF2-40B4-BE49-F238E27FC236}">
-                      <a16:creationId xmlns="" xmlns:a16="http://schemas.microsoft.com/office/drawing/2014/main" id="{34F0A60C-076B-4694-8134-706DD1A5881F}"/>
+                      <a16:creationId xmlns:a16="http://schemas.microsoft.com/office/drawing/2014/main" xmlns="" id="{34F0A60C-076B-4694-8134-706DD1A5881F}"/>
                     </a:ext>
                   </a:extLst>
                 </p:cNvPr>
@@ -10172,7 +10172,7 @@
                 <p:cNvPr id="1370" name="Retângulo 1369">
                   <a:extLst>
                     <a:ext uri="{FF2B5EF4-FFF2-40B4-BE49-F238E27FC236}">
-                      <a16:creationId xmlns="" xmlns:a16="http://schemas.microsoft.com/office/drawing/2014/main" id="{925F4712-CAE0-4B8A-9235-AE2B5A63FB2E}"/>
+                      <a16:creationId xmlns:a16="http://schemas.microsoft.com/office/drawing/2014/main" xmlns="" id="{925F4712-CAE0-4B8A-9235-AE2B5A63FB2E}"/>
                     </a:ext>
                   </a:extLst>
                 </p:cNvPr>
@@ -10222,7 +10222,7 @@
                 <p:cNvPr id="1371" name="Retângulo 1370">
                   <a:extLst>
                     <a:ext uri="{FF2B5EF4-FFF2-40B4-BE49-F238E27FC236}">
-                      <a16:creationId xmlns="" xmlns:a16="http://schemas.microsoft.com/office/drawing/2014/main" id="{56CF3DAE-7141-40BA-85B8-1183991E431E}"/>
+                      <a16:creationId xmlns:a16="http://schemas.microsoft.com/office/drawing/2014/main" xmlns="" id="{56CF3DAE-7141-40BA-85B8-1183991E431E}"/>
                     </a:ext>
                   </a:extLst>
                 </p:cNvPr>
@@ -10274,7 +10274,7 @@
             <p:cNvPr id="986" name="Grupo 91">
               <a:extLst>
                 <a:ext uri="{FF2B5EF4-FFF2-40B4-BE49-F238E27FC236}">
-                  <a16:creationId xmlns="" xmlns:a16="http://schemas.microsoft.com/office/drawing/2014/main" id="{89324E3D-54FB-4BC2-B126-0C0E23777E64}"/>
+                  <a16:creationId xmlns:a16="http://schemas.microsoft.com/office/drawing/2014/main" xmlns="" id="{89324E3D-54FB-4BC2-B126-0C0E23777E64}"/>
                 </a:ext>
               </a:extLst>
             </p:cNvPr>
@@ -10297,7 +10297,7 @@
               <p:cNvPr id="1359" name="Grupo 92">
                 <a:extLst>
                   <a:ext uri="{FF2B5EF4-FFF2-40B4-BE49-F238E27FC236}">
-                    <a16:creationId xmlns="" xmlns:a16="http://schemas.microsoft.com/office/drawing/2014/main" id="{460650E8-D2D0-47F7-B88F-775646975587}"/>
+                    <a16:creationId xmlns:a16="http://schemas.microsoft.com/office/drawing/2014/main" xmlns="" id="{460650E8-D2D0-47F7-B88F-775646975587}"/>
                   </a:ext>
                 </a:extLst>
               </p:cNvPr>
@@ -10318,7 +10318,7 @@
                 <p:cNvPr id="1364" name="Elipse 33">
                   <a:extLst>
                     <a:ext uri="{FF2B5EF4-FFF2-40B4-BE49-F238E27FC236}">
-                      <a16:creationId xmlns="" xmlns:a16="http://schemas.microsoft.com/office/drawing/2014/main" id="{6463F635-F75E-4CBF-B861-8158300C253F}"/>
+                      <a16:creationId xmlns:a16="http://schemas.microsoft.com/office/drawing/2014/main" xmlns="" id="{6463F635-F75E-4CBF-B861-8158300C253F}"/>
                     </a:ext>
                   </a:extLst>
                 </p:cNvPr>
@@ -10424,7 +10424,7 @@
                 <p:cNvPr id="1365" name="Retângulo 1364">
                   <a:extLst>
                     <a:ext uri="{FF2B5EF4-FFF2-40B4-BE49-F238E27FC236}">
-                      <a16:creationId xmlns="" xmlns:a16="http://schemas.microsoft.com/office/drawing/2014/main" id="{20CB7CBE-4CAF-4F29-A989-168E5857CAE0}"/>
+                      <a16:creationId xmlns:a16="http://schemas.microsoft.com/office/drawing/2014/main" xmlns="" id="{20CB7CBE-4CAF-4F29-A989-168E5857CAE0}"/>
                     </a:ext>
                   </a:extLst>
                 </p:cNvPr>
@@ -10474,7 +10474,7 @@
                 <p:cNvPr id="1366" name="Retângulo 1365">
                   <a:extLst>
                     <a:ext uri="{FF2B5EF4-FFF2-40B4-BE49-F238E27FC236}">
-                      <a16:creationId xmlns="" xmlns:a16="http://schemas.microsoft.com/office/drawing/2014/main" id="{53BE901E-F611-4711-99B0-F672139CF60C}"/>
+                      <a16:creationId xmlns:a16="http://schemas.microsoft.com/office/drawing/2014/main" xmlns="" id="{53BE901E-F611-4711-99B0-F672139CF60C}"/>
                     </a:ext>
                   </a:extLst>
                 </p:cNvPr>
@@ -10525,7 +10525,7 @@
               <p:cNvPr id="1360" name="Grupo 93">
                 <a:extLst>
                   <a:ext uri="{FF2B5EF4-FFF2-40B4-BE49-F238E27FC236}">
-                    <a16:creationId xmlns="" xmlns:a16="http://schemas.microsoft.com/office/drawing/2014/main" id="{099BADCE-21CE-4973-872B-D3F997A908A5}"/>
+                    <a16:creationId xmlns:a16="http://schemas.microsoft.com/office/drawing/2014/main" xmlns="" id="{099BADCE-21CE-4973-872B-D3F997A908A5}"/>
                   </a:ext>
                 </a:extLst>
               </p:cNvPr>
@@ -10546,7 +10546,7 @@
                 <p:cNvPr id="1361" name="Elipse 33">
                   <a:extLst>
                     <a:ext uri="{FF2B5EF4-FFF2-40B4-BE49-F238E27FC236}">
-                      <a16:creationId xmlns="" xmlns:a16="http://schemas.microsoft.com/office/drawing/2014/main" id="{4D2F1AB2-01B5-425D-AFB7-E0FCE796EBD4}"/>
+                      <a16:creationId xmlns:a16="http://schemas.microsoft.com/office/drawing/2014/main" xmlns="" id="{4D2F1AB2-01B5-425D-AFB7-E0FCE796EBD4}"/>
                     </a:ext>
                   </a:extLst>
                 </p:cNvPr>
@@ -10652,7 +10652,7 @@
                 <p:cNvPr id="1362" name="Retângulo 1361">
                   <a:extLst>
                     <a:ext uri="{FF2B5EF4-FFF2-40B4-BE49-F238E27FC236}">
-                      <a16:creationId xmlns="" xmlns:a16="http://schemas.microsoft.com/office/drawing/2014/main" id="{B01178D5-6103-492E-B3BD-34FED1279466}"/>
+                      <a16:creationId xmlns:a16="http://schemas.microsoft.com/office/drawing/2014/main" xmlns="" id="{B01178D5-6103-492E-B3BD-34FED1279466}"/>
                     </a:ext>
                   </a:extLst>
                 </p:cNvPr>
@@ -10702,7 +10702,7 @@
                 <p:cNvPr id="1363" name="Retângulo 1362">
                   <a:extLst>
                     <a:ext uri="{FF2B5EF4-FFF2-40B4-BE49-F238E27FC236}">
-                      <a16:creationId xmlns="" xmlns:a16="http://schemas.microsoft.com/office/drawing/2014/main" id="{49B10D7D-3873-4780-987A-0C54E66B4879}"/>
+                      <a16:creationId xmlns:a16="http://schemas.microsoft.com/office/drawing/2014/main" xmlns="" id="{49B10D7D-3873-4780-987A-0C54E66B4879}"/>
                     </a:ext>
                   </a:extLst>
                 </p:cNvPr>
@@ -10754,7 +10754,7 @@
             <p:cNvPr id="987" name="Grupo 69">
               <a:extLst>
                 <a:ext uri="{FF2B5EF4-FFF2-40B4-BE49-F238E27FC236}">
-                  <a16:creationId xmlns="" xmlns:a16="http://schemas.microsoft.com/office/drawing/2014/main" id="{970182E6-5A6B-41AD-BB96-7AEA5B8CA2EE}"/>
+                  <a16:creationId xmlns:a16="http://schemas.microsoft.com/office/drawing/2014/main" xmlns="" id="{970182E6-5A6B-41AD-BB96-7AEA5B8CA2EE}"/>
                 </a:ext>
               </a:extLst>
             </p:cNvPr>
@@ -10777,7 +10777,7 @@
               <p:cNvPr id="1351" name="Grupo 70">
                 <a:extLst>
                   <a:ext uri="{FF2B5EF4-FFF2-40B4-BE49-F238E27FC236}">
-                    <a16:creationId xmlns="" xmlns:a16="http://schemas.microsoft.com/office/drawing/2014/main" id="{9546EED1-0D83-45B1-A4A8-1C40637F80DF}"/>
+                    <a16:creationId xmlns:a16="http://schemas.microsoft.com/office/drawing/2014/main" xmlns="" id="{9546EED1-0D83-45B1-A4A8-1C40637F80DF}"/>
                   </a:ext>
                 </a:extLst>
               </p:cNvPr>
@@ -10798,7 +10798,7 @@
                 <p:cNvPr id="1356" name="Elipse 33">
                   <a:extLst>
                     <a:ext uri="{FF2B5EF4-FFF2-40B4-BE49-F238E27FC236}">
-                      <a16:creationId xmlns="" xmlns:a16="http://schemas.microsoft.com/office/drawing/2014/main" id="{E23D7E4C-693B-4A33-AE99-D5B892326121}"/>
+                      <a16:creationId xmlns:a16="http://schemas.microsoft.com/office/drawing/2014/main" xmlns="" id="{E23D7E4C-693B-4A33-AE99-D5B892326121}"/>
                     </a:ext>
                   </a:extLst>
                 </p:cNvPr>
@@ -10904,7 +10904,7 @@
                 <p:cNvPr id="1357" name="Retângulo 1356">
                   <a:extLst>
                     <a:ext uri="{FF2B5EF4-FFF2-40B4-BE49-F238E27FC236}">
-                      <a16:creationId xmlns="" xmlns:a16="http://schemas.microsoft.com/office/drawing/2014/main" id="{0814F825-ED3D-44BA-AB6C-85D7AAA145DB}"/>
+                      <a16:creationId xmlns:a16="http://schemas.microsoft.com/office/drawing/2014/main" xmlns="" id="{0814F825-ED3D-44BA-AB6C-85D7AAA145DB}"/>
                     </a:ext>
                   </a:extLst>
                 </p:cNvPr>
@@ -10954,7 +10954,7 @@
                 <p:cNvPr id="1358" name="Retângulo 1357">
                   <a:extLst>
                     <a:ext uri="{FF2B5EF4-FFF2-40B4-BE49-F238E27FC236}">
-                      <a16:creationId xmlns="" xmlns:a16="http://schemas.microsoft.com/office/drawing/2014/main" id="{B2194175-86BB-4552-9B0D-8D42CD15B222}"/>
+                      <a16:creationId xmlns:a16="http://schemas.microsoft.com/office/drawing/2014/main" xmlns="" id="{B2194175-86BB-4552-9B0D-8D42CD15B222}"/>
                     </a:ext>
                   </a:extLst>
                 </p:cNvPr>
@@ -11005,7 +11005,7 @@
               <p:cNvPr id="1352" name="Grupo 71">
                 <a:extLst>
                   <a:ext uri="{FF2B5EF4-FFF2-40B4-BE49-F238E27FC236}">
-                    <a16:creationId xmlns="" xmlns:a16="http://schemas.microsoft.com/office/drawing/2014/main" id="{7B5F74EC-7B22-41CA-824C-4036341F73FA}"/>
+                    <a16:creationId xmlns:a16="http://schemas.microsoft.com/office/drawing/2014/main" xmlns="" id="{7B5F74EC-7B22-41CA-824C-4036341F73FA}"/>
                   </a:ext>
                 </a:extLst>
               </p:cNvPr>
@@ -11026,7 +11026,7 @@
                 <p:cNvPr id="1353" name="Elipse 33">
                   <a:extLst>
                     <a:ext uri="{FF2B5EF4-FFF2-40B4-BE49-F238E27FC236}">
-                      <a16:creationId xmlns="" xmlns:a16="http://schemas.microsoft.com/office/drawing/2014/main" id="{55399454-559E-4A22-ADBE-1D3487A50064}"/>
+                      <a16:creationId xmlns:a16="http://schemas.microsoft.com/office/drawing/2014/main" xmlns="" id="{55399454-559E-4A22-ADBE-1D3487A50064}"/>
                     </a:ext>
                   </a:extLst>
                 </p:cNvPr>
@@ -11132,7 +11132,7 @@
                 <p:cNvPr id="1354" name="Retângulo 1353">
                   <a:extLst>
                     <a:ext uri="{FF2B5EF4-FFF2-40B4-BE49-F238E27FC236}">
-                      <a16:creationId xmlns="" xmlns:a16="http://schemas.microsoft.com/office/drawing/2014/main" id="{04CAE185-942A-42E2-BFBD-5D91B08702EC}"/>
+                      <a16:creationId xmlns:a16="http://schemas.microsoft.com/office/drawing/2014/main" xmlns="" id="{04CAE185-942A-42E2-BFBD-5D91B08702EC}"/>
                     </a:ext>
                   </a:extLst>
                 </p:cNvPr>
@@ -11182,7 +11182,7 @@
                 <p:cNvPr id="1355" name="Retângulo 1354">
                   <a:extLst>
                     <a:ext uri="{FF2B5EF4-FFF2-40B4-BE49-F238E27FC236}">
-                      <a16:creationId xmlns="" xmlns:a16="http://schemas.microsoft.com/office/drawing/2014/main" id="{70A1EC37-C961-4395-81C8-40F84D511C9A}"/>
+                      <a16:creationId xmlns:a16="http://schemas.microsoft.com/office/drawing/2014/main" xmlns="" id="{70A1EC37-C961-4395-81C8-40F84D511C9A}"/>
                     </a:ext>
                   </a:extLst>
                 </p:cNvPr>
@@ -11234,7 +11234,7 @@
             <p:cNvPr id="988" name="Grupo 78">
               <a:extLst>
                 <a:ext uri="{FF2B5EF4-FFF2-40B4-BE49-F238E27FC236}">
-                  <a16:creationId xmlns="" xmlns:a16="http://schemas.microsoft.com/office/drawing/2014/main" id="{4B628DEC-E05E-4CF8-AF44-F23E5562F6FB}"/>
+                  <a16:creationId xmlns:a16="http://schemas.microsoft.com/office/drawing/2014/main" xmlns="" id="{4B628DEC-E05E-4CF8-AF44-F23E5562F6FB}"/>
                 </a:ext>
               </a:extLst>
             </p:cNvPr>
@@ -11257,7 +11257,7 @@
               <p:cNvPr id="1339" name="Grupo 79">
                 <a:extLst>
                   <a:ext uri="{FF2B5EF4-FFF2-40B4-BE49-F238E27FC236}">
-                    <a16:creationId xmlns="" xmlns:a16="http://schemas.microsoft.com/office/drawing/2014/main" id="{3149AB7B-7D22-4636-8B45-5B7C89B457E8}"/>
+                    <a16:creationId xmlns:a16="http://schemas.microsoft.com/office/drawing/2014/main" xmlns="" id="{3149AB7B-7D22-4636-8B45-5B7C89B457E8}"/>
                   </a:ext>
                 </a:extLst>
               </p:cNvPr>
@@ -11278,7 +11278,7 @@
                 <p:cNvPr id="1346" name="Elipse 33">
                   <a:extLst>
                     <a:ext uri="{FF2B5EF4-FFF2-40B4-BE49-F238E27FC236}">
-                      <a16:creationId xmlns="" xmlns:a16="http://schemas.microsoft.com/office/drawing/2014/main" id="{1B9770E7-CAE5-4901-8CF2-917928A0DC08}"/>
+                      <a16:creationId xmlns:a16="http://schemas.microsoft.com/office/drawing/2014/main" xmlns="" id="{1B9770E7-CAE5-4901-8CF2-917928A0DC08}"/>
                     </a:ext>
                   </a:extLst>
                 </p:cNvPr>
@@ -11384,7 +11384,7 @@
                 <p:cNvPr id="1347" name="Grupo 87">
                   <a:extLst>
                     <a:ext uri="{FF2B5EF4-FFF2-40B4-BE49-F238E27FC236}">
-                      <a16:creationId xmlns="" xmlns:a16="http://schemas.microsoft.com/office/drawing/2014/main" id="{5CB8BA33-A6BB-4142-BDD0-65B37695627F}"/>
+                      <a16:creationId xmlns:a16="http://schemas.microsoft.com/office/drawing/2014/main" xmlns="" id="{5CB8BA33-A6BB-4142-BDD0-65B37695627F}"/>
                     </a:ext>
                   </a:extLst>
                 </p:cNvPr>
@@ -11405,7 +11405,7 @@
                   <p:cNvPr id="1348" name="Retângulo 1347">
                     <a:extLst>
                       <a:ext uri="{FF2B5EF4-FFF2-40B4-BE49-F238E27FC236}">
-                        <a16:creationId xmlns="" xmlns:a16="http://schemas.microsoft.com/office/drawing/2014/main" id="{B4C584B1-F14B-4C3F-8AC8-F5D95B9B3F24}"/>
+                        <a16:creationId xmlns:a16="http://schemas.microsoft.com/office/drawing/2014/main" xmlns="" id="{B4C584B1-F14B-4C3F-8AC8-F5D95B9B3F24}"/>
                       </a:ext>
                     </a:extLst>
                   </p:cNvPr>
@@ -11455,7 +11455,7 @@
                   <p:cNvPr id="1349" name="Retângulo 1348">
                     <a:extLst>
                       <a:ext uri="{FF2B5EF4-FFF2-40B4-BE49-F238E27FC236}">
-                        <a16:creationId xmlns="" xmlns:a16="http://schemas.microsoft.com/office/drawing/2014/main" id="{7401B213-B6F4-423E-8580-4168EE3FD648}"/>
+                        <a16:creationId xmlns:a16="http://schemas.microsoft.com/office/drawing/2014/main" xmlns="" id="{7401B213-B6F4-423E-8580-4168EE3FD648}"/>
                       </a:ext>
                     </a:extLst>
                   </p:cNvPr>
@@ -11505,7 +11505,7 @@
                   <p:cNvPr id="1350" name="Retângulo 1349">
                     <a:extLst>
                       <a:ext uri="{FF2B5EF4-FFF2-40B4-BE49-F238E27FC236}">
-                        <a16:creationId xmlns="" xmlns:a16="http://schemas.microsoft.com/office/drawing/2014/main" id="{264DEA0D-961A-49B7-B484-59DD7D8042DF}"/>
+                        <a16:creationId xmlns:a16="http://schemas.microsoft.com/office/drawing/2014/main" xmlns="" id="{264DEA0D-961A-49B7-B484-59DD7D8042DF}"/>
                       </a:ext>
                     </a:extLst>
                   </p:cNvPr>
@@ -11557,7 +11557,7 @@
               <p:cNvPr id="1340" name="Grupo 80">
                 <a:extLst>
                   <a:ext uri="{FF2B5EF4-FFF2-40B4-BE49-F238E27FC236}">
-                    <a16:creationId xmlns="" xmlns:a16="http://schemas.microsoft.com/office/drawing/2014/main" id="{5CA469B1-287C-41F3-9158-2C9C4CB50BDC}"/>
+                    <a16:creationId xmlns:a16="http://schemas.microsoft.com/office/drawing/2014/main" xmlns="" id="{5CA469B1-287C-41F3-9158-2C9C4CB50BDC}"/>
                   </a:ext>
                 </a:extLst>
               </p:cNvPr>
@@ -11578,7 +11578,7 @@
                 <p:cNvPr id="1341" name="Elipse 33">
                   <a:extLst>
                     <a:ext uri="{FF2B5EF4-FFF2-40B4-BE49-F238E27FC236}">
-                      <a16:creationId xmlns="" xmlns:a16="http://schemas.microsoft.com/office/drawing/2014/main" id="{66623905-31B6-4EE4-9E9E-5CF9A87AAF49}"/>
+                      <a16:creationId xmlns:a16="http://schemas.microsoft.com/office/drawing/2014/main" xmlns="" id="{66623905-31B6-4EE4-9E9E-5CF9A87AAF49}"/>
                     </a:ext>
                   </a:extLst>
                 </p:cNvPr>
@@ -11684,7 +11684,7 @@
                 <p:cNvPr id="1342" name="Grupo 82">
                   <a:extLst>
                     <a:ext uri="{FF2B5EF4-FFF2-40B4-BE49-F238E27FC236}">
-                      <a16:creationId xmlns="" xmlns:a16="http://schemas.microsoft.com/office/drawing/2014/main" id="{B2CD9BB4-857C-4FF2-B096-29FF04284C93}"/>
+                      <a16:creationId xmlns:a16="http://schemas.microsoft.com/office/drawing/2014/main" xmlns="" id="{B2CD9BB4-857C-4FF2-B096-29FF04284C93}"/>
                     </a:ext>
                   </a:extLst>
                 </p:cNvPr>
@@ -11705,7 +11705,7 @@
                   <p:cNvPr id="1343" name="Retângulo 1342">
                     <a:extLst>
                       <a:ext uri="{FF2B5EF4-FFF2-40B4-BE49-F238E27FC236}">
-                        <a16:creationId xmlns="" xmlns:a16="http://schemas.microsoft.com/office/drawing/2014/main" id="{E328DDE0-D9B0-43C0-BD1E-092B40C90F43}"/>
+                        <a16:creationId xmlns:a16="http://schemas.microsoft.com/office/drawing/2014/main" xmlns="" id="{E328DDE0-D9B0-43C0-BD1E-092B40C90F43}"/>
                       </a:ext>
                     </a:extLst>
                   </p:cNvPr>
@@ -11755,7 +11755,7 @@
                   <p:cNvPr id="1344" name="Retângulo 1343">
                     <a:extLst>
                       <a:ext uri="{FF2B5EF4-FFF2-40B4-BE49-F238E27FC236}">
-                        <a16:creationId xmlns="" xmlns:a16="http://schemas.microsoft.com/office/drawing/2014/main" id="{830C59EC-C737-4E3B-94F2-DE3B8FEBE9C3}"/>
+                        <a16:creationId xmlns:a16="http://schemas.microsoft.com/office/drawing/2014/main" xmlns="" id="{830C59EC-C737-4E3B-94F2-DE3B8FEBE9C3}"/>
                       </a:ext>
                     </a:extLst>
                   </p:cNvPr>
@@ -11805,7 +11805,7 @@
                   <p:cNvPr id="1345" name="Retângulo 1344">
                     <a:extLst>
                       <a:ext uri="{FF2B5EF4-FFF2-40B4-BE49-F238E27FC236}">
-                        <a16:creationId xmlns="" xmlns:a16="http://schemas.microsoft.com/office/drawing/2014/main" id="{FB0FE3D3-7562-4498-AAAB-B3EABFD4188B}"/>
+                        <a16:creationId xmlns:a16="http://schemas.microsoft.com/office/drawing/2014/main" xmlns="" id="{FB0FE3D3-7562-4498-AAAB-B3EABFD4188B}"/>
                       </a:ext>
                     </a:extLst>
                   </p:cNvPr>
@@ -11858,7 +11858,7 @@
             <p:cNvPr id="989" name="Grupo 100">
               <a:extLst>
                 <a:ext uri="{FF2B5EF4-FFF2-40B4-BE49-F238E27FC236}">
-                  <a16:creationId xmlns="" xmlns:a16="http://schemas.microsoft.com/office/drawing/2014/main" id="{944DA45D-A155-4DD7-B72B-B198B813D486}"/>
+                  <a16:creationId xmlns:a16="http://schemas.microsoft.com/office/drawing/2014/main" xmlns="" id="{944DA45D-A155-4DD7-B72B-B198B813D486}"/>
                 </a:ext>
               </a:extLst>
             </p:cNvPr>
@@ -11881,7 +11881,7 @@
               <p:cNvPr id="1327" name="Grupo 101">
                 <a:extLst>
                   <a:ext uri="{FF2B5EF4-FFF2-40B4-BE49-F238E27FC236}">
-                    <a16:creationId xmlns="" xmlns:a16="http://schemas.microsoft.com/office/drawing/2014/main" id="{B86B04D3-95DE-40C8-AA1D-42B88AB9F633}"/>
+                    <a16:creationId xmlns:a16="http://schemas.microsoft.com/office/drawing/2014/main" xmlns="" id="{B86B04D3-95DE-40C8-AA1D-42B88AB9F633}"/>
                   </a:ext>
                 </a:extLst>
               </p:cNvPr>
@@ -11902,7 +11902,7 @@
                 <p:cNvPr id="1334" name="Elipse 33">
                   <a:extLst>
                     <a:ext uri="{FF2B5EF4-FFF2-40B4-BE49-F238E27FC236}">
-                      <a16:creationId xmlns="" xmlns:a16="http://schemas.microsoft.com/office/drawing/2014/main" id="{D59E3E8C-78BB-49A9-9AAE-B7B61ED3E458}"/>
+                      <a16:creationId xmlns:a16="http://schemas.microsoft.com/office/drawing/2014/main" xmlns="" id="{D59E3E8C-78BB-49A9-9AAE-B7B61ED3E458}"/>
                     </a:ext>
                   </a:extLst>
                 </p:cNvPr>
@@ -12008,7 +12008,7 @@
                 <p:cNvPr id="1335" name="Grupo 109">
                   <a:extLst>
                     <a:ext uri="{FF2B5EF4-FFF2-40B4-BE49-F238E27FC236}">
-                      <a16:creationId xmlns="" xmlns:a16="http://schemas.microsoft.com/office/drawing/2014/main" id="{65C8198E-47C6-4CDE-AD7D-19BB32B457F6}"/>
+                      <a16:creationId xmlns:a16="http://schemas.microsoft.com/office/drawing/2014/main" xmlns="" id="{65C8198E-47C6-4CDE-AD7D-19BB32B457F6}"/>
                     </a:ext>
                   </a:extLst>
                 </p:cNvPr>
@@ -12029,7 +12029,7 @@
                   <p:cNvPr id="1336" name="Retângulo 1335">
                     <a:extLst>
                       <a:ext uri="{FF2B5EF4-FFF2-40B4-BE49-F238E27FC236}">
-                        <a16:creationId xmlns="" xmlns:a16="http://schemas.microsoft.com/office/drawing/2014/main" id="{836081D1-8700-4986-92D9-11157713EE08}"/>
+                        <a16:creationId xmlns:a16="http://schemas.microsoft.com/office/drawing/2014/main" xmlns="" id="{836081D1-8700-4986-92D9-11157713EE08}"/>
                       </a:ext>
                     </a:extLst>
                   </p:cNvPr>
@@ -12079,7 +12079,7 @@
                   <p:cNvPr id="1337" name="Retângulo 1336">
                     <a:extLst>
                       <a:ext uri="{FF2B5EF4-FFF2-40B4-BE49-F238E27FC236}">
-                        <a16:creationId xmlns="" xmlns:a16="http://schemas.microsoft.com/office/drawing/2014/main" id="{8E230582-35D6-4D6B-90E6-22D668593E72}"/>
+                        <a16:creationId xmlns:a16="http://schemas.microsoft.com/office/drawing/2014/main" xmlns="" id="{8E230582-35D6-4D6B-90E6-22D668593E72}"/>
                       </a:ext>
                     </a:extLst>
                   </p:cNvPr>
@@ -12129,7 +12129,7 @@
                   <p:cNvPr id="1338" name="Retângulo 1337">
                     <a:extLst>
                       <a:ext uri="{FF2B5EF4-FFF2-40B4-BE49-F238E27FC236}">
-                        <a16:creationId xmlns="" xmlns:a16="http://schemas.microsoft.com/office/drawing/2014/main" id="{52E1690E-6D51-4BBE-9FCF-090AD43831B8}"/>
+                        <a16:creationId xmlns:a16="http://schemas.microsoft.com/office/drawing/2014/main" xmlns="" id="{52E1690E-6D51-4BBE-9FCF-090AD43831B8}"/>
                       </a:ext>
                     </a:extLst>
                   </p:cNvPr>
@@ -12181,7 +12181,7 @@
               <p:cNvPr id="1328" name="Grupo 102">
                 <a:extLst>
                   <a:ext uri="{FF2B5EF4-FFF2-40B4-BE49-F238E27FC236}">
-                    <a16:creationId xmlns="" xmlns:a16="http://schemas.microsoft.com/office/drawing/2014/main" id="{65A4FE08-2E35-4192-B97D-BA3C5931EE12}"/>
+                    <a16:creationId xmlns:a16="http://schemas.microsoft.com/office/drawing/2014/main" xmlns="" id="{65A4FE08-2E35-4192-B97D-BA3C5931EE12}"/>
                   </a:ext>
                 </a:extLst>
               </p:cNvPr>
@@ -12202,7 +12202,7 @@
                 <p:cNvPr id="1329" name="Elipse 33">
                   <a:extLst>
                     <a:ext uri="{FF2B5EF4-FFF2-40B4-BE49-F238E27FC236}">
-                      <a16:creationId xmlns="" xmlns:a16="http://schemas.microsoft.com/office/drawing/2014/main" id="{D265B89A-714B-4CDF-BCEC-C7375D3AE022}"/>
+                      <a16:creationId xmlns:a16="http://schemas.microsoft.com/office/drawing/2014/main" xmlns="" id="{D265B89A-714B-4CDF-BCEC-C7375D3AE022}"/>
                     </a:ext>
                   </a:extLst>
                 </p:cNvPr>
@@ -12308,7 +12308,7 @@
                 <p:cNvPr id="1330" name="Grupo 104">
                   <a:extLst>
                     <a:ext uri="{FF2B5EF4-FFF2-40B4-BE49-F238E27FC236}">
-                      <a16:creationId xmlns="" xmlns:a16="http://schemas.microsoft.com/office/drawing/2014/main" id="{31A6EED4-F3C9-40E8-A407-49BDC4F4F405}"/>
+                      <a16:creationId xmlns:a16="http://schemas.microsoft.com/office/drawing/2014/main" xmlns="" id="{31A6EED4-F3C9-40E8-A407-49BDC4F4F405}"/>
                     </a:ext>
                   </a:extLst>
                 </p:cNvPr>
@@ -12329,7 +12329,7 @@
                   <p:cNvPr id="1331" name="Retângulo 1330">
                     <a:extLst>
                       <a:ext uri="{FF2B5EF4-FFF2-40B4-BE49-F238E27FC236}">
-                        <a16:creationId xmlns="" xmlns:a16="http://schemas.microsoft.com/office/drawing/2014/main" id="{AADAD7E3-154C-44D1-ABA8-05903881963D}"/>
+                        <a16:creationId xmlns:a16="http://schemas.microsoft.com/office/drawing/2014/main" xmlns="" id="{AADAD7E3-154C-44D1-ABA8-05903881963D}"/>
                       </a:ext>
                     </a:extLst>
                   </p:cNvPr>
@@ -12379,7 +12379,7 @@
                   <p:cNvPr id="1332" name="Retângulo 1331">
                     <a:extLst>
                       <a:ext uri="{FF2B5EF4-FFF2-40B4-BE49-F238E27FC236}">
-                        <a16:creationId xmlns="" xmlns:a16="http://schemas.microsoft.com/office/drawing/2014/main" id="{3BB4E7BF-10A1-4476-A623-0614080F53E8}"/>
+                        <a16:creationId xmlns:a16="http://schemas.microsoft.com/office/drawing/2014/main" xmlns="" id="{3BB4E7BF-10A1-4476-A623-0614080F53E8}"/>
                       </a:ext>
                     </a:extLst>
                   </p:cNvPr>
@@ -12429,7 +12429,7 @@
                   <p:cNvPr id="1333" name="Retângulo 1332">
                     <a:extLst>
                       <a:ext uri="{FF2B5EF4-FFF2-40B4-BE49-F238E27FC236}">
-                        <a16:creationId xmlns="" xmlns:a16="http://schemas.microsoft.com/office/drawing/2014/main" id="{00E8CD5C-538D-41A1-B08A-324FC569D574}"/>
+                        <a16:creationId xmlns:a16="http://schemas.microsoft.com/office/drawing/2014/main" xmlns="" id="{00E8CD5C-538D-41A1-B08A-324FC569D574}"/>
                       </a:ext>
                     </a:extLst>
                   </p:cNvPr>
@@ -12482,7 +12482,7 @@
             <p:cNvPr id="990" name="Grupo 122">
               <a:extLst>
                 <a:ext uri="{FF2B5EF4-FFF2-40B4-BE49-F238E27FC236}">
-                  <a16:creationId xmlns="" xmlns:a16="http://schemas.microsoft.com/office/drawing/2014/main" id="{93133184-3089-4CF7-84F8-CEBFE7ABADD8}"/>
+                  <a16:creationId xmlns:a16="http://schemas.microsoft.com/office/drawing/2014/main" xmlns="" id="{93133184-3089-4CF7-84F8-CEBFE7ABADD8}"/>
                 </a:ext>
               </a:extLst>
             </p:cNvPr>
@@ -12505,7 +12505,7 @@
               <p:cNvPr id="1315" name="Grupo 123">
                 <a:extLst>
                   <a:ext uri="{FF2B5EF4-FFF2-40B4-BE49-F238E27FC236}">
-                    <a16:creationId xmlns="" xmlns:a16="http://schemas.microsoft.com/office/drawing/2014/main" id="{DC36314C-670D-4F75-9676-6B84CC483AB3}"/>
+                    <a16:creationId xmlns:a16="http://schemas.microsoft.com/office/drawing/2014/main" xmlns="" id="{DC36314C-670D-4F75-9676-6B84CC483AB3}"/>
                   </a:ext>
                 </a:extLst>
               </p:cNvPr>
@@ -12526,7 +12526,7 @@
                 <p:cNvPr id="1322" name="Elipse 33">
                   <a:extLst>
                     <a:ext uri="{FF2B5EF4-FFF2-40B4-BE49-F238E27FC236}">
-                      <a16:creationId xmlns="" xmlns:a16="http://schemas.microsoft.com/office/drawing/2014/main" id="{50C72457-2961-4A92-879C-F83877FB1C10}"/>
+                      <a16:creationId xmlns:a16="http://schemas.microsoft.com/office/drawing/2014/main" xmlns="" id="{50C72457-2961-4A92-879C-F83877FB1C10}"/>
                     </a:ext>
                   </a:extLst>
                 </p:cNvPr>
@@ -12632,7 +12632,7 @@
                 <p:cNvPr id="1323" name="Grupo 131">
                   <a:extLst>
                     <a:ext uri="{FF2B5EF4-FFF2-40B4-BE49-F238E27FC236}">
-                      <a16:creationId xmlns="" xmlns:a16="http://schemas.microsoft.com/office/drawing/2014/main" id="{C8882164-AE3B-4660-924B-3C273671CB4E}"/>
+                      <a16:creationId xmlns:a16="http://schemas.microsoft.com/office/drawing/2014/main" xmlns="" id="{C8882164-AE3B-4660-924B-3C273671CB4E}"/>
                     </a:ext>
                   </a:extLst>
                 </p:cNvPr>
@@ -12653,7 +12653,7 @@
                   <p:cNvPr id="1324" name="Retângulo 1323">
                     <a:extLst>
                       <a:ext uri="{FF2B5EF4-FFF2-40B4-BE49-F238E27FC236}">
-                        <a16:creationId xmlns="" xmlns:a16="http://schemas.microsoft.com/office/drawing/2014/main" id="{39E13013-EDDD-4014-A15C-D7A37CFCADC9}"/>
+                        <a16:creationId xmlns:a16="http://schemas.microsoft.com/office/drawing/2014/main" xmlns="" id="{39E13013-EDDD-4014-A15C-D7A37CFCADC9}"/>
                       </a:ext>
                     </a:extLst>
                   </p:cNvPr>
@@ -12703,7 +12703,7 @@
                   <p:cNvPr id="1325" name="Retângulo 1324">
                     <a:extLst>
                       <a:ext uri="{FF2B5EF4-FFF2-40B4-BE49-F238E27FC236}">
-                        <a16:creationId xmlns="" xmlns:a16="http://schemas.microsoft.com/office/drawing/2014/main" id="{FAB1C48A-66E9-46BA-BFEA-2092852DD48C}"/>
+                        <a16:creationId xmlns:a16="http://schemas.microsoft.com/office/drawing/2014/main" xmlns="" id="{FAB1C48A-66E9-46BA-BFEA-2092852DD48C}"/>
                       </a:ext>
                     </a:extLst>
                   </p:cNvPr>
@@ -12753,7 +12753,7 @@
                   <p:cNvPr id="1326" name="Retângulo 1325">
                     <a:extLst>
                       <a:ext uri="{FF2B5EF4-FFF2-40B4-BE49-F238E27FC236}">
-                        <a16:creationId xmlns="" xmlns:a16="http://schemas.microsoft.com/office/drawing/2014/main" id="{92900DF3-9609-4201-8261-E1E5EA6C3E1E}"/>
+                        <a16:creationId xmlns:a16="http://schemas.microsoft.com/office/drawing/2014/main" xmlns="" id="{92900DF3-9609-4201-8261-E1E5EA6C3E1E}"/>
                       </a:ext>
                     </a:extLst>
                   </p:cNvPr>
@@ -12805,7 +12805,7 @@
               <p:cNvPr id="1316" name="Grupo 124">
                 <a:extLst>
                   <a:ext uri="{FF2B5EF4-FFF2-40B4-BE49-F238E27FC236}">
-                    <a16:creationId xmlns="" xmlns:a16="http://schemas.microsoft.com/office/drawing/2014/main" id="{29AA28EE-6EED-4782-A253-17545C5D9922}"/>
+                    <a16:creationId xmlns:a16="http://schemas.microsoft.com/office/drawing/2014/main" xmlns="" id="{29AA28EE-6EED-4782-A253-17545C5D9922}"/>
                   </a:ext>
                 </a:extLst>
               </p:cNvPr>
@@ -12826,7 +12826,7 @@
                 <p:cNvPr id="1317" name="Elipse 33">
                   <a:extLst>
                     <a:ext uri="{FF2B5EF4-FFF2-40B4-BE49-F238E27FC236}">
-                      <a16:creationId xmlns="" xmlns:a16="http://schemas.microsoft.com/office/drawing/2014/main" id="{BD9D72C5-3E33-4091-B317-E829DEF5C405}"/>
+                      <a16:creationId xmlns:a16="http://schemas.microsoft.com/office/drawing/2014/main" xmlns="" id="{BD9D72C5-3E33-4091-B317-E829DEF5C405}"/>
                     </a:ext>
                   </a:extLst>
                 </p:cNvPr>
@@ -12932,7 +12932,7 @@
                 <p:cNvPr id="1318" name="Grupo 126">
                   <a:extLst>
                     <a:ext uri="{FF2B5EF4-FFF2-40B4-BE49-F238E27FC236}">
-                      <a16:creationId xmlns="" xmlns:a16="http://schemas.microsoft.com/office/drawing/2014/main" id="{7F4D874F-84E2-4BA0-8D15-97646A55080A}"/>
+                      <a16:creationId xmlns:a16="http://schemas.microsoft.com/office/drawing/2014/main" xmlns="" id="{7F4D874F-84E2-4BA0-8D15-97646A55080A}"/>
                     </a:ext>
                   </a:extLst>
                 </p:cNvPr>
@@ -12953,7 +12953,7 @@
                   <p:cNvPr id="1319" name="Retângulo 1318">
                     <a:extLst>
                       <a:ext uri="{FF2B5EF4-FFF2-40B4-BE49-F238E27FC236}">
-                        <a16:creationId xmlns="" xmlns:a16="http://schemas.microsoft.com/office/drawing/2014/main" id="{7E332F49-68D2-41C2-9387-B7B956024322}"/>
+                        <a16:creationId xmlns:a16="http://schemas.microsoft.com/office/drawing/2014/main" xmlns="" id="{7E332F49-68D2-41C2-9387-B7B956024322}"/>
                       </a:ext>
                     </a:extLst>
                   </p:cNvPr>
@@ -13003,7 +13003,7 @@
                   <p:cNvPr id="1320" name="Retângulo 1319">
                     <a:extLst>
                       <a:ext uri="{FF2B5EF4-FFF2-40B4-BE49-F238E27FC236}">
-                        <a16:creationId xmlns="" xmlns:a16="http://schemas.microsoft.com/office/drawing/2014/main" id="{E8831E1C-B0CF-40F4-862A-8FC9BEE299E8}"/>
+                        <a16:creationId xmlns:a16="http://schemas.microsoft.com/office/drawing/2014/main" xmlns="" id="{E8831E1C-B0CF-40F4-862A-8FC9BEE299E8}"/>
                       </a:ext>
                     </a:extLst>
                   </p:cNvPr>
@@ -13053,7 +13053,7 @@
                   <p:cNvPr id="1321" name="Retângulo 1320">
                     <a:extLst>
                       <a:ext uri="{FF2B5EF4-FFF2-40B4-BE49-F238E27FC236}">
-                        <a16:creationId xmlns="" xmlns:a16="http://schemas.microsoft.com/office/drawing/2014/main" id="{35814917-C7CF-4676-B718-E435116B10AB}"/>
+                        <a16:creationId xmlns:a16="http://schemas.microsoft.com/office/drawing/2014/main" xmlns="" id="{35814917-C7CF-4676-B718-E435116B10AB}"/>
                       </a:ext>
                     </a:extLst>
                   </p:cNvPr>
@@ -13106,7 +13106,7 @@
             <p:cNvPr id="991" name="Grupo 135">
               <a:extLst>
                 <a:ext uri="{FF2B5EF4-FFF2-40B4-BE49-F238E27FC236}">
-                  <a16:creationId xmlns="" xmlns:a16="http://schemas.microsoft.com/office/drawing/2014/main" id="{57C66938-091C-449F-B5F0-8FDBAE4CB3CA}"/>
+                  <a16:creationId xmlns:a16="http://schemas.microsoft.com/office/drawing/2014/main" xmlns="" id="{57C66938-091C-449F-B5F0-8FDBAE4CB3CA}"/>
                 </a:ext>
               </a:extLst>
             </p:cNvPr>
@@ -13129,7 +13129,7 @@
               <p:cNvPr id="1305" name="Grupo 136">
                 <a:extLst>
                   <a:ext uri="{FF2B5EF4-FFF2-40B4-BE49-F238E27FC236}">
-                    <a16:creationId xmlns="" xmlns:a16="http://schemas.microsoft.com/office/drawing/2014/main" id="{EE64A69F-C67B-4579-A5EC-DBCCE0A76AA2}"/>
+                    <a16:creationId xmlns:a16="http://schemas.microsoft.com/office/drawing/2014/main" xmlns="" id="{EE64A69F-C67B-4579-A5EC-DBCCE0A76AA2}"/>
                   </a:ext>
                 </a:extLst>
               </p:cNvPr>
@@ -13150,7 +13150,7 @@
                 <p:cNvPr id="1312" name="Elipse 33">
                   <a:extLst>
                     <a:ext uri="{FF2B5EF4-FFF2-40B4-BE49-F238E27FC236}">
-                      <a16:creationId xmlns="" xmlns:a16="http://schemas.microsoft.com/office/drawing/2014/main" id="{60546740-8DA4-47A9-8403-A79D6F6DF1E5}"/>
+                      <a16:creationId xmlns:a16="http://schemas.microsoft.com/office/drawing/2014/main" xmlns="" id="{60546740-8DA4-47A9-8403-A79D6F6DF1E5}"/>
                     </a:ext>
                   </a:extLst>
                 </p:cNvPr>
@@ -13256,7 +13256,7 @@
                 <p:cNvPr id="1313" name="Retângulo 1312">
                   <a:extLst>
                     <a:ext uri="{FF2B5EF4-FFF2-40B4-BE49-F238E27FC236}">
-                      <a16:creationId xmlns="" xmlns:a16="http://schemas.microsoft.com/office/drawing/2014/main" id="{052EB948-F81E-4F0B-9D51-F0EFD2BACD14}"/>
+                      <a16:creationId xmlns:a16="http://schemas.microsoft.com/office/drawing/2014/main" xmlns="" id="{052EB948-F81E-4F0B-9D51-F0EFD2BACD14}"/>
                     </a:ext>
                   </a:extLst>
                 </p:cNvPr>
@@ -13306,7 +13306,7 @@
                 <p:cNvPr id="1314" name="Retângulo 1313">
                   <a:extLst>
                     <a:ext uri="{FF2B5EF4-FFF2-40B4-BE49-F238E27FC236}">
-                      <a16:creationId xmlns="" xmlns:a16="http://schemas.microsoft.com/office/drawing/2014/main" id="{B0F4A95C-21BE-427E-A33F-22CC02E8B979}"/>
+                      <a16:creationId xmlns:a16="http://schemas.microsoft.com/office/drawing/2014/main" xmlns="" id="{B0F4A95C-21BE-427E-A33F-22CC02E8B979}"/>
                     </a:ext>
                   </a:extLst>
                 </p:cNvPr>
@@ -13357,7 +13357,7 @@
               <p:cNvPr id="1306" name="Grupo 137">
                 <a:extLst>
                   <a:ext uri="{FF2B5EF4-FFF2-40B4-BE49-F238E27FC236}">
-                    <a16:creationId xmlns="" xmlns:a16="http://schemas.microsoft.com/office/drawing/2014/main" id="{EA19AEA4-BE57-46A5-8E7F-60E06E33BF5D}"/>
+                    <a16:creationId xmlns:a16="http://schemas.microsoft.com/office/drawing/2014/main" xmlns="" id="{EA19AEA4-BE57-46A5-8E7F-60E06E33BF5D}"/>
                   </a:ext>
                 </a:extLst>
               </p:cNvPr>
@@ -13378,7 +13378,7 @@
                 <p:cNvPr id="1307" name="Elipse 33">
                   <a:extLst>
                     <a:ext uri="{FF2B5EF4-FFF2-40B4-BE49-F238E27FC236}">
-                      <a16:creationId xmlns="" xmlns:a16="http://schemas.microsoft.com/office/drawing/2014/main" id="{C3CB17BA-1238-481C-9BE1-DD00DB951305}"/>
+                      <a16:creationId xmlns:a16="http://schemas.microsoft.com/office/drawing/2014/main" xmlns="" id="{C3CB17BA-1238-481C-9BE1-DD00DB951305}"/>
                     </a:ext>
                   </a:extLst>
                 </p:cNvPr>
@@ -13484,7 +13484,7 @@
                 <p:cNvPr id="1308" name="Grupo 139">
                   <a:extLst>
                     <a:ext uri="{FF2B5EF4-FFF2-40B4-BE49-F238E27FC236}">
-                      <a16:creationId xmlns="" xmlns:a16="http://schemas.microsoft.com/office/drawing/2014/main" id="{036B60CB-BF3F-446A-B057-205C535F44F3}"/>
+                      <a16:creationId xmlns:a16="http://schemas.microsoft.com/office/drawing/2014/main" xmlns="" id="{036B60CB-BF3F-446A-B057-205C535F44F3}"/>
                     </a:ext>
                   </a:extLst>
                 </p:cNvPr>
@@ -13505,7 +13505,7 @@
                   <p:cNvPr id="1309" name="Retângulo 1308">
                     <a:extLst>
                       <a:ext uri="{FF2B5EF4-FFF2-40B4-BE49-F238E27FC236}">
-                        <a16:creationId xmlns="" xmlns:a16="http://schemas.microsoft.com/office/drawing/2014/main" id="{8BEF6479-173E-46FC-94B0-2B12548E7D69}"/>
+                        <a16:creationId xmlns:a16="http://schemas.microsoft.com/office/drawing/2014/main" xmlns="" id="{8BEF6479-173E-46FC-94B0-2B12548E7D69}"/>
                       </a:ext>
                     </a:extLst>
                   </p:cNvPr>
@@ -13555,7 +13555,7 @@
                   <p:cNvPr id="1310" name="Retângulo 1309">
                     <a:extLst>
                       <a:ext uri="{FF2B5EF4-FFF2-40B4-BE49-F238E27FC236}">
-                        <a16:creationId xmlns="" xmlns:a16="http://schemas.microsoft.com/office/drawing/2014/main" id="{614EA201-1C5E-48C4-A09D-619D0AA2CA24}"/>
+                        <a16:creationId xmlns:a16="http://schemas.microsoft.com/office/drawing/2014/main" xmlns="" id="{614EA201-1C5E-48C4-A09D-619D0AA2CA24}"/>
                       </a:ext>
                     </a:extLst>
                   </p:cNvPr>
@@ -13605,7 +13605,7 @@
                   <p:cNvPr id="1311" name="Retângulo 1310">
                     <a:extLst>
                       <a:ext uri="{FF2B5EF4-FFF2-40B4-BE49-F238E27FC236}">
-                        <a16:creationId xmlns="" xmlns:a16="http://schemas.microsoft.com/office/drawing/2014/main" id="{E5B300EF-BCA5-4769-BDB0-7D5BA15C8EC3}"/>
+                        <a16:creationId xmlns:a16="http://schemas.microsoft.com/office/drawing/2014/main" xmlns="" id="{E5B300EF-BCA5-4769-BDB0-7D5BA15C8EC3}"/>
                       </a:ext>
                     </a:extLst>
                   </p:cNvPr>
@@ -13658,7 +13658,7 @@
             <p:cNvPr id="992" name="Grupo 146">
               <a:extLst>
                 <a:ext uri="{FF2B5EF4-FFF2-40B4-BE49-F238E27FC236}">
-                  <a16:creationId xmlns="" xmlns:a16="http://schemas.microsoft.com/office/drawing/2014/main" id="{454ECBB3-80DA-4B7C-96BB-DCC040D5A314}"/>
+                  <a16:creationId xmlns:a16="http://schemas.microsoft.com/office/drawing/2014/main" xmlns="" id="{454ECBB3-80DA-4B7C-96BB-DCC040D5A314}"/>
                 </a:ext>
               </a:extLst>
             </p:cNvPr>
@@ -13681,7 +13681,7 @@
               <p:cNvPr id="1295" name="Grupo 147">
                 <a:extLst>
                   <a:ext uri="{FF2B5EF4-FFF2-40B4-BE49-F238E27FC236}">
-                    <a16:creationId xmlns="" xmlns:a16="http://schemas.microsoft.com/office/drawing/2014/main" id="{871EB478-215F-4D3A-9F3D-4A67499BBAC0}"/>
+                    <a16:creationId xmlns:a16="http://schemas.microsoft.com/office/drawing/2014/main" xmlns="" id="{871EB478-215F-4D3A-9F3D-4A67499BBAC0}"/>
                   </a:ext>
                 </a:extLst>
               </p:cNvPr>
@@ -13702,7 +13702,7 @@
                 <p:cNvPr id="1302" name="Elipse 33">
                   <a:extLst>
                     <a:ext uri="{FF2B5EF4-FFF2-40B4-BE49-F238E27FC236}">
-                      <a16:creationId xmlns="" xmlns:a16="http://schemas.microsoft.com/office/drawing/2014/main" id="{24AB6F5B-1C40-4AA9-8101-7909571C3787}"/>
+                      <a16:creationId xmlns:a16="http://schemas.microsoft.com/office/drawing/2014/main" xmlns="" id="{24AB6F5B-1C40-4AA9-8101-7909571C3787}"/>
                     </a:ext>
                   </a:extLst>
                 </p:cNvPr>
@@ -13808,7 +13808,7 @@
                 <p:cNvPr id="1303" name="Retângulo 1302">
                   <a:extLst>
                     <a:ext uri="{FF2B5EF4-FFF2-40B4-BE49-F238E27FC236}">
-                      <a16:creationId xmlns="" xmlns:a16="http://schemas.microsoft.com/office/drawing/2014/main" id="{DFF5CBB9-14BE-49F9-99F0-FDFFC82B3445}"/>
+                      <a16:creationId xmlns:a16="http://schemas.microsoft.com/office/drawing/2014/main" xmlns="" id="{DFF5CBB9-14BE-49F9-99F0-FDFFC82B3445}"/>
                     </a:ext>
                   </a:extLst>
                 </p:cNvPr>
@@ -13858,7 +13858,7 @@
                 <p:cNvPr id="1304" name="Retângulo 1303">
                   <a:extLst>
                     <a:ext uri="{FF2B5EF4-FFF2-40B4-BE49-F238E27FC236}">
-                      <a16:creationId xmlns="" xmlns:a16="http://schemas.microsoft.com/office/drawing/2014/main" id="{CB5EB64E-4E74-401B-88AD-6AA0CF440444}"/>
+                      <a16:creationId xmlns:a16="http://schemas.microsoft.com/office/drawing/2014/main" xmlns="" id="{CB5EB64E-4E74-401B-88AD-6AA0CF440444}"/>
                     </a:ext>
                   </a:extLst>
                 </p:cNvPr>
@@ -13909,7 +13909,7 @@
               <p:cNvPr id="1296" name="Grupo 148">
                 <a:extLst>
                   <a:ext uri="{FF2B5EF4-FFF2-40B4-BE49-F238E27FC236}">
-                    <a16:creationId xmlns="" xmlns:a16="http://schemas.microsoft.com/office/drawing/2014/main" id="{FF5A4F0F-90D5-424D-8705-6A64246F2410}"/>
+                    <a16:creationId xmlns:a16="http://schemas.microsoft.com/office/drawing/2014/main" xmlns="" id="{FF5A4F0F-90D5-424D-8705-6A64246F2410}"/>
                   </a:ext>
                 </a:extLst>
               </p:cNvPr>
@@ -13930,7 +13930,7 @@
                 <p:cNvPr id="1297" name="Elipse 33">
                   <a:extLst>
                     <a:ext uri="{FF2B5EF4-FFF2-40B4-BE49-F238E27FC236}">
-                      <a16:creationId xmlns="" xmlns:a16="http://schemas.microsoft.com/office/drawing/2014/main" id="{0FF221B1-328A-4E06-B17D-CA22366C73DA}"/>
+                      <a16:creationId xmlns:a16="http://schemas.microsoft.com/office/drawing/2014/main" xmlns="" id="{0FF221B1-328A-4E06-B17D-CA22366C73DA}"/>
                     </a:ext>
                   </a:extLst>
                 </p:cNvPr>
@@ -14036,7 +14036,7 @@
                 <p:cNvPr id="1298" name="Grupo 150">
                   <a:extLst>
                     <a:ext uri="{FF2B5EF4-FFF2-40B4-BE49-F238E27FC236}">
-                      <a16:creationId xmlns="" xmlns:a16="http://schemas.microsoft.com/office/drawing/2014/main" id="{8E1978AC-B24C-4102-A5DA-35F33A8E4CFD}"/>
+                      <a16:creationId xmlns:a16="http://schemas.microsoft.com/office/drawing/2014/main" xmlns="" id="{8E1978AC-B24C-4102-A5DA-35F33A8E4CFD}"/>
                     </a:ext>
                   </a:extLst>
                 </p:cNvPr>
@@ -14057,7 +14057,7 @@
                   <p:cNvPr id="1299" name="Retângulo 1298">
                     <a:extLst>
                       <a:ext uri="{FF2B5EF4-FFF2-40B4-BE49-F238E27FC236}">
-                        <a16:creationId xmlns="" xmlns:a16="http://schemas.microsoft.com/office/drawing/2014/main" id="{AE7D3DC1-6CD3-449D-A82D-02C6F74760BE}"/>
+                        <a16:creationId xmlns:a16="http://schemas.microsoft.com/office/drawing/2014/main" xmlns="" id="{AE7D3DC1-6CD3-449D-A82D-02C6F74760BE}"/>
                       </a:ext>
                     </a:extLst>
                   </p:cNvPr>
@@ -14107,7 +14107,7 @@
                   <p:cNvPr id="1300" name="Retângulo 1299">
                     <a:extLst>
                       <a:ext uri="{FF2B5EF4-FFF2-40B4-BE49-F238E27FC236}">
-                        <a16:creationId xmlns="" xmlns:a16="http://schemas.microsoft.com/office/drawing/2014/main" id="{9FBCF0C7-518E-4DE0-A722-6D42A6F9BF28}"/>
+                        <a16:creationId xmlns:a16="http://schemas.microsoft.com/office/drawing/2014/main" xmlns="" id="{9FBCF0C7-518E-4DE0-A722-6D42A6F9BF28}"/>
                       </a:ext>
                     </a:extLst>
                   </p:cNvPr>
@@ -14157,7 +14157,7 @@
                   <p:cNvPr id="1301" name="Retângulo 1300">
                     <a:extLst>
                       <a:ext uri="{FF2B5EF4-FFF2-40B4-BE49-F238E27FC236}">
-                        <a16:creationId xmlns="" xmlns:a16="http://schemas.microsoft.com/office/drawing/2014/main" id="{96B6C8D0-B406-410E-9BD9-0E524C38C59C}"/>
+                        <a16:creationId xmlns:a16="http://schemas.microsoft.com/office/drawing/2014/main" xmlns="" id="{96B6C8D0-B406-410E-9BD9-0E524C38C59C}"/>
                       </a:ext>
                     </a:extLst>
                   </p:cNvPr>
@@ -14210,7 +14210,7 @@
             <p:cNvPr id="993" name="Grupo 157">
               <a:extLst>
                 <a:ext uri="{FF2B5EF4-FFF2-40B4-BE49-F238E27FC236}">
-                  <a16:creationId xmlns="" xmlns:a16="http://schemas.microsoft.com/office/drawing/2014/main" id="{67C1F938-2DB2-4D2F-8426-FF27CF385F4F}"/>
+                  <a16:creationId xmlns:a16="http://schemas.microsoft.com/office/drawing/2014/main" xmlns="" id="{67C1F938-2DB2-4D2F-8426-FF27CF385F4F}"/>
                 </a:ext>
               </a:extLst>
             </p:cNvPr>
@@ -14233,7 +14233,7 @@
               <p:cNvPr id="1285" name="Grupo 158">
                 <a:extLst>
                   <a:ext uri="{FF2B5EF4-FFF2-40B4-BE49-F238E27FC236}">
-                    <a16:creationId xmlns="" xmlns:a16="http://schemas.microsoft.com/office/drawing/2014/main" id="{6116958E-AB0A-4F04-B63A-D9BC91CB13F5}"/>
+                    <a16:creationId xmlns:a16="http://schemas.microsoft.com/office/drawing/2014/main" xmlns="" id="{6116958E-AB0A-4F04-B63A-D9BC91CB13F5}"/>
                   </a:ext>
                 </a:extLst>
               </p:cNvPr>
@@ -14254,7 +14254,7 @@
                 <p:cNvPr id="1292" name="Elipse 33">
                   <a:extLst>
                     <a:ext uri="{FF2B5EF4-FFF2-40B4-BE49-F238E27FC236}">
-                      <a16:creationId xmlns="" xmlns:a16="http://schemas.microsoft.com/office/drawing/2014/main" id="{944BEA8A-91DA-4494-8695-A38CE36B1E4A}"/>
+                      <a16:creationId xmlns:a16="http://schemas.microsoft.com/office/drawing/2014/main" xmlns="" id="{944BEA8A-91DA-4494-8695-A38CE36B1E4A}"/>
                     </a:ext>
                   </a:extLst>
                 </p:cNvPr>
@@ -14360,7 +14360,7 @@
                 <p:cNvPr id="1293" name="Retângulo 1292">
                   <a:extLst>
                     <a:ext uri="{FF2B5EF4-FFF2-40B4-BE49-F238E27FC236}">
-                      <a16:creationId xmlns="" xmlns:a16="http://schemas.microsoft.com/office/drawing/2014/main" id="{5CE79134-6437-40FB-AC72-EB628C4CFEB0}"/>
+                      <a16:creationId xmlns:a16="http://schemas.microsoft.com/office/drawing/2014/main" xmlns="" id="{5CE79134-6437-40FB-AC72-EB628C4CFEB0}"/>
                     </a:ext>
                   </a:extLst>
                 </p:cNvPr>
@@ -14410,7 +14410,7 @@
                 <p:cNvPr id="1294" name="Retângulo 1293">
                   <a:extLst>
                     <a:ext uri="{FF2B5EF4-FFF2-40B4-BE49-F238E27FC236}">
-                      <a16:creationId xmlns="" xmlns:a16="http://schemas.microsoft.com/office/drawing/2014/main" id="{B2FACBB8-0520-4304-8C0B-39E64EC35751}"/>
+                      <a16:creationId xmlns:a16="http://schemas.microsoft.com/office/drawing/2014/main" xmlns="" id="{B2FACBB8-0520-4304-8C0B-39E64EC35751}"/>
                     </a:ext>
                   </a:extLst>
                 </p:cNvPr>
@@ -14461,7 +14461,7 @@
               <p:cNvPr id="1286" name="Grupo 159">
                 <a:extLst>
                   <a:ext uri="{FF2B5EF4-FFF2-40B4-BE49-F238E27FC236}">
-                    <a16:creationId xmlns="" xmlns:a16="http://schemas.microsoft.com/office/drawing/2014/main" id="{7F1D133E-D877-49A7-8004-78BC69D4BC6F}"/>
+                    <a16:creationId xmlns:a16="http://schemas.microsoft.com/office/drawing/2014/main" xmlns="" id="{7F1D133E-D877-49A7-8004-78BC69D4BC6F}"/>
                   </a:ext>
                 </a:extLst>
               </p:cNvPr>
@@ -14482,7 +14482,7 @@
                 <p:cNvPr id="1287" name="Elipse 33">
                   <a:extLst>
                     <a:ext uri="{FF2B5EF4-FFF2-40B4-BE49-F238E27FC236}">
-                      <a16:creationId xmlns="" xmlns:a16="http://schemas.microsoft.com/office/drawing/2014/main" id="{3C199C43-DCD0-465B-AA71-43C1C1F1AB42}"/>
+                      <a16:creationId xmlns:a16="http://schemas.microsoft.com/office/drawing/2014/main" xmlns="" id="{3C199C43-DCD0-465B-AA71-43C1C1F1AB42}"/>
                     </a:ext>
                   </a:extLst>
                 </p:cNvPr>
@@ -14588,7 +14588,7 @@
                 <p:cNvPr id="1288" name="Grupo 161">
                   <a:extLst>
                     <a:ext uri="{FF2B5EF4-FFF2-40B4-BE49-F238E27FC236}">
-                      <a16:creationId xmlns="" xmlns:a16="http://schemas.microsoft.com/office/drawing/2014/main" id="{0253757D-5FF9-4C44-B4F4-6B088B88B854}"/>
+                      <a16:creationId xmlns:a16="http://schemas.microsoft.com/office/drawing/2014/main" xmlns="" id="{0253757D-5FF9-4C44-B4F4-6B088B88B854}"/>
                     </a:ext>
                   </a:extLst>
                 </p:cNvPr>
@@ -14609,7 +14609,7 @@
                   <p:cNvPr id="1289" name="Retângulo 1288">
                     <a:extLst>
                       <a:ext uri="{FF2B5EF4-FFF2-40B4-BE49-F238E27FC236}">
-                        <a16:creationId xmlns="" xmlns:a16="http://schemas.microsoft.com/office/drawing/2014/main" id="{3D894E50-D547-4AEA-9C9E-12CAA22AA814}"/>
+                        <a16:creationId xmlns:a16="http://schemas.microsoft.com/office/drawing/2014/main" xmlns="" id="{3D894E50-D547-4AEA-9C9E-12CAA22AA814}"/>
                       </a:ext>
                     </a:extLst>
                   </p:cNvPr>
@@ -14659,7 +14659,7 @@
                   <p:cNvPr id="1290" name="Retângulo 1289">
                     <a:extLst>
                       <a:ext uri="{FF2B5EF4-FFF2-40B4-BE49-F238E27FC236}">
-                        <a16:creationId xmlns="" xmlns:a16="http://schemas.microsoft.com/office/drawing/2014/main" id="{F79B9F6F-51AC-461B-9D17-BD3239085525}"/>
+                        <a16:creationId xmlns:a16="http://schemas.microsoft.com/office/drawing/2014/main" xmlns="" id="{F79B9F6F-51AC-461B-9D17-BD3239085525}"/>
                       </a:ext>
                     </a:extLst>
                   </p:cNvPr>
@@ -14709,7 +14709,7 @@
                   <p:cNvPr id="1291" name="Retângulo 1290">
                     <a:extLst>
                       <a:ext uri="{FF2B5EF4-FFF2-40B4-BE49-F238E27FC236}">
-                        <a16:creationId xmlns="" xmlns:a16="http://schemas.microsoft.com/office/drawing/2014/main" id="{DBF47740-E281-4978-ABDA-E499EAA0B958}"/>
+                        <a16:creationId xmlns:a16="http://schemas.microsoft.com/office/drawing/2014/main" xmlns="" id="{DBF47740-E281-4978-ABDA-E499EAA0B958}"/>
                       </a:ext>
                     </a:extLst>
                   </p:cNvPr>
@@ -14762,7 +14762,7 @@
             <p:cNvPr id="994" name="Grupo 168">
               <a:extLst>
                 <a:ext uri="{FF2B5EF4-FFF2-40B4-BE49-F238E27FC236}">
-                  <a16:creationId xmlns="" xmlns:a16="http://schemas.microsoft.com/office/drawing/2014/main" id="{A9CCB15F-3340-493D-8C97-967000C2275C}"/>
+                  <a16:creationId xmlns:a16="http://schemas.microsoft.com/office/drawing/2014/main" xmlns="" id="{A9CCB15F-3340-493D-8C97-967000C2275C}"/>
                 </a:ext>
               </a:extLst>
             </p:cNvPr>
@@ -14785,7 +14785,7 @@
               <p:cNvPr id="1271" name="Grupo 169">
                 <a:extLst>
                   <a:ext uri="{FF2B5EF4-FFF2-40B4-BE49-F238E27FC236}">
-                    <a16:creationId xmlns="" xmlns:a16="http://schemas.microsoft.com/office/drawing/2014/main" id="{865A54DB-B368-4C49-99F4-455BEEE850C5}"/>
+                    <a16:creationId xmlns:a16="http://schemas.microsoft.com/office/drawing/2014/main" xmlns="" id="{865A54DB-B368-4C49-99F4-455BEEE850C5}"/>
                   </a:ext>
                 </a:extLst>
               </p:cNvPr>
@@ -14806,7 +14806,7 @@
                 <p:cNvPr id="1280" name="Elipse 33">
                   <a:extLst>
                     <a:ext uri="{FF2B5EF4-FFF2-40B4-BE49-F238E27FC236}">
-                      <a16:creationId xmlns="" xmlns:a16="http://schemas.microsoft.com/office/drawing/2014/main" id="{957E1A21-ECD5-49E8-967A-9DA6F360EC8E}"/>
+                      <a16:creationId xmlns:a16="http://schemas.microsoft.com/office/drawing/2014/main" xmlns="" id="{957E1A21-ECD5-49E8-967A-9DA6F360EC8E}"/>
                     </a:ext>
                   </a:extLst>
                 </p:cNvPr>
@@ -14912,7 +14912,7 @@
                 <p:cNvPr id="1281" name="Grupo 179">
                   <a:extLst>
                     <a:ext uri="{FF2B5EF4-FFF2-40B4-BE49-F238E27FC236}">
-                      <a16:creationId xmlns="" xmlns:a16="http://schemas.microsoft.com/office/drawing/2014/main" id="{75EC3609-F17A-46FB-B68F-320AF5DA87B6}"/>
+                      <a16:creationId xmlns:a16="http://schemas.microsoft.com/office/drawing/2014/main" xmlns="" id="{75EC3609-F17A-46FB-B68F-320AF5DA87B6}"/>
                     </a:ext>
                   </a:extLst>
                 </p:cNvPr>
@@ -14933,7 +14933,7 @@
                   <p:cNvPr id="1282" name="Retângulo 1281">
                     <a:extLst>
                       <a:ext uri="{FF2B5EF4-FFF2-40B4-BE49-F238E27FC236}">
-                        <a16:creationId xmlns="" xmlns:a16="http://schemas.microsoft.com/office/drawing/2014/main" id="{79EDC7B1-EC55-4A9F-89B2-17A19BDD9A0F}"/>
+                        <a16:creationId xmlns:a16="http://schemas.microsoft.com/office/drawing/2014/main" xmlns="" id="{79EDC7B1-EC55-4A9F-89B2-17A19BDD9A0F}"/>
                       </a:ext>
                     </a:extLst>
                   </p:cNvPr>
@@ -14983,7 +14983,7 @@
                   <p:cNvPr id="1283" name="Retângulo 1282">
                     <a:extLst>
                       <a:ext uri="{FF2B5EF4-FFF2-40B4-BE49-F238E27FC236}">
-                        <a16:creationId xmlns="" xmlns:a16="http://schemas.microsoft.com/office/drawing/2014/main" id="{AE689B89-681D-424C-9235-318E6730443E}"/>
+                        <a16:creationId xmlns:a16="http://schemas.microsoft.com/office/drawing/2014/main" xmlns="" id="{AE689B89-681D-424C-9235-318E6730443E}"/>
                       </a:ext>
                     </a:extLst>
                   </p:cNvPr>
@@ -15033,7 +15033,7 @@
                   <p:cNvPr id="1284" name="Retângulo 1283">
                     <a:extLst>
                       <a:ext uri="{FF2B5EF4-FFF2-40B4-BE49-F238E27FC236}">
-                        <a16:creationId xmlns="" xmlns:a16="http://schemas.microsoft.com/office/drawing/2014/main" id="{6236DE8B-47A4-451B-A365-F884FA3C858E}"/>
+                        <a16:creationId xmlns:a16="http://schemas.microsoft.com/office/drawing/2014/main" xmlns="" id="{6236DE8B-47A4-451B-A365-F884FA3C858E}"/>
                       </a:ext>
                     </a:extLst>
                   </p:cNvPr>
@@ -15085,7 +15085,7 @@
               <p:cNvPr id="1272" name="Grupo 170">
                 <a:extLst>
                   <a:ext uri="{FF2B5EF4-FFF2-40B4-BE49-F238E27FC236}">
-                    <a16:creationId xmlns="" xmlns:a16="http://schemas.microsoft.com/office/drawing/2014/main" id="{015E5B44-20CE-4A53-8F98-D7338EB96C14}"/>
+                    <a16:creationId xmlns:a16="http://schemas.microsoft.com/office/drawing/2014/main" xmlns="" id="{015E5B44-20CE-4A53-8F98-D7338EB96C14}"/>
                   </a:ext>
                 </a:extLst>
               </p:cNvPr>
@@ -15106,7 +15106,7 @@
                 <p:cNvPr id="1277" name="Elipse 33">
                   <a:extLst>
                     <a:ext uri="{FF2B5EF4-FFF2-40B4-BE49-F238E27FC236}">
-                      <a16:creationId xmlns="" xmlns:a16="http://schemas.microsoft.com/office/drawing/2014/main" id="{A973CC7F-38EC-4E51-97D8-E5333A615F07}"/>
+                      <a16:creationId xmlns:a16="http://schemas.microsoft.com/office/drawing/2014/main" xmlns="" id="{A973CC7F-38EC-4E51-97D8-E5333A615F07}"/>
                     </a:ext>
                   </a:extLst>
                 </p:cNvPr>
@@ -15212,7 +15212,7 @@
                 <p:cNvPr id="1278" name="Retângulo 1277">
                   <a:extLst>
                     <a:ext uri="{FF2B5EF4-FFF2-40B4-BE49-F238E27FC236}">
-                      <a16:creationId xmlns="" xmlns:a16="http://schemas.microsoft.com/office/drawing/2014/main" id="{AA605F87-17EC-4A84-86E8-D144001BAD6C}"/>
+                      <a16:creationId xmlns:a16="http://schemas.microsoft.com/office/drawing/2014/main" xmlns="" id="{AA605F87-17EC-4A84-86E8-D144001BAD6C}"/>
                     </a:ext>
                   </a:extLst>
                 </p:cNvPr>
@@ -15262,7 +15262,7 @@
                 <p:cNvPr id="1279" name="Retângulo 1278">
                   <a:extLst>
                     <a:ext uri="{FF2B5EF4-FFF2-40B4-BE49-F238E27FC236}">
-                      <a16:creationId xmlns="" xmlns:a16="http://schemas.microsoft.com/office/drawing/2014/main" id="{3C4292B1-DD6F-4AD6-8D8D-EDE8AEEB7623}"/>
+                      <a16:creationId xmlns:a16="http://schemas.microsoft.com/office/drawing/2014/main" xmlns="" id="{3C4292B1-DD6F-4AD6-8D8D-EDE8AEEB7623}"/>
                     </a:ext>
                   </a:extLst>
                 </p:cNvPr>
@@ -15313,7 +15313,7 @@
               <p:cNvPr id="1273" name="Grupo 171">
                 <a:extLst>
                   <a:ext uri="{FF2B5EF4-FFF2-40B4-BE49-F238E27FC236}">
-                    <a16:creationId xmlns="" xmlns:a16="http://schemas.microsoft.com/office/drawing/2014/main" id="{4790C4EB-51A6-47A8-A8A8-4512E29993BF}"/>
+                    <a16:creationId xmlns:a16="http://schemas.microsoft.com/office/drawing/2014/main" xmlns="" id="{4790C4EB-51A6-47A8-A8A8-4512E29993BF}"/>
                   </a:ext>
                 </a:extLst>
               </p:cNvPr>
@@ -15334,7 +15334,7 @@
                 <p:cNvPr id="1274" name="Elipse 33">
                   <a:extLst>
                     <a:ext uri="{FF2B5EF4-FFF2-40B4-BE49-F238E27FC236}">
-                      <a16:creationId xmlns="" xmlns:a16="http://schemas.microsoft.com/office/drawing/2014/main" id="{4220AA58-9037-4EB3-B6FF-DCA59F478648}"/>
+                      <a16:creationId xmlns:a16="http://schemas.microsoft.com/office/drawing/2014/main" xmlns="" id="{4220AA58-9037-4EB3-B6FF-DCA59F478648}"/>
                     </a:ext>
                   </a:extLst>
                 </p:cNvPr>
@@ -15440,7 +15440,7 @@
                 <p:cNvPr id="1275" name="Retângulo 1274">
                   <a:extLst>
                     <a:ext uri="{FF2B5EF4-FFF2-40B4-BE49-F238E27FC236}">
-                      <a16:creationId xmlns="" xmlns:a16="http://schemas.microsoft.com/office/drawing/2014/main" id="{EDD6858E-0DAF-4AB2-8FC3-EBD8311DDD48}"/>
+                      <a16:creationId xmlns:a16="http://schemas.microsoft.com/office/drawing/2014/main" xmlns="" id="{EDD6858E-0DAF-4AB2-8FC3-EBD8311DDD48}"/>
                     </a:ext>
                   </a:extLst>
                 </p:cNvPr>
@@ -15490,7 +15490,7 @@
                 <p:cNvPr id="1276" name="Retângulo 1275">
                   <a:extLst>
                     <a:ext uri="{FF2B5EF4-FFF2-40B4-BE49-F238E27FC236}">
-                      <a16:creationId xmlns="" xmlns:a16="http://schemas.microsoft.com/office/drawing/2014/main" id="{FA39D428-0503-4DA7-B9DD-F9FF50981228}"/>
+                      <a16:creationId xmlns:a16="http://schemas.microsoft.com/office/drawing/2014/main" xmlns="" id="{FA39D428-0503-4DA7-B9DD-F9FF50981228}"/>
                     </a:ext>
                   </a:extLst>
                 </p:cNvPr>
@@ -15542,7 +15542,7 @@
             <p:cNvPr id="995" name="Grupo 183">
               <a:extLst>
                 <a:ext uri="{FF2B5EF4-FFF2-40B4-BE49-F238E27FC236}">
-                  <a16:creationId xmlns="" xmlns:a16="http://schemas.microsoft.com/office/drawing/2014/main" id="{2DC8F253-EDC2-4B94-8034-7082621E2F0C}"/>
+                  <a16:creationId xmlns:a16="http://schemas.microsoft.com/office/drawing/2014/main" xmlns="" id="{2DC8F253-EDC2-4B94-8034-7082621E2F0C}"/>
                 </a:ext>
               </a:extLst>
             </p:cNvPr>
@@ -15565,7 +15565,7 @@
               <p:cNvPr id="1255" name="Grupo 184">
                 <a:extLst>
                   <a:ext uri="{FF2B5EF4-FFF2-40B4-BE49-F238E27FC236}">
-                    <a16:creationId xmlns="" xmlns:a16="http://schemas.microsoft.com/office/drawing/2014/main" id="{CB91A65A-FE70-491F-9D01-1C582BCBD99D}"/>
+                    <a16:creationId xmlns:a16="http://schemas.microsoft.com/office/drawing/2014/main" xmlns="" id="{CB91A65A-FE70-491F-9D01-1C582BCBD99D}"/>
                   </a:ext>
                 </a:extLst>
               </p:cNvPr>
@@ -15586,7 +15586,7 @@
                 <p:cNvPr id="1268" name="Elipse 33">
                   <a:extLst>
                     <a:ext uri="{FF2B5EF4-FFF2-40B4-BE49-F238E27FC236}">
-                      <a16:creationId xmlns="" xmlns:a16="http://schemas.microsoft.com/office/drawing/2014/main" id="{15679F88-15A4-4ED2-861D-438331EB834A}"/>
+                      <a16:creationId xmlns:a16="http://schemas.microsoft.com/office/drawing/2014/main" xmlns="" id="{15679F88-15A4-4ED2-861D-438331EB834A}"/>
                     </a:ext>
                   </a:extLst>
                 </p:cNvPr>
@@ -15692,7 +15692,7 @@
                 <p:cNvPr id="1269" name="Retângulo 1268">
                   <a:extLst>
                     <a:ext uri="{FF2B5EF4-FFF2-40B4-BE49-F238E27FC236}">
-                      <a16:creationId xmlns="" xmlns:a16="http://schemas.microsoft.com/office/drawing/2014/main" id="{E3470783-EF47-4EDB-8416-DDB2DCB2EDD6}"/>
+                      <a16:creationId xmlns:a16="http://schemas.microsoft.com/office/drawing/2014/main" xmlns="" id="{E3470783-EF47-4EDB-8416-DDB2DCB2EDD6}"/>
                     </a:ext>
                   </a:extLst>
                 </p:cNvPr>
@@ -15742,7 +15742,7 @@
                 <p:cNvPr id="1270" name="Retângulo 1269">
                   <a:extLst>
                     <a:ext uri="{FF2B5EF4-FFF2-40B4-BE49-F238E27FC236}">
-                      <a16:creationId xmlns="" xmlns:a16="http://schemas.microsoft.com/office/drawing/2014/main" id="{FA1EFEE0-C966-4811-BCAC-76C20B1D3B12}"/>
+                      <a16:creationId xmlns:a16="http://schemas.microsoft.com/office/drawing/2014/main" xmlns="" id="{FA1EFEE0-C966-4811-BCAC-76C20B1D3B12}"/>
                     </a:ext>
                   </a:extLst>
                 </p:cNvPr>
@@ -15793,7 +15793,7 @@
               <p:cNvPr id="1256" name="Grupo 185">
                 <a:extLst>
                   <a:ext uri="{FF2B5EF4-FFF2-40B4-BE49-F238E27FC236}">
-                    <a16:creationId xmlns="" xmlns:a16="http://schemas.microsoft.com/office/drawing/2014/main" id="{B9DA4D65-1965-4C19-9850-84E38B8E7E75}"/>
+                    <a16:creationId xmlns:a16="http://schemas.microsoft.com/office/drawing/2014/main" xmlns="" id="{B9DA4D65-1965-4C19-9850-84E38B8E7E75}"/>
                   </a:ext>
                 </a:extLst>
               </p:cNvPr>
@@ -15814,7 +15814,7 @@
                 <p:cNvPr id="1263" name="Elipse 33">
                   <a:extLst>
                     <a:ext uri="{FF2B5EF4-FFF2-40B4-BE49-F238E27FC236}">
-                      <a16:creationId xmlns="" xmlns:a16="http://schemas.microsoft.com/office/drawing/2014/main" id="{ED1A5D2E-B500-46EE-8113-C544DB458D08}"/>
+                      <a16:creationId xmlns:a16="http://schemas.microsoft.com/office/drawing/2014/main" xmlns="" id="{ED1A5D2E-B500-46EE-8113-C544DB458D08}"/>
                     </a:ext>
                   </a:extLst>
                 </p:cNvPr>
@@ -15920,7 +15920,7 @@
                 <p:cNvPr id="1264" name="Grupo 193">
                   <a:extLst>
                     <a:ext uri="{FF2B5EF4-FFF2-40B4-BE49-F238E27FC236}">
-                      <a16:creationId xmlns="" xmlns:a16="http://schemas.microsoft.com/office/drawing/2014/main" id="{26D02EBE-B5EB-477D-B4AF-61B6C9621BEB}"/>
+                      <a16:creationId xmlns:a16="http://schemas.microsoft.com/office/drawing/2014/main" xmlns="" id="{26D02EBE-B5EB-477D-B4AF-61B6C9621BEB}"/>
                     </a:ext>
                   </a:extLst>
                 </p:cNvPr>
@@ -15941,7 +15941,7 @@
                   <p:cNvPr id="1265" name="Retângulo 1264">
                     <a:extLst>
                       <a:ext uri="{FF2B5EF4-FFF2-40B4-BE49-F238E27FC236}">
-                        <a16:creationId xmlns="" xmlns:a16="http://schemas.microsoft.com/office/drawing/2014/main" id="{D5795D06-FB8F-4BBD-87EA-29D3541CDBEE}"/>
+                        <a16:creationId xmlns:a16="http://schemas.microsoft.com/office/drawing/2014/main" xmlns="" id="{D5795D06-FB8F-4BBD-87EA-29D3541CDBEE}"/>
                       </a:ext>
                     </a:extLst>
                   </p:cNvPr>
@@ -15991,7 +15991,7 @@
                   <p:cNvPr id="1266" name="Retângulo 1265">
                     <a:extLst>
                       <a:ext uri="{FF2B5EF4-FFF2-40B4-BE49-F238E27FC236}">
-                        <a16:creationId xmlns="" xmlns:a16="http://schemas.microsoft.com/office/drawing/2014/main" id="{2F0AD953-F103-43F4-B646-D9FA32F48E5E}"/>
+                        <a16:creationId xmlns:a16="http://schemas.microsoft.com/office/drawing/2014/main" xmlns="" id="{2F0AD953-F103-43F4-B646-D9FA32F48E5E}"/>
                       </a:ext>
                     </a:extLst>
                   </p:cNvPr>
@@ -16041,7 +16041,7 @@
                   <p:cNvPr id="1267" name="Retângulo 1266">
                     <a:extLst>
                       <a:ext uri="{FF2B5EF4-FFF2-40B4-BE49-F238E27FC236}">
-                        <a16:creationId xmlns="" xmlns:a16="http://schemas.microsoft.com/office/drawing/2014/main" id="{F07F6C83-309F-4F84-932C-0C93E161826F}"/>
+                        <a16:creationId xmlns:a16="http://schemas.microsoft.com/office/drawing/2014/main" xmlns="" id="{F07F6C83-309F-4F84-932C-0C93E161826F}"/>
                       </a:ext>
                     </a:extLst>
                   </p:cNvPr>
@@ -16093,7 +16093,7 @@
               <p:cNvPr id="1257" name="Grupo 186">
                 <a:extLst>
                   <a:ext uri="{FF2B5EF4-FFF2-40B4-BE49-F238E27FC236}">
-                    <a16:creationId xmlns="" xmlns:a16="http://schemas.microsoft.com/office/drawing/2014/main" id="{E92BC331-D21E-4FEF-A8C1-E8A523A42A12}"/>
+                    <a16:creationId xmlns:a16="http://schemas.microsoft.com/office/drawing/2014/main" xmlns="" id="{E92BC331-D21E-4FEF-A8C1-E8A523A42A12}"/>
                   </a:ext>
                 </a:extLst>
               </p:cNvPr>
@@ -16114,7 +16114,7 @@
                 <p:cNvPr id="1258" name="Elipse 33">
                   <a:extLst>
                     <a:ext uri="{FF2B5EF4-FFF2-40B4-BE49-F238E27FC236}">
-                      <a16:creationId xmlns="" xmlns:a16="http://schemas.microsoft.com/office/drawing/2014/main" id="{F1F38E92-FE3F-40B0-8FE4-03C23D600418}"/>
+                      <a16:creationId xmlns:a16="http://schemas.microsoft.com/office/drawing/2014/main" xmlns="" id="{F1F38E92-FE3F-40B0-8FE4-03C23D600418}"/>
                     </a:ext>
                   </a:extLst>
                 </p:cNvPr>
@@ -16220,7 +16220,7 @@
                 <p:cNvPr id="1259" name="Grupo 188">
                   <a:extLst>
                     <a:ext uri="{FF2B5EF4-FFF2-40B4-BE49-F238E27FC236}">
-                      <a16:creationId xmlns="" xmlns:a16="http://schemas.microsoft.com/office/drawing/2014/main" id="{9FBAC8D0-649E-4CC6-9DAC-EB0A9875AB17}"/>
+                      <a16:creationId xmlns:a16="http://schemas.microsoft.com/office/drawing/2014/main" xmlns="" id="{9FBAC8D0-649E-4CC6-9DAC-EB0A9875AB17}"/>
                     </a:ext>
                   </a:extLst>
                 </p:cNvPr>
@@ -16241,7 +16241,7 @@
                   <p:cNvPr id="1260" name="Retângulo 1259">
                     <a:extLst>
                       <a:ext uri="{FF2B5EF4-FFF2-40B4-BE49-F238E27FC236}">
-                        <a16:creationId xmlns="" xmlns:a16="http://schemas.microsoft.com/office/drawing/2014/main" id="{4F4A111B-3249-46AD-B7A8-0BCA65817DBE}"/>
+                        <a16:creationId xmlns:a16="http://schemas.microsoft.com/office/drawing/2014/main" xmlns="" id="{4F4A111B-3249-46AD-B7A8-0BCA65817DBE}"/>
                       </a:ext>
                     </a:extLst>
                   </p:cNvPr>
@@ -16291,7 +16291,7 @@
                   <p:cNvPr id="1261" name="Retângulo 1260">
                     <a:extLst>
                       <a:ext uri="{FF2B5EF4-FFF2-40B4-BE49-F238E27FC236}">
-                        <a16:creationId xmlns="" xmlns:a16="http://schemas.microsoft.com/office/drawing/2014/main" id="{2AE4EF97-FE4E-4776-9CD1-49156A005D49}"/>
+                        <a16:creationId xmlns:a16="http://schemas.microsoft.com/office/drawing/2014/main" xmlns="" id="{2AE4EF97-FE4E-4776-9CD1-49156A005D49}"/>
                       </a:ext>
                     </a:extLst>
                   </p:cNvPr>
@@ -16341,7 +16341,7 @@
                   <p:cNvPr id="1262" name="Retângulo 1261">
                     <a:extLst>
                       <a:ext uri="{FF2B5EF4-FFF2-40B4-BE49-F238E27FC236}">
-                        <a16:creationId xmlns="" xmlns:a16="http://schemas.microsoft.com/office/drawing/2014/main" id="{0AC056DD-D215-4FC9-8A18-7759AA9506CA}"/>
+                        <a16:creationId xmlns:a16="http://schemas.microsoft.com/office/drawing/2014/main" xmlns="" id="{0AC056DD-D215-4FC9-8A18-7759AA9506CA}"/>
                       </a:ext>
                     </a:extLst>
                   </p:cNvPr>
@@ -16394,7 +16394,7 @@
             <p:cNvPr id="996" name="Grupo 200">
               <a:extLst>
                 <a:ext uri="{FF2B5EF4-FFF2-40B4-BE49-F238E27FC236}">
-                  <a16:creationId xmlns="" xmlns:a16="http://schemas.microsoft.com/office/drawing/2014/main" id="{27ED7A53-B7F8-43C6-9262-2DF1977511AF}"/>
+                  <a16:creationId xmlns:a16="http://schemas.microsoft.com/office/drawing/2014/main" xmlns="" id="{27ED7A53-B7F8-43C6-9262-2DF1977511AF}"/>
                 </a:ext>
               </a:extLst>
             </p:cNvPr>
@@ -16417,7 +16417,7 @@
               <p:cNvPr id="1239" name="Grupo 201">
                 <a:extLst>
                   <a:ext uri="{FF2B5EF4-FFF2-40B4-BE49-F238E27FC236}">
-                    <a16:creationId xmlns="" xmlns:a16="http://schemas.microsoft.com/office/drawing/2014/main" id="{ED2A9770-957A-42DC-A66C-57E0835713B8}"/>
+                    <a16:creationId xmlns:a16="http://schemas.microsoft.com/office/drawing/2014/main" xmlns="" id="{ED2A9770-957A-42DC-A66C-57E0835713B8}"/>
                   </a:ext>
                 </a:extLst>
               </p:cNvPr>
@@ -16438,7 +16438,7 @@
                 <p:cNvPr id="1252" name="Elipse 33">
                   <a:extLst>
                     <a:ext uri="{FF2B5EF4-FFF2-40B4-BE49-F238E27FC236}">
-                      <a16:creationId xmlns="" xmlns:a16="http://schemas.microsoft.com/office/drawing/2014/main" id="{DB2CE547-0850-4ECD-99FE-6CE3E81368B2}"/>
+                      <a16:creationId xmlns:a16="http://schemas.microsoft.com/office/drawing/2014/main" xmlns="" id="{DB2CE547-0850-4ECD-99FE-6CE3E81368B2}"/>
                     </a:ext>
                   </a:extLst>
                 </p:cNvPr>
@@ -16544,7 +16544,7 @@
                 <p:cNvPr id="1253" name="Retângulo 1252">
                   <a:extLst>
                     <a:ext uri="{FF2B5EF4-FFF2-40B4-BE49-F238E27FC236}">
-                      <a16:creationId xmlns="" xmlns:a16="http://schemas.microsoft.com/office/drawing/2014/main" id="{54D43995-DC9C-400F-B61C-3BD4B1ECE394}"/>
+                      <a16:creationId xmlns:a16="http://schemas.microsoft.com/office/drawing/2014/main" xmlns="" id="{54D43995-DC9C-400F-B61C-3BD4B1ECE394}"/>
                     </a:ext>
                   </a:extLst>
                 </p:cNvPr>
@@ -16594,7 +16594,7 @@
                 <p:cNvPr id="1254" name="Retângulo 1253">
                   <a:extLst>
                     <a:ext uri="{FF2B5EF4-FFF2-40B4-BE49-F238E27FC236}">
-                      <a16:creationId xmlns="" xmlns:a16="http://schemas.microsoft.com/office/drawing/2014/main" id="{75CE9E0E-A03C-4723-8FF4-B4EC99F0F846}"/>
+                      <a16:creationId xmlns:a16="http://schemas.microsoft.com/office/drawing/2014/main" xmlns="" id="{75CE9E0E-A03C-4723-8FF4-B4EC99F0F846}"/>
                     </a:ext>
                   </a:extLst>
                 </p:cNvPr>
@@ -16645,7 +16645,7 @@
               <p:cNvPr id="1240" name="Grupo 202">
                 <a:extLst>
                   <a:ext uri="{FF2B5EF4-FFF2-40B4-BE49-F238E27FC236}">
-                    <a16:creationId xmlns="" xmlns:a16="http://schemas.microsoft.com/office/drawing/2014/main" id="{6A51C776-AA83-40AC-9270-D7741543DED7}"/>
+                    <a16:creationId xmlns:a16="http://schemas.microsoft.com/office/drawing/2014/main" xmlns="" id="{6A51C776-AA83-40AC-9270-D7741543DED7}"/>
                   </a:ext>
                 </a:extLst>
               </p:cNvPr>
@@ -16666,7 +16666,7 @@
                 <p:cNvPr id="1247" name="Elipse 33">
                   <a:extLst>
                     <a:ext uri="{FF2B5EF4-FFF2-40B4-BE49-F238E27FC236}">
-                      <a16:creationId xmlns="" xmlns:a16="http://schemas.microsoft.com/office/drawing/2014/main" id="{8FC0BB7E-0865-4EF7-85CC-7938B585D731}"/>
+                      <a16:creationId xmlns:a16="http://schemas.microsoft.com/office/drawing/2014/main" xmlns="" id="{8FC0BB7E-0865-4EF7-85CC-7938B585D731}"/>
                     </a:ext>
                   </a:extLst>
                 </p:cNvPr>
@@ -16772,7 +16772,7 @@
                 <p:cNvPr id="1248" name="Grupo 210">
                   <a:extLst>
                     <a:ext uri="{FF2B5EF4-FFF2-40B4-BE49-F238E27FC236}">
-                      <a16:creationId xmlns="" xmlns:a16="http://schemas.microsoft.com/office/drawing/2014/main" id="{8044DC97-CF42-494B-9E51-65AC1B6A0C2C}"/>
+                      <a16:creationId xmlns:a16="http://schemas.microsoft.com/office/drawing/2014/main" xmlns="" id="{8044DC97-CF42-494B-9E51-65AC1B6A0C2C}"/>
                     </a:ext>
                   </a:extLst>
                 </p:cNvPr>
@@ -16793,7 +16793,7 @@
                   <p:cNvPr id="1249" name="Retângulo 1248">
                     <a:extLst>
                       <a:ext uri="{FF2B5EF4-FFF2-40B4-BE49-F238E27FC236}">
-                        <a16:creationId xmlns="" xmlns:a16="http://schemas.microsoft.com/office/drawing/2014/main" id="{2058BF11-2C49-40A1-AD1E-8B629C7B2A0D}"/>
+                        <a16:creationId xmlns:a16="http://schemas.microsoft.com/office/drawing/2014/main" xmlns="" id="{2058BF11-2C49-40A1-AD1E-8B629C7B2A0D}"/>
                       </a:ext>
                     </a:extLst>
                   </p:cNvPr>
@@ -16843,7 +16843,7 @@
                   <p:cNvPr id="1250" name="Retângulo 1249">
                     <a:extLst>
                       <a:ext uri="{FF2B5EF4-FFF2-40B4-BE49-F238E27FC236}">
-                        <a16:creationId xmlns="" xmlns:a16="http://schemas.microsoft.com/office/drawing/2014/main" id="{8789A371-C372-4427-A854-CD4FC6011C5D}"/>
+                        <a16:creationId xmlns:a16="http://schemas.microsoft.com/office/drawing/2014/main" xmlns="" id="{8789A371-C372-4427-A854-CD4FC6011C5D}"/>
                       </a:ext>
                     </a:extLst>
                   </p:cNvPr>
@@ -16893,7 +16893,7 @@
                   <p:cNvPr id="1251" name="Retângulo 1250">
                     <a:extLst>
                       <a:ext uri="{FF2B5EF4-FFF2-40B4-BE49-F238E27FC236}">
-                        <a16:creationId xmlns="" xmlns:a16="http://schemas.microsoft.com/office/drawing/2014/main" id="{D5160A6F-0B36-452B-A5EE-A3D5DBB7B6CD}"/>
+                        <a16:creationId xmlns:a16="http://schemas.microsoft.com/office/drawing/2014/main" xmlns="" id="{D5160A6F-0B36-452B-A5EE-A3D5DBB7B6CD}"/>
                       </a:ext>
                     </a:extLst>
                   </p:cNvPr>
@@ -16945,7 +16945,7 @@
               <p:cNvPr id="1241" name="Grupo 203">
                 <a:extLst>
                   <a:ext uri="{FF2B5EF4-FFF2-40B4-BE49-F238E27FC236}">
-                    <a16:creationId xmlns="" xmlns:a16="http://schemas.microsoft.com/office/drawing/2014/main" id="{7710E530-21D0-4D32-A348-7A3681DEECBA}"/>
+                    <a16:creationId xmlns:a16="http://schemas.microsoft.com/office/drawing/2014/main" xmlns="" id="{7710E530-21D0-4D32-A348-7A3681DEECBA}"/>
                   </a:ext>
                 </a:extLst>
               </p:cNvPr>
@@ -16966,7 +16966,7 @@
                 <p:cNvPr id="1242" name="Elipse 33">
                   <a:extLst>
                     <a:ext uri="{FF2B5EF4-FFF2-40B4-BE49-F238E27FC236}">
-                      <a16:creationId xmlns="" xmlns:a16="http://schemas.microsoft.com/office/drawing/2014/main" id="{125374C0-6084-4ED8-89A0-9D305D271547}"/>
+                      <a16:creationId xmlns:a16="http://schemas.microsoft.com/office/drawing/2014/main" xmlns="" id="{125374C0-6084-4ED8-89A0-9D305D271547}"/>
                     </a:ext>
                   </a:extLst>
                 </p:cNvPr>
@@ -17072,7 +17072,7 @@
                 <p:cNvPr id="1243" name="Grupo 205">
                   <a:extLst>
                     <a:ext uri="{FF2B5EF4-FFF2-40B4-BE49-F238E27FC236}">
-                      <a16:creationId xmlns="" xmlns:a16="http://schemas.microsoft.com/office/drawing/2014/main" id="{C5B141CB-3724-44AD-99F3-5394A52EC59B}"/>
+                      <a16:creationId xmlns:a16="http://schemas.microsoft.com/office/drawing/2014/main" xmlns="" id="{C5B141CB-3724-44AD-99F3-5394A52EC59B}"/>
                     </a:ext>
                   </a:extLst>
                 </p:cNvPr>
@@ -17093,7 +17093,7 @@
                   <p:cNvPr id="1244" name="Retângulo 1243">
                     <a:extLst>
                       <a:ext uri="{FF2B5EF4-FFF2-40B4-BE49-F238E27FC236}">
-                        <a16:creationId xmlns="" xmlns:a16="http://schemas.microsoft.com/office/drawing/2014/main" id="{A5E5A646-548C-4D55-9553-4DF95E53BC66}"/>
+                        <a16:creationId xmlns:a16="http://schemas.microsoft.com/office/drawing/2014/main" xmlns="" id="{A5E5A646-548C-4D55-9553-4DF95E53BC66}"/>
                       </a:ext>
                     </a:extLst>
                   </p:cNvPr>
@@ -17143,7 +17143,7 @@
                   <p:cNvPr id="1245" name="Retângulo 1244">
                     <a:extLst>
                       <a:ext uri="{FF2B5EF4-FFF2-40B4-BE49-F238E27FC236}">
-                        <a16:creationId xmlns="" xmlns:a16="http://schemas.microsoft.com/office/drawing/2014/main" id="{3E489D84-3136-4C77-8035-4ABB312D1E62}"/>
+                        <a16:creationId xmlns:a16="http://schemas.microsoft.com/office/drawing/2014/main" xmlns="" id="{3E489D84-3136-4C77-8035-4ABB312D1E62}"/>
                       </a:ext>
                     </a:extLst>
                   </p:cNvPr>
@@ -17193,7 +17193,7 @@
                   <p:cNvPr id="1246" name="Retângulo 1245">
                     <a:extLst>
                       <a:ext uri="{FF2B5EF4-FFF2-40B4-BE49-F238E27FC236}">
-                        <a16:creationId xmlns="" xmlns:a16="http://schemas.microsoft.com/office/drawing/2014/main" id="{B2B08686-EC79-4355-9DCD-06187410883F}"/>
+                        <a16:creationId xmlns:a16="http://schemas.microsoft.com/office/drawing/2014/main" xmlns="" id="{B2B08686-EC79-4355-9DCD-06187410883F}"/>
                       </a:ext>
                     </a:extLst>
                   </p:cNvPr>
@@ -17246,7 +17246,7 @@
             <p:cNvPr id="997" name="Grupo 217">
               <a:extLst>
                 <a:ext uri="{FF2B5EF4-FFF2-40B4-BE49-F238E27FC236}">
-                  <a16:creationId xmlns="" xmlns:a16="http://schemas.microsoft.com/office/drawing/2014/main" id="{08E8388B-4457-4542-A9DA-810F2B166F14}"/>
+                  <a16:creationId xmlns:a16="http://schemas.microsoft.com/office/drawing/2014/main" xmlns="" id="{08E8388B-4457-4542-A9DA-810F2B166F14}"/>
                 </a:ext>
               </a:extLst>
             </p:cNvPr>
@@ -17269,7 +17269,7 @@
               <p:cNvPr id="1227" name="Grupo 218">
                 <a:extLst>
                   <a:ext uri="{FF2B5EF4-FFF2-40B4-BE49-F238E27FC236}">
-                    <a16:creationId xmlns="" xmlns:a16="http://schemas.microsoft.com/office/drawing/2014/main" id="{D242A19D-65C8-4254-BC3C-6190BE71B8A6}"/>
+                    <a16:creationId xmlns:a16="http://schemas.microsoft.com/office/drawing/2014/main" xmlns="" id="{D242A19D-65C8-4254-BC3C-6190BE71B8A6}"/>
                   </a:ext>
                 </a:extLst>
               </p:cNvPr>
@@ -17290,7 +17290,7 @@
                 <p:cNvPr id="1236" name="Elipse 33">
                   <a:extLst>
                     <a:ext uri="{FF2B5EF4-FFF2-40B4-BE49-F238E27FC236}">
-                      <a16:creationId xmlns="" xmlns:a16="http://schemas.microsoft.com/office/drawing/2014/main" id="{C5E48245-AE2E-475A-9875-B38B6E26B62B}"/>
+                      <a16:creationId xmlns:a16="http://schemas.microsoft.com/office/drawing/2014/main" xmlns="" id="{C5E48245-AE2E-475A-9875-B38B6E26B62B}"/>
                     </a:ext>
                   </a:extLst>
                 </p:cNvPr>
@@ -17396,7 +17396,7 @@
                 <p:cNvPr id="1237" name="Retângulo 1236">
                   <a:extLst>
                     <a:ext uri="{FF2B5EF4-FFF2-40B4-BE49-F238E27FC236}">
-                      <a16:creationId xmlns="" xmlns:a16="http://schemas.microsoft.com/office/drawing/2014/main" id="{F916A828-92E1-44DA-8FB1-31A4CC3C497F}"/>
+                      <a16:creationId xmlns:a16="http://schemas.microsoft.com/office/drawing/2014/main" xmlns="" id="{F916A828-92E1-44DA-8FB1-31A4CC3C497F}"/>
                     </a:ext>
                   </a:extLst>
                 </p:cNvPr>
@@ -17446,7 +17446,7 @@
                 <p:cNvPr id="1238" name="Retângulo 1237">
                   <a:extLst>
                     <a:ext uri="{FF2B5EF4-FFF2-40B4-BE49-F238E27FC236}">
-                      <a16:creationId xmlns="" xmlns:a16="http://schemas.microsoft.com/office/drawing/2014/main" id="{3BC858C9-D7A1-472E-8B65-8338F9F8D14F}"/>
+                      <a16:creationId xmlns:a16="http://schemas.microsoft.com/office/drawing/2014/main" xmlns="" id="{3BC858C9-D7A1-472E-8B65-8338F9F8D14F}"/>
                     </a:ext>
                   </a:extLst>
                 </p:cNvPr>
@@ -17497,7 +17497,7 @@
               <p:cNvPr id="1228" name="Grupo 219">
                 <a:extLst>
                   <a:ext uri="{FF2B5EF4-FFF2-40B4-BE49-F238E27FC236}">
-                    <a16:creationId xmlns="" xmlns:a16="http://schemas.microsoft.com/office/drawing/2014/main" id="{4C0FED6B-9CEF-4BE2-BE1F-9F4924AD4FF6}"/>
+                    <a16:creationId xmlns:a16="http://schemas.microsoft.com/office/drawing/2014/main" xmlns="" id="{4C0FED6B-9CEF-4BE2-BE1F-9F4924AD4FF6}"/>
                   </a:ext>
                 </a:extLst>
               </p:cNvPr>
@@ -17518,7 +17518,7 @@
                 <p:cNvPr id="1233" name="Elipse 33">
                   <a:extLst>
                     <a:ext uri="{FF2B5EF4-FFF2-40B4-BE49-F238E27FC236}">
-                      <a16:creationId xmlns="" xmlns:a16="http://schemas.microsoft.com/office/drawing/2014/main" id="{2D00C342-4A8F-45EA-8D2A-10D6A0494E72}"/>
+                      <a16:creationId xmlns:a16="http://schemas.microsoft.com/office/drawing/2014/main" xmlns="" id="{2D00C342-4A8F-45EA-8D2A-10D6A0494E72}"/>
                     </a:ext>
                   </a:extLst>
                 </p:cNvPr>
@@ -17624,7 +17624,7 @@
                 <p:cNvPr id="1234" name="Retângulo 1233">
                   <a:extLst>
                     <a:ext uri="{FF2B5EF4-FFF2-40B4-BE49-F238E27FC236}">
-                      <a16:creationId xmlns="" xmlns:a16="http://schemas.microsoft.com/office/drawing/2014/main" id="{B2098D4E-F6D8-4D73-A3A4-B18147A55B97}"/>
+                      <a16:creationId xmlns:a16="http://schemas.microsoft.com/office/drawing/2014/main" xmlns="" id="{B2098D4E-F6D8-4D73-A3A4-B18147A55B97}"/>
                     </a:ext>
                   </a:extLst>
                 </p:cNvPr>
@@ -17674,7 +17674,7 @@
                 <p:cNvPr id="1235" name="Retângulo 1234">
                   <a:extLst>
                     <a:ext uri="{FF2B5EF4-FFF2-40B4-BE49-F238E27FC236}">
-                      <a16:creationId xmlns="" xmlns:a16="http://schemas.microsoft.com/office/drawing/2014/main" id="{89599353-B710-4A81-BF7F-DC2FF59025F9}"/>
+                      <a16:creationId xmlns:a16="http://schemas.microsoft.com/office/drawing/2014/main" xmlns="" id="{89599353-B710-4A81-BF7F-DC2FF59025F9}"/>
                     </a:ext>
                   </a:extLst>
                 </p:cNvPr>
@@ -17725,7 +17725,7 @@
               <p:cNvPr id="1229" name="Grupo 220">
                 <a:extLst>
                   <a:ext uri="{FF2B5EF4-FFF2-40B4-BE49-F238E27FC236}">
-                    <a16:creationId xmlns="" xmlns:a16="http://schemas.microsoft.com/office/drawing/2014/main" id="{CECAC883-2567-4E58-B3AB-D214421EBDF5}"/>
+                    <a16:creationId xmlns:a16="http://schemas.microsoft.com/office/drawing/2014/main" xmlns="" id="{CECAC883-2567-4E58-B3AB-D214421EBDF5}"/>
                   </a:ext>
                 </a:extLst>
               </p:cNvPr>
@@ -17746,7 +17746,7 @@
                 <p:cNvPr id="1230" name="Retângulo 1229">
                   <a:extLst>
                     <a:ext uri="{FF2B5EF4-FFF2-40B4-BE49-F238E27FC236}">
-                      <a16:creationId xmlns="" xmlns:a16="http://schemas.microsoft.com/office/drawing/2014/main" id="{323F3EBF-307C-450A-981C-382131C618FF}"/>
+                      <a16:creationId xmlns:a16="http://schemas.microsoft.com/office/drawing/2014/main" xmlns="" id="{323F3EBF-307C-450A-981C-382131C618FF}"/>
                     </a:ext>
                   </a:extLst>
                 </p:cNvPr>
@@ -17796,7 +17796,7 @@
                 <p:cNvPr id="1231" name="Retângulo 1230">
                   <a:extLst>
                     <a:ext uri="{FF2B5EF4-FFF2-40B4-BE49-F238E27FC236}">
-                      <a16:creationId xmlns="" xmlns:a16="http://schemas.microsoft.com/office/drawing/2014/main" id="{AA514B71-C999-4FF6-9FA1-A2E2D90C7F57}"/>
+                      <a16:creationId xmlns:a16="http://schemas.microsoft.com/office/drawing/2014/main" xmlns="" id="{AA514B71-C999-4FF6-9FA1-A2E2D90C7F57}"/>
                     </a:ext>
                   </a:extLst>
                 </p:cNvPr>
@@ -17846,7 +17846,7 @@
                 <p:cNvPr id="1232" name="Retângulo 1231">
                   <a:extLst>
                     <a:ext uri="{FF2B5EF4-FFF2-40B4-BE49-F238E27FC236}">
-                      <a16:creationId xmlns="" xmlns:a16="http://schemas.microsoft.com/office/drawing/2014/main" id="{CA0A548A-9861-4F94-906A-DB082D952A11}"/>
+                      <a16:creationId xmlns:a16="http://schemas.microsoft.com/office/drawing/2014/main" xmlns="" id="{CA0A548A-9861-4F94-906A-DB082D952A11}"/>
                     </a:ext>
                   </a:extLst>
                 </p:cNvPr>
@@ -17898,7 +17898,7 @@
             <p:cNvPr id="998" name="Elipse 33">
               <a:extLst>
                 <a:ext uri="{FF2B5EF4-FFF2-40B4-BE49-F238E27FC236}">
-                  <a16:creationId xmlns="" xmlns:a16="http://schemas.microsoft.com/office/drawing/2014/main" id="{A753BA50-261B-401C-A121-DC5D2FC56B2A}"/>
+                  <a16:creationId xmlns:a16="http://schemas.microsoft.com/office/drawing/2014/main" xmlns="" id="{A753BA50-261B-401C-A121-DC5D2FC56B2A}"/>
                 </a:ext>
               </a:extLst>
             </p:cNvPr>
@@ -18006,7 +18006,7 @@
             <p:cNvPr id="999" name="Grupo 231">
               <a:extLst>
                 <a:ext uri="{FF2B5EF4-FFF2-40B4-BE49-F238E27FC236}">
-                  <a16:creationId xmlns="" xmlns:a16="http://schemas.microsoft.com/office/drawing/2014/main" id="{0AFEA62D-A570-43A6-A790-90CA5E8D60BE}"/>
+                  <a16:creationId xmlns:a16="http://schemas.microsoft.com/office/drawing/2014/main" xmlns="" id="{0AFEA62D-A570-43A6-A790-90CA5E8D60BE}"/>
                 </a:ext>
               </a:extLst>
             </p:cNvPr>
@@ -18029,7 +18029,7 @@
               <p:cNvPr id="1210" name="Grupo 232">
                 <a:extLst>
                   <a:ext uri="{FF2B5EF4-FFF2-40B4-BE49-F238E27FC236}">
-                    <a16:creationId xmlns="" xmlns:a16="http://schemas.microsoft.com/office/drawing/2014/main" id="{360829DA-C60B-4505-989A-FD614DD10CA8}"/>
+                    <a16:creationId xmlns:a16="http://schemas.microsoft.com/office/drawing/2014/main" xmlns="" id="{360829DA-C60B-4505-989A-FD614DD10CA8}"/>
                   </a:ext>
                 </a:extLst>
               </p:cNvPr>
@@ -18050,7 +18050,7 @@
                 <p:cNvPr id="1224" name="Elipse 33">
                   <a:extLst>
                     <a:ext uri="{FF2B5EF4-FFF2-40B4-BE49-F238E27FC236}">
-                      <a16:creationId xmlns="" xmlns:a16="http://schemas.microsoft.com/office/drawing/2014/main" id="{3E4672E4-6F50-4F6B-8209-33CFA6667F1C}"/>
+                      <a16:creationId xmlns:a16="http://schemas.microsoft.com/office/drawing/2014/main" xmlns="" id="{3E4672E4-6F50-4F6B-8209-33CFA6667F1C}"/>
                     </a:ext>
                   </a:extLst>
                 </p:cNvPr>
@@ -18156,7 +18156,7 @@
                 <p:cNvPr id="1225" name="Retângulo 1224">
                   <a:extLst>
                     <a:ext uri="{FF2B5EF4-FFF2-40B4-BE49-F238E27FC236}">
-                      <a16:creationId xmlns="" xmlns:a16="http://schemas.microsoft.com/office/drawing/2014/main" id="{F75162BC-3899-475E-A001-31DD6A64656A}"/>
+                      <a16:creationId xmlns:a16="http://schemas.microsoft.com/office/drawing/2014/main" xmlns="" id="{F75162BC-3899-475E-A001-31DD6A64656A}"/>
                     </a:ext>
                   </a:extLst>
                 </p:cNvPr>
@@ -18206,7 +18206,7 @@
                 <p:cNvPr id="1226" name="Retângulo 1225">
                   <a:extLst>
                     <a:ext uri="{FF2B5EF4-FFF2-40B4-BE49-F238E27FC236}">
-                      <a16:creationId xmlns="" xmlns:a16="http://schemas.microsoft.com/office/drawing/2014/main" id="{72B40A09-528F-4882-AA88-D10EEF382F1E}"/>
+                      <a16:creationId xmlns:a16="http://schemas.microsoft.com/office/drawing/2014/main" xmlns="" id="{72B40A09-528F-4882-AA88-D10EEF382F1E}"/>
                     </a:ext>
                   </a:extLst>
                 </p:cNvPr>
@@ -18257,7 +18257,7 @@
               <p:cNvPr id="1211" name="Grupo 233">
                 <a:extLst>
                   <a:ext uri="{FF2B5EF4-FFF2-40B4-BE49-F238E27FC236}">
-                    <a16:creationId xmlns="" xmlns:a16="http://schemas.microsoft.com/office/drawing/2014/main" id="{EEC8C5A0-D830-49D7-80D7-EB4EB583D625}"/>
+                    <a16:creationId xmlns:a16="http://schemas.microsoft.com/office/drawing/2014/main" xmlns="" id="{EEC8C5A0-D830-49D7-80D7-EB4EB583D625}"/>
                   </a:ext>
                 </a:extLst>
               </p:cNvPr>
@@ -18278,7 +18278,7 @@
                 <p:cNvPr id="1219" name="Elipse 33">
                   <a:extLst>
                     <a:ext uri="{FF2B5EF4-FFF2-40B4-BE49-F238E27FC236}">
-                      <a16:creationId xmlns="" xmlns:a16="http://schemas.microsoft.com/office/drawing/2014/main" id="{0E0C9208-63B2-43E4-85D3-819C74181934}"/>
+                      <a16:creationId xmlns:a16="http://schemas.microsoft.com/office/drawing/2014/main" xmlns="" id="{0E0C9208-63B2-43E4-85D3-819C74181934}"/>
                     </a:ext>
                   </a:extLst>
                 </p:cNvPr>
@@ -18384,7 +18384,7 @@
                 <p:cNvPr id="1220" name="Grupo 242">
                   <a:extLst>
                     <a:ext uri="{FF2B5EF4-FFF2-40B4-BE49-F238E27FC236}">
-                      <a16:creationId xmlns="" xmlns:a16="http://schemas.microsoft.com/office/drawing/2014/main" id="{FBFA305D-984D-4BCD-B9EA-5810EA9B891E}"/>
+                      <a16:creationId xmlns:a16="http://schemas.microsoft.com/office/drawing/2014/main" xmlns="" id="{FBFA305D-984D-4BCD-B9EA-5810EA9B891E}"/>
                     </a:ext>
                   </a:extLst>
                 </p:cNvPr>
@@ -18405,7 +18405,7 @@
                   <p:cNvPr id="1221" name="Retângulo 1220">
                     <a:extLst>
                       <a:ext uri="{FF2B5EF4-FFF2-40B4-BE49-F238E27FC236}">
-                        <a16:creationId xmlns="" xmlns:a16="http://schemas.microsoft.com/office/drawing/2014/main" id="{30261F31-F120-4BE4-B03D-592A29BFF186}"/>
+                        <a16:creationId xmlns:a16="http://schemas.microsoft.com/office/drawing/2014/main" xmlns="" id="{30261F31-F120-4BE4-B03D-592A29BFF186}"/>
                       </a:ext>
                     </a:extLst>
                   </p:cNvPr>
@@ -18455,7 +18455,7 @@
                   <p:cNvPr id="1222" name="Retângulo 1221">
                     <a:extLst>
                       <a:ext uri="{FF2B5EF4-FFF2-40B4-BE49-F238E27FC236}">
-                        <a16:creationId xmlns="" xmlns:a16="http://schemas.microsoft.com/office/drawing/2014/main" id="{A0D1104E-7779-4E48-9FDF-1E1983DE2090}"/>
+                        <a16:creationId xmlns:a16="http://schemas.microsoft.com/office/drawing/2014/main" xmlns="" id="{A0D1104E-7779-4E48-9FDF-1E1983DE2090}"/>
                       </a:ext>
                     </a:extLst>
                   </p:cNvPr>
@@ -18505,7 +18505,7 @@
                   <p:cNvPr id="1223" name="Retângulo 1222">
                     <a:extLst>
                       <a:ext uri="{FF2B5EF4-FFF2-40B4-BE49-F238E27FC236}">
-                        <a16:creationId xmlns="" xmlns:a16="http://schemas.microsoft.com/office/drawing/2014/main" id="{524510A2-3391-4373-9356-2FA2077F88F8}"/>
+                        <a16:creationId xmlns:a16="http://schemas.microsoft.com/office/drawing/2014/main" xmlns="" id="{524510A2-3391-4373-9356-2FA2077F88F8}"/>
                       </a:ext>
                     </a:extLst>
                   </p:cNvPr>
@@ -18557,7 +18557,7 @@
               <p:cNvPr id="1212" name="Grupo 234">
                 <a:extLst>
                   <a:ext uri="{FF2B5EF4-FFF2-40B4-BE49-F238E27FC236}">
-                    <a16:creationId xmlns="" xmlns:a16="http://schemas.microsoft.com/office/drawing/2014/main" id="{BD416010-3B7C-4D32-93EF-5C77127D78AF}"/>
+                    <a16:creationId xmlns:a16="http://schemas.microsoft.com/office/drawing/2014/main" xmlns="" id="{BD416010-3B7C-4D32-93EF-5C77127D78AF}"/>
                   </a:ext>
                 </a:extLst>
               </p:cNvPr>
@@ -18578,7 +18578,7 @@
                 <p:cNvPr id="1214" name="Elipse 33">
                   <a:extLst>
                     <a:ext uri="{FF2B5EF4-FFF2-40B4-BE49-F238E27FC236}">
-                      <a16:creationId xmlns="" xmlns:a16="http://schemas.microsoft.com/office/drawing/2014/main" id="{EF447CFE-B77D-4C63-A3B3-93255330D659}"/>
+                      <a16:creationId xmlns:a16="http://schemas.microsoft.com/office/drawing/2014/main" xmlns="" id="{EF447CFE-B77D-4C63-A3B3-93255330D659}"/>
                     </a:ext>
                   </a:extLst>
                 </p:cNvPr>
@@ -18684,7 +18684,7 @@
                 <p:cNvPr id="1215" name="Grupo 237">
                   <a:extLst>
                     <a:ext uri="{FF2B5EF4-FFF2-40B4-BE49-F238E27FC236}">
-                      <a16:creationId xmlns="" xmlns:a16="http://schemas.microsoft.com/office/drawing/2014/main" id="{77872ED8-ABC5-4B60-BDAD-E7D4F51AB396}"/>
+                      <a16:creationId xmlns:a16="http://schemas.microsoft.com/office/drawing/2014/main" xmlns="" id="{77872ED8-ABC5-4B60-BDAD-E7D4F51AB396}"/>
                     </a:ext>
                   </a:extLst>
                 </p:cNvPr>
@@ -18705,7 +18705,7 @@
                   <p:cNvPr id="1216" name="Retângulo 1215">
                     <a:extLst>
                       <a:ext uri="{FF2B5EF4-FFF2-40B4-BE49-F238E27FC236}">
-                        <a16:creationId xmlns="" xmlns:a16="http://schemas.microsoft.com/office/drawing/2014/main" id="{F85BAEEC-4446-4923-A257-26D13481A528}"/>
+                        <a16:creationId xmlns:a16="http://schemas.microsoft.com/office/drawing/2014/main" xmlns="" id="{F85BAEEC-4446-4923-A257-26D13481A528}"/>
                       </a:ext>
                     </a:extLst>
                   </p:cNvPr>
@@ -18755,7 +18755,7 @@
                   <p:cNvPr id="1217" name="Retângulo 1216">
                     <a:extLst>
                       <a:ext uri="{FF2B5EF4-FFF2-40B4-BE49-F238E27FC236}">
-                        <a16:creationId xmlns="" xmlns:a16="http://schemas.microsoft.com/office/drawing/2014/main" id="{8E8D0488-EDFD-4E9C-BB00-2EE9D11D0D0C}"/>
+                        <a16:creationId xmlns:a16="http://schemas.microsoft.com/office/drawing/2014/main" xmlns="" id="{8E8D0488-EDFD-4E9C-BB00-2EE9D11D0D0C}"/>
                       </a:ext>
                     </a:extLst>
                   </p:cNvPr>
@@ -18805,7 +18805,7 @@
                   <p:cNvPr id="1218" name="Retângulo 1217">
                     <a:extLst>
                       <a:ext uri="{FF2B5EF4-FFF2-40B4-BE49-F238E27FC236}">
-                        <a16:creationId xmlns="" xmlns:a16="http://schemas.microsoft.com/office/drawing/2014/main" id="{CAF879B1-E392-40B6-BF2D-14DDE777FD49}"/>
+                        <a16:creationId xmlns:a16="http://schemas.microsoft.com/office/drawing/2014/main" xmlns="" id="{CAF879B1-E392-40B6-BF2D-14DDE777FD49}"/>
                       </a:ext>
                     </a:extLst>
                   </p:cNvPr>
@@ -18857,7 +18857,7 @@
               <p:cNvPr id="1213" name="Retângulo 1212">
                 <a:extLst>
                   <a:ext uri="{FF2B5EF4-FFF2-40B4-BE49-F238E27FC236}">
-                    <a16:creationId xmlns="" xmlns:a16="http://schemas.microsoft.com/office/drawing/2014/main" id="{7FB80AE1-2867-49AE-B9C2-11677716A3CF}"/>
+                    <a16:creationId xmlns:a16="http://schemas.microsoft.com/office/drawing/2014/main" xmlns="" id="{7FB80AE1-2867-49AE-B9C2-11677716A3CF}"/>
                   </a:ext>
                 </a:extLst>
               </p:cNvPr>
@@ -18908,7 +18908,7 @@
             <p:cNvPr id="1000" name="Grupo 249">
               <a:extLst>
                 <a:ext uri="{FF2B5EF4-FFF2-40B4-BE49-F238E27FC236}">
-                  <a16:creationId xmlns="" xmlns:a16="http://schemas.microsoft.com/office/drawing/2014/main" id="{EDA7D84A-049B-4F59-882B-72D6D481829A}"/>
+                  <a16:creationId xmlns:a16="http://schemas.microsoft.com/office/drawing/2014/main" xmlns="" id="{EDA7D84A-049B-4F59-882B-72D6D481829A}"/>
                 </a:ext>
               </a:extLst>
             </p:cNvPr>
@@ -18931,7 +18931,7 @@
               <p:cNvPr id="1202" name="Retângulo 1201">
                 <a:extLst>
                   <a:ext uri="{FF2B5EF4-FFF2-40B4-BE49-F238E27FC236}">
-                    <a16:creationId xmlns="" xmlns:a16="http://schemas.microsoft.com/office/drawing/2014/main" id="{69134FDF-D588-4A80-9784-09B31E887428}"/>
+                    <a16:creationId xmlns:a16="http://schemas.microsoft.com/office/drawing/2014/main" xmlns="" id="{69134FDF-D588-4A80-9784-09B31E887428}"/>
                   </a:ext>
                 </a:extLst>
               </p:cNvPr>
@@ -18981,7 +18981,7 @@
               <p:cNvPr id="1203" name="Grupo 316">
                 <a:extLst>
                   <a:ext uri="{FF2B5EF4-FFF2-40B4-BE49-F238E27FC236}">
-                    <a16:creationId xmlns="" xmlns:a16="http://schemas.microsoft.com/office/drawing/2014/main" id="{C49B0176-C4C3-4BE5-A21A-B5A66C86C53A}"/>
+                    <a16:creationId xmlns:a16="http://schemas.microsoft.com/office/drawing/2014/main" xmlns="" id="{C49B0176-C4C3-4BE5-A21A-B5A66C86C53A}"/>
                   </a:ext>
                 </a:extLst>
               </p:cNvPr>
@@ -19002,7 +19002,7 @@
                 <p:cNvPr id="1207" name="Retângulo 1206">
                   <a:extLst>
                     <a:ext uri="{FF2B5EF4-FFF2-40B4-BE49-F238E27FC236}">
-                      <a16:creationId xmlns="" xmlns:a16="http://schemas.microsoft.com/office/drawing/2014/main" id="{77509C1B-DF90-4A05-8DA8-9429588DDB36}"/>
+                      <a16:creationId xmlns:a16="http://schemas.microsoft.com/office/drawing/2014/main" xmlns="" id="{77509C1B-DF90-4A05-8DA8-9429588DDB36}"/>
                     </a:ext>
                   </a:extLst>
                 </p:cNvPr>
@@ -19052,7 +19052,7 @@
                 <p:cNvPr id="1208" name="Retângulo 1207">
                   <a:extLst>
                     <a:ext uri="{FF2B5EF4-FFF2-40B4-BE49-F238E27FC236}">
-                      <a16:creationId xmlns="" xmlns:a16="http://schemas.microsoft.com/office/drawing/2014/main" id="{0984E376-3AFF-4750-91B0-ECF8424F08D6}"/>
+                      <a16:creationId xmlns:a16="http://schemas.microsoft.com/office/drawing/2014/main" xmlns="" id="{0984E376-3AFF-4750-91B0-ECF8424F08D6}"/>
                     </a:ext>
                   </a:extLst>
                 </p:cNvPr>
@@ -19102,7 +19102,7 @@
                 <p:cNvPr id="1209" name="Retângulo 1208">
                   <a:extLst>
                     <a:ext uri="{FF2B5EF4-FFF2-40B4-BE49-F238E27FC236}">
-                      <a16:creationId xmlns="" xmlns:a16="http://schemas.microsoft.com/office/drawing/2014/main" id="{25401BAC-D5D8-42ED-854E-084D2875441D}"/>
+                      <a16:creationId xmlns:a16="http://schemas.microsoft.com/office/drawing/2014/main" xmlns="" id="{25401BAC-D5D8-42ED-854E-084D2875441D}"/>
                     </a:ext>
                   </a:extLst>
                 </p:cNvPr>
@@ -19153,7 +19153,7 @@
               <p:cNvPr id="1204" name="Retângulo 1203">
                 <a:extLst>
                   <a:ext uri="{FF2B5EF4-FFF2-40B4-BE49-F238E27FC236}">
-                    <a16:creationId xmlns="" xmlns:a16="http://schemas.microsoft.com/office/drawing/2014/main" id="{2D61EBB1-4899-48E4-ACE1-D93777960809}"/>
+                    <a16:creationId xmlns:a16="http://schemas.microsoft.com/office/drawing/2014/main" xmlns="" id="{2D61EBB1-4899-48E4-ACE1-D93777960809}"/>
                   </a:ext>
                 </a:extLst>
               </p:cNvPr>
@@ -19203,7 +19203,7 @@
               <p:cNvPr id="1205" name="Retângulo 1204">
                 <a:extLst>
                   <a:ext uri="{FF2B5EF4-FFF2-40B4-BE49-F238E27FC236}">
-                    <a16:creationId xmlns="" xmlns:a16="http://schemas.microsoft.com/office/drawing/2014/main" id="{4D686182-D2E6-4E50-89DA-954DD9B250C3}"/>
+                    <a16:creationId xmlns:a16="http://schemas.microsoft.com/office/drawing/2014/main" xmlns="" id="{4D686182-D2E6-4E50-89DA-954DD9B250C3}"/>
                   </a:ext>
                 </a:extLst>
               </p:cNvPr>
@@ -19253,7 +19253,7 @@
               <p:cNvPr id="1206" name="Fluxograma: Atraso 52">
                 <a:extLst>
                   <a:ext uri="{FF2B5EF4-FFF2-40B4-BE49-F238E27FC236}">
-                    <a16:creationId xmlns="" xmlns:a16="http://schemas.microsoft.com/office/drawing/2014/main" id="{005558F2-3CD4-4B80-987A-0B05F4C50D5A}"/>
+                    <a16:creationId xmlns:a16="http://schemas.microsoft.com/office/drawing/2014/main" xmlns="" id="{005558F2-3CD4-4B80-987A-0B05F4C50D5A}"/>
                   </a:ext>
                 </a:extLst>
               </p:cNvPr>
@@ -19352,7 +19352,7 @@
             <p:cNvPr id="1001" name="Grupo 323">
               <a:extLst>
                 <a:ext uri="{FF2B5EF4-FFF2-40B4-BE49-F238E27FC236}">
-                  <a16:creationId xmlns="" xmlns:a16="http://schemas.microsoft.com/office/drawing/2014/main" id="{8BE48256-B4CF-4A82-B9C1-6EE4D64AA5EB}"/>
+                  <a16:creationId xmlns:a16="http://schemas.microsoft.com/office/drawing/2014/main" xmlns="" id="{8BE48256-B4CF-4A82-B9C1-6EE4D64AA5EB}"/>
                 </a:ext>
               </a:extLst>
             </p:cNvPr>
@@ -19375,7 +19375,7 @@
               <p:cNvPr id="1198" name="Coração 55">
                 <a:extLst>
                   <a:ext uri="{FF2B5EF4-FFF2-40B4-BE49-F238E27FC236}">
-                    <a16:creationId xmlns="" xmlns:a16="http://schemas.microsoft.com/office/drawing/2014/main" id="{B06BA092-A4F8-4095-8090-54516CD3368A}"/>
+                    <a16:creationId xmlns:a16="http://schemas.microsoft.com/office/drawing/2014/main" xmlns="" id="{B06BA092-A4F8-4095-8090-54516CD3368A}"/>
                   </a:ext>
                 </a:extLst>
               </p:cNvPr>
@@ -19471,7 +19471,7 @@
               <p:cNvPr id="1199" name="Grupo 325">
                 <a:extLst>
                   <a:ext uri="{FF2B5EF4-FFF2-40B4-BE49-F238E27FC236}">
-                    <a16:creationId xmlns="" xmlns:a16="http://schemas.microsoft.com/office/drawing/2014/main" id="{5081A98D-7232-4316-8E62-D6C4CDC4D0E1}"/>
+                    <a16:creationId xmlns:a16="http://schemas.microsoft.com/office/drawing/2014/main" xmlns="" id="{5081A98D-7232-4316-8E62-D6C4CDC4D0E1}"/>
                   </a:ext>
                 </a:extLst>
               </p:cNvPr>
@@ -19492,7 +19492,7 @@
                 <p:cNvPr id="1200" name="Rosca 326">
                   <a:extLst>
                     <a:ext uri="{FF2B5EF4-FFF2-40B4-BE49-F238E27FC236}">
-                      <a16:creationId xmlns="" xmlns:a16="http://schemas.microsoft.com/office/drawing/2014/main" id="{FA33989C-8379-435D-B6EA-ADB6ABA89336}"/>
+                      <a16:creationId xmlns:a16="http://schemas.microsoft.com/office/drawing/2014/main" xmlns="" id="{FA33989C-8379-435D-B6EA-ADB6ABA89336}"/>
                     </a:ext>
                   </a:extLst>
                 </p:cNvPr>
@@ -19548,7 +19548,7 @@
                 <p:cNvPr id="1201" name="Rosca 327">
                   <a:extLst>
                     <a:ext uri="{FF2B5EF4-FFF2-40B4-BE49-F238E27FC236}">
-                      <a16:creationId xmlns="" xmlns:a16="http://schemas.microsoft.com/office/drawing/2014/main" id="{A8EA0EF0-FD99-4FDE-9292-E375C17CAB92}"/>
+                      <a16:creationId xmlns:a16="http://schemas.microsoft.com/office/drawing/2014/main" xmlns="" id="{A8EA0EF0-FD99-4FDE-9292-E375C17CAB92}"/>
                     </a:ext>
                   </a:extLst>
                 </p:cNvPr>
@@ -19601,14 +19601,14 @@
             </p:sp>
           </p:grpSp>
         </p:grpSp>
-        <mc:AlternateContent xmlns:mc="http://schemas.openxmlformats.org/markup-compatibility/2006">
-          <mc:Choice xmlns:a14="http://schemas.microsoft.com/office/drawing/2010/main" Requires="a14">
+        <mc:AlternateContent xmlns:mc="http://schemas.openxmlformats.org/markup-compatibility/2006" xmlns:a14="http://schemas.microsoft.com/office/drawing/2010/main">
+          <mc:Choice Requires="a14">
             <p:sp>
               <p:nvSpPr>
                 <p:cNvPr id="1002" name="Retângulo 1001">
                   <a:extLst>
                     <a:ext uri="{FF2B5EF4-FFF2-40B4-BE49-F238E27FC236}">
-                      <a16:creationId xmlns="" xmlns:a16="http://schemas.microsoft.com/office/drawing/2014/main" id="{A5A4B766-5A9F-48EF-8C14-D3A0DBE3E1AA}"/>
+                      <a16:creationId xmlns:a16="http://schemas.microsoft.com/office/drawing/2014/main" xmlns="" id="{A5A4B766-5A9F-48EF-8C14-D3A0DBE3E1AA}"/>
                     </a:ext>
                   </a:extLst>
                 </p:cNvPr>
@@ -19659,7 +19659,7 @@
               </p:txBody>
             </p:sp>
           </mc:Choice>
-          <mc:Fallback>
+          <mc:Fallback xmlns="">
             <p:sp>
               <p:nvSpPr>
                 <p:cNvPr id="1002" name="Retângulo 1001">
@@ -19709,7 +19709,7 @@
             <p:cNvPr id="1003" name="Grupo 113">
               <a:extLst>
                 <a:ext uri="{FF2B5EF4-FFF2-40B4-BE49-F238E27FC236}">
-                  <a16:creationId xmlns="" xmlns:a16="http://schemas.microsoft.com/office/drawing/2014/main" id="{3D89F614-E619-4BA8-83F8-DE0E8D18A898}"/>
+                  <a16:creationId xmlns:a16="http://schemas.microsoft.com/office/drawing/2014/main" xmlns="" id="{3D89F614-E619-4BA8-83F8-DE0E8D18A898}"/>
                 </a:ext>
               </a:extLst>
             </p:cNvPr>
@@ -19732,7 +19732,7 @@
               <p:cNvPr id="1190" name="Grupo 114">
                 <a:extLst>
                   <a:ext uri="{FF2B5EF4-FFF2-40B4-BE49-F238E27FC236}">
-                    <a16:creationId xmlns="" xmlns:a16="http://schemas.microsoft.com/office/drawing/2014/main" id="{C56F0803-C5A3-473D-8C80-36A328ED3569}"/>
+                    <a16:creationId xmlns:a16="http://schemas.microsoft.com/office/drawing/2014/main" xmlns="" id="{C56F0803-C5A3-473D-8C80-36A328ED3569}"/>
                   </a:ext>
                 </a:extLst>
               </p:cNvPr>
@@ -19753,7 +19753,7 @@
                 <p:cNvPr id="1195" name="Elipse 33">
                   <a:extLst>
                     <a:ext uri="{FF2B5EF4-FFF2-40B4-BE49-F238E27FC236}">
-                      <a16:creationId xmlns="" xmlns:a16="http://schemas.microsoft.com/office/drawing/2014/main" id="{AF9E060D-9662-423B-8A01-F24E99834503}"/>
+                      <a16:creationId xmlns:a16="http://schemas.microsoft.com/office/drawing/2014/main" xmlns="" id="{AF9E060D-9662-423B-8A01-F24E99834503}"/>
                     </a:ext>
                   </a:extLst>
                 </p:cNvPr>
@@ -19859,7 +19859,7 @@
                 <p:cNvPr id="1196" name="Retângulo 1195">
                   <a:extLst>
                     <a:ext uri="{FF2B5EF4-FFF2-40B4-BE49-F238E27FC236}">
-                      <a16:creationId xmlns="" xmlns:a16="http://schemas.microsoft.com/office/drawing/2014/main" id="{C3D5459E-58FF-4F38-A4D6-D9AD13554E0F}"/>
+                      <a16:creationId xmlns:a16="http://schemas.microsoft.com/office/drawing/2014/main" xmlns="" id="{C3D5459E-58FF-4F38-A4D6-D9AD13554E0F}"/>
                     </a:ext>
                   </a:extLst>
                 </p:cNvPr>
@@ -19909,7 +19909,7 @@
                 <p:cNvPr id="1197" name="Retângulo 1196">
                   <a:extLst>
                     <a:ext uri="{FF2B5EF4-FFF2-40B4-BE49-F238E27FC236}">
-                      <a16:creationId xmlns="" xmlns:a16="http://schemas.microsoft.com/office/drawing/2014/main" id="{6A85C799-5FE6-410B-8C4E-3B1295463C2E}"/>
+                      <a16:creationId xmlns:a16="http://schemas.microsoft.com/office/drawing/2014/main" xmlns="" id="{6A85C799-5FE6-410B-8C4E-3B1295463C2E}"/>
                     </a:ext>
                   </a:extLst>
                 </p:cNvPr>
@@ -19960,7 +19960,7 @@
               <p:cNvPr id="1191" name="Grupo 115">
                 <a:extLst>
                   <a:ext uri="{FF2B5EF4-FFF2-40B4-BE49-F238E27FC236}">
-                    <a16:creationId xmlns="" xmlns:a16="http://schemas.microsoft.com/office/drawing/2014/main" id="{FFAFB24B-979E-4DE8-B406-D88BDD4CD6D0}"/>
+                    <a16:creationId xmlns:a16="http://schemas.microsoft.com/office/drawing/2014/main" xmlns="" id="{FFAFB24B-979E-4DE8-B406-D88BDD4CD6D0}"/>
                   </a:ext>
                 </a:extLst>
               </p:cNvPr>
@@ -19981,7 +19981,7 @@
                 <p:cNvPr id="1192" name="Elipse 33">
                   <a:extLst>
                     <a:ext uri="{FF2B5EF4-FFF2-40B4-BE49-F238E27FC236}">
-                      <a16:creationId xmlns="" xmlns:a16="http://schemas.microsoft.com/office/drawing/2014/main" id="{34F0A60C-076B-4694-8134-706DD1A5881F}"/>
+                      <a16:creationId xmlns:a16="http://schemas.microsoft.com/office/drawing/2014/main" xmlns="" id="{34F0A60C-076B-4694-8134-706DD1A5881F}"/>
                     </a:ext>
                   </a:extLst>
                 </p:cNvPr>
@@ -20087,7 +20087,7 @@
                 <p:cNvPr id="1193" name="Retângulo 1192">
                   <a:extLst>
                     <a:ext uri="{FF2B5EF4-FFF2-40B4-BE49-F238E27FC236}">
-                      <a16:creationId xmlns="" xmlns:a16="http://schemas.microsoft.com/office/drawing/2014/main" id="{925F4712-CAE0-4B8A-9235-AE2B5A63FB2E}"/>
+                      <a16:creationId xmlns:a16="http://schemas.microsoft.com/office/drawing/2014/main" xmlns="" id="{925F4712-CAE0-4B8A-9235-AE2B5A63FB2E}"/>
                     </a:ext>
                   </a:extLst>
                 </p:cNvPr>
@@ -20137,7 +20137,7 @@
                 <p:cNvPr id="1194" name="Retângulo 1193">
                   <a:extLst>
                     <a:ext uri="{FF2B5EF4-FFF2-40B4-BE49-F238E27FC236}">
-                      <a16:creationId xmlns="" xmlns:a16="http://schemas.microsoft.com/office/drawing/2014/main" id="{56CF3DAE-7141-40BA-85B8-1183991E431E}"/>
+                      <a16:creationId xmlns:a16="http://schemas.microsoft.com/office/drawing/2014/main" xmlns="" id="{56CF3DAE-7141-40BA-85B8-1183991E431E}"/>
                     </a:ext>
                   </a:extLst>
                 </p:cNvPr>
@@ -20189,7 +20189,7 @@
             <p:cNvPr id="1004" name="Grupo 91">
               <a:extLst>
                 <a:ext uri="{FF2B5EF4-FFF2-40B4-BE49-F238E27FC236}">
-                  <a16:creationId xmlns="" xmlns:a16="http://schemas.microsoft.com/office/drawing/2014/main" id="{89324E3D-54FB-4BC2-B126-0C0E23777E64}"/>
+                  <a16:creationId xmlns:a16="http://schemas.microsoft.com/office/drawing/2014/main" xmlns="" id="{89324E3D-54FB-4BC2-B126-0C0E23777E64}"/>
                 </a:ext>
               </a:extLst>
             </p:cNvPr>
@@ -20212,7 +20212,7 @@
               <p:cNvPr id="1182" name="Grupo 92">
                 <a:extLst>
                   <a:ext uri="{FF2B5EF4-FFF2-40B4-BE49-F238E27FC236}">
-                    <a16:creationId xmlns="" xmlns:a16="http://schemas.microsoft.com/office/drawing/2014/main" id="{460650E8-D2D0-47F7-B88F-775646975587}"/>
+                    <a16:creationId xmlns:a16="http://schemas.microsoft.com/office/drawing/2014/main" xmlns="" id="{460650E8-D2D0-47F7-B88F-775646975587}"/>
                   </a:ext>
                 </a:extLst>
               </p:cNvPr>
@@ -20233,7 +20233,7 @@
                 <p:cNvPr id="1187" name="Elipse 33">
                   <a:extLst>
                     <a:ext uri="{FF2B5EF4-FFF2-40B4-BE49-F238E27FC236}">
-                      <a16:creationId xmlns="" xmlns:a16="http://schemas.microsoft.com/office/drawing/2014/main" id="{6463F635-F75E-4CBF-B861-8158300C253F}"/>
+                      <a16:creationId xmlns:a16="http://schemas.microsoft.com/office/drawing/2014/main" xmlns="" id="{6463F635-F75E-4CBF-B861-8158300C253F}"/>
                     </a:ext>
                   </a:extLst>
                 </p:cNvPr>
@@ -20339,7 +20339,7 @@
                 <p:cNvPr id="1188" name="Retângulo 1187">
                   <a:extLst>
                     <a:ext uri="{FF2B5EF4-FFF2-40B4-BE49-F238E27FC236}">
-                      <a16:creationId xmlns="" xmlns:a16="http://schemas.microsoft.com/office/drawing/2014/main" id="{20CB7CBE-4CAF-4F29-A989-168E5857CAE0}"/>
+                      <a16:creationId xmlns:a16="http://schemas.microsoft.com/office/drawing/2014/main" xmlns="" id="{20CB7CBE-4CAF-4F29-A989-168E5857CAE0}"/>
                     </a:ext>
                   </a:extLst>
                 </p:cNvPr>
@@ -20389,7 +20389,7 @@
                 <p:cNvPr id="1189" name="Retângulo 1188">
                   <a:extLst>
                     <a:ext uri="{FF2B5EF4-FFF2-40B4-BE49-F238E27FC236}">
-                      <a16:creationId xmlns="" xmlns:a16="http://schemas.microsoft.com/office/drawing/2014/main" id="{53BE901E-F611-4711-99B0-F672139CF60C}"/>
+                      <a16:creationId xmlns:a16="http://schemas.microsoft.com/office/drawing/2014/main" xmlns="" id="{53BE901E-F611-4711-99B0-F672139CF60C}"/>
                     </a:ext>
                   </a:extLst>
                 </p:cNvPr>
@@ -20440,7 +20440,7 @@
               <p:cNvPr id="1183" name="Grupo 93">
                 <a:extLst>
                   <a:ext uri="{FF2B5EF4-FFF2-40B4-BE49-F238E27FC236}">
-                    <a16:creationId xmlns="" xmlns:a16="http://schemas.microsoft.com/office/drawing/2014/main" id="{099BADCE-21CE-4973-872B-D3F997A908A5}"/>
+                    <a16:creationId xmlns:a16="http://schemas.microsoft.com/office/drawing/2014/main" xmlns="" id="{099BADCE-21CE-4973-872B-D3F997A908A5}"/>
                   </a:ext>
                 </a:extLst>
               </p:cNvPr>
@@ -20461,7 +20461,7 @@
                 <p:cNvPr id="1184" name="Elipse 33">
                   <a:extLst>
                     <a:ext uri="{FF2B5EF4-FFF2-40B4-BE49-F238E27FC236}">
-                      <a16:creationId xmlns="" xmlns:a16="http://schemas.microsoft.com/office/drawing/2014/main" id="{4D2F1AB2-01B5-425D-AFB7-E0FCE796EBD4}"/>
+                      <a16:creationId xmlns:a16="http://schemas.microsoft.com/office/drawing/2014/main" xmlns="" id="{4D2F1AB2-01B5-425D-AFB7-E0FCE796EBD4}"/>
                     </a:ext>
                   </a:extLst>
                 </p:cNvPr>
@@ -20567,7 +20567,7 @@
                 <p:cNvPr id="1185" name="Retângulo 1184">
                   <a:extLst>
                     <a:ext uri="{FF2B5EF4-FFF2-40B4-BE49-F238E27FC236}">
-                      <a16:creationId xmlns="" xmlns:a16="http://schemas.microsoft.com/office/drawing/2014/main" id="{B01178D5-6103-492E-B3BD-34FED1279466}"/>
+                      <a16:creationId xmlns:a16="http://schemas.microsoft.com/office/drawing/2014/main" xmlns="" id="{B01178D5-6103-492E-B3BD-34FED1279466}"/>
                     </a:ext>
                   </a:extLst>
                 </p:cNvPr>
@@ -20617,7 +20617,7 @@
                 <p:cNvPr id="1186" name="Retângulo 1185">
                   <a:extLst>
                     <a:ext uri="{FF2B5EF4-FFF2-40B4-BE49-F238E27FC236}">
-                      <a16:creationId xmlns="" xmlns:a16="http://schemas.microsoft.com/office/drawing/2014/main" id="{49B10D7D-3873-4780-987A-0C54E66B4879}"/>
+                      <a16:creationId xmlns:a16="http://schemas.microsoft.com/office/drawing/2014/main" xmlns="" id="{49B10D7D-3873-4780-987A-0C54E66B4879}"/>
                     </a:ext>
                   </a:extLst>
                 </p:cNvPr>
@@ -20669,7 +20669,7 @@
             <p:cNvPr id="1005" name="Grupo 69">
               <a:extLst>
                 <a:ext uri="{FF2B5EF4-FFF2-40B4-BE49-F238E27FC236}">
-                  <a16:creationId xmlns="" xmlns:a16="http://schemas.microsoft.com/office/drawing/2014/main" id="{970182E6-5A6B-41AD-BB96-7AEA5B8CA2EE}"/>
+                  <a16:creationId xmlns:a16="http://schemas.microsoft.com/office/drawing/2014/main" xmlns="" id="{970182E6-5A6B-41AD-BB96-7AEA5B8CA2EE}"/>
                 </a:ext>
               </a:extLst>
             </p:cNvPr>
@@ -20692,7 +20692,7 @@
               <p:cNvPr id="1174" name="Grupo 70">
                 <a:extLst>
                   <a:ext uri="{FF2B5EF4-FFF2-40B4-BE49-F238E27FC236}">
-                    <a16:creationId xmlns="" xmlns:a16="http://schemas.microsoft.com/office/drawing/2014/main" id="{9546EED1-0D83-45B1-A4A8-1C40637F80DF}"/>
+                    <a16:creationId xmlns:a16="http://schemas.microsoft.com/office/drawing/2014/main" xmlns="" id="{9546EED1-0D83-45B1-A4A8-1C40637F80DF}"/>
                   </a:ext>
                 </a:extLst>
               </p:cNvPr>
@@ -20713,7 +20713,7 @@
                 <p:cNvPr id="1179" name="Elipse 33">
                   <a:extLst>
                     <a:ext uri="{FF2B5EF4-FFF2-40B4-BE49-F238E27FC236}">
-                      <a16:creationId xmlns="" xmlns:a16="http://schemas.microsoft.com/office/drawing/2014/main" id="{E23D7E4C-693B-4A33-AE99-D5B892326121}"/>
+                      <a16:creationId xmlns:a16="http://schemas.microsoft.com/office/drawing/2014/main" xmlns="" id="{E23D7E4C-693B-4A33-AE99-D5B892326121}"/>
                     </a:ext>
                   </a:extLst>
                 </p:cNvPr>
@@ -20819,7 +20819,7 @@
                 <p:cNvPr id="1180" name="Retângulo 1179">
                   <a:extLst>
                     <a:ext uri="{FF2B5EF4-FFF2-40B4-BE49-F238E27FC236}">
-                      <a16:creationId xmlns="" xmlns:a16="http://schemas.microsoft.com/office/drawing/2014/main" id="{0814F825-ED3D-44BA-AB6C-85D7AAA145DB}"/>
+                      <a16:creationId xmlns:a16="http://schemas.microsoft.com/office/drawing/2014/main" xmlns="" id="{0814F825-ED3D-44BA-AB6C-85D7AAA145DB}"/>
                     </a:ext>
                   </a:extLst>
                 </p:cNvPr>
@@ -20869,7 +20869,7 @@
                 <p:cNvPr id="1181" name="Retângulo 1180">
                   <a:extLst>
                     <a:ext uri="{FF2B5EF4-FFF2-40B4-BE49-F238E27FC236}">
-                      <a16:creationId xmlns="" xmlns:a16="http://schemas.microsoft.com/office/drawing/2014/main" id="{B2194175-86BB-4552-9B0D-8D42CD15B222}"/>
+                      <a16:creationId xmlns:a16="http://schemas.microsoft.com/office/drawing/2014/main" xmlns="" id="{B2194175-86BB-4552-9B0D-8D42CD15B222}"/>
                     </a:ext>
                   </a:extLst>
                 </p:cNvPr>
@@ -20920,7 +20920,7 @@
               <p:cNvPr id="1175" name="Grupo 71">
                 <a:extLst>
                   <a:ext uri="{FF2B5EF4-FFF2-40B4-BE49-F238E27FC236}">
-                    <a16:creationId xmlns="" xmlns:a16="http://schemas.microsoft.com/office/drawing/2014/main" id="{7B5F74EC-7B22-41CA-824C-4036341F73FA}"/>
+                    <a16:creationId xmlns:a16="http://schemas.microsoft.com/office/drawing/2014/main" xmlns="" id="{7B5F74EC-7B22-41CA-824C-4036341F73FA}"/>
                   </a:ext>
                 </a:extLst>
               </p:cNvPr>
@@ -20941,7 +20941,7 @@
                 <p:cNvPr id="1176" name="Elipse 33">
                   <a:extLst>
                     <a:ext uri="{FF2B5EF4-FFF2-40B4-BE49-F238E27FC236}">
-                      <a16:creationId xmlns="" xmlns:a16="http://schemas.microsoft.com/office/drawing/2014/main" id="{55399454-559E-4A22-ADBE-1D3487A50064}"/>
+                      <a16:creationId xmlns:a16="http://schemas.microsoft.com/office/drawing/2014/main" xmlns="" id="{55399454-559E-4A22-ADBE-1D3487A50064}"/>
                     </a:ext>
                   </a:extLst>
                 </p:cNvPr>
@@ -21047,7 +21047,7 @@
                 <p:cNvPr id="1177" name="Retângulo 1176">
                   <a:extLst>
                     <a:ext uri="{FF2B5EF4-FFF2-40B4-BE49-F238E27FC236}">
-                      <a16:creationId xmlns="" xmlns:a16="http://schemas.microsoft.com/office/drawing/2014/main" id="{04CAE185-942A-42E2-BFBD-5D91B08702EC}"/>
+                      <a16:creationId xmlns:a16="http://schemas.microsoft.com/office/drawing/2014/main" xmlns="" id="{04CAE185-942A-42E2-BFBD-5D91B08702EC}"/>
                     </a:ext>
                   </a:extLst>
                 </p:cNvPr>
@@ -21097,7 +21097,7 @@
                 <p:cNvPr id="1178" name="Retângulo 1177">
                   <a:extLst>
                     <a:ext uri="{FF2B5EF4-FFF2-40B4-BE49-F238E27FC236}">
-                      <a16:creationId xmlns="" xmlns:a16="http://schemas.microsoft.com/office/drawing/2014/main" id="{70A1EC37-C961-4395-81C8-40F84D511C9A}"/>
+                      <a16:creationId xmlns:a16="http://schemas.microsoft.com/office/drawing/2014/main" xmlns="" id="{70A1EC37-C961-4395-81C8-40F84D511C9A}"/>
                     </a:ext>
                   </a:extLst>
                 </p:cNvPr>
@@ -21149,7 +21149,7 @@
             <p:cNvPr id="1006" name="Grupo 78">
               <a:extLst>
                 <a:ext uri="{FF2B5EF4-FFF2-40B4-BE49-F238E27FC236}">
-                  <a16:creationId xmlns="" xmlns:a16="http://schemas.microsoft.com/office/drawing/2014/main" id="{4B628DEC-E05E-4CF8-AF44-F23E5562F6FB}"/>
+                  <a16:creationId xmlns:a16="http://schemas.microsoft.com/office/drawing/2014/main" xmlns="" id="{4B628DEC-E05E-4CF8-AF44-F23E5562F6FB}"/>
                 </a:ext>
               </a:extLst>
             </p:cNvPr>
@@ -21172,7 +21172,7 @@
               <p:cNvPr id="1162" name="Grupo 79">
                 <a:extLst>
                   <a:ext uri="{FF2B5EF4-FFF2-40B4-BE49-F238E27FC236}">
-                    <a16:creationId xmlns="" xmlns:a16="http://schemas.microsoft.com/office/drawing/2014/main" id="{3149AB7B-7D22-4636-8B45-5B7C89B457E8}"/>
+                    <a16:creationId xmlns:a16="http://schemas.microsoft.com/office/drawing/2014/main" xmlns="" id="{3149AB7B-7D22-4636-8B45-5B7C89B457E8}"/>
                   </a:ext>
                 </a:extLst>
               </p:cNvPr>
@@ -21193,7 +21193,7 @@
                 <p:cNvPr id="1169" name="Elipse 33">
                   <a:extLst>
                     <a:ext uri="{FF2B5EF4-FFF2-40B4-BE49-F238E27FC236}">
-                      <a16:creationId xmlns="" xmlns:a16="http://schemas.microsoft.com/office/drawing/2014/main" id="{1B9770E7-CAE5-4901-8CF2-917928A0DC08}"/>
+                      <a16:creationId xmlns:a16="http://schemas.microsoft.com/office/drawing/2014/main" xmlns="" id="{1B9770E7-CAE5-4901-8CF2-917928A0DC08}"/>
                     </a:ext>
                   </a:extLst>
                 </p:cNvPr>
@@ -21299,7 +21299,7 @@
                 <p:cNvPr id="1170" name="Grupo 87">
                   <a:extLst>
                     <a:ext uri="{FF2B5EF4-FFF2-40B4-BE49-F238E27FC236}">
-                      <a16:creationId xmlns="" xmlns:a16="http://schemas.microsoft.com/office/drawing/2014/main" id="{5CB8BA33-A6BB-4142-BDD0-65B37695627F}"/>
+                      <a16:creationId xmlns:a16="http://schemas.microsoft.com/office/drawing/2014/main" xmlns="" id="{5CB8BA33-A6BB-4142-BDD0-65B37695627F}"/>
                     </a:ext>
                   </a:extLst>
                 </p:cNvPr>
@@ -21320,7 +21320,7 @@
                   <p:cNvPr id="1171" name="Retângulo 1170">
                     <a:extLst>
                       <a:ext uri="{FF2B5EF4-FFF2-40B4-BE49-F238E27FC236}">
-                        <a16:creationId xmlns="" xmlns:a16="http://schemas.microsoft.com/office/drawing/2014/main" id="{B4C584B1-F14B-4C3F-8AC8-F5D95B9B3F24}"/>
+                        <a16:creationId xmlns:a16="http://schemas.microsoft.com/office/drawing/2014/main" xmlns="" id="{B4C584B1-F14B-4C3F-8AC8-F5D95B9B3F24}"/>
                       </a:ext>
                     </a:extLst>
                   </p:cNvPr>
@@ -21370,7 +21370,7 @@
                   <p:cNvPr id="1172" name="Retângulo 1171">
                     <a:extLst>
                       <a:ext uri="{FF2B5EF4-FFF2-40B4-BE49-F238E27FC236}">
-                        <a16:creationId xmlns="" xmlns:a16="http://schemas.microsoft.com/office/drawing/2014/main" id="{7401B213-B6F4-423E-8580-4168EE3FD648}"/>
+                        <a16:creationId xmlns:a16="http://schemas.microsoft.com/office/drawing/2014/main" xmlns="" id="{7401B213-B6F4-423E-8580-4168EE3FD648}"/>
                       </a:ext>
                     </a:extLst>
                   </p:cNvPr>
@@ -21420,7 +21420,7 @@
                   <p:cNvPr id="1173" name="Retângulo 1172">
                     <a:extLst>
                       <a:ext uri="{FF2B5EF4-FFF2-40B4-BE49-F238E27FC236}">
-                        <a16:creationId xmlns="" xmlns:a16="http://schemas.microsoft.com/office/drawing/2014/main" id="{264DEA0D-961A-49B7-B484-59DD7D8042DF}"/>
+                        <a16:creationId xmlns:a16="http://schemas.microsoft.com/office/drawing/2014/main" xmlns="" id="{264DEA0D-961A-49B7-B484-59DD7D8042DF}"/>
                       </a:ext>
                     </a:extLst>
                   </p:cNvPr>
@@ -21472,7 +21472,7 @@
               <p:cNvPr id="1163" name="Grupo 80">
                 <a:extLst>
                   <a:ext uri="{FF2B5EF4-FFF2-40B4-BE49-F238E27FC236}">
-                    <a16:creationId xmlns="" xmlns:a16="http://schemas.microsoft.com/office/drawing/2014/main" id="{5CA469B1-287C-41F3-9158-2C9C4CB50BDC}"/>
+                    <a16:creationId xmlns:a16="http://schemas.microsoft.com/office/drawing/2014/main" xmlns="" id="{5CA469B1-287C-41F3-9158-2C9C4CB50BDC}"/>
                   </a:ext>
                 </a:extLst>
               </p:cNvPr>
@@ -21493,7 +21493,7 @@
                 <p:cNvPr id="1164" name="Elipse 33">
                   <a:extLst>
                     <a:ext uri="{FF2B5EF4-FFF2-40B4-BE49-F238E27FC236}">
-                      <a16:creationId xmlns="" xmlns:a16="http://schemas.microsoft.com/office/drawing/2014/main" id="{66623905-31B6-4EE4-9E9E-5CF9A87AAF49}"/>
+                      <a16:creationId xmlns:a16="http://schemas.microsoft.com/office/drawing/2014/main" xmlns="" id="{66623905-31B6-4EE4-9E9E-5CF9A87AAF49}"/>
                     </a:ext>
                   </a:extLst>
                 </p:cNvPr>
@@ -21599,7 +21599,7 @@
                 <p:cNvPr id="1165" name="Grupo 82">
                   <a:extLst>
                     <a:ext uri="{FF2B5EF4-FFF2-40B4-BE49-F238E27FC236}">
-                      <a16:creationId xmlns="" xmlns:a16="http://schemas.microsoft.com/office/drawing/2014/main" id="{B2CD9BB4-857C-4FF2-B096-29FF04284C93}"/>
+                      <a16:creationId xmlns:a16="http://schemas.microsoft.com/office/drawing/2014/main" xmlns="" id="{B2CD9BB4-857C-4FF2-B096-29FF04284C93}"/>
                     </a:ext>
                   </a:extLst>
                 </p:cNvPr>
@@ -21620,7 +21620,7 @@
                   <p:cNvPr id="1166" name="Retângulo 1165">
                     <a:extLst>
                       <a:ext uri="{FF2B5EF4-FFF2-40B4-BE49-F238E27FC236}">
-                        <a16:creationId xmlns="" xmlns:a16="http://schemas.microsoft.com/office/drawing/2014/main" id="{E328DDE0-D9B0-43C0-BD1E-092B40C90F43}"/>
+                        <a16:creationId xmlns:a16="http://schemas.microsoft.com/office/drawing/2014/main" xmlns="" id="{E328DDE0-D9B0-43C0-BD1E-092B40C90F43}"/>
                       </a:ext>
                     </a:extLst>
                   </p:cNvPr>
@@ -21670,7 +21670,7 @@
                   <p:cNvPr id="1167" name="Retângulo 1166">
                     <a:extLst>
                       <a:ext uri="{FF2B5EF4-FFF2-40B4-BE49-F238E27FC236}">
-                        <a16:creationId xmlns="" xmlns:a16="http://schemas.microsoft.com/office/drawing/2014/main" id="{830C59EC-C737-4E3B-94F2-DE3B8FEBE9C3}"/>
+                        <a16:creationId xmlns:a16="http://schemas.microsoft.com/office/drawing/2014/main" xmlns="" id="{830C59EC-C737-4E3B-94F2-DE3B8FEBE9C3}"/>
                       </a:ext>
                     </a:extLst>
                   </p:cNvPr>
@@ -21720,7 +21720,7 @@
                   <p:cNvPr id="1168" name="Retângulo 1167">
                     <a:extLst>
                       <a:ext uri="{FF2B5EF4-FFF2-40B4-BE49-F238E27FC236}">
-                        <a16:creationId xmlns="" xmlns:a16="http://schemas.microsoft.com/office/drawing/2014/main" id="{FB0FE3D3-7562-4498-AAAB-B3EABFD4188B}"/>
+                        <a16:creationId xmlns:a16="http://schemas.microsoft.com/office/drawing/2014/main" xmlns="" id="{FB0FE3D3-7562-4498-AAAB-B3EABFD4188B}"/>
                       </a:ext>
                     </a:extLst>
                   </p:cNvPr>
@@ -21773,7 +21773,7 @@
             <p:cNvPr id="1007" name="Grupo 100">
               <a:extLst>
                 <a:ext uri="{FF2B5EF4-FFF2-40B4-BE49-F238E27FC236}">
-                  <a16:creationId xmlns="" xmlns:a16="http://schemas.microsoft.com/office/drawing/2014/main" id="{944DA45D-A155-4DD7-B72B-B198B813D486}"/>
+                  <a16:creationId xmlns:a16="http://schemas.microsoft.com/office/drawing/2014/main" xmlns="" id="{944DA45D-A155-4DD7-B72B-B198B813D486}"/>
                 </a:ext>
               </a:extLst>
             </p:cNvPr>
@@ -21796,7 +21796,7 @@
               <p:cNvPr id="1150" name="Grupo 101">
                 <a:extLst>
                   <a:ext uri="{FF2B5EF4-FFF2-40B4-BE49-F238E27FC236}">
-                    <a16:creationId xmlns="" xmlns:a16="http://schemas.microsoft.com/office/drawing/2014/main" id="{B86B04D3-95DE-40C8-AA1D-42B88AB9F633}"/>
+                    <a16:creationId xmlns:a16="http://schemas.microsoft.com/office/drawing/2014/main" xmlns="" id="{B86B04D3-95DE-40C8-AA1D-42B88AB9F633}"/>
                   </a:ext>
                 </a:extLst>
               </p:cNvPr>
@@ -21817,7 +21817,7 @@
                 <p:cNvPr id="1157" name="Elipse 33">
                   <a:extLst>
                     <a:ext uri="{FF2B5EF4-FFF2-40B4-BE49-F238E27FC236}">
-                      <a16:creationId xmlns="" xmlns:a16="http://schemas.microsoft.com/office/drawing/2014/main" id="{D59E3E8C-78BB-49A9-9AAE-B7B61ED3E458}"/>
+                      <a16:creationId xmlns:a16="http://schemas.microsoft.com/office/drawing/2014/main" xmlns="" id="{D59E3E8C-78BB-49A9-9AAE-B7B61ED3E458}"/>
                     </a:ext>
                   </a:extLst>
                 </p:cNvPr>
@@ -21923,7 +21923,7 @@
                 <p:cNvPr id="1158" name="Grupo 109">
                   <a:extLst>
                     <a:ext uri="{FF2B5EF4-FFF2-40B4-BE49-F238E27FC236}">
-                      <a16:creationId xmlns="" xmlns:a16="http://schemas.microsoft.com/office/drawing/2014/main" id="{65C8198E-47C6-4CDE-AD7D-19BB32B457F6}"/>
+                      <a16:creationId xmlns:a16="http://schemas.microsoft.com/office/drawing/2014/main" xmlns="" id="{65C8198E-47C6-4CDE-AD7D-19BB32B457F6}"/>
                     </a:ext>
                   </a:extLst>
                 </p:cNvPr>
@@ -21944,7 +21944,7 @@
                   <p:cNvPr id="1159" name="Retângulo 1158">
                     <a:extLst>
                       <a:ext uri="{FF2B5EF4-FFF2-40B4-BE49-F238E27FC236}">
-                        <a16:creationId xmlns="" xmlns:a16="http://schemas.microsoft.com/office/drawing/2014/main" id="{836081D1-8700-4986-92D9-11157713EE08}"/>
+                        <a16:creationId xmlns:a16="http://schemas.microsoft.com/office/drawing/2014/main" xmlns="" id="{836081D1-8700-4986-92D9-11157713EE08}"/>
                       </a:ext>
                     </a:extLst>
                   </p:cNvPr>
@@ -21994,7 +21994,7 @@
                   <p:cNvPr id="1160" name="Retângulo 1159">
                     <a:extLst>
                       <a:ext uri="{FF2B5EF4-FFF2-40B4-BE49-F238E27FC236}">
-                        <a16:creationId xmlns="" xmlns:a16="http://schemas.microsoft.com/office/drawing/2014/main" id="{8E230582-35D6-4D6B-90E6-22D668593E72}"/>
+                        <a16:creationId xmlns:a16="http://schemas.microsoft.com/office/drawing/2014/main" xmlns="" id="{8E230582-35D6-4D6B-90E6-22D668593E72}"/>
                       </a:ext>
                     </a:extLst>
                   </p:cNvPr>
@@ -22044,7 +22044,7 @@
                   <p:cNvPr id="1161" name="Retângulo 1160">
                     <a:extLst>
                       <a:ext uri="{FF2B5EF4-FFF2-40B4-BE49-F238E27FC236}">
-                        <a16:creationId xmlns="" xmlns:a16="http://schemas.microsoft.com/office/drawing/2014/main" id="{52E1690E-6D51-4BBE-9FCF-090AD43831B8}"/>
+                        <a16:creationId xmlns:a16="http://schemas.microsoft.com/office/drawing/2014/main" xmlns="" id="{52E1690E-6D51-4BBE-9FCF-090AD43831B8}"/>
                       </a:ext>
                     </a:extLst>
                   </p:cNvPr>
@@ -22096,7 +22096,7 @@
               <p:cNvPr id="1151" name="Grupo 102">
                 <a:extLst>
                   <a:ext uri="{FF2B5EF4-FFF2-40B4-BE49-F238E27FC236}">
-                    <a16:creationId xmlns="" xmlns:a16="http://schemas.microsoft.com/office/drawing/2014/main" id="{65A4FE08-2E35-4192-B97D-BA3C5931EE12}"/>
+                    <a16:creationId xmlns:a16="http://schemas.microsoft.com/office/drawing/2014/main" xmlns="" id="{65A4FE08-2E35-4192-B97D-BA3C5931EE12}"/>
                   </a:ext>
                 </a:extLst>
               </p:cNvPr>
@@ -22117,7 +22117,7 @@
                 <p:cNvPr id="1152" name="Elipse 33">
                   <a:extLst>
                     <a:ext uri="{FF2B5EF4-FFF2-40B4-BE49-F238E27FC236}">
-                      <a16:creationId xmlns="" xmlns:a16="http://schemas.microsoft.com/office/drawing/2014/main" id="{D265B89A-714B-4CDF-BCEC-C7375D3AE022}"/>
+                      <a16:creationId xmlns:a16="http://schemas.microsoft.com/office/drawing/2014/main" xmlns="" id="{D265B89A-714B-4CDF-BCEC-C7375D3AE022}"/>
                     </a:ext>
                   </a:extLst>
                 </p:cNvPr>
@@ -22223,7 +22223,7 @@
                 <p:cNvPr id="1153" name="Grupo 104">
                   <a:extLst>
                     <a:ext uri="{FF2B5EF4-FFF2-40B4-BE49-F238E27FC236}">
-                      <a16:creationId xmlns="" xmlns:a16="http://schemas.microsoft.com/office/drawing/2014/main" id="{31A6EED4-F3C9-40E8-A407-49BDC4F4F405}"/>
+                      <a16:creationId xmlns:a16="http://schemas.microsoft.com/office/drawing/2014/main" xmlns="" id="{31A6EED4-F3C9-40E8-A407-49BDC4F4F405}"/>
                     </a:ext>
                   </a:extLst>
                 </p:cNvPr>
@@ -22244,7 +22244,7 @@
                   <p:cNvPr id="1154" name="Retângulo 1153">
                     <a:extLst>
                       <a:ext uri="{FF2B5EF4-FFF2-40B4-BE49-F238E27FC236}">
-                        <a16:creationId xmlns="" xmlns:a16="http://schemas.microsoft.com/office/drawing/2014/main" id="{AADAD7E3-154C-44D1-ABA8-05903881963D}"/>
+                        <a16:creationId xmlns:a16="http://schemas.microsoft.com/office/drawing/2014/main" xmlns="" id="{AADAD7E3-154C-44D1-ABA8-05903881963D}"/>
                       </a:ext>
                     </a:extLst>
                   </p:cNvPr>
@@ -22294,7 +22294,7 @@
                   <p:cNvPr id="1155" name="Retângulo 1154">
                     <a:extLst>
                       <a:ext uri="{FF2B5EF4-FFF2-40B4-BE49-F238E27FC236}">
-                        <a16:creationId xmlns="" xmlns:a16="http://schemas.microsoft.com/office/drawing/2014/main" id="{3BB4E7BF-10A1-4476-A623-0614080F53E8}"/>
+                        <a16:creationId xmlns:a16="http://schemas.microsoft.com/office/drawing/2014/main" xmlns="" id="{3BB4E7BF-10A1-4476-A623-0614080F53E8}"/>
                       </a:ext>
                     </a:extLst>
                   </p:cNvPr>
@@ -22344,7 +22344,7 @@
                   <p:cNvPr id="1156" name="Retângulo 1155">
                     <a:extLst>
                       <a:ext uri="{FF2B5EF4-FFF2-40B4-BE49-F238E27FC236}">
-                        <a16:creationId xmlns="" xmlns:a16="http://schemas.microsoft.com/office/drawing/2014/main" id="{00E8CD5C-538D-41A1-B08A-324FC569D574}"/>
+                        <a16:creationId xmlns:a16="http://schemas.microsoft.com/office/drawing/2014/main" xmlns="" id="{00E8CD5C-538D-41A1-B08A-324FC569D574}"/>
                       </a:ext>
                     </a:extLst>
                   </p:cNvPr>
@@ -22397,7 +22397,7 @@
             <p:cNvPr id="1008" name="Grupo 122">
               <a:extLst>
                 <a:ext uri="{FF2B5EF4-FFF2-40B4-BE49-F238E27FC236}">
-                  <a16:creationId xmlns="" xmlns:a16="http://schemas.microsoft.com/office/drawing/2014/main" id="{93133184-3089-4CF7-84F8-CEBFE7ABADD8}"/>
+                  <a16:creationId xmlns:a16="http://schemas.microsoft.com/office/drawing/2014/main" xmlns="" id="{93133184-3089-4CF7-84F8-CEBFE7ABADD8}"/>
                 </a:ext>
               </a:extLst>
             </p:cNvPr>
@@ -22420,7 +22420,7 @@
               <p:cNvPr id="1138" name="Grupo 123">
                 <a:extLst>
                   <a:ext uri="{FF2B5EF4-FFF2-40B4-BE49-F238E27FC236}">
-                    <a16:creationId xmlns="" xmlns:a16="http://schemas.microsoft.com/office/drawing/2014/main" id="{DC36314C-670D-4F75-9676-6B84CC483AB3}"/>
+                    <a16:creationId xmlns:a16="http://schemas.microsoft.com/office/drawing/2014/main" xmlns="" id="{DC36314C-670D-4F75-9676-6B84CC483AB3}"/>
                   </a:ext>
                 </a:extLst>
               </p:cNvPr>
@@ -22441,7 +22441,7 @@
                 <p:cNvPr id="1145" name="Elipse 33">
                   <a:extLst>
                     <a:ext uri="{FF2B5EF4-FFF2-40B4-BE49-F238E27FC236}">
-                      <a16:creationId xmlns="" xmlns:a16="http://schemas.microsoft.com/office/drawing/2014/main" id="{50C72457-2961-4A92-879C-F83877FB1C10}"/>
+                      <a16:creationId xmlns:a16="http://schemas.microsoft.com/office/drawing/2014/main" xmlns="" id="{50C72457-2961-4A92-879C-F83877FB1C10}"/>
                     </a:ext>
                   </a:extLst>
                 </p:cNvPr>
@@ -22547,7 +22547,7 @@
                 <p:cNvPr id="1146" name="Grupo 131">
                   <a:extLst>
                     <a:ext uri="{FF2B5EF4-FFF2-40B4-BE49-F238E27FC236}">
-                      <a16:creationId xmlns="" xmlns:a16="http://schemas.microsoft.com/office/drawing/2014/main" id="{C8882164-AE3B-4660-924B-3C273671CB4E}"/>
+                      <a16:creationId xmlns:a16="http://schemas.microsoft.com/office/drawing/2014/main" xmlns="" id="{C8882164-AE3B-4660-924B-3C273671CB4E}"/>
                     </a:ext>
                   </a:extLst>
                 </p:cNvPr>
@@ -22568,7 +22568,7 @@
                   <p:cNvPr id="1147" name="Retângulo 1146">
                     <a:extLst>
                       <a:ext uri="{FF2B5EF4-FFF2-40B4-BE49-F238E27FC236}">
-                        <a16:creationId xmlns="" xmlns:a16="http://schemas.microsoft.com/office/drawing/2014/main" id="{39E13013-EDDD-4014-A15C-D7A37CFCADC9}"/>
+                        <a16:creationId xmlns:a16="http://schemas.microsoft.com/office/drawing/2014/main" xmlns="" id="{39E13013-EDDD-4014-A15C-D7A37CFCADC9}"/>
                       </a:ext>
                     </a:extLst>
                   </p:cNvPr>
@@ -22618,7 +22618,7 @@
                   <p:cNvPr id="1148" name="Retângulo 1147">
                     <a:extLst>
                       <a:ext uri="{FF2B5EF4-FFF2-40B4-BE49-F238E27FC236}">
-                        <a16:creationId xmlns="" xmlns:a16="http://schemas.microsoft.com/office/drawing/2014/main" id="{FAB1C48A-66E9-46BA-BFEA-2092852DD48C}"/>
+                        <a16:creationId xmlns:a16="http://schemas.microsoft.com/office/drawing/2014/main" xmlns="" id="{FAB1C48A-66E9-46BA-BFEA-2092852DD48C}"/>
                       </a:ext>
                     </a:extLst>
                   </p:cNvPr>
@@ -22668,7 +22668,7 @@
                   <p:cNvPr id="1149" name="Retângulo 1148">
                     <a:extLst>
                       <a:ext uri="{FF2B5EF4-FFF2-40B4-BE49-F238E27FC236}">
-                        <a16:creationId xmlns="" xmlns:a16="http://schemas.microsoft.com/office/drawing/2014/main" id="{92900DF3-9609-4201-8261-E1E5EA6C3E1E}"/>
+                        <a16:creationId xmlns:a16="http://schemas.microsoft.com/office/drawing/2014/main" xmlns="" id="{92900DF3-9609-4201-8261-E1E5EA6C3E1E}"/>
                       </a:ext>
                     </a:extLst>
                   </p:cNvPr>
@@ -22720,7 +22720,7 @@
               <p:cNvPr id="1139" name="Grupo 124">
                 <a:extLst>
                   <a:ext uri="{FF2B5EF4-FFF2-40B4-BE49-F238E27FC236}">
-                    <a16:creationId xmlns="" xmlns:a16="http://schemas.microsoft.com/office/drawing/2014/main" id="{29AA28EE-6EED-4782-A253-17545C5D9922}"/>
+                    <a16:creationId xmlns:a16="http://schemas.microsoft.com/office/drawing/2014/main" xmlns="" id="{29AA28EE-6EED-4782-A253-17545C5D9922}"/>
                   </a:ext>
                 </a:extLst>
               </p:cNvPr>
@@ -22741,7 +22741,7 @@
                 <p:cNvPr id="1140" name="Elipse 33">
                   <a:extLst>
                     <a:ext uri="{FF2B5EF4-FFF2-40B4-BE49-F238E27FC236}">
-                      <a16:creationId xmlns="" xmlns:a16="http://schemas.microsoft.com/office/drawing/2014/main" id="{BD9D72C5-3E33-4091-B317-E829DEF5C405}"/>
+                      <a16:creationId xmlns:a16="http://schemas.microsoft.com/office/drawing/2014/main" xmlns="" id="{BD9D72C5-3E33-4091-B317-E829DEF5C405}"/>
                     </a:ext>
                   </a:extLst>
                 </p:cNvPr>
@@ -22847,7 +22847,7 @@
                 <p:cNvPr id="1141" name="Grupo 126">
                   <a:extLst>
                     <a:ext uri="{FF2B5EF4-FFF2-40B4-BE49-F238E27FC236}">
-                      <a16:creationId xmlns="" xmlns:a16="http://schemas.microsoft.com/office/drawing/2014/main" id="{7F4D874F-84E2-4BA0-8D15-97646A55080A}"/>
+                      <a16:creationId xmlns:a16="http://schemas.microsoft.com/office/drawing/2014/main" xmlns="" id="{7F4D874F-84E2-4BA0-8D15-97646A55080A}"/>
                     </a:ext>
                   </a:extLst>
                 </p:cNvPr>
@@ -22868,7 +22868,7 @@
                   <p:cNvPr id="1142" name="Retângulo 1141">
                     <a:extLst>
                       <a:ext uri="{FF2B5EF4-FFF2-40B4-BE49-F238E27FC236}">
-                        <a16:creationId xmlns="" xmlns:a16="http://schemas.microsoft.com/office/drawing/2014/main" id="{7E332F49-68D2-41C2-9387-B7B956024322}"/>
+                        <a16:creationId xmlns:a16="http://schemas.microsoft.com/office/drawing/2014/main" xmlns="" id="{7E332F49-68D2-41C2-9387-B7B956024322}"/>
                       </a:ext>
                     </a:extLst>
                   </p:cNvPr>
@@ -22918,7 +22918,7 @@
                   <p:cNvPr id="1143" name="Retângulo 1142">
                     <a:extLst>
                       <a:ext uri="{FF2B5EF4-FFF2-40B4-BE49-F238E27FC236}">
-                        <a16:creationId xmlns="" xmlns:a16="http://schemas.microsoft.com/office/drawing/2014/main" id="{E8831E1C-B0CF-40F4-862A-8FC9BEE299E8}"/>
+                        <a16:creationId xmlns:a16="http://schemas.microsoft.com/office/drawing/2014/main" xmlns="" id="{E8831E1C-B0CF-40F4-862A-8FC9BEE299E8}"/>
                       </a:ext>
                     </a:extLst>
                   </p:cNvPr>
@@ -22968,7 +22968,7 @@
                   <p:cNvPr id="1144" name="Retângulo 1143">
                     <a:extLst>
                       <a:ext uri="{FF2B5EF4-FFF2-40B4-BE49-F238E27FC236}">
-                        <a16:creationId xmlns="" xmlns:a16="http://schemas.microsoft.com/office/drawing/2014/main" id="{35814917-C7CF-4676-B718-E435116B10AB}"/>
+                        <a16:creationId xmlns:a16="http://schemas.microsoft.com/office/drawing/2014/main" xmlns="" id="{35814917-C7CF-4676-B718-E435116B10AB}"/>
                       </a:ext>
                     </a:extLst>
                   </p:cNvPr>
@@ -23021,7 +23021,7 @@
             <p:cNvPr id="1009" name="Grupo 135">
               <a:extLst>
                 <a:ext uri="{FF2B5EF4-FFF2-40B4-BE49-F238E27FC236}">
-                  <a16:creationId xmlns="" xmlns:a16="http://schemas.microsoft.com/office/drawing/2014/main" id="{57C66938-091C-449F-B5F0-8FDBAE4CB3CA}"/>
+                  <a16:creationId xmlns:a16="http://schemas.microsoft.com/office/drawing/2014/main" xmlns="" id="{57C66938-091C-449F-B5F0-8FDBAE4CB3CA}"/>
                 </a:ext>
               </a:extLst>
             </p:cNvPr>
@@ -23044,7 +23044,7 @@
               <p:cNvPr id="1128" name="Grupo 136">
                 <a:extLst>
                   <a:ext uri="{FF2B5EF4-FFF2-40B4-BE49-F238E27FC236}">
-                    <a16:creationId xmlns="" xmlns:a16="http://schemas.microsoft.com/office/drawing/2014/main" id="{EE64A69F-C67B-4579-A5EC-DBCCE0A76AA2}"/>
+                    <a16:creationId xmlns:a16="http://schemas.microsoft.com/office/drawing/2014/main" xmlns="" id="{EE64A69F-C67B-4579-A5EC-DBCCE0A76AA2}"/>
                   </a:ext>
                 </a:extLst>
               </p:cNvPr>
@@ -23065,7 +23065,7 @@
                 <p:cNvPr id="1135" name="Elipse 33">
                   <a:extLst>
                     <a:ext uri="{FF2B5EF4-FFF2-40B4-BE49-F238E27FC236}">
-                      <a16:creationId xmlns="" xmlns:a16="http://schemas.microsoft.com/office/drawing/2014/main" id="{60546740-8DA4-47A9-8403-A79D6F6DF1E5}"/>
+                      <a16:creationId xmlns:a16="http://schemas.microsoft.com/office/drawing/2014/main" xmlns="" id="{60546740-8DA4-47A9-8403-A79D6F6DF1E5}"/>
                     </a:ext>
                   </a:extLst>
                 </p:cNvPr>
@@ -23171,7 +23171,7 @@
                 <p:cNvPr id="1136" name="Retângulo 1135">
                   <a:extLst>
                     <a:ext uri="{FF2B5EF4-FFF2-40B4-BE49-F238E27FC236}">
-                      <a16:creationId xmlns="" xmlns:a16="http://schemas.microsoft.com/office/drawing/2014/main" id="{052EB948-F81E-4F0B-9D51-F0EFD2BACD14}"/>
+                      <a16:creationId xmlns:a16="http://schemas.microsoft.com/office/drawing/2014/main" xmlns="" id="{052EB948-F81E-4F0B-9D51-F0EFD2BACD14}"/>
                     </a:ext>
                   </a:extLst>
                 </p:cNvPr>
@@ -23221,7 +23221,7 @@
                 <p:cNvPr id="1137" name="Retângulo 1136">
                   <a:extLst>
                     <a:ext uri="{FF2B5EF4-FFF2-40B4-BE49-F238E27FC236}">
-                      <a16:creationId xmlns="" xmlns:a16="http://schemas.microsoft.com/office/drawing/2014/main" id="{B0F4A95C-21BE-427E-A33F-22CC02E8B979}"/>
+                      <a16:creationId xmlns:a16="http://schemas.microsoft.com/office/drawing/2014/main" xmlns="" id="{B0F4A95C-21BE-427E-A33F-22CC02E8B979}"/>
                     </a:ext>
                   </a:extLst>
                 </p:cNvPr>
@@ -23272,7 +23272,7 @@
               <p:cNvPr id="1129" name="Grupo 137">
                 <a:extLst>
                   <a:ext uri="{FF2B5EF4-FFF2-40B4-BE49-F238E27FC236}">
-                    <a16:creationId xmlns="" xmlns:a16="http://schemas.microsoft.com/office/drawing/2014/main" id="{EA19AEA4-BE57-46A5-8E7F-60E06E33BF5D}"/>
+                    <a16:creationId xmlns:a16="http://schemas.microsoft.com/office/drawing/2014/main" xmlns="" id="{EA19AEA4-BE57-46A5-8E7F-60E06E33BF5D}"/>
                   </a:ext>
                 </a:extLst>
               </p:cNvPr>
@@ -23293,7 +23293,7 @@
                 <p:cNvPr id="1130" name="Elipse 33">
                   <a:extLst>
                     <a:ext uri="{FF2B5EF4-FFF2-40B4-BE49-F238E27FC236}">
-                      <a16:creationId xmlns="" xmlns:a16="http://schemas.microsoft.com/office/drawing/2014/main" id="{C3CB17BA-1238-481C-9BE1-DD00DB951305}"/>
+                      <a16:creationId xmlns:a16="http://schemas.microsoft.com/office/drawing/2014/main" xmlns="" id="{C3CB17BA-1238-481C-9BE1-DD00DB951305}"/>
                     </a:ext>
                   </a:extLst>
                 </p:cNvPr>
@@ -23399,7 +23399,7 @@
                 <p:cNvPr id="1131" name="Grupo 139">
                   <a:extLst>
                     <a:ext uri="{FF2B5EF4-FFF2-40B4-BE49-F238E27FC236}">
-                      <a16:creationId xmlns="" xmlns:a16="http://schemas.microsoft.com/office/drawing/2014/main" id="{036B60CB-BF3F-446A-B057-205C535F44F3}"/>
+                      <a16:creationId xmlns:a16="http://schemas.microsoft.com/office/drawing/2014/main" xmlns="" id="{036B60CB-BF3F-446A-B057-205C535F44F3}"/>
                     </a:ext>
                   </a:extLst>
                 </p:cNvPr>
@@ -23420,7 +23420,7 @@
                   <p:cNvPr id="1132" name="Retângulo 1131">
                     <a:extLst>
                       <a:ext uri="{FF2B5EF4-FFF2-40B4-BE49-F238E27FC236}">
-                        <a16:creationId xmlns="" xmlns:a16="http://schemas.microsoft.com/office/drawing/2014/main" id="{8BEF6479-173E-46FC-94B0-2B12548E7D69}"/>
+                        <a16:creationId xmlns:a16="http://schemas.microsoft.com/office/drawing/2014/main" xmlns="" id="{8BEF6479-173E-46FC-94B0-2B12548E7D69}"/>
                       </a:ext>
                     </a:extLst>
                   </p:cNvPr>
@@ -23470,7 +23470,7 @@
                   <p:cNvPr id="1133" name="Retângulo 1132">
                     <a:extLst>
                       <a:ext uri="{FF2B5EF4-FFF2-40B4-BE49-F238E27FC236}">
-                        <a16:creationId xmlns="" xmlns:a16="http://schemas.microsoft.com/office/drawing/2014/main" id="{614EA201-1C5E-48C4-A09D-619D0AA2CA24}"/>
+                        <a16:creationId xmlns:a16="http://schemas.microsoft.com/office/drawing/2014/main" xmlns="" id="{614EA201-1C5E-48C4-A09D-619D0AA2CA24}"/>
                       </a:ext>
                     </a:extLst>
                   </p:cNvPr>
@@ -23520,7 +23520,7 @@
                   <p:cNvPr id="1134" name="Retângulo 1133">
                     <a:extLst>
                       <a:ext uri="{FF2B5EF4-FFF2-40B4-BE49-F238E27FC236}">
-                        <a16:creationId xmlns="" xmlns:a16="http://schemas.microsoft.com/office/drawing/2014/main" id="{E5B300EF-BCA5-4769-BDB0-7D5BA15C8EC3}"/>
+                        <a16:creationId xmlns:a16="http://schemas.microsoft.com/office/drawing/2014/main" xmlns="" id="{E5B300EF-BCA5-4769-BDB0-7D5BA15C8EC3}"/>
                       </a:ext>
                     </a:extLst>
                   </p:cNvPr>
@@ -23573,7 +23573,7 @@
             <p:cNvPr id="1010" name="Grupo 146">
               <a:extLst>
                 <a:ext uri="{FF2B5EF4-FFF2-40B4-BE49-F238E27FC236}">
-                  <a16:creationId xmlns="" xmlns:a16="http://schemas.microsoft.com/office/drawing/2014/main" id="{454ECBB3-80DA-4B7C-96BB-DCC040D5A314}"/>
+                  <a16:creationId xmlns:a16="http://schemas.microsoft.com/office/drawing/2014/main" xmlns="" id="{454ECBB3-80DA-4B7C-96BB-DCC040D5A314}"/>
                 </a:ext>
               </a:extLst>
             </p:cNvPr>
@@ -23596,7 +23596,7 @@
               <p:cNvPr id="1118" name="Grupo 147">
                 <a:extLst>
                   <a:ext uri="{FF2B5EF4-FFF2-40B4-BE49-F238E27FC236}">
-                    <a16:creationId xmlns="" xmlns:a16="http://schemas.microsoft.com/office/drawing/2014/main" id="{871EB478-215F-4D3A-9F3D-4A67499BBAC0}"/>
+                    <a16:creationId xmlns:a16="http://schemas.microsoft.com/office/drawing/2014/main" xmlns="" id="{871EB478-215F-4D3A-9F3D-4A67499BBAC0}"/>
                   </a:ext>
                 </a:extLst>
               </p:cNvPr>
@@ -23617,7 +23617,7 @@
                 <p:cNvPr id="1125" name="Elipse 33">
                   <a:extLst>
                     <a:ext uri="{FF2B5EF4-FFF2-40B4-BE49-F238E27FC236}">
-                      <a16:creationId xmlns="" xmlns:a16="http://schemas.microsoft.com/office/drawing/2014/main" id="{24AB6F5B-1C40-4AA9-8101-7909571C3787}"/>
+                      <a16:creationId xmlns:a16="http://schemas.microsoft.com/office/drawing/2014/main" xmlns="" id="{24AB6F5B-1C40-4AA9-8101-7909571C3787}"/>
                     </a:ext>
                   </a:extLst>
                 </p:cNvPr>
@@ -23723,7 +23723,7 @@
                 <p:cNvPr id="1126" name="Retângulo 1125">
                   <a:extLst>
                     <a:ext uri="{FF2B5EF4-FFF2-40B4-BE49-F238E27FC236}">
-                      <a16:creationId xmlns="" xmlns:a16="http://schemas.microsoft.com/office/drawing/2014/main" id="{DFF5CBB9-14BE-49F9-99F0-FDFFC82B3445}"/>
+                      <a16:creationId xmlns:a16="http://schemas.microsoft.com/office/drawing/2014/main" xmlns="" id="{DFF5CBB9-14BE-49F9-99F0-FDFFC82B3445}"/>
                     </a:ext>
                   </a:extLst>
                 </p:cNvPr>
@@ -23773,7 +23773,7 @@
                 <p:cNvPr id="1127" name="Retângulo 1126">
                   <a:extLst>
                     <a:ext uri="{FF2B5EF4-FFF2-40B4-BE49-F238E27FC236}">
-                      <a16:creationId xmlns="" xmlns:a16="http://schemas.microsoft.com/office/drawing/2014/main" id="{CB5EB64E-4E74-401B-88AD-6AA0CF440444}"/>
+                      <a16:creationId xmlns:a16="http://schemas.microsoft.com/office/drawing/2014/main" xmlns="" id="{CB5EB64E-4E74-401B-88AD-6AA0CF440444}"/>
                     </a:ext>
                   </a:extLst>
                 </p:cNvPr>
@@ -23824,7 +23824,7 @@
               <p:cNvPr id="1119" name="Grupo 148">
                 <a:extLst>
                   <a:ext uri="{FF2B5EF4-FFF2-40B4-BE49-F238E27FC236}">
-                    <a16:creationId xmlns="" xmlns:a16="http://schemas.microsoft.com/office/drawing/2014/main" id="{FF5A4F0F-90D5-424D-8705-6A64246F2410}"/>
+                    <a16:creationId xmlns:a16="http://schemas.microsoft.com/office/drawing/2014/main" xmlns="" id="{FF5A4F0F-90D5-424D-8705-6A64246F2410}"/>
                   </a:ext>
                 </a:extLst>
               </p:cNvPr>
@@ -23845,7 +23845,7 @@
                 <p:cNvPr id="1120" name="Elipse 33">
                   <a:extLst>
                     <a:ext uri="{FF2B5EF4-FFF2-40B4-BE49-F238E27FC236}">
-                      <a16:creationId xmlns="" xmlns:a16="http://schemas.microsoft.com/office/drawing/2014/main" id="{0FF221B1-328A-4E06-B17D-CA22366C73DA}"/>
+                      <a16:creationId xmlns:a16="http://schemas.microsoft.com/office/drawing/2014/main" xmlns="" id="{0FF221B1-328A-4E06-B17D-CA22366C73DA}"/>
                     </a:ext>
                   </a:extLst>
                 </p:cNvPr>
@@ -23951,7 +23951,7 @@
                 <p:cNvPr id="1121" name="Grupo 150">
                   <a:extLst>
                     <a:ext uri="{FF2B5EF4-FFF2-40B4-BE49-F238E27FC236}">
-                      <a16:creationId xmlns="" xmlns:a16="http://schemas.microsoft.com/office/drawing/2014/main" id="{8E1978AC-B24C-4102-A5DA-35F33A8E4CFD}"/>
+                      <a16:creationId xmlns:a16="http://schemas.microsoft.com/office/drawing/2014/main" xmlns="" id="{8E1978AC-B24C-4102-A5DA-35F33A8E4CFD}"/>
                     </a:ext>
                   </a:extLst>
                 </p:cNvPr>
@@ -23972,7 +23972,7 @@
                   <p:cNvPr id="1122" name="Retângulo 1121">
                     <a:extLst>
                       <a:ext uri="{FF2B5EF4-FFF2-40B4-BE49-F238E27FC236}">
-                        <a16:creationId xmlns="" xmlns:a16="http://schemas.microsoft.com/office/drawing/2014/main" id="{AE7D3DC1-6CD3-449D-A82D-02C6F74760BE}"/>
+                        <a16:creationId xmlns:a16="http://schemas.microsoft.com/office/drawing/2014/main" xmlns="" id="{AE7D3DC1-6CD3-449D-A82D-02C6F74760BE}"/>
                       </a:ext>
                     </a:extLst>
                   </p:cNvPr>
@@ -24022,7 +24022,7 @@
                   <p:cNvPr id="1123" name="Retângulo 1122">
                     <a:extLst>
                       <a:ext uri="{FF2B5EF4-FFF2-40B4-BE49-F238E27FC236}">
-                        <a16:creationId xmlns="" xmlns:a16="http://schemas.microsoft.com/office/drawing/2014/main" id="{9FBCF0C7-518E-4DE0-A722-6D42A6F9BF28}"/>
+                        <a16:creationId xmlns:a16="http://schemas.microsoft.com/office/drawing/2014/main" xmlns="" id="{9FBCF0C7-518E-4DE0-A722-6D42A6F9BF28}"/>
                       </a:ext>
                     </a:extLst>
                   </p:cNvPr>
@@ -24072,7 +24072,7 @@
                   <p:cNvPr id="1124" name="Retângulo 1123">
                     <a:extLst>
                       <a:ext uri="{FF2B5EF4-FFF2-40B4-BE49-F238E27FC236}">
-                        <a16:creationId xmlns="" xmlns:a16="http://schemas.microsoft.com/office/drawing/2014/main" id="{96B6C8D0-B406-410E-9BD9-0E524C38C59C}"/>
+                        <a16:creationId xmlns:a16="http://schemas.microsoft.com/office/drawing/2014/main" xmlns="" id="{96B6C8D0-B406-410E-9BD9-0E524C38C59C}"/>
                       </a:ext>
                     </a:extLst>
                   </p:cNvPr>
@@ -24125,7 +24125,7 @@
             <p:cNvPr id="1011" name="Grupo 157">
               <a:extLst>
                 <a:ext uri="{FF2B5EF4-FFF2-40B4-BE49-F238E27FC236}">
-                  <a16:creationId xmlns="" xmlns:a16="http://schemas.microsoft.com/office/drawing/2014/main" id="{67C1F938-2DB2-4D2F-8426-FF27CF385F4F}"/>
+                  <a16:creationId xmlns:a16="http://schemas.microsoft.com/office/drawing/2014/main" xmlns="" id="{67C1F938-2DB2-4D2F-8426-FF27CF385F4F}"/>
                 </a:ext>
               </a:extLst>
             </p:cNvPr>
@@ -24148,7 +24148,7 @@
               <p:cNvPr id="1108" name="Grupo 158">
                 <a:extLst>
                   <a:ext uri="{FF2B5EF4-FFF2-40B4-BE49-F238E27FC236}">
-                    <a16:creationId xmlns="" xmlns:a16="http://schemas.microsoft.com/office/drawing/2014/main" id="{6116958E-AB0A-4F04-B63A-D9BC91CB13F5}"/>
+                    <a16:creationId xmlns:a16="http://schemas.microsoft.com/office/drawing/2014/main" xmlns="" id="{6116958E-AB0A-4F04-B63A-D9BC91CB13F5}"/>
                   </a:ext>
                 </a:extLst>
               </p:cNvPr>
@@ -24169,7 +24169,7 @@
                 <p:cNvPr id="1115" name="Elipse 33">
                   <a:extLst>
                     <a:ext uri="{FF2B5EF4-FFF2-40B4-BE49-F238E27FC236}">
-                      <a16:creationId xmlns="" xmlns:a16="http://schemas.microsoft.com/office/drawing/2014/main" id="{944BEA8A-91DA-4494-8695-A38CE36B1E4A}"/>
+                      <a16:creationId xmlns:a16="http://schemas.microsoft.com/office/drawing/2014/main" xmlns="" id="{944BEA8A-91DA-4494-8695-A38CE36B1E4A}"/>
                     </a:ext>
                   </a:extLst>
                 </p:cNvPr>
@@ -24275,7 +24275,7 @@
                 <p:cNvPr id="1116" name="Retângulo 1115">
                   <a:extLst>
                     <a:ext uri="{FF2B5EF4-FFF2-40B4-BE49-F238E27FC236}">
-                      <a16:creationId xmlns="" xmlns:a16="http://schemas.microsoft.com/office/drawing/2014/main" id="{5CE79134-6437-40FB-AC72-EB628C4CFEB0}"/>
+                      <a16:creationId xmlns:a16="http://schemas.microsoft.com/office/drawing/2014/main" xmlns="" id="{5CE79134-6437-40FB-AC72-EB628C4CFEB0}"/>
                     </a:ext>
                   </a:extLst>
                 </p:cNvPr>
@@ -24325,7 +24325,7 @@
                 <p:cNvPr id="1117" name="Retângulo 1116">
                   <a:extLst>
                     <a:ext uri="{FF2B5EF4-FFF2-40B4-BE49-F238E27FC236}">
-                      <a16:creationId xmlns="" xmlns:a16="http://schemas.microsoft.com/office/drawing/2014/main" id="{B2FACBB8-0520-4304-8C0B-39E64EC35751}"/>
+                      <a16:creationId xmlns:a16="http://schemas.microsoft.com/office/drawing/2014/main" xmlns="" id="{B2FACBB8-0520-4304-8C0B-39E64EC35751}"/>
                     </a:ext>
                   </a:extLst>
                 </p:cNvPr>
@@ -24376,7 +24376,7 @@
               <p:cNvPr id="1109" name="Grupo 159">
                 <a:extLst>
                   <a:ext uri="{FF2B5EF4-FFF2-40B4-BE49-F238E27FC236}">
-                    <a16:creationId xmlns="" xmlns:a16="http://schemas.microsoft.com/office/drawing/2014/main" id="{7F1D133E-D877-49A7-8004-78BC69D4BC6F}"/>
+                    <a16:creationId xmlns:a16="http://schemas.microsoft.com/office/drawing/2014/main" xmlns="" id="{7F1D133E-D877-49A7-8004-78BC69D4BC6F}"/>
                   </a:ext>
                 </a:extLst>
               </p:cNvPr>
@@ -24397,7 +24397,7 @@
                 <p:cNvPr id="1110" name="Elipse 33">
                   <a:extLst>
                     <a:ext uri="{FF2B5EF4-FFF2-40B4-BE49-F238E27FC236}">
-                      <a16:creationId xmlns="" xmlns:a16="http://schemas.microsoft.com/office/drawing/2014/main" id="{3C199C43-DCD0-465B-AA71-43C1C1F1AB42}"/>
+                      <a16:creationId xmlns:a16="http://schemas.microsoft.com/office/drawing/2014/main" xmlns="" id="{3C199C43-DCD0-465B-AA71-43C1C1F1AB42}"/>
                     </a:ext>
                   </a:extLst>
                 </p:cNvPr>
@@ -24503,7 +24503,7 @@
                 <p:cNvPr id="1111" name="Grupo 161">
                   <a:extLst>
                     <a:ext uri="{FF2B5EF4-FFF2-40B4-BE49-F238E27FC236}">
-                      <a16:creationId xmlns="" xmlns:a16="http://schemas.microsoft.com/office/drawing/2014/main" id="{0253757D-5FF9-4C44-B4F4-6B088B88B854}"/>
+                      <a16:creationId xmlns:a16="http://schemas.microsoft.com/office/drawing/2014/main" xmlns="" id="{0253757D-5FF9-4C44-B4F4-6B088B88B854}"/>
                     </a:ext>
                   </a:extLst>
                 </p:cNvPr>
@@ -24524,7 +24524,7 @@
                   <p:cNvPr id="1112" name="Retângulo 1111">
                     <a:extLst>
                       <a:ext uri="{FF2B5EF4-FFF2-40B4-BE49-F238E27FC236}">
-                        <a16:creationId xmlns="" xmlns:a16="http://schemas.microsoft.com/office/drawing/2014/main" id="{3D894E50-D547-4AEA-9C9E-12CAA22AA814}"/>
+                        <a16:creationId xmlns:a16="http://schemas.microsoft.com/office/drawing/2014/main" xmlns="" id="{3D894E50-D547-4AEA-9C9E-12CAA22AA814}"/>
                       </a:ext>
                     </a:extLst>
                   </p:cNvPr>
@@ -24574,7 +24574,7 @@
                   <p:cNvPr id="1113" name="Retângulo 1112">
                     <a:extLst>
                       <a:ext uri="{FF2B5EF4-FFF2-40B4-BE49-F238E27FC236}">
-                        <a16:creationId xmlns="" xmlns:a16="http://schemas.microsoft.com/office/drawing/2014/main" id="{F79B9F6F-51AC-461B-9D17-BD3239085525}"/>
+                        <a16:creationId xmlns:a16="http://schemas.microsoft.com/office/drawing/2014/main" xmlns="" id="{F79B9F6F-51AC-461B-9D17-BD3239085525}"/>
                       </a:ext>
                     </a:extLst>
                   </p:cNvPr>
@@ -24624,7 +24624,7 @@
                   <p:cNvPr id="1114" name="Retângulo 1113">
                     <a:extLst>
                       <a:ext uri="{FF2B5EF4-FFF2-40B4-BE49-F238E27FC236}">
-                        <a16:creationId xmlns="" xmlns:a16="http://schemas.microsoft.com/office/drawing/2014/main" id="{DBF47740-E281-4978-ABDA-E499EAA0B958}"/>
+                        <a16:creationId xmlns:a16="http://schemas.microsoft.com/office/drawing/2014/main" xmlns="" id="{DBF47740-E281-4978-ABDA-E499EAA0B958}"/>
                       </a:ext>
                     </a:extLst>
                   </p:cNvPr>
@@ -24677,7 +24677,7 @@
             <p:cNvPr id="1012" name="Grupo 168">
               <a:extLst>
                 <a:ext uri="{FF2B5EF4-FFF2-40B4-BE49-F238E27FC236}">
-                  <a16:creationId xmlns="" xmlns:a16="http://schemas.microsoft.com/office/drawing/2014/main" id="{A9CCB15F-3340-493D-8C97-967000C2275C}"/>
+                  <a16:creationId xmlns:a16="http://schemas.microsoft.com/office/drawing/2014/main" xmlns="" id="{A9CCB15F-3340-493D-8C97-967000C2275C}"/>
                 </a:ext>
               </a:extLst>
             </p:cNvPr>
@@ -24700,7 +24700,7 @@
               <p:cNvPr id="1094" name="Grupo 169">
                 <a:extLst>
                   <a:ext uri="{FF2B5EF4-FFF2-40B4-BE49-F238E27FC236}">
-                    <a16:creationId xmlns="" xmlns:a16="http://schemas.microsoft.com/office/drawing/2014/main" id="{865A54DB-B368-4C49-99F4-455BEEE850C5}"/>
+                    <a16:creationId xmlns:a16="http://schemas.microsoft.com/office/drawing/2014/main" xmlns="" id="{865A54DB-B368-4C49-99F4-455BEEE850C5}"/>
                   </a:ext>
                 </a:extLst>
               </p:cNvPr>
@@ -24721,7 +24721,7 @@
                 <p:cNvPr id="1103" name="Elipse 33">
                   <a:extLst>
                     <a:ext uri="{FF2B5EF4-FFF2-40B4-BE49-F238E27FC236}">
-                      <a16:creationId xmlns="" xmlns:a16="http://schemas.microsoft.com/office/drawing/2014/main" id="{957E1A21-ECD5-49E8-967A-9DA6F360EC8E}"/>
+                      <a16:creationId xmlns:a16="http://schemas.microsoft.com/office/drawing/2014/main" xmlns="" id="{957E1A21-ECD5-49E8-967A-9DA6F360EC8E}"/>
                     </a:ext>
                   </a:extLst>
                 </p:cNvPr>
@@ -24827,7 +24827,7 @@
                 <p:cNvPr id="1104" name="Grupo 179">
                   <a:extLst>
                     <a:ext uri="{FF2B5EF4-FFF2-40B4-BE49-F238E27FC236}">
-                      <a16:creationId xmlns="" xmlns:a16="http://schemas.microsoft.com/office/drawing/2014/main" id="{75EC3609-F17A-46FB-B68F-320AF5DA87B6}"/>
+                      <a16:creationId xmlns:a16="http://schemas.microsoft.com/office/drawing/2014/main" xmlns="" id="{75EC3609-F17A-46FB-B68F-320AF5DA87B6}"/>
                     </a:ext>
                   </a:extLst>
                 </p:cNvPr>
@@ -24848,7 +24848,7 @@
                   <p:cNvPr id="1105" name="Retângulo 1104">
                     <a:extLst>
                       <a:ext uri="{FF2B5EF4-FFF2-40B4-BE49-F238E27FC236}">
-                        <a16:creationId xmlns="" xmlns:a16="http://schemas.microsoft.com/office/drawing/2014/main" id="{79EDC7B1-EC55-4A9F-89B2-17A19BDD9A0F}"/>
+                        <a16:creationId xmlns:a16="http://schemas.microsoft.com/office/drawing/2014/main" xmlns="" id="{79EDC7B1-EC55-4A9F-89B2-17A19BDD9A0F}"/>
                       </a:ext>
                     </a:extLst>
                   </p:cNvPr>
@@ -24898,7 +24898,7 @@
                   <p:cNvPr id="1106" name="Retângulo 1105">
                     <a:extLst>
                       <a:ext uri="{FF2B5EF4-FFF2-40B4-BE49-F238E27FC236}">
-                        <a16:creationId xmlns="" xmlns:a16="http://schemas.microsoft.com/office/drawing/2014/main" id="{AE689B89-681D-424C-9235-318E6730443E}"/>
+                        <a16:creationId xmlns:a16="http://schemas.microsoft.com/office/drawing/2014/main" xmlns="" id="{AE689B89-681D-424C-9235-318E6730443E}"/>
                       </a:ext>
                     </a:extLst>
                   </p:cNvPr>
@@ -24948,7 +24948,7 @@
                   <p:cNvPr id="1107" name="Retângulo 1106">
                     <a:extLst>
                       <a:ext uri="{FF2B5EF4-FFF2-40B4-BE49-F238E27FC236}">
-                        <a16:creationId xmlns="" xmlns:a16="http://schemas.microsoft.com/office/drawing/2014/main" id="{6236DE8B-47A4-451B-A365-F884FA3C858E}"/>
+                        <a16:creationId xmlns:a16="http://schemas.microsoft.com/office/drawing/2014/main" xmlns="" id="{6236DE8B-47A4-451B-A365-F884FA3C858E}"/>
                       </a:ext>
                     </a:extLst>
                   </p:cNvPr>
@@ -25000,7 +25000,7 @@
               <p:cNvPr id="1095" name="Grupo 170">
                 <a:extLst>
                   <a:ext uri="{FF2B5EF4-FFF2-40B4-BE49-F238E27FC236}">
-                    <a16:creationId xmlns="" xmlns:a16="http://schemas.microsoft.com/office/drawing/2014/main" id="{015E5B44-20CE-4A53-8F98-D7338EB96C14}"/>
+                    <a16:creationId xmlns:a16="http://schemas.microsoft.com/office/drawing/2014/main" xmlns="" id="{015E5B44-20CE-4A53-8F98-D7338EB96C14}"/>
                   </a:ext>
                 </a:extLst>
               </p:cNvPr>
@@ -25021,7 +25021,7 @@
                 <p:cNvPr id="1100" name="Elipse 33">
                   <a:extLst>
                     <a:ext uri="{FF2B5EF4-FFF2-40B4-BE49-F238E27FC236}">
-                      <a16:creationId xmlns="" xmlns:a16="http://schemas.microsoft.com/office/drawing/2014/main" id="{A973CC7F-38EC-4E51-97D8-E5333A615F07}"/>
+                      <a16:creationId xmlns:a16="http://schemas.microsoft.com/office/drawing/2014/main" xmlns="" id="{A973CC7F-38EC-4E51-97D8-E5333A615F07}"/>
                     </a:ext>
                   </a:extLst>
                 </p:cNvPr>
@@ -25127,7 +25127,7 @@
                 <p:cNvPr id="1101" name="Retângulo 1100">
                   <a:extLst>
                     <a:ext uri="{FF2B5EF4-FFF2-40B4-BE49-F238E27FC236}">
-                      <a16:creationId xmlns="" xmlns:a16="http://schemas.microsoft.com/office/drawing/2014/main" id="{AA605F87-17EC-4A84-86E8-D144001BAD6C}"/>
+                      <a16:creationId xmlns:a16="http://schemas.microsoft.com/office/drawing/2014/main" xmlns="" id="{AA605F87-17EC-4A84-86E8-D144001BAD6C}"/>
                     </a:ext>
                   </a:extLst>
                 </p:cNvPr>
@@ -25177,7 +25177,7 @@
                 <p:cNvPr id="1102" name="Retângulo 1101">
                   <a:extLst>
                     <a:ext uri="{FF2B5EF4-FFF2-40B4-BE49-F238E27FC236}">
-                      <a16:creationId xmlns="" xmlns:a16="http://schemas.microsoft.com/office/drawing/2014/main" id="{3C4292B1-DD6F-4AD6-8D8D-EDE8AEEB7623}"/>
+                      <a16:creationId xmlns:a16="http://schemas.microsoft.com/office/drawing/2014/main" xmlns="" id="{3C4292B1-DD6F-4AD6-8D8D-EDE8AEEB7623}"/>
                     </a:ext>
                   </a:extLst>
                 </p:cNvPr>
@@ -25228,7 +25228,7 @@
               <p:cNvPr id="1096" name="Grupo 171">
                 <a:extLst>
                   <a:ext uri="{FF2B5EF4-FFF2-40B4-BE49-F238E27FC236}">
-                    <a16:creationId xmlns="" xmlns:a16="http://schemas.microsoft.com/office/drawing/2014/main" id="{4790C4EB-51A6-47A8-A8A8-4512E29993BF}"/>
+                    <a16:creationId xmlns:a16="http://schemas.microsoft.com/office/drawing/2014/main" xmlns="" id="{4790C4EB-51A6-47A8-A8A8-4512E29993BF}"/>
                   </a:ext>
                 </a:extLst>
               </p:cNvPr>
@@ -25249,7 +25249,7 @@
                 <p:cNvPr id="1097" name="Elipse 33">
                   <a:extLst>
                     <a:ext uri="{FF2B5EF4-FFF2-40B4-BE49-F238E27FC236}">
-                      <a16:creationId xmlns="" xmlns:a16="http://schemas.microsoft.com/office/drawing/2014/main" id="{4220AA58-9037-4EB3-B6FF-DCA59F478648}"/>
+                      <a16:creationId xmlns:a16="http://schemas.microsoft.com/office/drawing/2014/main" xmlns="" id="{4220AA58-9037-4EB3-B6FF-DCA59F478648}"/>
                     </a:ext>
                   </a:extLst>
                 </p:cNvPr>
@@ -25355,7 +25355,7 @@
                 <p:cNvPr id="1098" name="Retângulo 1097">
                   <a:extLst>
                     <a:ext uri="{FF2B5EF4-FFF2-40B4-BE49-F238E27FC236}">
-                      <a16:creationId xmlns="" xmlns:a16="http://schemas.microsoft.com/office/drawing/2014/main" id="{EDD6858E-0DAF-4AB2-8FC3-EBD8311DDD48}"/>
+                      <a16:creationId xmlns:a16="http://schemas.microsoft.com/office/drawing/2014/main" xmlns="" id="{EDD6858E-0DAF-4AB2-8FC3-EBD8311DDD48}"/>
                     </a:ext>
                   </a:extLst>
                 </p:cNvPr>
@@ -25405,7 +25405,7 @@
                 <p:cNvPr id="1099" name="Retângulo 1098">
                   <a:extLst>
                     <a:ext uri="{FF2B5EF4-FFF2-40B4-BE49-F238E27FC236}">
-                      <a16:creationId xmlns="" xmlns:a16="http://schemas.microsoft.com/office/drawing/2014/main" id="{FA39D428-0503-4DA7-B9DD-F9FF50981228}"/>
+                      <a16:creationId xmlns:a16="http://schemas.microsoft.com/office/drawing/2014/main" xmlns="" id="{FA39D428-0503-4DA7-B9DD-F9FF50981228}"/>
                     </a:ext>
                   </a:extLst>
                 </p:cNvPr>
@@ -25457,7 +25457,7 @@
             <p:cNvPr id="1013" name="Grupo 183">
               <a:extLst>
                 <a:ext uri="{FF2B5EF4-FFF2-40B4-BE49-F238E27FC236}">
-                  <a16:creationId xmlns="" xmlns:a16="http://schemas.microsoft.com/office/drawing/2014/main" id="{2DC8F253-EDC2-4B94-8034-7082621E2F0C}"/>
+                  <a16:creationId xmlns:a16="http://schemas.microsoft.com/office/drawing/2014/main" xmlns="" id="{2DC8F253-EDC2-4B94-8034-7082621E2F0C}"/>
                 </a:ext>
               </a:extLst>
             </p:cNvPr>
@@ -25480,7 +25480,7 @@
               <p:cNvPr id="1078" name="Grupo 184">
                 <a:extLst>
                   <a:ext uri="{FF2B5EF4-FFF2-40B4-BE49-F238E27FC236}">
-                    <a16:creationId xmlns="" xmlns:a16="http://schemas.microsoft.com/office/drawing/2014/main" id="{CB91A65A-FE70-491F-9D01-1C582BCBD99D}"/>
+                    <a16:creationId xmlns:a16="http://schemas.microsoft.com/office/drawing/2014/main" xmlns="" id="{CB91A65A-FE70-491F-9D01-1C582BCBD99D}"/>
                   </a:ext>
                 </a:extLst>
               </p:cNvPr>
@@ -25501,7 +25501,7 @@
                 <p:cNvPr id="1091" name="Elipse 33">
                   <a:extLst>
                     <a:ext uri="{FF2B5EF4-FFF2-40B4-BE49-F238E27FC236}">
-                      <a16:creationId xmlns="" xmlns:a16="http://schemas.microsoft.com/office/drawing/2014/main" id="{15679F88-15A4-4ED2-861D-438331EB834A}"/>
+                      <a16:creationId xmlns:a16="http://schemas.microsoft.com/office/drawing/2014/main" xmlns="" id="{15679F88-15A4-4ED2-861D-438331EB834A}"/>
                     </a:ext>
                   </a:extLst>
                 </p:cNvPr>
@@ -25607,7 +25607,7 @@
                 <p:cNvPr id="1092" name="Retângulo 1091">
                   <a:extLst>
                     <a:ext uri="{FF2B5EF4-FFF2-40B4-BE49-F238E27FC236}">
-                      <a16:creationId xmlns="" xmlns:a16="http://schemas.microsoft.com/office/drawing/2014/main" id="{E3470783-EF47-4EDB-8416-DDB2DCB2EDD6}"/>
+                      <a16:creationId xmlns:a16="http://schemas.microsoft.com/office/drawing/2014/main" xmlns="" id="{E3470783-EF47-4EDB-8416-DDB2DCB2EDD6}"/>
                     </a:ext>
                   </a:extLst>
                 </p:cNvPr>
@@ -25657,7 +25657,7 @@
                 <p:cNvPr id="1093" name="Retângulo 1092">
                   <a:extLst>
                     <a:ext uri="{FF2B5EF4-FFF2-40B4-BE49-F238E27FC236}">
-                      <a16:creationId xmlns="" xmlns:a16="http://schemas.microsoft.com/office/drawing/2014/main" id="{FA1EFEE0-C966-4811-BCAC-76C20B1D3B12}"/>
+                      <a16:creationId xmlns:a16="http://schemas.microsoft.com/office/drawing/2014/main" xmlns="" id="{FA1EFEE0-C966-4811-BCAC-76C20B1D3B12}"/>
                     </a:ext>
                   </a:extLst>
                 </p:cNvPr>
@@ -25708,7 +25708,7 @@
               <p:cNvPr id="1079" name="Grupo 185">
                 <a:extLst>
                   <a:ext uri="{FF2B5EF4-FFF2-40B4-BE49-F238E27FC236}">
-                    <a16:creationId xmlns="" xmlns:a16="http://schemas.microsoft.com/office/drawing/2014/main" id="{B9DA4D65-1965-4C19-9850-84E38B8E7E75}"/>
+                    <a16:creationId xmlns:a16="http://schemas.microsoft.com/office/drawing/2014/main" xmlns="" id="{B9DA4D65-1965-4C19-9850-84E38B8E7E75}"/>
                   </a:ext>
                 </a:extLst>
               </p:cNvPr>
@@ -25729,7 +25729,7 @@
                 <p:cNvPr id="1086" name="Elipse 33">
                   <a:extLst>
                     <a:ext uri="{FF2B5EF4-FFF2-40B4-BE49-F238E27FC236}">
-                      <a16:creationId xmlns="" xmlns:a16="http://schemas.microsoft.com/office/drawing/2014/main" id="{ED1A5D2E-B500-46EE-8113-C544DB458D08}"/>
+                      <a16:creationId xmlns:a16="http://schemas.microsoft.com/office/drawing/2014/main" xmlns="" id="{ED1A5D2E-B500-46EE-8113-C544DB458D08}"/>
                     </a:ext>
                   </a:extLst>
                 </p:cNvPr>
@@ -25835,7 +25835,7 @@
                 <p:cNvPr id="1087" name="Grupo 193">
                   <a:extLst>
                     <a:ext uri="{FF2B5EF4-FFF2-40B4-BE49-F238E27FC236}">
-                      <a16:creationId xmlns="" xmlns:a16="http://schemas.microsoft.com/office/drawing/2014/main" id="{26D02EBE-B5EB-477D-B4AF-61B6C9621BEB}"/>
+                      <a16:creationId xmlns:a16="http://schemas.microsoft.com/office/drawing/2014/main" xmlns="" id="{26D02EBE-B5EB-477D-B4AF-61B6C9621BEB}"/>
                     </a:ext>
                   </a:extLst>
                 </p:cNvPr>
@@ -25856,7 +25856,7 @@
                   <p:cNvPr id="1088" name="Retângulo 1087">
                     <a:extLst>
                       <a:ext uri="{FF2B5EF4-FFF2-40B4-BE49-F238E27FC236}">
-                        <a16:creationId xmlns="" xmlns:a16="http://schemas.microsoft.com/office/drawing/2014/main" id="{D5795D06-FB8F-4BBD-87EA-29D3541CDBEE}"/>
+                        <a16:creationId xmlns:a16="http://schemas.microsoft.com/office/drawing/2014/main" xmlns="" id="{D5795D06-FB8F-4BBD-87EA-29D3541CDBEE}"/>
                       </a:ext>
                     </a:extLst>
                   </p:cNvPr>
@@ -25906,7 +25906,7 @@
                   <p:cNvPr id="1089" name="Retângulo 1088">
                     <a:extLst>
                       <a:ext uri="{FF2B5EF4-FFF2-40B4-BE49-F238E27FC236}">
-                        <a16:creationId xmlns="" xmlns:a16="http://schemas.microsoft.com/office/drawing/2014/main" id="{2F0AD953-F103-43F4-B646-D9FA32F48E5E}"/>
+                        <a16:creationId xmlns:a16="http://schemas.microsoft.com/office/drawing/2014/main" xmlns="" id="{2F0AD953-F103-43F4-B646-D9FA32F48E5E}"/>
                       </a:ext>
                     </a:extLst>
                   </p:cNvPr>
@@ -25956,7 +25956,7 @@
                   <p:cNvPr id="1090" name="Retângulo 1089">
                     <a:extLst>
                       <a:ext uri="{FF2B5EF4-FFF2-40B4-BE49-F238E27FC236}">
-                        <a16:creationId xmlns="" xmlns:a16="http://schemas.microsoft.com/office/drawing/2014/main" id="{F07F6C83-309F-4F84-932C-0C93E161826F}"/>
+                        <a16:creationId xmlns:a16="http://schemas.microsoft.com/office/drawing/2014/main" xmlns="" id="{F07F6C83-309F-4F84-932C-0C93E161826F}"/>
                       </a:ext>
                     </a:extLst>
                   </p:cNvPr>
@@ -26008,7 +26008,7 @@
               <p:cNvPr id="1080" name="Grupo 186">
                 <a:extLst>
                   <a:ext uri="{FF2B5EF4-FFF2-40B4-BE49-F238E27FC236}">
-                    <a16:creationId xmlns="" xmlns:a16="http://schemas.microsoft.com/office/drawing/2014/main" id="{E92BC331-D21E-4FEF-A8C1-E8A523A42A12}"/>
+                    <a16:creationId xmlns:a16="http://schemas.microsoft.com/office/drawing/2014/main" xmlns="" id="{E92BC331-D21E-4FEF-A8C1-E8A523A42A12}"/>
                   </a:ext>
                 </a:extLst>
               </p:cNvPr>
@@ -26029,7 +26029,7 @@
                 <p:cNvPr id="1081" name="Elipse 33">
                   <a:extLst>
                     <a:ext uri="{FF2B5EF4-FFF2-40B4-BE49-F238E27FC236}">
-                      <a16:creationId xmlns="" xmlns:a16="http://schemas.microsoft.com/office/drawing/2014/main" id="{F1F38E92-FE3F-40B0-8FE4-03C23D600418}"/>
+                      <a16:creationId xmlns:a16="http://schemas.microsoft.com/office/drawing/2014/main" xmlns="" id="{F1F38E92-FE3F-40B0-8FE4-03C23D600418}"/>
                     </a:ext>
                   </a:extLst>
                 </p:cNvPr>
@@ -26135,7 +26135,7 @@
                 <p:cNvPr id="1082" name="Grupo 188">
                   <a:extLst>
                     <a:ext uri="{FF2B5EF4-FFF2-40B4-BE49-F238E27FC236}">
-                      <a16:creationId xmlns="" xmlns:a16="http://schemas.microsoft.com/office/drawing/2014/main" id="{9FBAC8D0-649E-4CC6-9DAC-EB0A9875AB17}"/>
+                      <a16:creationId xmlns:a16="http://schemas.microsoft.com/office/drawing/2014/main" xmlns="" id="{9FBAC8D0-649E-4CC6-9DAC-EB0A9875AB17}"/>
                     </a:ext>
                   </a:extLst>
                 </p:cNvPr>
@@ -26156,7 +26156,7 @@
                   <p:cNvPr id="1083" name="Retângulo 1082">
                     <a:extLst>
                       <a:ext uri="{FF2B5EF4-FFF2-40B4-BE49-F238E27FC236}">
-                        <a16:creationId xmlns="" xmlns:a16="http://schemas.microsoft.com/office/drawing/2014/main" id="{4F4A111B-3249-46AD-B7A8-0BCA65817DBE}"/>
+                        <a16:creationId xmlns:a16="http://schemas.microsoft.com/office/drawing/2014/main" xmlns="" id="{4F4A111B-3249-46AD-B7A8-0BCA65817DBE}"/>
                       </a:ext>
                     </a:extLst>
                   </p:cNvPr>
@@ -26206,7 +26206,7 @@
                   <p:cNvPr id="1084" name="Retângulo 1083">
                     <a:extLst>
                       <a:ext uri="{FF2B5EF4-FFF2-40B4-BE49-F238E27FC236}">
-                        <a16:creationId xmlns="" xmlns:a16="http://schemas.microsoft.com/office/drawing/2014/main" id="{2AE4EF97-FE4E-4776-9CD1-49156A005D49}"/>
+                        <a16:creationId xmlns:a16="http://schemas.microsoft.com/office/drawing/2014/main" xmlns="" id="{2AE4EF97-FE4E-4776-9CD1-49156A005D49}"/>
                       </a:ext>
                     </a:extLst>
                   </p:cNvPr>
@@ -26256,7 +26256,7 @@
                   <p:cNvPr id="1085" name="Retângulo 1084">
                     <a:extLst>
                       <a:ext uri="{FF2B5EF4-FFF2-40B4-BE49-F238E27FC236}">
-                        <a16:creationId xmlns="" xmlns:a16="http://schemas.microsoft.com/office/drawing/2014/main" id="{0AC056DD-D215-4FC9-8A18-7759AA9506CA}"/>
+                        <a16:creationId xmlns:a16="http://schemas.microsoft.com/office/drawing/2014/main" xmlns="" id="{0AC056DD-D215-4FC9-8A18-7759AA9506CA}"/>
                       </a:ext>
                     </a:extLst>
                   </p:cNvPr>
@@ -26309,7 +26309,7 @@
             <p:cNvPr id="1014" name="Grupo 200">
               <a:extLst>
                 <a:ext uri="{FF2B5EF4-FFF2-40B4-BE49-F238E27FC236}">
-                  <a16:creationId xmlns="" xmlns:a16="http://schemas.microsoft.com/office/drawing/2014/main" id="{27ED7A53-B7F8-43C6-9262-2DF1977511AF}"/>
+                  <a16:creationId xmlns:a16="http://schemas.microsoft.com/office/drawing/2014/main" xmlns="" id="{27ED7A53-B7F8-43C6-9262-2DF1977511AF}"/>
                 </a:ext>
               </a:extLst>
             </p:cNvPr>
@@ -26332,7 +26332,7 @@
               <p:cNvPr id="1062" name="Grupo 201">
                 <a:extLst>
                   <a:ext uri="{FF2B5EF4-FFF2-40B4-BE49-F238E27FC236}">
-                    <a16:creationId xmlns="" xmlns:a16="http://schemas.microsoft.com/office/drawing/2014/main" id="{ED2A9770-957A-42DC-A66C-57E0835713B8}"/>
+                    <a16:creationId xmlns:a16="http://schemas.microsoft.com/office/drawing/2014/main" xmlns="" id="{ED2A9770-957A-42DC-A66C-57E0835713B8}"/>
                   </a:ext>
                 </a:extLst>
               </p:cNvPr>
@@ -26353,7 +26353,7 @@
                 <p:cNvPr id="1075" name="Elipse 33">
                   <a:extLst>
                     <a:ext uri="{FF2B5EF4-FFF2-40B4-BE49-F238E27FC236}">
-                      <a16:creationId xmlns="" xmlns:a16="http://schemas.microsoft.com/office/drawing/2014/main" id="{DB2CE547-0850-4ECD-99FE-6CE3E81368B2}"/>
+                      <a16:creationId xmlns:a16="http://schemas.microsoft.com/office/drawing/2014/main" xmlns="" id="{DB2CE547-0850-4ECD-99FE-6CE3E81368B2}"/>
                     </a:ext>
                   </a:extLst>
                 </p:cNvPr>
@@ -26459,7 +26459,7 @@
                 <p:cNvPr id="1076" name="Retângulo 1075">
                   <a:extLst>
                     <a:ext uri="{FF2B5EF4-FFF2-40B4-BE49-F238E27FC236}">
-                      <a16:creationId xmlns="" xmlns:a16="http://schemas.microsoft.com/office/drawing/2014/main" id="{54D43995-DC9C-400F-B61C-3BD4B1ECE394}"/>
+                      <a16:creationId xmlns:a16="http://schemas.microsoft.com/office/drawing/2014/main" xmlns="" id="{54D43995-DC9C-400F-B61C-3BD4B1ECE394}"/>
                     </a:ext>
                   </a:extLst>
                 </p:cNvPr>
@@ -26509,7 +26509,7 @@
                 <p:cNvPr id="1077" name="Retângulo 1076">
                   <a:extLst>
                     <a:ext uri="{FF2B5EF4-FFF2-40B4-BE49-F238E27FC236}">
-                      <a16:creationId xmlns="" xmlns:a16="http://schemas.microsoft.com/office/drawing/2014/main" id="{75CE9E0E-A03C-4723-8FF4-B4EC99F0F846}"/>
+                      <a16:creationId xmlns:a16="http://schemas.microsoft.com/office/drawing/2014/main" xmlns="" id="{75CE9E0E-A03C-4723-8FF4-B4EC99F0F846}"/>
                     </a:ext>
                   </a:extLst>
                 </p:cNvPr>
@@ -26560,7 +26560,7 @@
               <p:cNvPr id="1063" name="Grupo 202">
                 <a:extLst>
                   <a:ext uri="{FF2B5EF4-FFF2-40B4-BE49-F238E27FC236}">
-                    <a16:creationId xmlns="" xmlns:a16="http://schemas.microsoft.com/office/drawing/2014/main" id="{6A51C776-AA83-40AC-9270-D7741543DED7}"/>
+                    <a16:creationId xmlns:a16="http://schemas.microsoft.com/office/drawing/2014/main" xmlns="" id="{6A51C776-AA83-40AC-9270-D7741543DED7}"/>
                   </a:ext>
                 </a:extLst>
               </p:cNvPr>
@@ -26581,7 +26581,7 @@
                 <p:cNvPr id="1070" name="Elipse 33">
                   <a:extLst>
                     <a:ext uri="{FF2B5EF4-FFF2-40B4-BE49-F238E27FC236}">
-                      <a16:creationId xmlns="" xmlns:a16="http://schemas.microsoft.com/office/drawing/2014/main" id="{8FC0BB7E-0865-4EF7-85CC-7938B585D731}"/>
+                      <a16:creationId xmlns:a16="http://schemas.microsoft.com/office/drawing/2014/main" xmlns="" id="{8FC0BB7E-0865-4EF7-85CC-7938B585D731}"/>
                     </a:ext>
                   </a:extLst>
                 </p:cNvPr>
@@ -26687,7 +26687,7 @@
                 <p:cNvPr id="1071" name="Grupo 210">
                   <a:extLst>
                     <a:ext uri="{FF2B5EF4-FFF2-40B4-BE49-F238E27FC236}">
-                      <a16:creationId xmlns="" xmlns:a16="http://schemas.microsoft.com/office/drawing/2014/main" id="{8044DC97-CF42-494B-9E51-65AC1B6A0C2C}"/>
+                      <a16:creationId xmlns:a16="http://schemas.microsoft.com/office/drawing/2014/main" xmlns="" id="{8044DC97-CF42-494B-9E51-65AC1B6A0C2C}"/>
                     </a:ext>
                   </a:extLst>
                 </p:cNvPr>
@@ -26708,7 +26708,7 @@
                   <p:cNvPr id="1072" name="Retângulo 1071">
                     <a:extLst>
                       <a:ext uri="{FF2B5EF4-FFF2-40B4-BE49-F238E27FC236}">
-                        <a16:creationId xmlns="" xmlns:a16="http://schemas.microsoft.com/office/drawing/2014/main" id="{2058BF11-2C49-40A1-AD1E-8B629C7B2A0D}"/>
+                        <a16:creationId xmlns:a16="http://schemas.microsoft.com/office/drawing/2014/main" xmlns="" id="{2058BF11-2C49-40A1-AD1E-8B629C7B2A0D}"/>
                       </a:ext>
                     </a:extLst>
                   </p:cNvPr>
@@ -26758,7 +26758,7 @@
                   <p:cNvPr id="1073" name="Retângulo 1072">
                     <a:extLst>
                       <a:ext uri="{FF2B5EF4-FFF2-40B4-BE49-F238E27FC236}">
-                        <a16:creationId xmlns="" xmlns:a16="http://schemas.microsoft.com/office/drawing/2014/main" id="{8789A371-C372-4427-A854-CD4FC6011C5D}"/>
+                        <a16:creationId xmlns:a16="http://schemas.microsoft.com/office/drawing/2014/main" xmlns="" id="{8789A371-C372-4427-A854-CD4FC6011C5D}"/>
                       </a:ext>
                     </a:extLst>
                   </p:cNvPr>
@@ -26808,7 +26808,7 @@
                   <p:cNvPr id="1074" name="Retângulo 1073">
                     <a:extLst>
                       <a:ext uri="{FF2B5EF4-FFF2-40B4-BE49-F238E27FC236}">
-                        <a16:creationId xmlns="" xmlns:a16="http://schemas.microsoft.com/office/drawing/2014/main" id="{D5160A6F-0B36-452B-A5EE-A3D5DBB7B6CD}"/>
+                        <a16:creationId xmlns:a16="http://schemas.microsoft.com/office/drawing/2014/main" xmlns="" id="{D5160A6F-0B36-452B-A5EE-A3D5DBB7B6CD}"/>
                       </a:ext>
                     </a:extLst>
                   </p:cNvPr>
@@ -26860,7 +26860,7 @@
               <p:cNvPr id="1064" name="Grupo 203">
                 <a:extLst>
                   <a:ext uri="{FF2B5EF4-FFF2-40B4-BE49-F238E27FC236}">
-                    <a16:creationId xmlns="" xmlns:a16="http://schemas.microsoft.com/office/drawing/2014/main" id="{7710E530-21D0-4D32-A348-7A3681DEECBA}"/>
+                    <a16:creationId xmlns:a16="http://schemas.microsoft.com/office/drawing/2014/main" xmlns="" id="{7710E530-21D0-4D32-A348-7A3681DEECBA}"/>
                   </a:ext>
                 </a:extLst>
               </p:cNvPr>
@@ -26881,7 +26881,7 @@
                 <p:cNvPr id="1065" name="Elipse 33">
                   <a:extLst>
                     <a:ext uri="{FF2B5EF4-FFF2-40B4-BE49-F238E27FC236}">
-                      <a16:creationId xmlns="" xmlns:a16="http://schemas.microsoft.com/office/drawing/2014/main" id="{125374C0-6084-4ED8-89A0-9D305D271547}"/>
+                      <a16:creationId xmlns:a16="http://schemas.microsoft.com/office/drawing/2014/main" xmlns="" id="{125374C0-6084-4ED8-89A0-9D305D271547}"/>
                     </a:ext>
                   </a:extLst>
                 </p:cNvPr>
@@ -26987,7 +26987,7 @@
                 <p:cNvPr id="1066" name="Grupo 205">
                   <a:extLst>
                     <a:ext uri="{FF2B5EF4-FFF2-40B4-BE49-F238E27FC236}">
-                      <a16:creationId xmlns="" xmlns:a16="http://schemas.microsoft.com/office/drawing/2014/main" id="{C5B141CB-3724-44AD-99F3-5394A52EC59B}"/>
+                      <a16:creationId xmlns:a16="http://schemas.microsoft.com/office/drawing/2014/main" xmlns="" id="{C5B141CB-3724-44AD-99F3-5394A52EC59B}"/>
                     </a:ext>
                   </a:extLst>
                 </p:cNvPr>
@@ -27008,7 +27008,7 @@
                   <p:cNvPr id="1067" name="Retângulo 1066">
                     <a:extLst>
                       <a:ext uri="{FF2B5EF4-FFF2-40B4-BE49-F238E27FC236}">
-                        <a16:creationId xmlns="" xmlns:a16="http://schemas.microsoft.com/office/drawing/2014/main" id="{A5E5A646-548C-4D55-9553-4DF95E53BC66}"/>
+                        <a16:creationId xmlns:a16="http://schemas.microsoft.com/office/drawing/2014/main" xmlns="" id="{A5E5A646-548C-4D55-9553-4DF95E53BC66}"/>
                       </a:ext>
                     </a:extLst>
                   </p:cNvPr>
@@ -27058,7 +27058,7 @@
                   <p:cNvPr id="1068" name="Retângulo 1067">
                     <a:extLst>
                       <a:ext uri="{FF2B5EF4-FFF2-40B4-BE49-F238E27FC236}">
-                        <a16:creationId xmlns="" xmlns:a16="http://schemas.microsoft.com/office/drawing/2014/main" id="{3E489D84-3136-4C77-8035-4ABB312D1E62}"/>
+                        <a16:creationId xmlns:a16="http://schemas.microsoft.com/office/drawing/2014/main" xmlns="" id="{3E489D84-3136-4C77-8035-4ABB312D1E62}"/>
                       </a:ext>
                     </a:extLst>
                   </p:cNvPr>
@@ -27108,7 +27108,7 @@
                   <p:cNvPr id="1069" name="Retângulo 1068">
                     <a:extLst>
                       <a:ext uri="{FF2B5EF4-FFF2-40B4-BE49-F238E27FC236}">
-                        <a16:creationId xmlns="" xmlns:a16="http://schemas.microsoft.com/office/drawing/2014/main" id="{B2B08686-EC79-4355-9DCD-06187410883F}"/>
+                        <a16:creationId xmlns:a16="http://schemas.microsoft.com/office/drawing/2014/main" xmlns="" id="{B2B08686-EC79-4355-9DCD-06187410883F}"/>
                       </a:ext>
                     </a:extLst>
                   </p:cNvPr>
@@ -27161,7 +27161,7 @@
             <p:cNvPr id="1015" name="Grupo 217">
               <a:extLst>
                 <a:ext uri="{FF2B5EF4-FFF2-40B4-BE49-F238E27FC236}">
-                  <a16:creationId xmlns="" xmlns:a16="http://schemas.microsoft.com/office/drawing/2014/main" id="{08E8388B-4457-4542-A9DA-810F2B166F14}"/>
+                  <a16:creationId xmlns:a16="http://schemas.microsoft.com/office/drawing/2014/main" xmlns="" id="{08E8388B-4457-4542-A9DA-810F2B166F14}"/>
                 </a:ext>
               </a:extLst>
             </p:cNvPr>
@@ -27184,7 +27184,7 @@
               <p:cNvPr id="1050" name="Grupo 218">
                 <a:extLst>
                   <a:ext uri="{FF2B5EF4-FFF2-40B4-BE49-F238E27FC236}">
-                    <a16:creationId xmlns="" xmlns:a16="http://schemas.microsoft.com/office/drawing/2014/main" id="{D242A19D-65C8-4254-BC3C-6190BE71B8A6}"/>
+                    <a16:creationId xmlns:a16="http://schemas.microsoft.com/office/drawing/2014/main" xmlns="" id="{D242A19D-65C8-4254-BC3C-6190BE71B8A6}"/>
                   </a:ext>
                 </a:extLst>
               </p:cNvPr>
@@ -27205,7 +27205,7 @@
                 <p:cNvPr id="1059" name="Elipse 33">
                   <a:extLst>
                     <a:ext uri="{FF2B5EF4-FFF2-40B4-BE49-F238E27FC236}">
-                      <a16:creationId xmlns="" xmlns:a16="http://schemas.microsoft.com/office/drawing/2014/main" id="{C5E48245-AE2E-475A-9875-B38B6E26B62B}"/>
+                      <a16:creationId xmlns:a16="http://schemas.microsoft.com/office/drawing/2014/main" xmlns="" id="{C5E48245-AE2E-475A-9875-B38B6E26B62B}"/>
                     </a:ext>
                   </a:extLst>
                 </p:cNvPr>
@@ -27311,7 +27311,7 @@
                 <p:cNvPr id="1060" name="Retângulo 1059">
                   <a:extLst>
                     <a:ext uri="{FF2B5EF4-FFF2-40B4-BE49-F238E27FC236}">
-                      <a16:creationId xmlns="" xmlns:a16="http://schemas.microsoft.com/office/drawing/2014/main" id="{F916A828-92E1-44DA-8FB1-31A4CC3C497F}"/>
+                      <a16:creationId xmlns:a16="http://schemas.microsoft.com/office/drawing/2014/main" xmlns="" id="{F916A828-92E1-44DA-8FB1-31A4CC3C497F}"/>
                     </a:ext>
                   </a:extLst>
                 </p:cNvPr>
@@ -27361,7 +27361,7 @@
                 <p:cNvPr id="1061" name="Retângulo 1060">
                   <a:extLst>
                     <a:ext uri="{FF2B5EF4-FFF2-40B4-BE49-F238E27FC236}">
-                      <a16:creationId xmlns="" xmlns:a16="http://schemas.microsoft.com/office/drawing/2014/main" id="{3BC858C9-D7A1-472E-8B65-8338F9F8D14F}"/>
+                      <a16:creationId xmlns:a16="http://schemas.microsoft.com/office/drawing/2014/main" xmlns="" id="{3BC858C9-D7A1-472E-8B65-8338F9F8D14F}"/>
                     </a:ext>
                   </a:extLst>
                 </p:cNvPr>
@@ -27412,7 +27412,7 @@
               <p:cNvPr id="1051" name="Grupo 219">
                 <a:extLst>
                   <a:ext uri="{FF2B5EF4-FFF2-40B4-BE49-F238E27FC236}">
-                    <a16:creationId xmlns="" xmlns:a16="http://schemas.microsoft.com/office/drawing/2014/main" id="{4C0FED6B-9CEF-4BE2-BE1F-9F4924AD4FF6}"/>
+                    <a16:creationId xmlns:a16="http://schemas.microsoft.com/office/drawing/2014/main" xmlns="" id="{4C0FED6B-9CEF-4BE2-BE1F-9F4924AD4FF6}"/>
                   </a:ext>
                 </a:extLst>
               </p:cNvPr>
@@ -27433,7 +27433,7 @@
                 <p:cNvPr id="1056" name="Elipse 33">
                   <a:extLst>
                     <a:ext uri="{FF2B5EF4-FFF2-40B4-BE49-F238E27FC236}">
-                      <a16:creationId xmlns="" xmlns:a16="http://schemas.microsoft.com/office/drawing/2014/main" id="{2D00C342-4A8F-45EA-8D2A-10D6A0494E72}"/>
+                      <a16:creationId xmlns:a16="http://schemas.microsoft.com/office/drawing/2014/main" xmlns="" id="{2D00C342-4A8F-45EA-8D2A-10D6A0494E72}"/>
                     </a:ext>
                   </a:extLst>
                 </p:cNvPr>
@@ -27539,7 +27539,7 @@
                 <p:cNvPr id="1057" name="Retângulo 1056">
                   <a:extLst>
                     <a:ext uri="{FF2B5EF4-FFF2-40B4-BE49-F238E27FC236}">
-                      <a16:creationId xmlns="" xmlns:a16="http://schemas.microsoft.com/office/drawing/2014/main" id="{B2098D4E-F6D8-4D73-A3A4-B18147A55B97}"/>
+                      <a16:creationId xmlns:a16="http://schemas.microsoft.com/office/drawing/2014/main" xmlns="" id="{B2098D4E-F6D8-4D73-A3A4-B18147A55B97}"/>
                     </a:ext>
                   </a:extLst>
                 </p:cNvPr>
@@ -27589,7 +27589,7 @@
                 <p:cNvPr id="1058" name="Retângulo 1057">
                   <a:extLst>
                     <a:ext uri="{FF2B5EF4-FFF2-40B4-BE49-F238E27FC236}">
-                      <a16:creationId xmlns="" xmlns:a16="http://schemas.microsoft.com/office/drawing/2014/main" id="{89599353-B710-4A81-BF7F-DC2FF59025F9}"/>
+                      <a16:creationId xmlns:a16="http://schemas.microsoft.com/office/drawing/2014/main" xmlns="" id="{89599353-B710-4A81-BF7F-DC2FF59025F9}"/>
                     </a:ext>
                   </a:extLst>
                 </p:cNvPr>
@@ -27640,7 +27640,7 @@
               <p:cNvPr id="1052" name="Grupo 220">
                 <a:extLst>
                   <a:ext uri="{FF2B5EF4-FFF2-40B4-BE49-F238E27FC236}">
-                    <a16:creationId xmlns="" xmlns:a16="http://schemas.microsoft.com/office/drawing/2014/main" id="{CECAC883-2567-4E58-B3AB-D214421EBDF5}"/>
+                    <a16:creationId xmlns:a16="http://schemas.microsoft.com/office/drawing/2014/main" xmlns="" id="{CECAC883-2567-4E58-B3AB-D214421EBDF5}"/>
                   </a:ext>
                 </a:extLst>
               </p:cNvPr>
@@ -27661,7 +27661,7 @@
                 <p:cNvPr id="1053" name="Retângulo 1052">
                   <a:extLst>
                     <a:ext uri="{FF2B5EF4-FFF2-40B4-BE49-F238E27FC236}">
-                      <a16:creationId xmlns="" xmlns:a16="http://schemas.microsoft.com/office/drawing/2014/main" id="{323F3EBF-307C-450A-981C-382131C618FF}"/>
+                      <a16:creationId xmlns:a16="http://schemas.microsoft.com/office/drawing/2014/main" xmlns="" id="{323F3EBF-307C-450A-981C-382131C618FF}"/>
                     </a:ext>
                   </a:extLst>
                 </p:cNvPr>
@@ -27711,7 +27711,7 @@
                 <p:cNvPr id="1054" name="Retângulo 1053">
                   <a:extLst>
                     <a:ext uri="{FF2B5EF4-FFF2-40B4-BE49-F238E27FC236}">
-                      <a16:creationId xmlns="" xmlns:a16="http://schemas.microsoft.com/office/drawing/2014/main" id="{AA514B71-C999-4FF6-9FA1-A2E2D90C7F57}"/>
+                      <a16:creationId xmlns:a16="http://schemas.microsoft.com/office/drawing/2014/main" xmlns="" id="{AA514B71-C999-4FF6-9FA1-A2E2D90C7F57}"/>
                     </a:ext>
                   </a:extLst>
                 </p:cNvPr>
@@ -27761,7 +27761,7 @@
                 <p:cNvPr id="1055" name="Retângulo 1054">
                   <a:extLst>
                     <a:ext uri="{FF2B5EF4-FFF2-40B4-BE49-F238E27FC236}">
-                      <a16:creationId xmlns="" xmlns:a16="http://schemas.microsoft.com/office/drawing/2014/main" id="{CA0A548A-9861-4F94-906A-DB082D952A11}"/>
+                      <a16:creationId xmlns:a16="http://schemas.microsoft.com/office/drawing/2014/main" xmlns="" id="{CA0A548A-9861-4F94-906A-DB082D952A11}"/>
                     </a:ext>
                   </a:extLst>
                 </p:cNvPr>
@@ -27813,7 +27813,7 @@
             <p:cNvPr id="1016" name="Elipse 33">
               <a:extLst>
                 <a:ext uri="{FF2B5EF4-FFF2-40B4-BE49-F238E27FC236}">
-                  <a16:creationId xmlns="" xmlns:a16="http://schemas.microsoft.com/office/drawing/2014/main" id="{A753BA50-261B-401C-A121-DC5D2FC56B2A}"/>
+                  <a16:creationId xmlns:a16="http://schemas.microsoft.com/office/drawing/2014/main" xmlns="" id="{A753BA50-261B-401C-A121-DC5D2FC56B2A}"/>
                 </a:ext>
               </a:extLst>
             </p:cNvPr>
@@ -27921,7 +27921,7 @@
             <p:cNvPr id="1017" name="Grupo 231">
               <a:extLst>
                 <a:ext uri="{FF2B5EF4-FFF2-40B4-BE49-F238E27FC236}">
-                  <a16:creationId xmlns="" xmlns:a16="http://schemas.microsoft.com/office/drawing/2014/main" id="{0AFEA62D-A570-43A6-A790-90CA5E8D60BE}"/>
+                  <a16:creationId xmlns:a16="http://schemas.microsoft.com/office/drawing/2014/main" xmlns="" id="{0AFEA62D-A570-43A6-A790-90CA5E8D60BE}"/>
                 </a:ext>
               </a:extLst>
             </p:cNvPr>
@@ -27944,7 +27944,7 @@
               <p:cNvPr id="1033" name="Grupo 232">
                 <a:extLst>
                   <a:ext uri="{FF2B5EF4-FFF2-40B4-BE49-F238E27FC236}">
-                    <a16:creationId xmlns="" xmlns:a16="http://schemas.microsoft.com/office/drawing/2014/main" id="{360829DA-C60B-4505-989A-FD614DD10CA8}"/>
+                    <a16:creationId xmlns:a16="http://schemas.microsoft.com/office/drawing/2014/main" xmlns="" id="{360829DA-C60B-4505-989A-FD614DD10CA8}"/>
                   </a:ext>
                 </a:extLst>
               </p:cNvPr>
@@ -27965,7 +27965,7 @@
                 <p:cNvPr id="1047" name="Elipse 33">
                   <a:extLst>
                     <a:ext uri="{FF2B5EF4-FFF2-40B4-BE49-F238E27FC236}">
-                      <a16:creationId xmlns="" xmlns:a16="http://schemas.microsoft.com/office/drawing/2014/main" id="{3E4672E4-6F50-4F6B-8209-33CFA6667F1C}"/>
+                      <a16:creationId xmlns:a16="http://schemas.microsoft.com/office/drawing/2014/main" xmlns="" id="{3E4672E4-6F50-4F6B-8209-33CFA6667F1C}"/>
                     </a:ext>
                   </a:extLst>
                 </p:cNvPr>
@@ -28071,7 +28071,7 @@
                 <p:cNvPr id="1048" name="Retângulo 1047">
                   <a:extLst>
                     <a:ext uri="{FF2B5EF4-FFF2-40B4-BE49-F238E27FC236}">
-                      <a16:creationId xmlns="" xmlns:a16="http://schemas.microsoft.com/office/drawing/2014/main" id="{F75162BC-3899-475E-A001-31DD6A64656A}"/>
+                      <a16:creationId xmlns:a16="http://schemas.microsoft.com/office/drawing/2014/main" xmlns="" id="{F75162BC-3899-475E-A001-31DD6A64656A}"/>
                     </a:ext>
                   </a:extLst>
                 </p:cNvPr>
@@ -28121,7 +28121,7 @@
                 <p:cNvPr id="1049" name="Retângulo 1048">
                   <a:extLst>
                     <a:ext uri="{FF2B5EF4-FFF2-40B4-BE49-F238E27FC236}">
-                      <a16:creationId xmlns="" xmlns:a16="http://schemas.microsoft.com/office/drawing/2014/main" id="{72B40A09-528F-4882-AA88-D10EEF382F1E}"/>
+                      <a16:creationId xmlns:a16="http://schemas.microsoft.com/office/drawing/2014/main" xmlns="" id="{72B40A09-528F-4882-AA88-D10EEF382F1E}"/>
                     </a:ext>
                   </a:extLst>
                 </p:cNvPr>
@@ -28172,7 +28172,7 @@
               <p:cNvPr id="1034" name="Grupo 233">
                 <a:extLst>
                   <a:ext uri="{FF2B5EF4-FFF2-40B4-BE49-F238E27FC236}">
-                    <a16:creationId xmlns="" xmlns:a16="http://schemas.microsoft.com/office/drawing/2014/main" id="{EEC8C5A0-D830-49D7-80D7-EB4EB583D625}"/>
+                    <a16:creationId xmlns:a16="http://schemas.microsoft.com/office/drawing/2014/main" xmlns="" id="{EEC8C5A0-D830-49D7-80D7-EB4EB583D625}"/>
                   </a:ext>
                 </a:extLst>
               </p:cNvPr>
@@ -28193,7 +28193,7 @@
                 <p:cNvPr id="1042" name="Elipse 33">
                   <a:extLst>
                     <a:ext uri="{FF2B5EF4-FFF2-40B4-BE49-F238E27FC236}">
-                      <a16:creationId xmlns="" xmlns:a16="http://schemas.microsoft.com/office/drawing/2014/main" id="{0E0C9208-63B2-43E4-85D3-819C74181934}"/>
+                      <a16:creationId xmlns:a16="http://schemas.microsoft.com/office/drawing/2014/main" xmlns="" id="{0E0C9208-63B2-43E4-85D3-819C74181934}"/>
                     </a:ext>
                   </a:extLst>
                 </p:cNvPr>
@@ -28299,7 +28299,7 @@
                 <p:cNvPr id="1043" name="Grupo 242">
                   <a:extLst>
                     <a:ext uri="{FF2B5EF4-FFF2-40B4-BE49-F238E27FC236}">
-                      <a16:creationId xmlns="" xmlns:a16="http://schemas.microsoft.com/office/drawing/2014/main" id="{FBFA305D-984D-4BCD-B9EA-5810EA9B891E}"/>
+                      <a16:creationId xmlns:a16="http://schemas.microsoft.com/office/drawing/2014/main" xmlns="" id="{FBFA305D-984D-4BCD-B9EA-5810EA9B891E}"/>
                     </a:ext>
                   </a:extLst>
                 </p:cNvPr>
@@ -28320,7 +28320,7 @@
                   <p:cNvPr id="1044" name="Retângulo 1043">
                     <a:extLst>
                       <a:ext uri="{FF2B5EF4-FFF2-40B4-BE49-F238E27FC236}">
-                        <a16:creationId xmlns="" xmlns:a16="http://schemas.microsoft.com/office/drawing/2014/main" id="{30261F31-F120-4BE4-B03D-592A29BFF186}"/>
+                        <a16:creationId xmlns:a16="http://schemas.microsoft.com/office/drawing/2014/main" xmlns="" id="{30261F31-F120-4BE4-B03D-592A29BFF186}"/>
                       </a:ext>
                     </a:extLst>
                   </p:cNvPr>
@@ -28370,7 +28370,7 @@
                   <p:cNvPr id="1045" name="Retângulo 1044">
                     <a:extLst>
                       <a:ext uri="{FF2B5EF4-FFF2-40B4-BE49-F238E27FC236}">
-                        <a16:creationId xmlns="" xmlns:a16="http://schemas.microsoft.com/office/drawing/2014/main" id="{A0D1104E-7779-4E48-9FDF-1E1983DE2090}"/>
+                        <a16:creationId xmlns:a16="http://schemas.microsoft.com/office/drawing/2014/main" xmlns="" id="{A0D1104E-7779-4E48-9FDF-1E1983DE2090}"/>
                       </a:ext>
                     </a:extLst>
                   </p:cNvPr>
@@ -28420,7 +28420,7 @@
                   <p:cNvPr id="1046" name="Retângulo 1045">
                     <a:extLst>
                       <a:ext uri="{FF2B5EF4-FFF2-40B4-BE49-F238E27FC236}">
-                        <a16:creationId xmlns="" xmlns:a16="http://schemas.microsoft.com/office/drawing/2014/main" id="{524510A2-3391-4373-9356-2FA2077F88F8}"/>
+                        <a16:creationId xmlns:a16="http://schemas.microsoft.com/office/drawing/2014/main" xmlns="" id="{524510A2-3391-4373-9356-2FA2077F88F8}"/>
                       </a:ext>
                     </a:extLst>
                   </p:cNvPr>
@@ -28472,7 +28472,7 @@
               <p:cNvPr id="1035" name="Grupo 234">
                 <a:extLst>
                   <a:ext uri="{FF2B5EF4-FFF2-40B4-BE49-F238E27FC236}">
-                    <a16:creationId xmlns="" xmlns:a16="http://schemas.microsoft.com/office/drawing/2014/main" id="{BD416010-3B7C-4D32-93EF-5C77127D78AF}"/>
+                    <a16:creationId xmlns:a16="http://schemas.microsoft.com/office/drawing/2014/main" xmlns="" id="{BD416010-3B7C-4D32-93EF-5C77127D78AF}"/>
                   </a:ext>
                 </a:extLst>
               </p:cNvPr>
@@ -28493,7 +28493,7 @@
                 <p:cNvPr id="1037" name="Elipse 33">
                   <a:extLst>
                     <a:ext uri="{FF2B5EF4-FFF2-40B4-BE49-F238E27FC236}">
-                      <a16:creationId xmlns="" xmlns:a16="http://schemas.microsoft.com/office/drawing/2014/main" id="{EF447CFE-B77D-4C63-A3B3-93255330D659}"/>
+                      <a16:creationId xmlns:a16="http://schemas.microsoft.com/office/drawing/2014/main" xmlns="" id="{EF447CFE-B77D-4C63-A3B3-93255330D659}"/>
                     </a:ext>
                   </a:extLst>
                 </p:cNvPr>
@@ -28599,7 +28599,7 @@
                 <p:cNvPr id="1038" name="Grupo 237">
                   <a:extLst>
                     <a:ext uri="{FF2B5EF4-FFF2-40B4-BE49-F238E27FC236}">
-                      <a16:creationId xmlns="" xmlns:a16="http://schemas.microsoft.com/office/drawing/2014/main" id="{77872ED8-ABC5-4B60-BDAD-E7D4F51AB396}"/>
+                      <a16:creationId xmlns:a16="http://schemas.microsoft.com/office/drawing/2014/main" xmlns="" id="{77872ED8-ABC5-4B60-BDAD-E7D4F51AB396}"/>
                     </a:ext>
                   </a:extLst>
                 </p:cNvPr>
@@ -28620,7 +28620,7 @@
                   <p:cNvPr id="1039" name="Retângulo 1038">
                     <a:extLst>
                       <a:ext uri="{FF2B5EF4-FFF2-40B4-BE49-F238E27FC236}">
-                        <a16:creationId xmlns="" xmlns:a16="http://schemas.microsoft.com/office/drawing/2014/main" id="{F85BAEEC-4446-4923-A257-26D13481A528}"/>
+                        <a16:creationId xmlns:a16="http://schemas.microsoft.com/office/drawing/2014/main" xmlns="" id="{F85BAEEC-4446-4923-A257-26D13481A528}"/>
                       </a:ext>
                     </a:extLst>
                   </p:cNvPr>
@@ -28670,7 +28670,7 @@
                   <p:cNvPr id="1040" name="Retângulo 1039">
                     <a:extLst>
                       <a:ext uri="{FF2B5EF4-FFF2-40B4-BE49-F238E27FC236}">
-                        <a16:creationId xmlns="" xmlns:a16="http://schemas.microsoft.com/office/drawing/2014/main" id="{8E8D0488-EDFD-4E9C-BB00-2EE9D11D0D0C}"/>
+                        <a16:creationId xmlns:a16="http://schemas.microsoft.com/office/drawing/2014/main" xmlns="" id="{8E8D0488-EDFD-4E9C-BB00-2EE9D11D0D0C}"/>
                       </a:ext>
                     </a:extLst>
                   </p:cNvPr>
@@ -28720,7 +28720,7 @@
                   <p:cNvPr id="1041" name="Retângulo 1040">
                     <a:extLst>
                       <a:ext uri="{FF2B5EF4-FFF2-40B4-BE49-F238E27FC236}">
-                        <a16:creationId xmlns="" xmlns:a16="http://schemas.microsoft.com/office/drawing/2014/main" id="{CAF879B1-E392-40B6-BF2D-14DDE777FD49}"/>
+                        <a16:creationId xmlns:a16="http://schemas.microsoft.com/office/drawing/2014/main" xmlns="" id="{CAF879B1-E392-40B6-BF2D-14DDE777FD49}"/>
                       </a:ext>
                     </a:extLst>
                   </p:cNvPr>
@@ -28772,7 +28772,7 @@
               <p:cNvPr id="1036" name="Retângulo 1035">
                 <a:extLst>
                   <a:ext uri="{FF2B5EF4-FFF2-40B4-BE49-F238E27FC236}">
-                    <a16:creationId xmlns="" xmlns:a16="http://schemas.microsoft.com/office/drawing/2014/main" id="{7FB80AE1-2867-49AE-B9C2-11677716A3CF}"/>
+                    <a16:creationId xmlns:a16="http://schemas.microsoft.com/office/drawing/2014/main" xmlns="" id="{7FB80AE1-2867-49AE-B9C2-11677716A3CF}"/>
                   </a:ext>
                 </a:extLst>
               </p:cNvPr>
@@ -28823,7 +28823,7 @@
             <p:cNvPr id="1018" name="Grupo 249">
               <a:extLst>
                 <a:ext uri="{FF2B5EF4-FFF2-40B4-BE49-F238E27FC236}">
-                  <a16:creationId xmlns="" xmlns:a16="http://schemas.microsoft.com/office/drawing/2014/main" id="{EDA7D84A-049B-4F59-882B-72D6D481829A}"/>
+                  <a16:creationId xmlns:a16="http://schemas.microsoft.com/office/drawing/2014/main" xmlns="" id="{EDA7D84A-049B-4F59-882B-72D6D481829A}"/>
                 </a:ext>
               </a:extLst>
             </p:cNvPr>
@@ -28846,7 +28846,7 @@
               <p:cNvPr id="1025" name="Retângulo 1024">
                 <a:extLst>
                   <a:ext uri="{FF2B5EF4-FFF2-40B4-BE49-F238E27FC236}">
-                    <a16:creationId xmlns="" xmlns:a16="http://schemas.microsoft.com/office/drawing/2014/main" id="{69134FDF-D588-4A80-9784-09B31E887428}"/>
+                    <a16:creationId xmlns:a16="http://schemas.microsoft.com/office/drawing/2014/main" xmlns="" id="{69134FDF-D588-4A80-9784-09B31E887428}"/>
                   </a:ext>
                 </a:extLst>
               </p:cNvPr>
@@ -28896,7 +28896,7 @@
               <p:cNvPr id="1026" name="Grupo 316">
                 <a:extLst>
                   <a:ext uri="{FF2B5EF4-FFF2-40B4-BE49-F238E27FC236}">
-                    <a16:creationId xmlns="" xmlns:a16="http://schemas.microsoft.com/office/drawing/2014/main" id="{C49B0176-C4C3-4BE5-A21A-B5A66C86C53A}"/>
+                    <a16:creationId xmlns:a16="http://schemas.microsoft.com/office/drawing/2014/main" xmlns="" id="{C49B0176-C4C3-4BE5-A21A-B5A66C86C53A}"/>
                   </a:ext>
                 </a:extLst>
               </p:cNvPr>
@@ -28917,7 +28917,7 @@
                 <p:cNvPr id="1030" name="Retângulo 1029">
                   <a:extLst>
                     <a:ext uri="{FF2B5EF4-FFF2-40B4-BE49-F238E27FC236}">
-                      <a16:creationId xmlns="" xmlns:a16="http://schemas.microsoft.com/office/drawing/2014/main" id="{77509C1B-DF90-4A05-8DA8-9429588DDB36}"/>
+                      <a16:creationId xmlns:a16="http://schemas.microsoft.com/office/drawing/2014/main" xmlns="" id="{77509C1B-DF90-4A05-8DA8-9429588DDB36}"/>
                     </a:ext>
                   </a:extLst>
                 </p:cNvPr>
@@ -28967,7 +28967,7 @@
                 <p:cNvPr id="1031" name="Retângulo 1030">
                   <a:extLst>
                     <a:ext uri="{FF2B5EF4-FFF2-40B4-BE49-F238E27FC236}">
-                      <a16:creationId xmlns="" xmlns:a16="http://schemas.microsoft.com/office/drawing/2014/main" id="{0984E376-3AFF-4750-91B0-ECF8424F08D6}"/>
+                      <a16:creationId xmlns:a16="http://schemas.microsoft.com/office/drawing/2014/main" xmlns="" id="{0984E376-3AFF-4750-91B0-ECF8424F08D6}"/>
                     </a:ext>
                   </a:extLst>
                 </p:cNvPr>
@@ -29017,7 +29017,7 @@
                 <p:cNvPr id="1032" name="Retângulo 1031">
                   <a:extLst>
                     <a:ext uri="{FF2B5EF4-FFF2-40B4-BE49-F238E27FC236}">
-                      <a16:creationId xmlns="" xmlns:a16="http://schemas.microsoft.com/office/drawing/2014/main" id="{25401BAC-D5D8-42ED-854E-084D2875441D}"/>
+                      <a16:creationId xmlns:a16="http://schemas.microsoft.com/office/drawing/2014/main" xmlns="" id="{25401BAC-D5D8-42ED-854E-084D2875441D}"/>
                     </a:ext>
                   </a:extLst>
                 </p:cNvPr>
@@ -29068,7 +29068,7 @@
               <p:cNvPr id="1027" name="Retângulo 1026">
                 <a:extLst>
                   <a:ext uri="{FF2B5EF4-FFF2-40B4-BE49-F238E27FC236}">
-                    <a16:creationId xmlns="" xmlns:a16="http://schemas.microsoft.com/office/drawing/2014/main" id="{2D61EBB1-4899-48E4-ACE1-D93777960809}"/>
+                    <a16:creationId xmlns:a16="http://schemas.microsoft.com/office/drawing/2014/main" xmlns="" id="{2D61EBB1-4899-48E4-ACE1-D93777960809}"/>
                   </a:ext>
                 </a:extLst>
               </p:cNvPr>
@@ -29118,7 +29118,7 @@
               <p:cNvPr id="1028" name="Retângulo 1027">
                 <a:extLst>
                   <a:ext uri="{FF2B5EF4-FFF2-40B4-BE49-F238E27FC236}">
-                    <a16:creationId xmlns="" xmlns:a16="http://schemas.microsoft.com/office/drawing/2014/main" id="{4D686182-D2E6-4E50-89DA-954DD9B250C3}"/>
+                    <a16:creationId xmlns:a16="http://schemas.microsoft.com/office/drawing/2014/main" xmlns="" id="{4D686182-D2E6-4E50-89DA-954DD9B250C3}"/>
                   </a:ext>
                 </a:extLst>
               </p:cNvPr>
@@ -29168,7 +29168,7 @@
               <p:cNvPr id="1029" name="Fluxograma: Atraso 52">
                 <a:extLst>
                   <a:ext uri="{FF2B5EF4-FFF2-40B4-BE49-F238E27FC236}">
-                    <a16:creationId xmlns="" xmlns:a16="http://schemas.microsoft.com/office/drawing/2014/main" id="{005558F2-3CD4-4B80-987A-0B05F4C50D5A}"/>
+                    <a16:creationId xmlns:a16="http://schemas.microsoft.com/office/drawing/2014/main" xmlns="" id="{005558F2-3CD4-4B80-987A-0B05F4C50D5A}"/>
                   </a:ext>
                 </a:extLst>
               </p:cNvPr>
@@ -29267,7 +29267,7 @@
             <p:cNvPr id="1019" name="Grupo 323">
               <a:extLst>
                 <a:ext uri="{FF2B5EF4-FFF2-40B4-BE49-F238E27FC236}">
-                  <a16:creationId xmlns="" xmlns:a16="http://schemas.microsoft.com/office/drawing/2014/main" id="{8BE48256-B4CF-4A82-B9C1-6EE4D64AA5EB}"/>
+                  <a16:creationId xmlns:a16="http://schemas.microsoft.com/office/drawing/2014/main" xmlns="" id="{8BE48256-B4CF-4A82-B9C1-6EE4D64AA5EB}"/>
                 </a:ext>
               </a:extLst>
             </p:cNvPr>
@@ -29290,7 +29290,7 @@
               <p:cNvPr id="1021" name="Coração 55">
                 <a:extLst>
                   <a:ext uri="{FF2B5EF4-FFF2-40B4-BE49-F238E27FC236}">
-                    <a16:creationId xmlns="" xmlns:a16="http://schemas.microsoft.com/office/drawing/2014/main" id="{B06BA092-A4F8-4095-8090-54516CD3368A}"/>
+                    <a16:creationId xmlns:a16="http://schemas.microsoft.com/office/drawing/2014/main" xmlns="" id="{B06BA092-A4F8-4095-8090-54516CD3368A}"/>
                   </a:ext>
                 </a:extLst>
               </p:cNvPr>
@@ -29386,7 +29386,7 @@
               <p:cNvPr id="1022" name="Grupo 325">
                 <a:extLst>
                   <a:ext uri="{FF2B5EF4-FFF2-40B4-BE49-F238E27FC236}">
-                    <a16:creationId xmlns="" xmlns:a16="http://schemas.microsoft.com/office/drawing/2014/main" id="{5081A98D-7232-4316-8E62-D6C4CDC4D0E1}"/>
+                    <a16:creationId xmlns:a16="http://schemas.microsoft.com/office/drawing/2014/main" xmlns="" id="{5081A98D-7232-4316-8E62-D6C4CDC4D0E1}"/>
                   </a:ext>
                 </a:extLst>
               </p:cNvPr>
@@ -29407,7 +29407,7 @@
                 <p:cNvPr id="1023" name="Rosca 326">
                   <a:extLst>
                     <a:ext uri="{FF2B5EF4-FFF2-40B4-BE49-F238E27FC236}">
-                      <a16:creationId xmlns="" xmlns:a16="http://schemas.microsoft.com/office/drawing/2014/main" id="{FA33989C-8379-435D-B6EA-ADB6ABA89336}"/>
+                      <a16:creationId xmlns:a16="http://schemas.microsoft.com/office/drawing/2014/main" xmlns="" id="{FA33989C-8379-435D-B6EA-ADB6ABA89336}"/>
                     </a:ext>
                   </a:extLst>
                 </p:cNvPr>
@@ -29463,7 +29463,7 @@
                 <p:cNvPr id="1024" name="Rosca 327">
                   <a:extLst>
                     <a:ext uri="{FF2B5EF4-FFF2-40B4-BE49-F238E27FC236}">
-                      <a16:creationId xmlns="" xmlns:a16="http://schemas.microsoft.com/office/drawing/2014/main" id="{A8EA0EF0-FD99-4FDE-9292-E375C17CAB92}"/>
+                      <a16:creationId xmlns:a16="http://schemas.microsoft.com/office/drawing/2014/main" xmlns="" id="{A8EA0EF0-FD99-4FDE-9292-E375C17CAB92}"/>
                     </a:ext>
                   </a:extLst>
                 </p:cNvPr>
@@ -29516,14 +29516,14 @@
             </p:sp>
           </p:grpSp>
         </p:grpSp>
-        <mc:AlternateContent xmlns:mc="http://schemas.openxmlformats.org/markup-compatibility/2006">
-          <mc:Choice xmlns:a14="http://schemas.microsoft.com/office/drawing/2010/main" Requires="a14">
+        <mc:AlternateContent xmlns:mc="http://schemas.openxmlformats.org/markup-compatibility/2006" xmlns:a14="http://schemas.microsoft.com/office/drawing/2010/main">
+          <mc:Choice Requires="a14">
             <p:sp>
               <p:nvSpPr>
                 <p:cNvPr id="1020" name="Retângulo 1019">
                   <a:extLst>
                     <a:ext uri="{FF2B5EF4-FFF2-40B4-BE49-F238E27FC236}">
-                      <a16:creationId xmlns="" xmlns:a16="http://schemas.microsoft.com/office/drawing/2014/main" id="{A5A4B766-5A9F-48EF-8C14-D3A0DBE3E1AA}"/>
+                      <a16:creationId xmlns:a16="http://schemas.microsoft.com/office/drawing/2014/main" xmlns="" id="{A5A4B766-5A9F-48EF-8C14-D3A0DBE3E1AA}"/>
                     </a:ext>
                   </a:extLst>
                 </p:cNvPr>
@@ -29574,7 +29574,7 @@
               </p:txBody>
             </p:sp>
           </mc:Choice>
-          <mc:Fallback>
+          <mc:Fallback xmlns="">
             <p:sp>
               <p:nvSpPr>
                 <p:cNvPr id="1020" name="Retângulo 1019">
@@ -29620,6 +29620,38 @@
           </mc:Fallback>
         </mc:AlternateContent>
       </p:grpSp>
+      <p:sp>
+        <p:nvSpPr>
+          <p:cNvPr id="2" name="Retângulo 1"/>
+          <p:cNvSpPr/>
+          <p:nvPr/>
+        </p:nvSpPr>
+        <p:spPr>
+          <a:xfrm>
+            <a:off x="3676530" y="3244334"/>
+            <a:ext cx="1790939" cy="369332"/>
+          </a:xfrm>
+          <a:prstGeom prst="rect">
+            <a:avLst/>
+          </a:prstGeom>
+        </p:spPr>
+        <p:txBody>
+          <a:bodyPr wrap="none">
+            <a:spAutoFit/>
+          </a:bodyPr>
+          <a:lstStyle/>
+          <a:p>
+            <a:r>
+              <a:rPr lang="pt-BR" dirty="0" err="1"/>
+              <a:t>rgb</a:t>
+            </a:r>
+            <a:r>
+              <a:rPr lang="pt-BR" dirty="0"/>
+              <a:t>(24, 220, 255)</a:t>
+            </a:r>
+          </a:p>
+        </p:txBody>
+      </p:sp>
     </p:spTree>
     <p:extLst>
       <p:ext uri="{BB962C8B-B14F-4D97-AF65-F5344CB8AC3E}">
@@ -38827,7 +38859,7 @@
           <p:cNvPr id="330" name="Agrupar 329">
             <a:extLst>
               <a:ext uri="{FF2B5EF4-FFF2-40B4-BE49-F238E27FC236}">
-                <a16:creationId xmlns="" xmlns:a16="http://schemas.microsoft.com/office/drawing/2014/main" id="{36870139-E17D-4BE8-ADB1-3C9623D933B2}"/>
+                <a16:creationId xmlns:a16="http://schemas.microsoft.com/office/drawing/2014/main" xmlns="" id="{36870139-E17D-4BE8-ADB1-3C9623D933B2}"/>
               </a:ext>
             </a:extLst>
           </p:cNvPr>
@@ -38847,7 +38879,7 @@
             <p:cNvPr id="331" name="CaixaDeTexto 330">
               <a:extLst>
                 <a:ext uri="{FF2B5EF4-FFF2-40B4-BE49-F238E27FC236}">
-                  <a16:creationId xmlns="" xmlns:a16="http://schemas.microsoft.com/office/drawing/2014/main" id="{7D628B74-FC37-40A5-96BC-84A35102FEFF}"/>
+                  <a16:creationId xmlns:a16="http://schemas.microsoft.com/office/drawing/2014/main" xmlns="" id="{7D628B74-FC37-40A5-96BC-84A35102FEFF}"/>
                 </a:ext>
               </a:extLst>
             </p:cNvPr>
@@ -38903,7 +38935,7 @@
             <p:cNvPr id="334" name="Balão de Pensamento: Nuvem 16">
               <a:extLst>
                 <a:ext uri="{FF2B5EF4-FFF2-40B4-BE49-F238E27FC236}">
-                  <a16:creationId xmlns="" xmlns:a16="http://schemas.microsoft.com/office/drawing/2014/main" id="{42D1F90F-5ACF-4134-A269-26B34205F99B}"/>
+                  <a16:creationId xmlns:a16="http://schemas.microsoft.com/office/drawing/2014/main" xmlns="" id="{42D1F90F-5ACF-4134-A269-26B34205F99B}"/>
                 </a:ext>
               </a:extLst>
             </p:cNvPr>
@@ -38958,7 +38990,7 @@
             <p:cNvPr id="335" name="Grupo 253">
               <a:extLst>
                 <a:ext uri="{FF2B5EF4-FFF2-40B4-BE49-F238E27FC236}">
-                  <a16:creationId xmlns="" xmlns:a16="http://schemas.microsoft.com/office/drawing/2014/main" id="{0547245D-30CF-4290-AE2E-6895D4AFE74D}"/>
+                  <a16:creationId xmlns:a16="http://schemas.microsoft.com/office/drawing/2014/main" xmlns="" id="{0547245D-30CF-4290-AE2E-6895D4AFE74D}"/>
                 </a:ext>
               </a:extLst>
             </p:cNvPr>
@@ -38979,7 +39011,7 @@
               <p:cNvPr id="336" name="Agrupar 15">
                 <a:extLst>
                   <a:ext uri="{FF2B5EF4-FFF2-40B4-BE49-F238E27FC236}">
-                    <a16:creationId xmlns="" xmlns:a16="http://schemas.microsoft.com/office/drawing/2014/main" id="{F0960F03-4731-4937-A9D4-247C6088FB8E}"/>
+                    <a16:creationId xmlns:a16="http://schemas.microsoft.com/office/drawing/2014/main" xmlns="" id="{F0960F03-4731-4937-A9D4-247C6088FB8E}"/>
                   </a:ext>
                 </a:extLst>
               </p:cNvPr>
@@ -39002,7 +39034,7 @@
                 <p:cNvPr id="375" name="Retângulo 374">
                   <a:extLst>
                     <a:ext uri="{FF2B5EF4-FFF2-40B4-BE49-F238E27FC236}">
-                      <a16:creationId xmlns="" xmlns:a16="http://schemas.microsoft.com/office/drawing/2014/main" id="{2B7AF6C2-70B1-4314-92C5-EDD1E0D02490}"/>
+                      <a16:creationId xmlns:a16="http://schemas.microsoft.com/office/drawing/2014/main" xmlns="" id="{2B7AF6C2-70B1-4314-92C5-EDD1E0D02490}"/>
                     </a:ext>
                   </a:extLst>
                 </p:cNvPr>
@@ -39057,7 +39089,7 @@
                 <p:cNvPr id="376" name="Grupo 294">
                   <a:extLst>
                     <a:ext uri="{FF2B5EF4-FFF2-40B4-BE49-F238E27FC236}">
-                      <a16:creationId xmlns="" xmlns:a16="http://schemas.microsoft.com/office/drawing/2014/main" id="{1842FADE-50CF-47FB-92C9-1AC9928F77D9}"/>
+                      <a16:creationId xmlns:a16="http://schemas.microsoft.com/office/drawing/2014/main" xmlns="" id="{1842FADE-50CF-47FB-92C9-1AC9928F77D9}"/>
                     </a:ext>
                   </a:extLst>
                 </p:cNvPr>
@@ -39078,7 +39110,7 @@
                   <p:cNvPr id="388" name="Triângulo isósceles 387">
                     <a:extLst>
                       <a:ext uri="{FF2B5EF4-FFF2-40B4-BE49-F238E27FC236}">
-                        <a16:creationId xmlns="" xmlns:a16="http://schemas.microsoft.com/office/drawing/2014/main" id="{D09ED1BE-DF17-48D9-BFFF-F09387F795D0}"/>
+                        <a16:creationId xmlns:a16="http://schemas.microsoft.com/office/drawing/2014/main" xmlns="" id="{D09ED1BE-DF17-48D9-BFFF-F09387F795D0}"/>
                       </a:ext>
                     </a:extLst>
                   </p:cNvPr>
@@ -39129,7 +39161,7 @@
                   <p:cNvPr id="389" name="Triângulo isósceles 388">
                     <a:extLst>
                       <a:ext uri="{FF2B5EF4-FFF2-40B4-BE49-F238E27FC236}">
-                        <a16:creationId xmlns="" xmlns:a16="http://schemas.microsoft.com/office/drawing/2014/main" id="{B8F22848-EAF9-4F20-A858-B2CB010351F3}"/>
+                        <a16:creationId xmlns:a16="http://schemas.microsoft.com/office/drawing/2014/main" xmlns="" id="{B8F22848-EAF9-4F20-A858-B2CB010351F3}"/>
                       </a:ext>
                     </a:extLst>
                   </p:cNvPr>
@@ -39180,7 +39212,7 @@
                   <p:cNvPr id="390" name="Triângulo isósceles 389">
                     <a:extLst>
                       <a:ext uri="{FF2B5EF4-FFF2-40B4-BE49-F238E27FC236}">
-                        <a16:creationId xmlns="" xmlns:a16="http://schemas.microsoft.com/office/drawing/2014/main" id="{F2AB4CB9-055F-42F7-8CF8-C299653C960D}"/>
+                        <a16:creationId xmlns:a16="http://schemas.microsoft.com/office/drawing/2014/main" xmlns="" id="{F2AB4CB9-055F-42F7-8CF8-C299653C960D}"/>
                       </a:ext>
                     </a:extLst>
                   </p:cNvPr>
@@ -39231,7 +39263,7 @@
                   <p:cNvPr id="391" name="Triângulo isósceles 390">
                     <a:extLst>
                       <a:ext uri="{FF2B5EF4-FFF2-40B4-BE49-F238E27FC236}">
-                        <a16:creationId xmlns="" xmlns:a16="http://schemas.microsoft.com/office/drawing/2014/main" id="{AD905013-4F21-443D-B502-050BA06794DC}"/>
+                        <a16:creationId xmlns:a16="http://schemas.microsoft.com/office/drawing/2014/main" xmlns="" id="{AD905013-4F21-443D-B502-050BA06794DC}"/>
                       </a:ext>
                     </a:extLst>
                   </p:cNvPr>
@@ -39282,7 +39314,7 @@
                   <p:cNvPr id="392" name="Triângulo isósceles 391">
                     <a:extLst>
                       <a:ext uri="{FF2B5EF4-FFF2-40B4-BE49-F238E27FC236}">
-                        <a16:creationId xmlns="" xmlns:a16="http://schemas.microsoft.com/office/drawing/2014/main" id="{6A7E8B84-2D5D-48D2-961E-529886FE0CE4}"/>
+                        <a16:creationId xmlns:a16="http://schemas.microsoft.com/office/drawing/2014/main" xmlns="" id="{6A7E8B84-2D5D-48D2-961E-529886FE0CE4}"/>
                       </a:ext>
                     </a:extLst>
                   </p:cNvPr>
@@ -39333,7 +39365,7 @@
                   <p:cNvPr id="393" name="Triângulo isósceles 392">
                     <a:extLst>
                       <a:ext uri="{FF2B5EF4-FFF2-40B4-BE49-F238E27FC236}">
-                        <a16:creationId xmlns="" xmlns:a16="http://schemas.microsoft.com/office/drawing/2014/main" id="{073F6783-070D-4115-A91C-112C0DBE3E7D}"/>
+                        <a16:creationId xmlns:a16="http://schemas.microsoft.com/office/drawing/2014/main" xmlns="" id="{073F6783-070D-4115-A91C-112C0DBE3E7D}"/>
                       </a:ext>
                     </a:extLst>
                   </p:cNvPr>
@@ -39384,7 +39416,7 @@
                   <p:cNvPr id="394" name="Triângulo isósceles 393">
                     <a:extLst>
                       <a:ext uri="{FF2B5EF4-FFF2-40B4-BE49-F238E27FC236}">
-                        <a16:creationId xmlns="" xmlns:a16="http://schemas.microsoft.com/office/drawing/2014/main" id="{6963F81C-7EC9-4880-B911-95984796B1D6}"/>
+                        <a16:creationId xmlns:a16="http://schemas.microsoft.com/office/drawing/2014/main" xmlns="" id="{6963F81C-7EC9-4880-B911-95984796B1D6}"/>
                       </a:ext>
                     </a:extLst>
                   </p:cNvPr>
@@ -39435,7 +39467,7 @@
                   <p:cNvPr id="395" name="Triângulo isósceles 394">
                     <a:extLst>
                       <a:ext uri="{FF2B5EF4-FFF2-40B4-BE49-F238E27FC236}">
-                        <a16:creationId xmlns="" xmlns:a16="http://schemas.microsoft.com/office/drawing/2014/main" id="{7B90D1BA-FB60-46D4-976C-BD3BC53A8EA1}"/>
+                        <a16:creationId xmlns:a16="http://schemas.microsoft.com/office/drawing/2014/main" xmlns="" id="{7B90D1BA-FB60-46D4-976C-BD3BC53A8EA1}"/>
                       </a:ext>
                     </a:extLst>
                   </p:cNvPr>
@@ -39486,7 +39518,7 @@
                   <p:cNvPr id="396" name="Triângulo isósceles 395">
                     <a:extLst>
                       <a:ext uri="{FF2B5EF4-FFF2-40B4-BE49-F238E27FC236}">
-                        <a16:creationId xmlns="" xmlns:a16="http://schemas.microsoft.com/office/drawing/2014/main" id="{9E99A37F-E3C8-4C4F-AD24-E0757B2A706F}"/>
+                        <a16:creationId xmlns:a16="http://schemas.microsoft.com/office/drawing/2014/main" xmlns="" id="{9E99A37F-E3C8-4C4F-AD24-E0757B2A706F}"/>
                       </a:ext>
                     </a:extLst>
                   </p:cNvPr>
@@ -39537,7 +39569,7 @@
                   <p:cNvPr id="397" name="Triângulo isósceles 396">
                     <a:extLst>
                       <a:ext uri="{FF2B5EF4-FFF2-40B4-BE49-F238E27FC236}">
-                        <a16:creationId xmlns="" xmlns:a16="http://schemas.microsoft.com/office/drawing/2014/main" id="{F3842785-0C5B-4BBF-A813-3E3EEBAF0EDB}"/>
+                        <a16:creationId xmlns:a16="http://schemas.microsoft.com/office/drawing/2014/main" xmlns="" id="{F3842785-0C5B-4BBF-A813-3E3EEBAF0EDB}"/>
                       </a:ext>
                     </a:extLst>
                   </p:cNvPr>
@@ -39589,7 +39621,7 @@
                 <p:cNvPr id="377" name="Grupo 295">
                   <a:extLst>
                     <a:ext uri="{FF2B5EF4-FFF2-40B4-BE49-F238E27FC236}">
-                      <a16:creationId xmlns="" xmlns:a16="http://schemas.microsoft.com/office/drawing/2014/main" id="{96B9B004-A86F-4E8E-ABFB-28D9D6A119CA}"/>
+                      <a16:creationId xmlns:a16="http://schemas.microsoft.com/office/drawing/2014/main" xmlns="" id="{96B9B004-A86F-4E8E-ABFB-28D9D6A119CA}"/>
                     </a:ext>
                   </a:extLst>
                 </p:cNvPr>
@@ -39610,7 +39642,7 @@
                   <p:cNvPr id="378" name="Triângulo isósceles 377">
                     <a:extLst>
                       <a:ext uri="{FF2B5EF4-FFF2-40B4-BE49-F238E27FC236}">
-                        <a16:creationId xmlns="" xmlns:a16="http://schemas.microsoft.com/office/drawing/2014/main" id="{E1690A72-5EA4-49FD-84C9-7C3E4D472FEA}"/>
+                        <a16:creationId xmlns:a16="http://schemas.microsoft.com/office/drawing/2014/main" xmlns="" id="{E1690A72-5EA4-49FD-84C9-7C3E4D472FEA}"/>
                       </a:ext>
                     </a:extLst>
                   </p:cNvPr>
@@ -39661,7 +39693,7 @@
                   <p:cNvPr id="379" name="Triângulo isósceles 378">
                     <a:extLst>
                       <a:ext uri="{FF2B5EF4-FFF2-40B4-BE49-F238E27FC236}">
-                        <a16:creationId xmlns="" xmlns:a16="http://schemas.microsoft.com/office/drawing/2014/main" id="{BE35B3A9-0291-4523-BC6B-DF9A2B95BE49}"/>
+                        <a16:creationId xmlns:a16="http://schemas.microsoft.com/office/drawing/2014/main" xmlns="" id="{BE35B3A9-0291-4523-BC6B-DF9A2B95BE49}"/>
                       </a:ext>
                     </a:extLst>
                   </p:cNvPr>
@@ -39712,7 +39744,7 @@
                   <p:cNvPr id="380" name="Triângulo isósceles 379">
                     <a:extLst>
                       <a:ext uri="{FF2B5EF4-FFF2-40B4-BE49-F238E27FC236}">
-                        <a16:creationId xmlns="" xmlns:a16="http://schemas.microsoft.com/office/drawing/2014/main" id="{047653E2-465E-4A80-8D64-CD9083E1BA10}"/>
+                        <a16:creationId xmlns:a16="http://schemas.microsoft.com/office/drawing/2014/main" xmlns="" id="{047653E2-465E-4A80-8D64-CD9083E1BA10}"/>
                       </a:ext>
                     </a:extLst>
                   </p:cNvPr>
@@ -39763,7 +39795,7 @@
                   <p:cNvPr id="381" name="Triângulo isósceles 380">
                     <a:extLst>
                       <a:ext uri="{FF2B5EF4-FFF2-40B4-BE49-F238E27FC236}">
-                        <a16:creationId xmlns="" xmlns:a16="http://schemas.microsoft.com/office/drawing/2014/main" id="{84C5E897-DC3D-4A6E-AF24-9F992F8B4A13}"/>
+                        <a16:creationId xmlns:a16="http://schemas.microsoft.com/office/drawing/2014/main" xmlns="" id="{84C5E897-DC3D-4A6E-AF24-9F992F8B4A13}"/>
                       </a:ext>
                     </a:extLst>
                   </p:cNvPr>
@@ -39814,7 +39846,7 @@
                   <p:cNvPr id="382" name="Triângulo isósceles 381">
                     <a:extLst>
                       <a:ext uri="{FF2B5EF4-FFF2-40B4-BE49-F238E27FC236}">
-                        <a16:creationId xmlns="" xmlns:a16="http://schemas.microsoft.com/office/drawing/2014/main" id="{5F9DF9CF-8256-49E9-9439-AF198E6F1BA8}"/>
+                        <a16:creationId xmlns:a16="http://schemas.microsoft.com/office/drawing/2014/main" xmlns="" id="{5F9DF9CF-8256-49E9-9439-AF198E6F1BA8}"/>
                       </a:ext>
                     </a:extLst>
                   </p:cNvPr>
@@ -39865,7 +39897,7 @@
                   <p:cNvPr id="383" name="Triângulo isósceles 382">
                     <a:extLst>
                       <a:ext uri="{FF2B5EF4-FFF2-40B4-BE49-F238E27FC236}">
-                        <a16:creationId xmlns="" xmlns:a16="http://schemas.microsoft.com/office/drawing/2014/main" id="{D83FC3EE-7785-4E80-B5DA-2DDADC88F5E1}"/>
+                        <a16:creationId xmlns:a16="http://schemas.microsoft.com/office/drawing/2014/main" xmlns="" id="{D83FC3EE-7785-4E80-B5DA-2DDADC88F5E1}"/>
                       </a:ext>
                     </a:extLst>
                   </p:cNvPr>
@@ -39916,7 +39948,7 @@
                   <p:cNvPr id="384" name="Triângulo isósceles 383">
                     <a:extLst>
                       <a:ext uri="{FF2B5EF4-FFF2-40B4-BE49-F238E27FC236}">
-                        <a16:creationId xmlns="" xmlns:a16="http://schemas.microsoft.com/office/drawing/2014/main" id="{A867A07F-477B-4DC2-BDFA-FB44E96A1FF4}"/>
+                        <a16:creationId xmlns:a16="http://schemas.microsoft.com/office/drawing/2014/main" xmlns="" id="{A867A07F-477B-4DC2-BDFA-FB44E96A1FF4}"/>
                       </a:ext>
                     </a:extLst>
                   </p:cNvPr>
@@ -39967,7 +39999,7 @@
                   <p:cNvPr id="385" name="Triângulo isósceles 384">
                     <a:extLst>
                       <a:ext uri="{FF2B5EF4-FFF2-40B4-BE49-F238E27FC236}">
-                        <a16:creationId xmlns="" xmlns:a16="http://schemas.microsoft.com/office/drawing/2014/main" id="{A8B82D78-8D07-496A-BE2E-D7BEB75D73E8}"/>
+                        <a16:creationId xmlns:a16="http://schemas.microsoft.com/office/drawing/2014/main" xmlns="" id="{A8B82D78-8D07-496A-BE2E-D7BEB75D73E8}"/>
                       </a:ext>
                     </a:extLst>
                   </p:cNvPr>
@@ -40018,7 +40050,7 @@
                   <p:cNvPr id="386" name="Triângulo isósceles 385">
                     <a:extLst>
                       <a:ext uri="{FF2B5EF4-FFF2-40B4-BE49-F238E27FC236}">
-                        <a16:creationId xmlns="" xmlns:a16="http://schemas.microsoft.com/office/drawing/2014/main" id="{38F0B751-7EDD-4C2B-93A1-3DB2B13BE472}"/>
+                        <a16:creationId xmlns:a16="http://schemas.microsoft.com/office/drawing/2014/main" xmlns="" id="{38F0B751-7EDD-4C2B-93A1-3DB2B13BE472}"/>
                       </a:ext>
                     </a:extLst>
                   </p:cNvPr>
@@ -40069,7 +40101,7 @@
                   <p:cNvPr id="387" name="Triângulo isósceles 386">
                     <a:extLst>
                       <a:ext uri="{FF2B5EF4-FFF2-40B4-BE49-F238E27FC236}">
-                        <a16:creationId xmlns="" xmlns:a16="http://schemas.microsoft.com/office/drawing/2014/main" id="{F0383DE2-8C78-4303-8F9D-2BC99CA061AE}"/>
+                        <a16:creationId xmlns:a16="http://schemas.microsoft.com/office/drawing/2014/main" xmlns="" id="{F0383DE2-8C78-4303-8F9D-2BC99CA061AE}"/>
                       </a:ext>
                     </a:extLst>
                   </p:cNvPr>
@@ -40122,7 +40154,7 @@
               <p:cNvPr id="337" name="Agrupar 15">
                 <a:extLst>
                   <a:ext uri="{FF2B5EF4-FFF2-40B4-BE49-F238E27FC236}">
-                    <a16:creationId xmlns="" xmlns:a16="http://schemas.microsoft.com/office/drawing/2014/main" id="{D4CBCF90-768B-4212-BAA4-D3E65EF4EECB}"/>
+                    <a16:creationId xmlns:a16="http://schemas.microsoft.com/office/drawing/2014/main" xmlns="" id="{D4CBCF90-768B-4212-BAA4-D3E65EF4EECB}"/>
                   </a:ext>
                 </a:extLst>
               </p:cNvPr>
@@ -40145,7 +40177,7 @@
                 <p:cNvPr id="352" name="Retângulo 351">
                   <a:extLst>
                     <a:ext uri="{FF2B5EF4-FFF2-40B4-BE49-F238E27FC236}">
-                      <a16:creationId xmlns="" xmlns:a16="http://schemas.microsoft.com/office/drawing/2014/main" id="{0864A174-B3AF-49D1-9777-DAD5FFC68A97}"/>
+                      <a16:creationId xmlns:a16="http://schemas.microsoft.com/office/drawing/2014/main" xmlns="" id="{0864A174-B3AF-49D1-9777-DAD5FFC68A97}"/>
                     </a:ext>
                   </a:extLst>
                 </p:cNvPr>
@@ -40200,7 +40232,7 @@
                 <p:cNvPr id="353" name="Grupo 271">
                   <a:extLst>
                     <a:ext uri="{FF2B5EF4-FFF2-40B4-BE49-F238E27FC236}">
-                      <a16:creationId xmlns="" xmlns:a16="http://schemas.microsoft.com/office/drawing/2014/main" id="{74ADE9F0-5442-44EE-8315-59E6B0DD0F52}"/>
+                      <a16:creationId xmlns:a16="http://schemas.microsoft.com/office/drawing/2014/main" xmlns="" id="{74ADE9F0-5442-44EE-8315-59E6B0DD0F52}"/>
                     </a:ext>
                   </a:extLst>
                 </p:cNvPr>
@@ -40221,7 +40253,7 @@
                   <p:cNvPr id="365" name="Triângulo isósceles 364">
                     <a:extLst>
                       <a:ext uri="{FF2B5EF4-FFF2-40B4-BE49-F238E27FC236}">
-                        <a16:creationId xmlns="" xmlns:a16="http://schemas.microsoft.com/office/drawing/2014/main" id="{5C1367F9-D184-42BC-922B-EC32A143629A}"/>
+                        <a16:creationId xmlns:a16="http://schemas.microsoft.com/office/drawing/2014/main" xmlns="" id="{5C1367F9-D184-42BC-922B-EC32A143629A}"/>
                       </a:ext>
                     </a:extLst>
                   </p:cNvPr>
@@ -40272,7 +40304,7 @@
                   <p:cNvPr id="366" name="Triângulo isósceles 365">
                     <a:extLst>
                       <a:ext uri="{FF2B5EF4-FFF2-40B4-BE49-F238E27FC236}">
-                        <a16:creationId xmlns="" xmlns:a16="http://schemas.microsoft.com/office/drawing/2014/main" id="{2F658D07-FE54-42B7-BCE3-64B226FD7DC9}"/>
+                        <a16:creationId xmlns:a16="http://schemas.microsoft.com/office/drawing/2014/main" xmlns="" id="{2F658D07-FE54-42B7-BCE3-64B226FD7DC9}"/>
                       </a:ext>
                     </a:extLst>
                   </p:cNvPr>
@@ -40323,7 +40355,7 @@
                   <p:cNvPr id="367" name="Triângulo isósceles 366">
                     <a:extLst>
                       <a:ext uri="{FF2B5EF4-FFF2-40B4-BE49-F238E27FC236}">
-                        <a16:creationId xmlns="" xmlns:a16="http://schemas.microsoft.com/office/drawing/2014/main" id="{6805106D-4D3C-4414-BE57-AF32D675638E}"/>
+                        <a16:creationId xmlns:a16="http://schemas.microsoft.com/office/drawing/2014/main" xmlns="" id="{6805106D-4D3C-4414-BE57-AF32D675638E}"/>
                       </a:ext>
                     </a:extLst>
                   </p:cNvPr>
@@ -40374,7 +40406,7 @@
                   <p:cNvPr id="368" name="Triângulo isósceles 367">
                     <a:extLst>
                       <a:ext uri="{FF2B5EF4-FFF2-40B4-BE49-F238E27FC236}">
-                        <a16:creationId xmlns="" xmlns:a16="http://schemas.microsoft.com/office/drawing/2014/main" id="{0D8E1BE5-4674-4D69-B728-05D5FACB8F88}"/>
+                        <a16:creationId xmlns:a16="http://schemas.microsoft.com/office/drawing/2014/main" xmlns="" id="{0D8E1BE5-4674-4D69-B728-05D5FACB8F88}"/>
                       </a:ext>
                     </a:extLst>
                   </p:cNvPr>
@@ -40425,7 +40457,7 @@
                   <p:cNvPr id="369" name="Triângulo isósceles 368">
                     <a:extLst>
                       <a:ext uri="{FF2B5EF4-FFF2-40B4-BE49-F238E27FC236}">
-                        <a16:creationId xmlns="" xmlns:a16="http://schemas.microsoft.com/office/drawing/2014/main" id="{6174E7E3-2CBA-411A-9AA3-1F1F298AD65A}"/>
+                        <a16:creationId xmlns:a16="http://schemas.microsoft.com/office/drawing/2014/main" xmlns="" id="{6174E7E3-2CBA-411A-9AA3-1F1F298AD65A}"/>
                       </a:ext>
                     </a:extLst>
                   </p:cNvPr>
@@ -40476,7 +40508,7 @@
                   <p:cNvPr id="370" name="Triângulo isósceles 369">
                     <a:extLst>
                       <a:ext uri="{FF2B5EF4-FFF2-40B4-BE49-F238E27FC236}">
-                        <a16:creationId xmlns="" xmlns:a16="http://schemas.microsoft.com/office/drawing/2014/main" id="{7E75AA6A-00A1-479E-BA4A-55276BCD65DE}"/>
+                        <a16:creationId xmlns:a16="http://schemas.microsoft.com/office/drawing/2014/main" xmlns="" id="{7E75AA6A-00A1-479E-BA4A-55276BCD65DE}"/>
                       </a:ext>
                     </a:extLst>
                   </p:cNvPr>
@@ -40527,7 +40559,7 @@
                   <p:cNvPr id="371" name="Triângulo isósceles 370">
                     <a:extLst>
                       <a:ext uri="{FF2B5EF4-FFF2-40B4-BE49-F238E27FC236}">
-                        <a16:creationId xmlns="" xmlns:a16="http://schemas.microsoft.com/office/drawing/2014/main" id="{91E9C50D-0566-4E2A-91DB-3BE93AC6C595}"/>
+                        <a16:creationId xmlns:a16="http://schemas.microsoft.com/office/drawing/2014/main" xmlns="" id="{91E9C50D-0566-4E2A-91DB-3BE93AC6C595}"/>
                       </a:ext>
                     </a:extLst>
                   </p:cNvPr>
@@ -40578,7 +40610,7 @@
                   <p:cNvPr id="372" name="Triângulo isósceles 371">
                     <a:extLst>
                       <a:ext uri="{FF2B5EF4-FFF2-40B4-BE49-F238E27FC236}">
-                        <a16:creationId xmlns="" xmlns:a16="http://schemas.microsoft.com/office/drawing/2014/main" id="{4D109A08-5253-46C8-B75D-050538FE587E}"/>
+                        <a16:creationId xmlns:a16="http://schemas.microsoft.com/office/drawing/2014/main" xmlns="" id="{4D109A08-5253-46C8-B75D-050538FE587E}"/>
                       </a:ext>
                     </a:extLst>
                   </p:cNvPr>
@@ -40629,7 +40661,7 @@
                   <p:cNvPr id="373" name="Triângulo isósceles 372">
                     <a:extLst>
                       <a:ext uri="{FF2B5EF4-FFF2-40B4-BE49-F238E27FC236}">
-                        <a16:creationId xmlns="" xmlns:a16="http://schemas.microsoft.com/office/drawing/2014/main" id="{7BE4FC93-6858-45AA-8DC4-EF46E68E3C53}"/>
+                        <a16:creationId xmlns:a16="http://schemas.microsoft.com/office/drawing/2014/main" xmlns="" id="{7BE4FC93-6858-45AA-8DC4-EF46E68E3C53}"/>
                       </a:ext>
                     </a:extLst>
                   </p:cNvPr>
@@ -40680,7 +40712,7 @@
                   <p:cNvPr id="374" name="Triângulo isósceles 373">
                     <a:extLst>
                       <a:ext uri="{FF2B5EF4-FFF2-40B4-BE49-F238E27FC236}">
-                        <a16:creationId xmlns="" xmlns:a16="http://schemas.microsoft.com/office/drawing/2014/main" id="{6016613A-1256-461F-8922-18E83BFA7916}"/>
+                        <a16:creationId xmlns:a16="http://schemas.microsoft.com/office/drawing/2014/main" xmlns="" id="{6016613A-1256-461F-8922-18E83BFA7916}"/>
                       </a:ext>
                     </a:extLst>
                   </p:cNvPr>
@@ -40732,7 +40764,7 @@
                 <p:cNvPr id="354" name="Grupo 272">
                   <a:extLst>
                     <a:ext uri="{FF2B5EF4-FFF2-40B4-BE49-F238E27FC236}">
-                      <a16:creationId xmlns="" xmlns:a16="http://schemas.microsoft.com/office/drawing/2014/main" id="{0DE91147-CAB0-4DE5-9419-BEB83181DEDA}"/>
+                      <a16:creationId xmlns:a16="http://schemas.microsoft.com/office/drawing/2014/main" xmlns="" id="{0DE91147-CAB0-4DE5-9419-BEB83181DEDA}"/>
                     </a:ext>
                   </a:extLst>
                 </p:cNvPr>
@@ -40753,7 +40785,7 @@
                   <p:cNvPr id="355" name="Triângulo isósceles 354">
                     <a:extLst>
                       <a:ext uri="{FF2B5EF4-FFF2-40B4-BE49-F238E27FC236}">
-                        <a16:creationId xmlns="" xmlns:a16="http://schemas.microsoft.com/office/drawing/2014/main" id="{F282E94D-C333-481F-B406-4A5D0464AE28}"/>
+                        <a16:creationId xmlns:a16="http://schemas.microsoft.com/office/drawing/2014/main" xmlns="" id="{F282E94D-C333-481F-B406-4A5D0464AE28}"/>
                       </a:ext>
                     </a:extLst>
                   </p:cNvPr>
@@ -40804,7 +40836,7 @@
                   <p:cNvPr id="356" name="Triângulo isósceles 355">
                     <a:extLst>
                       <a:ext uri="{FF2B5EF4-FFF2-40B4-BE49-F238E27FC236}">
-                        <a16:creationId xmlns="" xmlns:a16="http://schemas.microsoft.com/office/drawing/2014/main" id="{F7B689DA-B2CD-4262-A8F2-D93F9A1C5E64}"/>
+                        <a16:creationId xmlns:a16="http://schemas.microsoft.com/office/drawing/2014/main" xmlns="" id="{F7B689DA-B2CD-4262-A8F2-D93F9A1C5E64}"/>
                       </a:ext>
                     </a:extLst>
                   </p:cNvPr>
@@ -40855,7 +40887,7 @@
                   <p:cNvPr id="357" name="Triângulo isósceles 356">
                     <a:extLst>
                       <a:ext uri="{FF2B5EF4-FFF2-40B4-BE49-F238E27FC236}">
-                        <a16:creationId xmlns="" xmlns:a16="http://schemas.microsoft.com/office/drawing/2014/main" id="{A74CE4B5-5A35-444A-BE4B-405339B1D97E}"/>
+                        <a16:creationId xmlns:a16="http://schemas.microsoft.com/office/drawing/2014/main" xmlns="" id="{A74CE4B5-5A35-444A-BE4B-405339B1D97E}"/>
                       </a:ext>
                     </a:extLst>
                   </p:cNvPr>
@@ -40906,7 +40938,7 @@
                   <p:cNvPr id="358" name="Triângulo isósceles 357">
                     <a:extLst>
                       <a:ext uri="{FF2B5EF4-FFF2-40B4-BE49-F238E27FC236}">
-                        <a16:creationId xmlns="" xmlns:a16="http://schemas.microsoft.com/office/drawing/2014/main" id="{78F1773D-5E95-4B77-B28D-C9145AC3EE5C}"/>
+                        <a16:creationId xmlns:a16="http://schemas.microsoft.com/office/drawing/2014/main" xmlns="" id="{78F1773D-5E95-4B77-B28D-C9145AC3EE5C}"/>
                       </a:ext>
                     </a:extLst>
                   </p:cNvPr>
@@ -40957,7 +40989,7 @@
                   <p:cNvPr id="359" name="Triângulo isósceles 358">
                     <a:extLst>
                       <a:ext uri="{FF2B5EF4-FFF2-40B4-BE49-F238E27FC236}">
-                        <a16:creationId xmlns="" xmlns:a16="http://schemas.microsoft.com/office/drawing/2014/main" id="{9F4FBBE5-B3CB-4052-B5CA-23B362F1DAD5}"/>
+                        <a16:creationId xmlns:a16="http://schemas.microsoft.com/office/drawing/2014/main" xmlns="" id="{9F4FBBE5-B3CB-4052-B5CA-23B362F1DAD5}"/>
                       </a:ext>
                     </a:extLst>
                   </p:cNvPr>
@@ -41008,7 +41040,7 @@
                   <p:cNvPr id="360" name="Triângulo isósceles 359">
                     <a:extLst>
                       <a:ext uri="{FF2B5EF4-FFF2-40B4-BE49-F238E27FC236}">
-                        <a16:creationId xmlns="" xmlns:a16="http://schemas.microsoft.com/office/drawing/2014/main" id="{7F1E7121-0A35-48EE-B90B-89B17171D21D}"/>
+                        <a16:creationId xmlns:a16="http://schemas.microsoft.com/office/drawing/2014/main" xmlns="" id="{7F1E7121-0A35-48EE-B90B-89B17171D21D}"/>
                       </a:ext>
                     </a:extLst>
                   </p:cNvPr>
@@ -41059,7 +41091,7 @@
                   <p:cNvPr id="361" name="Triângulo isósceles 360">
                     <a:extLst>
                       <a:ext uri="{FF2B5EF4-FFF2-40B4-BE49-F238E27FC236}">
-                        <a16:creationId xmlns="" xmlns:a16="http://schemas.microsoft.com/office/drawing/2014/main" id="{3EEF6174-D6C3-43E9-BBC1-518AD5F0EEEF}"/>
+                        <a16:creationId xmlns:a16="http://schemas.microsoft.com/office/drawing/2014/main" xmlns="" id="{3EEF6174-D6C3-43E9-BBC1-518AD5F0EEEF}"/>
                       </a:ext>
                     </a:extLst>
                   </p:cNvPr>
@@ -41110,7 +41142,7 @@
                   <p:cNvPr id="362" name="Triângulo isósceles 361">
                     <a:extLst>
                       <a:ext uri="{FF2B5EF4-FFF2-40B4-BE49-F238E27FC236}">
-                        <a16:creationId xmlns="" xmlns:a16="http://schemas.microsoft.com/office/drawing/2014/main" id="{FC558F78-3C83-4F84-BD5D-9BC25892470C}"/>
+                        <a16:creationId xmlns:a16="http://schemas.microsoft.com/office/drawing/2014/main" xmlns="" id="{FC558F78-3C83-4F84-BD5D-9BC25892470C}"/>
                       </a:ext>
                     </a:extLst>
                   </p:cNvPr>
@@ -41161,7 +41193,7 @@
                   <p:cNvPr id="363" name="Triângulo isósceles 362">
                     <a:extLst>
                       <a:ext uri="{FF2B5EF4-FFF2-40B4-BE49-F238E27FC236}">
-                        <a16:creationId xmlns="" xmlns:a16="http://schemas.microsoft.com/office/drawing/2014/main" id="{37C4DFD5-8B43-457F-9183-7F7CCBBACC1B}"/>
+                        <a16:creationId xmlns:a16="http://schemas.microsoft.com/office/drawing/2014/main" xmlns="" id="{37C4DFD5-8B43-457F-9183-7F7CCBBACC1B}"/>
                       </a:ext>
                     </a:extLst>
                   </p:cNvPr>
@@ -41212,7 +41244,7 @@
                   <p:cNvPr id="364" name="Triângulo isósceles 363">
                     <a:extLst>
                       <a:ext uri="{FF2B5EF4-FFF2-40B4-BE49-F238E27FC236}">
-                        <a16:creationId xmlns="" xmlns:a16="http://schemas.microsoft.com/office/drawing/2014/main" id="{FECDAB48-AFF6-4360-B4C7-9CD568C8A24F}"/>
+                        <a16:creationId xmlns:a16="http://schemas.microsoft.com/office/drawing/2014/main" xmlns="" id="{FECDAB48-AFF6-4360-B4C7-9CD568C8A24F}"/>
                       </a:ext>
                     </a:extLst>
                   </p:cNvPr>
@@ -41265,7 +41297,7 @@
               <p:cNvPr id="338" name="Retângulo de cantos arredondados 256">
                 <a:extLst>
                   <a:ext uri="{FF2B5EF4-FFF2-40B4-BE49-F238E27FC236}">
-                    <a16:creationId xmlns="" xmlns:a16="http://schemas.microsoft.com/office/drawing/2014/main" id="{C49FB0BC-732D-4457-B341-2215CE56E088}"/>
+                    <a16:creationId xmlns:a16="http://schemas.microsoft.com/office/drawing/2014/main" xmlns="" id="{C49FB0BC-732D-4457-B341-2215CE56E088}"/>
                   </a:ext>
                 </a:extLst>
               </p:cNvPr>
@@ -41320,7 +41352,7 @@
               <p:cNvPr id="339" name="Elipse 338">
                 <a:extLst>
                   <a:ext uri="{FF2B5EF4-FFF2-40B4-BE49-F238E27FC236}">
-                    <a16:creationId xmlns="" xmlns:a16="http://schemas.microsoft.com/office/drawing/2014/main" id="{7CB07525-C9FA-49BA-B036-2BAF83FDA2D7}"/>
+                    <a16:creationId xmlns:a16="http://schemas.microsoft.com/office/drawing/2014/main" xmlns="" id="{7CB07525-C9FA-49BA-B036-2BAF83FDA2D7}"/>
                   </a:ext>
                 </a:extLst>
               </p:cNvPr>
@@ -41373,7 +41405,7 @@
               <p:cNvPr id="340" name="Grupo 258">
                 <a:extLst>
                   <a:ext uri="{FF2B5EF4-FFF2-40B4-BE49-F238E27FC236}">
-                    <a16:creationId xmlns="" xmlns:a16="http://schemas.microsoft.com/office/drawing/2014/main" id="{C4DA1282-3CBA-4F05-8DF7-FA0A89491A23}"/>
+                    <a16:creationId xmlns:a16="http://schemas.microsoft.com/office/drawing/2014/main" xmlns="" id="{C4DA1282-3CBA-4F05-8DF7-FA0A89491A23}"/>
                   </a:ext>
                 </a:extLst>
               </p:cNvPr>
@@ -41393,7 +41425,7 @@
                 <p:cNvPr id="341" name="Grupo 259">
                   <a:extLst>
                     <a:ext uri="{FF2B5EF4-FFF2-40B4-BE49-F238E27FC236}">
-                      <a16:creationId xmlns="" xmlns:a16="http://schemas.microsoft.com/office/drawing/2014/main" id="{2F7FB1C2-BBB9-4C64-8389-327AEFCE29D4}"/>
+                      <a16:creationId xmlns:a16="http://schemas.microsoft.com/office/drawing/2014/main" xmlns="" id="{2F7FB1C2-BBB9-4C64-8389-327AEFCE29D4}"/>
                     </a:ext>
                   </a:extLst>
                 </p:cNvPr>
@@ -41413,7 +41445,7 @@
                   <p:cNvPr id="343" name="Grupo 261">
                     <a:extLst>
                       <a:ext uri="{FF2B5EF4-FFF2-40B4-BE49-F238E27FC236}">
-                        <a16:creationId xmlns="" xmlns:a16="http://schemas.microsoft.com/office/drawing/2014/main" id="{6233BFBB-72A7-47DF-8C9A-DC2B69F44D2E}"/>
+                        <a16:creationId xmlns:a16="http://schemas.microsoft.com/office/drawing/2014/main" xmlns="" id="{6233BFBB-72A7-47DF-8C9A-DC2B69F44D2E}"/>
                       </a:ext>
                     </a:extLst>
                   </p:cNvPr>
@@ -41433,7 +41465,7 @@
                     <p:cNvPr id="349" name="Retângulo de cantos arredondados 18">
                       <a:extLst>
                         <a:ext uri="{FF2B5EF4-FFF2-40B4-BE49-F238E27FC236}">
-                          <a16:creationId xmlns="" xmlns:a16="http://schemas.microsoft.com/office/drawing/2014/main" id="{F921CE60-91CB-46E8-919D-C7331C0B9208}"/>
+                          <a16:creationId xmlns:a16="http://schemas.microsoft.com/office/drawing/2014/main" xmlns="" id="{F921CE60-91CB-46E8-919D-C7331C0B9208}"/>
                         </a:ext>
                       </a:extLst>
                     </p:cNvPr>
@@ -41534,7 +41566,7 @@
                     <p:cNvPr id="350" name="Retângulo de cantos arredondados 18">
                       <a:extLst>
                         <a:ext uri="{FF2B5EF4-FFF2-40B4-BE49-F238E27FC236}">
-                          <a16:creationId xmlns="" xmlns:a16="http://schemas.microsoft.com/office/drawing/2014/main" id="{16A07EE1-E98D-438E-84FC-9DB776A499F2}"/>
+                          <a16:creationId xmlns:a16="http://schemas.microsoft.com/office/drawing/2014/main" xmlns="" id="{16A07EE1-E98D-438E-84FC-9DB776A499F2}"/>
                         </a:ext>
                       </a:extLst>
                     </p:cNvPr>
@@ -41635,7 +41667,7 @@
                     <p:cNvPr id="351" name="Retângulo de cantos arredondados 269">
                       <a:extLst>
                         <a:ext uri="{FF2B5EF4-FFF2-40B4-BE49-F238E27FC236}">
-                          <a16:creationId xmlns="" xmlns:a16="http://schemas.microsoft.com/office/drawing/2014/main" id="{F8477439-40B8-467A-9ADA-744CFE41E79E}"/>
+                          <a16:creationId xmlns:a16="http://schemas.microsoft.com/office/drawing/2014/main" xmlns="" id="{F8477439-40B8-467A-9ADA-744CFE41E79E}"/>
                         </a:ext>
                       </a:extLst>
                     </p:cNvPr>
@@ -41691,7 +41723,7 @@
                   <p:cNvPr id="344" name="Lua 343">
                     <a:extLst>
                       <a:ext uri="{FF2B5EF4-FFF2-40B4-BE49-F238E27FC236}">
-                        <a16:creationId xmlns="" xmlns:a16="http://schemas.microsoft.com/office/drawing/2014/main" id="{C0B3829F-2CE3-4824-B091-891BC321D4CD}"/>
+                        <a16:creationId xmlns:a16="http://schemas.microsoft.com/office/drawing/2014/main" xmlns="" id="{C0B3829F-2CE3-4824-B091-891BC321D4CD}"/>
                       </a:ext>
                     </a:extLst>
                   </p:cNvPr>
@@ -41750,7 +41782,7 @@
                   <p:cNvPr id="345" name="Lua 344">
                     <a:extLst>
                       <a:ext uri="{FF2B5EF4-FFF2-40B4-BE49-F238E27FC236}">
-                        <a16:creationId xmlns="" xmlns:a16="http://schemas.microsoft.com/office/drawing/2014/main" id="{D88D18BF-1D72-4B16-85EF-20AE19F25EE9}"/>
+                        <a16:creationId xmlns:a16="http://schemas.microsoft.com/office/drawing/2014/main" xmlns="" id="{D88D18BF-1D72-4B16-85EF-20AE19F25EE9}"/>
                       </a:ext>
                     </a:extLst>
                   </p:cNvPr>
@@ -41805,7 +41837,7 @@
                   <p:cNvPr id="346" name="Grupo 264">
                     <a:extLst>
                       <a:ext uri="{FF2B5EF4-FFF2-40B4-BE49-F238E27FC236}">
-                        <a16:creationId xmlns="" xmlns:a16="http://schemas.microsoft.com/office/drawing/2014/main" id="{17EBC2C7-6AF3-4A8C-8ED0-33FB89046270}"/>
+                        <a16:creationId xmlns:a16="http://schemas.microsoft.com/office/drawing/2014/main" xmlns="" id="{17EBC2C7-6AF3-4A8C-8ED0-33FB89046270}"/>
                       </a:ext>
                     </a:extLst>
                   </p:cNvPr>
@@ -41825,7 +41857,7 @@
                     <p:cNvPr id="347" name="Retângulo de cantos arredondados 18">
                       <a:extLst>
                         <a:ext uri="{FF2B5EF4-FFF2-40B4-BE49-F238E27FC236}">
-                          <a16:creationId xmlns="" xmlns:a16="http://schemas.microsoft.com/office/drawing/2014/main" id="{037B3AFE-EEDC-487E-8426-116115997D1D}"/>
+                          <a16:creationId xmlns:a16="http://schemas.microsoft.com/office/drawing/2014/main" xmlns="" id="{037B3AFE-EEDC-487E-8426-116115997D1D}"/>
                         </a:ext>
                       </a:extLst>
                     </p:cNvPr>
@@ -41926,7 +41958,7 @@
                     <p:cNvPr id="348" name="Retângulo de cantos arredondados 18">
                       <a:extLst>
                         <a:ext uri="{FF2B5EF4-FFF2-40B4-BE49-F238E27FC236}">
-                          <a16:creationId xmlns="" xmlns:a16="http://schemas.microsoft.com/office/drawing/2014/main" id="{E6BEACB8-C51E-4531-9A30-010C180401BF}"/>
+                          <a16:creationId xmlns:a16="http://schemas.microsoft.com/office/drawing/2014/main" xmlns="" id="{E6BEACB8-C51E-4531-9A30-010C180401BF}"/>
                         </a:ext>
                       </a:extLst>
                     </p:cNvPr>
@@ -42029,7 +42061,7 @@
                 <p:cNvPr id="342" name="Retângulo de cantos arredondados 260">
                   <a:extLst>
                     <a:ext uri="{FF2B5EF4-FFF2-40B4-BE49-F238E27FC236}">
-                      <a16:creationId xmlns="" xmlns:a16="http://schemas.microsoft.com/office/drawing/2014/main" id="{0BC57659-183F-4E11-BCD1-18910EDD4D09}"/>
+                      <a16:creationId xmlns:a16="http://schemas.microsoft.com/office/drawing/2014/main" xmlns="" id="{0BC57659-183F-4E11-BCD1-18910EDD4D09}"/>
                     </a:ext>
                   </a:extLst>
                 </p:cNvPr>
@@ -47627,7 +47659,7 @@
           <p:cNvPr id="2" name="Elipse 1">
             <a:extLst>
               <a:ext uri="{FF2B5EF4-FFF2-40B4-BE49-F238E27FC236}">
-                <a16:creationId xmlns="" xmlns:a16="http://schemas.microsoft.com/office/drawing/2014/main" id="{3E2299F0-B270-40D7-8F79-C18F6A4FE3E7}"/>
+                <a16:creationId xmlns:a16="http://schemas.microsoft.com/office/drawing/2014/main" xmlns="" id="{3E2299F0-B270-40D7-8F79-C18F6A4FE3E7}"/>
               </a:ext>
             </a:extLst>
           </p:cNvPr>
@@ -47679,7 +47711,7 @@
           <p:cNvPr id="3" name="Elipse 2">
             <a:extLst>
               <a:ext uri="{FF2B5EF4-FFF2-40B4-BE49-F238E27FC236}">
-                <a16:creationId xmlns="" xmlns:a16="http://schemas.microsoft.com/office/drawing/2014/main" id="{1C62FD96-B9CD-44D9-A6B7-B9CA744BF9E4}"/>
+                <a16:creationId xmlns:a16="http://schemas.microsoft.com/office/drawing/2014/main" xmlns="" id="{1C62FD96-B9CD-44D9-A6B7-B9CA744BF9E4}"/>
               </a:ext>
             </a:extLst>
           </p:cNvPr>
@@ -47731,7 +47763,7 @@
           <p:cNvPr id="8" name="Agrupar 36">
             <a:extLst>
               <a:ext uri="{FF2B5EF4-FFF2-40B4-BE49-F238E27FC236}">
-                <a16:creationId xmlns="" xmlns:a16="http://schemas.microsoft.com/office/drawing/2014/main" id="{E549C062-7711-41AB-ABF2-AB4E91EA62FE}"/>
+                <a16:creationId xmlns:a16="http://schemas.microsoft.com/office/drawing/2014/main" xmlns="" id="{E549C062-7711-41AB-ABF2-AB4E91EA62FE}"/>
               </a:ext>
             </a:extLst>
           </p:cNvPr>
@@ -47751,7 +47783,7 @@
             <p:cNvPr id="9" name="Forma Livre: Forma 27">
               <a:extLst>
                 <a:ext uri="{FF2B5EF4-FFF2-40B4-BE49-F238E27FC236}">
-                  <a16:creationId xmlns="" xmlns:a16="http://schemas.microsoft.com/office/drawing/2014/main" id="{BF0A1B5E-6E58-4A70-97B5-2DCC1B239780}"/>
+                  <a16:creationId xmlns:a16="http://schemas.microsoft.com/office/drawing/2014/main" xmlns="" id="{BF0A1B5E-6E58-4A70-97B5-2DCC1B239780}"/>
                 </a:ext>
               </a:extLst>
             </p:cNvPr>
@@ -47938,7 +47970,7 @@
             <p:cNvPr id="10" name="Forma Livre: Forma 30">
               <a:extLst>
                 <a:ext uri="{FF2B5EF4-FFF2-40B4-BE49-F238E27FC236}">
-                  <a16:creationId xmlns="" xmlns:a16="http://schemas.microsoft.com/office/drawing/2014/main" id="{6FF9B9D0-C367-45F8-9B44-FCCBA75DBB3F}"/>
+                  <a16:creationId xmlns:a16="http://schemas.microsoft.com/office/drawing/2014/main" xmlns="" id="{6FF9B9D0-C367-45F8-9B44-FCCBA75DBB3F}"/>
                 </a:ext>
               </a:extLst>
             </p:cNvPr>
@@ -48115,7 +48147,7 @@
             <p:cNvPr id="11" name="Forma Livre: Forma 35">
               <a:extLst>
                 <a:ext uri="{FF2B5EF4-FFF2-40B4-BE49-F238E27FC236}">
-                  <a16:creationId xmlns="" xmlns:a16="http://schemas.microsoft.com/office/drawing/2014/main" id="{3D672EEE-75CC-4107-A84F-8A3C90295A3A}"/>
+                  <a16:creationId xmlns:a16="http://schemas.microsoft.com/office/drawing/2014/main" xmlns="" id="{3D672EEE-75CC-4107-A84F-8A3C90295A3A}"/>
                 </a:ext>
               </a:extLst>
             </p:cNvPr>
@@ -48263,7 +48295,7 @@
           <p:cNvPr id="12" name="Agrupar 52">
             <a:extLst>
               <a:ext uri="{FF2B5EF4-FFF2-40B4-BE49-F238E27FC236}">
-                <a16:creationId xmlns="" xmlns:a16="http://schemas.microsoft.com/office/drawing/2014/main" id="{CED2FBEA-A000-4639-9C71-CB2D033ECC53}"/>
+                <a16:creationId xmlns:a16="http://schemas.microsoft.com/office/drawing/2014/main" xmlns="" id="{CED2FBEA-A000-4639-9C71-CB2D033ECC53}"/>
               </a:ext>
             </a:extLst>
           </p:cNvPr>
@@ -48283,7 +48315,7 @@
             <p:cNvPr id="13" name="Retângulo: Cantos Arredondados 43">
               <a:extLst>
                 <a:ext uri="{FF2B5EF4-FFF2-40B4-BE49-F238E27FC236}">
-                  <a16:creationId xmlns="" xmlns:a16="http://schemas.microsoft.com/office/drawing/2014/main" id="{935E1078-7E4F-4D81-A29C-06AE0B308F99}"/>
+                  <a16:creationId xmlns:a16="http://schemas.microsoft.com/office/drawing/2014/main" xmlns="" id="{935E1078-7E4F-4D81-A29C-06AE0B308F99}"/>
                 </a:ext>
               </a:extLst>
             </p:cNvPr>
@@ -48335,7 +48367,7 @@
             <p:cNvPr id="14" name="Retângulo: Cantos Arredondados 44">
               <a:extLst>
                 <a:ext uri="{FF2B5EF4-FFF2-40B4-BE49-F238E27FC236}">
-                  <a16:creationId xmlns="" xmlns:a16="http://schemas.microsoft.com/office/drawing/2014/main" id="{362AA42A-C925-499C-8A2A-00D8CFAA8EC3}"/>
+                  <a16:creationId xmlns:a16="http://schemas.microsoft.com/office/drawing/2014/main" xmlns="" id="{362AA42A-C925-499C-8A2A-00D8CFAA8EC3}"/>
                 </a:ext>
               </a:extLst>
             </p:cNvPr>
@@ -48387,7 +48419,7 @@
             <p:cNvPr id="15" name="Retângulo 14">
               <a:extLst>
                 <a:ext uri="{FF2B5EF4-FFF2-40B4-BE49-F238E27FC236}">
-                  <a16:creationId xmlns="" xmlns:a16="http://schemas.microsoft.com/office/drawing/2014/main" id="{AB9F52CB-BAD1-4109-8FB0-B4B761B0A458}"/>
+                  <a16:creationId xmlns:a16="http://schemas.microsoft.com/office/drawing/2014/main" xmlns="" id="{AB9F52CB-BAD1-4109-8FB0-B4B761B0A458}"/>
                 </a:ext>
               </a:extLst>
             </p:cNvPr>
@@ -48439,7 +48471,7 @@
             <p:cNvPr id="16" name="Retângulo 15">
               <a:extLst>
                 <a:ext uri="{FF2B5EF4-FFF2-40B4-BE49-F238E27FC236}">
-                  <a16:creationId xmlns="" xmlns:a16="http://schemas.microsoft.com/office/drawing/2014/main" id="{50836BD2-34DC-4080-9DED-7E87AE1B68FC}"/>
+                  <a16:creationId xmlns:a16="http://schemas.microsoft.com/office/drawing/2014/main" xmlns="" id="{50836BD2-34DC-4080-9DED-7E87AE1B68FC}"/>
                 </a:ext>
               </a:extLst>
             </p:cNvPr>
@@ -48491,7 +48523,7 @@
             <p:cNvPr id="17" name="Retângulo 16">
               <a:extLst>
                 <a:ext uri="{FF2B5EF4-FFF2-40B4-BE49-F238E27FC236}">
-                  <a16:creationId xmlns="" xmlns:a16="http://schemas.microsoft.com/office/drawing/2014/main" id="{012E5920-ED13-449A-8146-547EA4F7B84D}"/>
+                  <a16:creationId xmlns:a16="http://schemas.microsoft.com/office/drawing/2014/main" xmlns="" id="{012E5920-ED13-449A-8146-547EA4F7B84D}"/>
                 </a:ext>
               </a:extLst>
             </p:cNvPr>
@@ -48543,7 +48575,7 @@
             <p:cNvPr id="18" name="Retângulo 17">
               <a:extLst>
                 <a:ext uri="{FF2B5EF4-FFF2-40B4-BE49-F238E27FC236}">
-                  <a16:creationId xmlns="" xmlns:a16="http://schemas.microsoft.com/office/drawing/2014/main" id="{0CB2364E-131E-4BF1-8595-5EECBF6E212A}"/>
+                  <a16:creationId xmlns:a16="http://schemas.microsoft.com/office/drawing/2014/main" xmlns="" id="{0CB2364E-131E-4BF1-8595-5EECBF6E212A}"/>
                 </a:ext>
               </a:extLst>
             </p:cNvPr>
@@ -48595,7 +48627,7 @@
             <p:cNvPr id="19" name="Retângulo 18">
               <a:extLst>
                 <a:ext uri="{FF2B5EF4-FFF2-40B4-BE49-F238E27FC236}">
-                  <a16:creationId xmlns="" xmlns:a16="http://schemas.microsoft.com/office/drawing/2014/main" id="{E0F8B7C4-A7C9-4D59-8E09-7EA6624828AF}"/>
+                  <a16:creationId xmlns:a16="http://schemas.microsoft.com/office/drawing/2014/main" xmlns="" id="{E0F8B7C4-A7C9-4D59-8E09-7EA6624828AF}"/>
                 </a:ext>
               </a:extLst>
             </p:cNvPr>
@@ -48662,7 +48694,7 @@
             <p:cNvPr id="5" name="Elipse 4">
               <a:extLst>
                 <a:ext uri="{FF2B5EF4-FFF2-40B4-BE49-F238E27FC236}">
-                  <a16:creationId xmlns="" xmlns:a16="http://schemas.microsoft.com/office/drawing/2014/main" id="{97BAADA3-8958-4B81-A9AD-4BD804FFCDF5}"/>
+                  <a16:creationId xmlns:a16="http://schemas.microsoft.com/office/drawing/2014/main" xmlns="" id="{97BAADA3-8958-4B81-A9AD-4BD804FFCDF5}"/>
                 </a:ext>
               </a:extLst>
             </p:cNvPr>
@@ -48957,7 +48989,7 @@
           <p:cNvPr id="3" name="Elipse 2">
             <a:extLst>
               <a:ext uri="{FF2B5EF4-FFF2-40B4-BE49-F238E27FC236}">
-                <a16:creationId xmlns="" xmlns:a16="http://schemas.microsoft.com/office/drawing/2014/main" id="{1C62FD96-B9CD-44D9-A6B7-B9CA744BF9E4}"/>
+                <a16:creationId xmlns:a16="http://schemas.microsoft.com/office/drawing/2014/main" xmlns="" id="{1C62FD96-B9CD-44D9-A6B7-B9CA744BF9E4}"/>
               </a:ext>
             </a:extLst>
           </p:cNvPr>
@@ -49055,7 +49087,7 @@
           <p:cNvPr id="7" name="Agrupar 6">
             <a:extLst>
               <a:ext uri="{FF2B5EF4-FFF2-40B4-BE49-F238E27FC236}">
-                <a16:creationId xmlns="" xmlns:a16="http://schemas.microsoft.com/office/drawing/2014/main" id="{E976DEB7-185B-4375-9DBA-5D78AF26D6D7}"/>
+                <a16:creationId xmlns:a16="http://schemas.microsoft.com/office/drawing/2014/main" xmlns="" id="{E976DEB7-185B-4375-9DBA-5D78AF26D6D7}"/>
               </a:ext>
             </a:extLst>
           </p:cNvPr>
@@ -49075,7 +49107,7 @@
             <p:cNvPr id="22" name="Elipse 21">
               <a:extLst>
                 <a:ext uri="{FF2B5EF4-FFF2-40B4-BE49-F238E27FC236}">
-                  <a16:creationId xmlns="" xmlns:a16="http://schemas.microsoft.com/office/drawing/2014/main" id="{8DA61EDA-D65F-407B-82BD-B427144766D3}"/>
+                  <a16:creationId xmlns:a16="http://schemas.microsoft.com/office/drawing/2014/main" xmlns="" id="{8DA61EDA-D65F-407B-82BD-B427144766D3}"/>
                 </a:ext>
               </a:extLst>
             </p:cNvPr>
@@ -49127,7 +49159,7 @@
             <p:cNvPr id="6" name="Elipse 5">
               <a:extLst>
                 <a:ext uri="{FF2B5EF4-FFF2-40B4-BE49-F238E27FC236}">
-                  <a16:creationId xmlns="" xmlns:a16="http://schemas.microsoft.com/office/drawing/2014/main" id="{A6965E2E-3446-4C27-9E1F-A31F25446713}"/>
+                  <a16:creationId xmlns:a16="http://schemas.microsoft.com/office/drawing/2014/main" xmlns="" id="{A6965E2E-3446-4C27-9E1F-A31F25446713}"/>
                 </a:ext>
               </a:extLst>
             </p:cNvPr>
@@ -49493,7 +49525,7 @@
             <p:cNvPr id="9" name="Retângulo: Cantos Arredondados 8">
               <a:extLst>
                 <a:ext uri="{FF2B5EF4-FFF2-40B4-BE49-F238E27FC236}">
-                  <a16:creationId xmlns="" xmlns:a16="http://schemas.microsoft.com/office/drawing/2014/main" id="{F8102B5C-A279-4902-B60D-5047349AC13D}"/>
+                  <a16:creationId xmlns:a16="http://schemas.microsoft.com/office/drawing/2014/main" xmlns="" id="{F8102B5C-A279-4902-B60D-5047349AC13D}"/>
                 </a:ext>
               </a:extLst>
             </p:cNvPr>

--- a/Rascunhos/Logo - PP2.pptx
+++ b/Rascunhos/Logo - PP2.pptx
@@ -122,7 +122,7 @@
   </p:defaultTextStyle>
   <p:extLst>
     <p:ext uri="{EFAFB233-063F-42B5-8137-9DF3F51BA10A}">
-      <p15:sldGuideLst xmlns="" xmlns:p15="http://schemas.microsoft.com/office/powerpoint/2012/main">
+      <p15:sldGuideLst xmlns:p15="http://schemas.microsoft.com/office/powerpoint/2012/main" xmlns="">
         <p15:guide id="1" orient="horz" pos="2160">
           <p15:clr>
             <a:srgbClr val="A4A3A4"/>
@@ -3634,7 +3634,7 @@
           <p:cNvPr id="20" name="Agrupar 19">
             <a:extLst>
               <a:ext uri="{FF2B5EF4-FFF2-40B4-BE49-F238E27FC236}">
-                <a16:creationId xmlns="" xmlns:a16="http://schemas.microsoft.com/office/drawing/2014/main" id="{E3682C21-8216-4FCF-A5C3-DC6FDF19FB2B}"/>
+                <a16:creationId xmlns:a16="http://schemas.microsoft.com/office/drawing/2014/main" xmlns="" id="{E3682C21-8216-4FCF-A5C3-DC6FDF19FB2B}"/>
               </a:ext>
             </a:extLst>
           </p:cNvPr>
@@ -3654,7 +3654,7 @@
             <p:cNvPr id="3" name="Agrupar 2">
               <a:extLst>
                 <a:ext uri="{FF2B5EF4-FFF2-40B4-BE49-F238E27FC236}">
-                  <a16:creationId xmlns="" xmlns:a16="http://schemas.microsoft.com/office/drawing/2014/main" id="{1DCF184F-89D1-4856-ACDA-65CFAEF778D1}"/>
+                  <a16:creationId xmlns:a16="http://schemas.microsoft.com/office/drawing/2014/main" xmlns="" id="{1DCF184F-89D1-4856-ACDA-65CFAEF778D1}"/>
                 </a:ext>
               </a:extLst>
             </p:cNvPr>
@@ -3718,7 +3718,7 @@
               <p:cNvPr id="17" name="Balão de Pensamento: Nuvem 16">
                 <a:extLst>
                   <a:ext uri="{FF2B5EF4-FFF2-40B4-BE49-F238E27FC236}">
-                    <a16:creationId xmlns="" xmlns:a16="http://schemas.microsoft.com/office/drawing/2014/main" id="{5C57BA0A-9700-43BD-9104-CC30BC0DE381}"/>
+                    <a16:creationId xmlns:a16="http://schemas.microsoft.com/office/drawing/2014/main" xmlns="" id="{5C57BA0A-9700-43BD-9104-CC30BC0DE381}"/>
                   </a:ext>
                 </a:extLst>
               </p:cNvPr>
@@ -3786,7 +3786,7 @@
               <p:cNvPr id="96" name="Agrupar 15">
                 <a:extLst>
                   <a:ext uri="{FF2B5EF4-FFF2-40B4-BE49-F238E27FC236}">
-                    <a16:creationId xmlns="" xmlns:a16="http://schemas.microsoft.com/office/drawing/2014/main" id="{CDA0B437-9E5C-43AF-AD41-CFFD83C35D59}"/>
+                    <a16:creationId xmlns:a16="http://schemas.microsoft.com/office/drawing/2014/main" xmlns="" id="{CDA0B437-9E5C-43AF-AD41-CFFD83C35D59}"/>
                   </a:ext>
                 </a:extLst>
               </p:cNvPr>
@@ -4791,7 +4791,7 @@
               <p:cNvPr id="16" name="Agrupar 15">
                 <a:extLst>
                   <a:ext uri="{FF2B5EF4-FFF2-40B4-BE49-F238E27FC236}">
-                    <a16:creationId xmlns="" xmlns:a16="http://schemas.microsoft.com/office/drawing/2014/main" id="{CDA0B437-9E5C-43AF-AD41-CFFD83C35D59}"/>
+                    <a16:creationId xmlns:a16="http://schemas.microsoft.com/office/drawing/2014/main" xmlns="" id="{CDA0B437-9E5C-43AF-AD41-CFFD83C35D59}"/>
                   </a:ext>
                 </a:extLst>
               </p:cNvPr>
@@ -6578,7 +6578,7 @@
             <p:cNvPr id="8" name="Elipse 7">
               <a:extLst>
                 <a:ext uri="{FF2B5EF4-FFF2-40B4-BE49-F238E27FC236}">
-                  <a16:creationId xmlns="" xmlns:a16="http://schemas.microsoft.com/office/drawing/2014/main" id="{3E2299F0-B270-40D7-8F79-C18F6A4FE3E7}"/>
+                  <a16:creationId xmlns:a16="http://schemas.microsoft.com/office/drawing/2014/main" xmlns="" id="{3E2299F0-B270-40D7-8F79-C18F6A4FE3E7}"/>
                 </a:ext>
               </a:extLst>
             </p:cNvPr>
@@ -6630,7 +6630,7 @@
             <p:cNvPr id="9" name="Elipse 8">
               <a:extLst>
                 <a:ext uri="{FF2B5EF4-FFF2-40B4-BE49-F238E27FC236}">
-                  <a16:creationId xmlns="" xmlns:a16="http://schemas.microsoft.com/office/drawing/2014/main" id="{1C62FD96-B9CD-44D9-A6B7-B9CA744BF9E4}"/>
+                  <a16:creationId xmlns:a16="http://schemas.microsoft.com/office/drawing/2014/main" xmlns="" id="{1C62FD96-B9CD-44D9-A6B7-B9CA744BF9E4}"/>
                 </a:ext>
               </a:extLst>
             </p:cNvPr>
@@ -7833,7 +7833,7 @@
             <p:cNvPr id="3" name="Elipse 2">
               <a:extLst>
                 <a:ext uri="{FF2B5EF4-FFF2-40B4-BE49-F238E27FC236}">
-                  <a16:creationId xmlns="" xmlns:a16="http://schemas.microsoft.com/office/drawing/2014/main" id="{3E2299F0-B270-40D7-8F79-C18F6A4FE3E7}"/>
+                  <a16:creationId xmlns:a16="http://schemas.microsoft.com/office/drawing/2014/main" xmlns="" id="{3E2299F0-B270-40D7-8F79-C18F6A4FE3E7}"/>
                 </a:ext>
               </a:extLst>
             </p:cNvPr>
@@ -7885,7 +7885,7 @@
             <p:cNvPr id="4" name="Elipse 3">
               <a:extLst>
                 <a:ext uri="{FF2B5EF4-FFF2-40B4-BE49-F238E27FC236}">
-                  <a16:creationId xmlns="" xmlns:a16="http://schemas.microsoft.com/office/drawing/2014/main" id="{1C62FD96-B9CD-44D9-A6B7-B9CA744BF9E4}"/>
+                  <a16:creationId xmlns:a16="http://schemas.microsoft.com/office/drawing/2014/main" xmlns="" id="{1C62FD96-B9CD-44D9-A6B7-B9CA744BF9E4}"/>
                 </a:ext>
               </a:extLst>
             </p:cNvPr>
@@ -8193,7 +8193,7 @@
         </p:nvGrpSpPr>
         <p:grpSpPr>
           <a:xfrm>
-            <a:off x="1897932" y="602436"/>
+            <a:off x="2030123" y="1556792"/>
             <a:ext cx="5476011" cy="5597169"/>
             <a:chOff x="2344744" y="533800"/>
             <a:chExt cx="5476011" cy="5597169"/>
@@ -8204,7 +8204,7 @@
             <p:cNvPr id="3" name="Elipse 2">
               <a:extLst>
                 <a:ext uri="{FF2B5EF4-FFF2-40B4-BE49-F238E27FC236}">
-                  <a16:creationId xmlns="" xmlns:a16="http://schemas.microsoft.com/office/drawing/2014/main" id="{3E2299F0-B270-40D7-8F79-C18F6A4FE3E7}"/>
+                  <a16:creationId xmlns:a16="http://schemas.microsoft.com/office/drawing/2014/main" xmlns="" id="{3E2299F0-B270-40D7-8F79-C18F6A4FE3E7}"/>
                 </a:ext>
               </a:extLst>
             </p:cNvPr>
@@ -8256,7 +8256,7 @@
             <p:cNvPr id="4" name="Elipse 3">
               <a:extLst>
                 <a:ext uri="{FF2B5EF4-FFF2-40B4-BE49-F238E27FC236}">
-                  <a16:creationId xmlns="" xmlns:a16="http://schemas.microsoft.com/office/drawing/2014/main" id="{1C62FD96-B9CD-44D9-A6B7-B9CA744BF9E4}"/>
+                  <a16:creationId xmlns:a16="http://schemas.microsoft.com/office/drawing/2014/main" xmlns="" id="{1C62FD96-B9CD-44D9-A6B7-B9CA744BF9E4}"/>
                 </a:ext>
               </a:extLst>
             </p:cNvPr>
@@ -8303,6 +8303,1532 @@
             </a:p>
           </p:txBody>
         </p:sp>
+      </p:grpSp>
+      <p:grpSp>
+        <p:nvGrpSpPr>
+          <p:cNvPr id="26" name="Grupo 25"/>
+          <p:cNvGrpSpPr/>
+          <p:nvPr/>
+        </p:nvGrpSpPr>
+        <p:grpSpPr>
+          <a:xfrm>
+            <a:off x="6372200" y="1896772"/>
+            <a:ext cx="1440160" cy="2105806"/>
+            <a:chOff x="3419872" y="2259298"/>
+            <a:chExt cx="1440160" cy="2105806"/>
+          </a:xfrm>
+        </p:grpSpPr>
+        <p:sp>
+          <p:nvSpPr>
+            <p:cNvPr id="5" name="Retângulo de cantos arredondados 4"/>
+            <p:cNvSpPr/>
+            <p:nvPr/>
+          </p:nvSpPr>
+          <p:spPr>
+            <a:xfrm>
+              <a:off x="3419872" y="2420888"/>
+              <a:ext cx="1440160" cy="1944216"/>
+            </a:xfrm>
+            <a:prstGeom prst="roundRect">
+              <a:avLst>
+                <a:gd name="adj" fmla="val 6085"/>
+              </a:avLst>
+            </a:prstGeom>
+            <a:solidFill>
+              <a:srgbClr val="DC8D4C"/>
+            </a:solidFill>
+            <a:ln>
+              <a:noFill/>
+            </a:ln>
+          </p:spPr>
+          <p:style>
+            <a:lnRef idx="2">
+              <a:schemeClr val="accent1">
+                <a:shade val="50000"/>
+              </a:schemeClr>
+            </a:lnRef>
+            <a:fillRef idx="1">
+              <a:schemeClr val="accent1"/>
+            </a:fillRef>
+            <a:effectRef idx="0">
+              <a:schemeClr val="accent1"/>
+            </a:effectRef>
+            <a:fontRef idx="minor">
+              <a:schemeClr val="lt1"/>
+            </a:fontRef>
+          </p:style>
+          <p:txBody>
+            <a:bodyPr rtlCol="0" anchor="ctr"/>
+            <a:lstStyle/>
+            <a:p>
+              <a:pPr algn="ctr"/>
+              <a:endParaRPr lang="pt-BR"/>
+            </a:p>
+          </p:txBody>
+        </p:sp>
+        <p:sp>
+          <p:nvSpPr>
+            <p:cNvPr id="6" name="Retângulo 5"/>
+            <p:cNvSpPr/>
+            <p:nvPr/>
+          </p:nvSpPr>
+          <p:spPr>
+            <a:xfrm>
+              <a:off x="3563888" y="2564904"/>
+              <a:ext cx="1152128" cy="1656184"/>
+            </a:xfrm>
+            <a:prstGeom prst="rect">
+              <a:avLst/>
+            </a:prstGeom>
+            <a:solidFill>
+              <a:schemeClr val="bg1"/>
+            </a:solidFill>
+            <a:ln>
+              <a:noFill/>
+            </a:ln>
+          </p:spPr>
+          <p:style>
+            <a:lnRef idx="2">
+              <a:schemeClr val="accent1">
+                <a:shade val="50000"/>
+              </a:schemeClr>
+            </a:lnRef>
+            <a:fillRef idx="1">
+              <a:schemeClr val="accent1"/>
+            </a:fillRef>
+            <a:effectRef idx="0">
+              <a:schemeClr val="accent1"/>
+            </a:effectRef>
+            <a:fontRef idx="minor">
+              <a:schemeClr val="lt1"/>
+            </a:fontRef>
+          </p:style>
+          <p:txBody>
+            <a:bodyPr rtlCol="0" anchor="ctr"/>
+            <a:lstStyle/>
+            <a:p>
+              <a:pPr algn="ctr"/>
+              <a:endParaRPr lang="pt-BR" dirty="0"/>
+            </a:p>
+          </p:txBody>
+        </p:sp>
+        <p:sp>
+          <p:nvSpPr>
+            <p:cNvPr id="7" name="Retângulo de cantos arredondados 6"/>
+            <p:cNvSpPr/>
+            <p:nvPr/>
+          </p:nvSpPr>
+          <p:spPr>
+            <a:xfrm>
+              <a:off x="3743908" y="2420888"/>
+              <a:ext cx="792088" cy="216024"/>
+            </a:xfrm>
+            <a:prstGeom prst="roundRect">
+              <a:avLst/>
+            </a:prstGeom>
+            <a:solidFill>
+              <a:schemeClr val="bg1">
+                <a:lumMod val="85000"/>
+              </a:schemeClr>
+            </a:solidFill>
+            <a:ln>
+              <a:noFill/>
+            </a:ln>
+          </p:spPr>
+          <p:style>
+            <a:lnRef idx="2">
+              <a:schemeClr val="accent1">
+                <a:shade val="50000"/>
+              </a:schemeClr>
+            </a:lnRef>
+            <a:fillRef idx="1">
+              <a:schemeClr val="accent1"/>
+            </a:fillRef>
+            <a:effectRef idx="0">
+              <a:schemeClr val="accent1"/>
+            </a:effectRef>
+            <a:fontRef idx="minor">
+              <a:schemeClr val="lt1"/>
+            </a:fontRef>
+          </p:style>
+          <p:txBody>
+            <a:bodyPr rtlCol="0" anchor="ctr"/>
+            <a:lstStyle/>
+            <a:p>
+              <a:pPr algn="ctr"/>
+              <a:endParaRPr lang="pt-BR"/>
+            </a:p>
+          </p:txBody>
+        </p:sp>
+        <p:sp>
+          <p:nvSpPr>
+            <p:cNvPr id="10" name="Rosca 9"/>
+            <p:cNvSpPr/>
+            <p:nvPr/>
+          </p:nvSpPr>
+          <p:spPr>
+            <a:xfrm>
+              <a:off x="3959932" y="2259298"/>
+              <a:ext cx="360040" cy="360040"/>
+            </a:xfrm>
+            <a:prstGeom prst="donut">
+              <a:avLst/>
+            </a:prstGeom>
+            <a:solidFill>
+              <a:schemeClr val="bg1">
+                <a:lumMod val="85000"/>
+              </a:schemeClr>
+            </a:solidFill>
+            <a:ln>
+              <a:noFill/>
+            </a:ln>
+          </p:spPr>
+          <p:style>
+            <a:lnRef idx="2">
+              <a:schemeClr val="accent1">
+                <a:shade val="50000"/>
+              </a:schemeClr>
+            </a:lnRef>
+            <a:fillRef idx="1">
+              <a:schemeClr val="accent1"/>
+            </a:fillRef>
+            <a:effectRef idx="0">
+              <a:schemeClr val="accent1"/>
+            </a:effectRef>
+            <a:fontRef idx="minor">
+              <a:schemeClr val="lt1"/>
+            </a:fontRef>
+          </p:style>
+          <p:txBody>
+            <a:bodyPr rtlCol="0" anchor="ctr"/>
+            <a:lstStyle/>
+            <a:p>
+              <a:pPr algn="ctr"/>
+              <a:endParaRPr lang="pt-BR">
+                <a:solidFill>
+                  <a:schemeClr val="tx1"/>
+                </a:solidFill>
+              </a:endParaRPr>
+            </a:p>
+          </p:txBody>
+        </p:sp>
+        <p:sp>
+          <p:nvSpPr>
+            <p:cNvPr id="11" name="Quadro 10"/>
+            <p:cNvSpPr/>
+            <p:nvPr/>
+          </p:nvSpPr>
+          <p:spPr>
+            <a:xfrm>
+              <a:off x="3684972" y="2813042"/>
+              <a:ext cx="297892" cy="240792"/>
+            </a:xfrm>
+            <a:prstGeom prst="frame">
+              <a:avLst>
+                <a:gd name="adj1" fmla="val 6266"/>
+              </a:avLst>
+            </a:prstGeom>
+            <a:solidFill>
+              <a:schemeClr val="tx2">
+                <a:lumMod val="40000"/>
+                <a:lumOff val="60000"/>
+              </a:schemeClr>
+            </a:solidFill>
+            <a:ln>
+              <a:noFill/>
+            </a:ln>
+          </p:spPr>
+          <p:style>
+            <a:lnRef idx="2">
+              <a:schemeClr val="accent1">
+                <a:shade val="50000"/>
+              </a:schemeClr>
+            </a:lnRef>
+            <a:fillRef idx="1">
+              <a:schemeClr val="accent1"/>
+            </a:fillRef>
+            <a:effectRef idx="0">
+              <a:schemeClr val="accent1"/>
+            </a:effectRef>
+            <a:fontRef idx="minor">
+              <a:schemeClr val="lt1"/>
+            </a:fontRef>
+          </p:style>
+          <p:txBody>
+            <a:bodyPr rtlCol="0" anchor="ctr"/>
+            <a:lstStyle/>
+            <a:p>
+              <a:pPr algn="ctr"/>
+              <a:endParaRPr lang="pt-BR">
+                <a:solidFill>
+                  <a:schemeClr val="tx1"/>
+                </a:solidFill>
+              </a:endParaRPr>
+            </a:p>
+          </p:txBody>
+        </p:sp>
+        <p:sp>
+          <p:nvSpPr>
+            <p:cNvPr id="12" name="Quadro 11"/>
+            <p:cNvSpPr/>
+            <p:nvPr/>
+          </p:nvSpPr>
+          <p:spPr>
+            <a:xfrm>
+              <a:off x="3684972" y="3152204"/>
+              <a:ext cx="297892" cy="240792"/>
+            </a:xfrm>
+            <a:prstGeom prst="frame">
+              <a:avLst>
+                <a:gd name="adj1" fmla="val 6266"/>
+              </a:avLst>
+            </a:prstGeom>
+            <a:solidFill>
+              <a:schemeClr val="tx2">
+                <a:lumMod val="40000"/>
+                <a:lumOff val="60000"/>
+              </a:schemeClr>
+            </a:solidFill>
+            <a:ln>
+              <a:noFill/>
+            </a:ln>
+          </p:spPr>
+          <p:style>
+            <a:lnRef idx="2">
+              <a:schemeClr val="accent1">
+                <a:shade val="50000"/>
+              </a:schemeClr>
+            </a:lnRef>
+            <a:fillRef idx="1">
+              <a:schemeClr val="accent1"/>
+            </a:fillRef>
+            <a:effectRef idx="0">
+              <a:schemeClr val="accent1"/>
+            </a:effectRef>
+            <a:fontRef idx="minor">
+              <a:schemeClr val="lt1"/>
+            </a:fontRef>
+          </p:style>
+          <p:txBody>
+            <a:bodyPr rtlCol="0" anchor="ctr"/>
+            <a:lstStyle/>
+            <a:p>
+              <a:pPr algn="ctr"/>
+              <a:endParaRPr lang="pt-BR">
+                <a:solidFill>
+                  <a:schemeClr val="tx1"/>
+                </a:solidFill>
+              </a:endParaRPr>
+            </a:p>
+          </p:txBody>
+        </p:sp>
+        <p:sp>
+          <p:nvSpPr>
+            <p:cNvPr id="13" name="Quadro 12"/>
+            <p:cNvSpPr/>
+            <p:nvPr/>
+          </p:nvSpPr>
+          <p:spPr>
+            <a:xfrm>
+              <a:off x="3684972" y="3482349"/>
+              <a:ext cx="297892" cy="240792"/>
+            </a:xfrm>
+            <a:prstGeom prst="frame">
+              <a:avLst>
+                <a:gd name="adj1" fmla="val 6266"/>
+              </a:avLst>
+            </a:prstGeom>
+            <a:solidFill>
+              <a:schemeClr val="tx2">
+                <a:lumMod val="40000"/>
+                <a:lumOff val="60000"/>
+              </a:schemeClr>
+            </a:solidFill>
+            <a:ln>
+              <a:noFill/>
+            </a:ln>
+          </p:spPr>
+          <p:style>
+            <a:lnRef idx="2">
+              <a:schemeClr val="accent1">
+                <a:shade val="50000"/>
+              </a:schemeClr>
+            </a:lnRef>
+            <a:fillRef idx="1">
+              <a:schemeClr val="accent1"/>
+            </a:fillRef>
+            <a:effectRef idx="0">
+              <a:schemeClr val="accent1"/>
+            </a:effectRef>
+            <a:fontRef idx="minor">
+              <a:schemeClr val="lt1"/>
+            </a:fontRef>
+          </p:style>
+          <p:txBody>
+            <a:bodyPr rtlCol="0" anchor="ctr"/>
+            <a:lstStyle/>
+            <a:p>
+              <a:pPr algn="ctr"/>
+              <a:endParaRPr lang="pt-BR">
+                <a:solidFill>
+                  <a:schemeClr val="tx1"/>
+                </a:solidFill>
+              </a:endParaRPr>
+            </a:p>
+          </p:txBody>
+        </p:sp>
+        <p:sp>
+          <p:nvSpPr>
+            <p:cNvPr id="14" name="Quadro 13"/>
+            <p:cNvSpPr/>
+            <p:nvPr/>
+          </p:nvSpPr>
+          <p:spPr>
+            <a:xfrm>
+              <a:off x="3684972" y="3789040"/>
+              <a:ext cx="297892" cy="240792"/>
+            </a:xfrm>
+            <a:prstGeom prst="frame">
+              <a:avLst>
+                <a:gd name="adj1" fmla="val 6266"/>
+              </a:avLst>
+            </a:prstGeom>
+            <a:solidFill>
+              <a:schemeClr val="tx2">
+                <a:lumMod val="40000"/>
+                <a:lumOff val="60000"/>
+              </a:schemeClr>
+            </a:solidFill>
+            <a:ln>
+              <a:noFill/>
+            </a:ln>
+          </p:spPr>
+          <p:style>
+            <a:lnRef idx="2">
+              <a:schemeClr val="accent1">
+                <a:shade val="50000"/>
+              </a:schemeClr>
+            </a:lnRef>
+            <a:fillRef idx="1">
+              <a:schemeClr val="accent1"/>
+            </a:fillRef>
+            <a:effectRef idx="0">
+              <a:schemeClr val="accent1"/>
+            </a:effectRef>
+            <a:fontRef idx="minor">
+              <a:schemeClr val="lt1"/>
+            </a:fontRef>
+          </p:style>
+          <p:txBody>
+            <a:bodyPr rtlCol="0" anchor="ctr"/>
+            <a:lstStyle/>
+            <a:p>
+              <a:pPr algn="ctr"/>
+              <a:endParaRPr lang="pt-BR">
+                <a:solidFill>
+                  <a:schemeClr val="tx1"/>
+                </a:solidFill>
+              </a:endParaRPr>
+            </a:p>
+          </p:txBody>
+        </p:sp>
+        <p:sp>
+          <p:nvSpPr>
+            <p:cNvPr id="22" name="Retângulo 14"/>
+            <p:cNvSpPr/>
+            <p:nvPr/>
+          </p:nvSpPr>
+          <p:spPr>
+            <a:xfrm>
+              <a:off x="4067944" y="2910578"/>
+              <a:ext cx="576064" cy="45719"/>
+            </a:xfrm>
+            <a:custGeom>
+              <a:avLst/>
+              <a:gdLst/>
+              <a:ahLst/>
+              <a:cxnLst/>
+              <a:rect l="l" t="t" r="r" b="b"/>
+              <a:pathLst>
+                <a:path w="936104" h="45719">
+                  <a:moveTo>
+                    <a:pt x="864096" y="0"/>
+                  </a:moveTo>
+                  <a:lnTo>
+                    <a:pt x="936104" y="0"/>
+                  </a:lnTo>
+                  <a:lnTo>
+                    <a:pt x="936104" y="45719"/>
+                  </a:lnTo>
+                  <a:lnTo>
+                    <a:pt x="864096" y="45719"/>
+                  </a:lnTo>
+                  <a:close/>
+                  <a:moveTo>
+                    <a:pt x="765799" y="0"/>
+                  </a:moveTo>
+                  <a:lnTo>
+                    <a:pt x="818377" y="0"/>
+                  </a:lnTo>
+                  <a:lnTo>
+                    <a:pt x="818377" y="45719"/>
+                  </a:lnTo>
+                  <a:lnTo>
+                    <a:pt x="765799" y="45719"/>
+                  </a:lnTo>
+                  <a:close/>
+                  <a:moveTo>
+                    <a:pt x="621783" y="0"/>
+                  </a:moveTo>
+                  <a:lnTo>
+                    <a:pt x="720080" y="0"/>
+                  </a:lnTo>
+                  <a:lnTo>
+                    <a:pt x="720080" y="45719"/>
+                  </a:lnTo>
+                  <a:lnTo>
+                    <a:pt x="621783" y="45719"/>
+                  </a:lnTo>
+                  <a:close/>
+                  <a:moveTo>
+                    <a:pt x="513771" y="0"/>
+                  </a:moveTo>
+                  <a:lnTo>
+                    <a:pt x="576064" y="0"/>
+                  </a:lnTo>
+                  <a:lnTo>
+                    <a:pt x="576064" y="45719"/>
+                  </a:lnTo>
+                  <a:lnTo>
+                    <a:pt x="513771" y="45719"/>
+                  </a:lnTo>
+                  <a:close/>
+                  <a:moveTo>
+                    <a:pt x="329930" y="0"/>
+                  </a:moveTo>
+                  <a:lnTo>
+                    <a:pt x="468052" y="0"/>
+                  </a:lnTo>
+                  <a:lnTo>
+                    <a:pt x="468052" y="45719"/>
+                  </a:lnTo>
+                  <a:lnTo>
+                    <a:pt x="329930" y="45719"/>
+                  </a:lnTo>
+                  <a:close/>
+                  <a:moveTo>
+                    <a:pt x="189735" y="0"/>
+                  </a:moveTo>
+                  <a:lnTo>
+                    <a:pt x="284211" y="0"/>
+                  </a:lnTo>
+                  <a:lnTo>
+                    <a:pt x="284211" y="45719"/>
+                  </a:lnTo>
+                  <a:lnTo>
+                    <a:pt x="189735" y="45719"/>
+                  </a:lnTo>
+                  <a:close/>
+                  <a:moveTo>
+                    <a:pt x="0" y="0"/>
+                  </a:moveTo>
+                  <a:lnTo>
+                    <a:pt x="144016" y="0"/>
+                  </a:lnTo>
+                  <a:lnTo>
+                    <a:pt x="144016" y="45719"/>
+                  </a:lnTo>
+                  <a:lnTo>
+                    <a:pt x="0" y="45719"/>
+                  </a:lnTo>
+                  <a:close/>
+                </a:path>
+              </a:pathLst>
+            </a:custGeom>
+            <a:solidFill>
+              <a:schemeClr val="bg1">
+                <a:lumMod val="85000"/>
+              </a:schemeClr>
+            </a:solidFill>
+            <a:ln>
+              <a:noFill/>
+            </a:ln>
+          </p:spPr>
+          <p:style>
+            <a:lnRef idx="2">
+              <a:schemeClr val="accent1">
+                <a:shade val="50000"/>
+              </a:schemeClr>
+            </a:lnRef>
+            <a:fillRef idx="1">
+              <a:schemeClr val="accent1"/>
+            </a:fillRef>
+            <a:effectRef idx="0">
+              <a:schemeClr val="accent1"/>
+            </a:effectRef>
+            <a:fontRef idx="minor">
+              <a:schemeClr val="lt1"/>
+            </a:fontRef>
+          </p:style>
+          <p:txBody>
+            <a:bodyPr rtlCol="0" anchor="ctr"/>
+            <a:lstStyle/>
+            <a:p>
+              <a:pPr algn="ctr"/>
+              <a:endParaRPr lang="pt-BR"/>
+            </a:p>
+          </p:txBody>
+        </p:sp>
+        <p:sp>
+          <p:nvSpPr>
+            <p:cNvPr id="23" name="Retângulo 14"/>
+            <p:cNvSpPr/>
+            <p:nvPr/>
+          </p:nvSpPr>
+          <p:spPr>
+            <a:xfrm>
+              <a:off x="4067944" y="3249740"/>
+              <a:ext cx="576064" cy="45719"/>
+            </a:xfrm>
+            <a:custGeom>
+              <a:avLst/>
+              <a:gdLst/>
+              <a:ahLst/>
+              <a:cxnLst/>
+              <a:rect l="l" t="t" r="r" b="b"/>
+              <a:pathLst>
+                <a:path w="936104" h="45719">
+                  <a:moveTo>
+                    <a:pt x="864096" y="0"/>
+                  </a:moveTo>
+                  <a:lnTo>
+                    <a:pt x="936104" y="0"/>
+                  </a:lnTo>
+                  <a:lnTo>
+                    <a:pt x="936104" y="45719"/>
+                  </a:lnTo>
+                  <a:lnTo>
+                    <a:pt x="864096" y="45719"/>
+                  </a:lnTo>
+                  <a:close/>
+                  <a:moveTo>
+                    <a:pt x="765799" y="0"/>
+                  </a:moveTo>
+                  <a:lnTo>
+                    <a:pt x="818377" y="0"/>
+                  </a:lnTo>
+                  <a:lnTo>
+                    <a:pt x="818377" y="45719"/>
+                  </a:lnTo>
+                  <a:lnTo>
+                    <a:pt x="765799" y="45719"/>
+                  </a:lnTo>
+                  <a:close/>
+                  <a:moveTo>
+                    <a:pt x="621783" y="0"/>
+                  </a:moveTo>
+                  <a:lnTo>
+                    <a:pt x="720080" y="0"/>
+                  </a:lnTo>
+                  <a:lnTo>
+                    <a:pt x="720080" y="45719"/>
+                  </a:lnTo>
+                  <a:lnTo>
+                    <a:pt x="621783" y="45719"/>
+                  </a:lnTo>
+                  <a:close/>
+                  <a:moveTo>
+                    <a:pt x="513771" y="0"/>
+                  </a:moveTo>
+                  <a:lnTo>
+                    <a:pt x="576064" y="0"/>
+                  </a:lnTo>
+                  <a:lnTo>
+                    <a:pt x="576064" y="45719"/>
+                  </a:lnTo>
+                  <a:lnTo>
+                    <a:pt x="513771" y="45719"/>
+                  </a:lnTo>
+                  <a:close/>
+                  <a:moveTo>
+                    <a:pt x="329930" y="0"/>
+                  </a:moveTo>
+                  <a:lnTo>
+                    <a:pt x="468052" y="0"/>
+                  </a:lnTo>
+                  <a:lnTo>
+                    <a:pt x="468052" y="45719"/>
+                  </a:lnTo>
+                  <a:lnTo>
+                    <a:pt x="329930" y="45719"/>
+                  </a:lnTo>
+                  <a:close/>
+                  <a:moveTo>
+                    <a:pt x="189735" y="0"/>
+                  </a:moveTo>
+                  <a:lnTo>
+                    <a:pt x="284211" y="0"/>
+                  </a:lnTo>
+                  <a:lnTo>
+                    <a:pt x="284211" y="45719"/>
+                  </a:lnTo>
+                  <a:lnTo>
+                    <a:pt x="189735" y="45719"/>
+                  </a:lnTo>
+                  <a:close/>
+                  <a:moveTo>
+                    <a:pt x="0" y="0"/>
+                  </a:moveTo>
+                  <a:lnTo>
+                    <a:pt x="144016" y="0"/>
+                  </a:lnTo>
+                  <a:lnTo>
+                    <a:pt x="144016" y="45719"/>
+                  </a:lnTo>
+                  <a:lnTo>
+                    <a:pt x="0" y="45719"/>
+                  </a:lnTo>
+                  <a:close/>
+                </a:path>
+              </a:pathLst>
+            </a:custGeom>
+            <a:solidFill>
+              <a:schemeClr val="bg1">
+                <a:lumMod val="85000"/>
+              </a:schemeClr>
+            </a:solidFill>
+            <a:ln>
+              <a:noFill/>
+            </a:ln>
+          </p:spPr>
+          <p:style>
+            <a:lnRef idx="2">
+              <a:schemeClr val="accent1">
+                <a:shade val="50000"/>
+              </a:schemeClr>
+            </a:lnRef>
+            <a:fillRef idx="1">
+              <a:schemeClr val="accent1"/>
+            </a:fillRef>
+            <a:effectRef idx="0">
+              <a:schemeClr val="accent1"/>
+            </a:effectRef>
+            <a:fontRef idx="minor">
+              <a:schemeClr val="lt1"/>
+            </a:fontRef>
+          </p:style>
+          <p:txBody>
+            <a:bodyPr rtlCol="0" anchor="ctr"/>
+            <a:lstStyle/>
+            <a:p>
+              <a:pPr algn="ctr"/>
+              <a:endParaRPr lang="pt-BR"/>
+            </a:p>
+          </p:txBody>
+        </p:sp>
+        <p:sp>
+          <p:nvSpPr>
+            <p:cNvPr id="24" name="Retângulo 14"/>
+            <p:cNvSpPr/>
+            <p:nvPr/>
+          </p:nvSpPr>
+          <p:spPr>
+            <a:xfrm>
+              <a:off x="4067944" y="3579885"/>
+              <a:ext cx="576064" cy="45719"/>
+            </a:xfrm>
+            <a:custGeom>
+              <a:avLst/>
+              <a:gdLst/>
+              <a:ahLst/>
+              <a:cxnLst/>
+              <a:rect l="l" t="t" r="r" b="b"/>
+              <a:pathLst>
+                <a:path w="936104" h="45719">
+                  <a:moveTo>
+                    <a:pt x="864096" y="0"/>
+                  </a:moveTo>
+                  <a:lnTo>
+                    <a:pt x="936104" y="0"/>
+                  </a:lnTo>
+                  <a:lnTo>
+                    <a:pt x="936104" y="45719"/>
+                  </a:lnTo>
+                  <a:lnTo>
+                    <a:pt x="864096" y="45719"/>
+                  </a:lnTo>
+                  <a:close/>
+                  <a:moveTo>
+                    <a:pt x="765799" y="0"/>
+                  </a:moveTo>
+                  <a:lnTo>
+                    <a:pt x="818377" y="0"/>
+                  </a:lnTo>
+                  <a:lnTo>
+                    <a:pt x="818377" y="45719"/>
+                  </a:lnTo>
+                  <a:lnTo>
+                    <a:pt x="765799" y="45719"/>
+                  </a:lnTo>
+                  <a:close/>
+                  <a:moveTo>
+                    <a:pt x="621783" y="0"/>
+                  </a:moveTo>
+                  <a:lnTo>
+                    <a:pt x="720080" y="0"/>
+                  </a:lnTo>
+                  <a:lnTo>
+                    <a:pt x="720080" y="45719"/>
+                  </a:lnTo>
+                  <a:lnTo>
+                    <a:pt x="621783" y="45719"/>
+                  </a:lnTo>
+                  <a:close/>
+                  <a:moveTo>
+                    <a:pt x="513771" y="0"/>
+                  </a:moveTo>
+                  <a:lnTo>
+                    <a:pt x="576064" y="0"/>
+                  </a:lnTo>
+                  <a:lnTo>
+                    <a:pt x="576064" y="45719"/>
+                  </a:lnTo>
+                  <a:lnTo>
+                    <a:pt x="513771" y="45719"/>
+                  </a:lnTo>
+                  <a:close/>
+                  <a:moveTo>
+                    <a:pt x="329930" y="0"/>
+                  </a:moveTo>
+                  <a:lnTo>
+                    <a:pt x="468052" y="0"/>
+                  </a:lnTo>
+                  <a:lnTo>
+                    <a:pt x="468052" y="45719"/>
+                  </a:lnTo>
+                  <a:lnTo>
+                    <a:pt x="329930" y="45719"/>
+                  </a:lnTo>
+                  <a:close/>
+                  <a:moveTo>
+                    <a:pt x="189735" y="0"/>
+                  </a:moveTo>
+                  <a:lnTo>
+                    <a:pt x="284211" y="0"/>
+                  </a:lnTo>
+                  <a:lnTo>
+                    <a:pt x="284211" y="45719"/>
+                  </a:lnTo>
+                  <a:lnTo>
+                    <a:pt x="189735" y="45719"/>
+                  </a:lnTo>
+                  <a:close/>
+                  <a:moveTo>
+                    <a:pt x="0" y="0"/>
+                  </a:moveTo>
+                  <a:lnTo>
+                    <a:pt x="144016" y="0"/>
+                  </a:lnTo>
+                  <a:lnTo>
+                    <a:pt x="144016" y="45719"/>
+                  </a:lnTo>
+                  <a:lnTo>
+                    <a:pt x="0" y="45719"/>
+                  </a:lnTo>
+                  <a:close/>
+                </a:path>
+              </a:pathLst>
+            </a:custGeom>
+            <a:solidFill>
+              <a:schemeClr val="bg1">
+                <a:lumMod val="85000"/>
+              </a:schemeClr>
+            </a:solidFill>
+            <a:ln>
+              <a:noFill/>
+            </a:ln>
+          </p:spPr>
+          <p:style>
+            <a:lnRef idx="2">
+              <a:schemeClr val="accent1">
+                <a:shade val="50000"/>
+              </a:schemeClr>
+            </a:lnRef>
+            <a:fillRef idx="1">
+              <a:schemeClr val="accent1"/>
+            </a:fillRef>
+            <a:effectRef idx="0">
+              <a:schemeClr val="accent1"/>
+            </a:effectRef>
+            <a:fontRef idx="minor">
+              <a:schemeClr val="lt1"/>
+            </a:fontRef>
+          </p:style>
+          <p:txBody>
+            <a:bodyPr rtlCol="0" anchor="ctr"/>
+            <a:lstStyle/>
+            <a:p>
+              <a:pPr algn="ctr"/>
+              <a:endParaRPr lang="pt-BR"/>
+            </a:p>
+          </p:txBody>
+        </p:sp>
+        <p:sp>
+          <p:nvSpPr>
+            <p:cNvPr id="25" name="Retângulo 14"/>
+            <p:cNvSpPr/>
+            <p:nvPr/>
+          </p:nvSpPr>
+          <p:spPr>
+            <a:xfrm>
+              <a:off x="4067944" y="3886576"/>
+              <a:ext cx="576064" cy="45719"/>
+            </a:xfrm>
+            <a:custGeom>
+              <a:avLst/>
+              <a:gdLst/>
+              <a:ahLst/>
+              <a:cxnLst/>
+              <a:rect l="l" t="t" r="r" b="b"/>
+              <a:pathLst>
+                <a:path w="936104" h="45719">
+                  <a:moveTo>
+                    <a:pt x="864096" y="0"/>
+                  </a:moveTo>
+                  <a:lnTo>
+                    <a:pt x="936104" y="0"/>
+                  </a:lnTo>
+                  <a:lnTo>
+                    <a:pt x="936104" y="45719"/>
+                  </a:lnTo>
+                  <a:lnTo>
+                    <a:pt x="864096" y="45719"/>
+                  </a:lnTo>
+                  <a:close/>
+                  <a:moveTo>
+                    <a:pt x="765799" y="0"/>
+                  </a:moveTo>
+                  <a:lnTo>
+                    <a:pt x="818377" y="0"/>
+                  </a:lnTo>
+                  <a:lnTo>
+                    <a:pt x="818377" y="45719"/>
+                  </a:lnTo>
+                  <a:lnTo>
+                    <a:pt x="765799" y="45719"/>
+                  </a:lnTo>
+                  <a:close/>
+                  <a:moveTo>
+                    <a:pt x="621783" y="0"/>
+                  </a:moveTo>
+                  <a:lnTo>
+                    <a:pt x="720080" y="0"/>
+                  </a:lnTo>
+                  <a:lnTo>
+                    <a:pt x="720080" y="45719"/>
+                  </a:lnTo>
+                  <a:lnTo>
+                    <a:pt x="621783" y="45719"/>
+                  </a:lnTo>
+                  <a:close/>
+                  <a:moveTo>
+                    <a:pt x="513771" y="0"/>
+                  </a:moveTo>
+                  <a:lnTo>
+                    <a:pt x="576064" y="0"/>
+                  </a:lnTo>
+                  <a:lnTo>
+                    <a:pt x="576064" y="45719"/>
+                  </a:lnTo>
+                  <a:lnTo>
+                    <a:pt x="513771" y="45719"/>
+                  </a:lnTo>
+                  <a:close/>
+                  <a:moveTo>
+                    <a:pt x="329930" y="0"/>
+                  </a:moveTo>
+                  <a:lnTo>
+                    <a:pt x="468052" y="0"/>
+                  </a:lnTo>
+                  <a:lnTo>
+                    <a:pt x="468052" y="45719"/>
+                  </a:lnTo>
+                  <a:lnTo>
+                    <a:pt x="329930" y="45719"/>
+                  </a:lnTo>
+                  <a:close/>
+                  <a:moveTo>
+                    <a:pt x="189735" y="0"/>
+                  </a:moveTo>
+                  <a:lnTo>
+                    <a:pt x="284211" y="0"/>
+                  </a:lnTo>
+                  <a:lnTo>
+                    <a:pt x="284211" y="45719"/>
+                  </a:lnTo>
+                  <a:lnTo>
+                    <a:pt x="189735" y="45719"/>
+                  </a:lnTo>
+                  <a:close/>
+                  <a:moveTo>
+                    <a:pt x="0" y="0"/>
+                  </a:moveTo>
+                  <a:lnTo>
+                    <a:pt x="144016" y="0"/>
+                  </a:lnTo>
+                  <a:lnTo>
+                    <a:pt x="144016" y="45719"/>
+                  </a:lnTo>
+                  <a:lnTo>
+                    <a:pt x="0" y="45719"/>
+                  </a:lnTo>
+                  <a:close/>
+                </a:path>
+              </a:pathLst>
+            </a:custGeom>
+            <a:solidFill>
+              <a:schemeClr val="bg1">
+                <a:lumMod val="85000"/>
+              </a:schemeClr>
+            </a:solidFill>
+            <a:ln>
+              <a:noFill/>
+            </a:ln>
+          </p:spPr>
+          <p:style>
+            <a:lnRef idx="2">
+              <a:schemeClr val="accent1">
+                <a:shade val="50000"/>
+              </a:schemeClr>
+            </a:lnRef>
+            <a:fillRef idx="1">
+              <a:schemeClr val="accent1"/>
+            </a:fillRef>
+            <a:effectRef idx="0">
+              <a:schemeClr val="accent1"/>
+            </a:effectRef>
+            <a:fontRef idx="minor">
+              <a:schemeClr val="lt1"/>
+            </a:fontRef>
+          </p:style>
+          <p:txBody>
+            <a:bodyPr rtlCol="0" anchor="ctr"/>
+            <a:lstStyle/>
+            <a:p>
+              <a:pPr algn="ctr"/>
+              <a:endParaRPr lang="pt-BR"/>
+            </a:p>
+          </p:txBody>
+        </p:sp>
+      </p:grpSp>
+      <p:grpSp>
+        <p:nvGrpSpPr>
+          <p:cNvPr id="46" name="Grupo 45"/>
+          <p:cNvGrpSpPr/>
+          <p:nvPr/>
+        </p:nvGrpSpPr>
+        <p:grpSpPr>
+          <a:xfrm>
+            <a:off x="3685432" y="2537126"/>
+            <a:ext cx="1080120" cy="2046152"/>
+            <a:chOff x="2231737" y="1896772"/>
+            <a:chExt cx="1080120" cy="2046152"/>
+          </a:xfrm>
+        </p:grpSpPr>
+        <p:sp>
+          <p:nvSpPr>
+            <p:cNvPr id="37" name="Elipse 36"/>
+            <p:cNvSpPr/>
+            <p:nvPr/>
+          </p:nvSpPr>
+          <p:spPr>
+            <a:xfrm>
+              <a:off x="2663788" y="3726900"/>
+              <a:ext cx="216024" cy="216024"/>
+            </a:xfrm>
+            <a:prstGeom prst="ellipse">
+              <a:avLst/>
+            </a:prstGeom>
+            <a:solidFill>
+              <a:schemeClr val="tx1">
+                <a:lumMod val="65000"/>
+                <a:lumOff val="35000"/>
+              </a:schemeClr>
+            </a:solidFill>
+            <a:ln>
+              <a:noFill/>
+            </a:ln>
+          </p:spPr>
+          <p:style>
+            <a:lnRef idx="2">
+              <a:schemeClr val="accent1">
+                <a:shade val="50000"/>
+              </a:schemeClr>
+            </a:lnRef>
+            <a:fillRef idx="1">
+              <a:schemeClr val="accent1"/>
+            </a:fillRef>
+            <a:effectRef idx="0">
+              <a:schemeClr val="accent1"/>
+            </a:effectRef>
+            <a:fontRef idx="minor">
+              <a:schemeClr val="lt1"/>
+            </a:fontRef>
+          </p:style>
+          <p:txBody>
+            <a:bodyPr rtlCol="0" anchor="ctr"/>
+            <a:lstStyle/>
+            <a:p>
+              <a:pPr algn="ctr"/>
+              <a:endParaRPr lang="pt-BR"/>
+            </a:p>
+          </p:txBody>
+        </p:sp>
+        <p:sp>
+          <p:nvSpPr>
+            <p:cNvPr id="27" name="Retângulo de cantos arredondados 26"/>
+            <p:cNvSpPr/>
+            <p:nvPr/>
+          </p:nvSpPr>
+          <p:spPr>
+            <a:xfrm>
+              <a:off x="2483768" y="3212976"/>
+              <a:ext cx="576064" cy="648072"/>
+            </a:xfrm>
+            <a:prstGeom prst="roundRect">
+              <a:avLst>
+                <a:gd name="adj" fmla="val 22868"/>
+              </a:avLst>
+            </a:prstGeom>
+            <a:solidFill>
+              <a:schemeClr val="bg1">
+                <a:lumMod val="50000"/>
+              </a:schemeClr>
+            </a:solidFill>
+            <a:ln>
+              <a:noFill/>
+            </a:ln>
+          </p:spPr>
+          <p:style>
+            <a:lnRef idx="2">
+              <a:schemeClr val="accent1">
+                <a:shade val="50000"/>
+              </a:schemeClr>
+            </a:lnRef>
+            <a:fillRef idx="1">
+              <a:schemeClr val="accent1"/>
+            </a:fillRef>
+            <a:effectRef idx="0">
+              <a:schemeClr val="accent1"/>
+            </a:effectRef>
+            <a:fontRef idx="minor">
+              <a:schemeClr val="lt1"/>
+            </a:fontRef>
+          </p:style>
+          <p:txBody>
+            <a:bodyPr rtlCol="0" anchor="ctr"/>
+            <a:lstStyle/>
+            <a:p>
+              <a:pPr algn="ctr"/>
+              <a:endParaRPr lang="pt-BR"/>
+            </a:p>
+          </p:txBody>
+        </p:sp>
+        <p:sp>
+          <p:nvSpPr>
+            <p:cNvPr id="28" name="Retângulo de cantos arredondados 27"/>
+            <p:cNvSpPr/>
+            <p:nvPr/>
+          </p:nvSpPr>
+          <p:spPr>
+            <a:xfrm>
+              <a:off x="2447763" y="3318499"/>
+              <a:ext cx="648073" cy="110501"/>
+            </a:xfrm>
+            <a:prstGeom prst="roundRect">
+              <a:avLst>
+                <a:gd name="adj" fmla="val 50000"/>
+              </a:avLst>
+            </a:prstGeom>
+            <a:solidFill>
+              <a:schemeClr val="bg1">
+                <a:lumMod val="65000"/>
+              </a:schemeClr>
+            </a:solidFill>
+            <a:ln>
+              <a:noFill/>
+            </a:ln>
+          </p:spPr>
+          <p:style>
+            <a:lnRef idx="2">
+              <a:schemeClr val="accent1">
+                <a:shade val="50000"/>
+              </a:schemeClr>
+            </a:lnRef>
+            <a:fillRef idx="1">
+              <a:schemeClr val="accent1"/>
+            </a:fillRef>
+            <a:effectRef idx="0">
+              <a:schemeClr val="accent1"/>
+            </a:effectRef>
+            <a:fontRef idx="minor">
+              <a:schemeClr val="lt1"/>
+            </a:fontRef>
+          </p:style>
+          <p:txBody>
+            <a:bodyPr rtlCol="0" anchor="ctr"/>
+            <a:lstStyle/>
+            <a:p>
+              <a:pPr algn="ctr"/>
+              <a:endParaRPr lang="pt-BR"/>
+            </a:p>
+          </p:txBody>
+        </p:sp>
+        <p:sp>
+          <p:nvSpPr>
+            <p:cNvPr id="35" name="Retângulo de cantos arredondados 34"/>
+            <p:cNvSpPr/>
+            <p:nvPr/>
+          </p:nvSpPr>
+          <p:spPr>
+            <a:xfrm>
+              <a:off x="2447762" y="3492297"/>
+              <a:ext cx="648073" cy="110501"/>
+            </a:xfrm>
+            <a:prstGeom prst="roundRect">
+              <a:avLst>
+                <a:gd name="adj" fmla="val 50000"/>
+              </a:avLst>
+            </a:prstGeom>
+            <a:solidFill>
+              <a:schemeClr val="bg1">
+                <a:lumMod val="65000"/>
+              </a:schemeClr>
+            </a:solidFill>
+            <a:ln>
+              <a:noFill/>
+            </a:ln>
+          </p:spPr>
+          <p:style>
+            <a:lnRef idx="2">
+              <a:schemeClr val="accent1">
+                <a:shade val="50000"/>
+              </a:schemeClr>
+            </a:lnRef>
+            <a:fillRef idx="1">
+              <a:schemeClr val="accent1"/>
+            </a:fillRef>
+            <a:effectRef idx="0">
+              <a:schemeClr val="accent1"/>
+            </a:effectRef>
+            <a:fontRef idx="minor">
+              <a:schemeClr val="lt1"/>
+            </a:fontRef>
+          </p:style>
+          <p:txBody>
+            <a:bodyPr rtlCol="0" anchor="ctr"/>
+            <a:lstStyle/>
+            <a:p>
+              <a:pPr algn="ctr"/>
+              <a:endParaRPr lang="pt-BR"/>
+            </a:p>
+          </p:txBody>
+        </p:sp>
+        <p:sp>
+          <p:nvSpPr>
+            <p:cNvPr id="36" name="Retângulo de cantos arredondados 35"/>
+            <p:cNvSpPr/>
+            <p:nvPr/>
+          </p:nvSpPr>
+          <p:spPr>
+            <a:xfrm>
+              <a:off x="2447761" y="3651657"/>
+              <a:ext cx="648073" cy="110501"/>
+            </a:xfrm>
+            <a:prstGeom prst="roundRect">
+              <a:avLst>
+                <a:gd name="adj" fmla="val 50000"/>
+              </a:avLst>
+            </a:prstGeom>
+            <a:solidFill>
+              <a:schemeClr val="bg1">
+                <a:lumMod val="65000"/>
+              </a:schemeClr>
+            </a:solidFill>
+            <a:ln>
+              <a:noFill/>
+            </a:ln>
+          </p:spPr>
+          <p:style>
+            <a:lnRef idx="2">
+              <a:schemeClr val="accent1">
+                <a:shade val="50000"/>
+              </a:schemeClr>
+            </a:lnRef>
+            <a:fillRef idx="1">
+              <a:schemeClr val="accent1"/>
+            </a:fillRef>
+            <a:effectRef idx="0">
+              <a:schemeClr val="accent1"/>
+            </a:effectRef>
+            <a:fontRef idx="minor">
+              <a:schemeClr val="lt1"/>
+            </a:fontRef>
+          </p:style>
+          <p:txBody>
+            <a:bodyPr rtlCol="0" anchor="ctr"/>
+            <a:lstStyle/>
+            <a:p>
+              <a:pPr algn="ctr"/>
+              <a:endParaRPr lang="pt-BR"/>
+            </a:p>
+          </p:txBody>
+        </p:sp>
+        <p:sp>
+          <p:nvSpPr>
+            <p:cNvPr id="38" name="Retângulo de cantos arredondados 37"/>
+            <p:cNvSpPr/>
+            <p:nvPr/>
+          </p:nvSpPr>
+          <p:spPr>
+            <a:xfrm>
+              <a:off x="2429762" y="2370952"/>
+              <a:ext cx="684076" cy="908081"/>
+            </a:xfrm>
+            <a:prstGeom prst="roundRect">
+              <a:avLst/>
+            </a:prstGeom>
+            <a:solidFill>
+              <a:srgbClr val="F3CD2D"/>
+            </a:solidFill>
+            <a:ln>
+              <a:noFill/>
+            </a:ln>
+          </p:spPr>
+          <p:style>
+            <a:lnRef idx="2">
+              <a:schemeClr val="accent1">
+                <a:shade val="50000"/>
+              </a:schemeClr>
+            </a:lnRef>
+            <a:fillRef idx="1">
+              <a:schemeClr val="accent1"/>
+            </a:fillRef>
+            <a:effectRef idx="0">
+              <a:schemeClr val="accent1"/>
+            </a:effectRef>
+            <a:fontRef idx="minor">
+              <a:schemeClr val="lt1"/>
+            </a:fontRef>
+          </p:style>
+          <p:txBody>
+            <a:bodyPr rtlCol="0" anchor="ctr"/>
+            <a:lstStyle/>
+            <a:p>
+              <a:pPr algn="ctr"/>
+              <a:endParaRPr lang="pt-BR" dirty="0"/>
+            </a:p>
+          </p:txBody>
+        </p:sp>
+        <p:sp>
+          <p:nvSpPr>
+            <p:cNvPr id="40" name="Elipse 39"/>
+            <p:cNvSpPr/>
+            <p:nvPr/>
+          </p:nvSpPr>
+          <p:spPr>
+            <a:xfrm>
+              <a:off x="2231737" y="1896772"/>
+              <a:ext cx="1080120" cy="1173300"/>
+            </a:xfrm>
+            <a:prstGeom prst="ellipse">
+              <a:avLst/>
+            </a:prstGeom>
+            <a:solidFill>
+              <a:srgbClr val="F3CD2D"/>
+            </a:solidFill>
+            <a:ln>
+              <a:noFill/>
+            </a:ln>
+          </p:spPr>
+          <p:style>
+            <a:lnRef idx="2">
+              <a:schemeClr val="accent1">
+                <a:shade val="50000"/>
+              </a:schemeClr>
+            </a:lnRef>
+            <a:fillRef idx="1">
+              <a:schemeClr val="accent1"/>
+            </a:fillRef>
+            <a:effectRef idx="0">
+              <a:schemeClr val="accent1"/>
+            </a:effectRef>
+            <a:fontRef idx="minor">
+              <a:schemeClr val="lt1"/>
+            </a:fontRef>
+          </p:style>
+          <p:txBody>
+            <a:bodyPr rtlCol="0" anchor="ctr"/>
+            <a:lstStyle/>
+            <a:p>
+              <a:pPr algn="ctr"/>
+              <a:endParaRPr lang="pt-BR"/>
+            </a:p>
+          </p:txBody>
+        </p:sp>
+        <p:grpSp>
+          <p:nvGrpSpPr>
+            <p:cNvPr id="45" name="Grupo 44"/>
+            <p:cNvGrpSpPr/>
+            <p:nvPr/>
+          </p:nvGrpSpPr>
+          <p:grpSpPr>
+            <a:xfrm>
+              <a:off x="2447763" y="2065834"/>
+              <a:ext cx="702188" cy="709736"/>
+              <a:chOff x="4499992" y="2655304"/>
+              <a:chExt cx="828092" cy="836993"/>
+            </a:xfrm>
+          </p:grpSpPr>
+          <p:sp>
+            <p:nvSpPr>
+              <p:cNvPr id="41" name="Arco 40"/>
+              <p:cNvSpPr/>
+              <p:nvPr/>
+            </p:nvSpPr>
+            <p:spPr>
+              <a:xfrm>
+                <a:off x="4499992" y="2691308"/>
+                <a:ext cx="792088" cy="800989"/>
+              </a:xfrm>
+              <a:prstGeom prst="arc">
+                <a:avLst>
+                  <a:gd name="adj1" fmla="val 16200000"/>
+                  <a:gd name="adj2" fmla="val 154185"/>
+                </a:avLst>
+              </a:prstGeom>
+              <a:ln w="76200">
+                <a:solidFill>
+                  <a:schemeClr val="bg1"/>
+                </a:solidFill>
+              </a:ln>
+            </p:spPr>
+            <p:style>
+              <a:lnRef idx="1">
+                <a:schemeClr val="accent1"/>
+              </a:lnRef>
+              <a:fillRef idx="0">
+                <a:schemeClr val="accent1"/>
+              </a:fillRef>
+              <a:effectRef idx="0">
+                <a:schemeClr val="accent1"/>
+              </a:effectRef>
+              <a:fontRef idx="minor">
+                <a:schemeClr val="tx1"/>
+              </a:fontRef>
+            </p:style>
+            <p:txBody>
+              <a:bodyPr rtlCol="0" anchor="ctr"/>
+              <a:lstStyle/>
+              <a:p>
+                <a:pPr algn="ctr"/>
+                <a:endParaRPr lang="pt-BR"/>
+              </a:p>
+            </p:txBody>
+          </p:sp>
+          <p:sp>
+            <p:nvSpPr>
+              <p:cNvPr id="42" name="Elipse 41"/>
+              <p:cNvSpPr/>
+              <p:nvPr/>
+            </p:nvSpPr>
+            <p:spPr>
+              <a:xfrm>
+                <a:off x="5256076" y="3072298"/>
+                <a:ext cx="72008" cy="72008"/>
+              </a:xfrm>
+              <a:prstGeom prst="ellipse">
+                <a:avLst/>
+              </a:prstGeom>
+              <a:solidFill>
+                <a:schemeClr val="bg1"/>
+              </a:solidFill>
+              <a:ln>
+                <a:noFill/>
+              </a:ln>
+            </p:spPr>
+            <p:style>
+              <a:lnRef idx="2">
+                <a:schemeClr val="accent1">
+                  <a:shade val="50000"/>
+                </a:schemeClr>
+              </a:lnRef>
+              <a:fillRef idx="1">
+                <a:schemeClr val="accent1"/>
+              </a:fillRef>
+              <a:effectRef idx="0">
+                <a:schemeClr val="accent1"/>
+              </a:effectRef>
+              <a:fontRef idx="minor">
+                <a:schemeClr val="lt1"/>
+              </a:fontRef>
+            </p:style>
+            <p:txBody>
+              <a:bodyPr rtlCol="0" anchor="ctr"/>
+              <a:lstStyle/>
+              <a:p>
+                <a:pPr algn="ctr"/>
+                <a:endParaRPr lang="pt-BR"/>
+              </a:p>
+            </p:txBody>
+          </p:sp>
+          <p:sp>
+            <p:nvSpPr>
+              <p:cNvPr id="43" name="Elipse 42"/>
+              <p:cNvSpPr/>
+              <p:nvPr/>
+            </p:nvSpPr>
+            <p:spPr>
+              <a:xfrm>
+                <a:off x="4860032" y="2655304"/>
+                <a:ext cx="72008" cy="72008"/>
+              </a:xfrm>
+              <a:prstGeom prst="ellipse">
+                <a:avLst/>
+              </a:prstGeom>
+              <a:solidFill>
+                <a:schemeClr val="bg1"/>
+              </a:solidFill>
+              <a:ln>
+                <a:noFill/>
+              </a:ln>
+            </p:spPr>
+            <p:style>
+              <a:lnRef idx="2">
+                <a:schemeClr val="accent1">
+                  <a:shade val="50000"/>
+                </a:schemeClr>
+              </a:lnRef>
+              <a:fillRef idx="1">
+                <a:schemeClr val="accent1"/>
+              </a:fillRef>
+              <a:effectRef idx="0">
+                <a:schemeClr val="accent1"/>
+              </a:effectRef>
+              <a:fontRef idx="minor">
+                <a:schemeClr val="lt1"/>
+              </a:fontRef>
+            </p:style>
+            <p:txBody>
+              <a:bodyPr rtlCol="0" anchor="ctr"/>
+              <a:lstStyle/>
+              <a:p>
+                <a:pPr algn="ctr"/>
+                <a:endParaRPr lang="pt-BR"/>
+              </a:p>
+            </p:txBody>
+          </p:sp>
+        </p:grpSp>
       </p:grpSp>
     </p:spTree>
     <p:extLst>
@@ -8353,7 +9879,7 @@
             <p:cNvPr id="3" name="Elipse 2">
               <a:extLst>
                 <a:ext uri="{FF2B5EF4-FFF2-40B4-BE49-F238E27FC236}">
-                  <a16:creationId xmlns="" xmlns:a16="http://schemas.microsoft.com/office/drawing/2014/main" id="{3E2299F0-B270-40D7-8F79-C18F6A4FE3E7}"/>
+                  <a16:creationId xmlns:a16="http://schemas.microsoft.com/office/drawing/2014/main" xmlns="" id="{3E2299F0-B270-40D7-8F79-C18F6A4FE3E7}"/>
                 </a:ext>
               </a:extLst>
             </p:cNvPr>
@@ -8405,7 +9931,7 @@
             <p:cNvPr id="4" name="Elipse 3">
               <a:extLst>
                 <a:ext uri="{FF2B5EF4-FFF2-40B4-BE49-F238E27FC236}">
-                  <a16:creationId xmlns="" xmlns:a16="http://schemas.microsoft.com/office/drawing/2014/main" id="{1C62FD96-B9CD-44D9-A6B7-B9CA744BF9E4}"/>
+                  <a16:creationId xmlns:a16="http://schemas.microsoft.com/office/drawing/2014/main" xmlns="" id="{1C62FD96-B9CD-44D9-A6B7-B9CA744BF9E4}"/>
                 </a:ext>
               </a:extLst>
             </p:cNvPr>
@@ -8502,7 +10028,7 @@
             <p:cNvPr id="3" name="Elipse 2">
               <a:extLst>
                 <a:ext uri="{FF2B5EF4-FFF2-40B4-BE49-F238E27FC236}">
-                  <a16:creationId xmlns="" xmlns:a16="http://schemas.microsoft.com/office/drawing/2014/main" id="{3E2299F0-B270-40D7-8F79-C18F6A4FE3E7}"/>
+                  <a16:creationId xmlns:a16="http://schemas.microsoft.com/office/drawing/2014/main" xmlns="" id="{3E2299F0-B270-40D7-8F79-C18F6A4FE3E7}"/>
                 </a:ext>
               </a:extLst>
             </p:cNvPr>
@@ -8554,7 +10080,7 @@
             <p:cNvPr id="4" name="Elipse 3">
               <a:extLst>
                 <a:ext uri="{FF2B5EF4-FFF2-40B4-BE49-F238E27FC236}">
-                  <a16:creationId xmlns="" xmlns:a16="http://schemas.microsoft.com/office/drawing/2014/main" id="{1C62FD96-B9CD-44D9-A6B7-B9CA744BF9E4}"/>
+                  <a16:creationId xmlns:a16="http://schemas.microsoft.com/office/drawing/2014/main" xmlns="" id="{1C62FD96-B9CD-44D9-A6B7-B9CA744BF9E4}"/>
                 </a:ext>
               </a:extLst>
             </p:cNvPr>
@@ -8701,7 +10227,7 @@
           <p:cNvPr id="6" name="Agrupar 5">
             <a:extLst>
               <a:ext uri="{FF2B5EF4-FFF2-40B4-BE49-F238E27FC236}">
-                <a16:creationId xmlns="" xmlns:a16="http://schemas.microsoft.com/office/drawing/2014/main" id="{F988BBBF-4A40-4AE8-846E-DD4184A0B8C9}"/>
+                <a16:creationId xmlns:a16="http://schemas.microsoft.com/office/drawing/2014/main" xmlns="" id="{F988BBBF-4A40-4AE8-846E-DD4184A0B8C9}"/>
               </a:ext>
             </a:extLst>
           </p:cNvPr>
@@ -8771,7 +10297,7 @@
             <p:cNvPr id="253" name="Balão de Pensamento: Nuvem 16">
               <a:extLst>
                 <a:ext uri="{FF2B5EF4-FFF2-40B4-BE49-F238E27FC236}">
-                  <a16:creationId xmlns="" xmlns:a16="http://schemas.microsoft.com/office/drawing/2014/main" id="{5C57BA0A-9700-43BD-9104-CC30BC0DE381}"/>
+                  <a16:creationId xmlns:a16="http://schemas.microsoft.com/office/drawing/2014/main" xmlns="" id="{5C57BA0A-9700-43BD-9104-CC30BC0DE381}"/>
                 </a:ext>
               </a:extLst>
             </p:cNvPr>
@@ -8841,7 +10367,7 @@
               <p:cNvPr id="255" name="Agrupar 15">
                 <a:extLst>
                   <a:ext uri="{FF2B5EF4-FFF2-40B4-BE49-F238E27FC236}">
-                    <a16:creationId xmlns="" xmlns:a16="http://schemas.microsoft.com/office/drawing/2014/main" id="{CDA0B437-9E5C-43AF-AD41-CFFD83C35D59}"/>
+                    <a16:creationId xmlns:a16="http://schemas.microsoft.com/office/drawing/2014/main" xmlns="" id="{CDA0B437-9E5C-43AF-AD41-CFFD83C35D59}"/>
                   </a:ext>
                 </a:extLst>
               </p:cNvPr>
@@ -9846,7 +11372,7 @@
               <p:cNvPr id="256" name="Agrupar 15">
                 <a:extLst>
                   <a:ext uri="{FF2B5EF4-FFF2-40B4-BE49-F238E27FC236}">
-                    <a16:creationId xmlns="" xmlns:a16="http://schemas.microsoft.com/office/drawing/2014/main" id="{CDA0B437-9E5C-43AF-AD41-CFFD83C35D59}"/>
+                    <a16:creationId xmlns:a16="http://schemas.microsoft.com/office/drawing/2014/main" xmlns="" id="{CDA0B437-9E5C-43AF-AD41-CFFD83C35D59}"/>
                   </a:ext>
                 </a:extLst>
               </p:cNvPr>
@@ -11820,7 +13346,7 @@
             <p:cNvPr id="984" name="Retângulo 983">
               <a:extLst>
                 <a:ext uri="{FF2B5EF4-FFF2-40B4-BE49-F238E27FC236}">
-                  <a16:creationId xmlns="" xmlns:a16="http://schemas.microsoft.com/office/drawing/2014/main" id="{22D3461F-A14E-4642-A041-9CC09656F8CD}"/>
+                  <a16:creationId xmlns:a16="http://schemas.microsoft.com/office/drawing/2014/main" xmlns="" id="{22D3461F-A14E-4642-A041-9CC09656F8CD}"/>
                 </a:ext>
               </a:extLst>
             </p:cNvPr>
@@ -11872,7 +13398,7 @@
             <p:cNvPr id="985" name="Grupo 113">
               <a:extLst>
                 <a:ext uri="{FF2B5EF4-FFF2-40B4-BE49-F238E27FC236}">
-                  <a16:creationId xmlns="" xmlns:a16="http://schemas.microsoft.com/office/drawing/2014/main" id="{3D89F614-E619-4BA8-83F8-DE0E8D18A898}"/>
+                  <a16:creationId xmlns:a16="http://schemas.microsoft.com/office/drawing/2014/main" xmlns="" id="{3D89F614-E619-4BA8-83F8-DE0E8D18A898}"/>
                 </a:ext>
               </a:extLst>
             </p:cNvPr>
@@ -11895,7 +13421,7 @@
               <p:cNvPr id="1367" name="Grupo 114">
                 <a:extLst>
                   <a:ext uri="{FF2B5EF4-FFF2-40B4-BE49-F238E27FC236}">
-                    <a16:creationId xmlns="" xmlns:a16="http://schemas.microsoft.com/office/drawing/2014/main" id="{C56F0803-C5A3-473D-8C80-36A328ED3569}"/>
+                    <a16:creationId xmlns:a16="http://schemas.microsoft.com/office/drawing/2014/main" xmlns="" id="{C56F0803-C5A3-473D-8C80-36A328ED3569}"/>
                   </a:ext>
                 </a:extLst>
               </p:cNvPr>
@@ -11916,7 +13442,7 @@
                 <p:cNvPr id="1372" name="Elipse 33">
                   <a:extLst>
                     <a:ext uri="{FF2B5EF4-FFF2-40B4-BE49-F238E27FC236}">
-                      <a16:creationId xmlns="" xmlns:a16="http://schemas.microsoft.com/office/drawing/2014/main" id="{AF9E060D-9662-423B-8A01-F24E99834503}"/>
+                      <a16:creationId xmlns:a16="http://schemas.microsoft.com/office/drawing/2014/main" xmlns="" id="{AF9E060D-9662-423B-8A01-F24E99834503}"/>
                     </a:ext>
                   </a:extLst>
                 </p:cNvPr>
@@ -12022,7 +13548,7 @@
                 <p:cNvPr id="1373" name="Retângulo 1372">
                   <a:extLst>
                     <a:ext uri="{FF2B5EF4-FFF2-40B4-BE49-F238E27FC236}">
-                      <a16:creationId xmlns="" xmlns:a16="http://schemas.microsoft.com/office/drawing/2014/main" id="{C3D5459E-58FF-4F38-A4D6-D9AD13554E0F}"/>
+                      <a16:creationId xmlns:a16="http://schemas.microsoft.com/office/drawing/2014/main" xmlns="" id="{C3D5459E-58FF-4F38-A4D6-D9AD13554E0F}"/>
                     </a:ext>
                   </a:extLst>
                 </p:cNvPr>
@@ -12072,7 +13598,7 @@
                 <p:cNvPr id="1374" name="Retângulo 1373">
                   <a:extLst>
                     <a:ext uri="{FF2B5EF4-FFF2-40B4-BE49-F238E27FC236}">
-                      <a16:creationId xmlns="" xmlns:a16="http://schemas.microsoft.com/office/drawing/2014/main" id="{6A85C799-5FE6-410B-8C4E-3B1295463C2E}"/>
+                      <a16:creationId xmlns:a16="http://schemas.microsoft.com/office/drawing/2014/main" xmlns="" id="{6A85C799-5FE6-410B-8C4E-3B1295463C2E}"/>
                     </a:ext>
                   </a:extLst>
                 </p:cNvPr>
@@ -12123,7 +13649,7 @@
               <p:cNvPr id="1368" name="Grupo 115">
                 <a:extLst>
                   <a:ext uri="{FF2B5EF4-FFF2-40B4-BE49-F238E27FC236}">
-                    <a16:creationId xmlns="" xmlns:a16="http://schemas.microsoft.com/office/drawing/2014/main" id="{FFAFB24B-979E-4DE8-B406-D88BDD4CD6D0}"/>
+                    <a16:creationId xmlns:a16="http://schemas.microsoft.com/office/drawing/2014/main" xmlns="" id="{FFAFB24B-979E-4DE8-B406-D88BDD4CD6D0}"/>
                   </a:ext>
                 </a:extLst>
               </p:cNvPr>
@@ -12144,7 +13670,7 @@
                 <p:cNvPr id="1369" name="Elipse 33">
                   <a:extLst>
                     <a:ext uri="{FF2B5EF4-FFF2-40B4-BE49-F238E27FC236}">
-                      <a16:creationId xmlns="" xmlns:a16="http://schemas.microsoft.com/office/drawing/2014/main" id="{34F0A60C-076B-4694-8134-706DD1A5881F}"/>
+                      <a16:creationId xmlns:a16="http://schemas.microsoft.com/office/drawing/2014/main" xmlns="" id="{34F0A60C-076B-4694-8134-706DD1A5881F}"/>
                     </a:ext>
                   </a:extLst>
                 </p:cNvPr>
@@ -12250,7 +13776,7 @@
                 <p:cNvPr id="1370" name="Retângulo 1369">
                   <a:extLst>
                     <a:ext uri="{FF2B5EF4-FFF2-40B4-BE49-F238E27FC236}">
-                      <a16:creationId xmlns="" xmlns:a16="http://schemas.microsoft.com/office/drawing/2014/main" id="{925F4712-CAE0-4B8A-9235-AE2B5A63FB2E}"/>
+                      <a16:creationId xmlns:a16="http://schemas.microsoft.com/office/drawing/2014/main" xmlns="" id="{925F4712-CAE0-4B8A-9235-AE2B5A63FB2E}"/>
                     </a:ext>
                   </a:extLst>
                 </p:cNvPr>
@@ -12300,7 +13826,7 @@
                 <p:cNvPr id="1371" name="Retângulo 1370">
                   <a:extLst>
                     <a:ext uri="{FF2B5EF4-FFF2-40B4-BE49-F238E27FC236}">
-                      <a16:creationId xmlns="" xmlns:a16="http://schemas.microsoft.com/office/drawing/2014/main" id="{56CF3DAE-7141-40BA-85B8-1183991E431E}"/>
+                      <a16:creationId xmlns:a16="http://schemas.microsoft.com/office/drawing/2014/main" xmlns="" id="{56CF3DAE-7141-40BA-85B8-1183991E431E}"/>
                     </a:ext>
                   </a:extLst>
                 </p:cNvPr>
@@ -12352,7 +13878,7 @@
             <p:cNvPr id="986" name="Grupo 91">
               <a:extLst>
                 <a:ext uri="{FF2B5EF4-FFF2-40B4-BE49-F238E27FC236}">
-                  <a16:creationId xmlns="" xmlns:a16="http://schemas.microsoft.com/office/drawing/2014/main" id="{89324E3D-54FB-4BC2-B126-0C0E23777E64}"/>
+                  <a16:creationId xmlns:a16="http://schemas.microsoft.com/office/drawing/2014/main" xmlns="" id="{89324E3D-54FB-4BC2-B126-0C0E23777E64}"/>
                 </a:ext>
               </a:extLst>
             </p:cNvPr>
@@ -12375,7 +13901,7 @@
               <p:cNvPr id="1359" name="Grupo 92">
                 <a:extLst>
                   <a:ext uri="{FF2B5EF4-FFF2-40B4-BE49-F238E27FC236}">
-                    <a16:creationId xmlns="" xmlns:a16="http://schemas.microsoft.com/office/drawing/2014/main" id="{460650E8-D2D0-47F7-B88F-775646975587}"/>
+                    <a16:creationId xmlns:a16="http://schemas.microsoft.com/office/drawing/2014/main" xmlns="" id="{460650E8-D2D0-47F7-B88F-775646975587}"/>
                   </a:ext>
                 </a:extLst>
               </p:cNvPr>
@@ -12396,7 +13922,7 @@
                 <p:cNvPr id="1364" name="Elipse 33">
                   <a:extLst>
                     <a:ext uri="{FF2B5EF4-FFF2-40B4-BE49-F238E27FC236}">
-                      <a16:creationId xmlns="" xmlns:a16="http://schemas.microsoft.com/office/drawing/2014/main" id="{6463F635-F75E-4CBF-B861-8158300C253F}"/>
+                      <a16:creationId xmlns:a16="http://schemas.microsoft.com/office/drawing/2014/main" xmlns="" id="{6463F635-F75E-4CBF-B861-8158300C253F}"/>
                     </a:ext>
                   </a:extLst>
                 </p:cNvPr>
@@ -12502,7 +14028,7 @@
                 <p:cNvPr id="1365" name="Retângulo 1364">
                   <a:extLst>
                     <a:ext uri="{FF2B5EF4-FFF2-40B4-BE49-F238E27FC236}">
-                      <a16:creationId xmlns="" xmlns:a16="http://schemas.microsoft.com/office/drawing/2014/main" id="{20CB7CBE-4CAF-4F29-A989-168E5857CAE0}"/>
+                      <a16:creationId xmlns:a16="http://schemas.microsoft.com/office/drawing/2014/main" xmlns="" id="{20CB7CBE-4CAF-4F29-A989-168E5857CAE0}"/>
                     </a:ext>
                   </a:extLst>
                 </p:cNvPr>
@@ -12552,7 +14078,7 @@
                 <p:cNvPr id="1366" name="Retângulo 1365">
                   <a:extLst>
                     <a:ext uri="{FF2B5EF4-FFF2-40B4-BE49-F238E27FC236}">
-                      <a16:creationId xmlns="" xmlns:a16="http://schemas.microsoft.com/office/drawing/2014/main" id="{53BE901E-F611-4711-99B0-F672139CF60C}"/>
+                      <a16:creationId xmlns:a16="http://schemas.microsoft.com/office/drawing/2014/main" xmlns="" id="{53BE901E-F611-4711-99B0-F672139CF60C}"/>
                     </a:ext>
                   </a:extLst>
                 </p:cNvPr>
@@ -12603,7 +14129,7 @@
               <p:cNvPr id="1360" name="Grupo 93">
                 <a:extLst>
                   <a:ext uri="{FF2B5EF4-FFF2-40B4-BE49-F238E27FC236}">
-                    <a16:creationId xmlns="" xmlns:a16="http://schemas.microsoft.com/office/drawing/2014/main" id="{099BADCE-21CE-4973-872B-D3F997A908A5}"/>
+                    <a16:creationId xmlns:a16="http://schemas.microsoft.com/office/drawing/2014/main" xmlns="" id="{099BADCE-21CE-4973-872B-D3F997A908A5}"/>
                   </a:ext>
                 </a:extLst>
               </p:cNvPr>
@@ -12624,7 +14150,7 @@
                 <p:cNvPr id="1361" name="Elipse 33">
                   <a:extLst>
                     <a:ext uri="{FF2B5EF4-FFF2-40B4-BE49-F238E27FC236}">
-                      <a16:creationId xmlns="" xmlns:a16="http://schemas.microsoft.com/office/drawing/2014/main" id="{4D2F1AB2-01B5-425D-AFB7-E0FCE796EBD4}"/>
+                      <a16:creationId xmlns:a16="http://schemas.microsoft.com/office/drawing/2014/main" xmlns="" id="{4D2F1AB2-01B5-425D-AFB7-E0FCE796EBD4}"/>
                     </a:ext>
                   </a:extLst>
                 </p:cNvPr>
@@ -12730,7 +14256,7 @@
                 <p:cNvPr id="1362" name="Retângulo 1361">
                   <a:extLst>
                     <a:ext uri="{FF2B5EF4-FFF2-40B4-BE49-F238E27FC236}">
-                      <a16:creationId xmlns="" xmlns:a16="http://schemas.microsoft.com/office/drawing/2014/main" id="{B01178D5-6103-492E-B3BD-34FED1279466}"/>
+                      <a16:creationId xmlns:a16="http://schemas.microsoft.com/office/drawing/2014/main" xmlns="" id="{B01178D5-6103-492E-B3BD-34FED1279466}"/>
                     </a:ext>
                   </a:extLst>
                 </p:cNvPr>
@@ -12780,7 +14306,7 @@
                 <p:cNvPr id="1363" name="Retângulo 1362">
                   <a:extLst>
                     <a:ext uri="{FF2B5EF4-FFF2-40B4-BE49-F238E27FC236}">
-                      <a16:creationId xmlns="" xmlns:a16="http://schemas.microsoft.com/office/drawing/2014/main" id="{49B10D7D-3873-4780-987A-0C54E66B4879}"/>
+                      <a16:creationId xmlns:a16="http://schemas.microsoft.com/office/drawing/2014/main" xmlns="" id="{49B10D7D-3873-4780-987A-0C54E66B4879}"/>
                     </a:ext>
                   </a:extLst>
                 </p:cNvPr>
@@ -12832,7 +14358,7 @@
             <p:cNvPr id="987" name="Grupo 69">
               <a:extLst>
                 <a:ext uri="{FF2B5EF4-FFF2-40B4-BE49-F238E27FC236}">
-                  <a16:creationId xmlns="" xmlns:a16="http://schemas.microsoft.com/office/drawing/2014/main" id="{970182E6-5A6B-41AD-BB96-7AEA5B8CA2EE}"/>
+                  <a16:creationId xmlns:a16="http://schemas.microsoft.com/office/drawing/2014/main" xmlns="" id="{970182E6-5A6B-41AD-BB96-7AEA5B8CA2EE}"/>
                 </a:ext>
               </a:extLst>
             </p:cNvPr>
@@ -12855,7 +14381,7 @@
               <p:cNvPr id="1351" name="Grupo 70">
                 <a:extLst>
                   <a:ext uri="{FF2B5EF4-FFF2-40B4-BE49-F238E27FC236}">
-                    <a16:creationId xmlns="" xmlns:a16="http://schemas.microsoft.com/office/drawing/2014/main" id="{9546EED1-0D83-45B1-A4A8-1C40637F80DF}"/>
+                    <a16:creationId xmlns:a16="http://schemas.microsoft.com/office/drawing/2014/main" xmlns="" id="{9546EED1-0D83-45B1-A4A8-1C40637F80DF}"/>
                   </a:ext>
                 </a:extLst>
               </p:cNvPr>
@@ -12876,7 +14402,7 @@
                 <p:cNvPr id="1356" name="Elipse 33">
                   <a:extLst>
                     <a:ext uri="{FF2B5EF4-FFF2-40B4-BE49-F238E27FC236}">
-                      <a16:creationId xmlns="" xmlns:a16="http://schemas.microsoft.com/office/drawing/2014/main" id="{E23D7E4C-693B-4A33-AE99-D5B892326121}"/>
+                      <a16:creationId xmlns:a16="http://schemas.microsoft.com/office/drawing/2014/main" xmlns="" id="{E23D7E4C-693B-4A33-AE99-D5B892326121}"/>
                     </a:ext>
                   </a:extLst>
                 </p:cNvPr>
@@ -12982,7 +14508,7 @@
                 <p:cNvPr id="1357" name="Retângulo 1356">
                   <a:extLst>
                     <a:ext uri="{FF2B5EF4-FFF2-40B4-BE49-F238E27FC236}">
-                      <a16:creationId xmlns="" xmlns:a16="http://schemas.microsoft.com/office/drawing/2014/main" id="{0814F825-ED3D-44BA-AB6C-85D7AAA145DB}"/>
+                      <a16:creationId xmlns:a16="http://schemas.microsoft.com/office/drawing/2014/main" xmlns="" id="{0814F825-ED3D-44BA-AB6C-85D7AAA145DB}"/>
                     </a:ext>
                   </a:extLst>
                 </p:cNvPr>
@@ -13032,7 +14558,7 @@
                 <p:cNvPr id="1358" name="Retângulo 1357">
                   <a:extLst>
                     <a:ext uri="{FF2B5EF4-FFF2-40B4-BE49-F238E27FC236}">
-                      <a16:creationId xmlns="" xmlns:a16="http://schemas.microsoft.com/office/drawing/2014/main" id="{B2194175-86BB-4552-9B0D-8D42CD15B222}"/>
+                      <a16:creationId xmlns:a16="http://schemas.microsoft.com/office/drawing/2014/main" xmlns="" id="{B2194175-86BB-4552-9B0D-8D42CD15B222}"/>
                     </a:ext>
                   </a:extLst>
                 </p:cNvPr>
@@ -13083,7 +14609,7 @@
               <p:cNvPr id="1352" name="Grupo 71">
                 <a:extLst>
                   <a:ext uri="{FF2B5EF4-FFF2-40B4-BE49-F238E27FC236}">
-                    <a16:creationId xmlns="" xmlns:a16="http://schemas.microsoft.com/office/drawing/2014/main" id="{7B5F74EC-7B22-41CA-824C-4036341F73FA}"/>
+                    <a16:creationId xmlns:a16="http://schemas.microsoft.com/office/drawing/2014/main" xmlns="" id="{7B5F74EC-7B22-41CA-824C-4036341F73FA}"/>
                   </a:ext>
                 </a:extLst>
               </p:cNvPr>
@@ -13104,7 +14630,7 @@
                 <p:cNvPr id="1353" name="Elipse 33">
                   <a:extLst>
                     <a:ext uri="{FF2B5EF4-FFF2-40B4-BE49-F238E27FC236}">
-                      <a16:creationId xmlns="" xmlns:a16="http://schemas.microsoft.com/office/drawing/2014/main" id="{55399454-559E-4A22-ADBE-1D3487A50064}"/>
+                      <a16:creationId xmlns:a16="http://schemas.microsoft.com/office/drawing/2014/main" xmlns="" id="{55399454-559E-4A22-ADBE-1D3487A50064}"/>
                     </a:ext>
                   </a:extLst>
                 </p:cNvPr>
@@ -13210,7 +14736,7 @@
                 <p:cNvPr id="1354" name="Retângulo 1353">
                   <a:extLst>
                     <a:ext uri="{FF2B5EF4-FFF2-40B4-BE49-F238E27FC236}">
-                      <a16:creationId xmlns="" xmlns:a16="http://schemas.microsoft.com/office/drawing/2014/main" id="{04CAE185-942A-42E2-BFBD-5D91B08702EC}"/>
+                      <a16:creationId xmlns:a16="http://schemas.microsoft.com/office/drawing/2014/main" xmlns="" id="{04CAE185-942A-42E2-BFBD-5D91B08702EC}"/>
                     </a:ext>
                   </a:extLst>
                 </p:cNvPr>
@@ -13260,7 +14786,7 @@
                 <p:cNvPr id="1355" name="Retângulo 1354">
                   <a:extLst>
                     <a:ext uri="{FF2B5EF4-FFF2-40B4-BE49-F238E27FC236}">
-                      <a16:creationId xmlns="" xmlns:a16="http://schemas.microsoft.com/office/drawing/2014/main" id="{70A1EC37-C961-4395-81C8-40F84D511C9A}"/>
+                      <a16:creationId xmlns:a16="http://schemas.microsoft.com/office/drawing/2014/main" xmlns="" id="{70A1EC37-C961-4395-81C8-40F84D511C9A}"/>
                     </a:ext>
                   </a:extLst>
                 </p:cNvPr>
@@ -13312,7 +14838,7 @@
             <p:cNvPr id="988" name="Grupo 78">
               <a:extLst>
                 <a:ext uri="{FF2B5EF4-FFF2-40B4-BE49-F238E27FC236}">
-                  <a16:creationId xmlns="" xmlns:a16="http://schemas.microsoft.com/office/drawing/2014/main" id="{4B628DEC-E05E-4CF8-AF44-F23E5562F6FB}"/>
+                  <a16:creationId xmlns:a16="http://schemas.microsoft.com/office/drawing/2014/main" xmlns="" id="{4B628DEC-E05E-4CF8-AF44-F23E5562F6FB}"/>
                 </a:ext>
               </a:extLst>
             </p:cNvPr>
@@ -13335,7 +14861,7 @@
               <p:cNvPr id="1339" name="Grupo 79">
                 <a:extLst>
                   <a:ext uri="{FF2B5EF4-FFF2-40B4-BE49-F238E27FC236}">
-                    <a16:creationId xmlns="" xmlns:a16="http://schemas.microsoft.com/office/drawing/2014/main" id="{3149AB7B-7D22-4636-8B45-5B7C89B457E8}"/>
+                    <a16:creationId xmlns:a16="http://schemas.microsoft.com/office/drawing/2014/main" xmlns="" id="{3149AB7B-7D22-4636-8B45-5B7C89B457E8}"/>
                   </a:ext>
                 </a:extLst>
               </p:cNvPr>
@@ -13356,7 +14882,7 @@
                 <p:cNvPr id="1346" name="Elipse 33">
                   <a:extLst>
                     <a:ext uri="{FF2B5EF4-FFF2-40B4-BE49-F238E27FC236}">
-                      <a16:creationId xmlns="" xmlns:a16="http://schemas.microsoft.com/office/drawing/2014/main" id="{1B9770E7-CAE5-4901-8CF2-917928A0DC08}"/>
+                      <a16:creationId xmlns:a16="http://schemas.microsoft.com/office/drawing/2014/main" xmlns="" id="{1B9770E7-CAE5-4901-8CF2-917928A0DC08}"/>
                     </a:ext>
                   </a:extLst>
                 </p:cNvPr>
@@ -13462,7 +14988,7 @@
                 <p:cNvPr id="1347" name="Grupo 87">
                   <a:extLst>
                     <a:ext uri="{FF2B5EF4-FFF2-40B4-BE49-F238E27FC236}">
-                      <a16:creationId xmlns="" xmlns:a16="http://schemas.microsoft.com/office/drawing/2014/main" id="{5CB8BA33-A6BB-4142-BDD0-65B37695627F}"/>
+                      <a16:creationId xmlns:a16="http://schemas.microsoft.com/office/drawing/2014/main" xmlns="" id="{5CB8BA33-A6BB-4142-BDD0-65B37695627F}"/>
                     </a:ext>
                   </a:extLst>
                 </p:cNvPr>
@@ -13483,7 +15009,7 @@
                   <p:cNvPr id="1348" name="Retângulo 1347">
                     <a:extLst>
                       <a:ext uri="{FF2B5EF4-FFF2-40B4-BE49-F238E27FC236}">
-                        <a16:creationId xmlns="" xmlns:a16="http://schemas.microsoft.com/office/drawing/2014/main" id="{B4C584B1-F14B-4C3F-8AC8-F5D95B9B3F24}"/>
+                        <a16:creationId xmlns:a16="http://schemas.microsoft.com/office/drawing/2014/main" xmlns="" id="{B4C584B1-F14B-4C3F-8AC8-F5D95B9B3F24}"/>
                       </a:ext>
                     </a:extLst>
                   </p:cNvPr>
@@ -13533,7 +15059,7 @@
                   <p:cNvPr id="1349" name="Retângulo 1348">
                     <a:extLst>
                       <a:ext uri="{FF2B5EF4-FFF2-40B4-BE49-F238E27FC236}">
-                        <a16:creationId xmlns="" xmlns:a16="http://schemas.microsoft.com/office/drawing/2014/main" id="{7401B213-B6F4-423E-8580-4168EE3FD648}"/>
+                        <a16:creationId xmlns:a16="http://schemas.microsoft.com/office/drawing/2014/main" xmlns="" id="{7401B213-B6F4-423E-8580-4168EE3FD648}"/>
                       </a:ext>
                     </a:extLst>
                   </p:cNvPr>
@@ -13583,7 +15109,7 @@
                   <p:cNvPr id="1350" name="Retângulo 1349">
                     <a:extLst>
                       <a:ext uri="{FF2B5EF4-FFF2-40B4-BE49-F238E27FC236}">
-                        <a16:creationId xmlns="" xmlns:a16="http://schemas.microsoft.com/office/drawing/2014/main" id="{264DEA0D-961A-49B7-B484-59DD7D8042DF}"/>
+                        <a16:creationId xmlns:a16="http://schemas.microsoft.com/office/drawing/2014/main" xmlns="" id="{264DEA0D-961A-49B7-B484-59DD7D8042DF}"/>
                       </a:ext>
                     </a:extLst>
                   </p:cNvPr>
@@ -13635,7 +15161,7 @@
               <p:cNvPr id="1340" name="Grupo 80">
                 <a:extLst>
                   <a:ext uri="{FF2B5EF4-FFF2-40B4-BE49-F238E27FC236}">
-                    <a16:creationId xmlns="" xmlns:a16="http://schemas.microsoft.com/office/drawing/2014/main" id="{5CA469B1-287C-41F3-9158-2C9C4CB50BDC}"/>
+                    <a16:creationId xmlns:a16="http://schemas.microsoft.com/office/drawing/2014/main" xmlns="" id="{5CA469B1-287C-41F3-9158-2C9C4CB50BDC}"/>
                   </a:ext>
                 </a:extLst>
               </p:cNvPr>
@@ -13656,7 +15182,7 @@
                 <p:cNvPr id="1341" name="Elipse 33">
                   <a:extLst>
                     <a:ext uri="{FF2B5EF4-FFF2-40B4-BE49-F238E27FC236}">
-                      <a16:creationId xmlns="" xmlns:a16="http://schemas.microsoft.com/office/drawing/2014/main" id="{66623905-31B6-4EE4-9E9E-5CF9A87AAF49}"/>
+                      <a16:creationId xmlns:a16="http://schemas.microsoft.com/office/drawing/2014/main" xmlns="" id="{66623905-31B6-4EE4-9E9E-5CF9A87AAF49}"/>
                     </a:ext>
                   </a:extLst>
                 </p:cNvPr>
@@ -13762,7 +15288,7 @@
                 <p:cNvPr id="1342" name="Grupo 82">
                   <a:extLst>
                     <a:ext uri="{FF2B5EF4-FFF2-40B4-BE49-F238E27FC236}">
-                      <a16:creationId xmlns="" xmlns:a16="http://schemas.microsoft.com/office/drawing/2014/main" id="{B2CD9BB4-857C-4FF2-B096-29FF04284C93}"/>
+                      <a16:creationId xmlns:a16="http://schemas.microsoft.com/office/drawing/2014/main" xmlns="" id="{B2CD9BB4-857C-4FF2-B096-29FF04284C93}"/>
                     </a:ext>
                   </a:extLst>
                 </p:cNvPr>
@@ -13783,7 +15309,7 @@
                   <p:cNvPr id="1343" name="Retângulo 1342">
                     <a:extLst>
                       <a:ext uri="{FF2B5EF4-FFF2-40B4-BE49-F238E27FC236}">
-                        <a16:creationId xmlns="" xmlns:a16="http://schemas.microsoft.com/office/drawing/2014/main" id="{E328DDE0-D9B0-43C0-BD1E-092B40C90F43}"/>
+                        <a16:creationId xmlns:a16="http://schemas.microsoft.com/office/drawing/2014/main" xmlns="" id="{E328DDE0-D9B0-43C0-BD1E-092B40C90F43}"/>
                       </a:ext>
                     </a:extLst>
                   </p:cNvPr>
@@ -13833,7 +15359,7 @@
                   <p:cNvPr id="1344" name="Retângulo 1343">
                     <a:extLst>
                       <a:ext uri="{FF2B5EF4-FFF2-40B4-BE49-F238E27FC236}">
-                        <a16:creationId xmlns="" xmlns:a16="http://schemas.microsoft.com/office/drawing/2014/main" id="{830C59EC-C737-4E3B-94F2-DE3B8FEBE9C3}"/>
+                        <a16:creationId xmlns:a16="http://schemas.microsoft.com/office/drawing/2014/main" xmlns="" id="{830C59EC-C737-4E3B-94F2-DE3B8FEBE9C3}"/>
                       </a:ext>
                     </a:extLst>
                   </p:cNvPr>
@@ -13883,7 +15409,7 @@
                   <p:cNvPr id="1345" name="Retângulo 1344">
                     <a:extLst>
                       <a:ext uri="{FF2B5EF4-FFF2-40B4-BE49-F238E27FC236}">
-                        <a16:creationId xmlns="" xmlns:a16="http://schemas.microsoft.com/office/drawing/2014/main" id="{FB0FE3D3-7562-4498-AAAB-B3EABFD4188B}"/>
+                        <a16:creationId xmlns:a16="http://schemas.microsoft.com/office/drawing/2014/main" xmlns="" id="{FB0FE3D3-7562-4498-AAAB-B3EABFD4188B}"/>
                       </a:ext>
                     </a:extLst>
                   </p:cNvPr>
@@ -13936,7 +15462,7 @@
             <p:cNvPr id="989" name="Grupo 100">
               <a:extLst>
                 <a:ext uri="{FF2B5EF4-FFF2-40B4-BE49-F238E27FC236}">
-                  <a16:creationId xmlns="" xmlns:a16="http://schemas.microsoft.com/office/drawing/2014/main" id="{944DA45D-A155-4DD7-B72B-B198B813D486}"/>
+                  <a16:creationId xmlns:a16="http://schemas.microsoft.com/office/drawing/2014/main" xmlns="" id="{944DA45D-A155-4DD7-B72B-B198B813D486}"/>
                 </a:ext>
               </a:extLst>
             </p:cNvPr>
@@ -13959,7 +15485,7 @@
               <p:cNvPr id="1327" name="Grupo 101">
                 <a:extLst>
                   <a:ext uri="{FF2B5EF4-FFF2-40B4-BE49-F238E27FC236}">
-                    <a16:creationId xmlns="" xmlns:a16="http://schemas.microsoft.com/office/drawing/2014/main" id="{B86B04D3-95DE-40C8-AA1D-42B88AB9F633}"/>
+                    <a16:creationId xmlns:a16="http://schemas.microsoft.com/office/drawing/2014/main" xmlns="" id="{B86B04D3-95DE-40C8-AA1D-42B88AB9F633}"/>
                   </a:ext>
                 </a:extLst>
               </p:cNvPr>
@@ -13980,7 +15506,7 @@
                 <p:cNvPr id="1334" name="Elipse 33">
                   <a:extLst>
                     <a:ext uri="{FF2B5EF4-FFF2-40B4-BE49-F238E27FC236}">
-                      <a16:creationId xmlns="" xmlns:a16="http://schemas.microsoft.com/office/drawing/2014/main" id="{D59E3E8C-78BB-49A9-9AAE-B7B61ED3E458}"/>
+                      <a16:creationId xmlns:a16="http://schemas.microsoft.com/office/drawing/2014/main" xmlns="" id="{D59E3E8C-78BB-49A9-9AAE-B7B61ED3E458}"/>
                     </a:ext>
                   </a:extLst>
                 </p:cNvPr>
@@ -14086,7 +15612,7 @@
                 <p:cNvPr id="1335" name="Grupo 109">
                   <a:extLst>
                     <a:ext uri="{FF2B5EF4-FFF2-40B4-BE49-F238E27FC236}">
-                      <a16:creationId xmlns="" xmlns:a16="http://schemas.microsoft.com/office/drawing/2014/main" id="{65C8198E-47C6-4CDE-AD7D-19BB32B457F6}"/>
+                      <a16:creationId xmlns:a16="http://schemas.microsoft.com/office/drawing/2014/main" xmlns="" id="{65C8198E-47C6-4CDE-AD7D-19BB32B457F6}"/>
                     </a:ext>
                   </a:extLst>
                 </p:cNvPr>
@@ -14107,7 +15633,7 @@
                   <p:cNvPr id="1336" name="Retângulo 1335">
                     <a:extLst>
                       <a:ext uri="{FF2B5EF4-FFF2-40B4-BE49-F238E27FC236}">
-                        <a16:creationId xmlns="" xmlns:a16="http://schemas.microsoft.com/office/drawing/2014/main" id="{836081D1-8700-4986-92D9-11157713EE08}"/>
+                        <a16:creationId xmlns:a16="http://schemas.microsoft.com/office/drawing/2014/main" xmlns="" id="{836081D1-8700-4986-92D9-11157713EE08}"/>
                       </a:ext>
                     </a:extLst>
                   </p:cNvPr>
@@ -14157,7 +15683,7 @@
                   <p:cNvPr id="1337" name="Retângulo 1336">
                     <a:extLst>
                       <a:ext uri="{FF2B5EF4-FFF2-40B4-BE49-F238E27FC236}">
-                        <a16:creationId xmlns="" xmlns:a16="http://schemas.microsoft.com/office/drawing/2014/main" id="{8E230582-35D6-4D6B-90E6-22D668593E72}"/>
+                        <a16:creationId xmlns:a16="http://schemas.microsoft.com/office/drawing/2014/main" xmlns="" id="{8E230582-35D6-4D6B-90E6-22D668593E72}"/>
                       </a:ext>
                     </a:extLst>
                   </p:cNvPr>
@@ -14207,7 +15733,7 @@
                   <p:cNvPr id="1338" name="Retângulo 1337">
                     <a:extLst>
                       <a:ext uri="{FF2B5EF4-FFF2-40B4-BE49-F238E27FC236}">
-                        <a16:creationId xmlns="" xmlns:a16="http://schemas.microsoft.com/office/drawing/2014/main" id="{52E1690E-6D51-4BBE-9FCF-090AD43831B8}"/>
+                        <a16:creationId xmlns:a16="http://schemas.microsoft.com/office/drawing/2014/main" xmlns="" id="{52E1690E-6D51-4BBE-9FCF-090AD43831B8}"/>
                       </a:ext>
                     </a:extLst>
                   </p:cNvPr>
@@ -14259,7 +15785,7 @@
               <p:cNvPr id="1328" name="Grupo 102">
                 <a:extLst>
                   <a:ext uri="{FF2B5EF4-FFF2-40B4-BE49-F238E27FC236}">
-                    <a16:creationId xmlns="" xmlns:a16="http://schemas.microsoft.com/office/drawing/2014/main" id="{65A4FE08-2E35-4192-B97D-BA3C5931EE12}"/>
+                    <a16:creationId xmlns:a16="http://schemas.microsoft.com/office/drawing/2014/main" xmlns="" id="{65A4FE08-2E35-4192-B97D-BA3C5931EE12}"/>
                   </a:ext>
                 </a:extLst>
               </p:cNvPr>
@@ -14280,7 +15806,7 @@
                 <p:cNvPr id="1329" name="Elipse 33">
                   <a:extLst>
                     <a:ext uri="{FF2B5EF4-FFF2-40B4-BE49-F238E27FC236}">
-                      <a16:creationId xmlns="" xmlns:a16="http://schemas.microsoft.com/office/drawing/2014/main" id="{D265B89A-714B-4CDF-BCEC-C7375D3AE022}"/>
+                      <a16:creationId xmlns:a16="http://schemas.microsoft.com/office/drawing/2014/main" xmlns="" id="{D265B89A-714B-4CDF-BCEC-C7375D3AE022}"/>
                     </a:ext>
                   </a:extLst>
                 </p:cNvPr>
@@ -14386,7 +15912,7 @@
                 <p:cNvPr id="1330" name="Grupo 104">
                   <a:extLst>
                     <a:ext uri="{FF2B5EF4-FFF2-40B4-BE49-F238E27FC236}">
-                      <a16:creationId xmlns="" xmlns:a16="http://schemas.microsoft.com/office/drawing/2014/main" id="{31A6EED4-F3C9-40E8-A407-49BDC4F4F405}"/>
+                      <a16:creationId xmlns:a16="http://schemas.microsoft.com/office/drawing/2014/main" xmlns="" id="{31A6EED4-F3C9-40E8-A407-49BDC4F4F405}"/>
                     </a:ext>
                   </a:extLst>
                 </p:cNvPr>
@@ -14407,7 +15933,7 @@
                   <p:cNvPr id="1331" name="Retângulo 1330">
                     <a:extLst>
                       <a:ext uri="{FF2B5EF4-FFF2-40B4-BE49-F238E27FC236}">
-                        <a16:creationId xmlns="" xmlns:a16="http://schemas.microsoft.com/office/drawing/2014/main" id="{AADAD7E3-154C-44D1-ABA8-05903881963D}"/>
+                        <a16:creationId xmlns:a16="http://schemas.microsoft.com/office/drawing/2014/main" xmlns="" id="{AADAD7E3-154C-44D1-ABA8-05903881963D}"/>
                       </a:ext>
                     </a:extLst>
                   </p:cNvPr>
@@ -14457,7 +15983,7 @@
                   <p:cNvPr id="1332" name="Retângulo 1331">
                     <a:extLst>
                       <a:ext uri="{FF2B5EF4-FFF2-40B4-BE49-F238E27FC236}">
-                        <a16:creationId xmlns="" xmlns:a16="http://schemas.microsoft.com/office/drawing/2014/main" id="{3BB4E7BF-10A1-4476-A623-0614080F53E8}"/>
+                        <a16:creationId xmlns:a16="http://schemas.microsoft.com/office/drawing/2014/main" xmlns="" id="{3BB4E7BF-10A1-4476-A623-0614080F53E8}"/>
                       </a:ext>
                     </a:extLst>
                   </p:cNvPr>
@@ -14507,7 +16033,7 @@
                   <p:cNvPr id="1333" name="Retângulo 1332">
                     <a:extLst>
                       <a:ext uri="{FF2B5EF4-FFF2-40B4-BE49-F238E27FC236}">
-                        <a16:creationId xmlns="" xmlns:a16="http://schemas.microsoft.com/office/drawing/2014/main" id="{00E8CD5C-538D-41A1-B08A-324FC569D574}"/>
+                        <a16:creationId xmlns:a16="http://schemas.microsoft.com/office/drawing/2014/main" xmlns="" id="{00E8CD5C-538D-41A1-B08A-324FC569D574}"/>
                       </a:ext>
                     </a:extLst>
                   </p:cNvPr>
@@ -14560,7 +16086,7 @@
             <p:cNvPr id="990" name="Grupo 122">
               <a:extLst>
                 <a:ext uri="{FF2B5EF4-FFF2-40B4-BE49-F238E27FC236}">
-                  <a16:creationId xmlns="" xmlns:a16="http://schemas.microsoft.com/office/drawing/2014/main" id="{93133184-3089-4CF7-84F8-CEBFE7ABADD8}"/>
+                  <a16:creationId xmlns:a16="http://schemas.microsoft.com/office/drawing/2014/main" xmlns="" id="{93133184-3089-4CF7-84F8-CEBFE7ABADD8}"/>
                 </a:ext>
               </a:extLst>
             </p:cNvPr>
@@ -14583,7 +16109,7 @@
               <p:cNvPr id="1315" name="Grupo 123">
                 <a:extLst>
                   <a:ext uri="{FF2B5EF4-FFF2-40B4-BE49-F238E27FC236}">
-                    <a16:creationId xmlns="" xmlns:a16="http://schemas.microsoft.com/office/drawing/2014/main" id="{DC36314C-670D-4F75-9676-6B84CC483AB3}"/>
+                    <a16:creationId xmlns:a16="http://schemas.microsoft.com/office/drawing/2014/main" xmlns="" id="{DC36314C-670D-4F75-9676-6B84CC483AB3}"/>
                   </a:ext>
                 </a:extLst>
               </p:cNvPr>
@@ -14604,7 +16130,7 @@
                 <p:cNvPr id="1322" name="Elipse 33">
                   <a:extLst>
                     <a:ext uri="{FF2B5EF4-FFF2-40B4-BE49-F238E27FC236}">
-                      <a16:creationId xmlns="" xmlns:a16="http://schemas.microsoft.com/office/drawing/2014/main" id="{50C72457-2961-4A92-879C-F83877FB1C10}"/>
+                      <a16:creationId xmlns:a16="http://schemas.microsoft.com/office/drawing/2014/main" xmlns="" id="{50C72457-2961-4A92-879C-F83877FB1C10}"/>
                     </a:ext>
                   </a:extLst>
                 </p:cNvPr>
@@ -14710,7 +16236,7 @@
                 <p:cNvPr id="1323" name="Grupo 131">
                   <a:extLst>
                     <a:ext uri="{FF2B5EF4-FFF2-40B4-BE49-F238E27FC236}">
-                      <a16:creationId xmlns="" xmlns:a16="http://schemas.microsoft.com/office/drawing/2014/main" id="{C8882164-AE3B-4660-924B-3C273671CB4E}"/>
+                      <a16:creationId xmlns:a16="http://schemas.microsoft.com/office/drawing/2014/main" xmlns="" id="{C8882164-AE3B-4660-924B-3C273671CB4E}"/>
                     </a:ext>
                   </a:extLst>
                 </p:cNvPr>
@@ -14731,7 +16257,7 @@
                   <p:cNvPr id="1324" name="Retângulo 1323">
                     <a:extLst>
                       <a:ext uri="{FF2B5EF4-FFF2-40B4-BE49-F238E27FC236}">
-                        <a16:creationId xmlns="" xmlns:a16="http://schemas.microsoft.com/office/drawing/2014/main" id="{39E13013-EDDD-4014-A15C-D7A37CFCADC9}"/>
+                        <a16:creationId xmlns:a16="http://schemas.microsoft.com/office/drawing/2014/main" xmlns="" id="{39E13013-EDDD-4014-A15C-D7A37CFCADC9}"/>
                       </a:ext>
                     </a:extLst>
                   </p:cNvPr>
@@ -14781,7 +16307,7 @@
                   <p:cNvPr id="1325" name="Retângulo 1324">
                     <a:extLst>
                       <a:ext uri="{FF2B5EF4-FFF2-40B4-BE49-F238E27FC236}">
-                        <a16:creationId xmlns="" xmlns:a16="http://schemas.microsoft.com/office/drawing/2014/main" id="{FAB1C48A-66E9-46BA-BFEA-2092852DD48C}"/>
+                        <a16:creationId xmlns:a16="http://schemas.microsoft.com/office/drawing/2014/main" xmlns="" id="{FAB1C48A-66E9-46BA-BFEA-2092852DD48C}"/>
                       </a:ext>
                     </a:extLst>
                   </p:cNvPr>
@@ -14831,7 +16357,7 @@
                   <p:cNvPr id="1326" name="Retângulo 1325">
                     <a:extLst>
                       <a:ext uri="{FF2B5EF4-FFF2-40B4-BE49-F238E27FC236}">
-                        <a16:creationId xmlns="" xmlns:a16="http://schemas.microsoft.com/office/drawing/2014/main" id="{92900DF3-9609-4201-8261-E1E5EA6C3E1E}"/>
+                        <a16:creationId xmlns:a16="http://schemas.microsoft.com/office/drawing/2014/main" xmlns="" id="{92900DF3-9609-4201-8261-E1E5EA6C3E1E}"/>
                       </a:ext>
                     </a:extLst>
                   </p:cNvPr>
@@ -14883,7 +16409,7 @@
               <p:cNvPr id="1316" name="Grupo 124">
                 <a:extLst>
                   <a:ext uri="{FF2B5EF4-FFF2-40B4-BE49-F238E27FC236}">
-                    <a16:creationId xmlns="" xmlns:a16="http://schemas.microsoft.com/office/drawing/2014/main" id="{29AA28EE-6EED-4782-A253-17545C5D9922}"/>
+                    <a16:creationId xmlns:a16="http://schemas.microsoft.com/office/drawing/2014/main" xmlns="" id="{29AA28EE-6EED-4782-A253-17545C5D9922}"/>
                   </a:ext>
                 </a:extLst>
               </p:cNvPr>
@@ -14904,7 +16430,7 @@
                 <p:cNvPr id="1317" name="Elipse 33">
                   <a:extLst>
                     <a:ext uri="{FF2B5EF4-FFF2-40B4-BE49-F238E27FC236}">
-                      <a16:creationId xmlns="" xmlns:a16="http://schemas.microsoft.com/office/drawing/2014/main" id="{BD9D72C5-3E33-4091-B317-E829DEF5C405}"/>
+                      <a16:creationId xmlns:a16="http://schemas.microsoft.com/office/drawing/2014/main" xmlns="" id="{BD9D72C5-3E33-4091-B317-E829DEF5C405}"/>
                     </a:ext>
                   </a:extLst>
                 </p:cNvPr>
@@ -15010,7 +16536,7 @@
                 <p:cNvPr id="1318" name="Grupo 126">
                   <a:extLst>
                     <a:ext uri="{FF2B5EF4-FFF2-40B4-BE49-F238E27FC236}">
-                      <a16:creationId xmlns="" xmlns:a16="http://schemas.microsoft.com/office/drawing/2014/main" id="{7F4D874F-84E2-4BA0-8D15-97646A55080A}"/>
+                      <a16:creationId xmlns:a16="http://schemas.microsoft.com/office/drawing/2014/main" xmlns="" id="{7F4D874F-84E2-4BA0-8D15-97646A55080A}"/>
                     </a:ext>
                   </a:extLst>
                 </p:cNvPr>
@@ -15031,7 +16557,7 @@
                   <p:cNvPr id="1319" name="Retângulo 1318">
                     <a:extLst>
                       <a:ext uri="{FF2B5EF4-FFF2-40B4-BE49-F238E27FC236}">
-                        <a16:creationId xmlns="" xmlns:a16="http://schemas.microsoft.com/office/drawing/2014/main" id="{7E332F49-68D2-41C2-9387-B7B956024322}"/>
+                        <a16:creationId xmlns:a16="http://schemas.microsoft.com/office/drawing/2014/main" xmlns="" id="{7E332F49-68D2-41C2-9387-B7B956024322}"/>
                       </a:ext>
                     </a:extLst>
                   </p:cNvPr>
@@ -15081,7 +16607,7 @@
                   <p:cNvPr id="1320" name="Retângulo 1319">
                     <a:extLst>
                       <a:ext uri="{FF2B5EF4-FFF2-40B4-BE49-F238E27FC236}">
-                        <a16:creationId xmlns="" xmlns:a16="http://schemas.microsoft.com/office/drawing/2014/main" id="{E8831E1C-B0CF-40F4-862A-8FC9BEE299E8}"/>
+                        <a16:creationId xmlns:a16="http://schemas.microsoft.com/office/drawing/2014/main" xmlns="" id="{E8831E1C-B0CF-40F4-862A-8FC9BEE299E8}"/>
                       </a:ext>
                     </a:extLst>
                   </p:cNvPr>
@@ -15131,7 +16657,7 @@
                   <p:cNvPr id="1321" name="Retângulo 1320">
                     <a:extLst>
                       <a:ext uri="{FF2B5EF4-FFF2-40B4-BE49-F238E27FC236}">
-                        <a16:creationId xmlns="" xmlns:a16="http://schemas.microsoft.com/office/drawing/2014/main" id="{35814917-C7CF-4676-B718-E435116B10AB}"/>
+                        <a16:creationId xmlns:a16="http://schemas.microsoft.com/office/drawing/2014/main" xmlns="" id="{35814917-C7CF-4676-B718-E435116B10AB}"/>
                       </a:ext>
                     </a:extLst>
                   </p:cNvPr>
@@ -15184,7 +16710,7 @@
             <p:cNvPr id="991" name="Grupo 135">
               <a:extLst>
                 <a:ext uri="{FF2B5EF4-FFF2-40B4-BE49-F238E27FC236}">
-                  <a16:creationId xmlns="" xmlns:a16="http://schemas.microsoft.com/office/drawing/2014/main" id="{57C66938-091C-449F-B5F0-8FDBAE4CB3CA}"/>
+                  <a16:creationId xmlns:a16="http://schemas.microsoft.com/office/drawing/2014/main" xmlns="" id="{57C66938-091C-449F-B5F0-8FDBAE4CB3CA}"/>
                 </a:ext>
               </a:extLst>
             </p:cNvPr>
@@ -15207,7 +16733,7 @@
               <p:cNvPr id="1305" name="Grupo 136">
                 <a:extLst>
                   <a:ext uri="{FF2B5EF4-FFF2-40B4-BE49-F238E27FC236}">
-                    <a16:creationId xmlns="" xmlns:a16="http://schemas.microsoft.com/office/drawing/2014/main" id="{EE64A69F-C67B-4579-A5EC-DBCCE0A76AA2}"/>
+                    <a16:creationId xmlns:a16="http://schemas.microsoft.com/office/drawing/2014/main" xmlns="" id="{EE64A69F-C67B-4579-A5EC-DBCCE0A76AA2}"/>
                   </a:ext>
                 </a:extLst>
               </p:cNvPr>
@@ -15228,7 +16754,7 @@
                 <p:cNvPr id="1312" name="Elipse 33">
                   <a:extLst>
                     <a:ext uri="{FF2B5EF4-FFF2-40B4-BE49-F238E27FC236}">
-                      <a16:creationId xmlns="" xmlns:a16="http://schemas.microsoft.com/office/drawing/2014/main" id="{60546740-8DA4-47A9-8403-A79D6F6DF1E5}"/>
+                      <a16:creationId xmlns:a16="http://schemas.microsoft.com/office/drawing/2014/main" xmlns="" id="{60546740-8DA4-47A9-8403-A79D6F6DF1E5}"/>
                     </a:ext>
                   </a:extLst>
                 </p:cNvPr>
@@ -15334,7 +16860,7 @@
                 <p:cNvPr id="1313" name="Retângulo 1312">
                   <a:extLst>
                     <a:ext uri="{FF2B5EF4-FFF2-40B4-BE49-F238E27FC236}">
-                      <a16:creationId xmlns="" xmlns:a16="http://schemas.microsoft.com/office/drawing/2014/main" id="{052EB948-F81E-4F0B-9D51-F0EFD2BACD14}"/>
+                      <a16:creationId xmlns:a16="http://schemas.microsoft.com/office/drawing/2014/main" xmlns="" id="{052EB948-F81E-4F0B-9D51-F0EFD2BACD14}"/>
                     </a:ext>
                   </a:extLst>
                 </p:cNvPr>
@@ -15384,7 +16910,7 @@
                 <p:cNvPr id="1314" name="Retângulo 1313">
                   <a:extLst>
                     <a:ext uri="{FF2B5EF4-FFF2-40B4-BE49-F238E27FC236}">
-                      <a16:creationId xmlns="" xmlns:a16="http://schemas.microsoft.com/office/drawing/2014/main" id="{B0F4A95C-21BE-427E-A33F-22CC02E8B979}"/>
+                      <a16:creationId xmlns:a16="http://schemas.microsoft.com/office/drawing/2014/main" xmlns="" id="{B0F4A95C-21BE-427E-A33F-22CC02E8B979}"/>
                     </a:ext>
                   </a:extLst>
                 </p:cNvPr>
@@ -15435,7 +16961,7 @@
               <p:cNvPr id="1306" name="Grupo 137">
                 <a:extLst>
                   <a:ext uri="{FF2B5EF4-FFF2-40B4-BE49-F238E27FC236}">
-                    <a16:creationId xmlns="" xmlns:a16="http://schemas.microsoft.com/office/drawing/2014/main" id="{EA19AEA4-BE57-46A5-8E7F-60E06E33BF5D}"/>
+                    <a16:creationId xmlns:a16="http://schemas.microsoft.com/office/drawing/2014/main" xmlns="" id="{EA19AEA4-BE57-46A5-8E7F-60E06E33BF5D}"/>
                   </a:ext>
                 </a:extLst>
               </p:cNvPr>
@@ -15456,7 +16982,7 @@
                 <p:cNvPr id="1307" name="Elipse 33">
                   <a:extLst>
                     <a:ext uri="{FF2B5EF4-FFF2-40B4-BE49-F238E27FC236}">
-                      <a16:creationId xmlns="" xmlns:a16="http://schemas.microsoft.com/office/drawing/2014/main" id="{C3CB17BA-1238-481C-9BE1-DD00DB951305}"/>
+                      <a16:creationId xmlns:a16="http://schemas.microsoft.com/office/drawing/2014/main" xmlns="" id="{C3CB17BA-1238-481C-9BE1-DD00DB951305}"/>
                     </a:ext>
                   </a:extLst>
                 </p:cNvPr>
@@ -15562,7 +17088,7 @@
                 <p:cNvPr id="1308" name="Grupo 139">
                   <a:extLst>
                     <a:ext uri="{FF2B5EF4-FFF2-40B4-BE49-F238E27FC236}">
-                      <a16:creationId xmlns="" xmlns:a16="http://schemas.microsoft.com/office/drawing/2014/main" id="{036B60CB-BF3F-446A-B057-205C535F44F3}"/>
+                      <a16:creationId xmlns:a16="http://schemas.microsoft.com/office/drawing/2014/main" xmlns="" id="{036B60CB-BF3F-446A-B057-205C535F44F3}"/>
                     </a:ext>
                   </a:extLst>
                 </p:cNvPr>
@@ -15583,7 +17109,7 @@
                   <p:cNvPr id="1309" name="Retângulo 1308">
                     <a:extLst>
                       <a:ext uri="{FF2B5EF4-FFF2-40B4-BE49-F238E27FC236}">
-                        <a16:creationId xmlns="" xmlns:a16="http://schemas.microsoft.com/office/drawing/2014/main" id="{8BEF6479-173E-46FC-94B0-2B12548E7D69}"/>
+                        <a16:creationId xmlns:a16="http://schemas.microsoft.com/office/drawing/2014/main" xmlns="" id="{8BEF6479-173E-46FC-94B0-2B12548E7D69}"/>
                       </a:ext>
                     </a:extLst>
                   </p:cNvPr>
@@ -15633,7 +17159,7 @@
                   <p:cNvPr id="1310" name="Retângulo 1309">
                     <a:extLst>
                       <a:ext uri="{FF2B5EF4-FFF2-40B4-BE49-F238E27FC236}">
-                        <a16:creationId xmlns="" xmlns:a16="http://schemas.microsoft.com/office/drawing/2014/main" id="{614EA201-1C5E-48C4-A09D-619D0AA2CA24}"/>
+                        <a16:creationId xmlns:a16="http://schemas.microsoft.com/office/drawing/2014/main" xmlns="" id="{614EA201-1C5E-48C4-A09D-619D0AA2CA24}"/>
                       </a:ext>
                     </a:extLst>
                   </p:cNvPr>
@@ -15683,7 +17209,7 @@
                   <p:cNvPr id="1311" name="Retângulo 1310">
                     <a:extLst>
                       <a:ext uri="{FF2B5EF4-FFF2-40B4-BE49-F238E27FC236}">
-                        <a16:creationId xmlns="" xmlns:a16="http://schemas.microsoft.com/office/drawing/2014/main" id="{E5B300EF-BCA5-4769-BDB0-7D5BA15C8EC3}"/>
+                        <a16:creationId xmlns:a16="http://schemas.microsoft.com/office/drawing/2014/main" xmlns="" id="{E5B300EF-BCA5-4769-BDB0-7D5BA15C8EC3}"/>
                       </a:ext>
                     </a:extLst>
                   </p:cNvPr>
@@ -15736,7 +17262,7 @@
             <p:cNvPr id="992" name="Grupo 146">
               <a:extLst>
                 <a:ext uri="{FF2B5EF4-FFF2-40B4-BE49-F238E27FC236}">
-                  <a16:creationId xmlns="" xmlns:a16="http://schemas.microsoft.com/office/drawing/2014/main" id="{454ECBB3-80DA-4B7C-96BB-DCC040D5A314}"/>
+                  <a16:creationId xmlns:a16="http://schemas.microsoft.com/office/drawing/2014/main" xmlns="" id="{454ECBB3-80DA-4B7C-96BB-DCC040D5A314}"/>
                 </a:ext>
               </a:extLst>
             </p:cNvPr>
@@ -15759,7 +17285,7 @@
               <p:cNvPr id="1295" name="Grupo 147">
                 <a:extLst>
                   <a:ext uri="{FF2B5EF4-FFF2-40B4-BE49-F238E27FC236}">
-                    <a16:creationId xmlns="" xmlns:a16="http://schemas.microsoft.com/office/drawing/2014/main" id="{871EB478-215F-4D3A-9F3D-4A67499BBAC0}"/>
+                    <a16:creationId xmlns:a16="http://schemas.microsoft.com/office/drawing/2014/main" xmlns="" id="{871EB478-215F-4D3A-9F3D-4A67499BBAC0}"/>
                   </a:ext>
                 </a:extLst>
               </p:cNvPr>
@@ -15780,7 +17306,7 @@
                 <p:cNvPr id="1302" name="Elipse 33">
                   <a:extLst>
                     <a:ext uri="{FF2B5EF4-FFF2-40B4-BE49-F238E27FC236}">
-                      <a16:creationId xmlns="" xmlns:a16="http://schemas.microsoft.com/office/drawing/2014/main" id="{24AB6F5B-1C40-4AA9-8101-7909571C3787}"/>
+                      <a16:creationId xmlns:a16="http://schemas.microsoft.com/office/drawing/2014/main" xmlns="" id="{24AB6F5B-1C40-4AA9-8101-7909571C3787}"/>
                     </a:ext>
                   </a:extLst>
                 </p:cNvPr>
@@ -15886,7 +17412,7 @@
                 <p:cNvPr id="1303" name="Retângulo 1302">
                   <a:extLst>
                     <a:ext uri="{FF2B5EF4-FFF2-40B4-BE49-F238E27FC236}">
-                      <a16:creationId xmlns="" xmlns:a16="http://schemas.microsoft.com/office/drawing/2014/main" id="{DFF5CBB9-14BE-49F9-99F0-FDFFC82B3445}"/>
+                      <a16:creationId xmlns:a16="http://schemas.microsoft.com/office/drawing/2014/main" xmlns="" id="{DFF5CBB9-14BE-49F9-99F0-FDFFC82B3445}"/>
                     </a:ext>
                   </a:extLst>
                 </p:cNvPr>
@@ -15936,7 +17462,7 @@
                 <p:cNvPr id="1304" name="Retângulo 1303">
                   <a:extLst>
                     <a:ext uri="{FF2B5EF4-FFF2-40B4-BE49-F238E27FC236}">
-                      <a16:creationId xmlns="" xmlns:a16="http://schemas.microsoft.com/office/drawing/2014/main" id="{CB5EB64E-4E74-401B-88AD-6AA0CF440444}"/>
+                      <a16:creationId xmlns:a16="http://schemas.microsoft.com/office/drawing/2014/main" xmlns="" id="{CB5EB64E-4E74-401B-88AD-6AA0CF440444}"/>
                     </a:ext>
                   </a:extLst>
                 </p:cNvPr>
@@ -15987,7 +17513,7 @@
               <p:cNvPr id="1296" name="Grupo 148">
                 <a:extLst>
                   <a:ext uri="{FF2B5EF4-FFF2-40B4-BE49-F238E27FC236}">
-                    <a16:creationId xmlns="" xmlns:a16="http://schemas.microsoft.com/office/drawing/2014/main" id="{FF5A4F0F-90D5-424D-8705-6A64246F2410}"/>
+                    <a16:creationId xmlns:a16="http://schemas.microsoft.com/office/drawing/2014/main" xmlns="" id="{FF5A4F0F-90D5-424D-8705-6A64246F2410}"/>
                   </a:ext>
                 </a:extLst>
               </p:cNvPr>
@@ -16008,7 +17534,7 @@
                 <p:cNvPr id="1297" name="Elipse 33">
                   <a:extLst>
                     <a:ext uri="{FF2B5EF4-FFF2-40B4-BE49-F238E27FC236}">
-                      <a16:creationId xmlns="" xmlns:a16="http://schemas.microsoft.com/office/drawing/2014/main" id="{0FF221B1-328A-4E06-B17D-CA22366C73DA}"/>
+                      <a16:creationId xmlns:a16="http://schemas.microsoft.com/office/drawing/2014/main" xmlns="" id="{0FF221B1-328A-4E06-B17D-CA22366C73DA}"/>
                     </a:ext>
                   </a:extLst>
                 </p:cNvPr>
@@ -16114,7 +17640,7 @@
                 <p:cNvPr id="1298" name="Grupo 150">
                   <a:extLst>
                     <a:ext uri="{FF2B5EF4-FFF2-40B4-BE49-F238E27FC236}">
-                      <a16:creationId xmlns="" xmlns:a16="http://schemas.microsoft.com/office/drawing/2014/main" id="{8E1978AC-B24C-4102-A5DA-35F33A8E4CFD}"/>
+                      <a16:creationId xmlns:a16="http://schemas.microsoft.com/office/drawing/2014/main" xmlns="" id="{8E1978AC-B24C-4102-A5DA-35F33A8E4CFD}"/>
                     </a:ext>
                   </a:extLst>
                 </p:cNvPr>
@@ -16135,7 +17661,7 @@
                   <p:cNvPr id="1299" name="Retângulo 1298">
                     <a:extLst>
                       <a:ext uri="{FF2B5EF4-FFF2-40B4-BE49-F238E27FC236}">
-                        <a16:creationId xmlns="" xmlns:a16="http://schemas.microsoft.com/office/drawing/2014/main" id="{AE7D3DC1-6CD3-449D-A82D-02C6F74760BE}"/>
+                        <a16:creationId xmlns:a16="http://schemas.microsoft.com/office/drawing/2014/main" xmlns="" id="{AE7D3DC1-6CD3-449D-A82D-02C6F74760BE}"/>
                       </a:ext>
                     </a:extLst>
                   </p:cNvPr>
@@ -16185,7 +17711,7 @@
                   <p:cNvPr id="1300" name="Retângulo 1299">
                     <a:extLst>
                       <a:ext uri="{FF2B5EF4-FFF2-40B4-BE49-F238E27FC236}">
-                        <a16:creationId xmlns="" xmlns:a16="http://schemas.microsoft.com/office/drawing/2014/main" id="{9FBCF0C7-518E-4DE0-A722-6D42A6F9BF28}"/>
+                        <a16:creationId xmlns:a16="http://schemas.microsoft.com/office/drawing/2014/main" xmlns="" id="{9FBCF0C7-518E-4DE0-A722-6D42A6F9BF28}"/>
                       </a:ext>
                     </a:extLst>
                   </p:cNvPr>
@@ -16235,7 +17761,7 @@
                   <p:cNvPr id="1301" name="Retângulo 1300">
                     <a:extLst>
                       <a:ext uri="{FF2B5EF4-FFF2-40B4-BE49-F238E27FC236}">
-                        <a16:creationId xmlns="" xmlns:a16="http://schemas.microsoft.com/office/drawing/2014/main" id="{96B6C8D0-B406-410E-9BD9-0E524C38C59C}"/>
+                        <a16:creationId xmlns:a16="http://schemas.microsoft.com/office/drawing/2014/main" xmlns="" id="{96B6C8D0-B406-410E-9BD9-0E524C38C59C}"/>
                       </a:ext>
                     </a:extLst>
                   </p:cNvPr>
@@ -16288,7 +17814,7 @@
             <p:cNvPr id="993" name="Grupo 157">
               <a:extLst>
                 <a:ext uri="{FF2B5EF4-FFF2-40B4-BE49-F238E27FC236}">
-                  <a16:creationId xmlns="" xmlns:a16="http://schemas.microsoft.com/office/drawing/2014/main" id="{67C1F938-2DB2-4D2F-8426-FF27CF385F4F}"/>
+                  <a16:creationId xmlns:a16="http://schemas.microsoft.com/office/drawing/2014/main" xmlns="" id="{67C1F938-2DB2-4D2F-8426-FF27CF385F4F}"/>
                 </a:ext>
               </a:extLst>
             </p:cNvPr>
@@ -16311,7 +17837,7 @@
               <p:cNvPr id="1285" name="Grupo 158">
                 <a:extLst>
                   <a:ext uri="{FF2B5EF4-FFF2-40B4-BE49-F238E27FC236}">
-                    <a16:creationId xmlns="" xmlns:a16="http://schemas.microsoft.com/office/drawing/2014/main" id="{6116958E-AB0A-4F04-B63A-D9BC91CB13F5}"/>
+                    <a16:creationId xmlns:a16="http://schemas.microsoft.com/office/drawing/2014/main" xmlns="" id="{6116958E-AB0A-4F04-B63A-D9BC91CB13F5}"/>
                   </a:ext>
                 </a:extLst>
               </p:cNvPr>
@@ -16332,7 +17858,7 @@
                 <p:cNvPr id="1292" name="Elipse 33">
                   <a:extLst>
                     <a:ext uri="{FF2B5EF4-FFF2-40B4-BE49-F238E27FC236}">
-                      <a16:creationId xmlns="" xmlns:a16="http://schemas.microsoft.com/office/drawing/2014/main" id="{944BEA8A-91DA-4494-8695-A38CE36B1E4A}"/>
+                      <a16:creationId xmlns:a16="http://schemas.microsoft.com/office/drawing/2014/main" xmlns="" id="{944BEA8A-91DA-4494-8695-A38CE36B1E4A}"/>
                     </a:ext>
                   </a:extLst>
                 </p:cNvPr>
@@ -16438,7 +17964,7 @@
                 <p:cNvPr id="1293" name="Retângulo 1292">
                   <a:extLst>
                     <a:ext uri="{FF2B5EF4-FFF2-40B4-BE49-F238E27FC236}">
-                      <a16:creationId xmlns="" xmlns:a16="http://schemas.microsoft.com/office/drawing/2014/main" id="{5CE79134-6437-40FB-AC72-EB628C4CFEB0}"/>
+                      <a16:creationId xmlns:a16="http://schemas.microsoft.com/office/drawing/2014/main" xmlns="" id="{5CE79134-6437-40FB-AC72-EB628C4CFEB0}"/>
                     </a:ext>
                   </a:extLst>
                 </p:cNvPr>
@@ -16488,7 +18014,7 @@
                 <p:cNvPr id="1294" name="Retângulo 1293">
                   <a:extLst>
                     <a:ext uri="{FF2B5EF4-FFF2-40B4-BE49-F238E27FC236}">
-                      <a16:creationId xmlns="" xmlns:a16="http://schemas.microsoft.com/office/drawing/2014/main" id="{B2FACBB8-0520-4304-8C0B-39E64EC35751}"/>
+                      <a16:creationId xmlns:a16="http://schemas.microsoft.com/office/drawing/2014/main" xmlns="" id="{B2FACBB8-0520-4304-8C0B-39E64EC35751}"/>
                     </a:ext>
                   </a:extLst>
                 </p:cNvPr>
@@ -16539,7 +18065,7 @@
               <p:cNvPr id="1286" name="Grupo 159">
                 <a:extLst>
                   <a:ext uri="{FF2B5EF4-FFF2-40B4-BE49-F238E27FC236}">
-                    <a16:creationId xmlns="" xmlns:a16="http://schemas.microsoft.com/office/drawing/2014/main" id="{7F1D133E-D877-49A7-8004-78BC69D4BC6F}"/>
+                    <a16:creationId xmlns:a16="http://schemas.microsoft.com/office/drawing/2014/main" xmlns="" id="{7F1D133E-D877-49A7-8004-78BC69D4BC6F}"/>
                   </a:ext>
                 </a:extLst>
               </p:cNvPr>
@@ -16560,7 +18086,7 @@
                 <p:cNvPr id="1287" name="Elipse 33">
                   <a:extLst>
                     <a:ext uri="{FF2B5EF4-FFF2-40B4-BE49-F238E27FC236}">
-                      <a16:creationId xmlns="" xmlns:a16="http://schemas.microsoft.com/office/drawing/2014/main" id="{3C199C43-DCD0-465B-AA71-43C1C1F1AB42}"/>
+                      <a16:creationId xmlns:a16="http://schemas.microsoft.com/office/drawing/2014/main" xmlns="" id="{3C199C43-DCD0-465B-AA71-43C1C1F1AB42}"/>
                     </a:ext>
                   </a:extLst>
                 </p:cNvPr>
@@ -16666,7 +18192,7 @@
                 <p:cNvPr id="1288" name="Grupo 161">
                   <a:extLst>
                     <a:ext uri="{FF2B5EF4-FFF2-40B4-BE49-F238E27FC236}">
-                      <a16:creationId xmlns="" xmlns:a16="http://schemas.microsoft.com/office/drawing/2014/main" id="{0253757D-5FF9-4C44-B4F4-6B088B88B854}"/>
+                      <a16:creationId xmlns:a16="http://schemas.microsoft.com/office/drawing/2014/main" xmlns="" id="{0253757D-5FF9-4C44-B4F4-6B088B88B854}"/>
                     </a:ext>
                   </a:extLst>
                 </p:cNvPr>
@@ -16687,7 +18213,7 @@
                   <p:cNvPr id="1289" name="Retângulo 1288">
                     <a:extLst>
                       <a:ext uri="{FF2B5EF4-FFF2-40B4-BE49-F238E27FC236}">
-                        <a16:creationId xmlns="" xmlns:a16="http://schemas.microsoft.com/office/drawing/2014/main" id="{3D894E50-D547-4AEA-9C9E-12CAA22AA814}"/>
+                        <a16:creationId xmlns:a16="http://schemas.microsoft.com/office/drawing/2014/main" xmlns="" id="{3D894E50-D547-4AEA-9C9E-12CAA22AA814}"/>
                       </a:ext>
                     </a:extLst>
                   </p:cNvPr>
@@ -16737,7 +18263,7 @@
                   <p:cNvPr id="1290" name="Retângulo 1289">
                     <a:extLst>
                       <a:ext uri="{FF2B5EF4-FFF2-40B4-BE49-F238E27FC236}">
-                        <a16:creationId xmlns="" xmlns:a16="http://schemas.microsoft.com/office/drawing/2014/main" id="{F79B9F6F-51AC-461B-9D17-BD3239085525}"/>
+                        <a16:creationId xmlns:a16="http://schemas.microsoft.com/office/drawing/2014/main" xmlns="" id="{F79B9F6F-51AC-461B-9D17-BD3239085525}"/>
                       </a:ext>
                     </a:extLst>
                   </p:cNvPr>
@@ -16787,7 +18313,7 @@
                   <p:cNvPr id="1291" name="Retângulo 1290">
                     <a:extLst>
                       <a:ext uri="{FF2B5EF4-FFF2-40B4-BE49-F238E27FC236}">
-                        <a16:creationId xmlns="" xmlns:a16="http://schemas.microsoft.com/office/drawing/2014/main" id="{DBF47740-E281-4978-ABDA-E499EAA0B958}"/>
+                        <a16:creationId xmlns:a16="http://schemas.microsoft.com/office/drawing/2014/main" xmlns="" id="{DBF47740-E281-4978-ABDA-E499EAA0B958}"/>
                       </a:ext>
                     </a:extLst>
                   </p:cNvPr>
@@ -16840,7 +18366,7 @@
             <p:cNvPr id="994" name="Grupo 168">
               <a:extLst>
                 <a:ext uri="{FF2B5EF4-FFF2-40B4-BE49-F238E27FC236}">
-                  <a16:creationId xmlns="" xmlns:a16="http://schemas.microsoft.com/office/drawing/2014/main" id="{A9CCB15F-3340-493D-8C97-967000C2275C}"/>
+                  <a16:creationId xmlns:a16="http://schemas.microsoft.com/office/drawing/2014/main" xmlns="" id="{A9CCB15F-3340-493D-8C97-967000C2275C}"/>
                 </a:ext>
               </a:extLst>
             </p:cNvPr>
@@ -16863,7 +18389,7 @@
               <p:cNvPr id="1271" name="Grupo 169">
                 <a:extLst>
                   <a:ext uri="{FF2B5EF4-FFF2-40B4-BE49-F238E27FC236}">
-                    <a16:creationId xmlns="" xmlns:a16="http://schemas.microsoft.com/office/drawing/2014/main" id="{865A54DB-B368-4C49-99F4-455BEEE850C5}"/>
+                    <a16:creationId xmlns:a16="http://schemas.microsoft.com/office/drawing/2014/main" xmlns="" id="{865A54DB-B368-4C49-99F4-455BEEE850C5}"/>
                   </a:ext>
                 </a:extLst>
               </p:cNvPr>
@@ -16884,7 +18410,7 @@
                 <p:cNvPr id="1280" name="Elipse 33">
                   <a:extLst>
                     <a:ext uri="{FF2B5EF4-FFF2-40B4-BE49-F238E27FC236}">
-                      <a16:creationId xmlns="" xmlns:a16="http://schemas.microsoft.com/office/drawing/2014/main" id="{957E1A21-ECD5-49E8-967A-9DA6F360EC8E}"/>
+                      <a16:creationId xmlns:a16="http://schemas.microsoft.com/office/drawing/2014/main" xmlns="" id="{957E1A21-ECD5-49E8-967A-9DA6F360EC8E}"/>
                     </a:ext>
                   </a:extLst>
                 </p:cNvPr>
@@ -16990,7 +18516,7 @@
                 <p:cNvPr id="1281" name="Grupo 179">
                   <a:extLst>
                     <a:ext uri="{FF2B5EF4-FFF2-40B4-BE49-F238E27FC236}">
-                      <a16:creationId xmlns="" xmlns:a16="http://schemas.microsoft.com/office/drawing/2014/main" id="{75EC3609-F17A-46FB-B68F-320AF5DA87B6}"/>
+                      <a16:creationId xmlns:a16="http://schemas.microsoft.com/office/drawing/2014/main" xmlns="" id="{75EC3609-F17A-46FB-B68F-320AF5DA87B6}"/>
                     </a:ext>
                   </a:extLst>
                 </p:cNvPr>
@@ -17011,7 +18537,7 @@
                   <p:cNvPr id="1282" name="Retângulo 1281">
                     <a:extLst>
                       <a:ext uri="{FF2B5EF4-FFF2-40B4-BE49-F238E27FC236}">
-                        <a16:creationId xmlns="" xmlns:a16="http://schemas.microsoft.com/office/drawing/2014/main" id="{79EDC7B1-EC55-4A9F-89B2-17A19BDD9A0F}"/>
+                        <a16:creationId xmlns:a16="http://schemas.microsoft.com/office/drawing/2014/main" xmlns="" id="{79EDC7B1-EC55-4A9F-89B2-17A19BDD9A0F}"/>
                       </a:ext>
                     </a:extLst>
                   </p:cNvPr>
@@ -17061,7 +18587,7 @@
                   <p:cNvPr id="1283" name="Retângulo 1282">
                     <a:extLst>
                       <a:ext uri="{FF2B5EF4-FFF2-40B4-BE49-F238E27FC236}">
-                        <a16:creationId xmlns="" xmlns:a16="http://schemas.microsoft.com/office/drawing/2014/main" id="{AE689B89-681D-424C-9235-318E6730443E}"/>
+                        <a16:creationId xmlns:a16="http://schemas.microsoft.com/office/drawing/2014/main" xmlns="" id="{AE689B89-681D-424C-9235-318E6730443E}"/>
                       </a:ext>
                     </a:extLst>
                   </p:cNvPr>
@@ -17111,7 +18637,7 @@
                   <p:cNvPr id="1284" name="Retângulo 1283">
                     <a:extLst>
                       <a:ext uri="{FF2B5EF4-FFF2-40B4-BE49-F238E27FC236}">
-                        <a16:creationId xmlns="" xmlns:a16="http://schemas.microsoft.com/office/drawing/2014/main" id="{6236DE8B-47A4-451B-A365-F884FA3C858E}"/>
+                        <a16:creationId xmlns:a16="http://schemas.microsoft.com/office/drawing/2014/main" xmlns="" id="{6236DE8B-47A4-451B-A365-F884FA3C858E}"/>
                       </a:ext>
                     </a:extLst>
                   </p:cNvPr>
@@ -17163,7 +18689,7 @@
               <p:cNvPr id="1272" name="Grupo 170">
                 <a:extLst>
                   <a:ext uri="{FF2B5EF4-FFF2-40B4-BE49-F238E27FC236}">
-                    <a16:creationId xmlns="" xmlns:a16="http://schemas.microsoft.com/office/drawing/2014/main" id="{015E5B44-20CE-4A53-8F98-D7338EB96C14}"/>
+                    <a16:creationId xmlns:a16="http://schemas.microsoft.com/office/drawing/2014/main" xmlns="" id="{015E5B44-20CE-4A53-8F98-D7338EB96C14}"/>
                   </a:ext>
                 </a:extLst>
               </p:cNvPr>
@@ -17184,7 +18710,7 @@
                 <p:cNvPr id="1277" name="Elipse 33">
                   <a:extLst>
                     <a:ext uri="{FF2B5EF4-FFF2-40B4-BE49-F238E27FC236}">
-                      <a16:creationId xmlns="" xmlns:a16="http://schemas.microsoft.com/office/drawing/2014/main" id="{A973CC7F-38EC-4E51-97D8-E5333A615F07}"/>
+                      <a16:creationId xmlns:a16="http://schemas.microsoft.com/office/drawing/2014/main" xmlns="" id="{A973CC7F-38EC-4E51-97D8-E5333A615F07}"/>
                     </a:ext>
                   </a:extLst>
                 </p:cNvPr>
@@ -17290,7 +18816,7 @@
                 <p:cNvPr id="1278" name="Retângulo 1277">
                   <a:extLst>
                     <a:ext uri="{FF2B5EF4-FFF2-40B4-BE49-F238E27FC236}">
-                      <a16:creationId xmlns="" xmlns:a16="http://schemas.microsoft.com/office/drawing/2014/main" id="{AA605F87-17EC-4A84-86E8-D144001BAD6C}"/>
+                      <a16:creationId xmlns:a16="http://schemas.microsoft.com/office/drawing/2014/main" xmlns="" id="{AA605F87-17EC-4A84-86E8-D144001BAD6C}"/>
                     </a:ext>
                   </a:extLst>
                 </p:cNvPr>
@@ -17340,7 +18866,7 @@
                 <p:cNvPr id="1279" name="Retângulo 1278">
                   <a:extLst>
                     <a:ext uri="{FF2B5EF4-FFF2-40B4-BE49-F238E27FC236}">
-                      <a16:creationId xmlns="" xmlns:a16="http://schemas.microsoft.com/office/drawing/2014/main" id="{3C4292B1-DD6F-4AD6-8D8D-EDE8AEEB7623}"/>
+                      <a16:creationId xmlns:a16="http://schemas.microsoft.com/office/drawing/2014/main" xmlns="" id="{3C4292B1-DD6F-4AD6-8D8D-EDE8AEEB7623}"/>
                     </a:ext>
                   </a:extLst>
                 </p:cNvPr>
@@ -17391,7 +18917,7 @@
               <p:cNvPr id="1273" name="Grupo 171">
                 <a:extLst>
                   <a:ext uri="{FF2B5EF4-FFF2-40B4-BE49-F238E27FC236}">
-                    <a16:creationId xmlns="" xmlns:a16="http://schemas.microsoft.com/office/drawing/2014/main" id="{4790C4EB-51A6-47A8-A8A8-4512E29993BF}"/>
+                    <a16:creationId xmlns:a16="http://schemas.microsoft.com/office/drawing/2014/main" xmlns="" id="{4790C4EB-51A6-47A8-A8A8-4512E29993BF}"/>
                   </a:ext>
                 </a:extLst>
               </p:cNvPr>
@@ -17412,7 +18938,7 @@
                 <p:cNvPr id="1274" name="Elipse 33">
                   <a:extLst>
                     <a:ext uri="{FF2B5EF4-FFF2-40B4-BE49-F238E27FC236}">
-                      <a16:creationId xmlns="" xmlns:a16="http://schemas.microsoft.com/office/drawing/2014/main" id="{4220AA58-9037-4EB3-B6FF-DCA59F478648}"/>
+                      <a16:creationId xmlns:a16="http://schemas.microsoft.com/office/drawing/2014/main" xmlns="" id="{4220AA58-9037-4EB3-B6FF-DCA59F478648}"/>
                     </a:ext>
                   </a:extLst>
                 </p:cNvPr>
@@ -17518,7 +19044,7 @@
                 <p:cNvPr id="1275" name="Retângulo 1274">
                   <a:extLst>
                     <a:ext uri="{FF2B5EF4-FFF2-40B4-BE49-F238E27FC236}">
-                      <a16:creationId xmlns="" xmlns:a16="http://schemas.microsoft.com/office/drawing/2014/main" id="{EDD6858E-0DAF-4AB2-8FC3-EBD8311DDD48}"/>
+                      <a16:creationId xmlns:a16="http://schemas.microsoft.com/office/drawing/2014/main" xmlns="" id="{EDD6858E-0DAF-4AB2-8FC3-EBD8311DDD48}"/>
                     </a:ext>
                   </a:extLst>
                 </p:cNvPr>
@@ -17568,7 +19094,7 @@
                 <p:cNvPr id="1276" name="Retângulo 1275">
                   <a:extLst>
                     <a:ext uri="{FF2B5EF4-FFF2-40B4-BE49-F238E27FC236}">
-                      <a16:creationId xmlns="" xmlns:a16="http://schemas.microsoft.com/office/drawing/2014/main" id="{FA39D428-0503-4DA7-B9DD-F9FF50981228}"/>
+                      <a16:creationId xmlns:a16="http://schemas.microsoft.com/office/drawing/2014/main" xmlns="" id="{FA39D428-0503-4DA7-B9DD-F9FF50981228}"/>
                     </a:ext>
                   </a:extLst>
                 </p:cNvPr>
@@ -17620,7 +19146,7 @@
             <p:cNvPr id="995" name="Grupo 183">
               <a:extLst>
                 <a:ext uri="{FF2B5EF4-FFF2-40B4-BE49-F238E27FC236}">
-                  <a16:creationId xmlns="" xmlns:a16="http://schemas.microsoft.com/office/drawing/2014/main" id="{2DC8F253-EDC2-4B94-8034-7082621E2F0C}"/>
+                  <a16:creationId xmlns:a16="http://schemas.microsoft.com/office/drawing/2014/main" xmlns="" id="{2DC8F253-EDC2-4B94-8034-7082621E2F0C}"/>
                 </a:ext>
               </a:extLst>
             </p:cNvPr>
@@ -17643,7 +19169,7 @@
               <p:cNvPr id="1255" name="Grupo 184">
                 <a:extLst>
                   <a:ext uri="{FF2B5EF4-FFF2-40B4-BE49-F238E27FC236}">
-                    <a16:creationId xmlns="" xmlns:a16="http://schemas.microsoft.com/office/drawing/2014/main" id="{CB91A65A-FE70-491F-9D01-1C582BCBD99D}"/>
+                    <a16:creationId xmlns:a16="http://schemas.microsoft.com/office/drawing/2014/main" xmlns="" id="{CB91A65A-FE70-491F-9D01-1C582BCBD99D}"/>
                   </a:ext>
                 </a:extLst>
               </p:cNvPr>
@@ -17664,7 +19190,7 @@
                 <p:cNvPr id="1268" name="Elipse 33">
                   <a:extLst>
                     <a:ext uri="{FF2B5EF4-FFF2-40B4-BE49-F238E27FC236}">
-                      <a16:creationId xmlns="" xmlns:a16="http://schemas.microsoft.com/office/drawing/2014/main" id="{15679F88-15A4-4ED2-861D-438331EB834A}"/>
+                      <a16:creationId xmlns:a16="http://schemas.microsoft.com/office/drawing/2014/main" xmlns="" id="{15679F88-15A4-4ED2-861D-438331EB834A}"/>
                     </a:ext>
                   </a:extLst>
                 </p:cNvPr>
@@ -17770,7 +19296,7 @@
                 <p:cNvPr id="1269" name="Retângulo 1268">
                   <a:extLst>
                     <a:ext uri="{FF2B5EF4-FFF2-40B4-BE49-F238E27FC236}">
-                      <a16:creationId xmlns="" xmlns:a16="http://schemas.microsoft.com/office/drawing/2014/main" id="{E3470783-EF47-4EDB-8416-DDB2DCB2EDD6}"/>
+                      <a16:creationId xmlns:a16="http://schemas.microsoft.com/office/drawing/2014/main" xmlns="" id="{E3470783-EF47-4EDB-8416-DDB2DCB2EDD6}"/>
                     </a:ext>
                   </a:extLst>
                 </p:cNvPr>
@@ -17820,7 +19346,7 @@
                 <p:cNvPr id="1270" name="Retângulo 1269">
                   <a:extLst>
                     <a:ext uri="{FF2B5EF4-FFF2-40B4-BE49-F238E27FC236}">
-                      <a16:creationId xmlns="" xmlns:a16="http://schemas.microsoft.com/office/drawing/2014/main" id="{FA1EFEE0-C966-4811-BCAC-76C20B1D3B12}"/>
+                      <a16:creationId xmlns:a16="http://schemas.microsoft.com/office/drawing/2014/main" xmlns="" id="{FA1EFEE0-C966-4811-BCAC-76C20B1D3B12}"/>
                     </a:ext>
                   </a:extLst>
                 </p:cNvPr>
@@ -17871,7 +19397,7 @@
               <p:cNvPr id="1256" name="Grupo 185">
                 <a:extLst>
                   <a:ext uri="{FF2B5EF4-FFF2-40B4-BE49-F238E27FC236}">
-                    <a16:creationId xmlns="" xmlns:a16="http://schemas.microsoft.com/office/drawing/2014/main" id="{B9DA4D65-1965-4C19-9850-84E38B8E7E75}"/>
+                    <a16:creationId xmlns:a16="http://schemas.microsoft.com/office/drawing/2014/main" xmlns="" id="{B9DA4D65-1965-4C19-9850-84E38B8E7E75}"/>
                   </a:ext>
                 </a:extLst>
               </p:cNvPr>
@@ -17892,7 +19418,7 @@
                 <p:cNvPr id="1263" name="Elipse 33">
                   <a:extLst>
                     <a:ext uri="{FF2B5EF4-FFF2-40B4-BE49-F238E27FC236}">
-                      <a16:creationId xmlns="" xmlns:a16="http://schemas.microsoft.com/office/drawing/2014/main" id="{ED1A5D2E-B500-46EE-8113-C544DB458D08}"/>
+                      <a16:creationId xmlns:a16="http://schemas.microsoft.com/office/drawing/2014/main" xmlns="" id="{ED1A5D2E-B500-46EE-8113-C544DB458D08}"/>
                     </a:ext>
                   </a:extLst>
                 </p:cNvPr>
@@ -17998,7 +19524,7 @@
                 <p:cNvPr id="1264" name="Grupo 193">
                   <a:extLst>
                     <a:ext uri="{FF2B5EF4-FFF2-40B4-BE49-F238E27FC236}">
-                      <a16:creationId xmlns="" xmlns:a16="http://schemas.microsoft.com/office/drawing/2014/main" id="{26D02EBE-B5EB-477D-B4AF-61B6C9621BEB}"/>
+                      <a16:creationId xmlns:a16="http://schemas.microsoft.com/office/drawing/2014/main" xmlns="" id="{26D02EBE-B5EB-477D-B4AF-61B6C9621BEB}"/>
                     </a:ext>
                   </a:extLst>
                 </p:cNvPr>
@@ -18019,7 +19545,7 @@
                   <p:cNvPr id="1265" name="Retângulo 1264">
                     <a:extLst>
                       <a:ext uri="{FF2B5EF4-FFF2-40B4-BE49-F238E27FC236}">
-                        <a16:creationId xmlns="" xmlns:a16="http://schemas.microsoft.com/office/drawing/2014/main" id="{D5795D06-FB8F-4BBD-87EA-29D3541CDBEE}"/>
+                        <a16:creationId xmlns:a16="http://schemas.microsoft.com/office/drawing/2014/main" xmlns="" id="{D5795D06-FB8F-4BBD-87EA-29D3541CDBEE}"/>
                       </a:ext>
                     </a:extLst>
                   </p:cNvPr>
@@ -18069,7 +19595,7 @@
                   <p:cNvPr id="1266" name="Retângulo 1265">
                     <a:extLst>
                       <a:ext uri="{FF2B5EF4-FFF2-40B4-BE49-F238E27FC236}">
-                        <a16:creationId xmlns="" xmlns:a16="http://schemas.microsoft.com/office/drawing/2014/main" id="{2F0AD953-F103-43F4-B646-D9FA32F48E5E}"/>
+                        <a16:creationId xmlns:a16="http://schemas.microsoft.com/office/drawing/2014/main" xmlns="" id="{2F0AD953-F103-43F4-B646-D9FA32F48E5E}"/>
                       </a:ext>
                     </a:extLst>
                   </p:cNvPr>
@@ -18119,7 +19645,7 @@
                   <p:cNvPr id="1267" name="Retângulo 1266">
                     <a:extLst>
                       <a:ext uri="{FF2B5EF4-FFF2-40B4-BE49-F238E27FC236}">
-                        <a16:creationId xmlns="" xmlns:a16="http://schemas.microsoft.com/office/drawing/2014/main" id="{F07F6C83-309F-4F84-932C-0C93E161826F}"/>
+                        <a16:creationId xmlns:a16="http://schemas.microsoft.com/office/drawing/2014/main" xmlns="" id="{F07F6C83-309F-4F84-932C-0C93E161826F}"/>
                       </a:ext>
                     </a:extLst>
                   </p:cNvPr>
@@ -18171,7 +19697,7 @@
               <p:cNvPr id="1257" name="Grupo 186">
                 <a:extLst>
                   <a:ext uri="{FF2B5EF4-FFF2-40B4-BE49-F238E27FC236}">
-                    <a16:creationId xmlns="" xmlns:a16="http://schemas.microsoft.com/office/drawing/2014/main" id="{E92BC331-D21E-4FEF-A8C1-E8A523A42A12}"/>
+                    <a16:creationId xmlns:a16="http://schemas.microsoft.com/office/drawing/2014/main" xmlns="" id="{E92BC331-D21E-4FEF-A8C1-E8A523A42A12}"/>
                   </a:ext>
                 </a:extLst>
               </p:cNvPr>
@@ -18192,7 +19718,7 @@
                 <p:cNvPr id="1258" name="Elipse 33">
                   <a:extLst>
                     <a:ext uri="{FF2B5EF4-FFF2-40B4-BE49-F238E27FC236}">
-                      <a16:creationId xmlns="" xmlns:a16="http://schemas.microsoft.com/office/drawing/2014/main" id="{F1F38E92-FE3F-40B0-8FE4-03C23D600418}"/>
+                      <a16:creationId xmlns:a16="http://schemas.microsoft.com/office/drawing/2014/main" xmlns="" id="{F1F38E92-FE3F-40B0-8FE4-03C23D600418}"/>
                     </a:ext>
                   </a:extLst>
                 </p:cNvPr>
@@ -18298,7 +19824,7 @@
                 <p:cNvPr id="1259" name="Grupo 188">
                   <a:extLst>
                     <a:ext uri="{FF2B5EF4-FFF2-40B4-BE49-F238E27FC236}">
-                      <a16:creationId xmlns="" xmlns:a16="http://schemas.microsoft.com/office/drawing/2014/main" id="{9FBAC8D0-649E-4CC6-9DAC-EB0A9875AB17}"/>
+                      <a16:creationId xmlns:a16="http://schemas.microsoft.com/office/drawing/2014/main" xmlns="" id="{9FBAC8D0-649E-4CC6-9DAC-EB0A9875AB17}"/>
                     </a:ext>
                   </a:extLst>
                 </p:cNvPr>
@@ -18319,7 +19845,7 @@
                   <p:cNvPr id="1260" name="Retângulo 1259">
                     <a:extLst>
                       <a:ext uri="{FF2B5EF4-FFF2-40B4-BE49-F238E27FC236}">
-                        <a16:creationId xmlns="" xmlns:a16="http://schemas.microsoft.com/office/drawing/2014/main" id="{4F4A111B-3249-46AD-B7A8-0BCA65817DBE}"/>
+                        <a16:creationId xmlns:a16="http://schemas.microsoft.com/office/drawing/2014/main" xmlns="" id="{4F4A111B-3249-46AD-B7A8-0BCA65817DBE}"/>
                       </a:ext>
                     </a:extLst>
                   </p:cNvPr>
@@ -18369,7 +19895,7 @@
                   <p:cNvPr id="1261" name="Retângulo 1260">
                     <a:extLst>
                       <a:ext uri="{FF2B5EF4-FFF2-40B4-BE49-F238E27FC236}">
-                        <a16:creationId xmlns="" xmlns:a16="http://schemas.microsoft.com/office/drawing/2014/main" id="{2AE4EF97-FE4E-4776-9CD1-49156A005D49}"/>
+                        <a16:creationId xmlns:a16="http://schemas.microsoft.com/office/drawing/2014/main" xmlns="" id="{2AE4EF97-FE4E-4776-9CD1-49156A005D49}"/>
                       </a:ext>
                     </a:extLst>
                   </p:cNvPr>
@@ -18419,7 +19945,7 @@
                   <p:cNvPr id="1262" name="Retângulo 1261">
                     <a:extLst>
                       <a:ext uri="{FF2B5EF4-FFF2-40B4-BE49-F238E27FC236}">
-                        <a16:creationId xmlns="" xmlns:a16="http://schemas.microsoft.com/office/drawing/2014/main" id="{0AC056DD-D215-4FC9-8A18-7759AA9506CA}"/>
+                        <a16:creationId xmlns:a16="http://schemas.microsoft.com/office/drawing/2014/main" xmlns="" id="{0AC056DD-D215-4FC9-8A18-7759AA9506CA}"/>
                       </a:ext>
                     </a:extLst>
                   </p:cNvPr>
@@ -18472,7 +19998,7 @@
             <p:cNvPr id="996" name="Grupo 200">
               <a:extLst>
                 <a:ext uri="{FF2B5EF4-FFF2-40B4-BE49-F238E27FC236}">
-                  <a16:creationId xmlns="" xmlns:a16="http://schemas.microsoft.com/office/drawing/2014/main" id="{27ED7A53-B7F8-43C6-9262-2DF1977511AF}"/>
+                  <a16:creationId xmlns:a16="http://schemas.microsoft.com/office/drawing/2014/main" xmlns="" id="{27ED7A53-B7F8-43C6-9262-2DF1977511AF}"/>
                 </a:ext>
               </a:extLst>
             </p:cNvPr>
@@ -18495,7 +20021,7 @@
               <p:cNvPr id="1239" name="Grupo 201">
                 <a:extLst>
                   <a:ext uri="{FF2B5EF4-FFF2-40B4-BE49-F238E27FC236}">
-                    <a16:creationId xmlns="" xmlns:a16="http://schemas.microsoft.com/office/drawing/2014/main" id="{ED2A9770-957A-42DC-A66C-57E0835713B8}"/>
+                    <a16:creationId xmlns:a16="http://schemas.microsoft.com/office/drawing/2014/main" xmlns="" id="{ED2A9770-957A-42DC-A66C-57E0835713B8}"/>
                   </a:ext>
                 </a:extLst>
               </p:cNvPr>
@@ -18516,7 +20042,7 @@
                 <p:cNvPr id="1252" name="Elipse 33">
                   <a:extLst>
                     <a:ext uri="{FF2B5EF4-FFF2-40B4-BE49-F238E27FC236}">
-                      <a16:creationId xmlns="" xmlns:a16="http://schemas.microsoft.com/office/drawing/2014/main" id="{DB2CE547-0850-4ECD-99FE-6CE3E81368B2}"/>
+                      <a16:creationId xmlns:a16="http://schemas.microsoft.com/office/drawing/2014/main" xmlns="" id="{DB2CE547-0850-4ECD-99FE-6CE3E81368B2}"/>
                     </a:ext>
                   </a:extLst>
                 </p:cNvPr>
@@ -18622,7 +20148,7 @@
                 <p:cNvPr id="1253" name="Retângulo 1252">
                   <a:extLst>
                     <a:ext uri="{FF2B5EF4-FFF2-40B4-BE49-F238E27FC236}">
-                      <a16:creationId xmlns="" xmlns:a16="http://schemas.microsoft.com/office/drawing/2014/main" id="{54D43995-DC9C-400F-B61C-3BD4B1ECE394}"/>
+                      <a16:creationId xmlns:a16="http://schemas.microsoft.com/office/drawing/2014/main" xmlns="" id="{54D43995-DC9C-400F-B61C-3BD4B1ECE394}"/>
                     </a:ext>
                   </a:extLst>
                 </p:cNvPr>
@@ -18672,7 +20198,7 @@
                 <p:cNvPr id="1254" name="Retângulo 1253">
                   <a:extLst>
                     <a:ext uri="{FF2B5EF4-FFF2-40B4-BE49-F238E27FC236}">
-                      <a16:creationId xmlns="" xmlns:a16="http://schemas.microsoft.com/office/drawing/2014/main" id="{75CE9E0E-A03C-4723-8FF4-B4EC99F0F846}"/>
+                      <a16:creationId xmlns:a16="http://schemas.microsoft.com/office/drawing/2014/main" xmlns="" id="{75CE9E0E-A03C-4723-8FF4-B4EC99F0F846}"/>
                     </a:ext>
                   </a:extLst>
                 </p:cNvPr>
@@ -18723,7 +20249,7 @@
               <p:cNvPr id="1240" name="Grupo 202">
                 <a:extLst>
                   <a:ext uri="{FF2B5EF4-FFF2-40B4-BE49-F238E27FC236}">
-                    <a16:creationId xmlns="" xmlns:a16="http://schemas.microsoft.com/office/drawing/2014/main" id="{6A51C776-AA83-40AC-9270-D7741543DED7}"/>
+                    <a16:creationId xmlns:a16="http://schemas.microsoft.com/office/drawing/2014/main" xmlns="" id="{6A51C776-AA83-40AC-9270-D7741543DED7}"/>
                   </a:ext>
                 </a:extLst>
               </p:cNvPr>
@@ -18744,7 +20270,7 @@
                 <p:cNvPr id="1247" name="Elipse 33">
                   <a:extLst>
                     <a:ext uri="{FF2B5EF4-FFF2-40B4-BE49-F238E27FC236}">
-                      <a16:creationId xmlns="" xmlns:a16="http://schemas.microsoft.com/office/drawing/2014/main" id="{8FC0BB7E-0865-4EF7-85CC-7938B585D731}"/>
+                      <a16:creationId xmlns:a16="http://schemas.microsoft.com/office/drawing/2014/main" xmlns="" id="{8FC0BB7E-0865-4EF7-85CC-7938B585D731}"/>
                     </a:ext>
                   </a:extLst>
                 </p:cNvPr>
@@ -18850,7 +20376,7 @@
                 <p:cNvPr id="1248" name="Grupo 210">
                   <a:extLst>
                     <a:ext uri="{FF2B5EF4-FFF2-40B4-BE49-F238E27FC236}">
-                      <a16:creationId xmlns="" xmlns:a16="http://schemas.microsoft.com/office/drawing/2014/main" id="{8044DC97-CF42-494B-9E51-65AC1B6A0C2C}"/>
+                      <a16:creationId xmlns:a16="http://schemas.microsoft.com/office/drawing/2014/main" xmlns="" id="{8044DC97-CF42-494B-9E51-65AC1B6A0C2C}"/>
                     </a:ext>
                   </a:extLst>
                 </p:cNvPr>
@@ -18871,7 +20397,7 @@
                   <p:cNvPr id="1249" name="Retângulo 1248">
                     <a:extLst>
                       <a:ext uri="{FF2B5EF4-FFF2-40B4-BE49-F238E27FC236}">
-                        <a16:creationId xmlns="" xmlns:a16="http://schemas.microsoft.com/office/drawing/2014/main" id="{2058BF11-2C49-40A1-AD1E-8B629C7B2A0D}"/>
+                        <a16:creationId xmlns:a16="http://schemas.microsoft.com/office/drawing/2014/main" xmlns="" id="{2058BF11-2C49-40A1-AD1E-8B629C7B2A0D}"/>
                       </a:ext>
                     </a:extLst>
                   </p:cNvPr>
@@ -18921,7 +20447,7 @@
                   <p:cNvPr id="1250" name="Retângulo 1249">
                     <a:extLst>
                       <a:ext uri="{FF2B5EF4-FFF2-40B4-BE49-F238E27FC236}">
-                        <a16:creationId xmlns="" xmlns:a16="http://schemas.microsoft.com/office/drawing/2014/main" id="{8789A371-C372-4427-A854-CD4FC6011C5D}"/>
+                        <a16:creationId xmlns:a16="http://schemas.microsoft.com/office/drawing/2014/main" xmlns="" id="{8789A371-C372-4427-A854-CD4FC6011C5D}"/>
                       </a:ext>
                     </a:extLst>
                   </p:cNvPr>
@@ -18971,7 +20497,7 @@
                   <p:cNvPr id="1251" name="Retângulo 1250">
                     <a:extLst>
                       <a:ext uri="{FF2B5EF4-FFF2-40B4-BE49-F238E27FC236}">
-                        <a16:creationId xmlns="" xmlns:a16="http://schemas.microsoft.com/office/drawing/2014/main" id="{D5160A6F-0B36-452B-A5EE-A3D5DBB7B6CD}"/>
+                        <a16:creationId xmlns:a16="http://schemas.microsoft.com/office/drawing/2014/main" xmlns="" id="{D5160A6F-0B36-452B-A5EE-A3D5DBB7B6CD}"/>
                       </a:ext>
                     </a:extLst>
                   </p:cNvPr>
@@ -19023,7 +20549,7 @@
               <p:cNvPr id="1241" name="Grupo 203">
                 <a:extLst>
                   <a:ext uri="{FF2B5EF4-FFF2-40B4-BE49-F238E27FC236}">
-                    <a16:creationId xmlns="" xmlns:a16="http://schemas.microsoft.com/office/drawing/2014/main" id="{7710E530-21D0-4D32-A348-7A3681DEECBA}"/>
+                    <a16:creationId xmlns:a16="http://schemas.microsoft.com/office/drawing/2014/main" xmlns="" id="{7710E530-21D0-4D32-A348-7A3681DEECBA}"/>
                   </a:ext>
                 </a:extLst>
               </p:cNvPr>
@@ -19044,7 +20570,7 @@
                 <p:cNvPr id="1242" name="Elipse 33">
                   <a:extLst>
                     <a:ext uri="{FF2B5EF4-FFF2-40B4-BE49-F238E27FC236}">
-                      <a16:creationId xmlns="" xmlns:a16="http://schemas.microsoft.com/office/drawing/2014/main" id="{125374C0-6084-4ED8-89A0-9D305D271547}"/>
+                      <a16:creationId xmlns:a16="http://schemas.microsoft.com/office/drawing/2014/main" xmlns="" id="{125374C0-6084-4ED8-89A0-9D305D271547}"/>
                     </a:ext>
                   </a:extLst>
                 </p:cNvPr>
@@ -19150,7 +20676,7 @@
                 <p:cNvPr id="1243" name="Grupo 205">
                   <a:extLst>
                     <a:ext uri="{FF2B5EF4-FFF2-40B4-BE49-F238E27FC236}">
-                      <a16:creationId xmlns="" xmlns:a16="http://schemas.microsoft.com/office/drawing/2014/main" id="{C5B141CB-3724-44AD-99F3-5394A52EC59B}"/>
+                      <a16:creationId xmlns:a16="http://schemas.microsoft.com/office/drawing/2014/main" xmlns="" id="{C5B141CB-3724-44AD-99F3-5394A52EC59B}"/>
                     </a:ext>
                   </a:extLst>
                 </p:cNvPr>
@@ -19171,7 +20697,7 @@
                   <p:cNvPr id="1244" name="Retângulo 1243">
                     <a:extLst>
                       <a:ext uri="{FF2B5EF4-FFF2-40B4-BE49-F238E27FC236}">
-                        <a16:creationId xmlns="" xmlns:a16="http://schemas.microsoft.com/office/drawing/2014/main" id="{A5E5A646-548C-4D55-9553-4DF95E53BC66}"/>
+                        <a16:creationId xmlns:a16="http://schemas.microsoft.com/office/drawing/2014/main" xmlns="" id="{A5E5A646-548C-4D55-9553-4DF95E53BC66}"/>
                       </a:ext>
                     </a:extLst>
                   </p:cNvPr>
@@ -19221,7 +20747,7 @@
                   <p:cNvPr id="1245" name="Retângulo 1244">
                     <a:extLst>
                       <a:ext uri="{FF2B5EF4-FFF2-40B4-BE49-F238E27FC236}">
-                        <a16:creationId xmlns="" xmlns:a16="http://schemas.microsoft.com/office/drawing/2014/main" id="{3E489D84-3136-4C77-8035-4ABB312D1E62}"/>
+                        <a16:creationId xmlns:a16="http://schemas.microsoft.com/office/drawing/2014/main" xmlns="" id="{3E489D84-3136-4C77-8035-4ABB312D1E62}"/>
                       </a:ext>
                     </a:extLst>
                   </p:cNvPr>
@@ -19271,7 +20797,7 @@
                   <p:cNvPr id="1246" name="Retângulo 1245">
                     <a:extLst>
                       <a:ext uri="{FF2B5EF4-FFF2-40B4-BE49-F238E27FC236}">
-                        <a16:creationId xmlns="" xmlns:a16="http://schemas.microsoft.com/office/drawing/2014/main" id="{B2B08686-EC79-4355-9DCD-06187410883F}"/>
+                        <a16:creationId xmlns:a16="http://schemas.microsoft.com/office/drawing/2014/main" xmlns="" id="{B2B08686-EC79-4355-9DCD-06187410883F}"/>
                       </a:ext>
                     </a:extLst>
                   </p:cNvPr>
@@ -19324,7 +20850,7 @@
             <p:cNvPr id="997" name="Grupo 217">
               <a:extLst>
                 <a:ext uri="{FF2B5EF4-FFF2-40B4-BE49-F238E27FC236}">
-                  <a16:creationId xmlns="" xmlns:a16="http://schemas.microsoft.com/office/drawing/2014/main" id="{08E8388B-4457-4542-A9DA-810F2B166F14}"/>
+                  <a16:creationId xmlns:a16="http://schemas.microsoft.com/office/drawing/2014/main" xmlns="" id="{08E8388B-4457-4542-A9DA-810F2B166F14}"/>
                 </a:ext>
               </a:extLst>
             </p:cNvPr>
@@ -19347,7 +20873,7 @@
               <p:cNvPr id="1227" name="Grupo 218">
                 <a:extLst>
                   <a:ext uri="{FF2B5EF4-FFF2-40B4-BE49-F238E27FC236}">
-                    <a16:creationId xmlns="" xmlns:a16="http://schemas.microsoft.com/office/drawing/2014/main" id="{D242A19D-65C8-4254-BC3C-6190BE71B8A6}"/>
+                    <a16:creationId xmlns:a16="http://schemas.microsoft.com/office/drawing/2014/main" xmlns="" id="{D242A19D-65C8-4254-BC3C-6190BE71B8A6}"/>
                   </a:ext>
                 </a:extLst>
               </p:cNvPr>
@@ -19368,7 +20894,7 @@
                 <p:cNvPr id="1236" name="Elipse 33">
                   <a:extLst>
                     <a:ext uri="{FF2B5EF4-FFF2-40B4-BE49-F238E27FC236}">
-                      <a16:creationId xmlns="" xmlns:a16="http://schemas.microsoft.com/office/drawing/2014/main" id="{C5E48245-AE2E-475A-9875-B38B6E26B62B}"/>
+                      <a16:creationId xmlns:a16="http://schemas.microsoft.com/office/drawing/2014/main" xmlns="" id="{C5E48245-AE2E-475A-9875-B38B6E26B62B}"/>
                     </a:ext>
                   </a:extLst>
                 </p:cNvPr>
@@ -19474,7 +21000,7 @@
                 <p:cNvPr id="1237" name="Retângulo 1236">
                   <a:extLst>
                     <a:ext uri="{FF2B5EF4-FFF2-40B4-BE49-F238E27FC236}">
-                      <a16:creationId xmlns="" xmlns:a16="http://schemas.microsoft.com/office/drawing/2014/main" id="{F916A828-92E1-44DA-8FB1-31A4CC3C497F}"/>
+                      <a16:creationId xmlns:a16="http://schemas.microsoft.com/office/drawing/2014/main" xmlns="" id="{F916A828-92E1-44DA-8FB1-31A4CC3C497F}"/>
                     </a:ext>
                   </a:extLst>
                 </p:cNvPr>
@@ -19524,7 +21050,7 @@
                 <p:cNvPr id="1238" name="Retângulo 1237">
                   <a:extLst>
                     <a:ext uri="{FF2B5EF4-FFF2-40B4-BE49-F238E27FC236}">
-                      <a16:creationId xmlns="" xmlns:a16="http://schemas.microsoft.com/office/drawing/2014/main" id="{3BC858C9-D7A1-472E-8B65-8338F9F8D14F}"/>
+                      <a16:creationId xmlns:a16="http://schemas.microsoft.com/office/drawing/2014/main" xmlns="" id="{3BC858C9-D7A1-472E-8B65-8338F9F8D14F}"/>
                     </a:ext>
                   </a:extLst>
                 </p:cNvPr>
@@ -19575,7 +21101,7 @@
               <p:cNvPr id="1228" name="Grupo 219">
                 <a:extLst>
                   <a:ext uri="{FF2B5EF4-FFF2-40B4-BE49-F238E27FC236}">
-                    <a16:creationId xmlns="" xmlns:a16="http://schemas.microsoft.com/office/drawing/2014/main" id="{4C0FED6B-9CEF-4BE2-BE1F-9F4924AD4FF6}"/>
+                    <a16:creationId xmlns:a16="http://schemas.microsoft.com/office/drawing/2014/main" xmlns="" id="{4C0FED6B-9CEF-4BE2-BE1F-9F4924AD4FF6}"/>
                   </a:ext>
                 </a:extLst>
               </p:cNvPr>
@@ -19596,7 +21122,7 @@
                 <p:cNvPr id="1233" name="Elipse 33">
                   <a:extLst>
                     <a:ext uri="{FF2B5EF4-FFF2-40B4-BE49-F238E27FC236}">
-                      <a16:creationId xmlns="" xmlns:a16="http://schemas.microsoft.com/office/drawing/2014/main" id="{2D00C342-4A8F-45EA-8D2A-10D6A0494E72}"/>
+                      <a16:creationId xmlns:a16="http://schemas.microsoft.com/office/drawing/2014/main" xmlns="" id="{2D00C342-4A8F-45EA-8D2A-10D6A0494E72}"/>
                     </a:ext>
                   </a:extLst>
                 </p:cNvPr>
@@ -19702,7 +21228,7 @@
                 <p:cNvPr id="1234" name="Retângulo 1233">
                   <a:extLst>
                     <a:ext uri="{FF2B5EF4-FFF2-40B4-BE49-F238E27FC236}">
-                      <a16:creationId xmlns="" xmlns:a16="http://schemas.microsoft.com/office/drawing/2014/main" id="{B2098D4E-F6D8-4D73-A3A4-B18147A55B97}"/>
+                      <a16:creationId xmlns:a16="http://schemas.microsoft.com/office/drawing/2014/main" xmlns="" id="{B2098D4E-F6D8-4D73-A3A4-B18147A55B97}"/>
                     </a:ext>
                   </a:extLst>
                 </p:cNvPr>
@@ -19752,7 +21278,7 @@
                 <p:cNvPr id="1235" name="Retângulo 1234">
                   <a:extLst>
                     <a:ext uri="{FF2B5EF4-FFF2-40B4-BE49-F238E27FC236}">
-                      <a16:creationId xmlns="" xmlns:a16="http://schemas.microsoft.com/office/drawing/2014/main" id="{89599353-B710-4A81-BF7F-DC2FF59025F9}"/>
+                      <a16:creationId xmlns:a16="http://schemas.microsoft.com/office/drawing/2014/main" xmlns="" id="{89599353-B710-4A81-BF7F-DC2FF59025F9}"/>
                     </a:ext>
                   </a:extLst>
                 </p:cNvPr>
@@ -19803,7 +21329,7 @@
               <p:cNvPr id="1229" name="Grupo 220">
                 <a:extLst>
                   <a:ext uri="{FF2B5EF4-FFF2-40B4-BE49-F238E27FC236}">
-                    <a16:creationId xmlns="" xmlns:a16="http://schemas.microsoft.com/office/drawing/2014/main" id="{CECAC883-2567-4E58-B3AB-D214421EBDF5}"/>
+                    <a16:creationId xmlns:a16="http://schemas.microsoft.com/office/drawing/2014/main" xmlns="" id="{CECAC883-2567-4E58-B3AB-D214421EBDF5}"/>
                   </a:ext>
                 </a:extLst>
               </p:cNvPr>
@@ -19824,7 +21350,7 @@
                 <p:cNvPr id="1230" name="Retângulo 1229">
                   <a:extLst>
                     <a:ext uri="{FF2B5EF4-FFF2-40B4-BE49-F238E27FC236}">
-                      <a16:creationId xmlns="" xmlns:a16="http://schemas.microsoft.com/office/drawing/2014/main" id="{323F3EBF-307C-450A-981C-382131C618FF}"/>
+                      <a16:creationId xmlns:a16="http://schemas.microsoft.com/office/drawing/2014/main" xmlns="" id="{323F3EBF-307C-450A-981C-382131C618FF}"/>
                     </a:ext>
                   </a:extLst>
                 </p:cNvPr>
@@ -19874,7 +21400,7 @@
                 <p:cNvPr id="1231" name="Retângulo 1230">
                   <a:extLst>
                     <a:ext uri="{FF2B5EF4-FFF2-40B4-BE49-F238E27FC236}">
-                      <a16:creationId xmlns="" xmlns:a16="http://schemas.microsoft.com/office/drawing/2014/main" id="{AA514B71-C999-4FF6-9FA1-A2E2D90C7F57}"/>
+                      <a16:creationId xmlns:a16="http://schemas.microsoft.com/office/drawing/2014/main" xmlns="" id="{AA514B71-C999-4FF6-9FA1-A2E2D90C7F57}"/>
                     </a:ext>
                   </a:extLst>
                 </p:cNvPr>
@@ -19924,7 +21450,7 @@
                 <p:cNvPr id="1232" name="Retângulo 1231">
                   <a:extLst>
                     <a:ext uri="{FF2B5EF4-FFF2-40B4-BE49-F238E27FC236}">
-                      <a16:creationId xmlns="" xmlns:a16="http://schemas.microsoft.com/office/drawing/2014/main" id="{CA0A548A-9861-4F94-906A-DB082D952A11}"/>
+                      <a16:creationId xmlns:a16="http://schemas.microsoft.com/office/drawing/2014/main" xmlns="" id="{CA0A548A-9861-4F94-906A-DB082D952A11}"/>
                     </a:ext>
                   </a:extLst>
                 </p:cNvPr>
@@ -19976,7 +21502,7 @@
             <p:cNvPr id="998" name="Elipse 33">
               <a:extLst>
                 <a:ext uri="{FF2B5EF4-FFF2-40B4-BE49-F238E27FC236}">
-                  <a16:creationId xmlns="" xmlns:a16="http://schemas.microsoft.com/office/drawing/2014/main" id="{A753BA50-261B-401C-A121-DC5D2FC56B2A}"/>
+                  <a16:creationId xmlns:a16="http://schemas.microsoft.com/office/drawing/2014/main" xmlns="" id="{A753BA50-261B-401C-A121-DC5D2FC56B2A}"/>
                 </a:ext>
               </a:extLst>
             </p:cNvPr>
@@ -20084,7 +21610,7 @@
             <p:cNvPr id="999" name="Grupo 231">
               <a:extLst>
                 <a:ext uri="{FF2B5EF4-FFF2-40B4-BE49-F238E27FC236}">
-                  <a16:creationId xmlns="" xmlns:a16="http://schemas.microsoft.com/office/drawing/2014/main" id="{0AFEA62D-A570-43A6-A790-90CA5E8D60BE}"/>
+                  <a16:creationId xmlns:a16="http://schemas.microsoft.com/office/drawing/2014/main" xmlns="" id="{0AFEA62D-A570-43A6-A790-90CA5E8D60BE}"/>
                 </a:ext>
               </a:extLst>
             </p:cNvPr>
@@ -20107,7 +21633,7 @@
               <p:cNvPr id="1210" name="Grupo 232">
                 <a:extLst>
                   <a:ext uri="{FF2B5EF4-FFF2-40B4-BE49-F238E27FC236}">
-                    <a16:creationId xmlns="" xmlns:a16="http://schemas.microsoft.com/office/drawing/2014/main" id="{360829DA-C60B-4505-989A-FD614DD10CA8}"/>
+                    <a16:creationId xmlns:a16="http://schemas.microsoft.com/office/drawing/2014/main" xmlns="" id="{360829DA-C60B-4505-989A-FD614DD10CA8}"/>
                   </a:ext>
                 </a:extLst>
               </p:cNvPr>
@@ -20128,7 +21654,7 @@
                 <p:cNvPr id="1224" name="Elipse 33">
                   <a:extLst>
                     <a:ext uri="{FF2B5EF4-FFF2-40B4-BE49-F238E27FC236}">
-                      <a16:creationId xmlns="" xmlns:a16="http://schemas.microsoft.com/office/drawing/2014/main" id="{3E4672E4-6F50-4F6B-8209-33CFA6667F1C}"/>
+                      <a16:creationId xmlns:a16="http://schemas.microsoft.com/office/drawing/2014/main" xmlns="" id="{3E4672E4-6F50-4F6B-8209-33CFA6667F1C}"/>
                     </a:ext>
                   </a:extLst>
                 </p:cNvPr>
@@ -20234,7 +21760,7 @@
                 <p:cNvPr id="1225" name="Retângulo 1224">
                   <a:extLst>
                     <a:ext uri="{FF2B5EF4-FFF2-40B4-BE49-F238E27FC236}">
-                      <a16:creationId xmlns="" xmlns:a16="http://schemas.microsoft.com/office/drawing/2014/main" id="{F75162BC-3899-475E-A001-31DD6A64656A}"/>
+                      <a16:creationId xmlns:a16="http://schemas.microsoft.com/office/drawing/2014/main" xmlns="" id="{F75162BC-3899-475E-A001-31DD6A64656A}"/>
                     </a:ext>
                   </a:extLst>
                 </p:cNvPr>
@@ -20284,7 +21810,7 @@
                 <p:cNvPr id="1226" name="Retângulo 1225">
                   <a:extLst>
                     <a:ext uri="{FF2B5EF4-FFF2-40B4-BE49-F238E27FC236}">
-                      <a16:creationId xmlns="" xmlns:a16="http://schemas.microsoft.com/office/drawing/2014/main" id="{72B40A09-528F-4882-AA88-D10EEF382F1E}"/>
+                      <a16:creationId xmlns:a16="http://schemas.microsoft.com/office/drawing/2014/main" xmlns="" id="{72B40A09-528F-4882-AA88-D10EEF382F1E}"/>
                     </a:ext>
                   </a:extLst>
                 </p:cNvPr>
@@ -20335,7 +21861,7 @@
               <p:cNvPr id="1211" name="Grupo 233">
                 <a:extLst>
                   <a:ext uri="{FF2B5EF4-FFF2-40B4-BE49-F238E27FC236}">
-                    <a16:creationId xmlns="" xmlns:a16="http://schemas.microsoft.com/office/drawing/2014/main" id="{EEC8C5A0-D830-49D7-80D7-EB4EB583D625}"/>
+                    <a16:creationId xmlns:a16="http://schemas.microsoft.com/office/drawing/2014/main" xmlns="" id="{EEC8C5A0-D830-49D7-80D7-EB4EB583D625}"/>
                   </a:ext>
                 </a:extLst>
               </p:cNvPr>
@@ -20356,7 +21882,7 @@
                 <p:cNvPr id="1219" name="Elipse 33">
                   <a:extLst>
                     <a:ext uri="{FF2B5EF4-FFF2-40B4-BE49-F238E27FC236}">
-                      <a16:creationId xmlns="" xmlns:a16="http://schemas.microsoft.com/office/drawing/2014/main" id="{0E0C9208-63B2-43E4-85D3-819C74181934}"/>
+                      <a16:creationId xmlns:a16="http://schemas.microsoft.com/office/drawing/2014/main" xmlns="" id="{0E0C9208-63B2-43E4-85D3-819C74181934}"/>
                     </a:ext>
                   </a:extLst>
                 </p:cNvPr>
@@ -20462,7 +21988,7 @@
                 <p:cNvPr id="1220" name="Grupo 242">
                   <a:extLst>
                     <a:ext uri="{FF2B5EF4-FFF2-40B4-BE49-F238E27FC236}">
-                      <a16:creationId xmlns="" xmlns:a16="http://schemas.microsoft.com/office/drawing/2014/main" id="{FBFA305D-984D-4BCD-B9EA-5810EA9B891E}"/>
+                      <a16:creationId xmlns:a16="http://schemas.microsoft.com/office/drawing/2014/main" xmlns="" id="{FBFA305D-984D-4BCD-B9EA-5810EA9B891E}"/>
                     </a:ext>
                   </a:extLst>
                 </p:cNvPr>
@@ -20483,7 +22009,7 @@
                   <p:cNvPr id="1221" name="Retângulo 1220">
                     <a:extLst>
                       <a:ext uri="{FF2B5EF4-FFF2-40B4-BE49-F238E27FC236}">
-                        <a16:creationId xmlns="" xmlns:a16="http://schemas.microsoft.com/office/drawing/2014/main" id="{30261F31-F120-4BE4-B03D-592A29BFF186}"/>
+                        <a16:creationId xmlns:a16="http://schemas.microsoft.com/office/drawing/2014/main" xmlns="" id="{30261F31-F120-4BE4-B03D-592A29BFF186}"/>
                       </a:ext>
                     </a:extLst>
                   </p:cNvPr>
@@ -20533,7 +22059,7 @@
                   <p:cNvPr id="1222" name="Retângulo 1221">
                     <a:extLst>
                       <a:ext uri="{FF2B5EF4-FFF2-40B4-BE49-F238E27FC236}">
-                        <a16:creationId xmlns="" xmlns:a16="http://schemas.microsoft.com/office/drawing/2014/main" id="{A0D1104E-7779-4E48-9FDF-1E1983DE2090}"/>
+                        <a16:creationId xmlns:a16="http://schemas.microsoft.com/office/drawing/2014/main" xmlns="" id="{A0D1104E-7779-4E48-9FDF-1E1983DE2090}"/>
                       </a:ext>
                     </a:extLst>
                   </p:cNvPr>
@@ -20583,7 +22109,7 @@
                   <p:cNvPr id="1223" name="Retângulo 1222">
                     <a:extLst>
                       <a:ext uri="{FF2B5EF4-FFF2-40B4-BE49-F238E27FC236}">
-                        <a16:creationId xmlns="" xmlns:a16="http://schemas.microsoft.com/office/drawing/2014/main" id="{524510A2-3391-4373-9356-2FA2077F88F8}"/>
+                        <a16:creationId xmlns:a16="http://schemas.microsoft.com/office/drawing/2014/main" xmlns="" id="{524510A2-3391-4373-9356-2FA2077F88F8}"/>
                       </a:ext>
                     </a:extLst>
                   </p:cNvPr>
@@ -20635,7 +22161,7 @@
               <p:cNvPr id="1212" name="Grupo 234">
                 <a:extLst>
                   <a:ext uri="{FF2B5EF4-FFF2-40B4-BE49-F238E27FC236}">
-                    <a16:creationId xmlns="" xmlns:a16="http://schemas.microsoft.com/office/drawing/2014/main" id="{BD416010-3B7C-4D32-93EF-5C77127D78AF}"/>
+                    <a16:creationId xmlns:a16="http://schemas.microsoft.com/office/drawing/2014/main" xmlns="" id="{BD416010-3B7C-4D32-93EF-5C77127D78AF}"/>
                   </a:ext>
                 </a:extLst>
               </p:cNvPr>
@@ -20656,7 +22182,7 @@
                 <p:cNvPr id="1214" name="Elipse 33">
                   <a:extLst>
                     <a:ext uri="{FF2B5EF4-FFF2-40B4-BE49-F238E27FC236}">
-                      <a16:creationId xmlns="" xmlns:a16="http://schemas.microsoft.com/office/drawing/2014/main" id="{EF447CFE-B77D-4C63-A3B3-93255330D659}"/>
+                      <a16:creationId xmlns:a16="http://schemas.microsoft.com/office/drawing/2014/main" xmlns="" id="{EF447CFE-B77D-4C63-A3B3-93255330D659}"/>
                     </a:ext>
                   </a:extLst>
                 </p:cNvPr>
@@ -20762,7 +22288,7 @@
                 <p:cNvPr id="1215" name="Grupo 237">
                   <a:extLst>
                     <a:ext uri="{FF2B5EF4-FFF2-40B4-BE49-F238E27FC236}">
-                      <a16:creationId xmlns="" xmlns:a16="http://schemas.microsoft.com/office/drawing/2014/main" id="{77872ED8-ABC5-4B60-BDAD-E7D4F51AB396}"/>
+                      <a16:creationId xmlns:a16="http://schemas.microsoft.com/office/drawing/2014/main" xmlns="" id="{77872ED8-ABC5-4B60-BDAD-E7D4F51AB396}"/>
                     </a:ext>
                   </a:extLst>
                 </p:cNvPr>
@@ -20783,7 +22309,7 @@
                   <p:cNvPr id="1216" name="Retângulo 1215">
                     <a:extLst>
                       <a:ext uri="{FF2B5EF4-FFF2-40B4-BE49-F238E27FC236}">
-                        <a16:creationId xmlns="" xmlns:a16="http://schemas.microsoft.com/office/drawing/2014/main" id="{F85BAEEC-4446-4923-A257-26D13481A528}"/>
+                        <a16:creationId xmlns:a16="http://schemas.microsoft.com/office/drawing/2014/main" xmlns="" id="{F85BAEEC-4446-4923-A257-26D13481A528}"/>
                       </a:ext>
                     </a:extLst>
                   </p:cNvPr>
@@ -20833,7 +22359,7 @@
                   <p:cNvPr id="1217" name="Retângulo 1216">
                     <a:extLst>
                       <a:ext uri="{FF2B5EF4-FFF2-40B4-BE49-F238E27FC236}">
-                        <a16:creationId xmlns="" xmlns:a16="http://schemas.microsoft.com/office/drawing/2014/main" id="{8E8D0488-EDFD-4E9C-BB00-2EE9D11D0D0C}"/>
+                        <a16:creationId xmlns:a16="http://schemas.microsoft.com/office/drawing/2014/main" xmlns="" id="{8E8D0488-EDFD-4E9C-BB00-2EE9D11D0D0C}"/>
                       </a:ext>
                     </a:extLst>
                   </p:cNvPr>
@@ -20883,7 +22409,7 @@
                   <p:cNvPr id="1218" name="Retângulo 1217">
                     <a:extLst>
                       <a:ext uri="{FF2B5EF4-FFF2-40B4-BE49-F238E27FC236}">
-                        <a16:creationId xmlns="" xmlns:a16="http://schemas.microsoft.com/office/drawing/2014/main" id="{CAF879B1-E392-40B6-BF2D-14DDE777FD49}"/>
+                        <a16:creationId xmlns:a16="http://schemas.microsoft.com/office/drawing/2014/main" xmlns="" id="{CAF879B1-E392-40B6-BF2D-14DDE777FD49}"/>
                       </a:ext>
                     </a:extLst>
                   </p:cNvPr>
@@ -20935,7 +22461,7 @@
               <p:cNvPr id="1213" name="Retângulo 1212">
                 <a:extLst>
                   <a:ext uri="{FF2B5EF4-FFF2-40B4-BE49-F238E27FC236}">
-                    <a16:creationId xmlns="" xmlns:a16="http://schemas.microsoft.com/office/drawing/2014/main" id="{7FB80AE1-2867-49AE-B9C2-11677716A3CF}"/>
+                    <a16:creationId xmlns:a16="http://schemas.microsoft.com/office/drawing/2014/main" xmlns="" id="{7FB80AE1-2867-49AE-B9C2-11677716A3CF}"/>
                   </a:ext>
                 </a:extLst>
               </p:cNvPr>
@@ -20986,7 +22512,7 @@
             <p:cNvPr id="1000" name="Grupo 249">
               <a:extLst>
                 <a:ext uri="{FF2B5EF4-FFF2-40B4-BE49-F238E27FC236}">
-                  <a16:creationId xmlns="" xmlns:a16="http://schemas.microsoft.com/office/drawing/2014/main" id="{EDA7D84A-049B-4F59-882B-72D6D481829A}"/>
+                  <a16:creationId xmlns:a16="http://schemas.microsoft.com/office/drawing/2014/main" xmlns="" id="{EDA7D84A-049B-4F59-882B-72D6D481829A}"/>
                 </a:ext>
               </a:extLst>
             </p:cNvPr>
@@ -21009,7 +22535,7 @@
               <p:cNvPr id="1202" name="Retângulo 1201">
                 <a:extLst>
                   <a:ext uri="{FF2B5EF4-FFF2-40B4-BE49-F238E27FC236}">
-                    <a16:creationId xmlns="" xmlns:a16="http://schemas.microsoft.com/office/drawing/2014/main" id="{69134FDF-D588-4A80-9784-09B31E887428}"/>
+                    <a16:creationId xmlns:a16="http://schemas.microsoft.com/office/drawing/2014/main" xmlns="" id="{69134FDF-D588-4A80-9784-09B31E887428}"/>
                   </a:ext>
                 </a:extLst>
               </p:cNvPr>
@@ -21059,7 +22585,7 @@
               <p:cNvPr id="1203" name="Grupo 316">
                 <a:extLst>
                   <a:ext uri="{FF2B5EF4-FFF2-40B4-BE49-F238E27FC236}">
-                    <a16:creationId xmlns="" xmlns:a16="http://schemas.microsoft.com/office/drawing/2014/main" id="{C49B0176-C4C3-4BE5-A21A-B5A66C86C53A}"/>
+                    <a16:creationId xmlns:a16="http://schemas.microsoft.com/office/drawing/2014/main" xmlns="" id="{C49B0176-C4C3-4BE5-A21A-B5A66C86C53A}"/>
                   </a:ext>
                 </a:extLst>
               </p:cNvPr>
@@ -21080,7 +22606,7 @@
                 <p:cNvPr id="1207" name="Retângulo 1206">
                   <a:extLst>
                     <a:ext uri="{FF2B5EF4-FFF2-40B4-BE49-F238E27FC236}">
-                      <a16:creationId xmlns="" xmlns:a16="http://schemas.microsoft.com/office/drawing/2014/main" id="{77509C1B-DF90-4A05-8DA8-9429588DDB36}"/>
+                      <a16:creationId xmlns:a16="http://schemas.microsoft.com/office/drawing/2014/main" xmlns="" id="{77509C1B-DF90-4A05-8DA8-9429588DDB36}"/>
                     </a:ext>
                   </a:extLst>
                 </p:cNvPr>
@@ -21130,7 +22656,7 @@
                 <p:cNvPr id="1208" name="Retângulo 1207">
                   <a:extLst>
                     <a:ext uri="{FF2B5EF4-FFF2-40B4-BE49-F238E27FC236}">
-                      <a16:creationId xmlns="" xmlns:a16="http://schemas.microsoft.com/office/drawing/2014/main" id="{0984E376-3AFF-4750-91B0-ECF8424F08D6}"/>
+                      <a16:creationId xmlns:a16="http://schemas.microsoft.com/office/drawing/2014/main" xmlns="" id="{0984E376-3AFF-4750-91B0-ECF8424F08D6}"/>
                     </a:ext>
                   </a:extLst>
                 </p:cNvPr>
@@ -21180,7 +22706,7 @@
                 <p:cNvPr id="1209" name="Retângulo 1208">
                   <a:extLst>
                     <a:ext uri="{FF2B5EF4-FFF2-40B4-BE49-F238E27FC236}">
-                      <a16:creationId xmlns="" xmlns:a16="http://schemas.microsoft.com/office/drawing/2014/main" id="{25401BAC-D5D8-42ED-854E-084D2875441D}"/>
+                      <a16:creationId xmlns:a16="http://schemas.microsoft.com/office/drawing/2014/main" xmlns="" id="{25401BAC-D5D8-42ED-854E-084D2875441D}"/>
                     </a:ext>
                   </a:extLst>
                 </p:cNvPr>
@@ -21231,7 +22757,7 @@
               <p:cNvPr id="1204" name="Retângulo 1203">
                 <a:extLst>
                   <a:ext uri="{FF2B5EF4-FFF2-40B4-BE49-F238E27FC236}">
-                    <a16:creationId xmlns="" xmlns:a16="http://schemas.microsoft.com/office/drawing/2014/main" id="{2D61EBB1-4899-48E4-ACE1-D93777960809}"/>
+                    <a16:creationId xmlns:a16="http://schemas.microsoft.com/office/drawing/2014/main" xmlns="" id="{2D61EBB1-4899-48E4-ACE1-D93777960809}"/>
                   </a:ext>
                 </a:extLst>
               </p:cNvPr>
@@ -21281,7 +22807,7 @@
               <p:cNvPr id="1205" name="Retângulo 1204">
                 <a:extLst>
                   <a:ext uri="{FF2B5EF4-FFF2-40B4-BE49-F238E27FC236}">
-                    <a16:creationId xmlns="" xmlns:a16="http://schemas.microsoft.com/office/drawing/2014/main" id="{4D686182-D2E6-4E50-89DA-954DD9B250C3}"/>
+                    <a16:creationId xmlns:a16="http://schemas.microsoft.com/office/drawing/2014/main" xmlns="" id="{4D686182-D2E6-4E50-89DA-954DD9B250C3}"/>
                   </a:ext>
                 </a:extLst>
               </p:cNvPr>
@@ -21331,7 +22857,7 @@
               <p:cNvPr id="1206" name="Fluxograma: Atraso 52">
                 <a:extLst>
                   <a:ext uri="{FF2B5EF4-FFF2-40B4-BE49-F238E27FC236}">
-                    <a16:creationId xmlns="" xmlns:a16="http://schemas.microsoft.com/office/drawing/2014/main" id="{005558F2-3CD4-4B80-987A-0B05F4C50D5A}"/>
+                    <a16:creationId xmlns:a16="http://schemas.microsoft.com/office/drawing/2014/main" xmlns="" id="{005558F2-3CD4-4B80-987A-0B05F4C50D5A}"/>
                   </a:ext>
                 </a:extLst>
               </p:cNvPr>
@@ -21430,7 +22956,7 @@
             <p:cNvPr id="1001" name="Grupo 323">
               <a:extLst>
                 <a:ext uri="{FF2B5EF4-FFF2-40B4-BE49-F238E27FC236}">
-                  <a16:creationId xmlns="" xmlns:a16="http://schemas.microsoft.com/office/drawing/2014/main" id="{8BE48256-B4CF-4A82-B9C1-6EE4D64AA5EB}"/>
+                  <a16:creationId xmlns:a16="http://schemas.microsoft.com/office/drawing/2014/main" xmlns="" id="{8BE48256-B4CF-4A82-B9C1-6EE4D64AA5EB}"/>
                 </a:ext>
               </a:extLst>
             </p:cNvPr>
@@ -21453,7 +22979,7 @@
               <p:cNvPr id="1198" name="Coração 55">
                 <a:extLst>
                   <a:ext uri="{FF2B5EF4-FFF2-40B4-BE49-F238E27FC236}">
-                    <a16:creationId xmlns="" xmlns:a16="http://schemas.microsoft.com/office/drawing/2014/main" id="{B06BA092-A4F8-4095-8090-54516CD3368A}"/>
+                    <a16:creationId xmlns:a16="http://schemas.microsoft.com/office/drawing/2014/main" xmlns="" id="{B06BA092-A4F8-4095-8090-54516CD3368A}"/>
                   </a:ext>
                 </a:extLst>
               </p:cNvPr>
@@ -21549,7 +23075,7 @@
               <p:cNvPr id="1199" name="Grupo 325">
                 <a:extLst>
                   <a:ext uri="{FF2B5EF4-FFF2-40B4-BE49-F238E27FC236}">
-                    <a16:creationId xmlns="" xmlns:a16="http://schemas.microsoft.com/office/drawing/2014/main" id="{5081A98D-7232-4316-8E62-D6C4CDC4D0E1}"/>
+                    <a16:creationId xmlns:a16="http://schemas.microsoft.com/office/drawing/2014/main" xmlns="" id="{5081A98D-7232-4316-8E62-D6C4CDC4D0E1}"/>
                   </a:ext>
                 </a:extLst>
               </p:cNvPr>
@@ -21570,7 +23096,7 @@
                 <p:cNvPr id="1200" name="Rosca 326">
                   <a:extLst>
                     <a:ext uri="{FF2B5EF4-FFF2-40B4-BE49-F238E27FC236}">
-                      <a16:creationId xmlns="" xmlns:a16="http://schemas.microsoft.com/office/drawing/2014/main" id="{FA33989C-8379-435D-B6EA-ADB6ABA89336}"/>
+                      <a16:creationId xmlns:a16="http://schemas.microsoft.com/office/drawing/2014/main" xmlns="" id="{FA33989C-8379-435D-B6EA-ADB6ABA89336}"/>
                     </a:ext>
                   </a:extLst>
                 </p:cNvPr>
@@ -21626,7 +23152,7 @@
                 <p:cNvPr id="1201" name="Rosca 327">
                   <a:extLst>
                     <a:ext uri="{FF2B5EF4-FFF2-40B4-BE49-F238E27FC236}">
-                      <a16:creationId xmlns="" xmlns:a16="http://schemas.microsoft.com/office/drawing/2014/main" id="{A8EA0EF0-FD99-4FDE-9292-E375C17CAB92}"/>
+                      <a16:creationId xmlns:a16="http://schemas.microsoft.com/office/drawing/2014/main" xmlns="" id="{A8EA0EF0-FD99-4FDE-9292-E375C17CAB92}"/>
                     </a:ext>
                   </a:extLst>
                 </p:cNvPr>
@@ -21686,7 +23212,7 @@
                 <p:cNvPr id="1002" name="Retângulo 1001">
                   <a:extLst>
                     <a:ext uri="{FF2B5EF4-FFF2-40B4-BE49-F238E27FC236}">
-                      <a16:creationId xmlns="" xmlns:a16="http://schemas.microsoft.com/office/drawing/2014/main" id="{A5A4B766-5A9F-48EF-8C14-D3A0DBE3E1AA}"/>
+                      <a16:creationId xmlns:a16="http://schemas.microsoft.com/office/drawing/2014/main" xmlns="" id="{A5A4B766-5A9F-48EF-8C14-D3A0DBE3E1AA}"/>
                     </a:ext>
                   </a:extLst>
                 </p:cNvPr>
@@ -21787,7 +23313,7 @@
             <p:cNvPr id="1003" name="Grupo 113">
               <a:extLst>
                 <a:ext uri="{FF2B5EF4-FFF2-40B4-BE49-F238E27FC236}">
-                  <a16:creationId xmlns="" xmlns:a16="http://schemas.microsoft.com/office/drawing/2014/main" id="{3D89F614-E619-4BA8-83F8-DE0E8D18A898}"/>
+                  <a16:creationId xmlns:a16="http://schemas.microsoft.com/office/drawing/2014/main" xmlns="" id="{3D89F614-E619-4BA8-83F8-DE0E8D18A898}"/>
                 </a:ext>
               </a:extLst>
             </p:cNvPr>
@@ -21810,7 +23336,7 @@
               <p:cNvPr id="1190" name="Grupo 114">
                 <a:extLst>
                   <a:ext uri="{FF2B5EF4-FFF2-40B4-BE49-F238E27FC236}">
-                    <a16:creationId xmlns="" xmlns:a16="http://schemas.microsoft.com/office/drawing/2014/main" id="{C56F0803-C5A3-473D-8C80-36A328ED3569}"/>
+                    <a16:creationId xmlns:a16="http://schemas.microsoft.com/office/drawing/2014/main" xmlns="" id="{C56F0803-C5A3-473D-8C80-36A328ED3569}"/>
                   </a:ext>
                 </a:extLst>
               </p:cNvPr>
@@ -21831,7 +23357,7 @@
                 <p:cNvPr id="1195" name="Elipse 33">
                   <a:extLst>
                     <a:ext uri="{FF2B5EF4-FFF2-40B4-BE49-F238E27FC236}">
-                      <a16:creationId xmlns="" xmlns:a16="http://schemas.microsoft.com/office/drawing/2014/main" id="{AF9E060D-9662-423B-8A01-F24E99834503}"/>
+                      <a16:creationId xmlns:a16="http://schemas.microsoft.com/office/drawing/2014/main" xmlns="" id="{AF9E060D-9662-423B-8A01-F24E99834503}"/>
                     </a:ext>
                   </a:extLst>
                 </p:cNvPr>
@@ -21937,7 +23463,7 @@
                 <p:cNvPr id="1196" name="Retângulo 1195">
                   <a:extLst>
                     <a:ext uri="{FF2B5EF4-FFF2-40B4-BE49-F238E27FC236}">
-                      <a16:creationId xmlns="" xmlns:a16="http://schemas.microsoft.com/office/drawing/2014/main" id="{C3D5459E-58FF-4F38-A4D6-D9AD13554E0F}"/>
+                      <a16:creationId xmlns:a16="http://schemas.microsoft.com/office/drawing/2014/main" xmlns="" id="{C3D5459E-58FF-4F38-A4D6-D9AD13554E0F}"/>
                     </a:ext>
                   </a:extLst>
                 </p:cNvPr>
@@ -21987,7 +23513,7 @@
                 <p:cNvPr id="1197" name="Retângulo 1196">
                   <a:extLst>
                     <a:ext uri="{FF2B5EF4-FFF2-40B4-BE49-F238E27FC236}">
-                      <a16:creationId xmlns="" xmlns:a16="http://schemas.microsoft.com/office/drawing/2014/main" id="{6A85C799-5FE6-410B-8C4E-3B1295463C2E}"/>
+                      <a16:creationId xmlns:a16="http://schemas.microsoft.com/office/drawing/2014/main" xmlns="" id="{6A85C799-5FE6-410B-8C4E-3B1295463C2E}"/>
                     </a:ext>
                   </a:extLst>
                 </p:cNvPr>
@@ -22038,7 +23564,7 @@
               <p:cNvPr id="1191" name="Grupo 115">
                 <a:extLst>
                   <a:ext uri="{FF2B5EF4-FFF2-40B4-BE49-F238E27FC236}">
-                    <a16:creationId xmlns="" xmlns:a16="http://schemas.microsoft.com/office/drawing/2014/main" id="{FFAFB24B-979E-4DE8-B406-D88BDD4CD6D0}"/>
+                    <a16:creationId xmlns:a16="http://schemas.microsoft.com/office/drawing/2014/main" xmlns="" id="{FFAFB24B-979E-4DE8-B406-D88BDD4CD6D0}"/>
                   </a:ext>
                 </a:extLst>
               </p:cNvPr>
@@ -22059,7 +23585,7 @@
                 <p:cNvPr id="1192" name="Elipse 33">
                   <a:extLst>
                     <a:ext uri="{FF2B5EF4-FFF2-40B4-BE49-F238E27FC236}">
-                      <a16:creationId xmlns="" xmlns:a16="http://schemas.microsoft.com/office/drawing/2014/main" id="{34F0A60C-076B-4694-8134-706DD1A5881F}"/>
+                      <a16:creationId xmlns:a16="http://schemas.microsoft.com/office/drawing/2014/main" xmlns="" id="{34F0A60C-076B-4694-8134-706DD1A5881F}"/>
                     </a:ext>
                   </a:extLst>
                 </p:cNvPr>
@@ -22165,7 +23691,7 @@
                 <p:cNvPr id="1193" name="Retângulo 1192">
                   <a:extLst>
                     <a:ext uri="{FF2B5EF4-FFF2-40B4-BE49-F238E27FC236}">
-                      <a16:creationId xmlns="" xmlns:a16="http://schemas.microsoft.com/office/drawing/2014/main" id="{925F4712-CAE0-4B8A-9235-AE2B5A63FB2E}"/>
+                      <a16:creationId xmlns:a16="http://schemas.microsoft.com/office/drawing/2014/main" xmlns="" id="{925F4712-CAE0-4B8A-9235-AE2B5A63FB2E}"/>
                     </a:ext>
                   </a:extLst>
                 </p:cNvPr>
@@ -22215,7 +23741,7 @@
                 <p:cNvPr id="1194" name="Retângulo 1193">
                   <a:extLst>
                     <a:ext uri="{FF2B5EF4-FFF2-40B4-BE49-F238E27FC236}">
-                      <a16:creationId xmlns="" xmlns:a16="http://schemas.microsoft.com/office/drawing/2014/main" id="{56CF3DAE-7141-40BA-85B8-1183991E431E}"/>
+                      <a16:creationId xmlns:a16="http://schemas.microsoft.com/office/drawing/2014/main" xmlns="" id="{56CF3DAE-7141-40BA-85B8-1183991E431E}"/>
                     </a:ext>
                   </a:extLst>
                 </p:cNvPr>
@@ -22267,7 +23793,7 @@
             <p:cNvPr id="1004" name="Grupo 91">
               <a:extLst>
                 <a:ext uri="{FF2B5EF4-FFF2-40B4-BE49-F238E27FC236}">
-                  <a16:creationId xmlns="" xmlns:a16="http://schemas.microsoft.com/office/drawing/2014/main" id="{89324E3D-54FB-4BC2-B126-0C0E23777E64}"/>
+                  <a16:creationId xmlns:a16="http://schemas.microsoft.com/office/drawing/2014/main" xmlns="" id="{89324E3D-54FB-4BC2-B126-0C0E23777E64}"/>
                 </a:ext>
               </a:extLst>
             </p:cNvPr>
@@ -22290,7 +23816,7 @@
               <p:cNvPr id="1182" name="Grupo 92">
                 <a:extLst>
                   <a:ext uri="{FF2B5EF4-FFF2-40B4-BE49-F238E27FC236}">
-                    <a16:creationId xmlns="" xmlns:a16="http://schemas.microsoft.com/office/drawing/2014/main" id="{460650E8-D2D0-47F7-B88F-775646975587}"/>
+                    <a16:creationId xmlns:a16="http://schemas.microsoft.com/office/drawing/2014/main" xmlns="" id="{460650E8-D2D0-47F7-B88F-775646975587}"/>
                   </a:ext>
                 </a:extLst>
               </p:cNvPr>
@@ -22311,7 +23837,7 @@
                 <p:cNvPr id="1187" name="Elipse 33">
                   <a:extLst>
                     <a:ext uri="{FF2B5EF4-FFF2-40B4-BE49-F238E27FC236}">
-                      <a16:creationId xmlns="" xmlns:a16="http://schemas.microsoft.com/office/drawing/2014/main" id="{6463F635-F75E-4CBF-B861-8158300C253F}"/>
+                      <a16:creationId xmlns:a16="http://schemas.microsoft.com/office/drawing/2014/main" xmlns="" id="{6463F635-F75E-4CBF-B861-8158300C253F}"/>
                     </a:ext>
                   </a:extLst>
                 </p:cNvPr>
@@ -22417,7 +23943,7 @@
                 <p:cNvPr id="1188" name="Retângulo 1187">
                   <a:extLst>
                     <a:ext uri="{FF2B5EF4-FFF2-40B4-BE49-F238E27FC236}">
-                      <a16:creationId xmlns="" xmlns:a16="http://schemas.microsoft.com/office/drawing/2014/main" id="{20CB7CBE-4CAF-4F29-A989-168E5857CAE0}"/>
+                      <a16:creationId xmlns:a16="http://schemas.microsoft.com/office/drawing/2014/main" xmlns="" id="{20CB7CBE-4CAF-4F29-A989-168E5857CAE0}"/>
                     </a:ext>
                   </a:extLst>
                 </p:cNvPr>
@@ -22467,7 +23993,7 @@
                 <p:cNvPr id="1189" name="Retângulo 1188">
                   <a:extLst>
                     <a:ext uri="{FF2B5EF4-FFF2-40B4-BE49-F238E27FC236}">
-                      <a16:creationId xmlns="" xmlns:a16="http://schemas.microsoft.com/office/drawing/2014/main" id="{53BE901E-F611-4711-99B0-F672139CF60C}"/>
+                      <a16:creationId xmlns:a16="http://schemas.microsoft.com/office/drawing/2014/main" xmlns="" id="{53BE901E-F611-4711-99B0-F672139CF60C}"/>
                     </a:ext>
                   </a:extLst>
                 </p:cNvPr>
@@ -22518,7 +24044,7 @@
               <p:cNvPr id="1183" name="Grupo 93">
                 <a:extLst>
                   <a:ext uri="{FF2B5EF4-FFF2-40B4-BE49-F238E27FC236}">
-                    <a16:creationId xmlns="" xmlns:a16="http://schemas.microsoft.com/office/drawing/2014/main" id="{099BADCE-21CE-4973-872B-D3F997A908A5}"/>
+                    <a16:creationId xmlns:a16="http://schemas.microsoft.com/office/drawing/2014/main" xmlns="" id="{099BADCE-21CE-4973-872B-D3F997A908A5}"/>
                   </a:ext>
                 </a:extLst>
               </p:cNvPr>
@@ -22539,7 +24065,7 @@
                 <p:cNvPr id="1184" name="Elipse 33">
                   <a:extLst>
                     <a:ext uri="{FF2B5EF4-FFF2-40B4-BE49-F238E27FC236}">
-                      <a16:creationId xmlns="" xmlns:a16="http://schemas.microsoft.com/office/drawing/2014/main" id="{4D2F1AB2-01B5-425D-AFB7-E0FCE796EBD4}"/>
+                      <a16:creationId xmlns:a16="http://schemas.microsoft.com/office/drawing/2014/main" xmlns="" id="{4D2F1AB2-01B5-425D-AFB7-E0FCE796EBD4}"/>
                     </a:ext>
                   </a:extLst>
                 </p:cNvPr>
@@ -22645,7 +24171,7 @@
                 <p:cNvPr id="1185" name="Retângulo 1184">
                   <a:extLst>
                     <a:ext uri="{FF2B5EF4-FFF2-40B4-BE49-F238E27FC236}">
-                      <a16:creationId xmlns="" xmlns:a16="http://schemas.microsoft.com/office/drawing/2014/main" id="{B01178D5-6103-492E-B3BD-34FED1279466}"/>
+                      <a16:creationId xmlns:a16="http://schemas.microsoft.com/office/drawing/2014/main" xmlns="" id="{B01178D5-6103-492E-B3BD-34FED1279466}"/>
                     </a:ext>
                   </a:extLst>
                 </p:cNvPr>
@@ -22695,7 +24221,7 @@
                 <p:cNvPr id="1186" name="Retângulo 1185">
                   <a:extLst>
                     <a:ext uri="{FF2B5EF4-FFF2-40B4-BE49-F238E27FC236}">
-                      <a16:creationId xmlns="" xmlns:a16="http://schemas.microsoft.com/office/drawing/2014/main" id="{49B10D7D-3873-4780-987A-0C54E66B4879}"/>
+                      <a16:creationId xmlns:a16="http://schemas.microsoft.com/office/drawing/2014/main" xmlns="" id="{49B10D7D-3873-4780-987A-0C54E66B4879}"/>
                     </a:ext>
                   </a:extLst>
                 </p:cNvPr>
@@ -22747,7 +24273,7 @@
             <p:cNvPr id="1005" name="Grupo 69">
               <a:extLst>
                 <a:ext uri="{FF2B5EF4-FFF2-40B4-BE49-F238E27FC236}">
-                  <a16:creationId xmlns="" xmlns:a16="http://schemas.microsoft.com/office/drawing/2014/main" id="{970182E6-5A6B-41AD-BB96-7AEA5B8CA2EE}"/>
+                  <a16:creationId xmlns:a16="http://schemas.microsoft.com/office/drawing/2014/main" xmlns="" id="{970182E6-5A6B-41AD-BB96-7AEA5B8CA2EE}"/>
                 </a:ext>
               </a:extLst>
             </p:cNvPr>
@@ -22770,7 +24296,7 @@
               <p:cNvPr id="1174" name="Grupo 70">
                 <a:extLst>
                   <a:ext uri="{FF2B5EF4-FFF2-40B4-BE49-F238E27FC236}">
-                    <a16:creationId xmlns="" xmlns:a16="http://schemas.microsoft.com/office/drawing/2014/main" id="{9546EED1-0D83-45B1-A4A8-1C40637F80DF}"/>
+                    <a16:creationId xmlns:a16="http://schemas.microsoft.com/office/drawing/2014/main" xmlns="" id="{9546EED1-0D83-45B1-A4A8-1C40637F80DF}"/>
                   </a:ext>
                 </a:extLst>
               </p:cNvPr>
@@ -22791,7 +24317,7 @@
                 <p:cNvPr id="1179" name="Elipse 33">
                   <a:extLst>
                     <a:ext uri="{FF2B5EF4-FFF2-40B4-BE49-F238E27FC236}">
-                      <a16:creationId xmlns="" xmlns:a16="http://schemas.microsoft.com/office/drawing/2014/main" id="{E23D7E4C-693B-4A33-AE99-D5B892326121}"/>
+                      <a16:creationId xmlns:a16="http://schemas.microsoft.com/office/drawing/2014/main" xmlns="" id="{E23D7E4C-693B-4A33-AE99-D5B892326121}"/>
                     </a:ext>
                   </a:extLst>
                 </p:cNvPr>
@@ -22897,7 +24423,7 @@
                 <p:cNvPr id="1180" name="Retângulo 1179">
                   <a:extLst>
                     <a:ext uri="{FF2B5EF4-FFF2-40B4-BE49-F238E27FC236}">
-                      <a16:creationId xmlns="" xmlns:a16="http://schemas.microsoft.com/office/drawing/2014/main" id="{0814F825-ED3D-44BA-AB6C-85D7AAA145DB}"/>
+                      <a16:creationId xmlns:a16="http://schemas.microsoft.com/office/drawing/2014/main" xmlns="" id="{0814F825-ED3D-44BA-AB6C-85D7AAA145DB}"/>
                     </a:ext>
                   </a:extLst>
                 </p:cNvPr>
@@ -22947,7 +24473,7 @@
                 <p:cNvPr id="1181" name="Retângulo 1180">
                   <a:extLst>
                     <a:ext uri="{FF2B5EF4-FFF2-40B4-BE49-F238E27FC236}">
-                      <a16:creationId xmlns="" xmlns:a16="http://schemas.microsoft.com/office/drawing/2014/main" id="{B2194175-86BB-4552-9B0D-8D42CD15B222}"/>
+                      <a16:creationId xmlns:a16="http://schemas.microsoft.com/office/drawing/2014/main" xmlns="" id="{B2194175-86BB-4552-9B0D-8D42CD15B222}"/>
                     </a:ext>
                   </a:extLst>
                 </p:cNvPr>
@@ -22998,7 +24524,7 @@
               <p:cNvPr id="1175" name="Grupo 71">
                 <a:extLst>
                   <a:ext uri="{FF2B5EF4-FFF2-40B4-BE49-F238E27FC236}">
-                    <a16:creationId xmlns="" xmlns:a16="http://schemas.microsoft.com/office/drawing/2014/main" id="{7B5F74EC-7B22-41CA-824C-4036341F73FA}"/>
+                    <a16:creationId xmlns:a16="http://schemas.microsoft.com/office/drawing/2014/main" xmlns="" id="{7B5F74EC-7B22-41CA-824C-4036341F73FA}"/>
                   </a:ext>
                 </a:extLst>
               </p:cNvPr>
@@ -23019,7 +24545,7 @@
                 <p:cNvPr id="1176" name="Elipse 33">
                   <a:extLst>
                     <a:ext uri="{FF2B5EF4-FFF2-40B4-BE49-F238E27FC236}">
-                      <a16:creationId xmlns="" xmlns:a16="http://schemas.microsoft.com/office/drawing/2014/main" id="{55399454-559E-4A22-ADBE-1D3487A50064}"/>
+                      <a16:creationId xmlns:a16="http://schemas.microsoft.com/office/drawing/2014/main" xmlns="" id="{55399454-559E-4A22-ADBE-1D3487A50064}"/>
                     </a:ext>
                   </a:extLst>
                 </p:cNvPr>
@@ -23125,7 +24651,7 @@
                 <p:cNvPr id="1177" name="Retângulo 1176">
                   <a:extLst>
                     <a:ext uri="{FF2B5EF4-FFF2-40B4-BE49-F238E27FC236}">
-                      <a16:creationId xmlns="" xmlns:a16="http://schemas.microsoft.com/office/drawing/2014/main" id="{04CAE185-942A-42E2-BFBD-5D91B08702EC}"/>
+                      <a16:creationId xmlns:a16="http://schemas.microsoft.com/office/drawing/2014/main" xmlns="" id="{04CAE185-942A-42E2-BFBD-5D91B08702EC}"/>
                     </a:ext>
                   </a:extLst>
                 </p:cNvPr>
@@ -23175,7 +24701,7 @@
                 <p:cNvPr id="1178" name="Retângulo 1177">
                   <a:extLst>
                     <a:ext uri="{FF2B5EF4-FFF2-40B4-BE49-F238E27FC236}">
-                      <a16:creationId xmlns="" xmlns:a16="http://schemas.microsoft.com/office/drawing/2014/main" id="{70A1EC37-C961-4395-81C8-40F84D511C9A}"/>
+                      <a16:creationId xmlns:a16="http://schemas.microsoft.com/office/drawing/2014/main" xmlns="" id="{70A1EC37-C961-4395-81C8-40F84D511C9A}"/>
                     </a:ext>
                   </a:extLst>
                 </p:cNvPr>
@@ -23227,7 +24753,7 @@
             <p:cNvPr id="1006" name="Grupo 78">
               <a:extLst>
                 <a:ext uri="{FF2B5EF4-FFF2-40B4-BE49-F238E27FC236}">
-                  <a16:creationId xmlns="" xmlns:a16="http://schemas.microsoft.com/office/drawing/2014/main" id="{4B628DEC-E05E-4CF8-AF44-F23E5562F6FB}"/>
+                  <a16:creationId xmlns:a16="http://schemas.microsoft.com/office/drawing/2014/main" xmlns="" id="{4B628DEC-E05E-4CF8-AF44-F23E5562F6FB}"/>
                 </a:ext>
               </a:extLst>
             </p:cNvPr>
@@ -23250,7 +24776,7 @@
               <p:cNvPr id="1162" name="Grupo 79">
                 <a:extLst>
                   <a:ext uri="{FF2B5EF4-FFF2-40B4-BE49-F238E27FC236}">
-                    <a16:creationId xmlns="" xmlns:a16="http://schemas.microsoft.com/office/drawing/2014/main" id="{3149AB7B-7D22-4636-8B45-5B7C89B457E8}"/>
+                    <a16:creationId xmlns:a16="http://schemas.microsoft.com/office/drawing/2014/main" xmlns="" id="{3149AB7B-7D22-4636-8B45-5B7C89B457E8}"/>
                   </a:ext>
                 </a:extLst>
               </p:cNvPr>
@@ -23271,7 +24797,7 @@
                 <p:cNvPr id="1169" name="Elipse 33">
                   <a:extLst>
                     <a:ext uri="{FF2B5EF4-FFF2-40B4-BE49-F238E27FC236}">
-                      <a16:creationId xmlns="" xmlns:a16="http://schemas.microsoft.com/office/drawing/2014/main" id="{1B9770E7-CAE5-4901-8CF2-917928A0DC08}"/>
+                      <a16:creationId xmlns:a16="http://schemas.microsoft.com/office/drawing/2014/main" xmlns="" id="{1B9770E7-CAE5-4901-8CF2-917928A0DC08}"/>
                     </a:ext>
                   </a:extLst>
                 </p:cNvPr>
@@ -23377,7 +24903,7 @@
                 <p:cNvPr id="1170" name="Grupo 87">
                   <a:extLst>
                     <a:ext uri="{FF2B5EF4-FFF2-40B4-BE49-F238E27FC236}">
-                      <a16:creationId xmlns="" xmlns:a16="http://schemas.microsoft.com/office/drawing/2014/main" id="{5CB8BA33-A6BB-4142-BDD0-65B37695627F}"/>
+                      <a16:creationId xmlns:a16="http://schemas.microsoft.com/office/drawing/2014/main" xmlns="" id="{5CB8BA33-A6BB-4142-BDD0-65B37695627F}"/>
                     </a:ext>
                   </a:extLst>
                 </p:cNvPr>
@@ -23398,7 +24924,7 @@
                   <p:cNvPr id="1171" name="Retângulo 1170">
                     <a:extLst>
                       <a:ext uri="{FF2B5EF4-FFF2-40B4-BE49-F238E27FC236}">
-                        <a16:creationId xmlns="" xmlns:a16="http://schemas.microsoft.com/office/drawing/2014/main" id="{B4C584B1-F14B-4C3F-8AC8-F5D95B9B3F24}"/>
+                        <a16:creationId xmlns:a16="http://schemas.microsoft.com/office/drawing/2014/main" xmlns="" id="{B4C584B1-F14B-4C3F-8AC8-F5D95B9B3F24}"/>
                       </a:ext>
                     </a:extLst>
                   </p:cNvPr>
@@ -23448,7 +24974,7 @@
                   <p:cNvPr id="1172" name="Retângulo 1171">
                     <a:extLst>
                       <a:ext uri="{FF2B5EF4-FFF2-40B4-BE49-F238E27FC236}">
-                        <a16:creationId xmlns="" xmlns:a16="http://schemas.microsoft.com/office/drawing/2014/main" id="{7401B213-B6F4-423E-8580-4168EE3FD648}"/>
+                        <a16:creationId xmlns:a16="http://schemas.microsoft.com/office/drawing/2014/main" xmlns="" id="{7401B213-B6F4-423E-8580-4168EE3FD648}"/>
                       </a:ext>
                     </a:extLst>
                   </p:cNvPr>
@@ -23498,7 +25024,7 @@
                   <p:cNvPr id="1173" name="Retângulo 1172">
                     <a:extLst>
                       <a:ext uri="{FF2B5EF4-FFF2-40B4-BE49-F238E27FC236}">
-                        <a16:creationId xmlns="" xmlns:a16="http://schemas.microsoft.com/office/drawing/2014/main" id="{264DEA0D-961A-49B7-B484-59DD7D8042DF}"/>
+                        <a16:creationId xmlns:a16="http://schemas.microsoft.com/office/drawing/2014/main" xmlns="" id="{264DEA0D-961A-49B7-B484-59DD7D8042DF}"/>
                       </a:ext>
                     </a:extLst>
                   </p:cNvPr>
@@ -23550,7 +25076,7 @@
               <p:cNvPr id="1163" name="Grupo 80">
                 <a:extLst>
                   <a:ext uri="{FF2B5EF4-FFF2-40B4-BE49-F238E27FC236}">
-                    <a16:creationId xmlns="" xmlns:a16="http://schemas.microsoft.com/office/drawing/2014/main" id="{5CA469B1-287C-41F3-9158-2C9C4CB50BDC}"/>
+                    <a16:creationId xmlns:a16="http://schemas.microsoft.com/office/drawing/2014/main" xmlns="" id="{5CA469B1-287C-41F3-9158-2C9C4CB50BDC}"/>
                   </a:ext>
                 </a:extLst>
               </p:cNvPr>
@@ -23571,7 +25097,7 @@
                 <p:cNvPr id="1164" name="Elipse 33">
                   <a:extLst>
                     <a:ext uri="{FF2B5EF4-FFF2-40B4-BE49-F238E27FC236}">
-                      <a16:creationId xmlns="" xmlns:a16="http://schemas.microsoft.com/office/drawing/2014/main" id="{66623905-31B6-4EE4-9E9E-5CF9A87AAF49}"/>
+                      <a16:creationId xmlns:a16="http://schemas.microsoft.com/office/drawing/2014/main" xmlns="" id="{66623905-31B6-4EE4-9E9E-5CF9A87AAF49}"/>
                     </a:ext>
                   </a:extLst>
                 </p:cNvPr>
@@ -23677,7 +25203,7 @@
                 <p:cNvPr id="1165" name="Grupo 82">
                   <a:extLst>
                     <a:ext uri="{FF2B5EF4-FFF2-40B4-BE49-F238E27FC236}">
-                      <a16:creationId xmlns="" xmlns:a16="http://schemas.microsoft.com/office/drawing/2014/main" id="{B2CD9BB4-857C-4FF2-B096-29FF04284C93}"/>
+                      <a16:creationId xmlns:a16="http://schemas.microsoft.com/office/drawing/2014/main" xmlns="" id="{B2CD9BB4-857C-4FF2-B096-29FF04284C93}"/>
                     </a:ext>
                   </a:extLst>
                 </p:cNvPr>
@@ -23698,7 +25224,7 @@
                   <p:cNvPr id="1166" name="Retângulo 1165">
                     <a:extLst>
                       <a:ext uri="{FF2B5EF4-FFF2-40B4-BE49-F238E27FC236}">
-                        <a16:creationId xmlns="" xmlns:a16="http://schemas.microsoft.com/office/drawing/2014/main" id="{E328DDE0-D9B0-43C0-BD1E-092B40C90F43}"/>
+                        <a16:creationId xmlns:a16="http://schemas.microsoft.com/office/drawing/2014/main" xmlns="" id="{E328DDE0-D9B0-43C0-BD1E-092B40C90F43}"/>
                       </a:ext>
                     </a:extLst>
                   </p:cNvPr>
@@ -23748,7 +25274,7 @@
                   <p:cNvPr id="1167" name="Retângulo 1166">
                     <a:extLst>
                       <a:ext uri="{FF2B5EF4-FFF2-40B4-BE49-F238E27FC236}">
-                        <a16:creationId xmlns="" xmlns:a16="http://schemas.microsoft.com/office/drawing/2014/main" id="{830C59EC-C737-4E3B-94F2-DE3B8FEBE9C3}"/>
+                        <a16:creationId xmlns:a16="http://schemas.microsoft.com/office/drawing/2014/main" xmlns="" id="{830C59EC-C737-4E3B-94F2-DE3B8FEBE9C3}"/>
                       </a:ext>
                     </a:extLst>
                   </p:cNvPr>
@@ -23798,7 +25324,7 @@
                   <p:cNvPr id="1168" name="Retângulo 1167">
                     <a:extLst>
                       <a:ext uri="{FF2B5EF4-FFF2-40B4-BE49-F238E27FC236}">
-                        <a16:creationId xmlns="" xmlns:a16="http://schemas.microsoft.com/office/drawing/2014/main" id="{FB0FE3D3-7562-4498-AAAB-B3EABFD4188B}"/>
+                        <a16:creationId xmlns:a16="http://schemas.microsoft.com/office/drawing/2014/main" xmlns="" id="{FB0FE3D3-7562-4498-AAAB-B3EABFD4188B}"/>
                       </a:ext>
                     </a:extLst>
                   </p:cNvPr>
@@ -23851,7 +25377,7 @@
             <p:cNvPr id="1007" name="Grupo 100">
               <a:extLst>
                 <a:ext uri="{FF2B5EF4-FFF2-40B4-BE49-F238E27FC236}">
-                  <a16:creationId xmlns="" xmlns:a16="http://schemas.microsoft.com/office/drawing/2014/main" id="{944DA45D-A155-4DD7-B72B-B198B813D486}"/>
+                  <a16:creationId xmlns:a16="http://schemas.microsoft.com/office/drawing/2014/main" xmlns="" id="{944DA45D-A155-4DD7-B72B-B198B813D486}"/>
                 </a:ext>
               </a:extLst>
             </p:cNvPr>
@@ -23874,7 +25400,7 @@
               <p:cNvPr id="1150" name="Grupo 101">
                 <a:extLst>
                   <a:ext uri="{FF2B5EF4-FFF2-40B4-BE49-F238E27FC236}">
-                    <a16:creationId xmlns="" xmlns:a16="http://schemas.microsoft.com/office/drawing/2014/main" id="{B86B04D3-95DE-40C8-AA1D-42B88AB9F633}"/>
+                    <a16:creationId xmlns:a16="http://schemas.microsoft.com/office/drawing/2014/main" xmlns="" id="{B86B04D3-95DE-40C8-AA1D-42B88AB9F633}"/>
                   </a:ext>
                 </a:extLst>
               </p:cNvPr>
@@ -23895,7 +25421,7 @@
                 <p:cNvPr id="1157" name="Elipse 33">
                   <a:extLst>
                     <a:ext uri="{FF2B5EF4-FFF2-40B4-BE49-F238E27FC236}">
-                      <a16:creationId xmlns="" xmlns:a16="http://schemas.microsoft.com/office/drawing/2014/main" id="{D59E3E8C-78BB-49A9-9AAE-B7B61ED3E458}"/>
+                      <a16:creationId xmlns:a16="http://schemas.microsoft.com/office/drawing/2014/main" xmlns="" id="{D59E3E8C-78BB-49A9-9AAE-B7B61ED3E458}"/>
                     </a:ext>
                   </a:extLst>
                 </p:cNvPr>
@@ -24001,7 +25527,7 @@
                 <p:cNvPr id="1158" name="Grupo 109">
                   <a:extLst>
                     <a:ext uri="{FF2B5EF4-FFF2-40B4-BE49-F238E27FC236}">
-                      <a16:creationId xmlns="" xmlns:a16="http://schemas.microsoft.com/office/drawing/2014/main" id="{65C8198E-47C6-4CDE-AD7D-19BB32B457F6}"/>
+                      <a16:creationId xmlns:a16="http://schemas.microsoft.com/office/drawing/2014/main" xmlns="" id="{65C8198E-47C6-4CDE-AD7D-19BB32B457F6}"/>
                     </a:ext>
                   </a:extLst>
                 </p:cNvPr>
@@ -24022,7 +25548,7 @@
                   <p:cNvPr id="1159" name="Retângulo 1158">
                     <a:extLst>
                       <a:ext uri="{FF2B5EF4-FFF2-40B4-BE49-F238E27FC236}">
-                        <a16:creationId xmlns="" xmlns:a16="http://schemas.microsoft.com/office/drawing/2014/main" id="{836081D1-8700-4986-92D9-11157713EE08}"/>
+                        <a16:creationId xmlns:a16="http://schemas.microsoft.com/office/drawing/2014/main" xmlns="" id="{836081D1-8700-4986-92D9-11157713EE08}"/>
                       </a:ext>
                     </a:extLst>
                   </p:cNvPr>
@@ -24072,7 +25598,7 @@
                   <p:cNvPr id="1160" name="Retângulo 1159">
                     <a:extLst>
                       <a:ext uri="{FF2B5EF4-FFF2-40B4-BE49-F238E27FC236}">
-                        <a16:creationId xmlns="" xmlns:a16="http://schemas.microsoft.com/office/drawing/2014/main" id="{8E230582-35D6-4D6B-90E6-22D668593E72}"/>
+                        <a16:creationId xmlns:a16="http://schemas.microsoft.com/office/drawing/2014/main" xmlns="" id="{8E230582-35D6-4D6B-90E6-22D668593E72}"/>
                       </a:ext>
                     </a:extLst>
                   </p:cNvPr>
@@ -24122,7 +25648,7 @@
                   <p:cNvPr id="1161" name="Retângulo 1160">
                     <a:extLst>
                       <a:ext uri="{FF2B5EF4-FFF2-40B4-BE49-F238E27FC236}">
-                        <a16:creationId xmlns="" xmlns:a16="http://schemas.microsoft.com/office/drawing/2014/main" id="{52E1690E-6D51-4BBE-9FCF-090AD43831B8}"/>
+                        <a16:creationId xmlns:a16="http://schemas.microsoft.com/office/drawing/2014/main" xmlns="" id="{52E1690E-6D51-4BBE-9FCF-090AD43831B8}"/>
                       </a:ext>
                     </a:extLst>
                   </p:cNvPr>
@@ -24174,7 +25700,7 @@
               <p:cNvPr id="1151" name="Grupo 102">
                 <a:extLst>
                   <a:ext uri="{FF2B5EF4-FFF2-40B4-BE49-F238E27FC236}">
-                    <a16:creationId xmlns="" xmlns:a16="http://schemas.microsoft.com/office/drawing/2014/main" id="{65A4FE08-2E35-4192-B97D-BA3C5931EE12}"/>
+                    <a16:creationId xmlns:a16="http://schemas.microsoft.com/office/drawing/2014/main" xmlns="" id="{65A4FE08-2E35-4192-B97D-BA3C5931EE12}"/>
                   </a:ext>
                 </a:extLst>
               </p:cNvPr>
@@ -24195,7 +25721,7 @@
                 <p:cNvPr id="1152" name="Elipse 33">
                   <a:extLst>
                     <a:ext uri="{FF2B5EF4-FFF2-40B4-BE49-F238E27FC236}">
-                      <a16:creationId xmlns="" xmlns:a16="http://schemas.microsoft.com/office/drawing/2014/main" id="{D265B89A-714B-4CDF-BCEC-C7375D3AE022}"/>
+                      <a16:creationId xmlns:a16="http://schemas.microsoft.com/office/drawing/2014/main" xmlns="" id="{D265B89A-714B-4CDF-BCEC-C7375D3AE022}"/>
                     </a:ext>
                   </a:extLst>
                 </p:cNvPr>
@@ -24301,7 +25827,7 @@
                 <p:cNvPr id="1153" name="Grupo 104">
                   <a:extLst>
                     <a:ext uri="{FF2B5EF4-FFF2-40B4-BE49-F238E27FC236}">
-                      <a16:creationId xmlns="" xmlns:a16="http://schemas.microsoft.com/office/drawing/2014/main" id="{31A6EED4-F3C9-40E8-A407-49BDC4F4F405}"/>
+                      <a16:creationId xmlns:a16="http://schemas.microsoft.com/office/drawing/2014/main" xmlns="" id="{31A6EED4-F3C9-40E8-A407-49BDC4F4F405}"/>
                     </a:ext>
                   </a:extLst>
                 </p:cNvPr>
@@ -24322,7 +25848,7 @@
                   <p:cNvPr id="1154" name="Retângulo 1153">
                     <a:extLst>
                       <a:ext uri="{FF2B5EF4-FFF2-40B4-BE49-F238E27FC236}">
-                        <a16:creationId xmlns="" xmlns:a16="http://schemas.microsoft.com/office/drawing/2014/main" id="{AADAD7E3-154C-44D1-ABA8-05903881963D}"/>
+                        <a16:creationId xmlns:a16="http://schemas.microsoft.com/office/drawing/2014/main" xmlns="" id="{AADAD7E3-154C-44D1-ABA8-05903881963D}"/>
                       </a:ext>
                     </a:extLst>
                   </p:cNvPr>
@@ -24372,7 +25898,7 @@
                   <p:cNvPr id="1155" name="Retângulo 1154">
                     <a:extLst>
                       <a:ext uri="{FF2B5EF4-FFF2-40B4-BE49-F238E27FC236}">
-                        <a16:creationId xmlns="" xmlns:a16="http://schemas.microsoft.com/office/drawing/2014/main" id="{3BB4E7BF-10A1-4476-A623-0614080F53E8}"/>
+                        <a16:creationId xmlns:a16="http://schemas.microsoft.com/office/drawing/2014/main" xmlns="" id="{3BB4E7BF-10A1-4476-A623-0614080F53E8}"/>
                       </a:ext>
                     </a:extLst>
                   </p:cNvPr>
@@ -24422,7 +25948,7 @@
                   <p:cNvPr id="1156" name="Retângulo 1155">
                     <a:extLst>
                       <a:ext uri="{FF2B5EF4-FFF2-40B4-BE49-F238E27FC236}">
-                        <a16:creationId xmlns="" xmlns:a16="http://schemas.microsoft.com/office/drawing/2014/main" id="{00E8CD5C-538D-41A1-B08A-324FC569D574}"/>
+                        <a16:creationId xmlns:a16="http://schemas.microsoft.com/office/drawing/2014/main" xmlns="" id="{00E8CD5C-538D-41A1-B08A-324FC569D574}"/>
                       </a:ext>
                     </a:extLst>
                   </p:cNvPr>
@@ -24475,7 +26001,7 @@
             <p:cNvPr id="1008" name="Grupo 122">
               <a:extLst>
                 <a:ext uri="{FF2B5EF4-FFF2-40B4-BE49-F238E27FC236}">
-                  <a16:creationId xmlns="" xmlns:a16="http://schemas.microsoft.com/office/drawing/2014/main" id="{93133184-3089-4CF7-84F8-CEBFE7ABADD8}"/>
+                  <a16:creationId xmlns:a16="http://schemas.microsoft.com/office/drawing/2014/main" xmlns="" id="{93133184-3089-4CF7-84F8-CEBFE7ABADD8}"/>
                 </a:ext>
               </a:extLst>
             </p:cNvPr>
@@ -24498,7 +26024,7 @@
               <p:cNvPr id="1138" name="Grupo 123">
                 <a:extLst>
                   <a:ext uri="{FF2B5EF4-FFF2-40B4-BE49-F238E27FC236}">
-                    <a16:creationId xmlns="" xmlns:a16="http://schemas.microsoft.com/office/drawing/2014/main" id="{DC36314C-670D-4F75-9676-6B84CC483AB3}"/>
+                    <a16:creationId xmlns:a16="http://schemas.microsoft.com/office/drawing/2014/main" xmlns="" id="{DC36314C-670D-4F75-9676-6B84CC483AB3}"/>
                   </a:ext>
                 </a:extLst>
               </p:cNvPr>
@@ -24519,7 +26045,7 @@
                 <p:cNvPr id="1145" name="Elipse 33">
                   <a:extLst>
                     <a:ext uri="{FF2B5EF4-FFF2-40B4-BE49-F238E27FC236}">
-                      <a16:creationId xmlns="" xmlns:a16="http://schemas.microsoft.com/office/drawing/2014/main" id="{50C72457-2961-4A92-879C-F83877FB1C10}"/>
+                      <a16:creationId xmlns:a16="http://schemas.microsoft.com/office/drawing/2014/main" xmlns="" id="{50C72457-2961-4A92-879C-F83877FB1C10}"/>
                     </a:ext>
                   </a:extLst>
                 </p:cNvPr>
@@ -24625,7 +26151,7 @@
                 <p:cNvPr id="1146" name="Grupo 131">
                   <a:extLst>
                     <a:ext uri="{FF2B5EF4-FFF2-40B4-BE49-F238E27FC236}">
-                      <a16:creationId xmlns="" xmlns:a16="http://schemas.microsoft.com/office/drawing/2014/main" id="{C8882164-AE3B-4660-924B-3C273671CB4E}"/>
+                      <a16:creationId xmlns:a16="http://schemas.microsoft.com/office/drawing/2014/main" xmlns="" id="{C8882164-AE3B-4660-924B-3C273671CB4E}"/>
                     </a:ext>
                   </a:extLst>
                 </p:cNvPr>
@@ -24646,7 +26172,7 @@
                   <p:cNvPr id="1147" name="Retângulo 1146">
                     <a:extLst>
                       <a:ext uri="{FF2B5EF4-FFF2-40B4-BE49-F238E27FC236}">
-                        <a16:creationId xmlns="" xmlns:a16="http://schemas.microsoft.com/office/drawing/2014/main" id="{39E13013-EDDD-4014-A15C-D7A37CFCADC9}"/>
+                        <a16:creationId xmlns:a16="http://schemas.microsoft.com/office/drawing/2014/main" xmlns="" id="{39E13013-EDDD-4014-A15C-D7A37CFCADC9}"/>
                       </a:ext>
                     </a:extLst>
                   </p:cNvPr>
@@ -24696,7 +26222,7 @@
                   <p:cNvPr id="1148" name="Retângulo 1147">
                     <a:extLst>
                       <a:ext uri="{FF2B5EF4-FFF2-40B4-BE49-F238E27FC236}">
-                        <a16:creationId xmlns="" xmlns:a16="http://schemas.microsoft.com/office/drawing/2014/main" id="{FAB1C48A-66E9-46BA-BFEA-2092852DD48C}"/>
+                        <a16:creationId xmlns:a16="http://schemas.microsoft.com/office/drawing/2014/main" xmlns="" id="{FAB1C48A-66E9-46BA-BFEA-2092852DD48C}"/>
                       </a:ext>
                     </a:extLst>
                   </p:cNvPr>
@@ -24746,7 +26272,7 @@
                   <p:cNvPr id="1149" name="Retângulo 1148">
                     <a:extLst>
                       <a:ext uri="{FF2B5EF4-FFF2-40B4-BE49-F238E27FC236}">
-                        <a16:creationId xmlns="" xmlns:a16="http://schemas.microsoft.com/office/drawing/2014/main" id="{92900DF3-9609-4201-8261-E1E5EA6C3E1E}"/>
+                        <a16:creationId xmlns:a16="http://schemas.microsoft.com/office/drawing/2014/main" xmlns="" id="{92900DF3-9609-4201-8261-E1E5EA6C3E1E}"/>
                       </a:ext>
                     </a:extLst>
                   </p:cNvPr>
@@ -24798,7 +26324,7 @@
               <p:cNvPr id="1139" name="Grupo 124">
                 <a:extLst>
                   <a:ext uri="{FF2B5EF4-FFF2-40B4-BE49-F238E27FC236}">
-                    <a16:creationId xmlns="" xmlns:a16="http://schemas.microsoft.com/office/drawing/2014/main" id="{29AA28EE-6EED-4782-A253-17545C5D9922}"/>
+                    <a16:creationId xmlns:a16="http://schemas.microsoft.com/office/drawing/2014/main" xmlns="" id="{29AA28EE-6EED-4782-A253-17545C5D9922}"/>
                   </a:ext>
                 </a:extLst>
               </p:cNvPr>
@@ -24819,7 +26345,7 @@
                 <p:cNvPr id="1140" name="Elipse 33">
                   <a:extLst>
                     <a:ext uri="{FF2B5EF4-FFF2-40B4-BE49-F238E27FC236}">
-                      <a16:creationId xmlns="" xmlns:a16="http://schemas.microsoft.com/office/drawing/2014/main" id="{BD9D72C5-3E33-4091-B317-E829DEF5C405}"/>
+                      <a16:creationId xmlns:a16="http://schemas.microsoft.com/office/drawing/2014/main" xmlns="" id="{BD9D72C5-3E33-4091-B317-E829DEF5C405}"/>
                     </a:ext>
                   </a:extLst>
                 </p:cNvPr>
@@ -24925,7 +26451,7 @@
                 <p:cNvPr id="1141" name="Grupo 126">
                   <a:extLst>
                     <a:ext uri="{FF2B5EF4-FFF2-40B4-BE49-F238E27FC236}">
-                      <a16:creationId xmlns="" xmlns:a16="http://schemas.microsoft.com/office/drawing/2014/main" id="{7F4D874F-84E2-4BA0-8D15-97646A55080A}"/>
+                      <a16:creationId xmlns:a16="http://schemas.microsoft.com/office/drawing/2014/main" xmlns="" id="{7F4D874F-84E2-4BA0-8D15-97646A55080A}"/>
                     </a:ext>
                   </a:extLst>
                 </p:cNvPr>
@@ -24946,7 +26472,7 @@
                   <p:cNvPr id="1142" name="Retângulo 1141">
                     <a:extLst>
                       <a:ext uri="{FF2B5EF4-FFF2-40B4-BE49-F238E27FC236}">
-                        <a16:creationId xmlns="" xmlns:a16="http://schemas.microsoft.com/office/drawing/2014/main" id="{7E332F49-68D2-41C2-9387-B7B956024322}"/>
+                        <a16:creationId xmlns:a16="http://schemas.microsoft.com/office/drawing/2014/main" xmlns="" id="{7E332F49-68D2-41C2-9387-B7B956024322}"/>
                       </a:ext>
                     </a:extLst>
                   </p:cNvPr>
@@ -24996,7 +26522,7 @@
                   <p:cNvPr id="1143" name="Retângulo 1142">
                     <a:extLst>
                       <a:ext uri="{FF2B5EF4-FFF2-40B4-BE49-F238E27FC236}">
-                        <a16:creationId xmlns="" xmlns:a16="http://schemas.microsoft.com/office/drawing/2014/main" id="{E8831E1C-B0CF-40F4-862A-8FC9BEE299E8}"/>
+                        <a16:creationId xmlns:a16="http://schemas.microsoft.com/office/drawing/2014/main" xmlns="" id="{E8831E1C-B0CF-40F4-862A-8FC9BEE299E8}"/>
                       </a:ext>
                     </a:extLst>
                   </p:cNvPr>
@@ -25046,7 +26572,7 @@
                   <p:cNvPr id="1144" name="Retângulo 1143">
                     <a:extLst>
                       <a:ext uri="{FF2B5EF4-FFF2-40B4-BE49-F238E27FC236}">
-                        <a16:creationId xmlns="" xmlns:a16="http://schemas.microsoft.com/office/drawing/2014/main" id="{35814917-C7CF-4676-B718-E435116B10AB}"/>
+                        <a16:creationId xmlns:a16="http://schemas.microsoft.com/office/drawing/2014/main" xmlns="" id="{35814917-C7CF-4676-B718-E435116B10AB}"/>
                       </a:ext>
                     </a:extLst>
                   </p:cNvPr>
@@ -25099,7 +26625,7 @@
             <p:cNvPr id="1009" name="Grupo 135">
               <a:extLst>
                 <a:ext uri="{FF2B5EF4-FFF2-40B4-BE49-F238E27FC236}">
-                  <a16:creationId xmlns="" xmlns:a16="http://schemas.microsoft.com/office/drawing/2014/main" id="{57C66938-091C-449F-B5F0-8FDBAE4CB3CA}"/>
+                  <a16:creationId xmlns:a16="http://schemas.microsoft.com/office/drawing/2014/main" xmlns="" id="{57C66938-091C-449F-B5F0-8FDBAE4CB3CA}"/>
                 </a:ext>
               </a:extLst>
             </p:cNvPr>
@@ -25122,7 +26648,7 @@
               <p:cNvPr id="1128" name="Grupo 136">
                 <a:extLst>
                   <a:ext uri="{FF2B5EF4-FFF2-40B4-BE49-F238E27FC236}">
-                    <a16:creationId xmlns="" xmlns:a16="http://schemas.microsoft.com/office/drawing/2014/main" id="{EE64A69F-C67B-4579-A5EC-DBCCE0A76AA2}"/>
+                    <a16:creationId xmlns:a16="http://schemas.microsoft.com/office/drawing/2014/main" xmlns="" id="{EE64A69F-C67B-4579-A5EC-DBCCE0A76AA2}"/>
                   </a:ext>
                 </a:extLst>
               </p:cNvPr>
@@ -25143,7 +26669,7 @@
                 <p:cNvPr id="1135" name="Elipse 33">
                   <a:extLst>
                     <a:ext uri="{FF2B5EF4-FFF2-40B4-BE49-F238E27FC236}">
-                      <a16:creationId xmlns="" xmlns:a16="http://schemas.microsoft.com/office/drawing/2014/main" id="{60546740-8DA4-47A9-8403-A79D6F6DF1E5}"/>
+                      <a16:creationId xmlns:a16="http://schemas.microsoft.com/office/drawing/2014/main" xmlns="" id="{60546740-8DA4-47A9-8403-A79D6F6DF1E5}"/>
                     </a:ext>
                   </a:extLst>
                 </p:cNvPr>
@@ -25249,7 +26775,7 @@
                 <p:cNvPr id="1136" name="Retângulo 1135">
                   <a:extLst>
                     <a:ext uri="{FF2B5EF4-FFF2-40B4-BE49-F238E27FC236}">
-                      <a16:creationId xmlns="" xmlns:a16="http://schemas.microsoft.com/office/drawing/2014/main" id="{052EB948-F81E-4F0B-9D51-F0EFD2BACD14}"/>
+                      <a16:creationId xmlns:a16="http://schemas.microsoft.com/office/drawing/2014/main" xmlns="" id="{052EB948-F81E-4F0B-9D51-F0EFD2BACD14}"/>
                     </a:ext>
                   </a:extLst>
                 </p:cNvPr>
@@ -25299,7 +26825,7 @@
                 <p:cNvPr id="1137" name="Retângulo 1136">
                   <a:extLst>
                     <a:ext uri="{FF2B5EF4-FFF2-40B4-BE49-F238E27FC236}">
-                      <a16:creationId xmlns="" xmlns:a16="http://schemas.microsoft.com/office/drawing/2014/main" id="{B0F4A95C-21BE-427E-A33F-22CC02E8B979}"/>
+                      <a16:creationId xmlns:a16="http://schemas.microsoft.com/office/drawing/2014/main" xmlns="" id="{B0F4A95C-21BE-427E-A33F-22CC02E8B979}"/>
                     </a:ext>
                   </a:extLst>
                 </p:cNvPr>
@@ -25350,7 +26876,7 @@
               <p:cNvPr id="1129" name="Grupo 137">
                 <a:extLst>
                   <a:ext uri="{FF2B5EF4-FFF2-40B4-BE49-F238E27FC236}">
-                    <a16:creationId xmlns="" xmlns:a16="http://schemas.microsoft.com/office/drawing/2014/main" id="{EA19AEA4-BE57-46A5-8E7F-60E06E33BF5D}"/>
+                    <a16:creationId xmlns:a16="http://schemas.microsoft.com/office/drawing/2014/main" xmlns="" id="{EA19AEA4-BE57-46A5-8E7F-60E06E33BF5D}"/>
                   </a:ext>
                 </a:extLst>
               </p:cNvPr>
@@ -25371,7 +26897,7 @@
                 <p:cNvPr id="1130" name="Elipse 33">
                   <a:extLst>
                     <a:ext uri="{FF2B5EF4-FFF2-40B4-BE49-F238E27FC236}">
-                      <a16:creationId xmlns="" xmlns:a16="http://schemas.microsoft.com/office/drawing/2014/main" id="{C3CB17BA-1238-481C-9BE1-DD00DB951305}"/>
+                      <a16:creationId xmlns:a16="http://schemas.microsoft.com/office/drawing/2014/main" xmlns="" id="{C3CB17BA-1238-481C-9BE1-DD00DB951305}"/>
                     </a:ext>
                   </a:extLst>
                 </p:cNvPr>
@@ -25477,7 +27003,7 @@
                 <p:cNvPr id="1131" name="Grupo 139">
                   <a:extLst>
                     <a:ext uri="{FF2B5EF4-FFF2-40B4-BE49-F238E27FC236}">
-                      <a16:creationId xmlns="" xmlns:a16="http://schemas.microsoft.com/office/drawing/2014/main" id="{036B60CB-BF3F-446A-B057-205C535F44F3}"/>
+                      <a16:creationId xmlns:a16="http://schemas.microsoft.com/office/drawing/2014/main" xmlns="" id="{036B60CB-BF3F-446A-B057-205C535F44F3}"/>
                     </a:ext>
                   </a:extLst>
                 </p:cNvPr>
@@ -25498,7 +27024,7 @@
                   <p:cNvPr id="1132" name="Retângulo 1131">
                     <a:extLst>
                       <a:ext uri="{FF2B5EF4-FFF2-40B4-BE49-F238E27FC236}">
-                        <a16:creationId xmlns="" xmlns:a16="http://schemas.microsoft.com/office/drawing/2014/main" id="{8BEF6479-173E-46FC-94B0-2B12548E7D69}"/>
+                        <a16:creationId xmlns:a16="http://schemas.microsoft.com/office/drawing/2014/main" xmlns="" id="{8BEF6479-173E-46FC-94B0-2B12548E7D69}"/>
                       </a:ext>
                     </a:extLst>
                   </p:cNvPr>
@@ -25548,7 +27074,7 @@
                   <p:cNvPr id="1133" name="Retângulo 1132">
                     <a:extLst>
                       <a:ext uri="{FF2B5EF4-FFF2-40B4-BE49-F238E27FC236}">
-                        <a16:creationId xmlns="" xmlns:a16="http://schemas.microsoft.com/office/drawing/2014/main" id="{614EA201-1C5E-48C4-A09D-619D0AA2CA24}"/>
+                        <a16:creationId xmlns:a16="http://schemas.microsoft.com/office/drawing/2014/main" xmlns="" id="{614EA201-1C5E-48C4-A09D-619D0AA2CA24}"/>
                       </a:ext>
                     </a:extLst>
                   </p:cNvPr>
@@ -25598,7 +27124,7 @@
                   <p:cNvPr id="1134" name="Retângulo 1133">
                     <a:extLst>
                       <a:ext uri="{FF2B5EF4-FFF2-40B4-BE49-F238E27FC236}">
-                        <a16:creationId xmlns="" xmlns:a16="http://schemas.microsoft.com/office/drawing/2014/main" id="{E5B300EF-BCA5-4769-BDB0-7D5BA15C8EC3}"/>
+                        <a16:creationId xmlns:a16="http://schemas.microsoft.com/office/drawing/2014/main" xmlns="" id="{E5B300EF-BCA5-4769-BDB0-7D5BA15C8EC3}"/>
                       </a:ext>
                     </a:extLst>
                   </p:cNvPr>
@@ -25651,7 +27177,7 @@
             <p:cNvPr id="1010" name="Grupo 146">
               <a:extLst>
                 <a:ext uri="{FF2B5EF4-FFF2-40B4-BE49-F238E27FC236}">
-                  <a16:creationId xmlns="" xmlns:a16="http://schemas.microsoft.com/office/drawing/2014/main" id="{454ECBB3-80DA-4B7C-96BB-DCC040D5A314}"/>
+                  <a16:creationId xmlns:a16="http://schemas.microsoft.com/office/drawing/2014/main" xmlns="" id="{454ECBB3-80DA-4B7C-96BB-DCC040D5A314}"/>
                 </a:ext>
               </a:extLst>
             </p:cNvPr>
@@ -25674,7 +27200,7 @@
               <p:cNvPr id="1118" name="Grupo 147">
                 <a:extLst>
                   <a:ext uri="{FF2B5EF4-FFF2-40B4-BE49-F238E27FC236}">
-                    <a16:creationId xmlns="" xmlns:a16="http://schemas.microsoft.com/office/drawing/2014/main" id="{871EB478-215F-4D3A-9F3D-4A67499BBAC0}"/>
+                    <a16:creationId xmlns:a16="http://schemas.microsoft.com/office/drawing/2014/main" xmlns="" id="{871EB478-215F-4D3A-9F3D-4A67499BBAC0}"/>
                   </a:ext>
                 </a:extLst>
               </p:cNvPr>
@@ -25695,7 +27221,7 @@
                 <p:cNvPr id="1125" name="Elipse 33">
                   <a:extLst>
                     <a:ext uri="{FF2B5EF4-FFF2-40B4-BE49-F238E27FC236}">
-                      <a16:creationId xmlns="" xmlns:a16="http://schemas.microsoft.com/office/drawing/2014/main" id="{24AB6F5B-1C40-4AA9-8101-7909571C3787}"/>
+                      <a16:creationId xmlns:a16="http://schemas.microsoft.com/office/drawing/2014/main" xmlns="" id="{24AB6F5B-1C40-4AA9-8101-7909571C3787}"/>
                     </a:ext>
                   </a:extLst>
                 </p:cNvPr>
@@ -25801,7 +27327,7 @@
                 <p:cNvPr id="1126" name="Retângulo 1125">
                   <a:extLst>
                     <a:ext uri="{FF2B5EF4-FFF2-40B4-BE49-F238E27FC236}">
-                      <a16:creationId xmlns="" xmlns:a16="http://schemas.microsoft.com/office/drawing/2014/main" id="{DFF5CBB9-14BE-49F9-99F0-FDFFC82B3445}"/>
+                      <a16:creationId xmlns:a16="http://schemas.microsoft.com/office/drawing/2014/main" xmlns="" id="{DFF5CBB9-14BE-49F9-99F0-FDFFC82B3445}"/>
                     </a:ext>
                   </a:extLst>
                 </p:cNvPr>
@@ -25851,7 +27377,7 @@
                 <p:cNvPr id="1127" name="Retângulo 1126">
                   <a:extLst>
                     <a:ext uri="{FF2B5EF4-FFF2-40B4-BE49-F238E27FC236}">
-                      <a16:creationId xmlns="" xmlns:a16="http://schemas.microsoft.com/office/drawing/2014/main" id="{CB5EB64E-4E74-401B-88AD-6AA0CF440444}"/>
+                      <a16:creationId xmlns:a16="http://schemas.microsoft.com/office/drawing/2014/main" xmlns="" id="{CB5EB64E-4E74-401B-88AD-6AA0CF440444}"/>
                     </a:ext>
                   </a:extLst>
                 </p:cNvPr>
@@ -25902,7 +27428,7 @@
               <p:cNvPr id="1119" name="Grupo 148">
                 <a:extLst>
                   <a:ext uri="{FF2B5EF4-FFF2-40B4-BE49-F238E27FC236}">
-                    <a16:creationId xmlns="" xmlns:a16="http://schemas.microsoft.com/office/drawing/2014/main" id="{FF5A4F0F-90D5-424D-8705-6A64246F2410}"/>
+                    <a16:creationId xmlns:a16="http://schemas.microsoft.com/office/drawing/2014/main" xmlns="" id="{FF5A4F0F-90D5-424D-8705-6A64246F2410}"/>
                   </a:ext>
                 </a:extLst>
               </p:cNvPr>
@@ -25923,7 +27449,7 @@
                 <p:cNvPr id="1120" name="Elipse 33">
                   <a:extLst>
                     <a:ext uri="{FF2B5EF4-FFF2-40B4-BE49-F238E27FC236}">
-                      <a16:creationId xmlns="" xmlns:a16="http://schemas.microsoft.com/office/drawing/2014/main" id="{0FF221B1-328A-4E06-B17D-CA22366C73DA}"/>
+                      <a16:creationId xmlns:a16="http://schemas.microsoft.com/office/drawing/2014/main" xmlns="" id="{0FF221B1-328A-4E06-B17D-CA22366C73DA}"/>
                     </a:ext>
                   </a:extLst>
                 </p:cNvPr>
@@ -26029,7 +27555,7 @@
                 <p:cNvPr id="1121" name="Grupo 150">
                   <a:extLst>
                     <a:ext uri="{FF2B5EF4-FFF2-40B4-BE49-F238E27FC236}">
-                      <a16:creationId xmlns="" xmlns:a16="http://schemas.microsoft.com/office/drawing/2014/main" id="{8E1978AC-B24C-4102-A5DA-35F33A8E4CFD}"/>
+                      <a16:creationId xmlns:a16="http://schemas.microsoft.com/office/drawing/2014/main" xmlns="" id="{8E1978AC-B24C-4102-A5DA-35F33A8E4CFD}"/>
                     </a:ext>
                   </a:extLst>
                 </p:cNvPr>
@@ -26050,7 +27576,7 @@
                   <p:cNvPr id="1122" name="Retângulo 1121">
                     <a:extLst>
                       <a:ext uri="{FF2B5EF4-FFF2-40B4-BE49-F238E27FC236}">
-                        <a16:creationId xmlns="" xmlns:a16="http://schemas.microsoft.com/office/drawing/2014/main" id="{AE7D3DC1-6CD3-449D-A82D-02C6F74760BE}"/>
+                        <a16:creationId xmlns:a16="http://schemas.microsoft.com/office/drawing/2014/main" xmlns="" id="{AE7D3DC1-6CD3-449D-A82D-02C6F74760BE}"/>
                       </a:ext>
                     </a:extLst>
                   </p:cNvPr>
@@ -26100,7 +27626,7 @@
                   <p:cNvPr id="1123" name="Retângulo 1122">
                     <a:extLst>
                       <a:ext uri="{FF2B5EF4-FFF2-40B4-BE49-F238E27FC236}">
-                        <a16:creationId xmlns="" xmlns:a16="http://schemas.microsoft.com/office/drawing/2014/main" id="{9FBCF0C7-518E-4DE0-A722-6D42A6F9BF28}"/>
+                        <a16:creationId xmlns:a16="http://schemas.microsoft.com/office/drawing/2014/main" xmlns="" id="{9FBCF0C7-518E-4DE0-A722-6D42A6F9BF28}"/>
                       </a:ext>
                     </a:extLst>
                   </p:cNvPr>
@@ -26150,7 +27676,7 @@
                   <p:cNvPr id="1124" name="Retângulo 1123">
                     <a:extLst>
                       <a:ext uri="{FF2B5EF4-FFF2-40B4-BE49-F238E27FC236}">
-                        <a16:creationId xmlns="" xmlns:a16="http://schemas.microsoft.com/office/drawing/2014/main" id="{96B6C8D0-B406-410E-9BD9-0E524C38C59C}"/>
+                        <a16:creationId xmlns:a16="http://schemas.microsoft.com/office/drawing/2014/main" xmlns="" id="{96B6C8D0-B406-410E-9BD9-0E524C38C59C}"/>
                       </a:ext>
                     </a:extLst>
                   </p:cNvPr>
@@ -26203,7 +27729,7 @@
             <p:cNvPr id="1011" name="Grupo 157">
               <a:extLst>
                 <a:ext uri="{FF2B5EF4-FFF2-40B4-BE49-F238E27FC236}">
-                  <a16:creationId xmlns="" xmlns:a16="http://schemas.microsoft.com/office/drawing/2014/main" id="{67C1F938-2DB2-4D2F-8426-FF27CF385F4F}"/>
+                  <a16:creationId xmlns:a16="http://schemas.microsoft.com/office/drawing/2014/main" xmlns="" id="{67C1F938-2DB2-4D2F-8426-FF27CF385F4F}"/>
                 </a:ext>
               </a:extLst>
             </p:cNvPr>
@@ -26226,7 +27752,7 @@
               <p:cNvPr id="1108" name="Grupo 158">
                 <a:extLst>
                   <a:ext uri="{FF2B5EF4-FFF2-40B4-BE49-F238E27FC236}">
-                    <a16:creationId xmlns="" xmlns:a16="http://schemas.microsoft.com/office/drawing/2014/main" id="{6116958E-AB0A-4F04-B63A-D9BC91CB13F5}"/>
+                    <a16:creationId xmlns:a16="http://schemas.microsoft.com/office/drawing/2014/main" xmlns="" id="{6116958E-AB0A-4F04-B63A-D9BC91CB13F5}"/>
                   </a:ext>
                 </a:extLst>
               </p:cNvPr>
@@ -26247,7 +27773,7 @@
                 <p:cNvPr id="1115" name="Elipse 33">
                   <a:extLst>
                     <a:ext uri="{FF2B5EF4-FFF2-40B4-BE49-F238E27FC236}">
-                      <a16:creationId xmlns="" xmlns:a16="http://schemas.microsoft.com/office/drawing/2014/main" id="{944BEA8A-91DA-4494-8695-A38CE36B1E4A}"/>
+                      <a16:creationId xmlns:a16="http://schemas.microsoft.com/office/drawing/2014/main" xmlns="" id="{944BEA8A-91DA-4494-8695-A38CE36B1E4A}"/>
                     </a:ext>
                   </a:extLst>
                 </p:cNvPr>
@@ -26353,7 +27879,7 @@
                 <p:cNvPr id="1116" name="Retângulo 1115">
                   <a:extLst>
                     <a:ext uri="{FF2B5EF4-FFF2-40B4-BE49-F238E27FC236}">
-                      <a16:creationId xmlns="" xmlns:a16="http://schemas.microsoft.com/office/drawing/2014/main" id="{5CE79134-6437-40FB-AC72-EB628C4CFEB0}"/>
+                      <a16:creationId xmlns:a16="http://schemas.microsoft.com/office/drawing/2014/main" xmlns="" id="{5CE79134-6437-40FB-AC72-EB628C4CFEB0}"/>
                     </a:ext>
                   </a:extLst>
                 </p:cNvPr>
@@ -26403,7 +27929,7 @@
                 <p:cNvPr id="1117" name="Retângulo 1116">
                   <a:extLst>
                     <a:ext uri="{FF2B5EF4-FFF2-40B4-BE49-F238E27FC236}">
-                      <a16:creationId xmlns="" xmlns:a16="http://schemas.microsoft.com/office/drawing/2014/main" id="{B2FACBB8-0520-4304-8C0B-39E64EC35751}"/>
+                      <a16:creationId xmlns:a16="http://schemas.microsoft.com/office/drawing/2014/main" xmlns="" id="{B2FACBB8-0520-4304-8C0B-39E64EC35751}"/>
                     </a:ext>
                   </a:extLst>
                 </p:cNvPr>
@@ -26454,7 +27980,7 @@
               <p:cNvPr id="1109" name="Grupo 159">
                 <a:extLst>
                   <a:ext uri="{FF2B5EF4-FFF2-40B4-BE49-F238E27FC236}">
-                    <a16:creationId xmlns="" xmlns:a16="http://schemas.microsoft.com/office/drawing/2014/main" id="{7F1D133E-D877-49A7-8004-78BC69D4BC6F}"/>
+                    <a16:creationId xmlns:a16="http://schemas.microsoft.com/office/drawing/2014/main" xmlns="" id="{7F1D133E-D877-49A7-8004-78BC69D4BC6F}"/>
                   </a:ext>
                 </a:extLst>
               </p:cNvPr>
@@ -26475,7 +28001,7 @@
                 <p:cNvPr id="1110" name="Elipse 33">
                   <a:extLst>
                     <a:ext uri="{FF2B5EF4-FFF2-40B4-BE49-F238E27FC236}">
-                      <a16:creationId xmlns="" xmlns:a16="http://schemas.microsoft.com/office/drawing/2014/main" id="{3C199C43-DCD0-465B-AA71-43C1C1F1AB42}"/>
+                      <a16:creationId xmlns:a16="http://schemas.microsoft.com/office/drawing/2014/main" xmlns="" id="{3C199C43-DCD0-465B-AA71-43C1C1F1AB42}"/>
                     </a:ext>
                   </a:extLst>
                 </p:cNvPr>
@@ -26581,7 +28107,7 @@
                 <p:cNvPr id="1111" name="Grupo 161">
                   <a:extLst>
                     <a:ext uri="{FF2B5EF4-FFF2-40B4-BE49-F238E27FC236}">
-                      <a16:creationId xmlns="" xmlns:a16="http://schemas.microsoft.com/office/drawing/2014/main" id="{0253757D-5FF9-4C44-B4F4-6B088B88B854}"/>
+                      <a16:creationId xmlns:a16="http://schemas.microsoft.com/office/drawing/2014/main" xmlns="" id="{0253757D-5FF9-4C44-B4F4-6B088B88B854}"/>
                     </a:ext>
                   </a:extLst>
                 </p:cNvPr>
@@ -26602,7 +28128,7 @@
                   <p:cNvPr id="1112" name="Retângulo 1111">
                     <a:extLst>
                       <a:ext uri="{FF2B5EF4-FFF2-40B4-BE49-F238E27FC236}">
-                        <a16:creationId xmlns="" xmlns:a16="http://schemas.microsoft.com/office/drawing/2014/main" id="{3D894E50-D547-4AEA-9C9E-12CAA22AA814}"/>
+                        <a16:creationId xmlns:a16="http://schemas.microsoft.com/office/drawing/2014/main" xmlns="" id="{3D894E50-D547-4AEA-9C9E-12CAA22AA814}"/>
                       </a:ext>
                     </a:extLst>
                   </p:cNvPr>
@@ -26652,7 +28178,7 @@
                   <p:cNvPr id="1113" name="Retângulo 1112">
                     <a:extLst>
                       <a:ext uri="{FF2B5EF4-FFF2-40B4-BE49-F238E27FC236}">
-                        <a16:creationId xmlns="" xmlns:a16="http://schemas.microsoft.com/office/drawing/2014/main" id="{F79B9F6F-51AC-461B-9D17-BD3239085525}"/>
+                        <a16:creationId xmlns:a16="http://schemas.microsoft.com/office/drawing/2014/main" xmlns="" id="{F79B9F6F-51AC-461B-9D17-BD3239085525}"/>
                       </a:ext>
                     </a:extLst>
                   </p:cNvPr>
@@ -26702,7 +28228,7 @@
                   <p:cNvPr id="1114" name="Retângulo 1113">
                     <a:extLst>
                       <a:ext uri="{FF2B5EF4-FFF2-40B4-BE49-F238E27FC236}">
-                        <a16:creationId xmlns="" xmlns:a16="http://schemas.microsoft.com/office/drawing/2014/main" id="{DBF47740-E281-4978-ABDA-E499EAA0B958}"/>
+                        <a16:creationId xmlns:a16="http://schemas.microsoft.com/office/drawing/2014/main" xmlns="" id="{DBF47740-E281-4978-ABDA-E499EAA0B958}"/>
                       </a:ext>
                     </a:extLst>
                   </p:cNvPr>
@@ -26755,7 +28281,7 @@
             <p:cNvPr id="1012" name="Grupo 168">
               <a:extLst>
                 <a:ext uri="{FF2B5EF4-FFF2-40B4-BE49-F238E27FC236}">
-                  <a16:creationId xmlns="" xmlns:a16="http://schemas.microsoft.com/office/drawing/2014/main" id="{A9CCB15F-3340-493D-8C97-967000C2275C}"/>
+                  <a16:creationId xmlns:a16="http://schemas.microsoft.com/office/drawing/2014/main" xmlns="" id="{A9CCB15F-3340-493D-8C97-967000C2275C}"/>
                 </a:ext>
               </a:extLst>
             </p:cNvPr>
@@ -26778,7 +28304,7 @@
               <p:cNvPr id="1094" name="Grupo 169">
                 <a:extLst>
                   <a:ext uri="{FF2B5EF4-FFF2-40B4-BE49-F238E27FC236}">
-                    <a16:creationId xmlns="" xmlns:a16="http://schemas.microsoft.com/office/drawing/2014/main" id="{865A54DB-B368-4C49-99F4-455BEEE850C5}"/>
+                    <a16:creationId xmlns:a16="http://schemas.microsoft.com/office/drawing/2014/main" xmlns="" id="{865A54DB-B368-4C49-99F4-455BEEE850C5}"/>
                   </a:ext>
                 </a:extLst>
               </p:cNvPr>
@@ -26799,7 +28325,7 @@
                 <p:cNvPr id="1103" name="Elipse 33">
                   <a:extLst>
                     <a:ext uri="{FF2B5EF4-FFF2-40B4-BE49-F238E27FC236}">
-                      <a16:creationId xmlns="" xmlns:a16="http://schemas.microsoft.com/office/drawing/2014/main" id="{957E1A21-ECD5-49E8-967A-9DA6F360EC8E}"/>
+                      <a16:creationId xmlns:a16="http://schemas.microsoft.com/office/drawing/2014/main" xmlns="" id="{957E1A21-ECD5-49E8-967A-9DA6F360EC8E}"/>
                     </a:ext>
                   </a:extLst>
                 </p:cNvPr>
@@ -26905,7 +28431,7 @@
                 <p:cNvPr id="1104" name="Grupo 179">
                   <a:extLst>
                     <a:ext uri="{FF2B5EF4-FFF2-40B4-BE49-F238E27FC236}">
-                      <a16:creationId xmlns="" xmlns:a16="http://schemas.microsoft.com/office/drawing/2014/main" id="{75EC3609-F17A-46FB-B68F-320AF5DA87B6}"/>
+                      <a16:creationId xmlns:a16="http://schemas.microsoft.com/office/drawing/2014/main" xmlns="" id="{75EC3609-F17A-46FB-B68F-320AF5DA87B6}"/>
                     </a:ext>
                   </a:extLst>
                 </p:cNvPr>
@@ -26926,7 +28452,7 @@
                   <p:cNvPr id="1105" name="Retângulo 1104">
                     <a:extLst>
                       <a:ext uri="{FF2B5EF4-FFF2-40B4-BE49-F238E27FC236}">
-                        <a16:creationId xmlns="" xmlns:a16="http://schemas.microsoft.com/office/drawing/2014/main" id="{79EDC7B1-EC55-4A9F-89B2-17A19BDD9A0F}"/>
+                        <a16:creationId xmlns:a16="http://schemas.microsoft.com/office/drawing/2014/main" xmlns="" id="{79EDC7B1-EC55-4A9F-89B2-17A19BDD9A0F}"/>
                       </a:ext>
                     </a:extLst>
                   </p:cNvPr>
@@ -26976,7 +28502,7 @@
                   <p:cNvPr id="1106" name="Retângulo 1105">
                     <a:extLst>
                       <a:ext uri="{FF2B5EF4-FFF2-40B4-BE49-F238E27FC236}">
-                        <a16:creationId xmlns="" xmlns:a16="http://schemas.microsoft.com/office/drawing/2014/main" id="{AE689B89-681D-424C-9235-318E6730443E}"/>
+                        <a16:creationId xmlns:a16="http://schemas.microsoft.com/office/drawing/2014/main" xmlns="" id="{AE689B89-681D-424C-9235-318E6730443E}"/>
                       </a:ext>
                     </a:extLst>
                   </p:cNvPr>
@@ -27026,7 +28552,7 @@
                   <p:cNvPr id="1107" name="Retângulo 1106">
                     <a:extLst>
                       <a:ext uri="{FF2B5EF4-FFF2-40B4-BE49-F238E27FC236}">
-                        <a16:creationId xmlns="" xmlns:a16="http://schemas.microsoft.com/office/drawing/2014/main" id="{6236DE8B-47A4-451B-A365-F884FA3C858E}"/>
+                        <a16:creationId xmlns:a16="http://schemas.microsoft.com/office/drawing/2014/main" xmlns="" id="{6236DE8B-47A4-451B-A365-F884FA3C858E}"/>
                       </a:ext>
                     </a:extLst>
                   </p:cNvPr>
@@ -27078,7 +28604,7 @@
               <p:cNvPr id="1095" name="Grupo 170">
                 <a:extLst>
                   <a:ext uri="{FF2B5EF4-FFF2-40B4-BE49-F238E27FC236}">
-                    <a16:creationId xmlns="" xmlns:a16="http://schemas.microsoft.com/office/drawing/2014/main" id="{015E5B44-20CE-4A53-8F98-D7338EB96C14}"/>
+                    <a16:creationId xmlns:a16="http://schemas.microsoft.com/office/drawing/2014/main" xmlns="" id="{015E5B44-20CE-4A53-8F98-D7338EB96C14}"/>
                   </a:ext>
                 </a:extLst>
               </p:cNvPr>
@@ -27099,7 +28625,7 @@
                 <p:cNvPr id="1100" name="Elipse 33">
                   <a:extLst>
                     <a:ext uri="{FF2B5EF4-FFF2-40B4-BE49-F238E27FC236}">
-                      <a16:creationId xmlns="" xmlns:a16="http://schemas.microsoft.com/office/drawing/2014/main" id="{A973CC7F-38EC-4E51-97D8-E5333A615F07}"/>
+                      <a16:creationId xmlns:a16="http://schemas.microsoft.com/office/drawing/2014/main" xmlns="" id="{A973CC7F-38EC-4E51-97D8-E5333A615F07}"/>
                     </a:ext>
                   </a:extLst>
                 </p:cNvPr>
@@ -27205,7 +28731,7 @@
                 <p:cNvPr id="1101" name="Retângulo 1100">
                   <a:extLst>
                     <a:ext uri="{FF2B5EF4-FFF2-40B4-BE49-F238E27FC236}">
-                      <a16:creationId xmlns="" xmlns:a16="http://schemas.microsoft.com/office/drawing/2014/main" id="{AA605F87-17EC-4A84-86E8-D144001BAD6C}"/>
+                      <a16:creationId xmlns:a16="http://schemas.microsoft.com/office/drawing/2014/main" xmlns="" id="{AA605F87-17EC-4A84-86E8-D144001BAD6C}"/>
                     </a:ext>
                   </a:extLst>
                 </p:cNvPr>
@@ -27255,7 +28781,7 @@
                 <p:cNvPr id="1102" name="Retângulo 1101">
                   <a:extLst>
                     <a:ext uri="{FF2B5EF4-FFF2-40B4-BE49-F238E27FC236}">
-                      <a16:creationId xmlns="" xmlns:a16="http://schemas.microsoft.com/office/drawing/2014/main" id="{3C4292B1-DD6F-4AD6-8D8D-EDE8AEEB7623}"/>
+                      <a16:creationId xmlns:a16="http://schemas.microsoft.com/office/drawing/2014/main" xmlns="" id="{3C4292B1-DD6F-4AD6-8D8D-EDE8AEEB7623}"/>
                     </a:ext>
                   </a:extLst>
                 </p:cNvPr>
@@ -27306,7 +28832,7 @@
               <p:cNvPr id="1096" name="Grupo 171">
                 <a:extLst>
                   <a:ext uri="{FF2B5EF4-FFF2-40B4-BE49-F238E27FC236}">
-                    <a16:creationId xmlns="" xmlns:a16="http://schemas.microsoft.com/office/drawing/2014/main" id="{4790C4EB-51A6-47A8-A8A8-4512E29993BF}"/>
+                    <a16:creationId xmlns:a16="http://schemas.microsoft.com/office/drawing/2014/main" xmlns="" id="{4790C4EB-51A6-47A8-A8A8-4512E29993BF}"/>
                   </a:ext>
                 </a:extLst>
               </p:cNvPr>
@@ -27327,7 +28853,7 @@
                 <p:cNvPr id="1097" name="Elipse 33">
                   <a:extLst>
                     <a:ext uri="{FF2B5EF4-FFF2-40B4-BE49-F238E27FC236}">
-                      <a16:creationId xmlns="" xmlns:a16="http://schemas.microsoft.com/office/drawing/2014/main" id="{4220AA58-9037-4EB3-B6FF-DCA59F478648}"/>
+                      <a16:creationId xmlns:a16="http://schemas.microsoft.com/office/drawing/2014/main" xmlns="" id="{4220AA58-9037-4EB3-B6FF-DCA59F478648}"/>
                     </a:ext>
                   </a:extLst>
                 </p:cNvPr>
@@ -27433,7 +28959,7 @@
                 <p:cNvPr id="1098" name="Retângulo 1097">
                   <a:extLst>
                     <a:ext uri="{FF2B5EF4-FFF2-40B4-BE49-F238E27FC236}">
-                      <a16:creationId xmlns="" xmlns:a16="http://schemas.microsoft.com/office/drawing/2014/main" id="{EDD6858E-0DAF-4AB2-8FC3-EBD8311DDD48}"/>
+                      <a16:creationId xmlns:a16="http://schemas.microsoft.com/office/drawing/2014/main" xmlns="" id="{EDD6858E-0DAF-4AB2-8FC3-EBD8311DDD48}"/>
                     </a:ext>
                   </a:extLst>
                 </p:cNvPr>
@@ -27483,7 +29009,7 @@
                 <p:cNvPr id="1099" name="Retângulo 1098">
                   <a:extLst>
                     <a:ext uri="{FF2B5EF4-FFF2-40B4-BE49-F238E27FC236}">
-                      <a16:creationId xmlns="" xmlns:a16="http://schemas.microsoft.com/office/drawing/2014/main" id="{FA39D428-0503-4DA7-B9DD-F9FF50981228}"/>
+                      <a16:creationId xmlns:a16="http://schemas.microsoft.com/office/drawing/2014/main" xmlns="" id="{FA39D428-0503-4DA7-B9DD-F9FF50981228}"/>
                     </a:ext>
                   </a:extLst>
                 </p:cNvPr>
@@ -27535,7 +29061,7 @@
             <p:cNvPr id="1013" name="Grupo 183">
               <a:extLst>
                 <a:ext uri="{FF2B5EF4-FFF2-40B4-BE49-F238E27FC236}">
-                  <a16:creationId xmlns="" xmlns:a16="http://schemas.microsoft.com/office/drawing/2014/main" id="{2DC8F253-EDC2-4B94-8034-7082621E2F0C}"/>
+                  <a16:creationId xmlns:a16="http://schemas.microsoft.com/office/drawing/2014/main" xmlns="" id="{2DC8F253-EDC2-4B94-8034-7082621E2F0C}"/>
                 </a:ext>
               </a:extLst>
             </p:cNvPr>
@@ -27558,7 +29084,7 @@
               <p:cNvPr id="1078" name="Grupo 184">
                 <a:extLst>
                   <a:ext uri="{FF2B5EF4-FFF2-40B4-BE49-F238E27FC236}">
-                    <a16:creationId xmlns="" xmlns:a16="http://schemas.microsoft.com/office/drawing/2014/main" id="{CB91A65A-FE70-491F-9D01-1C582BCBD99D}"/>
+                    <a16:creationId xmlns:a16="http://schemas.microsoft.com/office/drawing/2014/main" xmlns="" id="{CB91A65A-FE70-491F-9D01-1C582BCBD99D}"/>
                   </a:ext>
                 </a:extLst>
               </p:cNvPr>
@@ -27579,7 +29105,7 @@
                 <p:cNvPr id="1091" name="Elipse 33">
                   <a:extLst>
                     <a:ext uri="{FF2B5EF4-FFF2-40B4-BE49-F238E27FC236}">
-                      <a16:creationId xmlns="" xmlns:a16="http://schemas.microsoft.com/office/drawing/2014/main" id="{15679F88-15A4-4ED2-861D-438331EB834A}"/>
+                      <a16:creationId xmlns:a16="http://schemas.microsoft.com/office/drawing/2014/main" xmlns="" id="{15679F88-15A4-4ED2-861D-438331EB834A}"/>
                     </a:ext>
                   </a:extLst>
                 </p:cNvPr>
@@ -27685,7 +29211,7 @@
                 <p:cNvPr id="1092" name="Retângulo 1091">
                   <a:extLst>
                     <a:ext uri="{FF2B5EF4-FFF2-40B4-BE49-F238E27FC236}">
-                      <a16:creationId xmlns="" xmlns:a16="http://schemas.microsoft.com/office/drawing/2014/main" id="{E3470783-EF47-4EDB-8416-DDB2DCB2EDD6}"/>
+                      <a16:creationId xmlns:a16="http://schemas.microsoft.com/office/drawing/2014/main" xmlns="" id="{E3470783-EF47-4EDB-8416-DDB2DCB2EDD6}"/>
                     </a:ext>
                   </a:extLst>
                 </p:cNvPr>
@@ -27735,7 +29261,7 @@
                 <p:cNvPr id="1093" name="Retângulo 1092">
                   <a:extLst>
                     <a:ext uri="{FF2B5EF4-FFF2-40B4-BE49-F238E27FC236}">
-                      <a16:creationId xmlns="" xmlns:a16="http://schemas.microsoft.com/office/drawing/2014/main" id="{FA1EFEE0-C966-4811-BCAC-76C20B1D3B12}"/>
+                      <a16:creationId xmlns:a16="http://schemas.microsoft.com/office/drawing/2014/main" xmlns="" id="{FA1EFEE0-C966-4811-BCAC-76C20B1D3B12}"/>
                     </a:ext>
                   </a:extLst>
                 </p:cNvPr>
@@ -27786,7 +29312,7 @@
               <p:cNvPr id="1079" name="Grupo 185">
                 <a:extLst>
                   <a:ext uri="{FF2B5EF4-FFF2-40B4-BE49-F238E27FC236}">
-                    <a16:creationId xmlns="" xmlns:a16="http://schemas.microsoft.com/office/drawing/2014/main" id="{B9DA4D65-1965-4C19-9850-84E38B8E7E75}"/>
+                    <a16:creationId xmlns:a16="http://schemas.microsoft.com/office/drawing/2014/main" xmlns="" id="{B9DA4D65-1965-4C19-9850-84E38B8E7E75}"/>
                   </a:ext>
                 </a:extLst>
               </p:cNvPr>
@@ -27807,7 +29333,7 @@
                 <p:cNvPr id="1086" name="Elipse 33">
                   <a:extLst>
                     <a:ext uri="{FF2B5EF4-FFF2-40B4-BE49-F238E27FC236}">
-                      <a16:creationId xmlns="" xmlns:a16="http://schemas.microsoft.com/office/drawing/2014/main" id="{ED1A5D2E-B500-46EE-8113-C544DB458D08}"/>
+                      <a16:creationId xmlns:a16="http://schemas.microsoft.com/office/drawing/2014/main" xmlns="" id="{ED1A5D2E-B500-46EE-8113-C544DB458D08}"/>
                     </a:ext>
                   </a:extLst>
                 </p:cNvPr>
@@ -27913,7 +29439,7 @@
                 <p:cNvPr id="1087" name="Grupo 193">
                   <a:extLst>
                     <a:ext uri="{FF2B5EF4-FFF2-40B4-BE49-F238E27FC236}">
-                      <a16:creationId xmlns="" xmlns:a16="http://schemas.microsoft.com/office/drawing/2014/main" id="{26D02EBE-B5EB-477D-B4AF-61B6C9621BEB}"/>
+                      <a16:creationId xmlns:a16="http://schemas.microsoft.com/office/drawing/2014/main" xmlns="" id="{26D02EBE-B5EB-477D-B4AF-61B6C9621BEB}"/>
                     </a:ext>
                   </a:extLst>
                 </p:cNvPr>
@@ -27934,7 +29460,7 @@
                   <p:cNvPr id="1088" name="Retângulo 1087">
                     <a:extLst>
                       <a:ext uri="{FF2B5EF4-FFF2-40B4-BE49-F238E27FC236}">
-                        <a16:creationId xmlns="" xmlns:a16="http://schemas.microsoft.com/office/drawing/2014/main" id="{D5795D06-FB8F-4BBD-87EA-29D3541CDBEE}"/>
+                        <a16:creationId xmlns:a16="http://schemas.microsoft.com/office/drawing/2014/main" xmlns="" id="{D5795D06-FB8F-4BBD-87EA-29D3541CDBEE}"/>
                       </a:ext>
                     </a:extLst>
                   </p:cNvPr>
@@ -27984,7 +29510,7 @@
                   <p:cNvPr id="1089" name="Retângulo 1088">
                     <a:extLst>
                       <a:ext uri="{FF2B5EF4-FFF2-40B4-BE49-F238E27FC236}">
-                        <a16:creationId xmlns="" xmlns:a16="http://schemas.microsoft.com/office/drawing/2014/main" id="{2F0AD953-F103-43F4-B646-D9FA32F48E5E}"/>
+                        <a16:creationId xmlns:a16="http://schemas.microsoft.com/office/drawing/2014/main" xmlns="" id="{2F0AD953-F103-43F4-B646-D9FA32F48E5E}"/>
                       </a:ext>
                     </a:extLst>
                   </p:cNvPr>
@@ -28034,7 +29560,7 @@
                   <p:cNvPr id="1090" name="Retângulo 1089">
                     <a:extLst>
                       <a:ext uri="{FF2B5EF4-FFF2-40B4-BE49-F238E27FC236}">
-                        <a16:creationId xmlns="" xmlns:a16="http://schemas.microsoft.com/office/drawing/2014/main" id="{F07F6C83-309F-4F84-932C-0C93E161826F}"/>
+                        <a16:creationId xmlns:a16="http://schemas.microsoft.com/office/drawing/2014/main" xmlns="" id="{F07F6C83-309F-4F84-932C-0C93E161826F}"/>
                       </a:ext>
                     </a:extLst>
                   </p:cNvPr>
@@ -28086,7 +29612,7 @@
               <p:cNvPr id="1080" name="Grupo 186">
                 <a:extLst>
                   <a:ext uri="{FF2B5EF4-FFF2-40B4-BE49-F238E27FC236}">
-                    <a16:creationId xmlns="" xmlns:a16="http://schemas.microsoft.com/office/drawing/2014/main" id="{E92BC331-D21E-4FEF-A8C1-E8A523A42A12}"/>
+                    <a16:creationId xmlns:a16="http://schemas.microsoft.com/office/drawing/2014/main" xmlns="" id="{E92BC331-D21E-4FEF-A8C1-E8A523A42A12}"/>
                   </a:ext>
                 </a:extLst>
               </p:cNvPr>
@@ -28107,7 +29633,7 @@
                 <p:cNvPr id="1081" name="Elipse 33">
                   <a:extLst>
                     <a:ext uri="{FF2B5EF4-FFF2-40B4-BE49-F238E27FC236}">
-                      <a16:creationId xmlns="" xmlns:a16="http://schemas.microsoft.com/office/drawing/2014/main" id="{F1F38E92-FE3F-40B0-8FE4-03C23D600418}"/>
+                      <a16:creationId xmlns:a16="http://schemas.microsoft.com/office/drawing/2014/main" xmlns="" id="{F1F38E92-FE3F-40B0-8FE4-03C23D600418}"/>
                     </a:ext>
                   </a:extLst>
                 </p:cNvPr>
@@ -28213,7 +29739,7 @@
                 <p:cNvPr id="1082" name="Grupo 188">
                   <a:extLst>
                     <a:ext uri="{FF2B5EF4-FFF2-40B4-BE49-F238E27FC236}">
-                      <a16:creationId xmlns="" xmlns:a16="http://schemas.microsoft.com/office/drawing/2014/main" id="{9FBAC8D0-649E-4CC6-9DAC-EB0A9875AB17}"/>
+                      <a16:creationId xmlns:a16="http://schemas.microsoft.com/office/drawing/2014/main" xmlns="" id="{9FBAC8D0-649E-4CC6-9DAC-EB0A9875AB17}"/>
                     </a:ext>
                   </a:extLst>
                 </p:cNvPr>
@@ -28234,7 +29760,7 @@
                   <p:cNvPr id="1083" name="Retângulo 1082">
                     <a:extLst>
                       <a:ext uri="{FF2B5EF4-FFF2-40B4-BE49-F238E27FC236}">
-                        <a16:creationId xmlns="" xmlns:a16="http://schemas.microsoft.com/office/drawing/2014/main" id="{4F4A111B-3249-46AD-B7A8-0BCA65817DBE}"/>
+                        <a16:creationId xmlns:a16="http://schemas.microsoft.com/office/drawing/2014/main" xmlns="" id="{4F4A111B-3249-46AD-B7A8-0BCA65817DBE}"/>
                       </a:ext>
                     </a:extLst>
                   </p:cNvPr>
@@ -28284,7 +29810,7 @@
                   <p:cNvPr id="1084" name="Retângulo 1083">
                     <a:extLst>
                       <a:ext uri="{FF2B5EF4-FFF2-40B4-BE49-F238E27FC236}">
-                        <a16:creationId xmlns="" xmlns:a16="http://schemas.microsoft.com/office/drawing/2014/main" id="{2AE4EF97-FE4E-4776-9CD1-49156A005D49}"/>
+                        <a16:creationId xmlns:a16="http://schemas.microsoft.com/office/drawing/2014/main" xmlns="" id="{2AE4EF97-FE4E-4776-9CD1-49156A005D49}"/>
                       </a:ext>
                     </a:extLst>
                   </p:cNvPr>
@@ -28334,7 +29860,7 @@
                   <p:cNvPr id="1085" name="Retângulo 1084">
                     <a:extLst>
                       <a:ext uri="{FF2B5EF4-FFF2-40B4-BE49-F238E27FC236}">
-                        <a16:creationId xmlns="" xmlns:a16="http://schemas.microsoft.com/office/drawing/2014/main" id="{0AC056DD-D215-4FC9-8A18-7759AA9506CA}"/>
+                        <a16:creationId xmlns:a16="http://schemas.microsoft.com/office/drawing/2014/main" xmlns="" id="{0AC056DD-D215-4FC9-8A18-7759AA9506CA}"/>
                       </a:ext>
                     </a:extLst>
                   </p:cNvPr>
@@ -28387,7 +29913,7 @@
             <p:cNvPr id="1014" name="Grupo 200">
               <a:extLst>
                 <a:ext uri="{FF2B5EF4-FFF2-40B4-BE49-F238E27FC236}">
-                  <a16:creationId xmlns="" xmlns:a16="http://schemas.microsoft.com/office/drawing/2014/main" id="{27ED7A53-B7F8-43C6-9262-2DF1977511AF}"/>
+                  <a16:creationId xmlns:a16="http://schemas.microsoft.com/office/drawing/2014/main" xmlns="" id="{27ED7A53-B7F8-43C6-9262-2DF1977511AF}"/>
                 </a:ext>
               </a:extLst>
             </p:cNvPr>
@@ -28410,7 +29936,7 @@
               <p:cNvPr id="1062" name="Grupo 201">
                 <a:extLst>
                   <a:ext uri="{FF2B5EF4-FFF2-40B4-BE49-F238E27FC236}">
-                    <a16:creationId xmlns="" xmlns:a16="http://schemas.microsoft.com/office/drawing/2014/main" id="{ED2A9770-957A-42DC-A66C-57E0835713B8}"/>
+                    <a16:creationId xmlns:a16="http://schemas.microsoft.com/office/drawing/2014/main" xmlns="" id="{ED2A9770-957A-42DC-A66C-57E0835713B8}"/>
                   </a:ext>
                 </a:extLst>
               </p:cNvPr>
@@ -28431,7 +29957,7 @@
                 <p:cNvPr id="1075" name="Elipse 33">
                   <a:extLst>
                     <a:ext uri="{FF2B5EF4-FFF2-40B4-BE49-F238E27FC236}">
-                      <a16:creationId xmlns="" xmlns:a16="http://schemas.microsoft.com/office/drawing/2014/main" id="{DB2CE547-0850-4ECD-99FE-6CE3E81368B2}"/>
+                      <a16:creationId xmlns:a16="http://schemas.microsoft.com/office/drawing/2014/main" xmlns="" id="{DB2CE547-0850-4ECD-99FE-6CE3E81368B2}"/>
                     </a:ext>
                   </a:extLst>
                 </p:cNvPr>
@@ -28537,7 +30063,7 @@
                 <p:cNvPr id="1076" name="Retângulo 1075">
                   <a:extLst>
                     <a:ext uri="{FF2B5EF4-FFF2-40B4-BE49-F238E27FC236}">
-                      <a16:creationId xmlns="" xmlns:a16="http://schemas.microsoft.com/office/drawing/2014/main" id="{54D43995-DC9C-400F-B61C-3BD4B1ECE394}"/>
+                      <a16:creationId xmlns:a16="http://schemas.microsoft.com/office/drawing/2014/main" xmlns="" id="{54D43995-DC9C-400F-B61C-3BD4B1ECE394}"/>
                     </a:ext>
                   </a:extLst>
                 </p:cNvPr>
@@ -28587,7 +30113,7 @@
                 <p:cNvPr id="1077" name="Retângulo 1076">
                   <a:extLst>
                     <a:ext uri="{FF2B5EF4-FFF2-40B4-BE49-F238E27FC236}">
-                      <a16:creationId xmlns="" xmlns:a16="http://schemas.microsoft.com/office/drawing/2014/main" id="{75CE9E0E-A03C-4723-8FF4-B4EC99F0F846}"/>
+                      <a16:creationId xmlns:a16="http://schemas.microsoft.com/office/drawing/2014/main" xmlns="" id="{75CE9E0E-A03C-4723-8FF4-B4EC99F0F846}"/>
                     </a:ext>
                   </a:extLst>
                 </p:cNvPr>
@@ -28638,7 +30164,7 @@
               <p:cNvPr id="1063" name="Grupo 202">
                 <a:extLst>
                   <a:ext uri="{FF2B5EF4-FFF2-40B4-BE49-F238E27FC236}">
-                    <a16:creationId xmlns="" xmlns:a16="http://schemas.microsoft.com/office/drawing/2014/main" id="{6A51C776-AA83-40AC-9270-D7741543DED7}"/>
+                    <a16:creationId xmlns:a16="http://schemas.microsoft.com/office/drawing/2014/main" xmlns="" id="{6A51C776-AA83-40AC-9270-D7741543DED7}"/>
                   </a:ext>
                 </a:extLst>
               </p:cNvPr>
@@ -28659,7 +30185,7 @@
                 <p:cNvPr id="1070" name="Elipse 33">
                   <a:extLst>
                     <a:ext uri="{FF2B5EF4-FFF2-40B4-BE49-F238E27FC236}">
-                      <a16:creationId xmlns="" xmlns:a16="http://schemas.microsoft.com/office/drawing/2014/main" id="{8FC0BB7E-0865-4EF7-85CC-7938B585D731}"/>
+                      <a16:creationId xmlns:a16="http://schemas.microsoft.com/office/drawing/2014/main" xmlns="" id="{8FC0BB7E-0865-4EF7-85CC-7938B585D731}"/>
                     </a:ext>
                   </a:extLst>
                 </p:cNvPr>
@@ -28765,7 +30291,7 @@
                 <p:cNvPr id="1071" name="Grupo 210">
                   <a:extLst>
                     <a:ext uri="{FF2B5EF4-FFF2-40B4-BE49-F238E27FC236}">
-                      <a16:creationId xmlns="" xmlns:a16="http://schemas.microsoft.com/office/drawing/2014/main" id="{8044DC97-CF42-494B-9E51-65AC1B6A0C2C}"/>
+                      <a16:creationId xmlns:a16="http://schemas.microsoft.com/office/drawing/2014/main" xmlns="" id="{8044DC97-CF42-494B-9E51-65AC1B6A0C2C}"/>
                     </a:ext>
                   </a:extLst>
                 </p:cNvPr>
@@ -28786,7 +30312,7 @@
                   <p:cNvPr id="1072" name="Retângulo 1071">
                     <a:extLst>
                       <a:ext uri="{FF2B5EF4-FFF2-40B4-BE49-F238E27FC236}">
-                        <a16:creationId xmlns="" xmlns:a16="http://schemas.microsoft.com/office/drawing/2014/main" id="{2058BF11-2C49-40A1-AD1E-8B629C7B2A0D}"/>
+                        <a16:creationId xmlns:a16="http://schemas.microsoft.com/office/drawing/2014/main" xmlns="" id="{2058BF11-2C49-40A1-AD1E-8B629C7B2A0D}"/>
                       </a:ext>
                     </a:extLst>
                   </p:cNvPr>
@@ -28836,7 +30362,7 @@
                   <p:cNvPr id="1073" name="Retângulo 1072">
                     <a:extLst>
                       <a:ext uri="{FF2B5EF4-FFF2-40B4-BE49-F238E27FC236}">
-                        <a16:creationId xmlns="" xmlns:a16="http://schemas.microsoft.com/office/drawing/2014/main" id="{8789A371-C372-4427-A854-CD4FC6011C5D}"/>
+                        <a16:creationId xmlns:a16="http://schemas.microsoft.com/office/drawing/2014/main" xmlns="" id="{8789A371-C372-4427-A854-CD4FC6011C5D}"/>
                       </a:ext>
                     </a:extLst>
                   </p:cNvPr>
@@ -28886,7 +30412,7 @@
                   <p:cNvPr id="1074" name="Retângulo 1073">
                     <a:extLst>
                       <a:ext uri="{FF2B5EF4-FFF2-40B4-BE49-F238E27FC236}">
-                        <a16:creationId xmlns="" xmlns:a16="http://schemas.microsoft.com/office/drawing/2014/main" id="{D5160A6F-0B36-452B-A5EE-A3D5DBB7B6CD}"/>
+                        <a16:creationId xmlns:a16="http://schemas.microsoft.com/office/drawing/2014/main" xmlns="" id="{D5160A6F-0B36-452B-A5EE-A3D5DBB7B6CD}"/>
                       </a:ext>
                     </a:extLst>
                   </p:cNvPr>
@@ -28938,7 +30464,7 @@
               <p:cNvPr id="1064" name="Grupo 203">
                 <a:extLst>
                   <a:ext uri="{FF2B5EF4-FFF2-40B4-BE49-F238E27FC236}">
-                    <a16:creationId xmlns="" xmlns:a16="http://schemas.microsoft.com/office/drawing/2014/main" id="{7710E530-21D0-4D32-A348-7A3681DEECBA}"/>
+                    <a16:creationId xmlns:a16="http://schemas.microsoft.com/office/drawing/2014/main" xmlns="" id="{7710E530-21D0-4D32-A348-7A3681DEECBA}"/>
                   </a:ext>
                 </a:extLst>
               </p:cNvPr>
@@ -28959,7 +30485,7 @@
                 <p:cNvPr id="1065" name="Elipse 33">
                   <a:extLst>
                     <a:ext uri="{FF2B5EF4-FFF2-40B4-BE49-F238E27FC236}">
-                      <a16:creationId xmlns="" xmlns:a16="http://schemas.microsoft.com/office/drawing/2014/main" id="{125374C0-6084-4ED8-89A0-9D305D271547}"/>
+                      <a16:creationId xmlns:a16="http://schemas.microsoft.com/office/drawing/2014/main" xmlns="" id="{125374C0-6084-4ED8-89A0-9D305D271547}"/>
                     </a:ext>
                   </a:extLst>
                 </p:cNvPr>
@@ -29065,7 +30591,7 @@
                 <p:cNvPr id="1066" name="Grupo 205">
                   <a:extLst>
                     <a:ext uri="{FF2B5EF4-FFF2-40B4-BE49-F238E27FC236}">
-                      <a16:creationId xmlns="" xmlns:a16="http://schemas.microsoft.com/office/drawing/2014/main" id="{C5B141CB-3724-44AD-99F3-5394A52EC59B}"/>
+                      <a16:creationId xmlns:a16="http://schemas.microsoft.com/office/drawing/2014/main" xmlns="" id="{C5B141CB-3724-44AD-99F3-5394A52EC59B}"/>
                     </a:ext>
                   </a:extLst>
                 </p:cNvPr>
@@ -29086,7 +30612,7 @@
                   <p:cNvPr id="1067" name="Retângulo 1066">
                     <a:extLst>
                       <a:ext uri="{FF2B5EF4-FFF2-40B4-BE49-F238E27FC236}">
-                        <a16:creationId xmlns="" xmlns:a16="http://schemas.microsoft.com/office/drawing/2014/main" id="{A5E5A646-548C-4D55-9553-4DF95E53BC66}"/>
+                        <a16:creationId xmlns:a16="http://schemas.microsoft.com/office/drawing/2014/main" xmlns="" id="{A5E5A646-548C-4D55-9553-4DF95E53BC66}"/>
                       </a:ext>
                     </a:extLst>
                   </p:cNvPr>
@@ -29136,7 +30662,7 @@
                   <p:cNvPr id="1068" name="Retângulo 1067">
                     <a:extLst>
                       <a:ext uri="{FF2B5EF4-FFF2-40B4-BE49-F238E27FC236}">
-                        <a16:creationId xmlns="" xmlns:a16="http://schemas.microsoft.com/office/drawing/2014/main" id="{3E489D84-3136-4C77-8035-4ABB312D1E62}"/>
+                        <a16:creationId xmlns:a16="http://schemas.microsoft.com/office/drawing/2014/main" xmlns="" id="{3E489D84-3136-4C77-8035-4ABB312D1E62}"/>
                       </a:ext>
                     </a:extLst>
                   </p:cNvPr>
@@ -29186,7 +30712,7 @@
                   <p:cNvPr id="1069" name="Retângulo 1068">
                     <a:extLst>
                       <a:ext uri="{FF2B5EF4-FFF2-40B4-BE49-F238E27FC236}">
-                        <a16:creationId xmlns="" xmlns:a16="http://schemas.microsoft.com/office/drawing/2014/main" id="{B2B08686-EC79-4355-9DCD-06187410883F}"/>
+                        <a16:creationId xmlns:a16="http://schemas.microsoft.com/office/drawing/2014/main" xmlns="" id="{B2B08686-EC79-4355-9DCD-06187410883F}"/>
                       </a:ext>
                     </a:extLst>
                   </p:cNvPr>
@@ -29239,7 +30765,7 @@
             <p:cNvPr id="1015" name="Grupo 217">
               <a:extLst>
                 <a:ext uri="{FF2B5EF4-FFF2-40B4-BE49-F238E27FC236}">
-                  <a16:creationId xmlns="" xmlns:a16="http://schemas.microsoft.com/office/drawing/2014/main" id="{08E8388B-4457-4542-A9DA-810F2B166F14}"/>
+                  <a16:creationId xmlns:a16="http://schemas.microsoft.com/office/drawing/2014/main" xmlns="" id="{08E8388B-4457-4542-A9DA-810F2B166F14}"/>
                 </a:ext>
               </a:extLst>
             </p:cNvPr>
@@ -29262,7 +30788,7 @@
               <p:cNvPr id="1050" name="Grupo 218">
                 <a:extLst>
                   <a:ext uri="{FF2B5EF4-FFF2-40B4-BE49-F238E27FC236}">
-                    <a16:creationId xmlns="" xmlns:a16="http://schemas.microsoft.com/office/drawing/2014/main" id="{D242A19D-65C8-4254-BC3C-6190BE71B8A6}"/>
+                    <a16:creationId xmlns:a16="http://schemas.microsoft.com/office/drawing/2014/main" xmlns="" id="{D242A19D-65C8-4254-BC3C-6190BE71B8A6}"/>
                   </a:ext>
                 </a:extLst>
               </p:cNvPr>
@@ -29283,7 +30809,7 @@
                 <p:cNvPr id="1059" name="Elipse 33">
                   <a:extLst>
                     <a:ext uri="{FF2B5EF4-FFF2-40B4-BE49-F238E27FC236}">
-                      <a16:creationId xmlns="" xmlns:a16="http://schemas.microsoft.com/office/drawing/2014/main" id="{C5E48245-AE2E-475A-9875-B38B6E26B62B}"/>
+                      <a16:creationId xmlns:a16="http://schemas.microsoft.com/office/drawing/2014/main" xmlns="" id="{C5E48245-AE2E-475A-9875-B38B6E26B62B}"/>
                     </a:ext>
                   </a:extLst>
                 </p:cNvPr>
@@ -29389,7 +30915,7 @@
                 <p:cNvPr id="1060" name="Retângulo 1059">
                   <a:extLst>
                     <a:ext uri="{FF2B5EF4-FFF2-40B4-BE49-F238E27FC236}">
-                      <a16:creationId xmlns="" xmlns:a16="http://schemas.microsoft.com/office/drawing/2014/main" id="{F916A828-92E1-44DA-8FB1-31A4CC3C497F}"/>
+                      <a16:creationId xmlns:a16="http://schemas.microsoft.com/office/drawing/2014/main" xmlns="" id="{F916A828-92E1-44DA-8FB1-31A4CC3C497F}"/>
                     </a:ext>
                   </a:extLst>
                 </p:cNvPr>
@@ -29439,7 +30965,7 @@
                 <p:cNvPr id="1061" name="Retângulo 1060">
                   <a:extLst>
                     <a:ext uri="{FF2B5EF4-FFF2-40B4-BE49-F238E27FC236}">
-                      <a16:creationId xmlns="" xmlns:a16="http://schemas.microsoft.com/office/drawing/2014/main" id="{3BC858C9-D7A1-472E-8B65-8338F9F8D14F}"/>
+                      <a16:creationId xmlns:a16="http://schemas.microsoft.com/office/drawing/2014/main" xmlns="" id="{3BC858C9-D7A1-472E-8B65-8338F9F8D14F}"/>
                     </a:ext>
                   </a:extLst>
                 </p:cNvPr>
@@ -29490,7 +31016,7 @@
               <p:cNvPr id="1051" name="Grupo 219">
                 <a:extLst>
                   <a:ext uri="{FF2B5EF4-FFF2-40B4-BE49-F238E27FC236}">
-                    <a16:creationId xmlns="" xmlns:a16="http://schemas.microsoft.com/office/drawing/2014/main" id="{4C0FED6B-9CEF-4BE2-BE1F-9F4924AD4FF6}"/>
+                    <a16:creationId xmlns:a16="http://schemas.microsoft.com/office/drawing/2014/main" xmlns="" id="{4C0FED6B-9CEF-4BE2-BE1F-9F4924AD4FF6}"/>
                   </a:ext>
                 </a:extLst>
               </p:cNvPr>
@@ -29511,7 +31037,7 @@
                 <p:cNvPr id="1056" name="Elipse 33">
                   <a:extLst>
                     <a:ext uri="{FF2B5EF4-FFF2-40B4-BE49-F238E27FC236}">
-                      <a16:creationId xmlns="" xmlns:a16="http://schemas.microsoft.com/office/drawing/2014/main" id="{2D00C342-4A8F-45EA-8D2A-10D6A0494E72}"/>
+                      <a16:creationId xmlns:a16="http://schemas.microsoft.com/office/drawing/2014/main" xmlns="" id="{2D00C342-4A8F-45EA-8D2A-10D6A0494E72}"/>
                     </a:ext>
                   </a:extLst>
                 </p:cNvPr>
@@ -29617,7 +31143,7 @@
                 <p:cNvPr id="1057" name="Retângulo 1056">
                   <a:extLst>
                     <a:ext uri="{FF2B5EF4-FFF2-40B4-BE49-F238E27FC236}">
-                      <a16:creationId xmlns="" xmlns:a16="http://schemas.microsoft.com/office/drawing/2014/main" id="{B2098D4E-F6D8-4D73-A3A4-B18147A55B97}"/>
+                      <a16:creationId xmlns:a16="http://schemas.microsoft.com/office/drawing/2014/main" xmlns="" id="{B2098D4E-F6D8-4D73-A3A4-B18147A55B97}"/>
                     </a:ext>
                   </a:extLst>
                 </p:cNvPr>
@@ -29667,7 +31193,7 @@
                 <p:cNvPr id="1058" name="Retângulo 1057">
                   <a:extLst>
                     <a:ext uri="{FF2B5EF4-FFF2-40B4-BE49-F238E27FC236}">
-                      <a16:creationId xmlns="" xmlns:a16="http://schemas.microsoft.com/office/drawing/2014/main" id="{89599353-B710-4A81-BF7F-DC2FF59025F9}"/>
+                      <a16:creationId xmlns:a16="http://schemas.microsoft.com/office/drawing/2014/main" xmlns="" id="{89599353-B710-4A81-BF7F-DC2FF59025F9}"/>
                     </a:ext>
                   </a:extLst>
                 </p:cNvPr>
@@ -29718,7 +31244,7 @@
               <p:cNvPr id="1052" name="Grupo 220">
                 <a:extLst>
                   <a:ext uri="{FF2B5EF4-FFF2-40B4-BE49-F238E27FC236}">
-                    <a16:creationId xmlns="" xmlns:a16="http://schemas.microsoft.com/office/drawing/2014/main" id="{CECAC883-2567-4E58-B3AB-D214421EBDF5}"/>
+                    <a16:creationId xmlns:a16="http://schemas.microsoft.com/office/drawing/2014/main" xmlns="" id="{CECAC883-2567-4E58-B3AB-D214421EBDF5}"/>
                   </a:ext>
                 </a:extLst>
               </p:cNvPr>
@@ -29739,7 +31265,7 @@
                 <p:cNvPr id="1053" name="Retângulo 1052">
                   <a:extLst>
                     <a:ext uri="{FF2B5EF4-FFF2-40B4-BE49-F238E27FC236}">
-                      <a16:creationId xmlns="" xmlns:a16="http://schemas.microsoft.com/office/drawing/2014/main" id="{323F3EBF-307C-450A-981C-382131C618FF}"/>
+                      <a16:creationId xmlns:a16="http://schemas.microsoft.com/office/drawing/2014/main" xmlns="" id="{323F3EBF-307C-450A-981C-382131C618FF}"/>
                     </a:ext>
                   </a:extLst>
                 </p:cNvPr>
@@ -29789,7 +31315,7 @@
                 <p:cNvPr id="1054" name="Retângulo 1053">
                   <a:extLst>
                     <a:ext uri="{FF2B5EF4-FFF2-40B4-BE49-F238E27FC236}">
-                      <a16:creationId xmlns="" xmlns:a16="http://schemas.microsoft.com/office/drawing/2014/main" id="{AA514B71-C999-4FF6-9FA1-A2E2D90C7F57}"/>
+                      <a16:creationId xmlns:a16="http://schemas.microsoft.com/office/drawing/2014/main" xmlns="" id="{AA514B71-C999-4FF6-9FA1-A2E2D90C7F57}"/>
                     </a:ext>
                   </a:extLst>
                 </p:cNvPr>
@@ -29839,7 +31365,7 @@
                 <p:cNvPr id="1055" name="Retângulo 1054">
                   <a:extLst>
                     <a:ext uri="{FF2B5EF4-FFF2-40B4-BE49-F238E27FC236}">
-                      <a16:creationId xmlns="" xmlns:a16="http://schemas.microsoft.com/office/drawing/2014/main" id="{CA0A548A-9861-4F94-906A-DB082D952A11}"/>
+                      <a16:creationId xmlns:a16="http://schemas.microsoft.com/office/drawing/2014/main" xmlns="" id="{CA0A548A-9861-4F94-906A-DB082D952A11}"/>
                     </a:ext>
                   </a:extLst>
                 </p:cNvPr>
@@ -29891,7 +31417,7 @@
             <p:cNvPr id="1016" name="Elipse 33">
               <a:extLst>
                 <a:ext uri="{FF2B5EF4-FFF2-40B4-BE49-F238E27FC236}">
-                  <a16:creationId xmlns="" xmlns:a16="http://schemas.microsoft.com/office/drawing/2014/main" id="{A753BA50-261B-401C-A121-DC5D2FC56B2A}"/>
+                  <a16:creationId xmlns:a16="http://schemas.microsoft.com/office/drawing/2014/main" xmlns="" id="{A753BA50-261B-401C-A121-DC5D2FC56B2A}"/>
                 </a:ext>
               </a:extLst>
             </p:cNvPr>
@@ -29999,7 +31525,7 @@
             <p:cNvPr id="1017" name="Grupo 231">
               <a:extLst>
                 <a:ext uri="{FF2B5EF4-FFF2-40B4-BE49-F238E27FC236}">
-                  <a16:creationId xmlns="" xmlns:a16="http://schemas.microsoft.com/office/drawing/2014/main" id="{0AFEA62D-A570-43A6-A790-90CA5E8D60BE}"/>
+                  <a16:creationId xmlns:a16="http://schemas.microsoft.com/office/drawing/2014/main" xmlns="" id="{0AFEA62D-A570-43A6-A790-90CA5E8D60BE}"/>
                 </a:ext>
               </a:extLst>
             </p:cNvPr>
@@ -30022,7 +31548,7 @@
               <p:cNvPr id="1033" name="Grupo 232">
                 <a:extLst>
                   <a:ext uri="{FF2B5EF4-FFF2-40B4-BE49-F238E27FC236}">
-                    <a16:creationId xmlns="" xmlns:a16="http://schemas.microsoft.com/office/drawing/2014/main" id="{360829DA-C60B-4505-989A-FD614DD10CA8}"/>
+                    <a16:creationId xmlns:a16="http://schemas.microsoft.com/office/drawing/2014/main" xmlns="" id="{360829DA-C60B-4505-989A-FD614DD10CA8}"/>
                   </a:ext>
                 </a:extLst>
               </p:cNvPr>
@@ -30043,7 +31569,7 @@
                 <p:cNvPr id="1047" name="Elipse 33">
                   <a:extLst>
                     <a:ext uri="{FF2B5EF4-FFF2-40B4-BE49-F238E27FC236}">
-                      <a16:creationId xmlns="" xmlns:a16="http://schemas.microsoft.com/office/drawing/2014/main" id="{3E4672E4-6F50-4F6B-8209-33CFA6667F1C}"/>
+                      <a16:creationId xmlns:a16="http://schemas.microsoft.com/office/drawing/2014/main" xmlns="" id="{3E4672E4-6F50-4F6B-8209-33CFA6667F1C}"/>
                     </a:ext>
                   </a:extLst>
                 </p:cNvPr>
@@ -30149,7 +31675,7 @@
                 <p:cNvPr id="1048" name="Retângulo 1047">
                   <a:extLst>
                     <a:ext uri="{FF2B5EF4-FFF2-40B4-BE49-F238E27FC236}">
-                      <a16:creationId xmlns="" xmlns:a16="http://schemas.microsoft.com/office/drawing/2014/main" id="{F75162BC-3899-475E-A001-31DD6A64656A}"/>
+                      <a16:creationId xmlns:a16="http://schemas.microsoft.com/office/drawing/2014/main" xmlns="" id="{F75162BC-3899-475E-A001-31DD6A64656A}"/>
                     </a:ext>
                   </a:extLst>
                 </p:cNvPr>
@@ -30199,7 +31725,7 @@
                 <p:cNvPr id="1049" name="Retângulo 1048">
                   <a:extLst>
                     <a:ext uri="{FF2B5EF4-FFF2-40B4-BE49-F238E27FC236}">
-                      <a16:creationId xmlns="" xmlns:a16="http://schemas.microsoft.com/office/drawing/2014/main" id="{72B40A09-528F-4882-AA88-D10EEF382F1E}"/>
+                      <a16:creationId xmlns:a16="http://schemas.microsoft.com/office/drawing/2014/main" xmlns="" id="{72B40A09-528F-4882-AA88-D10EEF382F1E}"/>
                     </a:ext>
                   </a:extLst>
                 </p:cNvPr>
@@ -30250,7 +31776,7 @@
               <p:cNvPr id="1034" name="Grupo 233">
                 <a:extLst>
                   <a:ext uri="{FF2B5EF4-FFF2-40B4-BE49-F238E27FC236}">
-                    <a16:creationId xmlns="" xmlns:a16="http://schemas.microsoft.com/office/drawing/2014/main" id="{EEC8C5A0-D830-49D7-80D7-EB4EB583D625}"/>
+                    <a16:creationId xmlns:a16="http://schemas.microsoft.com/office/drawing/2014/main" xmlns="" id="{EEC8C5A0-D830-49D7-80D7-EB4EB583D625}"/>
                   </a:ext>
                 </a:extLst>
               </p:cNvPr>
@@ -30271,7 +31797,7 @@
                 <p:cNvPr id="1042" name="Elipse 33">
                   <a:extLst>
                     <a:ext uri="{FF2B5EF4-FFF2-40B4-BE49-F238E27FC236}">
-                      <a16:creationId xmlns="" xmlns:a16="http://schemas.microsoft.com/office/drawing/2014/main" id="{0E0C9208-63B2-43E4-85D3-819C74181934}"/>
+                      <a16:creationId xmlns:a16="http://schemas.microsoft.com/office/drawing/2014/main" xmlns="" id="{0E0C9208-63B2-43E4-85D3-819C74181934}"/>
                     </a:ext>
                   </a:extLst>
                 </p:cNvPr>
@@ -30377,7 +31903,7 @@
                 <p:cNvPr id="1043" name="Grupo 242">
                   <a:extLst>
                     <a:ext uri="{FF2B5EF4-FFF2-40B4-BE49-F238E27FC236}">
-                      <a16:creationId xmlns="" xmlns:a16="http://schemas.microsoft.com/office/drawing/2014/main" id="{FBFA305D-984D-4BCD-B9EA-5810EA9B891E}"/>
+                      <a16:creationId xmlns:a16="http://schemas.microsoft.com/office/drawing/2014/main" xmlns="" id="{FBFA305D-984D-4BCD-B9EA-5810EA9B891E}"/>
                     </a:ext>
                   </a:extLst>
                 </p:cNvPr>
@@ -30398,7 +31924,7 @@
                   <p:cNvPr id="1044" name="Retângulo 1043">
                     <a:extLst>
                       <a:ext uri="{FF2B5EF4-FFF2-40B4-BE49-F238E27FC236}">
-                        <a16:creationId xmlns="" xmlns:a16="http://schemas.microsoft.com/office/drawing/2014/main" id="{30261F31-F120-4BE4-B03D-592A29BFF186}"/>
+                        <a16:creationId xmlns:a16="http://schemas.microsoft.com/office/drawing/2014/main" xmlns="" id="{30261F31-F120-4BE4-B03D-592A29BFF186}"/>
                       </a:ext>
                     </a:extLst>
                   </p:cNvPr>
@@ -30448,7 +31974,7 @@
                   <p:cNvPr id="1045" name="Retângulo 1044">
                     <a:extLst>
                       <a:ext uri="{FF2B5EF4-FFF2-40B4-BE49-F238E27FC236}">
-                        <a16:creationId xmlns="" xmlns:a16="http://schemas.microsoft.com/office/drawing/2014/main" id="{A0D1104E-7779-4E48-9FDF-1E1983DE2090}"/>
+                        <a16:creationId xmlns:a16="http://schemas.microsoft.com/office/drawing/2014/main" xmlns="" id="{A0D1104E-7779-4E48-9FDF-1E1983DE2090}"/>
                       </a:ext>
                     </a:extLst>
                   </p:cNvPr>
@@ -30498,7 +32024,7 @@
                   <p:cNvPr id="1046" name="Retângulo 1045">
                     <a:extLst>
                       <a:ext uri="{FF2B5EF4-FFF2-40B4-BE49-F238E27FC236}">
-                        <a16:creationId xmlns="" xmlns:a16="http://schemas.microsoft.com/office/drawing/2014/main" id="{524510A2-3391-4373-9356-2FA2077F88F8}"/>
+                        <a16:creationId xmlns:a16="http://schemas.microsoft.com/office/drawing/2014/main" xmlns="" id="{524510A2-3391-4373-9356-2FA2077F88F8}"/>
                       </a:ext>
                     </a:extLst>
                   </p:cNvPr>
@@ -30550,7 +32076,7 @@
               <p:cNvPr id="1035" name="Grupo 234">
                 <a:extLst>
                   <a:ext uri="{FF2B5EF4-FFF2-40B4-BE49-F238E27FC236}">
-                    <a16:creationId xmlns="" xmlns:a16="http://schemas.microsoft.com/office/drawing/2014/main" id="{BD416010-3B7C-4D32-93EF-5C77127D78AF}"/>
+                    <a16:creationId xmlns:a16="http://schemas.microsoft.com/office/drawing/2014/main" xmlns="" id="{BD416010-3B7C-4D32-93EF-5C77127D78AF}"/>
                   </a:ext>
                 </a:extLst>
               </p:cNvPr>
@@ -30571,7 +32097,7 @@
                 <p:cNvPr id="1037" name="Elipse 33">
                   <a:extLst>
                     <a:ext uri="{FF2B5EF4-FFF2-40B4-BE49-F238E27FC236}">
-                      <a16:creationId xmlns="" xmlns:a16="http://schemas.microsoft.com/office/drawing/2014/main" id="{EF447CFE-B77D-4C63-A3B3-93255330D659}"/>
+                      <a16:creationId xmlns:a16="http://schemas.microsoft.com/office/drawing/2014/main" xmlns="" id="{EF447CFE-B77D-4C63-A3B3-93255330D659}"/>
                     </a:ext>
                   </a:extLst>
                 </p:cNvPr>
@@ -30677,7 +32203,7 @@
                 <p:cNvPr id="1038" name="Grupo 237">
                   <a:extLst>
                     <a:ext uri="{FF2B5EF4-FFF2-40B4-BE49-F238E27FC236}">
-                      <a16:creationId xmlns="" xmlns:a16="http://schemas.microsoft.com/office/drawing/2014/main" id="{77872ED8-ABC5-4B60-BDAD-E7D4F51AB396}"/>
+                      <a16:creationId xmlns:a16="http://schemas.microsoft.com/office/drawing/2014/main" xmlns="" id="{77872ED8-ABC5-4B60-BDAD-E7D4F51AB396}"/>
                     </a:ext>
                   </a:extLst>
                 </p:cNvPr>
@@ -30698,7 +32224,7 @@
                   <p:cNvPr id="1039" name="Retângulo 1038">
                     <a:extLst>
                       <a:ext uri="{FF2B5EF4-FFF2-40B4-BE49-F238E27FC236}">
-                        <a16:creationId xmlns="" xmlns:a16="http://schemas.microsoft.com/office/drawing/2014/main" id="{F85BAEEC-4446-4923-A257-26D13481A528}"/>
+                        <a16:creationId xmlns:a16="http://schemas.microsoft.com/office/drawing/2014/main" xmlns="" id="{F85BAEEC-4446-4923-A257-26D13481A528}"/>
                       </a:ext>
                     </a:extLst>
                   </p:cNvPr>
@@ -30748,7 +32274,7 @@
                   <p:cNvPr id="1040" name="Retângulo 1039">
                     <a:extLst>
                       <a:ext uri="{FF2B5EF4-FFF2-40B4-BE49-F238E27FC236}">
-                        <a16:creationId xmlns="" xmlns:a16="http://schemas.microsoft.com/office/drawing/2014/main" id="{8E8D0488-EDFD-4E9C-BB00-2EE9D11D0D0C}"/>
+                        <a16:creationId xmlns:a16="http://schemas.microsoft.com/office/drawing/2014/main" xmlns="" id="{8E8D0488-EDFD-4E9C-BB00-2EE9D11D0D0C}"/>
                       </a:ext>
                     </a:extLst>
                   </p:cNvPr>
@@ -30798,7 +32324,7 @@
                   <p:cNvPr id="1041" name="Retângulo 1040">
                     <a:extLst>
                       <a:ext uri="{FF2B5EF4-FFF2-40B4-BE49-F238E27FC236}">
-                        <a16:creationId xmlns="" xmlns:a16="http://schemas.microsoft.com/office/drawing/2014/main" id="{CAF879B1-E392-40B6-BF2D-14DDE777FD49}"/>
+                        <a16:creationId xmlns:a16="http://schemas.microsoft.com/office/drawing/2014/main" xmlns="" id="{CAF879B1-E392-40B6-BF2D-14DDE777FD49}"/>
                       </a:ext>
                     </a:extLst>
                   </p:cNvPr>
@@ -30850,7 +32376,7 @@
               <p:cNvPr id="1036" name="Retângulo 1035">
                 <a:extLst>
                   <a:ext uri="{FF2B5EF4-FFF2-40B4-BE49-F238E27FC236}">
-                    <a16:creationId xmlns="" xmlns:a16="http://schemas.microsoft.com/office/drawing/2014/main" id="{7FB80AE1-2867-49AE-B9C2-11677716A3CF}"/>
+                    <a16:creationId xmlns:a16="http://schemas.microsoft.com/office/drawing/2014/main" xmlns="" id="{7FB80AE1-2867-49AE-B9C2-11677716A3CF}"/>
                   </a:ext>
                 </a:extLst>
               </p:cNvPr>
@@ -30901,7 +32427,7 @@
             <p:cNvPr id="1018" name="Grupo 249">
               <a:extLst>
                 <a:ext uri="{FF2B5EF4-FFF2-40B4-BE49-F238E27FC236}">
-                  <a16:creationId xmlns="" xmlns:a16="http://schemas.microsoft.com/office/drawing/2014/main" id="{EDA7D84A-049B-4F59-882B-72D6D481829A}"/>
+                  <a16:creationId xmlns:a16="http://schemas.microsoft.com/office/drawing/2014/main" xmlns="" id="{EDA7D84A-049B-4F59-882B-72D6D481829A}"/>
                 </a:ext>
               </a:extLst>
             </p:cNvPr>
@@ -30924,7 +32450,7 @@
               <p:cNvPr id="1025" name="Retângulo 1024">
                 <a:extLst>
                   <a:ext uri="{FF2B5EF4-FFF2-40B4-BE49-F238E27FC236}">
-                    <a16:creationId xmlns="" xmlns:a16="http://schemas.microsoft.com/office/drawing/2014/main" id="{69134FDF-D588-4A80-9784-09B31E887428}"/>
+                    <a16:creationId xmlns:a16="http://schemas.microsoft.com/office/drawing/2014/main" xmlns="" id="{69134FDF-D588-4A80-9784-09B31E887428}"/>
                   </a:ext>
                 </a:extLst>
               </p:cNvPr>
@@ -30974,7 +32500,7 @@
               <p:cNvPr id="1026" name="Grupo 316">
                 <a:extLst>
                   <a:ext uri="{FF2B5EF4-FFF2-40B4-BE49-F238E27FC236}">
-                    <a16:creationId xmlns="" xmlns:a16="http://schemas.microsoft.com/office/drawing/2014/main" id="{C49B0176-C4C3-4BE5-A21A-B5A66C86C53A}"/>
+                    <a16:creationId xmlns:a16="http://schemas.microsoft.com/office/drawing/2014/main" xmlns="" id="{C49B0176-C4C3-4BE5-A21A-B5A66C86C53A}"/>
                   </a:ext>
                 </a:extLst>
               </p:cNvPr>
@@ -30995,7 +32521,7 @@
                 <p:cNvPr id="1030" name="Retângulo 1029">
                   <a:extLst>
                     <a:ext uri="{FF2B5EF4-FFF2-40B4-BE49-F238E27FC236}">
-                      <a16:creationId xmlns="" xmlns:a16="http://schemas.microsoft.com/office/drawing/2014/main" id="{77509C1B-DF90-4A05-8DA8-9429588DDB36}"/>
+                      <a16:creationId xmlns:a16="http://schemas.microsoft.com/office/drawing/2014/main" xmlns="" id="{77509C1B-DF90-4A05-8DA8-9429588DDB36}"/>
                     </a:ext>
                   </a:extLst>
                 </p:cNvPr>
@@ -31045,7 +32571,7 @@
                 <p:cNvPr id="1031" name="Retângulo 1030">
                   <a:extLst>
                     <a:ext uri="{FF2B5EF4-FFF2-40B4-BE49-F238E27FC236}">
-                      <a16:creationId xmlns="" xmlns:a16="http://schemas.microsoft.com/office/drawing/2014/main" id="{0984E376-3AFF-4750-91B0-ECF8424F08D6}"/>
+                      <a16:creationId xmlns:a16="http://schemas.microsoft.com/office/drawing/2014/main" xmlns="" id="{0984E376-3AFF-4750-91B0-ECF8424F08D6}"/>
                     </a:ext>
                   </a:extLst>
                 </p:cNvPr>
@@ -31095,7 +32621,7 @@
                 <p:cNvPr id="1032" name="Retângulo 1031">
                   <a:extLst>
                     <a:ext uri="{FF2B5EF4-FFF2-40B4-BE49-F238E27FC236}">
-                      <a16:creationId xmlns="" xmlns:a16="http://schemas.microsoft.com/office/drawing/2014/main" id="{25401BAC-D5D8-42ED-854E-084D2875441D}"/>
+                      <a16:creationId xmlns:a16="http://schemas.microsoft.com/office/drawing/2014/main" xmlns="" id="{25401BAC-D5D8-42ED-854E-084D2875441D}"/>
                     </a:ext>
                   </a:extLst>
                 </p:cNvPr>
@@ -31146,7 +32672,7 @@
               <p:cNvPr id="1027" name="Retângulo 1026">
                 <a:extLst>
                   <a:ext uri="{FF2B5EF4-FFF2-40B4-BE49-F238E27FC236}">
-                    <a16:creationId xmlns="" xmlns:a16="http://schemas.microsoft.com/office/drawing/2014/main" id="{2D61EBB1-4899-48E4-ACE1-D93777960809}"/>
+                    <a16:creationId xmlns:a16="http://schemas.microsoft.com/office/drawing/2014/main" xmlns="" id="{2D61EBB1-4899-48E4-ACE1-D93777960809}"/>
                   </a:ext>
                 </a:extLst>
               </p:cNvPr>
@@ -31196,7 +32722,7 @@
               <p:cNvPr id="1028" name="Retângulo 1027">
                 <a:extLst>
                   <a:ext uri="{FF2B5EF4-FFF2-40B4-BE49-F238E27FC236}">
-                    <a16:creationId xmlns="" xmlns:a16="http://schemas.microsoft.com/office/drawing/2014/main" id="{4D686182-D2E6-4E50-89DA-954DD9B250C3}"/>
+                    <a16:creationId xmlns:a16="http://schemas.microsoft.com/office/drawing/2014/main" xmlns="" id="{4D686182-D2E6-4E50-89DA-954DD9B250C3}"/>
                   </a:ext>
                 </a:extLst>
               </p:cNvPr>
@@ -31246,7 +32772,7 @@
               <p:cNvPr id="1029" name="Fluxograma: Atraso 52">
                 <a:extLst>
                   <a:ext uri="{FF2B5EF4-FFF2-40B4-BE49-F238E27FC236}">
-                    <a16:creationId xmlns="" xmlns:a16="http://schemas.microsoft.com/office/drawing/2014/main" id="{005558F2-3CD4-4B80-987A-0B05F4C50D5A}"/>
+                    <a16:creationId xmlns:a16="http://schemas.microsoft.com/office/drawing/2014/main" xmlns="" id="{005558F2-3CD4-4B80-987A-0B05F4C50D5A}"/>
                   </a:ext>
                 </a:extLst>
               </p:cNvPr>
@@ -31345,7 +32871,7 @@
             <p:cNvPr id="1019" name="Grupo 323">
               <a:extLst>
                 <a:ext uri="{FF2B5EF4-FFF2-40B4-BE49-F238E27FC236}">
-                  <a16:creationId xmlns="" xmlns:a16="http://schemas.microsoft.com/office/drawing/2014/main" id="{8BE48256-B4CF-4A82-B9C1-6EE4D64AA5EB}"/>
+                  <a16:creationId xmlns:a16="http://schemas.microsoft.com/office/drawing/2014/main" xmlns="" id="{8BE48256-B4CF-4A82-B9C1-6EE4D64AA5EB}"/>
                 </a:ext>
               </a:extLst>
             </p:cNvPr>
@@ -31368,7 +32894,7 @@
               <p:cNvPr id="1021" name="Coração 55">
                 <a:extLst>
                   <a:ext uri="{FF2B5EF4-FFF2-40B4-BE49-F238E27FC236}">
-                    <a16:creationId xmlns="" xmlns:a16="http://schemas.microsoft.com/office/drawing/2014/main" id="{B06BA092-A4F8-4095-8090-54516CD3368A}"/>
+                    <a16:creationId xmlns:a16="http://schemas.microsoft.com/office/drawing/2014/main" xmlns="" id="{B06BA092-A4F8-4095-8090-54516CD3368A}"/>
                   </a:ext>
                 </a:extLst>
               </p:cNvPr>
@@ -31464,7 +32990,7 @@
               <p:cNvPr id="1022" name="Grupo 325">
                 <a:extLst>
                   <a:ext uri="{FF2B5EF4-FFF2-40B4-BE49-F238E27FC236}">
-                    <a16:creationId xmlns="" xmlns:a16="http://schemas.microsoft.com/office/drawing/2014/main" id="{5081A98D-7232-4316-8E62-D6C4CDC4D0E1}"/>
+                    <a16:creationId xmlns:a16="http://schemas.microsoft.com/office/drawing/2014/main" xmlns="" id="{5081A98D-7232-4316-8E62-D6C4CDC4D0E1}"/>
                   </a:ext>
                 </a:extLst>
               </p:cNvPr>
@@ -31485,7 +33011,7 @@
                 <p:cNvPr id="1023" name="Rosca 326">
                   <a:extLst>
                     <a:ext uri="{FF2B5EF4-FFF2-40B4-BE49-F238E27FC236}">
-                      <a16:creationId xmlns="" xmlns:a16="http://schemas.microsoft.com/office/drawing/2014/main" id="{FA33989C-8379-435D-B6EA-ADB6ABA89336}"/>
+                      <a16:creationId xmlns:a16="http://schemas.microsoft.com/office/drawing/2014/main" xmlns="" id="{FA33989C-8379-435D-B6EA-ADB6ABA89336}"/>
                     </a:ext>
                   </a:extLst>
                 </p:cNvPr>
@@ -31541,7 +33067,7 @@
                 <p:cNvPr id="1024" name="Rosca 327">
                   <a:extLst>
                     <a:ext uri="{FF2B5EF4-FFF2-40B4-BE49-F238E27FC236}">
-                      <a16:creationId xmlns="" xmlns:a16="http://schemas.microsoft.com/office/drawing/2014/main" id="{A8EA0EF0-FD99-4FDE-9292-E375C17CAB92}"/>
+                      <a16:creationId xmlns:a16="http://schemas.microsoft.com/office/drawing/2014/main" xmlns="" id="{A8EA0EF0-FD99-4FDE-9292-E375C17CAB92}"/>
                     </a:ext>
                   </a:extLst>
                 </p:cNvPr>
@@ -31601,7 +33127,7 @@
                 <p:cNvPr id="1020" name="Retângulo 1019">
                   <a:extLst>
                     <a:ext uri="{FF2B5EF4-FFF2-40B4-BE49-F238E27FC236}">
-                      <a16:creationId xmlns="" xmlns:a16="http://schemas.microsoft.com/office/drawing/2014/main" id="{A5A4B766-5A9F-48EF-8C14-D3A0DBE3E1AA}"/>
+                      <a16:creationId xmlns:a16="http://schemas.microsoft.com/office/drawing/2014/main" xmlns="" id="{A5A4B766-5A9F-48EF-8C14-D3A0DBE3E1AA}"/>
                     </a:ext>
                   </a:extLst>
                 </p:cNvPr>
@@ -40937,7 +42463,7 @@
           <p:cNvPr id="330" name="Agrupar 329">
             <a:extLst>
               <a:ext uri="{FF2B5EF4-FFF2-40B4-BE49-F238E27FC236}">
-                <a16:creationId xmlns="" xmlns:a16="http://schemas.microsoft.com/office/drawing/2014/main" id="{36870139-E17D-4BE8-ADB1-3C9623D933B2}"/>
+                <a16:creationId xmlns:a16="http://schemas.microsoft.com/office/drawing/2014/main" xmlns="" id="{36870139-E17D-4BE8-ADB1-3C9623D933B2}"/>
               </a:ext>
             </a:extLst>
           </p:cNvPr>
@@ -40957,7 +42483,7 @@
             <p:cNvPr id="331" name="CaixaDeTexto 330">
               <a:extLst>
                 <a:ext uri="{FF2B5EF4-FFF2-40B4-BE49-F238E27FC236}">
-                  <a16:creationId xmlns="" xmlns:a16="http://schemas.microsoft.com/office/drawing/2014/main" id="{7D628B74-FC37-40A5-96BC-84A35102FEFF}"/>
+                  <a16:creationId xmlns:a16="http://schemas.microsoft.com/office/drawing/2014/main" xmlns="" id="{7D628B74-FC37-40A5-96BC-84A35102FEFF}"/>
                 </a:ext>
               </a:extLst>
             </p:cNvPr>
@@ -41013,7 +42539,7 @@
             <p:cNvPr id="334" name="Balão de Pensamento: Nuvem 16">
               <a:extLst>
                 <a:ext uri="{FF2B5EF4-FFF2-40B4-BE49-F238E27FC236}">
-                  <a16:creationId xmlns="" xmlns:a16="http://schemas.microsoft.com/office/drawing/2014/main" id="{42D1F90F-5ACF-4134-A269-26B34205F99B}"/>
+                  <a16:creationId xmlns:a16="http://schemas.microsoft.com/office/drawing/2014/main" xmlns="" id="{42D1F90F-5ACF-4134-A269-26B34205F99B}"/>
                 </a:ext>
               </a:extLst>
             </p:cNvPr>
@@ -41068,7 +42594,7 @@
             <p:cNvPr id="335" name="Grupo 253">
               <a:extLst>
                 <a:ext uri="{FF2B5EF4-FFF2-40B4-BE49-F238E27FC236}">
-                  <a16:creationId xmlns="" xmlns:a16="http://schemas.microsoft.com/office/drawing/2014/main" id="{0547245D-30CF-4290-AE2E-6895D4AFE74D}"/>
+                  <a16:creationId xmlns:a16="http://schemas.microsoft.com/office/drawing/2014/main" xmlns="" id="{0547245D-30CF-4290-AE2E-6895D4AFE74D}"/>
                 </a:ext>
               </a:extLst>
             </p:cNvPr>
@@ -41089,7 +42615,7 @@
               <p:cNvPr id="336" name="Agrupar 15">
                 <a:extLst>
                   <a:ext uri="{FF2B5EF4-FFF2-40B4-BE49-F238E27FC236}">
-                    <a16:creationId xmlns="" xmlns:a16="http://schemas.microsoft.com/office/drawing/2014/main" id="{F0960F03-4731-4937-A9D4-247C6088FB8E}"/>
+                    <a16:creationId xmlns:a16="http://schemas.microsoft.com/office/drawing/2014/main" xmlns="" id="{F0960F03-4731-4937-A9D4-247C6088FB8E}"/>
                   </a:ext>
                 </a:extLst>
               </p:cNvPr>
@@ -41112,7 +42638,7 @@
                 <p:cNvPr id="375" name="Retângulo 374">
                   <a:extLst>
                     <a:ext uri="{FF2B5EF4-FFF2-40B4-BE49-F238E27FC236}">
-                      <a16:creationId xmlns="" xmlns:a16="http://schemas.microsoft.com/office/drawing/2014/main" id="{2B7AF6C2-70B1-4314-92C5-EDD1E0D02490}"/>
+                      <a16:creationId xmlns:a16="http://schemas.microsoft.com/office/drawing/2014/main" xmlns="" id="{2B7AF6C2-70B1-4314-92C5-EDD1E0D02490}"/>
                     </a:ext>
                   </a:extLst>
                 </p:cNvPr>
@@ -41167,7 +42693,7 @@
                 <p:cNvPr id="376" name="Grupo 294">
                   <a:extLst>
                     <a:ext uri="{FF2B5EF4-FFF2-40B4-BE49-F238E27FC236}">
-                      <a16:creationId xmlns="" xmlns:a16="http://schemas.microsoft.com/office/drawing/2014/main" id="{1842FADE-50CF-47FB-92C9-1AC9928F77D9}"/>
+                      <a16:creationId xmlns:a16="http://schemas.microsoft.com/office/drawing/2014/main" xmlns="" id="{1842FADE-50CF-47FB-92C9-1AC9928F77D9}"/>
                     </a:ext>
                   </a:extLst>
                 </p:cNvPr>
@@ -41188,7 +42714,7 @@
                   <p:cNvPr id="388" name="Triângulo isósceles 387">
                     <a:extLst>
                       <a:ext uri="{FF2B5EF4-FFF2-40B4-BE49-F238E27FC236}">
-                        <a16:creationId xmlns="" xmlns:a16="http://schemas.microsoft.com/office/drawing/2014/main" id="{D09ED1BE-DF17-48D9-BFFF-F09387F795D0}"/>
+                        <a16:creationId xmlns:a16="http://schemas.microsoft.com/office/drawing/2014/main" xmlns="" id="{D09ED1BE-DF17-48D9-BFFF-F09387F795D0}"/>
                       </a:ext>
                     </a:extLst>
                   </p:cNvPr>
@@ -41239,7 +42765,7 @@
                   <p:cNvPr id="389" name="Triângulo isósceles 388">
                     <a:extLst>
                       <a:ext uri="{FF2B5EF4-FFF2-40B4-BE49-F238E27FC236}">
-                        <a16:creationId xmlns="" xmlns:a16="http://schemas.microsoft.com/office/drawing/2014/main" id="{B8F22848-EAF9-4F20-A858-B2CB010351F3}"/>
+                        <a16:creationId xmlns:a16="http://schemas.microsoft.com/office/drawing/2014/main" xmlns="" id="{B8F22848-EAF9-4F20-A858-B2CB010351F3}"/>
                       </a:ext>
                     </a:extLst>
                   </p:cNvPr>
@@ -41290,7 +42816,7 @@
                   <p:cNvPr id="390" name="Triângulo isósceles 389">
                     <a:extLst>
                       <a:ext uri="{FF2B5EF4-FFF2-40B4-BE49-F238E27FC236}">
-                        <a16:creationId xmlns="" xmlns:a16="http://schemas.microsoft.com/office/drawing/2014/main" id="{F2AB4CB9-055F-42F7-8CF8-C299653C960D}"/>
+                        <a16:creationId xmlns:a16="http://schemas.microsoft.com/office/drawing/2014/main" xmlns="" id="{F2AB4CB9-055F-42F7-8CF8-C299653C960D}"/>
                       </a:ext>
                     </a:extLst>
                   </p:cNvPr>
@@ -41341,7 +42867,7 @@
                   <p:cNvPr id="391" name="Triângulo isósceles 390">
                     <a:extLst>
                       <a:ext uri="{FF2B5EF4-FFF2-40B4-BE49-F238E27FC236}">
-                        <a16:creationId xmlns="" xmlns:a16="http://schemas.microsoft.com/office/drawing/2014/main" id="{AD905013-4F21-443D-B502-050BA06794DC}"/>
+                        <a16:creationId xmlns:a16="http://schemas.microsoft.com/office/drawing/2014/main" xmlns="" id="{AD905013-4F21-443D-B502-050BA06794DC}"/>
                       </a:ext>
                     </a:extLst>
                   </p:cNvPr>
@@ -41392,7 +42918,7 @@
                   <p:cNvPr id="392" name="Triângulo isósceles 391">
                     <a:extLst>
                       <a:ext uri="{FF2B5EF4-FFF2-40B4-BE49-F238E27FC236}">
-                        <a16:creationId xmlns="" xmlns:a16="http://schemas.microsoft.com/office/drawing/2014/main" id="{6A7E8B84-2D5D-48D2-961E-529886FE0CE4}"/>
+                        <a16:creationId xmlns:a16="http://schemas.microsoft.com/office/drawing/2014/main" xmlns="" id="{6A7E8B84-2D5D-48D2-961E-529886FE0CE4}"/>
                       </a:ext>
                     </a:extLst>
                   </p:cNvPr>
@@ -41443,7 +42969,7 @@
                   <p:cNvPr id="393" name="Triângulo isósceles 392">
                     <a:extLst>
                       <a:ext uri="{FF2B5EF4-FFF2-40B4-BE49-F238E27FC236}">
-                        <a16:creationId xmlns="" xmlns:a16="http://schemas.microsoft.com/office/drawing/2014/main" id="{073F6783-070D-4115-A91C-112C0DBE3E7D}"/>
+                        <a16:creationId xmlns:a16="http://schemas.microsoft.com/office/drawing/2014/main" xmlns="" id="{073F6783-070D-4115-A91C-112C0DBE3E7D}"/>
                       </a:ext>
                     </a:extLst>
                   </p:cNvPr>
@@ -41494,7 +43020,7 @@
                   <p:cNvPr id="394" name="Triângulo isósceles 393">
                     <a:extLst>
                       <a:ext uri="{FF2B5EF4-FFF2-40B4-BE49-F238E27FC236}">
-                        <a16:creationId xmlns="" xmlns:a16="http://schemas.microsoft.com/office/drawing/2014/main" id="{6963F81C-7EC9-4880-B911-95984796B1D6}"/>
+                        <a16:creationId xmlns:a16="http://schemas.microsoft.com/office/drawing/2014/main" xmlns="" id="{6963F81C-7EC9-4880-B911-95984796B1D6}"/>
                       </a:ext>
                     </a:extLst>
                   </p:cNvPr>
@@ -41545,7 +43071,7 @@
                   <p:cNvPr id="395" name="Triângulo isósceles 394">
                     <a:extLst>
                       <a:ext uri="{FF2B5EF4-FFF2-40B4-BE49-F238E27FC236}">
-                        <a16:creationId xmlns="" xmlns:a16="http://schemas.microsoft.com/office/drawing/2014/main" id="{7B90D1BA-FB60-46D4-976C-BD3BC53A8EA1}"/>
+                        <a16:creationId xmlns:a16="http://schemas.microsoft.com/office/drawing/2014/main" xmlns="" id="{7B90D1BA-FB60-46D4-976C-BD3BC53A8EA1}"/>
                       </a:ext>
                     </a:extLst>
                   </p:cNvPr>
@@ -41596,7 +43122,7 @@
                   <p:cNvPr id="396" name="Triângulo isósceles 395">
                     <a:extLst>
                       <a:ext uri="{FF2B5EF4-FFF2-40B4-BE49-F238E27FC236}">
-                        <a16:creationId xmlns="" xmlns:a16="http://schemas.microsoft.com/office/drawing/2014/main" id="{9E99A37F-E3C8-4C4F-AD24-E0757B2A706F}"/>
+                        <a16:creationId xmlns:a16="http://schemas.microsoft.com/office/drawing/2014/main" xmlns="" id="{9E99A37F-E3C8-4C4F-AD24-E0757B2A706F}"/>
                       </a:ext>
                     </a:extLst>
                   </p:cNvPr>
@@ -41647,7 +43173,7 @@
                   <p:cNvPr id="397" name="Triângulo isósceles 396">
                     <a:extLst>
                       <a:ext uri="{FF2B5EF4-FFF2-40B4-BE49-F238E27FC236}">
-                        <a16:creationId xmlns="" xmlns:a16="http://schemas.microsoft.com/office/drawing/2014/main" id="{F3842785-0C5B-4BBF-A813-3E3EEBAF0EDB}"/>
+                        <a16:creationId xmlns:a16="http://schemas.microsoft.com/office/drawing/2014/main" xmlns="" id="{F3842785-0C5B-4BBF-A813-3E3EEBAF0EDB}"/>
                       </a:ext>
                     </a:extLst>
                   </p:cNvPr>
@@ -41699,7 +43225,7 @@
                 <p:cNvPr id="377" name="Grupo 295">
                   <a:extLst>
                     <a:ext uri="{FF2B5EF4-FFF2-40B4-BE49-F238E27FC236}">
-                      <a16:creationId xmlns="" xmlns:a16="http://schemas.microsoft.com/office/drawing/2014/main" id="{96B9B004-A86F-4E8E-ABFB-28D9D6A119CA}"/>
+                      <a16:creationId xmlns:a16="http://schemas.microsoft.com/office/drawing/2014/main" xmlns="" id="{96B9B004-A86F-4E8E-ABFB-28D9D6A119CA}"/>
                     </a:ext>
                   </a:extLst>
                 </p:cNvPr>
@@ -41720,7 +43246,7 @@
                   <p:cNvPr id="378" name="Triângulo isósceles 377">
                     <a:extLst>
                       <a:ext uri="{FF2B5EF4-FFF2-40B4-BE49-F238E27FC236}">
-                        <a16:creationId xmlns="" xmlns:a16="http://schemas.microsoft.com/office/drawing/2014/main" id="{E1690A72-5EA4-49FD-84C9-7C3E4D472FEA}"/>
+                        <a16:creationId xmlns:a16="http://schemas.microsoft.com/office/drawing/2014/main" xmlns="" id="{E1690A72-5EA4-49FD-84C9-7C3E4D472FEA}"/>
                       </a:ext>
                     </a:extLst>
                   </p:cNvPr>
@@ -41771,7 +43297,7 @@
                   <p:cNvPr id="379" name="Triângulo isósceles 378">
                     <a:extLst>
                       <a:ext uri="{FF2B5EF4-FFF2-40B4-BE49-F238E27FC236}">
-                        <a16:creationId xmlns="" xmlns:a16="http://schemas.microsoft.com/office/drawing/2014/main" id="{BE35B3A9-0291-4523-BC6B-DF9A2B95BE49}"/>
+                        <a16:creationId xmlns:a16="http://schemas.microsoft.com/office/drawing/2014/main" xmlns="" id="{BE35B3A9-0291-4523-BC6B-DF9A2B95BE49}"/>
                       </a:ext>
                     </a:extLst>
                   </p:cNvPr>
@@ -41822,7 +43348,7 @@
                   <p:cNvPr id="380" name="Triângulo isósceles 379">
                     <a:extLst>
                       <a:ext uri="{FF2B5EF4-FFF2-40B4-BE49-F238E27FC236}">
-                        <a16:creationId xmlns="" xmlns:a16="http://schemas.microsoft.com/office/drawing/2014/main" id="{047653E2-465E-4A80-8D64-CD9083E1BA10}"/>
+                        <a16:creationId xmlns:a16="http://schemas.microsoft.com/office/drawing/2014/main" xmlns="" id="{047653E2-465E-4A80-8D64-CD9083E1BA10}"/>
                       </a:ext>
                     </a:extLst>
                   </p:cNvPr>
@@ -41873,7 +43399,7 @@
                   <p:cNvPr id="381" name="Triângulo isósceles 380">
                     <a:extLst>
                       <a:ext uri="{FF2B5EF4-FFF2-40B4-BE49-F238E27FC236}">
-                        <a16:creationId xmlns="" xmlns:a16="http://schemas.microsoft.com/office/drawing/2014/main" id="{84C5E897-DC3D-4A6E-AF24-9F992F8B4A13}"/>
+                        <a16:creationId xmlns:a16="http://schemas.microsoft.com/office/drawing/2014/main" xmlns="" id="{84C5E897-DC3D-4A6E-AF24-9F992F8B4A13}"/>
                       </a:ext>
                     </a:extLst>
                   </p:cNvPr>
@@ -41924,7 +43450,7 @@
                   <p:cNvPr id="382" name="Triângulo isósceles 381">
                     <a:extLst>
                       <a:ext uri="{FF2B5EF4-FFF2-40B4-BE49-F238E27FC236}">
-                        <a16:creationId xmlns="" xmlns:a16="http://schemas.microsoft.com/office/drawing/2014/main" id="{5F9DF9CF-8256-49E9-9439-AF198E6F1BA8}"/>
+                        <a16:creationId xmlns:a16="http://schemas.microsoft.com/office/drawing/2014/main" xmlns="" id="{5F9DF9CF-8256-49E9-9439-AF198E6F1BA8}"/>
                       </a:ext>
                     </a:extLst>
                   </p:cNvPr>
@@ -41975,7 +43501,7 @@
                   <p:cNvPr id="383" name="Triângulo isósceles 382">
                     <a:extLst>
                       <a:ext uri="{FF2B5EF4-FFF2-40B4-BE49-F238E27FC236}">
-                        <a16:creationId xmlns="" xmlns:a16="http://schemas.microsoft.com/office/drawing/2014/main" id="{D83FC3EE-7785-4E80-B5DA-2DDADC88F5E1}"/>
+                        <a16:creationId xmlns:a16="http://schemas.microsoft.com/office/drawing/2014/main" xmlns="" id="{D83FC3EE-7785-4E80-B5DA-2DDADC88F5E1}"/>
                       </a:ext>
                     </a:extLst>
                   </p:cNvPr>
@@ -42026,7 +43552,7 @@
                   <p:cNvPr id="384" name="Triângulo isósceles 383">
                     <a:extLst>
                       <a:ext uri="{FF2B5EF4-FFF2-40B4-BE49-F238E27FC236}">
-                        <a16:creationId xmlns="" xmlns:a16="http://schemas.microsoft.com/office/drawing/2014/main" id="{A867A07F-477B-4DC2-BDFA-FB44E96A1FF4}"/>
+                        <a16:creationId xmlns:a16="http://schemas.microsoft.com/office/drawing/2014/main" xmlns="" id="{A867A07F-477B-4DC2-BDFA-FB44E96A1FF4}"/>
                       </a:ext>
                     </a:extLst>
                   </p:cNvPr>
@@ -42077,7 +43603,7 @@
                   <p:cNvPr id="385" name="Triângulo isósceles 384">
                     <a:extLst>
                       <a:ext uri="{FF2B5EF4-FFF2-40B4-BE49-F238E27FC236}">
-                        <a16:creationId xmlns="" xmlns:a16="http://schemas.microsoft.com/office/drawing/2014/main" id="{A8B82D78-8D07-496A-BE2E-D7BEB75D73E8}"/>
+                        <a16:creationId xmlns:a16="http://schemas.microsoft.com/office/drawing/2014/main" xmlns="" id="{A8B82D78-8D07-496A-BE2E-D7BEB75D73E8}"/>
                       </a:ext>
                     </a:extLst>
                   </p:cNvPr>
@@ -42128,7 +43654,7 @@
                   <p:cNvPr id="386" name="Triângulo isósceles 385">
                     <a:extLst>
                       <a:ext uri="{FF2B5EF4-FFF2-40B4-BE49-F238E27FC236}">
-                        <a16:creationId xmlns="" xmlns:a16="http://schemas.microsoft.com/office/drawing/2014/main" id="{38F0B751-7EDD-4C2B-93A1-3DB2B13BE472}"/>
+                        <a16:creationId xmlns:a16="http://schemas.microsoft.com/office/drawing/2014/main" xmlns="" id="{38F0B751-7EDD-4C2B-93A1-3DB2B13BE472}"/>
                       </a:ext>
                     </a:extLst>
                   </p:cNvPr>
@@ -42179,7 +43705,7 @@
                   <p:cNvPr id="387" name="Triângulo isósceles 386">
                     <a:extLst>
                       <a:ext uri="{FF2B5EF4-FFF2-40B4-BE49-F238E27FC236}">
-                        <a16:creationId xmlns="" xmlns:a16="http://schemas.microsoft.com/office/drawing/2014/main" id="{F0383DE2-8C78-4303-8F9D-2BC99CA061AE}"/>
+                        <a16:creationId xmlns:a16="http://schemas.microsoft.com/office/drawing/2014/main" xmlns="" id="{F0383DE2-8C78-4303-8F9D-2BC99CA061AE}"/>
                       </a:ext>
                     </a:extLst>
                   </p:cNvPr>
@@ -42232,7 +43758,7 @@
               <p:cNvPr id="337" name="Agrupar 15">
                 <a:extLst>
                   <a:ext uri="{FF2B5EF4-FFF2-40B4-BE49-F238E27FC236}">
-                    <a16:creationId xmlns="" xmlns:a16="http://schemas.microsoft.com/office/drawing/2014/main" id="{D4CBCF90-768B-4212-BAA4-D3E65EF4EECB}"/>
+                    <a16:creationId xmlns:a16="http://schemas.microsoft.com/office/drawing/2014/main" xmlns="" id="{D4CBCF90-768B-4212-BAA4-D3E65EF4EECB}"/>
                   </a:ext>
                 </a:extLst>
               </p:cNvPr>
@@ -42255,7 +43781,7 @@
                 <p:cNvPr id="352" name="Retângulo 351">
                   <a:extLst>
                     <a:ext uri="{FF2B5EF4-FFF2-40B4-BE49-F238E27FC236}">
-                      <a16:creationId xmlns="" xmlns:a16="http://schemas.microsoft.com/office/drawing/2014/main" id="{0864A174-B3AF-49D1-9777-DAD5FFC68A97}"/>
+                      <a16:creationId xmlns:a16="http://schemas.microsoft.com/office/drawing/2014/main" xmlns="" id="{0864A174-B3AF-49D1-9777-DAD5FFC68A97}"/>
                     </a:ext>
                   </a:extLst>
                 </p:cNvPr>
@@ -42310,7 +43836,7 @@
                 <p:cNvPr id="353" name="Grupo 271">
                   <a:extLst>
                     <a:ext uri="{FF2B5EF4-FFF2-40B4-BE49-F238E27FC236}">
-                      <a16:creationId xmlns="" xmlns:a16="http://schemas.microsoft.com/office/drawing/2014/main" id="{74ADE9F0-5442-44EE-8315-59E6B0DD0F52}"/>
+                      <a16:creationId xmlns:a16="http://schemas.microsoft.com/office/drawing/2014/main" xmlns="" id="{74ADE9F0-5442-44EE-8315-59E6B0DD0F52}"/>
                     </a:ext>
                   </a:extLst>
                 </p:cNvPr>
@@ -42331,7 +43857,7 @@
                   <p:cNvPr id="365" name="Triângulo isósceles 364">
                     <a:extLst>
                       <a:ext uri="{FF2B5EF4-FFF2-40B4-BE49-F238E27FC236}">
-                        <a16:creationId xmlns="" xmlns:a16="http://schemas.microsoft.com/office/drawing/2014/main" id="{5C1367F9-D184-42BC-922B-EC32A143629A}"/>
+                        <a16:creationId xmlns:a16="http://schemas.microsoft.com/office/drawing/2014/main" xmlns="" id="{5C1367F9-D184-42BC-922B-EC32A143629A}"/>
                       </a:ext>
                     </a:extLst>
                   </p:cNvPr>
@@ -42382,7 +43908,7 @@
                   <p:cNvPr id="366" name="Triângulo isósceles 365">
                     <a:extLst>
                       <a:ext uri="{FF2B5EF4-FFF2-40B4-BE49-F238E27FC236}">
-                        <a16:creationId xmlns="" xmlns:a16="http://schemas.microsoft.com/office/drawing/2014/main" id="{2F658D07-FE54-42B7-BCE3-64B226FD7DC9}"/>
+                        <a16:creationId xmlns:a16="http://schemas.microsoft.com/office/drawing/2014/main" xmlns="" id="{2F658D07-FE54-42B7-BCE3-64B226FD7DC9}"/>
                       </a:ext>
                     </a:extLst>
                   </p:cNvPr>
@@ -42433,7 +43959,7 @@
                   <p:cNvPr id="367" name="Triângulo isósceles 366">
                     <a:extLst>
                       <a:ext uri="{FF2B5EF4-FFF2-40B4-BE49-F238E27FC236}">
-                        <a16:creationId xmlns="" xmlns:a16="http://schemas.microsoft.com/office/drawing/2014/main" id="{6805106D-4D3C-4414-BE57-AF32D675638E}"/>
+                        <a16:creationId xmlns:a16="http://schemas.microsoft.com/office/drawing/2014/main" xmlns="" id="{6805106D-4D3C-4414-BE57-AF32D675638E}"/>
                       </a:ext>
                     </a:extLst>
                   </p:cNvPr>
@@ -42484,7 +44010,7 @@
                   <p:cNvPr id="368" name="Triângulo isósceles 367">
                     <a:extLst>
                       <a:ext uri="{FF2B5EF4-FFF2-40B4-BE49-F238E27FC236}">
-                        <a16:creationId xmlns="" xmlns:a16="http://schemas.microsoft.com/office/drawing/2014/main" id="{0D8E1BE5-4674-4D69-B728-05D5FACB8F88}"/>
+                        <a16:creationId xmlns:a16="http://schemas.microsoft.com/office/drawing/2014/main" xmlns="" id="{0D8E1BE5-4674-4D69-B728-05D5FACB8F88}"/>
                       </a:ext>
                     </a:extLst>
                   </p:cNvPr>
@@ -42535,7 +44061,7 @@
                   <p:cNvPr id="369" name="Triângulo isósceles 368">
                     <a:extLst>
                       <a:ext uri="{FF2B5EF4-FFF2-40B4-BE49-F238E27FC236}">
-                        <a16:creationId xmlns="" xmlns:a16="http://schemas.microsoft.com/office/drawing/2014/main" id="{6174E7E3-2CBA-411A-9AA3-1F1F298AD65A}"/>
+                        <a16:creationId xmlns:a16="http://schemas.microsoft.com/office/drawing/2014/main" xmlns="" id="{6174E7E3-2CBA-411A-9AA3-1F1F298AD65A}"/>
                       </a:ext>
                     </a:extLst>
                   </p:cNvPr>
@@ -42586,7 +44112,7 @@
                   <p:cNvPr id="370" name="Triângulo isósceles 369">
                     <a:extLst>
                       <a:ext uri="{FF2B5EF4-FFF2-40B4-BE49-F238E27FC236}">
-                        <a16:creationId xmlns="" xmlns:a16="http://schemas.microsoft.com/office/drawing/2014/main" id="{7E75AA6A-00A1-479E-BA4A-55276BCD65DE}"/>
+                        <a16:creationId xmlns:a16="http://schemas.microsoft.com/office/drawing/2014/main" xmlns="" id="{7E75AA6A-00A1-479E-BA4A-55276BCD65DE}"/>
                       </a:ext>
                     </a:extLst>
                   </p:cNvPr>
@@ -42637,7 +44163,7 @@
                   <p:cNvPr id="371" name="Triângulo isósceles 370">
                     <a:extLst>
                       <a:ext uri="{FF2B5EF4-FFF2-40B4-BE49-F238E27FC236}">
-                        <a16:creationId xmlns="" xmlns:a16="http://schemas.microsoft.com/office/drawing/2014/main" id="{91E9C50D-0566-4E2A-91DB-3BE93AC6C595}"/>
+                        <a16:creationId xmlns:a16="http://schemas.microsoft.com/office/drawing/2014/main" xmlns="" id="{91E9C50D-0566-4E2A-91DB-3BE93AC6C595}"/>
                       </a:ext>
                     </a:extLst>
                   </p:cNvPr>
@@ -42688,7 +44214,7 @@
                   <p:cNvPr id="372" name="Triângulo isósceles 371">
                     <a:extLst>
                       <a:ext uri="{FF2B5EF4-FFF2-40B4-BE49-F238E27FC236}">
-                        <a16:creationId xmlns="" xmlns:a16="http://schemas.microsoft.com/office/drawing/2014/main" id="{4D109A08-5253-46C8-B75D-050538FE587E}"/>
+                        <a16:creationId xmlns:a16="http://schemas.microsoft.com/office/drawing/2014/main" xmlns="" id="{4D109A08-5253-46C8-B75D-050538FE587E}"/>
                       </a:ext>
                     </a:extLst>
                   </p:cNvPr>
@@ -42739,7 +44265,7 @@
                   <p:cNvPr id="373" name="Triângulo isósceles 372">
                     <a:extLst>
                       <a:ext uri="{FF2B5EF4-FFF2-40B4-BE49-F238E27FC236}">
-                        <a16:creationId xmlns="" xmlns:a16="http://schemas.microsoft.com/office/drawing/2014/main" id="{7BE4FC93-6858-45AA-8DC4-EF46E68E3C53}"/>
+                        <a16:creationId xmlns:a16="http://schemas.microsoft.com/office/drawing/2014/main" xmlns="" id="{7BE4FC93-6858-45AA-8DC4-EF46E68E3C53}"/>
                       </a:ext>
                     </a:extLst>
                   </p:cNvPr>
@@ -42790,7 +44316,7 @@
                   <p:cNvPr id="374" name="Triângulo isósceles 373">
                     <a:extLst>
                       <a:ext uri="{FF2B5EF4-FFF2-40B4-BE49-F238E27FC236}">
-                        <a16:creationId xmlns="" xmlns:a16="http://schemas.microsoft.com/office/drawing/2014/main" id="{6016613A-1256-461F-8922-18E83BFA7916}"/>
+                        <a16:creationId xmlns:a16="http://schemas.microsoft.com/office/drawing/2014/main" xmlns="" id="{6016613A-1256-461F-8922-18E83BFA7916}"/>
                       </a:ext>
                     </a:extLst>
                   </p:cNvPr>
@@ -42842,7 +44368,7 @@
                 <p:cNvPr id="354" name="Grupo 272">
                   <a:extLst>
                     <a:ext uri="{FF2B5EF4-FFF2-40B4-BE49-F238E27FC236}">
-                      <a16:creationId xmlns="" xmlns:a16="http://schemas.microsoft.com/office/drawing/2014/main" id="{0DE91147-CAB0-4DE5-9419-BEB83181DEDA}"/>
+                      <a16:creationId xmlns:a16="http://schemas.microsoft.com/office/drawing/2014/main" xmlns="" id="{0DE91147-CAB0-4DE5-9419-BEB83181DEDA}"/>
                     </a:ext>
                   </a:extLst>
                 </p:cNvPr>
@@ -42863,7 +44389,7 @@
                   <p:cNvPr id="355" name="Triângulo isósceles 354">
                     <a:extLst>
                       <a:ext uri="{FF2B5EF4-FFF2-40B4-BE49-F238E27FC236}">
-                        <a16:creationId xmlns="" xmlns:a16="http://schemas.microsoft.com/office/drawing/2014/main" id="{F282E94D-C333-481F-B406-4A5D0464AE28}"/>
+                        <a16:creationId xmlns:a16="http://schemas.microsoft.com/office/drawing/2014/main" xmlns="" id="{F282E94D-C333-481F-B406-4A5D0464AE28}"/>
                       </a:ext>
                     </a:extLst>
                   </p:cNvPr>
@@ -42914,7 +44440,7 @@
                   <p:cNvPr id="356" name="Triângulo isósceles 355">
                     <a:extLst>
                       <a:ext uri="{FF2B5EF4-FFF2-40B4-BE49-F238E27FC236}">
-                        <a16:creationId xmlns="" xmlns:a16="http://schemas.microsoft.com/office/drawing/2014/main" id="{F7B689DA-B2CD-4262-A8F2-D93F9A1C5E64}"/>
+                        <a16:creationId xmlns:a16="http://schemas.microsoft.com/office/drawing/2014/main" xmlns="" id="{F7B689DA-B2CD-4262-A8F2-D93F9A1C5E64}"/>
                       </a:ext>
                     </a:extLst>
                   </p:cNvPr>
@@ -42965,7 +44491,7 @@
                   <p:cNvPr id="357" name="Triângulo isósceles 356">
                     <a:extLst>
                       <a:ext uri="{FF2B5EF4-FFF2-40B4-BE49-F238E27FC236}">
-                        <a16:creationId xmlns="" xmlns:a16="http://schemas.microsoft.com/office/drawing/2014/main" id="{A74CE4B5-5A35-444A-BE4B-405339B1D97E}"/>
+                        <a16:creationId xmlns:a16="http://schemas.microsoft.com/office/drawing/2014/main" xmlns="" id="{A74CE4B5-5A35-444A-BE4B-405339B1D97E}"/>
                       </a:ext>
                     </a:extLst>
                   </p:cNvPr>
@@ -43016,7 +44542,7 @@
                   <p:cNvPr id="358" name="Triângulo isósceles 357">
                     <a:extLst>
                       <a:ext uri="{FF2B5EF4-FFF2-40B4-BE49-F238E27FC236}">
-                        <a16:creationId xmlns="" xmlns:a16="http://schemas.microsoft.com/office/drawing/2014/main" id="{78F1773D-5E95-4B77-B28D-C9145AC3EE5C}"/>
+                        <a16:creationId xmlns:a16="http://schemas.microsoft.com/office/drawing/2014/main" xmlns="" id="{78F1773D-5E95-4B77-B28D-C9145AC3EE5C}"/>
                       </a:ext>
                     </a:extLst>
                   </p:cNvPr>
@@ -43067,7 +44593,7 @@
                   <p:cNvPr id="359" name="Triângulo isósceles 358">
                     <a:extLst>
                       <a:ext uri="{FF2B5EF4-FFF2-40B4-BE49-F238E27FC236}">
-                        <a16:creationId xmlns="" xmlns:a16="http://schemas.microsoft.com/office/drawing/2014/main" id="{9F4FBBE5-B3CB-4052-B5CA-23B362F1DAD5}"/>
+                        <a16:creationId xmlns:a16="http://schemas.microsoft.com/office/drawing/2014/main" xmlns="" id="{9F4FBBE5-B3CB-4052-B5CA-23B362F1DAD5}"/>
                       </a:ext>
                     </a:extLst>
                   </p:cNvPr>
@@ -43118,7 +44644,7 @@
                   <p:cNvPr id="360" name="Triângulo isósceles 359">
                     <a:extLst>
                       <a:ext uri="{FF2B5EF4-FFF2-40B4-BE49-F238E27FC236}">
-                        <a16:creationId xmlns="" xmlns:a16="http://schemas.microsoft.com/office/drawing/2014/main" id="{7F1E7121-0A35-48EE-B90B-89B17171D21D}"/>
+                        <a16:creationId xmlns:a16="http://schemas.microsoft.com/office/drawing/2014/main" xmlns="" id="{7F1E7121-0A35-48EE-B90B-89B17171D21D}"/>
                       </a:ext>
                     </a:extLst>
                   </p:cNvPr>
@@ -43169,7 +44695,7 @@
                   <p:cNvPr id="361" name="Triângulo isósceles 360">
                     <a:extLst>
                       <a:ext uri="{FF2B5EF4-FFF2-40B4-BE49-F238E27FC236}">
-                        <a16:creationId xmlns="" xmlns:a16="http://schemas.microsoft.com/office/drawing/2014/main" id="{3EEF6174-D6C3-43E9-BBC1-518AD5F0EEEF}"/>
+                        <a16:creationId xmlns:a16="http://schemas.microsoft.com/office/drawing/2014/main" xmlns="" id="{3EEF6174-D6C3-43E9-BBC1-518AD5F0EEEF}"/>
                       </a:ext>
                     </a:extLst>
                   </p:cNvPr>
@@ -43220,7 +44746,7 @@
                   <p:cNvPr id="362" name="Triângulo isósceles 361">
                     <a:extLst>
                       <a:ext uri="{FF2B5EF4-FFF2-40B4-BE49-F238E27FC236}">
-                        <a16:creationId xmlns="" xmlns:a16="http://schemas.microsoft.com/office/drawing/2014/main" id="{FC558F78-3C83-4F84-BD5D-9BC25892470C}"/>
+                        <a16:creationId xmlns:a16="http://schemas.microsoft.com/office/drawing/2014/main" xmlns="" id="{FC558F78-3C83-4F84-BD5D-9BC25892470C}"/>
                       </a:ext>
                     </a:extLst>
                   </p:cNvPr>
@@ -43271,7 +44797,7 @@
                   <p:cNvPr id="363" name="Triângulo isósceles 362">
                     <a:extLst>
                       <a:ext uri="{FF2B5EF4-FFF2-40B4-BE49-F238E27FC236}">
-                        <a16:creationId xmlns="" xmlns:a16="http://schemas.microsoft.com/office/drawing/2014/main" id="{37C4DFD5-8B43-457F-9183-7F7CCBBACC1B}"/>
+                        <a16:creationId xmlns:a16="http://schemas.microsoft.com/office/drawing/2014/main" xmlns="" id="{37C4DFD5-8B43-457F-9183-7F7CCBBACC1B}"/>
                       </a:ext>
                     </a:extLst>
                   </p:cNvPr>
@@ -43322,7 +44848,7 @@
                   <p:cNvPr id="364" name="Triângulo isósceles 363">
                     <a:extLst>
                       <a:ext uri="{FF2B5EF4-FFF2-40B4-BE49-F238E27FC236}">
-                        <a16:creationId xmlns="" xmlns:a16="http://schemas.microsoft.com/office/drawing/2014/main" id="{FECDAB48-AFF6-4360-B4C7-9CD568C8A24F}"/>
+                        <a16:creationId xmlns:a16="http://schemas.microsoft.com/office/drawing/2014/main" xmlns="" id="{FECDAB48-AFF6-4360-B4C7-9CD568C8A24F}"/>
                       </a:ext>
                     </a:extLst>
                   </p:cNvPr>
@@ -43375,7 +44901,7 @@
               <p:cNvPr id="338" name="Retângulo de cantos arredondados 256">
                 <a:extLst>
                   <a:ext uri="{FF2B5EF4-FFF2-40B4-BE49-F238E27FC236}">
-                    <a16:creationId xmlns="" xmlns:a16="http://schemas.microsoft.com/office/drawing/2014/main" id="{C49FB0BC-732D-4457-B341-2215CE56E088}"/>
+                    <a16:creationId xmlns:a16="http://schemas.microsoft.com/office/drawing/2014/main" xmlns="" id="{C49FB0BC-732D-4457-B341-2215CE56E088}"/>
                   </a:ext>
                 </a:extLst>
               </p:cNvPr>
@@ -43430,7 +44956,7 @@
               <p:cNvPr id="339" name="Elipse 338">
                 <a:extLst>
                   <a:ext uri="{FF2B5EF4-FFF2-40B4-BE49-F238E27FC236}">
-                    <a16:creationId xmlns="" xmlns:a16="http://schemas.microsoft.com/office/drawing/2014/main" id="{7CB07525-C9FA-49BA-B036-2BAF83FDA2D7}"/>
+                    <a16:creationId xmlns:a16="http://schemas.microsoft.com/office/drawing/2014/main" xmlns="" id="{7CB07525-C9FA-49BA-B036-2BAF83FDA2D7}"/>
                   </a:ext>
                 </a:extLst>
               </p:cNvPr>
@@ -43483,7 +45009,7 @@
               <p:cNvPr id="340" name="Grupo 258">
                 <a:extLst>
                   <a:ext uri="{FF2B5EF4-FFF2-40B4-BE49-F238E27FC236}">
-                    <a16:creationId xmlns="" xmlns:a16="http://schemas.microsoft.com/office/drawing/2014/main" id="{C4DA1282-3CBA-4F05-8DF7-FA0A89491A23}"/>
+                    <a16:creationId xmlns:a16="http://schemas.microsoft.com/office/drawing/2014/main" xmlns="" id="{C4DA1282-3CBA-4F05-8DF7-FA0A89491A23}"/>
                   </a:ext>
                 </a:extLst>
               </p:cNvPr>
@@ -43503,7 +45029,7 @@
                 <p:cNvPr id="341" name="Grupo 259">
                   <a:extLst>
                     <a:ext uri="{FF2B5EF4-FFF2-40B4-BE49-F238E27FC236}">
-                      <a16:creationId xmlns="" xmlns:a16="http://schemas.microsoft.com/office/drawing/2014/main" id="{2F7FB1C2-BBB9-4C64-8389-327AEFCE29D4}"/>
+                      <a16:creationId xmlns:a16="http://schemas.microsoft.com/office/drawing/2014/main" xmlns="" id="{2F7FB1C2-BBB9-4C64-8389-327AEFCE29D4}"/>
                     </a:ext>
                   </a:extLst>
                 </p:cNvPr>
@@ -43523,7 +45049,7 @@
                   <p:cNvPr id="343" name="Grupo 261">
                     <a:extLst>
                       <a:ext uri="{FF2B5EF4-FFF2-40B4-BE49-F238E27FC236}">
-                        <a16:creationId xmlns="" xmlns:a16="http://schemas.microsoft.com/office/drawing/2014/main" id="{6233BFBB-72A7-47DF-8C9A-DC2B69F44D2E}"/>
+                        <a16:creationId xmlns:a16="http://schemas.microsoft.com/office/drawing/2014/main" xmlns="" id="{6233BFBB-72A7-47DF-8C9A-DC2B69F44D2E}"/>
                       </a:ext>
                     </a:extLst>
                   </p:cNvPr>
@@ -43543,7 +45069,7 @@
                     <p:cNvPr id="349" name="Retângulo de cantos arredondados 18">
                       <a:extLst>
                         <a:ext uri="{FF2B5EF4-FFF2-40B4-BE49-F238E27FC236}">
-                          <a16:creationId xmlns="" xmlns:a16="http://schemas.microsoft.com/office/drawing/2014/main" id="{F921CE60-91CB-46E8-919D-C7331C0B9208}"/>
+                          <a16:creationId xmlns:a16="http://schemas.microsoft.com/office/drawing/2014/main" xmlns="" id="{F921CE60-91CB-46E8-919D-C7331C0B9208}"/>
                         </a:ext>
                       </a:extLst>
                     </p:cNvPr>
@@ -43644,7 +45170,7 @@
                     <p:cNvPr id="350" name="Retângulo de cantos arredondados 18">
                       <a:extLst>
                         <a:ext uri="{FF2B5EF4-FFF2-40B4-BE49-F238E27FC236}">
-                          <a16:creationId xmlns="" xmlns:a16="http://schemas.microsoft.com/office/drawing/2014/main" id="{16A07EE1-E98D-438E-84FC-9DB776A499F2}"/>
+                          <a16:creationId xmlns:a16="http://schemas.microsoft.com/office/drawing/2014/main" xmlns="" id="{16A07EE1-E98D-438E-84FC-9DB776A499F2}"/>
                         </a:ext>
                       </a:extLst>
                     </p:cNvPr>
@@ -43745,7 +45271,7 @@
                     <p:cNvPr id="351" name="Retângulo de cantos arredondados 269">
                       <a:extLst>
                         <a:ext uri="{FF2B5EF4-FFF2-40B4-BE49-F238E27FC236}">
-                          <a16:creationId xmlns="" xmlns:a16="http://schemas.microsoft.com/office/drawing/2014/main" id="{F8477439-40B8-467A-9ADA-744CFE41E79E}"/>
+                          <a16:creationId xmlns:a16="http://schemas.microsoft.com/office/drawing/2014/main" xmlns="" id="{F8477439-40B8-467A-9ADA-744CFE41E79E}"/>
                         </a:ext>
                       </a:extLst>
                     </p:cNvPr>
@@ -43801,7 +45327,7 @@
                   <p:cNvPr id="344" name="Lua 343">
                     <a:extLst>
                       <a:ext uri="{FF2B5EF4-FFF2-40B4-BE49-F238E27FC236}">
-                        <a16:creationId xmlns="" xmlns:a16="http://schemas.microsoft.com/office/drawing/2014/main" id="{C0B3829F-2CE3-4824-B091-891BC321D4CD}"/>
+                        <a16:creationId xmlns:a16="http://schemas.microsoft.com/office/drawing/2014/main" xmlns="" id="{C0B3829F-2CE3-4824-B091-891BC321D4CD}"/>
                       </a:ext>
                     </a:extLst>
                   </p:cNvPr>
@@ -43860,7 +45386,7 @@
                   <p:cNvPr id="345" name="Lua 344">
                     <a:extLst>
                       <a:ext uri="{FF2B5EF4-FFF2-40B4-BE49-F238E27FC236}">
-                        <a16:creationId xmlns="" xmlns:a16="http://schemas.microsoft.com/office/drawing/2014/main" id="{D88D18BF-1D72-4B16-85EF-20AE19F25EE9}"/>
+                        <a16:creationId xmlns:a16="http://schemas.microsoft.com/office/drawing/2014/main" xmlns="" id="{D88D18BF-1D72-4B16-85EF-20AE19F25EE9}"/>
                       </a:ext>
                     </a:extLst>
                   </p:cNvPr>
@@ -43915,7 +45441,7 @@
                   <p:cNvPr id="346" name="Grupo 264">
                     <a:extLst>
                       <a:ext uri="{FF2B5EF4-FFF2-40B4-BE49-F238E27FC236}">
-                        <a16:creationId xmlns="" xmlns:a16="http://schemas.microsoft.com/office/drawing/2014/main" id="{17EBC2C7-6AF3-4A8C-8ED0-33FB89046270}"/>
+                        <a16:creationId xmlns:a16="http://schemas.microsoft.com/office/drawing/2014/main" xmlns="" id="{17EBC2C7-6AF3-4A8C-8ED0-33FB89046270}"/>
                       </a:ext>
                     </a:extLst>
                   </p:cNvPr>
@@ -43935,7 +45461,7 @@
                     <p:cNvPr id="347" name="Retângulo de cantos arredondados 18">
                       <a:extLst>
                         <a:ext uri="{FF2B5EF4-FFF2-40B4-BE49-F238E27FC236}">
-                          <a16:creationId xmlns="" xmlns:a16="http://schemas.microsoft.com/office/drawing/2014/main" id="{037B3AFE-EEDC-487E-8426-116115997D1D}"/>
+                          <a16:creationId xmlns:a16="http://schemas.microsoft.com/office/drawing/2014/main" xmlns="" id="{037B3AFE-EEDC-487E-8426-116115997D1D}"/>
                         </a:ext>
                       </a:extLst>
                     </p:cNvPr>
@@ -44036,7 +45562,7 @@
                     <p:cNvPr id="348" name="Retângulo de cantos arredondados 18">
                       <a:extLst>
                         <a:ext uri="{FF2B5EF4-FFF2-40B4-BE49-F238E27FC236}">
-                          <a16:creationId xmlns="" xmlns:a16="http://schemas.microsoft.com/office/drawing/2014/main" id="{E6BEACB8-C51E-4531-9A30-010C180401BF}"/>
+                          <a16:creationId xmlns:a16="http://schemas.microsoft.com/office/drawing/2014/main" xmlns="" id="{E6BEACB8-C51E-4531-9A30-010C180401BF}"/>
                         </a:ext>
                       </a:extLst>
                     </p:cNvPr>
@@ -44139,7 +45665,7 @@
                 <p:cNvPr id="342" name="Retângulo de cantos arredondados 260">
                   <a:extLst>
                     <a:ext uri="{FF2B5EF4-FFF2-40B4-BE49-F238E27FC236}">
-                      <a16:creationId xmlns="" xmlns:a16="http://schemas.microsoft.com/office/drawing/2014/main" id="{0BC57659-183F-4E11-BCD1-18910EDD4D09}"/>
+                      <a16:creationId xmlns:a16="http://schemas.microsoft.com/office/drawing/2014/main" xmlns="" id="{0BC57659-183F-4E11-BCD1-18910EDD4D09}"/>
                     </a:ext>
                   </a:extLst>
                 </p:cNvPr>
@@ -49751,7 +51277,7 @@
             <p:cNvPr id="2" name="Elipse 1">
               <a:extLst>
                 <a:ext uri="{FF2B5EF4-FFF2-40B4-BE49-F238E27FC236}">
-                  <a16:creationId xmlns="" xmlns:a16="http://schemas.microsoft.com/office/drawing/2014/main" id="{3E2299F0-B270-40D7-8F79-C18F6A4FE3E7}"/>
+                  <a16:creationId xmlns:a16="http://schemas.microsoft.com/office/drawing/2014/main" xmlns="" id="{3E2299F0-B270-40D7-8F79-C18F6A4FE3E7}"/>
                 </a:ext>
               </a:extLst>
             </p:cNvPr>
@@ -49803,7 +51329,7 @@
             <p:cNvPr id="3" name="Elipse 2">
               <a:extLst>
                 <a:ext uri="{FF2B5EF4-FFF2-40B4-BE49-F238E27FC236}">
-                  <a16:creationId xmlns="" xmlns:a16="http://schemas.microsoft.com/office/drawing/2014/main" id="{1C62FD96-B9CD-44D9-A6B7-B9CA744BF9E4}"/>
+                  <a16:creationId xmlns:a16="http://schemas.microsoft.com/office/drawing/2014/main" xmlns="" id="{1C62FD96-B9CD-44D9-A6B7-B9CA744BF9E4}"/>
                 </a:ext>
               </a:extLst>
             </p:cNvPr>
@@ -49855,7 +51381,7 @@
             <p:cNvPr id="8" name="Agrupar 36">
               <a:extLst>
                 <a:ext uri="{FF2B5EF4-FFF2-40B4-BE49-F238E27FC236}">
-                  <a16:creationId xmlns="" xmlns:a16="http://schemas.microsoft.com/office/drawing/2014/main" id="{E549C062-7711-41AB-ABF2-AB4E91EA62FE}"/>
+                  <a16:creationId xmlns:a16="http://schemas.microsoft.com/office/drawing/2014/main